--- a/slides/T319_Regressão_Linear (Parte IV).pptx
+++ b/slides/T319_Regressão_Linear (Parte IV).pptx
@@ -542,7 +542,7 @@
           <a:p>
             <a:fld id="{DAF0AF11-6A8A-4E64-94F5-26D4FBA2A01D}" type="datetimeFigureOut">
               <a:rPr lang="nl-BE" smtClean="0"/>
-              <a:t>24/03/2021</a:t>
+              <a:t>27/03/2021</a:t>
             </a:fld>
             <a:endParaRPr lang="nl-BE"/>
           </a:p>
@@ -2946,6 +2946,139 @@
 </p:notes>
 </file>
 
+<file path=ppt/notesSlides/notesSlide9.xml><?xml version="1.0" encoding="utf-8"?>
+<p:notes xmlns:a="http://schemas.openxmlformats.org/drawingml/2006/main" xmlns:r="http://schemas.openxmlformats.org/officeDocument/2006/relationships" xmlns:p="http://schemas.openxmlformats.org/presentationml/2006/main">
+  <p:cSld>
+    <p:spTree>
+      <p:nvGrpSpPr>
+        <p:cNvPr id="1" name=""/>
+        <p:cNvGrpSpPr/>
+        <p:nvPr/>
+      </p:nvGrpSpPr>
+      <p:grpSpPr>
+        <a:xfrm>
+          <a:off x="0" y="0"/>
+          <a:ext cx="0" cy="0"/>
+          <a:chOff x="0" y="0"/>
+          <a:chExt cx="0" cy="0"/>
+        </a:xfrm>
+      </p:grpSpPr>
+      <p:sp>
+        <p:nvSpPr>
+          <p:cNvPr id="2" name="Slide Image Placeholder 1"/>
+          <p:cNvSpPr>
+            <a:spLocks noGrp="1" noRot="1" noChangeAspect="1"/>
+          </p:cNvSpPr>
+          <p:nvPr>
+            <p:ph type="sldImg"/>
+          </p:nvPr>
+        </p:nvSpPr>
+        <p:spPr/>
+      </p:sp>
+      <p:sp>
+        <p:nvSpPr>
+          <p:cNvPr id="3" name="Notes Placeholder 2"/>
+          <p:cNvSpPr>
+            <a:spLocks noGrp="1"/>
+          </p:cNvSpPr>
+          <p:nvPr>
+            <p:ph type="body" idx="1"/>
+          </p:nvPr>
+        </p:nvSpPr>
+        <p:spPr/>
+        <p:txBody>
+          <a:bodyPr/>
+          <a:lstStyle/>
+          <a:p>
+            <a:pPr marL="0" marR="0" lvl="0" indent="0" algn="l" defTabSz="914400" rtl="0" eaLnBrk="1" fontAlgn="auto" latinLnBrk="0" hangingPunct="1">
+              <a:lnSpc>
+                <a:spcPct val="100000"/>
+              </a:lnSpc>
+              <a:spcBef>
+                <a:spcPts val="0"/>
+              </a:spcBef>
+              <a:spcAft>
+                <a:spcPts val="0"/>
+              </a:spcAft>
+              <a:buClrTx/>
+              <a:buSzTx/>
+              <a:buFontTx/>
+              <a:buNone/>
+              <a:tabLst/>
+              <a:defRPr/>
+            </a:pPr>
+            <a:r>
+              <a:rPr lang="pt-BR" dirty="0" smtClean="0"/>
+              <a:t>COLAB: https://colab.research.google.com/github/zz4fap/t319_aprendizado_de_maquina/blob/main/labs/Laboratorio5.ipynb</a:t>
+            </a:r>
+          </a:p>
+          <a:p>
+            <a:endParaRPr lang="pt-BR" dirty="0" smtClean="0"/>
+          </a:p>
+          <a:p>
+            <a:pPr marL="0" marR="0" lvl="0" indent="0" algn="l" defTabSz="914400" rtl="0" eaLnBrk="1" fontAlgn="auto" latinLnBrk="0" hangingPunct="1">
+              <a:lnSpc>
+                <a:spcPct val="100000"/>
+              </a:lnSpc>
+              <a:spcBef>
+                <a:spcPts val="0"/>
+              </a:spcBef>
+              <a:spcAft>
+                <a:spcPts val="0"/>
+              </a:spcAft>
+              <a:buClrTx/>
+              <a:buSzTx/>
+              <a:buFontTx/>
+              <a:buNone/>
+              <a:tabLst/>
+              <a:defRPr/>
+            </a:pPr>
+            <a:r>
+              <a:rPr lang="pt-BR" dirty="0" smtClean="0"/>
+              <a:t>BINDER: https://mybinder.org/v2/gh/zz4fap/t319_aprendizado_de_maquina/main?filepath=labs%2FLaboratorio5.ipynb</a:t>
+            </a:r>
+          </a:p>
+          <a:p>
+            <a:endParaRPr lang="pt-BR" dirty="0"/>
+          </a:p>
+        </p:txBody>
+      </p:sp>
+      <p:sp>
+        <p:nvSpPr>
+          <p:cNvPr id="4" name="Slide Number Placeholder 3"/>
+          <p:cNvSpPr>
+            <a:spLocks noGrp="1"/>
+          </p:cNvSpPr>
+          <p:nvPr>
+            <p:ph type="sldNum" sz="quarter" idx="10"/>
+          </p:nvPr>
+        </p:nvSpPr>
+        <p:spPr/>
+        <p:txBody>
+          <a:bodyPr/>
+          <a:lstStyle/>
+          <a:p>
+            <a:fld id="{DA8B99DF-01BC-492A-8CEF-4FD88D18DD9D}" type="slidenum">
+              <a:rPr lang="nl-BE" smtClean="0"/>
+              <a:t>13</a:t>
+            </a:fld>
+            <a:endParaRPr lang="nl-BE"/>
+          </a:p>
+        </p:txBody>
+      </p:sp>
+    </p:spTree>
+    <p:extLst>
+      <p:ext uri="{BB962C8B-B14F-4D97-AF65-F5344CB8AC3E}">
+        <p14:creationId xmlns:p14="http://schemas.microsoft.com/office/powerpoint/2010/main" val="2855171266"/>
+      </p:ext>
+    </p:extLst>
+  </p:cSld>
+  <p:clrMapOvr>
+    <a:masterClrMapping/>
+  </p:clrMapOvr>
+</p:notes>
+</file>
+
 <file path=ppt/slideLayouts/slideLayout1.xml><?xml version="1.0" encoding="utf-8"?>
 <p:sldLayout xmlns:a="http://schemas.openxmlformats.org/drawingml/2006/main" xmlns:r="http://schemas.openxmlformats.org/officeDocument/2006/relationships" xmlns:p="http://schemas.openxmlformats.org/presentationml/2006/main" type="title" preserve="1">
   <p:cSld name="Title Slide">
@@ -3077,7 +3210,7 @@
           <a:p>
             <a:fld id="{C80E15A5-E95B-43EB-9AC7-9A96397448C0}" type="datetimeFigureOut">
               <a:rPr lang="nl-BE" smtClean="0"/>
-              <a:t>24/03/2021</a:t>
+              <a:t>27/03/2021</a:t>
             </a:fld>
             <a:endParaRPr lang="nl-BE"/>
           </a:p>
@@ -3247,7 +3380,7 @@
           <a:p>
             <a:fld id="{C80E15A5-E95B-43EB-9AC7-9A96397448C0}" type="datetimeFigureOut">
               <a:rPr lang="nl-BE" smtClean="0"/>
-              <a:t>24/03/2021</a:t>
+              <a:t>27/03/2021</a:t>
             </a:fld>
             <a:endParaRPr lang="nl-BE"/>
           </a:p>
@@ -3427,7 +3560,7 @@
           <a:p>
             <a:fld id="{C80E15A5-E95B-43EB-9AC7-9A96397448C0}" type="datetimeFigureOut">
               <a:rPr lang="nl-BE" smtClean="0"/>
-              <a:t>24/03/2021</a:t>
+              <a:t>27/03/2021</a:t>
             </a:fld>
             <a:endParaRPr lang="nl-BE"/>
           </a:p>
@@ -3597,7 +3730,7 @@
           <a:p>
             <a:fld id="{C80E15A5-E95B-43EB-9AC7-9A96397448C0}" type="datetimeFigureOut">
               <a:rPr lang="nl-BE" smtClean="0"/>
-              <a:t>24/03/2021</a:t>
+              <a:t>27/03/2021</a:t>
             </a:fld>
             <a:endParaRPr lang="nl-BE"/>
           </a:p>
@@ -3843,7 +3976,7 @@
           <a:p>
             <a:fld id="{C80E15A5-E95B-43EB-9AC7-9A96397448C0}" type="datetimeFigureOut">
               <a:rPr lang="nl-BE" smtClean="0"/>
-              <a:t>24/03/2021</a:t>
+              <a:t>27/03/2021</a:t>
             </a:fld>
             <a:endParaRPr lang="nl-BE"/>
           </a:p>
@@ -4075,7 +4208,7 @@
           <a:p>
             <a:fld id="{C80E15A5-E95B-43EB-9AC7-9A96397448C0}" type="datetimeFigureOut">
               <a:rPr lang="nl-BE" smtClean="0"/>
-              <a:t>24/03/2021</a:t>
+              <a:t>27/03/2021</a:t>
             </a:fld>
             <a:endParaRPr lang="nl-BE"/>
           </a:p>
@@ -4442,7 +4575,7 @@
           <a:p>
             <a:fld id="{C80E15A5-E95B-43EB-9AC7-9A96397448C0}" type="datetimeFigureOut">
               <a:rPr lang="nl-BE" smtClean="0"/>
-              <a:t>24/03/2021</a:t>
+              <a:t>27/03/2021</a:t>
             </a:fld>
             <a:endParaRPr lang="nl-BE"/>
           </a:p>
@@ -4560,7 +4693,7 @@
           <a:p>
             <a:fld id="{C80E15A5-E95B-43EB-9AC7-9A96397448C0}" type="datetimeFigureOut">
               <a:rPr lang="nl-BE" smtClean="0"/>
-              <a:t>24/03/2021</a:t>
+              <a:t>27/03/2021</a:t>
             </a:fld>
             <a:endParaRPr lang="nl-BE"/>
           </a:p>
@@ -4655,7 +4788,7 @@
           <a:p>
             <a:fld id="{C80E15A5-E95B-43EB-9AC7-9A96397448C0}" type="datetimeFigureOut">
               <a:rPr lang="nl-BE" smtClean="0"/>
-              <a:t>24/03/2021</a:t>
+              <a:t>27/03/2021</a:t>
             </a:fld>
             <a:endParaRPr lang="nl-BE"/>
           </a:p>
@@ -4932,7 +5065,7 @@
           <a:p>
             <a:fld id="{C80E15A5-E95B-43EB-9AC7-9A96397448C0}" type="datetimeFigureOut">
               <a:rPr lang="nl-BE" smtClean="0"/>
-              <a:t>24/03/2021</a:t>
+              <a:t>27/03/2021</a:t>
             </a:fld>
             <a:endParaRPr lang="nl-BE"/>
           </a:p>
@@ -5185,7 +5318,7 @@
           <a:p>
             <a:fld id="{C80E15A5-E95B-43EB-9AC7-9A96397448C0}" type="datetimeFigureOut">
               <a:rPr lang="nl-BE" smtClean="0"/>
-              <a:t>24/03/2021</a:t>
+              <a:t>27/03/2021</a:t>
             </a:fld>
             <a:endParaRPr lang="nl-BE"/>
           </a:p>
@@ -5398,7 +5531,7 @@
           <a:p>
             <a:fld id="{C80E15A5-E95B-43EB-9AC7-9A96397448C0}" type="datetimeFigureOut">
               <a:rPr lang="nl-BE" smtClean="0"/>
-              <a:t>24/03/2021</a:t>
+              <a:t>27/03/2021</a:t>
             </a:fld>
             <a:endParaRPr lang="nl-BE"/>
           </a:p>
@@ -5808,7 +5941,7 @@
           <p:cNvPr id="2" name="Título 1">
             <a:extLst>
               <a:ext uri="{FF2B5EF4-FFF2-40B4-BE49-F238E27FC236}">
-                <a16:creationId xmlns:a16="http://schemas.microsoft.com/office/drawing/2014/main" xmlns="" id="{32666AC8-2E17-4DB4-B0F5-60C640CCFD2E}"/>
+                <a16:creationId xmlns="" xmlns:a16="http://schemas.microsoft.com/office/drawing/2014/main" id="{32666AC8-2E17-4DB4-B0F5-60C640CCFD2E}"/>
               </a:ext>
             </a:extLst>
           </p:cNvPr>
@@ -5867,7 +6000,7 @@
           <p:cNvPr id="4" name="CaixaDeTexto 3">
             <a:extLst>
               <a:ext uri="{FF2B5EF4-FFF2-40B4-BE49-F238E27FC236}">
-                <a16:creationId xmlns:a16="http://schemas.microsoft.com/office/drawing/2014/main" xmlns="" id="{430EB894-B7D4-434C-9D1A-A14094D9BEEC}"/>
+                <a16:creationId xmlns="" xmlns:a16="http://schemas.microsoft.com/office/drawing/2014/main" id="{430EB894-B7D4-434C-9D1A-A14094D9BEEC}"/>
               </a:ext>
             </a:extLst>
           </p:cNvPr>
@@ -5908,7 +6041,7 @@
           <p:cNvPr id="1026" name="Picture 2" descr="Logo">
             <a:extLst>
               <a:ext uri="{FF2B5EF4-FFF2-40B4-BE49-F238E27FC236}">
-                <a16:creationId xmlns:a16="http://schemas.microsoft.com/office/drawing/2014/main" xmlns="" id="{3F2642E0-4F6A-4196-8F58-E77D36E9A33F}"/>
+                <a16:creationId xmlns="" xmlns:a16="http://schemas.microsoft.com/office/drawing/2014/main" id="{3F2642E0-4F6A-4196-8F58-E77D36E9A33F}"/>
               </a:ext>
             </a:extLst>
           </p:cNvPr>
@@ -5953,7 +6086,7 @@
           <p:cNvPr id="5122" name="Picture 2" descr="Image result for machine learning">
             <a:extLst>
               <a:ext uri="{FF2B5EF4-FFF2-40B4-BE49-F238E27FC236}">
-                <a16:creationId xmlns:a16="http://schemas.microsoft.com/office/drawing/2014/main" xmlns="" id="{810CE0A2-4102-44A6-A370-175E7896CDCB}"/>
+                <a16:creationId xmlns="" xmlns:a16="http://schemas.microsoft.com/office/drawing/2014/main" id="{810CE0A2-4102-44A6-A370-175E7896CDCB}"/>
               </a:ext>
             </a:extLst>
           </p:cNvPr>
@@ -8365,7 +8498,7 @@
           <p:cNvPr id="9" name="Picture 6" descr="Image result for scikit learn logo">
             <a:extLst>
               <a:ext uri="{FF2B5EF4-FFF2-40B4-BE49-F238E27FC236}">
-                <a16:creationId xmlns:a16="http://schemas.microsoft.com/office/drawing/2014/main" xmlns="" id="{87129D40-D136-4716-8871-12CAEC603994}"/>
+                <a16:creationId xmlns="" xmlns:a16="http://schemas.microsoft.com/office/drawing/2014/main" id="{87129D40-D136-4716-8871-12CAEC603994}"/>
               </a:ext>
             </a:extLst>
           </p:cNvPr>
@@ -8495,8 +8628,12 @@
               <a:t>T319 - Quiz - Regressão: Parte </a:t>
             </a:r>
             <a:r>
+              <a:rPr lang="pt-BR" i="1" dirty="0"/>
+              <a:t>V</a:t>
+            </a:r>
+            <a:r>
               <a:rPr lang="pt-BR" i="1" dirty="0" smtClean="0"/>
-              <a:t>IV </a:t>
+              <a:t> </a:t>
             </a:r>
             <a:r>
               <a:rPr lang="pt-BR" i="1" dirty="0"/>
@@ -8517,12 +8654,16 @@
               <a:t>: </a:t>
             </a:r>
             <a:r>
-              <a:rPr lang="pt-BR" b="1" dirty="0"/>
+              <a:rPr lang="pt-BR" b="1" dirty="0">
+                <a:hlinkClick r:id="rId3"/>
+              </a:rPr>
               <a:t>Laboratório </a:t>
             </a:r>
             <a:r>
-              <a:rPr lang="pt-BR" b="1" dirty="0" smtClean="0"/>
-              <a:t>#4</a:t>
+              <a:rPr lang="pt-BR" b="1" dirty="0" smtClean="0">
+                <a:hlinkClick r:id="rId3"/>
+              </a:rPr>
+              <a:t>#5</a:t>
             </a:r>
             <a:r>
               <a:rPr lang="pt-BR" dirty="0" smtClean="0"/>
@@ -8548,7 +8689,7 @@
             <a:pPr lvl="1"/>
             <a:r>
               <a:rPr lang="pt-BR" dirty="0">
-                <a:hlinkClick r:id="rId2"/>
+                <a:hlinkClick r:id="rId4"/>
               </a:rPr>
               <a:t>Instruções para resolução e entrega dos laboratórios</a:t>
             </a:r>
@@ -8595,7 +8736,7 @@
           <p:cNvPr id="4" name="Título 1">
             <a:extLst>
               <a:ext uri="{FF2B5EF4-FFF2-40B4-BE49-F238E27FC236}">
-                <a16:creationId xmlns:a16="http://schemas.microsoft.com/office/drawing/2014/main" xmlns="" id="{32666AC8-2E17-4DB4-B0F5-60C640CCFD2E}"/>
+                <a16:creationId xmlns="" xmlns:a16="http://schemas.microsoft.com/office/drawing/2014/main" id="{32666AC8-2E17-4DB4-B0F5-60C640CCFD2E}"/>
               </a:ext>
             </a:extLst>
           </p:cNvPr>
@@ -8680,7 +8821,7 @@
           <p:cNvPr id="2050" name="Picture 2" descr="https://miro.medium.com/max/302/1*MpLkcugbeMrJvFlz69LTNQ.jpeg">
             <a:extLst>
               <a:ext uri="{FF2B5EF4-FFF2-40B4-BE49-F238E27FC236}">
-                <a16:creationId xmlns:a16="http://schemas.microsoft.com/office/drawing/2014/main" xmlns="" id="{DE195D4C-7D53-46C2-BDD9-033809B4E028}"/>
+                <a16:creationId xmlns="" xmlns:a16="http://schemas.microsoft.com/office/drawing/2014/main" id="{DE195D4C-7D53-46C2-BDD9-033809B4E028}"/>
               </a:ext>
             </a:extLst>
           </p:cNvPr>
@@ -8727,7 +8868,7 @@
           <p:cNvPr id="2052" name="Picture 4" descr="https://miro.medium.com/max/426/1*iRv8pCP7v8FzVJNe2vAjdw.png">
             <a:extLst>
               <a:ext uri="{FF2B5EF4-FFF2-40B4-BE49-F238E27FC236}">
-                <a16:creationId xmlns:a16="http://schemas.microsoft.com/office/drawing/2014/main" xmlns="" id="{76F9F526-3C2B-485C-9E25-3D10B3E3B0C3}"/>
+                <a16:creationId xmlns="" xmlns:a16="http://schemas.microsoft.com/office/drawing/2014/main" id="{76F9F526-3C2B-485C-9E25-3D10B3E3B0C3}"/>
               </a:ext>
             </a:extLst>
           </p:cNvPr>
@@ -8774,7 +8915,7 @@
           <p:cNvPr id="2054" name="Picture 6" descr="https://miro.medium.com/max/194/1*JugKARhlrp9HLTF5_lN7EQ.jpeg">
             <a:extLst>
               <a:ext uri="{FF2B5EF4-FFF2-40B4-BE49-F238E27FC236}">
-                <a16:creationId xmlns:a16="http://schemas.microsoft.com/office/drawing/2014/main" xmlns="" id="{50D99301-1821-4F05-A553-E371FA6728F0}"/>
+                <a16:creationId xmlns="" xmlns:a16="http://schemas.microsoft.com/office/drawing/2014/main" id="{50D99301-1821-4F05-A553-E371FA6728F0}"/>
               </a:ext>
             </a:extLst>
           </p:cNvPr>
@@ -8845,7 +8986,7 @@
           <p:cNvPr id="3" name="Picture 3" descr="A close up of text on a black background&#10;&#10;Description generated with very high confidence">
             <a:extLst>
               <a:ext uri="{FF2B5EF4-FFF2-40B4-BE49-F238E27FC236}">
-                <a16:creationId xmlns:a16="http://schemas.microsoft.com/office/drawing/2014/main" xmlns="" id="{2A0DF154-7178-4F01-A59C-CD7D1EB3AD92}"/>
+                <a16:creationId xmlns="" xmlns:a16="http://schemas.microsoft.com/office/drawing/2014/main" id="{2A0DF154-7178-4F01-A59C-CD7D1EB3AD92}"/>
               </a:ext>
             </a:extLst>
           </p:cNvPr>
@@ -17431,7 +17572,7 @@
           <p:cNvPr id="2" name="Título 1">
             <a:extLst>
               <a:ext uri="{FF2B5EF4-FFF2-40B4-BE49-F238E27FC236}">
-                <a16:creationId xmlns:a16="http://schemas.microsoft.com/office/drawing/2014/main" xmlns="" id="{793142C1-FD08-4328-BCCB-5521CEABA2E7}"/>
+                <a16:creationId xmlns="" xmlns:a16="http://schemas.microsoft.com/office/drawing/2014/main" id="{793142C1-FD08-4328-BCCB-5521CEABA2E7}"/>
               </a:ext>
             </a:extLst>
           </p:cNvPr>
@@ -17466,7 +17607,7 @@
               <p:cNvPr id="4" name="Content Placeholder 2">
                 <a:extLst>
                   <a:ext uri="{FF2B5EF4-FFF2-40B4-BE49-F238E27FC236}">
-                    <a16:creationId xmlns:a16="http://schemas.microsoft.com/office/drawing/2014/main" xmlns="" id="{C1642F2F-7A09-459E-9D90-1D9D3103E685}"/>
+                    <a16:creationId xmlns="" xmlns:a16="http://schemas.microsoft.com/office/drawing/2014/main" id="{C1642F2F-7A09-459E-9D90-1D9D3103E685}"/>
                   </a:ext>
                 </a:extLst>
               </p:cNvPr>
@@ -18590,7 +18731,7 @@
           <p:cNvPr id="5" name="Picture 2" descr="https://miro.medium.com/max/395/1*EyPd0sQxEXtTDSJgu72JNQ.jpeg">
             <a:extLst>
               <a:ext uri="{FF2B5EF4-FFF2-40B4-BE49-F238E27FC236}">
-                <a16:creationId xmlns:a16="http://schemas.microsoft.com/office/drawing/2014/main" xmlns="" id="{0D8EEA24-1121-4936-A240-08F46CEAC385}"/>
+                <a16:creationId xmlns="" xmlns:a16="http://schemas.microsoft.com/office/drawing/2014/main" id="{0D8EEA24-1121-4936-A240-08F46CEAC385}"/>
               </a:ext>
             </a:extLst>
           </p:cNvPr>

--- a/slides/T319_Regressão_Linear (Parte IV).pptx
+++ b/slides/T319_Regressão_Linear (Parte IV).pptx
@@ -5,7 +5,7 @@
     <p:sldMasterId id="2147483648" r:id="rId1"/>
   </p:sldMasterIdLst>
   <p:notesMasterIdLst>
-    <p:notesMasterId r:id="rId21"/>
+    <p:notesMasterId r:id="rId20"/>
   </p:notesMasterIdLst>
   <p:sldIdLst>
     <p:sldId id="259" r:id="rId2"/>
@@ -15,18 +15,17 @@
     <p:sldId id="334" r:id="rId6"/>
     <p:sldId id="398" r:id="rId7"/>
     <p:sldId id="286" r:id="rId8"/>
-    <p:sldId id="427" r:id="rId9"/>
-    <p:sldId id="268" r:id="rId10"/>
-    <p:sldId id="336" r:id="rId11"/>
-    <p:sldId id="428" r:id="rId12"/>
-    <p:sldId id="335" r:id="rId13"/>
-    <p:sldId id="441" r:id="rId14"/>
-    <p:sldId id="317" r:id="rId15"/>
-    <p:sldId id="332" r:id="rId16"/>
-    <p:sldId id="299" r:id="rId17"/>
-    <p:sldId id="295" r:id="rId18"/>
-    <p:sldId id="396" r:id="rId19"/>
-    <p:sldId id="421" r:id="rId20"/>
+    <p:sldId id="268" r:id="rId9"/>
+    <p:sldId id="336" r:id="rId10"/>
+    <p:sldId id="428" r:id="rId11"/>
+    <p:sldId id="335" r:id="rId12"/>
+    <p:sldId id="441" r:id="rId13"/>
+    <p:sldId id="317" r:id="rId14"/>
+    <p:sldId id="332" r:id="rId15"/>
+    <p:sldId id="299" r:id="rId16"/>
+    <p:sldId id="295" r:id="rId17"/>
+    <p:sldId id="396" r:id="rId18"/>
+    <p:sldId id="421" r:id="rId19"/>
   </p:sldIdLst>
   <p:sldSz cx="12192000" cy="6858000"/>
   <p:notesSz cx="6858000" cy="9144000"/>
@@ -542,7 +541,7 @@
           <a:p>
             <a:fld id="{DAF0AF11-6A8A-4E64-94F5-26D4FBA2A01D}" type="datetimeFigureOut">
               <a:rPr lang="nl-BE" smtClean="0"/>
-              <a:t>27/03/2021</a:t>
+              <a:t>14/05/2021</a:t>
             </a:fld>
             <a:endParaRPr lang="nl-BE"/>
           </a:p>
@@ -1533,152 +1532,6 @@
 </file>
 
 <file path=ppt/notesSlides/notesSlide4.xml><?xml version="1.0" encoding="utf-8"?>
-<p:notes xmlns:a="http://schemas.openxmlformats.org/drawingml/2006/main" xmlns:r="http://schemas.openxmlformats.org/officeDocument/2006/relationships" xmlns:p="http://schemas.openxmlformats.org/presentationml/2006/main">
-  <p:cSld>
-    <p:spTree>
-      <p:nvGrpSpPr>
-        <p:cNvPr id="1" name=""/>
-        <p:cNvGrpSpPr/>
-        <p:nvPr/>
-      </p:nvGrpSpPr>
-      <p:grpSpPr>
-        <a:xfrm>
-          <a:off x="0" y="0"/>
-          <a:ext cx="0" cy="0"/>
-          <a:chOff x="0" y="0"/>
-          <a:chExt cx="0" cy="0"/>
-        </a:xfrm>
-      </p:grpSpPr>
-      <p:sp>
-        <p:nvSpPr>
-          <p:cNvPr id="2" name="Slide Image Placeholder 1"/>
-          <p:cNvSpPr>
-            <a:spLocks noGrp="1" noRot="1" noChangeAspect="1"/>
-          </p:cNvSpPr>
-          <p:nvPr>
-            <p:ph type="sldImg"/>
-          </p:nvPr>
-        </p:nvSpPr>
-        <p:spPr/>
-      </p:sp>
-      <p:sp>
-        <p:nvSpPr>
-          <p:cNvPr id="3" name="Notes Placeholder 2"/>
-          <p:cNvSpPr>
-            <a:spLocks noGrp="1"/>
-          </p:cNvSpPr>
-          <p:nvPr>
-            <p:ph type="body" idx="1"/>
-          </p:nvPr>
-        </p:nvSpPr>
-        <p:spPr/>
-        <p:txBody>
-          <a:bodyPr/>
-          <a:lstStyle/>
-          <a:p>
-            <a:r>
-              <a:rPr lang="pt-BR" dirty="0" smtClean="0"/>
-              <a:t>A normalização é usada quando se sabe que a distribuição dos</a:t>
-            </a:r>
-            <a:r>
-              <a:rPr lang="pt-BR" baseline="0" dirty="0" smtClean="0"/>
-              <a:t> atributos </a:t>
-            </a:r>
-            <a:r>
-              <a:rPr lang="pt-BR" dirty="0" smtClean="0"/>
-              <a:t>não segue uma distribuição Gaussiana. Isso pode ser útil em algoritmos que não assumem nenhuma distribuição de dados, como K-vizinhos mais próximos e redes neurais.</a:t>
-            </a:r>
-          </a:p>
-          <a:p>
-            <a:endParaRPr lang="pt-BR" dirty="0" smtClean="0"/>
-          </a:p>
-          <a:p>
-            <a:r>
-              <a:rPr lang="pt-BR" dirty="0" smtClean="0"/>
-              <a:t>A padronização, por outro lado, pode ser útil nos casos em que os atributos seguem uma distribuição gaussiana. No entanto, isso não precisa ser necessariamente verdade. Além disso, ao contrário da normalização, a padronização não tem um intervalo delimitador. Portanto, mesmo que os</a:t>
-            </a:r>
-            <a:r>
-              <a:rPr lang="pt-BR" baseline="0" dirty="0" smtClean="0"/>
-              <a:t> atributos</a:t>
-            </a:r>
-            <a:r>
-              <a:rPr lang="pt-BR" dirty="0" smtClean="0"/>
-              <a:t> tenham valores discrepantes, eles não serão afetados pela padronização.</a:t>
-            </a:r>
-          </a:p>
-          <a:p>
-            <a:endParaRPr lang="pt-BR" dirty="0" smtClean="0"/>
-          </a:p>
-          <a:p>
-            <a:r>
-              <a:rPr lang="pt-BR" dirty="0" smtClean="0"/>
-              <a:t>No entanto, a escolha de usar normalização ou padronização dependerá do problema e do algoritmo de aprendizado de máquina que está sendo usando. Não existe uma regra rígida e direta para informar quando normalizar ou padronizar os atributos. Portanto,</a:t>
-            </a:r>
-            <a:r>
-              <a:rPr lang="pt-BR" baseline="0" dirty="0" smtClean="0"/>
-              <a:t> é comum treinar</a:t>
-            </a:r>
-            <a:r>
-              <a:rPr lang="pt-BR" dirty="0" smtClean="0"/>
-              <a:t> o modelo com</a:t>
-            </a:r>
-            <a:r>
-              <a:rPr lang="pt-BR" baseline="0" dirty="0" smtClean="0"/>
-              <a:t> os</a:t>
-            </a:r>
-            <a:r>
-              <a:rPr lang="pt-BR" dirty="0" smtClean="0"/>
-              <a:t> dados brutos, normalizados e padronizados e em seguida comparar o desempenho</a:t>
-            </a:r>
-            <a:r>
-              <a:rPr lang="pt-BR" baseline="0" dirty="0" smtClean="0"/>
-              <a:t> para cada um dos casos</a:t>
-            </a:r>
-            <a:r>
-              <a:rPr lang="pt-BR" dirty="0" smtClean="0"/>
-              <a:t>.</a:t>
-            </a:r>
-            <a:endParaRPr lang="pt-BR" dirty="0"/>
-          </a:p>
-        </p:txBody>
-      </p:sp>
-      <p:sp>
-        <p:nvSpPr>
-          <p:cNvPr id="4" name="Slide Number Placeholder 3"/>
-          <p:cNvSpPr>
-            <a:spLocks noGrp="1"/>
-          </p:cNvSpPr>
-          <p:nvPr>
-            <p:ph type="sldNum" sz="quarter" idx="10"/>
-          </p:nvPr>
-        </p:nvSpPr>
-        <p:spPr/>
-        <p:txBody>
-          <a:bodyPr/>
-          <a:lstStyle/>
-          <a:p>
-            <a:fld id="{DA8B99DF-01BC-492A-8CEF-4FD88D18DD9D}" type="slidenum">
-              <a:rPr lang="nl-BE" smtClean="0"/>
-              <a:t>8</a:t>
-            </a:fld>
-            <a:endParaRPr lang="nl-BE"/>
-          </a:p>
-        </p:txBody>
-      </p:sp>
-    </p:spTree>
-    <p:extLst>
-      <p:ext uri="{BB962C8B-B14F-4D97-AF65-F5344CB8AC3E}">
-        <p14:creationId xmlns:p14="http://schemas.microsoft.com/office/powerpoint/2010/main" val="1572058854"/>
-      </p:ext>
-    </p:extLst>
-  </p:cSld>
-  <p:clrMapOvr>
-    <a:masterClrMapping/>
-  </p:clrMapOvr>
-</p:notes>
-</file>
-
-<file path=ppt/notesSlides/notesSlide5.xml><?xml version="1.0" encoding="utf-8"?>
 <p:notes xmlns:a="http://schemas.openxmlformats.org/drawingml/2006/main" xmlns:r="http://schemas.openxmlformats.org/officeDocument/2006/relationships" xmlns:p="http://schemas.openxmlformats.org/presentationml/2006/main">
   <p:cSld>
     <p:spTree>
@@ -2195,7 +2048,7 @@
           <a:p>
             <a:fld id="{DA8B99DF-01BC-492A-8CEF-4FD88D18DD9D}" type="slidenum">
               <a:rPr lang="nl-BE" smtClean="0"/>
-              <a:t>9</a:t>
+              <a:t>8</a:t>
             </a:fld>
             <a:endParaRPr lang="nl-BE"/>
           </a:p>
@@ -2214,7 +2067,7 @@
 </p:notes>
 </file>
 
-<file path=ppt/notesSlides/notesSlide6.xml><?xml version="1.0" encoding="utf-8"?>
+<file path=ppt/notesSlides/notesSlide5.xml><?xml version="1.0" encoding="utf-8"?>
 <p:notes xmlns:a="http://schemas.openxmlformats.org/drawingml/2006/main" xmlns:r="http://schemas.openxmlformats.org/officeDocument/2006/relationships" xmlns:p="http://schemas.openxmlformats.org/presentationml/2006/main">
   <p:cSld>
     <p:spTree>
@@ -2488,7 +2341,7 @@
           <a:p>
             <a:fld id="{DA8B99DF-01BC-492A-8CEF-4FD88D18DD9D}" type="slidenum">
               <a:rPr lang="nl-BE" smtClean="0"/>
-              <a:t>10</a:t>
+              <a:t>9</a:t>
             </a:fld>
             <a:endParaRPr lang="nl-BE"/>
           </a:p>
@@ -2507,7 +2360,7 @@
 </p:notes>
 </file>
 
-<file path=ppt/notesSlides/notesSlide7.xml><?xml version="1.0" encoding="utf-8"?>
+<file path=ppt/notesSlides/notesSlide6.xml><?xml version="1.0" encoding="utf-8"?>
 <p:notes xmlns:a="http://schemas.openxmlformats.org/drawingml/2006/main" xmlns:r="http://schemas.openxmlformats.org/officeDocument/2006/relationships" xmlns:p="http://schemas.openxmlformats.org/presentationml/2006/main">
   <p:cSld>
     <p:spTree>
@@ -2840,7 +2693,7 @@
           <a:p>
             <a:fld id="{DA8B99DF-01BC-492A-8CEF-4FD88D18DD9D}" type="slidenum">
               <a:rPr lang="nl-BE" smtClean="0"/>
-              <a:t>11</a:t>
+              <a:t>10</a:t>
             </a:fld>
             <a:endParaRPr lang="nl-BE"/>
           </a:p>
@@ -2850,6 +2703,93 @@
     <p:extLst>
       <p:ext uri="{BB962C8B-B14F-4D97-AF65-F5344CB8AC3E}">
         <p14:creationId xmlns:p14="http://schemas.microsoft.com/office/powerpoint/2010/main" val="3025556459"/>
+      </p:ext>
+    </p:extLst>
+  </p:cSld>
+  <p:clrMapOvr>
+    <a:masterClrMapping/>
+  </p:clrMapOvr>
+</p:notes>
+</file>
+
+<file path=ppt/notesSlides/notesSlide7.xml><?xml version="1.0" encoding="utf-8"?>
+<p:notes xmlns:a="http://schemas.openxmlformats.org/drawingml/2006/main" xmlns:r="http://schemas.openxmlformats.org/officeDocument/2006/relationships" xmlns:p="http://schemas.openxmlformats.org/presentationml/2006/main">
+  <p:cSld>
+    <p:spTree>
+      <p:nvGrpSpPr>
+        <p:cNvPr id="1" name=""/>
+        <p:cNvGrpSpPr/>
+        <p:nvPr/>
+      </p:nvGrpSpPr>
+      <p:grpSpPr>
+        <a:xfrm>
+          <a:off x="0" y="0"/>
+          <a:ext cx="0" cy="0"/>
+          <a:chOff x="0" y="0"/>
+          <a:chExt cx="0" cy="0"/>
+        </a:xfrm>
+      </p:grpSpPr>
+      <p:sp>
+        <p:nvSpPr>
+          <p:cNvPr id="2" name="Slide Image Placeholder 1"/>
+          <p:cNvSpPr>
+            <a:spLocks noGrp="1" noRot="1" noChangeAspect="1"/>
+          </p:cNvSpPr>
+          <p:nvPr>
+            <p:ph type="sldImg"/>
+          </p:nvPr>
+        </p:nvSpPr>
+        <p:spPr/>
+      </p:sp>
+      <p:sp>
+        <p:nvSpPr>
+          <p:cNvPr id="3" name="Notes Placeholder 2"/>
+          <p:cNvSpPr>
+            <a:spLocks noGrp="1"/>
+          </p:cNvSpPr>
+          <p:nvPr>
+            <p:ph type="body" idx="1"/>
+          </p:nvPr>
+        </p:nvSpPr>
+        <p:spPr/>
+        <p:txBody>
+          <a:bodyPr/>
+          <a:lstStyle/>
+          <a:p>
+            <a:r>
+              <a:rPr lang="pt-BR" dirty="0"/>
+              <a:t>Exemplo: escalonamento_de_atributos_com_scikit_learn.ipynb</a:t>
+            </a:r>
+          </a:p>
+        </p:txBody>
+      </p:sp>
+      <p:sp>
+        <p:nvSpPr>
+          <p:cNvPr id="4" name="Slide Number Placeholder 3"/>
+          <p:cNvSpPr>
+            <a:spLocks noGrp="1"/>
+          </p:cNvSpPr>
+          <p:nvPr>
+            <p:ph type="sldNum" sz="quarter" idx="10"/>
+          </p:nvPr>
+        </p:nvSpPr>
+        <p:spPr/>
+        <p:txBody>
+          <a:bodyPr/>
+          <a:lstStyle/>
+          <a:p>
+            <a:fld id="{DA8B99DF-01BC-492A-8CEF-4FD88D18DD9D}" type="slidenum">
+              <a:rPr lang="nl-BE" smtClean="0"/>
+              <a:t>11</a:t>
+            </a:fld>
+            <a:endParaRPr lang="nl-BE"/>
+          </a:p>
+        </p:txBody>
+      </p:sp>
+    </p:spTree>
+    <p:extLst>
+      <p:ext uri="{BB962C8B-B14F-4D97-AF65-F5344CB8AC3E}">
+        <p14:creationId xmlns:p14="http://schemas.microsoft.com/office/powerpoint/2010/main" val="793348695"/>
       </p:ext>
     </p:extLst>
   </p:cSld>
@@ -2903,93 +2843,6 @@
           <a:bodyPr/>
           <a:lstStyle/>
           <a:p>
-            <a:r>
-              <a:rPr lang="pt-BR" dirty="0"/>
-              <a:t>Exemplo: escalonamento_de_atributos_com_scikit_learn.ipynb</a:t>
-            </a:r>
-          </a:p>
-        </p:txBody>
-      </p:sp>
-      <p:sp>
-        <p:nvSpPr>
-          <p:cNvPr id="4" name="Slide Number Placeholder 3"/>
-          <p:cNvSpPr>
-            <a:spLocks noGrp="1"/>
-          </p:cNvSpPr>
-          <p:nvPr>
-            <p:ph type="sldNum" sz="quarter" idx="10"/>
-          </p:nvPr>
-        </p:nvSpPr>
-        <p:spPr/>
-        <p:txBody>
-          <a:bodyPr/>
-          <a:lstStyle/>
-          <a:p>
-            <a:fld id="{DA8B99DF-01BC-492A-8CEF-4FD88D18DD9D}" type="slidenum">
-              <a:rPr lang="nl-BE" smtClean="0"/>
-              <a:t>12</a:t>
-            </a:fld>
-            <a:endParaRPr lang="nl-BE"/>
-          </a:p>
-        </p:txBody>
-      </p:sp>
-    </p:spTree>
-    <p:extLst>
-      <p:ext uri="{BB962C8B-B14F-4D97-AF65-F5344CB8AC3E}">
-        <p14:creationId xmlns:p14="http://schemas.microsoft.com/office/powerpoint/2010/main" val="793348695"/>
-      </p:ext>
-    </p:extLst>
-  </p:cSld>
-  <p:clrMapOvr>
-    <a:masterClrMapping/>
-  </p:clrMapOvr>
-</p:notes>
-</file>
-
-<file path=ppt/notesSlides/notesSlide9.xml><?xml version="1.0" encoding="utf-8"?>
-<p:notes xmlns:a="http://schemas.openxmlformats.org/drawingml/2006/main" xmlns:r="http://schemas.openxmlformats.org/officeDocument/2006/relationships" xmlns:p="http://schemas.openxmlformats.org/presentationml/2006/main">
-  <p:cSld>
-    <p:spTree>
-      <p:nvGrpSpPr>
-        <p:cNvPr id="1" name=""/>
-        <p:cNvGrpSpPr/>
-        <p:nvPr/>
-      </p:nvGrpSpPr>
-      <p:grpSpPr>
-        <a:xfrm>
-          <a:off x="0" y="0"/>
-          <a:ext cx="0" cy="0"/>
-          <a:chOff x="0" y="0"/>
-          <a:chExt cx="0" cy="0"/>
-        </a:xfrm>
-      </p:grpSpPr>
-      <p:sp>
-        <p:nvSpPr>
-          <p:cNvPr id="2" name="Slide Image Placeholder 1"/>
-          <p:cNvSpPr>
-            <a:spLocks noGrp="1" noRot="1" noChangeAspect="1"/>
-          </p:cNvSpPr>
-          <p:nvPr>
-            <p:ph type="sldImg"/>
-          </p:nvPr>
-        </p:nvSpPr>
-        <p:spPr/>
-      </p:sp>
-      <p:sp>
-        <p:nvSpPr>
-          <p:cNvPr id="3" name="Notes Placeholder 2"/>
-          <p:cNvSpPr>
-            <a:spLocks noGrp="1"/>
-          </p:cNvSpPr>
-          <p:nvPr>
-            <p:ph type="body" idx="1"/>
-          </p:nvPr>
-        </p:nvSpPr>
-        <p:spPr/>
-        <p:txBody>
-          <a:bodyPr/>
-          <a:lstStyle/>
-          <a:p>
             <a:pPr marL="0" marR="0" lvl="0" indent="0" algn="l" defTabSz="914400" rtl="0" eaLnBrk="1" fontAlgn="auto" latinLnBrk="0" hangingPunct="1">
               <a:lnSpc>
                 <a:spcPct val="100000"/>
@@ -3060,7 +2913,7 @@
           <a:p>
             <a:fld id="{DA8B99DF-01BC-492A-8CEF-4FD88D18DD9D}" type="slidenum">
               <a:rPr lang="nl-BE" smtClean="0"/>
-              <a:t>13</a:t>
+              <a:t>12</a:t>
             </a:fld>
             <a:endParaRPr lang="nl-BE"/>
           </a:p>
@@ -3210,7 +3063,7 @@
           <a:p>
             <a:fld id="{C80E15A5-E95B-43EB-9AC7-9A96397448C0}" type="datetimeFigureOut">
               <a:rPr lang="nl-BE" smtClean="0"/>
-              <a:t>27/03/2021</a:t>
+              <a:t>14/05/2021</a:t>
             </a:fld>
             <a:endParaRPr lang="nl-BE"/>
           </a:p>
@@ -3380,7 +3233,7 @@
           <a:p>
             <a:fld id="{C80E15A5-E95B-43EB-9AC7-9A96397448C0}" type="datetimeFigureOut">
               <a:rPr lang="nl-BE" smtClean="0"/>
-              <a:t>27/03/2021</a:t>
+              <a:t>14/05/2021</a:t>
             </a:fld>
             <a:endParaRPr lang="nl-BE"/>
           </a:p>
@@ -3560,7 +3413,7 @@
           <a:p>
             <a:fld id="{C80E15A5-E95B-43EB-9AC7-9A96397448C0}" type="datetimeFigureOut">
               <a:rPr lang="nl-BE" smtClean="0"/>
-              <a:t>27/03/2021</a:t>
+              <a:t>14/05/2021</a:t>
             </a:fld>
             <a:endParaRPr lang="nl-BE"/>
           </a:p>
@@ -3730,7 +3583,7 @@
           <a:p>
             <a:fld id="{C80E15A5-E95B-43EB-9AC7-9A96397448C0}" type="datetimeFigureOut">
               <a:rPr lang="nl-BE" smtClean="0"/>
-              <a:t>27/03/2021</a:t>
+              <a:t>14/05/2021</a:t>
             </a:fld>
             <a:endParaRPr lang="nl-BE"/>
           </a:p>
@@ -3976,7 +3829,7 @@
           <a:p>
             <a:fld id="{C80E15A5-E95B-43EB-9AC7-9A96397448C0}" type="datetimeFigureOut">
               <a:rPr lang="nl-BE" smtClean="0"/>
-              <a:t>27/03/2021</a:t>
+              <a:t>14/05/2021</a:t>
             </a:fld>
             <a:endParaRPr lang="nl-BE"/>
           </a:p>
@@ -4208,7 +4061,7 @@
           <a:p>
             <a:fld id="{C80E15A5-E95B-43EB-9AC7-9A96397448C0}" type="datetimeFigureOut">
               <a:rPr lang="nl-BE" smtClean="0"/>
-              <a:t>27/03/2021</a:t>
+              <a:t>14/05/2021</a:t>
             </a:fld>
             <a:endParaRPr lang="nl-BE"/>
           </a:p>
@@ -4575,7 +4428,7 @@
           <a:p>
             <a:fld id="{C80E15A5-E95B-43EB-9AC7-9A96397448C0}" type="datetimeFigureOut">
               <a:rPr lang="nl-BE" smtClean="0"/>
-              <a:t>27/03/2021</a:t>
+              <a:t>14/05/2021</a:t>
             </a:fld>
             <a:endParaRPr lang="nl-BE"/>
           </a:p>
@@ -4693,7 +4546,7 @@
           <a:p>
             <a:fld id="{C80E15A5-E95B-43EB-9AC7-9A96397448C0}" type="datetimeFigureOut">
               <a:rPr lang="nl-BE" smtClean="0"/>
-              <a:t>27/03/2021</a:t>
+              <a:t>14/05/2021</a:t>
             </a:fld>
             <a:endParaRPr lang="nl-BE"/>
           </a:p>
@@ -4788,7 +4641,7 @@
           <a:p>
             <a:fld id="{C80E15A5-E95B-43EB-9AC7-9A96397448C0}" type="datetimeFigureOut">
               <a:rPr lang="nl-BE" smtClean="0"/>
-              <a:t>27/03/2021</a:t>
+              <a:t>14/05/2021</a:t>
             </a:fld>
             <a:endParaRPr lang="nl-BE"/>
           </a:p>
@@ -5065,7 +4918,7 @@
           <a:p>
             <a:fld id="{C80E15A5-E95B-43EB-9AC7-9A96397448C0}" type="datetimeFigureOut">
               <a:rPr lang="nl-BE" smtClean="0"/>
-              <a:t>27/03/2021</a:t>
+              <a:t>14/05/2021</a:t>
             </a:fld>
             <a:endParaRPr lang="nl-BE"/>
           </a:p>
@@ -5318,7 +5171,7 @@
           <a:p>
             <a:fld id="{C80E15A5-E95B-43EB-9AC7-9A96397448C0}" type="datetimeFigureOut">
               <a:rPr lang="nl-BE" smtClean="0"/>
-              <a:t>27/03/2021</a:t>
+              <a:t>14/05/2021</a:t>
             </a:fld>
             <a:endParaRPr lang="nl-BE"/>
           </a:p>
@@ -5531,7 +5384,7 @@
           <a:p>
             <a:fld id="{C80E15A5-E95B-43EB-9AC7-9A96397448C0}" type="datetimeFigureOut">
               <a:rPr lang="nl-BE" smtClean="0"/>
-              <a:t>27/03/2021</a:t>
+              <a:t>14/05/2021</a:t>
             </a:fld>
             <a:endParaRPr lang="nl-BE"/>
           </a:p>
@@ -5941,7 +5794,7 @@
           <p:cNvPr id="2" name="Título 1">
             <a:extLst>
               <a:ext uri="{FF2B5EF4-FFF2-40B4-BE49-F238E27FC236}">
-                <a16:creationId xmlns="" xmlns:a16="http://schemas.microsoft.com/office/drawing/2014/main" id="{32666AC8-2E17-4DB4-B0F5-60C640CCFD2E}"/>
+                <a16:creationId xmlns:a16="http://schemas.microsoft.com/office/drawing/2014/main" xmlns="" id="{32666AC8-2E17-4DB4-B0F5-60C640CCFD2E}"/>
               </a:ext>
             </a:extLst>
           </p:cNvPr>
@@ -6000,7 +5853,7 @@
           <p:cNvPr id="4" name="CaixaDeTexto 3">
             <a:extLst>
               <a:ext uri="{FF2B5EF4-FFF2-40B4-BE49-F238E27FC236}">
-                <a16:creationId xmlns="" xmlns:a16="http://schemas.microsoft.com/office/drawing/2014/main" id="{430EB894-B7D4-434C-9D1A-A14094D9BEEC}"/>
+                <a16:creationId xmlns:a16="http://schemas.microsoft.com/office/drawing/2014/main" xmlns="" id="{430EB894-B7D4-434C-9D1A-A14094D9BEEC}"/>
               </a:ext>
             </a:extLst>
           </p:cNvPr>
@@ -6041,7 +5894,7 @@
           <p:cNvPr id="1026" name="Picture 2" descr="Logo">
             <a:extLst>
               <a:ext uri="{FF2B5EF4-FFF2-40B4-BE49-F238E27FC236}">
-                <a16:creationId xmlns="" xmlns:a16="http://schemas.microsoft.com/office/drawing/2014/main" id="{3F2642E0-4F6A-4196-8F58-E77D36E9A33F}"/>
+                <a16:creationId xmlns:a16="http://schemas.microsoft.com/office/drawing/2014/main" xmlns="" id="{3F2642E0-4F6A-4196-8F58-E77D36E9A33F}"/>
               </a:ext>
             </a:extLst>
           </p:cNvPr>
@@ -6086,7 +5939,7 @@
           <p:cNvPr id="5122" name="Picture 2" descr="Image result for machine learning">
             <a:extLst>
               <a:ext uri="{FF2B5EF4-FFF2-40B4-BE49-F238E27FC236}">
-                <a16:creationId xmlns="" xmlns:a16="http://schemas.microsoft.com/office/drawing/2014/main" id="{810CE0A2-4102-44A6-A370-175E7896CDCB}"/>
+                <a16:creationId xmlns:a16="http://schemas.microsoft.com/office/drawing/2014/main" xmlns="" id="{810CE0A2-4102-44A6-A370-175E7896CDCB}"/>
               </a:ext>
             </a:extLst>
           </p:cNvPr>
@@ -6147,412 +6000,6 @@
 </file>
 
 <file path=ppt/slides/slide10.xml><?xml version="1.0" encoding="utf-8"?>
-<p:sld xmlns:a="http://schemas.openxmlformats.org/drawingml/2006/main" xmlns:r="http://schemas.openxmlformats.org/officeDocument/2006/relationships" xmlns:p="http://schemas.openxmlformats.org/presentationml/2006/main">
-  <p:cSld>
-    <p:spTree>
-      <p:nvGrpSpPr>
-        <p:cNvPr id="1" name=""/>
-        <p:cNvGrpSpPr/>
-        <p:nvPr/>
-      </p:nvGrpSpPr>
-      <p:grpSpPr>
-        <a:xfrm>
-          <a:off x="0" y="0"/>
-          <a:ext cx="0" cy="0"/>
-          <a:chOff x="0" y="0"/>
-          <a:chExt cx="0" cy="0"/>
-        </a:xfrm>
-      </p:grpSpPr>
-      <p:sp>
-        <p:nvSpPr>
-          <p:cNvPr id="2" name="Title 1"/>
-          <p:cNvSpPr>
-            <a:spLocks noGrp="1"/>
-          </p:cNvSpPr>
-          <p:nvPr>
-            <p:ph type="title"/>
-          </p:nvPr>
-        </p:nvSpPr>
-        <p:spPr/>
-        <p:txBody>
-          <a:bodyPr/>
-          <a:lstStyle/>
-          <a:p>
-            <a:r>
-              <a:rPr lang="pt-BR" dirty="0"/>
-              <a:t>Escalonamento de </a:t>
-            </a:r>
-            <a:r>
-              <a:rPr lang="pt-BR" dirty="0" smtClean="0"/>
-              <a:t>Features</a:t>
-            </a:r>
-            <a:endParaRPr lang="nl-BE" dirty="0"/>
-          </a:p>
-        </p:txBody>
-      </p:sp>
-      <p:sp>
-        <p:nvSpPr>
-          <p:cNvPr id="10" name="Content Placeholder 2"/>
-          <p:cNvSpPr txBox="1">
-            <a:spLocks/>
-          </p:cNvSpPr>
-          <p:nvPr/>
-        </p:nvSpPr>
-        <p:spPr>
-          <a:xfrm>
-            <a:off x="838199" y="1650519"/>
-            <a:ext cx="7741706" cy="4928889"/>
-          </a:xfrm>
-          <a:prstGeom prst="rect">
-            <a:avLst/>
-          </a:prstGeom>
-        </p:spPr>
-        <p:txBody>
-          <a:bodyPr vert="horz" lIns="91440" tIns="45720" rIns="91440" bIns="45720" rtlCol="0">
-            <a:normAutofit lnSpcReduction="10000"/>
-          </a:bodyPr>
-          <a:lstStyle>
-            <a:lvl1pPr marL="228600" indent="-228600" algn="l" defTabSz="914400" rtl="0" eaLnBrk="1" latinLnBrk="0" hangingPunct="1">
-              <a:lnSpc>
-                <a:spcPct val="90000"/>
-              </a:lnSpc>
-              <a:spcBef>
-                <a:spcPts val="1000"/>
-              </a:spcBef>
-              <a:buFont typeface="Arial" panose="020B0604020202020204" pitchFamily="34" charset="0"/>
-              <a:buChar char="•"/>
-              <a:defRPr sz="2800" kern="1200">
-                <a:solidFill>
-                  <a:schemeClr val="tx1"/>
-                </a:solidFill>
-                <a:latin typeface="+mn-lt"/>
-                <a:ea typeface="+mn-ea"/>
-                <a:cs typeface="+mn-cs"/>
-              </a:defRPr>
-            </a:lvl1pPr>
-            <a:lvl2pPr marL="685800" indent="-228600" algn="l" defTabSz="914400" rtl="0" eaLnBrk="1" latinLnBrk="0" hangingPunct="1">
-              <a:lnSpc>
-                <a:spcPct val="90000"/>
-              </a:lnSpc>
-              <a:spcBef>
-                <a:spcPts val="500"/>
-              </a:spcBef>
-              <a:buFont typeface="Arial" panose="020B0604020202020204" pitchFamily="34" charset="0"/>
-              <a:buChar char="•"/>
-              <a:defRPr sz="2400" kern="1200">
-                <a:solidFill>
-                  <a:schemeClr val="tx1"/>
-                </a:solidFill>
-                <a:latin typeface="+mn-lt"/>
-                <a:ea typeface="+mn-ea"/>
-                <a:cs typeface="+mn-cs"/>
-              </a:defRPr>
-            </a:lvl2pPr>
-            <a:lvl3pPr marL="1143000" indent="-228600" algn="l" defTabSz="914400" rtl="0" eaLnBrk="1" latinLnBrk="0" hangingPunct="1">
-              <a:lnSpc>
-                <a:spcPct val="90000"/>
-              </a:lnSpc>
-              <a:spcBef>
-                <a:spcPts val="500"/>
-              </a:spcBef>
-              <a:buFont typeface="Arial" panose="020B0604020202020204" pitchFamily="34" charset="0"/>
-              <a:buChar char="•"/>
-              <a:defRPr sz="2000" kern="1200">
-                <a:solidFill>
-                  <a:schemeClr val="tx1"/>
-                </a:solidFill>
-                <a:latin typeface="+mn-lt"/>
-                <a:ea typeface="+mn-ea"/>
-                <a:cs typeface="+mn-cs"/>
-              </a:defRPr>
-            </a:lvl3pPr>
-            <a:lvl4pPr marL="1600200" indent="-228600" algn="l" defTabSz="914400" rtl="0" eaLnBrk="1" latinLnBrk="0" hangingPunct="1">
-              <a:lnSpc>
-                <a:spcPct val="90000"/>
-              </a:lnSpc>
-              <a:spcBef>
-                <a:spcPts val="500"/>
-              </a:spcBef>
-              <a:buFont typeface="Arial" panose="020B0604020202020204" pitchFamily="34" charset="0"/>
-              <a:buChar char="•"/>
-              <a:defRPr sz="1800" kern="1200">
-                <a:solidFill>
-                  <a:schemeClr val="tx1"/>
-                </a:solidFill>
-                <a:latin typeface="+mn-lt"/>
-                <a:ea typeface="+mn-ea"/>
-                <a:cs typeface="+mn-cs"/>
-              </a:defRPr>
-            </a:lvl4pPr>
-            <a:lvl5pPr marL="2057400" indent="-228600" algn="l" defTabSz="914400" rtl="0" eaLnBrk="1" latinLnBrk="0" hangingPunct="1">
-              <a:lnSpc>
-                <a:spcPct val="90000"/>
-              </a:lnSpc>
-              <a:spcBef>
-                <a:spcPts val="500"/>
-              </a:spcBef>
-              <a:buFont typeface="Arial" panose="020B0604020202020204" pitchFamily="34" charset="0"/>
-              <a:buChar char="•"/>
-              <a:defRPr sz="1800" kern="1200">
-                <a:solidFill>
-                  <a:schemeClr val="tx1"/>
-                </a:solidFill>
-                <a:latin typeface="+mn-lt"/>
-                <a:ea typeface="+mn-ea"/>
-                <a:cs typeface="+mn-cs"/>
-              </a:defRPr>
-            </a:lvl5pPr>
-            <a:lvl6pPr marL="2514600" indent="-228600" algn="l" defTabSz="914400" rtl="0" eaLnBrk="1" latinLnBrk="0" hangingPunct="1">
-              <a:lnSpc>
-                <a:spcPct val="90000"/>
-              </a:lnSpc>
-              <a:spcBef>
-                <a:spcPts val="500"/>
-              </a:spcBef>
-              <a:buFont typeface="Arial" panose="020B0604020202020204" pitchFamily="34" charset="0"/>
-              <a:buChar char="•"/>
-              <a:defRPr sz="1800" kern="1200">
-                <a:solidFill>
-                  <a:schemeClr val="tx1"/>
-                </a:solidFill>
-                <a:latin typeface="+mn-lt"/>
-                <a:ea typeface="+mn-ea"/>
-                <a:cs typeface="+mn-cs"/>
-              </a:defRPr>
-            </a:lvl6pPr>
-            <a:lvl7pPr marL="2971800" indent="-228600" algn="l" defTabSz="914400" rtl="0" eaLnBrk="1" latinLnBrk="0" hangingPunct="1">
-              <a:lnSpc>
-                <a:spcPct val="90000"/>
-              </a:lnSpc>
-              <a:spcBef>
-                <a:spcPts val="500"/>
-              </a:spcBef>
-              <a:buFont typeface="Arial" panose="020B0604020202020204" pitchFamily="34" charset="0"/>
-              <a:buChar char="•"/>
-              <a:defRPr sz="1800" kern="1200">
-                <a:solidFill>
-                  <a:schemeClr val="tx1"/>
-                </a:solidFill>
-                <a:latin typeface="+mn-lt"/>
-                <a:ea typeface="+mn-ea"/>
-                <a:cs typeface="+mn-cs"/>
-              </a:defRPr>
-            </a:lvl7pPr>
-            <a:lvl8pPr marL="3429000" indent="-228600" algn="l" defTabSz="914400" rtl="0" eaLnBrk="1" latinLnBrk="0" hangingPunct="1">
-              <a:lnSpc>
-                <a:spcPct val="90000"/>
-              </a:lnSpc>
-              <a:spcBef>
-                <a:spcPts val="500"/>
-              </a:spcBef>
-              <a:buFont typeface="Arial" panose="020B0604020202020204" pitchFamily="34" charset="0"/>
-              <a:buChar char="•"/>
-              <a:defRPr sz="1800" kern="1200">
-                <a:solidFill>
-                  <a:schemeClr val="tx1"/>
-                </a:solidFill>
-                <a:latin typeface="+mn-lt"/>
-                <a:ea typeface="+mn-ea"/>
-                <a:cs typeface="+mn-cs"/>
-              </a:defRPr>
-            </a:lvl8pPr>
-            <a:lvl9pPr marL="3886200" indent="-228600" algn="l" defTabSz="914400" rtl="0" eaLnBrk="1" latinLnBrk="0" hangingPunct="1">
-              <a:lnSpc>
-                <a:spcPct val="90000"/>
-              </a:lnSpc>
-              <a:spcBef>
-                <a:spcPts val="500"/>
-              </a:spcBef>
-              <a:buFont typeface="Arial" panose="020B0604020202020204" pitchFamily="34" charset="0"/>
-              <a:buChar char="•"/>
-              <a:defRPr sz="1800" kern="1200">
-                <a:solidFill>
-                  <a:schemeClr val="tx1"/>
-                </a:solidFill>
-                <a:latin typeface="+mn-lt"/>
-                <a:ea typeface="+mn-ea"/>
-                <a:cs typeface="+mn-cs"/>
-              </a:defRPr>
-            </a:lvl9pPr>
-          </a:lstStyle>
-          <a:p>
-            <a:pPr algn="just"/>
-            <a:r>
-              <a:rPr lang="pt-BR" dirty="0"/>
-              <a:t>Agora aplicamos </a:t>
-            </a:r>
-            <a:r>
-              <a:rPr lang="pt-BR" b="1" i="1" dirty="0"/>
-              <a:t>padronização</a:t>
-            </a:r>
-            <a:r>
-              <a:rPr lang="pt-BR" dirty="0"/>
-              <a:t> aos atributos.</a:t>
-            </a:r>
-          </a:p>
-          <a:p>
-            <a:pPr algn="just"/>
-            <a:r>
-              <a:rPr lang="pt-BR" dirty="0" smtClean="0"/>
-              <a:t>Após a padronização, a </a:t>
-            </a:r>
-            <a:r>
-              <a:rPr lang="pt-BR" dirty="0"/>
-              <a:t>superfície se aproxima mais da forma de uma “</a:t>
-            </a:r>
-            <a:r>
-              <a:rPr lang="pt-BR" i="1" dirty="0"/>
-              <a:t>tigela</a:t>
-            </a:r>
-            <a:r>
-              <a:rPr lang="pt-BR" dirty="0"/>
-              <a:t>”.</a:t>
-            </a:r>
-          </a:p>
-          <a:p>
-            <a:pPr algn="just"/>
-            <a:r>
-              <a:rPr lang="pt-BR" dirty="0" smtClean="0"/>
-              <a:t>As linhas de contorno se tornam </a:t>
-            </a:r>
-            <a:r>
-              <a:rPr lang="pt-BR" dirty="0"/>
-              <a:t>mais “circulares”, denotando que a superfície tem inclinação similar em todas as direções dado que os atributos agora tem variações similares.</a:t>
-            </a:r>
-          </a:p>
-          <a:p>
-            <a:pPr algn="just"/>
-            <a:r>
-              <a:rPr lang="pt-BR" dirty="0" smtClean="0"/>
-              <a:t>Nesse exemplo, o algoritmo </a:t>
-            </a:r>
-            <a:r>
-              <a:rPr lang="pt-BR" dirty="0"/>
-              <a:t>converge em apenas 3 épocas.</a:t>
-            </a:r>
-          </a:p>
-          <a:p>
-            <a:pPr algn="just"/>
-            <a:r>
-              <a:rPr lang="pt-BR" dirty="0" smtClean="0"/>
-              <a:t>O treinamento se torna mais </a:t>
-            </a:r>
-            <a:r>
-              <a:rPr lang="pt-BR" dirty="0"/>
-              <a:t>rápido pois a </a:t>
-            </a:r>
-            <a:r>
-              <a:rPr lang="pt-BR" dirty="0" smtClean="0"/>
-              <a:t>inclinação da superfície se torna mais íngreme </a:t>
-            </a:r>
-            <a:r>
-              <a:rPr lang="pt-BR" dirty="0"/>
-              <a:t>em todas as direções.</a:t>
-            </a:r>
-          </a:p>
-          <a:p>
-            <a:pPr algn="just"/>
-            <a:endParaRPr lang="pt-BR" dirty="0"/>
-          </a:p>
-        </p:txBody>
-      </p:sp>
-      <p:sp>
-        <p:nvSpPr>
-          <p:cNvPr id="13" name="TextBox 12"/>
-          <p:cNvSpPr txBox="1"/>
-          <p:nvPr/>
-        </p:nvSpPr>
-        <p:spPr>
-          <a:xfrm>
-            <a:off x="8579905" y="95185"/>
-            <a:ext cx="3578930" cy="338554"/>
-          </a:xfrm>
-          <a:prstGeom prst="rect">
-            <a:avLst/>
-          </a:prstGeom>
-          <a:noFill/>
-        </p:spPr>
-        <p:txBody>
-          <a:bodyPr wrap="square" rtlCol="0">
-            <a:spAutoFit/>
-          </a:bodyPr>
-          <a:lstStyle/>
-          <a:p>
-            <a:pPr algn="ctr"/>
-            <a:r>
-              <a:rPr lang="pt-BR" sz="1600" b="1" dirty="0"/>
-              <a:t>Padronização</a:t>
-            </a:r>
-          </a:p>
-        </p:txBody>
-      </p:sp>
-      <p:pic>
-        <p:nvPicPr>
-          <p:cNvPr id="7" name="Picture 6"/>
-          <p:cNvPicPr>
-            <a:picLocks noChangeAspect="1"/>
-          </p:cNvPicPr>
-          <p:nvPr/>
-        </p:nvPicPr>
-        <p:blipFill rotWithShape="1">
-          <a:blip r:embed="rId3"/>
-          <a:srcRect l="1905" t="1634" r="5539" b="5810"/>
-          <a:stretch/>
-        </p:blipFill>
-        <p:spPr>
-          <a:xfrm>
-            <a:off x="8579905" y="437211"/>
-            <a:ext cx="3645260" cy="3071099"/>
-          </a:xfrm>
-          <a:prstGeom prst="rect">
-            <a:avLst/>
-          </a:prstGeom>
-        </p:spPr>
-      </p:pic>
-      <p:pic>
-        <p:nvPicPr>
-          <p:cNvPr id="14" name="Picture 13"/>
-          <p:cNvPicPr>
-            <a:picLocks noChangeAspect="1"/>
-          </p:cNvPicPr>
-          <p:nvPr/>
-        </p:nvPicPr>
-        <p:blipFill rotWithShape="1">
-          <a:blip r:embed="rId4"/>
-          <a:srcRect l="4937" r="7489" b="2714"/>
-          <a:stretch/>
-        </p:blipFill>
-        <p:spPr>
-          <a:xfrm>
-            <a:off x="8546740" y="3508310"/>
-            <a:ext cx="3578929" cy="3349690"/>
-          </a:xfrm>
-          <a:prstGeom prst="rect">
-            <a:avLst/>
-          </a:prstGeom>
-        </p:spPr>
-      </p:pic>
-    </p:spTree>
-    <p:extLst>
-      <p:ext uri="{BB962C8B-B14F-4D97-AF65-F5344CB8AC3E}">
-        <p14:creationId xmlns:p14="http://schemas.microsoft.com/office/powerpoint/2010/main" val="2332300590"/>
-      </p:ext>
-    </p:extLst>
-  </p:cSld>
-  <p:clrMapOvr>
-    <a:masterClrMapping/>
-  </p:clrMapOvr>
-  <p:timing>
-    <p:tnLst>
-      <p:par>
-        <p:cTn id="1" dur="indefinite" restart="never" nodeType="tmRoot"/>
-      </p:par>
-    </p:tnLst>
-  </p:timing>
-</p:sld>
-</file>
-
-<file path=ppt/slides/slide11.xml><?xml version="1.0" encoding="utf-8"?>
 <p:sld xmlns:a="http://schemas.openxmlformats.org/drawingml/2006/main" xmlns:r="http://schemas.openxmlformats.org/officeDocument/2006/relationships" xmlns:p="http://schemas.openxmlformats.org/presentationml/2006/main">
   <p:cSld>
     <p:spTree>
@@ -7329,7 +6776,7 @@
 </p:sld>
 </file>
 
-<file path=ppt/slides/slide12.xml><?xml version="1.0" encoding="utf-8"?>
+<file path=ppt/slides/slide11.xml><?xml version="1.0" encoding="utf-8"?>
 <p:sld xmlns:a="http://schemas.openxmlformats.org/drawingml/2006/main" xmlns:r="http://schemas.openxmlformats.org/officeDocument/2006/relationships" xmlns:p="http://schemas.openxmlformats.org/presentationml/2006/main">
   <p:cSld>
     <p:spTree>
@@ -8498,7 +7945,7 @@
           <p:cNvPr id="9" name="Picture 6" descr="Image result for scikit learn logo">
             <a:extLst>
               <a:ext uri="{FF2B5EF4-FFF2-40B4-BE49-F238E27FC236}">
-                <a16:creationId xmlns="" xmlns:a16="http://schemas.microsoft.com/office/drawing/2014/main" id="{87129D40-D136-4716-8871-12CAEC603994}"/>
+                <a16:creationId xmlns:a16="http://schemas.microsoft.com/office/drawing/2014/main" xmlns="" id="{87129D40-D136-4716-8871-12CAEC603994}"/>
               </a:ext>
             </a:extLst>
           </p:cNvPr>
@@ -8560,7 +8007,7 @@
 </p:sld>
 </file>
 
-<file path=ppt/slides/slide13.xml><?xml version="1.0" encoding="utf-8"?>
+<file path=ppt/slides/slide12.xml><?xml version="1.0" encoding="utf-8"?>
 <p:sld xmlns:a="http://schemas.openxmlformats.org/drawingml/2006/main" xmlns:r="http://schemas.openxmlformats.org/officeDocument/2006/relationships" xmlns:p="http://schemas.openxmlformats.org/presentationml/2006/main">
   <p:cSld>
     <p:spTree>
@@ -8628,12 +8075,8 @@
               <a:t>T319 - Quiz - Regressão: Parte </a:t>
             </a:r>
             <a:r>
-              <a:rPr lang="pt-BR" i="1" dirty="0"/>
-              <a:t>V</a:t>
-            </a:r>
-            <a:r>
               <a:rPr lang="pt-BR" i="1" dirty="0" smtClean="0"/>
-              <a:t> </a:t>
+              <a:t>IV </a:t>
             </a:r>
             <a:r>
               <a:rPr lang="pt-BR" i="1" dirty="0"/>
@@ -8697,7 +8140,30 @@
               <a:rPr lang="pt-BR" dirty="0" smtClean="0"/>
               <a:t>.</a:t>
             </a:r>
-            <a:endParaRPr lang="pt-BR" dirty="0"/>
+          </a:p>
+          <a:p>
+            <a:pPr lvl="1"/>
+            <a:r>
+              <a:rPr lang="pt-BR" b="1" dirty="0">
+                <a:solidFill>
+                  <a:srgbClr val="FF0000"/>
+                </a:solidFill>
+              </a:rPr>
+              <a:t>Laboratórios podem ser feitos em grupo</a:t>
+            </a:r>
+            <a:r>
+              <a:rPr lang="pt-BR" b="1" dirty="0" smtClean="0">
+                <a:solidFill>
+                  <a:srgbClr val="FF0000"/>
+                </a:solidFill>
+              </a:rPr>
+              <a:t>.</a:t>
+            </a:r>
+            <a:endParaRPr lang="pt-BR" b="1" dirty="0">
+              <a:solidFill>
+                <a:srgbClr val="FF0000"/>
+              </a:solidFill>
+            </a:endParaRPr>
           </a:p>
         </p:txBody>
       </p:sp>
@@ -8714,7 +8180,7 @@
 </p:sld>
 </file>
 
-<file path=ppt/slides/slide14.xml><?xml version="1.0" encoding="utf-8"?>
+<file path=ppt/slides/slide13.xml><?xml version="1.0" encoding="utf-8"?>
 <p:sld xmlns:a="http://schemas.openxmlformats.org/drawingml/2006/main" xmlns:r="http://schemas.openxmlformats.org/officeDocument/2006/relationships" xmlns:p="http://schemas.openxmlformats.org/presentationml/2006/main">
   <p:cSld>
     <p:spTree>
@@ -8736,7 +8202,7 @@
           <p:cNvPr id="4" name="Título 1">
             <a:extLst>
               <a:ext uri="{FF2B5EF4-FFF2-40B4-BE49-F238E27FC236}">
-                <a16:creationId xmlns="" xmlns:a16="http://schemas.microsoft.com/office/drawing/2014/main" id="{32666AC8-2E17-4DB4-B0F5-60C640CCFD2E}"/>
+                <a16:creationId xmlns:a16="http://schemas.microsoft.com/office/drawing/2014/main" xmlns="" id="{32666AC8-2E17-4DB4-B0F5-60C640CCFD2E}"/>
               </a:ext>
             </a:extLst>
           </p:cNvPr>
@@ -8799,7 +8265,7 @@
 </p:sld>
 </file>
 
-<file path=ppt/slides/slide15.xml><?xml version="1.0" encoding="utf-8"?>
+<file path=ppt/slides/slide14.xml><?xml version="1.0" encoding="utf-8"?>
 <p:sld xmlns:a="http://schemas.openxmlformats.org/drawingml/2006/main" xmlns:r="http://schemas.openxmlformats.org/officeDocument/2006/relationships" xmlns:p="http://schemas.openxmlformats.org/presentationml/2006/main">
   <p:cSld>
     <p:spTree>
@@ -8821,7 +8287,7 @@
           <p:cNvPr id="2050" name="Picture 2" descr="https://miro.medium.com/max/302/1*MpLkcugbeMrJvFlz69LTNQ.jpeg">
             <a:extLst>
               <a:ext uri="{FF2B5EF4-FFF2-40B4-BE49-F238E27FC236}">
-                <a16:creationId xmlns="" xmlns:a16="http://schemas.microsoft.com/office/drawing/2014/main" id="{DE195D4C-7D53-46C2-BDD9-033809B4E028}"/>
+                <a16:creationId xmlns:a16="http://schemas.microsoft.com/office/drawing/2014/main" xmlns="" id="{DE195D4C-7D53-46C2-BDD9-033809B4E028}"/>
               </a:ext>
             </a:extLst>
           </p:cNvPr>
@@ -8868,7 +8334,7 @@
           <p:cNvPr id="2052" name="Picture 4" descr="https://miro.medium.com/max/426/1*iRv8pCP7v8FzVJNe2vAjdw.png">
             <a:extLst>
               <a:ext uri="{FF2B5EF4-FFF2-40B4-BE49-F238E27FC236}">
-                <a16:creationId xmlns="" xmlns:a16="http://schemas.microsoft.com/office/drawing/2014/main" id="{76F9F526-3C2B-485C-9E25-3D10B3E3B0C3}"/>
+                <a16:creationId xmlns:a16="http://schemas.microsoft.com/office/drawing/2014/main" xmlns="" id="{76F9F526-3C2B-485C-9E25-3D10B3E3B0C3}"/>
               </a:ext>
             </a:extLst>
           </p:cNvPr>
@@ -8915,7 +8381,7 @@
           <p:cNvPr id="2054" name="Picture 6" descr="https://miro.medium.com/max/194/1*JugKARhlrp9HLTF5_lN7EQ.jpeg">
             <a:extLst>
               <a:ext uri="{FF2B5EF4-FFF2-40B4-BE49-F238E27FC236}">
-                <a16:creationId xmlns="" xmlns:a16="http://schemas.microsoft.com/office/drawing/2014/main" id="{50D99301-1821-4F05-A553-E371FA6728F0}"/>
+                <a16:creationId xmlns:a16="http://schemas.microsoft.com/office/drawing/2014/main" xmlns="" id="{50D99301-1821-4F05-A553-E371FA6728F0}"/>
               </a:ext>
             </a:extLst>
           </p:cNvPr>
@@ -8986,7 +8452,7 @@
           <p:cNvPr id="3" name="Picture 3" descr="A close up of text on a black background&#10;&#10;Description generated with very high confidence">
             <a:extLst>
               <a:ext uri="{FF2B5EF4-FFF2-40B4-BE49-F238E27FC236}">
-                <a16:creationId xmlns="" xmlns:a16="http://schemas.microsoft.com/office/drawing/2014/main" id="{2A0DF154-7178-4F01-A59C-CD7D1EB3AD92}"/>
+                <a16:creationId xmlns:a16="http://schemas.microsoft.com/office/drawing/2014/main" xmlns="" id="{2A0DF154-7178-4F01-A59C-CD7D1EB3AD92}"/>
               </a:ext>
             </a:extLst>
           </p:cNvPr>
@@ -9065,7 +8531,7 @@
 </p:sld>
 </file>
 
-<file path=ppt/slides/slide16.xml><?xml version="1.0" encoding="utf-8"?>
+<file path=ppt/slides/slide15.xml><?xml version="1.0" encoding="utf-8"?>
 <p:sld xmlns:a="http://schemas.openxmlformats.org/drawingml/2006/main" xmlns:r="http://schemas.openxmlformats.org/officeDocument/2006/relationships" xmlns:p="http://schemas.openxmlformats.org/presentationml/2006/main">
   <p:cSld>
     <p:spTree>
@@ -9123,7 +8589,7 @@
 </p:sld>
 </file>
 
-<file path=ppt/slides/slide17.xml><?xml version="1.0" encoding="utf-8"?>
+<file path=ppt/slides/slide16.xml><?xml version="1.0" encoding="utf-8"?>
 <p:sld xmlns:a="http://schemas.openxmlformats.org/drawingml/2006/main" xmlns:r="http://schemas.openxmlformats.org/officeDocument/2006/relationships" xmlns:p="http://schemas.openxmlformats.org/presentationml/2006/main">
   <p:cSld>
     <p:spTree>
@@ -12549,7 +12015,7 @@
 </p:sld>
 </file>
 
-<file path=ppt/slides/slide18.xml><?xml version="1.0" encoding="utf-8"?>
+<file path=ppt/slides/slide17.xml><?xml version="1.0" encoding="utf-8"?>
 <p:sld xmlns:a="http://schemas.openxmlformats.org/drawingml/2006/main" xmlns:r="http://schemas.openxmlformats.org/officeDocument/2006/relationships" xmlns:p="http://schemas.openxmlformats.org/presentationml/2006/main">
   <p:cSld>
     <p:spTree>
@@ -14624,7 +14090,7 @@
 </p:sld>
 </file>
 
-<file path=ppt/slides/slide19.xml><?xml version="1.0" encoding="utf-8"?>
+<file path=ppt/slides/slide18.xml><?xml version="1.0" encoding="utf-8"?>
 <p:sld xmlns:a="http://schemas.openxmlformats.org/drawingml/2006/main" xmlns:r="http://schemas.openxmlformats.org/officeDocument/2006/relationships" xmlns:p="http://schemas.openxmlformats.org/presentationml/2006/main">
   <p:cSld>
     <p:spTree>
@@ -16832,10 +16298,48 @@
           <a:p>
             <a:r>
               <a:rPr lang="pt-BR" dirty="0" smtClean="0"/>
-              <a:t>.</a:t>
-            </a:r>
-          </a:p>
-          <a:p>
+              <a:t>Vimos que a escolha </a:t>
+            </a:r>
+            <a:r>
+              <a:rPr lang="pt-BR" dirty="0"/>
+              <a:t>do passo de </a:t>
+            </a:r>
+            <a:r>
+              <a:rPr lang="pt-BR" dirty="0" smtClean="0"/>
+              <a:t>aprendizagem influencia muito no processo aprendizagem do gradiente descendente.</a:t>
+            </a:r>
+          </a:p>
+          <a:p>
+            <a:pPr lvl="1">
+              <a:buFont typeface="Wingdings" panose="05000000000000000000" pitchFamily="2" charset="2"/>
+              <a:buChar char="§"/>
+            </a:pPr>
+            <a:r>
+              <a:rPr lang="pt-BR" dirty="0" smtClean="0"/>
+              <a:t>Valores pequenos fazem com que o algoritmo tenha convergência muito lenta.</a:t>
+            </a:r>
+          </a:p>
+          <a:p>
+            <a:pPr lvl="1">
+              <a:buFont typeface="Wingdings" panose="05000000000000000000" pitchFamily="2" charset="2"/>
+              <a:buChar char="§"/>
+            </a:pPr>
+            <a:r>
+              <a:rPr lang="pt-BR" dirty="0" smtClean="0"/>
+              <a:t>Valores grandes fazem com que o algoritmo divirja.</a:t>
+            </a:r>
+          </a:p>
+          <a:p>
+            <a:r>
+              <a:rPr lang="pt-BR" dirty="0" smtClean="0"/>
+              <a:t>Gráfico do erro em função das iterações nos ajuda a depurar o algoritmo.</a:t>
+            </a:r>
+          </a:p>
+          <a:p>
+            <a:r>
+              <a:rPr lang="pt-BR" dirty="0" smtClean="0"/>
+              <a:t>Além do ajuste manual, quando usamos GDE ou GD em mini-batches, precisamos reduzir o valor do passo de aprendizagem ao longo das iterações para garantir a convergência e estabilizaçãod do GD.</a:t>
+            </a:r>
             <a:endParaRPr lang="pt-BR" dirty="0"/>
           </a:p>
         </p:txBody>
@@ -16894,7 +16398,11 @@
           <a:p>
             <a:r>
               <a:rPr lang="pt-BR" dirty="0"/>
-              <a:t>Escalonamento de Features</a:t>
+              <a:t>Escalonamento de </a:t>
+            </a:r>
+            <a:r>
+              <a:rPr lang="pt-BR" dirty="0" smtClean="0"/>
+              <a:t>Atributos</a:t>
             </a:r>
             <a:endParaRPr lang="nl-BE" dirty="0"/>
           </a:p>
@@ -17572,7 +17080,7 @@
           <p:cNvPr id="2" name="Título 1">
             <a:extLst>
               <a:ext uri="{FF2B5EF4-FFF2-40B4-BE49-F238E27FC236}">
-                <a16:creationId xmlns="" xmlns:a16="http://schemas.microsoft.com/office/drawing/2014/main" id="{793142C1-FD08-4328-BCCB-5521CEABA2E7}"/>
+                <a16:creationId xmlns:a16="http://schemas.microsoft.com/office/drawing/2014/main" xmlns="" id="{793142C1-FD08-4328-BCCB-5521CEABA2E7}"/>
               </a:ext>
             </a:extLst>
           </p:cNvPr>
@@ -17593,8 +17101,8 @@
               <a:t>Escalonamento de </a:t>
             </a:r>
             <a:r>
-              <a:rPr lang="pt-BR" dirty="0" err="1"/>
-              <a:t>Features</a:t>
+              <a:rPr lang="pt-BR" dirty="0"/>
+              <a:t>Atributos</a:t>
             </a:r>
             <a:endParaRPr lang="pt-BR" dirty="0"/>
           </a:p>
@@ -17607,7 +17115,7 @@
               <p:cNvPr id="4" name="Content Placeholder 2">
                 <a:extLst>
                   <a:ext uri="{FF2B5EF4-FFF2-40B4-BE49-F238E27FC236}">
-                    <a16:creationId xmlns="" xmlns:a16="http://schemas.microsoft.com/office/drawing/2014/main" id="{C1642F2F-7A09-459E-9D90-1D9D3103E685}"/>
+                    <a16:creationId xmlns:a16="http://schemas.microsoft.com/office/drawing/2014/main" xmlns="" id="{C1642F2F-7A09-459E-9D90-1D9D3103E685}"/>
                   </a:ext>
                 </a:extLst>
               </p:cNvPr>
@@ -18731,7 +18239,7 @@
           <p:cNvPr id="5" name="Picture 2" descr="https://miro.medium.com/max/395/1*EyPd0sQxEXtTDSJgu72JNQ.jpeg">
             <a:extLst>
               <a:ext uri="{FF2B5EF4-FFF2-40B4-BE49-F238E27FC236}">
-                <a16:creationId xmlns="" xmlns:a16="http://schemas.microsoft.com/office/drawing/2014/main" id="{0D8EEA24-1121-4936-A240-08F46CEAC385}"/>
+                <a16:creationId xmlns:a16="http://schemas.microsoft.com/office/drawing/2014/main" xmlns="" id="{0D8EEA24-1121-4936-A240-08F46CEAC385}"/>
               </a:ext>
             </a:extLst>
           </p:cNvPr>
@@ -18908,8 +18416,13 @@
           <a:p>
             <a:r>
               <a:rPr lang="pt-BR" dirty="0"/>
-              <a:t>Escalonamento de Features</a:t>
-            </a:r>
+              <a:t>Escalonamento de </a:t>
+            </a:r>
+            <a:r>
+              <a:rPr lang="pt-BR" dirty="0"/>
+              <a:t>Atributos</a:t>
+            </a:r>
+            <a:endParaRPr lang="pt-BR" dirty="0"/>
           </a:p>
         </p:txBody>
       </p:sp>
@@ -19062,7 +18575,11 @@
             </a:r>
             <a:r>
               <a:rPr lang="en-US" dirty="0"/>
-              <a:t> de Features</a:t>
+              <a:t> de </a:t>
+            </a:r>
+            <a:r>
+              <a:rPr lang="pt-BR" dirty="0"/>
+              <a:t>Atributos</a:t>
             </a:r>
             <a:endParaRPr lang="nl-BE" dirty="0"/>
           </a:p>
@@ -19830,404 +19347,6 @@
             <p:ph type="title"/>
           </p:nvPr>
         </p:nvSpPr>
-        <p:spPr>
-          <a:xfrm>
-            <a:off x="838200" y="365125"/>
-            <a:ext cx="10515600" cy="711835"/>
-          </a:xfrm>
-        </p:spPr>
-        <p:txBody>
-          <a:bodyPr>
-            <a:normAutofit/>
-          </a:bodyPr>
-          <a:lstStyle/>
-          <a:p>
-            <a:r>
-              <a:rPr lang="pt-BR" dirty="0"/>
-              <a:t>Quando </a:t>
-            </a:r>
-            <a:r>
-              <a:rPr lang="pt-BR" dirty="0" smtClean="0"/>
-              <a:t>usar </a:t>
-            </a:r>
-            <a:r>
-              <a:rPr lang="pt-BR" dirty="0"/>
-              <a:t>normalização e </a:t>
-            </a:r>
-            <a:r>
-              <a:rPr lang="pt-BR" dirty="0" smtClean="0"/>
-              <a:t>padronização</a:t>
-            </a:r>
-            <a:r>
-              <a:rPr lang="pt-BR" dirty="0"/>
-              <a:t>?</a:t>
-            </a:r>
-          </a:p>
-        </p:txBody>
-      </p:sp>
-      <p:sp>
-        <p:nvSpPr>
-          <p:cNvPr id="3" name="Content Placeholder 2"/>
-          <p:cNvSpPr>
-            <a:spLocks noGrp="1"/>
-          </p:cNvSpPr>
-          <p:nvPr>
-            <p:ph idx="1"/>
-          </p:nvPr>
-        </p:nvSpPr>
-        <p:spPr>
-          <a:xfrm>
-            <a:off x="838200" y="1483360"/>
-            <a:ext cx="11034252" cy="5201919"/>
-          </a:xfrm>
-        </p:spPr>
-        <p:txBody>
-          <a:bodyPr>
-            <a:normAutofit fontScale="85000" lnSpcReduction="20000"/>
-          </a:bodyPr>
-          <a:lstStyle/>
-          <a:p>
-            <a:r>
-              <a:rPr lang="pt-BR" dirty="0" smtClean="0"/>
-              <a:t>A </a:t>
-            </a:r>
-            <a:r>
-              <a:rPr lang="pt-BR" b="1" dirty="0"/>
-              <a:t>normalização</a:t>
-            </a:r>
-            <a:r>
-              <a:rPr lang="pt-BR" dirty="0"/>
-              <a:t> é uma boa técnica a ser usada quando </a:t>
-            </a:r>
-            <a:r>
-              <a:rPr lang="pt-BR" dirty="0" smtClean="0"/>
-              <a:t>não se conhece </a:t>
-            </a:r>
-            <a:r>
-              <a:rPr lang="pt-BR" dirty="0"/>
-              <a:t>a distribuição </a:t>
-            </a:r>
-            <a:r>
-              <a:rPr lang="pt-BR" dirty="0" smtClean="0"/>
-              <a:t>dos </a:t>
-            </a:r>
-            <a:r>
-              <a:rPr lang="pt-BR" b="1" i="1" dirty="0" smtClean="0"/>
-              <a:t>atributos</a:t>
-            </a:r>
-            <a:r>
-              <a:rPr lang="pt-BR" dirty="0" smtClean="0"/>
-              <a:t> ou </a:t>
-            </a:r>
-            <a:r>
-              <a:rPr lang="pt-BR" dirty="0"/>
-              <a:t>quando </a:t>
-            </a:r>
-            <a:r>
-              <a:rPr lang="pt-BR" dirty="0" smtClean="0"/>
-              <a:t>se sabe que </a:t>
-            </a:r>
-            <a:r>
-              <a:rPr lang="pt-BR" dirty="0"/>
-              <a:t>a distribuição não é </a:t>
-            </a:r>
-            <a:r>
-              <a:rPr lang="pt-BR" dirty="0" smtClean="0"/>
-              <a:t>Gaussiana (PDF com formato de sino</a:t>
-            </a:r>
-            <a:r>
-              <a:rPr lang="pt-BR" dirty="0"/>
-              <a:t>). A </a:t>
-            </a:r>
-            <a:r>
-              <a:rPr lang="pt-BR" b="1" i="1" dirty="0"/>
-              <a:t>normalização</a:t>
-            </a:r>
-            <a:r>
-              <a:rPr lang="pt-BR" dirty="0"/>
-              <a:t> é útil </a:t>
-            </a:r>
-            <a:r>
-              <a:rPr lang="pt-BR" dirty="0" smtClean="0"/>
-              <a:t>quando o algoritmo </a:t>
-            </a:r>
-            <a:r>
-              <a:rPr lang="pt-BR" dirty="0"/>
-              <a:t>que </a:t>
-            </a:r>
-            <a:r>
-              <a:rPr lang="pt-BR" dirty="0" smtClean="0"/>
-              <a:t>está sendo usando </a:t>
-            </a:r>
-            <a:r>
-              <a:rPr lang="pt-BR" dirty="0"/>
-              <a:t>não faz suposições sobre a </a:t>
-            </a:r>
-            <a:r>
-              <a:rPr lang="pt-BR" dirty="0" smtClean="0"/>
-              <a:t>distribuição dos atributos, </a:t>
-            </a:r>
-            <a:r>
-              <a:rPr lang="pt-BR" dirty="0"/>
-              <a:t>como </a:t>
-            </a:r>
-            <a:r>
-              <a:rPr lang="pt-BR" dirty="0" smtClean="0"/>
-              <a:t>por exemplo: k-vizinhos mais próximos (k-NN) </a:t>
-            </a:r>
-            <a:r>
-              <a:rPr lang="pt-BR" dirty="0"/>
-              <a:t>e </a:t>
-            </a:r>
-            <a:r>
-              <a:rPr lang="pt-BR" dirty="0" smtClean="0"/>
-              <a:t>as redes </a:t>
-            </a:r>
-            <a:r>
-              <a:rPr lang="pt-BR" dirty="0"/>
-              <a:t>neurais artificiais</a:t>
-            </a:r>
-            <a:r>
-              <a:rPr lang="pt-BR" dirty="0" smtClean="0"/>
-              <a:t>.</a:t>
-            </a:r>
-            <a:endParaRPr lang="pt-BR" dirty="0"/>
-          </a:p>
-          <a:p>
-            <a:r>
-              <a:rPr lang="pt-BR" dirty="0"/>
-              <a:t>A </a:t>
-            </a:r>
-            <a:r>
-              <a:rPr lang="pt-BR" b="1" i="1" dirty="0"/>
-              <a:t>padronização</a:t>
-            </a:r>
-            <a:r>
-              <a:rPr lang="pt-BR" dirty="0"/>
-              <a:t> </a:t>
-            </a:r>
-            <a:r>
-              <a:rPr lang="pt-BR" dirty="0" smtClean="0"/>
-              <a:t>pode ser útil quando os atributos seguem uma </a:t>
-            </a:r>
-            <a:r>
-              <a:rPr lang="pt-BR" dirty="0"/>
-              <a:t>distribuição </a:t>
-            </a:r>
-            <a:r>
-              <a:rPr lang="pt-BR" dirty="0" smtClean="0"/>
-              <a:t>Gaussiana </a:t>
-            </a:r>
-            <a:r>
-              <a:rPr lang="pt-BR" dirty="0"/>
-              <a:t>(curva </a:t>
-            </a:r>
-            <a:r>
-              <a:rPr lang="pt-BR" dirty="0" smtClean="0"/>
-              <a:t>com formato de </a:t>
-            </a:r>
-            <a:r>
-              <a:rPr lang="pt-BR" dirty="0"/>
-              <a:t>sino). </a:t>
-            </a:r>
-            <a:r>
-              <a:rPr lang="pt-BR" dirty="0" smtClean="0"/>
-              <a:t>Entretanto, isso </a:t>
-            </a:r>
-            <a:r>
-              <a:rPr lang="pt-BR" dirty="0"/>
-              <a:t>não precisa ser estritamente verdadeiro, mas a técnica é mais eficaz se a distribuição </a:t>
-            </a:r>
-            <a:r>
-              <a:rPr lang="pt-BR" dirty="0" smtClean="0"/>
-              <a:t>dos atributos </a:t>
-            </a:r>
-            <a:r>
-              <a:rPr lang="pt-BR" dirty="0"/>
-              <a:t>for G</a:t>
-            </a:r>
-            <a:r>
-              <a:rPr lang="pt-BR" dirty="0" smtClean="0"/>
-              <a:t>aussiana</a:t>
-            </a:r>
-            <a:r>
-              <a:rPr lang="pt-BR" dirty="0"/>
-              <a:t>. Além disso, ao contrário da </a:t>
-            </a:r>
-            <a:r>
-              <a:rPr lang="pt-BR" b="1" i="1" dirty="0"/>
-              <a:t>normalização</a:t>
-            </a:r>
-            <a:r>
-              <a:rPr lang="pt-BR" dirty="0"/>
-              <a:t>, a </a:t>
-            </a:r>
-            <a:r>
-              <a:rPr lang="pt-BR" b="1" i="1" dirty="0"/>
-              <a:t>padronização</a:t>
-            </a:r>
-            <a:r>
-              <a:rPr lang="pt-BR" dirty="0"/>
-              <a:t> não tem um </a:t>
-            </a:r>
-            <a:r>
-              <a:rPr lang="pt-BR" dirty="0" smtClean="0"/>
-              <a:t>intervalo definido de valores. </a:t>
-            </a:r>
-            <a:r>
-              <a:rPr lang="pt-BR" dirty="0"/>
-              <a:t>Portanto, mesmo que os atributos tenham valores </a:t>
-            </a:r>
-            <a:r>
-              <a:rPr lang="pt-BR" dirty="0" smtClean="0"/>
-              <a:t>discrepantes (</a:t>
-            </a:r>
-            <a:r>
-              <a:rPr lang="pt-BR" b="1" i="1" dirty="0" smtClean="0"/>
-              <a:t>outliers</a:t>
-            </a:r>
-            <a:r>
-              <a:rPr lang="pt-BR" dirty="0" smtClean="0"/>
-              <a:t>), </a:t>
-            </a:r>
-            <a:r>
-              <a:rPr lang="pt-BR" dirty="0"/>
-              <a:t>eles não serão afetados pela </a:t>
-            </a:r>
-            <a:r>
-              <a:rPr lang="pt-BR" dirty="0" smtClean="0"/>
-              <a:t>padronização. A </a:t>
-            </a:r>
-            <a:r>
-              <a:rPr lang="pt-BR" dirty="0"/>
-              <a:t>padronização é útil quando </a:t>
-            </a:r>
-            <a:r>
-              <a:rPr lang="pt-BR" dirty="0" smtClean="0"/>
-              <a:t>o </a:t>
-            </a:r>
-            <a:r>
-              <a:rPr lang="pt-BR" dirty="0"/>
-              <a:t>algoritmo </a:t>
-            </a:r>
-            <a:r>
-              <a:rPr lang="pt-BR" dirty="0" smtClean="0"/>
-              <a:t>que está sendo </a:t>
-            </a:r>
-            <a:r>
-              <a:rPr lang="pt-BR" dirty="0"/>
-              <a:t>usando faz suposições sobre </a:t>
-            </a:r>
-            <a:r>
-              <a:rPr lang="pt-BR" dirty="0" smtClean="0"/>
-              <a:t>os atributos terem </a:t>
-            </a:r>
-            <a:r>
-              <a:rPr lang="pt-BR" dirty="0"/>
-              <a:t>uma distribuição Gaussiana, como </a:t>
-            </a:r>
-            <a:r>
-              <a:rPr lang="pt-BR" dirty="0" smtClean="0"/>
-              <a:t>por exemplo, o modelo de misturas Gaussianas.</a:t>
-            </a:r>
-          </a:p>
-          <a:p>
-            <a:r>
-              <a:rPr lang="pt-BR" dirty="0"/>
-              <a:t>No entanto, a escolha </a:t>
-            </a:r>
-            <a:r>
-              <a:rPr lang="pt-BR" dirty="0" smtClean="0"/>
-              <a:t>entre </a:t>
-            </a:r>
-            <a:r>
-              <a:rPr lang="pt-BR" b="1" i="1" dirty="0" smtClean="0"/>
-              <a:t>normalização</a:t>
-            </a:r>
-            <a:r>
-              <a:rPr lang="pt-BR" dirty="0" smtClean="0"/>
-              <a:t> </a:t>
-            </a:r>
-            <a:r>
-              <a:rPr lang="pt-BR" dirty="0"/>
-              <a:t>ou </a:t>
-            </a:r>
-            <a:r>
-              <a:rPr lang="pt-BR" b="1" i="1" dirty="0"/>
-              <a:t>padronização</a:t>
-            </a:r>
-            <a:r>
-              <a:rPr lang="pt-BR" dirty="0"/>
-              <a:t> dependerá do problema e do algoritmo de aprendizado de máquina que está sendo usando. Não existe uma regra rígida e direta para </a:t>
-            </a:r>
-            <a:r>
-              <a:rPr lang="pt-BR" dirty="0" smtClean="0"/>
-              <a:t>dizer quando </a:t>
-            </a:r>
-            <a:r>
-              <a:rPr lang="pt-BR" b="1" i="1" dirty="0"/>
-              <a:t>normalizar</a:t>
-            </a:r>
-            <a:r>
-              <a:rPr lang="pt-BR" dirty="0"/>
-              <a:t> ou </a:t>
-            </a:r>
-            <a:r>
-              <a:rPr lang="pt-BR" b="1" i="1" dirty="0"/>
-              <a:t>padronizar</a:t>
-            </a:r>
-            <a:r>
-              <a:rPr lang="pt-BR" dirty="0"/>
-              <a:t> os atributos. Portanto, é comum treinar o modelo com os dados brutos, normalizados e padronizados e em seguida comparar o desempenho para cada um dos casos</a:t>
-            </a:r>
-            <a:r>
-              <a:rPr lang="pt-BR" dirty="0" smtClean="0"/>
-              <a:t>.</a:t>
-            </a:r>
-            <a:endParaRPr lang="pt-BR" dirty="0"/>
-          </a:p>
-        </p:txBody>
-      </p:sp>
-    </p:spTree>
-    <p:extLst>
-      <p:ext uri="{BB962C8B-B14F-4D97-AF65-F5344CB8AC3E}">
-        <p14:creationId xmlns:p14="http://schemas.microsoft.com/office/powerpoint/2010/main" val="1426532372"/>
-      </p:ext>
-    </p:extLst>
-  </p:cSld>
-  <p:clrMapOvr>
-    <a:masterClrMapping/>
-  </p:clrMapOvr>
-</p:sld>
-</file>
-
-<file path=ppt/slides/slide9.xml><?xml version="1.0" encoding="utf-8"?>
-<p:sld xmlns:a="http://schemas.openxmlformats.org/drawingml/2006/main" xmlns:r="http://schemas.openxmlformats.org/officeDocument/2006/relationships" xmlns:p="http://schemas.openxmlformats.org/presentationml/2006/main">
-  <p:cSld>
-    <p:spTree>
-      <p:nvGrpSpPr>
-        <p:cNvPr id="1" name=""/>
-        <p:cNvGrpSpPr/>
-        <p:nvPr/>
-      </p:nvGrpSpPr>
-      <p:grpSpPr>
-        <a:xfrm>
-          <a:off x="0" y="0"/>
-          <a:ext cx="0" cy="0"/>
-          <a:chOff x="0" y="0"/>
-          <a:chExt cx="0" cy="0"/>
-        </a:xfrm>
-      </p:grpSpPr>
-      <p:sp>
-        <p:nvSpPr>
-          <p:cNvPr id="2" name="Title 1"/>
-          <p:cNvSpPr>
-            <a:spLocks noGrp="1"/>
-          </p:cNvSpPr>
-          <p:nvPr>
-            <p:ph type="title"/>
-          </p:nvPr>
-        </p:nvSpPr>
         <p:spPr/>
         <p:txBody>
           <a:bodyPr/>
@@ -21062,6 +20181,412 @@
 </p:sld>
 </file>
 
+<file path=ppt/slides/slide9.xml><?xml version="1.0" encoding="utf-8"?>
+<p:sld xmlns:a="http://schemas.openxmlformats.org/drawingml/2006/main" xmlns:r="http://schemas.openxmlformats.org/officeDocument/2006/relationships" xmlns:p="http://schemas.openxmlformats.org/presentationml/2006/main">
+  <p:cSld>
+    <p:spTree>
+      <p:nvGrpSpPr>
+        <p:cNvPr id="1" name=""/>
+        <p:cNvGrpSpPr/>
+        <p:nvPr/>
+      </p:nvGrpSpPr>
+      <p:grpSpPr>
+        <a:xfrm>
+          <a:off x="0" y="0"/>
+          <a:ext cx="0" cy="0"/>
+          <a:chOff x="0" y="0"/>
+          <a:chExt cx="0" cy="0"/>
+        </a:xfrm>
+      </p:grpSpPr>
+      <p:sp>
+        <p:nvSpPr>
+          <p:cNvPr id="2" name="Title 1"/>
+          <p:cNvSpPr>
+            <a:spLocks noGrp="1"/>
+          </p:cNvSpPr>
+          <p:nvPr>
+            <p:ph type="title"/>
+          </p:nvPr>
+        </p:nvSpPr>
+        <p:spPr/>
+        <p:txBody>
+          <a:bodyPr/>
+          <a:lstStyle/>
+          <a:p>
+            <a:r>
+              <a:rPr lang="pt-BR" dirty="0"/>
+              <a:t>Escalonamento de </a:t>
+            </a:r>
+            <a:r>
+              <a:rPr lang="pt-BR" dirty="0" smtClean="0"/>
+              <a:t>Features</a:t>
+            </a:r>
+            <a:endParaRPr lang="nl-BE" dirty="0"/>
+          </a:p>
+        </p:txBody>
+      </p:sp>
+      <p:sp>
+        <p:nvSpPr>
+          <p:cNvPr id="10" name="Content Placeholder 2"/>
+          <p:cNvSpPr txBox="1">
+            <a:spLocks/>
+          </p:cNvSpPr>
+          <p:nvPr/>
+        </p:nvSpPr>
+        <p:spPr>
+          <a:xfrm>
+            <a:off x="838199" y="1650519"/>
+            <a:ext cx="7741706" cy="4928889"/>
+          </a:xfrm>
+          <a:prstGeom prst="rect">
+            <a:avLst/>
+          </a:prstGeom>
+        </p:spPr>
+        <p:txBody>
+          <a:bodyPr vert="horz" lIns="91440" tIns="45720" rIns="91440" bIns="45720" rtlCol="0">
+            <a:normAutofit lnSpcReduction="10000"/>
+          </a:bodyPr>
+          <a:lstStyle>
+            <a:lvl1pPr marL="228600" indent="-228600" algn="l" defTabSz="914400" rtl="0" eaLnBrk="1" latinLnBrk="0" hangingPunct="1">
+              <a:lnSpc>
+                <a:spcPct val="90000"/>
+              </a:lnSpc>
+              <a:spcBef>
+                <a:spcPts val="1000"/>
+              </a:spcBef>
+              <a:buFont typeface="Arial" panose="020B0604020202020204" pitchFamily="34" charset="0"/>
+              <a:buChar char="•"/>
+              <a:defRPr sz="2800" kern="1200">
+                <a:solidFill>
+                  <a:schemeClr val="tx1"/>
+                </a:solidFill>
+                <a:latin typeface="+mn-lt"/>
+                <a:ea typeface="+mn-ea"/>
+                <a:cs typeface="+mn-cs"/>
+              </a:defRPr>
+            </a:lvl1pPr>
+            <a:lvl2pPr marL="685800" indent="-228600" algn="l" defTabSz="914400" rtl="0" eaLnBrk="1" latinLnBrk="0" hangingPunct="1">
+              <a:lnSpc>
+                <a:spcPct val="90000"/>
+              </a:lnSpc>
+              <a:spcBef>
+                <a:spcPts val="500"/>
+              </a:spcBef>
+              <a:buFont typeface="Arial" panose="020B0604020202020204" pitchFamily="34" charset="0"/>
+              <a:buChar char="•"/>
+              <a:defRPr sz="2400" kern="1200">
+                <a:solidFill>
+                  <a:schemeClr val="tx1"/>
+                </a:solidFill>
+                <a:latin typeface="+mn-lt"/>
+                <a:ea typeface="+mn-ea"/>
+                <a:cs typeface="+mn-cs"/>
+              </a:defRPr>
+            </a:lvl2pPr>
+            <a:lvl3pPr marL="1143000" indent="-228600" algn="l" defTabSz="914400" rtl="0" eaLnBrk="1" latinLnBrk="0" hangingPunct="1">
+              <a:lnSpc>
+                <a:spcPct val="90000"/>
+              </a:lnSpc>
+              <a:spcBef>
+                <a:spcPts val="500"/>
+              </a:spcBef>
+              <a:buFont typeface="Arial" panose="020B0604020202020204" pitchFamily="34" charset="0"/>
+              <a:buChar char="•"/>
+              <a:defRPr sz="2000" kern="1200">
+                <a:solidFill>
+                  <a:schemeClr val="tx1"/>
+                </a:solidFill>
+                <a:latin typeface="+mn-lt"/>
+                <a:ea typeface="+mn-ea"/>
+                <a:cs typeface="+mn-cs"/>
+              </a:defRPr>
+            </a:lvl3pPr>
+            <a:lvl4pPr marL="1600200" indent="-228600" algn="l" defTabSz="914400" rtl="0" eaLnBrk="1" latinLnBrk="0" hangingPunct="1">
+              <a:lnSpc>
+                <a:spcPct val="90000"/>
+              </a:lnSpc>
+              <a:spcBef>
+                <a:spcPts val="500"/>
+              </a:spcBef>
+              <a:buFont typeface="Arial" panose="020B0604020202020204" pitchFamily="34" charset="0"/>
+              <a:buChar char="•"/>
+              <a:defRPr sz="1800" kern="1200">
+                <a:solidFill>
+                  <a:schemeClr val="tx1"/>
+                </a:solidFill>
+                <a:latin typeface="+mn-lt"/>
+                <a:ea typeface="+mn-ea"/>
+                <a:cs typeface="+mn-cs"/>
+              </a:defRPr>
+            </a:lvl4pPr>
+            <a:lvl5pPr marL="2057400" indent="-228600" algn="l" defTabSz="914400" rtl="0" eaLnBrk="1" latinLnBrk="0" hangingPunct="1">
+              <a:lnSpc>
+                <a:spcPct val="90000"/>
+              </a:lnSpc>
+              <a:spcBef>
+                <a:spcPts val="500"/>
+              </a:spcBef>
+              <a:buFont typeface="Arial" panose="020B0604020202020204" pitchFamily="34" charset="0"/>
+              <a:buChar char="•"/>
+              <a:defRPr sz="1800" kern="1200">
+                <a:solidFill>
+                  <a:schemeClr val="tx1"/>
+                </a:solidFill>
+                <a:latin typeface="+mn-lt"/>
+                <a:ea typeface="+mn-ea"/>
+                <a:cs typeface="+mn-cs"/>
+              </a:defRPr>
+            </a:lvl5pPr>
+            <a:lvl6pPr marL="2514600" indent="-228600" algn="l" defTabSz="914400" rtl="0" eaLnBrk="1" latinLnBrk="0" hangingPunct="1">
+              <a:lnSpc>
+                <a:spcPct val="90000"/>
+              </a:lnSpc>
+              <a:spcBef>
+                <a:spcPts val="500"/>
+              </a:spcBef>
+              <a:buFont typeface="Arial" panose="020B0604020202020204" pitchFamily="34" charset="0"/>
+              <a:buChar char="•"/>
+              <a:defRPr sz="1800" kern="1200">
+                <a:solidFill>
+                  <a:schemeClr val="tx1"/>
+                </a:solidFill>
+                <a:latin typeface="+mn-lt"/>
+                <a:ea typeface="+mn-ea"/>
+                <a:cs typeface="+mn-cs"/>
+              </a:defRPr>
+            </a:lvl6pPr>
+            <a:lvl7pPr marL="2971800" indent="-228600" algn="l" defTabSz="914400" rtl="0" eaLnBrk="1" latinLnBrk="0" hangingPunct="1">
+              <a:lnSpc>
+                <a:spcPct val="90000"/>
+              </a:lnSpc>
+              <a:spcBef>
+                <a:spcPts val="500"/>
+              </a:spcBef>
+              <a:buFont typeface="Arial" panose="020B0604020202020204" pitchFamily="34" charset="0"/>
+              <a:buChar char="•"/>
+              <a:defRPr sz="1800" kern="1200">
+                <a:solidFill>
+                  <a:schemeClr val="tx1"/>
+                </a:solidFill>
+                <a:latin typeface="+mn-lt"/>
+                <a:ea typeface="+mn-ea"/>
+                <a:cs typeface="+mn-cs"/>
+              </a:defRPr>
+            </a:lvl7pPr>
+            <a:lvl8pPr marL="3429000" indent="-228600" algn="l" defTabSz="914400" rtl="0" eaLnBrk="1" latinLnBrk="0" hangingPunct="1">
+              <a:lnSpc>
+                <a:spcPct val="90000"/>
+              </a:lnSpc>
+              <a:spcBef>
+                <a:spcPts val="500"/>
+              </a:spcBef>
+              <a:buFont typeface="Arial" panose="020B0604020202020204" pitchFamily="34" charset="0"/>
+              <a:buChar char="•"/>
+              <a:defRPr sz="1800" kern="1200">
+                <a:solidFill>
+                  <a:schemeClr val="tx1"/>
+                </a:solidFill>
+                <a:latin typeface="+mn-lt"/>
+                <a:ea typeface="+mn-ea"/>
+                <a:cs typeface="+mn-cs"/>
+              </a:defRPr>
+            </a:lvl8pPr>
+            <a:lvl9pPr marL="3886200" indent="-228600" algn="l" defTabSz="914400" rtl="0" eaLnBrk="1" latinLnBrk="0" hangingPunct="1">
+              <a:lnSpc>
+                <a:spcPct val="90000"/>
+              </a:lnSpc>
+              <a:spcBef>
+                <a:spcPts val="500"/>
+              </a:spcBef>
+              <a:buFont typeface="Arial" panose="020B0604020202020204" pitchFamily="34" charset="0"/>
+              <a:buChar char="•"/>
+              <a:defRPr sz="1800" kern="1200">
+                <a:solidFill>
+                  <a:schemeClr val="tx1"/>
+                </a:solidFill>
+                <a:latin typeface="+mn-lt"/>
+                <a:ea typeface="+mn-ea"/>
+                <a:cs typeface="+mn-cs"/>
+              </a:defRPr>
+            </a:lvl9pPr>
+          </a:lstStyle>
+          <a:p>
+            <a:pPr algn="just"/>
+            <a:r>
+              <a:rPr lang="pt-BR" dirty="0"/>
+              <a:t>Agora aplicamos </a:t>
+            </a:r>
+            <a:r>
+              <a:rPr lang="pt-BR" b="1" i="1" dirty="0"/>
+              <a:t>padronização</a:t>
+            </a:r>
+            <a:r>
+              <a:rPr lang="pt-BR" dirty="0"/>
+              <a:t> aos atributos.</a:t>
+            </a:r>
+          </a:p>
+          <a:p>
+            <a:pPr algn="just"/>
+            <a:r>
+              <a:rPr lang="pt-BR" dirty="0" smtClean="0"/>
+              <a:t>Após a padronização, a </a:t>
+            </a:r>
+            <a:r>
+              <a:rPr lang="pt-BR" dirty="0"/>
+              <a:t>superfície se aproxima mais da forma de uma “</a:t>
+            </a:r>
+            <a:r>
+              <a:rPr lang="pt-BR" i="1" dirty="0"/>
+              <a:t>tigela</a:t>
+            </a:r>
+            <a:r>
+              <a:rPr lang="pt-BR" dirty="0"/>
+              <a:t>”.</a:t>
+            </a:r>
+          </a:p>
+          <a:p>
+            <a:pPr algn="just"/>
+            <a:r>
+              <a:rPr lang="pt-BR" dirty="0" smtClean="0"/>
+              <a:t>As linhas de contorno se tornam </a:t>
+            </a:r>
+            <a:r>
+              <a:rPr lang="pt-BR" dirty="0"/>
+              <a:t>mais “circulares”, denotando que a superfície tem inclinação similar em todas as direções dado que os atributos agora tem variações similares.</a:t>
+            </a:r>
+          </a:p>
+          <a:p>
+            <a:pPr algn="just"/>
+            <a:r>
+              <a:rPr lang="pt-BR" dirty="0" smtClean="0"/>
+              <a:t>Nesse exemplo, o algoritmo </a:t>
+            </a:r>
+            <a:r>
+              <a:rPr lang="pt-BR" dirty="0"/>
+              <a:t>converge em apenas 3 épocas.</a:t>
+            </a:r>
+          </a:p>
+          <a:p>
+            <a:pPr algn="just"/>
+            <a:r>
+              <a:rPr lang="pt-BR" dirty="0" smtClean="0"/>
+              <a:t>O treinamento se torna mais </a:t>
+            </a:r>
+            <a:r>
+              <a:rPr lang="pt-BR" dirty="0"/>
+              <a:t>rápido pois a </a:t>
+            </a:r>
+            <a:r>
+              <a:rPr lang="pt-BR" dirty="0" smtClean="0"/>
+              <a:t>inclinação da superfície se torna mais íngreme </a:t>
+            </a:r>
+            <a:r>
+              <a:rPr lang="pt-BR" dirty="0"/>
+              <a:t>em todas as direções.</a:t>
+            </a:r>
+          </a:p>
+          <a:p>
+            <a:pPr algn="just"/>
+            <a:endParaRPr lang="pt-BR" dirty="0"/>
+          </a:p>
+        </p:txBody>
+      </p:sp>
+      <p:sp>
+        <p:nvSpPr>
+          <p:cNvPr id="13" name="TextBox 12"/>
+          <p:cNvSpPr txBox="1"/>
+          <p:nvPr/>
+        </p:nvSpPr>
+        <p:spPr>
+          <a:xfrm>
+            <a:off x="8579905" y="95185"/>
+            <a:ext cx="3578930" cy="338554"/>
+          </a:xfrm>
+          <a:prstGeom prst="rect">
+            <a:avLst/>
+          </a:prstGeom>
+          <a:noFill/>
+        </p:spPr>
+        <p:txBody>
+          <a:bodyPr wrap="square" rtlCol="0">
+            <a:spAutoFit/>
+          </a:bodyPr>
+          <a:lstStyle/>
+          <a:p>
+            <a:pPr algn="ctr"/>
+            <a:r>
+              <a:rPr lang="pt-BR" sz="1600" b="1" dirty="0"/>
+              <a:t>Padronização</a:t>
+            </a:r>
+          </a:p>
+        </p:txBody>
+      </p:sp>
+      <p:pic>
+        <p:nvPicPr>
+          <p:cNvPr id="7" name="Picture 6"/>
+          <p:cNvPicPr>
+            <a:picLocks noChangeAspect="1"/>
+          </p:cNvPicPr>
+          <p:nvPr/>
+        </p:nvPicPr>
+        <p:blipFill rotWithShape="1">
+          <a:blip r:embed="rId3"/>
+          <a:srcRect l="1905" t="1634" r="5539" b="5810"/>
+          <a:stretch/>
+        </p:blipFill>
+        <p:spPr>
+          <a:xfrm>
+            <a:off x="8579905" y="437211"/>
+            <a:ext cx="3645260" cy="3071099"/>
+          </a:xfrm>
+          <a:prstGeom prst="rect">
+            <a:avLst/>
+          </a:prstGeom>
+        </p:spPr>
+      </p:pic>
+      <p:pic>
+        <p:nvPicPr>
+          <p:cNvPr id="14" name="Picture 13"/>
+          <p:cNvPicPr>
+            <a:picLocks noChangeAspect="1"/>
+          </p:cNvPicPr>
+          <p:nvPr/>
+        </p:nvPicPr>
+        <p:blipFill rotWithShape="1">
+          <a:blip r:embed="rId4"/>
+          <a:srcRect l="4937" r="7489" b="2714"/>
+          <a:stretch/>
+        </p:blipFill>
+        <p:spPr>
+          <a:xfrm>
+            <a:off x="8546740" y="3508310"/>
+            <a:ext cx="3578929" cy="3349690"/>
+          </a:xfrm>
+          <a:prstGeom prst="rect">
+            <a:avLst/>
+          </a:prstGeom>
+        </p:spPr>
+      </p:pic>
+    </p:spTree>
+    <p:extLst>
+      <p:ext uri="{BB962C8B-B14F-4D97-AF65-F5344CB8AC3E}">
+        <p14:creationId xmlns:p14="http://schemas.microsoft.com/office/powerpoint/2010/main" val="2332300590"/>
+      </p:ext>
+    </p:extLst>
+  </p:cSld>
+  <p:clrMapOvr>
+    <a:masterClrMapping/>
+  </p:clrMapOvr>
+  <p:timing>
+    <p:tnLst>
+      <p:par>
+        <p:cTn id="1" dur="indefinite" restart="never" nodeType="tmRoot"/>
+      </p:par>
+    </p:tnLst>
+  </p:timing>
+</p:sld>
+</file>
+
 <file path=ppt/theme/theme1.xml><?xml version="1.0" encoding="utf-8"?>
 <a:theme xmlns:a="http://schemas.openxmlformats.org/drawingml/2006/main" name="Office Theme">
   <a:themeElements>

--- a/slides/T319_Regressão_Linear (Parte IV).pptx
+++ b/slides/T319_Regressão_Linear (Parte IV).pptx
@@ -5,7 +5,7 @@
     <p:sldMasterId id="2147483648" r:id="rId1"/>
   </p:sldMasterIdLst>
   <p:notesMasterIdLst>
-    <p:notesMasterId r:id="rId20"/>
+    <p:notesMasterId r:id="rId16"/>
   </p:notesMasterIdLst>
   <p:sldIdLst>
     <p:sldId id="259" r:id="rId2"/>
@@ -22,10 +22,6 @@
     <p:sldId id="441" r:id="rId13"/>
     <p:sldId id="317" r:id="rId14"/>
     <p:sldId id="332" r:id="rId15"/>
-    <p:sldId id="299" r:id="rId16"/>
-    <p:sldId id="295" r:id="rId17"/>
-    <p:sldId id="396" r:id="rId18"/>
-    <p:sldId id="421" r:id="rId19"/>
   </p:sldIdLst>
   <p:sldSz cx="12192000" cy="6858000"/>
   <p:notesSz cx="6858000" cy="9144000"/>
@@ -541,7 +537,7 @@
           <a:p>
             <a:fld id="{DAF0AF11-6A8A-4E64-94F5-26D4FBA2A01D}" type="datetimeFigureOut">
               <a:rPr lang="nl-BE" smtClean="0"/>
-              <a:t>27/05/2021</a:t>
+              <a:t>30/05/2021</a:t>
             </a:fld>
             <a:endParaRPr lang="nl-BE"/>
           </a:p>
@@ -3041,7 +3037,7 @@
           <a:p>
             <a:fld id="{C80E15A5-E95B-43EB-9AC7-9A96397448C0}" type="datetimeFigureOut">
               <a:rPr lang="nl-BE" smtClean="0"/>
-              <a:t>27/05/2021</a:t>
+              <a:t>30/05/2021</a:t>
             </a:fld>
             <a:endParaRPr lang="nl-BE"/>
           </a:p>
@@ -3211,7 +3207,7 @@
           <a:p>
             <a:fld id="{C80E15A5-E95B-43EB-9AC7-9A96397448C0}" type="datetimeFigureOut">
               <a:rPr lang="nl-BE" smtClean="0"/>
-              <a:t>27/05/2021</a:t>
+              <a:t>30/05/2021</a:t>
             </a:fld>
             <a:endParaRPr lang="nl-BE"/>
           </a:p>
@@ -3391,7 +3387,7 @@
           <a:p>
             <a:fld id="{C80E15A5-E95B-43EB-9AC7-9A96397448C0}" type="datetimeFigureOut">
               <a:rPr lang="nl-BE" smtClean="0"/>
-              <a:t>27/05/2021</a:t>
+              <a:t>30/05/2021</a:t>
             </a:fld>
             <a:endParaRPr lang="nl-BE"/>
           </a:p>
@@ -3561,7 +3557,7 @@
           <a:p>
             <a:fld id="{C80E15A5-E95B-43EB-9AC7-9A96397448C0}" type="datetimeFigureOut">
               <a:rPr lang="nl-BE" smtClean="0"/>
-              <a:t>27/05/2021</a:t>
+              <a:t>30/05/2021</a:t>
             </a:fld>
             <a:endParaRPr lang="nl-BE"/>
           </a:p>
@@ -3807,7 +3803,7 @@
           <a:p>
             <a:fld id="{C80E15A5-E95B-43EB-9AC7-9A96397448C0}" type="datetimeFigureOut">
               <a:rPr lang="nl-BE" smtClean="0"/>
-              <a:t>27/05/2021</a:t>
+              <a:t>30/05/2021</a:t>
             </a:fld>
             <a:endParaRPr lang="nl-BE"/>
           </a:p>
@@ -4039,7 +4035,7 @@
           <a:p>
             <a:fld id="{C80E15A5-E95B-43EB-9AC7-9A96397448C0}" type="datetimeFigureOut">
               <a:rPr lang="nl-BE" smtClean="0"/>
-              <a:t>27/05/2021</a:t>
+              <a:t>30/05/2021</a:t>
             </a:fld>
             <a:endParaRPr lang="nl-BE"/>
           </a:p>
@@ -4406,7 +4402,7 @@
           <a:p>
             <a:fld id="{C80E15A5-E95B-43EB-9AC7-9A96397448C0}" type="datetimeFigureOut">
               <a:rPr lang="nl-BE" smtClean="0"/>
-              <a:t>27/05/2021</a:t>
+              <a:t>30/05/2021</a:t>
             </a:fld>
             <a:endParaRPr lang="nl-BE"/>
           </a:p>
@@ -4524,7 +4520,7 @@
           <a:p>
             <a:fld id="{C80E15A5-E95B-43EB-9AC7-9A96397448C0}" type="datetimeFigureOut">
               <a:rPr lang="nl-BE" smtClean="0"/>
-              <a:t>27/05/2021</a:t>
+              <a:t>30/05/2021</a:t>
             </a:fld>
             <a:endParaRPr lang="nl-BE"/>
           </a:p>
@@ -4619,7 +4615,7 @@
           <a:p>
             <a:fld id="{C80E15A5-E95B-43EB-9AC7-9A96397448C0}" type="datetimeFigureOut">
               <a:rPr lang="nl-BE" smtClean="0"/>
-              <a:t>27/05/2021</a:t>
+              <a:t>30/05/2021</a:t>
             </a:fld>
             <a:endParaRPr lang="nl-BE"/>
           </a:p>
@@ -4896,7 +4892,7 @@
           <a:p>
             <a:fld id="{C80E15A5-E95B-43EB-9AC7-9A96397448C0}" type="datetimeFigureOut">
               <a:rPr lang="nl-BE" smtClean="0"/>
-              <a:t>27/05/2021</a:t>
+              <a:t>30/05/2021</a:t>
             </a:fld>
             <a:endParaRPr lang="nl-BE"/>
           </a:p>
@@ -5149,7 +5145,7 @@
           <a:p>
             <a:fld id="{C80E15A5-E95B-43EB-9AC7-9A96397448C0}" type="datetimeFigureOut">
               <a:rPr lang="nl-BE" smtClean="0"/>
-              <a:t>27/05/2021</a:t>
+              <a:t>30/05/2021</a:t>
             </a:fld>
             <a:endParaRPr lang="nl-BE"/>
           </a:p>
@@ -5362,7 +5358,7 @@
           <a:p>
             <a:fld id="{C80E15A5-E95B-43EB-9AC7-9A96397448C0}" type="datetimeFigureOut">
               <a:rPr lang="nl-BE" smtClean="0"/>
-              <a:t>27/05/2021</a:t>
+              <a:t>30/05/2021</a:t>
             </a:fld>
             <a:endParaRPr lang="nl-BE"/>
           </a:p>
@@ -5772,7 +5768,7 @@
           <p:cNvPr id="2" name="Título 1">
             <a:extLst>
               <a:ext uri="{FF2B5EF4-FFF2-40B4-BE49-F238E27FC236}">
-                <a16:creationId xmlns="" xmlns:a16="http://schemas.microsoft.com/office/drawing/2014/main" id="{32666AC8-2E17-4DB4-B0F5-60C640CCFD2E}"/>
+                <a16:creationId xmlns:a16="http://schemas.microsoft.com/office/drawing/2014/main" xmlns="" id="{32666AC8-2E17-4DB4-B0F5-60C640CCFD2E}"/>
               </a:ext>
             </a:extLst>
           </p:cNvPr>
@@ -5831,7 +5827,7 @@
           <p:cNvPr id="4" name="CaixaDeTexto 3">
             <a:extLst>
               <a:ext uri="{FF2B5EF4-FFF2-40B4-BE49-F238E27FC236}">
-                <a16:creationId xmlns="" xmlns:a16="http://schemas.microsoft.com/office/drawing/2014/main" id="{430EB894-B7D4-434C-9D1A-A14094D9BEEC}"/>
+                <a16:creationId xmlns:a16="http://schemas.microsoft.com/office/drawing/2014/main" xmlns="" id="{430EB894-B7D4-434C-9D1A-A14094D9BEEC}"/>
               </a:ext>
             </a:extLst>
           </p:cNvPr>
@@ -5872,7 +5868,7 @@
           <p:cNvPr id="1026" name="Picture 2" descr="Logo">
             <a:extLst>
               <a:ext uri="{FF2B5EF4-FFF2-40B4-BE49-F238E27FC236}">
-                <a16:creationId xmlns="" xmlns:a16="http://schemas.microsoft.com/office/drawing/2014/main" id="{3F2642E0-4F6A-4196-8F58-E77D36E9A33F}"/>
+                <a16:creationId xmlns:a16="http://schemas.microsoft.com/office/drawing/2014/main" xmlns="" id="{3F2642E0-4F6A-4196-8F58-E77D36E9A33F}"/>
               </a:ext>
             </a:extLst>
           </p:cNvPr>
@@ -5917,7 +5913,7 @@
           <p:cNvPr id="5122" name="Picture 2" descr="Image result for machine learning">
             <a:extLst>
               <a:ext uri="{FF2B5EF4-FFF2-40B4-BE49-F238E27FC236}">
-                <a16:creationId xmlns="" xmlns:a16="http://schemas.microsoft.com/office/drawing/2014/main" id="{810CE0A2-4102-44A6-A370-175E7896CDCB}"/>
+                <a16:creationId xmlns:a16="http://schemas.microsoft.com/office/drawing/2014/main" xmlns="" id="{810CE0A2-4102-44A6-A370-175E7896CDCB}"/>
               </a:ext>
             </a:extLst>
           </p:cNvPr>
@@ -6091,8 +6087,13 @@
             </a:r>
             <a:r>
               <a:rPr lang="pt-BR" dirty="0" smtClean="0"/>
-              <a:t>exemplos de validação (ou seja, não vistos durante o treinamento).</a:t>
-            </a:r>
+              <a:t>exemplos de </a:t>
+            </a:r>
+            <a:r>
+              <a:rPr lang="pt-BR" dirty="0" smtClean="0"/>
+              <a:t>validação.</a:t>
+            </a:r>
+            <a:endParaRPr lang="pt-BR" dirty="0" smtClean="0"/>
           </a:p>
           <a:p>
             <a:r>
@@ -6438,7 +6439,15 @@
             </a:r>
             <a:r>
               <a:rPr lang="pt-BR" dirty="0"/>
-              <a:t>, mesmo que o número de exemplos aumente esta </a:t>
+              <a:t>, mesmo que o número de exemplos </a:t>
+            </a:r>
+            <a:r>
+              <a:rPr lang="pt-BR" dirty="0" smtClean="0"/>
+              <a:t>aumente indefinidamente, </a:t>
+            </a:r>
+            <a:r>
+              <a:rPr lang="pt-BR" dirty="0"/>
+              <a:t>esta </a:t>
             </a:r>
             <a:r>
               <a:rPr lang="pt-BR" dirty="0" smtClean="0"/>
@@ -6774,7 +6783,7 @@
           <p:cNvPr id="4" name="Título 1">
             <a:extLst>
               <a:ext uri="{FF2B5EF4-FFF2-40B4-BE49-F238E27FC236}">
-                <a16:creationId xmlns="" xmlns:a16="http://schemas.microsoft.com/office/drawing/2014/main" id="{32666AC8-2E17-4DB4-B0F5-60C640CCFD2E}"/>
+                <a16:creationId xmlns:a16="http://schemas.microsoft.com/office/drawing/2014/main" xmlns="" id="{32666AC8-2E17-4DB4-B0F5-60C640CCFD2E}"/>
               </a:ext>
             </a:extLst>
           </p:cNvPr>
@@ -6859,7 +6868,7 @@
           <p:cNvPr id="2050" name="Picture 2" descr="https://miro.medium.com/max/302/1*MpLkcugbeMrJvFlz69LTNQ.jpeg">
             <a:extLst>
               <a:ext uri="{FF2B5EF4-FFF2-40B4-BE49-F238E27FC236}">
-                <a16:creationId xmlns="" xmlns:a16="http://schemas.microsoft.com/office/drawing/2014/main" id="{DE195D4C-7D53-46C2-BDD9-033809B4E028}"/>
+                <a16:creationId xmlns:a16="http://schemas.microsoft.com/office/drawing/2014/main" xmlns="" id="{DE195D4C-7D53-46C2-BDD9-033809B4E028}"/>
               </a:ext>
             </a:extLst>
           </p:cNvPr>
@@ -6906,7 +6915,7 @@
           <p:cNvPr id="2052" name="Picture 4" descr="https://miro.medium.com/max/426/1*iRv8pCP7v8FzVJNe2vAjdw.png">
             <a:extLst>
               <a:ext uri="{FF2B5EF4-FFF2-40B4-BE49-F238E27FC236}">
-                <a16:creationId xmlns="" xmlns:a16="http://schemas.microsoft.com/office/drawing/2014/main" id="{76F9F526-3C2B-485C-9E25-3D10B3E3B0C3}"/>
+                <a16:creationId xmlns:a16="http://schemas.microsoft.com/office/drawing/2014/main" xmlns="" id="{76F9F526-3C2B-485C-9E25-3D10B3E3B0C3}"/>
               </a:ext>
             </a:extLst>
           </p:cNvPr>
@@ -6953,7 +6962,7 @@
           <p:cNvPr id="2054" name="Picture 6" descr="https://miro.medium.com/max/194/1*JugKARhlrp9HLTF5_lN7EQ.jpeg">
             <a:extLst>
               <a:ext uri="{FF2B5EF4-FFF2-40B4-BE49-F238E27FC236}">
-                <a16:creationId xmlns="" xmlns:a16="http://schemas.microsoft.com/office/drawing/2014/main" id="{50D99301-1821-4F05-A553-E371FA6728F0}"/>
+                <a16:creationId xmlns:a16="http://schemas.microsoft.com/office/drawing/2014/main" xmlns="" id="{50D99301-1821-4F05-A553-E371FA6728F0}"/>
               </a:ext>
             </a:extLst>
           </p:cNvPr>
@@ -7024,7 +7033,7 @@
           <p:cNvPr id="3" name="Picture 3" descr="A close up of text on a black background&#10;&#10;Description generated with very high confidence">
             <a:extLst>
               <a:ext uri="{FF2B5EF4-FFF2-40B4-BE49-F238E27FC236}">
-                <a16:creationId xmlns="" xmlns:a16="http://schemas.microsoft.com/office/drawing/2014/main" id="{2A0DF154-7178-4F01-A59C-CD7D1EB3AD92}"/>
+                <a16:creationId xmlns:a16="http://schemas.microsoft.com/office/drawing/2014/main" xmlns="" id="{2A0DF154-7178-4F01-A59C-CD7D1EB3AD92}"/>
               </a:ext>
             </a:extLst>
           </p:cNvPr>
@@ -7103,7716 +7112,6 @@
 </p:sld>
 </file>
 
-<file path=ppt/slides/slide15.xml><?xml version="1.0" encoding="utf-8"?>
-<p:sld xmlns:a="http://schemas.openxmlformats.org/drawingml/2006/main" xmlns:r="http://schemas.openxmlformats.org/officeDocument/2006/relationships" xmlns:p="http://schemas.openxmlformats.org/presentationml/2006/main">
-  <p:cSld>
-    <p:spTree>
-      <p:nvGrpSpPr>
-        <p:cNvPr id="1" name=""/>
-        <p:cNvGrpSpPr/>
-        <p:nvPr/>
-      </p:nvGrpSpPr>
-      <p:grpSpPr>
-        <a:xfrm>
-          <a:off x="0" y="0"/>
-          <a:ext cx="0" cy="0"/>
-          <a:chOff x="0" y="0"/>
-          <a:chExt cx="0" cy="0"/>
-        </a:xfrm>
-      </p:grpSpPr>
-      <p:sp>
-        <p:nvSpPr>
-          <p:cNvPr id="2" name="Title 1"/>
-          <p:cNvSpPr>
-            <a:spLocks noGrp="1"/>
-          </p:cNvSpPr>
-          <p:nvPr>
-            <p:ph type="title"/>
-          </p:nvPr>
-        </p:nvSpPr>
-        <p:spPr>
-          <a:xfrm>
-            <a:off x="775569" y="2494549"/>
-            <a:ext cx="10515600" cy="1325563"/>
-          </a:xfrm>
-        </p:spPr>
-        <p:txBody>
-          <a:bodyPr/>
-          <a:lstStyle/>
-          <a:p>
-            <a:pPr algn="ctr"/>
-            <a:r>
-              <a:rPr lang="pt-BR" dirty="0"/>
-              <a:t>FIGURAS</a:t>
-            </a:r>
-          </a:p>
-        </p:txBody>
-      </p:sp>
-    </p:spTree>
-    <p:extLst>
-      <p:ext uri="{BB962C8B-B14F-4D97-AF65-F5344CB8AC3E}">
-        <p14:creationId xmlns:p14="http://schemas.microsoft.com/office/powerpoint/2010/main" val="1748780309"/>
-      </p:ext>
-    </p:extLst>
-  </p:cSld>
-  <p:clrMapOvr>
-    <a:masterClrMapping/>
-  </p:clrMapOvr>
-</p:sld>
-</file>
-
-<file path=ppt/slides/slide16.xml><?xml version="1.0" encoding="utf-8"?>
-<p:sld xmlns:a="http://schemas.openxmlformats.org/drawingml/2006/main" xmlns:r="http://schemas.openxmlformats.org/officeDocument/2006/relationships" xmlns:p="http://schemas.openxmlformats.org/presentationml/2006/main">
-  <p:cSld>
-    <p:spTree>
-      <p:nvGrpSpPr>
-        <p:cNvPr id="1" name=""/>
-        <p:cNvGrpSpPr/>
-        <p:nvPr/>
-      </p:nvGrpSpPr>
-      <p:grpSpPr>
-        <a:xfrm>
-          <a:off x="0" y="0"/>
-          <a:ext cx="0" cy="0"/>
-          <a:chOff x="0" y="0"/>
-          <a:chExt cx="0" cy="0"/>
-        </a:xfrm>
-      </p:grpSpPr>
-      <p:grpSp>
-        <p:nvGrpSpPr>
-          <p:cNvPr id="167" name="Group 166"/>
-          <p:cNvGrpSpPr/>
-          <p:nvPr/>
-        </p:nvGrpSpPr>
-        <p:grpSpPr>
-          <a:xfrm>
-            <a:off x="6818898" y="2134388"/>
-            <a:ext cx="3549478" cy="3157828"/>
-            <a:chOff x="6818898" y="2134388"/>
-            <a:chExt cx="3549478" cy="3157828"/>
-          </a:xfrm>
-        </p:grpSpPr>
-        <p:sp>
-          <p:nvSpPr>
-            <p:cNvPr id="108" name="Oval 107"/>
-            <p:cNvSpPr/>
-            <p:nvPr/>
-          </p:nvSpPr>
-          <p:spPr>
-            <a:xfrm>
-              <a:off x="7353299" y="2749031"/>
-              <a:ext cx="2160000" cy="2160000"/>
-            </a:xfrm>
-            <a:prstGeom prst="ellipse">
-              <a:avLst/>
-            </a:prstGeom>
-            <a:noFill/>
-            <a:ln>
-              <a:solidFill>
-                <a:schemeClr val="tx1"/>
-              </a:solidFill>
-            </a:ln>
-          </p:spPr>
-          <p:style>
-            <a:lnRef idx="2">
-              <a:schemeClr val="accent1">
-                <a:shade val="50000"/>
-              </a:schemeClr>
-            </a:lnRef>
-            <a:fillRef idx="1">
-              <a:schemeClr val="accent1"/>
-            </a:fillRef>
-            <a:effectRef idx="0">
-              <a:schemeClr val="accent1"/>
-            </a:effectRef>
-            <a:fontRef idx="minor">
-              <a:schemeClr val="lt1"/>
-            </a:fontRef>
-          </p:style>
-          <p:txBody>
-            <a:bodyPr rtlCol="0" anchor="ctr"/>
-            <a:lstStyle/>
-            <a:p>
-              <a:pPr algn="ctr"/>
-              <a:endParaRPr lang="pt-BR"/>
-            </a:p>
-          </p:txBody>
-        </p:sp>
-        <p:sp>
-          <p:nvSpPr>
-            <p:cNvPr id="109" name="Oval 108"/>
-            <p:cNvSpPr/>
-            <p:nvPr/>
-          </p:nvSpPr>
-          <p:spPr>
-            <a:xfrm>
-              <a:off x="7533299" y="2929031"/>
-              <a:ext cx="1800000" cy="1800000"/>
-            </a:xfrm>
-            <a:prstGeom prst="ellipse">
-              <a:avLst/>
-            </a:prstGeom>
-            <a:noFill/>
-            <a:ln>
-              <a:solidFill>
-                <a:schemeClr val="tx1"/>
-              </a:solidFill>
-            </a:ln>
-          </p:spPr>
-          <p:style>
-            <a:lnRef idx="2">
-              <a:schemeClr val="accent1">
-                <a:shade val="50000"/>
-              </a:schemeClr>
-            </a:lnRef>
-            <a:fillRef idx="1">
-              <a:schemeClr val="accent1"/>
-            </a:fillRef>
-            <a:effectRef idx="0">
-              <a:schemeClr val="accent1"/>
-            </a:effectRef>
-            <a:fontRef idx="minor">
-              <a:schemeClr val="lt1"/>
-            </a:fontRef>
-          </p:style>
-          <p:txBody>
-            <a:bodyPr rtlCol="0" anchor="ctr"/>
-            <a:lstStyle/>
-            <a:p>
-              <a:pPr algn="ctr"/>
-              <a:endParaRPr lang="pt-BR"/>
-            </a:p>
-          </p:txBody>
-        </p:sp>
-        <p:sp>
-          <p:nvSpPr>
-            <p:cNvPr id="110" name="Oval 109"/>
-            <p:cNvSpPr/>
-            <p:nvPr/>
-          </p:nvSpPr>
-          <p:spPr>
-            <a:xfrm>
-              <a:off x="7713299" y="3109031"/>
-              <a:ext cx="1440000" cy="1440000"/>
-            </a:xfrm>
-            <a:prstGeom prst="ellipse">
-              <a:avLst/>
-            </a:prstGeom>
-            <a:noFill/>
-            <a:ln>
-              <a:solidFill>
-                <a:schemeClr val="tx1"/>
-              </a:solidFill>
-            </a:ln>
-          </p:spPr>
-          <p:style>
-            <a:lnRef idx="2">
-              <a:schemeClr val="accent1">
-                <a:shade val="50000"/>
-              </a:schemeClr>
-            </a:lnRef>
-            <a:fillRef idx="1">
-              <a:schemeClr val="accent1"/>
-            </a:fillRef>
-            <a:effectRef idx="0">
-              <a:schemeClr val="accent1"/>
-            </a:effectRef>
-            <a:fontRef idx="minor">
-              <a:schemeClr val="lt1"/>
-            </a:fontRef>
-          </p:style>
-          <p:txBody>
-            <a:bodyPr rtlCol="0" anchor="ctr"/>
-            <a:lstStyle/>
-            <a:p>
-              <a:pPr algn="ctr"/>
-              <a:endParaRPr lang="pt-BR"/>
-            </a:p>
-          </p:txBody>
-        </p:sp>
-        <p:sp>
-          <p:nvSpPr>
-            <p:cNvPr id="111" name="Oval 110"/>
-            <p:cNvSpPr/>
-            <p:nvPr/>
-          </p:nvSpPr>
-          <p:spPr>
-            <a:xfrm>
-              <a:off x="7893299" y="3289031"/>
-              <a:ext cx="1080000" cy="1080000"/>
-            </a:xfrm>
-            <a:prstGeom prst="ellipse">
-              <a:avLst/>
-            </a:prstGeom>
-            <a:noFill/>
-            <a:ln>
-              <a:solidFill>
-                <a:schemeClr val="tx1"/>
-              </a:solidFill>
-            </a:ln>
-          </p:spPr>
-          <p:style>
-            <a:lnRef idx="2">
-              <a:schemeClr val="accent1">
-                <a:shade val="50000"/>
-              </a:schemeClr>
-            </a:lnRef>
-            <a:fillRef idx="1">
-              <a:schemeClr val="accent1"/>
-            </a:fillRef>
-            <a:effectRef idx="0">
-              <a:schemeClr val="accent1"/>
-            </a:effectRef>
-            <a:fontRef idx="minor">
-              <a:schemeClr val="lt1"/>
-            </a:fontRef>
-          </p:style>
-          <p:txBody>
-            <a:bodyPr rtlCol="0" anchor="ctr"/>
-            <a:lstStyle/>
-            <a:p>
-              <a:pPr algn="ctr"/>
-              <a:endParaRPr lang="pt-BR"/>
-            </a:p>
-          </p:txBody>
-        </p:sp>
-        <p:sp>
-          <p:nvSpPr>
-            <p:cNvPr id="112" name="Oval 111"/>
-            <p:cNvSpPr/>
-            <p:nvPr/>
-          </p:nvSpPr>
-          <p:spPr>
-            <a:xfrm>
-              <a:off x="8073299" y="3469031"/>
-              <a:ext cx="720000" cy="720000"/>
-            </a:xfrm>
-            <a:prstGeom prst="ellipse">
-              <a:avLst/>
-            </a:prstGeom>
-            <a:noFill/>
-            <a:ln>
-              <a:solidFill>
-                <a:schemeClr val="tx1"/>
-              </a:solidFill>
-            </a:ln>
-          </p:spPr>
-          <p:style>
-            <a:lnRef idx="2">
-              <a:schemeClr val="accent1">
-                <a:shade val="50000"/>
-              </a:schemeClr>
-            </a:lnRef>
-            <a:fillRef idx="1">
-              <a:schemeClr val="accent1"/>
-            </a:fillRef>
-            <a:effectRef idx="0">
-              <a:schemeClr val="accent1"/>
-            </a:effectRef>
-            <a:fontRef idx="minor">
-              <a:schemeClr val="lt1"/>
-            </a:fontRef>
-          </p:style>
-          <p:txBody>
-            <a:bodyPr rtlCol="0" anchor="ctr"/>
-            <a:lstStyle/>
-            <a:p>
-              <a:pPr algn="ctr"/>
-              <a:endParaRPr lang="pt-BR"/>
-            </a:p>
-          </p:txBody>
-        </p:sp>
-        <p:sp>
-          <p:nvSpPr>
-            <p:cNvPr id="113" name="Oval 112"/>
-            <p:cNvSpPr/>
-            <p:nvPr/>
-          </p:nvSpPr>
-          <p:spPr>
-            <a:xfrm>
-              <a:off x="8253299" y="3649031"/>
-              <a:ext cx="360000" cy="360000"/>
-            </a:xfrm>
-            <a:prstGeom prst="ellipse">
-              <a:avLst/>
-            </a:prstGeom>
-            <a:noFill/>
-            <a:ln>
-              <a:solidFill>
-                <a:schemeClr val="tx1"/>
-              </a:solidFill>
-            </a:ln>
-          </p:spPr>
-          <p:style>
-            <a:lnRef idx="2">
-              <a:schemeClr val="accent1">
-                <a:shade val="50000"/>
-              </a:schemeClr>
-            </a:lnRef>
-            <a:fillRef idx="1">
-              <a:schemeClr val="accent1"/>
-            </a:fillRef>
-            <a:effectRef idx="0">
-              <a:schemeClr val="accent1"/>
-            </a:effectRef>
-            <a:fontRef idx="minor">
-              <a:schemeClr val="lt1"/>
-            </a:fontRef>
-          </p:style>
-          <p:txBody>
-            <a:bodyPr rtlCol="0" anchor="ctr"/>
-            <a:lstStyle/>
-            <a:p>
-              <a:pPr algn="ctr"/>
-              <a:endParaRPr lang="pt-BR"/>
-            </a:p>
-          </p:txBody>
-        </p:sp>
-        <p:sp>
-          <p:nvSpPr>
-            <p:cNvPr id="114" name="Multiply 113"/>
-            <p:cNvSpPr>
-              <a:spLocks noChangeAspect="1"/>
-            </p:cNvSpPr>
-            <p:nvPr/>
-          </p:nvSpPr>
-          <p:spPr>
-            <a:xfrm>
-              <a:off x="8349614" y="3734666"/>
-              <a:ext cx="158298" cy="180000"/>
-            </a:xfrm>
-            <a:prstGeom prst="mathMultiply">
-              <a:avLst/>
-            </a:prstGeom>
-            <a:solidFill>
-              <a:srgbClr val="FF0000"/>
-            </a:solidFill>
-            <a:ln w="3175">
-              <a:solidFill>
-                <a:schemeClr val="tx1"/>
-              </a:solidFill>
-            </a:ln>
-          </p:spPr>
-          <p:style>
-            <a:lnRef idx="2">
-              <a:schemeClr val="accent1">
-                <a:shade val="50000"/>
-              </a:schemeClr>
-            </a:lnRef>
-            <a:fillRef idx="1">
-              <a:schemeClr val="accent1"/>
-            </a:fillRef>
-            <a:effectRef idx="0">
-              <a:schemeClr val="accent1"/>
-            </a:effectRef>
-            <a:fontRef idx="minor">
-              <a:schemeClr val="lt1"/>
-            </a:fontRef>
-          </p:style>
-          <p:txBody>
-            <a:bodyPr rtlCol="0" anchor="ctr"/>
-            <a:lstStyle/>
-            <a:p>
-              <a:pPr algn="ctr"/>
-              <a:endParaRPr lang="pt-BR"/>
-            </a:p>
-          </p:txBody>
-        </p:sp>
-        <p:cxnSp>
-          <p:nvCxnSpPr>
-            <p:cNvPr id="119" name="Straight Connector 118"/>
-            <p:cNvCxnSpPr/>
-            <p:nvPr/>
-          </p:nvCxnSpPr>
-          <p:spPr>
-            <a:xfrm flipH="1">
-              <a:off x="7936368" y="4340403"/>
-              <a:ext cx="136931" cy="180000"/>
-            </a:xfrm>
-            <a:prstGeom prst="line">
-              <a:avLst/>
-            </a:prstGeom>
-            <a:ln w="12700">
-              <a:solidFill>
-                <a:schemeClr val="tx1"/>
-              </a:solidFill>
-              <a:prstDash val="dash"/>
-            </a:ln>
-          </p:spPr>
-          <p:style>
-            <a:lnRef idx="1">
-              <a:schemeClr val="accent1"/>
-            </a:lnRef>
-            <a:fillRef idx="0">
-              <a:schemeClr val="accent1"/>
-            </a:fillRef>
-            <a:effectRef idx="0">
-              <a:schemeClr val="accent1"/>
-            </a:effectRef>
-            <a:fontRef idx="minor">
-              <a:schemeClr val="tx1"/>
-            </a:fontRef>
-          </p:style>
-        </p:cxnSp>
-        <p:cxnSp>
-          <p:nvCxnSpPr>
-            <p:cNvPr id="121" name="Straight Connector 120"/>
-            <p:cNvCxnSpPr/>
-            <p:nvPr/>
-          </p:nvCxnSpPr>
-          <p:spPr>
-            <a:xfrm flipH="1">
-              <a:off x="8074119" y="4165165"/>
-              <a:ext cx="153100" cy="175266"/>
-            </a:xfrm>
-            <a:prstGeom prst="line">
-              <a:avLst/>
-            </a:prstGeom>
-            <a:ln w="12700">
-              <a:solidFill>
-                <a:schemeClr val="tx1"/>
-              </a:solidFill>
-              <a:prstDash val="dash"/>
-            </a:ln>
-          </p:spPr>
-          <p:style>
-            <a:lnRef idx="1">
-              <a:schemeClr val="accent1"/>
-            </a:lnRef>
-            <a:fillRef idx="0">
-              <a:schemeClr val="accent1"/>
-            </a:fillRef>
-            <a:effectRef idx="0">
-              <a:schemeClr val="accent1"/>
-            </a:effectRef>
-            <a:fontRef idx="minor">
-              <a:schemeClr val="tx1"/>
-            </a:fontRef>
-          </p:style>
-        </p:cxnSp>
-        <p:cxnSp>
-          <p:nvCxnSpPr>
-            <p:cNvPr id="123" name="Straight Connector 122"/>
-            <p:cNvCxnSpPr/>
-            <p:nvPr/>
-          </p:nvCxnSpPr>
-          <p:spPr>
-            <a:xfrm flipH="1">
-              <a:off x="8216880" y="4030041"/>
-              <a:ext cx="86539" cy="150678"/>
-            </a:xfrm>
-            <a:prstGeom prst="line">
-              <a:avLst/>
-            </a:prstGeom>
-            <a:ln w="12700">
-              <a:solidFill>
-                <a:schemeClr val="tx1"/>
-              </a:solidFill>
-              <a:prstDash val="dash"/>
-            </a:ln>
-          </p:spPr>
-          <p:style>
-            <a:lnRef idx="1">
-              <a:schemeClr val="accent1"/>
-            </a:lnRef>
-            <a:fillRef idx="0">
-              <a:schemeClr val="accent1"/>
-            </a:fillRef>
-            <a:effectRef idx="0">
-              <a:schemeClr val="accent1"/>
-            </a:effectRef>
-            <a:fontRef idx="minor">
-              <a:schemeClr val="tx1"/>
-            </a:fontRef>
-          </p:style>
-        </p:cxnSp>
-        <p:cxnSp>
-          <p:nvCxnSpPr>
-            <p:cNvPr id="126" name="Straight Connector 125"/>
-            <p:cNvCxnSpPr/>
-            <p:nvPr/>
-          </p:nvCxnSpPr>
-          <p:spPr>
-            <a:xfrm flipH="1">
-              <a:off x="8304826" y="3915692"/>
-              <a:ext cx="65154" cy="112507"/>
-            </a:xfrm>
-            <a:prstGeom prst="line">
-              <a:avLst/>
-            </a:prstGeom>
-            <a:ln w="12700">
-              <a:solidFill>
-                <a:schemeClr val="tx1"/>
-              </a:solidFill>
-              <a:prstDash val="dash"/>
-            </a:ln>
-          </p:spPr>
-          <p:style>
-            <a:lnRef idx="1">
-              <a:schemeClr val="accent1"/>
-            </a:lnRef>
-            <a:fillRef idx="0">
-              <a:schemeClr val="accent1"/>
-            </a:fillRef>
-            <a:effectRef idx="0">
-              <a:schemeClr val="accent1"/>
-            </a:effectRef>
-            <a:fontRef idx="minor">
-              <a:schemeClr val="tx1"/>
-            </a:fontRef>
-          </p:style>
-        </p:cxnSp>
-        <p:cxnSp>
-          <p:nvCxnSpPr>
-            <p:cNvPr id="128" name="Straight Connector 127"/>
-            <p:cNvCxnSpPr/>
-            <p:nvPr/>
-          </p:nvCxnSpPr>
-          <p:spPr>
-            <a:xfrm flipH="1">
-              <a:off x="8368145" y="3829031"/>
-              <a:ext cx="65154" cy="92178"/>
-            </a:xfrm>
-            <a:prstGeom prst="line">
-              <a:avLst/>
-            </a:prstGeom>
-            <a:ln w="12700">
-              <a:solidFill>
-                <a:schemeClr val="tx1"/>
-              </a:solidFill>
-              <a:prstDash val="dash"/>
-            </a:ln>
-          </p:spPr>
-          <p:style>
-            <a:lnRef idx="1">
-              <a:schemeClr val="accent1"/>
-            </a:lnRef>
-            <a:fillRef idx="0">
-              <a:schemeClr val="accent1"/>
-            </a:fillRef>
-            <a:effectRef idx="0">
-              <a:schemeClr val="accent1"/>
-            </a:effectRef>
-            <a:fontRef idx="minor">
-              <a:schemeClr val="tx1"/>
-            </a:fontRef>
-          </p:style>
-        </p:cxnSp>
-        <p:sp>
-          <p:nvSpPr>
-            <p:cNvPr id="131" name="Multiply 130"/>
-            <p:cNvSpPr>
-              <a:spLocks noChangeAspect="1"/>
-            </p:cNvSpPr>
-            <p:nvPr/>
-          </p:nvSpPr>
-          <p:spPr>
-            <a:xfrm>
-              <a:off x="7733351" y="4634932"/>
-              <a:ext cx="72817" cy="82800"/>
-            </a:xfrm>
-            <a:prstGeom prst="mathMultiply">
-              <a:avLst/>
-            </a:prstGeom>
-            <a:solidFill>
-              <a:srgbClr val="00B0F0"/>
-            </a:solidFill>
-            <a:ln w="3175">
-              <a:solidFill>
-                <a:schemeClr val="tx1"/>
-              </a:solidFill>
-            </a:ln>
-          </p:spPr>
-          <p:style>
-            <a:lnRef idx="2">
-              <a:schemeClr val="accent1">
-                <a:shade val="50000"/>
-              </a:schemeClr>
-            </a:lnRef>
-            <a:fillRef idx="1">
-              <a:schemeClr val="accent1"/>
-            </a:fillRef>
-            <a:effectRef idx="0">
-              <a:schemeClr val="accent1"/>
-            </a:effectRef>
-            <a:fontRef idx="minor">
-              <a:schemeClr val="lt1"/>
-            </a:fontRef>
-          </p:style>
-          <p:txBody>
-            <a:bodyPr rtlCol="0" anchor="ctr"/>
-            <a:lstStyle/>
-            <a:p>
-              <a:pPr algn="ctr"/>
-              <a:endParaRPr lang="pt-BR"/>
-            </a:p>
-          </p:txBody>
-        </p:sp>
-        <p:cxnSp>
-          <p:nvCxnSpPr>
-            <p:cNvPr id="115" name="Straight Connector 114"/>
-            <p:cNvCxnSpPr/>
-            <p:nvPr/>
-          </p:nvCxnSpPr>
-          <p:spPr>
-            <a:xfrm flipH="1">
-              <a:off x="7750018" y="4513680"/>
-              <a:ext cx="193832" cy="182857"/>
-            </a:xfrm>
-            <a:prstGeom prst="line">
-              <a:avLst/>
-            </a:prstGeom>
-            <a:ln w="12700">
-              <a:solidFill>
-                <a:schemeClr val="tx1"/>
-              </a:solidFill>
-              <a:prstDash val="dash"/>
-            </a:ln>
-          </p:spPr>
-          <p:style>
-            <a:lnRef idx="1">
-              <a:schemeClr val="accent1"/>
-            </a:lnRef>
-            <a:fillRef idx="0">
-              <a:schemeClr val="accent1"/>
-            </a:fillRef>
-            <a:effectRef idx="0">
-              <a:schemeClr val="accent1"/>
-            </a:effectRef>
-            <a:fontRef idx="minor">
-              <a:schemeClr val="tx1"/>
-            </a:fontRef>
-          </p:style>
-        </p:cxnSp>
-        <p:sp>
-          <p:nvSpPr>
-            <p:cNvPr id="132" name="Multiply 131"/>
-            <p:cNvSpPr>
-              <a:spLocks noChangeAspect="1"/>
-            </p:cNvSpPr>
-            <p:nvPr/>
-          </p:nvSpPr>
-          <p:spPr>
-            <a:xfrm>
-              <a:off x="7907441" y="4469956"/>
-              <a:ext cx="72817" cy="82800"/>
-            </a:xfrm>
-            <a:prstGeom prst="mathMultiply">
-              <a:avLst/>
-            </a:prstGeom>
-            <a:solidFill>
-              <a:srgbClr val="00B0F0"/>
-            </a:solidFill>
-            <a:ln w="3175">
-              <a:solidFill>
-                <a:schemeClr val="tx1"/>
-              </a:solidFill>
-            </a:ln>
-          </p:spPr>
-          <p:style>
-            <a:lnRef idx="2">
-              <a:schemeClr val="accent1">
-                <a:shade val="50000"/>
-              </a:schemeClr>
-            </a:lnRef>
-            <a:fillRef idx="1">
-              <a:schemeClr val="accent1"/>
-            </a:fillRef>
-            <a:effectRef idx="0">
-              <a:schemeClr val="accent1"/>
-            </a:effectRef>
-            <a:fontRef idx="minor">
-              <a:schemeClr val="lt1"/>
-            </a:fontRef>
-          </p:style>
-          <p:txBody>
-            <a:bodyPr rtlCol="0" anchor="ctr"/>
-            <a:lstStyle/>
-            <a:p>
-              <a:pPr algn="ctr"/>
-              <a:endParaRPr lang="pt-BR"/>
-            </a:p>
-          </p:txBody>
-        </p:sp>
-        <p:sp>
-          <p:nvSpPr>
-            <p:cNvPr id="133" name="Multiply 132"/>
-            <p:cNvSpPr>
-              <a:spLocks noChangeAspect="1"/>
-            </p:cNvSpPr>
-            <p:nvPr/>
-          </p:nvSpPr>
-          <p:spPr>
-            <a:xfrm>
-              <a:off x="7991128" y="4358555"/>
-              <a:ext cx="72817" cy="82800"/>
-            </a:xfrm>
-            <a:prstGeom prst="mathMultiply">
-              <a:avLst/>
-            </a:prstGeom>
-            <a:solidFill>
-              <a:srgbClr val="00B0F0"/>
-            </a:solidFill>
-            <a:ln w="3175">
-              <a:solidFill>
-                <a:schemeClr val="tx1"/>
-              </a:solidFill>
-            </a:ln>
-          </p:spPr>
-          <p:style>
-            <a:lnRef idx="2">
-              <a:schemeClr val="accent1">
-                <a:shade val="50000"/>
-              </a:schemeClr>
-            </a:lnRef>
-            <a:fillRef idx="1">
-              <a:schemeClr val="accent1"/>
-            </a:fillRef>
-            <a:effectRef idx="0">
-              <a:schemeClr val="accent1"/>
-            </a:effectRef>
-            <a:fontRef idx="minor">
-              <a:schemeClr val="lt1"/>
-            </a:fontRef>
-          </p:style>
-          <p:txBody>
-            <a:bodyPr rtlCol="0" anchor="ctr"/>
-            <a:lstStyle/>
-            <a:p>
-              <a:pPr algn="ctr"/>
-              <a:endParaRPr lang="pt-BR"/>
-            </a:p>
-          </p:txBody>
-        </p:sp>
-        <p:sp>
-          <p:nvSpPr>
-            <p:cNvPr id="134" name="Multiply 133"/>
-            <p:cNvSpPr>
-              <a:spLocks noChangeAspect="1"/>
-            </p:cNvSpPr>
-            <p:nvPr/>
-          </p:nvSpPr>
-          <p:spPr>
-            <a:xfrm>
-              <a:off x="8073299" y="4257603"/>
-              <a:ext cx="72817" cy="82800"/>
-            </a:xfrm>
-            <a:prstGeom prst="mathMultiply">
-              <a:avLst/>
-            </a:prstGeom>
-            <a:solidFill>
-              <a:srgbClr val="00B0F0"/>
-            </a:solidFill>
-            <a:ln w="3175">
-              <a:solidFill>
-                <a:schemeClr val="tx1"/>
-              </a:solidFill>
-            </a:ln>
-          </p:spPr>
-          <p:style>
-            <a:lnRef idx="2">
-              <a:schemeClr val="accent1">
-                <a:shade val="50000"/>
-              </a:schemeClr>
-            </a:lnRef>
-            <a:fillRef idx="1">
-              <a:schemeClr val="accent1"/>
-            </a:fillRef>
-            <a:effectRef idx="0">
-              <a:schemeClr val="accent1"/>
-            </a:effectRef>
-            <a:fontRef idx="minor">
-              <a:schemeClr val="lt1"/>
-            </a:fontRef>
-          </p:style>
-          <p:txBody>
-            <a:bodyPr rtlCol="0" anchor="ctr"/>
-            <a:lstStyle/>
-            <a:p>
-              <a:pPr algn="ctr"/>
-              <a:endParaRPr lang="pt-BR"/>
-            </a:p>
-          </p:txBody>
-        </p:sp>
-        <p:sp>
-          <p:nvSpPr>
-            <p:cNvPr id="135" name="Multiply 134"/>
-            <p:cNvSpPr>
-              <a:spLocks noChangeAspect="1"/>
-            </p:cNvSpPr>
-            <p:nvPr/>
-          </p:nvSpPr>
-          <p:spPr>
-            <a:xfrm>
-              <a:off x="8300077" y="3920332"/>
-              <a:ext cx="72817" cy="82800"/>
-            </a:xfrm>
-            <a:prstGeom prst="mathMultiply">
-              <a:avLst/>
-            </a:prstGeom>
-            <a:solidFill>
-              <a:srgbClr val="00B0F0"/>
-            </a:solidFill>
-            <a:ln w="3175">
-              <a:solidFill>
-                <a:schemeClr val="tx1"/>
-              </a:solidFill>
-            </a:ln>
-          </p:spPr>
-          <p:style>
-            <a:lnRef idx="2">
-              <a:schemeClr val="accent1">
-                <a:shade val="50000"/>
-              </a:schemeClr>
-            </a:lnRef>
-            <a:fillRef idx="1">
-              <a:schemeClr val="accent1"/>
-            </a:fillRef>
-            <a:effectRef idx="0">
-              <a:schemeClr val="accent1"/>
-            </a:effectRef>
-            <a:fontRef idx="minor">
-              <a:schemeClr val="lt1"/>
-            </a:fontRef>
-          </p:style>
-          <p:txBody>
-            <a:bodyPr rtlCol="0" anchor="ctr"/>
-            <a:lstStyle/>
-            <a:p>
-              <a:pPr algn="ctr"/>
-              <a:endParaRPr lang="pt-BR"/>
-            </a:p>
-          </p:txBody>
-        </p:sp>
-        <p:sp>
-          <p:nvSpPr>
-            <p:cNvPr id="154" name="Multiply 153"/>
-            <p:cNvSpPr>
-              <a:spLocks noChangeAspect="1"/>
-            </p:cNvSpPr>
-            <p:nvPr/>
-          </p:nvSpPr>
-          <p:spPr>
-            <a:xfrm>
-              <a:off x="8175312" y="4136565"/>
-              <a:ext cx="72817" cy="82800"/>
-            </a:xfrm>
-            <a:prstGeom prst="mathMultiply">
-              <a:avLst/>
-            </a:prstGeom>
-            <a:solidFill>
-              <a:srgbClr val="00B0F0"/>
-            </a:solidFill>
-            <a:ln w="3175">
-              <a:solidFill>
-                <a:schemeClr val="tx1"/>
-              </a:solidFill>
-            </a:ln>
-          </p:spPr>
-          <p:style>
-            <a:lnRef idx="2">
-              <a:schemeClr val="accent1">
-                <a:shade val="50000"/>
-              </a:schemeClr>
-            </a:lnRef>
-            <a:fillRef idx="1">
-              <a:schemeClr val="accent1"/>
-            </a:fillRef>
-            <a:effectRef idx="0">
-              <a:schemeClr val="accent1"/>
-            </a:effectRef>
-            <a:fontRef idx="minor">
-              <a:schemeClr val="lt1"/>
-            </a:fontRef>
-          </p:style>
-          <p:txBody>
-            <a:bodyPr rtlCol="0" anchor="ctr"/>
-            <a:lstStyle/>
-            <a:p>
-              <a:pPr algn="ctr"/>
-              <a:endParaRPr lang="pt-BR"/>
-            </a:p>
-          </p:txBody>
-        </p:sp>
-        <p:sp>
-          <p:nvSpPr>
-            <p:cNvPr id="155" name="Multiply 154"/>
-            <p:cNvSpPr>
-              <a:spLocks noChangeAspect="1"/>
-            </p:cNvSpPr>
-            <p:nvPr/>
-          </p:nvSpPr>
-          <p:spPr>
-            <a:xfrm>
-              <a:off x="8241507" y="4011444"/>
-              <a:ext cx="72817" cy="82800"/>
-            </a:xfrm>
-            <a:prstGeom prst="mathMultiply">
-              <a:avLst/>
-            </a:prstGeom>
-            <a:solidFill>
-              <a:srgbClr val="00B0F0"/>
-            </a:solidFill>
-            <a:ln w="3175">
-              <a:solidFill>
-                <a:schemeClr val="tx1"/>
-              </a:solidFill>
-            </a:ln>
-          </p:spPr>
-          <p:style>
-            <a:lnRef idx="2">
-              <a:schemeClr val="accent1">
-                <a:shade val="50000"/>
-              </a:schemeClr>
-            </a:lnRef>
-            <a:fillRef idx="1">
-              <a:schemeClr val="accent1"/>
-            </a:fillRef>
-            <a:effectRef idx="0">
-              <a:schemeClr val="accent1"/>
-            </a:effectRef>
-            <a:fontRef idx="minor">
-              <a:schemeClr val="lt1"/>
-            </a:fontRef>
-          </p:style>
-          <p:txBody>
-            <a:bodyPr rtlCol="0" anchor="ctr"/>
-            <a:lstStyle/>
-            <a:p>
-              <a:pPr algn="ctr"/>
-              <a:endParaRPr lang="pt-BR"/>
-            </a:p>
-          </p:txBody>
-        </p:sp>
-        <p:cxnSp>
-          <p:nvCxnSpPr>
-            <p:cNvPr id="160" name="Straight Arrow Connector 159"/>
-            <p:cNvCxnSpPr/>
-            <p:nvPr/>
-          </p:nvCxnSpPr>
-          <p:spPr>
-            <a:xfrm>
-              <a:off x="7038874" y="2534498"/>
-              <a:ext cx="0" cy="2556000"/>
-            </a:xfrm>
-            <a:prstGeom prst="straightConnector1">
-              <a:avLst/>
-            </a:prstGeom>
-            <a:ln w="19050">
-              <a:solidFill>
-                <a:schemeClr val="tx1"/>
-              </a:solidFill>
-              <a:headEnd type="triangle" w="med" len="med"/>
-              <a:tailEnd type="none" w="med" len="med"/>
-            </a:ln>
-          </p:spPr>
-          <p:style>
-            <a:lnRef idx="1">
-              <a:schemeClr val="accent1"/>
-            </a:lnRef>
-            <a:fillRef idx="0">
-              <a:schemeClr val="accent1"/>
-            </a:fillRef>
-            <a:effectRef idx="0">
-              <a:schemeClr val="accent1"/>
-            </a:effectRef>
-            <a:fontRef idx="minor">
-              <a:schemeClr val="tx1"/>
-            </a:fontRef>
-          </p:style>
-        </p:cxnSp>
-        <p:cxnSp>
-          <p:nvCxnSpPr>
-            <p:cNvPr id="161" name="Straight Arrow Connector 160"/>
-            <p:cNvCxnSpPr/>
-            <p:nvPr/>
-          </p:nvCxnSpPr>
-          <p:spPr>
-            <a:xfrm rot="5400000">
-              <a:off x="8507912" y="3626810"/>
-              <a:ext cx="0" cy="2952000"/>
-            </a:xfrm>
-            <a:prstGeom prst="straightConnector1">
-              <a:avLst/>
-            </a:prstGeom>
-            <a:ln w="19050">
-              <a:solidFill>
-                <a:schemeClr val="tx1"/>
-              </a:solidFill>
-              <a:headEnd type="triangle" w="med" len="med"/>
-              <a:tailEnd type="none" w="med" len="med"/>
-            </a:ln>
-          </p:spPr>
-          <p:style>
-            <a:lnRef idx="1">
-              <a:schemeClr val="accent1"/>
-            </a:lnRef>
-            <a:fillRef idx="0">
-              <a:schemeClr val="accent1"/>
-            </a:fillRef>
-            <a:effectRef idx="0">
-              <a:schemeClr val="accent1"/>
-            </a:effectRef>
-            <a:fontRef idx="minor">
-              <a:schemeClr val="tx1"/>
-            </a:fontRef>
-          </p:style>
-        </p:cxnSp>
-        <mc:AlternateContent xmlns:mc="http://schemas.openxmlformats.org/markup-compatibility/2006" xmlns:a14="http://schemas.microsoft.com/office/drawing/2010/main">
-          <mc:Choice Requires="a14">
-            <p:sp>
-              <p:nvSpPr>
-                <p:cNvPr id="162" name="TextBox 161"/>
-                <p:cNvSpPr txBox="1"/>
-                <p:nvPr/>
-              </p:nvSpPr>
-              <p:spPr>
-                <a:xfrm>
-                  <a:off x="9942348" y="4892106"/>
-                  <a:ext cx="426028" cy="400110"/>
-                </a:xfrm>
-                <a:prstGeom prst="rect">
-                  <a:avLst/>
-                </a:prstGeom>
-                <a:noFill/>
-              </p:spPr>
-              <p:txBody>
-                <a:bodyPr wrap="square" rtlCol="0">
-                  <a:spAutoFit/>
-                </a:bodyPr>
-                <a:lstStyle/>
-                <a:p>
-                  <a:pPr/>
-                  <a14:m>
-                    <m:oMathPara xmlns:m="http://schemas.openxmlformats.org/officeDocument/2006/math">
-                      <m:oMathParaPr>
-                        <m:jc m:val="centerGroup"/>
-                      </m:oMathParaPr>
-                      <m:oMath xmlns:m="http://schemas.openxmlformats.org/officeDocument/2006/math">
-                        <m:sSub>
-                          <m:sSubPr>
-                            <m:ctrlPr>
-                              <a:rPr lang="pt-BR" sz="2000" i="1" smtClean="0">
-                                <a:latin typeface="Cambria Math" panose="02040503050406030204" pitchFamily="18" charset="0"/>
-                              </a:rPr>
-                            </m:ctrlPr>
-                          </m:sSubPr>
-                          <m:e>
-                            <m:r>
-                              <a:rPr lang="pt-BR" sz="2000" b="0" i="1" smtClean="0">
-                                <a:latin typeface="Cambria Math" panose="02040503050406030204" pitchFamily="18" charset="0"/>
-                              </a:rPr>
-                              <m:t>𝑎</m:t>
-                            </m:r>
-                          </m:e>
-                          <m:sub>
-                            <m:r>
-                              <a:rPr lang="pt-BR" sz="2000" b="0" i="1" smtClean="0">
-                                <a:latin typeface="Cambria Math" panose="02040503050406030204" pitchFamily="18" charset="0"/>
-                              </a:rPr>
-                              <m:t>1</m:t>
-                            </m:r>
-                          </m:sub>
-                        </m:sSub>
-                      </m:oMath>
-                    </m:oMathPara>
-                  </a14:m>
-                  <a:endParaRPr lang="pt-BR" sz="2000" dirty="0"/>
-                </a:p>
-              </p:txBody>
-            </p:sp>
-          </mc:Choice>
-          <mc:Fallback xmlns="">
-            <p:sp>
-              <p:nvSpPr>
-                <p:cNvPr id="162" name="TextBox 161"/>
-                <p:cNvSpPr txBox="1">
-                  <a:spLocks noRot="1" noChangeAspect="1" noMove="1" noResize="1" noEditPoints="1" noAdjustHandles="1" noChangeArrowheads="1" noChangeShapeType="1" noTextEdit="1"/>
-                </p:cNvSpPr>
-                <p:nvPr/>
-              </p:nvSpPr>
-              <p:spPr>
-                <a:xfrm>
-                  <a:off x="9942348" y="4892106"/>
-                  <a:ext cx="426028" cy="400110"/>
-                </a:xfrm>
-                <a:prstGeom prst="rect">
-                  <a:avLst/>
-                </a:prstGeom>
-                <a:blipFill>
-                  <a:blip r:embed="rId2"/>
-                  <a:stretch>
-                    <a:fillRect/>
-                  </a:stretch>
-                </a:blipFill>
-              </p:spPr>
-              <p:txBody>
-                <a:bodyPr/>
-                <a:lstStyle/>
-                <a:p>
-                  <a:r>
-                    <a:rPr lang="pt-BR">
-                      <a:noFill/>
-                    </a:rPr>
-                    <a:t> </a:t>
-                  </a:r>
-                </a:p>
-              </p:txBody>
-            </p:sp>
-          </mc:Fallback>
-        </mc:AlternateContent>
-        <mc:AlternateContent xmlns:mc="http://schemas.openxmlformats.org/markup-compatibility/2006" xmlns:a14="http://schemas.microsoft.com/office/drawing/2010/main">
-          <mc:Choice Requires="a14">
-            <p:sp>
-              <p:nvSpPr>
-                <p:cNvPr id="163" name="TextBox 162"/>
-                <p:cNvSpPr txBox="1"/>
-                <p:nvPr/>
-              </p:nvSpPr>
-              <p:spPr>
-                <a:xfrm>
-                  <a:off x="6818898" y="2134388"/>
-                  <a:ext cx="426028" cy="400110"/>
-                </a:xfrm>
-                <a:prstGeom prst="rect">
-                  <a:avLst/>
-                </a:prstGeom>
-                <a:noFill/>
-              </p:spPr>
-              <p:txBody>
-                <a:bodyPr wrap="square" rtlCol="0">
-                  <a:spAutoFit/>
-                </a:bodyPr>
-                <a:lstStyle/>
-                <a:p>
-                  <a:pPr/>
-                  <a14:m>
-                    <m:oMathPara xmlns:m="http://schemas.openxmlformats.org/officeDocument/2006/math">
-                      <m:oMathParaPr>
-                        <m:jc m:val="centerGroup"/>
-                      </m:oMathParaPr>
-                      <m:oMath xmlns:m="http://schemas.openxmlformats.org/officeDocument/2006/math">
-                        <m:sSub>
-                          <m:sSubPr>
-                            <m:ctrlPr>
-                              <a:rPr lang="pt-BR" sz="2000" i="1" smtClean="0">
-                                <a:latin typeface="Cambria Math" panose="02040503050406030204" pitchFamily="18" charset="0"/>
-                              </a:rPr>
-                            </m:ctrlPr>
-                          </m:sSubPr>
-                          <m:e>
-                            <m:r>
-                              <a:rPr lang="pt-BR" sz="2000" b="0" i="1" smtClean="0">
-                                <a:latin typeface="Cambria Math" panose="02040503050406030204" pitchFamily="18" charset="0"/>
-                              </a:rPr>
-                              <m:t>𝑎</m:t>
-                            </m:r>
-                          </m:e>
-                          <m:sub>
-                            <m:r>
-                              <a:rPr lang="pt-BR" sz="2000" b="0" i="1" smtClean="0">
-                                <a:latin typeface="Cambria Math" panose="02040503050406030204" pitchFamily="18" charset="0"/>
-                              </a:rPr>
-                              <m:t>2</m:t>
-                            </m:r>
-                          </m:sub>
-                        </m:sSub>
-                      </m:oMath>
-                    </m:oMathPara>
-                  </a14:m>
-                  <a:endParaRPr lang="pt-BR" sz="2000" dirty="0"/>
-                </a:p>
-              </p:txBody>
-            </p:sp>
-          </mc:Choice>
-          <mc:Fallback xmlns="">
-            <p:sp>
-              <p:nvSpPr>
-                <p:cNvPr id="163" name="TextBox 162"/>
-                <p:cNvSpPr txBox="1">
-                  <a:spLocks noRot="1" noChangeAspect="1" noMove="1" noResize="1" noEditPoints="1" noAdjustHandles="1" noChangeArrowheads="1" noChangeShapeType="1" noTextEdit="1"/>
-                </p:cNvSpPr>
-                <p:nvPr/>
-              </p:nvSpPr>
-              <p:spPr>
-                <a:xfrm>
-                  <a:off x="6818898" y="2134388"/>
-                  <a:ext cx="426028" cy="400110"/>
-                </a:xfrm>
-                <a:prstGeom prst="rect">
-                  <a:avLst/>
-                </a:prstGeom>
-                <a:blipFill>
-                  <a:blip r:embed="rId3"/>
-                  <a:stretch>
-                    <a:fillRect/>
-                  </a:stretch>
-                </a:blipFill>
-              </p:spPr>
-              <p:txBody>
-                <a:bodyPr/>
-                <a:lstStyle/>
-                <a:p>
-                  <a:r>
-                    <a:rPr lang="pt-BR">
-                      <a:noFill/>
-                    </a:rPr>
-                    <a:t> </a:t>
-                  </a:r>
-                </a:p>
-              </p:txBody>
-            </p:sp>
-          </mc:Fallback>
-        </mc:AlternateContent>
-      </p:grpSp>
-      <p:grpSp>
-        <p:nvGrpSpPr>
-          <p:cNvPr id="166" name="Group 165"/>
-          <p:cNvGrpSpPr/>
-          <p:nvPr/>
-        </p:nvGrpSpPr>
-        <p:grpSpPr>
-          <a:xfrm>
-            <a:off x="2817120" y="895312"/>
-            <a:ext cx="3539783" cy="4892060"/>
-            <a:chOff x="2817120" y="895312"/>
-            <a:chExt cx="3539783" cy="4892060"/>
-          </a:xfrm>
-        </p:grpSpPr>
-        <p:sp>
-          <p:nvSpPr>
-            <p:cNvPr id="4" name="Oval 3"/>
-            <p:cNvSpPr>
-              <a:spLocks/>
-            </p:cNvSpPr>
-            <p:nvPr/>
-          </p:nvSpPr>
-          <p:spPr>
-            <a:xfrm>
-              <a:off x="3657598" y="1683325"/>
-              <a:ext cx="1800000" cy="3600000"/>
-            </a:xfrm>
-            <a:prstGeom prst="ellipse">
-              <a:avLst/>
-            </a:prstGeom>
-            <a:noFill/>
-            <a:ln>
-              <a:solidFill>
-                <a:schemeClr val="tx1"/>
-              </a:solidFill>
-            </a:ln>
-          </p:spPr>
-          <p:style>
-            <a:lnRef idx="2">
-              <a:schemeClr val="accent1">
-                <a:shade val="50000"/>
-              </a:schemeClr>
-            </a:lnRef>
-            <a:fillRef idx="1">
-              <a:schemeClr val="accent1"/>
-            </a:fillRef>
-            <a:effectRef idx="0">
-              <a:schemeClr val="accent1"/>
-            </a:effectRef>
-            <a:fontRef idx="minor">
-              <a:schemeClr val="lt1"/>
-            </a:fontRef>
-          </p:style>
-          <p:txBody>
-            <a:bodyPr rtlCol="0" anchor="ctr"/>
-            <a:lstStyle/>
-            <a:p>
-              <a:pPr algn="ctr"/>
-              <a:endParaRPr lang="pt-BR"/>
-            </a:p>
-          </p:txBody>
-        </p:sp>
-        <p:sp>
-          <p:nvSpPr>
-            <p:cNvPr id="5" name="Oval 4"/>
-            <p:cNvSpPr/>
-            <p:nvPr/>
-          </p:nvSpPr>
-          <p:spPr>
-            <a:xfrm>
-              <a:off x="4017598" y="2042031"/>
-              <a:ext cx="1080000" cy="2880000"/>
-            </a:xfrm>
-            <a:prstGeom prst="ellipse">
-              <a:avLst/>
-            </a:prstGeom>
-            <a:noFill/>
-            <a:ln>
-              <a:solidFill>
-                <a:schemeClr val="tx1"/>
-              </a:solidFill>
-            </a:ln>
-          </p:spPr>
-          <p:style>
-            <a:lnRef idx="2">
-              <a:schemeClr val="accent1">
-                <a:shade val="50000"/>
-              </a:schemeClr>
-            </a:lnRef>
-            <a:fillRef idx="1">
-              <a:schemeClr val="accent1"/>
-            </a:fillRef>
-            <a:effectRef idx="0">
-              <a:schemeClr val="accent1"/>
-            </a:effectRef>
-            <a:fontRef idx="minor">
-              <a:schemeClr val="lt1"/>
-            </a:fontRef>
-          </p:style>
-          <p:txBody>
-            <a:bodyPr rtlCol="0" anchor="ctr"/>
-            <a:lstStyle/>
-            <a:p>
-              <a:pPr algn="ctr"/>
-              <a:endParaRPr lang="pt-BR"/>
-            </a:p>
-          </p:txBody>
-        </p:sp>
-        <p:sp>
-          <p:nvSpPr>
-            <p:cNvPr id="7" name="Oval 6"/>
-            <p:cNvSpPr/>
-            <p:nvPr/>
-          </p:nvSpPr>
-          <p:spPr>
-            <a:xfrm>
-              <a:off x="4377598" y="2402031"/>
-              <a:ext cx="360000" cy="2160000"/>
-            </a:xfrm>
-            <a:prstGeom prst="ellipse">
-              <a:avLst/>
-            </a:prstGeom>
-            <a:noFill/>
-            <a:ln>
-              <a:solidFill>
-                <a:schemeClr val="tx1"/>
-              </a:solidFill>
-            </a:ln>
-          </p:spPr>
-          <p:style>
-            <a:lnRef idx="2">
-              <a:schemeClr val="accent1">
-                <a:shade val="50000"/>
-              </a:schemeClr>
-            </a:lnRef>
-            <a:fillRef idx="1">
-              <a:schemeClr val="accent1"/>
-            </a:fillRef>
-            <a:effectRef idx="0">
-              <a:schemeClr val="accent1"/>
-            </a:effectRef>
-            <a:fontRef idx="minor">
-              <a:schemeClr val="lt1"/>
-            </a:fontRef>
-          </p:style>
-          <p:txBody>
-            <a:bodyPr rtlCol="0" anchor="ctr"/>
-            <a:lstStyle/>
-            <a:p>
-              <a:pPr algn="ctr"/>
-              <a:endParaRPr lang="pt-BR"/>
-            </a:p>
-          </p:txBody>
-        </p:sp>
-        <p:sp>
-          <p:nvSpPr>
-            <p:cNvPr id="9" name="Oval 8"/>
-            <p:cNvSpPr/>
-            <p:nvPr/>
-          </p:nvSpPr>
-          <p:spPr>
-            <a:xfrm>
-              <a:off x="4197598" y="2222031"/>
-              <a:ext cx="720000" cy="2520000"/>
-            </a:xfrm>
-            <a:prstGeom prst="ellipse">
-              <a:avLst/>
-            </a:prstGeom>
-            <a:noFill/>
-            <a:ln>
-              <a:solidFill>
-                <a:schemeClr val="tx1"/>
-              </a:solidFill>
-            </a:ln>
-          </p:spPr>
-          <p:style>
-            <a:lnRef idx="2">
-              <a:schemeClr val="accent1">
-                <a:shade val="50000"/>
-              </a:schemeClr>
-            </a:lnRef>
-            <a:fillRef idx="1">
-              <a:schemeClr val="accent1"/>
-            </a:fillRef>
-            <a:effectRef idx="0">
-              <a:schemeClr val="accent1"/>
-            </a:effectRef>
-            <a:fontRef idx="minor">
-              <a:schemeClr val="lt1"/>
-            </a:fontRef>
-          </p:style>
-          <p:txBody>
-            <a:bodyPr rtlCol="0" anchor="ctr"/>
-            <a:lstStyle/>
-            <a:p>
-              <a:pPr algn="ctr"/>
-              <a:endParaRPr lang="pt-BR"/>
-            </a:p>
-          </p:txBody>
-        </p:sp>
-        <p:sp>
-          <p:nvSpPr>
-            <p:cNvPr id="10" name="Oval 9"/>
-            <p:cNvSpPr/>
-            <p:nvPr/>
-          </p:nvSpPr>
-          <p:spPr>
-            <a:xfrm>
-              <a:off x="3837598" y="1862031"/>
-              <a:ext cx="1440000" cy="3240000"/>
-            </a:xfrm>
-            <a:prstGeom prst="ellipse">
-              <a:avLst/>
-            </a:prstGeom>
-            <a:noFill/>
-            <a:ln>
-              <a:solidFill>
-                <a:schemeClr val="tx1"/>
-              </a:solidFill>
-            </a:ln>
-          </p:spPr>
-          <p:style>
-            <a:lnRef idx="2">
-              <a:schemeClr val="accent1">
-                <a:shade val="50000"/>
-              </a:schemeClr>
-            </a:lnRef>
-            <a:fillRef idx="1">
-              <a:schemeClr val="accent1"/>
-            </a:fillRef>
-            <a:effectRef idx="0">
-              <a:schemeClr val="accent1"/>
-            </a:effectRef>
-            <a:fontRef idx="minor">
-              <a:schemeClr val="lt1"/>
-            </a:fontRef>
-          </p:style>
-          <p:txBody>
-            <a:bodyPr rtlCol="0" anchor="ctr"/>
-            <a:lstStyle/>
-            <a:p>
-              <a:pPr algn="ctr"/>
-              <a:endParaRPr lang="pt-BR"/>
-            </a:p>
-          </p:txBody>
-        </p:sp>
-        <p:sp>
-          <p:nvSpPr>
-            <p:cNvPr id="11" name="Oval 10"/>
-            <p:cNvSpPr>
-              <a:spLocks/>
-            </p:cNvSpPr>
-            <p:nvPr/>
-          </p:nvSpPr>
-          <p:spPr>
-            <a:xfrm>
-              <a:off x="3477598" y="1502031"/>
-              <a:ext cx="2160000" cy="3960000"/>
-            </a:xfrm>
-            <a:prstGeom prst="ellipse">
-              <a:avLst/>
-            </a:prstGeom>
-            <a:noFill/>
-            <a:ln>
-              <a:solidFill>
-                <a:schemeClr val="tx1"/>
-              </a:solidFill>
-            </a:ln>
-          </p:spPr>
-          <p:style>
-            <a:lnRef idx="2">
-              <a:schemeClr val="accent1">
-                <a:shade val="50000"/>
-              </a:schemeClr>
-            </a:lnRef>
-            <a:fillRef idx="1">
-              <a:schemeClr val="accent1"/>
-            </a:fillRef>
-            <a:effectRef idx="0">
-              <a:schemeClr val="accent1"/>
-            </a:effectRef>
-            <a:fontRef idx="minor">
-              <a:schemeClr val="lt1"/>
-            </a:fontRef>
-          </p:style>
-          <p:txBody>
-            <a:bodyPr rtlCol="0" anchor="ctr"/>
-            <a:lstStyle/>
-            <a:p>
-              <a:pPr algn="ctr"/>
-              <a:endParaRPr lang="pt-BR"/>
-            </a:p>
-          </p:txBody>
-        </p:sp>
-        <p:cxnSp>
-          <p:nvCxnSpPr>
-            <p:cNvPr id="103" name="Straight Connector 102"/>
-            <p:cNvCxnSpPr/>
-            <p:nvPr/>
-          </p:nvCxnSpPr>
-          <p:spPr>
-            <a:xfrm flipH="1">
-              <a:off x="4253250" y="5216278"/>
-              <a:ext cx="386493" cy="153789"/>
-            </a:xfrm>
-            <a:prstGeom prst="line">
-              <a:avLst/>
-            </a:prstGeom>
-            <a:ln w="12700">
-              <a:solidFill>
-                <a:schemeClr val="tx1"/>
-              </a:solidFill>
-              <a:prstDash val="dash"/>
-            </a:ln>
-          </p:spPr>
-          <p:style>
-            <a:lnRef idx="1">
-              <a:schemeClr val="accent1"/>
-            </a:lnRef>
-            <a:fillRef idx="0">
-              <a:schemeClr val="accent1"/>
-            </a:fillRef>
-            <a:effectRef idx="0">
-              <a:schemeClr val="accent1"/>
-            </a:effectRef>
-            <a:fontRef idx="minor">
-              <a:schemeClr val="tx1"/>
-            </a:fontRef>
-          </p:style>
-        </p:cxnSp>
-        <p:sp>
-          <p:nvSpPr>
-            <p:cNvPr id="136" name="Multiply 135"/>
-            <p:cNvSpPr>
-              <a:spLocks/>
-            </p:cNvSpPr>
-            <p:nvPr/>
-          </p:nvSpPr>
-          <p:spPr>
-            <a:xfrm>
-              <a:off x="4216841" y="5338443"/>
-              <a:ext cx="72817" cy="82800"/>
-            </a:xfrm>
-            <a:prstGeom prst="mathMultiply">
-              <a:avLst/>
-            </a:prstGeom>
-            <a:solidFill>
-              <a:srgbClr val="00B0F0"/>
-            </a:solidFill>
-            <a:ln w="3175">
-              <a:solidFill>
-                <a:schemeClr val="tx1"/>
-              </a:solidFill>
-            </a:ln>
-          </p:spPr>
-          <p:style>
-            <a:lnRef idx="2">
-              <a:schemeClr val="accent1">
-                <a:shade val="50000"/>
-              </a:schemeClr>
-            </a:lnRef>
-            <a:fillRef idx="1">
-              <a:schemeClr val="accent1"/>
-            </a:fillRef>
-            <a:effectRef idx="0">
-              <a:schemeClr val="accent1"/>
-            </a:effectRef>
-            <a:fontRef idx="minor">
-              <a:schemeClr val="lt1"/>
-            </a:fontRef>
-          </p:style>
-          <p:txBody>
-            <a:bodyPr rtlCol="0" anchor="ctr"/>
-            <a:lstStyle/>
-            <a:p>
-              <a:pPr algn="ctr"/>
-              <a:endParaRPr lang="pt-BR"/>
-            </a:p>
-          </p:txBody>
-        </p:sp>
-        <p:sp>
-          <p:nvSpPr>
-            <p:cNvPr id="137" name="Multiply 136"/>
-            <p:cNvSpPr>
-              <a:spLocks/>
-            </p:cNvSpPr>
-            <p:nvPr/>
-          </p:nvSpPr>
-          <p:spPr>
-            <a:xfrm>
-              <a:off x="4598658" y="5170600"/>
-              <a:ext cx="72817" cy="82800"/>
-            </a:xfrm>
-            <a:prstGeom prst="mathMultiply">
-              <a:avLst/>
-            </a:prstGeom>
-            <a:solidFill>
-              <a:srgbClr val="00B0F0"/>
-            </a:solidFill>
-            <a:ln w="3175">
-              <a:solidFill>
-                <a:schemeClr val="tx1"/>
-              </a:solidFill>
-            </a:ln>
-          </p:spPr>
-          <p:style>
-            <a:lnRef idx="2">
-              <a:schemeClr val="accent1">
-                <a:shade val="50000"/>
-              </a:schemeClr>
-            </a:lnRef>
-            <a:fillRef idx="1">
-              <a:schemeClr val="accent1"/>
-            </a:fillRef>
-            <a:effectRef idx="0">
-              <a:schemeClr val="accent1"/>
-            </a:effectRef>
-            <a:fontRef idx="minor">
-              <a:schemeClr val="lt1"/>
-            </a:fontRef>
-          </p:style>
-          <p:txBody>
-            <a:bodyPr rtlCol="0" anchor="ctr"/>
-            <a:lstStyle/>
-            <a:p>
-              <a:pPr algn="ctr"/>
-              <a:endParaRPr lang="pt-BR"/>
-            </a:p>
-          </p:txBody>
-        </p:sp>
-        <p:sp>
-          <p:nvSpPr>
-            <p:cNvPr id="69" name="Multiply 68"/>
-            <p:cNvSpPr>
-              <a:spLocks noChangeAspect="1"/>
-            </p:cNvSpPr>
-            <p:nvPr/>
-          </p:nvSpPr>
-          <p:spPr>
-            <a:xfrm>
-              <a:off x="4468132" y="3344554"/>
-              <a:ext cx="158298" cy="180000"/>
-            </a:xfrm>
-            <a:prstGeom prst="mathMultiply">
-              <a:avLst/>
-            </a:prstGeom>
-            <a:solidFill>
-              <a:srgbClr val="FF0000"/>
-            </a:solidFill>
-            <a:ln w="3175">
-              <a:solidFill>
-                <a:schemeClr val="tx1"/>
-              </a:solidFill>
-            </a:ln>
-          </p:spPr>
-          <p:style>
-            <a:lnRef idx="2">
-              <a:schemeClr val="accent1">
-                <a:shade val="50000"/>
-              </a:schemeClr>
-            </a:lnRef>
-            <a:fillRef idx="1">
-              <a:schemeClr val="accent1"/>
-            </a:fillRef>
-            <a:effectRef idx="0">
-              <a:schemeClr val="accent1"/>
-            </a:effectRef>
-            <a:fontRef idx="minor">
-              <a:schemeClr val="lt1"/>
-            </a:fontRef>
-          </p:style>
-          <p:txBody>
-            <a:bodyPr rtlCol="0" anchor="ctr"/>
-            <a:lstStyle/>
-            <a:p>
-              <a:pPr algn="ctr"/>
-              <a:endParaRPr lang="pt-BR"/>
-            </a:p>
-          </p:txBody>
-        </p:sp>
-        <p:cxnSp>
-          <p:nvCxnSpPr>
-            <p:cNvPr id="71" name="Straight Connector 70"/>
-            <p:cNvCxnSpPr/>
-            <p:nvPr/>
-          </p:nvCxnSpPr>
-          <p:spPr>
-            <a:xfrm flipH="1" flipV="1">
-              <a:off x="4516368" y="3611183"/>
-              <a:ext cx="73202" cy="50119"/>
-            </a:xfrm>
-            <a:prstGeom prst="line">
-              <a:avLst/>
-            </a:prstGeom>
-            <a:ln w="12700">
-              <a:solidFill>
-                <a:schemeClr val="tx1"/>
-              </a:solidFill>
-              <a:prstDash val="dash"/>
-            </a:ln>
-          </p:spPr>
-          <p:style>
-            <a:lnRef idx="1">
-              <a:schemeClr val="accent1"/>
-            </a:lnRef>
-            <a:fillRef idx="0">
-              <a:schemeClr val="accent1"/>
-            </a:fillRef>
-            <a:effectRef idx="0">
-              <a:schemeClr val="accent1"/>
-            </a:effectRef>
-            <a:fontRef idx="minor">
-              <a:schemeClr val="tx1"/>
-            </a:fontRef>
-          </p:style>
-        </p:cxnSp>
-        <p:cxnSp>
-          <p:nvCxnSpPr>
-            <p:cNvPr id="74" name="Straight Connector 73"/>
-            <p:cNvCxnSpPr/>
-            <p:nvPr/>
-          </p:nvCxnSpPr>
-          <p:spPr>
-            <a:xfrm rot="5400000" flipH="1" flipV="1">
-              <a:off x="4522774" y="3661302"/>
-              <a:ext cx="73202" cy="50119"/>
-            </a:xfrm>
-            <a:prstGeom prst="line">
-              <a:avLst/>
-            </a:prstGeom>
-            <a:ln w="12700">
-              <a:solidFill>
-                <a:schemeClr val="tx1"/>
-              </a:solidFill>
-              <a:prstDash val="dash"/>
-            </a:ln>
-          </p:spPr>
-          <p:style>
-            <a:lnRef idx="1">
-              <a:schemeClr val="accent1"/>
-            </a:lnRef>
-            <a:fillRef idx="0">
-              <a:schemeClr val="accent1"/>
-            </a:fillRef>
-            <a:effectRef idx="0">
-              <a:schemeClr val="accent1"/>
-            </a:effectRef>
-            <a:fontRef idx="minor">
-              <a:schemeClr val="tx1"/>
-            </a:fontRef>
-          </p:style>
-        </p:cxnSp>
-        <p:cxnSp>
-          <p:nvCxnSpPr>
-            <p:cNvPr id="76" name="Straight Connector 75"/>
-            <p:cNvCxnSpPr/>
-            <p:nvPr/>
-          </p:nvCxnSpPr>
-          <p:spPr>
-            <a:xfrm rot="5400000" flipH="1" flipV="1">
-              <a:off x="4540454" y="3778347"/>
-              <a:ext cx="73202" cy="50119"/>
-            </a:xfrm>
-            <a:prstGeom prst="line">
-              <a:avLst/>
-            </a:prstGeom>
-            <a:ln w="12700">
-              <a:solidFill>
-                <a:schemeClr val="tx1"/>
-              </a:solidFill>
-              <a:prstDash val="dash"/>
-            </a:ln>
-          </p:spPr>
-          <p:style>
-            <a:lnRef idx="1">
-              <a:schemeClr val="accent1"/>
-            </a:lnRef>
-            <a:fillRef idx="0">
-              <a:schemeClr val="accent1"/>
-            </a:fillRef>
-            <a:effectRef idx="0">
-              <a:schemeClr val="accent1"/>
-            </a:effectRef>
-            <a:fontRef idx="minor">
-              <a:schemeClr val="tx1"/>
-            </a:fontRef>
-          </p:style>
-        </p:cxnSp>
-        <p:cxnSp>
-          <p:nvCxnSpPr>
-            <p:cNvPr id="77" name="Straight Connector 76"/>
-            <p:cNvCxnSpPr/>
-            <p:nvPr/>
-          </p:nvCxnSpPr>
-          <p:spPr>
-            <a:xfrm rot="10800000" flipH="1" flipV="1">
-              <a:off x="4551995" y="3841032"/>
-              <a:ext cx="73202" cy="50119"/>
-            </a:xfrm>
-            <a:prstGeom prst="line">
-              <a:avLst/>
-            </a:prstGeom>
-            <a:ln w="12700">
-              <a:solidFill>
-                <a:schemeClr val="tx1"/>
-              </a:solidFill>
-              <a:prstDash val="dash"/>
-            </a:ln>
-          </p:spPr>
-          <p:style>
-            <a:lnRef idx="1">
-              <a:schemeClr val="accent1"/>
-            </a:lnRef>
-            <a:fillRef idx="0">
-              <a:schemeClr val="accent1"/>
-            </a:fillRef>
-            <a:effectRef idx="0">
-              <a:schemeClr val="accent1"/>
-            </a:effectRef>
-            <a:fontRef idx="minor">
-              <a:schemeClr val="tx1"/>
-            </a:fontRef>
-          </p:style>
-        </p:cxnSp>
-        <p:cxnSp>
-          <p:nvCxnSpPr>
-            <p:cNvPr id="78" name="Straight Connector 77"/>
-            <p:cNvCxnSpPr/>
-            <p:nvPr/>
-          </p:nvCxnSpPr>
-          <p:spPr>
-            <a:xfrm rot="5400000" flipH="1" flipV="1">
-              <a:off x="4557568" y="3898479"/>
-              <a:ext cx="73202" cy="50119"/>
-            </a:xfrm>
-            <a:prstGeom prst="line">
-              <a:avLst/>
-            </a:prstGeom>
-            <a:ln w="12700">
-              <a:solidFill>
-                <a:schemeClr val="tx1"/>
-              </a:solidFill>
-              <a:prstDash val="dash"/>
-            </a:ln>
-          </p:spPr>
-          <p:style>
-            <a:lnRef idx="1">
-              <a:schemeClr val="accent1"/>
-            </a:lnRef>
-            <a:fillRef idx="0">
-              <a:schemeClr val="accent1"/>
-            </a:fillRef>
-            <a:effectRef idx="0">
-              <a:schemeClr val="accent1"/>
-            </a:effectRef>
-            <a:fontRef idx="minor">
-              <a:schemeClr val="tx1"/>
-            </a:fontRef>
-          </p:style>
-        </p:cxnSp>
-        <p:sp>
-          <p:nvSpPr>
-            <p:cNvPr id="138" name="Multiply 137"/>
-            <p:cNvSpPr>
-              <a:spLocks noChangeAspect="1"/>
-            </p:cNvSpPr>
-            <p:nvPr/>
-          </p:nvSpPr>
-          <p:spPr>
-            <a:xfrm>
-              <a:off x="4396841" y="4994030"/>
-              <a:ext cx="72817" cy="82800"/>
-            </a:xfrm>
-            <a:prstGeom prst="mathMultiply">
-              <a:avLst/>
-            </a:prstGeom>
-            <a:solidFill>
-              <a:srgbClr val="00B0F0"/>
-            </a:solidFill>
-            <a:ln w="3175">
-              <a:solidFill>
-                <a:schemeClr val="tx1"/>
-              </a:solidFill>
-            </a:ln>
-          </p:spPr>
-          <p:style>
-            <a:lnRef idx="2">
-              <a:schemeClr val="accent1">
-                <a:shade val="50000"/>
-              </a:schemeClr>
-            </a:lnRef>
-            <a:fillRef idx="1">
-              <a:schemeClr val="accent1"/>
-            </a:fillRef>
-            <a:effectRef idx="0">
-              <a:schemeClr val="accent1"/>
-            </a:effectRef>
-            <a:fontRef idx="minor">
-              <a:schemeClr val="lt1"/>
-            </a:fontRef>
-          </p:style>
-          <p:txBody>
-            <a:bodyPr rtlCol="0" anchor="ctr"/>
-            <a:lstStyle/>
-            <a:p>
-              <a:pPr algn="ctr"/>
-              <a:endParaRPr lang="pt-BR"/>
-            </a:p>
-          </p:txBody>
-        </p:sp>
-        <p:cxnSp>
-          <p:nvCxnSpPr>
-            <p:cNvPr id="98" name="Straight Connector 97"/>
-            <p:cNvCxnSpPr/>
-            <p:nvPr/>
-          </p:nvCxnSpPr>
-          <p:spPr>
-            <a:xfrm flipV="1">
-              <a:off x="4433250" y="4936612"/>
-              <a:ext cx="145222" cy="101777"/>
-            </a:xfrm>
-            <a:prstGeom prst="line">
-              <a:avLst/>
-            </a:prstGeom>
-            <a:ln w="12700">
-              <a:solidFill>
-                <a:schemeClr val="tx1"/>
-              </a:solidFill>
-              <a:prstDash val="dash"/>
-            </a:ln>
-          </p:spPr>
-          <p:style>
-            <a:lnRef idx="1">
-              <a:schemeClr val="accent1"/>
-            </a:lnRef>
-            <a:fillRef idx="0">
-              <a:schemeClr val="accent1"/>
-            </a:fillRef>
-            <a:effectRef idx="0">
-              <a:schemeClr val="accent1"/>
-            </a:effectRef>
-            <a:fontRef idx="minor">
-              <a:schemeClr val="tx1"/>
-            </a:fontRef>
-          </p:style>
-        </p:cxnSp>
-        <p:cxnSp>
-          <p:nvCxnSpPr>
-            <p:cNvPr id="100" name="Straight Connector 99"/>
-            <p:cNvCxnSpPr/>
-            <p:nvPr/>
-          </p:nvCxnSpPr>
-          <p:spPr>
-            <a:xfrm>
-              <a:off x="4433250" y="5036924"/>
-              <a:ext cx="206493" cy="180000"/>
-            </a:xfrm>
-            <a:prstGeom prst="line">
-              <a:avLst/>
-            </a:prstGeom>
-            <a:ln w="12700">
-              <a:solidFill>
-                <a:schemeClr val="tx1"/>
-              </a:solidFill>
-              <a:prstDash val="dash"/>
-            </a:ln>
-          </p:spPr>
-          <p:style>
-            <a:lnRef idx="1">
-              <a:schemeClr val="accent1"/>
-            </a:lnRef>
-            <a:fillRef idx="0">
-              <a:schemeClr val="accent1"/>
-            </a:fillRef>
-            <a:effectRef idx="0">
-              <a:schemeClr val="accent1"/>
-            </a:effectRef>
-            <a:fontRef idx="minor">
-              <a:schemeClr val="tx1"/>
-            </a:fontRef>
-          </p:style>
-        </p:cxnSp>
-        <p:sp>
-          <p:nvSpPr>
-            <p:cNvPr id="139" name="Multiply 138"/>
-            <p:cNvSpPr>
-              <a:spLocks noChangeAspect="1"/>
-            </p:cNvSpPr>
-            <p:nvPr/>
-          </p:nvSpPr>
-          <p:spPr>
-            <a:xfrm>
-              <a:off x="4541256" y="4892106"/>
-              <a:ext cx="72817" cy="82800"/>
-            </a:xfrm>
-            <a:prstGeom prst="mathMultiply">
-              <a:avLst/>
-            </a:prstGeom>
-            <a:solidFill>
-              <a:srgbClr val="00B0F0"/>
-            </a:solidFill>
-            <a:ln w="3175">
-              <a:solidFill>
-                <a:schemeClr val="tx1"/>
-              </a:solidFill>
-            </a:ln>
-          </p:spPr>
-          <p:style>
-            <a:lnRef idx="2">
-              <a:schemeClr val="accent1">
-                <a:shade val="50000"/>
-              </a:schemeClr>
-            </a:lnRef>
-            <a:fillRef idx="1">
-              <a:schemeClr val="accent1"/>
-            </a:fillRef>
-            <a:effectRef idx="0">
-              <a:schemeClr val="accent1"/>
-            </a:effectRef>
-            <a:fontRef idx="minor">
-              <a:schemeClr val="lt1"/>
-            </a:fontRef>
-          </p:style>
-          <p:txBody>
-            <a:bodyPr rtlCol="0" anchor="ctr"/>
-            <a:lstStyle/>
-            <a:p>
-              <a:pPr algn="ctr"/>
-              <a:endParaRPr lang="pt-BR"/>
-            </a:p>
-          </p:txBody>
-        </p:sp>
-        <p:sp>
-          <p:nvSpPr>
-            <p:cNvPr id="140" name="Multiply 139"/>
-            <p:cNvSpPr>
-              <a:spLocks noChangeAspect="1"/>
-            </p:cNvSpPr>
-            <p:nvPr/>
-          </p:nvSpPr>
-          <p:spPr>
-            <a:xfrm>
-              <a:off x="4416484" y="4782417"/>
-              <a:ext cx="72817" cy="82800"/>
-            </a:xfrm>
-            <a:prstGeom prst="mathMultiply">
-              <a:avLst/>
-            </a:prstGeom>
-            <a:solidFill>
-              <a:srgbClr val="00B0F0"/>
-            </a:solidFill>
-            <a:ln w="3175">
-              <a:solidFill>
-                <a:schemeClr val="tx1"/>
-              </a:solidFill>
-            </a:ln>
-          </p:spPr>
-          <p:style>
-            <a:lnRef idx="2">
-              <a:schemeClr val="accent1">
-                <a:shade val="50000"/>
-              </a:schemeClr>
-            </a:lnRef>
-            <a:fillRef idx="1">
-              <a:schemeClr val="accent1"/>
-            </a:fillRef>
-            <a:effectRef idx="0">
-              <a:schemeClr val="accent1"/>
-            </a:effectRef>
-            <a:fontRef idx="minor">
-              <a:schemeClr val="lt1"/>
-            </a:fontRef>
-          </p:style>
-          <p:txBody>
-            <a:bodyPr rtlCol="0" anchor="ctr"/>
-            <a:lstStyle/>
-            <a:p>
-              <a:pPr algn="ctr"/>
-              <a:endParaRPr lang="pt-BR"/>
-            </a:p>
-          </p:txBody>
-        </p:sp>
-        <p:sp>
-          <p:nvSpPr>
-            <p:cNvPr id="141" name="Multiply 140"/>
-            <p:cNvSpPr>
-              <a:spLocks noChangeAspect="1"/>
-            </p:cNvSpPr>
-            <p:nvPr/>
-          </p:nvSpPr>
-          <p:spPr>
-            <a:xfrm>
-              <a:off x="4527814" y="4665846"/>
-              <a:ext cx="72817" cy="82800"/>
-            </a:xfrm>
-            <a:prstGeom prst="mathMultiply">
-              <a:avLst/>
-            </a:prstGeom>
-            <a:solidFill>
-              <a:srgbClr val="00B0F0"/>
-            </a:solidFill>
-            <a:ln w="3175">
-              <a:solidFill>
-                <a:schemeClr val="tx1"/>
-              </a:solidFill>
-            </a:ln>
-          </p:spPr>
-          <p:style>
-            <a:lnRef idx="2">
-              <a:schemeClr val="accent1">
-                <a:shade val="50000"/>
-              </a:schemeClr>
-            </a:lnRef>
-            <a:fillRef idx="1">
-              <a:schemeClr val="accent1"/>
-            </a:fillRef>
-            <a:effectRef idx="0">
-              <a:schemeClr val="accent1"/>
-            </a:effectRef>
-            <a:fontRef idx="minor">
-              <a:schemeClr val="lt1"/>
-            </a:fontRef>
-          </p:style>
-          <p:txBody>
-            <a:bodyPr rtlCol="0" anchor="ctr"/>
-            <a:lstStyle/>
-            <a:p>
-              <a:pPr algn="ctr"/>
-              <a:endParaRPr lang="pt-BR"/>
-            </a:p>
-          </p:txBody>
-        </p:sp>
-        <p:sp>
-          <p:nvSpPr>
-            <p:cNvPr id="142" name="Multiply 141"/>
-            <p:cNvSpPr>
-              <a:spLocks/>
-            </p:cNvSpPr>
-            <p:nvPr/>
-          </p:nvSpPr>
-          <p:spPr>
-            <a:xfrm>
-              <a:off x="4432482" y="4497324"/>
-              <a:ext cx="72000" cy="82800"/>
-            </a:xfrm>
-            <a:prstGeom prst="mathMultiply">
-              <a:avLst/>
-            </a:prstGeom>
-            <a:solidFill>
-              <a:srgbClr val="00B0F0"/>
-            </a:solidFill>
-            <a:ln w="3175">
-              <a:solidFill>
-                <a:schemeClr val="tx1"/>
-              </a:solidFill>
-            </a:ln>
-          </p:spPr>
-          <p:style>
-            <a:lnRef idx="2">
-              <a:schemeClr val="accent1">
-                <a:shade val="50000"/>
-              </a:schemeClr>
-            </a:lnRef>
-            <a:fillRef idx="1">
-              <a:schemeClr val="accent1"/>
-            </a:fillRef>
-            <a:effectRef idx="0">
-              <a:schemeClr val="accent1"/>
-            </a:effectRef>
-            <a:fontRef idx="minor">
-              <a:schemeClr val="lt1"/>
-            </a:fontRef>
-          </p:style>
-          <p:txBody>
-            <a:bodyPr rtlCol="0" anchor="ctr"/>
-            <a:lstStyle/>
-            <a:p>
-              <a:pPr algn="ctr"/>
-              <a:endParaRPr lang="pt-BR"/>
-            </a:p>
-          </p:txBody>
-        </p:sp>
-        <p:sp>
-          <p:nvSpPr>
-            <p:cNvPr id="143" name="Multiply 142"/>
-            <p:cNvSpPr>
-              <a:spLocks/>
-            </p:cNvSpPr>
-            <p:nvPr/>
-          </p:nvSpPr>
-          <p:spPr>
-            <a:xfrm>
-              <a:off x="4586752" y="4430025"/>
-              <a:ext cx="72000" cy="82800"/>
-            </a:xfrm>
-            <a:prstGeom prst="mathMultiply">
-              <a:avLst/>
-            </a:prstGeom>
-            <a:solidFill>
-              <a:srgbClr val="00B0F0"/>
-            </a:solidFill>
-            <a:ln w="3175">
-              <a:solidFill>
-                <a:schemeClr val="tx1"/>
-              </a:solidFill>
-            </a:ln>
-          </p:spPr>
-          <p:style>
-            <a:lnRef idx="2">
-              <a:schemeClr val="accent1">
-                <a:shade val="50000"/>
-              </a:schemeClr>
-            </a:lnRef>
-            <a:fillRef idx="1">
-              <a:schemeClr val="accent1"/>
-            </a:fillRef>
-            <a:effectRef idx="0">
-              <a:schemeClr val="accent1"/>
-            </a:effectRef>
-            <a:fontRef idx="minor">
-              <a:schemeClr val="lt1"/>
-            </a:fontRef>
-          </p:style>
-          <p:txBody>
-            <a:bodyPr rtlCol="0" anchor="ctr"/>
-            <a:lstStyle/>
-            <a:p>
-              <a:pPr algn="ctr"/>
-              <a:endParaRPr lang="pt-BR"/>
-            </a:p>
-          </p:txBody>
-        </p:sp>
-        <p:sp>
-          <p:nvSpPr>
-            <p:cNvPr id="144" name="Multiply 143"/>
-            <p:cNvSpPr>
-              <a:spLocks/>
-            </p:cNvSpPr>
-            <p:nvPr/>
-          </p:nvSpPr>
-          <p:spPr>
-            <a:xfrm>
-              <a:off x="4489301" y="4254654"/>
-              <a:ext cx="72000" cy="82800"/>
-            </a:xfrm>
-            <a:prstGeom prst="mathMultiply">
-              <a:avLst/>
-            </a:prstGeom>
-            <a:solidFill>
-              <a:srgbClr val="00B0F0"/>
-            </a:solidFill>
-            <a:ln w="3175">
-              <a:solidFill>
-                <a:schemeClr val="tx1"/>
-              </a:solidFill>
-            </a:ln>
-          </p:spPr>
-          <p:style>
-            <a:lnRef idx="2">
-              <a:schemeClr val="accent1">
-                <a:shade val="50000"/>
-              </a:schemeClr>
-            </a:lnRef>
-            <a:fillRef idx="1">
-              <a:schemeClr val="accent1"/>
-            </a:fillRef>
-            <a:effectRef idx="0">
-              <a:schemeClr val="accent1"/>
-            </a:effectRef>
-            <a:fontRef idx="minor">
-              <a:schemeClr val="lt1"/>
-            </a:fontRef>
-          </p:style>
-          <p:txBody>
-            <a:bodyPr rtlCol="0" anchor="ctr"/>
-            <a:lstStyle/>
-            <a:p>
-              <a:pPr algn="ctr"/>
-              <a:endParaRPr lang="pt-BR"/>
-            </a:p>
-          </p:txBody>
-        </p:sp>
-        <p:sp>
-          <p:nvSpPr>
-            <p:cNvPr id="145" name="Multiply 144"/>
-            <p:cNvSpPr>
-              <a:spLocks/>
-            </p:cNvSpPr>
-            <p:nvPr/>
-          </p:nvSpPr>
-          <p:spPr>
-            <a:xfrm>
-              <a:off x="4647454" y="4169248"/>
-              <a:ext cx="72000" cy="82800"/>
-            </a:xfrm>
-            <a:prstGeom prst="mathMultiply">
-              <a:avLst/>
-            </a:prstGeom>
-            <a:solidFill>
-              <a:srgbClr val="00B0F0"/>
-            </a:solidFill>
-            <a:ln w="3175">
-              <a:solidFill>
-                <a:schemeClr val="tx1"/>
-              </a:solidFill>
-            </a:ln>
-          </p:spPr>
-          <p:style>
-            <a:lnRef idx="2">
-              <a:schemeClr val="accent1">
-                <a:shade val="50000"/>
-              </a:schemeClr>
-            </a:lnRef>
-            <a:fillRef idx="1">
-              <a:schemeClr val="accent1"/>
-            </a:fillRef>
-            <a:effectRef idx="0">
-              <a:schemeClr val="accent1"/>
-            </a:effectRef>
-            <a:fontRef idx="minor">
-              <a:schemeClr val="lt1"/>
-            </a:fontRef>
-          </p:style>
-          <p:txBody>
-            <a:bodyPr rtlCol="0" anchor="ctr"/>
-            <a:lstStyle/>
-            <a:p>
-              <a:pPr algn="ctr"/>
-              <a:endParaRPr lang="pt-BR"/>
-            </a:p>
-          </p:txBody>
-        </p:sp>
-        <p:sp>
-          <p:nvSpPr>
-            <p:cNvPr id="146" name="Multiply 145"/>
-            <p:cNvSpPr>
-              <a:spLocks/>
-            </p:cNvSpPr>
-            <p:nvPr/>
-          </p:nvSpPr>
-          <p:spPr>
-            <a:xfrm>
-              <a:off x="4515354" y="4085156"/>
-              <a:ext cx="72000" cy="82800"/>
-            </a:xfrm>
-            <a:prstGeom prst="mathMultiply">
-              <a:avLst/>
-            </a:prstGeom>
-            <a:solidFill>
-              <a:srgbClr val="00B0F0"/>
-            </a:solidFill>
-            <a:ln w="3175">
-              <a:solidFill>
-                <a:schemeClr val="tx1"/>
-              </a:solidFill>
-            </a:ln>
-          </p:spPr>
-          <p:style>
-            <a:lnRef idx="2">
-              <a:schemeClr val="accent1">
-                <a:shade val="50000"/>
-              </a:schemeClr>
-            </a:lnRef>
-            <a:fillRef idx="1">
-              <a:schemeClr val="accent1"/>
-            </a:fillRef>
-            <a:effectRef idx="0">
-              <a:schemeClr val="accent1"/>
-            </a:effectRef>
-            <a:fontRef idx="minor">
-              <a:schemeClr val="lt1"/>
-            </a:fontRef>
-          </p:style>
-          <p:txBody>
-            <a:bodyPr rtlCol="0" anchor="ctr"/>
-            <a:lstStyle/>
-            <a:p>
-              <a:pPr algn="ctr"/>
-              <a:endParaRPr lang="pt-BR"/>
-            </a:p>
-          </p:txBody>
-        </p:sp>
-        <p:sp>
-          <p:nvSpPr>
-            <p:cNvPr id="147" name="Multiply 146"/>
-            <p:cNvSpPr>
-              <a:spLocks noChangeAspect="1"/>
-            </p:cNvSpPr>
-            <p:nvPr/>
-          </p:nvSpPr>
-          <p:spPr>
-            <a:xfrm>
-              <a:off x="4601229" y="3950902"/>
-              <a:ext cx="72000" cy="81871"/>
-            </a:xfrm>
-            <a:prstGeom prst="mathMultiply">
-              <a:avLst/>
-            </a:prstGeom>
-            <a:solidFill>
-              <a:srgbClr val="00B0F0"/>
-            </a:solidFill>
-            <a:ln w="3175">
-              <a:solidFill>
-                <a:schemeClr val="tx1"/>
-              </a:solidFill>
-            </a:ln>
-          </p:spPr>
-          <p:style>
-            <a:lnRef idx="2">
-              <a:schemeClr val="accent1">
-                <a:shade val="50000"/>
-              </a:schemeClr>
-            </a:lnRef>
-            <a:fillRef idx="1">
-              <a:schemeClr val="accent1"/>
-            </a:fillRef>
-            <a:effectRef idx="0">
-              <a:schemeClr val="accent1"/>
-            </a:effectRef>
-            <a:fontRef idx="minor">
-              <a:schemeClr val="lt1"/>
-            </a:fontRef>
-          </p:style>
-          <p:txBody>
-            <a:bodyPr rtlCol="0" anchor="ctr"/>
-            <a:lstStyle/>
-            <a:p>
-              <a:pPr algn="ctr"/>
-              <a:endParaRPr lang="pt-BR"/>
-            </a:p>
-          </p:txBody>
-        </p:sp>
-        <p:sp>
-          <p:nvSpPr>
-            <p:cNvPr id="148" name="Multiply 147"/>
-            <p:cNvSpPr>
-              <a:spLocks noChangeAspect="1"/>
-            </p:cNvSpPr>
-            <p:nvPr/>
-          </p:nvSpPr>
-          <p:spPr>
-            <a:xfrm>
-              <a:off x="4598029" y="3846380"/>
-              <a:ext cx="72000" cy="81871"/>
-            </a:xfrm>
-            <a:prstGeom prst="mathMultiply">
-              <a:avLst/>
-            </a:prstGeom>
-            <a:solidFill>
-              <a:srgbClr val="00B0F0"/>
-            </a:solidFill>
-            <a:ln w="3175">
-              <a:solidFill>
-                <a:schemeClr val="tx1"/>
-              </a:solidFill>
-            </a:ln>
-          </p:spPr>
-          <p:style>
-            <a:lnRef idx="2">
-              <a:schemeClr val="accent1">
-                <a:shade val="50000"/>
-              </a:schemeClr>
-            </a:lnRef>
-            <a:fillRef idx="1">
-              <a:schemeClr val="accent1"/>
-            </a:fillRef>
-            <a:effectRef idx="0">
-              <a:schemeClr val="accent1"/>
-            </a:effectRef>
-            <a:fontRef idx="minor">
-              <a:schemeClr val="lt1"/>
-            </a:fontRef>
-          </p:style>
-          <p:txBody>
-            <a:bodyPr rtlCol="0" anchor="ctr"/>
-            <a:lstStyle/>
-            <a:p>
-              <a:pPr algn="ctr"/>
-              <a:endParaRPr lang="pt-BR"/>
-            </a:p>
-          </p:txBody>
-        </p:sp>
-        <p:sp>
-          <p:nvSpPr>
-            <p:cNvPr id="149" name="Multiply 148"/>
-            <p:cNvSpPr>
-              <a:spLocks noChangeAspect="1"/>
-            </p:cNvSpPr>
-            <p:nvPr/>
-          </p:nvSpPr>
-          <p:spPr>
-            <a:xfrm>
-              <a:off x="4517694" y="3803997"/>
-              <a:ext cx="72000" cy="81871"/>
-            </a:xfrm>
-            <a:prstGeom prst="mathMultiply">
-              <a:avLst/>
-            </a:prstGeom>
-            <a:solidFill>
-              <a:srgbClr val="00B0F0"/>
-            </a:solidFill>
-            <a:ln w="3175">
-              <a:solidFill>
-                <a:schemeClr val="tx1"/>
-              </a:solidFill>
-            </a:ln>
-          </p:spPr>
-          <p:style>
-            <a:lnRef idx="2">
-              <a:schemeClr val="accent1">
-                <a:shade val="50000"/>
-              </a:schemeClr>
-            </a:lnRef>
-            <a:fillRef idx="1">
-              <a:schemeClr val="accent1"/>
-            </a:fillRef>
-            <a:effectRef idx="0">
-              <a:schemeClr val="accent1"/>
-            </a:effectRef>
-            <a:fontRef idx="minor">
-              <a:schemeClr val="lt1"/>
-            </a:fontRef>
-          </p:style>
-          <p:txBody>
-            <a:bodyPr rtlCol="0" anchor="ctr"/>
-            <a:lstStyle/>
-            <a:p>
-              <a:pPr algn="ctr"/>
-              <a:endParaRPr lang="pt-BR"/>
-            </a:p>
-          </p:txBody>
-        </p:sp>
-        <p:sp>
-          <p:nvSpPr>
-            <p:cNvPr id="150" name="Multiply 149"/>
-            <p:cNvSpPr>
-              <a:spLocks noChangeAspect="1"/>
-            </p:cNvSpPr>
-            <p:nvPr/>
-          </p:nvSpPr>
-          <p:spPr>
-            <a:xfrm>
-              <a:off x="4496498" y="3683246"/>
-              <a:ext cx="72000" cy="81871"/>
-            </a:xfrm>
-            <a:prstGeom prst="mathMultiply">
-              <a:avLst/>
-            </a:prstGeom>
-            <a:solidFill>
-              <a:srgbClr val="00B0F0"/>
-            </a:solidFill>
-            <a:ln w="3175">
-              <a:solidFill>
-                <a:schemeClr val="tx1"/>
-              </a:solidFill>
-            </a:ln>
-          </p:spPr>
-          <p:style>
-            <a:lnRef idx="2">
-              <a:schemeClr val="accent1">
-                <a:shade val="50000"/>
-              </a:schemeClr>
-            </a:lnRef>
-            <a:fillRef idx="1">
-              <a:schemeClr val="accent1"/>
-            </a:fillRef>
-            <a:effectRef idx="0">
-              <a:schemeClr val="accent1"/>
-            </a:effectRef>
-            <a:fontRef idx="minor">
-              <a:schemeClr val="lt1"/>
-            </a:fontRef>
-          </p:style>
-          <p:txBody>
-            <a:bodyPr rtlCol="0" anchor="ctr"/>
-            <a:lstStyle/>
-            <a:p>
-              <a:pPr algn="ctr"/>
-              <a:endParaRPr lang="pt-BR"/>
-            </a:p>
-          </p:txBody>
-        </p:sp>
-        <p:sp>
-          <p:nvSpPr>
-            <p:cNvPr id="151" name="Multiply 150"/>
-            <p:cNvSpPr>
-              <a:spLocks noChangeAspect="1"/>
-            </p:cNvSpPr>
-            <p:nvPr/>
-          </p:nvSpPr>
-          <p:spPr>
-            <a:xfrm>
-              <a:off x="4486717" y="3557718"/>
-              <a:ext cx="72000" cy="81871"/>
-            </a:xfrm>
-            <a:prstGeom prst="mathMultiply">
-              <a:avLst/>
-            </a:prstGeom>
-            <a:solidFill>
-              <a:srgbClr val="00B0F0"/>
-            </a:solidFill>
-            <a:ln w="3175">
-              <a:solidFill>
-                <a:schemeClr val="tx1"/>
-              </a:solidFill>
-            </a:ln>
-          </p:spPr>
-          <p:style>
-            <a:lnRef idx="2">
-              <a:schemeClr val="accent1">
-                <a:shade val="50000"/>
-              </a:schemeClr>
-            </a:lnRef>
-            <a:fillRef idx="1">
-              <a:schemeClr val="accent1"/>
-            </a:fillRef>
-            <a:effectRef idx="0">
-              <a:schemeClr val="accent1"/>
-            </a:effectRef>
-            <a:fontRef idx="minor">
-              <a:schemeClr val="lt1"/>
-            </a:fontRef>
-          </p:style>
-          <p:txBody>
-            <a:bodyPr rtlCol="0" anchor="ctr"/>
-            <a:lstStyle/>
-            <a:p>
-              <a:pPr algn="ctr"/>
-              <a:endParaRPr lang="pt-BR"/>
-            </a:p>
-          </p:txBody>
-        </p:sp>
-        <p:cxnSp>
-          <p:nvCxnSpPr>
-            <p:cNvPr id="80" name="Straight Connector 79"/>
-            <p:cNvCxnSpPr/>
-            <p:nvPr/>
-          </p:nvCxnSpPr>
-          <p:spPr>
-            <a:xfrm rot="10800000" flipH="1" flipV="1">
-              <a:off x="4569109" y="3960140"/>
-              <a:ext cx="73202" cy="50119"/>
-            </a:xfrm>
-            <a:prstGeom prst="line">
-              <a:avLst/>
-            </a:prstGeom>
-            <a:ln w="12700">
-              <a:solidFill>
-                <a:schemeClr val="tx1"/>
-              </a:solidFill>
-              <a:prstDash val="dash"/>
-            </a:ln>
-          </p:spPr>
-          <p:style>
-            <a:lnRef idx="1">
-              <a:schemeClr val="accent1"/>
-            </a:lnRef>
-            <a:fillRef idx="0">
-              <a:schemeClr val="accent1"/>
-            </a:fillRef>
-            <a:effectRef idx="0">
-              <a:schemeClr val="accent1"/>
-            </a:effectRef>
-            <a:fontRef idx="minor">
-              <a:schemeClr val="tx1"/>
-            </a:fontRef>
-          </p:style>
-        </p:cxnSp>
-        <p:cxnSp>
-          <p:nvCxnSpPr>
-            <p:cNvPr id="81" name="Straight Connector 80"/>
-            <p:cNvCxnSpPr/>
-            <p:nvPr/>
-          </p:nvCxnSpPr>
-          <p:spPr>
-            <a:xfrm flipV="1">
-              <a:off x="4551996" y="4006045"/>
-              <a:ext cx="87747" cy="124391"/>
-            </a:xfrm>
-            <a:prstGeom prst="line">
-              <a:avLst/>
-            </a:prstGeom>
-            <a:ln w="12700">
-              <a:solidFill>
-                <a:schemeClr val="tx1"/>
-              </a:solidFill>
-              <a:prstDash val="dash"/>
-            </a:ln>
-          </p:spPr>
-          <p:style>
-            <a:lnRef idx="1">
-              <a:schemeClr val="accent1"/>
-            </a:lnRef>
-            <a:fillRef idx="0">
-              <a:schemeClr val="accent1"/>
-            </a:fillRef>
-            <a:effectRef idx="0">
-              <a:schemeClr val="accent1"/>
-            </a:effectRef>
-            <a:fontRef idx="minor">
-              <a:schemeClr val="tx1"/>
-            </a:fontRef>
-          </p:style>
-        </p:cxnSp>
-        <p:cxnSp>
-          <p:nvCxnSpPr>
-            <p:cNvPr id="88" name="Straight Connector 87"/>
-            <p:cNvCxnSpPr/>
-            <p:nvPr/>
-          </p:nvCxnSpPr>
-          <p:spPr>
-            <a:xfrm rot="5400000" flipV="1">
-              <a:off x="4570316" y="4113719"/>
-              <a:ext cx="87747" cy="124391"/>
-            </a:xfrm>
-            <a:prstGeom prst="line">
-              <a:avLst/>
-            </a:prstGeom>
-            <a:ln w="12700">
-              <a:solidFill>
-                <a:schemeClr val="tx1"/>
-              </a:solidFill>
-              <a:prstDash val="dash"/>
-            </a:ln>
-          </p:spPr>
-          <p:style>
-            <a:lnRef idx="1">
-              <a:schemeClr val="accent1"/>
-            </a:lnRef>
-            <a:fillRef idx="0">
-              <a:schemeClr val="accent1"/>
-            </a:fillRef>
-            <a:effectRef idx="0">
-              <a:schemeClr val="accent1"/>
-            </a:effectRef>
-            <a:fontRef idx="minor">
-              <a:schemeClr val="tx1"/>
-            </a:fontRef>
-          </p:style>
-        </p:cxnSp>
-        <p:cxnSp>
-          <p:nvCxnSpPr>
-            <p:cNvPr id="89" name="Straight Connector 88"/>
-            <p:cNvCxnSpPr/>
-            <p:nvPr/>
-          </p:nvCxnSpPr>
-          <p:spPr>
-            <a:xfrm flipH="1">
-              <a:off x="4522717" y="4217178"/>
-              <a:ext cx="158615" cy="91964"/>
-            </a:xfrm>
-            <a:prstGeom prst="line">
-              <a:avLst/>
-            </a:prstGeom>
-            <a:ln w="12700">
-              <a:solidFill>
-                <a:schemeClr val="tx1"/>
-              </a:solidFill>
-              <a:prstDash val="dash"/>
-            </a:ln>
-          </p:spPr>
-          <p:style>
-            <a:lnRef idx="1">
-              <a:schemeClr val="accent1"/>
-            </a:lnRef>
-            <a:fillRef idx="0">
-              <a:schemeClr val="accent1"/>
-            </a:fillRef>
-            <a:effectRef idx="0">
-              <a:schemeClr val="accent1"/>
-            </a:effectRef>
-            <a:fontRef idx="minor">
-              <a:schemeClr val="tx1"/>
-            </a:fontRef>
-          </p:style>
-        </p:cxnSp>
-        <p:cxnSp>
-          <p:nvCxnSpPr>
-            <p:cNvPr id="91" name="Straight Connector 90"/>
-            <p:cNvCxnSpPr/>
-            <p:nvPr/>
-          </p:nvCxnSpPr>
-          <p:spPr>
-            <a:xfrm rot="5400000" flipH="1">
-              <a:off x="4490591" y="4331172"/>
-              <a:ext cx="158615" cy="91964"/>
-            </a:xfrm>
-            <a:prstGeom prst="line">
-              <a:avLst/>
-            </a:prstGeom>
-            <a:ln w="12700">
-              <a:solidFill>
-                <a:schemeClr val="tx1"/>
-              </a:solidFill>
-              <a:prstDash val="dash"/>
-            </a:ln>
-          </p:spPr>
-          <p:style>
-            <a:lnRef idx="1">
-              <a:schemeClr val="accent1"/>
-            </a:lnRef>
-            <a:fillRef idx="0">
-              <a:schemeClr val="accent1"/>
-            </a:fillRef>
-            <a:effectRef idx="0">
-              <a:schemeClr val="accent1"/>
-            </a:effectRef>
-            <a:fontRef idx="minor">
-              <a:schemeClr val="tx1"/>
-            </a:fontRef>
-          </p:style>
-        </p:cxnSp>
-        <p:cxnSp>
-          <p:nvCxnSpPr>
-            <p:cNvPr id="92" name="Straight Connector 91"/>
-            <p:cNvCxnSpPr/>
-            <p:nvPr/>
-          </p:nvCxnSpPr>
-          <p:spPr>
-            <a:xfrm rot="10800000" flipH="1">
-              <a:off x="4466582" y="4460600"/>
-              <a:ext cx="158615" cy="91964"/>
-            </a:xfrm>
-            <a:prstGeom prst="line">
-              <a:avLst/>
-            </a:prstGeom>
-            <a:ln w="12700">
-              <a:solidFill>
-                <a:schemeClr val="tx1"/>
-              </a:solidFill>
-              <a:prstDash val="dash"/>
-            </a:ln>
-          </p:spPr>
-          <p:style>
-            <a:lnRef idx="1">
-              <a:schemeClr val="accent1"/>
-            </a:lnRef>
-            <a:fillRef idx="0">
-              <a:schemeClr val="accent1"/>
-            </a:fillRef>
-            <a:effectRef idx="0">
-              <a:schemeClr val="accent1"/>
-            </a:effectRef>
-            <a:fontRef idx="minor">
-              <a:schemeClr val="tx1"/>
-            </a:fontRef>
-          </p:style>
-        </p:cxnSp>
-        <p:cxnSp>
-          <p:nvCxnSpPr>
-            <p:cNvPr id="93" name="Straight Connector 92"/>
-            <p:cNvCxnSpPr/>
-            <p:nvPr/>
-          </p:nvCxnSpPr>
-          <p:spPr>
-            <a:xfrm rot="16200000" flipH="1">
-              <a:off x="4438387" y="4578734"/>
-              <a:ext cx="158615" cy="91964"/>
-            </a:xfrm>
-            <a:prstGeom prst="line">
-              <a:avLst/>
-            </a:prstGeom>
-            <a:ln w="12700">
-              <a:solidFill>
-                <a:schemeClr val="tx1"/>
-              </a:solidFill>
-              <a:prstDash val="dash"/>
-            </a:ln>
-          </p:spPr>
-          <p:style>
-            <a:lnRef idx="1">
-              <a:schemeClr val="accent1"/>
-            </a:lnRef>
-            <a:fillRef idx="0">
-              <a:schemeClr val="accent1"/>
-            </a:fillRef>
-            <a:effectRef idx="0">
-              <a:schemeClr val="accent1"/>
-            </a:effectRef>
-            <a:fontRef idx="minor">
-              <a:schemeClr val="tx1"/>
-            </a:fontRef>
-          </p:style>
-        </p:cxnSp>
-        <p:cxnSp>
-          <p:nvCxnSpPr>
-            <p:cNvPr id="95" name="Straight Connector 94"/>
-            <p:cNvCxnSpPr/>
-            <p:nvPr/>
-          </p:nvCxnSpPr>
-          <p:spPr>
-            <a:xfrm flipV="1">
-              <a:off x="4460231" y="4699147"/>
-              <a:ext cx="105160" cy="126727"/>
-            </a:xfrm>
-            <a:prstGeom prst="line">
-              <a:avLst/>
-            </a:prstGeom>
-            <a:ln w="12700">
-              <a:solidFill>
-                <a:schemeClr val="tx1"/>
-              </a:solidFill>
-              <a:prstDash val="dash"/>
-            </a:ln>
-          </p:spPr>
-          <p:style>
-            <a:lnRef idx="1">
-              <a:schemeClr val="accent1"/>
-            </a:lnRef>
-            <a:fillRef idx="0">
-              <a:schemeClr val="accent1"/>
-            </a:fillRef>
-            <a:effectRef idx="0">
-              <a:schemeClr val="accent1"/>
-            </a:effectRef>
-            <a:fontRef idx="minor">
-              <a:schemeClr val="tx1"/>
-            </a:fontRef>
-          </p:style>
-        </p:cxnSp>
-        <p:cxnSp>
-          <p:nvCxnSpPr>
-            <p:cNvPr id="97" name="Straight Connector 96"/>
-            <p:cNvCxnSpPr/>
-            <p:nvPr/>
-          </p:nvCxnSpPr>
-          <p:spPr>
-            <a:xfrm rot="5400000" flipV="1">
-              <a:off x="4470137" y="4820883"/>
-              <a:ext cx="105160" cy="126727"/>
-            </a:xfrm>
-            <a:prstGeom prst="line">
-              <a:avLst/>
-            </a:prstGeom>
-            <a:ln w="12700">
-              <a:solidFill>
-                <a:schemeClr val="tx1"/>
-              </a:solidFill>
-              <a:prstDash val="dash"/>
-            </a:ln>
-          </p:spPr>
-          <p:style>
-            <a:lnRef idx="1">
-              <a:schemeClr val="accent1"/>
-            </a:lnRef>
-            <a:fillRef idx="0">
-              <a:schemeClr val="accent1"/>
-            </a:fillRef>
-            <a:effectRef idx="0">
-              <a:schemeClr val="accent1"/>
-            </a:effectRef>
-            <a:fontRef idx="minor">
-              <a:schemeClr val="tx1"/>
-            </a:fontRef>
-          </p:style>
-        </p:cxnSp>
-        <p:cxnSp>
-          <p:nvCxnSpPr>
-            <p:cNvPr id="66" name="Straight Connector 65"/>
-            <p:cNvCxnSpPr/>
-            <p:nvPr/>
-          </p:nvCxnSpPr>
-          <p:spPr>
-            <a:xfrm flipV="1">
-              <a:off x="4513192" y="3490807"/>
-              <a:ext cx="42247" cy="120375"/>
-            </a:xfrm>
-            <a:prstGeom prst="line">
-              <a:avLst/>
-            </a:prstGeom>
-            <a:ln w="12700">
-              <a:solidFill>
-                <a:schemeClr val="tx1"/>
-              </a:solidFill>
-              <a:prstDash val="dash"/>
-            </a:ln>
-          </p:spPr>
-          <p:style>
-            <a:lnRef idx="1">
-              <a:schemeClr val="accent1"/>
-            </a:lnRef>
-            <a:fillRef idx="0">
-              <a:schemeClr val="accent1"/>
-            </a:fillRef>
-            <a:effectRef idx="0">
-              <a:schemeClr val="accent1"/>
-            </a:effectRef>
-            <a:fontRef idx="minor">
-              <a:schemeClr val="tx1"/>
-            </a:fontRef>
-          </p:style>
-        </p:cxnSp>
-        <p:cxnSp>
-          <p:nvCxnSpPr>
-            <p:cNvPr id="75" name="Straight Connector 74"/>
-            <p:cNvCxnSpPr/>
-            <p:nvPr/>
-          </p:nvCxnSpPr>
-          <p:spPr>
-            <a:xfrm rot="10800000" flipH="1" flipV="1">
-              <a:off x="4527096" y="3725595"/>
-              <a:ext cx="73202" cy="50119"/>
-            </a:xfrm>
-            <a:prstGeom prst="line">
-              <a:avLst/>
-            </a:prstGeom>
-            <a:ln w="12700">
-              <a:solidFill>
-                <a:schemeClr val="tx1"/>
-              </a:solidFill>
-              <a:prstDash val="dash"/>
-            </a:ln>
-          </p:spPr>
-          <p:style>
-            <a:lnRef idx="1">
-              <a:schemeClr val="accent1"/>
-            </a:lnRef>
-            <a:fillRef idx="0">
-              <a:schemeClr val="accent1"/>
-            </a:fillRef>
-            <a:effectRef idx="0">
-              <a:schemeClr val="accent1"/>
-            </a:effectRef>
-            <a:fontRef idx="minor">
-              <a:schemeClr val="tx1"/>
-            </a:fontRef>
-          </p:style>
-        </p:cxnSp>
-        <p:sp>
-          <p:nvSpPr>
-            <p:cNvPr id="152" name="Multiply 151"/>
-            <p:cNvSpPr>
-              <a:spLocks noChangeAspect="1"/>
-            </p:cNvSpPr>
-            <p:nvPr/>
-          </p:nvSpPr>
-          <p:spPr>
-            <a:xfrm>
-              <a:off x="4568482" y="3722621"/>
-              <a:ext cx="72000" cy="81871"/>
-            </a:xfrm>
-            <a:prstGeom prst="mathMultiply">
-              <a:avLst/>
-            </a:prstGeom>
-            <a:solidFill>
-              <a:srgbClr val="00B0F0"/>
-            </a:solidFill>
-            <a:ln w="3175">
-              <a:solidFill>
-                <a:schemeClr val="tx1"/>
-              </a:solidFill>
-            </a:ln>
-          </p:spPr>
-          <p:style>
-            <a:lnRef idx="2">
-              <a:schemeClr val="accent1">
-                <a:shade val="50000"/>
-              </a:schemeClr>
-            </a:lnRef>
-            <a:fillRef idx="1">
-              <a:schemeClr val="accent1"/>
-            </a:fillRef>
-            <a:effectRef idx="0">
-              <a:schemeClr val="accent1"/>
-            </a:effectRef>
-            <a:fontRef idx="minor">
-              <a:schemeClr val="lt1"/>
-            </a:fontRef>
-          </p:style>
-          <p:txBody>
-            <a:bodyPr rtlCol="0" anchor="ctr"/>
-            <a:lstStyle/>
-            <a:p>
-              <a:pPr algn="ctr"/>
-              <a:endParaRPr lang="pt-BR"/>
-            </a:p>
-          </p:txBody>
-        </p:sp>
-        <p:sp>
-          <p:nvSpPr>
-            <p:cNvPr id="153" name="Multiply 152"/>
-            <p:cNvSpPr>
-              <a:spLocks noChangeAspect="1"/>
-            </p:cNvSpPr>
-            <p:nvPr/>
-          </p:nvSpPr>
-          <p:spPr>
-            <a:xfrm>
-              <a:off x="4553694" y="3612134"/>
-              <a:ext cx="72000" cy="81871"/>
-            </a:xfrm>
-            <a:prstGeom prst="mathMultiply">
-              <a:avLst/>
-            </a:prstGeom>
-            <a:solidFill>
-              <a:srgbClr val="00B0F0"/>
-            </a:solidFill>
-            <a:ln w="3175">
-              <a:solidFill>
-                <a:schemeClr val="tx1"/>
-              </a:solidFill>
-            </a:ln>
-          </p:spPr>
-          <p:style>
-            <a:lnRef idx="2">
-              <a:schemeClr val="accent1">
-                <a:shade val="50000"/>
-              </a:schemeClr>
-            </a:lnRef>
-            <a:fillRef idx="1">
-              <a:schemeClr val="accent1"/>
-            </a:fillRef>
-            <a:effectRef idx="0">
-              <a:schemeClr val="accent1"/>
-            </a:effectRef>
-            <a:fontRef idx="minor">
-              <a:schemeClr val="lt1"/>
-            </a:fontRef>
-          </p:style>
-          <p:txBody>
-            <a:bodyPr rtlCol="0" anchor="ctr"/>
-            <a:lstStyle/>
-            <a:p>
-              <a:pPr algn="ctr"/>
-              <a:endParaRPr lang="pt-BR"/>
-            </a:p>
-          </p:txBody>
-        </p:sp>
-        <p:cxnSp>
-          <p:nvCxnSpPr>
-            <p:cNvPr id="158" name="Straight Arrow Connector 157"/>
-            <p:cNvCxnSpPr/>
-            <p:nvPr/>
-          </p:nvCxnSpPr>
-          <p:spPr>
-            <a:xfrm>
-              <a:off x="3030134" y="1302987"/>
-              <a:ext cx="0" cy="4284000"/>
-            </a:xfrm>
-            <a:prstGeom prst="straightConnector1">
-              <a:avLst/>
-            </a:prstGeom>
-            <a:ln w="19050">
-              <a:solidFill>
-                <a:schemeClr val="tx1"/>
-              </a:solidFill>
-              <a:headEnd type="triangle" w="med" len="med"/>
-              <a:tailEnd type="none" w="med" len="med"/>
-            </a:ln>
-          </p:spPr>
-          <p:style>
-            <a:lnRef idx="1">
-              <a:schemeClr val="accent1"/>
-            </a:lnRef>
-            <a:fillRef idx="0">
-              <a:schemeClr val="accent1"/>
-            </a:fillRef>
-            <a:effectRef idx="0">
-              <a:schemeClr val="accent1"/>
-            </a:effectRef>
-            <a:fontRef idx="minor">
-              <a:schemeClr val="tx1"/>
-            </a:fontRef>
-          </p:style>
-        </p:cxnSp>
-        <p:cxnSp>
-          <p:nvCxnSpPr>
-            <p:cNvPr id="159" name="Straight Arrow Connector 158"/>
-            <p:cNvCxnSpPr/>
-            <p:nvPr/>
-          </p:nvCxnSpPr>
-          <p:spPr>
-            <a:xfrm rot="5400000">
-              <a:off x="4496439" y="4118552"/>
-              <a:ext cx="0" cy="2952000"/>
-            </a:xfrm>
-            <a:prstGeom prst="straightConnector1">
-              <a:avLst/>
-            </a:prstGeom>
-            <a:ln w="19050">
-              <a:solidFill>
-                <a:schemeClr val="tx1"/>
-              </a:solidFill>
-              <a:headEnd type="triangle" w="med" len="med"/>
-              <a:tailEnd type="none" w="med" len="med"/>
-            </a:ln>
-          </p:spPr>
-          <p:style>
-            <a:lnRef idx="1">
-              <a:schemeClr val="accent1"/>
-            </a:lnRef>
-            <a:fillRef idx="0">
-              <a:schemeClr val="accent1"/>
-            </a:fillRef>
-            <a:effectRef idx="0">
-              <a:schemeClr val="accent1"/>
-            </a:effectRef>
-            <a:fontRef idx="minor">
-              <a:schemeClr val="tx1"/>
-            </a:fontRef>
-          </p:style>
-        </p:cxnSp>
-        <mc:AlternateContent xmlns:mc="http://schemas.openxmlformats.org/markup-compatibility/2006" xmlns:a14="http://schemas.microsoft.com/office/drawing/2010/main">
-          <mc:Choice Requires="a14">
-            <p:sp>
-              <p:nvSpPr>
-                <p:cNvPr id="164" name="TextBox 163"/>
-                <p:cNvSpPr txBox="1"/>
-                <p:nvPr/>
-              </p:nvSpPr>
-              <p:spPr>
-                <a:xfrm>
-                  <a:off x="5930875" y="5387262"/>
-                  <a:ext cx="426028" cy="400110"/>
-                </a:xfrm>
-                <a:prstGeom prst="rect">
-                  <a:avLst/>
-                </a:prstGeom>
-                <a:noFill/>
-              </p:spPr>
-              <p:txBody>
-                <a:bodyPr wrap="square" rtlCol="0">
-                  <a:spAutoFit/>
-                </a:bodyPr>
-                <a:lstStyle/>
-                <a:p>
-                  <a:pPr/>
-                  <a14:m>
-                    <m:oMathPara xmlns:m="http://schemas.openxmlformats.org/officeDocument/2006/math">
-                      <m:oMathParaPr>
-                        <m:jc m:val="centerGroup"/>
-                      </m:oMathParaPr>
-                      <m:oMath xmlns:m="http://schemas.openxmlformats.org/officeDocument/2006/math">
-                        <m:sSub>
-                          <m:sSubPr>
-                            <m:ctrlPr>
-                              <a:rPr lang="pt-BR" sz="2000" i="1" smtClean="0">
-                                <a:latin typeface="Cambria Math" panose="02040503050406030204" pitchFamily="18" charset="0"/>
-                              </a:rPr>
-                            </m:ctrlPr>
-                          </m:sSubPr>
-                          <m:e>
-                            <m:r>
-                              <a:rPr lang="pt-BR" sz="2000" b="0" i="1" smtClean="0">
-                                <a:latin typeface="Cambria Math" panose="02040503050406030204" pitchFamily="18" charset="0"/>
-                              </a:rPr>
-                              <m:t>𝑎</m:t>
-                            </m:r>
-                          </m:e>
-                          <m:sub>
-                            <m:r>
-                              <a:rPr lang="pt-BR" sz="2000" b="0" i="1" smtClean="0">
-                                <a:latin typeface="Cambria Math" panose="02040503050406030204" pitchFamily="18" charset="0"/>
-                              </a:rPr>
-                              <m:t>1</m:t>
-                            </m:r>
-                          </m:sub>
-                        </m:sSub>
-                      </m:oMath>
-                    </m:oMathPara>
-                  </a14:m>
-                  <a:endParaRPr lang="pt-BR" sz="2000" dirty="0"/>
-                </a:p>
-              </p:txBody>
-            </p:sp>
-          </mc:Choice>
-          <mc:Fallback xmlns="">
-            <p:sp>
-              <p:nvSpPr>
-                <p:cNvPr id="164" name="TextBox 163"/>
-                <p:cNvSpPr txBox="1">
-                  <a:spLocks noRot="1" noChangeAspect="1" noMove="1" noResize="1" noEditPoints="1" noAdjustHandles="1" noChangeArrowheads="1" noChangeShapeType="1" noTextEdit="1"/>
-                </p:cNvSpPr>
-                <p:nvPr/>
-              </p:nvSpPr>
-              <p:spPr>
-                <a:xfrm>
-                  <a:off x="5930875" y="5387262"/>
-                  <a:ext cx="426028" cy="400110"/>
-                </a:xfrm>
-                <a:prstGeom prst="rect">
-                  <a:avLst/>
-                </a:prstGeom>
-                <a:blipFill>
-                  <a:blip r:embed="rId4"/>
-                  <a:stretch>
-                    <a:fillRect/>
-                  </a:stretch>
-                </a:blipFill>
-              </p:spPr>
-              <p:txBody>
-                <a:bodyPr/>
-                <a:lstStyle/>
-                <a:p>
-                  <a:r>
-                    <a:rPr lang="pt-BR">
-                      <a:noFill/>
-                    </a:rPr>
-                    <a:t> </a:t>
-                  </a:r>
-                </a:p>
-              </p:txBody>
-            </p:sp>
-          </mc:Fallback>
-        </mc:AlternateContent>
-        <mc:AlternateContent xmlns:mc="http://schemas.openxmlformats.org/markup-compatibility/2006" xmlns:a14="http://schemas.microsoft.com/office/drawing/2010/main">
-          <mc:Choice Requires="a14">
-            <p:sp>
-              <p:nvSpPr>
-                <p:cNvPr id="165" name="TextBox 164"/>
-                <p:cNvSpPr txBox="1"/>
-                <p:nvPr/>
-              </p:nvSpPr>
-              <p:spPr>
-                <a:xfrm>
-                  <a:off x="2817120" y="895312"/>
-                  <a:ext cx="426028" cy="400110"/>
-                </a:xfrm>
-                <a:prstGeom prst="rect">
-                  <a:avLst/>
-                </a:prstGeom>
-                <a:noFill/>
-              </p:spPr>
-              <p:txBody>
-                <a:bodyPr wrap="square" rtlCol="0">
-                  <a:spAutoFit/>
-                </a:bodyPr>
-                <a:lstStyle/>
-                <a:p>
-                  <a:pPr/>
-                  <a14:m>
-                    <m:oMathPara xmlns:m="http://schemas.openxmlformats.org/officeDocument/2006/math">
-                      <m:oMathParaPr>
-                        <m:jc m:val="centerGroup"/>
-                      </m:oMathParaPr>
-                      <m:oMath xmlns:m="http://schemas.openxmlformats.org/officeDocument/2006/math">
-                        <m:sSub>
-                          <m:sSubPr>
-                            <m:ctrlPr>
-                              <a:rPr lang="pt-BR" sz="2000" i="1" smtClean="0">
-                                <a:latin typeface="Cambria Math" panose="02040503050406030204" pitchFamily="18" charset="0"/>
-                              </a:rPr>
-                            </m:ctrlPr>
-                          </m:sSubPr>
-                          <m:e>
-                            <m:r>
-                              <a:rPr lang="pt-BR" sz="2000" b="0" i="1" smtClean="0">
-                                <a:latin typeface="Cambria Math" panose="02040503050406030204" pitchFamily="18" charset="0"/>
-                              </a:rPr>
-                              <m:t>𝑎</m:t>
-                            </m:r>
-                          </m:e>
-                          <m:sub>
-                            <m:r>
-                              <a:rPr lang="pt-BR" sz="2000" b="0" i="1" smtClean="0">
-                                <a:latin typeface="Cambria Math" panose="02040503050406030204" pitchFamily="18" charset="0"/>
-                              </a:rPr>
-                              <m:t>2</m:t>
-                            </m:r>
-                          </m:sub>
-                        </m:sSub>
-                      </m:oMath>
-                    </m:oMathPara>
-                  </a14:m>
-                  <a:endParaRPr lang="pt-BR" sz="2000" dirty="0"/>
-                </a:p>
-              </p:txBody>
-            </p:sp>
-          </mc:Choice>
-          <mc:Fallback xmlns="">
-            <p:sp>
-              <p:nvSpPr>
-                <p:cNvPr id="165" name="TextBox 164"/>
-                <p:cNvSpPr txBox="1">
-                  <a:spLocks noRot="1" noChangeAspect="1" noMove="1" noResize="1" noEditPoints="1" noAdjustHandles="1" noChangeArrowheads="1" noChangeShapeType="1" noTextEdit="1"/>
-                </p:cNvSpPr>
-                <p:nvPr/>
-              </p:nvSpPr>
-              <p:spPr>
-                <a:xfrm>
-                  <a:off x="2817120" y="895312"/>
-                  <a:ext cx="426028" cy="400110"/>
-                </a:xfrm>
-                <a:prstGeom prst="rect">
-                  <a:avLst/>
-                </a:prstGeom>
-                <a:blipFill>
-                  <a:blip r:embed="rId5"/>
-                  <a:stretch>
-                    <a:fillRect/>
-                  </a:stretch>
-                </a:blipFill>
-              </p:spPr>
-              <p:txBody>
-                <a:bodyPr/>
-                <a:lstStyle/>
-                <a:p>
-                  <a:r>
-                    <a:rPr lang="pt-BR">
-                      <a:noFill/>
-                    </a:rPr>
-                    <a:t> </a:t>
-                  </a:r>
-                </a:p>
-              </p:txBody>
-            </p:sp>
-          </mc:Fallback>
-        </mc:AlternateContent>
-      </p:grpSp>
-    </p:spTree>
-    <p:extLst>
-      <p:ext uri="{BB962C8B-B14F-4D97-AF65-F5344CB8AC3E}">
-        <p14:creationId xmlns:p14="http://schemas.microsoft.com/office/powerpoint/2010/main" val="3580847131"/>
-      </p:ext>
-    </p:extLst>
-  </p:cSld>
-  <p:clrMapOvr>
-    <a:masterClrMapping/>
-  </p:clrMapOvr>
-</p:sld>
-</file>
-
-<file path=ppt/slides/slide17.xml><?xml version="1.0" encoding="utf-8"?>
-<p:sld xmlns:a="http://schemas.openxmlformats.org/drawingml/2006/main" xmlns:r="http://schemas.openxmlformats.org/officeDocument/2006/relationships" xmlns:p="http://schemas.openxmlformats.org/presentationml/2006/main">
-  <p:cSld>
-    <p:spTree>
-      <p:nvGrpSpPr>
-        <p:cNvPr id="1" name=""/>
-        <p:cNvGrpSpPr/>
-        <p:nvPr/>
-      </p:nvGrpSpPr>
-      <p:grpSpPr>
-        <a:xfrm>
-          <a:off x="0" y="0"/>
-          <a:ext cx="0" cy="0"/>
-          <a:chOff x="0" y="0"/>
-          <a:chExt cx="0" cy="0"/>
-        </a:xfrm>
-      </p:grpSpPr>
-      <p:grpSp>
-        <p:nvGrpSpPr>
-          <p:cNvPr id="73" name="Group 72"/>
-          <p:cNvGrpSpPr/>
-          <p:nvPr/>
-        </p:nvGrpSpPr>
-        <p:grpSpPr>
-          <a:xfrm>
-            <a:off x="936633" y="2134388"/>
-            <a:ext cx="3836177" cy="3649708"/>
-            <a:chOff x="936633" y="2134388"/>
-            <a:chExt cx="3836177" cy="3649708"/>
-          </a:xfrm>
-        </p:grpSpPr>
-        <p:grpSp>
-          <p:nvGrpSpPr>
-            <p:cNvPr id="56" name="Group 55"/>
-            <p:cNvGrpSpPr/>
-            <p:nvPr/>
-          </p:nvGrpSpPr>
-          <p:grpSpPr>
-            <a:xfrm>
-              <a:off x="1705732" y="2134388"/>
-              <a:ext cx="3067078" cy="3649708"/>
-              <a:chOff x="1705732" y="2134388"/>
-              <a:chExt cx="3067078" cy="3649708"/>
-            </a:xfrm>
-          </p:grpSpPr>
-          <p:sp>
-            <p:nvSpPr>
-              <p:cNvPr id="29" name="Oval 28"/>
-              <p:cNvSpPr/>
-              <p:nvPr/>
-            </p:nvSpPr>
-            <p:spPr>
-              <a:xfrm>
-                <a:off x="1800709" y="2558531"/>
-                <a:ext cx="2160000" cy="2160000"/>
-              </a:xfrm>
-              <a:prstGeom prst="ellipse">
-                <a:avLst/>
-              </a:prstGeom>
-              <a:noFill/>
-              <a:ln>
-                <a:solidFill>
-                  <a:schemeClr val="tx1"/>
-                </a:solidFill>
-              </a:ln>
-            </p:spPr>
-            <p:style>
-              <a:lnRef idx="2">
-                <a:schemeClr val="accent1">
-                  <a:shade val="50000"/>
-                </a:schemeClr>
-              </a:lnRef>
-              <a:fillRef idx="1">
-                <a:schemeClr val="accent1"/>
-              </a:fillRef>
-              <a:effectRef idx="0">
-                <a:schemeClr val="accent1"/>
-              </a:effectRef>
-              <a:fontRef idx="minor">
-                <a:schemeClr val="lt1"/>
-              </a:fontRef>
-            </p:style>
-            <p:txBody>
-              <a:bodyPr rtlCol="0" anchor="ctr"/>
-              <a:lstStyle/>
-              <a:p>
-                <a:pPr algn="ctr"/>
-                <a:endParaRPr lang="pt-BR"/>
-              </a:p>
-            </p:txBody>
-          </p:sp>
-          <p:sp>
-            <p:nvSpPr>
-              <p:cNvPr id="30" name="Oval 29"/>
-              <p:cNvSpPr/>
-              <p:nvPr/>
-            </p:nvSpPr>
-            <p:spPr>
-              <a:xfrm>
-                <a:off x="1980709" y="2738531"/>
-                <a:ext cx="1800000" cy="1800000"/>
-              </a:xfrm>
-              <a:prstGeom prst="ellipse">
-                <a:avLst/>
-              </a:prstGeom>
-              <a:noFill/>
-              <a:ln>
-                <a:solidFill>
-                  <a:schemeClr val="tx1"/>
-                </a:solidFill>
-              </a:ln>
-            </p:spPr>
-            <p:style>
-              <a:lnRef idx="2">
-                <a:schemeClr val="accent1">
-                  <a:shade val="50000"/>
-                </a:schemeClr>
-              </a:lnRef>
-              <a:fillRef idx="1">
-                <a:schemeClr val="accent1"/>
-              </a:fillRef>
-              <a:effectRef idx="0">
-                <a:schemeClr val="accent1"/>
-              </a:effectRef>
-              <a:fontRef idx="minor">
-                <a:schemeClr val="lt1"/>
-              </a:fontRef>
-            </p:style>
-            <p:txBody>
-              <a:bodyPr rtlCol="0" anchor="ctr"/>
-              <a:lstStyle/>
-              <a:p>
-                <a:pPr algn="ctr"/>
-                <a:endParaRPr lang="pt-BR"/>
-              </a:p>
-            </p:txBody>
-          </p:sp>
-          <p:sp>
-            <p:nvSpPr>
-              <p:cNvPr id="31" name="Oval 30"/>
-              <p:cNvSpPr/>
-              <p:nvPr/>
-            </p:nvSpPr>
-            <p:spPr>
-              <a:xfrm>
-                <a:off x="2160709" y="2918531"/>
-                <a:ext cx="1440000" cy="1440000"/>
-              </a:xfrm>
-              <a:prstGeom prst="ellipse">
-                <a:avLst/>
-              </a:prstGeom>
-              <a:noFill/>
-              <a:ln>
-                <a:solidFill>
-                  <a:schemeClr val="tx1"/>
-                </a:solidFill>
-              </a:ln>
-            </p:spPr>
-            <p:style>
-              <a:lnRef idx="2">
-                <a:schemeClr val="accent1">
-                  <a:shade val="50000"/>
-                </a:schemeClr>
-              </a:lnRef>
-              <a:fillRef idx="1">
-                <a:schemeClr val="accent1"/>
-              </a:fillRef>
-              <a:effectRef idx="0">
-                <a:schemeClr val="accent1"/>
-              </a:effectRef>
-              <a:fontRef idx="minor">
-                <a:schemeClr val="lt1"/>
-              </a:fontRef>
-            </p:style>
-            <p:txBody>
-              <a:bodyPr rtlCol="0" anchor="ctr"/>
-              <a:lstStyle/>
-              <a:p>
-                <a:pPr algn="ctr"/>
-                <a:endParaRPr lang="pt-BR"/>
-              </a:p>
-            </p:txBody>
-          </p:sp>
-          <p:sp>
-            <p:nvSpPr>
-              <p:cNvPr id="32" name="Oval 31"/>
-              <p:cNvSpPr/>
-              <p:nvPr/>
-            </p:nvSpPr>
-            <p:spPr>
-              <a:xfrm>
-                <a:off x="2340709" y="3098531"/>
-                <a:ext cx="1080000" cy="1080000"/>
-              </a:xfrm>
-              <a:prstGeom prst="ellipse">
-                <a:avLst/>
-              </a:prstGeom>
-              <a:noFill/>
-              <a:ln>
-                <a:solidFill>
-                  <a:schemeClr val="tx1"/>
-                </a:solidFill>
-              </a:ln>
-            </p:spPr>
-            <p:style>
-              <a:lnRef idx="2">
-                <a:schemeClr val="accent1">
-                  <a:shade val="50000"/>
-                </a:schemeClr>
-              </a:lnRef>
-              <a:fillRef idx="1">
-                <a:schemeClr val="accent1"/>
-              </a:fillRef>
-              <a:effectRef idx="0">
-                <a:schemeClr val="accent1"/>
-              </a:effectRef>
-              <a:fontRef idx="minor">
-                <a:schemeClr val="lt1"/>
-              </a:fontRef>
-            </p:style>
-            <p:txBody>
-              <a:bodyPr rtlCol="0" anchor="ctr"/>
-              <a:lstStyle/>
-              <a:p>
-                <a:pPr algn="ctr"/>
-                <a:endParaRPr lang="pt-BR"/>
-              </a:p>
-            </p:txBody>
-          </p:sp>
-          <p:sp>
-            <p:nvSpPr>
-              <p:cNvPr id="33" name="Oval 32"/>
-              <p:cNvSpPr/>
-              <p:nvPr/>
-            </p:nvSpPr>
-            <p:spPr>
-              <a:xfrm>
-                <a:off x="2520709" y="3278531"/>
-                <a:ext cx="720000" cy="720000"/>
-              </a:xfrm>
-              <a:prstGeom prst="ellipse">
-                <a:avLst/>
-              </a:prstGeom>
-              <a:noFill/>
-              <a:ln>
-                <a:solidFill>
-                  <a:schemeClr val="tx1"/>
-                </a:solidFill>
-              </a:ln>
-            </p:spPr>
-            <p:style>
-              <a:lnRef idx="2">
-                <a:schemeClr val="accent1">
-                  <a:shade val="50000"/>
-                </a:schemeClr>
-              </a:lnRef>
-              <a:fillRef idx="1">
-                <a:schemeClr val="accent1"/>
-              </a:fillRef>
-              <a:effectRef idx="0">
-                <a:schemeClr val="accent1"/>
-              </a:effectRef>
-              <a:fontRef idx="minor">
-                <a:schemeClr val="lt1"/>
-              </a:fontRef>
-            </p:style>
-            <p:txBody>
-              <a:bodyPr rtlCol="0" anchor="ctr"/>
-              <a:lstStyle/>
-              <a:p>
-                <a:pPr algn="ctr"/>
-                <a:endParaRPr lang="pt-BR"/>
-              </a:p>
-            </p:txBody>
-          </p:sp>
-          <p:sp>
-            <p:nvSpPr>
-              <p:cNvPr id="34" name="Oval 33"/>
-              <p:cNvSpPr/>
-              <p:nvPr/>
-            </p:nvSpPr>
-            <p:spPr>
-              <a:xfrm>
-                <a:off x="2700709" y="3458531"/>
-                <a:ext cx="360000" cy="360000"/>
-              </a:xfrm>
-              <a:prstGeom prst="ellipse">
-                <a:avLst/>
-              </a:prstGeom>
-              <a:noFill/>
-              <a:ln>
-                <a:solidFill>
-                  <a:schemeClr val="tx1"/>
-                </a:solidFill>
-              </a:ln>
-            </p:spPr>
-            <p:style>
-              <a:lnRef idx="2">
-                <a:schemeClr val="accent1">
-                  <a:shade val="50000"/>
-                </a:schemeClr>
-              </a:lnRef>
-              <a:fillRef idx="1">
-                <a:schemeClr val="accent1"/>
-              </a:fillRef>
-              <a:effectRef idx="0">
-                <a:schemeClr val="accent1"/>
-              </a:effectRef>
-              <a:fontRef idx="minor">
-                <a:schemeClr val="lt1"/>
-              </a:fontRef>
-            </p:style>
-            <p:txBody>
-              <a:bodyPr rtlCol="0" anchor="ctr"/>
-              <a:lstStyle/>
-              <a:p>
-                <a:pPr algn="ctr"/>
-                <a:endParaRPr lang="pt-BR"/>
-              </a:p>
-            </p:txBody>
-          </p:sp>
-          <p:sp>
-            <p:nvSpPr>
-              <p:cNvPr id="35" name="Multiply 34"/>
-              <p:cNvSpPr>
-                <a:spLocks noChangeAspect="1"/>
-              </p:cNvSpPr>
-              <p:nvPr/>
-            </p:nvSpPr>
-            <p:spPr>
-              <a:xfrm>
-                <a:off x="2797024" y="3544166"/>
-                <a:ext cx="158298" cy="180000"/>
-              </a:xfrm>
-              <a:prstGeom prst="mathMultiply">
-                <a:avLst/>
-              </a:prstGeom>
-              <a:solidFill>
-                <a:schemeClr val="accent6"/>
-              </a:solidFill>
-              <a:ln w="3175">
-                <a:solidFill>
-                  <a:schemeClr val="tx1"/>
-                </a:solidFill>
-              </a:ln>
-            </p:spPr>
-            <p:style>
-              <a:lnRef idx="2">
-                <a:schemeClr val="accent1">
-                  <a:shade val="50000"/>
-                </a:schemeClr>
-              </a:lnRef>
-              <a:fillRef idx="1">
-                <a:schemeClr val="accent1"/>
-              </a:fillRef>
-              <a:effectRef idx="0">
-                <a:schemeClr val="accent1"/>
-              </a:effectRef>
-              <a:fontRef idx="minor">
-                <a:schemeClr val="lt1"/>
-              </a:fontRef>
-            </p:style>
-            <p:txBody>
-              <a:bodyPr rtlCol="0" anchor="ctr"/>
-              <a:lstStyle/>
-              <a:p>
-                <a:pPr algn="ctr"/>
-                <a:endParaRPr lang="pt-BR"/>
-              </a:p>
-            </p:txBody>
-          </p:sp>
-          <mc:AlternateContent xmlns:mc="http://schemas.openxmlformats.org/markup-compatibility/2006" xmlns:a14="http://schemas.microsoft.com/office/drawing/2010/main">
-            <mc:Choice Requires="a14">
-              <p:sp>
-                <p:nvSpPr>
-                  <p:cNvPr id="38" name="TextBox 37"/>
-                  <p:cNvSpPr txBox="1"/>
-                  <p:nvPr/>
-                </p:nvSpPr>
-                <p:spPr>
-                  <a:xfrm>
-                    <a:off x="4346782" y="4890443"/>
-                    <a:ext cx="426028" cy="400110"/>
-                  </a:xfrm>
-                  <a:prstGeom prst="rect">
-                    <a:avLst/>
-                  </a:prstGeom>
-                  <a:noFill/>
-                </p:spPr>
-                <p:txBody>
-                  <a:bodyPr wrap="square" rtlCol="0">
-                    <a:spAutoFit/>
-                  </a:bodyPr>
-                  <a:lstStyle/>
-                  <a:p>
-                    <a:pPr/>
-                    <a14:m>
-                      <m:oMathPara xmlns:m="http://schemas.openxmlformats.org/officeDocument/2006/math">
-                        <m:oMathParaPr>
-                          <m:jc m:val="centerGroup"/>
-                        </m:oMathParaPr>
-                        <m:oMath xmlns:m="http://schemas.openxmlformats.org/officeDocument/2006/math">
-                          <m:sSub>
-                            <m:sSubPr>
-                              <m:ctrlPr>
-                                <a:rPr lang="pt-BR" sz="2000" i="1" smtClean="0">
-                                  <a:latin typeface="Cambria Math" panose="02040503050406030204" pitchFamily="18" charset="0"/>
-                                </a:rPr>
-                              </m:ctrlPr>
-                            </m:sSubPr>
-                            <m:e>
-                              <m:r>
-                                <a:rPr lang="pt-BR" sz="2000" b="0" i="1" smtClean="0">
-                                  <a:latin typeface="Cambria Math" panose="02040503050406030204" pitchFamily="18" charset="0"/>
-                                </a:rPr>
-                                <m:t>𝑎</m:t>
-                              </m:r>
-                            </m:e>
-                            <m:sub>
-                              <m:r>
-                                <a:rPr lang="pt-BR" sz="2000" b="0" i="1" smtClean="0">
-                                  <a:latin typeface="Cambria Math" panose="02040503050406030204" pitchFamily="18" charset="0"/>
-                                </a:rPr>
-                                <m:t>1</m:t>
-                              </m:r>
-                            </m:sub>
-                          </m:sSub>
-                        </m:oMath>
-                      </m:oMathPara>
-                    </a14:m>
-                    <a:endParaRPr lang="pt-BR" sz="2000" dirty="0"/>
-                  </a:p>
-                </p:txBody>
-              </p:sp>
-            </mc:Choice>
-            <mc:Fallback xmlns="">
-              <p:sp>
-                <p:nvSpPr>
-                  <p:cNvPr id="38" name="TextBox 37"/>
-                  <p:cNvSpPr txBox="1">
-                    <a:spLocks noRot="1" noChangeAspect="1" noMove="1" noResize="1" noEditPoints="1" noAdjustHandles="1" noChangeArrowheads="1" noChangeShapeType="1" noTextEdit="1"/>
-                  </p:cNvSpPr>
-                  <p:nvPr/>
-                </p:nvSpPr>
-                <p:spPr>
-                  <a:xfrm>
-                    <a:off x="4346782" y="4890443"/>
-                    <a:ext cx="426028" cy="400110"/>
-                  </a:xfrm>
-                  <a:prstGeom prst="rect">
-                    <a:avLst/>
-                  </a:prstGeom>
-                  <a:blipFill rotWithShape="0">
-                    <a:blip r:embed="rId2"/>
-                    <a:stretch>
-                      <a:fillRect/>
-                    </a:stretch>
-                  </a:blipFill>
-                </p:spPr>
-                <p:txBody>
-                  <a:bodyPr/>
-                  <a:lstStyle/>
-                  <a:p>
-                    <a:r>
-                      <a:rPr lang="pt-BR">
-                        <a:noFill/>
-                      </a:rPr>
-                      <a:t> </a:t>
-                    </a:r>
-                  </a:p>
-                </p:txBody>
-              </p:sp>
-            </mc:Fallback>
-          </mc:AlternateContent>
-          <mc:AlternateContent xmlns:mc="http://schemas.openxmlformats.org/markup-compatibility/2006" xmlns:a14="http://schemas.microsoft.com/office/drawing/2010/main">
-            <mc:Choice Requires="a14">
-              <p:sp>
-                <p:nvSpPr>
-                  <p:cNvPr id="39" name="TextBox 38"/>
-                  <p:cNvSpPr txBox="1"/>
-                  <p:nvPr/>
-                </p:nvSpPr>
-                <p:spPr>
-                  <a:xfrm>
-                    <a:off x="1990208" y="2134388"/>
-                    <a:ext cx="426028" cy="400110"/>
-                  </a:xfrm>
-                  <a:prstGeom prst="rect">
-                    <a:avLst/>
-                  </a:prstGeom>
-                  <a:noFill/>
-                </p:spPr>
-                <p:txBody>
-                  <a:bodyPr wrap="square" rtlCol="0">
-                    <a:spAutoFit/>
-                  </a:bodyPr>
-                  <a:lstStyle/>
-                  <a:p>
-                    <a:pPr/>
-                    <a14:m>
-                      <m:oMathPara xmlns:m="http://schemas.openxmlformats.org/officeDocument/2006/math">
-                        <m:oMathParaPr>
-                          <m:jc m:val="centerGroup"/>
-                        </m:oMathParaPr>
-                        <m:oMath xmlns:m="http://schemas.openxmlformats.org/officeDocument/2006/math">
-                          <m:sSub>
-                            <m:sSubPr>
-                              <m:ctrlPr>
-                                <a:rPr lang="pt-BR" sz="2000" i="1" smtClean="0">
-                                  <a:latin typeface="Cambria Math" panose="02040503050406030204" pitchFamily="18" charset="0"/>
-                                </a:rPr>
-                              </m:ctrlPr>
-                            </m:sSubPr>
-                            <m:e>
-                              <m:r>
-                                <a:rPr lang="pt-BR" sz="2000" b="0" i="1" smtClean="0">
-                                  <a:latin typeface="Cambria Math" panose="02040503050406030204" pitchFamily="18" charset="0"/>
-                                </a:rPr>
-                                <m:t>𝑎</m:t>
-                              </m:r>
-                            </m:e>
-                            <m:sub>
-                              <m:r>
-                                <a:rPr lang="pt-BR" sz="2000" b="0" i="1" smtClean="0">
-                                  <a:latin typeface="Cambria Math" panose="02040503050406030204" pitchFamily="18" charset="0"/>
-                                </a:rPr>
-                                <m:t>2</m:t>
-                              </m:r>
-                            </m:sub>
-                          </m:sSub>
-                        </m:oMath>
-                      </m:oMathPara>
-                    </a14:m>
-                    <a:endParaRPr lang="pt-BR" sz="2000" dirty="0"/>
-                  </a:p>
-                </p:txBody>
-              </p:sp>
-            </mc:Choice>
-            <mc:Fallback xmlns="">
-              <p:sp>
-                <p:nvSpPr>
-                  <p:cNvPr id="39" name="TextBox 38"/>
-                  <p:cNvSpPr txBox="1">
-                    <a:spLocks noRot="1" noChangeAspect="1" noMove="1" noResize="1" noEditPoints="1" noAdjustHandles="1" noChangeArrowheads="1" noChangeShapeType="1" noTextEdit="1"/>
-                  </p:cNvSpPr>
-                  <p:nvPr/>
-                </p:nvSpPr>
-                <p:spPr>
-                  <a:xfrm>
-                    <a:off x="1990208" y="2134388"/>
-                    <a:ext cx="426028" cy="400110"/>
-                  </a:xfrm>
-                  <a:prstGeom prst="rect">
-                    <a:avLst/>
-                  </a:prstGeom>
-                  <a:blipFill rotWithShape="0">
-                    <a:blip r:embed="rId3"/>
-                    <a:stretch>
-                      <a:fillRect/>
-                    </a:stretch>
-                  </a:blipFill>
-                </p:spPr>
-                <p:txBody>
-                  <a:bodyPr/>
-                  <a:lstStyle/>
-                  <a:p>
-                    <a:r>
-                      <a:rPr lang="pt-BR">
-                        <a:noFill/>
-                      </a:rPr>
-                      <a:t> </a:t>
-                    </a:r>
-                  </a:p>
-                </p:txBody>
-              </p:sp>
-            </mc:Fallback>
-          </mc:AlternateContent>
-          <p:sp>
-            <p:nvSpPr>
-              <p:cNvPr id="40" name="Rectangle 39"/>
-              <p:cNvSpPr/>
-              <p:nvPr/>
-            </p:nvSpPr>
-            <p:spPr>
-              <a:xfrm rot="2700000">
-                <a:off x="1772158" y="4675745"/>
-                <a:ext cx="864000" cy="864000"/>
-              </a:xfrm>
-              <a:prstGeom prst="rect">
-                <a:avLst/>
-              </a:prstGeom>
-            </p:spPr>
-            <p:style>
-              <a:lnRef idx="2">
-                <a:schemeClr val="accent1">
-                  <a:shade val="50000"/>
-                </a:schemeClr>
-              </a:lnRef>
-              <a:fillRef idx="1">
-                <a:schemeClr val="accent1"/>
-              </a:fillRef>
-              <a:effectRef idx="0">
-                <a:schemeClr val="accent1"/>
-              </a:effectRef>
-              <a:fontRef idx="minor">
-                <a:schemeClr val="lt1"/>
-              </a:fontRef>
-            </p:style>
-            <p:txBody>
-              <a:bodyPr rtlCol="0" anchor="ctr"/>
-              <a:lstStyle/>
-              <a:p>
-                <a:pPr algn="ctr"/>
-                <a:endParaRPr lang="pt-BR"/>
-              </a:p>
-            </p:txBody>
-          </p:sp>
-          <mc:AlternateContent xmlns:mc="http://schemas.openxmlformats.org/markup-compatibility/2006" xmlns:a14="http://schemas.microsoft.com/office/drawing/2010/main">
-            <mc:Choice Requires="a14">
-              <p:sp>
-                <p:nvSpPr>
-                  <p:cNvPr id="51" name="TextBox 50"/>
-                  <p:cNvSpPr txBox="1"/>
-                  <p:nvPr/>
-                </p:nvSpPr>
-                <p:spPr>
-                  <a:xfrm>
-                    <a:off x="1705732" y="4463431"/>
-                    <a:ext cx="339772" cy="276999"/>
-                  </a:xfrm>
-                  <a:prstGeom prst="rect">
-                    <a:avLst/>
-                  </a:prstGeom>
-                  <a:noFill/>
-                </p:spPr>
-                <p:txBody>
-                  <a:bodyPr wrap="none" lIns="0" tIns="0" rIns="0" bIns="0" rtlCol="0">
-                    <a:spAutoFit/>
-                  </a:bodyPr>
-                  <a:lstStyle/>
-                  <a:p>
-                    <a:pPr/>
-                    <a14:m>
-                      <m:oMathPara xmlns:m="http://schemas.openxmlformats.org/officeDocument/2006/math">
-                        <m:oMathParaPr>
-                          <m:jc m:val="centerGroup"/>
-                        </m:oMathParaPr>
-                        <m:oMath xmlns:m="http://schemas.openxmlformats.org/officeDocument/2006/math">
-                          <m:sSup>
-                            <m:sSupPr>
-                              <m:ctrlPr>
-                                <a:rPr lang="pt-BR" b="1" i="1" smtClean="0">
-                                  <a:latin typeface="Cambria Math" panose="02040503050406030204" pitchFamily="18" charset="0"/>
-                                </a:rPr>
-                              </m:ctrlPr>
-                            </m:sSupPr>
-                            <m:e>
-                              <m:r>
-                                <a:rPr lang="pt-BR" b="1" i="1">
-                                  <a:latin typeface="Cambria Math" panose="02040503050406030204" pitchFamily="18" charset="0"/>
-                                </a:rPr>
-                                <m:t>𝒂</m:t>
-                              </m:r>
-                              <m:r>
-                                <m:rPr>
-                                  <m:nor/>
-                                </m:rPr>
-                                <a:rPr lang="pt-BR" b="1" dirty="0"/>
-                                <m:t> </m:t>
-                              </m:r>
-                            </m:e>
-                            <m:sup>
-                              <m:r>
-                                <a:rPr lang="pt-BR" b="1" i="1" smtClean="0">
-                                  <a:latin typeface="Cambria Math" panose="02040503050406030204" pitchFamily="18" charset="0"/>
-                                </a:rPr>
-                                <m:t>∗</m:t>
-                              </m:r>
-                            </m:sup>
-                          </m:sSup>
-                        </m:oMath>
-                      </m:oMathPara>
-                    </a14:m>
-                    <a:endParaRPr lang="pt-BR" b="1" dirty="0"/>
-                  </a:p>
-                </p:txBody>
-              </p:sp>
-            </mc:Choice>
-            <mc:Fallback xmlns="">
-              <p:sp>
-                <p:nvSpPr>
-                  <p:cNvPr id="51" name="TextBox 50"/>
-                  <p:cNvSpPr txBox="1">
-                    <a:spLocks noRot="1" noChangeAspect="1" noMove="1" noResize="1" noEditPoints="1" noAdjustHandles="1" noChangeArrowheads="1" noChangeShapeType="1" noTextEdit="1"/>
-                  </p:cNvSpPr>
-                  <p:nvPr/>
-                </p:nvSpPr>
-                <p:spPr>
-                  <a:xfrm>
-                    <a:off x="1705732" y="4463431"/>
-                    <a:ext cx="339772" cy="276999"/>
-                  </a:xfrm>
-                  <a:prstGeom prst="rect">
-                    <a:avLst/>
-                  </a:prstGeom>
-                  <a:blipFill rotWithShape="0">
-                    <a:blip r:embed="rId4"/>
-                    <a:stretch>
-                      <a:fillRect l="-8929" r="-3571"/>
-                    </a:stretch>
-                  </a:blipFill>
-                </p:spPr>
-                <p:txBody>
-                  <a:bodyPr/>
-                  <a:lstStyle/>
-                  <a:p>
-                    <a:r>
-                      <a:rPr lang="pt-BR">
-                        <a:noFill/>
-                      </a:rPr>
-                      <a:t> </a:t>
-                    </a:r>
-                  </a:p>
-                </p:txBody>
-              </p:sp>
-            </mc:Fallback>
-          </mc:AlternateContent>
-          <p:cxnSp>
-            <p:nvCxnSpPr>
-              <p:cNvPr id="37" name="Straight Arrow Connector 36"/>
-              <p:cNvCxnSpPr/>
-              <p:nvPr/>
-            </p:nvCxnSpPr>
-            <p:spPr>
-              <a:xfrm rot="5400000">
-                <a:off x="3287827" y="4016460"/>
-                <a:ext cx="0" cy="2160000"/>
-              </a:xfrm>
-              <a:prstGeom prst="straightConnector1">
-                <a:avLst/>
-              </a:prstGeom>
-              <a:ln w="19050">
-                <a:solidFill>
-                  <a:schemeClr val="tx1"/>
-                </a:solidFill>
-                <a:headEnd type="triangle" w="med" len="med"/>
-                <a:tailEnd type="none" w="med" len="med"/>
-              </a:ln>
-            </p:spPr>
-            <p:style>
-              <a:lnRef idx="1">
-                <a:schemeClr val="accent1"/>
-              </a:lnRef>
-              <a:fillRef idx="0">
-                <a:schemeClr val="accent1"/>
-              </a:fillRef>
-              <a:effectRef idx="0">
-                <a:schemeClr val="accent1"/>
-              </a:effectRef>
-              <a:fontRef idx="minor">
-                <a:schemeClr val="tx1"/>
-              </a:fontRef>
-            </p:style>
-          </p:cxnSp>
-          <p:cxnSp>
-            <p:nvCxnSpPr>
-              <p:cNvPr id="36" name="Straight Arrow Connector 35"/>
-              <p:cNvCxnSpPr/>
-              <p:nvPr/>
-            </p:nvCxnSpPr>
-            <p:spPr>
-              <a:xfrm>
-                <a:off x="2210184" y="2534498"/>
-                <a:ext cx="0" cy="2556000"/>
-              </a:xfrm>
-              <a:prstGeom prst="straightConnector1">
-                <a:avLst/>
-              </a:prstGeom>
-              <a:ln w="19050">
-                <a:solidFill>
-                  <a:schemeClr val="tx1"/>
-                </a:solidFill>
-                <a:headEnd type="triangle" w="med" len="med"/>
-                <a:tailEnd type="none" w="med" len="med"/>
-              </a:ln>
-            </p:spPr>
-            <p:style>
-              <a:lnRef idx="1">
-                <a:schemeClr val="accent1"/>
-              </a:lnRef>
-              <a:fillRef idx="0">
-                <a:schemeClr val="accent1"/>
-              </a:fillRef>
-              <a:effectRef idx="0">
-                <a:schemeClr val="accent1"/>
-              </a:effectRef>
-              <a:fontRef idx="minor">
-                <a:schemeClr val="tx1"/>
-              </a:fontRef>
-            </p:style>
-          </p:cxnSp>
-          <p:sp>
-            <p:nvSpPr>
-              <p:cNvPr id="50" name="Oval 49"/>
-              <p:cNvSpPr/>
-              <p:nvPr/>
-            </p:nvSpPr>
-            <p:spPr>
-              <a:xfrm>
-                <a:off x="2158585" y="4458583"/>
-                <a:ext cx="98797" cy="101600"/>
-              </a:xfrm>
-              <a:prstGeom prst="ellipse">
-                <a:avLst/>
-              </a:prstGeom>
-              <a:solidFill>
-                <a:srgbClr val="FF0000"/>
-              </a:solidFill>
-              <a:ln>
-                <a:solidFill>
-                  <a:srgbClr val="FF0000"/>
-                </a:solidFill>
-              </a:ln>
-            </p:spPr>
-            <p:style>
-              <a:lnRef idx="2">
-                <a:schemeClr val="accent1">
-                  <a:shade val="50000"/>
-                </a:schemeClr>
-              </a:lnRef>
-              <a:fillRef idx="1">
-                <a:schemeClr val="accent1"/>
-              </a:fillRef>
-              <a:effectRef idx="0">
-                <a:schemeClr val="accent1"/>
-              </a:effectRef>
-              <a:fontRef idx="minor">
-                <a:schemeClr val="lt1"/>
-              </a:fontRef>
-            </p:style>
-            <p:txBody>
-              <a:bodyPr rtlCol="0" anchor="ctr"/>
-              <a:lstStyle/>
-              <a:p>
-                <a:pPr algn="ctr"/>
-                <a:endParaRPr lang="pt-BR"/>
-              </a:p>
-            </p:txBody>
-          </p:sp>
-          <mc:AlternateContent xmlns:mc="http://schemas.openxmlformats.org/markup-compatibility/2006" xmlns:a14="http://schemas.microsoft.com/office/drawing/2010/main">
-            <mc:Choice Requires="a14">
-              <p:sp>
-                <p:nvSpPr>
-                  <p:cNvPr id="53" name="Rectangle 52"/>
-                  <p:cNvSpPr/>
-                  <p:nvPr/>
-                </p:nvSpPr>
-                <p:spPr>
-                  <a:xfrm>
-                    <a:off x="2661486" y="5414764"/>
-                    <a:ext cx="726417" cy="369332"/>
-                  </a:xfrm>
-                  <a:prstGeom prst="rect">
-                    <a:avLst/>
-                  </a:prstGeom>
-                </p:spPr>
-                <p:txBody>
-                  <a:bodyPr wrap="none">
-                    <a:spAutoFit/>
-                  </a:bodyPr>
-                  <a:lstStyle/>
-                  <a:p>
-                    <a:pPr/>
-                    <a14:m>
-                      <m:oMathPara xmlns:m="http://schemas.openxmlformats.org/officeDocument/2006/math">
-                        <m:oMathParaPr>
-                          <m:jc m:val="centerGroup"/>
-                        </m:oMathParaPr>
-                        <m:oMath xmlns:m="http://schemas.openxmlformats.org/officeDocument/2006/math">
-                          <m:sSub>
-                            <m:sSubPr>
-                              <m:ctrlPr>
-                                <a:rPr lang="pt-BR" i="1">
-                                  <a:latin typeface="Cambria Math" panose="02040503050406030204" pitchFamily="18" charset="0"/>
-                                  <a:ea typeface="Cambria Math" panose="02040503050406030204" pitchFamily="18" charset="0"/>
-                                </a:rPr>
-                              </m:ctrlPr>
-                            </m:sSubPr>
-                            <m:e>
-                              <m:d>
-                                <m:dPr>
-                                  <m:begChr m:val="‖"/>
-                                  <m:endChr m:val="‖"/>
-                                  <m:ctrlPr>
-                                    <a:rPr lang="pt-BR" i="1">
-                                      <a:latin typeface="Cambria Math" panose="02040503050406030204" pitchFamily="18" charset="0"/>
-                                      <a:ea typeface="Cambria Math" panose="02040503050406030204" pitchFamily="18" charset="0"/>
-                                    </a:rPr>
-                                  </m:ctrlPr>
-                                </m:dPr>
-                                <m:e>
-                                  <m:r>
-                                    <a:rPr lang="pt-BR" b="1" i="1">
-                                      <a:latin typeface="Cambria Math" panose="02040503050406030204" pitchFamily="18" charset="0"/>
-                                    </a:rPr>
-                                    <m:t>𝒂</m:t>
-                                  </m:r>
-                                </m:e>
-                              </m:d>
-                            </m:e>
-                            <m:sub>
-                              <m:r>
-                                <a:rPr lang="pt-BR" i="1">
-                                  <a:latin typeface="Cambria Math" panose="02040503050406030204" pitchFamily="18" charset="0"/>
-                                  <a:ea typeface="Cambria Math" panose="02040503050406030204" pitchFamily="18" charset="0"/>
-                                </a:rPr>
-                                <m:t>1</m:t>
-                              </m:r>
-                            </m:sub>
-                          </m:sSub>
-                        </m:oMath>
-                      </m:oMathPara>
-                    </a14:m>
-                    <a:endParaRPr lang="pt-BR" dirty="0"/>
-                  </a:p>
-                </p:txBody>
-              </p:sp>
-            </mc:Choice>
-            <mc:Fallback xmlns="">
-              <p:sp>
-                <p:nvSpPr>
-                  <p:cNvPr id="53" name="Rectangle 52"/>
-                  <p:cNvSpPr>
-                    <a:spLocks noRot="1" noChangeAspect="1" noMove="1" noResize="1" noEditPoints="1" noAdjustHandles="1" noChangeArrowheads="1" noChangeShapeType="1" noTextEdit="1"/>
-                  </p:cNvSpPr>
-                  <p:nvPr/>
-                </p:nvSpPr>
-                <p:spPr>
-                  <a:xfrm>
-                    <a:off x="2661486" y="5414764"/>
-                    <a:ext cx="726417" cy="369332"/>
-                  </a:xfrm>
-                  <a:prstGeom prst="rect">
-                    <a:avLst/>
-                  </a:prstGeom>
-                  <a:blipFill rotWithShape="0">
-                    <a:blip r:embed="rId5"/>
-                    <a:stretch>
-                      <a:fillRect/>
-                    </a:stretch>
-                  </a:blipFill>
-                </p:spPr>
-                <p:txBody>
-                  <a:bodyPr/>
-                  <a:lstStyle/>
-                  <a:p>
-                    <a:r>
-                      <a:rPr lang="pt-BR">
-                        <a:noFill/>
-                      </a:rPr>
-                      <a:t> </a:t>
-                    </a:r>
-                  </a:p>
-                </p:txBody>
-              </p:sp>
-            </mc:Fallback>
-          </mc:AlternateContent>
-        </p:grpSp>
-        <p:sp>
-          <p:nvSpPr>
-            <p:cNvPr id="57" name="TextBox 56"/>
-            <p:cNvSpPr txBox="1"/>
-            <p:nvPr/>
-          </p:nvSpPr>
-          <p:spPr>
-            <a:xfrm>
-              <a:off x="936633" y="4158937"/>
-              <a:ext cx="965067" cy="369332"/>
-            </a:xfrm>
-            <a:prstGeom prst="rect">
-              <a:avLst/>
-            </a:prstGeom>
-            <a:noFill/>
-          </p:spPr>
-          <p:txBody>
-            <a:bodyPr wrap="square" rtlCol="0">
-              <a:spAutoFit/>
-            </a:bodyPr>
-            <a:lstStyle/>
-            <a:p>
-              <a:r>
-                <a:rPr lang="pt-BR" dirty="0"/>
-                <a:t>solução</a:t>
-              </a:r>
-            </a:p>
-          </p:txBody>
-        </p:sp>
-        <p:cxnSp>
-          <p:nvCxnSpPr>
-            <p:cNvPr id="59" name="Straight Arrow Connector 58"/>
-            <p:cNvCxnSpPr>
-              <a:endCxn id="50" idx="2"/>
-            </p:cNvCxnSpPr>
-            <p:nvPr/>
-          </p:nvCxnSpPr>
-          <p:spPr>
-            <a:xfrm>
-              <a:off x="1784106" y="4369151"/>
-              <a:ext cx="374479" cy="140232"/>
-            </a:xfrm>
-            <a:prstGeom prst="straightConnector1">
-              <a:avLst/>
-            </a:prstGeom>
-            <a:ln w="19050">
-              <a:solidFill>
-                <a:schemeClr val="tx1"/>
-              </a:solidFill>
-              <a:tailEnd type="triangle"/>
-            </a:ln>
-          </p:spPr>
-          <p:style>
-            <a:lnRef idx="1">
-              <a:schemeClr val="accent1"/>
-            </a:lnRef>
-            <a:fillRef idx="0">
-              <a:schemeClr val="accent1"/>
-            </a:fillRef>
-            <a:effectRef idx="0">
-              <a:schemeClr val="accent1"/>
-            </a:effectRef>
-            <a:fontRef idx="minor">
-              <a:schemeClr val="tx1"/>
-            </a:fontRef>
-          </p:style>
-        </p:cxnSp>
-      </p:grpSp>
-      <p:grpSp>
-        <p:nvGrpSpPr>
-          <p:cNvPr id="74" name="Group 73"/>
-          <p:cNvGrpSpPr/>
-          <p:nvPr/>
-        </p:nvGrpSpPr>
-        <p:grpSpPr>
-          <a:xfrm>
-            <a:off x="5921535" y="2134388"/>
-            <a:ext cx="3675609" cy="3546185"/>
-            <a:chOff x="5921535" y="2134388"/>
-            <a:chExt cx="3675609" cy="3546185"/>
-          </a:xfrm>
-        </p:grpSpPr>
-        <p:grpSp>
-          <p:nvGrpSpPr>
-            <p:cNvPr id="55" name="Group 54"/>
-            <p:cNvGrpSpPr/>
-            <p:nvPr/>
-          </p:nvGrpSpPr>
-          <p:grpSpPr>
-            <a:xfrm>
-              <a:off x="6542714" y="2134388"/>
-              <a:ext cx="3054430" cy="3546185"/>
-              <a:chOff x="6542714" y="2134388"/>
-              <a:chExt cx="3054430" cy="3546185"/>
-            </a:xfrm>
-          </p:grpSpPr>
-          <mc:AlternateContent xmlns:mc="http://schemas.openxmlformats.org/markup-compatibility/2006" xmlns:a14="http://schemas.microsoft.com/office/drawing/2010/main">
-            <mc:Choice Requires="a14">
-              <p:sp>
-                <p:nvSpPr>
-                  <p:cNvPr id="27" name="TextBox 26"/>
-                  <p:cNvSpPr txBox="1"/>
-                  <p:nvPr/>
-                </p:nvSpPr>
-                <p:spPr>
-                  <a:xfrm>
-                    <a:off x="9171116" y="4907412"/>
-                    <a:ext cx="426028" cy="400110"/>
-                  </a:xfrm>
-                  <a:prstGeom prst="rect">
-                    <a:avLst/>
-                  </a:prstGeom>
-                  <a:noFill/>
-                </p:spPr>
-                <p:txBody>
-                  <a:bodyPr wrap="square" rtlCol="0">
-                    <a:spAutoFit/>
-                  </a:bodyPr>
-                  <a:lstStyle/>
-                  <a:p>
-                    <a:pPr/>
-                    <a14:m>
-                      <m:oMathPara xmlns:m="http://schemas.openxmlformats.org/officeDocument/2006/math">
-                        <m:oMathParaPr>
-                          <m:jc m:val="centerGroup"/>
-                        </m:oMathParaPr>
-                        <m:oMath xmlns:m="http://schemas.openxmlformats.org/officeDocument/2006/math">
-                          <m:sSub>
-                            <m:sSubPr>
-                              <m:ctrlPr>
-                                <a:rPr lang="pt-BR" sz="2000" i="1" smtClean="0">
-                                  <a:latin typeface="Cambria Math" panose="02040503050406030204" pitchFamily="18" charset="0"/>
-                                </a:rPr>
-                              </m:ctrlPr>
-                            </m:sSubPr>
-                            <m:e>
-                              <m:r>
-                                <a:rPr lang="pt-BR" sz="2000" b="0" i="1" smtClean="0">
-                                  <a:latin typeface="Cambria Math" panose="02040503050406030204" pitchFamily="18" charset="0"/>
-                                </a:rPr>
-                                <m:t>𝑎</m:t>
-                              </m:r>
-                            </m:e>
-                            <m:sub>
-                              <m:r>
-                                <a:rPr lang="pt-BR" sz="2000" b="0" i="1" smtClean="0">
-                                  <a:latin typeface="Cambria Math" panose="02040503050406030204" pitchFamily="18" charset="0"/>
-                                </a:rPr>
-                                <m:t>1</m:t>
-                              </m:r>
-                            </m:sub>
-                          </m:sSub>
-                        </m:oMath>
-                      </m:oMathPara>
-                    </a14:m>
-                    <a:endParaRPr lang="pt-BR" sz="2000" dirty="0"/>
-                  </a:p>
-                </p:txBody>
-              </p:sp>
-            </mc:Choice>
-            <mc:Fallback xmlns="">
-              <p:sp>
-                <p:nvSpPr>
-                  <p:cNvPr id="27" name="TextBox 26"/>
-                  <p:cNvSpPr txBox="1">
-                    <a:spLocks noRot="1" noChangeAspect="1" noMove="1" noResize="1" noEditPoints="1" noAdjustHandles="1" noChangeArrowheads="1" noChangeShapeType="1" noTextEdit="1"/>
-                  </p:cNvSpPr>
-                  <p:nvPr/>
-                </p:nvSpPr>
-                <p:spPr>
-                  <a:xfrm>
-                    <a:off x="9171116" y="4907412"/>
-                    <a:ext cx="426028" cy="400110"/>
-                  </a:xfrm>
-                  <a:prstGeom prst="rect">
-                    <a:avLst/>
-                  </a:prstGeom>
-                  <a:blipFill rotWithShape="0">
-                    <a:blip r:embed="rId6"/>
-                    <a:stretch>
-                      <a:fillRect/>
-                    </a:stretch>
-                  </a:blipFill>
-                </p:spPr>
-                <p:txBody>
-                  <a:bodyPr/>
-                  <a:lstStyle/>
-                  <a:p>
-                    <a:r>
-                      <a:rPr lang="pt-BR">
-                        <a:noFill/>
-                      </a:rPr>
-                      <a:t> </a:t>
-                    </a:r>
-                  </a:p>
-                </p:txBody>
-              </p:sp>
-            </mc:Fallback>
-          </mc:AlternateContent>
-          <mc:AlternateContent xmlns:mc="http://schemas.openxmlformats.org/markup-compatibility/2006" xmlns:a14="http://schemas.microsoft.com/office/drawing/2010/main">
-            <mc:Choice Requires="a14">
-              <p:sp>
-                <p:nvSpPr>
-                  <p:cNvPr id="28" name="TextBox 27"/>
-                  <p:cNvSpPr txBox="1"/>
-                  <p:nvPr/>
-                </p:nvSpPr>
-                <p:spPr>
-                  <a:xfrm>
-                    <a:off x="6818898" y="2134388"/>
-                    <a:ext cx="426028" cy="400110"/>
-                  </a:xfrm>
-                  <a:prstGeom prst="rect">
-                    <a:avLst/>
-                  </a:prstGeom>
-                  <a:noFill/>
-                </p:spPr>
-                <p:txBody>
-                  <a:bodyPr wrap="square" rtlCol="0">
-                    <a:spAutoFit/>
-                  </a:bodyPr>
-                  <a:lstStyle/>
-                  <a:p>
-                    <a:pPr/>
-                    <a14:m>
-                      <m:oMathPara xmlns:m="http://schemas.openxmlformats.org/officeDocument/2006/math">
-                        <m:oMathParaPr>
-                          <m:jc m:val="centerGroup"/>
-                        </m:oMathParaPr>
-                        <m:oMath xmlns:m="http://schemas.openxmlformats.org/officeDocument/2006/math">
-                          <m:sSub>
-                            <m:sSubPr>
-                              <m:ctrlPr>
-                                <a:rPr lang="pt-BR" sz="2000" i="1" smtClean="0">
-                                  <a:latin typeface="Cambria Math" panose="02040503050406030204" pitchFamily="18" charset="0"/>
-                                </a:rPr>
-                              </m:ctrlPr>
-                            </m:sSubPr>
-                            <m:e>
-                              <m:r>
-                                <a:rPr lang="pt-BR" sz="2000" b="0" i="1" smtClean="0">
-                                  <a:latin typeface="Cambria Math" panose="02040503050406030204" pitchFamily="18" charset="0"/>
-                                </a:rPr>
-                                <m:t>𝑎</m:t>
-                              </m:r>
-                            </m:e>
-                            <m:sub>
-                              <m:r>
-                                <a:rPr lang="pt-BR" sz="2000" b="0" i="1" smtClean="0">
-                                  <a:latin typeface="Cambria Math" panose="02040503050406030204" pitchFamily="18" charset="0"/>
-                                </a:rPr>
-                                <m:t>2</m:t>
-                              </m:r>
-                            </m:sub>
-                          </m:sSub>
-                        </m:oMath>
-                      </m:oMathPara>
-                    </a14:m>
-                    <a:endParaRPr lang="pt-BR" sz="2000" dirty="0"/>
-                  </a:p>
-                </p:txBody>
-              </p:sp>
-            </mc:Choice>
-            <mc:Fallback xmlns="">
-              <p:sp>
-                <p:nvSpPr>
-                  <p:cNvPr id="28" name="TextBox 27"/>
-                  <p:cNvSpPr txBox="1">
-                    <a:spLocks noRot="1" noChangeAspect="1" noMove="1" noResize="1" noEditPoints="1" noAdjustHandles="1" noChangeArrowheads="1" noChangeShapeType="1" noTextEdit="1"/>
-                  </p:cNvSpPr>
-                  <p:nvPr/>
-                </p:nvSpPr>
-                <p:spPr>
-                  <a:xfrm>
-                    <a:off x="6818898" y="2134388"/>
-                    <a:ext cx="426028" cy="400110"/>
-                  </a:xfrm>
-                  <a:prstGeom prst="rect">
-                    <a:avLst/>
-                  </a:prstGeom>
-                  <a:blipFill rotWithShape="0">
-                    <a:blip r:embed="rId7"/>
-                    <a:stretch>
-                      <a:fillRect/>
-                    </a:stretch>
-                  </a:blipFill>
-                </p:spPr>
-                <p:txBody>
-                  <a:bodyPr/>
-                  <a:lstStyle/>
-                  <a:p>
-                    <a:r>
-                      <a:rPr lang="pt-BR">
-                        <a:noFill/>
-                      </a:rPr>
-                      <a:t> </a:t>
-                    </a:r>
-                  </a:p>
-                </p:txBody>
-              </p:sp>
-            </mc:Fallback>
-          </mc:AlternateContent>
-          <p:sp>
-            <p:nvSpPr>
-              <p:cNvPr id="41" name="Oval 40"/>
-              <p:cNvSpPr/>
-              <p:nvPr/>
-            </p:nvSpPr>
-            <p:spPr>
-              <a:xfrm>
-                <a:off x="6542714" y="4601785"/>
-                <a:ext cx="1008000" cy="1008000"/>
-              </a:xfrm>
-              <a:prstGeom prst="ellipse">
-                <a:avLst/>
-              </a:prstGeom>
-            </p:spPr>
-            <p:style>
-              <a:lnRef idx="2">
-                <a:schemeClr val="accent1">
-                  <a:shade val="50000"/>
-                </a:schemeClr>
-              </a:lnRef>
-              <a:fillRef idx="1">
-                <a:schemeClr val="accent1"/>
-              </a:fillRef>
-              <a:effectRef idx="0">
-                <a:schemeClr val="accent1"/>
-              </a:effectRef>
-              <a:fontRef idx="minor">
-                <a:schemeClr val="lt1"/>
-              </a:fontRef>
-            </p:style>
-            <p:txBody>
-              <a:bodyPr rtlCol="0" anchor="ctr"/>
-              <a:lstStyle/>
-              <a:p>
-                <a:pPr algn="ctr"/>
-                <a:endParaRPr lang="pt-BR"/>
-              </a:p>
-            </p:txBody>
-          </p:sp>
-          <p:sp>
-            <p:nvSpPr>
-              <p:cNvPr id="42" name="Oval 41"/>
-              <p:cNvSpPr/>
-              <p:nvPr/>
-            </p:nvSpPr>
-            <p:spPr>
-              <a:xfrm>
-                <a:off x="6626709" y="2571231"/>
-                <a:ext cx="2160000" cy="2160000"/>
-              </a:xfrm>
-              <a:prstGeom prst="ellipse">
-                <a:avLst/>
-              </a:prstGeom>
-              <a:noFill/>
-              <a:ln>
-                <a:solidFill>
-                  <a:schemeClr val="tx1"/>
-                </a:solidFill>
-              </a:ln>
-            </p:spPr>
-            <p:style>
-              <a:lnRef idx="2">
-                <a:schemeClr val="accent1">
-                  <a:shade val="50000"/>
-                </a:schemeClr>
-              </a:lnRef>
-              <a:fillRef idx="1">
-                <a:schemeClr val="accent1"/>
-              </a:fillRef>
-              <a:effectRef idx="0">
-                <a:schemeClr val="accent1"/>
-              </a:effectRef>
-              <a:fontRef idx="minor">
-                <a:schemeClr val="lt1"/>
-              </a:fontRef>
-            </p:style>
-            <p:txBody>
-              <a:bodyPr rtlCol="0" anchor="ctr"/>
-              <a:lstStyle/>
-              <a:p>
-                <a:pPr algn="ctr"/>
-                <a:endParaRPr lang="pt-BR"/>
-              </a:p>
-            </p:txBody>
-          </p:sp>
-          <p:sp>
-            <p:nvSpPr>
-              <p:cNvPr id="43" name="Oval 42"/>
-              <p:cNvSpPr/>
-              <p:nvPr/>
-            </p:nvSpPr>
-            <p:spPr>
-              <a:xfrm>
-                <a:off x="6806709" y="2751231"/>
-                <a:ext cx="1800000" cy="1800000"/>
-              </a:xfrm>
-              <a:prstGeom prst="ellipse">
-                <a:avLst/>
-              </a:prstGeom>
-              <a:noFill/>
-              <a:ln>
-                <a:solidFill>
-                  <a:schemeClr val="tx1"/>
-                </a:solidFill>
-              </a:ln>
-            </p:spPr>
-            <p:style>
-              <a:lnRef idx="2">
-                <a:schemeClr val="accent1">
-                  <a:shade val="50000"/>
-                </a:schemeClr>
-              </a:lnRef>
-              <a:fillRef idx="1">
-                <a:schemeClr val="accent1"/>
-              </a:fillRef>
-              <a:effectRef idx="0">
-                <a:schemeClr val="accent1"/>
-              </a:effectRef>
-              <a:fontRef idx="minor">
-                <a:schemeClr val="lt1"/>
-              </a:fontRef>
-            </p:style>
-            <p:txBody>
-              <a:bodyPr rtlCol="0" anchor="ctr"/>
-              <a:lstStyle/>
-              <a:p>
-                <a:pPr algn="ctr"/>
-                <a:endParaRPr lang="pt-BR"/>
-              </a:p>
-            </p:txBody>
-          </p:sp>
-          <p:sp>
-            <p:nvSpPr>
-              <p:cNvPr id="44" name="Oval 43"/>
-              <p:cNvSpPr/>
-              <p:nvPr/>
-            </p:nvSpPr>
-            <p:spPr>
-              <a:xfrm>
-                <a:off x="6986709" y="2931231"/>
-                <a:ext cx="1440000" cy="1440000"/>
-              </a:xfrm>
-              <a:prstGeom prst="ellipse">
-                <a:avLst/>
-              </a:prstGeom>
-              <a:noFill/>
-              <a:ln>
-                <a:solidFill>
-                  <a:schemeClr val="tx1"/>
-                </a:solidFill>
-              </a:ln>
-            </p:spPr>
-            <p:style>
-              <a:lnRef idx="2">
-                <a:schemeClr val="accent1">
-                  <a:shade val="50000"/>
-                </a:schemeClr>
-              </a:lnRef>
-              <a:fillRef idx="1">
-                <a:schemeClr val="accent1"/>
-              </a:fillRef>
-              <a:effectRef idx="0">
-                <a:schemeClr val="accent1"/>
-              </a:effectRef>
-              <a:fontRef idx="minor">
-                <a:schemeClr val="lt1"/>
-              </a:fontRef>
-            </p:style>
-            <p:txBody>
-              <a:bodyPr rtlCol="0" anchor="ctr"/>
-              <a:lstStyle/>
-              <a:p>
-                <a:pPr algn="ctr"/>
-                <a:endParaRPr lang="pt-BR"/>
-              </a:p>
-            </p:txBody>
-          </p:sp>
-          <p:sp>
-            <p:nvSpPr>
-              <p:cNvPr id="45" name="Oval 44"/>
-              <p:cNvSpPr/>
-              <p:nvPr/>
-            </p:nvSpPr>
-            <p:spPr>
-              <a:xfrm>
-                <a:off x="7166709" y="3111231"/>
-                <a:ext cx="1080000" cy="1080000"/>
-              </a:xfrm>
-              <a:prstGeom prst="ellipse">
-                <a:avLst/>
-              </a:prstGeom>
-              <a:noFill/>
-              <a:ln>
-                <a:solidFill>
-                  <a:schemeClr val="tx1"/>
-                </a:solidFill>
-              </a:ln>
-            </p:spPr>
-            <p:style>
-              <a:lnRef idx="2">
-                <a:schemeClr val="accent1">
-                  <a:shade val="50000"/>
-                </a:schemeClr>
-              </a:lnRef>
-              <a:fillRef idx="1">
-                <a:schemeClr val="accent1"/>
-              </a:fillRef>
-              <a:effectRef idx="0">
-                <a:schemeClr val="accent1"/>
-              </a:effectRef>
-              <a:fontRef idx="minor">
-                <a:schemeClr val="lt1"/>
-              </a:fontRef>
-            </p:style>
-            <p:txBody>
-              <a:bodyPr rtlCol="0" anchor="ctr"/>
-              <a:lstStyle/>
-              <a:p>
-                <a:pPr algn="ctr"/>
-                <a:endParaRPr lang="pt-BR"/>
-              </a:p>
-            </p:txBody>
-          </p:sp>
-          <p:sp>
-            <p:nvSpPr>
-              <p:cNvPr id="46" name="Oval 45"/>
-              <p:cNvSpPr/>
-              <p:nvPr/>
-            </p:nvSpPr>
-            <p:spPr>
-              <a:xfrm>
-                <a:off x="7346709" y="3291231"/>
-                <a:ext cx="720000" cy="720000"/>
-              </a:xfrm>
-              <a:prstGeom prst="ellipse">
-                <a:avLst/>
-              </a:prstGeom>
-              <a:noFill/>
-              <a:ln>
-                <a:solidFill>
-                  <a:schemeClr val="tx1"/>
-                </a:solidFill>
-              </a:ln>
-            </p:spPr>
-            <p:style>
-              <a:lnRef idx="2">
-                <a:schemeClr val="accent1">
-                  <a:shade val="50000"/>
-                </a:schemeClr>
-              </a:lnRef>
-              <a:fillRef idx="1">
-                <a:schemeClr val="accent1"/>
-              </a:fillRef>
-              <a:effectRef idx="0">
-                <a:schemeClr val="accent1"/>
-              </a:effectRef>
-              <a:fontRef idx="minor">
-                <a:schemeClr val="lt1"/>
-              </a:fontRef>
-            </p:style>
-            <p:txBody>
-              <a:bodyPr rtlCol="0" anchor="ctr"/>
-              <a:lstStyle/>
-              <a:p>
-                <a:pPr algn="ctr"/>
-                <a:endParaRPr lang="pt-BR"/>
-              </a:p>
-            </p:txBody>
-          </p:sp>
-          <p:sp>
-            <p:nvSpPr>
-              <p:cNvPr id="47" name="Oval 46"/>
-              <p:cNvSpPr/>
-              <p:nvPr/>
-            </p:nvSpPr>
-            <p:spPr>
-              <a:xfrm>
-                <a:off x="7526709" y="3471231"/>
-                <a:ext cx="360000" cy="360000"/>
-              </a:xfrm>
-              <a:prstGeom prst="ellipse">
-                <a:avLst/>
-              </a:prstGeom>
-              <a:noFill/>
-              <a:ln>
-                <a:solidFill>
-                  <a:schemeClr val="tx1"/>
-                </a:solidFill>
-              </a:ln>
-            </p:spPr>
-            <p:style>
-              <a:lnRef idx="2">
-                <a:schemeClr val="accent1">
-                  <a:shade val="50000"/>
-                </a:schemeClr>
-              </a:lnRef>
-              <a:fillRef idx="1">
-                <a:schemeClr val="accent1"/>
-              </a:fillRef>
-              <a:effectRef idx="0">
-                <a:schemeClr val="accent1"/>
-              </a:effectRef>
-              <a:fontRef idx="minor">
-                <a:schemeClr val="lt1"/>
-              </a:fontRef>
-            </p:style>
-            <p:txBody>
-              <a:bodyPr rtlCol="0" anchor="ctr"/>
-              <a:lstStyle/>
-              <a:p>
-                <a:pPr algn="ctr"/>
-                <a:endParaRPr lang="pt-BR"/>
-              </a:p>
-            </p:txBody>
-          </p:sp>
-          <p:sp>
-            <p:nvSpPr>
-              <p:cNvPr id="48" name="Multiply 47"/>
-              <p:cNvSpPr>
-                <a:spLocks noChangeAspect="1"/>
-              </p:cNvSpPr>
-              <p:nvPr/>
-            </p:nvSpPr>
-            <p:spPr>
-              <a:xfrm>
-                <a:off x="7623024" y="3556866"/>
-                <a:ext cx="158298" cy="180000"/>
-              </a:xfrm>
-              <a:prstGeom prst="mathMultiply">
-                <a:avLst/>
-              </a:prstGeom>
-              <a:solidFill>
-                <a:srgbClr val="00B050"/>
-              </a:solidFill>
-              <a:ln w="3175">
-                <a:solidFill>
-                  <a:schemeClr val="tx1"/>
-                </a:solidFill>
-              </a:ln>
-            </p:spPr>
-            <p:style>
-              <a:lnRef idx="2">
-                <a:schemeClr val="accent1">
-                  <a:shade val="50000"/>
-                </a:schemeClr>
-              </a:lnRef>
-              <a:fillRef idx="1">
-                <a:schemeClr val="accent1"/>
-              </a:fillRef>
-              <a:effectRef idx="0">
-                <a:schemeClr val="accent1"/>
-              </a:effectRef>
-              <a:fontRef idx="minor">
-                <a:schemeClr val="lt1"/>
-              </a:fontRef>
-            </p:style>
-            <p:txBody>
-              <a:bodyPr rtlCol="0" anchor="ctr"/>
-              <a:lstStyle/>
-              <a:p>
-                <a:pPr algn="ctr"/>
-                <a:endParaRPr lang="pt-BR"/>
-              </a:p>
-            </p:txBody>
-          </p:sp>
-          <p:sp>
-            <p:nvSpPr>
-              <p:cNvPr id="49" name="Oval 48"/>
-              <p:cNvSpPr/>
-              <p:nvPr/>
-            </p:nvSpPr>
-            <p:spPr>
-              <a:xfrm>
-                <a:off x="7209452" y="4588707"/>
-                <a:ext cx="98797" cy="101600"/>
-              </a:xfrm>
-              <a:prstGeom prst="ellipse">
-                <a:avLst/>
-              </a:prstGeom>
-              <a:solidFill>
-                <a:srgbClr val="FF0000"/>
-              </a:solidFill>
-              <a:ln>
-                <a:solidFill>
-                  <a:srgbClr val="FF0000"/>
-                </a:solidFill>
-              </a:ln>
-            </p:spPr>
-            <p:style>
-              <a:lnRef idx="2">
-                <a:schemeClr val="accent1">
-                  <a:shade val="50000"/>
-                </a:schemeClr>
-              </a:lnRef>
-              <a:fillRef idx="1">
-                <a:schemeClr val="accent1"/>
-              </a:fillRef>
-              <a:effectRef idx="0">
-                <a:schemeClr val="accent1"/>
-              </a:effectRef>
-              <a:fontRef idx="minor">
-                <a:schemeClr val="lt1"/>
-              </a:fontRef>
-            </p:style>
-            <p:txBody>
-              <a:bodyPr rtlCol="0" anchor="ctr"/>
-              <a:lstStyle/>
-              <a:p>
-                <a:pPr algn="ctr"/>
-                <a:endParaRPr lang="pt-BR"/>
-              </a:p>
-            </p:txBody>
-          </p:sp>
-          <mc:AlternateContent xmlns:mc="http://schemas.openxmlformats.org/markup-compatibility/2006" xmlns:a14="http://schemas.microsoft.com/office/drawing/2010/main">
-            <mc:Choice Requires="a14">
-              <p:sp>
-                <p:nvSpPr>
-                  <p:cNvPr id="52" name="TextBox 51"/>
-                  <p:cNvSpPr txBox="1"/>
-                  <p:nvPr/>
-                </p:nvSpPr>
-                <p:spPr>
-                  <a:xfrm>
-                    <a:off x="7075040" y="4694711"/>
-                    <a:ext cx="339772" cy="276999"/>
-                  </a:xfrm>
-                  <a:prstGeom prst="rect">
-                    <a:avLst/>
-                  </a:prstGeom>
-                  <a:noFill/>
-                </p:spPr>
-                <p:txBody>
-                  <a:bodyPr wrap="none" lIns="0" tIns="0" rIns="0" bIns="0" rtlCol="0">
-                    <a:spAutoFit/>
-                  </a:bodyPr>
-                  <a:lstStyle/>
-                  <a:p>
-                    <a:pPr/>
-                    <a14:m>
-                      <m:oMathPara xmlns:m="http://schemas.openxmlformats.org/officeDocument/2006/math">
-                        <m:oMathParaPr>
-                          <m:jc m:val="centerGroup"/>
-                        </m:oMathParaPr>
-                        <m:oMath xmlns:m="http://schemas.openxmlformats.org/officeDocument/2006/math">
-                          <m:sSup>
-                            <m:sSupPr>
-                              <m:ctrlPr>
-                                <a:rPr lang="pt-BR" b="1" i="1" smtClean="0">
-                                  <a:latin typeface="Cambria Math" panose="02040503050406030204" pitchFamily="18" charset="0"/>
-                                </a:rPr>
-                              </m:ctrlPr>
-                            </m:sSupPr>
-                            <m:e>
-                              <m:r>
-                                <a:rPr lang="pt-BR" b="1" i="1">
-                                  <a:latin typeface="Cambria Math" panose="02040503050406030204" pitchFamily="18" charset="0"/>
-                                </a:rPr>
-                                <m:t>𝒂</m:t>
-                              </m:r>
-                              <m:r>
-                                <m:rPr>
-                                  <m:nor/>
-                                </m:rPr>
-                                <a:rPr lang="pt-BR" b="1" dirty="0"/>
-                                <m:t> </m:t>
-                              </m:r>
-                            </m:e>
-                            <m:sup>
-                              <m:r>
-                                <a:rPr lang="pt-BR" b="1" i="1" smtClean="0">
-                                  <a:latin typeface="Cambria Math" panose="02040503050406030204" pitchFamily="18" charset="0"/>
-                                </a:rPr>
-                                <m:t>∗</m:t>
-                              </m:r>
-                            </m:sup>
-                          </m:sSup>
-                        </m:oMath>
-                      </m:oMathPara>
-                    </a14:m>
-                    <a:endParaRPr lang="pt-BR" b="1" dirty="0"/>
-                  </a:p>
-                </p:txBody>
-              </p:sp>
-            </mc:Choice>
-            <mc:Fallback xmlns="">
-              <p:sp>
-                <p:nvSpPr>
-                  <p:cNvPr id="52" name="TextBox 51"/>
-                  <p:cNvSpPr txBox="1">
-                    <a:spLocks noRot="1" noChangeAspect="1" noMove="1" noResize="1" noEditPoints="1" noAdjustHandles="1" noChangeArrowheads="1" noChangeShapeType="1" noTextEdit="1"/>
-                  </p:cNvSpPr>
-                  <p:nvPr/>
-                </p:nvSpPr>
-                <p:spPr>
-                  <a:xfrm>
-                    <a:off x="7075040" y="4694711"/>
-                    <a:ext cx="339772" cy="276999"/>
-                  </a:xfrm>
-                  <a:prstGeom prst="rect">
-                    <a:avLst/>
-                  </a:prstGeom>
-                  <a:blipFill rotWithShape="0">
-                    <a:blip r:embed="rId8"/>
-                    <a:stretch>
-                      <a:fillRect l="-9091" r="-5455"/>
-                    </a:stretch>
-                  </a:blipFill>
-                </p:spPr>
-                <p:txBody>
-                  <a:bodyPr/>
-                  <a:lstStyle/>
-                  <a:p>
-                    <a:r>
-                      <a:rPr lang="pt-BR">
-                        <a:noFill/>
-                      </a:rPr>
-                      <a:t> </a:t>
-                    </a:r>
-                  </a:p>
-                </p:txBody>
-              </p:sp>
-            </mc:Fallback>
-          </mc:AlternateContent>
-          <p:cxnSp>
-            <p:nvCxnSpPr>
-              <p:cNvPr id="26" name="Straight Arrow Connector 25"/>
-              <p:cNvCxnSpPr/>
-              <p:nvPr/>
-            </p:nvCxnSpPr>
-            <p:spPr>
-              <a:xfrm rot="5400000">
-                <a:off x="8121956" y="4016460"/>
-                <a:ext cx="0" cy="2160000"/>
-              </a:xfrm>
-              <a:prstGeom prst="straightConnector1">
-                <a:avLst/>
-              </a:prstGeom>
-              <a:ln w="19050">
-                <a:solidFill>
-                  <a:schemeClr val="tx1"/>
-                </a:solidFill>
-                <a:headEnd type="triangle" w="med" len="med"/>
-                <a:tailEnd type="none" w="med" len="med"/>
-              </a:ln>
-            </p:spPr>
-            <p:style>
-              <a:lnRef idx="1">
-                <a:schemeClr val="accent1"/>
-              </a:lnRef>
-              <a:fillRef idx="0">
-                <a:schemeClr val="accent1"/>
-              </a:fillRef>
-              <a:effectRef idx="0">
-                <a:schemeClr val="accent1"/>
-              </a:effectRef>
-              <a:fontRef idx="minor">
-                <a:schemeClr val="tx1"/>
-              </a:fontRef>
-            </p:style>
-          </p:cxnSp>
-          <p:cxnSp>
-            <p:nvCxnSpPr>
-              <p:cNvPr id="25" name="Straight Arrow Connector 24"/>
-              <p:cNvCxnSpPr/>
-              <p:nvPr/>
-            </p:nvCxnSpPr>
-            <p:spPr>
-              <a:xfrm>
-                <a:off x="7038874" y="2534498"/>
-                <a:ext cx="0" cy="2556000"/>
-              </a:xfrm>
-              <a:prstGeom prst="straightConnector1">
-                <a:avLst/>
-              </a:prstGeom>
-              <a:ln w="19050">
-                <a:solidFill>
-                  <a:schemeClr val="tx1"/>
-                </a:solidFill>
-                <a:headEnd type="triangle" w="med" len="med"/>
-                <a:tailEnd type="none" w="med" len="med"/>
-              </a:ln>
-            </p:spPr>
-            <p:style>
-              <a:lnRef idx="1">
-                <a:schemeClr val="accent1"/>
-              </a:lnRef>
-              <a:fillRef idx="0">
-                <a:schemeClr val="accent1"/>
-              </a:fillRef>
-              <a:effectRef idx="0">
-                <a:schemeClr val="accent1"/>
-              </a:effectRef>
-              <a:fontRef idx="minor">
-                <a:schemeClr val="tx1"/>
-              </a:fontRef>
-            </p:style>
-          </p:cxnSp>
-          <mc:AlternateContent xmlns:mc="http://schemas.openxmlformats.org/markup-compatibility/2006" xmlns:a14="http://schemas.microsoft.com/office/drawing/2010/main">
-            <mc:Choice Requires="a14">
-              <p:sp>
-                <p:nvSpPr>
-                  <p:cNvPr id="54" name="Rectangle 53"/>
-                  <p:cNvSpPr/>
-                  <p:nvPr/>
-                </p:nvSpPr>
-                <p:spPr>
-                  <a:xfrm>
-                    <a:off x="7616638" y="5307522"/>
-                    <a:ext cx="731739" cy="373051"/>
-                  </a:xfrm>
-                  <a:prstGeom prst="rect">
-                    <a:avLst/>
-                  </a:prstGeom>
-                </p:spPr>
-                <p:txBody>
-                  <a:bodyPr wrap="none">
-                    <a:spAutoFit/>
-                  </a:bodyPr>
-                  <a:lstStyle/>
-                  <a:p>
-                    <a:pPr/>
-                    <a14:m>
-                      <m:oMathPara xmlns:m="http://schemas.openxmlformats.org/officeDocument/2006/math">
-                        <m:oMathParaPr>
-                          <m:jc m:val="centerGroup"/>
-                        </m:oMathParaPr>
-                        <m:oMath xmlns:m="http://schemas.openxmlformats.org/officeDocument/2006/math">
-                          <m:sSubSup>
-                            <m:sSubSupPr>
-                              <m:ctrlPr>
-                                <a:rPr lang="pt-BR" i="1">
-                                  <a:latin typeface="Cambria Math" panose="02040503050406030204" pitchFamily="18" charset="0"/>
-                                  <a:ea typeface="Cambria Math" panose="02040503050406030204" pitchFamily="18" charset="0"/>
-                                </a:rPr>
-                              </m:ctrlPr>
-                            </m:sSubSupPr>
-                            <m:e>
-                              <m:d>
-                                <m:dPr>
-                                  <m:begChr m:val="‖"/>
-                                  <m:endChr m:val="‖"/>
-                                  <m:ctrlPr>
-                                    <a:rPr lang="pt-BR" i="1">
-                                      <a:latin typeface="Cambria Math" panose="02040503050406030204" pitchFamily="18" charset="0"/>
-                                      <a:ea typeface="Cambria Math" panose="02040503050406030204" pitchFamily="18" charset="0"/>
-                                    </a:rPr>
-                                  </m:ctrlPr>
-                                </m:dPr>
-                                <m:e>
-                                  <m:r>
-                                    <a:rPr lang="pt-BR" b="1" i="1">
-                                      <a:latin typeface="Cambria Math" panose="02040503050406030204" pitchFamily="18" charset="0"/>
-                                    </a:rPr>
-                                    <m:t>𝒂</m:t>
-                                  </m:r>
-                                </m:e>
-                              </m:d>
-                            </m:e>
-                            <m:sub>
-                              <m:r>
-                                <a:rPr lang="pt-BR" i="1">
-                                  <a:latin typeface="Cambria Math" panose="02040503050406030204" pitchFamily="18" charset="0"/>
-                                  <a:ea typeface="Cambria Math" panose="02040503050406030204" pitchFamily="18" charset="0"/>
-                                </a:rPr>
-                                <m:t>2</m:t>
-                              </m:r>
-                            </m:sub>
-                            <m:sup>
-                              <m:r>
-                                <a:rPr lang="pt-BR" i="1">
-                                  <a:latin typeface="Cambria Math" panose="02040503050406030204" pitchFamily="18" charset="0"/>
-                                  <a:ea typeface="Cambria Math" panose="02040503050406030204" pitchFamily="18" charset="0"/>
-                                </a:rPr>
-                                <m:t>2</m:t>
-                              </m:r>
-                            </m:sup>
-                          </m:sSubSup>
-                        </m:oMath>
-                      </m:oMathPara>
-                    </a14:m>
-                    <a:endParaRPr lang="pt-BR" dirty="0"/>
-                  </a:p>
-                </p:txBody>
-              </p:sp>
-            </mc:Choice>
-            <mc:Fallback xmlns="">
-              <p:sp>
-                <p:nvSpPr>
-                  <p:cNvPr id="54" name="Rectangle 53"/>
-                  <p:cNvSpPr>
-                    <a:spLocks noRot="1" noChangeAspect="1" noMove="1" noResize="1" noEditPoints="1" noAdjustHandles="1" noChangeArrowheads="1" noChangeShapeType="1" noTextEdit="1"/>
-                  </p:cNvSpPr>
-                  <p:nvPr/>
-                </p:nvSpPr>
-                <p:spPr>
-                  <a:xfrm>
-                    <a:off x="7616638" y="5307522"/>
-                    <a:ext cx="731739" cy="373051"/>
-                  </a:xfrm>
-                  <a:prstGeom prst="rect">
-                    <a:avLst/>
-                  </a:prstGeom>
-                  <a:blipFill rotWithShape="0">
-                    <a:blip r:embed="rId9"/>
-                    <a:stretch>
-                      <a:fillRect b="-1639"/>
-                    </a:stretch>
-                  </a:blipFill>
-                </p:spPr>
-                <p:txBody>
-                  <a:bodyPr/>
-                  <a:lstStyle/>
-                  <a:p>
-                    <a:r>
-                      <a:rPr lang="pt-BR">
-                        <a:noFill/>
-                      </a:rPr>
-                      <a:t> </a:t>
-                    </a:r>
-                  </a:p>
-                </p:txBody>
-              </p:sp>
-            </mc:Fallback>
-          </mc:AlternateContent>
-        </p:grpSp>
-        <p:sp>
-          <p:nvSpPr>
-            <p:cNvPr id="67" name="TextBox 66"/>
-            <p:cNvSpPr txBox="1"/>
-            <p:nvPr/>
-          </p:nvSpPr>
-          <p:spPr>
-            <a:xfrm>
-              <a:off x="5921535" y="4379643"/>
-              <a:ext cx="965067" cy="369332"/>
-            </a:xfrm>
-            <a:prstGeom prst="rect">
-              <a:avLst/>
-            </a:prstGeom>
-            <a:noFill/>
-          </p:spPr>
-          <p:txBody>
-            <a:bodyPr wrap="square" rtlCol="0">
-              <a:spAutoFit/>
-            </a:bodyPr>
-            <a:lstStyle/>
-            <a:p>
-              <a:r>
-                <a:rPr lang="pt-BR" dirty="0"/>
-                <a:t>solução</a:t>
-              </a:r>
-            </a:p>
-          </p:txBody>
-        </p:sp>
-        <p:cxnSp>
-          <p:nvCxnSpPr>
-            <p:cNvPr id="68" name="Straight Arrow Connector 67"/>
-            <p:cNvCxnSpPr/>
-            <p:nvPr/>
-          </p:nvCxnSpPr>
-          <p:spPr>
-            <a:xfrm>
-              <a:off x="6763186" y="4583136"/>
-              <a:ext cx="446266" cy="45308"/>
-            </a:xfrm>
-            <a:prstGeom prst="straightConnector1">
-              <a:avLst/>
-            </a:prstGeom>
-            <a:ln w="19050">
-              <a:solidFill>
-                <a:schemeClr val="tx1"/>
-              </a:solidFill>
-              <a:tailEnd type="triangle"/>
-            </a:ln>
-          </p:spPr>
-          <p:style>
-            <a:lnRef idx="1">
-              <a:schemeClr val="accent1"/>
-            </a:lnRef>
-            <a:fillRef idx="0">
-              <a:schemeClr val="accent1"/>
-            </a:fillRef>
-            <a:effectRef idx="0">
-              <a:schemeClr val="accent1"/>
-            </a:effectRef>
-            <a:fontRef idx="minor">
-              <a:schemeClr val="tx1"/>
-            </a:fontRef>
-          </p:style>
-        </p:cxnSp>
-      </p:grpSp>
-    </p:spTree>
-    <p:extLst>
-      <p:ext uri="{BB962C8B-B14F-4D97-AF65-F5344CB8AC3E}">
-        <p14:creationId xmlns:p14="http://schemas.microsoft.com/office/powerpoint/2010/main" val="2329773658"/>
-      </p:ext>
-    </p:extLst>
-  </p:cSld>
-  <p:clrMapOvr>
-    <a:masterClrMapping/>
-  </p:clrMapOvr>
-</p:sld>
-</file>
-
-<file path=ppt/slides/slide18.xml><?xml version="1.0" encoding="utf-8"?>
-<p:sld xmlns:a="http://schemas.openxmlformats.org/drawingml/2006/main" xmlns:r="http://schemas.openxmlformats.org/officeDocument/2006/relationships" xmlns:p="http://schemas.openxmlformats.org/presentationml/2006/main">
-  <p:cSld>
-    <p:spTree>
-      <p:nvGrpSpPr>
-        <p:cNvPr id="1" name=""/>
-        <p:cNvGrpSpPr/>
-        <p:nvPr/>
-      </p:nvGrpSpPr>
-      <p:grpSpPr>
-        <a:xfrm>
-          <a:off x="0" y="0"/>
-          <a:ext cx="0" cy="0"/>
-          <a:chOff x="0" y="0"/>
-          <a:chExt cx="0" cy="0"/>
-        </a:xfrm>
-      </p:grpSpPr>
-      <p:grpSp>
-        <p:nvGrpSpPr>
-          <p:cNvPr id="150" name="Group 149"/>
-          <p:cNvGrpSpPr/>
-          <p:nvPr/>
-        </p:nvGrpSpPr>
-        <p:grpSpPr>
-          <a:xfrm>
-            <a:off x="703328" y="1720211"/>
-            <a:ext cx="4337255" cy="3027979"/>
-            <a:chOff x="703328" y="1720211"/>
-            <a:chExt cx="4337255" cy="3027979"/>
-          </a:xfrm>
-        </p:grpSpPr>
-        <mc:AlternateContent xmlns:mc="http://schemas.openxmlformats.org/markup-compatibility/2006" xmlns:a14="http://schemas.microsoft.com/office/drawing/2010/main">
-          <mc:Choice Requires="a14">
-            <p:sp>
-              <p:nvSpPr>
-                <p:cNvPr id="51" name="TextBox 50"/>
-                <p:cNvSpPr txBox="1"/>
-                <p:nvPr/>
-              </p:nvSpPr>
-              <p:spPr>
-                <a:xfrm>
-                  <a:off x="703329" y="1720211"/>
-                  <a:ext cx="426028" cy="400110"/>
-                </a:xfrm>
-                <a:prstGeom prst="rect">
-                  <a:avLst/>
-                </a:prstGeom>
-                <a:noFill/>
-              </p:spPr>
-              <p:txBody>
-                <a:bodyPr wrap="square" rtlCol="0">
-                  <a:spAutoFit/>
-                </a:bodyPr>
-                <a:lstStyle/>
-                <a:p>
-                  <a:pPr/>
-                  <a14:m>
-                    <m:oMathPara xmlns:m="http://schemas.openxmlformats.org/officeDocument/2006/math">
-                      <m:oMathParaPr>
-                        <m:jc m:val="centerGroup"/>
-                      </m:oMathParaPr>
-                      <m:oMath xmlns:m="http://schemas.openxmlformats.org/officeDocument/2006/math">
-                        <m:sSub>
-                          <m:sSubPr>
-                            <m:ctrlPr>
-                              <a:rPr lang="pt-BR" sz="2000" i="1" smtClean="0">
-                                <a:latin typeface="Cambria Math" panose="02040503050406030204" pitchFamily="18" charset="0"/>
-                              </a:rPr>
-                            </m:ctrlPr>
-                          </m:sSubPr>
-                          <m:e>
-                            <m:r>
-                              <a:rPr lang="pt-BR" sz="2000" b="0" i="1" smtClean="0">
-                                <a:latin typeface="Cambria Math" panose="02040503050406030204" pitchFamily="18" charset="0"/>
-                              </a:rPr>
-                              <m:t>𝑎</m:t>
-                            </m:r>
-                          </m:e>
-                          <m:sub>
-                            <m:r>
-                              <a:rPr lang="pt-BR" sz="2000" b="0" i="1" smtClean="0">
-                                <a:latin typeface="Cambria Math" panose="02040503050406030204" pitchFamily="18" charset="0"/>
-                              </a:rPr>
-                              <m:t>2</m:t>
-                            </m:r>
-                          </m:sub>
-                        </m:sSub>
-                      </m:oMath>
-                    </m:oMathPara>
-                  </a14:m>
-                  <a:endParaRPr lang="pt-BR" sz="2000" dirty="0"/>
-                </a:p>
-              </p:txBody>
-            </p:sp>
-          </mc:Choice>
-          <mc:Fallback xmlns="">
-            <p:sp>
-              <p:nvSpPr>
-                <p:cNvPr id="51" name="TextBox 50"/>
-                <p:cNvSpPr txBox="1">
-                  <a:spLocks noRot="1" noChangeAspect="1" noMove="1" noResize="1" noEditPoints="1" noAdjustHandles="1" noChangeArrowheads="1" noChangeShapeType="1" noTextEdit="1"/>
-                </p:cNvSpPr>
-                <p:nvPr/>
-              </p:nvSpPr>
-              <p:spPr>
-                <a:xfrm>
-                  <a:off x="703329" y="1720211"/>
-                  <a:ext cx="426028" cy="400110"/>
-                </a:xfrm>
-                <a:prstGeom prst="rect">
-                  <a:avLst/>
-                </a:prstGeom>
-                <a:blipFill rotWithShape="0">
-                  <a:blip r:embed="rId2"/>
-                  <a:stretch>
-                    <a:fillRect/>
-                  </a:stretch>
-                </a:blipFill>
-              </p:spPr>
-              <p:txBody>
-                <a:bodyPr/>
-                <a:lstStyle/>
-                <a:p>
-                  <a:r>
-                    <a:rPr lang="pt-BR">
-                      <a:noFill/>
-                    </a:rPr>
-                    <a:t> </a:t>
-                  </a:r>
-                </a:p>
-              </p:txBody>
-            </p:sp>
-          </mc:Fallback>
-        </mc:AlternateContent>
-        <p:grpSp>
-          <p:nvGrpSpPr>
-            <p:cNvPr id="148" name="Group 147"/>
-            <p:cNvGrpSpPr/>
-            <p:nvPr/>
-          </p:nvGrpSpPr>
-          <p:grpSpPr>
-            <a:xfrm>
-              <a:off x="703328" y="1796190"/>
-              <a:ext cx="4337255" cy="2952000"/>
-              <a:chOff x="703328" y="1796190"/>
-              <a:chExt cx="4337255" cy="2952000"/>
-            </a:xfrm>
-          </p:grpSpPr>
-          <p:sp>
-            <p:nvSpPr>
-              <p:cNvPr id="5" name="Oval 4"/>
-              <p:cNvSpPr>
-                <a:spLocks/>
-              </p:cNvSpPr>
-              <p:nvPr/>
-            </p:nvSpPr>
-            <p:spPr>
-              <a:xfrm rot="5400000">
-                <a:off x="1914555" y="1533349"/>
-                <a:ext cx="1800000" cy="3600000"/>
-              </a:xfrm>
-              <a:prstGeom prst="ellipse">
-                <a:avLst/>
-              </a:prstGeom>
-              <a:noFill/>
-              <a:ln>
-                <a:solidFill>
-                  <a:schemeClr val="tx1"/>
-                </a:solidFill>
-              </a:ln>
-            </p:spPr>
-            <p:style>
-              <a:lnRef idx="2">
-                <a:schemeClr val="accent1">
-                  <a:shade val="50000"/>
-                </a:schemeClr>
-              </a:lnRef>
-              <a:fillRef idx="1">
-                <a:schemeClr val="accent1"/>
-              </a:fillRef>
-              <a:effectRef idx="0">
-                <a:schemeClr val="accent1"/>
-              </a:effectRef>
-              <a:fontRef idx="minor">
-                <a:schemeClr val="lt1"/>
-              </a:fontRef>
-            </p:style>
-            <p:txBody>
-              <a:bodyPr rtlCol="0" anchor="ctr"/>
-              <a:lstStyle/>
-              <a:p>
-                <a:pPr algn="ctr"/>
-                <a:endParaRPr lang="pt-BR"/>
-              </a:p>
-            </p:txBody>
-          </p:sp>
-          <p:sp>
-            <p:nvSpPr>
-              <p:cNvPr id="6" name="Oval 5"/>
-              <p:cNvSpPr/>
-              <p:nvPr/>
-            </p:nvSpPr>
-            <p:spPr>
-              <a:xfrm rot="5400000">
-                <a:off x="2275849" y="1893349"/>
-                <a:ext cx="1080000" cy="2880000"/>
-              </a:xfrm>
-              <a:prstGeom prst="ellipse">
-                <a:avLst/>
-              </a:prstGeom>
-              <a:noFill/>
-              <a:ln>
-                <a:solidFill>
-                  <a:schemeClr val="tx1"/>
-                </a:solidFill>
-              </a:ln>
-            </p:spPr>
-            <p:style>
-              <a:lnRef idx="2">
-                <a:schemeClr val="accent1">
-                  <a:shade val="50000"/>
-                </a:schemeClr>
-              </a:lnRef>
-              <a:fillRef idx="1">
-                <a:schemeClr val="accent1"/>
-              </a:fillRef>
-              <a:effectRef idx="0">
-                <a:schemeClr val="accent1"/>
-              </a:effectRef>
-              <a:fontRef idx="minor">
-                <a:schemeClr val="lt1"/>
-              </a:fontRef>
-            </p:style>
-            <p:txBody>
-              <a:bodyPr rtlCol="0" anchor="ctr"/>
-              <a:lstStyle/>
-              <a:p>
-                <a:pPr algn="ctr"/>
-                <a:endParaRPr lang="pt-BR"/>
-              </a:p>
-            </p:txBody>
-          </p:sp>
-          <p:sp>
-            <p:nvSpPr>
-              <p:cNvPr id="7" name="Oval 6"/>
-              <p:cNvSpPr/>
-              <p:nvPr/>
-            </p:nvSpPr>
-            <p:spPr>
-              <a:xfrm rot="5400000">
-                <a:off x="2635849" y="2253349"/>
-                <a:ext cx="360000" cy="2160000"/>
-              </a:xfrm>
-              <a:prstGeom prst="ellipse">
-                <a:avLst/>
-              </a:prstGeom>
-              <a:noFill/>
-              <a:ln>
-                <a:solidFill>
-                  <a:schemeClr val="tx1"/>
-                </a:solidFill>
-              </a:ln>
-            </p:spPr>
-            <p:style>
-              <a:lnRef idx="2">
-                <a:schemeClr val="accent1">
-                  <a:shade val="50000"/>
-                </a:schemeClr>
-              </a:lnRef>
-              <a:fillRef idx="1">
-                <a:schemeClr val="accent1"/>
-              </a:fillRef>
-              <a:effectRef idx="0">
-                <a:schemeClr val="accent1"/>
-              </a:effectRef>
-              <a:fontRef idx="minor">
-                <a:schemeClr val="lt1"/>
-              </a:fontRef>
-            </p:style>
-            <p:txBody>
-              <a:bodyPr rtlCol="0" anchor="ctr"/>
-              <a:lstStyle/>
-              <a:p>
-                <a:pPr algn="ctr"/>
-                <a:endParaRPr lang="pt-BR"/>
-              </a:p>
-            </p:txBody>
-          </p:sp>
-          <p:sp>
-            <p:nvSpPr>
-              <p:cNvPr id="8" name="Oval 7"/>
-              <p:cNvSpPr/>
-              <p:nvPr/>
-            </p:nvSpPr>
-            <p:spPr>
-              <a:xfrm rot="5400000">
-                <a:off x="2455849" y="2073349"/>
-                <a:ext cx="720000" cy="2520000"/>
-              </a:xfrm>
-              <a:prstGeom prst="ellipse">
-                <a:avLst/>
-              </a:prstGeom>
-              <a:noFill/>
-              <a:ln>
-                <a:solidFill>
-                  <a:schemeClr val="tx1"/>
-                </a:solidFill>
-              </a:ln>
-            </p:spPr>
-            <p:style>
-              <a:lnRef idx="2">
-                <a:schemeClr val="accent1">
-                  <a:shade val="50000"/>
-                </a:schemeClr>
-              </a:lnRef>
-              <a:fillRef idx="1">
-                <a:schemeClr val="accent1"/>
-              </a:fillRef>
-              <a:effectRef idx="0">
-                <a:schemeClr val="accent1"/>
-              </a:effectRef>
-              <a:fontRef idx="minor">
-                <a:schemeClr val="lt1"/>
-              </a:fontRef>
-            </p:style>
-            <p:txBody>
-              <a:bodyPr rtlCol="0" anchor="ctr"/>
-              <a:lstStyle/>
-              <a:p>
-                <a:pPr algn="ctr"/>
-                <a:endParaRPr lang="pt-BR"/>
-              </a:p>
-            </p:txBody>
-          </p:sp>
-          <p:sp>
-            <p:nvSpPr>
-              <p:cNvPr id="9" name="Oval 8"/>
-              <p:cNvSpPr/>
-              <p:nvPr/>
-            </p:nvSpPr>
-            <p:spPr>
-              <a:xfrm rot="5400000">
-                <a:off x="2095849" y="1713349"/>
-                <a:ext cx="1440000" cy="3240000"/>
-              </a:xfrm>
-              <a:prstGeom prst="ellipse">
-                <a:avLst/>
-              </a:prstGeom>
-              <a:noFill/>
-              <a:ln>
-                <a:solidFill>
-                  <a:schemeClr val="tx1"/>
-                </a:solidFill>
-              </a:ln>
-            </p:spPr>
-            <p:style>
-              <a:lnRef idx="2">
-                <a:schemeClr val="accent1">
-                  <a:shade val="50000"/>
-                </a:schemeClr>
-              </a:lnRef>
-              <a:fillRef idx="1">
-                <a:schemeClr val="accent1"/>
-              </a:fillRef>
-              <a:effectRef idx="0">
-                <a:schemeClr val="accent1"/>
-              </a:effectRef>
-              <a:fontRef idx="minor">
-                <a:schemeClr val="lt1"/>
-              </a:fontRef>
-            </p:style>
-            <p:txBody>
-              <a:bodyPr rtlCol="0" anchor="ctr"/>
-              <a:lstStyle/>
-              <a:p>
-                <a:pPr algn="ctr"/>
-                <a:endParaRPr lang="pt-BR"/>
-              </a:p>
-            </p:txBody>
-          </p:sp>
-          <p:sp>
-            <p:nvSpPr>
-              <p:cNvPr id="10" name="Oval 9"/>
-              <p:cNvSpPr>
-                <a:spLocks/>
-              </p:cNvSpPr>
-              <p:nvPr/>
-            </p:nvSpPr>
-            <p:spPr>
-              <a:xfrm rot="5400000">
-                <a:off x="1735849" y="1353349"/>
-                <a:ext cx="2160000" cy="3960000"/>
-              </a:xfrm>
-              <a:prstGeom prst="ellipse">
-                <a:avLst/>
-              </a:prstGeom>
-              <a:noFill/>
-              <a:ln>
-                <a:solidFill>
-                  <a:schemeClr val="tx1"/>
-                </a:solidFill>
-              </a:ln>
-            </p:spPr>
-            <p:style>
-              <a:lnRef idx="2">
-                <a:schemeClr val="accent1">
-                  <a:shade val="50000"/>
-                </a:schemeClr>
-              </a:lnRef>
-              <a:fillRef idx="1">
-                <a:schemeClr val="accent1"/>
-              </a:fillRef>
-              <a:effectRef idx="0">
-                <a:schemeClr val="accent1"/>
-              </a:effectRef>
-              <a:fontRef idx="minor">
-                <a:schemeClr val="lt1"/>
-              </a:fontRef>
-            </p:style>
-            <p:txBody>
-              <a:bodyPr rtlCol="0" anchor="ctr"/>
-              <a:lstStyle/>
-              <a:p>
-                <a:pPr algn="ctr"/>
-                <a:endParaRPr lang="pt-BR"/>
-              </a:p>
-            </p:txBody>
-          </p:sp>
-          <p:cxnSp>
-            <p:nvCxnSpPr>
-              <p:cNvPr id="11" name="Straight Connector 10"/>
-              <p:cNvCxnSpPr/>
-              <p:nvPr/>
-            </p:nvCxnSpPr>
-            <p:spPr>
-              <a:xfrm flipH="1" flipV="1">
-                <a:off x="882035" y="2613351"/>
-                <a:ext cx="126728" cy="1079998"/>
-              </a:xfrm>
-              <a:prstGeom prst="line">
-                <a:avLst/>
-              </a:prstGeom>
-              <a:ln w="12700">
-                <a:solidFill>
-                  <a:schemeClr val="tx1"/>
-                </a:solidFill>
-                <a:prstDash val="dash"/>
-                <a:headEnd type="triangle" w="med" len="med"/>
-                <a:tailEnd type="none" w="med" len="med"/>
-              </a:ln>
-            </p:spPr>
-            <p:style>
-              <a:lnRef idx="1">
-                <a:schemeClr val="accent1"/>
-              </a:lnRef>
-              <a:fillRef idx="0">
-                <a:schemeClr val="accent1"/>
-              </a:fillRef>
-              <a:effectRef idx="0">
-                <a:schemeClr val="accent1"/>
-              </a:effectRef>
-              <a:fontRef idx="minor">
-                <a:schemeClr val="tx1"/>
-              </a:fontRef>
-            </p:style>
-          </p:cxnSp>
-          <p:sp>
-            <p:nvSpPr>
-              <p:cNvPr id="14" name="Multiply 13"/>
-              <p:cNvSpPr>
-                <a:spLocks noChangeAspect="1"/>
-              </p:cNvSpPr>
-              <p:nvPr/>
-            </p:nvSpPr>
-            <p:spPr>
-              <a:xfrm rot="5400000">
-                <a:off x="2765706" y="3264787"/>
-                <a:ext cx="108000" cy="122807"/>
-              </a:xfrm>
-              <a:prstGeom prst="mathMultiply">
-                <a:avLst/>
-              </a:prstGeom>
-              <a:solidFill>
-                <a:srgbClr val="FF0000"/>
-              </a:solidFill>
-              <a:ln w="3175">
-                <a:solidFill>
-                  <a:schemeClr val="tx1"/>
-                </a:solidFill>
-              </a:ln>
-            </p:spPr>
-            <p:style>
-              <a:lnRef idx="2">
-                <a:schemeClr val="accent1">
-                  <a:shade val="50000"/>
-                </a:schemeClr>
-              </a:lnRef>
-              <a:fillRef idx="1">
-                <a:schemeClr val="accent1"/>
-              </a:fillRef>
-              <a:effectRef idx="0">
-                <a:schemeClr val="accent1"/>
-              </a:effectRef>
-              <a:fontRef idx="minor">
-                <a:schemeClr val="lt1"/>
-              </a:fontRef>
-            </p:style>
-            <p:txBody>
-              <a:bodyPr rtlCol="0" anchor="ctr"/>
-              <a:lstStyle/>
-              <a:p>
-                <a:pPr algn="ctr"/>
-                <a:endParaRPr lang="pt-BR"/>
-              </a:p>
-            </p:txBody>
-          </p:sp>
-          <p:cxnSp>
-            <p:nvCxnSpPr>
-              <p:cNvPr id="49" name="Straight Arrow Connector 48"/>
-              <p:cNvCxnSpPr/>
-              <p:nvPr/>
-            </p:nvCxnSpPr>
-            <p:spPr>
-              <a:xfrm rot="5400000">
-                <a:off x="2864103" y="2606190"/>
-                <a:ext cx="0" cy="4284000"/>
-              </a:xfrm>
-              <a:prstGeom prst="straightConnector1">
-                <a:avLst/>
-              </a:prstGeom>
-              <a:ln w="19050">
-                <a:solidFill>
-                  <a:schemeClr val="tx1"/>
-                </a:solidFill>
-                <a:headEnd type="triangle" w="med" len="med"/>
-                <a:tailEnd type="none" w="med" len="med"/>
-              </a:ln>
-            </p:spPr>
-            <p:style>
-              <a:lnRef idx="1">
-                <a:schemeClr val="accent1"/>
-              </a:lnRef>
-              <a:fillRef idx="0">
-                <a:schemeClr val="accent1"/>
-              </a:fillRef>
-              <a:effectRef idx="0">
-                <a:schemeClr val="accent1"/>
-              </a:effectRef>
-              <a:fontRef idx="minor">
-                <a:schemeClr val="tx1"/>
-              </a:fontRef>
-            </p:style>
-          </p:cxnSp>
-          <p:cxnSp>
-            <p:nvCxnSpPr>
-              <p:cNvPr id="50" name="Straight Arrow Connector 49"/>
-              <p:cNvCxnSpPr/>
-              <p:nvPr/>
-            </p:nvCxnSpPr>
-            <p:spPr>
-              <a:xfrm rot="10800000">
-                <a:off x="703328" y="1796190"/>
-                <a:ext cx="0" cy="2952000"/>
-              </a:xfrm>
-              <a:prstGeom prst="straightConnector1">
-                <a:avLst/>
-              </a:prstGeom>
-              <a:ln w="19050">
-                <a:solidFill>
-                  <a:schemeClr val="tx1"/>
-                </a:solidFill>
-                <a:headEnd type="none" w="med" len="med"/>
-                <a:tailEnd type="triangle" w="med" len="med"/>
-              </a:ln>
-            </p:spPr>
-            <p:style>
-              <a:lnRef idx="1">
-                <a:schemeClr val="accent1"/>
-              </a:lnRef>
-              <a:fillRef idx="0">
-                <a:schemeClr val="accent1"/>
-              </a:fillRef>
-              <a:effectRef idx="0">
-                <a:schemeClr val="accent1"/>
-              </a:effectRef>
-              <a:fontRef idx="minor">
-                <a:schemeClr val="tx1"/>
-              </a:fontRef>
-            </p:style>
-          </p:cxnSp>
-          <mc:AlternateContent xmlns:mc="http://schemas.openxmlformats.org/markup-compatibility/2006" xmlns:a14="http://schemas.microsoft.com/office/drawing/2010/main">
-            <mc:Choice Requires="a14">
-              <p:sp>
-                <p:nvSpPr>
-                  <p:cNvPr id="52" name="TextBox 51"/>
-                  <p:cNvSpPr txBox="1"/>
-                  <p:nvPr/>
-                </p:nvSpPr>
-                <p:spPr>
-                  <a:xfrm>
-                    <a:off x="4614555" y="4322889"/>
-                    <a:ext cx="426028" cy="400110"/>
-                  </a:xfrm>
-                  <a:prstGeom prst="rect">
-                    <a:avLst/>
-                  </a:prstGeom>
-                  <a:noFill/>
-                </p:spPr>
-                <p:txBody>
-                  <a:bodyPr wrap="square" rtlCol="0">
-                    <a:spAutoFit/>
-                  </a:bodyPr>
-                  <a:lstStyle/>
-                  <a:p>
-                    <a:pPr/>
-                    <a14:m>
-                      <m:oMathPara xmlns:m="http://schemas.openxmlformats.org/officeDocument/2006/math">
-                        <m:oMathParaPr>
-                          <m:jc m:val="centerGroup"/>
-                        </m:oMathParaPr>
-                        <m:oMath xmlns:m="http://schemas.openxmlformats.org/officeDocument/2006/math">
-                          <m:sSub>
-                            <m:sSubPr>
-                              <m:ctrlPr>
-                                <a:rPr lang="pt-BR" sz="2000" i="1" smtClean="0">
-                                  <a:latin typeface="Cambria Math" panose="02040503050406030204" pitchFamily="18" charset="0"/>
-                                </a:rPr>
-                              </m:ctrlPr>
-                            </m:sSubPr>
-                            <m:e>
-                              <m:r>
-                                <a:rPr lang="pt-BR" sz="2000" b="0" i="1" smtClean="0">
-                                  <a:latin typeface="Cambria Math" panose="02040503050406030204" pitchFamily="18" charset="0"/>
-                                </a:rPr>
-                                <m:t>𝑎</m:t>
-                              </m:r>
-                            </m:e>
-                            <m:sub>
-                              <m:r>
-                                <a:rPr lang="pt-BR" sz="2000" b="0" i="1" smtClean="0">
-                                  <a:latin typeface="Cambria Math" panose="02040503050406030204" pitchFamily="18" charset="0"/>
-                                </a:rPr>
-                                <m:t>1</m:t>
-                              </m:r>
-                            </m:sub>
-                          </m:sSub>
-                        </m:oMath>
-                      </m:oMathPara>
-                    </a14:m>
-                    <a:endParaRPr lang="pt-BR" sz="2000" dirty="0"/>
-                  </a:p>
-                </p:txBody>
-              </p:sp>
-            </mc:Choice>
-            <mc:Fallback xmlns="">
-              <p:sp>
-                <p:nvSpPr>
-                  <p:cNvPr id="52" name="TextBox 51"/>
-                  <p:cNvSpPr txBox="1">
-                    <a:spLocks noRot="1" noChangeAspect="1" noMove="1" noResize="1" noEditPoints="1" noAdjustHandles="1" noChangeArrowheads="1" noChangeShapeType="1" noTextEdit="1"/>
-                  </p:cNvSpPr>
-                  <p:nvPr/>
-                </p:nvSpPr>
-                <p:spPr>
-                  <a:xfrm>
-                    <a:off x="4614555" y="4322889"/>
-                    <a:ext cx="426028" cy="400110"/>
-                  </a:xfrm>
-                  <a:prstGeom prst="rect">
-                    <a:avLst/>
-                  </a:prstGeom>
-                  <a:blipFill rotWithShape="0">
-                    <a:blip r:embed="rId3"/>
-                    <a:stretch>
-                      <a:fillRect/>
-                    </a:stretch>
-                  </a:blipFill>
-                </p:spPr>
-                <p:txBody>
-                  <a:bodyPr/>
-                  <a:lstStyle/>
-                  <a:p>
-                    <a:r>
-                      <a:rPr lang="pt-BR">
-                        <a:noFill/>
-                      </a:rPr>
-                      <a:t> </a:t>
-                    </a:r>
-                  </a:p>
-                </p:txBody>
-              </p:sp>
-            </mc:Fallback>
-          </mc:AlternateContent>
-          <p:cxnSp>
-            <p:nvCxnSpPr>
-              <p:cNvPr id="58" name="Straight Connector 57"/>
-              <p:cNvCxnSpPr/>
-              <p:nvPr/>
-            </p:nvCxnSpPr>
-            <p:spPr>
-              <a:xfrm flipH="1">
-                <a:off x="1008763" y="2894795"/>
-                <a:ext cx="246068" cy="798554"/>
-              </a:xfrm>
-              <a:prstGeom prst="line">
-                <a:avLst/>
-              </a:prstGeom>
-              <a:ln w="12700">
-                <a:solidFill>
-                  <a:schemeClr val="tx1"/>
-                </a:solidFill>
-                <a:prstDash val="dash"/>
-                <a:headEnd type="triangle" w="med" len="med"/>
-                <a:tailEnd type="none" w="med" len="med"/>
-              </a:ln>
-            </p:spPr>
-            <p:style>
-              <a:lnRef idx="1">
-                <a:schemeClr val="accent1"/>
-              </a:lnRef>
-              <a:fillRef idx="0">
-                <a:schemeClr val="accent1"/>
-              </a:fillRef>
-              <a:effectRef idx="0">
-                <a:schemeClr val="accent1"/>
-              </a:effectRef>
-              <a:fontRef idx="minor">
-                <a:schemeClr val="tx1"/>
-              </a:fontRef>
-            </p:style>
-          </p:cxnSp>
-          <p:cxnSp>
-            <p:nvCxnSpPr>
-              <p:cNvPr id="61" name="Straight Connector 60"/>
-              <p:cNvCxnSpPr/>
-              <p:nvPr/>
-            </p:nvCxnSpPr>
-            <p:spPr>
-              <a:xfrm flipH="1" flipV="1">
-                <a:off x="1252243" y="2894796"/>
-                <a:ext cx="119416" cy="700256"/>
-              </a:xfrm>
-              <a:prstGeom prst="line">
-                <a:avLst/>
-              </a:prstGeom>
-              <a:ln w="12700">
-                <a:solidFill>
-                  <a:schemeClr val="tx1"/>
-                </a:solidFill>
-                <a:prstDash val="dash"/>
-                <a:headEnd type="triangle" w="med" len="med"/>
-                <a:tailEnd type="none" w="med" len="med"/>
-              </a:ln>
-            </p:spPr>
-            <p:style>
-              <a:lnRef idx="1">
-                <a:schemeClr val="accent1"/>
-              </a:lnRef>
-              <a:fillRef idx="0">
-                <a:schemeClr val="accent1"/>
-              </a:fillRef>
-              <a:effectRef idx="0">
-                <a:schemeClr val="accent1"/>
-              </a:effectRef>
-              <a:fontRef idx="minor">
-                <a:schemeClr val="tx1"/>
-              </a:fontRef>
-            </p:style>
-          </p:cxnSp>
-          <p:cxnSp>
-            <p:nvCxnSpPr>
-              <p:cNvPr id="65" name="Straight Connector 64"/>
-              <p:cNvCxnSpPr/>
-              <p:nvPr/>
-            </p:nvCxnSpPr>
-            <p:spPr>
-              <a:xfrm flipH="1">
-                <a:off x="1371659" y="3094820"/>
-                <a:ext cx="223667" cy="500232"/>
-              </a:xfrm>
-              <a:prstGeom prst="line">
-                <a:avLst/>
-              </a:prstGeom>
-              <a:ln w="12700">
-                <a:solidFill>
-                  <a:schemeClr val="tx1"/>
-                </a:solidFill>
-                <a:prstDash val="dash"/>
-                <a:headEnd type="triangle" w="med" len="med"/>
-                <a:tailEnd type="none" w="med" len="med"/>
-              </a:ln>
-            </p:spPr>
-            <p:style>
-              <a:lnRef idx="1">
-                <a:schemeClr val="accent1"/>
-              </a:lnRef>
-              <a:fillRef idx="0">
-                <a:schemeClr val="accent1"/>
-              </a:fillRef>
-              <a:effectRef idx="0">
-                <a:schemeClr val="accent1"/>
-              </a:effectRef>
-              <a:fontRef idx="minor">
-                <a:schemeClr val="tx1"/>
-              </a:fontRef>
-            </p:style>
-          </p:cxnSp>
-          <p:cxnSp>
-            <p:nvCxnSpPr>
-              <p:cNvPr id="68" name="Straight Connector 67"/>
-              <p:cNvCxnSpPr/>
-              <p:nvPr/>
-            </p:nvCxnSpPr>
-            <p:spPr>
-              <a:xfrm flipH="1" flipV="1">
-                <a:off x="1595327" y="3094820"/>
-                <a:ext cx="116827" cy="391478"/>
-              </a:xfrm>
-              <a:prstGeom prst="line">
-                <a:avLst/>
-              </a:prstGeom>
-              <a:ln w="12700">
-                <a:solidFill>
-                  <a:schemeClr val="tx1"/>
-                </a:solidFill>
-                <a:prstDash val="dash"/>
-                <a:headEnd type="triangle" w="med" len="med"/>
-                <a:tailEnd type="none" w="med" len="med"/>
-              </a:ln>
-            </p:spPr>
-            <p:style>
-              <a:lnRef idx="1">
-                <a:schemeClr val="accent1"/>
-              </a:lnRef>
-              <a:fillRef idx="0">
-                <a:schemeClr val="accent1"/>
-              </a:fillRef>
-              <a:effectRef idx="0">
-                <a:schemeClr val="accent1"/>
-              </a:effectRef>
-              <a:fontRef idx="minor">
-                <a:schemeClr val="tx1"/>
-              </a:fontRef>
-            </p:style>
-          </p:cxnSp>
-          <p:cxnSp>
-            <p:nvCxnSpPr>
-              <p:cNvPr id="71" name="Straight Connector 70"/>
-              <p:cNvCxnSpPr/>
-              <p:nvPr/>
-            </p:nvCxnSpPr>
-            <p:spPr>
-              <a:xfrm flipH="1">
-                <a:off x="1712155" y="3199595"/>
-                <a:ext cx="178705" cy="286703"/>
-              </a:xfrm>
-              <a:prstGeom prst="line">
-                <a:avLst/>
-              </a:prstGeom>
-              <a:ln w="12700">
-                <a:solidFill>
-                  <a:schemeClr val="tx1"/>
-                </a:solidFill>
-                <a:prstDash val="dash"/>
-                <a:headEnd type="triangle" w="med" len="med"/>
-                <a:tailEnd type="none" w="med" len="med"/>
-              </a:ln>
-            </p:spPr>
-            <p:style>
-              <a:lnRef idx="1">
-                <a:schemeClr val="accent1"/>
-              </a:lnRef>
-              <a:fillRef idx="0">
-                <a:schemeClr val="accent1"/>
-              </a:fillRef>
-              <a:effectRef idx="0">
-                <a:schemeClr val="accent1"/>
-              </a:effectRef>
-              <a:fontRef idx="minor">
-                <a:schemeClr val="tx1"/>
-              </a:fontRef>
-            </p:style>
-          </p:cxnSp>
-          <p:cxnSp>
-            <p:nvCxnSpPr>
-              <p:cNvPr id="74" name="Straight Connector 73"/>
-              <p:cNvCxnSpPr>
-                <a:stCxn id="7" idx="5"/>
-              </p:cNvCxnSpPr>
-              <p:nvPr/>
-            </p:nvCxnSpPr>
-            <p:spPr>
-              <a:xfrm flipH="1" flipV="1">
-                <a:off x="1890860" y="3199596"/>
-                <a:ext cx="161314" cy="261032"/>
-              </a:xfrm>
-              <a:prstGeom prst="line">
-                <a:avLst/>
-              </a:prstGeom>
-              <a:ln w="12700">
-                <a:solidFill>
-                  <a:schemeClr val="tx1"/>
-                </a:solidFill>
-                <a:prstDash val="dash"/>
-                <a:headEnd type="triangle" w="med" len="med"/>
-                <a:tailEnd type="none" w="med" len="med"/>
-              </a:ln>
-            </p:spPr>
-            <p:style>
-              <a:lnRef idx="1">
-                <a:schemeClr val="accent1"/>
-              </a:lnRef>
-              <a:fillRef idx="0">
-                <a:schemeClr val="accent1"/>
-              </a:fillRef>
-              <a:effectRef idx="0">
-                <a:schemeClr val="accent1"/>
-              </a:effectRef>
-              <a:fontRef idx="minor">
-                <a:schemeClr val="tx1"/>
-              </a:fontRef>
-            </p:style>
-          </p:cxnSp>
-          <p:sp>
-            <p:nvSpPr>
-              <p:cNvPr id="77" name="Oval 76"/>
-              <p:cNvSpPr>
-                <a:spLocks noChangeAspect="1"/>
-              </p:cNvSpPr>
-              <p:nvPr/>
-            </p:nvSpPr>
-            <p:spPr>
-              <a:xfrm rot="5400000">
-                <a:off x="2733403" y="2491912"/>
-                <a:ext cx="194229" cy="1676399"/>
-              </a:xfrm>
-              <a:prstGeom prst="ellipse">
-                <a:avLst/>
-              </a:prstGeom>
-              <a:noFill/>
-              <a:ln>
-                <a:solidFill>
-                  <a:schemeClr val="tx1"/>
-                </a:solidFill>
-              </a:ln>
-            </p:spPr>
-            <p:style>
-              <a:lnRef idx="2">
-                <a:schemeClr val="accent1">
-                  <a:shade val="50000"/>
-                </a:schemeClr>
-              </a:lnRef>
-              <a:fillRef idx="1">
-                <a:schemeClr val="accent1"/>
-              </a:fillRef>
-              <a:effectRef idx="0">
-                <a:schemeClr val="accent1"/>
-              </a:effectRef>
-              <a:fontRef idx="minor">
-                <a:schemeClr val="lt1"/>
-              </a:fontRef>
-            </p:style>
-            <p:txBody>
-              <a:bodyPr rtlCol="0" anchor="ctr"/>
-              <a:lstStyle/>
-              <a:p>
-                <a:pPr algn="ctr"/>
-                <a:endParaRPr lang="pt-BR"/>
-              </a:p>
-            </p:txBody>
-          </p:sp>
-          <p:cxnSp>
-            <p:nvCxnSpPr>
-              <p:cNvPr id="78" name="Straight Connector 77"/>
-              <p:cNvCxnSpPr>
-                <a:endCxn id="7" idx="5"/>
-              </p:cNvCxnSpPr>
-              <p:nvPr/>
-            </p:nvCxnSpPr>
-            <p:spPr>
-              <a:xfrm flipH="1">
-                <a:off x="2052174" y="3294072"/>
-                <a:ext cx="178706" cy="166556"/>
-              </a:xfrm>
-              <a:prstGeom prst="line">
-                <a:avLst/>
-              </a:prstGeom>
-              <a:ln w="12700">
-                <a:solidFill>
-                  <a:schemeClr val="tx1"/>
-                </a:solidFill>
-                <a:prstDash val="dash"/>
-                <a:headEnd type="triangle" w="med" len="med"/>
-                <a:tailEnd type="none" w="med" len="med"/>
-              </a:ln>
-            </p:spPr>
-            <p:style>
-              <a:lnRef idx="1">
-                <a:schemeClr val="accent1"/>
-              </a:lnRef>
-              <a:fillRef idx="0">
-                <a:schemeClr val="accent1"/>
-              </a:fillRef>
-              <a:effectRef idx="0">
-                <a:schemeClr val="accent1"/>
-              </a:effectRef>
-              <a:fontRef idx="minor">
-                <a:schemeClr val="tx1"/>
-              </a:fontRef>
-            </p:style>
-          </p:cxnSp>
-          <p:sp>
-            <p:nvSpPr>
-              <p:cNvPr id="81" name="Oval 80"/>
-              <p:cNvSpPr>
-                <a:spLocks noChangeAspect="1"/>
-              </p:cNvSpPr>
-              <p:nvPr/>
-            </p:nvSpPr>
-            <p:spPr>
-              <a:xfrm rot="5400000">
-                <a:off x="2811989" y="2702869"/>
-                <a:ext cx="104228" cy="1242870"/>
-              </a:xfrm>
-              <a:prstGeom prst="ellipse">
-                <a:avLst/>
-              </a:prstGeom>
-              <a:noFill/>
-              <a:ln>
-                <a:solidFill>
-                  <a:schemeClr val="tx1"/>
-                </a:solidFill>
-              </a:ln>
-            </p:spPr>
-            <p:style>
-              <a:lnRef idx="2">
-                <a:schemeClr val="accent1">
-                  <a:shade val="50000"/>
-                </a:schemeClr>
-              </a:lnRef>
-              <a:fillRef idx="1">
-                <a:schemeClr val="accent1"/>
-              </a:fillRef>
-              <a:effectRef idx="0">
-                <a:schemeClr val="accent1"/>
-              </a:effectRef>
-              <a:fontRef idx="minor">
-                <a:schemeClr val="lt1"/>
-              </a:fontRef>
-            </p:style>
-            <p:txBody>
-              <a:bodyPr rtlCol="0" anchor="ctr"/>
-              <a:lstStyle/>
-              <a:p>
-                <a:pPr algn="ctr"/>
-                <a:endParaRPr lang="pt-BR"/>
-              </a:p>
-            </p:txBody>
-          </p:sp>
-          <p:cxnSp>
-            <p:nvCxnSpPr>
-              <p:cNvPr id="82" name="Straight Connector 81"/>
-              <p:cNvCxnSpPr/>
-              <p:nvPr/>
-            </p:nvCxnSpPr>
-            <p:spPr>
-              <a:xfrm flipH="1" flipV="1">
-                <a:off x="2226329" y="3290561"/>
-                <a:ext cx="325194" cy="100501"/>
-              </a:xfrm>
-              <a:prstGeom prst="line">
-                <a:avLst/>
-              </a:prstGeom>
-              <a:ln w="12700">
-                <a:solidFill>
-                  <a:schemeClr val="tx1"/>
-                </a:solidFill>
-                <a:prstDash val="dash"/>
-                <a:headEnd type="triangle" w="med" len="med"/>
-                <a:tailEnd type="none" w="med" len="med"/>
-              </a:ln>
-            </p:spPr>
-            <p:style>
-              <a:lnRef idx="1">
-                <a:schemeClr val="accent1"/>
-              </a:lnRef>
-              <a:fillRef idx="0">
-                <a:schemeClr val="accent1"/>
-              </a:fillRef>
-              <a:effectRef idx="0">
-                <a:schemeClr val="accent1"/>
-              </a:effectRef>
-              <a:fontRef idx="minor">
-                <a:schemeClr val="tx1"/>
-              </a:fontRef>
-            </p:style>
-          </p:cxnSp>
-          <p:cxnSp>
-            <p:nvCxnSpPr>
-              <p:cNvPr id="91" name="Straight Connector 90"/>
-              <p:cNvCxnSpPr/>
-              <p:nvPr/>
-            </p:nvCxnSpPr>
-            <p:spPr>
-              <a:xfrm flipH="1">
-                <a:off x="2551523" y="3322418"/>
-                <a:ext cx="251184" cy="75092"/>
-              </a:xfrm>
-              <a:prstGeom prst="line">
-                <a:avLst/>
-              </a:prstGeom>
-              <a:ln w="12700">
-                <a:solidFill>
-                  <a:schemeClr val="tx1"/>
-                </a:solidFill>
-                <a:prstDash val="dash"/>
-                <a:headEnd type="triangle" w="med" len="med"/>
-                <a:tailEnd type="none" w="med" len="med"/>
-              </a:ln>
-            </p:spPr>
-            <p:style>
-              <a:lnRef idx="1">
-                <a:schemeClr val="accent1"/>
-              </a:lnRef>
-              <a:fillRef idx="0">
-                <a:schemeClr val="accent1"/>
-              </a:fillRef>
-              <a:effectRef idx="0">
-                <a:schemeClr val="accent1"/>
-              </a:effectRef>
-              <a:fontRef idx="minor">
-                <a:schemeClr val="tx1"/>
-              </a:fontRef>
-            </p:style>
-          </p:cxnSp>
-        </p:grpSp>
-      </p:grpSp>
-      <p:grpSp>
-        <p:nvGrpSpPr>
-          <p:cNvPr id="149" name="Group 148"/>
-          <p:cNvGrpSpPr/>
-          <p:nvPr/>
-        </p:nvGrpSpPr>
-        <p:grpSpPr>
-          <a:xfrm>
-            <a:off x="6546300" y="1715075"/>
-            <a:ext cx="4305533" cy="3007924"/>
-            <a:chOff x="6546300" y="1715075"/>
-            <a:chExt cx="4305533" cy="3007924"/>
-          </a:xfrm>
-        </p:grpSpPr>
-        <p:sp>
-          <p:nvSpPr>
-            <p:cNvPr id="99" name="Oval 98"/>
-            <p:cNvSpPr>
-              <a:spLocks/>
-            </p:cNvSpPr>
-            <p:nvPr/>
-          </p:nvSpPr>
-          <p:spPr>
-            <a:xfrm rot="5400000">
-              <a:off x="7757527" y="1508158"/>
-              <a:ext cx="1800000" cy="3600000"/>
-            </a:xfrm>
-            <a:prstGeom prst="ellipse">
-              <a:avLst/>
-            </a:prstGeom>
-            <a:noFill/>
-            <a:ln>
-              <a:solidFill>
-                <a:schemeClr val="tx1"/>
-              </a:solidFill>
-            </a:ln>
-          </p:spPr>
-          <p:style>
-            <a:lnRef idx="2">
-              <a:schemeClr val="accent1">
-                <a:shade val="50000"/>
-              </a:schemeClr>
-            </a:lnRef>
-            <a:fillRef idx="1">
-              <a:schemeClr val="accent1"/>
-            </a:fillRef>
-            <a:effectRef idx="0">
-              <a:schemeClr val="accent1"/>
-            </a:effectRef>
-            <a:fontRef idx="minor">
-              <a:schemeClr val="lt1"/>
-            </a:fontRef>
-          </p:style>
-          <p:txBody>
-            <a:bodyPr rtlCol="0" anchor="ctr"/>
-            <a:lstStyle/>
-            <a:p>
-              <a:pPr algn="ctr"/>
-              <a:endParaRPr lang="pt-BR"/>
-            </a:p>
-          </p:txBody>
-        </p:sp>
-        <p:sp>
-          <p:nvSpPr>
-            <p:cNvPr id="100" name="Oval 99"/>
-            <p:cNvSpPr/>
-            <p:nvPr/>
-          </p:nvSpPr>
-          <p:spPr>
-            <a:xfrm rot="5400000">
-              <a:off x="8118821" y="1868158"/>
-              <a:ext cx="1080000" cy="2880000"/>
-            </a:xfrm>
-            <a:prstGeom prst="ellipse">
-              <a:avLst/>
-            </a:prstGeom>
-            <a:noFill/>
-            <a:ln>
-              <a:solidFill>
-                <a:schemeClr val="tx1"/>
-              </a:solidFill>
-            </a:ln>
-          </p:spPr>
-          <p:style>
-            <a:lnRef idx="2">
-              <a:schemeClr val="accent1">
-                <a:shade val="50000"/>
-              </a:schemeClr>
-            </a:lnRef>
-            <a:fillRef idx="1">
-              <a:schemeClr val="accent1"/>
-            </a:fillRef>
-            <a:effectRef idx="0">
-              <a:schemeClr val="accent1"/>
-            </a:effectRef>
-            <a:fontRef idx="minor">
-              <a:schemeClr val="lt1"/>
-            </a:fontRef>
-          </p:style>
-          <p:txBody>
-            <a:bodyPr rtlCol="0" anchor="ctr"/>
-            <a:lstStyle/>
-            <a:p>
-              <a:pPr algn="ctr"/>
-              <a:endParaRPr lang="pt-BR"/>
-            </a:p>
-          </p:txBody>
-        </p:sp>
-        <p:sp>
-          <p:nvSpPr>
-            <p:cNvPr id="101" name="Oval 100"/>
-            <p:cNvSpPr/>
-            <p:nvPr/>
-          </p:nvSpPr>
-          <p:spPr>
-            <a:xfrm rot="5400000">
-              <a:off x="8478821" y="2228158"/>
-              <a:ext cx="360000" cy="2160000"/>
-            </a:xfrm>
-            <a:prstGeom prst="ellipse">
-              <a:avLst/>
-            </a:prstGeom>
-            <a:noFill/>
-            <a:ln>
-              <a:solidFill>
-                <a:schemeClr val="tx1"/>
-              </a:solidFill>
-            </a:ln>
-          </p:spPr>
-          <p:style>
-            <a:lnRef idx="2">
-              <a:schemeClr val="accent1">
-                <a:shade val="50000"/>
-              </a:schemeClr>
-            </a:lnRef>
-            <a:fillRef idx="1">
-              <a:schemeClr val="accent1"/>
-            </a:fillRef>
-            <a:effectRef idx="0">
-              <a:schemeClr val="accent1"/>
-            </a:effectRef>
-            <a:fontRef idx="minor">
-              <a:schemeClr val="lt1"/>
-            </a:fontRef>
-          </p:style>
-          <p:txBody>
-            <a:bodyPr rtlCol="0" anchor="ctr"/>
-            <a:lstStyle/>
-            <a:p>
-              <a:pPr algn="ctr"/>
-              <a:endParaRPr lang="pt-BR"/>
-            </a:p>
-          </p:txBody>
-        </p:sp>
-        <p:sp>
-          <p:nvSpPr>
-            <p:cNvPr id="102" name="Oval 101"/>
-            <p:cNvSpPr/>
-            <p:nvPr/>
-          </p:nvSpPr>
-          <p:spPr>
-            <a:xfrm rot="5400000">
-              <a:off x="8298821" y="2048158"/>
-              <a:ext cx="720000" cy="2520000"/>
-            </a:xfrm>
-            <a:prstGeom prst="ellipse">
-              <a:avLst/>
-            </a:prstGeom>
-            <a:noFill/>
-            <a:ln>
-              <a:solidFill>
-                <a:schemeClr val="tx1"/>
-              </a:solidFill>
-            </a:ln>
-          </p:spPr>
-          <p:style>
-            <a:lnRef idx="2">
-              <a:schemeClr val="accent1">
-                <a:shade val="50000"/>
-              </a:schemeClr>
-            </a:lnRef>
-            <a:fillRef idx="1">
-              <a:schemeClr val="accent1"/>
-            </a:fillRef>
-            <a:effectRef idx="0">
-              <a:schemeClr val="accent1"/>
-            </a:effectRef>
-            <a:fontRef idx="minor">
-              <a:schemeClr val="lt1"/>
-            </a:fontRef>
-          </p:style>
-          <p:txBody>
-            <a:bodyPr rtlCol="0" anchor="ctr"/>
-            <a:lstStyle/>
-            <a:p>
-              <a:pPr algn="ctr"/>
-              <a:endParaRPr lang="pt-BR"/>
-            </a:p>
-          </p:txBody>
-        </p:sp>
-        <p:sp>
-          <p:nvSpPr>
-            <p:cNvPr id="103" name="Oval 102"/>
-            <p:cNvSpPr/>
-            <p:nvPr/>
-          </p:nvSpPr>
-          <p:spPr>
-            <a:xfrm rot="5400000">
-              <a:off x="7938821" y="1688158"/>
-              <a:ext cx="1440000" cy="3240000"/>
-            </a:xfrm>
-            <a:prstGeom prst="ellipse">
-              <a:avLst/>
-            </a:prstGeom>
-            <a:noFill/>
-            <a:ln>
-              <a:solidFill>
-                <a:schemeClr val="tx1"/>
-              </a:solidFill>
-            </a:ln>
-          </p:spPr>
-          <p:style>
-            <a:lnRef idx="2">
-              <a:schemeClr val="accent1">
-                <a:shade val="50000"/>
-              </a:schemeClr>
-            </a:lnRef>
-            <a:fillRef idx="1">
-              <a:schemeClr val="accent1"/>
-            </a:fillRef>
-            <a:effectRef idx="0">
-              <a:schemeClr val="accent1"/>
-            </a:effectRef>
-            <a:fontRef idx="minor">
-              <a:schemeClr val="lt1"/>
-            </a:fontRef>
-          </p:style>
-          <p:txBody>
-            <a:bodyPr rtlCol="0" anchor="ctr"/>
-            <a:lstStyle/>
-            <a:p>
-              <a:pPr algn="ctr"/>
-              <a:endParaRPr lang="pt-BR"/>
-            </a:p>
-          </p:txBody>
-        </p:sp>
-        <p:sp>
-          <p:nvSpPr>
-            <p:cNvPr id="104" name="Oval 103"/>
-            <p:cNvSpPr>
-              <a:spLocks/>
-            </p:cNvSpPr>
-            <p:nvPr/>
-          </p:nvSpPr>
-          <p:spPr>
-            <a:xfrm rot="5400000">
-              <a:off x="7578821" y="1328158"/>
-              <a:ext cx="2160000" cy="3960000"/>
-            </a:xfrm>
-            <a:prstGeom prst="ellipse">
-              <a:avLst/>
-            </a:prstGeom>
-            <a:noFill/>
-            <a:ln>
-              <a:solidFill>
-                <a:schemeClr val="tx1"/>
-              </a:solidFill>
-            </a:ln>
-          </p:spPr>
-          <p:style>
-            <a:lnRef idx="2">
-              <a:schemeClr val="accent1">
-                <a:shade val="50000"/>
-              </a:schemeClr>
-            </a:lnRef>
-            <a:fillRef idx="1">
-              <a:schemeClr val="accent1"/>
-            </a:fillRef>
-            <a:effectRef idx="0">
-              <a:schemeClr val="accent1"/>
-            </a:effectRef>
-            <a:fontRef idx="minor">
-              <a:schemeClr val="lt1"/>
-            </a:fontRef>
-          </p:style>
-          <p:txBody>
-            <a:bodyPr rtlCol="0" anchor="ctr"/>
-            <a:lstStyle/>
-            <a:p>
-              <a:pPr algn="ctr"/>
-              <a:endParaRPr lang="pt-BR"/>
-            </a:p>
-          </p:txBody>
-        </p:sp>
-        <p:cxnSp>
-          <p:nvCxnSpPr>
-            <p:cNvPr id="105" name="Straight Connector 104"/>
-            <p:cNvCxnSpPr/>
-            <p:nvPr/>
-          </p:nvCxnSpPr>
-          <p:spPr>
-            <a:xfrm flipH="1" flipV="1">
-              <a:off x="6725007" y="2588160"/>
-              <a:ext cx="126728" cy="1079998"/>
-            </a:xfrm>
-            <a:prstGeom prst="line">
-              <a:avLst/>
-            </a:prstGeom>
-            <a:ln w="12700">
-              <a:solidFill>
-                <a:schemeClr val="accent5"/>
-              </a:solidFill>
-              <a:prstDash val="solid"/>
-              <a:headEnd type="triangle" w="med" len="med"/>
-              <a:tailEnd type="none" w="med" len="med"/>
-            </a:ln>
-          </p:spPr>
-          <p:style>
-            <a:lnRef idx="1">
-              <a:schemeClr val="accent1"/>
-            </a:lnRef>
-            <a:fillRef idx="0">
-              <a:schemeClr val="accent1"/>
-            </a:fillRef>
-            <a:effectRef idx="0">
-              <a:schemeClr val="accent1"/>
-            </a:effectRef>
-            <a:fontRef idx="minor">
-              <a:schemeClr val="tx1"/>
-            </a:fontRef>
-          </p:style>
-        </p:cxnSp>
-        <p:sp>
-          <p:nvSpPr>
-            <p:cNvPr id="106" name="Multiply 105"/>
-            <p:cNvSpPr>
-              <a:spLocks noChangeAspect="1"/>
-            </p:cNvSpPr>
-            <p:nvPr/>
-          </p:nvSpPr>
-          <p:spPr>
-            <a:xfrm rot="5400000">
-              <a:off x="8610393" y="3244561"/>
-              <a:ext cx="108000" cy="122807"/>
-            </a:xfrm>
-            <a:prstGeom prst="mathMultiply">
-              <a:avLst/>
-            </a:prstGeom>
-            <a:solidFill>
-              <a:srgbClr val="FF0000"/>
-            </a:solidFill>
-            <a:ln w="3175">
-              <a:solidFill>
-                <a:schemeClr val="tx1"/>
-              </a:solidFill>
-            </a:ln>
-          </p:spPr>
-          <p:style>
-            <a:lnRef idx="2">
-              <a:schemeClr val="accent1">
-                <a:shade val="50000"/>
-              </a:schemeClr>
-            </a:lnRef>
-            <a:fillRef idx="1">
-              <a:schemeClr val="accent1"/>
-            </a:fillRef>
-            <a:effectRef idx="0">
-              <a:schemeClr val="accent1"/>
-            </a:effectRef>
-            <a:fontRef idx="minor">
-              <a:schemeClr val="lt1"/>
-            </a:fontRef>
-          </p:style>
-          <p:txBody>
-            <a:bodyPr rtlCol="0" anchor="ctr"/>
-            <a:lstStyle/>
-            <a:p>
-              <a:pPr algn="ctr"/>
-              <a:endParaRPr lang="pt-BR"/>
-            </a:p>
-          </p:txBody>
-        </p:sp>
-        <p:cxnSp>
-          <p:nvCxnSpPr>
-            <p:cNvPr id="107" name="Straight Arrow Connector 106"/>
-            <p:cNvCxnSpPr/>
-            <p:nvPr/>
-          </p:nvCxnSpPr>
-          <p:spPr>
-            <a:xfrm rot="5400000">
-              <a:off x="8707075" y="2580999"/>
-              <a:ext cx="0" cy="4284000"/>
-            </a:xfrm>
-            <a:prstGeom prst="straightConnector1">
-              <a:avLst/>
-            </a:prstGeom>
-            <a:ln w="19050">
-              <a:solidFill>
-                <a:schemeClr val="tx1"/>
-              </a:solidFill>
-              <a:headEnd type="triangle" w="med" len="med"/>
-              <a:tailEnd type="none" w="med" len="med"/>
-            </a:ln>
-          </p:spPr>
-          <p:style>
-            <a:lnRef idx="1">
-              <a:schemeClr val="accent1"/>
-            </a:lnRef>
-            <a:fillRef idx="0">
-              <a:schemeClr val="accent1"/>
-            </a:fillRef>
-            <a:effectRef idx="0">
-              <a:schemeClr val="accent1"/>
-            </a:effectRef>
-            <a:fontRef idx="minor">
-              <a:schemeClr val="tx1"/>
-            </a:fontRef>
-          </p:style>
-        </p:cxnSp>
-        <p:cxnSp>
-          <p:nvCxnSpPr>
-            <p:cNvPr id="108" name="Straight Arrow Connector 107"/>
-            <p:cNvCxnSpPr/>
-            <p:nvPr/>
-          </p:nvCxnSpPr>
-          <p:spPr>
-            <a:xfrm rot="10800000">
-              <a:off x="6546300" y="1770999"/>
-              <a:ext cx="0" cy="2952000"/>
-            </a:xfrm>
-            <a:prstGeom prst="straightConnector1">
-              <a:avLst/>
-            </a:prstGeom>
-            <a:ln w="19050">
-              <a:solidFill>
-                <a:schemeClr val="tx1"/>
-              </a:solidFill>
-              <a:headEnd type="none" w="med" len="med"/>
-              <a:tailEnd type="triangle" w="med" len="med"/>
-            </a:ln>
-          </p:spPr>
-          <p:style>
-            <a:lnRef idx="1">
-              <a:schemeClr val="accent1"/>
-            </a:lnRef>
-            <a:fillRef idx="0">
-              <a:schemeClr val="accent1"/>
-            </a:fillRef>
-            <a:effectRef idx="0">
-              <a:schemeClr val="accent1"/>
-            </a:effectRef>
-            <a:fontRef idx="minor">
-              <a:schemeClr val="tx1"/>
-            </a:fontRef>
-          </p:style>
-        </p:cxnSp>
-        <mc:AlternateContent xmlns:mc="http://schemas.openxmlformats.org/markup-compatibility/2006" xmlns:a14="http://schemas.microsoft.com/office/drawing/2010/main">
-          <mc:Choice Requires="a14">
-            <p:sp>
-              <p:nvSpPr>
-                <p:cNvPr id="109" name="TextBox 108"/>
-                <p:cNvSpPr txBox="1"/>
-                <p:nvPr/>
-              </p:nvSpPr>
-              <p:spPr>
-                <a:xfrm>
-                  <a:off x="6575357" y="1715075"/>
-                  <a:ext cx="426028" cy="400110"/>
-                </a:xfrm>
-                <a:prstGeom prst="rect">
-                  <a:avLst/>
-                </a:prstGeom>
-                <a:noFill/>
-              </p:spPr>
-              <p:txBody>
-                <a:bodyPr wrap="square" rtlCol="0">
-                  <a:spAutoFit/>
-                </a:bodyPr>
-                <a:lstStyle/>
-                <a:p>
-                  <a:pPr/>
-                  <a14:m>
-                    <m:oMathPara xmlns:m="http://schemas.openxmlformats.org/officeDocument/2006/math">
-                      <m:oMathParaPr>
-                        <m:jc m:val="centerGroup"/>
-                      </m:oMathParaPr>
-                      <m:oMath xmlns:m="http://schemas.openxmlformats.org/officeDocument/2006/math">
-                        <m:sSub>
-                          <m:sSubPr>
-                            <m:ctrlPr>
-                              <a:rPr lang="pt-BR" sz="2000" i="1" smtClean="0">
-                                <a:latin typeface="Cambria Math" panose="02040503050406030204" pitchFamily="18" charset="0"/>
-                              </a:rPr>
-                            </m:ctrlPr>
-                          </m:sSubPr>
-                          <m:e>
-                            <m:r>
-                              <a:rPr lang="pt-BR" sz="2000" b="0" i="1" smtClean="0">
-                                <a:latin typeface="Cambria Math" panose="02040503050406030204" pitchFamily="18" charset="0"/>
-                              </a:rPr>
-                              <m:t>𝑎</m:t>
-                            </m:r>
-                          </m:e>
-                          <m:sub>
-                            <m:r>
-                              <a:rPr lang="pt-BR" sz="2000" b="0" i="1" smtClean="0">
-                                <a:latin typeface="Cambria Math" panose="02040503050406030204" pitchFamily="18" charset="0"/>
-                              </a:rPr>
-                              <m:t>2</m:t>
-                            </m:r>
-                          </m:sub>
-                        </m:sSub>
-                      </m:oMath>
-                    </m:oMathPara>
-                  </a14:m>
-                  <a:endParaRPr lang="pt-BR" sz="2000" dirty="0"/>
-                </a:p>
-              </p:txBody>
-            </p:sp>
-          </mc:Choice>
-          <mc:Fallback xmlns="">
-            <p:sp>
-              <p:nvSpPr>
-                <p:cNvPr id="109" name="TextBox 108"/>
-                <p:cNvSpPr txBox="1">
-                  <a:spLocks noRot="1" noChangeAspect="1" noMove="1" noResize="1" noEditPoints="1" noAdjustHandles="1" noChangeArrowheads="1" noChangeShapeType="1" noTextEdit="1"/>
-                </p:cNvSpPr>
-                <p:nvPr/>
-              </p:nvSpPr>
-              <p:spPr>
-                <a:xfrm>
-                  <a:off x="6575357" y="1715075"/>
-                  <a:ext cx="426028" cy="400110"/>
-                </a:xfrm>
-                <a:prstGeom prst="rect">
-                  <a:avLst/>
-                </a:prstGeom>
-                <a:blipFill rotWithShape="0">
-                  <a:blip r:embed="rId4"/>
-                  <a:stretch>
-                    <a:fillRect/>
-                  </a:stretch>
-                </a:blipFill>
-              </p:spPr>
-              <p:txBody>
-                <a:bodyPr/>
-                <a:lstStyle/>
-                <a:p>
-                  <a:r>
-                    <a:rPr lang="pt-BR">
-                      <a:noFill/>
-                    </a:rPr>
-                    <a:t> </a:t>
-                  </a:r>
-                </a:p>
-              </p:txBody>
-            </p:sp>
-          </mc:Fallback>
-        </mc:AlternateContent>
-        <mc:AlternateContent xmlns:mc="http://schemas.openxmlformats.org/markup-compatibility/2006" xmlns:a14="http://schemas.microsoft.com/office/drawing/2010/main">
-          <mc:Choice Requires="a14">
-            <p:sp>
-              <p:nvSpPr>
-                <p:cNvPr id="110" name="TextBox 109"/>
-                <p:cNvSpPr txBox="1"/>
-                <p:nvPr/>
-              </p:nvSpPr>
-              <p:spPr>
-                <a:xfrm>
-                  <a:off x="10425805" y="4322889"/>
-                  <a:ext cx="426028" cy="400110"/>
-                </a:xfrm>
-                <a:prstGeom prst="rect">
-                  <a:avLst/>
-                </a:prstGeom>
-                <a:noFill/>
-              </p:spPr>
-              <p:txBody>
-                <a:bodyPr wrap="square" rtlCol="0">
-                  <a:spAutoFit/>
-                </a:bodyPr>
-                <a:lstStyle/>
-                <a:p>
-                  <a:pPr/>
-                  <a14:m>
-                    <m:oMathPara xmlns:m="http://schemas.openxmlformats.org/officeDocument/2006/math">
-                      <m:oMathParaPr>
-                        <m:jc m:val="centerGroup"/>
-                      </m:oMathParaPr>
-                      <m:oMath xmlns:m="http://schemas.openxmlformats.org/officeDocument/2006/math">
-                        <m:sSub>
-                          <m:sSubPr>
-                            <m:ctrlPr>
-                              <a:rPr lang="pt-BR" sz="2000" i="1" smtClean="0">
-                                <a:latin typeface="Cambria Math" panose="02040503050406030204" pitchFamily="18" charset="0"/>
-                              </a:rPr>
-                            </m:ctrlPr>
-                          </m:sSubPr>
-                          <m:e>
-                            <m:r>
-                              <a:rPr lang="pt-BR" sz="2000" b="0" i="1" smtClean="0">
-                                <a:latin typeface="Cambria Math" panose="02040503050406030204" pitchFamily="18" charset="0"/>
-                              </a:rPr>
-                              <m:t>𝑎</m:t>
-                            </m:r>
-                          </m:e>
-                          <m:sub>
-                            <m:r>
-                              <a:rPr lang="pt-BR" sz="2000" b="0" i="1" smtClean="0">
-                                <a:latin typeface="Cambria Math" panose="02040503050406030204" pitchFamily="18" charset="0"/>
-                              </a:rPr>
-                              <m:t>1</m:t>
-                            </m:r>
-                          </m:sub>
-                        </m:sSub>
-                      </m:oMath>
-                    </m:oMathPara>
-                  </a14:m>
-                  <a:endParaRPr lang="pt-BR" sz="2000" dirty="0"/>
-                </a:p>
-              </p:txBody>
-            </p:sp>
-          </mc:Choice>
-          <mc:Fallback xmlns="">
-            <p:sp>
-              <p:nvSpPr>
-                <p:cNvPr id="110" name="TextBox 109"/>
-                <p:cNvSpPr txBox="1">
-                  <a:spLocks noRot="1" noChangeAspect="1" noMove="1" noResize="1" noEditPoints="1" noAdjustHandles="1" noChangeArrowheads="1" noChangeShapeType="1" noTextEdit="1"/>
-                </p:cNvSpPr>
-                <p:nvPr/>
-              </p:nvSpPr>
-              <p:spPr>
-                <a:xfrm>
-                  <a:off x="10425805" y="4322889"/>
-                  <a:ext cx="426028" cy="400110"/>
-                </a:xfrm>
-                <a:prstGeom prst="rect">
-                  <a:avLst/>
-                </a:prstGeom>
-                <a:blipFill rotWithShape="0">
-                  <a:blip r:embed="rId5"/>
-                  <a:stretch>
-                    <a:fillRect/>
-                  </a:stretch>
-                </a:blipFill>
-              </p:spPr>
-              <p:txBody>
-                <a:bodyPr/>
-                <a:lstStyle/>
-                <a:p>
-                  <a:r>
-                    <a:rPr lang="pt-BR">
-                      <a:noFill/>
-                    </a:rPr>
-                    <a:t> </a:t>
-                  </a:r>
-                </a:p>
-              </p:txBody>
-            </p:sp>
-          </mc:Fallback>
-        </mc:AlternateContent>
-        <p:sp>
-          <p:nvSpPr>
-            <p:cNvPr id="117" name="Oval 116"/>
-            <p:cNvSpPr>
-              <a:spLocks noChangeAspect="1"/>
-            </p:cNvSpPr>
-            <p:nvPr/>
-          </p:nvSpPr>
-          <p:spPr>
-            <a:xfrm rot="5400000">
-              <a:off x="8576375" y="2466721"/>
-              <a:ext cx="194229" cy="1676399"/>
-            </a:xfrm>
-            <a:prstGeom prst="ellipse">
-              <a:avLst/>
-            </a:prstGeom>
-            <a:noFill/>
-            <a:ln>
-              <a:solidFill>
-                <a:schemeClr val="tx1"/>
-              </a:solidFill>
-            </a:ln>
-          </p:spPr>
-          <p:style>
-            <a:lnRef idx="2">
-              <a:schemeClr val="accent1">
-                <a:shade val="50000"/>
-              </a:schemeClr>
-            </a:lnRef>
-            <a:fillRef idx="1">
-              <a:schemeClr val="accent1"/>
-            </a:fillRef>
-            <a:effectRef idx="0">
-              <a:schemeClr val="accent1"/>
-            </a:effectRef>
-            <a:fontRef idx="minor">
-              <a:schemeClr val="lt1"/>
-            </a:fontRef>
-          </p:style>
-          <p:txBody>
-            <a:bodyPr rtlCol="0" anchor="ctr"/>
-            <a:lstStyle/>
-            <a:p>
-              <a:pPr algn="ctr"/>
-              <a:endParaRPr lang="pt-BR"/>
-            </a:p>
-          </p:txBody>
-        </p:sp>
-        <p:sp>
-          <p:nvSpPr>
-            <p:cNvPr id="119" name="Oval 118"/>
-            <p:cNvSpPr>
-              <a:spLocks noChangeAspect="1"/>
-            </p:cNvSpPr>
-            <p:nvPr/>
-          </p:nvSpPr>
-          <p:spPr>
-            <a:xfrm rot="5400000">
-              <a:off x="8654961" y="2677678"/>
-              <a:ext cx="104228" cy="1242870"/>
-            </a:xfrm>
-            <a:prstGeom prst="ellipse">
-              <a:avLst/>
-            </a:prstGeom>
-            <a:noFill/>
-            <a:ln>
-              <a:solidFill>
-                <a:schemeClr val="tx1"/>
-              </a:solidFill>
-            </a:ln>
-          </p:spPr>
-          <p:style>
-            <a:lnRef idx="2">
-              <a:schemeClr val="accent1">
-                <a:shade val="50000"/>
-              </a:schemeClr>
-            </a:lnRef>
-            <a:fillRef idx="1">
-              <a:schemeClr val="accent1"/>
-            </a:fillRef>
-            <a:effectRef idx="0">
-              <a:schemeClr val="accent1"/>
-            </a:effectRef>
-            <a:fontRef idx="minor">
-              <a:schemeClr val="lt1"/>
-            </a:fontRef>
-          </p:style>
-          <p:txBody>
-            <a:bodyPr rtlCol="0" anchor="ctr"/>
-            <a:lstStyle/>
-            <a:p>
-              <a:pPr algn="ctr"/>
-              <a:endParaRPr lang="pt-BR"/>
-            </a:p>
-          </p:txBody>
-        </p:sp>
-        <p:cxnSp>
-          <p:nvCxnSpPr>
-            <p:cNvPr id="124" name="Straight Connector 123"/>
-            <p:cNvCxnSpPr/>
-            <p:nvPr/>
-          </p:nvCxnSpPr>
-          <p:spPr>
-            <a:xfrm flipH="1">
-              <a:off x="6858633" y="3322418"/>
-              <a:ext cx="262864" cy="345740"/>
-            </a:xfrm>
-            <a:prstGeom prst="line">
-              <a:avLst/>
-            </a:prstGeom>
-            <a:ln w="12700">
-              <a:solidFill>
-                <a:schemeClr val="accent5"/>
-              </a:solidFill>
-              <a:prstDash val="solid"/>
-              <a:headEnd type="triangle" w="med" len="med"/>
-              <a:tailEnd type="none" w="med" len="med"/>
-            </a:ln>
-          </p:spPr>
-          <p:style>
-            <a:lnRef idx="1">
-              <a:schemeClr val="accent1"/>
-            </a:lnRef>
-            <a:fillRef idx="0">
-              <a:schemeClr val="accent1"/>
-            </a:fillRef>
-            <a:effectRef idx="0">
-              <a:schemeClr val="accent1"/>
-            </a:effectRef>
-            <a:fontRef idx="minor">
-              <a:schemeClr val="tx1"/>
-            </a:fontRef>
-          </p:style>
-        </p:cxnSp>
-        <p:cxnSp>
-          <p:nvCxnSpPr>
-            <p:cNvPr id="128" name="Straight Connector 127"/>
-            <p:cNvCxnSpPr/>
-            <p:nvPr/>
-          </p:nvCxnSpPr>
-          <p:spPr>
-            <a:xfrm flipH="1" flipV="1">
-              <a:off x="7121498" y="3322418"/>
-              <a:ext cx="401988" cy="138210"/>
-            </a:xfrm>
-            <a:prstGeom prst="line">
-              <a:avLst/>
-            </a:prstGeom>
-            <a:ln w="12700">
-              <a:solidFill>
-                <a:schemeClr val="accent5"/>
-              </a:solidFill>
-              <a:prstDash val="solid"/>
-              <a:headEnd type="triangle" w="med" len="med"/>
-              <a:tailEnd type="none" w="med" len="med"/>
-            </a:ln>
-          </p:spPr>
-          <p:style>
-            <a:lnRef idx="1">
-              <a:schemeClr val="accent1"/>
-            </a:lnRef>
-            <a:fillRef idx="0">
-              <a:schemeClr val="accent1"/>
-            </a:fillRef>
-            <a:effectRef idx="0">
-              <a:schemeClr val="accent1"/>
-            </a:effectRef>
-            <a:fontRef idx="minor">
-              <a:schemeClr val="tx1"/>
-            </a:fontRef>
-          </p:style>
-        </p:cxnSp>
-        <p:cxnSp>
-          <p:nvCxnSpPr>
-            <p:cNvPr id="131" name="Straight Connector 130"/>
-            <p:cNvCxnSpPr>
-              <a:stCxn id="117" idx="4"/>
-            </p:cNvCxnSpPr>
-            <p:nvPr/>
-          </p:nvCxnSpPr>
-          <p:spPr>
-            <a:xfrm flipH="1">
-              <a:off x="7525721" y="3304921"/>
-              <a:ext cx="309569" cy="152442"/>
-            </a:xfrm>
-            <a:prstGeom prst="line">
-              <a:avLst/>
-            </a:prstGeom>
-            <a:ln w="12700">
-              <a:solidFill>
-                <a:schemeClr val="accent5"/>
-              </a:solidFill>
-              <a:prstDash val="solid"/>
-              <a:headEnd type="triangle" w="med" len="med"/>
-              <a:tailEnd type="none" w="med" len="med"/>
-            </a:ln>
-          </p:spPr>
-          <p:style>
-            <a:lnRef idx="1">
-              <a:schemeClr val="accent1"/>
-            </a:lnRef>
-            <a:fillRef idx="0">
-              <a:schemeClr val="accent1"/>
-            </a:fillRef>
-            <a:effectRef idx="0">
-              <a:schemeClr val="accent1"/>
-            </a:effectRef>
-            <a:fontRef idx="minor">
-              <a:schemeClr val="tx1"/>
-            </a:fontRef>
-          </p:style>
-        </p:cxnSp>
-        <p:cxnSp>
-          <p:nvCxnSpPr>
-            <p:cNvPr id="137" name="Straight Connector 136"/>
-            <p:cNvCxnSpPr>
-              <a:stCxn id="117" idx="5"/>
-              <a:endCxn id="117" idx="4"/>
-            </p:cNvCxnSpPr>
-            <p:nvPr/>
-          </p:nvCxnSpPr>
-          <p:spPr>
-            <a:xfrm flipH="1" flipV="1">
-              <a:off x="7835290" y="3304921"/>
-              <a:ext cx="245503" cy="68670"/>
-            </a:xfrm>
-            <a:prstGeom prst="line">
-              <a:avLst/>
-            </a:prstGeom>
-            <a:ln w="12700">
-              <a:solidFill>
-                <a:schemeClr val="accent5"/>
-              </a:solidFill>
-              <a:prstDash val="solid"/>
-              <a:headEnd type="triangle" w="med" len="med"/>
-              <a:tailEnd type="none" w="med" len="med"/>
-            </a:ln>
-          </p:spPr>
-          <p:style>
-            <a:lnRef idx="1">
-              <a:schemeClr val="accent1"/>
-            </a:lnRef>
-            <a:fillRef idx="0">
-              <a:schemeClr val="accent1"/>
-            </a:fillRef>
-            <a:effectRef idx="0">
-              <a:schemeClr val="accent1"/>
-            </a:effectRef>
-            <a:fontRef idx="minor">
-              <a:schemeClr val="tx1"/>
-            </a:fontRef>
-          </p:style>
-        </p:cxnSp>
-        <p:cxnSp>
-          <p:nvCxnSpPr>
-            <p:cNvPr id="140" name="Straight Connector 139"/>
-            <p:cNvCxnSpPr>
-              <a:endCxn id="117" idx="5"/>
-            </p:cNvCxnSpPr>
-            <p:nvPr/>
-          </p:nvCxnSpPr>
-          <p:spPr>
-            <a:xfrm flipH="1">
-              <a:off x="8080793" y="3300431"/>
-              <a:ext cx="308855" cy="73160"/>
-            </a:xfrm>
-            <a:prstGeom prst="line">
-              <a:avLst/>
-            </a:prstGeom>
-            <a:ln w="12700">
-              <a:solidFill>
-                <a:schemeClr val="accent5"/>
-              </a:solidFill>
-              <a:prstDash val="solid"/>
-              <a:headEnd type="triangle" w="med" len="med"/>
-              <a:tailEnd type="none" w="med" len="med"/>
-            </a:ln>
-          </p:spPr>
-          <p:style>
-            <a:lnRef idx="1">
-              <a:schemeClr val="accent1"/>
-            </a:lnRef>
-            <a:fillRef idx="0">
-              <a:schemeClr val="accent1"/>
-            </a:fillRef>
-            <a:effectRef idx="0">
-              <a:schemeClr val="accent1"/>
-            </a:effectRef>
-            <a:fontRef idx="minor">
-              <a:schemeClr val="tx1"/>
-            </a:fontRef>
-          </p:style>
-        </p:cxnSp>
-        <p:cxnSp>
-          <p:nvCxnSpPr>
-            <p:cNvPr id="143" name="Straight Connector 142"/>
-            <p:cNvCxnSpPr/>
-            <p:nvPr/>
-          </p:nvCxnSpPr>
-          <p:spPr>
-            <a:xfrm flipH="1" flipV="1">
-              <a:off x="8387173" y="3301525"/>
-              <a:ext cx="247978" cy="6633"/>
-            </a:xfrm>
-            <a:prstGeom prst="line">
-              <a:avLst/>
-            </a:prstGeom>
-            <a:ln w="12700">
-              <a:solidFill>
-                <a:schemeClr val="accent5"/>
-              </a:solidFill>
-              <a:prstDash val="solid"/>
-              <a:headEnd type="triangle" w="med" len="med"/>
-              <a:tailEnd type="none" w="med" len="med"/>
-            </a:ln>
-          </p:spPr>
-          <p:style>
-            <a:lnRef idx="1">
-              <a:schemeClr val="accent1"/>
-            </a:lnRef>
-            <a:fillRef idx="0">
-              <a:schemeClr val="accent1"/>
-            </a:fillRef>
-            <a:effectRef idx="0">
-              <a:schemeClr val="accent1"/>
-            </a:effectRef>
-            <a:fontRef idx="minor">
-              <a:schemeClr val="tx1"/>
-            </a:fontRef>
-          </p:style>
-        </p:cxnSp>
-      </p:grpSp>
-    </p:spTree>
-    <p:extLst>
-      <p:ext uri="{BB962C8B-B14F-4D97-AF65-F5344CB8AC3E}">
-        <p14:creationId xmlns:p14="http://schemas.microsoft.com/office/powerpoint/2010/main" val="2712729368"/>
-      </p:ext>
-    </p:extLst>
-  </p:cSld>
-  <p:clrMapOvr>
-    <a:masterClrMapping/>
-  </p:clrMapOvr>
-  <p:timing>
-    <p:tnLst>
-      <p:par>
-        <p:cTn id="1" dur="indefinite" restart="never" nodeType="tmRoot"/>
-      </p:par>
-    </p:tnLst>
-  </p:timing>
-</p:sld>
-</file>
-
 <file path=ppt/slides/slide2.xml><?xml version="1.0" encoding="utf-8"?>
 <p:sld xmlns:a="http://schemas.openxmlformats.org/drawingml/2006/main" xmlns:r="http://schemas.openxmlformats.org/officeDocument/2006/relationships" xmlns:p="http://schemas.openxmlformats.org/presentationml/2006/main">
   <p:cSld>
@@ -14917,7 +7216,15 @@
           <a:p>
             <a:r>
               <a:rPr lang="pt-BR" dirty="0" smtClean="0"/>
-              <a:t>Além do ajuste manual, quando usamos GDE ou GD em mini-batches, precisamos reduzir o valor do passo de aprendizagem ao longo das iterações para garantir a convergência e estabilizaçãod do GD.</a:t>
+              <a:t>Além do ajuste manual, quando usamos GDE ou GD em mini-batches, precisamos reduzir o valor do passo de aprendizagem ao longo das iterações para garantir a convergência e </a:t>
+            </a:r>
+            <a:r>
+              <a:rPr lang="pt-BR" dirty="0" smtClean="0"/>
+              <a:t>estabilização </a:t>
+            </a:r>
+            <a:r>
+              <a:rPr lang="pt-BR" dirty="0" smtClean="0"/>
+              <a:t>do GD.</a:t>
             </a:r>
           </a:p>
           <a:p>
@@ -15036,7 +7343,7 @@
           <p:cNvPr id="2" name="Título 1">
             <a:extLst>
               <a:ext uri="{FF2B5EF4-FFF2-40B4-BE49-F238E27FC236}">
-                <a16:creationId xmlns="" xmlns:a16="http://schemas.microsoft.com/office/drawing/2014/main" id="{793142C1-FD08-4328-BCCB-5521CEABA2E7}"/>
+                <a16:creationId xmlns:a16="http://schemas.microsoft.com/office/drawing/2014/main" xmlns="" id="{793142C1-FD08-4328-BCCB-5521CEABA2E7}"/>
               </a:ext>
             </a:extLst>
           </p:cNvPr>
@@ -15059,14 +7366,14 @@
           </a:p>
         </p:txBody>
       </p:sp>
-      <mc:AlternateContent xmlns:mc="http://schemas.openxmlformats.org/markup-compatibility/2006" xmlns:a14="http://schemas.microsoft.com/office/drawing/2010/main">
-        <mc:Choice Requires="a14">
+      <mc:AlternateContent xmlns:mc="http://schemas.openxmlformats.org/markup-compatibility/2006">
+        <mc:Choice xmlns:a14="http://schemas.microsoft.com/office/drawing/2010/main" Requires="a14">
           <p:sp>
             <p:nvSpPr>
               <p:cNvPr id="4" name="Content Placeholder 2">
                 <a:extLst>
                   <a:ext uri="{FF2B5EF4-FFF2-40B4-BE49-F238E27FC236}">
-                    <a16:creationId xmlns="" xmlns:a16="http://schemas.microsoft.com/office/drawing/2014/main" id="{C1642F2F-7A09-459E-9D90-1D9D3103E685}"/>
+                    <a16:creationId xmlns:a16="http://schemas.microsoft.com/office/drawing/2014/main" xmlns="" id="{C1642F2F-7A09-459E-9D90-1D9D3103E685}"/>
                   </a:ext>
                 </a:extLst>
               </p:cNvPr>
@@ -15878,11 +8185,32 @@
                         </m:r>
                       </m:sub>
                     </m:sSub>
+                    <m:d>
+                      <m:dPr>
+                        <m:ctrlPr>
+                          <a:rPr lang="pt-BR" i="1">
+                            <a:latin typeface="Cambria Math" panose="02040503050406030204" pitchFamily="18" charset="0"/>
+                          </a:rPr>
+                        </m:ctrlPr>
+                      </m:dPr>
+                      <m:e>
+                        <m:r>
+                          <a:rPr lang="pt-BR" i="1">
+                            <a:latin typeface="Cambria Math" panose="02040503050406030204" pitchFamily="18" charset="0"/>
+                          </a:rPr>
+                          <m:t>𝑛</m:t>
+                        </m:r>
+                      </m:e>
+                    </m:d>
                   </m:oMath>
                 </a14:m>
                 <a:r>
+                  <a:rPr lang="pt-BR" dirty="0" smtClean="0"/>
+                  <a:t> tem </a:t>
+                </a:r>
+                <a:r>
                   <a:rPr lang="pt-BR" dirty="0"/>
-                  <a:t> tem uma influência maior no erro resultante, o que pode ser expresso de forma aproximada como</a:t>
+                  <a:t>uma influência maior no erro resultante, o que pode ser expresso de forma aproximada como</a:t>
                 </a:r>
               </a:p>
               <a:p>
@@ -16165,13 +8493,34 @@
                 </a:r>
                 <a14:m>
                   <m:oMath xmlns:m="http://schemas.openxmlformats.org/officeDocument/2006/math">
-                    <m:r>
-                      <a:rPr lang="pt-BR" i="1">
-                        <a:latin typeface="Cambria Math" panose="02040503050406030204" pitchFamily="18" charset="0"/>
-                        <a:ea typeface="Cambria Math" panose="02040503050406030204" pitchFamily="18" charset="0"/>
-                      </a:rPr>
-                      <m:t>𝑦</m:t>
-                    </m:r>
+                    <m:sSub>
+                      <m:sSubPr>
+                        <m:ctrlPr>
+                          <a:rPr lang="pt-BR" i="1">
+                            <a:latin typeface="Cambria Math" panose="02040503050406030204" pitchFamily="18" charset="0"/>
+                          </a:rPr>
+                        </m:ctrlPr>
+                      </m:sSubPr>
+                      <m:e>
+                        <m:r>
+                          <a:rPr lang="pt-BR" i="1">
+                            <a:latin typeface="Cambria Math" panose="02040503050406030204" pitchFamily="18" charset="0"/>
+                          </a:rPr>
+                          <m:t>𝑦</m:t>
+                        </m:r>
+                      </m:e>
+                      <m:sub>
+                        <m:r>
+                          <m:rPr>
+                            <m:sty m:val="p"/>
+                          </m:rPr>
+                          <a:rPr lang="pt-BR">
+                            <a:latin typeface="Cambria Math" panose="02040503050406030204" pitchFamily="18" charset="0"/>
+                          </a:rPr>
+                          <m:t>noisy</m:t>
+                        </m:r>
+                      </m:sub>
+                    </m:sSub>
                     <m:r>
                       <a:rPr lang="pt-BR">
                         <a:latin typeface="Cambria Math" panose="02040503050406030204" pitchFamily="18" charset="0"/>
@@ -16272,11 +8621,32 @@
                         </m:r>
                       </m:sub>
                     </m:sSub>
+                    <m:d>
+                      <m:dPr>
+                        <m:ctrlPr>
+                          <a:rPr lang="pt-BR" i="1">
+                            <a:latin typeface="Cambria Math" panose="02040503050406030204" pitchFamily="18" charset="0"/>
+                          </a:rPr>
+                        </m:ctrlPr>
+                      </m:dPr>
+                      <m:e>
+                        <m:r>
+                          <a:rPr lang="pt-BR" i="1">
+                            <a:latin typeface="Cambria Math" panose="02040503050406030204" pitchFamily="18" charset="0"/>
+                          </a:rPr>
+                          <m:t>𝑛</m:t>
+                        </m:r>
+                      </m:e>
+                    </m:d>
                   </m:oMath>
                 </a14:m>
                 <a:r>
                   <a:rPr lang="pt-BR" dirty="0" smtClean="0"/>
-                  <a:t> e, portanto, pequenas variações de </a:t>
+                  <a:t> e</a:t>
+                </a:r>
+                <a:r>
+                  <a:rPr lang="pt-BR" dirty="0" smtClean="0"/>
+                  <a:t>, portanto, pequenas variações de </a:t>
                 </a:r>
                 <a14:m>
                   <m:oMath xmlns:m="http://schemas.openxmlformats.org/officeDocument/2006/math">
@@ -16346,7 +8716,11 @@
                 </a:pPr>
                 <a:r>
                   <a:rPr lang="pt-BR" dirty="0"/>
-                  <a:t>As diferenças entre as magnitudes dos atributos faz com que as superfícies de erro tenham formato de vale, </a:t>
+                  <a:t>As diferenças entre as magnitudes dos atributos faz com que as superfícies de erro tenham formato de </a:t>
+                </a:r>
+                <a:r>
+                  <a:rPr lang="pt-BR" dirty="0" smtClean="0"/>
+                  <a:t>vale (‘U’ ou ‘V’), </a:t>
                 </a:r>
                 <a:r>
                   <a:rPr lang="pt-BR" b="1" i="1" dirty="0"/>
@@ -16361,7 +8735,7 @@
             </p:txBody>
           </p:sp>
         </mc:Choice>
-        <mc:Fallback xmlns="">
+        <mc:Fallback>
           <p:sp>
             <p:nvSpPr>
               <p:cNvPr id="4" name="Content Placeholder 2">
@@ -16386,7 +8760,7 @@
               <a:blipFill rotWithShape="0">
                 <a:blip r:embed="rId4"/>
                 <a:stretch>
-                  <a:fillRect l="-911" t="-2712" r="-976"/>
+                  <a:fillRect l="-911" t="-2712" r="-1692" b="-590"/>
                 </a:stretch>
               </a:blipFill>
             </p:spPr>
@@ -16405,6 +8779,42 @@
           </p:sp>
         </mc:Fallback>
       </mc:AlternateContent>
+      <p:cxnSp>
+        <p:nvCxnSpPr>
+          <p:cNvPr id="5" name="Straight Arrow Connector 4"/>
+          <p:cNvCxnSpPr/>
+          <p:nvPr/>
+        </p:nvCxnSpPr>
+        <p:spPr>
+          <a:xfrm flipV="1">
+            <a:off x="10210800" y="2913681"/>
+            <a:ext cx="467532" cy="3363133"/>
+          </a:xfrm>
+          <a:prstGeom prst="straightConnector1">
+            <a:avLst/>
+          </a:prstGeom>
+          <a:ln w="28575">
+            <a:solidFill>
+              <a:srgbClr val="FF0000"/>
+            </a:solidFill>
+            <a:tailEnd type="triangle"/>
+          </a:ln>
+        </p:spPr>
+        <p:style>
+          <a:lnRef idx="1">
+            <a:schemeClr val="accent1"/>
+          </a:lnRef>
+          <a:fillRef idx="0">
+            <a:schemeClr val="accent1"/>
+          </a:fillRef>
+          <a:effectRef idx="0">
+            <a:schemeClr val="accent1"/>
+          </a:effectRef>
+          <a:fontRef idx="minor">
+            <a:schemeClr val="tx1"/>
+          </a:fontRef>
+        </p:style>
+      </p:cxnSp>
     </p:spTree>
     <p:extLst>
       <p:ext uri="{BB962C8B-B14F-4D97-AF65-F5344CB8AC3E}">
@@ -16457,8 +8867,8 @@
           </a:p>
         </p:txBody>
       </p:sp>
-      <mc:AlternateContent xmlns:mc="http://schemas.openxmlformats.org/markup-compatibility/2006" xmlns:a14="http://schemas.microsoft.com/office/drawing/2010/main">
-        <mc:Choice Requires="a14">
+      <mc:AlternateContent xmlns:mc="http://schemas.openxmlformats.org/markup-compatibility/2006">
+        <mc:Choice xmlns:a14="http://schemas.microsoft.com/office/drawing/2010/main" Requires="a14">
           <p:sp>
             <p:nvSpPr>
               <p:cNvPr id="3" name="Content Placeholder 2"/>
@@ -16513,7 +8923,15 @@
                 </a:r>
                 <a:r>
                   <a:rPr lang="pt-BR" dirty="0"/>
-                  <a:t> contribua com o mesmo peso para o cálculo do erro.</a:t>
+                  <a:t> contribua com o mesmo </a:t>
+                </a:r>
+                <a:r>
+                  <a:rPr lang="pt-BR" b="1" i="1" dirty="0"/>
+                  <a:t>peso</a:t>
+                </a:r>
+                <a:r>
+                  <a:rPr lang="pt-BR" dirty="0"/>
+                  <a:t> para o cálculo do erro.</a:t>
                 </a:r>
               </a:p>
               <a:p>
@@ -17045,7 +9463,11 @@
               <a:p>
                 <a:r>
                   <a:rPr lang="pt-BR" b="1" i="1" dirty="0"/>
-                  <a:t>Normalização mín-max </a:t>
+                  <a:t>Normalização </a:t>
+                </a:r>
+                <a:r>
+                  <a:rPr lang="pt-BR" b="1" i="1" dirty="0" smtClean="0"/>
+                  <a:t>Mín-Max </a:t>
                 </a:r>
                 <a:r>
                   <a:rPr lang="pt-BR" dirty="0"/>
@@ -17112,7 +9534,7 @@
             </p:txBody>
           </p:sp>
         </mc:Choice>
-        <mc:Fallback xmlns="">
+        <mc:Fallback>
           <p:sp>
             <p:nvSpPr>
               <p:cNvPr id="3" name="Content Placeholder 2"/>
@@ -18865,8 +11287,8 @@
           </a:p>
         </p:txBody>
       </p:sp>
-      <mc:AlternateContent xmlns:mc="http://schemas.openxmlformats.org/markup-compatibility/2006" xmlns:a14="http://schemas.microsoft.com/office/drawing/2010/main">
-        <mc:Choice Requires="a14">
+      <mc:AlternateContent xmlns:mc="http://schemas.openxmlformats.org/markup-compatibility/2006">
+        <mc:Choice xmlns:a14="http://schemas.microsoft.com/office/drawing/2010/main" Requires="a14">
           <p:sp>
             <p:nvSpPr>
               <p:cNvPr id="23" name="TextBox 22"/>
@@ -19129,7 +11551,11 @@
                 </a:r>
                 <a:r>
                   <a:rPr lang="pt-BR" dirty="0" smtClean="0"/>
-                  <a:t>em outro vale.</a:t>
+                  <a:t>também em um vale</a:t>
+                </a:r>
+                <a:r>
+                  <a:rPr lang="pt-BR" dirty="0" smtClean="0"/>
+                  <a:t>.</a:t>
                 </a:r>
               </a:p>
               <a:p>
@@ -19318,7 +11744,7 @@
             </p:txBody>
           </p:sp>
         </mc:Choice>
-        <mc:Fallback xmlns="">
+        <mc:Fallback>
           <p:sp>
             <p:nvSpPr>
               <p:cNvPr id="23" name="TextBox 22"/>
@@ -19767,8 +12193,8 @@
           </a:p>
         </p:txBody>
       </p:sp>
-      <mc:AlternateContent xmlns:mc="http://schemas.openxmlformats.org/markup-compatibility/2006" xmlns:a14="http://schemas.microsoft.com/office/drawing/2010/main">
-        <mc:Choice Requires="a14">
+      <mc:AlternateContent xmlns:mc="http://schemas.openxmlformats.org/markup-compatibility/2006">
+        <mc:Choice xmlns:a14="http://schemas.microsoft.com/office/drawing/2010/main" Requires="a14">
           <p:sp>
             <p:nvSpPr>
               <p:cNvPr id="3" name="Content Placeholder 2"/>
@@ -20734,18 +13160,18 @@
                 </a:r>
                 <a:r>
                   <a:rPr lang="pt-BR" dirty="0"/>
-                  <a:t>são facilmente estendidos para o </a:t>
+                  <a:t>são facilmente estendidos para </a:t>
                 </a:r>
                 <a:r>
                   <a:rPr lang="pt-BR" dirty="0" smtClean="0"/>
-                  <a:t>polinômios.</a:t>
+                  <a:t>funções hipótese polinomiais.</a:t>
                 </a:r>
                 <a:endParaRPr lang="pt-BR" dirty="0"/>
               </a:p>
             </p:txBody>
           </p:sp>
         </mc:Choice>
-        <mc:Fallback xmlns="">
+        <mc:Fallback>
           <p:sp>
             <p:nvSpPr>
               <p:cNvPr id="3" name="Content Placeholder 2"/>
@@ -21609,8 +14035,8 @@
         </p:nvSpPr>
         <p:spPr>
           <a:xfrm>
-            <a:off x="838200" y="20137"/>
-            <a:ext cx="10515600" cy="1325563"/>
+            <a:off x="838200" y="113126"/>
+            <a:ext cx="10515600" cy="892156"/>
           </a:xfrm>
         </p:spPr>
         <p:txBody>
@@ -21642,7 +14068,7 @@
         </p:spPr>
         <p:txBody>
           <a:bodyPr>
-            <a:normAutofit fontScale="85000" lnSpcReduction="10000"/>
+            <a:normAutofit fontScale="85000" lnSpcReduction="20000"/>
           </a:bodyPr>
           <a:lstStyle/>
           <a:p>
@@ -21682,8 +14108,13 @@
             </a:r>
             <a:r>
               <a:rPr lang="pt-BR" dirty="0" smtClean="0"/>
-              <a:t> modelo erra muito tanto para predição dos exemplos de treinamento quanto para exemplos de validação.</a:t>
-            </a:r>
+              <a:t> modelo erra muito tanto para predição dos exemplos de treinamento quanto para exemplos de </a:t>
+            </a:r>
+            <a:r>
+              <a:rPr lang="pt-BR" dirty="0" smtClean="0"/>
+              <a:t>validação (ou seja, exemplos não vistos durante o treinamento).</a:t>
+            </a:r>
+            <a:endParaRPr lang="pt-BR" dirty="0" smtClean="0"/>
           </a:p>
           <a:p>
             <a:r>
@@ -21704,8 +14135,37 @@
             </a:r>
             <a:r>
               <a:rPr lang="pt-BR" dirty="0"/>
-              <a:t>.</a:t>
-            </a:r>
+              <a:t>:</a:t>
+            </a:r>
+            <a:r>
+              <a:rPr lang="pt-BR" dirty="0" smtClean="0"/>
+              <a:t> </a:t>
+            </a:r>
+            <a:r>
+              <a:rPr lang="pt-BR" b="1" i="1" dirty="0"/>
+              <a:t>flexibilidade</a:t>
+            </a:r>
+            <a:r>
+              <a:rPr lang="pt-BR" dirty="0"/>
+              <a:t> </a:t>
+            </a:r>
+            <a:r>
+              <a:rPr lang="pt-BR" dirty="0" smtClean="0"/>
+              <a:t>e </a:t>
+            </a:r>
+            <a:r>
+              <a:rPr lang="pt-BR" b="1" i="1" dirty="0"/>
+              <a:t>grau de generalização</a:t>
+            </a:r>
+            <a:r>
+              <a:rPr lang="pt-BR" dirty="0"/>
+              <a:t> muito </a:t>
+            </a:r>
+            <a:r>
+              <a:rPr lang="pt-BR" dirty="0" smtClean="0"/>
+              <a:t>baixos.</a:t>
+            </a:r>
+            <a:endParaRPr lang="pt-BR" dirty="0"/>
           </a:p>
           <a:p>
             <a:r>

--- a/slides/T319_Regressão_Linear (Parte IV).pptx
+++ b/slides/T319_Regressão_Linear (Parte IV).pptx
@@ -537,7 +537,7 @@
           <a:p>
             <a:fld id="{DAF0AF11-6A8A-4E64-94F5-26D4FBA2A01D}" type="datetimeFigureOut">
               <a:rPr lang="nl-BE" smtClean="0"/>
-              <a:t>30/05/2021</a:t>
+              <a:t>5/06/2021</a:t>
             </a:fld>
             <a:endParaRPr lang="nl-BE"/>
           </a:p>
@@ -1078,7 +1078,15 @@
             </a:r>
             <a:r>
               <a:rPr lang="pt-BR" dirty="0" smtClean="0"/>
-              <a:t> acabam sendo dominantes sobre os demais no sentido de que exercerem grande influência sobre o </a:t>
+              <a:t> acabam sendo dominantes sobre os demais no sentido de que </a:t>
+            </a:r>
+            <a:r>
+              <a:rPr lang="pt-BR" dirty="0" smtClean="0"/>
+              <a:t>exercem </a:t>
+            </a:r>
+            <a:r>
+              <a:rPr lang="pt-BR" dirty="0" smtClean="0"/>
+              <a:t>grande influência sobre o </a:t>
             </a:r>
             <a:r>
               <a:rPr lang="pt-BR" b="1" i="1" dirty="0" smtClean="0"/>
@@ -3037,7 +3045,7 @@
           <a:p>
             <a:fld id="{C80E15A5-E95B-43EB-9AC7-9A96397448C0}" type="datetimeFigureOut">
               <a:rPr lang="nl-BE" smtClean="0"/>
-              <a:t>30/05/2021</a:t>
+              <a:t>5/06/2021</a:t>
             </a:fld>
             <a:endParaRPr lang="nl-BE"/>
           </a:p>
@@ -3207,7 +3215,7 @@
           <a:p>
             <a:fld id="{C80E15A5-E95B-43EB-9AC7-9A96397448C0}" type="datetimeFigureOut">
               <a:rPr lang="nl-BE" smtClean="0"/>
-              <a:t>30/05/2021</a:t>
+              <a:t>5/06/2021</a:t>
             </a:fld>
             <a:endParaRPr lang="nl-BE"/>
           </a:p>
@@ -3387,7 +3395,7 @@
           <a:p>
             <a:fld id="{C80E15A5-E95B-43EB-9AC7-9A96397448C0}" type="datetimeFigureOut">
               <a:rPr lang="nl-BE" smtClean="0"/>
-              <a:t>30/05/2021</a:t>
+              <a:t>5/06/2021</a:t>
             </a:fld>
             <a:endParaRPr lang="nl-BE"/>
           </a:p>
@@ -3557,7 +3565,7 @@
           <a:p>
             <a:fld id="{C80E15A5-E95B-43EB-9AC7-9A96397448C0}" type="datetimeFigureOut">
               <a:rPr lang="nl-BE" smtClean="0"/>
-              <a:t>30/05/2021</a:t>
+              <a:t>5/06/2021</a:t>
             </a:fld>
             <a:endParaRPr lang="nl-BE"/>
           </a:p>
@@ -3803,7 +3811,7 @@
           <a:p>
             <a:fld id="{C80E15A5-E95B-43EB-9AC7-9A96397448C0}" type="datetimeFigureOut">
               <a:rPr lang="nl-BE" smtClean="0"/>
-              <a:t>30/05/2021</a:t>
+              <a:t>5/06/2021</a:t>
             </a:fld>
             <a:endParaRPr lang="nl-BE"/>
           </a:p>
@@ -4035,7 +4043,7 @@
           <a:p>
             <a:fld id="{C80E15A5-E95B-43EB-9AC7-9A96397448C0}" type="datetimeFigureOut">
               <a:rPr lang="nl-BE" smtClean="0"/>
-              <a:t>30/05/2021</a:t>
+              <a:t>5/06/2021</a:t>
             </a:fld>
             <a:endParaRPr lang="nl-BE"/>
           </a:p>
@@ -4402,7 +4410,7 @@
           <a:p>
             <a:fld id="{C80E15A5-E95B-43EB-9AC7-9A96397448C0}" type="datetimeFigureOut">
               <a:rPr lang="nl-BE" smtClean="0"/>
-              <a:t>30/05/2021</a:t>
+              <a:t>5/06/2021</a:t>
             </a:fld>
             <a:endParaRPr lang="nl-BE"/>
           </a:p>
@@ -4520,7 +4528,7 @@
           <a:p>
             <a:fld id="{C80E15A5-E95B-43EB-9AC7-9A96397448C0}" type="datetimeFigureOut">
               <a:rPr lang="nl-BE" smtClean="0"/>
-              <a:t>30/05/2021</a:t>
+              <a:t>5/06/2021</a:t>
             </a:fld>
             <a:endParaRPr lang="nl-BE"/>
           </a:p>
@@ -4615,7 +4623,7 @@
           <a:p>
             <a:fld id="{C80E15A5-E95B-43EB-9AC7-9A96397448C0}" type="datetimeFigureOut">
               <a:rPr lang="nl-BE" smtClean="0"/>
-              <a:t>30/05/2021</a:t>
+              <a:t>5/06/2021</a:t>
             </a:fld>
             <a:endParaRPr lang="nl-BE"/>
           </a:p>
@@ -4892,7 +4900,7 @@
           <a:p>
             <a:fld id="{C80E15A5-E95B-43EB-9AC7-9A96397448C0}" type="datetimeFigureOut">
               <a:rPr lang="nl-BE" smtClean="0"/>
-              <a:t>30/05/2021</a:t>
+              <a:t>5/06/2021</a:t>
             </a:fld>
             <a:endParaRPr lang="nl-BE"/>
           </a:p>
@@ -5145,7 +5153,7 @@
           <a:p>
             <a:fld id="{C80E15A5-E95B-43EB-9AC7-9A96397448C0}" type="datetimeFigureOut">
               <a:rPr lang="nl-BE" smtClean="0"/>
-              <a:t>30/05/2021</a:t>
+              <a:t>5/06/2021</a:t>
             </a:fld>
             <a:endParaRPr lang="nl-BE"/>
           </a:p>
@@ -5358,7 +5366,7 @@
           <a:p>
             <a:fld id="{C80E15A5-E95B-43EB-9AC7-9A96397448C0}" type="datetimeFigureOut">
               <a:rPr lang="nl-BE" smtClean="0"/>
-              <a:t>30/05/2021</a:t>
+              <a:t>5/06/2021</a:t>
             </a:fld>
             <a:endParaRPr lang="nl-BE"/>
           </a:p>
@@ -5768,7 +5776,7 @@
           <p:cNvPr id="2" name="Título 1">
             <a:extLst>
               <a:ext uri="{FF2B5EF4-FFF2-40B4-BE49-F238E27FC236}">
-                <a16:creationId xmlns:a16="http://schemas.microsoft.com/office/drawing/2014/main" xmlns="" id="{32666AC8-2E17-4DB4-B0F5-60C640CCFD2E}"/>
+                <a16:creationId xmlns="" xmlns:a16="http://schemas.microsoft.com/office/drawing/2014/main" id="{32666AC8-2E17-4DB4-B0F5-60C640CCFD2E}"/>
               </a:ext>
             </a:extLst>
           </p:cNvPr>
@@ -5827,7 +5835,7 @@
           <p:cNvPr id="4" name="CaixaDeTexto 3">
             <a:extLst>
               <a:ext uri="{FF2B5EF4-FFF2-40B4-BE49-F238E27FC236}">
-                <a16:creationId xmlns:a16="http://schemas.microsoft.com/office/drawing/2014/main" xmlns="" id="{430EB894-B7D4-434C-9D1A-A14094D9BEEC}"/>
+                <a16:creationId xmlns="" xmlns:a16="http://schemas.microsoft.com/office/drawing/2014/main" id="{430EB894-B7D4-434C-9D1A-A14094D9BEEC}"/>
               </a:ext>
             </a:extLst>
           </p:cNvPr>
@@ -5868,7 +5876,7 @@
           <p:cNvPr id="1026" name="Picture 2" descr="Logo">
             <a:extLst>
               <a:ext uri="{FF2B5EF4-FFF2-40B4-BE49-F238E27FC236}">
-                <a16:creationId xmlns:a16="http://schemas.microsoft.com/office/drawing/2014/main" xmlns="" id="{3F2642E0-4F6A-4196-8F58-E77D36E9A33F}"/>
+                <a16:creationId xmlns="" xmlns:a16="http://schemas.microsoft.com/office/drawing/2014/main" id="{3F2642E0-4F6A-4196-8F58-E77D36E9A33F}"/>
               </a:ext>
             </a:extLst>
           </p:cNvPr>
@@ -5913,7 +5921,7 @@
           <p:cNvPr id="5122" name="Picture 2" descr="Image result for machine learning">
             <a:extLst>
               <a:ext uri="{FF2B5EF4-FFF2-40B4-BE49-F238E27FC236}">
-                <a16:creationId xmlns:a16="http://schemas.microsoft.com/office/drawing/2014/main" xmlns="" id="{810CE0A2-4102-44A6-A370-175E7896CDCB}"/>
+                <a16:creationId xmlns="" xmlns:a16="http://schemas.microsoft.com/office/drawing/2014/main" id="{810CE0A2-4102-44A6-A370-175E7896CDCB}"/>
               </a:ext>
             </a:extLst>
           </p:cNvPr>
@@ -6087,13 +6095,8 @@
             </a:r>
             <a:r>
               <a:rPr lang="pt-BR" dirty="0" smtClean="0"/>
-              <a:t>exemplos de </a:t>
-            </a:r>
-            <a:r>
-              <a:rPr lang="pt-BR" dirty="0" smtClean="0"/>
-              <a:t>validação.</a:t>
-            </a:r>
-            <a:endParaRPr lang="pt-BR" dirty="0" smtClean="0"/>
+              <a:t>exemplos de validação.</a:t>
+            </a:r>
           </a:p>
           <a:p>
             <a:r>
@@ -6783,7 +6786,7 @@
           <p:cNvPr id="4" name="Título 1">
             <a:extLst>
               <a:ext uri="{FF2B5EF4-FFF2-40B4-BE49-F238E27FC236}">
-                <a16:creationId xmlns:a16="http://schemas.microsoft.com/office/drawing/2014/main" xmlns="" id="{32666AC8-2E17-4DB4-B0F5-60C640CCFD2E}"/>
+                <a16:creationId xmlns="" xmlns:a16="http://schemas.microsoft.com/office/drawing/2014/main" id="{32666AC8-2E17-4DB4-B0F5-60C640CCFD2E}"/>
               </a:ext>
             </a:extLst>
           </p:cNvPr>
@@ -6868,7 +6871,7 @@
           <p:cNvPr id="2050" name="Picture 2" descr="https://miro.medium.com/max/302/1*MpLkcugbeMrJvFlz69LTNQ.jpeg">
             <a:extLst>
               <a:ext uri="{FF2B5EF4-FFF2-40B4-BE49-F238E27FC236}">
-                <a16:creationId xmlns:a16="http://schemas.microsoft.com/office/drawing/2014/main" xmlns="" id="{DE195D4C-7D53-46C2-BDD9-033809B4E028}"/>
+                <a16:creationId xmlns="" xmlns:a16="http://schemas.microsoft.com/office/drawing/2014/main" id="{DE195D4C-7D53-46C2-BDD9-033809B4E028}"/>
               </a:ext>
             </a:extLst>
           </p:cNvPr>
@@ -6915,7 +6918,7 @@
           <p:cNvPr id="2052" name="Picture 4" descr="https://miro.medium.com/max/426/1*iRv8pCP7v8FzVJNe2vAjdw.png">
             <a:extLst>
               <a:ext uri="{FF2B5EF4-FFF2-40B4-BE49-F238E27FC236}">
-                <a16:creationId xmlns:a16="http://schemas.microsoft.com/office/drawing/2014/main" xmlns="" id="{76F9F526-3C2B-485C-9E25-3D10B3E3B0C3}"/>
+                <a16:creationId xmlns="" xmlns:a16="http://schemas.microsoft.com/office/drawing/2014/main" id="{76F9F526-3C2B-485C-9E25-3D10B3E3B0C3}"/>
               </a:ext>
             </a:extLst>
           </p:cNvPr>
@@ -6962,7 +6965,7 @@
           <p:cNvPr id="2054" name="Picture 6" descr="https://miro.medium.com/max/194/1*JugKARhlrp9HLTF5_lN7EQ.jpeg">
             <a:extLst>
               <a:ext uri="{FF2B5EF4-FFF2-40B4-BE49-F238E27FC236}">
-                <a16:creationId xmlns:a16="http://schemas.microsoft.com/office/drawing/2014/main" xmlns="" id="{50D99301-1821-4F05-A553-E371FA6728F0}"/>
+                <a16:creationId xmlns="" xmlns:a16="http://schemas.microsoft.com/office/drawing/2014/main" id="{50D99301-1821-4F05-A553-E371FA6728F0}"/>
               </a:ext>
             </a:extLst>
           </p:cNvPr>
@@ -7033,7 +7036,7 @@
           <p:cNvPr id="3" name="Picture 3" descr="A close up of text on a black background&#10;&#10;Description generated with very high confidence">
             <a:extLst>
               <a:ext uri="{FF2B5EF4-FFF2-40B4-BE49-F238E27FC236}">
-                <a16:creationId xmlns:a16="http://schemas.microsoft.com/office/drawing/2014/main" xmlns="" id="{2A0DF154-7178-4F01-A59C-CD7D1EB3AD92}"/>
+                <a16:creationId xmlns="" xmlns:a16="http://schemas.microsoft.com/office/drawing/2014/main" id="{2A0DF154-7178-4F01-A59C-CD7D1EB3AD92}"/>
               </a:ext>
             </a:extLst>
           </p:cNvPr>
@@ -7216,15 +7219,7 @@
           <a:p>
             <a:r>
               <a:rPr lang="pt-BR" dirty="0" smtClean="0"/>
-              <a:t>Além do ajuste manual, quando usamos GDE ou GD em mini-batches, precisamos reduzir o valor do passo de aprendizagem ao longo das iterações para garantir a convergência e </a:t>
-            </a:r>
-            <a:r>
-              <a:rPr lang="pt-BR" dirty="0" smtClean="0"/>
-              <a:t>estabilização </a:t>
-            </a:r>
-            <a:r>
-              <a:rPr lang="pt-BR" dirty="0" smtClean="0"/>
-              <a:t>do GD.</a:t>
+              <a:t>Além do ajuste manual, quando usamos GDE ou GD em mini-batches, precisamos reduzir o valor do passo de aprendizagem ao longo das iterações para garantir a convergência e estabilização do GD.</a:t>
             </a:r>
           </a:p>
           <a:p>
@@ -7343,7 +7338,7 @@
           <p:cNvPr id="2" name="Título 1">
             <a:extLst>
               <a:ext uri="{FF2B5EF4-FFF2-40B4-BE49-F238E27FC236}">
-                <a16:creationId xmlns:a16="http://schemas.microsoft.com/office/drawing/2014/main" xmlns="" id="{793142C1-FD08-4328-BCCB-5521CEABA2E7}"/>
+                <a16:creationId xmlns="" xmlns:a16="http://schemas.microsoft.com/office/drawing/2014/main" id="{793142C1-FD08-4328-BCCB-5521CEABA2E7}"/>
               </a:ext>
             </a:extLst>
           </p:cNvPr>
@@ -7366,14 +7361,14 @@
           </a:p>
         </p:txBody>
       </p:sp>
-      <mc:AlternateContent xmlns:mc="http://schemas.openxmlformats.org/markup-compatibility/2006">
-        <mc:Choice xmlns:a14="http://schemas.microsoft.com/office/drawing/2010/main" Requires="a14">
+      <mc:AlternateContent xmlns:mc="http://schemas.openxmlformats.org/markup-compatibility/2006" xmlns:a14="http://schemas.microsoft.com/office/drawing/2010/main">
+        <mc:Choice Requires="a14">
           <p:sp>
             <p:nvSpPr>
               <p:cNvPr id="4" name="Content Placeholder 2">
                 <a:extLst>
                   <a:ext uri="{FF2B5EF4-FFF2-40B4-BE49-F238E27FC236}">
-                    <a16:creationId xmlns:a16="http://schemas.microsoft.com/office/drawing/2014/main" xmlns="" id="{C1642F2F-7A09-459E-9D90-1D9D3103E685}"/>
+                    <a16:creationId xmlns="" xmlns:a16="http://schemas.microsoft.com/office/drawing/2014/main" id="{C1642F2F-7A09-459E-9D90-1D9D3103E685}"/>
                   </a:ext>
                 </a:extLst>
               </p:cNvPr>
@@ -8642,11 +8637,7 @@
                 </a14:m>
                 <a:r>
                   <a:rPr lang="pt-BR" dirty="0" smtClean="0"/>
-                  <a:t> e</a:t>
-                </a:r>
-                <a:r>
-                  <a:rPr lang="pt-BR" dirty="0" smtClean="0"/>
-                  <a:t>, portanto, pequenas variações de </a:t>
+                  <a:t> e, portanto, pequenas variações de </a:t>
                 </a:r>
                 <a14:m>
                   <m:oMath xmlns:m="http://schemas.openxmlformats.org/officeDocument/2006/math">
@@ -8735,7 +8726,7 @@
             </p:txBody>
           </p:sp>
         </mc:Choice>
-        <mc:Fallback>
+        <mc:Fallback xmlns="">
           <p:sp>
             <p:nvSpPr>
               <p:cNvPr id="4" name="Content Placeholder 2">
@@ -8867,8 +8858,8 @@
           </a:p>
         </p:txBody>
       </p:sp>
-      <mc:AlternateContent xmlns:mc="http://schemas.openxmlformats.org/markup-compatibility/2006">
-        <mc:Choice xmlns:a14="http://schemas.microsoft.com/office/drawing/2010/main" Requires="a14">
+      <mc:AlternateContent xmlns:mc="http://schemas.openxmlformats.org/markup-compatibility/2006" xmlns:a14="http://schemas.microsoft.com/office/drawing/2010/main">
+        <mc:Choice Requires="a14">
           <p:sp>
             <p:nvSpPr>
               <p:cNvPr id="3" name="Content Placeholder 2"/>
@@ -9534,7 +9525,7 @@
             </p:txBody>
           </p:sp>
         </mc:Choice>
-        <mc:Fallback>
+        <mc:Fallback xmlns="">
           <p:sp>
             <p:nvSpPr>
               <p:cNvPr id="3" name="Content Placeholder 2"/>
@@ -11287,8 +11278,8 @@
           </a:p>
         </p:txBody>
       </p:sp>
-      <mc:AlternateContent xmlns:mc="http://schemas.openxmlformats.org/markup-compatibility/2006">
-        <mc:Choice xmlns:a14="http://schemas.microsoft.com/office/drawing/2010/main" Requires="a14">
+      <mc:AlternateContent xmlns:mc="http://schemas.openxmlformats.org/markup-compatibility/2006" xmlns:a14="http://schemas.microsoft.com/office/drawing/2010/main">
+        <mc:Choice Requires="a14">
           <p:sp>
             <p:nvSpPr>
               <p:cNvPr id="23" name="TextBox 22"/>
@@ -11551,11 +11542,7 @@
                 </a:r>
                 <a:r>
                   <a:rPr lang="pt-BR" dirty="0" smtClean="0"/>
-                  <a:t>também em um vale</a:t>
-                </a:r>
-                <a:r>
-                  <a:rPr lang="pt-BR" dirty="0" smtClean="0"/>
-                  <a:t>.</a:t>
+                  <a:t>também em um vale.</a:t>
                 </a:r>
               </a:p>
               <a:p>
@@ -11744,7 +11731,7 @@
             </p:txBody>
           </p:sp>
         </mc:Choice>
-        <mc:Fallback>
+        <mc:Fallback xmlns="">
           <p:sp>
             <p:nvSpPr>
               <p:cNvPr id="23" name="TextBox 22"/>
@@ -12193,8 +12180,8 @@
           </a:p>
         </p:txBody>
       </p:sp>
-      <mc:AlternateContent xmlns:mc="http://schemas.openxmlformats.org/markup-compatibility/2006">
-        <mc:Choice xmlns:a14="http://schemas.microsoft.com/office/drawing/2010/main" Requires="a14">
+      <mc:AlternateContent xmlns:mc="http://schemas.openxmlformats.org/markup-compatibility/2006" xmlns:a14="http://schemas.microsoft.com/office/drawing/2010/main">
+        <mc:Choice Requires="a14">
           <p:sp>
             <p:nvSpPr>
               <p:cNvPr id="3" name="Content Placeholder 2"/>
@@ -13171,7 +13158,7 @@
             </p:txBody>
           </p:sp>
         </mc:Choice>
-        <mc:Fallback>
+        <mc:Fallback xmlns="">
           <p:sp>
             <p:nvSpPr>
               <p:cNvPr id="3" name="Content Placeholder 2"/>
@@ -14108,13 +14095,8 @@
             </a:r>
             <a:r>
               <a:rPr lang="pt-BR" dirty="0" smtClean="0"/>
-              <a:t> modelo erra muito tanto para predição dos exemplos de treinamento quanto para exemplos de </a:t>
-            </a:r>
-            <a:r>
-              <a:rPr lang="pt-BR" dirty="0" smtClean="0"/>
-              <a:t>validação (ou seja, exemplos não vistos durante o treinamento).</a:t>
-            </a:r>
-            <a:endParaRPr lang="pt-BR" dirty="0" smtClean="0"/>
+              <a:t> modelo erra muito tanto para predição dos exemplos de treinamento quanto para exemplos de validação (ou seja, exemplos não vistos durante o treinamento).</a:t>
+            </a:r>
           </a:p>
           <a:p>
             <a:r>

--- a/slides/T319_Regressão_Linear (Parte IV).pptx
+++ b/slides/T319_Regressão_Linear (Parte IV).pptx
@@ -537,7 +537,7 @@
           <a:p>
             <a:fld id="{DAF0AF11-6A8A-4E64-94F5-26D4FBA2A01D}" type="datetimeFigureOut">
               <a:rPr lang="nl-BE" smtClean="0"/>
-              <a:t>5/06/2021</a:t>
+              <a:t>7/07/2021</a:t>
             </a:fld>
             <a:endParaRPr lang="nl-BE"/>
           </a:p>
@@ -1078,15 +1078,7 @@
             </a:r>
             <a:r>
               <a:rPr lang="pt-BR" dirty="0" smtClean="0"/>
-              <a:t> acabam sendo dominantes sobre os demais no sentido de que </a:t>
-            </a:r>
-            <a:r>
-              <a:rPr lang="pt-BR" dirty="0" smtClean="0"/>
-              <a:t>exercem </a:t>
-            </a:r>
-            <a:r>
-              <a:rPr lang="pt-BR" dirty="0" smtClean="0"/>
-              <a:t>grande influência sobre o </a:t>
+              <a:t> acabam sendo dominantes sobre os demais no sentido de que exercem grande influência sobre o </a:t>
             </a:r>
             <a:r>
               <a:rPr lang="pt-BR" b="1" i="1" dirty="0" smtClean="0"/>
@@ -3045,7 +3037,7 @@
           <a:p>
             <a:fld id="{C80E15A5-E95B-43EB-9AC7-9A96397448C0}" type="datetimeFigureOut">
               <a:rPr lang="nl-BE" smtClean="0"/>
-              <a:t>5/06/2021</a:t>
+              <a:t>7/07/2021</a:t>
             </a:fld>
             <a:endParaRPr lang="nl-BE"/>
           </a:p>
@@ -3215,7 +3207,7 @@
           <a:p>
             <a:fld id="{C80E15A5-E95B-43EB-9AC7-9A96397448C0}" type="datetimeFigureOut">
               <a:rPr lang="nl-BE" smtClean="0"/>
-              <a:t>5/06/2021</a:t>
+              <a:t>7/07/2021</a:t>
             </a:fld>
             <a:endParaRPr lang="nl-BE"/>
           </a:p>
@@ -3395,7 +3387,7 @@
           <a:p>
             <a:fld id="{C80E15A5-E95B-43EB-9AC7-9A96397448C0}" type="datetimeFigureOut">
               <a:rPr lang="nl-BE" smtClean="0"/>
-              <a:t>5/06/2021</a:t>
+              <a:t>7/07/2021</a:t>
             </a:fld>
             <a:endParaRPr lang="nl-BE"/>
           </a:p>
@@ -3565,7 +3557,7 @@
           <a:p>
             <a:fld id="{C80E15A5-E95B-43EB-9AC7-9A96397448C0}" type="datetimeFigureOut">
               <a:rPr lang="nl-BE" smtClean="0"/>
-              <a:t>5/06/2021</a:t>
+              <a:t>7/07/2021</a:t>
             </a:fld>
             <a:endParaRPr lang="nl-BE"/>
           </a:p>
@@ -3811,7 +3803,7 @@
           <a:p>
             <a:fld id="{C80E15A5-E95B-43EB-9AC7-9A96397448C0}" type="datetimeFigureOut">
               <a:rPr lang="nl-BE" smtClean="0"/>
-              <a:t>5/06/2021</a:t>
+              <a:t>7/07/2021</a:t>
             </a:fld>
             <a:endParaRPr lang="nl-BE"/>
           </a:p>
@@ -4043,7 +4035,7 @@
           <a:p>
             <a:fld id="{C80E15A5-E95B-43EB-9AC7-9A96397448C0}" type="datetimeFigureOut">
               <a:rPr lang="nl-BE" smtClean="0"/>
-              <a:t>5/06/2021</a:t>
+              <a:t>7/07/2021</a:t>
             </a:fld>
             <a:endParaRPr lang="nl-BE"/>
           </a:p>
@@ -4410,7 +4402,7 @@
           <a:p>
             <a:fld id="{C80E15A5-E95B-43EB-9AC7-9A96397448C0}" type="datetimeFigureOut">
               <a:rPr lang="nl-BE" smtClean="0"/>
-              <a:t>5/06/2021</a:t>
+              <a:t>7/07/2021</a:t>
             </a:fld>
             <a:endParaRPr lang="nl-BE"/>
           </a:p>
@@ -4528,7 +4520,7 @@
           <a:p>
             <a:fld id="{C80E15A5-E95B-43EB-9AC7-9A96397448C0}" type="datetimeFigureOut">
               <a:rPr lang="nl-BE" smtClean="0"/>
-              <a:t>5/06/2021</a:t>
+              <a:t>7/07/2021</a:t>
             </a:fld>
             <a:endParaRPr lang="nl-BE"/>
           </a:p>
@@ -4623,7 +4615,7 @@
           <a:p>
             <a:fld id="{C80E15A5-E95B-43EB-9AC7-9A96397448C0}" type="datetimeFigureOut">
               <a:rPr lang="nl-BE" smtClean="0"/>
-              <a:t>5/06/2021</a:t>
+              <a:t>7/07/2021</a:t>
             </a:fld>
             <a:endParaRPr lang="nl-BE"/>
           </a:p>
@@ -4900,7 +4892,7 @@
           <a:p>
             <a:fld id="{C80E15A5-E95B-43EB-9AC7-9A96397448C0}" type="datetimeFigureOut">
               <a:rPr lang="nl-BE" smtClean="0"/>
-              <a:t>5/06/2021</a:t>
+              <a:t>7/07/2021</a:t>
             </a:fld>
             <a:endParaRPr lang="nl-BE"/>
           </a:p>
@@ -5153,7 +5145,7 @@
           <a:p>
             <a:fld id="{C80E15A5-E95B-43EB-9AC7-9A96397448C0}" type="datetimeFigureOut">
               <a:rPr lang="nl-BE" smtClean="0"/>
-              <a:t>5/06/2021</a:t>
+              <a:t>7/07/2021</a:t>
             </a:fld>
             <a:endParaRPr lang="nl-BE"/>
           </a:p>
@@ -5366,7 +5358,7 @@
           <a:p>
             <a:fld id="{C80E15A5-E95B-43EB-9AC7-9A96397448C0}" type="datetimeFigureOut">
               <a:rPr lang="nl-BE" smtClean="0"/>
-              <a:t>5/06/2021</a:t>
+              <a:t>7/07/2021</a:t>
             </a:fld>
             <a:endParaRPr lang="nl-BE"/>
           </a:p>
@@ -5776,7 +5768,7 @@
           <p:cNvPr id="2" name="Título 1">
             <a:extLst>
               <a:ext uri="{FF2B5EF4-FFF2-40B4-BE49-F238E27FC236}">
-                <a16:creationId xmlns="" xmlns:a16="http://schemas.microsoft.com/office/drawing/2014/main" id="{32666AC8-2E17-4DB4-B0F5-60C640CCFD2E}"/>
+                <a16:creationId xmlns:a16="http://schemas.microsoft.com/office/drawing/2014/main" xmlns="" id="{32666AC8-2E17-4DB4-B0F5-60C640CCFD2E}"/>
               </a:ext>
             </a:extLst>
           </p:cNvPr>
@@ -5835,7 +5827,7 @@
           <p:cNvPr id="4" name="CaixaDeTexto 3">
             <a:extLst>
               <a:ext uri="{FF2B5EF4-FFF2-40B4-BE49-F238E27FC236}">
-                <a16:creationId xmlns="" xmlns:a16="http://schemas.microsoft.com/office/drawing/2014/main" id="{430EB894-B7D4-434C-9D1A-A14094D9BEEC}"/>
+                <a16:creationId xmlns:a16="http://schemas.microsoft.com/office/drawing/2014/main" xmlns="" id="{430EB894-B7D4-434C-9D1A-A14094D9BEEC}"/>
               </a:ext>
             </a:extLst>
           </p:cNvPr>
@@ -5876,7 +5868,7 @@
           <p:cNvPr id="1026" name="Picture 2" descr="Logo">
             <a:extLst>
               <a:ext uri="{FF2B5EF4-FFF2-40B4-BE49-F238E27FC236}">
-                <a16:creationId xmlns="" xmlns:a16="http://schemas.microsoft.com/office/drawing/2014/main" id="{3F2642E0-4F6A-4196-8F58-E77D36E9A33F}"/>
+                <a16:creationId xmlns:a16="http://schemas.microsoft.com/office/drawing/2014/main" xmlns="" id="{3F2642E0-4F6A-4196-8F58-E77D36E9A33F}"/>
               </a:ext>
             </a:extLst>
           </p:cNvPr>
@@ -5921,7 +5913,7 @@
           <p:cNvPr id="5122" name="Picture 2" descr="Image result for machine learning">
             <a:extLst>
               <a:ext uri="{FF2B5EF4-FFF2-40B4-BE49-F238E27FC236}">
-                <a16:creationId xmlns="" xmlns:a16="http://schemas.microsoft.com/office/drawing/2014/main" id="{810CE0A2-4102-44A6-A370-175E7896CDCB}"/>
+                <a16:creationId xmlns:a16="http://schemas.microsoft.com/office/drawing/2014/main" xmlns="" id="{810CE0A2-4102-44A6-A370-175E7896CDCB}"/>
               </a:ext>
             </a:extLst>
           </p:cNvPr>
@@ -6726,15 +6718,7 @@
                   <a:srgbClr val="FF0000"/>
                 </a:solidFill>
               </a:rPr>
-              <a:t>Laboratórios podem ser feitos em grupo</a:t>
-            </a:r>
-            <a:r>
-              <a:rPr lang="pt-BR" b="1" dirty="0" smtClean="0">
-                <a:solidFill>
-                  <a:srgbClr val="FF0000"/>
-                </a:solidFill>
-              </a:rPr>
-              <a:t>.</a:t>
+              <a:t>Laboratórios podem ser feitos em grupo, mas as entregas devem ser individuais.</a:t>
             </a:r>
             <a:endParaRPr lang="pt-BR" b="1" dirty="0">
               <a:solidFill>
@@ -6786,7 +6770,7 @@
           <p:cNvPr id="4" name="Título 1">
             <a:extLst>
               <a:ext uri="{FF2B5EF4-FFF2-40B4-BE49-F238E27FC236}">
-                <a16:creationId xmlns="" xmlns:a16="http://schemas.microsoft.com/office/drawing/2014/main" id="{32666AC8-2E17-4DB4-B0F5-60C640CCFD2E}"/>
+                <a16:creationId xmlns:a16="http://schemas.microsoft.com/office/drawing/2014/main" xmlns="" id="{32666AC8-2E17-4DB4-B0F5-60C640CCFD2E}"/>
               </a:ext>
             </a:extLst>
           </p:cNvPr>
@@ -6871,7 +6855,7 @@
           <p:cNvPr id="2050" name="Picture 2" descr="https://miro.medium.com/max/302/1*MpLkcugbeMrJvFlz69LTNQ.jpeg">
             <a:extLst>
               <a:ext uri="{FF2B5EF4-FFF2-40B4-BE49-F238E27FC236}">
-                <a16:creationId xmlns="" xmlns:a16="http://schemas.microsoft.com/office/drawing/2014/main" id="{DE195D4C-7D53-46C2-BDD9-033809B4E028}"/>
+                <a16:creationId xmlns:a16="http://schemas.microsoft.com/office/drawing/2014/main" xmlns="" id="{DE195D4C-7D53-46C2-BDD9-033809B4E028}"/>
               </a:ext>
             </a:extLst>
           </p:cNvPr>
@@ -6918,7 +6902,7 @@
           <p:cNvPr id="2052" name="Picture 4" descr="https://miro.medium.com/max/426/1*iRv8pCP7v8FzVJNe2vAjdw.png">
             <a:extLst>
               <a:ext uri="{FF2B5EF4-FFF2-40B4-BE49-F238E27FC236}">
-                <a16:creationId xmlns="" xmlns:a16="http://schemas.microsoft.com/office/drawing/2014/main" id="{76F9F526-3C2B-485C-9E25-3D10B3E3B0C3}"/>
+                <a16:creationId xmlns:a16="http://schemas.microsoft.com/office/drawing/2014/main" xmlns="" id="{76F9F526-3C2B-485C-9E25-3D10B3E3B0C3}"/>
               </a:ext>
             </a:extLst>
           </p:cNvPr>
@@ -6965,7 +6949,7 @@
           <p:cNvPr id="2054" name="Picture 6" descr="https://miro.medium.com/max/194/1*JugKARhlrp9HLTF5_lN7EQ.jpeg">
             <a:extLst>
               <a:ext uri="{FF2B5EF4-FFF2-40B4-BE49-F238E27FC236}">
-                <a16:creationId xmlns="" xmlns:a16="http://schemas.microsoft.com/office/drawing/2014/main" id="{50D99301-1821-4F05-A553-E371FA6728F0}"/>
+                <a16:creationId xmlns:a16="http://schemas.microsoft.com/office/drawing/2014/main" xmlns="" id="{50D99301-1821-4F05-A553-E371FA6728F0}"/>
               </a:ext>
             </a:extLst>
           </p:cNvPr>
@@ -7036,7 +7020,7 @@
           <p:cNvPr id="3" name="Picture 3" descr="A close up of text on a black background&#10;&#10;Description generated with very high confidence">
             <a:extLst>
               <a:ext uri="{FF2B5EF4-FFF2-40B4-BE49-F238E27FC236}">
-                <a16:creationId xmlns="" xmlns:a16="http://schemas.microsoft.com/office/drawing/2014/main" id="{2A0DF154-7178-4F01-A59C-CD7D1EB3AD92}"/>
+                <a16:creationId xmlns:a16="http://schemas.microsoft.com/office/drawing/2014/main" xmlns="" id="{2A0DF154-7178-4F01-A59C-CD7D1EB3AD92}"/>
               </a:ext>
             </a:extLst>
           </p:cNvPr>
@@ -7338,7 +7322,7 @@
           <p:cNvPr id="2" name="Título 1">
             <a:extLst>
               <a:ext uri="{FF2B5EF4-FFF2-40B4-BE49-F238E27FC236}">
-                <a16:creationId xmlns="" xmlns:a16="http://schemas.microsoft.com/office/drawing/2014/main" id="{793142C1-FD08-4328-BCCB-5521CEABA2E7}"/>
+                <a16:creationId xmlns:a16="http://schemas.microsoft.com/office/drawing/2014/main" xmlns="" id="{793142C1-FD08-4328-BCCB-5521CEABA2E7}"/>
               </a:ext>
             </a:extLst>
           </p:cNvPr>
@@ -7368,7 +7352,7 @@
               <p:cNvPr id="4" name="Content Placeholder 2">
                 <a:extLst>
                   <a:ext uri="{FF2B5EF4-FFF2-40B4-BE49-F238E27FC236}">
-                    <a16:creationId xmlns="" xmlns:a16="http://schemas.microsoft.com/office/drawing/2014/main" id="{C1642F2F-7A09-459E-9D90-1D9D3103E685}"/>
+                    <a16:creationId xmlns:a16="http://schemas.microsoft.com/office/drawing/2014/main" xmlns="" id="{C1642F2F-7A09-459E-9D90-1D9D3103E685}"/>
                   </a:ext>
                 </a:extLst>
               </p:cNvPr>

--- a/slides/T319_Regressão_Linear (Parte IV).pptx
+++ b/slides/T319_Regressão_Linear (Parte IV).pptx
@@ -537,7 +537,7 @@
           <a:p>
             <a:fld id="{DAF0AF11-6A8A-4E64-94F5-26D4FBA2A01D}" type="datetimeFigureOut">
               <a:rPr lang="nl-BE" smtClean="0"/>
-              <a:t>7/07/2021</a:t>
+              <a:t>19/07/2021</a:t>
             </a:fld>
             <a:endParaRPr lang="nl-BE"/>
           </a:p>
@@ -3037,7 +3037,7 @@
           <a:p>
             <a:fld id="{C80E15A5-E95B-43EB-9AC7-9A96397448C0}" type="datetimeFigureOut">
               <a:rPr lang="nl-BE" smtClean="0"/>
-              <a:t>7/07/2021</a:t>
+              <a:t>19/07/2021</a:t>
             </a:fld>
             <a:endParaRPr lang="nl-BE"/>
           </a:p>
@@ -3207,7 +3207,7 @@
           <a:p>
             <a:fld id="{C80E15A5-E95B-43EB-9AC7-9A96397448C0}" type="datetimeFigureOut">
               <a:rPr lang="nl-BE" smtClean="0"/>
-              <a:t>7/07/2021</a:t>
+              <a:t>19/07/2021</a:t>
             </a:fld>
             <a:endParaRPr lang="nl-BE"/>
           </a:p>
@@ -3387,7 +3387,7 @@
           <a:p>
             <a:fld id="{C80E15A5-E95B-43EB-9AC7-9A96397448C0}" type="datetimeFigureOut">
               <a:rPr lang="nl-BE" smtClean="0"/>
-              <a:t>7/07/2021</a:t>
+              <a:t>19/07/2021</a:t>
             </a:fld>
             <a:endParaRPr lang="nl-BE"/>
           </a:p>
@@ -3557,7 +3557,7 @@
           <a:p>
             <a:fld id="{C80E15A5-E95B-43EB-9AC7-9A96397448C0}" type="datetimeFigureOut">
               <a:rPr lang="nl-BE" smtClean="0"/>
-              <a:t>7/07/2021</a:t>
+              <a:t>19/07/2021</a:t>
             </a:fld>
             <a:endParaRPr lang="nl-BE"/>
           </a:p>
@@ -3803,7 +3803,7 @@
           <a:p>
             <a:fld id="{C80E15A5-E95B-43EB-9AC7-9A96397448C0}" type="datetimeFigureOut">
               <a:rPr lang="nl-BE" smtClean="0"/>
-              <a:t>7/07/2021</a:t>
+              <a:t>19/07/2021</a:t>
             </a:fld>
             <a:endParaRPr lang="nl-BE"/>
           </a:p>
@@ -4035,7 +4035,7 @@
           <a:p>
             <a:fld id="{C80E15A5-E95B-43EB-9AC7-9A96397448C0}" type="datetimeFigureOut">
               <a:rPr lang="nl-BE" smtClean="0"/>
-              <a:t>7/07/2021</a:t>
+              <a:t>19/07/2021</a:t>
             </a:fld>
             <a:endParaRPr lang="nl-BE"/>
           </a:p>
@@ -4402,7 +4402,7 @@
           <a:p>
             <a:fld id="{C80E15A5-E95B-43EB-9AC7-9A96397448C0}" type="datetimeFigureOut">
               <a:rPr lang="nl-BE" smtClean="0"/>
-              <a:t>7/07/2021</a:t>
+              <a:t>19/07/2021</a:t>
             </a:fld>
             <a:endParaRPr lang="nl-BE"/>
           </a:p>
@@ -4520,7 +4520,7 @@
           <a:p>
             <a:fld id="{C80E15A5-E95B-43EB-9AC7-9A96397448C0}" type="datetimeFigureOut">
               <a:rPr lang="nl-BE" smtClean="0"/>
-              <a:t>7/07/2021</a:t>
+              <a:t>19/07/2021</a:t>
             </a:fld>
             <a:endParaRPr lang="nl-BE"/>
           </a:p>
@@ -4615,7 +4615,7 @@
           <a:p>
             <a:fld id="{C80E15A5-E95B-43EB-9AC7-9A96397448C0}" type="datetimeFigureOut">
               <a:rPr lang="nl-BE" smtClean="0"/>
-              <a:t>7/07/2021</a:t>
+              <a:t>19/07/2021</a:t>
             </a:fld>
             <a:endParaRPr lang="nl-BE"/>
           </a:p>
@@ -4892,7 +4892,7 @@
           <a:p>
             <a:fld id="{C80E15A5-E95B-43EB-9AC7-9A96397448C0}" type="datetimeFigureOut">
               <a:rPr lang="nl-BE" smtClean="0"/>
-              <a:t>7/07/2021</a:t>
+              <a:t>19/07/2021</a:t>
             </a:fld>
             <a:endParaRPr lang="nl-BE"/>
           </a:p>
@@ -5145,7 +5145,7 @@
           <a:p>
             <a:fld id="{C80E15A5-E95B-43EB-9AC7-9A96397448C0}" type="datetimeFigureOut">
               <a:rPr lang="nl-BE" smtClean="0"/>
-              <a:t>7/07/2021</a:t>
+              <a:t>19/07/2021</a:t>
             </a:fld>
             <a:endParaRPr lang="nl-BE"/>
           </a:p>
@@ -5358,7 +5358,7 @@
           <a:p>
             <a:fld id="{C80E15A5-E95B-43EB-9AC7-9A96397448C0}" type="datetimeFigureOut">
               <a:rPr lang="nl-BE" smtClean="0"/>
-              <a:t>7/07/2021</a:t>
+              <a:t>19/07/2021</a:t>
             </a:fld>
             <a:endParaRPr lang="nl-BE"/>
           </a:p>
@@ -5768,7 +5768,7 @@
           <p:cNvPr id="2" name="Título 1">
             <a:extLst>
               <a:ext uri="{FF2B5EF4-FFF2-40B4-BE49-F238E27FC236}">
-                <a16:creationId xmlns:a16="http://schemas.microsoft.com/office/drawing/2014/main" xmlns="" id="{32666AC8-2E17-4DB4-B0F5-60C640CCFD2E}"/>
+                <a16:creationId xmlns="" xmlns:a16="http://schemas.microsoft.com/office/drawing/2014/main" id="{32666AC8-2E17-4DB4-B0F5-60C640CCFD2E}"/>
               </a:ext>
             </a:extLst>
           </p:cNvPr>
@@ -5827,7 +5827,7 @@
           <p:cNvPr id="4" name="CaixaDeTexto 3">
             <a:extLst>
               <a:ext uri="{FF2B5EF4-FFF2-40B4-BE49-F238E27FC236}">
-                <a16:creationId xmlns:a16="http://schemas.microsoft.com/office/drawing/2014/main" xmlns="" id="{430EB894-B7D4-434C-9D1A-A14094D9BEEC}"/>
+                <a16:creationId xmlns="" xmlns:a16="http://schemas.microsoft.com/office/drawing/2014/main" id="{430EB894-B7D4-434C-9D1A-A14094D9BEEC}"/>
               </a:ext>
             </a:extLst>
           </p:cNvPr>
@@ -5868,7 +5868,7 @@
           <p:cNvPr id="1026" name="Picture 2" descr="Logo">
             <a:extLst>
               <a:ext uri="{FF2B5EF4-FFF2-40B4-BE49-F238E27FC236}">
-                <a16:creationId xmlns:a16="http://schemas.microsoft.com/office/drawing/2014/main" xmlns="" id="{3F2642E0-4F6A-4196-8F58-E77D36E9A33F}"/>
+                <a16:creationId xmlns="" xmlns:a16="http://schemas.microsoft.com/office/drawing/2014/main" id="{3F2642E0-4F6A-4196-8F58-E77D36E9A33F}"/>
               </a:ext>
             </a:extLst>
           </p:cNvPr>
@@ -5913,7 +5913,7 @@
           <p:cNvPr id="5122" name="Picture 2" descr="Image result for machine learning">
             <a:extLst>
               <a:ext uri="{FF2B5EF4-FFF2-40B4-BE49-F238E27FC236}">
-                <a16:creationId xmlns:a16="http://schemas.microsoft.com/office/drawing/2014/main" xmlns="" id="{810CE0A2-4102-44A6-A370-175E7896CDCB}"/>
+                <a16:creationId xmlns="" xmlns:a16="http://schemas.microsoft.com/office/drawing/2014/main" id="{810CE0A2-4102-44A6-A370-175E7896CDCB}"/>
               </a:ext>
             </a:extLst>
           </p:cNvPr>
@@ -6002,8 +6002,8 @@
         </p:nvSpPr>
         <p:spPr>
           <a:xfrm>
-            <a:off x="838200" y="55165"/>
-            <a:ext cx="10515600" cy="1325563"/>
+            <a:off x="838200" y="55166"/>
+            <a:ext cx="10515600" cy="1018984"/>
           </a:xfrm>
         </p:spPr>
         <p:txBody>
@@ -6029,13 +6029,13 @@
         </p:nvSpPr>
         <p:spPr>
           <a:xfrm>
-            <a:off x="838199" y="4339532"/>
-            <a:ext cx="11179630" cy="2506133"/>
+            <a:off x="838199" y="4153546"/>
+            <a:ext cx="11179630" cy="2692119"/>
           </a:xfrm>
         </p:spPr>
         <p:txBody>
           <a:bodyPr>
-            <a:normAutofit fontScale="85000" lnSpcReduction="20000"/>
+            <a:normAutofit fontScale="85000" lnSpcReduction="10000"/>
           </a:bodyPr>
           <a:lstStyle/>
           <a:p>
@@ -6075,11 +6075,15 @@
           <a:p>
             <a:r>
               <a:rPr lang="pt-BR" dirty="0"/>
-              <a:t>Portanto, esses modelos apresentarão erros </a:t>
+              <a:t>Portanto, esses modelos apresentarão </a:t>
+            </a:r>
+            <a:r>
+              <a:rPr lang="pt-BR" b="1" i="1" dirty="0"/>
+              <a:t>erros significativamente maiores </a:t>
             </a:r>
             <a:r>
               <a:rPr lang="pt-BR" dirty="0" smtClean="0"/>
-              <a:t>grandes quando </a:t>
+              <a:t>quando </a:t>
             </a:r>
             <a:r>
               <a:rPr lang="pt-BR" dirty="0"/>
@@ -6087,8 +6091,21 @@
             </a:r>
             <a:r>
               <a:rPr lang="pt-BR" dirty="0" smtClean="0"/>
-              <a:t>exemplos de validação.</a:t>
-            </a:r>
+              <a:t>exemplos de </a:t>
+            </a:r>
+            <a:r>
+              <a:rPr lang="pt-BR" dirty="0"/>
+              <a:t>validação </a:t>
+            </a:r>
+            <a:r>
+              <a:rPr lang="pt-BR" dirty="0" smtClean="0"/>
+              <a:t>(i.e., </a:t>
+            </a:r>
+            <a:r>
+              <a:rPr lang="pt-BR" dirty="0"/>
+              <a:t>dados não vistos durante o treinamento).</a:t>
+            </a:r>
+            <a:endParaRPr lang="pt-BR" dirty="0" smtClean="0"/>
           </a:p>
           <a:p>
             <a:r>
@@ -6156,7 +6173,7 @@
         </p:blipFill>
         <p:spPr>
           <a:xfrm>
-            <a:off x="1029385" y="1380728"/>
+            <a:off x="1029385" y="1334234"/>
             <a:ext cx="2706541" cy="2773254"/>
           </a:xfrm>
           <a:prstGeom prst="rect">
@@ -6185,7 +6202,7 @@
         </p:blipFill>
         <p:spPr>
           <a:xfrm>
-            <a:off x="4609322" y="1377637"/>
+            <a:off x="4609322" y="1331143"/>
             <a:ext cx="2709133" cy="2775909"/>
           </a:xfrm>
           <a:prstGeom prst="rect">
@@ -6214,7 +6231,7 @@
         </p:blipFill>
         <p:spPr>
           <a:xfrm>
-            <a:off x="8192276" y="1377637"/>
+            <a:off x="8192276" y="1331143"/>
             <a:ext cx="2734379" cy="2775909"/>
           </a:xfrm>
           <a:prstGeom prst="rect">
@@ -6230,7 +6247,7 @@
         </p:nvSpPr>
         <p:spPr>
           <a:xfrm>
-            <a:off x="1229146" y="1123734"/>
+            <a:off x="1229146" y="1077240"/>
             <a:ext cx="2989230" cy="338554"/>
           </a:xfrm>
           <a:prstGeom prst="rect">
@@ -6261,7 +6278,7 @@
         </p:nvSpPr>
         <p:spPr>
           <a:xfrm>
-            <a:off x="4710711" y="1120643"/>
+            <a:off x="4710711" y="1074149"/>
             <a:ext cx="2989230" cy="338554"/>
           </a:xfrm>
           <a:prstGeom prst="rect">
@@ -6292,7 +6309,7 @@
         </p:nvSpPr>
         <p:spPr>
           <a:xfrm>
-            <a:off x="8396134" y="1120643"/>
+            <a:off x="8396134" y="1074149"/>
             <a:ext cx="2989230" cy="338554"/>
           </a:xfrm>
           <a:prstGeom prst="rect">
@@ -6312,6 +6329,44 @@
               <a:t>Polinômio de ordem 30.</a:t>
             </a:r>
             <a:endParaRPr lang="pt-BR" sz="1600" dirty="0"/>
+          </a:p>
+        </p:txBody>
+      </p:sp>
+      <p:sp>
+        <p:nvSpPr>
+          <p:cNvPr id="13" name="TextBox 12"/>
+          <p:cNvSpPr txBox="1"/>
+          <p:nvPr/>
+        </p:nvSpPr>
+        <p:spPr>
+          <a:xfrm>
+            <a:off x="8566483" y="1929540"/>
+            <a:ext cx="1985963" cy="830997"/>
+          </a:xfrm>
+          <a:prstGeom prst="rect">
+            <a:avLst/>
+          </a:prstGeom>
+          <a:noFill/>
+        </p:spPr>
+        <p:txBody>
+          <a:bodyPr wrap="square" rtlCol="0">
+            <a:spAutoFit/>
+          </a:bodyPr>
+          <a:lstStyle/>
+          <a:p>
+            <a:r>
+              <a:rPr lang="pt-BR" sz="1600" b="1" dirty="0" smtClean="0">
+                <a:solidFill>
+                  <a:srgbClr val="FF0000"/>
+                </a:solidFill>
+              </a:rPr>
+              <a:t>O modelo aprende perfeitamente até o ruído presente!</a:t>
+            </a:r>
+            <a:endParaRPr lang="pt-BR" sz="1600" b="1" dirty="0">
+              <a:solidFill>
+                <a:srgbClr val="FF0000"/>
+              </a:solidFill>
+            </a:endParaRPr>
           </a:p>
         </p:txBody>
       </p:sp>
@@ -6720,11 +6775,6 @@
               </a:rPr>
               <a:t>Laboratórios podem ser feitos em grupo, mas as entregas devem ser individuais.</a:t>
             </a:r>
-            <a:endParaRPr lang="pt-BR" b="1" dirty="0">
-              <a:solidFill>
-                <a:srgbClr val="FF0000"/>
-              </a:solidFill>
-            </a:endParaRPr>
           </a:p>
         </p:txBody>
       </p:sp>
@@ -6770,7 +6820,7 @@
           <p:cNvPr id="4" name="Título 1">
             <a:extLst>
               <a:ext uri="{FF2B5EF4-FFF2-40B4-BE49-F238E27FC236}">
-                <a16:creationId xmlns:a16="http://schemas.microsoft.com/office/drawing/2014/main" xmlns="" id="{32666AC8-2E17-4DB4-B0F5-60C640CCFD2E}"/>
+                <a16:creationId xmlns="" xmlns:a16="http://schemas.microsoft.com/office/drawing/2014/main" id="{32666AC8-2E17-4DB4-B0F5-60C640CCFD2E}"/>
               </a:ext>
             </a:extLst>
           </p:cNvPr>
@@ -6855,7 +6905,7 @@
           <p:cNvPr id="2050" name="Picture 2" descr="https://miro.medium.com/max/302/1*MpLkcugbeMrJvFlz69LTNQ.jpeg">
             <a:extLst>
               <a:ext uri="{FF2B5EF4-FFF2-40B4-BE49-F238E27FC236}">
-                <a16:creationId xmlns:a16="http://schemas.microsoft.com/office/drawing/2014/main" xmlns="" id="{DE195D4C-7D53-46C2-BDD9-033809B4E028}"/>
+                <a16:creationId xmlns="" xmlns:a16="http://schemas.microsoft.com/office/drawing/2014/main" id="{DE195D4C-7D53-46C2-BDD9-033809B4E028}"/>
               </a:ext>
             </a:extLst>
           </p:cNvPr>
@@ -6902,7 +6952,7 @@
           <p:cNvPr id="2052" name="Picture 4" descr="https://miro.medium.com/max/426/1*iRv8pCP7v8FzVJNe2vAjdw.png">
             <a:extLst>
               <a:ext uri="{FF2B5EF4-FFF2-40B4-BE49-F238E27FC236}">
-                <a16:creationId xmlns:a16="http://schemas.microsoft.com/office/drawing/2014/main" xmlns="" id="{76F9F526-3C2B-485C-9E25-3D10B3E3B0C3}"/>
+                <a16:creationId xmlns="" xmlns:a16="http://schemas.microsoft.com/office/drawing/2014/main" id="{76F9F526-3C2B-485C-9E25-3D10B3E3B0C3}"/>
               </a:ext>
             </a:extLst>
           </p:cNvPr>
@@ -6949,7 +6999,7 @@
           <p:cNvPr id="2054" name="Picture 6" descr="https://miro.medium.com/max/194/1*JugKARhlrp9HLTF5_lN7EQ.jpeg">
             <a:extLst>
               <a:ext uri="{FF2B5EF4-FFF2-40B4-BE49-F238E27FC236}">
-                <a16:creationId xmlns:a16="http://schemas.microsoft.com/office/drawing/2014/main" xmlns="" id="{50D99301-1821-4F05-A553-E371FA6728F0}"/>
+                <a16:creationId xmlns="" xmlns:a16="http://schemas.microsoft.com/office/drawing/2014/main" id="{50D99301-1821-4F05-A553-E371FA6728F0}"/>
               </a:ext>
             </a:extLst>
           </p:cNvPr>
@@ -7020,7 +7070,7 @@
           <p:cNvPr id="3" name="Picture 3" descr="A close up of text on a black background&#10;&#10;Description generated with very high confidence">
             <a:extLst>
               <a:ext uri="{FF2B5EF4-FFF2-40B4-BE49-F238E27FC236}">
-                <a16:creationId xmlns:a16="http://schemas.microsoft.com/office/drawing/2014/main" xmlns="" id="{2A0DF154-7178-4F01-A59C-CD7D1EB3AD92}"/>
+                <a16:creationId xmlns="" xmlns:a16="http://schemas.microsoft.com/office/drawing/2014/main" id="{2A0DF154-7178-4F01-A59C-CD7D1EB3AD92}"/>
               </a:ext>
             </a:extLst>
           </p:cNvPr>
@@ -7322,7 +7372,7 @@
           <p:cNvPr id="2" name="Título 1">
             <a:extLst>
               <a:ext uri="{FF2B5EF4-FFF2-40B4-BE49-F238E27FC236}">
-                <a16:creationId xmlns:a16="http://schemas.microsoft.com/office/drawing/2014/main" xmlns="" id="{793142C1-FD08-4328-BCCB-5521CEABA2E7}"/>
+                <a16:creationId xmlns="" xmlns:a16="http://schemas.microsoft.com/office/drawing/2014/main" id="{793142C1-FD08-4328-BCCB-5521CEABA2E7}"/>
               </a:ext>
             </a:extLst>
           </p:cNvPr>
@@ -7345,14 +7395,14 @@
           </a:p>
         </p:txBody>
       </p:sp>
-      <mc:AlternateContent xmlns:mc="http://schemas.openxmlformats.org/markup-compatibility/2006" xmlns:a14="http://schemas.microsoft.com/office/drawing/2010/main">
-        <mc:Choice Requires="a14">
+      <mc:AlternateContent xmlns:mc="http://schemas.openxmlformats.org/markup-compatibility/2006">
+        <mc:Choice xmlns:a14="http://schemas.microsoft.com/office/drawing/2010/main" Requires="a14">
           <p:sp>
             <p:nvSpPr>
               <p:cNvPr id="4" name="Content Placeholder 2">
                 <a:extLst>
                   <a:ext uri="{FF2B5EF4-FFF2-40B4-BE49-F238E27FC236}">
-                    <a16:creationId xmlns:a16="http://schemas.microsoft.com/office/drawing/2014/main" xmlns="" id="{C1642F2F-7A09-459E-9D90-1D9D3103E685}"/>
+                    <a16:creationId xmlns="" xmlns:a16="http://schemas.microsoft.com/office/drawing/2014/main" id="{C1642F2F-7A09-459E-9D90-1D9D3103E685}"/>
                   </a:ext>
                 </a:extLst>
               </p:cNvPr>
@@ -7504,31 +7554,43 @@
                       </a:rPr>
                       <m:t>=</m:t>
                     </m:r>
-                    <m:sSub>
-                      <m:sSubPr>
+                    <m:acc>
+                      <m:accPr>
+                        <m:chr m:val="̂"/>
                         <m:ctrlPr>
                           <a:rPr lang="pt-BR" i="1">
                             <a:latin typeface="Cambria Math" panose="02040503050406030204" pitchFamily="18" charset="0"/>
                           </a:rPr>
                         </m:ctrlPr>
-                      </m:sSubPr>
+                      </m:accPr>
                       <m:e>
-                        <m:r>
-                          <a:rPr lang="pt-BR" i="1">
-                            <a:latin typeface="Cambria Math" panose="02040503050406030204" pitchFamily="18" charset="0"/>
-                          </a:rPr>
-                          <m:t>𝑎</m:t>
-                        </m:r>
+                        <m:sSub>
+                          <m:sSubPr>
+                            <m:ctrlPr>
+                              <a:rPr lang="pt-BR" i="1">
+                                <a:latin typeface="Cambria Math" panose="02040503050406030204" pitchFamily="18" charset="0"/>
+                              </a:rPr>
+                            </m:ctrlPr>
+                          </m:sSubPr>
+                          <m:e>
+                            <m:r>
+                              <a:rPr lang="pt-BR" i="1">
+                                <a:latin typeface="Cambria Math" panose="02040503050406030204" pitchFamily="18" charset="0"/>
+                              </a:rPr>
+                              <m:t>𝑎</m:t>
+                            </m:r>
+                          </m:e>
+                          <m:sub>
+                            <m:r>
+                              <a:rPr lang="pt-BR" i="1">
+                                <a:latin typeface="Cambria Math" panose="02040503050406030204" pitchFamily="18" charset="0"/>
+                              </a:rPr>
+                              <m:t>1</m:t>
+                            </m:r>
+                          </m:sub>
+                        </m:sSub>
                       </m:e>
-                      <m:sub>
-                        <m:r>
-                          <a:rPr lang="pt-BR" b="0" i="1" smtClean="0">
-                            <a:latin typeface="Cambria Math" panose="02040503050406030204" pitchFamily="18" charset="0"/>
-                          </a:rPr>
-                          <m:t>1</m:t>
-                        </m:r>
-                      </m:sub>
-                    </m:sSub>
+                    </m:acc>
                     <m:sSub>
                       <m:sSubPr>
                         <m:ctrlPr>
@@ -7577,31 +7639,43 @@
                       </a:rPr>
                       <m:t>+</m:t>
                     </m:r>
-                    <m:sSub>
-                      <m:sSubPr>
+                    <m:acc>
+                      <m:accPr>
+                        <m:chr m:val="̂"/>
                         <m:ctrlPr>
                           <a:rPr lang="pt-BR" i="1">
                             <a:latin typeface="Cambria Math" panose="02040503050406030204" pitchFamily="18" charset="0"/>
                           </a:rPr>
                         </m:ctrlPr>
-                      </m:sSubPr>
+                      </m:accPr>
                       <m:e>
-                        <m:r>
-                          <a:rPr lang="pt-BR" i="1">
-                            <a:latin typeface="Cambria Math" panose="02040503050406030204" pitchFamily="18" charset="0"/>
-                          </a:rPr>
-                          <m:t>𝑎</m:t>
-                        </m:r>
+                        <m:sSub>
+                          <m:sSubPr>
+                            <m:ctrlPr>
+                              <a:rPr lang="pt-BR" i="1">
+                                <a:latin typeface="Cambria Math" panose="02040503050406030204" pitchFamily="18" charset="0"/>
+                              </a:rPr>
+                            </m:ctrlPr>
+                          </m:sSubPr>
+                          <m:e>
+                            <m:r>
+                              <a:rPr lang="pt-BR" i="1">
+                                <a:latin typeface="Cambria Math" panose="02040503050406030204" pitchFamily="18" charset="0"/>
+                              </a:rPr>
+                              <m:t>𝑎</m:t>
+                            </m:r>
+                          </m:e>
+                          <m:sub>
+                            <m:r>
+                              <a:rPr lang="pt-BR" b="0" i="1" smtClean="0">
+                                <a:latin typeface="Cambria Math" panose="02040503050406030204" pitchFamily="18" charset="0"/>
+                              </a:rPr>
+                              <m:t>2</m:t>
+                            </m:r>
+                          </m:sub>
+                        </m:sSub>
                       </m:e>
-                      <m:sub>
-                        <m:r>
-                          <a:rPr lang="pt-BR" b="0" i="1" smtClean="0">
-                            <a:latin typeface="Cambria Math" panose="02040503050406030204" pitchFamily="18" charset="0"/>
-                          </a:rPr>
-                          <m:t>2</m:t>
-                        </m:r>
-                      </m:sub>
-                    </m:sSub>
+                    </m:acc>
                     <m:sSub>
                       <m:sSubPr>
                         <m:ctrlPr>
@@ -7850,31 +7924,43 @@
                                     </m:ctrlPr>
                                   </m:dPr>
                                   <m:e>
-                                    <m:sSub>
-                                      <m:sSubPr>
+                                    <m:acc>
+                                      <m:accPr>
+                                        <m:chr m:val="̂"/>
                                         <m:ctrlPr>
                                           <a:rPr lang="pt-BR" i="1">
                                             <a:latin typeface="Cambria Math" panose="02040503050406030204" pitchFamily="18" charset="0"/>
                                           </a:rPr>
                                         </m:ctrlPr>
-                                      </m:sSubPr>
+                                      </m:accPr>
                                       <m:e>
-                                        <m:r>
-                                          <a:rPr lang="pt-BR" i="1">
-                                            <a:latin typeface="Cambria Math" panose="02040503050406030204" pitchFamily="18" charset="0"/>
-                                          </a:rPr>
-                                          <m:t>𝑎</m:t>
-                                        </m:r>
+                                        <m:sSub>
+                                          <m:sSubPr>
+                                            <m:ctrlPr>
+                                              <a:rPr lang="pt-BR" i="1">
+                                                <a:latin typeface="Cambria Math" panose="02040503050406030204" pitchFamily="18" charset="0"/>
+                                              </a:rPr>
+                                            </m:ctrlPr>
+                                          </m:sSubPr>
+                                          <m:e>
+                                            <m:r>
+                                              <a:rPr lang="pt-BR" i="1">
+                                                <a:latin typeface="Cambria Math" panose="02040503050406030204" pitchFamily="18" charset="0"/>
+                                              </a:rPr>
+                                              <m:t>𝑎</m:t>
+                                            </m:r>
+                                          </m:e>
+                                          <m:sub>
+                                            <m:r>
+                                              <a:rPr lang="pt-BR" i="1">
+                                                <a:latin typeface="Cambria Math" panose="02040503050406030204" pitchFamily="18" charset="0"/>
+                                              </a:rPr>
+                                              <m:t>1</m:t>
+                                            </m:r>
+                                          </m:sub>
+                                        </m:sSub>
                                       </m:e>
-                                      <m:sub>
-                                        <m:r>
-                                          <a:rPr lang="pt-BR" i="1">
-                                            <a:latin typeface="Cambria Math" panose="02040503050406030204" pitchFamily="18" charset="0"/>
-                                          </a:rPr>
-                                          <m:t>1</m:t>
-                                        </m:r>
-                                      </m:sub>
-                                    </m:sSub>
+                                    </m:acc>
                                     <m:sSub>
                                       <m:sSubPr>
                                         <m:ctrlPr>
@@ -7910,7 +7996,7 @@
                                       </m:dPr>
                                       <m:e>
                                         <m:r>
-                                          <a:rPr lang="pt-BR" b="0" i="1" smtClean="0">
+                                          <a:rPr lang="pt-BR" i="1">
                                             <a:latin typeface="Cambria Math" panose="02040503050406030204" pitchFamily="18" charset="0"/>
                                           </a:rPr>
                                           <m:t>𝑛</m:t>
@@ -7923,31 +8009,43 @@
                                       </a:rPr>
                                       <m:t>+</m:t>
                                     </m:r>
-                                    <m:sSub>
-                                      <m:sSubPr>
+                                    <m:acc>
+                                      <m:accPr>
+                                        <m:chr m:val="̂"/>
                                         <m:ctrlPr>
                                           <a:rPr lang="pt-BR" i="1">
                                             <a:latin typeface="Cambria Math" panose="02040503050406030204" pitchFamily="18" charset="0"/>
                                           </a:rPr>
                                         </m:ctrlPr>
-                                      </m:sSubPr>
+                                      </m:accPr>
                                       <m:e>
-                                        <m:r>
-                                          <a:rPr lang="pt-BR" i="1">
-                                            <a:latin typeface="Cambria Math" panose="02040503050406030204" pitchFamily="18" charset="0"/>
-                                          </a:rPr>
-                                          <m:t>𝑎</m:t>
-                                        </m:r>
+                                        <m:sSub>
+                                          <m:sSubPr>
+                                            <m:ctrlPr>
+                                              <a:rPr lang="pt-BR" i="1">
+                                                <a:latin typeface="Cambria Math" panose="02040503050406030204" pitchFamily="18" charset="0"/>
+                                              </a:rPr>
+                                            </m:ctrlPr>
+                                          </m:sSubPr>
+                                          <m:e>
+                                            <m:r>
+                                              <a:rPr lang="pt-BR" i="1">
+                                                <a:latin typeface="Cambria Math" panose="02040503050406030204" pitchFamily="18" charset="0"/>
+                                              </a:rPr>
+                                              <m:t>𝑎</m:t>
+                                            </m:r>
+                                          </m:e>
+                                          <m:sub>
+                                            <m:r>
+                                              <a:rPr lang="pt-BR" i="1">
+                                                <a:latin typeface="Cambria Math" panose="02040503050406030204" pitchFamily="18" charset="0"/>
+                                              </a:rPr>
+                                              <m:t>2</m:t>
+                                            </m:r>
+                                          </m:sub>
+                                        </m:sSub>
                                       </m:e>
-                                      <m:sub>
-                                        <m:r>
-                                          <a:rPr lang="pt-BR" i="1">
-                                            <a:latin typeface="Cambria Math" panose="02040503050406030204" pitchFamily="18" charset="0"/>
-                                          </a:rPr>
-                                          <m:t>2</m:t>
-                                        </m:r>
-                                      </m:sub>
-                                    </m:sSub>
+                                    </m:acc>
                                     <m:sSub>
                                       <m:sSubPr>
                                         <m:ctrlPr>
@@ -7983,7 +8081,7 @@
                                       </m:dPr>
                                       <m:e>
                                         <m:r>
-                                          <a:rPr lang="pt-BR" b="0" i="1" smtClean="0">
+                                          <a:rPr lang="pt-BR" i="1">
                                             <a:latin typeface="Cambria Math" panose="02040503050406030204" pitchFamily="18" charset="0"/>
                                           </a:rPr>
                                           <m:t>𝑛</m:t>
@@ -8386,31 +8484,43 @@
                                     </m:ctrlPr>
                                   </m:sSubPr>
                                   <m:e>
-                                    <m:r>
-                                      <a:rPr lang="pt-BR" i="1">
-                                        <a:latin typeface="Cambria Math" panose="02040503050406030204" pitchFamily="18" charset="0"/>
-                                      </a:rPr>
-                                      <m:t>𝑎</m:t>
-                                    </m:r>
-                                  </m:e>
-                                  <m:sub>
-                                    <m:r>
-                                      <a:rPr lang="pt-BR" i="1">
-                                        <a:latin typeface="Cambria Math" panose="02040503050406030204" pitchFamily="18" charset="0"/>
-                                      </a:rPr>
-                                      <m:t>1</m:t>
-                                    </m:r>
-                                  </m:sub>
-                                </m:sSub>
-                                <m:sSub>
-                                  <m:sSubPr>
-                                    <m:ctrlPr>
-                                      <a:rPr lang="pt-BR" i="1">
-                                        <a:latin typeface="Cambria Math" panose="02040503050406030204" pitchFamily="18" charset="0"/>
-                                      </a:rPr>
-                                    </m:ctrlPr>
-                                  </m:sSubPr>
-                                  <m:e>
+                                    <m:acc>
+                                      <m:accPr>
+                                        <m:chr m:val="̂"/>
+                                        <m:ctrlPr>
+                                          <a:rPr lang="pt-BR" i="1">
+                                            <a:latin typeface="Cambria Math" panose="02040503050406030204" pitchFamily="18" charset="0"/>
+                                          </a:rPr>
+                                        </m:ctrlPr>
+                                      </m:accPr>
+                                      <m:e>
+                                        <m:sSub>
+                                          <m:sSubPr>
+                                            <m:ctrlPr>
+                                              <a:rPr lang="pt-BR" i="1">
+                                                <a:latin typeface="Cambria Math" panose="02040503050406030204" pitchFamily="18" charset="0"/>
+                                              </a:rPr>
+                                            </m:ctrlPr>
+                                          </m:sSubPr>
+                                          <m:e>
+                                            <m:r>
+                                              <a:rPr lang="pt-BR" i="1">
+                                                <a:latin typeface="Cambria Math" panose="02040503050406030204" pitchFamily="18" charset="0"/>
+                                              </a:rPr>
+                                              <m:t>𝑎</m:t>
+                                            </m:r>
+                                          </m:e>
+                                          <m:sub>
+                                            <m:r>
+                                              <a:rPr lang="pt-BR" i="1">
+                                                <a:latin typeface="Cambria Math" panose="02040503050406030204" pitchFamily="18" charset="0"/>
+                                              </a:rPr>
+                                              <m:t>1</m:t>
+                                            </m:r>
+                                          </m:sub>
+                                        </m:sSub>
+                                      </m:e>
+                                    </m:acc>
                                     <m:r>
                                       <a:rPr lang="pt-BR" i="1">
                                         <a:latin typeface="Cambria Math" panose="02040503050406030204" pitchFamily="18" charset="0"/>
@@ -8710,13 +8820,13 @@
             </p:txBody>
           </p:sp>
         </mc:Choice>
-        <mc:Fallback xmlns="">
+        <mc:Fallback>
           <p:sp>
             <p:nvSpPr>
               <p:cNvPr id="4" name="Content Placeholder 2">
                 <a:extLst>
                   <a:ext uri="{FF2B5EF4-FFF2-40B4-BE49-F238E27FC236}">
-                    <a16:creationId xmlns:a16="http://schemas.microsoft.com/office/drawing/2014/main" xmlns="" xmlns:a14="http://schemas.microsoft.com/office/drawing/2010/main" id="{C1642F2F-7A09-459E-9D90-1D9D3103E685}"/>
+                    <a16:creationId xmlns="" xmlns:a16="http://schemas.microsoft.com/office/drawing/2014/main" xmlns:a14="http://schemas.microsoft.com/office/drawing/2010/main" id="{C1642F2F-7A09-459E-9D90-1D9D3103E685}"/>
                   </a:ext>
                 </a:extLst>
               </p:cNvPr>
@@ -11262,8 +11372,8 @@
           </a:p>
         </p:txBody>
       </p:sp>
-      <mc:AlternateContent xmlns:mc="http://schemas.openxmlformats.org/markup-compatibility/2006" xmlns:a14="http://schemas.microsoft.com/office/drawing/2010/main">
-        <mc:Choice Requires="a14">
+      <mc:AlternateContent xmlns:mc="http://schemas.openxmlformats.org/markup-compatibility/2006">
+        <mc:Choice xmlns:a14="http://schemas.microsoft.com/office/drawing/2010/main" Requires="a14">
           <p:sp>
             <p:nvSpPr>
               <p:cNvPr id="23" name="TextBox 22"/>
@@ -11708,14 +11818,18 @@
                 </a:r>
                 <a:r>
                   <a:rPr lang="pt-BR" dirty="0" smtClean="0"/>
-                  <a:t> semelhante na variação do erro (tigela).</a:t>
+                  <a:t> semelhante na variação do erro (tigela</a:t>
+                </a:r>
+                <a:r>
+                  <a:rPr lang="pt-BR" dirty="0" smtClean="0"/>
+                  <a:t>).</a:t>
                 </a:r>
                 <a:endParaRPr lang="pt-BR" dirty="0"/>
               </a:p>
             </p:txBody>
           </p:sp>
         </mc:Choice>
-        <mc:Fallback xmlns="">
+        <mc:Fallback>
           <p:sp>
             <p:nvSpPr>
               <p:cNvPr id="23" name="TextBox 22"/>

--- a/slides/T319_Regressão_Linear (Parte IV).pptx
+++ b/slides/T319_Regressão_Linear (Parte IV).pptx
@@ -537,7 +537,7 @@
           <a:p>
             <a:fld id="{DAF0AF11-6A8A-4E64-94F5-26D4FBA2A01D}" type="datetimeFigureOut">
               <a:rPr lang="nl-BE" smtClean="0"/>
-              <a:t>19/07/2021</a:t>
+              <a:t>22/07/2021</a:t>
             </a:fld>
             <a:endParaRPr lang="nl-BE"/>
           </a:p>
@@ -3037,7 +3037,7 @@
           <a:p>
             <a:fld id="{C80E15A5-E95B-43EB-9AC7-9A96397448C0}" type="datetimeFigureOut">
               <a:rPr lang="nl-BE" smtClean="0"/>
-              <a:t>19/07/2021</a:t>
+              <a:t>22/07/2021</a:t>
             </a:fld>
             <a:endParaRPr lang="nl-BE"/>
           </a:p>
@@ -3207,7 +3207,7 @@
           <a:p>
             <a:fld id="{C80E15A5-E95B-43EB-9AC7-9A96397448C0}" type="datetimeFigureOut">
               <a:rPr lang="nl-BE" smtClean="0"/>
-              <a:t>19/07/2021</a:t>
+              <a:t>22/07/2021</a:t>
             </a:fld>
             <a:endParaRPr lang="nl-BE"/>
           </a:p>
@@ -3387,7 +3387,7 @@
           <a:p>
             <a:fld id="{C80E15A5-E95B-43EB-9AC7-9A96397448C0}" type="datetimeFigureOut">
               <a:rPr lang="nl-BE" smtClean="0"/>
-              <a:t>19/07/2021</a:t>
+              <a:t>22/07/2021</a:t>
             </a:fld>
             <a:endParaRPr lang="nl-BE"/>
           </a:p>
@@ -3557,7 +3557,7 @@
           <a:p>
             <a:fld id="{C80E15A5-E95B-43EB-9AC7-9A96397448C0}" type="datetimeFigureOut">
               <a:rPr lang="nl-BE" smtClean="0"/>
-              <a:t>19/07/2021</a:t>
+              <a:t>22/07/2021</a:t>
             </a:fld>
             <a:endParaRPr lang="nl-BE"/>
           </a:p>
@@ -3803,7 +3803,7 @@
           <a:p>
             <a:fld id="{C80E15A5-E95B-43EB-9AC7-9A96397448C0}" type="datetimeFigureOut">
               <a:rPr lang="nl-BE" smtClean="0"/>
-              <a:t>19/07/2021</a:t>
+              <a:t>22/07/2021</a:t>
             </a:fld>
             <a:endParaRPr lang="nl-BE"/>
           </a:p>
@@ -4035,7 +4035,7 @@
           <a:p>
             <a:fld id="{C80E15A5-E95B-43EB-9AC7-9A96397448C0}" type="datetimeFigureOut">
               <a:rPr lang="nl-BE" smtClean="0"/>
-              <a:t>19/07/2021</a:t>
+              <a:t>22/07/2021</a:t>
             </a:fld>
             <a:endParaRPr lang="nl-BE"/>
           </a:p>
@@ -4402,7 +4402,7 @@
           <a:p>
             <a:fld id="{C80E15A5-E95B-43EB-9AC7-9A96397448C0}" type="datetimeFigureOut">
               <a:rPr lang="nl-BE" smtClean="0"/>
-              <a:t>19/07/2021</a:t>
+              <a:t>22/07/2021</a:t>
             </a:fld>
             <a:endParaRPr lang="nl-BE"/>
           </a:p>
@@ -4520,7 +4520,7 @@
           <a:p>
             <a:fld id="{C80E15A5-E95B-43EB-9AC7-9A96397448C0}" type="datetimeFigureOut">
               <a:rPr lang="nl-BE" smtClean="0"/>
-              <a:t>19/07/2021</a:t>
+              <a:t>22/07/2021</a:t>
             </a:fld>
             <a:endParaRPr lang="nl-BE"/>
           </a:p>
@@ -4615,7 +4615,7 @@
           <a:p>
             <a:fld id="{C80E15A5-E95B-43EB-9AC7-9A96397448C0}" type="datetimeFigureOut">
               <a:rPr lang="nl-BE" smtClean="0"/>
-              <a:t>19/07/2021</a:t>
+              <a:t>22/07/2021</a:t>
             </a:fld>
             <a:endParaRPr lang="nl-BE"/>
           </a:p>
@@ -4892,7 +4892,7 @@
           <a:p>
             <a:fld id="{C80E15A5-E95B-43EB-9AC7-9A96397448C0}" type="datetimeFigureOut">
               <a:rPr lang="nl-BE" smtClean="0"/>
-              <a:t>19/07/2021</a:t>
+              <a:t>22/07/2021</a:t>
             </a:fld>
             <a:endParaRPr lang="nl-BE"/>
           </a:p>
@@ -5145,7 +5145,7 @@
           <a:p>
             <a:fld id="{C80E15A5-E95B-43EB-9AC7-9A96397448C0}" type="datetimeFigureOut">
               <a:rPr lang="nl-BE" smtClean="0"/>
-              <a:t>19/07/2021</a:t>
+              <a:t>22/07/2021</a:t>
             </a:fld>
             <a:endParaRPr lang="nl-BE"/>
           </a:p>
@@ -5358,7 +5358,7 @@
           <a:p>
             <a:fld id="{C80E15A5-E95B-43EB-9AC7-9A96397448C0}" type="datetimeFigureOut">
               <a:rPr lang="nl-BE" smtClean="0"/>
-              <a:t>19/07/2021</a:t>
+              <a:t>22/07/2021</a:t>
             </a:fld>
             <a:endParaRPr lang="nl-BE"/>
           </a:p>
@@ -5768,7 +5768,7 @@
           <p:cNvPr id="2" name="Título 1">
             <a:extLst>
               <a:ext uri="{FF2B5EF4-FFF2-40B4-BE49-F238E27FC236}">
-                <a16:creationId xmlns="" xmlns:a16="http://schemas.microsoft.com/office/drawing/2014/main" id="{32666AC8-2E17-4DB4-B0F5-60C640CCFD2E}"/>
+                <a16:creationId xmlns:a16="http://schemas.microsoft.com/office/drawing/2014/main" xmlns="" id="{32666AC8-2E17-4DB4-B0F5-60C640CCFD2E}"/>
               </a:ext>
             </a:extLst>
           </p:cNvPr>
@@ -5827,7 +5827,7 @@
           <p:cNvPr id="4" name="CaixaDeTexto 3">
             <a:extLst>
               <a:ext uri="{FF2B5EF4-FFF2-40B4-BE49-F238E27FC236}">
-                <a16:creationId xmlns="" xmlns:a16="http://schemas.microsoft.com/office/drawing/2014/main" id="{430EB894-B7D4-434C-9D1A-A14094D9BEEC}"/>
+                <a16:creationId xmlns:a16="http://schemas.microsoft.com/office/drawing/2014/main" xmlns="" id="{430EB894-B7D4-434C-9D1A-A14094D9BEEC}"/>
               </a:ext>
             </a:extLst>
           </p:cNvPr>
@@ -5868,7 +5868,7 @@
           <p:cNvPr id="1026" name="Picture 2" descr="Logo">
             <a:extLst>
               <a:ext uri="{FF2B5EF4-FFF2-40B4-BE49-F238E27FC236}">
-                <a16:creationId xmlns="" xmlns:a16="http://schemas.microsoft.com/office/drawing/2014/main" id="{3F2642E0-4F6A-4196-8F58-E77D36E9A33F}"/>
+                <a16:creationId xmlns:a16="http://schemas.microsoft.com/office/drawing/2014/main" xmlns="" id="{3F2642E0-4F6A-4196-8F58-E77D36E9A33F}"/>
               </a:ext>
             </a:extLst>
           </p:cNvPr>
@@ -5913,7 +5913,7 @@
           <p:cNvPr id="5122" name="Picture 2" descr="Image result for machine learning">
             <a:extLst>
               <a:ext uri="{FF2B5EF4-FFF2-40B4-BE49-F238E27FC236}">
-                <a16:creationId xmlns="" xmlns:a16="http://schemas.microsoft.com/office/drawing/2014/main" id="{810CE0A2-4102-44A6-A370-175E7896CDCB}"/>
+                <a16:creationId xmlns:a16="http://schemas.microsoft.com/office/drawing/2014/main" xmlns="" id="{810CE0A2-4102-44A6-A370-175E7896CDCB}"/>
               </a:ext>
             </a:extLst>
           </p:cNvPr>
@@ -6700,15 +6700,15 @@
             </a:r>
             <a:r>
               <a:rPr lang="pt-BR" i="1" dirty="0" smtClean="0"/>
-              <a:t>IV </a:t>
-            </a:r>
-            <a:r>
-              <a:rPr lang="pt-BR" i="1" dirty="0"/>
-              <a:t>(1S2021)</a:t>
+              <a:t>IV</a:t>
+            </a:r>
+            <a:r>
+              <a:rPr lang="pt-BR" dirty="0" smtClean="0"/>
+              <a:t>” </a:t>
             </a:r>
             <a:r>
               <a:rPr lang="pt-BR" dirty="0"/>
-              <a:t>” que se encontra no MS Teams.</a:t>
+              <a:t>que se encontra no MS Teams.</a:t>
             </a:r>
           </a:p>
           <a:p>
@@ -6820,7 +6820,7 @@
           <p:cNvPr id="4" name="Título 1">
             <a:extLst>
               <a:ext uri="{FF2B5EF4-FFF2-40B4-BE49-F238E27FC236}">
-                <a16:creationId xmlns="" xmlns:a16="http://schemas.microsoft.com/office/drawing/2014/main" id="{32666AC8-2E17-4DB4-B0F5-60C640CCFD2E}"/>
+                <a16:creationId xmlns:a16="http://schemas.microsoft.com/office/drawing/2014/main" xmlns="" id="{32666AC8-2E17-4DB4-B0F5-60C640CCFD2E}"/>
               </a:ext>
             </a:extLst>
           </p:cNvPr>
@@ -6905,7 +6905,7 @@
           <p:cNvPr id="2050" name="Picture 2" descr="https://miro.medium.com/max/302/1*MpLkcugbeMrJvFlz69LTNQ.jpeg">
             <a:extLst>
               <a:ext uri="{FF2B5EF4-FFF2-40B4-BE49-F238E27FC236}">
-                <a16:creationId xmlns="" xmlns:a16="http://schemas.microsoft.com/office/drawing/2014/main" id="{DE195D4C-7D53-46C2-BDD9-033809B4E028}"/>
+                <a16:creationId xmlns:a16="http://schemas.microsoft.com/office/drawing/2014/main" xmlns="" id="{DE195D4C-7D53-46C2-BDD9-033809B4E028}"/>
               </a:ext>
             </a:extLst>
           </p:cNvPr>
@@ -6952,7 +6952,7 @@
           <p:cNvPr id="2052" name="Picture 4" descr="https://miro.medium.com/max/426/1*iRv8pCP7v8FzVJNe2vAjdw.png">
             <a:extLst>
               <a:ext uri="{FF2B5EF4-FFF2-40B4-BE49-F238E27FC236}">
-                <a16:creationId xmlns="" xmlns:a16="http://schemas.microsoft.com/office/drawing/2014/main" id="{76F9F526-3C2B-485C-9E25-3D10B3E3B0C3}"/>
+                <a16:creationId xmlns:a16="http://schemas.microsoft.com/office/drawing/2014/main" xmlns="" id="{76F9F526-3C2B-485C-9E25-3D10B3E3B0C3}"/>
               </a:ext>
             </a:extLst>
           </p:cNvPr>
@@ -6999,7 +6999,7 @@
           <p:cNvPr id="2054" name="Picture 6" descr="https://miro.medium.com/max/194/1*JugKARhlrp9HLTF5_lN7EQ.jpeg">
             <a:extLst>
               <a:ext uri="{FF2B5EF4-FFF2-40B4-BE49-F238E27FC236}">
-                <a16:creationId xmlns="" xmlns:a16="http://schemas.microsoft.com/office/drawing/2014/main" id="{50D99301-1821-4F05-A553-E371FA6728F0}"/>
+                <a16:creationId xmlns:a16="http://schemas.microsoft.com/office/drawing/2014/main" xmlns="" id="{50D99301-1821-4F05-A553-E371FA6728F0}"/>
               </a:ext>
             </a:extLst>
           </p:cNvPr>
@@ -7070,7 +7070,7 @@
           <p:cNvPr id="3" name="Picture 3" descr="A close up of text on a black background&#10;&#10;Description generated with very high confidence">
             <a:extLst>
               <a:ext uri="{FF2B5EF4-FFF2-40B4-BE49-F238E27FC236}">
-                <a16:creationId xmlns="" xmlns:a16="http://schemas.microsoft.com/office/drawing/2014/main" id="{2A0DF154-7178-4F01-A59C-CD7D1EB3AD92}"/>
+                <a16:creationId xmlns:a16="http://schemas.microsoft.com/office/drawing/2014/main" xmlns="" id="{2A0DF154-7178-4F01-A59C-CD7D1EB3AD92}"/>
               </a:ext>
             </a:extLst>
           </p:cNvPr>
@@ -7372,7 +7372,7 @@
           <p:cNvPr id="2" name="Título 1">
             <a:extLst>
               <a:ext uri="{FF2B5EF4-FFF2-40B4-BE49-F238E27FC236}">
-                <a16:creationId xmlns="" xmlns:a16="http://schemas.microsoft.com/office/drawing/2014/main" id="{793142C1-FD08-4328-BCCB-5521CEABA2E7}"/>
+                <a16:creationId xmlns:a16="http://schemas.microsoft.com/office/drawing/2014/main" xmlns="" id="{793142C1-FD08-4328-BCCB-5521CEABA2E7}"/>
               </a:ext>
             </a:extLst>
           </p:cNvPr>
@@ -7395,14 +7395,14 @@
           </a:p>
         </p:txBody>
       </p:sp>
-      <mc:AlternateContent xmlns:mc="http://schemas.openxmlformats.org/markup-compatibility/2006">
-        <mc:Choice xmlns:a14="http://schemas.microsoft.com/office/drawing/2010/main" Requires="a14">
+      <mc:AlternateContent xmlns:mc="http://schemas.openxmlformats.org/markup-compatibility/2006" xmlns:a14="http://schemas.microsoft.com/office/drawing/2010/main">
+        <mc:Choice Requires="a14">
           <p:sp>
             <p:nvSpPr>
               <p:cNvPr id="4" name="Content Placeholder 2">
                 <a:extLst>
                   <a:ext uri="{FF2B5EF4-FFF2-40B4-BE49-F238E27FC236}">
-                    <a16:creationId xmlns="" xmlns:a16="http://schemas.microsoft.com/office/drawing/2014/main" id="{C1642F2F-7A09-459E-9D90-1D9D3103E685}"/>
+                    <a16:creationId xmlns:a16="http://schemas.microsoft.com/office/drawing/2014/main" xmlns="" id="{C1642F2F-7A09-459E-9D90-1D9D3103E685}"/>
                   </a:ext>
                 </a:extLst>
               </p:cNvPr>
@@ -8820,7 +8820,7 @@
             </p:txBody>
           </p:sp>
         </mc:Choice>
-        <mc:Fallback>
+        <mc:Fallback xmlns="">
           <p:sp>
             <p:nvSpPr>
               <p:cNvPr id="4" name="Content Placeholder 2">
@@ -11372,8 +11372,8 @@
           </a:p>
         </p:txBody>
       </p:sp>
-      <mc:AlternateContent xmlns:mc="http://schemas.openxmlformats.org/markup-compatibility/2006">
-        <mc:Choice xmlns:a14="http://schemas.microsoft.com/office/drawing/2010/main" Requires="a14">
+      <mc:AlternateContent xmlns:mc="http://schemas.openxmlformats.org/markup-compatibility/2006" xmlns:a14="http://schemas.microsoft.com/office/drawing/2010/main">
+        <mc:Choice Requires="a14">
           <p:sp>
             <p:nvSpPr>
               <p:cNvPr id="23" name="TextBox 22"/>
@@ -11818,18 +11818,14 @@
                 </a:r>
                 <a:r>
                   <a:rPr lang="pt-BR" dirty="0" smtClean="0"/>
-                  <a:t> semelhante na variação do erro (tigela</a:t>
-                </a:r>
-                <a:r>
-                  <a:rPr lang="pt-BR" dirty="0" smtClean="0"/>
-                  <a:t>).</a:t>
+                  <a:t> semelhante na variação do erro (tigela).</a:t>
                 </a:r>
                 <a:endParaRPr lang="pt-BR" dirty="0"/>
               </a:p>
             </p:txBody>
           </p:sp>
         </mc:Choice>
-        <mc:Fallback>
+        <mc:Fallback xmlns="">
           <p:sp>
             <p:nvSpPr>
               <p:cNvPr id="23" name="TextBox 22"/>

--- a/slides/T319_Regressão_Linear (Parte IV).pptx
+++ b/slides/T319_Regressão_Linear (Parte IV).pptx
@@ -537,7 +537,7 @@
           <a:p>
             <a:fld id="{DAF0AF11-6A8A-4E64-94F5-26D4FBA2A01D}" type="datetimeFigureOut">
               <a:rPr lang="nl-BE" smtClean="0"/>
-              <a:t>22/07/2021</a:t>
+              <a:t>5/11/2021</a:t>
             </a:fld>
             <a:endParaRPr lang="nl-BE"/>
           </a:p>
@@ -889,6 +889,139 @@
 </p:notes>
 </file>
 
+<file path=ppt/notesSlides/notesSlide10.xml><?xml version="1.0" encoding="utf-8"?>
+<p:notes xmlns:a="http://schemas.openxmlformats.org/drawingml/2006/main" xmlns:r="http://schemas.openxmlformats.org/officeDocument/2006/relationships" xmlns:p="http://schemas.openxmlformats.org/presentationml/2006/main">
+  <p:cSld>
+    <p:spTree>
+      <p:nvGrpSpPr>
+        <p:cNvPr id="1" name=""/>
+        <p:cNvGrpSpPr/>
+        <p:nvPr/>
+      </p:nvGrpSpPr>
+      <p:grpSpPr>
+        <a:xfrm>
+          <a:off x="0" y="0"/>
+          <a:ext cx="0" cy="0"/>
+          <a:chOff x="0" y="0"/>
+          <a:chExt cx="0" cy="0"/>
+        </a:xfrm>
+      </p:grpSpPr>
+      <p:sp>
+        <p:nvSpPr>
+          <p:cNvPr id="2" name="Slide Image Placeholder 1"/>
+          <p:cNvSpPr>
+            <a:spLocks noGrp="1" noRot="1" noChangeAspect="1"/>
+          </p:cNvSpPr>
+          <p:nvPr>
+            <p:ph type="sldImg"/>
+          </p:nvPr>
+        </p:nvSpPr>
+        <p:spPr/>
+      </p:sp>
+      <p:sp>
+        <p:nvSpPr>
+          <p:cNvPr id="3" name="Notes Placeholder 2"/>
+          <p:cNvSpPr>
+            <a:spLocks noGrp="1"/>
+          </p:cNvSpPr>
+          <p:nvPr>
+            <p:ph type="body" idx="1"/>
+          </p:nvPr>
+        </p:nvSpPr>
+        <p:spPr/>
+        <p:txBody>
+          <a:bodyPr/>
+          <a:lstStyle/>
+          <a:p>
+            <a:pPr marL="0" marR="0" lvl="0" indent="0" algn="l" defTabSz="914400" rtl="0" eaLnBrk="1" fontAlgn="auto" latinLnBrk="0" hangingPunct="1">
+              <a:lnSpc>
+                <a:spcPct val="100000"/>
+              </a:lnSpc>
+              <a:spcBef>
+                <a:spcPts val="0"/>
+              </a:spcBef>
+              <a:spcAft>
+                <a:spcPts val="0"/>
+              </a:spcAft>
+              <a:buClrTx/>
+              <a:buSzTx/>
+              <a:buFontTx/>
+              <a:buNone/>
+              <a:tabLst/>
+              <a:defRPr/>
+            </a:pPr>
+            <a:r>
+              <a:rPr lang="pt-BR" dirty="0" smtClean="0"/>
+              <a:t>COLAB: https://colab.research.google.com/github/zz4fap/t319_aprendizado_de_maquina/blob/main/labs/Laboratorio5.ipynb</a:t>
+            </a:r>
+          </a:p>
+          <a:p>
+            <a:endParaRPr lang="pt-BR" dirty="0" smtClean="0"/>
+          </a:p>
+          <a:p>
+            <a:pPr marL="0" marR="0" lvl="0" indent="0" algn="l" defTabSz="914400" rtl="0" eaLnBrk="1" fontAlgn="auto" latinLnBrk="0" hangingPunct="1">
+              <a:lnSpc>
+                <a:spcPct val="100000"/>
+              </a:lnSpc>
+              <a:spcBef>
+                <a:spcPts val="0"/>
+              </a:spcBef>
+              <a:spcAft>
+                <a:spcPts val="0"/>
+              </a:spcAft>
+              <a:buClrTx/>
+              <a:buSzTx/>
+              <a:buFontTx/>
+              <a:buNone/>
+              <a:tabLst/>
+              <a:defRPr/>
+            </a:pPr>
+            <a:r>
+              <a:rPr lang="pt-BR" dirty="0" smtClean="0"/>
+              <a:t>BINDER: https://mybinder.org/v2/gh/zz4fap/t319_aprendizado_de_maquina/main?filepath=labs%2FLaboratorio5.ipynb</a:t>
+            </a:r>
+          </a:p>
+          <a:p>
+            <a:endParaRPr lang="pt-BR" dirty="0"/>
+          </a:p>
+        </p:txBody>
+      </p:sp>
+      <p:sp>
+        <p:nvSpPr>
+          <p:cNvPr id="4" name="Slide Number Placeholder 3"/>
+          <p:cNvSpPr>
+            <a:spLocks noGrp="1"/>
+          </p:cNvSpPr>
+          <p:nvPr>
+            <p:ph type="sldNum" sz="quarter" idx="10"/>
+          </p:nvPr>
+        </p:nvSpPr>
+        <p:spPr/>
+        <p:txBody>
+          <a:bodyPr/>
+          <a:lstStyle/>
+          <a:p>
+            <a:fld id="{DA8B99DF-01BC-492A-8CEF-4FD88D18DD9D}" type="slidenum">
+              <a:rPr lang="nl-BE" smtClean="0"/>
+              <a:t>12</a:t>
+            </a:fld>
+            <a:endParaRPr lang="nl-BE"/>
+          </a:p>
+        </p:txBody>
+      </p:sp>
+    </p:spTree>
+    <p:extLst>
+      <p:ext uri="{BB962C8B-B14F-4D97-AF65-F5344CB8AC3E}">
+        <p14:creationId xmlns:p14="http://schemas.microsoft.com/office/powerpoint/2010/main" val="2855171266"/>
+      </p:ext>
+    </p:extLst>
+  </p:cSld>
+  <p:clrMapOvr>
+    <a:masterClrMapping/>
+  </p:clrMapOvr>
+</p:notes>
+</file>
+
 <file path=ppt/notesSlides/notesSlide2.xml><?xml version="1.0" encoding="utf-8"?>
 <p:notes xmlns:a="http://schemas.openxmlformats.org/drawingml/2006/main" xmlns:r="http://schemas.openxmlformats.org/officeDocument/2006/relationships" xmlns:p="http://schemas.openxmlformats.org/presentationml/2006/main">
   <p:cSld>
@@ -2817,55 +2950,6 @@
           <a:bodyPr/>
           <a:lstStyle/>
           <a:p>
-            <a:pPr marL="0" marR="0" lvl="0" indent="0" algn="l" defTabSz="914400" rtl="0" eaLnBrk="1" fontAlgn="auto" latinLnBrk="0" hangingPunct="1">
-              <a:lnSpc>
-                <a:spcPct val="100000"/>
-              </a:lnSpc>
-              <a:spcBef>
-                <a:spcPts val="0"/>
-              </a:spcBef>
-              <a:spcAft>
-                <a:spcPts val="0"/>
-              </a:spcAft>
-              <a:buClrTx/>
-              <a:buSzTx/>
-              <a:buFontTx/>
-              <a:buNone/>
-              <a:tabLst/>
-              <a:defRPr/>
-            </a:pPr>
-            <a:r>
-              <a:rPr lang="pt-BR" dirty="0" smtClean="0"/>
-              <a:t>COLAB: https://colab.research.google.com/github/zz4fap/t319_aprendizado_de_maquina/blob/main/labs/Laboratorio5.ipynb</a:t>
-            </a:r>
-          </a:p>
-          <a:p>
-            <a:endParaRPr lang="pt-BR" dirty="0" smtClean="0"/>
-          </a:p>
-          <a:p>
-            <a:pPr marL="0" marR="0" lvl="0" indent="0" algn="l" defTabSz="914400" rtl="0" eaLnBrk="1" fontAlgn="auto" latinLnBrk="0" hangingPunct="1">
-              <a:lnSpc>
-                <a:spcPct val="100000"/>
-              </a:lnSpc>
-              <a:spcBef>
-                <a:spcPts val="0"/>
-              </a:spcBef>
-              <a:spcAft>
-                <a:spcPts val="0"/>
-              </a:spcAft>
-              <a:buClrTx/>
-              <a:buSzTx/>
-              <a:buFontTx/>
-              <a:buNone/>
-              <a:tabLst/>
-              <a:defRPr/>
-            </a:pPr>
-            <a:r>
-              <a:rPr lang="pt-BR" dirty="0" smtClean="0"/>
-              <a:t>BINDER: https://mybinder.org/v2/gh/zz4fap/t319_aprendizado_de_maquina/main?filepath=labs%2FLaboratorio5.ipynb</a:t>
-            </a:r>
-          </a:p>
-          <a:p>
             <a:endParaRPr lang="pt-BR" dirty="0"/>
           </a:p>
         </p:txBody>
@@ -2887,7 +2971,7 @@
           <a:p>
             <a:fld id="{DA8B99DF-01BC-492A-8CEF-4FD88D18DD9D}" type="slidenum">
               <a:rPr lang="nl-BE" smtClean="0"/>
-              <a:t>12</a:t>
+              <a:t>11</a:t>
             </a:fld>
             <a:endParaRPr lang="nl-BE"/>
           </a:p>
@@ -2896,7 +2980,7 @@
     </p:spTree>
     <p:extLst>
       <p:ext uri="{BB962C8B-B14F-4D97-AF65-F5344CB8AC3E}">
-        <p14:creationId xmlns:p14="http://schemas.microsoft.com/office/powerpoint/2010/main" val="2855171266"/>
+        <p14:creationId xmlns:p14="http://schemas.microsoft.com/office/powerpoint/2010/main" val="1226637979"/>
       </p:ext>
     </p:extLst>
   </p:cSld>
@@ -3037,7 +3121,7 @@
           <a:p>
             <a:fld id="{C80E15A5-E95B-43EB-9AC7-9A96397448C0}" type="datetimeFigureOut">
               <a:rPr lang="nl-BE" smtClean="0"/>
-              <a:t>22/07/2021</a:t>
+              <a:t>5/11/2021</a:t>
             </a:fld>
             <a:endParaRPr lang="nl-BE"/>
           </a:p>
@@ -3207,7 +3291,7 @@
           <a:p>
             <a:fld id="{C80E15A5-E95B-43EB-9AC7-9A96397448C0}" type="datetimeFigureOut">
               <a:rPr lang="nl-BE" smtClean="0"/>
-              <a:t>22/07/2021</a:t>
+              <a:t>5/11/2021</a:t>
             </a:fld>
             <a:endParaRPr lang="nl-BE"/>
           </a:p>
@@ -3387,7 +3471,7 @@
           <a:p>
             <a:fld id="{C80E15A5-E95B-43EB-9AC7-9A96397448C0}" type="datetimeFigureOut">
               <a:rPr lang="nl-BE" smtClean="0"/>
-              <a:t>22/07/2021</a:t>
+              <a:t>5/11/2021</a:t>
             </a:fld>
             <a:endParaRPr lang="nl-BE"/>
           </a:p>
@@ -3557,7 +3641,7 @@
           <a:p>
             <a:fld id="{C80E15A5-E95B-43EB-9AC7-9A96397448C0}" type="datetimeFigureOut">
               <a:rPr lang="nl-BE" smtClean="0"/>
-              <a:t>22/07/2021</a:t>
+              <a:t>5/11/2021</a:t>
             </a:fld>
             <a:endParaRPr lang="nl-BE"/>
           </a:p>
@@ -3803,7 +3887,7 @@
           <a:p>
             <a:fld id="{C80E15A5-E95B-43EB-9AC7-9A96397448C0}" type="datetimeFigureOut">
               <a:rPr lang="nl-BE" smtClean="0"/>
-              <a:t>22/07/2021</a:t>
+              <a:t>5/11/2021</a:t>
             </a:fld>
             <a:endParaRPr lang="nl-BE"/>
           </a:p>
@@ -4035,7 +4119,7 @@
           <a:p>
             <a:fld id="{C80E15A5-E95B-43EB-9AC7-9A96397448C0}" type="datetimeFigureOut">
               <a:rPr lang="nl-BE" smtClean="0"/>
-              <a:t>22/07/2021</a:t>
+              <a:t>5/11/2021</a:t>
             </a:fld>
             <a:endParaRPr lang="nl-BE"/>
           </a:p>
@@ -4402,7 +4486,7 @@
           <a:p>
             <a:fld id="{C80E15A5-E95B-43EB-9AC7-9A96397448C0}" type="datetimeFigureOut">
               <a:rPr lang="nl-BE" smtClean="0"/>
-              <a:t>22/07/2021</a:t>
+              <a:t>5/11/2021</a:t>
             </a:fld>
             <a:endParaRPr lang="nl-BE"/>
           </a:p>
@@ -4520,7 +4604,7 @@
           <a:p>
             <a:fld id="{C80E15A5-E95B-43EB-9AC7-9A96397448C0}" type="datetimeFigureOut">
               <a:rPr lang="nl-BE" smtClean="0"/>
-              <a:t>22/07/2021</a:t>
+              <a:t>5/11/2021</a:t>
             </a:fld>
             <a:endParaRPr lang="nl-BE"/>
           </a:p>
@@ -4615,7 +4699,7 @@
           <a:p>
             <a:fld id="{C80E15A5-E95B-43EB-9AC7-9A96397448C0}" type="datetimeFigureOut">
               <a:rPr lang="nl-BE" smtClean="0"/>
-              <a:t>22/07/2021</a:t>
+              <a:t>5/11/2021</a:t>
             </a:fld>
             <a:endParaRPr lang="nl-BE"/>
           </a:p>
@@ -4892,7 +4976,7 @@
           <a:p>
             <a:fld id="{C80E15A5-E95B-43EB-9AC7-9A96397448C0}" type="datetimeFigureOut">
               <a:rPr lang="nl-BE" smtClean="0"/>
-              <a:t>22/07/2021</a:t>
+              <a:t>5/11/2021</a:t>
             </a:fld>
             <a:endParaRPr lang="nl-BE"/>
           </a:p>
@@ -5145,7 +5229,7 @@
           <a:p>
             <a:fld id="{C80E15A5-E95B-43EB-9AC7-9A96397448C0}" type="datetimeFigureOut">
               <a:rPr lang="nl-BE" smtClean="0"/>
-              <a:t>22/07/2021</a:t>
+              <a:t>5/11/2021</a:t>
             </a:fld>
             <a:endParaRPr lang="nl-BE"/>
           </a:p>
@@ -5358,7 +5442,7 @@
           <a:p>
             <a:fld id="{C80E15A5-E95B-43EB-9AC7-9A96397448C0}" type="datetimeFigureOut">
               <a:rPr lang="nl-BE" smtClean="0"/>
-              <a:t>22/07/2021</a:t>
+              <a:t>5/11/2021</a:t>
             </a:fld>
             <a:endParaRPr lang="nl-BE"/>
           </a:p>
@@ -5768,7 +5852,7 @@
           <p:cNvPr id="2" name="Título 1">
             <a:extLst>
               <a:ext uri="{FF2B5EF4-FFF2-40B4-BE49-F238E27FC236}">
-                <a16:creationId xmlns:a16="http://schemas.microsoft.com/office/drawing/2014/main" xmlns="" id="{32666AC8-2E17-4DB4-B0F5-60C640CCFD2E}"/>
+                <a16:creationId xmlns="" xmlns:a16="http://schemas.microsoft.com/office/drawing/2014/main" id="{32666AC8-2E17-4DB4-B0F5-60C640CCFD2E}"/>
               </a:ext>
             </a:extLst>
           </p:cNvPr>
@@ -5827,7 +5911,7 @@
           <p:cNvPr id="4" name="CaixaDeTexto 3">
             <a:extLst>
               <a:ext uri="{FF2B5EF4-FFF2-40B4-BE49-F238E27FC236}">
-                <a16:creationId xmlns:a16="http://schemas.microsoft.com/office/drawing/2014/main" xmlns="" id="{430EB894-B7D4-434C-9D1A-A14094D9BEEC}"/>
+                <a16:creationId xmlns="" xmlns:a16="http://schemas.microsoft.com/office/drawing/2014/main" id="{430EB894-B7D4-434C-9D1A-A14094D9BEEC}"/>
               </a:ext>
             </a:extLst>
           </p:cNvPr>
@@ -5868,7 +5952,7 @@
           <p:cNvPr id="1026" name="Picture 2" descr="Logo">
             <a:extLst>
               <a:ext uri="{FF2B5EF4-FFF2-40B4-BE49-F238E27FC236}">
-                <a16:creationId xmlns:a16="http://schemas.microsoft.com/office/drawing/2014/main" xmlns="" id="{3F2642E0-4F6A-4196-8F58-E77D36E9A33F}"/>
+                <a16:creationId xmlns="" xmlns:a16="http://schemas.microsoft.com/office/drawing/2014/main" id="{3F2642E0-4F6A-4196-8F58-E77D36E9A33F}"/>
               </a:ext>
             </a:extLst>
           </p:cNvPr>
@@ -5913,7 +5997,7 @@
           <p:cNvPr id="5122" name="Picture 2" descr="Image result for machine learning">
             <a:extLst>
               <a:ext uri="{FF2B5EF4-FFF2-40B4-BE49-F238E27FC236}">
-                <a16:creationId xmlns:a16="http://schemas.microsoft.com/office/drawing/2014/main" xmlns="" id="{810CE0A2-4102-44A6-A370-175E7896CDCB}"/>
+                <a16:creationId xmlns="" xmlns:a16="http://schemas.microsoft.com/office/drawing/2014/main" id="{810CE0A2-4102-44A6-A370-175E7896CDCB}"/>
               </a:ext>
             </a:extLst>
           </p:cNvPr>
@@ -6340,8 +6424,8 @@
         </p:nvSpPr>
         <p:spPr>
           <a:xfrm>
-            <a:off x="8566483" y="1929540"/>
-            <a:ext cx="1985963" cy="830997"/>
+            <a:off x="8464230" y="1882715"/>
+            <a:ext cx="1817909" cy="1077218"/>
           </a:xfrm>
           <a:prstGeom prst="rect">
             <a:avLst/>
@@ -6354,17 +6438,84 @@
           </a:bodyPr>
           <a:lstStyle/>
           <a:p>
+            <a:pPr algn="ctr"/>
             <a:r>
               <a:rPr lang="pt-BR" sz="1600" b="1" dirty="0" smtClean="0">
                 <a:solidFill>
                   <a:srgbClr val="FF0000"/>
                 </a:solidFill>
               </a:rPr>
-              <a:t>O modelo aprende perfeitamente até o ruído presente!</a:t>
+              <a:t>O modelo aprende perfeitamente até o ruído </a:t>
+            </a:r>
+            <a:r>
+              <a:rPr lang="pt-BR" sz="1600" b="1" dirty="0" smtClean="0">
+                <a:solidFill>
+                  <a:srgbClr val="FF0000"/>
+                </a:solidFill>
+              </a:rPr>
+              <a:t>presente nos dados!</a:t>
             </a:r>
             <a:endParaRPr lang="pt-BR" sz="1600" b="1" dirty="0">
               <a:solidFill>
                 <a:srgbClr val="FF0000"/>
+              </a:solidFill>
+            </a:endParaRPr>
+          </a:p>
+        </p:txBody>
+      </p:sp>
+      <p:sp>
+        <p:nvSpPr>
+          <p:cNvPr id="14" name="TextBox 13"/>
+          <p:cNvSpPr txBox="1"/>
+          <p:nvPr/>
+        </p:nvSpPr>
+        <p:spPr>
+          <a:xfrm>
+            <a:off x="8810624" y="6519446"/>
+            <a:ext cx="3381375" cy="338554"/>
+          </a:xfrm>
+          <a:prstGeom prst="rect">
+            <a:avLst/>
+          </a:prstGeom>
+          <a:noFill/>
+        </p:spPr>
+        <p:txBody>
+          <a:bodyPr wrap="square" rtlCol="0">
+            <a:spAutoFit/>
+          </a:bodyPr>
+          <a:lstStyle/>
+          <a:p>
+            <a:pPr algn="ctr"/>
+            <a:r>
+              <a:rPr lang="pt-BR" sz="1600" dirty="0" smtClean="0">
+                <a:solidFill>
+                  <a:srgbClr val="00B0F0"/>
+                </a:solidFill>
+                <a:hlinkClick r:id="rId6"/>
+              </a:rPr>
+              <a:t>Exemplo</a:t>
+            </a:r>
+            <a:r>
+              <a:rPr lang="pt-BR" sz="1600" dirty="0">
+                <a:solidFill>
+                  <a:srgbClr val="00B0F0"/>
+                </a:solidFill>
+                <a:hlinkClick r:id="rId6"/>
+              </a:rPr>
+              <a:t>: </a:t>
+            </a:r>
+            <a:r>
+              <a:rPr lang="pt-BR" sz="1600" dirty="0" smtClean="0">
+                <a:solidFill>
+                  <a:srgbClr val="00B0F0"/>
+                </a:solidFill>
+                <a:hlinkClick r:id="rId6"/>
+              </a:rPr>
+              <a:t>polynomial_regression.ipynb</a:t>
+            </a:r>
+            <a:endParaRPr lang="pt-BR" sz="1600" dirty="0">
+              <a:solidFill>
+                <a:srgbClr val="00B0F0"/>
               </a:solidFill>
             </a:endParaRPr>
           </a:p>
@@ -6443,12 +6594,12 @@
         <p:spPr>
           <a:xfrm>
             <a:off x="838199" y="1748134"/>
-            <a:ext cx="11203983" cy="5032375"/>
+            <a:ext cx="11203983" cy="5109866"/>
           </a:xfrm>
         </p:spPr>
         <p:txBody>
           <a:bodyPr>
-            <a:normAutofit/>
+            <a:normAutofit fontScale="85000" lnSpcReduction="10000"/>
           </a:bodyPr>
           <a:lstStyle/>
           <a:p>
@@ -6470,15 +6621,75 @@
             </a:r>
             <a:r>
               <a:rPr lang="pt-BR" b="1" i="1" dirty="0"/>
-              <a:t>mapeamento verdadeiro</a:t>
+              <a:t>mapeamento </a:t>
+            </a:r>
+            <a:r>
+              <a:rPr lang="pt-BR" b="1" i="1" dirty="0" smtClean="0"/>
+              <a:t>verdadeiro</a:t>
+            </a:r>
+            <a:r>
+              <a:rPr lang="pt-BR" dirty="0" smtClean="0"/>
+              <a:t>. </a:t>
+            </a:r>
+          </a:p>
+          <a:p>
+            <a:pPr lvl="1">
+              <a:buFont typeface="Wingdings" panose="05000000000000000000" pitchFamily="2" charset="2"/>
+              <a:buChar char="§"/>
+            </a:pPr>
+            <a:r>
+              <a:rPr lang="pt-BR" dirty="0" smtClean="0"/>
+              <a:t>O</a:t>
+            </a:r>
+            <a:r>
+              <a:rPr lang="pt-BR" dirty="0" smtClean="0"/>
+              <a:t>corre devido </a:t>
             </a:r>
             <a:r>
               <a:rPr lang="pt-BR" dirty="0"/>
-              <a:t>. Isto pode ocorrer devido ao baixo grau de complexidade do modelo ou por problemas de convergência durante o treinamento.</a:t>
-            </a:r>
-          </a:p>
-          <a:p>
-            <a:pPr lvl="1"/>
+              <a:t>ao baixo grau de </a:t>
+            </a:r>
+            <a:r>
+              <a:rPr lang="pt-BR" dirty="0" smtClean="0"/>
+              <a:t>flexibilidade do modelo.</a:t>
+            </a:r>
+          </a:p>
+          <a:p>
+            <a:pPr lvl="1">
+              <a:buFont typeface="Wingdings" panose="05000000000000000000" pitchFamily="2" charset="2"/>
+              <a:buChar char="§"/>
+            </a:pPr>
+            <a:r>
+              <a:rPr lang="pt-BR" dirty="0"/>
+              <a:t>O modelo produz erros significativos </a:t>
+            </a:r>
+            <a:r>
+              <a:rPr lang="pt-BR" dirty="0" smtClean="0"/>
+              <a:t>tanto quando </a:t>
+            </a:r>
+            <a:r>
+              <a:rPr lang="pt-BR" dirty="0"/>
+              <a:t>apresentado </a:t>
+            </a:r>
+            <a:r>
+              <a:rPr lang="pt-BR" dirty="0" smtClean="0"/>
+              <a:t>ao próprio conjunto </a:t>
+            </a:r>
+            <a:r>
+              <a:rPr lang="pt-BR" dirty="0"/>
+              <a:t>de treinamento quanto a</a:t>
+            </a:r>
+            <a:r>
+              <a:rPr lang="pt-BR" dirty="0" smtClean="0"/>
+              <a:t> dados inéditos.</a:t>
+            </a:r>
+            <a:endParaRPr lang="pt-BR" dirty="0"/>
+          </a:p>
+          <a:p>
+            <a:pPr lvl="1">
+              <a:buFont typeface="Wingdings" panose="05000000000000000000" pitchFamily="2" charset="2"/>
+              <a:buChar char="§"/>
+            </a:pPr>
             <a:r>
               <a:rPr lang="pt-BR" dirty="0"/>
               <a:t>Se o modelo está </a:t>
@@ -6505,15 +6716,23 @@
             </a:r>
             <a:r>
               <a:rPr lang="pt-BR" dirty="0"/>
-              <a:t>não vai desaparecer, é necessário aumentar a </a:t>
-            </a:r>
-            <a:r>
-              <a:rPr lang="pt-BR" dirty="0" smtClean="0"/>
+              <a:t>não vai desaparecer, é necessário </a:t>
+            </a:r>
+            <a:r>
+              <a:rPr lang="pt-BR" b="1" i="1" dirty="0"/>
+              <a:t>aumentar a </a:t>
+            </a:r>
+            <a:r>
+              <a:rPr lang="pt-BR" b="1" i="1" dirty="0" smtClean="0"/>
               <a:t>flexibilidade do </a:t>
             </a:r>
             <a:r>
+              <a:rPr lang="pt-BR" b="1" i="1" dirty="0"/>
+              <a:t>modelo</a:t>
+            </a:r>
+            <a:r>
               <a:rPr lang="pt-BR" dirty="0"/>
-              <a:t>modelo, ou seja, no caso da regressão polinomial, sua ordem.</a:t>
+              <a:t>, ou seja, no caso da regressão polinomial, sua ordem.</a:t>
             </a:r>
             <a:endParaRPr lang="pt-BR" dirty="0">
               <a:cs typeface="Calibri"/>
@@ -6576,12 +6795,30 @@
               <a:rPr lang="pt-BR" dirty="0" smtClean="0"/>
               <a:t>).</a:t>
             </a:r>
+          </a:p>
+          <a:p>
+            <a:pPr lvl="1">
+              <a:buFont typeface="Wingdings" panose="05000000000000000000" pitchFamily="2" charset="2"/>
+              <a:buChar char="§"/>
+            </a:pPr>
+            <a:r>
+              <a:rPr lang="pt-BR" dirty="0" smtClean="0"/>
+              <a:t>Ocorre devido ao alto grau </a:t>
+            </a:r>
+            <a:r>
+              <a:rPr lang="pt-BR" dirty="0"/>
+              <a:t>de flexibilidade do </a:t>
+            </a:r>
+            <a:r>
+              <a:rPr lang="pt-BR" dirty="0" smtClean="0"/>
+              <a:t>modelo.</a:t>
+            </a:r>
             <a:endParaRPr lang="pt-BR" dirty="0"/>
           </a:p>
           <a:p>
             <a:pPr lvl="1">
-              <a:buFont typeface="Courier New" panose="02070309020205020404" pitchFamily="49" charset="0"/>
-              <a:buChar char="o"/>
+              <a:buFont typeface="Wingdings" panose="05000000000000000000" pitchFamily="2" charset="2"/>
+              <a:buChar char="§"/>
             </a:pPr>
             <a:r>
               <a:rPr lang="pt-BR" dirty="0"/>
@@ -6608,6 +6845,52 @@
               <a:t>.</a:t>
             </a:r>
             <a:endParaRPr lang="pt-BR" dirty="0"/>
+          </a:p>
+          <a:p>
+            <a:r>
+              <a:rPr lang="pt-BR" dirty="0" smtClean="0"/>
+              <a:t>Nosso objetivo será encontrar uma </a:t>
+            </a:r>
+            <a:r>
+              <a:rPr lang="pt-BR" dirty="0"/>
+              <a:t>relação de compromisso entre </a:t>
+            </a:r>
+            <a:r>
+              <a:rPr lang="pt-BR" b="1" dirty="0"/>
+              <a:t>flexibilidade</a:t>
+            </a:r>
+            <a:r>
+              <a:rPr lang="pt-BR" dirty="0"/>
+              <a:t> e </a:t>
+            </a:r>
+            <a:r>
+              <a:rPr lang="pt-BR" b="1" dirty="0" smtClean="0"/>
+              <a:t>generalização </a:t>
+            </a:r>
+            <a:r>
+              <a:rPr lang="pt-BR" dirty="0" smtClean="0"/>
+              <a:t>do modelo:</a:t>
+            </a:r>
+            <a:r>
+              <a:rPr lang="pt-BR" b="1" dirty="0" smtClean="0"/>
+              <a:t> flexibilidade</a:t>
+            </a:r>
+            <a:r>
+              <a:rPr lang="pt-BR" dirty="0" smtClean="0"/>
+              <a:t> </a:t>
+            </a:r>
+            <a:r>
+              <a:rPr lang="pt-BR" dirty="0"/>
+              <a:t>e </a:t>
+            </a:r>
+            <a:r>
+              <a:rPr lang="pt-BR" b="1" dirty="0"/>
+              <a:t>grau de generalização</a:t>
+            </a:r>
+            <a:r>
+              <a:rPr lang="pt-BR" dirty="0"/>
+              <a:t> médios.</a:t>
+            </a:r>
           </a:p>
         </p:txBody>
       </p:sp>
@@ -6820,7 +7103,7 @@
           <p:cNvPr id="4" name="Título 1">
             <a:extLst>
               <a:ext uri="{FF2B5EF4-FFF2-40B4-BE49-F238E27FC236}">
-                <a16:creationId xmlns:a16="http://schemas.microsoft.com/office/drawing/2014/main" xmlns="" id="{32666AC8-2E17-4DB4-B0F5-60C640CCFD2E}"/>
+                <a16:creationId xmlns="" xmlns:a16="http://schemas.microsoft.com/office/drawing/2014/main" id="{32666AC8-2E17-4DB4-B0F5-60C640CCFD2E}"/>
               </a:ext>
             </a:extLst>
           </p:cNvPr>
@@ -6905,7 +7188,7 @@
           <p:cNvPr id="2050" name="Picture 2" descr="https://miro.medium.com/max/302/1*MpLkcugbeMrJvFlz69LTNQ.jpeg">
             <a:extLst>
               <a:ext uri="{FF2B5EF4-FFF2-40B4-BE49-F238E27FC236}">
-                <a16:creationId xmlns:a16="http://schemas.microsoft.com/office/drawing/2014/main" xmlns="" id="{DE195D4C-7D53-46C2-BDD9-033809B4E028}"/>
+                <a16:creationId xmlns="" xmlns:a16="http://schemas.microsoft.com/office/drawing/2014/main" id="{DE195D4C-7D53-46C2-BDD9-033809B4E028}"/>
               </a:ext>
             </a:extLst>
           </p:cNvPr>
@@ -6952,7 +7235,7 @@
           <p:cNvPr id="2052" name="Picture 4" descr="https://miro.medium.com/max/426/1*iRv8pCP7v8FzVJNe2vAjdw.png">
             <a:extLst>
               <a:ext uri="{FF2B5EF4-FFF2-40B4-BE49-F238E27FC236}">
-                <a16:creationId xmlns:a16="http://schemas.microsoft.com/office/drawing/2014/main" xmlns="" id="{76F9F526-3C2B-485C-9E25-3D10B3E3B0C3}"/>
+                <a16:creationId xmlns="" xmlns:a16="http://schemas.microsoft.com/office/drawing/2014/main" id="{76F9F526-3C2B-485C-9E25-3D10B3E3B0C3}"/>
               </a:ext>
             </a:extLst>
           </p:cNvPr>
@@ -6999,7 +7282,7 @@
           <p:cNvPr id="2054" name="Picture 6" descr="https://miro.medium.com/max/194/1*JugKARhlrp9HLTF5_lN7EQ.jpeg">
             <a:extLst>
               <a:ext uri="{FF2B5EF4-FFF2-40B4-BE49-F238E27FC236}">
-                <a16:creationId xmlns:a16="http://schemas.microsoft.com/office/drawing/2014/main" xmlns="" id="{50D99301-1821-4F05-A553-E371FA6728F0}"/>
+                <a16:creationId xmlns="" xmlns:a16="http://schemas.microsoft.com/office/drawing/2014/main" id="{50D99301-1821-4F05-A553-E371FA6728F0}"/>
               </a:ext>
             </a:extLst>
           </p:cNvPr>
@@ -7070,7 +7353,7 @@
           <p:cNvPr id="3" name="Picture 3" descr="A close up of text on a black background&#10;&#10;Description generated with very high confidence">
             <a:extLst>
               <a:ext uri="{FF2B5EF4-FFF2-40B4-BE49-F238E27FC236}">
-                <a16:creationId xmlns:a16="http://schemas.microsoft.com/office/drawing/2014/main" xmlns="" id="{2A0DF154-7178-4F01-A59C-CD7D1EB3AD92}"/>
+                <a16:creationId xmlns="" xmlns:a16="http://schemas.microsoft.com/office/drawing/2014/main" id="{2A0DF154-7178-4F01-A59C-CD7D1EB3AD92}"/>
               </a:ext>
             </a:extLst>
           </p:cNvPr>
@@ -7281,7 +7564,15 @@
             </a:r>
             <a:r>
               <a:rPr lang="pt-BR" dirty="0"/>
-              <a:t> bastante importante para algoritmos de ML que usem métricas de distância como função de </a:t>
+              <a:t> bastante importante para algoritmos de ML que </a:t>
+            </a:r>
+            <a:r>
+              <a:rPr lang="pt-BR" dirty="0" smtClean="0"/>
+              <a:t>usam </a:t>
+            </a:r>
+            <a:r>
+              <a:rPr lang="pt-BR" dirty="0"/>
+              <a:t>métricas de distância como função de </a:t>
             </a:r>
             <a:r>
               <a:rPr lang="pt-BR" dirty="0" smtClean="0"/>
@@ -7372,7 +7663,7 @@
           <p:cNvPr id="2" name="Título 1">
             <a:extLst>
               <a:ext uri="{FF2B5EF4-FFF2-40B4-BE49-F238E27FC236}">
-                <a16:creationId xmlns:a16="http://schemas.microsoft.com/office/drawing/2014/main" xmlns="" id="{793142C1-FD08-4328-BCCB-5521CEABA2E7}"/>
+                <a16:creationId xmlns="" xmlns:a16="http://schemas.microsoft.com/office/drawing/2014/main" id="{793142C1-FD08-4328-BCCB-5521CEABA2E7}"/>
               </a:ext>
             </a:extLst>
           </p:cNvPr>
@@ -7402,7 +7693,7 @@
               <p:cNvPr id="4" name="Content Placeholder 2">
                 <a:extLst>
                   <a:ext uri="{FF2B5EF4-FFF2-40B4-BE49-F238E27FC236}">
-                    <a16:creationId xmlns:a16="http://schemas.microsoft.com/office/drawing/2014/main" xmlns="" id="{C1642F2F-7A09-459E-9D90-1D9D3103E685}"/>
+                    <a16:creationId xmlns="" xmlns:a16="http://schemas.microsoft.com/office/drawing/2014/main" id="{C1642F2F-7A09-459E-9D90-1D9D3103E685}"/>
                   </a:ext>
                 </a:extLst>
               </p:cNvPr>
@@ -8872,8 +9163,8 @@
         </p:nvCxnSpPr>
         <p:spPr>
           <a:xfrm flipV="1">
-            <a:off x="10210800" y="2913681"/>
-            <a:ext cx="467532" cy="3363133"/>
+            <a:off x="10210800" y="2655651"/>
+            <a:ext cx="684179" cy="3621164"/>
           </a:xfrm>
           <a:prstGeom prst="straightConnector1">
             <a:avLst/>
@@ -8952,8 +9243,8 @@
           </a:p>
         </p:txBody>
       </p:sp>
-      <mc:AlternateContent xmlns:mc="http://schemas.openxmlformats.org/markup-compatibility/2006" xmlns:a14="http://schemas.microsoft.com/office/drawing/2010/main">
-        <mc:Choice Requires="a14">
+      <mc:AlternateContent xmlns:mc="http://schemas.openxmlformats.org/markup-compatibility/2006">
+        <mc:Choice xmlns:a14="http://schemas.microsoft.com/office/drawing/2010/main" Requires="a14">
           <p:sp>
             <p:nvSpPr>
               <p:cNvPr id="3" name="Content Placeholder 2"/>
@@ -8967,7 +9258,7 @@
             <p:spPr>
               <a:xfrm>
                 <a:off x="838199" y="1771032"/>
-                <a:ext cx="11240069" cy="5032376"/>
+                <a:ext cx="11240069" cy="5086968"/>
               </a:xfrm>
             </p:spPr>
             <p:txBody>
@@ -8977,7 +9268,7 @@
               <a:lstStyle/>
               <a:p>
                 <a:r>
-                  <a:rPr lang="pt-BR" dirty="0"/>
+                  <a:rPr lang="pt-BR" dirty="0" smtClean="0"/>
                   <a:t>O que pode ser feito? </a:t>
                 </a:r>
               </a:p>
@@ -9194,18 +9485,37 @@
                           <m:d>
                             <m:dPr>
                               <m:ctrlPr>
-                                <a:rPr lang="en-US" sz="2600" i="1">
+                                <a:rPr lang="en-US" sz="2600" i="1" smtClean="0">
                                   <a:latin typeface="Cambria Math" panose="02040503050406030204" pitchFamily="18" charset="0"/>
                                 </a:rPr>
                               </m:ctrlPr>
                             </m:dPr>
                             <m:e>
-                              <m:r>
-                                <a:rPr lang="en-US" sz="2600" b="1" i="1">
-                                  <a:latin typeface="Cambria Math" panose="02040503050406030204" pitchFamily="18" charset="0"/>
-                                </a:rPr>
-                                <m:t>𝒙</m:t>
-                              </m:r>
+                              <m:sSub>
+                                <m:sSubPr>
+                                  <m:ctrlPr>
+                                    <a:rPr lang="en-US" sz="2600" i="1" smtClean="0">
+                                      <a:latin typeface="Cambria Math" panose="02040503050406030204" pitchFamily="18" charset="0"/>
+                                    </a:rPr>
+                                  </m:ctrlPr>
+                                </m:sSubPr>
+                                <m:e>
+                                  <m:r>
+                                    <a:rPr lang="en-US" sz="2600" b="1" i="1">
+                                      <a:latin typeface="Cambria Math" panose="02040503050406030204" pitchFamily="18" charset="0"/>
+                                    </a:rPr>
+                                    <m:t>𝒙</m:t>
+                                  </m:r>
+                                </m:e>
+                                <m:sub>
+                                  <m:r>
+                                    <a:rPr lang="pt-BR" sz="2600" b="0" i="1" smtClean="0">
+                                      <a:latin typeface="Cambria Math" panose="02040503050406030204" pitchFamily="18" charset="0"/>
+                                    </a:rPr>
+                                    <m:t>𝑘</m:t>
+                                  </m:r>
+                                </m:sub>
+                              </m:sSub>
                             </m:e>
                           </m:d>
                         </m:num>
@@ -9228,12 +9538,31 @@
                               </m:ctrlPr>
                             </m:dPr>
                             <m:e>
-                              <m:r>
-                                <a:rPr lang="en-US" sz="2600" b="1" i="1">
-                                  <a:latin typeface="Cambria Math" panose="02040503050406030204" pitchFamily="18" charset="0"/>
-                                </a:rPr>
-                                <m:t>𝒙</m:t>
-                              </m:r>
+                              <m:sSub>
+                                <m:sSubPr>
+                                  <m:ctrlPr>
+                                    <a:rPr lang="en-US" sz="2600" i="1">
+                                      <a:latin typeface="Cambria Math" panose="02040503050406030204" pitchFamily="18" charset="0"/>
+                                    </a:rPr>
+                                  </m:ctrlPr>
+                                </m:sSubPr>
+                                <m:e>
+                                  <m:r>
+                                    <a:rPr lang="en-US" sz="2600" b="1" i="1">
+                                      <a:latin typeface="Cambria Math" panose="02040503050406030204" pitchFamily="18" charset="0"/>
+                                    </a:rPr>
+                                    <m:t>𝒙</m:t>
+                                  </m:r>
+                                </m:e>
+                                <m:sub>
+                                  <m:r>
+                                    <a:rPr lang="pt-BR" sz="2600" i="1">
+                                      <a:latin typeface="Cambria Math" panose="02040503050406030204" pitchFamily="18" charset="0"/>
+                                    </a:rPr>
+                                    <m:t>𝑘</m:t>
+                                  </m:r>
+                                </m:sub>
+                              </m:sSub>
                             </m:e>
                           </m:d>
                           <m:r>
@@ -9260,12 +9589,31 @@
                               </m:ctrlPr>
                             </m:dPr>
                             <m:e>
-                              <m:r>
-                                <a:rPr lang="en-US" sz="2600" b="1" i="1">
-                                  <a:latin typeface="Cambria Math" panose="02040503050406030204" pitchFamily="18" charset="0"/>
-                                </a:rPr>
-                                <m:t>𝒙</m:t>
-                              </m:r>
+                              <m:sSub>
+                                <m:sSubPr>
+                                  <m:ctrlPr>
+                                    <a:rPr lang="en-US" sz="2600" i="1">
+                                      <a:latin typeface="Cambria Math" panose="02040503050406030204" pitchFamily="18" charset="0"/>
+                                    </a:rPr>
+                                  </m:ctrlPr>
+                                </m:sSubPr>
+                                <m:e>
+                                  <m:r>
+                                    <a:rPr lang="en-US" sz="2600" b="1" i="1">
+                                      <a:latin typeface="Cambria Math" panose="02040503050406030204" pitchFamily="18" charset="0"/>
+                                    </a:rPr>
+                                    <m:t>𝒙</m:t>
+                                  </m:r>
+                                </m:e>
+                                <m:sub>
+                                  <m:r>
+                                    <a:rPr lang="pt-BR" sz="2600" i="1">
+                                      <a:latin typeface="Cambria Math" panose="02040503050406030204" pitchFamily="18" charset="0"/>
+                                    </a:rPr>
+                                    <m:t>𝑘</m:t>
+                                  </m:r>
+                                </m:sub>
+                              </m:sSub>
                             </m:e>
                           </m:d>
                         </m:den>
@@ -9502,12 +9850,31 @@
                               </m:r>
                             </m:e>
                             <m:sub>
-                              <m:r>
-                                <a:rPr lang="en-US" sz="2600" b="1" i="1">
-                                  <a:latin typeface="Cambria Math" panose="02040503050406030204" pitchFamily="18" charset="0"/>
-                                </a:rPr>
-                                <m:t>𝒙</m:t>
-                              </m:r>
+                              <m:sSub>
+                                <m:sSubPr>
+                                  <m:ctrlPr>
+                                    <a:rPr lang="en-US" sz="2600" i="1">
+                                      <a:latin typeface="Cambria Math" panose="02040503050406030204" pitchFamily="18" charset="0"/>
+                                    </a:rPr>
+                                  </m:ctrlPr>
+                                </m:sSubPr>
+                                <m:e>
+                                  <m:r>
+                                    <a:rPr lang="en-US" sz="2600" b="0" i="1">
+                                      <a:latin typeface="Cambria Math" panose="02040503050406030204" pitchFamily="18" charset="0"/>
+                                    </a:rPr>
+                                    <m:t>𝑥</m:t>
+                                  </m:r>
+                                </m:e>
+                                <m:sub>
+                                  <m:r>
+                                    <a:rPr lang="pt-BR" sz="2600" i="1">
+                                      <a:latin typeface="Cambria Math" panose="02040503050406030204" pitchFamily="18" charset="0"/>
+                                    </a:rPr>
+                                    <m:t>𝑘</m:t>
+                                  </m:r>
+                                </m:sub>
+                              </m:sSub>
                             </m:sub>
                           </m:sSub>
                         </m:num>
@@ -9530,12 +9897,31 @@
                               </m:r>
                             </m:e>
                             <m:sub>
-                              <m:r>
-                                <a:rPr lang="en-US" sz="2600" b="1" i="1">
-                                  <a:latin typeface="Cambria Math" panose="02040503050406030204" pitchFamily="18" charset="0"/>
-                                </a:rPr>
-                                <m:t>𝒙</m:t>
-                              </m:r>
+                              <m:sSub>
+                                <m:sSubPr>
+                                  <m:ctrlPr>
+                                    <a:rPr lang="en-US" sz="2600" i="1">
+                                      <a:latin typeface="Cambria Math" panose="02040503050406030204" pitchFamily="18" charset="0"/>
+                                    </a:rPr>
+                                  </m:ctrlPr>
+                                </m:sSubPr>
+                                <m:e>
+                                  <m:r>
+                                    <a:rPr lang="en-US" sz="2600" b="0" i="1">
+                                      <a:latin typeface="Cambria Math" panose="02040503050406030204" pitchFamily="18" charset="0"/>
+                                    </a:rPr>
+                                    <m:t>𝑥</m:t>
+                                  </m:r>
+                                </m:e>
+                                <m:sub>
+                                  <m:r>
+                                    <a:rPr lang="pt-BR" sz="2600" b="0" i="1">
+                                      <a:latin typeface="Cambria Math" panose="02040503050406030204" pitchFamily="18" charset="0"/>
+                                    </a:rPr>
+                                    <m:t>𝑘</m:t>
+                                  </m:r>
+                                </m:sub>
+                              </m:sSub>
                             </m:sub>
                           </m:sSub>
                         </m:den>
@@ -9619,7 +10005,7 @@
             </p:txBody>
           </p:sp>
         </mc:Choice>
-        <mc:Fallback xmlns="">
+        <mc:Fallback>
           <p:sp>
             <p:nvSpPr>
               <p:cNvPr id="3" name="Content Placeholder 2"/>
@@ -9633,12 +10019,12 @@
             <p:spPr>
               <a:xfrm>
                 <a:off x="838199" y="1771032"/>
-                <a:ext cx="11240069" cy="5032376"/>
+                <a:ext cx="11240069" cy="5086968"/>
               </a:xfrm>
               <a:blipFill rotWithShape="0">
                 <a:blip r:embed="rId3"/>
                 <a:stretch>
-                  <a:fillRect l="-597" t="-2545" b="-2061"/>
+                  <a:fillRect l="-597" t="-2518" b="-2038"/>
                 </a:stretch>
               </a:blipFill>
             </p:spPr>
@@ -11372,8 +11758,8 @@
           </a:p>
         </p:txBody>
       </p:sp>
-      <mc:AlternateContent xmlns:mc="http://schemas.openxmlformats.org/markup-compatibility/2006" xmlns:a14="http://schemas.microsoft.com/office/drawing/2010/main">
-        <mc:Choice Requires="a14">
+      <mc:AlternateContent xmlns:mc="http://schemas.openxmlformats.org/markup-compatibility/2006">
+        <mc:Choice xmlns:a14="http://schemas.microsoft.com/office/drawing/2010/main" Requires="a14">
           <p:sp>
             <p:nvSpPr>
               <p:cNvPr id="23" name="TextBox 22"/>
@@ -11712,7 +12098,15 @@
                 </a14:m>
                 <a:r>
                   <a:rPr lang="pt-BR" dirty="0" smtClean="0"/>
-                  <a:t> têm intervalo semelhante, então, a variação tanto de </a:t>
+                  <a:t> têm </a:t>
+                </a:r>
+                <a:r>
+                  <a:rPr lang="pt-BR" dirty="0" smtClean="0"/>
+                  <a:t>intervalos semelhantes, </a:t>
+                </a:r>
+                <a:r>
+                  <a:rPr lang="pt-BR" dirty="0" smtClean="0"/>
+                  <a:t>então, a variação tanto de </a:t>
                 </a:r>
                 <a14:m>
                   <m:oMath xmlns:m="http://schemas.openxmlformats.org/officeDocument/2006/math">
@@ -11825,7 +12219,7 @@
             </p:txBody>
           </p:sp>
         </mc:Choice>
-        <mc:Fallback xmlns="">
+        <mc:Fallback>
           <p:sp>
             <p:nvSpPr>
               <p:cNvPr id="23" name="TextBox 22"/>
@@ -11845,7 +12239,7 @@
               <a:blipFill rotWithShape="0">
                 <a:blip r:embed="rId14"/>
                 <a:stretch>
-                  <a:fillRect l="-835" t="-1502" r="-1193" b="-3904"/>
+                  <a:fillRect l="-835" t="-1502" b="-3904"/>
                 </a:stretch>
               </a:blipFill>
             </p:spPr>
@@ -12274,8 +12668,8 @@
           </a:p>
         </p:txBody>
       </p:sp>
-      <mc:AlternateContent xmlns:mc="http://schemas.openxmlformats.org/markup-compatibility/2006" xmlns:a14="http://schemas.microsoft.com/office/drawing/2010/main">
-        <mc:Choice Requires="a14">
+      <mc:AlternateContent xmlns:mc="http://schemas.openxmlformats.org/markup-compatibility/2006">
+        <mc:Choice xmlns:a14="http://schemas.microsoft.com/office/drawing/2010/main" Requires="a14">
           <p:sp>
             <p:nvSpPr>
               <p:cNvPr id="3" name="Content Placeholder 2"/>
@@ -12288,8 +12682,8 @@
             </p:nvSpPr>
             <p:spPr>
               <a:xfrm>
-                <a:off x="838200" y="1825624"/>
-                <a:ext cx="11140440" cy="5032376"/>
+                <a:off x="838199" y="1825624"/>
+                <a:ext cx="11204643" cy="5032376"/>
               </a:xfrm>
             </p:spPr>
             <p:txBody>
@@ -12300,7 +12694,23 @@
               <a:p>
                 <a:r>
                   <a:rPr lang="pt-BR" dirty="0" smtClean="0"/>
-                  <a:t>Dados deste tipo podem ser aproximados através de polinômios:</a:t>
+                  <a:t>Através do teorema de </a:t>
+                </a:r>
+                <a:r>
+                  <a:rPr lang="pt-BR" b="1" i="1" dirty="0" smtClean="0"/>
+                  <a:t>Weierstrass</a:t>
+                </a:r>
+                <a:r>
+                  <a:rPr lang="pt-BR" dirty="0" smtClean="0"/>
+                  <a:t>, sabemos que d</a:t>
+                </a:r>
+                <a:r>
+                  <a:rPr lang="pt-BR" dirty="0" smtClean="0"/>
+                  <a:t>ados </a:t>
+                </a:r>
+                <a:r>
+                  <a:rPr lang="pt-BR" dirty="0" smtClean="0"/>
+                  <a:t>deste tipo podem ser aproximados através de polinômios:</a:t>
                 </a:r>
               </a:p>
               <a:p>
@@ -13233,26 +13643,50 @@
                 </a:r>
                 <a:r>
                   <a:rPr lang="pt-BR" dirty="0"/>
-                  <a:t>resultados encontrados anteriormente (equação normal, gradientes </a:t>
+                  <a:t>resultados encontrados anteriormente (equação normal, </a:t>
                 </a:r>
                 <a:r>
                   <a:rPr lang="pt-BR" dirty="0" smtClean="0"/>
-                  <a:t>para o gradiente descendente, escalonamento) </a:t>
+                  <a:t>vetores gradiente </a:t>
+                </a:r>
+                <a:r>
+                  <a:rPr lang="pt-BR" dirty="0" smtClean="0"/>
+                  <a:t>para </a:t>
+                </a:r>
+                <a:r>
+                  <a:rPr lang="pt-BR" dirty="0" smtClean="0"/>
+                  <a:t>o algoritmo do </a:t>
+                </a:r>
+                <a:r>
+                  <a:rPr lang="pt-BR" dirty="0" smtClean="0"/>
+                  <a:t>gradiente descendente, escalonamento) </a:t>
                 </a:r>
                 <a:r>
                   <a:rPr lang="pt-BR" dirty="0"/>
-                  <a:t>são facilmente estendidos para </a:t>
+                  <a:t>são </a:t>
                 </a:r>
                 <a:r>
                   <a:rPr lang="pt-BR" dirty="0" smtClean="0"/>
-                  <a:t>funções hipótese polinomiais.</a:t>
+                  <a:t>diretamente estendidos </a:t>
+                </a:r>
+                <a:r>
+                  <a:rPr lang="pt-BR" dirty="0"/>
+                  <a:t>para </a:t>
+                </a:r>
+                <a:r>
+                  <a:rPr lang="pt-BR" b="1" i="1" dirty="0" smtClean="0"/>
+                  <a:t>funções hipótese polinomiais</a:t>
+                </a:r>
+                <a:r>
+                  <a:rPr lang="pt-BR" dirty="0" smtClean="0"/>
+                  <a:t>.</a:t>
                 </a:r>
                 <a:endParaRPr lang="pt-BR" dirty="0"/>
               </a:p>
             </p:txBody>
           </p:sp>
         </mc:Choice>
-        <mc:Fallback xmlns="">
+        <mc:Fallback>
           <p:sp>
             <p:nvSpPr>
               <p:cNvPr id="3" name="Content Placeholder 2"/>
@@ -13265,13 +13699,13 @@
             </p:nvSpPr>
             <p:spPr>
               <a:xfrm>
-                <a:off x="838200" y="1825624"/>
-                <a:ext cx="11140440" cy="5032376"/>
+                <a:off x="838199" y="1825624"/>
+                <a:ext cx="11204643" cy="5032376"/>
               </a:xfrm>
               <a:blipFill rotWithShape="0">
                 <a:blip r:embed="rId2"/>
                 <a:stretch>
-                  <a:fillRect l="-876" t="-2421" r="-602"/>
+                  <a:fillRect l="-816" t="-2421" r="-1196"/>
                 </a:stretch>
               </a:blipFill>
             </p:spPr>
@@ -13347,8 +13781,104 @@
           </a:p>
         </p:txBody>
       </p:sp>
-      <mc:AlternateContent xmlns:mc="http://schemas.openxmlformats.org/markup-compatibility/2006" xmlns:a14="http://schemas.microsoft.com/office/drawing/2010/main">
-        <mc:Choice Requires="a14">
+      <p:pic>
+        <p:nvPicPr>
+          <p:cNvPr id="4" name="Picture 3"/>
+          <p:cNvPicPr>
+            <a:picLocks noChangeAspect="1"/>
+          </p:cNvPicPr>
+          <p:nvPr/>
+        </p:nvPicPr>
+        <p:blipFill rotWithShape="1">
+          <a:blip r:embed="rId2" cstate="print">
+            <a:extLst>
+              <a:ext uri="{28A0092B-C50C-407E-A947-70E740481C1C}">
+                <a14:useLocalDpi xmlns:a14="http://schemas.microsoft.com/office/drawing/2010/main" val="0"/>
+              </a:ext>
+            </a:extLst>
+          </a:blip>
+          <a:srcRect l="5555" t="10636" r="9649"/>
+          <a:stretch/>
+        </p:blipFill>
+        <p:spPr>
+          <a:xfrm>
+            <a:off x="7700210" y="2323393"/>
+            <a:ext cx="4443663" cy="3122059"/>
+          </a:xfrm>
+          <a:prstGeom prst="rect">
+            <a:avLst/>
+          </a:prstGeom>
+        </p:spPr>
+      </p:pic>
+      <p:sp>
+        <p:nvSpPr>
+          <p:cNvPr id="5" name="TextBox 4"/>
+          <p:cNvSpPr txBox="1"/>
+          <p:nvPr/>
+        </p:nvSpPr>
+        <p:spPr>
+          <a:xfrm>
+            <a:off x="7991857" y="1705176"/>
+            <a:ext cx="4152016" cy="369332"/>
+          </a:xfrm>
+          <a:prstGeom prst="rect">
+            <a:avLst/>
+          </a:prstGeom>
+          <a:noFill/>
+        </p:spPr>
+        <p:txBody>
+          <a:bodyPr wrap="square" rtlCol="0">
+            <a:spAutoFit/>
+          </a:bodyPr>
+          <a:lstStyle/>
+          <a:p>
+            <a:pPr algn="ctr"/>
+            <a:r>
+              <a:rPr lang="pt-BR" b="1" dirty="0" smtClean="0"/>
+              <a:t>Polinômio de ordem 2.</a:t>
+            </a:r>
+            <a:endParaRPr lang="pt-BR" b="1" dirty="0"/>
+          </a:p>
+        </p:txBody>
+      </p:sp>
+      <p:cxnSp>
+        <p:nvCxnSpPr>
+          <p:cNvPr id="7" name="Straight Arrow Connector 6"/>
+          <p:cNvCxnSpPr/>
+          <p:nvPr/>
+        </p:nvCxnSpPr>
+        <p:spPr>
+          <a:xfrm>
+            <a:off x="9922041" y="2074508"/>
+            <a:ext cx="621471" cy="1559995"/>
+          </a:xfrm>
+          <a:prstGeom prst="straightConnector1">
+            <a:avLst/>
+          </a:prstGeom>
+          <a:ln w="28575">
+            <a:solidFill>
+              <a:srgbClr val="FF0000"/>
+            </a:solidFill>
+            <a:tailEnd type="triangle"/>
+          </a:ln>
+        </p:spPr>
+        <p:style>
+          <a:lnRef idx="1">
+            <a:schemeClr val="accent1"/>
+          </a:lnRef>
+          <a:fillRef idx="0">
+            <a:schemeClr val="accent1"/>
+          </a:fillRef>
+          <a:effectRef idx="0">
+            <a:schemeClr val="accent1"/>
+          </a:effectRef>
+          <a:fontRef idx="minor">
+            <a:schemeClr val="tx1"/>
+          </a:fontRef>
+        </p:style>
+      </p:cxnSp>
+      <mc:AlternateContent xmlns:mc="http://schemas.openxmlformats.org/markup-compatibility/2006">
+        <mc:Choice xmlns:a14="http://schemas.microsoft.com/office/drawing/2010/main" Requires="a14">
           <p:sp>
             <p:nvSpPr>
               <p:cNvPr id="3" name="Content Placeholder 2"/>
@@ -13362,7 +13892,7 @@
             <p:spPr>
               <a:xfrm>
                 <a:off x="838199" y="1825625"/>
-                <a:ext cx="7153657" cy="4739767"/>
+                <a:ext cx="7153657" cy="5032375"/>
               </a:xfrm>
             </p:spPr>
             <p:txBody>
@@ -13380,8 +13910,12 @@
                   <a:t>seguinte </a:t>
                 </a:r>
                 <a:r>
+                  <a:rPr lang="pt-BR" b="1" i="1" dirty="0" smtClean="0"/>
+                  <a:t>mapeamento verdadeiro</a:t>
+                </a:r>
+                <a:r>
                   <a:rPr lang="pt-BR" dirty="0" smtClean="0"/>
-                  <a:t>mapeamento verdadeiro:</a:t>
+                  <a:t>:</a:t>
                 </a:r>
               </a:p>
               <a:p>
@@ -13926,14 +14460,26 @@
               <a:p>
                 <a:r>
                   <a:rPr lang="pt-BR" dirty="0" smtClean="0"/>
-                  <a:t>Agora surge uma dúvida, se não soubéssemos a ordem por trás do modelo gerador, qual ordem deveríamos utilizar?</a:t>
+                  <a:t>Agora surge uma dúvida, </a:t>
+                </a:r>
+                <a:r>
+                  <a:rPr lang="pt-BR" b="1" i="1" dirty="0" smtClean="0"/>
+                  <a:t>e se </a:t>
+                </a:r>
+                <a:r>
+                  <a:rPr lang="pt-BR" b="1" i="1" dirty="0" smtClean="0"/>
+                  <a:t>não soubéssemos a ordem por trás do modelo gerador, qual ordem deveríamos utilizar</a:t>
+                </a:r>
+                <a:r>
+                  <a:rPr lang="pt-BR" dirty="0" smtClean="0"/>
+                  <a:t>?</a:t>
                 </a:r>
                 <a:endParaRPr lang="pt-BR" dirty="0"/>
               </a:p>
             </p:txBody>
           </p:sp>
         </mc:Choice>
-        <mc:Fallback xmlns="">
+        <mc:Fallback>
           <p:sp>
             <p:nvSpPr>
               <p:cNvPr id="3" name="Content Placeholder 2"/>
@@ -13947,12 +14493,12 @@
             <p:spPr>
               <a:xfrm>
                 <a:off x="838199" y="1825625"/>
-                <a:ext cx="7153657" cy="4739767"/>
+                <a:ext cx="7153657" cy="5032375"/>
               </a:xfrm>
               <a:blipFill rotWithShape="0">
-                <a:blip r:embed="rId2"/>
+                <a:blip r:embed="rId3"/>
                 <a:stretch>
-                  <a:fillRect l="-1704" t="-2057" r="-1278" b="-2314"/>
+                  <a:fillRect l="-1704" t="-1937" r="-170"/>
                 </a:stretch>
               </a:blipFill>
             </p:spPr>
@@ -13971,102 +14517,6 @@
           </p:sp>
         </mc:Fallback>
       </mc:AlternateContent>
-      <p:pic>
-        <p:nvPicPr>
-          <p:cNvPr id="4" name="Picture 3"/>
-          <p:cNvPicPr>
-            <a:picLocks noChangeAspect="1"/>
-          </p:cNvPicPr>
-          <p:nvPr/>
-        </p:nvPicPr>
-        <p:blipFill rotWithShape="1">
-          <a:blip r:embed="rId3" cstate="print">
-            <a:extLst>
-              <a:ext uri="{28A0092B-C50C-407E-A947-70E740481C1C}">
-                <a14:useLocalDpi xmlns:a14="http://schemas.microsoft.com/office/drawing/2010/main" val="0"/>
-              </a:ext>
-            </a:extLst>
-          </a:blip>
-          <a:srcRect l="5555" t="10636" r="9649"/>
-          <a:stretch/>
-        </p:blipFill>
-        <p:spPr>
-          <a:xfrm>
-            <a:off x="7700210" y="2323393"/>
-            <a:ext cx="4443663" cy="3122059"/>
-          </a:xfrm>
-          <a:prstGeom prst="rect">
-            <a:avLst/>
-          </a:prstGeom>
-        </p:spPr>
-      </p:pic>
-      <p:sp>
-        <p:nvSpPr>
-          <p:cNvPr id="5" name="TextBox 4"/>
-          <p:cNvSpPr txBox="1"/>
-          <p:nvPr/>
-        </p:nvSpPr>
-        <p:spPr>
-          <a:xfrm>
-            <a:off x="7991857" y="1705176"/>
-            <a:ext cx="4152016" cy="369332"/>
-          </a:xfrm>
-          <a:prstGeom prst="rect">
-            <a:avLst/>
-          </a:prstGeom>
-          <a:noFill/>
-        </p:spPr>
-        <p:txBody>
-          <a:bodyPr wrap="square" rtlCol="0">
-            <a:spAutoFit/>
-          </a:bodyPr>
-          <a:lstStyle/>
-          <a:p>
-            <a:pPr algn="ctr"/>
-            <a:r>
-              <a:rPr lang="pt-BR" b="1" dirty="0" smtClean="0"/>
-              <a:t>Polinômio de ordem 2.</a:t>
-            </a:r>
-            <a:endParaRPr lang="pt-BR" b="1" dirty="0"/>
-          </a:p>
-        </p:txBody>
-      </p:sp>
-      <p:cxnSp>
-        <p:nvCxnSpPr>
-          <p:cNvPr id="7" name="Straight Arrow Connector 6"/>
-          <p:cNvCxnSpPr/>
-          <p:nvPr/>
-        </p:nvCxnSpPr>
-        <p:spPr>
-          <a:xfrm>
-            <a:off x="9922041" y="2074508"/>
-            <a:ext cx="621471" cy="1559995"/>
-          </a:xfrm>
-          <a:prstGeom prst="straightConnector1">
-            <a:avLst/>
-          </a:prstGeom>
-          <a:ln w="28575">
-            <a:solidFill>
-              <a:srgbClr val="FF0000"/>
-            </a:solidFill>
-            <a:tailEnd type="triangle"/>
-          </a:ln>
-        </p:spPr>
-        <p:style>
-          <a:lnRef idx="1">
-            <a:schemeClr val="accent1"/>
-          </a:lnRef>
-          <a:fillRef idx="0">
-            <a:schemeClr val="accent1"/>
-          </a:fillRef>
-          <a:effectRef idx="0">
-            <a:schemeClr val="accent1"/>
-          </a:effectRef>
-          <a:fontRef idx="minor">
-            <a:schemeClr val="tx1"/>
-          </a:fontRef>
-        </p:style>
-      </p:cxnSp>
     </p:spTree>
     <p:extLst>
       <p:ext uri="{BB962C8B-B14F-4D97-AF65-F5344CB8AC3E}">
@@ -14143,8 +14593,8 @@
         </p:nvSpPr>
         <p:spPr>
           <a:xfrm>
-            <a:off x="822702" y="4122126"/>
-            <a:ext cx="11353800" cy="2565396"/>
+            <a:off x="822702" y="3938275"/>
+            <a:ext cx="11353800" cy="2919725"/>
           </a:xfrm>
         </p:spPr>
         <p:txBody>
@@ -14258,9 +14708,16 @@
             </a:r>
             <a:r>
               <a:rPr lang="pt-BR" dirty="0" smtClean="0"/>
-              <a:t>dados, errando pouco para exemplos de treinamento e validação.</a:t>
-            </a:r>
-            <a:endParaRPr lang="pt-BR" dirty="0"/>
+              <a:t>dados, </a:t>
+            </a:r>
+            <a:r>
+              <a:rPr lang="pt-BR" dirty="0" smtClean="0"/>
+              <a:t>errando pouco para exemplos de treinamento e validação</a:t>
+            </a:r>
+            <a:r>
+              <a:rPr lang="pt-BR" dirty="0" smtClean="0"/>
+              <a:t>.</a:t>
+            </a:r>
           </a:p>
           <a:p>
             <a:pPr lvl="1">
@@ -14268,72 +14725,45 @@
               <a:buChar char="§"/>
             </a:pPr>
             <a:r>
-              <a:rPr lang="pt-BR" dirty="0"/>
-              <a:t>Essa aproximação será melhor quanto maior for o conjunto de treinamento e/ou menor o ruído</a:t>
+              <a:rPr lang="pt-BR" dirty="0" smtClean="0"/>
+              <a:t>Esse modelo encontra uma relação de compromisso entre </a:t>
+            </a:r>
+            <a:r>
+              <a:rPr lang="pt-BR" b="1" i="1" dirty="0" smtClean="0"/>
+              <a:t>flexibilidade</a:t>
+            </a:r>
+            <a:r>
+              <a:rPr lang="pt-BR" dirty="0" smtClean="0"/>
+              <a:t> e </a:t>
+            </a:r>
+            <a:r>
+              <a:rPr lang="pt-BR" b="1" i="1" dirty="0" smtClean="0"/>
+              <a:t>grau de generalização</a:t>
             </a:r>
             <a:r>
               <a:rPr lang="pt-BR" dirty="0" smtClean="0"/>
               <a:t>.</a:t>
             </a:r>
+            <a:endParaRPr lang="pt-BR" dirty="0" smtClean="0"/>
+          </a:p>
+          <a:p>
+            <a:pPr lvl="1">
+              <a:buFont typeface="Wingdings" panose="05000000000000000000" pitchFamily="2" charset="2"/>
+              <a:buChar char="§"/>
+            </a:pPr>
+            <a:r>
+              <a:rPr lang="pt-BR" dirty="0" smtClean="0"/>
+              <a:t>Essa </a:t>
+            </a:r>
+            <a:r>
+              <a:rPr lang="pt-BR" dirty="0"/>
+              <a:t>aproximação será melhor quanto maior for o conjunto de treinamento e/ou menor o ruído</a:t>
+            </a:r>
+            <a:r>
+              <a:rPr lang="pt-BR" dirty="0" smtClean="0"/>
+              <a:t>.</a:t>
+            </a:r>
             <a:endParaRPr lang="pt-BR" dirty="0"/>
-          </a:p>
-        </p:txBody>
-      </p:sp>
-      <p:sp>
-        <p:nvSpPr>
-          <p:cNvPr id="4" name="TextBox 3"/>
-          <p:cNvSpPr txBox="1"/>
-          <p:nvPr/>
-        </p:nvSpPr>
-        <p:spPr>
-          <a:xfrm>
-            <a:off x="8810624" y="6519446"/>
-            <a:ext cx="3381375" cy="338554"/>
-          </a:xfrm>
-          <a:prstGeom prst="rect">
-            <a:avLst/>
-          </a:prstGeom>
-          <a:noFill/>
-        </p:spPr>
-        <p:txBody>
-          <a:bodyPr wrap="square" rtlCol="0">
-            <a:spAutoFit/>
-          </a:bodyPr>
-          <a:lstStyle/>
-          <a:p>
-            <a:pPr algn="ctr"/>
-            <a:r>
-              <a:rPr lang="pt-BR" sz="1600" dirty="0" smtClean="0">
-                <a:solidFill>
-                  <a:srgbClr val="00B0F0"/>
-                </a:solidFill>
-                <a:hlinkClick r:id="rId3"/>
-              </a:rPr>
-              <a:t>Exemplo</a:t>
-            </a:r>
-            <a:r>
-              <a:rPr lang="pt-BR" sz="1600" dirty="0">
-                <a:solidFill>
-                  <a:srgbClr val="00B0F0"/>
-                </a:solidFill>
-                <a:hlinkClick r:id="rId3"/>
-              </a:rPr>
-              <a:t>: </a:t>
-            </a:r>
-            <a:r>
-              <a:rPr lang="pt-BR" sz="1600" dirty="0" smtClean="0">
-                <a:solidFill>
-                  <a:srgbClr val="00B0F0"/>
-                </a:solidFill>
-                <a:hlinkClick r:id="rId3"/>
-              </a:rPr>
-              <a:t>polynomial_regression.ipynb</a:t>
-            </a:r>
-            <a:endParaRPr lang="pt-BR" sz="1600" dirty="0">
-              <a:solidFill>
-                <a:srgbClr val="00B0F0"/>
-              </a:solidFill>
-            </a:endParaRPr>
           </a:p>
         </p:txBody>
       </p:sp>
@@ -14346,7 +14776,7 @@
           <p:nvPr/>
         </p:nvPicPr>
         <p:blipFill rotWithShape="1">
-          <a:blip r:embed="rId4" cstate="print">
+          <a:blip r:embed="rId3" cstate="print">
             <a:extLst>
               <a:ext uri="{28A0092B-C50C-407E-A947-70E740481C1C}">
                 <a14:useLocalDpi xmlns:a14="http://schemas.microsoft.com/office/drawing/2010/main" val="0"/>
@@ -14358,7 +14788,7 @@
         </p:blipFill>
         <p:spPr>
           <a:xfrm>
-            <a:off x="904266" y="1245560"/>
+            <a:off x="904266" y="1148280"/>
             <a:ext cx="2775469" cy="2785007"/>
           </a:xfrm>
           <a:prstGeom prst="rect">
@@ -14375,7 +14805,7 @@
           <p:nvPr/>
         </p:nvPicPr>
         <p:blipFill rotWithShape="1">
-          <a:blip r:embed="rId5" cstate="print">
+          <a:blip r:embed="rId4" cstate="print">
             <a:extLst>
               <a:ext uri="{28A0092B-C50C-407E-A947-70E740481C1C}">
                 <a14:useLocalDpi xmlns:a14="http://schemas.microsoft.com/office/drawing/2010/main" val="0"/>
@@ -14387,7 +14817,7 @@
         </p:blipFill>
         <p:spPr>
           <a:xfrm>
-            <a:off x="8956954" y="1304928"/>
+            <a:off x="8956954" y="1207648"/>
             <a:ext cx="2713277" cy="2722601"/>
           </a:xfrm>
           <a:prstGeom prst="rect">
@@ -14436,8 +14866,8 @@
         </p:nvCxnSpPr>
         <p:spPr>
           <a:xfrm flipH="1">
-            <a:off x="3228617" y="1870791"/>
-            <a:ext cx="1549373" cy="453290"/>
+            <a:off x="3239311" y="1870791"/>
+            <a:ext cx="1538679" cy="386026"/>
           </a:xfrm>
           <a:prstGeom prst="straightConnector1">
             <a:avLst/>
@@ -14541,8 +14971,8 @@
         </p:nvSpPr>
         <p:spPr>
           <a:xfrm>
-            <a:off x="1042416" y="975278"/>
-            <a:ext cx="2989230" cy="338554"/>
+            <a:off x="1099226" y="877998"/>
+            <a:ext cx="2549923" cy="338554"/>
           </a:xfrm>
           <a:prstGeom prst="rect">
             <a:avLst/>
@@ -14572,8 +15002,8 @@
         </p:nvSpPr>
         <p:spPr>
           <a:xfrm>
-            <a:off x="8956954" y="962850"/>
-            <a:ext cx="2989230" cy="338554"/>
+            <a:off x="9153728" y="865570"/>
+            <a:ext cx="2516503" cy="338554"/>
           </a:xfrm>
           <a:prstGeom prst="rect">
             <a:avLst/>

--- a/slides/T319_Regressão_Linear (Parte IV).pptx
+++ b/slides/T319_Regressão_Linear (Parte IV).pptx
@@ -537,7 +537,7 @@
           <a:p>
             <a:fld id="{DAF0AF11-6A8A-4E64-94F5-26D4FBA2A01D}" type="datetimeFigureOut">
               <a:rPr lang="nl-BE" smtClean="0"/>
-              <a:t>5/11/2021</a:t>
+              <a:t>25/05/2022</a:t>
             </a:fld>
             <a:endParaRPr lang="nl-BE"/>
           </a:p>
@@ -696,7 +696,7 @@
           <a:p>
             <a:fld id="{DA8B99DF-01BC-492A-8CEF-4FD88D18DD9D}" type="slidenum">
               <a:rPr lang="nl-BE" smtClean="0"/>
-              <a:t>‹#›</a:t>
+              <a:t>‹nº›</a:t>
             </a:fld>
             <a:endParaRPr lang="nl-BE"/>
           </a:p>
@@ -1823,7 +1823,74 @@
             </a:r>
             <a:r>
               <a:rPr lang="pt-BR" dirty="0" smtClean="0"/>
-              <a:t>https://mybinder.org/v2/gh/zz4fap/t319_aprendizado_de_maquina/main?filepath=notebooks%2Fregression%2Fescalonamento_de_atributos</a:t>
+              <a:t>https://</a:t>
+            </a:r>
+            <a:r>
+              <a:rPr lang="pt-BR" dirty="0" smtClean="0"/>
+              <a:t>mybinder.org/v2/gh/zz4fap/t319_aprendizado_de_maquina/main?filepath=notebooks%2Fregression%2Fescalonamento_de_atributos</a:t>
+            </a:r>
+            <a:r>
+              <a:rPr lang="pt-BR" u="none" dirty="0" smtClean="0">
+                <a:solidFill>
+                  <a:srgbClr val="00B0F0"/>
+                </a:solidFill>
+              </a:rPr>
+              <a:t>.ipynb</a:t>
+            </a:r>
+          </a:p>
+          <a:p>
+            <a:pPr marL="0" marR="0" lvl="0" indent="0" algn="l" defTabSz="914400" rtl="0" eaLnBrk="1" fontAlgn="auto" latinLnBrk="0" hangingPunct="1">
+              <a:lnSpc>
+                <a:spcPct val="100000"/>
+              </a:lnSpc>
+              <a:spcBef>
+                <a:spcPts val="0"/>
+              </a:spcBef>
+              <a:spcAft>
+                <a:spcPts val="0"/>
+              </a:spcAft>
+              <a:buClrTx/>
+              <a:buSzTx/>
+              <a:buFontTx/>
+              <a:buNone/>
+              <a:tabLst/>
+              <a:defRPr/>
+            </a:pPr>
+            <a:endParaRPr lang="pt-BR" u="none" dirty="0" smtClean="0">
+              <a:solidFill>
+                <a:srgbClr val="00B0F0"/>
+              </a:solidFill>
+            </a:endParaRPr>
+          </a:p>
+          <a:p>
+            <a:pPr marL="0" marR="0" lvl="0" indent="0" algn="l" defTabSz="914400" rtl="0" eaLnBrk="1" fontAlgn="auto" latinLnBrk="0" hangingPunct="1">
+              <a:lnSpc>
+                <a:spcPct val="100000"/>
+              </a:lnSpc>
+              <a:spcBef>
+                <a:spcPts val="0"/>
+              </a:spcBef>
+              <a:spcAft>
+                <a:spcPts val="0"/>
+              </a:spcAft>
+              <a:buClrTx/>
+              <a:buSzTx/>
+              <a:buFontTx/>
+              <a:buNone/>
+              <a:tabLst/>
+              <a:defRPr/>
+            </a:pPr>
+            <a:r>
+              <a:rPr lang="pt-BR" u="none" dirty="0" smtClean="0">
+                <a:solidFill>
+                  <a:srgbClr val="00B0F0"/>
+                </a:solidFill>
+              </a:rPr>
+              <a:t>Exemplo: </a:t>
+            </a:r>
+            <a:r>
+              <a:rPr lang="pt-BR" dirty="0" smtClean="0"/>
+              <a:t>https://colab.research.google.com/github/zz4fap/t319_aprendizado_de_maquina/blob/main/notebooks/regression/escalonamento_de_atributos</a:t>
             </a:r>
             <a:r>
               <a:rPr lang="pt-BR" u="none" dirty="0" smtClean="0">
@@ -2201,8 +2268,55 @@
           <a:lstStyle/>
           <a:p>
             <a:r>
+              <a:rPr lang="pt-BR" dirty="0" err="1" smtClean="0"/>
+              <a:t>Binder</a:t>
+            </a:r>
+            <a:r>
               <a:rPr lang="pt-BR" dirty="0" smtClean="0"/>
-              <a:t>É importante salientar que</a:t>
+              <a:t>: https://mybinder.org/v2/gh/zz4fap/t319_aprendizado_de_maquina/main?filepath=notebooks/regression/polynomial_regression.ipynb</a:t>
+            </a:r>
+          </a:p>
+          <a:p>
+            <a:endParaRPr lang="pt-BR" dirty="0" smtClean="0"/>
+          </a:p>
+          <a:p>
+            <a:pPr marL="0" marR="0" lvl="0" indent="0" algn="l" defTabSz="914400" rtl="0" eaLnBrk="1" fontAlgn="auto" latinLnBrk="0" hangingPunct="1">
+              <a:lnSpc>
+                <a:spcPct val="100000"/>
+              </a:lnSpc>
+              <a:spcBef>
+                <a:spcPts val="0"/>
+              </a:spcBef>
+              <a:spcAft>
+                <a:spcPts val="0"/>
+              </a:spcAft>
+              <a:buClrTx/>
+              <a:buSzTx/>
+              <a:buFontTx/>
+              <a:buNone/>
+              <a:tabLst/>
+              <a:defRPr/>
+            </a:pPr>
+            <a:r>
+              <a:rPr lang="pt-BR" dirty="0" err="1" smtClean="0"/>
+              <a:t>Colab</a:t>
+            </a:r>
+            <a:r>
+              <a:rPr lang="pt-BR" dirty="0" smtClean="0"/>
+              <a:t>: https://colab.research.google.com/github/zz4fap/t319_aprendizado_de_maquina/blob/main/notebooks/regression/polynomial_regression.ipynb</a:t>
+            </a:r>
+          </a:p>
+          <a:p>
+            <a:endParaRPr lang="pt-BR" dirty="0" smtClean="0"/>
+          </a:p>
+          <a:p>
+            <a:r>
+              <a:rPr lang="pt-BR" dirty="0" smtClean="0"/>
+              <a:t>É </a:t>
+            </a:r>
+            <a:r>
+              <a:rPr lang="pt-BR" dirty="0" smtClean="0"/>
+              <a:t>importante salientar que</a:t>
             </a:r>
             <a:r>
               <a:rPr lang="pt-BR" baseline="0" dirty="0" smtClean="0"/>
@@ -3121,7 +3235,7 @@
           <a:p>
             <a:fld id="{C80E15A5-E95B-43EB-9AC7-9A96397448C0}" type="datetimeFigureOut">
               <a:rPr lang="nl-BE" smtClean="0"/>
-              <a:t>5/11/2021</a:t>
+              <a:t>25/05/2022</a:t>
             </a:fld>
             <a:endParaRPr lang="nl-BE"/>
           </a:p>
@@ -3163,7 +3277,7 @@
           <a:p>
             <a:fld id="{67C3C120-4544-49C4-A71C-C78FE5187513}" type="slidenum">
               <a:rPr lang="nl-BE" smtClean="0"/>
-              <a:t>‹#›</a:t>
+              <a:t>‹nº›</a:t>
             </a:fld>
             <a:endParaRPr lang="nl-BE"/>
           </a:p>
@@ -3291,7 +3405,7 @@
           <a:p>
             <a:fld id="{C80E15A5-E95B-43EB-9AC7-9A96397448C0}" type="datetimeFigureOut">
               <a:rPr lang="nl-BE" smtClean="0"/>
-              <a:t>5/11/2021</a:t>
+              <a:t>25/05/2022</a:t>
             </a:fld>
             <a:endParaRPr lang="nl-BE"/>
           </a:p>
@@ -3333,7 +3447,7 @@
           <a:p>
             <a:fld id="{67C3C120-4544-49C4-A71C-C78FE5187513}" type="slidenum">
               <a:rPr lang="nl-BE" smtClean="0"/>
-              <a:t>‹#›</a:t>
+              <a:t>‹nº›</a:t>
             </a:fld>
             <a:endParaRPr lang="nl-BE"/>
           </a:p>
@@ -3471,7 +3585,7 @@
           <a:p>
             <a:fld id="{C80E15A5-E95B-43EB-9AC7-9A96397448C0}" type="datetimeFigureOut">
               <a:rPr lang="nl-BE" smtClean="0"/>
-              <a:t>5/11/2021</a:t>
+              <a:t>25/05/2022</a:t>
             </a:fld>
             <a:endParaRPr lang="nl-BE"/>
           </a:p>
@@ -3513,7 +3627,7 @@
           <a:p>
             <a:fld id="{67C3C120-4544-49C4-A71C-C78FE5187513}" type="slidenum">
               <a:rPr lang="nl-BE" smtClean="0"/>
-              <a:t>‹#›</a:t>
+              <a:t>‹nº›</a:t>
             </a:fld>
             <a:endParaRPr lang="nl-BE"/>
           </a:p>
@@ -3641,7 +3755,7 @@
           <a:p>
             <a:fld id="{C80E15A5-E95B-43EB-9AC7-9A96397448C0}" type="datetimeFigureOut">
               <a:rPr lang="nl-BE" smtClean="0"/>
-              <a:t>5/11/2021</a:t>
+              <a:t>25/05/2022</a:t>
             </a:fld>
             <a:endParaRPr lang="nl-BE"/>
           </a:p>
@@ -3683,7 +3797,7 @@
           <a:p>
             <a:fld id="{67C3C120-4544-49C4-A71C-C78FE5187513}" type="slidenum">
               <a:rPr lang="nl-BE" smtClean="0"/>
-              <a:t>‹#›</a:t>
+              <a:t>‹nº›</a:t>
             </a:fld>
             <a:endParaRPr lang="nl-BE"/>
           </a:p>
@@ -3887,7 +4001,7 @@
           <a:p>
             <a:fld id="{C80E15A5-E95B-43EB-9AC7-9A96397448C0}" type="datetimeFigureOut">
               <a:rPr lang="nl-BE" smtClean="0"/>
-              <a:t>5/11/2021</a:t>
+              <a:t>25/05/2022</a:t>
             </a:fld>
             <a:endParaRPr lang="nl-BE"/>
           </a:p>
@@ -3929,7 +4043,7 @@
           <a:p>
             <a:fld id="{67C3C120-4544-49C4-A71C-C78FE5187513}" type="slidenum">
               <a:rPr lang="nl-BE" smtClean="0"/>
-              <a:t>‹#›</a:t>
+              <a:t>‹nº›</a:t>
             </a:fld>
             <a:endParaRPr lang="nl-BE"/>
           </a:p>
@@ -4119,7 +4233,7 @@
           <a:p>
             <a:fld id="{C80E15A5-E95B-43EB-9AC7-9A96397448C0}" type="datetimeFigureOut">
               <a:rPr lang="nl-BE" smtClean="0"/>
-              <a:t>5/11/2021</a:t>
+              <a:t>25/05/2022</a:t>
             </a:fld>
             <a:endParaRPr lang="nl-BE"/>
           </a:p>
@@ -4161,7 +4275,7 @@
           <a:p>
             <a:fld id="{67C3C120-4544-49C4-A71C-C78FE5187513}" type="slidenum">
               <a:rPr lang="nl-BE" smtClean="0"/>
-              <a:t>‹#›</a:t>
+              <a:t>‹nº›</a:t>
             </a:fld>
             <a:endParaRPr lang="nl-BE"/>
           </a:p>
@@ -4486,7 +4600,7 @@
           <a:p>
             <a:fld id="{C80E15A5-E95B-43EB-9AC7-9A96397448C0}" type="datetimeFigureOut">
               <a:rPr lang="nl-BE" smtClean="0"/>
-              <a:t>5/11/2021</a:t>
+              <a:t>25/05/2022</a:t>
             </a:fld>
             <a:endParaRPr lang="nl-BE"/>
           </a:p>
@@ -4528,7 +4642,7 @@
           <a:p>
             <a:fld id="{67C3C120-4544-49C4-A71C-C78FE5187513}" type="slidenum">
               <a:rPr lang="nl-BE" smtClean="0"/>
-              <a:t>‹#›</a:t>
+              <a:t>‹nº›</a:t>
             </a:fld>
             <a:endParaRPr lang="nl-BE"/>
           </a:p>
@@ -4604,7 +4718,7 @@
           <a:p>
             <a:fld id="{C80E15A5-E95B-43EB-9AC7-9A96397448C0}" type="datetimeFigureOut">
               <a:rPr lang="nl-BE" smtClean="0"/>
-              <a:t>5/11/2021</a:t>
+              <a:t>25/05/2022</a:t>
             </a:fld>
             <a:endParaRPr lang="nl-BE"/>
           </a:p>
@@ -4646,7 +4760,7 @@
           <a:p>
             <a:fld id="{67C3C120-4544-49C4-A71C-C78FE5187513}" type="slidenum">
               <a:rPr lang="nl-BE" smtClean="0"/>
-              <a:t>‹#›</a:t>
+              <a:t>‹nº›</a:t>
             </a:fld>
             <a:endParaRPr lang="nl-BE"/>
           </a:p>
@@ -4699,7 +4813,7 @@
           <a:p>
             <a:fld id="{C80E15A5-E95B-43EB-9AC7-9A96397448C0}" type="datetimeFigureOut">
               <a:rPr lang="nl-BE" smtClean="0"/>
-              <a:t>5/11/2021</a:t>
+              <a:t>25/05/2022</a:t>
             </a:fld>
             <a:endParaRPr lang="nl-BE"/>
           </a:p>
@@ -4741,7 +4855,7 @@
           <a:p>
             <a:fld id="{67C3C120-4544-49C4-A71C-C78FE5187513}" type="slidenum">
               <a:rPr lang="nl-BE" smtClean="0"/>
-              <a:t>‹#›</a:t>
+              <a:t>‹nº›</a:t>
             </a:fld>
             <a:endParaRPr lang="nl-BE"/>
           </a:p>
@@ -4976,7 +5090,7 @@
           <a:p>
             <a:fld id="{C80E15A5-E95B-43EB-9AC7-9A96397448C0}" type="datetimeFigureOut">
               <a:rPr lang="nl-BE" smtClean="0"/>
-              <a:t>5/11/2021</a:t>
+              <a:t>25/05/2022</a:t>
             </a:fld>
             <a:endParaRPr lang="nl-BE"/>
           </a:p>
@@ -5018,7 +5132,7 @@
           <a:p>
             <a:fld id="{67C3C120-4544-49C4-A71C-C78FE5187513}" type="slidenum">
               <a:rPr lang="nl-BE" smtClean="0"/>
-              <a:t>‹#›</a:t>
+              <a:t>‹nº›</a:t>
             </a:fld>
             <a:endParaRPr lang="nl-BE"/>
           </a:p>
@@ -5229,7 +5343,7 @@
           <a:p>
             <a:fld id="{C80E15A5-E95B-43EB-9AC7-9A96397448C0}" type="datetimeFigureOut">
               <a:rPr lang="nl-BE" smtClean="0"/>
-              <a:t>5/11/2021</a:t>
+              <a:t>25/05/2022</a:t>
             </a:fld>
             <a:endParaRPr lang="nl-BE"/>
           </a:p>
@@ -5271,7 +5385,7 @@
           <a:p>
             <a:fld id="{67C3C120-4544-49C4-A71C-C78FE5187513}" type="slidenum">
               <a:rPr lang="nl-BE" smtClean="0"/>
-              <a:t>‹#›</a:t>
+              <a:t>‹nº›</a:t>
             </a:fld>
             <a:endParaRPr lang="nl-BE"/>
           </a:p>
@@ -5442,7 +5556,7 @@
           <a:p>
             <a:fld id="{C80E15A5-E95B-43EB-9AC7-9A96397448C0}" type="datetimeFigureOut">
               <a:rPr lang="nl-BE" smtClean="0"/>
-              <a:t>5/11/2021</a:t>
+              <a:t>25/05/2022</a:t>
             </a:fld>
             <a:endParaRPr lang="nl-BE"/>
           </a:p>
@@ -5520,7 +5634,7 @@
           <a:p>
             <a:fld id="{67C3C120-4544-49C4-A71C-C78FE5187513}" type="slidenum">
               <a:rPr lang="nl-BE" smtClean="0"/>
-              <a:t>‹#›</a:t>
+              <a:t>‹nº›</a:t>
             </a:fld>
             <a:endParaRPr lang="nl-BE"/>
           </a:p>
@@ -5852,7 +5966,7 @@
           <p:cNvPr id="2" name="Título 1">
             <a:extLst>
               <a:ext uri="{FF2B5EF4-FFF2-40B4-BE49-F238E27FC236}">
-                <a16:creationId xmlns="" xmlns:a16="http://schemas.microsoft.com/office/drawing/2014/main" id="{32666AC8-2E17-4DB4-B0F5-60C640CCFD2E}"/>
+                <a16:creationId xmlns:a16="http://schemas.microsoft.com/office/drawing/2014/main" xmlns="" id="{32666AC8-2E17-4DB4-B0F5-60C640CCFD2E}"/>
               </a:ext>
             </a:extLst>
           </p:cNvPr>
@@ -5911,7 +6025,7 @@
           <p:cNvPr id="4" name="CaixaDeTexto 3">
             <a:extLst>
               <a:ext uri="{FF2B5EF4-FFF2-40B4-BE49-F238E27FC236}">
-                <a16:creationId xmlns="" xmlns:a16="http://schemas.microsoft.com/office/drawing/2014/main" id="{430EB894-B7D4-434C-9D1A-A14094D9BEEC}"/>
+                <a16:creationId xmlns:a16="http://schemas.microsoft.com/office/drawing/2014/main" xmlns="" id="{430EB894-B7D4-434C-9D1A-A14094D9BEEC}"/>
               </a:ext>
             </a:extLst>
           </p:cNvPr>
@@ -5952,7 +6066,7 @@
           <p:cNvPr id="1026" name="Picture 2" descr="Logo">
             <a:extLst>
               <a:ext uri="{FF2B5EF4-FFF2-40B4-BE49-F238E27FC236}">
-                <a16:creationId xmlns="" xmlns:a16="http://schemas.microsoft.com/office/drawing/2014/main" id="{3F2642E0-4F6A-4196-8F58-E77D36E9A33F}"/>
+                <a16:creationId xmlns:a16="http://schemas.microsoft.com/office/drawing/2014/main" xmlns="" id="{3F2642E0-4F6A-4196-8F58-E77D36E9A33F}"/>
               </a:ext>
             </a:extLst>
           </p:cNvPr>
@@ -5997,7 +6111,7 @@
           <p:cNvPr id="5122" name="Picture 2" descr="Image result for machine learning">
             <a:extLst>
               <a:ext uri="{FF2B5EF4-FFF2-40B4-BE49-F238E27FC236}">
-                <a16:creationId xmlns="" xmlns:a16="http://schemas.microsoft.com/office/drawing/2014/main" id="{810CE0A2-4102-44A6-A370-175E7896CDCB}"/>
+                <a16:creationId xmlns:a16="http://schemas.microsoft.com/office/drawing/2014/main" xmlns="" id="{810CE0A2-4102-44A6-A370-175E7896CDCB}"/>
               </a:ext>
             </a:extLst>
           </p:cNvPr>
@@ -6445,15 +6559,7 @@
                   <a:srgbClr val="FF0000"/>
                 </a:solidFill>
               </a:rPr>
-              <a:t>O modelo aprende perfeitamente até o ruído </a:t>
-            </a:r>
-            <a:r>
-              <a:rPr lang="pt-BR" sz="1600" b="1" dirty="0" smtClean="0">
-                <a:solidFill>
-                  <a:srgbClr val="FF0000"/>
-                </a:solidFill>
-              </a:rPr>
-              <a:t>presente nos dados!</a:t>
+              <a:t>O modelo aprende perfeitamente até o ruído presente nos dados!</a:t>
             </a:r>
             <a:endParaRPr lang="pt-BR" sz="1600" b="1" dirty="0">
               <a:solidFill>
@@ -6639,11 +6745,7 @@
             </a:pPr>
             <a:r>
               <a:rPr lang="pt-BR" dirty="0" smtClean="0"/>
-              <a:t>O</a:t>
-            </a:r>
-            <a:r>
-              <a:rPr lang="pt-BR" dirty="0" smtClean="0"/>
-              <a:t>corre devido </a:t>
+              <a:t>Ocorre devido </a:t>
             </a:r>
             <a:r>
               <a:rPr lang="pt-BR" dirty="0"/>
@@ -7103,7 +7205,7 @@
           <p:cNvPr id="4" name="Título 1">
             <a:extLst>
               <a:ext uri="{FF2B5EF4-FFF2-40B4-BE49-F238E27FC236}">
-                <a16:creationId xmlns="" xmlns:a16="http://schemas.microsoft.com/office/drawing/2014/main" id="{32666AC8-2E17-4DB4-B0F5-60C640CCFD2E}"/>
+                <a16:creationId xmlns:a16="http://schemas.microsoft.com/office/drawing/2014/main" xmlns="" id="{32666AC8-2E17-4DB4-B0F5-60C640CCFD2E}"/>
               </a:ext>
             </a:extLst>
           </p:cNvPr>
@@ -7188,7 +7290,7 @@
           <p:cNvPr id="2050" name="Picture 2" descr="https://miro.medium.com/max/302/1*MpLkcugbeMrJvFlz69LTNQ.jpeg">
             <a:extLst>
               <a:ext uri="{FF2B5EF4-FFF2-40B4-BE49-F238E27FC236}">
-                <a16:creationId xmlns="" xmlns:a16="http://schemas.microsoft.com/office/drawing/2014/main" id="{DE195D4C-7D53-46C2-BDD9-033809B4E028}"/>
+                <a16:creationId xmlns:a16="http://schemas.microsoft.com/office/drawing/2014/main" xmlns="" id="{DE195D4C-7D53-46C2-BDD9-033809B4E028}"/>
               </a:ext>
             </a:extLst>
           </p:cNvPr>
@@ -7235,7 +7337,7 @@
           <p:cNvPr id="2052" name="Picture 4" descr="https://miro.medium.com/max/426/1*iRv8pCP7v8FzVJNe2vAjdw.png">
             <a:extLst>
               <a:ext uri="{FF2B5EF4-FFF2-40B4-BE49-F238E27FC236}">
-                <a16:creationId xmlns="" xmlns:a16="http://schemas.microsoft.com/office/drawing/2014/main" id="{76F9F526-3C2B-485C-9E25-3D10B3E3B0C3}"/>
+                <a16:creationId xmlns:a16="http://schemas.microsoft.com/office/drawing/2014/main" xmlns="" id="{76F9F526-3C2B-485C-9E25-3D10B3E3B0C3}"/>
               </a:ext>
             </a:extLst>
           </p:cNvPr>
@@ -7282,7 +7384,7 @@
           <p:cNvPr id="2054" name="Picture 6" descr="https://miro.medium.com/max/194/1*JugKARhlrp9HLTF5_lN7EQ.jpeg">
             <a:extLst>
               <a:ext uri="{FF2B5EF4-FFF2-40B4-BE49-F238E27FC236}">
-                <a16:creationId xmlns="" xmlns:a16="http://schemas.microsoft.com/office/drawing/2014/main" id="{50D99301-1821-4F05-A553-E371FA6728F0}"/>
+                <a16:creationId xmlns:a16="http://schemas.microsoft.com/office/drawing/2014/main" xmlns="" id="{50D99301-1821-4F05-A553-E371FA6728F0}"/>
               </a:ext>
             </a:extLst>
           </p:cNvPr>
@@ -7353,7 +7455,7 @@
           <p:cNvPr id="3" name="Picture 3" descr="A close up of text on a black background&#10;&#10;Description generated with very high confidence">
             <a:extLst>
               <a:ext uri="{FF2B5EF4-FFF2-40B4-BE49-F238E27FC236}">
-                <a16:creationId xmlns="" xmlns:a16="http://schemas.microsoft.com/office/drawing/2014/main" id="{2A0DF154-7178-4F01-A59C-CD7D1EB3AD92}"/>
+                <a16:creationId xmlns:a16="http://schemas.microsoft.com/office/drawing/2014/main" xmlns="" id="{2A0DF154-7178-4F01-A59C-CD7D1EB3AD92}"/>
               </a:ext>
             </a:extLst>
           </p:cNvPr>
@@ -7663,7 +7765,7 @@
           <p:cNvPr id="2" name="Título 1">
             <a:extLst>
               <a:ext uri="{FF2B5EF4-FFF2-40B4-BE49-F238E27FC236}">
-                <a16:creationId xmlns="" xmlns:a16="http://schemas.microsoft.com/office/drawing/2014/main" id="{793142C1-FD08-4328-BCCB-5521CEABA2E7}"/>
+                <a16:creationId xmlns:a16="http://schemas.microsoft.com/office/drawing/2014/main" xmlns="" id="{793142C1-FD08-4328-BCCB-5521CEABA2E7}"/>
               </a:ext>
             </a:extLst>
           </p:cNvPr>
@@ -7693,7 +7795,7 @@
               <p:cNvPr id="4" name="Content Placeholder 2">
                 <a:extLst>
                   <a:ext uri="{FF2B5EF4-FFF2-40B4-BE49-F238E27FC236}">
-                    <a16:creationId xmlns="" xmlns:a16="http://schemas.microsoft.com/office/drawing/2014/main" id="{C1642F2F-7A09-459E-9D90-1D9D3103E685}"/>
+                    <a16:creationId xmlns:a16="http://schemas.microsoft.com/office/drawing/2014/main" xmlns="" id="{C1642F2F-7A09-459E-9D90-1D9D3103E685}"/>
                   </a:ext>
                 </a:extLst>
               </p:cNvPr>
@@ -9243,8 +9345,8 @@
           </a:p>
         </p:txBody>
       </p:sp>
-      <mc:AlternateContent xmlns:mc="http://schemas.openxmlformats.org/markup-compatibility/2006">
-        <mc:Choice xmlns:a14="http://schemas.microsoft.com/office/drawing/2010/main" Requires="a14">
+      <mc:AlternateContent xmlns:mc="http://schemas.openxmlformats.org/markup-compatibility/2006" xmlns:a14="http://schemas.microsoft.com/office/drawing/2010/main">
+        <mc:Choice Requires="a14">
           <p:sp>
             <p:nvSpPr>
               <p:cNvPr id="3" name="Content Placeholder 2"/>
@@ -10005,7 +10107,7 @@
             </p:txBody>
           </p:sp>
         </mc:Choice>
-        <mc:Fallback>
+        <mc:Fallback xmlns="">
           <p:sp>
             <p:nvSpPr>
               <p:cNvPr id="3" name="Content Placeholder 2"/>
@@ -11758,8 +11860,8 @@
           </a:p>
         </p:txBody>
       </p:sp>
-      <mc:AlternateContent xmlns:mc="http://schemas.openxmlformats.org/markup-compatibility/2006">
-        <mc:Choice xmlns:a14="http://schemas.microsoft.com/office/drawing/2010/main" Requires="a14">
+      <mc:AlternateContent xmlns:mc="http://schemas.openxmlformats.org/markup-compatibility/2006" xmlns:a14="http://schemas.microsoft.com/office/drawing/2010/main">
+        <mc:Choice Requires="a14">
           <p:sp>
             <p:nvSpPr>
               <p:cNvPr id="23" name="TextBox 22"/>
@@ -12098,15 +12200,7 @@
                 </a14:m>
                 <a:r>
                   <a:rPr lang="pt-BR" dirty="0" smtClean="0"/>
-                  <a:t> têm </a:t>
-                </a:r>
-                <a:r>
-                  <a:rPr lang="pt-BR" dirty="0" smtClean="0"/>
-                  <a:t>intervalos semelhantes, </a:t>
-                </a:r>
-                <a:r>
-                  <a:rPr lang="pt-BR" dirty="0" smtClean="0"/>
-                  <a:t>então, a variação tanto de </a:t>
+                  <a:t> têm intervalos semelhantes, então, a variação tanto de </a:t>
                 </a:r>
                 <a14:m>
                   <m:oMath xmlns:m="http://schemas.openxmlformats.org/officeDocument/2006/math">
@@ -12219,7 +12313,7 @@
             </p:txBody>
           </p:sp>
         </mc:Choice>
-        <mc:Fallback>
+        <mc:Fallback xmlns="">
           <p:sp>
             <p:nvSpPr>
               <p:cNvPr id="23" name="TextBox 22"/>
@@ -12668,8 +12762,8 @@
           </a:p>
         </p:txBody>
       </p:sp>
-      <mc:AlternateContent xmlns:mc="http://schemas.openxmlformats.org/markup-compatibility/2006">
-        <mc:Choice xmlns:a14="http://schemas.microsoft.com/office/drawing/2010/main" Requires="a14">
+      <mc:AlternateContent xmlns:mc="http://schemas.openxmlformats.org/markup-compatibility/2006" xmlns:a14="http://schemas.microsoft.com/office/drawing/2010/main">
+        <mc:Choice Requires="a14">
           <p:sp>
             <p:nvSpPr>
               <p:cNvPr id="3" name="Content Placeholder 2"/>
@@ -12702,15 +12796,7 @@
                 </a:r>
                 <a:r>
                   <a:rPr lang="pt-BR" dirty="0" smtClean="0"/>
-                  <a:t>, sabemos que d</a:t>
-                </a:r>
-                <a:r>
-                  <a:rPr lang="pt-BR" dirty="0" smtClean="0"/>
-                  <a:t>ados </a:t>
-                </a:r>
-                <a:r>
-                  <a:rPr lang="pt-BR" dirty="0" smtClean="0"/>
-                  <a:t>deste tipo podem ser aproximados através de polinômios:</a:t>
+                  <a:t>, sabemos que dados deste tipo podem ser aproximados através de polinômios:</a:t>
                 </a:r>
               </a:p>
               <a:p>
@@ -13647,19 +13733,7 @@
                 </a:r>
                 <a:r>
                   <a:rPr lang="pt-BR" dirty="0" smtClean="0"/>
-                  <a:t>vetores gradiente </a:t>
-                </a:r>
-                <a:r>
-                  <a:rPr lang="pt-BR" dirty="0" smtClean="0"/>
-                  <a:t>para </a:t>
-                </a:r>
-                <a:r>
-                  <a:rPr lang="pt-BR" dirty="0" smtClean="0"/>
-                  <a:t>o algoritmo do </a:t>
-                </a:r>
-                <a:r>
-                  <a:rPr lang="pt-BR" dirty="0" smtClean="0"/>
-                  <a:t>gradiente descendente, escalonamento) </a:t>
+                  <a:t>vetores gradiente para o algoritmo do gradiente descendente, escalonamento) </a:t>
                 </a:r>
                 <a:r>
                   <a:rPr lang="pt-BR" dirty="0"/>
@@ -13686,7 +13760,7 @@
             </p:txBody>
           </p:sp>
         </mc:Choice>
-        <mc:Fallback>
+        <mc:Fallback xmlns="">
           <p:sp>
             <p:nvSpPr>
               <p:cNvPr id="3" name="Content Placeholder 2"/>
@@ -13877,8 +13951,8 @@
           </a:fontRef>
         </p:style>
       </p:cxnSp>
-      <mc:AlternateContent xmlns:mc="http://schemas.openxmlformats.org/markup-compatibility/2006">
-        <mc:Choice xmlns:a14="http://schemas.microsoft.com/office/drawing/2010/main" Requires="a14">
+      <mc:AlternateContent xmlns:mc="http://schemas.openxmlformats.org/markup-compatibility/2006" xmlns:a14="http://schemas.microsoft.com/office/drawing/2010/main">
+        <mc:Choice Requires="a14">
           <p:sp>
             <p:nvSpPr>
               <p:cNvPr id="3" name="Content Placeholder 2"/>
@@ -14464,11 +14538,7 @@
                 </a:r>
                 <a:r>
                   <a:rPr lang="pt-BR" b="1" i="1" dirty="0" smtClean="0"/>
-                  <a:t>e se </a:t>
-                </a:r>
-                <a:r>
-                  <a:rPr lang="pt-BR" b="1" i="1" dirty="0" smtClean="0"/>
-                  <a:t>não soubéssemos a ordem por trás do modelo gerador, qual ordem deveríamos utilizar</a:t>
+                  <a:t>e se não soubéssemos a ordem por trás do modelo gerador, qual ordem deveríamos utilizar</a:t>
                 </a:r>
                 <a:r>
                   <a:rPr lang="pt-BR" dirty="0" smtClean="0"/>
@@ -14479,7 +14549,7 @@
             </p:txBody>
           </p:sp>
         </mc:Choice>
-        <mc:Fallback>
+        <mc:Fallback xmlns="">
           <p:sp>
             <p:nvSpPr>
               <p:cNvPr id="3" name="Content Placeholder 2"/>
@@ -14708,15 +14778,7 @@
             </a:r>
             <a:r>
               <a:rPr lang="pt-BR" dirty="0" smtClean="0"/>
-              <a:t>dados, </a:t>
-            </a:r>
-            <a:r>
-              <a:rPr lang="pt-BR" dirty="0" smtClean="0"/>
-              <a:t>errando pouco para exemplos de treinamento e validação</a:t>
-            </a:r>
-            <a:r>
-              <a:rPr lang="pt-BR" dirty="0" smtClean="0"/>
-              <a:t>.</a:t>
+              <a:t>dados, errando pouco para exemplos de treinamento e validação.</a:t>
             </a:r>
           </a:p>
           <a:p>
@@ -14744,7 +14806,6 @@
               <a:rPr lang="pt-BR" dirty="0" smtClean="0"/>
               <a:t>.</a:t>
             </a:r>
-            <a:endParaRPr lang="pt-BR" dirty="0" smtClean="0"/>
           </a:p>
           <a:p>
             <a:pPr lvl="1">

--- a/slides/T319_Regressão_Linear (Parte IV).pptx
+++ b/slides/T319_Regressão_Linear (Parte IV).pptx
@@ -537,7 +537,7 @@
           <a:p>
             <a:fld id="{DAF0AF11-6A8A-4E64-94F5-26D4FBA2A01D}" type="datetimeFigureOut">
               <a:rPr lang="nl-BE" smtClean="0"/>
-              <a:t>25/05/2022</a:t>
+              <a:t>14/10/2022</a:t>
             </a:fld>
             <a:endParaRPr lang="nl-BE"/>
           </a:p>
@@ -1823,11 +1823,7 @@
             </a:r>
             <a:r>
               <a:rPr lang="pt-BR" dirty="0" smtClean="0"/>
-              <a:t>https://</a:t>
-            </a:r>
-            <a:r>
-              <a:rPr lang="pt-BR" dirty="0" smtClean="0"/>
-              <a:t>mybinder.org/v2/gh/zz4fap/t319_aprendizado_de_maquina/main?filepath=notebooks%2Fregression%2Fescalonamento_de_atributos</a:t>
+              <a:t>https://mybinder.org/v2/gh/zz4fap/t319_aprendizado_de_maquina/main?filepath=notebooks%2Fregression%2Fescalonamento_de_atributos</a:t>
             </a:r>
             <a:r>
               <a:rPr lang="pt-BR" u="none" dirty="0" smtClean="0">
@@ -2312,11 +2308,7 @@
           <a:p>
             <a:r>
               <a:rPr lang="pt-BR" dirty="0" smtClean="0"/>
-              <a:t>É </a:t>
-            </a:r>
-            <a:r>
-              <a:rPr lang="pt-BR" dirty="0" smtClean="0"/>
-              <a:t>importante salientar que</a:t>
+              <a:t>É importante salientar que</a:t>
             </a:r>
             <a:r>
               <a:rPr lang="pt-BR" baseline="0" dirty="0" smtClean="0"/>
@@ -3235,7 +3227,7 @@
           <a:p>
             <a:fld id="{C80E15A5-E95B-43EB-9AC7-9A96397448C0}" type="datetimeFigureOut">
               <a:rPr lang="nl-BE" smtClean="0"/>
-              <a:t>25/05/2022</a:t>
+              <a:t>14/10/2022</a:t>
             </a:fld>
             <a:endParaRPr lang="nl-BE"/>
           </a:p>
@@ -3405,7 +3397,7 @@
           <a:p>
             <a:fld id="{C80E15A5-E95B-43EB-9AC7-9A96397448C0}" type="datetimeFigureOut">
               <a:rPr lang="nl-BE" smtClean="0"/>
-              <a:t>25/05/2022</a:t>
+              <a:t>14/10/2022</a:t>
             </a:fld>
             <a:endParaRPr lang="nl-BE"/>
           </a:p>
@@ -3585,7 +3577,7 @@
           <a:p>
             <a:fld id="{C80E15A5-E95B-43EB-9AC7-9A96397448C0}" type="datetimeFigureOut">
               <a:rPr lang="nl-BE" smtClean="0"/>
-              <a:t>25/05/2022</a:t>
+              <a:t>14/10/2022</a:t>
             </a:fld>
             <a:endParaRPr lang="nl-BE"/>
           </a:p>
@@ -3755,7 +3747,7 @@
           <a:p>
             <a:fld id="{C80E15A5-E95B-43EB-9AC7-9A96397448C0}" type="datetimeFigureOut">
               <a:rPr lang="nl-BE" smtClean="0"/>
-              <a:t>25/05/2022</a:t>
+              <a:t>14/10/2022</a:t>
             </a:fld>
             <a:endParaRPr lang="nl-BE"/>
           </a:p>
@@ -4001,7 +3993,7 @@
           <a:p>
             <a:fld id="{C80E15A5-E95B-43EB-9AC7-9A96397448C0}" type="datetimeFigureOut">
               <a:rPr lang="nl-BE" smtClean="0"/>
-              <a:t>25/05/2022</a:t>
+              <a:t>14/10/2022</a:t>
             </a:fld>
             <a:endParaRPr lang="nl-BE"/>
           </a:p>
@@ -4233,7 +4225,7 @@
           <a:p>
             <a:fld id="{C80E15A5-E95B-43EB-9AC7-9A96397448C0}" type="datetimeFigureOut">
               <a:rPr lang="nl-BE" smtClean="0"/>
-              <a:t>25/05/2022</a:t>
+              <a:t>14/10/2022</a:t>
             </a:fld>
             <a:endParaRPr lang="nl-BE"/>
           </a:p>
@@ -4600,7 +4592,7 @@
           <a:p>
             <a:fld id="{C80E15A5-E95B-43EB-9AC7-9A96397448C0}" type="datetimeFigureOut">
               <a:rPr lang="nl-BE" smtClean="0"/>
-              <a:t>25/05/2022</a:t>
+              <a:t>14/10/2022</a:t>
             </a:fld>
             <a:endParaRPr lang="nl-BE"/>
           </a:p>
@@ -4718,7 +4710,7 @@
           <a:p>
             <a:fld id="{C80E15A5-E95B-43EB-9AC7-9A96397448C0}" type="datetimeFigureOut">
               <a:rPr lang="nl-BE" smtClean="0"/>
-              <a:t>25/05/2022</a:t>
+              <a:t>14/10/2022</a:t>
             </a:fld>
             <a:endParaRPr lang="nl-BE"/>
           </a:p>
@@ -4813,7 +4805,7 @@
           <a:p>
             <a:fld id="{C80E15A5-E95B-43EB-9AC7-9A96397448C0}" type="datetimeFigureOut">
               <a:rPr lang="nl-BE" smtClean="0"/>
-              <a:t>25/05/2022</a:t>
+              <a:t>14/10/2022</a:t>
             </a:fld>
             <a:endParaRPr lang="nl-BE"/>
           </a:p>
@@ -5090,7 +5082,7 @@
           <a:p>
             <a:fld id="{C80E15A5-E95B-43EB-9AC7-9A96397448C0}" type="datetimeFigureOut">
               <a:rPr lang="nl-BE" smtClean="0"/>
-              <a:t>25/05/2022</a:t>
+              <a:t>14/10/2022</a:t>
             </a:fld>
             <a:endParaRPr lang="nl-BE"/>
           </a:p>
@@ -5343,7 +5335,7 @@
           <a:p>
             <a:fld id="{C80E15A5-E95B-43EB-9AC7-9A96397448C0}" type="datetimeFigureOut">
               <a:rPr lang="nl-BE" smtClean="0"/>
-              <a:t>25/05/2022</a:t>
+              <a:t>14/10/2022</a:t>
             </a:fld>
             <a:endParaRPr lang="nl-BE"/>
           </a:p>
@@ -5556,7 +5548,7 @@
           <a:p>
             <a:fld id="{C80E15A5-E95B-43EB-9AC7-9A96397448C0}" type="datetimeFigureOut">
               <a:rPr lang="nl-BE" smtClean="0"/>
-              <a:t>25/05/2022</a:t>
+              <a:t>14/10/2022</a:t>
             </a:fld>
             <a:endParaRPr lang="nl-BE"/>
           </a:p>
@@ -5966,7 +5958,7 @@
           <p:cNvPr id="2" name="Título 1">
             <a:extLst>
               <a:ext uri="{FF2B5EF4-FFF2-40B4-BE49-F238E27FC236}">
-                <a16:creationId xmlns:a16="http://schemas.microsoft.com/office/drawing/2014/main" xmlns="" id="{32666AC8-2E17-4DB4-B0F5-60C640CCFD2E}"/>
+                <a16:creationId xmlns="" xmlns:a16="http://schemas.microsoft.com/office/drawing/2014/main" id="{32666AC8-2E17-4DB4-B0F5-60C640CCFD2E}"/>
               </a:ext>
             </a:extLst>
           </p:cNvPr>
@@ -6025,7 +6017,7 @@
           <p:cNvPr id="4" name="CaixaDeTexto 3">
             <a:extLst>
               <a:ext uri="{FF2B5EF4-FFF2-40B4-BE49-F238E27FC236}">
-                <a16:creationId xmlns:a16="http://schemas.microsoft.com/office/drawing/2014/main" xmlns="" id="{430EB894-B7D4-434C-9D1A-A14094D9BEEC}"/>
+                <a16:creationId xmlns="" xmlns:a16="http://schemas.microsoft.com/office/drawing/2014/main" id="{430EB894-B7D4-434C-9D1A-A14094D9BEEC}"/>
               </a:ext>
             </a:extLst>
           </p:cNvPr>
@@ -6066,7 +6058,7 @@
           <p:cNvPr id="1026" name="Picture 2" descr="Logo">
             <a:extLst>
               <a:ext uri="{FF2B5EF4-FFF2-40B4-BE49-F238E27FC236}">
-                <a16:creationId xmlns:a16="http://schemas.microsoft.com/office/drawing/2014/main" xmlns="" id="{3F2642E0-4F6A-4196-8F58-E77D36E9A33F}"/>
+                <a16:creationId xmlns="" xmlns:a16="http://schemas.microsoft.com/office/drawing/2014/main" id="{3F2642E0-4F6A-4196-8F58-E77D36E9A33F}"/>
               </a:ext>
             </a:extLst>
           </p:cNvPr>
@@ -6111,7 +6103,7 @@
           <p:cNvPr id="5122" name="Picture 2" descr="Image result for machine learning">
             <a:extLst>
               <a:ext uri="{FF2B5EF4-FFF2-40B4-BE49-F238E27FC236}">
-                <a16:creationId xmlns:a16="http://schemas.microsoft.com/office/drawing/2014/main" xmlns="" id="{810CE0A2-4102-44A6-A370-175E7896CDCB}"/>
+                <a16:creationId xmlns="" xmlns:a16="http://schemas.microsoft.com/office/drawing/2014/main" id="{810CE0A2-4102-44A6-A370-175E7896CDCB}"/>
               </a:ext>
             </a:extLst>
           </p:cNvPr>
@@ -7066,7 +7058,12 @@
             <p:ph idx="1"/>
           </p:nvPr>
         </p:nvSpPr>
-        <p:spPr/>
+        <p:spPr>
+          <a:xfrm>
+            <a:off x="838199" y="1825625"/>
+            <a:ext cx="10854447" cy="4351338"/>
+          </a:xfrm>
+        </p:spPr>
         <p:txBody>
           <a:bodyPr/>
           <a:lstStyle/>
@@ -7124,21 +7121,53 @@
             <a:endParaRPr lang="pt-BR" dirty="0"/>
           </a:p>
           <a:p>
-            <a:pPr lvl="1"/>
+            <a:pPr lvl="1">
+              <a:buFont typeface="Wingdings" panose="05000000000000000000" pitchFamily="2" charset="2"/>
+              <a:buChar char="§"/>
+            </a:pPr>
             <a:r>
               <a:rPr lang="pt-BR" dirty="0"/>
-              <a:t>Pode ser baixado do MS Teams ou do GitHub.</a:t>
-            </a:r>
-          </a:p>
-          <a:p>
-            <a:pPr lvl="1"/>
+              <a:t>Pode ser acessado através do link acima (Google </a:t>
+            </a:r>
+            <a:r>
+              <a:rPr lang="pt-BR" dirty="0" err="1"/>
+              <a:t>Colab</a:t>
+            </a:r>
             <a:r>
               <a:rPr lang="pt-BR" dirty="0"/>
-              <a:t>Pode ser respondido através do link acima (na nuvem) ou localmente.</a:t>
-            </a:r>
-          </a:p>
-          <a:p>
-            <a:pPr lvl="1"/>
+              <a:t>) ou no GitHub.</a:t>
+            </a:r>
+          </a:p>
+          <a:p>
+            <a:pPr lvl="1">
+              <a:buFont typeface="Wingdings" panose="05000000000000000000" pitchFamily="2" charset="2"/>
+              <a:buChar char="§"/>
+            </a:pPr>
+            <a:r>
+              <a:rPr lang="pt-BR" dirty="0"/>
+              <a:t>Vídeo explicando o laboratório: Arquivos -&gt; Material de Aula -&gt; Laboratório </a:t>
+            </a:r>
+            <a:r>
+              <a:rPr lang="pt-BR" dirty="0" smtClean="0"/>
+              <a:t>#5</a:t>
+            </a:r>
+            <a:endParaRPr lang="pt-BR" dirty="0"/>
+          </a:p>
+          <a:p>
+            <a:pPr lvl="1">
+              <a:buFont typeface="Wingdings" panose="05000000000000000000" pitchFamily="2" charset="2"/>
+              <a:buChar char="§"/>
+            </a:pPr>
+            <a:r>
+              <a:rPr lang="pt-BR" dirty="0"/>
+              <a:t>Se atentem aos prazos de entrega.</a:t>
+            </a:r>
+          </a:p>
+          <a:p>
+            <a:pPr lvl="1">
+              <a:buFont typeface="Wingdings" panose="05000000000000000000" pitchFamily="2" charset="2"/>
+              <a:buChar char="§"/>
+            </a:pPr>
             <a:r>
               <a:rPr lang="pt-BR" dirty="0">
                 <a:hlinkClick r:id="rId4"/>
@@ -7146,20 +7175,36 @@
               <a:t>Instruções para resolução e entrega dos laboratórios</a:t>
             </a:r>
             <a:r>
-              <a:rPr lang="pt-BR" dirty="0" smtClean="0"/>
+              <a:rPr lang="pt-BR" dirty="0"/>
               <a:t>.</a:t>
             </a:r>
           </a:p>
           <a:p>
-            <a:pPr lvl="1"/>
+            <a:pPr lvl="1">
+              <a:buFont typeface="Wingdings" panose="05000000000000000000" pitchFamily="2" charset="2"/>
+              <a:buChar char="§"/>
+            </a:pPr>
             <a:r>
               <a:rPr lang="pt-BR" b="1" dirty="0">
                 <a:solidFill>
                   <a:srgbClr val="FF0000"/>
                 </a:solidFill>
               </a:rPr>
-              <a:t>Laboratórios podem ser feitos em grupo, mas as entregas devem ser individuais.</a:t>
-            </a:r>
+              <a:t>Laboratórios podem ser resolvidos em grupo, mas as entregas devem ser individuais</a:t>
+            </a:r>
+            <a:r>
+              <a:rPr lang="pt-BR" b="1" dirty="0" smtClean="0">
+                <a:solidFill>
+                  <a:srgbClr val="FF0000"/>
+                </a:solidFill>
+              </a:rPr>
+              <a:t>.</a:t>
+            </a:r>
+            <a:endParaRPr lang="pt-BR" b="1" dirty="0">
+              <a:solidFill>
+                <a:srgbClr val="FF0000"/>
+              </a:solidFill>
+            </a:endParaRPr>
           </a:p>
         </p:txBody>
       </p:sp>
@@ -7205,7 +7250,7 @@
           <p:cNvPr id="4" name="Título 1">
             <a:extLst>
               <a:ext uri="{FF2B5EF4-FFF2-40B4-BE49-F238E27FC236}">
-                <a16:creationId xmlns:a16="http://schemas.microsoft.com/office/drawing/2014/main" xmlns="" id="{32666AC8-2E17-4DB4-B0F5-60C640CCFD2E}"/>
+                <a16:creationId xmlns="" xmlns:a16="http://schemas.microsoft.com/office/drawing/2014/main" id="{32666AC8-2E17-4DB4-B0F5-60C640CCFD2E}"/>
               </a:ext>
             </a:extLst>
           </p:cNvPr>
@@ -7290,7 +7335,7 @@
           <p:cNvPr id="2050" name="Picture 2" descr="https://miro.medium.com/max/302/1*MpLkcugbeMrJvFlz69LTNQ.jpeg">
             <a:extLst>
               <a:ext uri="{FF2B5EF4-FFF2-40B4-BE49-F238E27FC236}">
-                <a16:creationId xmlns:a16="http://schemas.microsoft.com/office/drawing/2014/main" xmlns="" id="{DE195D4C-7D53-46C2-BDD9-033809B4E028}"/>
+                <a16:creationId xmlns="" xmlns:a16="http://schemas.microsoft.com/office/drawing/2014/main" id="{DE195D4C-7D53-46C2-BDD9-033809B4E028}"/>
               </a:ext>
             </a:extLst>
           </p:cNvPr>
@@ -7337,7 +7382,7 @@
           <p:cNvPr id="2052" name="Picture 4" descr="https://miro.medium.com/max/426/1*iRv8pCP7v8FzVJNe2vAjdw.png">
             <a:extLst>
               <a:ext uri="{FF2B5EF4-FFF2-40B4-BE49-F238E27FC236}">
-                <a16:creationId xmlns:a16="http://schemas.microsoft.com/office/drawing/2014/main" xmlns="" id="{76F9F526-3C2B-485C-9E25-3D10B3E3B0C3}"/>
+                <a16:creationId xmlns="" xmlns:a16="http://schemas.microsoft.com/office/drawing/2014/main" id="{76F9F526-3C2B-485C-9E25-3D10B3E3B0C3}"/>
               </a:ext>
             </a:extLst>
           </p:cNvPr>
@@ -7384,7 +7429,7 @@
           <p:cNvPr id="2054" name="Picture 6" descr="https://miro.medium.com/max/194/1*JugKARhlrp9HLTF5_lN7EQ.jpeg">
             <a:extLst>
               <a:ext uri="{FF2B5EF4-FFF2-40B4-BE49-F238E27FC236}">
-                <a16:creationId xmlns:a16="http://schemas.microsoft.com/office/drawing/2014/main" xmlns="" id="{50D99301-1821-4F05-A553-E371FA6728F0}"/>
+                <a16:creationId xmlns="" xmlns:a16="http://schemas.microsoft.com/office/drawing/2014/main" id="{50D99301-1821-4F05-A553-E371FA6728F0}"/>
               </a:ext>
             </a:extLst>
           </p:cNvPr>
@@ -7455,7 +7500,7 @@
           <p:cNvPr id="3" name="Picture 3" descr="A close up of text on a black background&#10;&#10;Description generated with very high confidence">
             <a:extLst>
               <a:ext uri="{FF2B5EF4-FFF2-40B4-BE49-F238E27FC236}">
-                <a16:creationId xmlns:a16="http://schemas.microsoft.com/office/drawing/2014/main" xmlns="" id="{2A0DF154-7178-4F01-A59C-CD7D1EB3AD92}"/>
+                <a16:creationId xmlns="" xmlns:a16="http://schemas.microsoft.com/office/drawing/2014/main" id="{2A0DF154-7178-4F01-A59C-CD7D1EB3AD92}"/>
               </a:ext>
             </a:extLst>
           </p:cNvPr>
@@ -7598,15 +7643,23 @@
           <a:p>
             <a:r>
               <a:rPr lang="pt-BR" dirty="0" smtClean="0"/>
-              <a:t>Vimos que a escolha </a:t>
-            </a:r>
-            <a:r>
-              <a:rPr lang="pt-BR" dirty="0"/>
+              <a:t>Vimos que </a:t>
+            </a:r>
+            <a:r>
+              <a:rPr lang="pt-BR" b="1" i="1" dirty="0" smtClean="0"/>
+              <a:t>a escolha </a:t>
+            </a:r>
+            <a:r>
+              <a:rPr lang="pt-BR" b="1" i="1" dirty="0"/>
               <a:t>do passo de </a:t>
             </a:r>
             <a:r>
+              <a:rPr lang="pt-BR" b="1" i="1" dirty="0" smtClean="0"/>
+              <a:t>aprendizagem influencia muito no processo aprendizagem</a:t>
+            </a:r>
+            <a:r>
               <a:rPr lang="pt-BR" dirty="0" smtClean="0"/>
-              <a:t>aprendizagem influencia muito no processo aprendizagem do gradiente descendente.</a:t>
+              <a:t> do gradiente descendente.</a:t>
             </a:r>
           </a:p>
           <a:p>
@@ -7638,14 +7691,43 @@
           <a:p>
             <a:r>
               <a:rPr lang="pt-BR" dirty="0" smtClean="0"/>
-              <a:t>Além do ajuste manual, quando usamos GDE ou GD em mini-batches, precisamos reduzir o valor do passo de aprendizagem ao longo das iterações para garantir a convergência e estabilização do GD.</a:t>
-            </a:r>
-          </a:p>
-          <a:p>
+              <a:t>Além do ajuste manual, quando usamos GDE ou GD em mini-batches, precisamos reduzir o valor do passo de aprendizagem ao longo das iterações para </a:t>
+            </a:r>
             <a:r>
               <a:rPr lang="pt-BR" dirty="0" smtClean="0"/>
-              <a:t>Hoje, veremos </a:t>
-            </a:r>
+              <a:t>“</a:t>
+            </a:r>
+            <a:r>
+              <a:rPr lang="pt-BR" i="1" dirty="0" smtClean="0"/>
+              <a:t>forçar</a:t>
+            </a:r>
+            <a:r>
+              <a:rPr lang="pt-BR" dirty="0" smtClean="0"/>
+              <a:t>” a </a:t>
+            </a:r>
+            <a:r>
+              <a:rPr lang="pt-BR" dirty="0" smtClean="0"/>
+              <a:t>convergência </a:t>
+            </a:r>
+            <a:r>
+              <a:rPr lang="pt-BR" dirty="0" smtClean="0"/>
+              <a:t>do </a:t>
+            </a:r>
+            <a:r>
+              <a:rPr lang="pt-BR" dirty="0" smtClean="0"/>
+              <a:t>GD.</a:t>
+            </a:r>
+          </a:p>
+          <a:p>
+            <a:r>
+              <a:rPr lang="pt-BR" dirty="0" smtClean="0"/>
+              <a:t>Hoje, </a:t>
+            </a:r>
+            <a:r>
+              <a:rPr lang="pt-BR" dirty="0" smtClean="0"/>
+              <a:t>veremos</a:t>
+            </a:r>
+            <a:endParaRPr lang="pt-BR" dirty="0" smtClean="0"/>
           </a:p>
           <a:p>
             <a:pPr lvl="1">
@@ -7765,7 +7847,7 @@
           <p:cNvPr id="2" name="Título 1">
             <a:extLst>
               <a:ext uri="{FF2B5EF4-FFF2-40B4-BE49-F238E27FC236}">
-                <a16:creationId xmlns:a16="http://schemas.microsoft.com/office/drawing/2014/main" xmlns="" id="{793142C1-FD08-4328-BCCB-5521CEABA2E7}"/>
+                <a16:creationId xmlns="" xmlns:a16="http://schemas.microsoft.com/office/drawing/2014/main" id="{793142C1-FD08-4328-BCCB-5521CEABA2E7}"/>
               </a:ext>
             </a:extLst>
           </p:cNvPr>
@@ -7788,14 +7870,14 @@
           </a:p>
         </p:txBody>
       </p:sp>
-      <mc:AlternateContent xmlns:mc="http://schemas.openxmlformats.org/markup-compatibility/2006" xmlns:a14="http://schemas.microsoft.com/office/drawing/2010/main">
-        <mc:Choice Requires="a14">
+      <mc:AlternateContent xmlns:mc="http://schemas.openxmlformats.org/markup-compatibility/2006">
+        <mc:Choice xmlns:a14="http://schemas.microsoft.com/office/drawing/2010/main" Requires="a14">
           <p:sp>
             <p:nvSpPr>
               <p:cNvPr id="4" name="Content Placeholder 2">
                 <a:extLst>
                   <a:ext uri="{FF2B5EF4-FFF2-40B4-BE49-F238E27FC236}">
-                    <a16:creationId xmlns:a16="http://schemas.microsoft.com/office/drawing/2014/main" xmlns="" id="{C1642F2F-7A09-459E-9D90-1D9D3103E685}"/>
+                    <a16:creationId xmlns="" xmlns:a16="http://schemas.microsoft.com/office/drawing/2014/main" id="{C1642F2F-7A09-459E-9D90-1D9D3103E685}"/>
                   </a:ext>
                 </a:extLst>
               </p:cNvPr>
@@ -9128,36 +9210,52 @@
                 </a:r>
                 <a14:m>
                   <m:oMath xmlns:m="http://schemas.openxmlformats.org/officeDocument/2006/math">
-                    <m:sSub>
-                      <m:sSubPr>
+                    <m:acc>
+                      <m:accPr>
+                        <m:chr m:val="̂"/>
                         <m:ctrlPr>
                           <a:rPr lang="pt-BR" i="1">
                             <a:latin typeface="Cambria Math" panose="02040503050406030204" pitchFamily="18" charset="0"/>
                           </a:rPr>
                         </m:ctrlPr>
-                      </m:sSubPr>
+                      </m:accPr>
                       <m:e>
-                        <m:r>
-                          <a:rPr lang="pt-BR" i="1">
-                            <a:latin typeface="Cambria Math" panose="02040503050406030204" pitchFamily="18" charset="0"/>
-                          </a:rPr>
-                          <m:t>𝑎</m:t>
-                        </m:r>
+                        <m:sSub>
+                          <m:sSubPr>
+                            <m:ctrlPr>
+                              <a:rPr lang="pt-BR" i="1">
+                                <a:latin typeface="Cambria Math" panose="02040503050406030204" pitchFamily="18" charset="0"/>
+                              </a:rPr>
+                            </m:ctrlPr>
+                          </m:sSubPr>
+                          <m:e>
+                            <m:r>
+                              <a:rPr lang="pt-BR" i="1">
+                                <a:latin typeface="Cambria Math" panose="02040503050406030204" pitchFamily="18" charset="0"/>
+                              </a:rPr>
+                              <m:t>𝑎</m:t>
+                            </m:r>
+                          </m:e>
+                          <m:sub>
+                            <m:r>
+                              <a:rPr lang="pt-BR" i="1">
+                                <a:latin typeface="Cambria Math" panose="02040503050406030204" pitchFamily="18" charset="0"/>
+                              </a:rPr>
+                              <m:t>1</m:t>
+                            </m:r>
+                          </m:sub>
+                        </m:sSub>
                       </m:e>
-                      <m:sub>
-                        <m:r>
-                          <a:rPr lang="pt-BR" i="1">
-                            <a:latin typeface="Cambria Math" panose="02040503050406030204" pitchFamily="18" charset="0"/>
-                          </a:rPr>
-                          <m:t>1</m:t>
-                        </m:r>
-                      </m:sub>
-                    </m:sSub>
+                    </m:acc>
                   </m:oMath>
                 </a14:m>
                 <a:r>
                   <a:rPr lang="pt-BR" dirty="0" smtClean="0"/>
-                  <a:t> fazem com que o erro varie rapidamente.</a:t>
+                  <a:t> fazem </a:t>
+                </a:r>
+                <a:r>
+                  <a:rPr lang="pt-BR" dirty="0" smtClean="0"/>
+                  <a:t>com que o erro varie rapidamente.</a:t>
                 </a:r>
               </a:p>
               <a:p>
@@ -9202,7 +9300,11 @@
                 </a:r>
                 <a:r>
                   <a:rPr lang="pt-BR" b="1" i="1" dirty="0"/>
-                  <a:t>dificultando a convergência dos algoritmos</a:t>
+                  <a:t>dificultando a convergência </a:t>
+                </a:r>
+                <a:r>
+                  <a:rPr lang="pt-BR" b="1" i="1" dirty="0" smtClean="0"/>
+                  <a:t>de algoritmos iterativos, como o gradiente descendente (todas as versões)</a:t>
                 </a:r>
                 <a:r>
                   <a:rPr lang="pt-BR" dirty="0" smtClean="0"/>
@@ -9213,7 +9315,7 @@
             </p:txBody>
           </p:sp>
         </mc:Choice>
-        <mc:Fallback xmlns="">
+        <mc:Fallback>
           <p:sp>
             <p:nvSpPr>
               <p:cNvPr id="4" name="Content Placeholder 2">
@@ -9345,8 +9447,8 @@
           </a:p>
         </p:txBody>
       </p:sp>
-      <mc:AlternateContent xmlns:mc="http://schemas.openxmlformats.org/markup-compatibility/2006" xmlns:a14="http://schemas.microsoft.com/office/drawing/2010/main">
-        <mc:Choice Requires="a14">
+      <mc:AlternateContent xmlns:mc="http://schemas.openxmlformats.org/markup-compatibility/2006">
+        <mc:Choice xmlns:a14="http://schemas.microsoft.com/office/drawing/2010/main" Requires="a14">
           <p:sp>
             <p:nvSpPr>
               <p:cNvPr id="3" name="Content Placeholder 2"/>
@@ -10088,7 +10190,15 @@
                 </a:pPr>
                 <a:r>
                   <a:rPr lang="pt-BR" dirty="0"/>
-                  <a:t>Possibilita comparar o peso/influência de cada </a:t>
+                  <a:t>Possibilita comparar </a:t>
+                </a:r>
+                <a:r>
+                  <a:rPr lang="pt-BR" dirty="0" smtClean="0"/>
+                  <a:t>mais facilmente o </a:t>
+                </a:r>
+                <a:r>
+                  <a:rPr lang="pt-BR" dirty="0"/>
+                  <a:t>peso/influência de cada </a:t>
                 </a:r>
                 <a:r>
                   <a:rPr lang="pt-BR" b="1" i="1" dirty="0"/>
@@ -10107,7 +10217,7 @@
             </p:txBody>
           </p:sp>
         </mc:Choice>
-        <mc:Fallback xmlns="">
+        <mc:Fallback>
           <p:sp>
             <p:nvSpPr>
               <p:cNvPr id="3" name="Content Placeholder 2"/>
@@ -12585,19 +12695,23 @@
         </p:nvSpPr>
         <p:spPr>
           <a:xfrm>
-            <a:off x="838199" y="1825624"/>
-            <a:ext cx="10881049" cy="1761637"/>
+            <a:off x="838199" y="1825623"/>
+            <a:ext cx="10881049" cy="2454547"/>
           </a:xfrm>
         </p:spPr>
         <p:txBody>
           <a:bodyPr>
-            <a:normAutofit fontScale="92500" lnSpcReduction="10000"/>
+            <a:normAutofit fontScale="92500" lnSpcReduction="20000"/>
           </a:bodyPr>
           <a:lstStyle/>
           <a:p>
             <a:r>
+              <a:rPr lang="pt-BR" dirty="0" smtClean="0"/>
+              <a:t>Até agora, usamos funções hipóteses com formato de hiperplanos, e.g., retas ou planos, mas e se </a:t>
+            </a:r>
+            <a:r>
               <a:rPr lang="pt-BR" dirty="0"/>
-              <a:t>E se os dados </a:t>
+              <a:t>os dados </a:t>
             </a:r>
             <a:r>
               <a:rPr lang="pt-BR" dirty="0" smtClean="0"/>
@@ -12605,8 +12719,13 @@
             </a:r>
             <a:r>
               <a:rPr lang="pt-BR" dirty="0"/>
-              <a:t>do que uma simples linha reta?</a:t>
-            </a:r>
+              <a:t>do que uma simples linha </a:t>
+            </a:r>
+            <a:r>
+              <a:rPr lang="pt-BR" dirty="0" smtClean="0"/>
+              <a:t>reta ou plano?</a:t>
+            </a:r>
+            <a:endParaRPr lang="pt-BR" dirty="0"/>
           </a:p>
           <a:p>
             <a:r>
@@ -12627,6 +12746,19 @@
               <a:rPr lang="pt-BR" dirty="0"/>
               <a:t>Uma reta claramente não seria uma boa escolha. </a:t>
             </a:r>
+            <a:endParaRPr lang="pt-BR" dirty="0" smtClean="0"/>
+          </a:p>
+          <a:p>
+            <a:pPr lvl="1"/>
+            <a:r>
+              <a:rPr lang="pt-BR" dirty="0" smtClean="0"/>
+              <a:t>Uma</a:t>
+            </a:r>
+            <a:r>
+              <a:rPr lang="pt-BR" dirty="0" smtClean="0"/>
+              <a:t> reta não capturaria o comportamento das funções abaixo, pois ela não tem complexidade (i.e., graus de liberdade) o suficiente para isso.</a:t>
+            </a:r>
+            <a:endParaRPr lang="pt-BR" dirty="0"/>
           </a:p>
           <a:p>
             <a:endParaRPr lang="pt-BR" dirty="0"/>
@@ -12648,8 +12780,8 @@
         </p:blipFill>
         <p:spPr>
           <a:xfrm>
-            <a:off x="4610100" y="3805744"/>
-            <a:ext cx="2971800" cy="2772434"/>
+            <a:off x="4741404" y="4122790"/>
+            <a:ext cx="2840496" cy="2649939"/>
           </a:xfrm>
           <a:prstGeom prst="rect">
             <a:avLst/>
@@ -12671,8 +12803,8 @@
         </p:blipFill>
         <p:spPr>
           <a:xfrm>
-            <a:off x="838200" y="3805744"/>
-            <a:ext cx="3045629" cy="2772434"/>
+            <a:off x="972766" y="4122790"/>
+            <a:ext cx="2911063" cy="2649939"/>
           </a:xfrm>
           <a:prstGeom prst="rect">
             <a:avLst/>
@@ -12694,8 +12826,8 @@
         </p:blipFill>
         <p:spPr>
           <a:xfrm>
-            <a:off x="8308171" y="3805744"/>
-            <a:ext cx="3064366" cy="2778359"/>
+            <a:off x="8443565" y="4123053"/>
+            <a:ext cx="2928972" cy="2655602"/>
           </a:xfrm>
           <a:prstGeom prst="rect">
             <a:avLst/>
@@ -12762,8 +12894,8 @@
           </a:p>
         </p:txBody>
       </p:sp>
-      <mc:AlternateContent xmlns:mc="http://schemas.openxmlformats.org/markup-compatibility/2006" xmlns:a14="http://schemas.microsoft.com/office/drawing/2010/main">
-        <mc:Choice Requires="a14">
+      <mc:AlternateContent xmlns:mc="http://schemas.openxmlformats.org/markup-compatibility/2006">
+        <mc:Choice xmlns:a14="http://schemas.microsoft.com/office/drawing/2010/main" Requires="a14">
           <p:sp>
             <p:nvSpPr>
               <p:cNvPr id="3" name="Content Placeholder 2"/>
@@ -12782,7 +12914,7 @@
             </p:spPr>
             <p:txBody>
               <a:bodyPr>
-                <a:normAutofit fontScale="92500" lnSpcReduction="10000"/>
+                <a:normAutofit fontScale="85000" lnSpcReduction="10000"/>
               </a:bodyPr>
               <a:lstStyle/>
               <a:p>
@@ -12796,7 +12928,15 @@
                 </a:r>
                 <a:r>
                   <a:rPr lang="pt-BR" dirty="0" smtClean="0"/>
-                  <a:t>, sabemos que dados deste tipo podem ser aproximados através de polinômios:</a:t>
+                  <a:t>, sabemos que dados deste tipo podem ser aproximados através de </a:t>
+                </a:r>
+                <a:r>
+                  <a:rPr lang="pt-BR" b="1" i="1" dirty="0" smtClean="0"/>
+                  <a:t>polinômios</a:t>
+                </a:r>
+                <a:r>
+                  <a:rPr lang="pt-BR" dirty="0" smtClean="0"/>
+                  <a:t>:</a:t>
                 </a:r>
               </a:p>
               <a:p>
@@ -13296,7 +13436,15 @@
               <a:p>
                 <a:r>
                   <a:rPr lang="pt-BR" dirty="0"/>
-                  <a:t>Por simplicidade, para nossa análise, nós vamos considerar </a:t>
+                  <a:t>Por simplicidade, para </a:t>
+                </a:r>
+                <a:r>
+                  <a:rPr lang="pt-BR" dirty="0" smtClean="0"/>
+                  <a:t>nossas análises, </a:t>
+                </a:r>
+                <a:r>
+                  <a:rPr lang="pt-BR" dirty="0"/>
+                  <a:t>nós vamos considerar </a:t>
                 </a:r>
                 <a:r>
                   <a:rPr lang="pt-BR" b="1" i="1" dirty="0" smtClean="0"/>
@@ -13733,7 +13881,11 @@
                 </a:r>
                 <a:r>
                   <a:rPr lang="pt-BR" dirty="0" smtClean="0"/>
-                  <a:t>vetores gradiente para o algoritmo do gradiente descendente, escalonamento) </a:t>
+                  <a:t>vetor </a:t>
+                </a:r>
+                <a:r>
+                  <a:rPr lang="pt-BR" dirty="0" smtClean="0"/>
+                  <a:t>gradiente para o algoritmo do gradiente descendente, escalonamento) </a:t>
                 </a:r>
                 <a:r>
                   <a:rPr lang="pt-BR" dirty="0"/>
@@ -13755,12 +13907,26 @@
                   <a:rPr lang="pt-BR" dirty="0" smtClean="0"/>
                   <a:t>.</a:t>
                 </a:r>
+              </a:p>
+              <a:p>
+                <a:r>
+                  <a:rPr lang="pt-BR" dirty="0" smtClean="0"/>
+                  <a:t>Porém, precisamos encontrar a ordem </a:t>
+                </a:r>
+                <a:r>
+                  <a:rPr lang="pt-BR" dirty="0"/>
+                  <a:t>do </a:t>
+                </a:r>
+                <a:r>
+                  <a:rPr lang="pt-BR" dirty="0" smtClean="0"/>
+                  <a:t>polinômio que melhor aproxime os dados.</a:t>
+                </a:r>
                 <a:endParaRPr lang="pt-BR" dirty="0"/>
               </a:p>
             </p:txBody>
           </p:sp>
         </mc:Choice>
-        <mc:Fallback xmlns="">
+        <mc:Fallback>
           <p:sp>
             <p:nvSpPr>
               <p:cNvPr id="3" name="Content Placeholder 2"/>
@@ -13779,7 +13945,7 @@
               <a:blipFill rotWithShape="0">
                 <a:blip r:embed="rId2"/>
                 <a:stretch>
-                  <a:fillRect l="-816" t="-2421" r="-1196"/>
+                  <a:fillRect l="-707" t="-2300" r="-1142" b="-1211"/>
                 </a:stretch>
               </a:blipFill>
             </p:spPr>
@@ -13892,8 +14058,8 @@
         </p:nvSpPr>
         <p:spPr>
           <a:xfrm>
-            <a:off x="7991857" y="1705176"/>
-            <a:ext cx="4152016" cy="369332"/>
+            <a:off x="7772400" y="1705176"/>
+            <a:ext cx="4371473" cy="369332"/>
           </a:xfrm>
           <a:prstGeom prst="rect">
             <a:avLst/>
@@ -13909,7 +14075,11 @@
             <a:pPr algn="ctr"/>
             <a:r>
               <a:rPr lang="pt-BR" b="1" dirty="0" smtClean="0"/>
-              <a:t>Polinômio de ordem 2.</a:t>
+              <a:t>Função objetivo: polinômio </a:t>
+            </a:r>
+            <a:r>
+              <a:rPr lang="pt-BR" b="1" dirty="0" smtClean="0"/>
+              <a:t>de ordem 2.</a:t>
             </a:r>
             <a:endParaRPr lang="pt-BR" b="1" dirty="0"/>
           </a:p>
@@ -13951,8 +14121,8 @@
           </a:fontRef>
         </p:style>
       </p:cxnSp>
-      <mc:AlternateContent xmlns:mc="http://schemas.openxmlformats.org/markup-compatibility/2006" xmlns:a14="http://schemas.microsoft.com/office/drawing/2010/main">
-        <mc:Choice Requires="a14">
+      <mc:AlternateContent xmlns:mc="http://schemas.openxmlformats.org/markup-compatibility/2006">
+        <mc:Choice xmlns:a14="http://schemas.microsoft.com/office/drawing/2010/main" Requires="a14">
           <p:sp>
             <p:nvSpPr>
               <p:cNvPr id="3" name="Content Placeholder 2"/>
@@ -13971,7 +14141,7 @@
             </p:spPr>
             <p:txBody>
               <a:bodyPr>
-                <a:normAutofit/>
+                <a:normAutofit fontScale="92500" lnSpcReduction="10000"/>
               </a:bodyPr>
               <a:lstStyle/>
               <a:p>
@@ -13985,12 +14155,17 @@
                 </a:r>
                 <a:r>
                   <a:rPr lang="pt-BR" b="1" i="1" dirty="0" smtClean="0"/>
-                  <a:t>mapeamento verdadeiro</a:t>
+                  <a:t>mapeamento </a:t>
+                </a:r>
+                <a:r>
+                  <a:rPr lang="pt-BR" b="1" i="1" dirty="0" smtClean="0"/>
+                  <a:t>verdadeiro (i.e., função objetivo)</a:t>
                 </a:r>
                 <a:r>
                   <a:rPr lang="pt-BR" dirty="0" smtClean="0"/>
                   <a:t>:</a:t>
                 </a:r>
+                <a:endParaRPr lang="pt-BR" dirty="0" smtClean="0"/>
               </a:p>
               <a:p>
                 <a:pPr marL="0" indent="0" algn="ctr">
@@ -14534,7 +14709,26 @@
               <a:p>
                 <a:r>
                   <a:rPr lang="pt-BR" dirty="0" smtClean="0"/>
-                  <a:t>Agora surge uma dúvida, </a:t>
+                  <a:t>Vamos usar uma </a:t>
+                </a:r>
+                <a:r>
+                  <a:rPr lang="pt-BR" b="1" i="1" dirty="0" smtClean="0"/>
+                  <a:t>função hipótese polinomial</a:t>
+                </a:r>
+                <a:r>
+                  <a:rPr lang="pt-BR" dirty="0" smtClean="0"/>
+                  <a:t> para aproximar a função objetivo. </a:t>
+                </a:r>
+                <a:endParaRPr lang="pt-BR" dirty="0" smtClean="0"/>
+              </a:p>
+              <a:p>
+                <a:r>
+                  <a:rPr lang="pt-BR" dirty="0" smtClean="0"/>
+                  <a:t>Porém, surge </a:t>
+                </a:r>
+                <a:r>
+                  <a:rPr lang="pt-BR" dirty="0" smtClean="0"/>
+                  <a:t>uma dúvida, </a:t>
                 </a:r>
                 <a:r>
                   <a:rPr lang="pt-BR" b="1" i="1" dirty="0" smtClean="0"/>
@@ -14549,7 +14743,7 @@
             </p:txBody>
           </p:sp>
         </mc:Choice>
-        <mc:Fallback xmlns="">
+        <mc:Fallback>
           <p:sp>
             <p:nvSpPr>
               <p:cNvPr id="3" name="Content Placeholder 2"/>
@@ -14568,7 +14762,7 @@
               <a:blipFill rotWithShape="0">
                 <a:blip r:embed="rId3"/>
                 <a:stretch>
-                  <a:fillRect l="-1704" t="-1937" r="-170"/>
+                  <a:fillRect l="-1448" t="-2421" r="-1959"/>
                 </a:stretch>
               </a:blipFill>
             </p:spPr>

--- a/slides/T319_Regressão_Linear (Parte IV).pptx
+++ b/slides/T319_Regressão_Linear (Parte IV).pptx
@@ -537,7 +537,7 @@
           <a:p>
             <a:fld id="{DAF0AF11-6A8A-4E64-94F5-26D4FBA2A01D}" type="datetimeFigureOut">
               <a:rPr lang="nl-BE" smtClean="0"/>
-              <a:t>14/10/2022</a:t>
+              <a:t>28/10/2022</a:t>
             </a:fld>
             <a:endParaRPr lang="nl-BE"/>
           </a:p>
@@ -933,6 +933,90 @@
           <a:bodyPr/>
           <a:lstStyle/>
           <a:p>
+            <a:endParaRPr lang="pt-BR" dirty="0"/>
+          </a:p>
+        </p:txBody>
+      </p:sp>
+      <p:sp>
+        <p:nvSpPr>
+          <p:cNvPr id="4" name="Slide Number Placeholder 3"/>
+          <p:cNvSpPr>
+            <a:spLocks noGrp="1"/>
+          </p:cNvSpPr>
+          <p:nvPr>
+            <p:ph type="sldNum" sz="quarter" idx="10"/>
+          </p:nvPr>
+        </p:nvSpPr>
+        <p:spPr/>
+        <p:txBody>
+          <a:bodyPr/>
+          <a:lstStyle/>
+          <a:p>
+            <a:fld id="{DA8B99DF-01BC-492A-8CEF-4FD88D18DD9D}" type="slidenum">
+              <a:rPr lang="nl-BE" smtClean="0"/>
+              <a:t>11</a:t>
+            </a:fld>
+            <a:endParaRPr lang="nl-BE"/>
+          </a:p>
+        </p:txBody>
+      </p:sp>
+    </p:spTree>
+    <p:extLst>
+      <p:ext uri="{BB962C8B-B14F-4D97-AF65-F5344CB8AC3E}">
+        <p14:creationId xmlns:p14="http://schemas.microsoft.com/office/powerpoint/2010/main" val="1226637979"/>
+      </p:ext>
+    </p:extLst>
+  </p:cSld>
+  <p:clrMapOvr>
+    <a:masterClrMapping/>
+  </p:clrMapOvr>
+</p:notes>
+</file>
+
+<file path=ppt/notesSlides/notesSlide11.xml><?xml version="1.0" encoding="utf-8"?>
+<p:notes xmlns:a="http://schemas.openxmlformats.org/drawingml/2006/main" xmlns:r="http://schemas.openxmlformats.org/officeDocument/2006/relationships" xmlns:p="http://schemas.openxmlformats.org/presentationml/2006/main">
+  <p:cSld>
+    <p:spTree>
+      <p:nvGrpSpPr>
+        <p:cNvPr id="1" name=""/>
+        <p:cNvGrpSpPr/>
+        <p:nvPr/>
+      </p:nvGrpSpPr>
+      <p:grpSpPr>
+        <a:xfrm>
+          <a:off x="0" y="0"/>
+          <a:ext cx="0" cy="0"/>
+          <a:chOff x="0" y="0"/>
+          <a:chExt cx="0" cy="0"/>
+        </a:xfrm>
+      </p:grpSpPr>
+      <p:sp>
+        <p:nvSpPr>
+          <p:cNvPr id="2" name="Slide Image Placeholder 1"/>
+          <p:cNvSpPr>
+            <a:spLocks noGrp="1" noRot="1" noChangeAspect="1"/>
+          </p:cNvSpPr>
+          <p:nvPr>
+            <p:ph type="sldImg"/>
+          </p:nvPr>
+        </p:nvSpPr>
+        <p:spPr/>
+      </p:sp>
+      <p:sp>
+        <p:nvSpPr>
+          <p:cNvPr id="3" name="Notes Placeholder 2"/>
+          <p:cNvSpPr>
+            <a:spLocks noGrp="1"/>
+          </p:cNvSpPr>
+          <p:nvPr>
+            <p:ph type="body" idx="1"/>
+          </p:nvPr>
+        </p:nvSpPr>
+        <p:spPr/>
+        <p:txBody>
+          <a:bodyPr/>
+          <a:lstStyle/>
+          <a:p>
             <a:pPr marL="0" marR="0" lvl="0" indent="0" algn="l" defTabSz="914400" rtl="0" eaLnBrk="1" fontAlgn="auto" latinLnBrk="0" hangingPunct="1">
               <a:lnSpc>
                 <a:spcPct val="100000"/>
@@ -2070,7 +2154,7 @@
       </p:grpSpPr>
       <p:sp>
         <p:nvSpPr>
-          <p:cNvPr id="2" name="Slide Image Placeholder 1"/>
+          <p:cNvPr id="2" name="Espaço Reservado para Imagem de Slide 1"/>
           <p:cNvSpPr>
             <a:spLocks noGrp="1" noRot="1" noChangeAspect="1"/>
           </p:cNvSpPr>
@@ -2082,7 +2166,7 @@
       </p:sp>
       <p:sp>
         <p:nvSpPr>
-          <p:cNvPr id="3" name="Notes Placeholder 2"/>
+          <p:cNvPr id="3" name="Espaço Reservado para Anotações 2"/>
           <p:cNvSpPr>
             <a:spLocks noGrp="1"/>
           </p:cNvSpPr>
@@ -2095,97 +2179,147 @@
           <a:bodyPr/>
           <a:lstStyle/>
           <a:p>
-            <a:pPr marL="0" marR="0" lvl="0" indent="0" algn="l" defTabSz="914400" rtl="0" eaLnBrk="1" fontAlgn="auto" latinLnBrk="0" hangingPunct="1">
-              <a:lnSpc>
-                <a:spcPct val="100000"/>
-              </a:lnSpc>
-              <a:spcBef>
-                <a:spcPts val="0"/>
-              </a:spcBef>
-              <a:spcAft>
-                <a:spcPts val="0"/>
-              </a:spcAft>
-              <a:buClrTx/>
-              <a:buSzTx/>
-              <a:buFontTx/>
-              <a:buNone/>
-              <a:tabLst/>
-              <a:defRPr/>
-            </a:pPr>
-            <a:r>
-              <a:rPr lang="pt-BR" b="1" noProof="0" dirty="0" smtClean="0"/>
-              <a:t>Exemplo</a:t>
-            </a:r>
-            <a:r>
-              <a:rPr lang="pt-BR" noProof="0" dirty="0" smtClean="0"/>
-              <a:t>: </a:t>
-            </a:r>
-            <a:r>
-              <a:rPr lang="pt-BR" dirty="0" smtClean="0"/>
-              <a:t>https://mybinder.org/v2/gh/zz4fap/t319_aprendizado_de_maquina/main?filepath=notebooks%2Fregression%2Fpolynomial_regression.ipynb</a:t>
-            </a:r>
-            <a:endParaRPr lang="pt-BR" u="none" dirty="0" smtClean="0"/>
-          </a:p>
-          <a:p>
-            <a:endParaRPr lang="pt-BR" dirty="0" smtClean="0"/>
-          </a:p>
-          <a:p>
-            <a:r>
-              <a:rPr lang="pt-BR" dirty="0" smtClean="0"/>
-              <a:t>O modelo com polinômio de grau 1 não captura a curvatura dos pontos de treinamento. Ele erra muito tanto para exemplos de treinamento quanto para exemplos não vistos durante o treinamento (validação). </a:t>
-            </a:r>
-          </a:p>
-          <a:p>
-            <a:r>
-              <a:rPr lang="pt-BR" dirty="0" smtClean="0"/>
-              <a:t>O modelo com polinômio de grau 30 acerta a predição de todos os exemplos de treinamento, mas erraria muito para exemplos não vistos durante treinamento. </a:t>
-            </a:r>
-          </a:p>
-          <a:p>
-            <a:pPr lvl="1"/>
-            <a:r>
-              <a:rPr lang="pt-BR" b="1" dirty="0" smtClean="0"/>
-              <a:t>A flexibilidade do modelo é tão alta que ele aprende também o ruído presente no conjunto de treinamento.</a:t>
-            </a:r>
-          </a:p>
-          <a:p>
-            <a:r>
-              <a:rPr lang="pt-BR" dirty="0" smtClean="0"/>
-              <a:t>O modelo com polinômio de grau 2 se ajusta bem aos exemplos, mas sem acertá-los perfeitamente. Este é provavelmente o modelo ótimo em termos da </a:t>
-            </a:r>
-            <a:r>
-              <a:rPr lang="pt-BR" b="1" i="1" dirty="0" smtClean="0"/>
-              <a:t>relação de compromisso</a:t>
-            </a:r>
-            <a:r>
-              <a:rPr lang="pt-BR" dirty="0" smtClean="0"/>
-              <a:t> entre os erros de </a:t>
-            </a:r>
-            <a:r>
-              <a:rPr lang="pt-BR" b="1" dirty="0" smtClean="0"/>
-              <a:t>flexibilidade </a:t>
-            </a:r>
-            <a:r>
-              <a:rPr lang="pt-BR" dirty="0" smtClean="0"/>
-              <a:t>e de </a:t>
-            </a:r>
-            <a:r>
-              <a:rPr lang="pt-BR" b="1" dirty="0" smtClean="0"/>
-              <a:t>generalização</a:t>
-            </a:r>
-            <a:r>
-              <a:rPr lang="pt-BR" dirty="0" smtClean="0"/>
-              <a:t>.</a:t>
-            </a:r>
-          </a:p>
-          <a:p>
+            <a:r>
+              <a:rPr lang="en-US" sz="1200" b="0" i="0" kern="1200" dirty="0" smtClean="0">
+                <a:solidFill>
+                  <a:schemeClr val="tx1"/>
+                </a:solidFill>
+                <a:effectLst/>
+                <a:latin typeface="+mn-lt"/>
+                <a:ea typeface="+mn-ea"/>
+                <a:cs typeface="+mn-cs"/>
+              </a:rPr>
+              <a:t>The </a:t>
+            </a:r>
+            <a:r>
+              <a:rPr lang="en-US" sz="1200" b="0" i="0" kern="1200" dirty="0" err="1" smtClean="0">
+                <a:solidFill>
+                  <a:schemeClr val="tx1"/>
+                </a:solidFill>
+                <a:effectLst/>
+                <a:latin typeface="+mn-lt"/>
+                <a:ea typeface="+mn-ea"/>
+                <a:cs typeface="+mn-cs"/>
+              </a:rPr>
+              <a:t>Weierstrass</a:t>
+            </a:r>
+            <a:r>
+              <a:rPr lang="en-US" sz="1200" b="0" i="0" kern="1200" dirty="0" smtClean="0">
+                <a:solidFill>
+                  <a:schemeClr val="tx1"/>
+                </a:solidFill>
+                <a:effectLst/>
+                <a:latin typeface="+mn-lt"/>
+                <a:ea typeface="+mn-ea"/>
+                <a:cs typeface="+mn-cs"/>
+              </a:rPr>
+              <a:t> approximation theorem assures us that </a:t>
+            </a:r>
+            <a:r>
+              <a:rPr lang="en-US" sz="1200" b="0" i="0" u="none" strike="noStrike" kern="1200" dirty="0" smtClean="0">
+                <a:solidFill>
+                  <a:schemeClr val="tx1"/>
+                </a:solidFill>
+                <a:effectLst/>
+                <a:latin typeface="+mn-lt"/>
+                <a:ea typeface="+mn-ea"/>
+                <a:cs typeface="+mn-cs"/>
+                <a:hlinkClick r:id="rId3"/>
+              </a:rPr>
+              <a:t>polynomial approximation</a:t>
+            </a:r>
+            <a:r>
+              <a:rPr lang="en-US" sz="1200" b="0" i="0" kern="1200" dirty="0" smtClean="0">
+                <a:solidFill>
+                  <a:schemeClr val="tx1"/>
+                </a:solidFill>
+                <a:effectLst/>
+                <a:latin typeface="+mn-lt"/>
+                <a:ea typeface="+mn-ea"/>
+                <a:cs typeface="+mn-cs"/>
+              </a:rPr>
+              <a:t> can get arbitrarily close to any continuous function as the polynomial order is increased.</a:t>
+            </a:r>
+          </a:p>
+          <a:p>
+            <a:endParaRPr lang="en-US" sz="1200" b="0" i="0" kern="1200" dirty="0" smtClean="0">
+              <a:solidFill>
+                <a:schemeClr val="tx1"/>
+              </a:solidFill>
+              <a:effectLst/>
+              <a:latin typeface="+mn-lt"/>
+              <a:ea typeface="+mn-ea"/>
+              <a:cs typeface="+mn-cs"/>
+            </a:endParaRPr>
+          </a:p>
+          <a:p>
+            <a:endParaRPr lang="en-US" sz="1200" b="0" i="0" kern="1200" dirty="0" smtClean="0">
+              <a:solidFill>
+                <a:schemeClr val="tx1"/>
+              </a:solidFill>
+              <a:effectLst/>
+              <a:latin typeface="+mn-lt"/>
+              <a:ea typeface="+mn-ea"/>
+              <a:cs typeface="+mn-cs"/>
+            </a:endParaRPr>
+          </a:p>
+          <a:p>
+            <a:r>
+              <a:rPr lang="en-US" sz="1200" b="0" i="0" kern="1200" dirty="0" err="1" smtClean="0">
+                <a:solidFill>
+                  <a:schemeClr val="tx1"/>
+                </a:solidFill>
+                <a:effectLst/>
+                <a:latin typeface="+mn-lt"/>
+                <a:ea typeface="+mn-ea"/>
+                <a:cs typeface="+mn-cs"/>
+              </a:rPr>
+              <a:t>Referências</a:t>
+            </a:r>
+            <a:endParaRPr lang="en-US" sz="1200" b="0" i="0" kern="1200" dirty="0" smtClean="0">
+              <a:solidFill>
+                <a:schemeClr val="tx1"/>
+              </a:solidFill>
+              <a:effectLst/>
+              <a:latin typeface="+mn-lt"/>
+              <a:ea typeface="+mn-ea"/>
+              <a:cs typeface="+mn-cs"/>
+            </a:endParaRPr>
+          </a:p>
+          <a:p>
+            <a:r>
+              <a:rPr lang="en-US" sz="1200" b="0" i="0" kern="1200" dirty="0" smtClean="0">
+                <a:solidFill>
+                  <a:schemeClr val="tx1"/>
+                </a:solidFill>
+                <a:effectLst/>
+                <a:latin typeface="+mn-lt"/>
+                <a:ea typeface="+mn-ea"/>
+                <a:cs typeface="+mn-cs"/>
+              </a:rPr>
+              <a:t>[1] https://ccrma.stanford.edu/~jos/st/Weierstrass_Approximation_Theorem.html</a:t>
+            </a:r>
+          </a:p>
+          <a:p>
+            <a:r>
+              <a:rPr lang="en-US" sz="1200" b="0" i="0" kern="1200" dirty="0" smtClean="0">
+                <a:solidFill>
+                  <a:schemeClr val="tx1"/>
+                </a:solidFill>
+                <a:effectLst/>
+                <a:latin typeface="+mn-lt"/>
+                <a:ea typeface="+mn-ea"/>
+                <a:cs typeface="+mn-cs"/>
+              </a:rPr>
+              <a:t>[2] https://people.bath.ac.uk/mw2319/ma30252/sec-approx.html</a:t>
+            </a:r>
             <a:endParaRPr lang="pt-BR" dirty="0"/>
           </a:p>
         </p:txBody>
       </p:sp>
       <p:sp>
         <p:nvSpPr>
-          <p:cNvPr id="4" name="Slide Number Placeholder 3"/>
+          <p:cNvPr id="4" name="Espaço Reservado para Número de Slide 3"/>
           <p:cNvSpPr>
             <a:spLocks noGrp="1"/>
           </p:cNvSpPr>
@@ -2200,7 +2334,7 @@
           <a:p>
             <a:fld id="{DA8B99DF-01BC-492A-8CEF-4FD88D18DD9D}" type="slidenum">
               <a:rPr lang="nl-BE" smtClean="0"/>
-              <a:t>9</a:t>
+              <a:t>7</a:t>
             </a:fld>
             <a:endParaRPr lang="nl-BE"/>
           </a:p>
@@ -2209,7 +2343,7 @@
     </p:spTree>
     <p:extLst>
       <p:ext uri="{BB962C8B-B14F-4D97-AF65-F5344CB8AC3E}">
-        <p14:creationId xmlns:p14="http://schemas.microsoft.com/office/powerpoint/2010/main" val="489201069"/>
+        <p14:creationId xmlns:p14="http://schemas.microsoft.com/office/powerpoint/2010/main" val="1389995550"/>
       </p:ext>
     </p:extLst>
   </p:cSld>
@@ -2263,19 +2397,6 @@
           <a:bodyPr/>
           <a:lstStyle/>
           <a:p>
-            <a:r>
-              <a:rPr lang="pt-BR" dirty="0" err="1" smtClean="0"/>
-              <a:t>Binder</a:t>
-            </a:r>
-            <a:r>
-              <a:rPr lang="pt-BR" dirty="0" smtClean="0"/>
-              <a:t>: https://mybinder.org/v2/gh/zz4fap/t319_aprendizado_de_maquina/main?filepath=notebooks/regression/polynomial_regression.ipynb</a:t>
-            </a:r>
-          </a:p>
-          <a:p>
-            <a:endParaRPr lang="pt-BR" dirty="0" smtClean="0"/>
-          </a:p>
-          <a:p>
             <a:pPr marL="0" marR="0" lvl="0" indent="0" algn="l" defTabSz="914400" rtl="0" eaLnBrk="1" fontAlgn="auto" latinLnBrk="0" hangingPunct="1">
               <a:lnSpc>
                 <a:spcPct val="100000"/>
@@ -2294,13 +2415,18 @@
               <a:defRPr/>
             </a:pPr>
             <a:r>
-              <a:rPr lang="pt-BR" dirty="0" err="1" smtClean="0"/>
-              <a:t>Colab</a:t>
+              <a:rPr lang="pt-BR" b="1" noProof="0" dirty="0" smtClean="0"/>
+              <a:t>Exemplo</a:t>
+            </a:r>
+            <a:r>
+              <a:rPr lang="pt-BR" noProof="0" dirty="0" smtClean="0"/>
+              <a:t>: </a:t>
             </a:r>
             <a:r>
               <a:rPr lang="pt-BR" dirty="0" smtClean="0"/>
-              <a:t>: https://colab.research.google.com/github/zz4fap/t319_aprendizado_de_maquina/blob/main/notebooks/regression/polynomial_regression.ipynb</a:t>
-            </a:r>
+              <a:t>https://mybinder.org/v2/gh/zz4fap/t319_aprendizado_de_maquina/main?filepath=notebooks%2Fregression%2Fpolynomial_regression.ipynb</a:t>
+            </a:r>
+            <a:endParaRPr lang="pt-BR" u="none" dirty="0" smtClean="0"/>
           </a:p>
           <a:p>
             <a:endParaRPr lang="pt-BR" dirty="0" smtClean="0"/>
@@ -2308,671 +2434,54 @@
           <a:p>
             <a:r>
               <a:rPr lang="pt-BR" dirty="0" smtClean="0"/>
-              <a:t>É importante salientar que</a:t>
-            </a:r>
-            <a:r>
-              <a:rPr lang="pt-BR" baseline="0" dirty="0" smtClean="0"/>
-              <a:t> </a:t>
-            </a:r>
+              <a:t>O modelo com polinômio de grau 1 não captura a curvatura dos pontos de treinamento. Ele erra muito tanto para exemplos de treinamento quanto para exemplos não vistos durante o treinamento (validação). </a:t>
+            </a:r>
+          </a:p>
+          <a:p>
             <a:r>
               <a:rPr lang="pt-BR" dirty="0" smtClean="0"/>
-              <a:t>todos os esforços de construção de um modelo são limitados pelos dados existentes. Para muitos problemas, o</a:t>
-            </a:r>
-            <a:r>
-              <a:rPr lang="pt-BR" baseline="0" dirty="0" smtClean="0"/>
-              <a:t> conjunto de dados </a:t>
-            </a:r>
+              <a:t>O modelo com polinômio de grau 30 acerta a predição de todos os exemplos de treinamento, mas erraria muito para exemplos não vistos durante treinamento. </a:t>
+            </a:r>
+          </a:p>
+          <a:p>
+            <a:pPr lvl="1"/>
+            <a:r>
+              <a:rPr lang="pt-BR" b="1" dirty="0" smtClean="0"/>
+              <a:t>A flexibilidade do modelo é tão alta que ele aprende também o ruído presente no conjunto de treinamento.</a:t>
+            </a:r>
+          </a:p>
+          <a:p>
             <a:r>
               <a:rPr lang="pt-BR" dirty="0" smtClean="0"/>
-              <a:t>pode ter um número limitado de amostras, ele</a:t>
-            </a:r>
-            <a:r>
-              <a:rPr lang="pt-BR" baseline="0" dirty="0" smtClean="0"/>
-              <a:t> </a:t>
+              <a:t>O modelo com polinômio de grau 2 se ajusta bem aos exemplos, mas sem acertá-los perfeitamente. Este é provavelmente o modelo ótimo em termos da </a:t>
+            </a:r>
+            <a:r>
+              <a:rPr lang="pt-BR" b="1" i="1" dirty="0" smtClean="0"/>
+              <a:t>relação de compromisso</a:t>
             </a:r>
             <a:r>
               <a:rPr lang="pt-BR" dirty="0" smtClean="0"/>
-              <a:t>pode ser de qualidade inferior à desejável e/ou ele pode não ser representativo</a:t>
-            </a:r>
-            <a:r>
-              <a:rPr lang="pt-BR" baseline="0" dirty="0" smtClean="0"/>
-              <a:t> </a:t>
+              <a:t> entre os erros de </a:t>
+            </a:r>
+            <a:r>
+              <a:rPr lang="pt-BR" b="1" dirty="0" smtClean="0"/>
+              <a:t>flexibilidade </a:t>
             </a:r>
             <a:r>
               <a:rPr lang="pt-BR" dirty="0" smtClean="0"/>
-              <a:t>de amostras futuras.</a:t>
-            </a:r>
-          </a:p>
-          <a:p>
-            <a:endParaRPr lang="pt-BR" dirty="0" smtClean="0"/>
-          </a:p>
-          <a:p>
+              <a:t>e de </a:t>
+            </a:r>
+            <a:r>
+              <a:rPr lang="pt-BR" b="1" dirty="0" smtClean="0"/>
+              <a:t>generalização</a:t>
+            </a:r>
             <a:r>
               <a:rPr lang="pt-BR" dirty="0" smtClean="0"/>
-              <a:t>Trabalhando com base na</a:t>
-            </a:r>
-            <a:r>
-              <a:rPr lang="pt-BR" baseline="0" dirty="0" smtClean="0"/>
-              <a:t> </a:t>
-            </a:r>
-            <a:r>
-              <a:rPr lang="pt-BR" dirty="0" smtClean="0"/>
-              <a:t>suposição</a:t>
-            </a:r>
-            <a:r>
-              <a:rPr lang="pt-BR" baseline="0" dirty="0" smtClean="0"/>
-              <a:t> de que o conjunto que temos é representativo e de boa qualidade</a:t>
-            </a:r>
-            <a:r>
-              <a:rPr lang="pt-BR" dirty="0" smtClean="0"/>
-              <a:t>, devemos usar os dados disponíveis para encontrar o melhor modelo preditivo. Quase todas as técnicas de modelagem preditiva possuem (hiper)parâmetros de ajuste que permitem que o modelo seja flexível o suficiente para encontrar a estrutura por trás dos dados.</a:t>
-            </a:r>
-          </a:p>
-          <a:p>
-            <a:endParaRPr lang="pt-BR" dirty="0" smtClean="0"/>
-          </a:p>
-          <a:p>
-            <a:r>
-              <a:rPr lang="pt-BR" dirty="0" smtClean="0"/>
-              <a:t>Portanto, devemos usar os dados existentes para identificar os valores dos parâmetros do modelo que geram o melhor e mais realista desempenho preditivo (conhecido como ajuste do modelo). Tradicionalmente, isso é obtido dividindo-se os dados existentes em conjuntos de treinamento e teste. O conjunto de treinamento é usado para construir e ajustar o modelo e o conjunto de teste é usado para estimar o desempenho preditivo do modelo.</a:t>
-            </a:r>
-          </a:p>
-          <a:p>
-            <a:endParaRPr lang="pt-BR" dirty="0" smtClean="0"/>
-          </a:p>
-          <a:p>
-            <a:r>
-              <a:rPr lang="pt-BR" dirty="0" smtClean="0"/>
-              <a:t>Durante o processo de aprendizado/treinamento, deseja-se evitar duas situações que comprometem o uso de um modelo:</a:t>
-            </a:r>
-          </a:p>
-          <a:p>
-            <a:pPr marL="171450" indent="-171450">
-              <a:buFont typeface="Arial" panose="020B0604020202020204" pitchFamily="34" charset="0"/>
-              <a:buChar char="•"/>
-            </a:pPr>
-            <a:r>
-              <a:rPr lang="pt-BR" dirty="0" smtClean="0"/>
-              <a:t>Subajuste</a:t>
-            </a:r>
-          </a:p>
-          <a:p>
-            <a:pPr marL="171450" indent="-171450">
-              <a:buFont typeface="Arial" panose="020B0604020202020204" pitchFamily="34" charset="0"/>
-              <a:buChar char="•"/>
-            </a:pPr>
-            <a:r>
-              <a:rPr lang="pt-BR" dirty="0" smtClean="0"/>
-              <a:t>Sobreajuste</a:t>
-            </a:r>
-          </a:p>
-          <a:p>
-            <a:pPr marL="171450" indent="-171450">
-              <a:buFont typeface="Arial" panose="020B0604020202020204" pitchFamily="34" charset="0"/>
-              <a:buChar char="•"/>
-            </a:pPr>
-            <a:endParaRPr lang="pt-BR" dirty="0" smtClean="0"/>
-          </a:p>
-          <a:p>
-            <a:pPr marL="171450" indent="-171450">
-              <a:buFont typeface="Arial" panose="020B0604020202020204" pitchFamily="34" charset="0"/>
-              <a:buChar char="•"/>
-            </a:pPr>
-            <a:r>
-              <a:rPr lang="pt-BR" dirty="0" smtClean="0"/>
-              <a:t>O modelo com polinômio de grau 1</a:t>
-            </a:r>
-            <a:r>
-              <a:rPr lang="pt-BR" baseline="0" dirty="0" smtClean="0"/>
-              <a:t> tem </a:t>
-            </a:r>
-            <a:r>
-              <a:rPr lang="pt-BR" b="1" baseline="0" dirty="0" smtClean="0"/>
-              <a:t>capacidade</a:t>
-            </a:r>
-            <a:r>
-              <a:rPr lang="pt-BR" b="0" baseline="0" dirty="0" smtClean="0"/>
-              <a:t> muito baixa e </a:t>
-            </a:r>
-            <a:r>
-              <a:rPr lang="pt-BR" b="1" baseline="0" dirty="0" smtClean="0"/>
-              <a:t>grau de generalização</a:t>
-            </a:r>
-            <a:r>
-              <a:rPr lang="pt-BR" b="0" baseline="0" dirty="0" smtClean="0"/>
-              <a:t> muito baixo.</a:t>
-            </a:r>
-            <a:endParaRPr lang="pt-BR" b="1" baseline="0" dirty="0" smtClean="0"/>
-          </a:p>
-          <a:p>
-            <a:pPr marL="171450" marR="0" indent="-171450" algn="l" defTabSz="914400" rtl="0" eaLnBrk="1" fontAlgn="auto" latinLnBrk="0" hangingPunct="1">
-              <a:lnSpc>
-                <a:spcPct val="100000"/>
-              </a:lnSpc>
-              <a:spcBef>
-                <a:spcPts val="0"/>
-              </a:spcBef>
-              <a:spcAft>
-                <a:spcPts val="0"/>
-              </a:spcAft>
-              <a:buClrTx/>
-              <a:buSzTx/>
-              <a:buFont typeface="Arial" panose="020B0604020202020204" pitchFamily="34" charset="0"/>
-              <a:buChar char="•"/>
-              <a:tabLst/>
-              <a:defRPr/>
-            </a:pPr>
-            <a:r>
-              <a:rPr lang="pt-BR" dirty="0" smtClean="0"/>
-              <a:t>O modelo com polinômio de grau 30</a:t>
-            </a:r>
-            <a:r>
-              <a:rPr lang="pt-BR" baseline="0" dirty="0" smtClean="0"/>
-              <a:t> tem </a:t>
-            </a:r>
-            <a:r>
-              <a:rPr lang="pt-BR" b="1" baseline="0" dirty="0" smtClean="0"/>
-              <a:t>capacidade </a:t>
-            </a:r>
-            <a:r>
-              <a:rPr lang="pt-BR" b="0" baseline="0" dirty="0" smtClean="0"/>
-              <a:t>muito alta e </a:t>
-            </a:r>
-            <a:r>
-              <a:rPr lang="pt-BR" b="1" baseline="0" dirty="0" smtClean="0"/>
-              <a:t>grau de generalização</a:t>
-            </a:r>
-            <a:r>
-              <a:rPr lang="pt-BR" b="0" baseline="0" dirty="0" smtClean="0"/>
-              <a:t> muito baixo.</a:t>
-            </a:r>
-            <a:endParaRPr lang="pt-BR" b="1" baseline="0" dirty="0" smtClean="0"/>
-          </a:p>
-          <a:p>
-            <a:pPr marL="171450" indent="-171450">
-              <a:buFont typeface="Arial" panose="020B0604020202020204" pitchFamily="34" charset="0"/>
-              <a:buChar char="•"/>
-            </a:pPr>
-            <a:r>
-              <a:rPr lang="pt-BR" dirty="0" smtClean="0"/>
-              <a:t>O modelo com polinômio de grau 2</a:t>
-            </a:r>
-            <a:r>
-              <a:rPr lang="pt-BR" baseline="0" dirty="0" smtClean="0"/>
-              <a:t> tem </a:t>
-            </a:r>
-            <a:r>
-              <a:rPr lang="pt-BR" b="1" baseline="0" dirty="0" smtClean="0"/>
-              <a:t>capacidade</a:t>
-            </a:r>
-            <a:r>
-              <a:rPr lang="pt-BR" baseline="0" dirty="0" smtClean="0"/>
-              <a:t> média e </a:t>
-            </a:r>
-            <a:r>
-              <a:rPr lang="pt-BR" b="1" baseline="0" dirty="0" smtClean="0"/>
-              <a:t>grau de generalização</a:t>
-            </a:r>
-            <a:r>
-              <a:rPr lang="pt-BR" b="0" baseline="0" dirty="0" smtClean="0"/>
-              <a:t> médio.</a:t>
-            </a:r>
-          </a:p>
-          <a:p>
-            <a:pPr marL="0" indent="0">
-              <a:buFont typeface="Arial" panose="020B0604020202020204" pitchFamily="34" charset="0"/>
-              <a:buNone/>
-            </a:pPr>
-            <a:endParaRPr lang="pt-BR" b="0" baseline="0" dirty="0" smtClean="0"/>
-          </a:p>
-          <a:p>
-            <a:pPr marL="171450" indent="-171450">
-              <a:buFont typeface="Arial" panose="020B0604020202020204" pitchFamily="34" charset="0"/>
-              <a:buChar char="•"/>
-            </a:pPr>
-            <a:r>
-              <a:rPr lang="pt-BR" dirty="0" smtClean="0"/>
-              <a:t>O modelo com polinômio de grau 1 sofre de </a:t>
-            </a:r>
-            <a:r>
-              <a:rPr lang="pt-BR" sz="1200" b="0" i="0" kern="1200" dirty="0" smtClean="0">
-                <a:solidFill>
-                  <a:schemeClr val="tx1"/>
-                </a:solidFill>
-                <a:effectLst/>
-                <a:latin typeface="+mn-lt"/>
-                <a:ea typeface="+mn-ea"/>
-                <a:cs typeface="+mn-cs"/>
-              </a:rPr>
-              <a:t>de </a:t>
-            </a:r>
-            <a:r>
-              <a:rPr lang="pt-BR" sz="1200" b="1" i="0" kern="1200" dirty="0" smtClean="0">
-                <a:solidFill>
-                  <a:schemeClr val="tx1"/>
-                </a:solidFill>
-                <a:effectLst/>
-                <a:latin typeface="+mn-lt"/>
-                <a:ea typeface="+mn-ea"/>
-                <a:cs typeface="+mn-cs"/>
-              </a:rPr>
-              <a:t>sub-ajustamento</a:t>
-            </a:r>
-            <a:r>
-              <a:rPr lang="pt-BR" sz="1200" b="0" i="0" kern="1200" dirty="0" smtClean="0">
-                <a:solidFill>
-                  <a:schemeClr val="tx1"/>
-                </a:solidFill>
-                <a:effectLst/>
-                <a:latin typeface="+mn-lt"/>
-                <a:ea typeface="+mn-ea"/>
-                <a:cs typeface="+mn-cs"/>
-              </a:rPr>
-              <a:t>, isto é, ele tem uma </a:t>
-            </a:r>
-            <a:r>
-              <a:rPr lang="pt-BR" sz="1200" b="1" i="0" kern="1200" dirty="0" smtClean="0">
-                <a:solidFill>
-                  <a:schemeClr val="tx1"/>
-                </a:solidFill>
-                <a:effectLst/>
-                <a:latin typeface="+mn-lt"/>
-                <a:ea typeface="+mn-ea"/>
-                <a:cs typeface="+mn-cs"/>
-              </a:rPr>
-              <a:t>capacidade</a:t>
-            </a:r>
-            <a:r>
-              <a:rPr lang="pt-BR" sz="1200" b="0" i="0" kern="1200" dirty="0" smtClean="0">
-                <a:solidFill>
-                  <a:schemeClr val="tx1"/>
-                </a:solidFill>
-                <a:effectLst/>
-                <a:latin typeface="+mn-lt"/>
-                <a:ea typeface="+mn-ea"/>
-                <a:cs typeface="+mn-cs"/>
-              </a:rPr>
-              <a:t> tão baixa que não consegue aprender as regularidades presentes</a:t>
-            </a:r>
-            <a:r>
-              <a:rPr lang="pt-BR" sz="1200" b="0" i="0" kern="1200" baseline="0" dirty="0" smtClean="0">
-                <a:solidFill>
-                  <a:schemeClr val="tx1"/>
-                </a:solidFill>
-                <a:effectLst/>
-                <a:latin typeface="+mn-lt"/>
-                <a:ea typeface="+mn-ea"/>
-                <a:cs typeface="+mn-cs"/>
-              </a:rPr>
-              <a:t> </a:t>
-            </a:r>
-            <a:r>
-              <a:rPr lang="pt-BR" sz="1200" b="0" i="0" kern="1200" dirty="0" smtClean="0">
-                <a:solidFill>
-                  <a:schemeClr val="tx1"/>
-                </a:solidFill>
-                <a:effectLst/>
-                <a:latin typeface="+mn-lt"/>
-                <a:ea typeface="+mn-ea"/>
-                <a:cs typeface="+mn-cs"/>
-              </a:rPr>
-              <a:t>no conjunto de treinamento. Nesse caso, os</a:t>
-            </a:r>
-            <a:r>
-              <a:rPr lang="pt-BR" sz="1200" b="0" i="0" kern="1200" baseline="0" dirty="0" smtClean="0">
-                <a:solidFill>
-                  <a:schemeClr val="tx1"/>
-                </a:solidFill>
-                <a:effectLst/>
-                <a:latin typeface="+mn-lt"/>
-                <a:ea typeface="+mn-ea"/>
-                <a:cs typeface="+mn-cs"/>
-              </a:rPr>
-              <a:t> erros </a:t>
-            </a:r>
-            <a:r>
-              <a:rPr lang="pt-BR" sz="1200" b="0" i="0" kern="1200" dirty="0" smtClean="0">
-                <a:solidFill>
-                  <a:schemeClr val="tx1"/>
-                </a:solidFill>
-                <a:effectLst/>
-                <a:latin typeface="+mn-lt"/>
-                <a:ea typeface="+mn-ea"/>
-                <a:cs typeface="+mn-cs"/>
-              </a:rPr>
-              <a:t>nos conjuntos</a:t>
-            </a:r>
-            <a:r>
-              <a:rPr lang="pt-BR" sz="1200" b="0" i="0" kern="1200" baseline="0" dirty="0" smtClean="0">
-                <a:solidFill>
-                  <a:schemeClr val="tx1"/>
-                </a:solidFill>
-                <a:effectLst/>
-                <a:latin typeface="+mn-lt"/>
-                <a:ea typeface="+mn-ea"/>
-                <a:cs typeface="+mn-cs"/>
-              </a:rPr>
-              <a:t> </a:t>
-            </a:r>
-            <a:r>
-              <a:rPr lang="pt-BR" sz="1200" b="0" i="0" kern="1200" dirty="0" smtClean="0">
-                <a:solidFill>
-                  <a:schemeClr val="tx1"/>
-                </a:solidFill>
-                <a:effectLst/>
-                <a:latin typeface="+mn-lt"/>
-                <a:ea typeface="+mn-ea"/>
-                <a:cs typeface="+mn-cs"/>
-              </a:rPr>
-              <a:t>de treinamento (</a:t>
-            </a:r>
-            <a:r>
-              <a:rPr lang="pt-BR" sz="1200" b="1" i="0" kern="1200" dirty="0" smtClean="0">
-                <a:solidFill>
-                  <a:schemeClr val="tx1"/>
-                </a:solidFill>
-                <a:effectLst/>
-                <a:latin typeface="+mn-lt"/>
-                <a:ea typeface="+mn-ea"/>
-                <a:cs typeface="+mn-cs"/>
-              </a:rPr>
-              <a:t>erro de capacidade ou erro de representação</a:t>
-            </a:r>
-            <a:r>
-              <a:rPr lang="pt-BR" sz="1200" b="0" i="0" kern="1200" dirty="0" smtClean="0">
-                <a:solidFill>
-                  <a:schemeClr val="tx1"/>
-                </a:solidFill>
-                <a:effectLst/>
-                <a:latin typeface="+mn-lt"/>
-                <a:ea typeface="+mn-ea"/>
-                <a:cs typeface="+mn-cs"/>
-              </a:rPr>
-              <a:t>) e de teste são</a:t>
-            </a:r>
-            <a:r>
-              <a:rPr lang="pt-BR" sz="1200" b="0" i="0" kern="1200" baseline="0" dirty="0" smtClean="0">
-                <a:solidFill>
-                  <a:schemeClr val="tx1"/>
-                </a:solidFill>
-                <a:effectLst/>
-                <a:latin typeface="+mn-lt"/>
-                <a:ea typeface="+mn-ea"/>
-                <a:cs typeface="+mn-cs"/>
-              </a:rPr>
-              <a:t> altos</a:t>
-            </a:r>
-            <a:r>
-              <a:rPr lang="pt-BR" sz="1200" b="0" i="0" kern="1200" dirty="0" smtClean="0">
-                <a:solidFill>
-                  <a:schemeClr val="tx1"/>
-                </a:solidFill>
-                <a:effectLst/>
-                <a:latin typeface="+mn-lt"/>
-                <a:ea typeface="+mn-ea"/>
-                <a:cs typeface="+mn-cs"/>
-              </a:rPr>
-              <a:t> </a:t>
-            </a:r>
-            <a:r>
-              <a:rPr lang="pt-BR" sz="1200" b="0" i="0" kern="1200" baseline="0" dirty="0" smtClean="0">
-                <a:solidFill>
-                  <a:schemeClr val="tx1"/>
-                </a:solidFill>
-                <a:effectLst/>
-                <a:latin typeface="+mn-lt"/>
-                <a:ea typeface="+mn-ea"/>
-                <a:cs typeface="+mn-cs"/>
-              </a:rPr>
-              <a:t>(</a:t>
-            </a:r>
-            <a:r>
-              <a:rPr lang="pt-BR" sz="1200" b="1" i="0" kern="1200" baseline="0" dirty="0" smtClean="0">
-                <a:solidFill>
-                  <a:schemeClr val="tx1"/>
-                </a:solidFill>
-                <a:effectLst/>
-                <a:latin typeface="+mn-lt"/>
-                <a:ea typeface="+mn-ea"/>
-                <a:cs typeface="+mn-cs"/>
-              </a:rPr>
-              <a:t>erro de generalização</a:t>
-            </a:r>
-            <a:r>
-              <a:rPr lang="pt-BR" sz="1200" b="0" i="0" kern="1200" baseline="0" dirty="0" smtClean="0">
-                <a:solidFill>
-                  <a:schemeClr val="tx1"/>
-                </a:solidFill>
-                <a:effectLst/>
-                <a:latin typeface="+mn-lt"/>
-                <a:ea typeface="+mn-ea"/>
-                <a:cs typeface="+mn-cs"/>
-              </a:rPr>
-              <a:t>).</a:t>
-            </a:r>
-            <a:endParaRPr lang="pt-BR" b="0" dirty="0" smtClean="0"/>
-          </a:p>
-          <a:p>
-            <a:pPr marL="171450" indent="-171450">
-              <a:buFont typeface="Arial" panose="020B0604020202020204" pitchFamily="34" charset="0"/>
-              <a:buChar char="•"/>
-            </a:pPr>
-            <a:r>
-              <a:rPr lang="pt-BR" dirty="0" smtClean="0"/>
-              <a:t>O modelo com polinômio de grau 30</a:t>
-            </a:r>
-            <a:r>
-              <a:rPr lang="pt-BR" sz="1200" b="0" i="0" kern="1200" dirty="0" smtClean="0">
-                <a:solidFill>
-                  <a:schemeClr val="tx1"/>
-                </a:solidFill>
-                <a:effectLst/>
-                <a:latin typeface="+mn-lt"/>
-                <a:ea typeface="+mn-ea"/>
-                <a:cs typeface="+mn-cs"/>
-              </a:rPr>
-              <a:t> sofre de </a:t>
-            </a:r>
-            <a:r>
-              <a:rPr lang="pt-BR" sz="1200" b="1" i="0" kern="1200" dirty="0" smtClean="0">
-                <a:solidFill>
-                  <a:schemeClr val="tx1"/>
-                </a:solidFill>
-                <a:effectLst/>
-                <a:latin typeface="+mn-lt"/>
-                <a:ea typeface="+mn-ea"/>
-                <a:cs typeface="+mn-cs"/>
-              </a:rPr>
-              <a:t>sobre-ajustamento</a:t>
-            </a:r>
-            <a:r>
-              <a:rPr lang="pt-BR" sz="1200" b="0" i="0" kern="1200" dirty="0" smtClean="0">
-                <a:solidFill>
-                  <a:schemeClr val="tx1"/>
-                </a:solidFill>
-                <a:effectLst/>
-                <a:latin typeface="+mn-lt"/>
-                <a:ea typeface="+mn-ea"/>
-                <a:cs typeface="+mn-cs"/>
-              </a:rPr>
-              <a:t>, isto é, ele tem uma capacidade tão alta que além de aprender as regularidades, aprendeu também o ruído presente nos exemplos de treinamento. Nesse caso, o erro no conjunto de treinamento é baixo (</a:t>
-            </a:r>
-            <a:r>
-              <a:rPr lang="pt-BR" sz="1200" b="1" i="0" kern="1200" dirty="0" smtClean="0">
-                <a:solidFill>
-                  <a:schemeClr val="tx1"/>
-                </a:solidFill>
-                <a:effectLst/>
-                <a:latin typeface="+mn-lt"/>
-                <a:ea typeface="+mn-ea"/>
-                <a:cs typeface="+mn-cs"/>
-              </a:rPr>
-              <a:t>erro de capacidade</a:t>
-            </a:r>
-            <a:r>
-              <a:rPr lang="pt-BR" sz="1200" b="0" i="0" kern="1200" dirty="0" smtClean="0">
-                <a:solidFill>
-                  <a:schemeClr val="tx1"/>
-                </a:solidFill>
-                <a:effectLst/>
-                <a:latin typeface="+mn-lt"/>
-                <a:ea typeface="+mn-ea"/>
-                <a:cs typeface="+mn-cs"/>
-              </a:rPr>
-              <a:t>) e o erro no conjunto de teste</a:t>
-            </a:r>
-            <a:r>
-              <a:rPr lang="pt-BR" sz="1200" b="0" i="0" kern="1200" baseline="0" dirty="0" smtClean="0">
-                <a:solidFill>
-                  <a:schemeClr val="tx1"/>
-                </a:solidFill>
-                <a:effectLst/>
-                <a:latin typeface="+mn-lt"/>
-                <a:ea typeface="+mn-ea"/>
-                <a:cs typeface="+mn-cs"/>
-              </a:rPr>
-              <a:t> é alto (</a:t>
-            </a:r>
-            <a:r>
-              <a:rPr lang="pt-BR" sz="1200" b="1" i="0" kern="1200" baseline="0" dirty="0" smtClean="0">
-                <a:solidFill>
-                  <a:schemeClr val="tx1"/>
-                </a:solidFill>
-                <a:effectLst/>
-                <a:latin typeface="+mn-lt"/>
-                <a:ea typeface="+mn-ea"/>
-                <a:cs typeface="+mn-cs"/>
-              </a:rPr>
-              <a:t>erro de generalização</a:t>
-            </a:r>
-            <a:r>
-              <a:rPr lang="pt-BR" sz="1200" b="0" i="0" kern="1200" baseline="0" dirty="0" smtClean="0">
-                <a:solidFill>
-                  <a:schemeClr val="tx1"/>
-                </a:solidFill>
-                <a:effectLst/>
-                <a:latin typeface="+mn-lt"/>
-                <a:ea typeface="+mn-ea"/>
-                <a:cs typeface="+mn-cs"/>
-              </a:rPr>
-              <a:t>).</a:t>
-            </a:r>
-            <a:endParaRPr lang="pt-BR" sz="1200" b="0" i="0" kern="1200" dirty="0" smtClean="0">
-              <a:solidFill>
-                <a:schemeClr val="tx1"/>
-              </a:solidFill>
-              <a:effectLst/>
-              <a:latin typeface="+mn-lt"/>
-              <a:ea typeface="+mn-ea"/>
-              <a:cs typeface="+mn-cs"/>
-            </a:endParaRPr>
-          </a:p>
-          <a:p>
-            <a:pPr marL="171450" indent="-171450">
-              <a:buFont typeface="Arial" panose="020B0604020202020204" pitchFamily="34" charset="0"/>
-              <a:buChar char="•"/>
-            </a:pPr>
-            <a:r>
-              <a:rPr lang="pt-BR" dirty="0" smtClean="0"/>
-              <a:t>O modelo com polinômio de grau 2</a:t>
-            </a:r>
-            <a:r>
-              <a:rPr lang="pt-BR" sz="1200" b="0" i="0" kern="1200" baseline="0" dirty="0" smtClean="0">
-                <a:solidFill>
-                  <a:schemeClr val="tx1"/>
-                </a:solidFill>
-                <a:effectLst/>
-                <a:latin typeface="+mn-lt"/>
-                <a:ea typeface="+mn-ea"/>
-                <a:cs typeface="+mn-cs"/>
-              </a:rPr>
-              <a:t> </a:t>
-            </a:r>
-            <a:r>
-              <a:rPr lang="pt-BR" sz="1200" b="0" i="0" kern="1200" dirty="0" smtClean="0">
-                <a:solidFill>
-                  <a:schemeClr val="tx1"/>
-                </a:solidFill>
-                <a:effectLst/>
-                <a:latin typeface="+mn-lt"/>
-                <a:ea typeface="+mn-ea"/>
-                <a:cs typeface="+mn-cs"/>
-              </a:rPr>
-              <a:t>parece ter aprendido bem as regularidades dos dados sem aprender o ruído no conjunto de treinamento. Nesse caso, os erros no conjunto de treinamento (</a:t>
-            </a:r>
-            <a:r>
-              <a:rPr lang="pt-BR" sz="1200" b="1" i="0" kern="1200" dirty="0" smtClean="0">
-                <a:solidFill>
-                  <a:schemeClr val="tx1"/>
-                </a:solidFill>
-                <a:effectLst/>
-                <a:latin typeface="+mn-lt"/>
-                <a:ea typeface="+mn-ea"/>
-                <a:cs typeface="+mn-cs"/>
-              </a:rPr>
-              <a:t>erro de capacidade</a:t>
-            </a:r>
-            <a:r>
-              <a:rPr lang="pt-BR" sz="1200" b="0" i="0" kern="1200" dirty="0" smtClean="0">
-                <a:solidFill>
-                  <a:schemeClr val="tx1"/>
-                </a:solidFill>
-                <a:effectLst/>
-                <a:latin typeface="+mn-lt"/>
-                <a:ea typeface="+mn-ea"/>
-                <a:cs typeface="+mn-cs"/>
-              </a:rPr>
-              <a:t>) e teste </a:t>
-            </a:r>
-            <a:r>
-              <a:rPr lang="pt-BR" sz="1200" b="0" i="0" kern="1200" baseline="0" dirty="0" smtClean="0">
-                <a:solidFill>
-                  <a:schemeClr val="tx1"/>
-                </a:solidFill>
-                <a:effectLst/>
-                <a:latin typeface="+mn-lt"/>
-                <a:ea typeface="+mn-ea"/>
-                <a:cs typeface="+mn-cs"/>
-              </a:rPr>
-              <a:t>(</a:t>
-            </a:r>
-            <a:r>
-              <a:rPr lang="pt-BR" sz="1200" b="1" i="0" kern="1200" baseline="0" dirty="0" smtClean="0">
-                <a:solidFill>
-                  <a:schemeClr val="tx1"/>
-                </a:solidFill>
-                <a:effectLst/>
-                <a:latin typeface="+mn-lt"/>
-                <a:ea typeface="+mn-ea"/>
-                <a:cs typeface="+mn-cs"/>
-              </a:rPr>
-              <a:t>erro de generalização</a:t>
-            </a:r>
-            <a:r>
-              <a:rPr lang="pt-BR" sz="1200" b="0" i="0" kern="1200" baseline="0" dirty="0" smtClean="0">
-                <a:solidFill>
-                  <a:schemeClr val="tx1"/>
-                </a:solidFill>
-                <a:effectLst/>
-                <a:latin typeface="+mn-lt"/>
-                <a:ea typeface="+mn-ea"/>
-                <a:cs typeface="+mn-cs"/>
-              </a:rPr>
-              <a:t>) </a:t>
-            </a:r>
-            <a:r>
-              <a:rPr lang="pt-BR" sz="1200" b="0" i="0" kern="1200" dirty="0" smtClean="0">
-                <a:solidFill>
-                  <a:schemeClr val="tx1"/>
-                </a:solidFill>
-                <a:effectLst/>
-                <a:latin typeface="+mn-lt"/>
-                <a:ea typeface="+mn-ea"/>
-                <a:cs typeface="+mn-cs"/>
-              </a:rPr>
-              <a:t>são parecidos e satisfatórios.</a:t>
-            </a:r>
-            <a:endParaRPr lang="pt-BR" b="1" dirty="0" smtClean="0"/>
+              <a:t>.</a:t>
+            </a:r>
+          </a:p>
+          <a:p>
+            <a:endParaRPr lang="pt-BR" dirty="0"/>
           </a:p>
         </p:txBody>
       </p:sp>
@@ -2993,7 +2502,7 @@
           <a:p>
             <a:fld id="{DA8B99DF-01BC-492A-8CEF-4FD88D18DD9D}" type="slidenum">
               <a:rPr lang="nl-BE" smtClean="0"/>
-              <a:t>10</a:t>
+              <a:t>9</a:t>
             </a:fld>
             <a:endParaRPr lang="nl-BE"/>
           </a:p>
@@ -3002,7 +2511,7 @@
     </p:spTree>
     <p:extLst>
       <p:ext uri="{BB962C8B-B14F-4D97-AF65-F5344CB8AC3E}">
-        <p14:creationId xmlns:p14="http://schemas.microsoft.com/office/powerpoint/2010/main" val="2391354004"/>
+        <p14:creationId xmlns:p14="http://schemas.microsoft.com/office/powerpoint/2010/main" val="489201069"/>
       </p:ext>
     </p:extLst>
   </p:cSld>
@@ -3056,7 +2565,716 @@
           <a:bodyPr/>
           <a:lstStyle/>
           <a:p>
-            <a:endParaRPr lang="pt-BR" dirty="0"/>
+            <a:r>
+              <a:rPr lang="pt-BR" dirty="0" err="1" smtClean="0"/>
+              <a:t>Binder</a:t>
+            </a:r>
+            <a:r>
+              <a:rPr lang="pt-BR" dirty="0" smtClean="0"/>
+              <a:t>: https://mybinder.org/v2/gh/zz4fap/t319_aprendizado_de_maquina/main?filepath=notebooks/regression/polynomial_regression.ipynb</a:t>
+            </a:r>
+          </a:p>
+          <a:p>
+            <a:endParaRPr lang="pt-BR" dirty="0" smtClean="0"/>
+          </a:p>
+          <a:p>
+            <a:pPr marL="0" marR="0" lvl="0" indent="0" algn="l" defTabSz="914400" rtl="0" eaLnBrk="1" fontAlgn="auto" latinLnBrk="0" hangingPunct="1">
+              <a:lnSpc>
+                <a:spcPct val="100000"/>
+              </a:lnSpc>
+              <a:spcBef>
+                <a:spcPts val="0"/>
+              </a:spcBef>
+              <a:spcAft>
+                <a:spcPts val="0"/>
+              </a:spcAft>
+              <a:buClrTx/>
+              <a:buSzTx/>
+              <a:buFontTx/>
+              <a:buNone/>
+              <a:tabLst/>
+              <a:defRPr/>
+            </a:pPr>
+            <a:r>
+              <a:rPr lang="pt-BR" dirty="0" err="1" smtClean="0"/>
+              <a:t>Colab</a:t>
+            </a:r>
+            <a:r>
+              <a:rPr lang="pt-BR" dirty="0" smtClean="0"/>
+              <a:t>: https://colab.research.google.com/github/zz4fap/t319_aprendizado_de_maquina/blob/main/notebooks/regression/polynomial_regression.ipynb</a:t>
+            </a:r>
+          </a:p>
+          <a:p>
+            <a:endParaRPr lang="pt-BR" dirty="0" smtClean="0"/>
+          </a:p>
+          <a:p>
+            <a:r>
+              <a:rPr lang="pt-BR" dirty="0" smtClean="0"/>
+              <a:t>É importante salientar que</a:t>
+            </a:r>
+            <a:r>
+              <a:rPr lang="pt-BR" baseline="0" dirty="0" smtClean="0"/>
+              <a:t> </a:t>
+            </a:r>
+            <a:r>
+              <a:rPr lang="pt-BR" dirty="0" smtClean="0"/>
+              <a:t>todos os esforços de construção de um modelo são limitados pelos dados existentes. Para muitos problemas, o</a:t>
+            </a:r>
+            <a:r>
+              <a:rPr lang="pt-BR" baseline="0" dirty="0" smtClean="0"/>
+              <a:t> conjunto de dados </a:t>
+            </a:r>
+            <a:r>
+              <a:rPr lang="pt-BR" dirty="0" smtClean="0"/>
+              <a:t>pode ter um número limitado de amostras, ele</a:t>
+            </a:r>
+            <a:r>
+              <a:rPr lang="pt-BR" baseline="0" dirty="0" smtClean="0"/>
+              <a:t> </a:t>
+            </a:r>
+            <a:r>
+              <a:rPr lang="pt-BR" dirty="0" smtClean="0"/>
+              <a:t>pode ser de qualidade inferior à desejável e/ou ele pode não ser representativo</a:t>
+            </a:r>
+            <a:r>
+              <a:rPr lang="pt-BR" baseline="0" dirty="0" smtClean="0"/>
+              <a:t> </a:t>
+            </a:r>
+            <a:r>
+              <a:rPr lang="pt-BR" dirty="0" smtClean="0"/>
+              <a:t>de amostras futuras.</a:t>
+            </a:r>
+          </a:p>
+          <a:p>
+            <a:endParaRPr lang="pt-BR" dirty="0" smtClean="0"/>
+          </a:p>
+          <a:p>
+            <a:r>
+              <a:rPr lang="pt-BR" dirty="0" smtClean="0"/>
+              <a:t>Trabalhando com base na</a:t>
+            </a:r>
+            <a:r>
+              <a:rPr lang="pt-BR" baseline="0" dirty="0" smtClean="0"/>
+              <a:t> </a:t>
+            </a:r>
+            <a:r>
+              <a:rPr lang="pt-BR" dirty="0" smtClean="0"/>
+              <a:t>suposição</a:t>
+            </a:r>
+            <a:r>
+              <a:rPr lang="pt-BR" baseline="0" dirty="0" smtClean="0"/>
+              <a:t> de que o conjunto que temos é representativo e de boa qualidade</a:t>
+            </a:r>
+            <a:r>
+              <a:rPr lang="pt-BR" dirty="0" smtClean="0"/>
+              <a:t>, devemos usar os dados disponíveis para encontrar o melhor modelo preditivo. Quase todas as técnicas de modelagem preditiva possuem (hiper)parâmetros de ajuste que permitem que o modelo seja flexível o suficiente para encontrar a estrutura por trás dos dados.</a:t>
+            </a:r>
+          </a:p>
+          <a:p>
+            <a:endParaRPr lang="pt-BR" dirty="0" smtClean="0"/>
+          </a:p>
+          <a:p>
+            <a:r>
+              <a:rPr lang="pt-BR" dirty="0" smtClean="0"/>
+              <a:t>Portanto, devemos usar os dados existentes para identificar os valores dos parâmetros do modelo que geram o melhor e mais realista desempenho preditivo (conhecido como ajuste do modelo). Tradicionalmente, isso é obtido dividindo-se os dados existentes em conjuntos de treinamento e teste. O conjunto de treinamento é usado para construir e ajustar o modelo e o conjunto de teste é usado para estimar o desempenho preditivo do modelo.</a:t>
+            </a:r>
+          </a:p>
+          <a:p>
+            <a:endParaRPr lang="pt-BR" dirty="0" smtClean="0"/>
+          </a:p>
+          <a:p>
+            <a:r>
+              <a:rPr lang="pt-BR" dirty="0" smtClean="0"/>
+              <a:t>Durante o processo de aprendizado/treinamento, deseja-se evitar duas situações que comprometem o uso de um modelo:</a:t>
+            </a:r>
+          </a:p>
+          <a:p>
+            <a:pPr marL="171450" indent="-171450">
+              <a:buFont typeface="Arial" panose="020B0604020202020204" pitchFamily="34" charset="0"/>
+              <a:buChar char="•"/>
+            </a:pPr>
+            <a:r>
+              <a:rPr lang="pt-BR" dirty="0" smtClean="0"/>
+              <a:t>Subajuste</a:t>
+            </a:r>
+          </a:p>
+          <a:p>
+            <a:pPr marL="171450" indent="-171450">
+              <a:buFont typeface="Arial" panose="020B0604020202020204" pitchFamily="34" charset="0"/>
+              <a:buChar char="•"/>
+            </a:pPr>
+            <a:r>
+              <a:rPr lang="pt-BR" dirty="0" smtClean="0"/>
+              <a:t>Sobreajuste</a:t>
+            </a:r>
+          </a:p>
+          <a:p>
+            <a:pPr marL="171450" indent="-171450">
+              <a:buFont typeface="Arial" panose="020B0604020202020204" pitchFamily="34" charset="0"/>
+              <a:buChar char="•"/>
+            </a:pPr>
+            <a:endParaRPr lang="pt-BR" dirty="0" smtClean="0"/>
+          </a:p>
+          <a:p>
+            <a:pPr marL="171450" indent="-171450">
+              <a:buFont typeface="Arial" panose="020B0604020202020204" pitchFamily="34" charset="0"/>
+              <a:buChar char="•"/>
+            </a:pPr>
+            <a:r>
+              <a:rPr lang="pt-BR" dirty="0" smtClean="0"/>
+              <a:t>O modelo com polinômio de grau 1</a:t>
+            </a:r>
+            <a:r>
+              <a:rPr lang="pt-BR" baseline="0" dirty="0" smtClean="0"/>
+              <a:t> tem </a:t>
+            </a:r>
+            <a:r>
+              <a:rPr lang="pt-BR" b="1" baseline="0" dirty="0" smtClean="0"/>
+              <a:t>capacidade</a:t>
+            </a:r>
+            <a:r>
+              <a:rPr lang="pt-BR" b="0" baseline="0" dirty="0" smtClean="0"/>
+              <a:t> muito baixa e </a:t>
+            </a:r>
+            <a:r>
+              <a:rPr lang="pt-BR" b="1" baseline="0" dirty="0" smtClean="0"/>
+              <a:t>grau de generalização</a:t>
+            </a:r>
+            <a:r>
+              <a:rPr lang="pt-BR" b="0" baseline="0" dirty="0" smtClean="0"/>
+              <a:t> muito baixo.</a:t>
+            </a:r>
+            <a:endParaRPr lang="pt-BR" b="1" baseline="0" dirty="0" smtClean="0"/>
+          </a:p>
+          <a:p>
+            <a:pPr marL="171450" marR="0" indent="-171450" algn="l" defTabSz="914400" rtl="0" eaLnBrk="1" fontAlgn="auto" latinLnBrk="0" hangingPunct="1">
+              <a:lnSpc>
+                <a:spcPct val="100000"/>
+              </a:lnSpc>
+              <a:spcBef>
+                <a:spcPts val="0"/>
+              </a:spcBef>
+              <a:spcAft>
+                <a:spcPts val="0"/>
+              </a:spcAft>
+              <a:buClrTx/>
+              <a:buSzTx/>
+              <a:buFont typeface="Arial" panose="020B0604020202020204" pitchFamily="34" charset="0"/>
+              <a:buChar char="•"/>
+              <a:tabLst/>
+              <a:defRPr/>
+            </a:pPr>
+            <a:r>
+              <a:rPr lang="pt-BR" dirty="0" smtClean="0"/>
+              <a:t>O modelo com polinômio de grau 30</a:t>
+            </a:r>
+            <a:r>
+              <a:rPr lang="pt-BR" baseline="0" dirty="0" smtClean="0"/>
+              <a:t> tem </a:t>
+            </a:r>
+            <a:r>
+              <a:rPr lang="pt-BR" b="1" baseline="0" dirty="0" smtClean="0"/>
+              <a:t>capacidade </a:t>
+            </a:r>
+            <a:r>
+              <a:rPr lang="pt-BR" b="0" baseline="0" dirty="0" smtClean="0"/>
+              <a:t>muito alta e </a:t>
+            </a:r>
+            <a:r>
+              <a:rPr lang="pt-BR" b="1" baseline="0" dirty="0" smtClean="0"/>
+              <a:t>grau de generalização</a:t>
+            </a:r>
+            <a:r>
+              <a:rPr lang="pt-BR" b="0" baseline="0" dirty="0" smtClean="0"/>
+              <a:t> muito baixo.</a:t>
+            </a:r>
+            <a:endParaRPr lang="pt-BR" b="1" baseline="0" dirty="0" smtClean="0"/>
+          </a:p>
+          <a:p>
+            <a:pPr marL="171450" indent="-171450">
+              <a:buFont typeface="Arial" panose="020B0604020202020204" pitchFamily="34" charset="0"/>
+              <a:buChar char="•"/>
+            </a:pPr>
+            <a:r>
+              <a:rPr lang="pt-BR" dirty="0" smtClean="0"/>
+              <a:t>O modelo com polinômio de grau 2</a:t>
+            </a:r>
+            <a:r>
+              <a:rPr lang="pt-BR" baseline="0" dirty="0" smtClean="0"/>
+              <a:t> tem </a:t>
+            </a:r>
+            <a:r>
+              <a:rPr lang="pt-BR" b="1" baseline="0" dirty="0" smtClean="0"/>
+              <a:t>capacidade</a:t>
+            </a:r>
+            <a:r>
+              <a:rPr lang="pt-BR" baseline="0" dirty="0" smtClean="0"/>
+              <a:t> média e </a:t>
+            </a:r>
+            <a:r>
+              <a:rPr lang="pt-BR" b="1" baseline="0" dirty="0" smtClean="0"/>
+              <a:t>grau de generalização</a:t>
+            </a:r>
+            <a:r>
+              <a:rPr lang="pt-BR" b="0" baseline="0" dirty="0" smtClean="0"/>
+              <a:t> médio.</a:t>
+            </a:r>
+          </a:p>
+          <a:p>
+            <a:pPr marL="0" indent="0">
+              <a:buFont typeface="Arial" panose="020B0604020202020204" pitchFamily="34" charset="0"/>
+              <a:buNone/>
+            </a:pPr>
+            <a:endParaRPr lang="pt-BR" b="0" baseline="0" dirty="0" smtClean="0"/>
+          </a:p>
+          <a:p>
+            <a:pPr marL="171450" indent="-171450">
+              <a:buFont typeface="Arial" panose="020B0604020202020204" pitchFamily="34" charset="0"/>
+              <a:buChar char="•"/>
+            </a:pPr>
+            <a:r>
+              <a:rPr lang="pt-BR" dirty="0" smtClean="0"/>
+              <a:t>O modelo com polinômio de grau 1 sofre de </a:t>
+            </a:r>
+            <a:r>
+              <a:rPr lang="pt-BR" sz="1200" b="0" i="0" kern="1200" dirty="0" smtClean="0">
+                <a:solidFill>
+                  <a:schemeClr val="tx1"/>
+                </a:solidFill>
+                <a:effectLst/>
+                <a:latin typeface="+mn-lt"/>
+                <a:ea typeface="+mn-ea"/>
+                <a:cs typeface="+mn-cs"/>
+              </a:rPr>
+              <a:t>de </a:t>
+            </a:r>
+            <a:r>
+              <a:rPr lang="pt-BR" sz="1200" b="1" i="0" kern="1200" dirty="0" smtClean="0">
+                <a:solidFill>
+                  <a:schemeClr val="tx1"/>
+                </a:solidFill>
+                <a:effectLst/>
+                <a:latin typeface="+mn-lt"/>
+                <a:ea typeface="+mn-ea"/>
+                <a:cs typeface="+mn-cs"/>
+              </a:rPr>
+              <a:t>sub-ajustamento</a:t>
+            </a:r>
+            <a:r>
+              <a:rPr lang="pt-BR" sz="1200" b="0" i="0" kern="1200" dirty="0" smtClean="0">
+                <a:solidFill>
+                  <a:schemeClr val="tx1"/>
+                </a:solidFill>
+                <a:effectLst/>
+                <a:latin typeface="+mn-lt"/>
+                <a:ea typeface="+mn-ea"/>
+                <a:cs typeface="+mn-cs"/>
+              </a:rPr>
+              <a:t>, isto é, ele tem uma </a:t>
+            </a:r>
+            <a:r>
+              <a:rPr lang="pt-BR" sz="1200" b="1" i="0" kern="1200" dirty="0" smtClean="0">
+                <a:solidFill>
+                  <a:schemeClr val="tx1"/>
+                </a:solidFill>
+                <a:effectLst/>
+                <a:latin typeface="+mn-lt"/>
+                <a:ea typeface="+mn-ea"/>
+                <a:cs typeface="+mn-cs"/>
+              </a:rPr>
+              <a:t>capacidade</a:t>
+            </a:r>
+            <a:r>
+              <a:rPr lang="pt-BR" sz="1200" b="0" i="0" kern="1200" dirty="0" smtClean="0">
+                <a:solidFill>
+                  <a:schemeClr val="tx1"/>
+                </a:solidFill>
+                <a:effectLst/>
+                <a:latin typeface="+mn-lt"/>
+                <a:ea typeface="+mn-ea"/>
+                <a:cs typeface="+mn-cs"/>
+              </a:rPr>
+              <a:t> tão baixa que não consegue aprender as regularidades presentes</a:t>
+            </a:r>
+            <a:r>
+              <a:rPr lang="pt-BR" sz="1200" b="0" i="0" kern="1200" baseline="0" dirty="0" smtClean="0">
+                <a:solidFill>
+                  <a:schemeClr val="tx1"/>
+                </a:solidFill>
+                <a:effectLst/>
+                <a:latin typeface="+mn-lt"/>
+                <a:ea typeface="+mn-ea"/>
+                <a:cs typeface="+mn-cs"/>
+              </a:rPr>
+              <a:t> </a:t>
+            </a:r>
+            <a:r>
+              <a:rPr lang="pt-BR" sz="1200" b="0" i="0" kern="1200" dirty="0" smtClean="0">
+                <a:solidFill>
+                  <a:schemeClr val="tx1"/>
+                </a:solidFill>
+                <a:effectLst/>
+                <a:latin typeface="+mn-lt"/>
+                <a:ea typeface="+mn-ea"/>
+                <a:cs typeface="+mn-cs"/>
+              </a:rPr>
+              <a:t>no conjunto de treinamento. Nesse caso, os</a:t>
+            </a:r>
+            <a:r>
+              <a:rPr lang="pt-BR" sz="1200" b="0" i="0" kern="1200" baseline="0" dirty="0" smtClean="0">
+                <a:solidFill>
+                  <a:schemeClr val="tx1"/>
+                </a:solidFill>
+                <a:effectLst/>
+                <a:latin typeface="+mn-lt"/>
+                <a:ea typeface="+mn-ea"/>
+                <a:cs typeface="+mn-cs"/>
+              </a:rPr>
+              <a:t> erros </a:t>
+            </a:r>
+            <a:r>
+              <a:rPr lang="pt-BR" sz="1200" b="0" i="0" kern="1200" dirty="0" smtClean="0">
+                <a:solidFill>
+                  <a:schemeClr val="tx1"/>
+                </a:solidFill>
+                <a:effectLst/>
+                <a:latin typeface="+mn-lt"/>
+                <a:ea typeface="+mn-ea"/>
+                <a:cs typeface="+mn-cs"/>
+              </a:rPr>
+              <a:t>nos conjuntos</a:t>
+            </a:r>
+            <a:r>
+              <a:rPr lang="pt-BR" sz="1200" b="0" i="0" kern="1200" baseline="0" dirty="0" smtClean="0">
+                <a:solidFill>
+                  <a:schemeClr val="tx1"/>
+                </a:solidFill>
+                <a:effectLst/>
+                <a:latin typeface="+mn-lt"/>
+                <a:ea typeface="+mn-ea"/>
+                <a:cs typeface="+mn-cs"/>
+              </a:rPr>
+              <a:t> </a:t>
+            </a:r>
+            <a:r>
+              <a:rPr lang="pt-BR" sz="1200" b="0" i="0" kern="1200" dirty="0" smtClean="0">
+                <a:solidFill>
+                  <a:schemeClr val="tx1"/>
+                </a:solidFill>
+                <a:effectLst/>
+                <a:latin typeface="+mn-lt"/>
+                <a:ea typeface="+mn-ea"/>
+                <a:cs typeface="+mn-cs"/>
+              </a:rPr>
+              <a:t>de treinamento (</a:t>
+            </a:r>
+            <a:r>
+              <a:rPr lang="pt-BR" sz="1200" b="1" i="0" kern="1200" dirty="0" smtClean="0">
+                <a:solidFill>
+                  <a:schemeClr val="tx1"/>
+                </a:solidFill>
+                <a:effectLst/>
+                <a:latin typeface="+mn-lt"/>
+                <a:ea typeface="+mn-ea"/>
+                <a:cs typeface="+mn-cs"/>
+              </a:rPr>
+              <a:t>erro de capacidade ou erro de representação</a:t>
+            </a:r>
+            <a:r>
+              <a:rPr lang="pt-BR" sz="1200" b="0" i="0" kern="1200" dirty="0" smtClean="0">
+                <a:solidFill>
+                  <a:schemeClr val="tx1"/>
+                </a:solidFill>
+                <a:effectLst/>
+                <a:latin typeface="+mn-lt"/>
+                <a:ea typeface="+mn-ea"/>
+                <a:cs typeface="+mn-cs"/>
+              </a:rPr>
+              <a:t>) e de teste são</a:t>
+            </a:r>
+            <a:r>
+              <a:rPr lang="pt-BR" sz="1200" b="0" i="0" kern="1200" baseline="0" dirty="0" smtClean="0">
+                <a:solidFill>
+                  <a:schemeClr val="tx1"/>
+                </a:solidFill>
+                <a:effectLst/>
+                <a:latin typeface="+mn-lt"/>
+                <a:ea typeface="+mn-ea"/>
+                <a:cs typeface="+mn-cs"/>
+              </a:rPr>
+              <a:t> altos</a:t>
+            </a:r>
+            <a:r>
+              <a:rPr lang="pt-BR" sz="1200" b="0" i="0" kern="1200" dirty="0" smtClean="0">
+                <a:solidFill>
+                  <a:schemeClr val="tx1"/>
+                </a:solidFill>
+                <a:effectLst/>
+                <a:latin typeface="+mn-lt"/>
+                <a:ea typeface="+mn-ea"/>
+                <a:cs typeface="+mn-cs"/>
+              </a:rPr>
+              <a:t> </a:t>
+            </a:r>
+            <a:r>
+              <a:rPr lang="pt-BR" sz="1200" b="0" i="0" kern="1200" baseline="0" dirty="0" smtClean="0">
+                <a:solidFill>
+                  <a:schemeClr val="tx1"/>
+                </a:solidFill>
+                <a:effectLst/>
+                <a:latin typeface="+mn-lt"/>
+                <a:ea typeface="+mn-ea"/>
+                <a:cs typeface="+mn-cs"/>
+              </a:rPr>
+              <a:t>(</a:t>
+            </a:r>
+            <a:r>
+              <a:rPr lang="pt-BR" sz="1200" b="1" i="0" kern="1200" baseline="0" dirty="0" smtClean="0">
+                <a:solidFill>
+                  <a:schemeClr val="tx1"/>
+                </a:solidFill>
+                <a:effectLst/>
+                <a:latin typeface="+mn-lt"/>
+                <a:ea typeface="+mn-ea"/>
+                <a:cs typeface="+mn-cs"/>
+              </a:rPr>
+              <a:t>erro de generalização</a:t>
+            </a:r>
+            <a:r>
+              <a:rPr lang="pt-BR" sz="1200" b="0" i="0" kern="1200" baseline="0" dirty="0" smtClean="0">
+                <a:solidFill>
+                  <a:schemeClr val="tx1"/>
+                </a:solidFill>
+                <a:effectLst/>
+                <a:latin typeface="+mn-lt"/>
+                <a:ea typeface="+mn-ea"/>
+                <a:cs typeface="+mn-cs"/>
+              </a:rPr>
+              <a:t>).</a:t>
+            </a:r>
+            <a:endParaRPr lang="pt-BR" b="0" dirty="0" smtClean="0"/>
+          </a:p>
+          <a:p>
+            <a:pPr marL="171450" indent="-171450">
+              <a:buFont typeface="Arial" panose="020B0604020202020204" pitchFamily="34" charset="0"/>
+              <a:buChar char="•"/>
+            </a:pPr>
+            <a:r>
+              <a:rPr lang="pt-BR" dirty="0" smtClean="0"/>
+              <a:t>O modelo com polinômio de grau 30</a:t>
+            </a:r>
+            <a:r>
+              <a:rPr lang="pt-BR" sz="1200" b="0" i="0" kern="1200" dirty="0" smtClean="0">
+                <a:solidFill>
+                  <a:schemeClr val="tx1"/>
+                </a:solidFill>
+                <a:effectLst/>
+                <a:latin typeface="+mn-lt"/>
+                <a:ea typeface="+mn-ea"/>
+                <a:cs typeface="+mn-cs"/>
+              </a:rPr>
+              <a:t> sofre de </a:t>
+            </a:r>
+            <a:r>
+              <a:rPr lang="pt-BR" sz="1200" b="1" i="0" kern="1200" dirty="0" smtClean="0">
+                <a:solidFill>
+                  <a:schemeClr val="tx1"/>
+                </a:solidFill>
+                <a:effectLst/>
+                <a:latin typeface="+mn-lt"/>
+                <a:ea typeface="+mn-ea"/>
+                <a:cs typeface="+mn-cs"/>
+              </a:rPr>
+              <a:t>sobre-ajustamento</a:t>
+            </a:r>
+            <a:r>
+              <a:rPr lang="pt-BR" sz="1200" b="0" i="0" kern="1200" dirty="0" smtClean="0">
+                <a:solidFill>
+                  <a:schemeClr val="tx1"/>
+                </a:solidFill>
+                <a:effectLst/>
+                <a:latin typeface="+mn-lt"/>
+                <a:ea typeface="+mn-ea"/>
+                <a:cs typeface="+mn-cs"/>
+              </a:rPr>
+              <a:t>, isto é, ele tem uma capacidade tão alta que além de aprender as regularidades, aprendeu também o ruído presente nos exemplos de treinamento. Nesse caso, o erro no conjunto de treinamento é baixo (</a:t>
+            </a:r>
+            <a:r>
+              <a:rPr lang="pt-BR" sz="1200" b="1" i="0" kern="1200" dirty="0" smtClean="0">
+                <a:solidFill>
+                  <a:schemeClr val="tx1"/>
+                </a:solidFill>
+                <a:effectLst/>
+                <a:latin typeface="+mn-lt"/>
+                <a:ea typeface="+mn-ea"/>
+                <a:cs typeface="+mn-cs"/>
+              </a:rPr>
+              <a:t>erro de capacidade</a:t>
+            </a:r>
+            <a:r>
+              <a:rPr lang="pt-BR" sz="1200" b="0" i="0" kern="1200" dirty="0" smtClean="0">
+                <a:solidFill>
+                  <a:schemeClr val="tx1"/>
+                </a:solidFill>
+                <a:effectLst/>
+                <a:latin typeface="+mn-lt"/>
+                <a:ea typeface="+mn-ea"/>
+                <a:cs typeface="+mn-cs"/>
+              </a:rPr>
+              <a:t>) e o erro no conjunto de teste</a:t>
+            </a:r>
+            <a:r>
+              <a:rPr lang="pt-BR" sz="1200" b="0" i="0" kern="1200" baseline="0" dirty="0" smtClean="0">
+                <a:solidFill>
+                  <a:schemeClr val="tx1"/>
+                </a:solidFill>
+                <a:effectLst/>
+                <a:latin typeface="+mn-lt"/>
+                <a:ea typeface="+mn-ea"/>
+                <a:cs typeface="+mn-cs"/>
+              </a:rPr>
+              <a:t> é alto (</a:t>
+            </a:r>
+            <a:r>
+              <a:rPr lang="pt-BR" sz="1200" b="1" i="0" kern="1200" baseline="0" dirty="0" smtClean="0">
+                <a:solidFill>
+                  <a:schemeClr val="tx1"/>
+                </a:solidFill>
+                <a:effectLst/>
+                <a:latin typeface="+mn-lt"/>
+                <a:ea typeface="+mn-ea"/>
+                <a:cs typeface="+mn-cs"/>
+              </a:rPr>
+              <a:t>erro de generalização</a:t>
+            </a:r>
+            <a:r>
+              <a:rPr lang="pt-BR" sz="1200" b="0" i="0" kern="1200" baseline="0" dirty="0" smtClean="0">
+                <a:solidFill>
+                  <a:schemeClr val="tx1"/>
+                </a:solidFill>
+                <a:effectLst/>
+                <a:latin typeface="+mn-lt"/>
+                <a:ea typeface="+mn-ea"/>
+                <a:cs typeface="+mn-cs"/>
+              </a:rPr>
+              <a:t>).</a:t>
+            </a:r>
+            <a:endParaRPr lang="pt-BR" sz="1200" b="0" i="0" kern="1200" dirty="0" smtClean="0">
+              <a:solidFill>
+                <a:schemeClr val="tx1"/>
+              </a:solidFill>
+              <a:effectLst/>
+              <a:latin typeface="+mn-lt"/>
+              <a:ea typeface="+mn-ea"/>
+              <a:cs typeface="+mn-cs"/>
+            </a:endParaRPr>
+          </a:p>
+          <a:p>
+            <a:pPr marL="171450" indent="-171450">
+              <a:buFont typeface="Arial" panose="020B0604020202020204" pitchFamily="34" charset="0"/>
+              <a:buChar char="•"/>
+            </a:pPr>
+            <a:r>
+              <a:rPr lang="pt-BR" dirty="0" smtClean="0"/>
+              <a:t>O modelo com polinômio de grau 2</a:t>
+            </a:r>
+            <a:r>
+              <a:rPr lang="pt-BR" sz="1200" b="0" i="0" kern="1200" baseline="0" dirty="0" smtClean="0">
+                <a:solidFill>
+                  <a:schemeClr val="tx1"/>
+                </a:solidFill>
+                <a:effectLst/>
+                <a:latin typeface="+mn-lt"/>
+                <a:ea typeface="+mn-ea"/>
+                <a:cs typeface="+mn-cs"/>
+              </a:rPr>
+              <a:t> </a:t>
+            </a:r>
+            <a:r>
+              <a:rPr lang="pt-BR" sz="1200" b="0" i="0" kern="1200" dirty="0" smtClean="0">
+                <a:solidFill>
+                  <a:schemeClr val="tx1"/>
+                </a:solidFill>
+                <a:effectLst/>
+                <a:latin typeface="+mn-lt"/>
+                <a:ea typeface="+mn-ea"/>
+                <a:cs typeface="+mn-cs"/>
+              </a:rPr>
+              <a:t>parece ter aprendido bem as regularidades dos dados sem aprender o ruído no conjunto de treinamento. Nesse caso, os erros no conjunto de treinamento (</a:t>
+            </a:r>
+            <a:r>
+              <a:rPr lang="pt-BR" sz="1200" b="1" i="0" kern="1200" dirty="0" smtClean="0">
+                <a:solidFill>
+                  <a:schemeClr val="tx1"/>
+                </a:solidFill>
+                <a:effectLst/>
+                <a:latin typeface="+mn-lt"/>
+                <a:ea typeface="+mn-ea"/>
+                <a:cs typeface="+mn-cs"/>
+              </a:rPr>
+              <a:t>erro de capacidade</a:t>
+            </a:r>
+            <a:r>
+              <a:rPr lang="pt-BR" sz="1200" b="0" i="0" kern="1200" dirty="0" smtClean="0">
+                <a:solidFill>
+                  <a:schemeClr val="tx1"/>
+                </a:solidFill>
+                <a:effectLst/>
+                <a:latin typeface="+mn-lt"/>
+                <a:ea typeface="+mn-ea"/>
+                <a:cs typeface="+mn-cs"/>
+              </a:rPr>
+              <a:t>) e teste </a:t>
+            </a:r>
+            <a:r>
+              <a:rPr lang="pt-BR" sz="1200" b="0" i="0" kern="1200" baseline="0" dirty="0" smtClean="0">
+                <a:solidFill>
+                  <a:schemeClr val="tx1"/>
+                </a:solidFill>
+                <a:effectLst/>
+                <a:latin typeface="+mn-lt"/>
+                <a:ea typeface="+mn-ea"/>
+                <a:cs typeface="+mn-cs"/>
+              </a:rPr>
+              <a:t>(</a:t>
+            </a:r>
+            <a:r>
+              <a:rPr lang="pt-BR" sz="1200" b="1" i="0" kern="1200" baseline="0" dirty="0" smtClean="0">
+                <a:solidFill>
+                  <a:schemeClr val="tx1"/>
+                </a:solidFill>
+                <a:effectLst/>
+                <a:latin typeface="+mn-lt"/>
+                <a:ea typeface="+mn-ea"/>
+                <a:cs typeface="+mn-cs"/>
+              </a:rPr>
+              <a:t>erro de generalização</a:t>
+            </a:r>
+            <a:r>
+              <a:rPr lang="pt-BR" sz="1200" b="0" i="0" kern="1200" baseline="0" dirty="0" smtClean="0">
+                <a:solidFill>
+                  <a:schemeClr val="tx1"/>
+                </a:solidFill>
+                <a:effectLst/>
+                <a:latin typeface="+mn-lt"/>
+                <a:ea typeface="+mn-ea"/>
+                <a:cs typeface="+mn-cs"/>
+              </a:rPr>
+              <a:t>) </a:t>
+            </a:r>
+            <a:r>
+              <a:rPr lang="pt-BR" sz="1200" b="0" i="0" kern="1200" dirty="0" smtClean="0">
+                <a:solidFill>
+                  <a:schemeClr val="tx1"/>
+                </a:solidFill>
+                <a:effectLst/>
+                <a:latin typeface="+mn-lt"/>
+                <a:ea typeface="+mn-ea"/>
+                <a:cs typeface="+mn-cs"/>
+              </a:rPr>
+              <a:t>são parecidos e satisfatórios.</a:t>
+            </a:r>
+            <a:endParaRPr lang="pt-BR" b="1" dirty="0" smtClean="0"/>
           </a:p>
         </p:txBody>
       </p:sp>
@@ -3077,7 +3295,7 @@
           <a:p>
             <a:fld id="{DA8B99DF-01BC-492A-8CEF-4FD88D18DD9D}" type="slidenum">
               <a:rPr lang="nl-BE" smtClean="0"/>
-              <a:t>11</a:t>
+              <a:t>10</a:t>
             </a:fld>
             <a:endParaRPr lang="nl-BE"/>
           </a:p>
@@ -3086,7 +3304,7 @@
     </p:spTree>
     <p:extLst>
       <p:ext uri="{BB962C8B-B14F-4D97-AF65-F5344CB8AC3E}">
-        <p14:creationId xmlns:p14="http://schemas.microsoft.com/office/powerpoint/2010/main" val="1226637979"/>
+        <p14:creationId xmlns:p14="http://schemas.microsoft.com/office/powerpoint/2010/main" val="2391354004"/>
       </p:ext>
     </p:extLst>
   </p:cSld>
@@ -3227,7 +3445,7 @@
           <a:p>
             <a:fld id="{C80E15A5-E95B-43EB-9AC7-9A96397448C0}" type="datetimeFigureOut">
               <a:rPr lang="nl-BE" smtClean="0"/>
-              <a:t>14/10/2022</a:t>
+              <a:t>28/10/2022</a:t>
             </a:fld>
             <a:endParaRPr lang="nl-BE"/>
           </a:p>
@@ -3397,7 +3615,7 @@
           <a:p>
             <a:fld id="{C80E15A5-E95B-43EB-9AC7-9A96397448C0}" type="datetimeFigureOut">
               <a:rPr lang="nl-BE" smtClean="0"/>
-              <a:t>14/10/2022</a:t>
+              <a:t>28/10/2022</a:t>
             </a:fld>
             <a:endParaRPr lang="nl-BE"/>
           </a:p>
@@ -3577,7 +3795,7 @@
           <a:p>
             <a:fld id="{C80E15A5-E95B-43EB-9AC7-9A96397448C0}" type="datetimeFigureOut">
               <a:rPr lang="nl-BE" smtClean="0"/>
-              <a:t>14/10/2022</a:t>
+              <a:t>28/10/2022</a:t>
             </a:fld>
             <a:endParaRPr lang="nl-BE"/>
           </a:p>
@@ -3747,7 +3965,7 @@
           <a:p>
             <a:fld id="{C80E15A5-E95B-43EB-9AC7-9A96397448C0}" type="datetimeFigureOut">
               <a:rPr lang="nl-BE" smtClean="0"/>
-              <a:t>14/10/2022</a:t>
+              <a:t>28/10/2022</a:t>
             </a:fld>
             <a:endParaRPr lang="nl-BE"/>
           </a:p>
@@ -3993,7 +4211,7 @@
           <a:p>
             <a:fld id="{C80E15A5-E95B-43EB-9AC7-9A96397448C0}" type="datetimeFigureOut">
               <a:rPr lang="nl-BE" smtClean="0"/>
-              <a:t>14/10/2022</a:t>
+              <a:t>28/10/2022</a:t>
             </a:fld>
             <a:endParaRPr lang="nl-BE"/>
           </a:p>
@@ -4225,7 +4443,7 @@
           <a:p>
             <a:fld id="{C80E15A5-E95B-43EB-9AC7-9A96397448C0}" type="datetimeFigureOut">
               <a:rPr lang="nl-BE" smtClean="0"/>
-              <a:t>14/10/2022</a:t>
+              <a:t>28/10/2022</a:t>
             </a:fld>
             <a:endParaRPr lang="nl-BE"/>
           </a:p>
@@ -4592,7 +4810,7 @@
           <a:p>
             <a:fld id="{C80E15A5-E95B-43EB-9AC7-9A96397448C0}" type="datetimeFigureOut">
               <a:rPr lang="nl-BE" smtClean="0"/>
-              <a:t>14/10/2022</a:t>
+              <a:t>28/10/2022</a:t>
             </a:fld>
             <a:endParaRPr lang="nl-BE"/>
           </a:p>
@@ -4710,7 +4928,7 @@
           <a:p>
             <a:fld id="{C80E15A5-E95B-43EB-9AC7-9A96397448C0}" type="datetimeFigureOut">
               <a:rPr lang="nl-BE" smtClean="0"/>
-              <a:t>14/10/2022</a:t>
+              <a:t>28/10/2022</a:t>
             </a:fld>
             <a:endParaRPr lang="nl-BE"/>
           </a:p>
@@ -4805,7 +5023,7 @@
           <a:p>
             <a:fld id="{C80E15A5-E95B-43EB-9AC7-9A96397448C0}" type="datetimeFigureOut">
               <a:rPr lang="nl-BE" smtClean="0"/>
-              <a:t>14/10/2022</a:t>
+              <a:t>28/10/2022</a:t>
             </a:fld>
             <a:endParaRPr lang="nl-BE"/>
           </a:p>
@@ -5082,7 +5300,7 @@
           <a:p>
             <a:fld id="{C80E15A5-E95B-43EB-9AC7-9A96397448C0}" type="datetimeFigureOut">
               <a:rPr lang="nl-BE" smtClean="0"/>
-              <a:t>14/10/2022</a:t>
+              <a:t>28/10/2022</a:t>
             </a:fld>
             <a:endParaRPr lang="nl-BE"/>
           </a:p>
@@ -5335,7 +5553,7 @@
           <a:p>
             <a:fld id="{C80E15A5-E95B-43EB-9AC7-9A96397448C0}" type="datetimeFigureOut">
               <a:rPr lang="nl-BE" smtClean="0"/>
-              <a:t>14/10/2022</a:t>
+              <a:t>28/10/2022</a:t>
             </a:fld>
             <a:endParaRPr lang="nl-BE"/>
           </a:p>
@@ -5548,7 +5766,7 @@
           <a:p>
             <a:fld id="{C80E15A5-E95B-43EB-9AC7-9A96397448C0}" type="datetimeFigureOut">
               <a:rPr lang="nl-BE" smtClean="0"/>
-              <a:t>14/10/2022</a:t>
+              <a:t>28/10/2022</a:t>
             </a:fld>
             <a:endParaRPr lang="nl-BE"/>
           </a:p>
@@ -5958,7 +6176,7 @@
           <p:cNvPr id="2" name="Título 1">
             <a:extLst>
               <a:ext uri="{FF2B5EF4-FFF2-40B4-BE49-F238E27FC236}">
-                <a16:creationId xmlns="" xmlns:a16="http://schemas.microsoft.com/office/drawing/2014/main" id="{32666AC8-2E17-4DB4-B0F5-60C640CCFD2E}"/>
+                <a16:creationId xmlns:a16="http://schemas.microsoft.com/office/drawing/2014/main" xmlns="" id="{32666AC8-2E17-4DB4-B0F5-60C640CCFD2E}"/>
               </a:ext>
             </a:extLst>
           </p:cNvPr>
@@ -6017,7 +6235,7 @@
           <p:cNvPr id="4" name="CaixaDeTexto 3">
             <a:extLst>
               <a:ext uri="{FF2B5EF4-FFF2-40B4-BE49-F238E27FC236}">
-                <a16:creationId xmlns="" xmlns:a16="http://schemas.microsoft.com/office/drawing/2014/main" id="{430EB894-B7D4-434C-9D1A-A14094D9BEEC}"/>
+                <a16:creationId xmlns:a16="http://schemas.microsoft.com/office/drawing/2014/main" xmlns="" id="{430EB894-B7D4-434C-9D1A-A14094D9BEEC}"/>
               </a:ext>
             </a:extLst>
           </p:cNvPr>
@@ -6058,7 +6276,7 @@
           <p:cNvPr id="1026" name="Picture 2" descr="Logo">
             <a:extLst>
               <a:ext uri="{FF2B5EF4-FFF2-40B4-BE49-F238E27FC236}">
-                <a16:creationId xmlns="" xmlns:a16="http://schemas.microsoft.com/office/drawing/2014/main" id="{3F2642E0-4F6A-4196-8F58-E77D36E9A33F}"/>
+                <a16:creationId xmlns:a16="http://schemas.microsoft.com/office/drawing/2014/main" xmlns="" id="{3F2642E0-4F6A-4196-8F58-E77D36E9A33F}"/>
               </a:ext>
             </a:extLst>
           </p:cNvPr>
@@ -6103,7 +6321,7 @@
           <p:cNvPr id="5122" name="Picture 2" descr="Image result for machine learning">
             <a:extLst>
               <a:ext uri="{FF2B5EF4-FFF2-40B4-BE49-F238E27FC236}">
-                <a16:creationId xmlns="" xmlns:a16="http://schemas.microsoft.com/office/drawing/2014/main" id="{810CE0A2-4102-44A6-A370-175E7896CDCB}"/>
+                <a16:creationId xmlns:a16="http://schemas.microsoft.com/office/drawing/2014/main" xmlns="" id="{810CE0A2-4102-44A6-A370-175E7896CDCB}"/>
               </a:ext>
             </a:extLst>
           </p:cNvPr>
@@ -6561,64 +6779,6 @@
           </a:p>
         </p:txBody>
       </p:sp>
-      <p:sp>
-        <p:nvSpPr>
-          <p:cNvPr id="14" name="TextBox 13"/>
-          <p:cNvSpPr txBox="1"/>
-          <p:nvPr/>
-        </p:nvSpPr>
-        <p:spPr>
-          <a:xfrm>
-            <a:off x="8810624" y="6519446"/>
-            <a:ext cx="3381375" cy="338554"/>
-          </a:xfrm>
-          <a:prstGeom prst="rect">
-            <a:avLst/>
-          </a:prstGeom>
-          <a:noFill/>
-        </p:spPr>
-        <p:txBody>
-          <a:bodyPr wrap="square" rtlCol="0">
-            <a:spAutoFit/>
-          </a:bodyPr>
-          <a:lstStyle/>
-          <a:p>
-            <a:pPr algn="ctr"/>
-            <a:r>
-              <a:rPr lang="pt-BR" sz="1600" dirty="0" smtClean="0">
-                <a:solidFill>
-                  <a:srgbClr val="00B0F0"/>
-                </a:solidFill>
-                <a:hlinkClick r:id="rId6"/>
-              </a:rPr>
-              <a:t>Exemplo</a:t>
-            </a:r>
-            <a:r>
-              <a:rPr lang="pt-BR" sz="1600" dirty="0">
-                <a:solidFill>
-                  <a:srgbClr val="00B0F0"/>
-                </a:solidFill>
-                <a:hlinkClick r:id="rId6"/>
-              </a:rPr>
-              <a:t>: </a:t>
-            </a:r>
-            <a:r>
-              <a:rPr lang="pt-BR" sz="1600" dirty="0" smtClean="0">
-                <a:solidFill>
-                  <a:srgbClr val="00B0F0"/>
-                </a:solidFill>
-                <a:hlinkClick r:id="rId6"/>
-              </a:rPr>
-              <a:t>polynomial_regression.ipynb</a:t>
-            </a:r>
-            <a:endParaRPr lang="pt-BR" sz="1600" dirty="0">
-              <a:solidFill>
-                <a:srgbClr val="00B0F0"/>
-              </a:solidFill>
-            </a:endParaRPr>
-          </a:p>
-        </p:txBody>
-      </p:sp>
     </p:spTree>
     <p:extLst>
       <p:ext uri="{BB962C8B-B14F-4D97-AF65-F5344CB8AC3E}">
@@ -7060,12 +7220,14 @@
         </p:nvSpPr>
         <p:spPr>
           <a:xfrm>
-            <a:off x="838199" y="1825625"/>
-            <a:ext cx="10854447" cy="4351338"/>
+            <a:off x="838199" y="1825624"/>
+            <a:ext cx="11107367" cy="5032376"/>
           </a:xfrm>
         </p:spPr>
         <p:txBody>
-          <a:bodyPr/>
+          <a:bodyPr>
+            <a:normAutofit lnSpcReduction="10000"/>
+          </a:bodyPr>
           <a:lstStyle/>
           <a:p>
             <a:r>
@@ -7200,11 +7362,88 @@
               </a:rPr>
               <a:t>.</a:t>
             </a:r>
-            <a:endParaRPr lang="pt-BR" b="1" dirty="0">
-              <a:solidFill>
-                <a:srgbClr val="FF0000"/>
-              </a:solidFill>
-            </a:endParaRPr>
+          </a:p>
+          <a:p>
+            <a:r>
+              <a:rPr lang="pt-BR" b="1" dirty="0" smtClean="0">
+                <a:solidFill>
+                  <a:srgbClr val="00B050"/>
+                </a:solidFill>
+              </a:rPr>
+              <a:t>Avaliação Presencial: 11/11/2022 – Sala I-17</a:t>
+            </a:r>
+          </a:p>
+          <a:p>
+            <a:pPr lvl="1">
+              <a:buFont typeface="Wingdings" panose="05000000000000000000" pitchFamily="2" charset="2"/>
+              <a:buChar char="§"/>
+            </a:pPr>
+            <a:r>
+              <a:rPr lang="pt-BR" b="1" dirty="0" smtClean="0">
+                <a:solidFill>
+                  <a:srgbClr val="00B050"/>
+                </a:solidFill>
+              </a:rPr>
+              <a:t>Projeto final já se encontra no </a:t>
+            </a:r>
+            <a:r>
+              <a:rPr lang="pt-BR" b="1" dirty="0" err="1" smtClean="0">
+                <a:solidFill>
+                  <a:srgbClr val="00B050"/>
+                </a:solidFill>
+              </a:rPr>
+              <a:t>github</a:t>
+            </a:r>
+            <a:r>
+              <a:rPr lang="pt-BR" b="1" dirty="0" smtClean="0">
+                <a:solidFill>
+                  <a:srgbClr val="00B050"/>
+                </a:solidFill>
+              </a:rPr>
+              <a:t>.</a:t>
+            </a:r>
+          </a:p>
+          <a:p>
+            <a:pPr lvl="1">
+              <a:buFont typeface="Wingdings" panose="05000000000000000000" pitchFamily="2" charset="2"/>
+              <a:buChar char="§"/>
+            </a:pPr>
+            <a:r>
+              <a:rPr lang="pt-BR" b="1" dirty="0" smtClean="0">
+                <a:solidFill>
+                  <a:srgbClr val="00B050"/>
+                </a:solidFill>
+              </a:rPr>
+              <a:t>Pode ser feito em grupo de no máximo 3 alunos.</a:t>
+            </a:r>
+          </a:p>
+          <a:p>
+            <a:pPr lvl="1">
+              <a:buFont typeface="Wingdings" panose="05000000000000000000" pitchFamily="2" charset="2"/>
+              <a:buChar char="§"/>
+            </a:pPr>
+            <a:r>
+              <a:rPr lang="pt-BR" b="1" dirty="0" smtClean="0">
+                <a:solidFill>
+                  <a:srgbClr val="00B050"/>
+                </a:solidFill>
+              </a:rPr>
+              <a:t>Presencialmente, faremos apenas o exercício 1.</a:t>
+            </a:r>
+          </a:p>
+          <a:p>
+            <a:pPr lvl="1">
+              <a:buFont typeface="Wingdings" panose="05000000000000000000" pitchFamily="2" charset="2"/>
+              <a:buChar char="§"/>
+            </a:pPr>
+            <a:r>
+              <a:rPr lang="pt-BR" b="1" dirty="0" smtClean="0">
+                <a:solidFill>
+                  <a:srgbClr val="00B050"/>
+                </a:solidFill>
+              </a:rPr>
+              <a:t>Os outros devem ser entregues até 11/12/2022.</a:t>
+            </a:r>
           </a:p>
         </p:txBody>
       </p:sp>
@@ -7250,7 +7489,7 @@
           <p:cNvPr id="4" name="Título 1">
             <a:extLst>
               <a:ext uri="{FF2B5EF4-FFF2-40B4-BE49-F238E27FC236}">
-                <a16:creationId xmlns="" xmlns:a16="http://schemas.microsoft.com/office/drawing/2014/main" id="{32666AC8-2E17-4DB4-B0F5-60C640CCFD2E}"/>
+                <a16:creationId xmlns:a16="http://schemas.microsoft.com/office/drawing/2014/main" xmlns="" id="{32666AC8-2E17-4DB4-B0F5-60C640CCFD2E}"/>
               </a:ext>
             </a:extLst>
           </p:cNvPr>
@@ -7335,7 +7574,7 @@
           <p:cNvPr id="2050" name="Picture 2" descr="https://miro.medium.com/max/302/1*MpLkcugbeMrJvFlz69LTNQ.jpeg">
             <a:extLst>
               <a:ext uri="{FF2B5EF4-FFF2-40B4-BE49-F238E27FC236}">
-                <a16:creationId xmlns="" xmlns:a16="http://schemas.microsoft.com/office/drawing/2014/main" id="{DE195D4C-7D53-46C2-BDD9-033809B4E028}"/>
+                <a16:creationId xmlns:a16="http://schemas.microsoft.com/office/drawing/2014/main" xmlns="" id="{DE195D4C-7D53-46C2-BDD9-033809B4E028}"/>
               </a:ext>
             </a:extLst>
           </p:cNvPr>
@@ -7382,7 +7621,7 @@
           <p:cNvPr id="2052" name="Picture 4" descr="https://miro.medium.com/max/426/1*iRv8pCP7v8FzVJNe2vAjdw.png">
             <a:extLst>
               <a:ext uri="{FF2B5EF4-FFF2-40B4-BE49-F238E27FC236}">
-                <a16:creationId xmlns="" xmlns:a16="http://schemas.microsoft.com/office/drawing/2014/main" id="{76F9F526-3C2B-485C-9E25-3D10B3E3B0C3}"/>
+                <a16:creationId xmlns:a16="http://schemas.microsoft.com/office/drawing/2014/main" xmlns="" id="{76F9F526-3C2B-485C-9E25-3D10B3E3B0C3}"/>
               </a:ext>
             </a:extLst>
           </p:cNvPr>
@@ -7429,7 +7668,7 @@
           <p:cNvPr id="2054" name="Picture 6" descr="https://miro.medium.com/max/194/1*JugKARhlrp9HLTF5_lN7EQ.jpeg">
             <a:extLst>
               <a:ext uri="{FF2B5EF4-FFF2-40B4-BE49-F238E27FC236}">
-                <a16:creationId xmlns="" xmlns:a16="http://schemas.microsoft.com/office/drawing/2014/main" id="{50D99301-1821-4F05-A553-E371FA6728F0}"/>
+                <a16:creationId xmlns:a16="http://schemas.microsoft.com/office/drawing/2014/main" xmlns="" id="{50D99301-1821-4F05-A553-E371FA6728F0}"/>
               </a:ext>
             </a:extLst>
           </p:cNvPr>
@@ -7500,7 +7739,7 @@
           <p:cNvPr id="3" name="Picture 3" descr="A close up of text on a black background&#10;&#10;Description generated with very high confidence">
             <a:extLst>
               <a:ext uri="{FF2B5EF4-FFF2-40B4-BE49-F238E27FC236}">
-                <a16:creationId xmlns="" xmlns:a16="http://schemas.microsoft.com/office/drawing/2014/main" id="{2A0DF154-7178-4F01-A59C-CD7D1EB3AD92}"/>
+                <a16:creationId xmlns:a16="http://schemas.microsoft.com/office/drawing/2014/main" xmlns="" id="{2A0DF154-7178-4F01-A59C-CD7D1EB3AD92}"/>
               </a:ext>
             </a:extLst>
           </p:cNvPr>
@@ -7691,11 +7930,7 @@
           <a:p>
             <a:r>
               <a:rPr lang="pt-BR" dirty="0" smtClean="0"/>
-              <a:t>Além do ajuste manual, quando usamos GDE ou GD em mini-batches, precisamos reduzir o valor do passo de aprendizagem ao longo das iterações para </a:t>
-            </a:r>
-            <a:r>
-              <a:rPr lang="pt-BR" dirty="0" smtClean="0"/>
-              <a:t>“</a:t>
+              <a:t>Além do ajuste manual, quando usamos GDE ou GD em mini-batches, precisamos reduzir o valor do passo de aprendizagem ao longo das iterações para “</a:t>
             </a:r>
             <a:r>
               <a:rPr lang="pt-BR" i="1" dirty="0" smtClean="0"/>
@@ -7703,31 +7938,14 @@
             </a:r>
             <a:r>
               <a:rPr lang="pt-BR" dirty="0" smtClean="0"/>
-              <a:t>” a </a:t>
-            </a:r>
+              <a:t>” a convergência do GD.</a:t>
+            </a:r>
+          </a:p>
+          <a:p>
             <a:r>
               <a:rPr lang="pt-BR" dirty="0" smtClean="0"/>
-              <a:t>convergência </a:t>
-            </a:r>
-            <a:r>
-              <a:rPr lang="pt-BR" dirty="0" smtClean="0"/>
-              <a:t>do </a:t>
-            </a:r>
-            <a:r>
-              <a:rPr lang="pt-BR" dirty="0" smtClean="0"/>
-              <a:t>GD.</a:t>
-            </a:r>
-          </a:p>
-          <a:p>
-            <a:r>
-              <a:rPr lang="pt-BR" dirty="0" smtClean="0"/>
-              <a:t>Hoje, </a:t>
-            </a:r>
-            <a:r>
-              <a:rPr lang="pt-BR" dirty="0" smtClean="0"/>
-              <a:t>veremos</a:t>
-            </a:r>
-            <a:endParaRPr lang="pt-BR" dirty="0" smtClean="0"/>
+              <a:t>Hoje, veremos</a:t>
+            </a:r>
           </a:p>
           <a:p>
             <a:pPr lvl="1">
@@ -7847,7 +8065,7 @@
           <p:cNvPr id="2" name="Título 1">
             <a:extLst>
               <a:ext uri="{FF2B5EF4-FFF2-40B4-BE49-F238E27FC236}">
-                <a16:creationId xmlns="" xmlns:a16="http://schemas.microsoft.com/office/drawing/2014/main" id="{793142C1-FD08-4328-BCCB-5521CEABA2E7}"/>
+                <a16:creationId xmlns:a16="http://schemas.microsoft.com/office/drawing/2014/main" xmlns="" id="{793142C1-FD08-4328-BCCB-5521CEABA2E7}"/>
               </a:ext>
             </a:extLst>
           </p:cNvPr>
@@ -7870,14 +8088,14 @@
           </a:p>
         </p:txBody>
       </p:sp>
-      <mc:AlternateContent xmlns:mc="http://schemas.openxmlformats.org/markup-compatibility/2006">
-        <mc:Choice xmlns:a14="http://schemas.microsoft.com/office/drawing/2010/main" Requires="a14">
+      <mc:AlternateContent xmlns:mc="http://schemas.openxmlformats.org/markup-compatibility/2006" xmlns:a14="http://schemas.microsoft.com/office/drawing/2010/main">
+        <mc:Choice Requires="a14">
           <p:sp>
             <p:nvSpPr>
               <p:cNvPr id="4" name="Content Placeholder 2">
                 <a:extLst>
                   <a:ext uri="{FF2B5EF4-FFF2-40B4-BE49-F238E27FC236}">
-                    <a16:creationId xmlns="" xmlns:a16="http://schemas.microsoft.com/office/drawing/2014/main" id="{C1642F2F-7A09-459E-9D90-1D9D3103E685}"/>
+                    <a16:creationId xmlns:a16="http://schemas.microsoft.com/office/drawing/2014/main" xmlns="" id="{C1642F2F-7A09-459E-9D90-1D9D3103E685}"/>
                   </a:ext>
                 </a:extLst>
               </p:cNvPr>
@@ -9251,11 +9469,7 @@
                 </a14:m>
                 <a:r>
                   <a:rPr lang="pt-BR" dirty="0" smtClean="0"/>
-                  <a:t> fazem </a:t>
-                </a:r>
-                <a:r>
-                  <a:rPr lang="pt-BR" dirty="0" smtClean="0"/>
-                  <a:t>com que o erro varie rapidamente.</a:t>
+                  <a:t> fazem com que o erro varie rapidamente.</a:t>
                 </a:r>
               </a:p>
               <a:p>
@@ -9315,7 +9529,7 @@
             </p:txBody>
           </p:sp>
         </mc:Choice>
-        <mc:Fallback>
+        <mc:Fallback xmlns="">
           <p:sp>
             <p:nvSpPr>
               <p:cNvPr id="4" name="Content Placeholder 2">
@@ -9447,8 +9661,8 @@
           </a:p>
         </p:txBody>
       </p:sp>
-      <mc:AlternateContent xmlns:mc="http://schemas.openxmlformats.org/markup-compatibility/2006">
-        <mc:Choice xmlns:a14="http://schemas.microsoft.com/office/drawing/2010/main" Requires="a14">
+      <mc:AlternateContent xmlns:mc="http://schemas.openxmlformats.org/markup-compatibility/2006" xmlns:a14="http://schemas.microsoft.com/office/drawing/2010/main">
+        <mc:Choice Requires="a14">
           <p:sp>
             <p:nvSpPr>
               <p:cNvPr id="3" name="Content Placeholder 2"/>
@@ -10217,7 +10431,7 @@
             </p:txBody>
           </p:sp>
         </mc:Choice>
-        <mc:Fallback>
+        <mc:Fallback xmlns="">
           <p:sp>
             <p:nvSpPr>
               <p:cNvPr id="3" name="Content Placeholder 2"/>
@@ -12707,7 +12921,15 @@
           <a:p>
             <a:r>
               <a:rPr lang="pt-BR" dirty="0" smtClean="0"/>
-              <a:t>Até agora, usamos funções hipóteses com formato de hiperplanos, e.g., retas ou planos, mas e se </a:t>
+              <a:t>Até agora, usamos funções hipóteses com formato de hiperplanos, e.g., retas </a:t>
+            </a:r>
+            <a:r>
+              <a:rPr lang="pt-BR" dirty="0" smtClean="0"/>
+              <a:t>e planos</a:t>
+            </a:r>
+            <a:r>
+              <a:rPr lang="pt-BR" dirty="0" smtClean="0"/>
+              <a:t>, mas e se </a:t>
             </a:r>
             <a:r>
               <a:rPr lang="pt-BR" dirty="0"/>
@@ -12751,12 +12973,12 @@
           <a:p>
             <a:pPr lvl="1"/>
             <a:r>
+              <a:rPr lang="pt-BR" b="1" i="1" dirty="0" smtClean="0"/>
+              <a:t>Uma reta não capturaria o comportamento das funções abaixo</a:t>
+            </a:r>
+            <a:r>
               <a:rPr lang="pt-BR" dirty="0" smtClean="0"/>
-              <a:t>Uma</a:t>
-            </a:r>
-            <a:r>
-              <a:rPr lang="pt-BR" dirty="0" smtClean="0"/>
-              <a:t> reta não capturaria o comportamento das funções abaixo, pois ela não tem complexidade (i.e., graus de liberdade) o suficiente para isso.</a:t>
+              <a:t>, pois ela não tem complexidade (i.e., graus de liberdade) o suficiente para isso.</a:t>
             </a:r>
             <a:endParaRPr lang="pt-BR" dirty="0"/>
           </a:p>
@@ -13648,23 +13870,28 @@
                         </m:r>
                       </m:sub>
                     </m:sSub>
+                    <m:d>
+                      <m:dPr>
+                        <m:ctrlPr>
+                          <a:rPr lang="pt-BR" i="1">
+                            <a:latin typeface="Cambria Math" panose="02040503050406030204" pitchFamily="18" charset="0"/>
+                          </a:rPr>
+                        </m:ctrlPr>
+                      </m:dPr>
+                      <m:e>
+                        <m:r>
+                          <a:rPr lang="pt-BR" i="1">
+                            <a:latin typeface="Cambria Math" panose="02040503050406030204" pitchFamily="18" charset="0"/>
+                          </a:rPr>
+                          <m:t>𝑖</m:t>
+                        </m:r>
+                      </m:e>
+                    </m:d>
                     <m:r>
                       <a:rPr lang="pt-BR" i="1">
                         <a:latin typeface="Cambria Math" panose="02040503050406030204" pitchFamily="18" charset="0"/>
                       </a:rPr>
-                      <m:t>(</m:t>
-                    </m:r>
-                    <m:r>
-                      <a:rPr lang="pt-BR" i="1">
-                        <a:latin typeface="Cambria Math" panose="02040503050406030204" pitchFamily="18" charset="0"/>
-                      </a:rPr>
-                      <m:t>𝑖</m:t>
-                    </m:r>
-                    <m:r>
-                      <a:rPr lang="pt-BR" i="1">
-                        <a:latin typeface="Cambria Math" panose="02040503050406030204" pitchFamily="18" charset="0"/>
-                      </a:rPr>
-                      <m:t>)+</m:t>
+                      <m:t>+</m:t>
                     </m:r>
                     <m:sSub>
                       <m:sSubPr>
@@ -13735,23 +13962,28 @@
                         </m:r>
                       </m:sup>
                     </m:sSup>
+                    <m:d>
+                      <m:dPr>
+                        <m:ctrlPr>
+                          <a:rPr lang="pt-BR" i="1">
+                            <a:latin typeface="Cambria Math" panose="02040503050406030204" pitchFamily="18" charset="0"/>
+                          </a:rPr>
+                        </m:ctrlPr>
+                      </m:dPr>
+                      <m:e>
+                        <m:r>
+                          <a:rPr lang="pt-BR" i="1">
+                            <a:latin typeface="Cambria Math" panose="02040503050406030204" pitchFamily="18" charset="0"/>
+                          </a:rPr>
+                          <m:t>𝑖</m:t>
+                        </m:r>
+                      </m:e>
+                    </m:d>
                     <m:r>
                       <a:rPr lang="pt-BR" i="1">
                         <a:latin typeface="Cambria Math" panose="02040503050406030204" pitchFamily="18" charset="0"/>
                       </a:rPr>
-                      <m:t>(</m:t>
-                    </m:r>
-                    <m:r>
-                      <a:rPr lang="pt-BR" i="1">
-                        <a:latin typeface="Cambria Math" panose="02040503050406030204" pitchFamily="18" charset="0"/>
-                      </a:rPr>
-                      <m:t>𝑖</m:t>
-                    </m:r>
-                    <m:r>
-                      <a:rPr lang="pt-BR" i="1">
-                        <a:latin typeface="Cambria Math" panose="02040503050406030204" pitchFamily="18" charset="0"/>
-                      </a:rPr>
-                      <m:t>)+…+</m:t>
+                      <m:t>+…+</m:t>
                     </m:r>
                     <m:sSub>
                       <m:sSubPr>
@@ -13822,20 +14054,74 @@
                         </m:r>
                       </m:sup>
                     </m:sSup>
+                    <m:d>
+                      <m:dPr>
+                        <m:ctrlPr>
+                          <a:rPr lang="pt-BR" i="1">
+                            <a:latin typeface="Cambria Math" panose="02040503050406030204" pitchFamily="18" charset="0"/>
+                          </a:rPr>
+                        </m:ctrlPr>
+                      </m:dPr>
+                      <m:e>
+                        <m:r>
+                          <a:rPr lang="pt-BR" i="1">
+                            <a:latin typeface="Cambria Math" panose="02040503050406030204" pitchFamily="18" charset="0"/>
+                          </a:rPr>
+                          <m:t>𝑖</m:t>
+                        </m:r>
+                      </m:e>
+                    </m:d>
                     <m:r>
-                      <a:rPr lang="pt-BR" i="1">
+                      <a:rPr lang="pt-BR" b="0" i="1" smtClean="0">
+                        <a:latin typeface="Cambria Math" panose="02040503050406030204" pitchFamily="18" charset="0"/>
+                      </a:rPr>
+                      <m:t>=</m:t>
+                    </m:r>
+                    <m:sSup>
+                      <m:sSupPr>
+                        <m:ctrlPr>
+                          <a:rPr lang="pt-BR" b="0" i="1" smtClean="0">
+                            <a:latin typeface="Cambria Math" panose="02040503050406030204" pitchFamily="18" charset="0"/>
+                          </a:rPr>
+                        </m:ctrlPr>
+                      </m:sSupPr>
+                      <m:e>
+                        <m:r>
+                          <a:rPr lang="pt-BR" b="1" i="1" smtClean="0">
+                            <a:latin typeface="Cambria Math" panose="02040503050406030204" pitchFamily="18" charset="0"/>
+                          </a:rPr>
+                          <m:t>𝒂</m:t>
+                        </m:r>
+                      </m:e>
+                      <m:sup>
+                        <m:r>
+                          <a:rPr lang="pt-BR" b="0" i="1" smtClean="0">
+                            <a:latin typeface="Cambria Math" panose="02040503050406030204" pitchFamily="18" charset="0"/>
+                          </a:rPr>
+                          <m:t>𝑇</m:t>
+                        </m:r>
+                      </m:sup>
+                    </m:sSup>
+                    <m:r>
+                      <a:rPr lang="pt-BR" b="1" i="1" smtClean="0">
+                        <a:latin typeface="Cambria Math" panose="02040503050406030204" pitchFamily="18" charset="0"/>
+                      </a:rPr>
+                      <m:t>𝒙</m:t>
+                    </m:r>
+                    <m:r>
+                      <a:rPr lang="pt-BR" b="0" i="1" smtClean="0">
                         <a:latin typeface="Cambria Math" panose="02040503050406030204" pitchFamily="18" charset="0"/>
                       </a:rPr>
                       <m:t>(</m:t>
                     </m:r>
                     <m:r>
-                      <a:rPr lang="pt-BR" i="1">
+                      <a:rPr lang="pt-BR" b="0" i="1" smtClean="0">
                         <a:latin typeface="Cambria Math" panose="02040503050406030204" pitchFamily="18" charset="0"/>
                       </a:rPr>
                       <m:t>𝑖</m:t>
                     </m:r>
                     <m:r>
-                      <a:rPr lang="pt-BR" i="1">
+                      <a:rPr lang="pt-BR" b="0" i="1" smtClean="0">
                         <a:latin typeface="Cambria Math" panose="02040503050406030204" pitchFamily="18" charset="0"/>
                       </a:rPr>
                       <m:t>)</m:t>
@@ -13881,11 +14167,7 @@
                 </a:r>
                 <a:r>
                   <a:rPr lang="pt-BR" dirty="0" smtClean="0"/>
-                  <a:t>vetor </a:t>
-                </a:r>
-                <a:r>
-                  <a:rPr lang="pt-BR" dirty="0" smtClean="0"/>
-                  <a:t>gradiente para o algoritmo do gradiente descendente, escalonamento) </a:t>
+                  <a:t>vetor gradiente para o algoritmo do gradiente descendente, escalonamento) </a:t>
                 </a:r>
                 <a:r>
                   <a:rPr lang="pt-BR" dirty="0"/>
@@ -13911,15 +14193,23 @@
               <a:p>
                 <a:r>
                   <a:rPr lang="pt-BR" dirty="0" smtClean="0"/>
-                  <a:t>Porém, precisamos encontrar a ordem </a:t>
+                  <a:t>Porém, precisamos </a:t>
                 </a:r>
                 <a:r>
-                  <a:rPr lang="pt-BR" dirty="0"/>
+                  <a:rPr lang="pt-BR" b="1" i="1" dirty="0" smtClean="0"/>
+                  <a:t>encontrar a ordem </a:t>
+                </a:r>
+                <a:r>
+                  <a:rPr lang="pt-BR" b="1" i="1" dirty="0"/>
                   <a:t>do </a:t>
                 </a:r>
                 <a:r>
+                  <a:rPr lang="pt-BR" b="1" i="1" dirty="0" smtClean="0"/>
+                  <a:t>polinômio </a:t>
+                </a:r>
+                <a:r>
                   <a:rPr lang="pt-BR" dirty="0" smtClean="0"/>
-                  <a:t>polinômio que melhor aproxime os dados.</a:t>
+                  <a:t>que melhor aproxime os dados.</a:t>
                 </a:r>
                 <a:endParaRPr lang="pt-BR" dirty="0"/>
               </a:p>
@@ -13943,7 +14233,7 @@
                 <a:ext cx="11204643" cy="5032376"/>
               </a:xfrm>
               <a:blipFill rotWithShape="0">
-                <a:blip r:embed="rId2"/>
+                <a:blip r:embed="rId3"/>
                 <a:stretch>
                   <a:fillRect l="-707" t="-2300" r="-1142" b="-1211"/>
                 </a:stretch>
@@ -14075,11 +14365,7 @@
             <a:pPr algn="ctr"/>
             <a:r>
               <a:rPr lang="pt-BR" b="1" dirty="0" smtClean="0"/>
-              <a:t>Função objetivo: polinômio </a:t>
-            </a:r>
-            <a:r>
-              <a:rPr lang="pt-BR" b="1" dirty="0" smtClean="0"/>
-              <a:t>de ordem 2.</a:t>
+              <a:t>Função objetivo: polinômio de ordem 2.</a:t>
             </a:r>
             <a:endParaRPr lang="pt-BR" b="1" dirty="0"/>
           </a:p>
@@ -14121,8 +14407,8 @@
           </a:fontRef>
         </p:style>
       </p:cxnSp>
-      <mc:AlternateContent xmlns:mc="http://schemas.openxmlformats.org/markup-compatibility/2006">
-        <mc:Choice xmlns:a14="http://schemas.microsoft.com/office/drawing/2010/main" Requires="a14">
+      <mc:AlternateContent xmlns:mc="http://schemas.openxmlformats.org/markup-compatibility/2006" xmlns:a14="http://schemas.microsoft.com/office/drawing/2010/main">
+        <mc:Choice Requires="a14">
           <p:sp>
             <p:nvSpPr>
               <p:cNvPr id="3" name="Content Placeholder 2"/>
@@ -14155,17 +14441,12 @@
                 </a:r>
                 <a:r>
                   <a:rPr lang="pt-BR" b="1" i="1" dirty="0" smtClean="0"/>
-                  <a:t>mapeamento </a:t>
-                </a:r>
-                <a:r>
-                  <a:rPr lang="pt-BR" b="1" i="1" dirty="0" smtClean="0"/>
-                  <a:t>verdadeiro (i.e., função objetivo)</a:t>
+                  <a:t>mapeamento verdadeiro (i.e., função objetivo)</a:t>
                 </a:r>
                 <a:r>
                   <a:rPr lang="pt-BR" dirty="0" smtClean="0"/>
                   <a:t>:</a:t>
                 </a:r>
-                <a:endParaRPr lang="pt-BR" dirty="0" smtClean="0"/>
               </a:p>
               <a:p>
                 <a:pPr marL="0" indent="0" algn="ctr">
@@ -14719,16 +15000,11 @@
                   <a:rPr lang="pt-BR" dirty="0" smtClean="0"/>
                   <a:t> para aproximar a função objetivo. </a:t>
                 </a:r>
-                <a:endParaRPr lang="pt-BR" dirty="0" smtClean="0"/>
               </a:p>
               <a:p>
                 <a:r>
                   <a:rPr lang="pt-BR" dirty="0" smtClean="0"/>
-                  <a:t>Porém, surge </a:t>
-                </a:r>
-                <a:r>
-                  <a:rPr lang="pt-BR" dirty="0" smtClean="0"/>
-                  <a:t>uma dúvida, </a:t>
+                  <a:t>Porém, surge uma dúvida, </a:t>
                 </a:r>
                 <a:r>
                   <a:rPr lang="pt-BR" b="1" i="1" dirty="0" smtClean="0"/>
@@ -14743,7 +15019,7 @@
             </p:txBody>
           </p:sp>
         </mc:Choice>
-        <mc:Fallback>
+        <mc:Fallback xmlns="">
           <p:sp>
             <p:nvSpPr>
               <p:cNvPr id="3" name="Content Placeholder 2"/>
@@ -14781,6 +15057,95 @@
           </p:sp>
         </mc:Fallback>
       </mc:AlternateContent>
+      <p:sp>
+        <p:nvSpPr>
+          <p:cNvPr id="6" name="CaixaDeTexto 5"/>
+          <p:cNvSpPr txBox="1"/>
+          <p:nvPr/>
+        </p:nvSpPr>
+        <p:spPr>
+          <a:xfrm>
+            <a:off x="7991856" y="5413062"/>
+            <a:ext cx="4152017" cy="738664"/>
+          </a:xfrm>
+          <a:prstGeom prst="rect">
+            <a:avLst/>
+          </a:prstGeom>
+          <a:noFill/>
+        </p:spPr>
+        <p:txBody>
+          <a:bodyPr wrap="square" rtlCol="0">
+            <a:spAutoFit/>
+          </a:bodyPr>
+          <a:lstStyle/>
+          <a:p>
+            <a:pPr algn="ctr"/>
+            <a:r>
+              <a:rPr lang="pt-BR" sz="1400" dirty="0" smtClean="0"/>
+              <a:t>A partir do dados ruidosos, queremos encontrar um polinômio (pesos e ordem) que melhor se aproxime da função objetivo.</a:t>
+            </a:r>
+            <a:endParaRPr lang="pt-BR" sz="1400" dirty="0"/>
+          </a:p>
+        </p:txBody>
+      </p:sp>
+      <p:sp>
+        <p:nvSpPr>
+          <p:cNvPr id="8" name="TextBox 13"/>
+          <p:cNvSpPr txBox="1"/>
+          <p:nvPr/>
+        </p:nvSpPr>
+        <p:spPr>
+          <a:xfrm>
+            <a:off x="8664709" y="6519446"/>
+            <a:ext cx="3381375" cy="338554"/>
+          </a:xfrm>
+          <a:prstGeom prst="rect">
+            <a:avLst/>
+          </a:prstGeom>
+          <a:noFill/>
+        </p:spPr>
+        <p:txBody>
+          <a:bodyPr wrap="square" rtlCol="0">
+            <a:spAutoFit/>
+          </a:bodyPr>
+          <a:lstStyle/>
+          <a:p>
+            <a:pPr algn="ctr"/>
+            <a:r>
+              <a:rPr lang="pt-BR" sz="1600" dirty="0" smtClean="0">
+                <a:solidFill>
+                  <a:srgbClr val="00B0F0"/>
+                </a:solidFill>
+                <a:hlinkClick r:id="rId4"/>
+              </a:rPr>
+              <a:t>Exemplo</a:t>
+            </a:r>
+            <a:r>
+              <a:rPr lang="pt-BR" sz="1600" dirty="0">
+                <a:solidFill>
+                  <a:srgbClr val="00B0F0"/>
+                </a:solidFill>
+                <a:hlinkClick r:id="rId4"/>
+              </a:rPr>
+              <a:t>: </a:t>
+            </a:r>
+            <a:r>
+              <a:rPr lang="pt-BR" sz="1600" dirty="0" smtClean="0">
+                <a:solidFill>
+                  <a:srgbClr val="00B0F0"/>
+                </a:solidFill>
+                <a:hlinkClick r:id="rId4"/>
+              </a:rPr>
+              <a:t>polynomial_regression.ipynb</a:t>
+            </a:r>
+            <a:endParaRPr lang="pt-BR" sz="1600" dirty="0">
+              <a:solidFill>
+                <a:srgbClr val="00B0F0"/>
+              </a:solidFill>
+            </a:endParaRPr>
+          </a:p>
+        </p:txBody>
+      </p:sp>
     </p:spTree>
     <p:extLst>
       <p:ext uri="{BB962C8B-B14F-4D97-AF65-F5344CB8AC3E}">

--- a/slides/T319_Regressão_Linear (Parte IV).pptx
+++ b/slides/T319_Regressão_Linear (Parte IV).pptx
@@ -537,7 +537,7 @@
           <a:p>
             <a:fld id="{DAF0AF11-6A8A-4E64-94F5-26D4FBA2A01D}" type="datetimeFigureOut">
               <a:rPr lang="nl-BE" smtClean="0"/>
-              <a:t>28/10/2022</a:t>
+              <a:t>5/05/2023</a:t>
             </a:fld>
             <a:endParaRPr lang="nl-BE"/>
           </a:p>
@@ -2189,6 +2189,88 @@
                 <a:ea typeface="+mn-ea"/>
                 <a:cs typeface="+mn-cs"/>
               </a:rPr>
+              <a:t>O </a:t>
+            </a:r>
+            <a:r>
+              <a:rPr lang="en-US" sz="1200" b="0" i="0" kern="1200" dirty="0" err="1" smtClean="0">
+                <a:solidFill>
+                  <a:schemeClr val="tx1"/>
+                </a:solidFill>
+                <a:effectLst/>
+                <a:latin typeface="+mn-lt"/>
+                <a:ea typeface="+mn-ea"/>
+                <a:cs typeface="+mn-cs"/>
+              </a:rPr>
+              <a:t>teorema</a:t>
+            </a:r>
+            <a:r>
+              <a:rPr lang="en-US" sz="1200" b="0" i="0" kern="1200" baseline="0" dirty="0" smtClean="0">
+                <a:solidFill>
+                  <a:schemeClr val="tx1"/>
+                </a:solidFill>
+                <a:effectLst/>
+                <a:latin typeface="+mn-lt"/>
+                <a:ea typeface="+mn-ea"/>
+                <a:cs typeface="+mn-cs"/>
+              </a:rPr>
+              <a:t> f</a:t>
+            </a:r>
+            <a:r>
+              <a:rPr lang="pt-BR" sz="1200" b="0" i="0" kern="1200" dirty="0" err="1" smtClean="0">
+                <a:solidFill>
+                  <a:schemeClr val="tx1"/>
+                </a:solidFill>
+                <a:effectLst/>
+                <a:latin typeface="+mn-lt"/>
+                <a:ea typeface="+mn-ea"/>
+                <a:cs typeface="+mn-cs"/>
+              </a:rPr>
+              <a:t>ornece</a:t>
+            </a:r>
+            <a:r>
+              <a:rPr lang="pt-BR" sz="1200" b="0" i="0" kern="1200" dirty="0" smtClean="0">
+                <a:solidFill>
+                  <a:schemeClr val="tx1"/>
+                </a:solidFill>
+                <a:effectLst/>
+                <a:latin typeface="+mn-lt"/>
+                <a:ea typeface="+mn-ea"/>
+                <a:cs typeface="+mn-cs"/>
+              </a:rPr>
+              <a:t> uma maneira de aproximar funções complexas e não polinomiais por meio de polinômios simples.</a:t>
+            </a:r>
+            <a:endParaRPr lang="en-US" sz="1200" b="0" i="0" kern="1200" dirty="0" smtClean="0">
+              <a:solidFill>
+                <a:schemeClr val="tx1"/>
+              </a:solidFill>
+              <a:effectLst/>
+              <a:latin typeface="+mn-lt"/>
+              <a:ea typeface="+mn-ea"/>
+              <a:cs typeface="+mn-cs"/>
+            </a:endParaRPr>
+          </a:p>
+          <a:p>
+            <a:endParaRPr lang="en-US" sz="1200" b="0" i="0" kern="1200" dirty="0" smtClean="0">
+              <a:solidFill>
+                <a:schemeClr val="tx1"/>
+              </a:solidFill>
+              <a:effectLst/>
+              <a:latin typeface="+mn-lt"/>
+              <a:ea typeface="+mn-ea"/>
+              <a:cs typeface="+mn-cs"/>
+            </a:endParaRPr>
+          </a:p>
+          <a:p>
+            <a:r>
+              <a:rPr lang="en-US" sz="1200" b="0" i="0" kern="1200" dirty="0" smtClean="0">
+                <a:solidFill>
+                  <a:schemeClr val="tx1"/>
+                </a:solidFill>
+                <a:effectLst/>
+                <a:latin typeface="+mn-lt"/>
+                <a:ea typeface="+mn-ea"/>
+                <a:cs typeface="+mn-cs"/>
+              </a:rPr>
               <a:t>The </a:t>
             </a:r>
             <a:r>
@@ -3445,7 +3527,7 @@
           <a:p>
             <a:fld id="{C80E15A5-E95B-43EB-9AC7-9A96397448C0}" type="datetimeFigureOut">
               <a:rPr lang="nl-BE" smtClean="0"/>
-              <a:t>28/10/2022</a:t>
+              <a:t>5/05/2023</a:t>
             </a:fld>
             <a:endParaRPr lang="nl-BE"/>
           </a:p>
@@ -3615,7 +3697,7 @@
           <a:p>
             <a:fld id="{C80E15A5-E95B-43EB-9AC7-9A96397448C0}" type="datetimeFigureOut">
               <a:rPr lang="nl-BE" smtClean="0"/>
-              <a:t>28/10/2022</a:t>
+              <a:t>5/05/2023</a:t>
             </a:fld>
             <a:endParaRPr lang="nl-BE"/>
           </a:p>
@@ -3795,7 +3877,7 @@
           <a:p>
             <a:fld id="{C80E15A5-E95B-43EB-9AC7-9A96397448C0}" type="datetimeFigureOut">
               <a:rPr lang="nl-BE" smtClean="0"/>
-              <a:t>28/10/2022</a:t>
+              <a:t>5/05/2023</a:t>
             </a:fld>
             <a:endParaRPr lang="nl-BE"/>
           </a:p>
@@ -3965,7 +4047,7 @@
           <a:p>
             <a:fld id="{C80E15A5-E95B-43EB-9AC7-9A96397448C0}" type="datetimeFigureOut">
               <a:rPr lang="nl-BE" smtClean="0"/>
-              <a:t>28/10/2022</a:t>
+              <a:t>5/05/2023</a:t>
             </a:fld>
             <a:endParaRPr lang="nl-BE"/>
           </a:p>
@@ -4211,7 +4293,7 @@
           <a:p>
             <a:fld id="{C80E15A5-E95B-43EB-9AC7-9A96397448C0}" type="datetimeFigureOut">
               <a:rPr lang="nl-BE" smtClean="0"/>
-              <a:t>28/10/2022</a:t>
+              <a:t>5/05/2023</a:t>
             </a:fld>
             <a:endParaRPr lang="nl-BE"/>
           </a:p>
@@ -4443,7 +4525,7 @@
           <a:p>
             <a:fld id="{C80E15A5-E95B-43EB-9AC7-9A96397448C0}" type="datetimeFigureOut">
               <a:rPr lang="nl-BE" smtClean="0"/>
-              <a:t>28/10/2022</a:t>
+              <a:t>5/05/2023</a:t>
             </a:fld>
             <a:endParaRPr lang="nl-BE"/>
           </a:p>
@@ -4810,7 +4892,7 @@
           <a:p>
             <a:fld id="{C80E15A5-E95B-43EB-9AC7-9A96397448C0}" type="datetimeFigureOut">
               <a:rPr lang="nl-BE" smtClean="0"/>
-              <a:t>28/10/2022</a:t>
+              <a:t>5/05/2023</a:t>
             </a:fld>
             <a:endParaRPr lang="nl-BE"/>
           </a:p>
@@ -4928,7 +5010,7 @@
           <a:p>
             <a:fld id="{C80E15A5-E95B-43EB-9AC7-9A96397448C0}" type="datetimeFigureOut">
               <a:rPr lang="nl-BE" smtClean="0"/>
-              <a:t>28/10/2022</a:t>
+              <a:t>5/05/2023</a:t>
             </a:fld>
             <a:endParaRPr lang="nl-BE"/>
           </a:p>
@@ -5023,7 +5105,7 @@
           <a:p>
             <a:fld id="{C80E15A5-E95B-43EB-9AC7-9A96397448C0}" type="datetimeFigureOut">
               <a:rPr lang="nl-BE" smtClean="0"/>
-              <a:t>28/10/2022</a:t>
+              <a:t>5/05/2023</a:t>
             </a:fld>
             <a:endParaRPr lang="nl-BE"/>
           </a:p>
@@ -5300,7 +5382,7 @@
           <a:p>
             <a:fld id="{C80E15A5-E95B-43EB-9AC7-9A96397448C0}" type="datetimeFigureOut">
               <a:rPr lang="nl-BE" smtClean="0"/>
-              <a:t>28/10/2022</a:t>
+              <a:t>5/05/2023</a:t>
             </a:fld>
             <a:endParaRPr lang="nl-BE"/>
           </a:p>
@@ -5553,7 +5635,7 @@
           <a:p>
             <a:fld id="{C80E15A5-E95B-43EB-9AC7-9A96397448C0}" type="datetimeFigureOut">
               <a:rPr lang="nl-BE" smtClean="0"/>
-              <a:t>28/10/2022</a:t>
+              <a:t>5/05/2023</a:t>
             </a:fld>
             <a:endParaRPr lang="nl-BE"/>
           </a:p>
@@ -5766,7 +5848,7 @@
           <a:p>
             <a:fld id="{C80E15A5-E95B-43EB-9AC7-9A96397448C0}" type="datetimeFigureOut">
               <a:rPr lang="nl-BE" smtClean="0"/>
-              <a:t>28/10/2022</a:t>
+              <a:t>5/05/2023</a:t>
             </a:fld>
             <a:endParaRPr lang="nl-BE"/>
           </a:p>
@@ -6176,7 +6258,7 @@
           <p:cNvPr id="2" name="Título 1">
             <a:extLst>
               <a:ext uri="{FF2B5EF4-FFF2-40B4-BE49-F238E27FC236}">
-                <a16:creationId xmlns:a16="http://schemas.microsoft.com/office/drawing/2014/main" xmlns="" id="{32666AC8-2E17-4DB4-B0F5-60C640CCFD2E}"/>
+                <a16:creationId xmlns="" xmlns:a16="http://schemas.microsoft.com/office/drawing/2014/main" id="{32666AC8-2E17-4DB4-B0F5-60C640CCFD2E}"/>
               </a:ext>
             </a:extLst>
           </p:cNvPr>
@@ -6235,7 +6317,7 @@
           <p:cNvPr id="4" name="CaixaDeTexto 3">
             <a:extLst>
               <a:ext uri="{FF2B5EF4-FFF2-40B4-BE49-F238E27FC236}">
-                <a16:creationId xmlns:a16="http://schemas.microsoft.com/office/drawing/2014/main" xmlns="" id="{430EB894-B7D4-434C-9D1A-A14094D9BEEC}"/>
+                <a16:creationId xmlns="" xmlns:a16="http://schemas.microsoft.com/office/drawing/2014/main" id="{430EB894-B7D4-434C-9D1A-A14094D9BEEC}"/>
               </a:ext>
             </a:extLst>
           </p:cNvPr>
@@ -6276,7 +6358,7 @@
           <p:cNvPr id="1026" name="Picture 2" descr="Logo">
             <a:extLst>
               <a:ext uri="{FF2B5EF4-FFF2-40B4-BE49-F238E27FC236}">
-                <a16:creationId xmlns:a16="http://schemas.microsoft.com/office/drawing/2014/main" xmlns="" id="{3F2642E0-4F6A-4196-8F58-E77D36E9A33F}"/>
+                <a16:creationId xmlns="" xmlns:a16="http://schemas.microsoft.com/office/drawing/2014/main" id="{3F2642E0-4F6A-4196-8F58-E77D36E9A33F}"/>
               </a:ext>
             </a:extLst>
           </p:cNvPr>
@@ -6321,7 +6403,7 @@
           <p:cNvPr id="5122" name="Picture 2" descr="Image result for machine learning">
             <a:extLst>
               <a:ext uri="{FF2B5EF4-FFF2-40B4-BE49-F238E27FC236}">
-                <a16:creationId xmlns:a16="http://schemas.microsoft.com/office/drawing/2014/main" xmlns="" id="{810CE0A2-4102-44A6-A370-175E7896CDCB}"/>
+                <a16:creationId xmlns="" xmlns:a16="http://schemas.microsoft.com/office/drawing/2014/main" id="{810CE0A2-4102-44A6-A370-175E7896CDCB}"/>
               </a:ext>
             </a:extLst>
           </p:cNvPr>
@@ -7110,7 +7192,7 @@
               <a:t>relação de compromisso entre </a:t>
             </a:r>
             <a:r>
-              <a:rPr lang="pt-BR" b="1" dirty="0"/>
+              <a:rPr lang="pt-BR" b="1" i="1" dirty="0"/>
               <a:t>flexibilidade</a:t>
             </a:r>
             <a:r>
@@ -7118,8 +7200,12 @@
               <a:t> e </a:t>
             </a:r>
             <a:r>
+              <a:rPr lang="pt-BR" b="1" i="1" dirty="0" smtClean="0"/>
+              <a:t>generalização</a:t>
+            </a:r>
+            <a:r>
               <a:rPr lang="pt-BR" b="1" dirty="0" smtClean="0"/>
-              <a:t>generalização </a:t>
+              <a:t> </a:t>
             </a:r>
             <a:r>
               <a:rPr lang="pt-BR" dirty="0" smtClean="0"/>
@@ -7370,8 +7456,37 @@
                   <a:srgbClr val="00B050"/>
                 </a:solidFill>
               </a:rPr>
-              <a:t>Avaliação Presencial: 11/11/2022 – Sala I-17</a:t>
-            </a:r>
+              <a:t>Avaliação Presencial: </a:t>
+            </a:r>
+            <a:r>
+              <a:rPr lang="pt-BR" b="1" dirty="0" smtClean="0">
+                <a:solidFill>
+                  <a:srgbClr val="00B050"/>
+                </a:solidFill>
+              </a:rPr>
+              <a:t>19/05/2023 </a:t>
+            </a:r>
+            <a:r>
+              <a:rPr lang="pt-BR" b="1" dirty="0" smtClean="0">
+                <a:solidFill>
+                  <a:srgbClr val="00B050"/>
+                </a:solidFill>
+              </a:rPr>
+              <a:t>– Sala </a:t>
+            </a:r>
+            <a:r>
+              <a:rPr lang="pt-BR" b="1" dirty="0" smtClean="0">
+                <a:solidFill>
+                  <a:srgbClr val="00B050"/>
+                </a:solidFill>
+              </a:rPr>
+              <a:t>I-20</a:t>
+            </a:r>
+            <a:endParaRPr lang="pt-BR" b="1" dirty="0" smtClean="0">
+              <a:solidFill>
+                <a:srgbClr val="00B050"/>
+              </a:solidFill>
+            </a:endParaRPr>
           </a:p>
           <a:p>
             <a:pPr lvl="1">
@@ -7442,11 +7557,83 @@
                   <a:srgbClr val="00B050"/>
                 </a:solidFill>
               </a:rPr>
-              <a:t>Os outros devem ser entregues até 11/12/2022.</a:t>
-            </a:r>
+              <a:t>Os outros devem ser entregues até </a:t>
+            </a:r>
+            <a:r>
+              <a:rPr lang="pt-BR" b="1" dirty="0" smtClean="0">
+                <a:solidFill>
+                  <a:srgbClr val="00B050"/>
+                </a:solidFill>
+              </a:rPr>
+              <a:t>18/06/2023.</a:t>
+            </a:r>
+            <a:endParaRPr lang="pt-BR" b="1" dirty="0" smtClean="0">
+              <a:solidFill>
+                <a:srgbClr val="00B050"/>
+              </a:solidFill>
+            </a:endParaRPr>
           </a:p>
         </p:txBody>
       </p:sp>
+      <p:pic>
+        <p:nvPicPr>
+          <p:cNvPr id="4" name="Imagem 3"/>
+          <p:cNvPicPr>
+            <a:picLocks noChangeAspect="1"/>
+          </p:cNvPicPr>
+          <p:nvPr/>
+        </p:nvPicPr>
+        <p:blipFill rotWithShape="1">
+          <a:blip r:embed="rId5"/>
+          <a:srcRect t="7718" r="32372"/>
+          <a:stretch/>
+        </p:blipFill>
+        <p:spPr>
+          <a:xfrm>
+            <a:off x="9173184" y="4526916"/>
+            <a:ext cx="1799618" cy="2095290"/>
+          </a:xfrm>
+          <a:prstGeom prst="rect">
+            <a:avLst/>
+          </a:prstGeom>
+        </p:spPr>
+      </p:pic>
+      <p:cxnSp>
+        <p:nvCxnSpPr>
+          <p:cNvPr id="6" name="Conector de seta reta 5"/>
+          <p:cNvCxnSpPr/>
+          <p:nvPr/>
+        </p:nvCxnSpPr>
+        <p:spPr>
+          <a:xfrm>
+            <a:off x="6517532" y="5486400"/>
+            <a:ext cx="2655652" cy="418289"/>
+          </a:xfrm>
+          <a:prstGeom prst="straightConnector1">
+            <a:avLst/>
+          </a:prstGeom>
+          <a:ln>
+            <a:solidFill>
+              <a:srgbClr val="FF0000"/>
+            </a:solidFill>
+            <a:tailEnd type="triangle"/>
+          </a:ln>
+        </p:spPr>
+        <p:style>
+          <a:lnRef idx="1">
+            <a:schemeClr val="accent1"/>
+          </a:lnRef>
+          <a:fillRef idx="0">
+            <a:schemeClr val="accent1"/>
+          </a:fillRef>
+          <a:effectRef idx="0">
+            <a:schemeClr val="accent1"/>
+          </a:effectRef>
+          <a:fontRef idx="minor">
+            <a:schemeClr val="tx1"/>
+          </a:fontRef>
+        </p:style>
+      </p:cxnSp>
     </p:spTree>
     <p:extLst>
       <p:ext uri="{BB962C8B-B14F-4D97-AF65-F5344CB8AC3E}">
@@ -7489,7 +7676,7 @@
           <p:cNvPr id="4" name="Título 1">
             <a:extLst>
               <a:ext uri="{FF2B5EF4-FFF2-40B4-BE49-F238E27FC236}">
-                <a16:creationId xmlns:a16="http://schemas.microsoft.com/office/drawing/2014/main" xmlns="" id="{32666AC8-2E17-4DB4-B0F5-60C640CCFD2E}"/>
+                <a16:creationId xmlns="" xmlns:a16="http://schemas.microsoft.com/office/drawing/2014/main" id="{32666AC8-2E17-4DB4-B0F5-60C640CCFD2E}"/>
               </a:ext>
             </a:extLst>
           </p:cNvPr>
@@ -7574,7 +7761,7 @@
           <p:cNvPr id="2050" name="Picture 2" descr="https://miro.medium.com/max/302/1*MpLkcugbeMrJvFlz69LTNQ.jpeg">
             <a:extLst>
               <a:ext uri="{FF2B5EF4-FFF2-40B4-BE49-F238E27FC236}">
-                <a16:creationId xmlns:a16="http://schemas.microsoft.com/office/drawing/2014/main" xmlns="" id="{DE195D4C-7D53-46C2-BDD9-033809B4E028}"/>
+                <a16:creationId xmlns="" xmlns:a16="http://schemas.microsoft.com/office/drawing/2014/main" id="{DE195D4C-7D53-46C2-BDD9-033809B4E028}"/>
               </a:ext>
             </a:extLst>
           </p:cNvPr>
@@ -7621,7 +7808,7 @@
           <p:cNvPr id="2052" name="Picture 4" descr="https://miro.medium.com/max/426/1*iRv8pCP7v8FzVJNe2vAjdw.png">
             <a:extLst>
               <a:ext uri="{FF2B5EF4-FFF2-40B4-BE49-F238E27FC236}">
-                <a16:creationId xmlns:a16="http://schemas.microsoft.com/office/drawing/2014/main" xmlns="" id="{76F9F526-3C2B-485C-9E25-3D10B3E3B0C3}"/>
+                <a16:creationId xmlns="" xmlns:a16="http://schemas.microsoft.com/office/drawing/2014/main" id="{76F9F526-3C2B-485C-9E25-3D10B3E3B0C3}"/>
               </a:ext>
             </a:extLst>
           </p:cNvPr>
@@ -7668,7 +7855,7 @@
           <p:cNvPr id="2054" name="Picture 6" descr="https://miro.medium.com/max/194/1*JugKARhlrp9HLTF5_lN7EQ.jpeg">
             <a:extLst>
               <a:ext uri="{FF2B5EF4-FFF2-40B4-BE49-F238E27FC236}">
-                <a16:creationId xmlns:a16="http://schemas.microsoft.com/office/drawing/2014/main" xmlns="" id="{50D99301-1821-4F05-A553-E371FA6728F0}"/>
+                <a16:creationId xmlns="" xmlns:a16="http://schemas.microsoft.com/office/drawing/2014/main" id="{50D99301-1821-4F05-A553-E371FA6728F0}"/>
               </a:ext>
             </a:extLst>
           </p:cNvPr>
@@ -7739,7 +7926,7 @@
           <p:cNvPr id="3" name="Picture 3" descr="A close up of text on a black background&#10;&#10;Description generated with very high confidence">
             <a:extLst>
               <a:ext uri="{FF2B5EF4-FFF2-40B4-BE49-F238E27FC236}">
-                <a16:creationId xmlns:a16="http://schemas.microsoft.com/office/drawing/2014/main" xmlns="" id="{2A0DF154-7178-4F01-A59C-CD7D1EB3AD92}"/>
+                <a16:creationId xmlns="" xmlns:a16="http://schemas.microsoft.com/office/drawing/2014/main" id="{2A0DF154-7178-4F01-A59C-CD7D1EB3AD92}"/>
               </a:ext>
             </a:extLst>
           </p:cNvPr>
@@ -8065,7 +8252,7 @@
           <p:cNvPr id="2" name="Título 1">
             <a:extLst>
               <a:ext uri="{FF2B5EF4-FFF2-40B4-BE49-F238E27FC236}">
-                <a16:creationId xmlns:a16="http://schemas.microsoft.com/office/drawing/2014/main" xmlns="" id="{793142C1-FD08-4328-BCCB-5521CEABA2E7}"/>
+                <a16:creationId xmlns="" xmlns:a16="http://schemas.microsoft.com/office/drawing/2014/main" id="{793142C1-FD08-4328-BCCB-5521CEABA2E7}"/>
               </a:ext>
             </a:extLst>
           </p:cNvPr>
@@ -8095,7 +8282,7 @@
               <p:cNvPr id="4" name="Content Placeholder 2">
                 <a:extLst>
                   <a:ext uri="{FF2B5EF4-FFF2-40B4-BE49-F238E27FC236}">
-                    <a16:creationId xmlns:a16="http://schemas.microsoft.com/office/drawing/2014/main" xmlns="" id="{C1642F2F-7A09-459E-9D90-1D9D3103E685}"/>
+                    <a16:creationId xmlns="" xmlns:a16="http://schemas.microsoft.com/office/drawing/2014/main" id="{C1642F2F-7A09-459E-9D90-1D9D3103E685}"/>
                   </a:ext>
                 </a:extLst>
               </p:cNvPr>
@@ -12921,22 +13108,26 @@
           <a:p>
             <a:r>
               <a:rPr lang="pt-BR" dirty="0" smtClean="0"/>
-              <a:t>Até agora, usamos funções hipóteses com formato de hiperplanos, e.g., retas </a:t>
+              <a:t>Até agora, </a:t>
+            </a:r>
+            <a:r>
+              <a:rPr lang="pt-BR" b="1" i="1" dirty="0" smtClean="0"/>
+              <a:t>usamos funções hipóteses com formato de hiperplanos</a:t>
             </a:r>
             <a:r>
               <a:rPr lang="pt-BR" dirty="0" smtClean="0"/>
-              <a:t>e planos</a:t>
-            </a:r>
-            <a:r>
-              <a:rPr lang="pt-BR" dirty="0" smtClean="0"/>
-              <a:t>, mas e se </a:t>
+              <a:t>, e.g., retas e planos, mas e se </a:t>
             </a:r>
             <a:r>
               <a:rPr lang="pt-BR" dirty="0"/>
-              <a:t>os dados </a:t>
-            </a:r>
-            <a:r>
-              <a:rPr lang="pt-BR" dirty="0" smtClean="0"/>
+              <a:t>os </a:t>
+            </a:r>
+            <a:r>
+              <a:rPr lang="pt-BR" b="1" i="1" dirty="0"/>
+              <a:t>dados </a:t>
+            </a:r>
+            <a:r>
+              <a:rPr lang="pt-BR" b="1" i="1" dirty="0" smtClean="0"/>
               <a:t>tiverem um formato mais complexo </a:t>
             </a:r>
             <a:r>
@@ -12971,7 +13162,10 @@
             <a:endParaRPr lang="pt-BR" dirty="0" smtClean="0"/>
           </a:p>
           <a:p>
-            <a:pPr lvl="1"/>
+            <a:pPr lvl="1">
+              <a:buFont typeface="Wingdings" panose="05000000000000000000" pitchFamily="2" charset="2"/>
+              <a:buChar char="§"/>
+            </a:pPr>
             <a:r>
               <a:rPr lang="pt-BR" b="1" i="1" dirty="0" smtClean="0"/>
               <a:t>Uma reta não capturaria o comportamento das funções abaixo</a:t>
@@ -13136,7 +13330,7 @@
             </p:spPr>
             <p:txBody>
               <a:bodyPr>
-                <a:normAutofit fontScale="85000" lnSpcReduction="10000"/>
+                <a:normAutofit fontScale="85000" lnSpcReduction="20000"/>
               </a:bodyPr>
               <a:lstStyle/>
               <a:p>
@@ -13150,7 +13344,23 @@
                 </a:r>
                 <a:r>
                   <a:rPr lang="pt-BR" dirty="0" smtClean="0"/>
-                  <a:t>, sabemos que dados deste tipo podem ser aproximados através de </a:t>
+                  <a:t>, sabemos que </a:t>
+                </a:r>
+                <a:r>
+                  <a:rPr lang="pt-BR" dirty="0" smtClean="0"/>
+                  <a:t>funções deste </a:t>
+                </a:r>
+                <a:r>
+                  <a:rPr lang="pt-BR" dirty="0" smtClean="0"/>
+                  <a:t>tipo podem ser </a:t>
+                </a:r>
+                <a:r>
+                  <a:rPr lang="pt-BR" dirty="0" smtClean="0"/>
+                  <a:t>aproximadas </a:t>
+                </a:r>
+                <a:r>
+                  <a:rPr lang="pt-BR" dirty="0" smtClean="0"/>
+                  <a:t>através de </a:t>
                 </a:r>
                 <a:r>
                   <a:rPr lang="pt-BR" b="1" i="1" dirty="0" smtClean="0"/>
@@ -13190,7 +13400,23 @@
               <a:p>
                 <a:r>
                   <a:rPr lang="pt-BR" dirty="0" smtClean="0"/>
-                  <a:t>Portanto, podemos aproximar dados de qualquer formato com polinômios:</a:t>
+                  <a:t>Portanto, podemos aproximar </a:t>
+                </a:r>
+                <a:r>
+                  <a:rPr lang="pt-BR" dirty="0" smtClean="0"/>
+                  <a:t>funções de </a:t>
+                </a:r>
+                <a:r>
+                  <a:rPr lang="pt-BR" dirty="0" smtClean="0"/>
+                  <a:t>qualquer </a:t>
+                </a:r>
+                <a:r>
+                  <a:rPr lang="pt-BR" dirty="0" smtClean="0"/>
+                  <a:t>formato/complexidade </a:t>
+                </a:r>
+                <a:r>
+                  <a:rPr lang="pt-BR" dirty="0" smtClean="0"/>
+                  <a:t>com polinômios:</a:t>
                 </a:r>
               </a:p>
               <a:p>
@@ -14193,7 +14419,11 @@
               <a:p>
                 <a:r>
                   <a:rPr lang="pt-BR" dirty="0" smtClean="0"/>
-                  <a:t>Porém, precisamos </a:t>
+                  <a:t>Porém, </a:t>
+                </a:r>
+                <a:r>
+                  <a:rPr lang="pt-BR" dirty="0" smtClean="0"/>
+                  <a:t>o desafio agora é que precisamos </a:t>
                 </a:r>
                 <a:r>
                   <a:rPr lang="pt-BR" b="1" i="1" dirty="0" smtClean="0"/>
@@ -14235,7 +14465,7 @@
               <a:blipFill rotWithShape="0">
                 <a:blip r:embed="rId3"/>
                 <a:stretch>
-                  <a:fillRect l="-707" t="-2300" r="-1142" b="-1211"/>
+                  <a:fillRect l="-707" t="-2785" r="-1142" b="-2421"/>
                 </a:stretch>
               </a:blipFill>
             </p:spPr>

--- a/slides/T319_Regressão_Linear (Parte IV).pptx
+++ b/slides/T319_Regressão_Linear (Parte IV).pptx
@@ -545,7 +545,7 @@
           <a:p>
             <a:fld id="{DAF0AF11-6A8A-4E64-94F5-26D4FBA2A01D}" type="datetimeFigureOut">
               <a:rPr lang="nl-BE" smtClean="0"/>
-              <a:t>1/09/2023</a:t>
+              <a:t>10/10/2023</a:t>
             </a:fld>
             <a:endParaRPr lang="nl-BE"/>
           </a:p>
@@ -4105,7 +4105,7 @@
           <a:p>
             <a:fld id="{C80E15A5-E95B-43EB-9AC7-9A96397448C0}" type="datetimeFigureOut">
               <a:rPr lang="nl-BE" smtClean="0"/>
-              <a:t>1/09/2023</a:t>
+              <a:t>10/10/2023</a:t>
             </a:fld>
             <a:endParaRPr lang="nl-BE"/>
           </a:p>
@@ -4275,7 +4275,7 @@
           <a:p>
             <a:fld id="{C80E15A5-E95B-43EB-9AC7-9A96397448C0}" type="datetimeFigureOut">
               <a:rPr lang="nl-BE" smtClean="0"/>
-              <a:t>1/09/2023</a:t>
+              <a:t>10/10/2023</a:t>
             </a:fld>
             <a:endParaRPr lang="nl-BE"/>
           </a:p>
@@ -4455,7 +4455,7 @@
           <a:p>
             <a:fld id="{C80E15A5-E95B-43EB-9AC7-9A96397448C0}" type="datetimeFigureOut">
               <a:rPr lang="nl-BE" smtClean="0"/>
-              <a:t>1/09/2023</a:t>
+              <a:t>10/10/2023</a:t>
             </a:fld>
             <a:endParaRPr lang="nl-BE"/>
           </a:p>
@@ -4625,7 +4625,7 @@
           <a:p>
             <a:fld id="{C80E15A5-E95B-43EB-9AC7-9A96397448C0}" type="datetimeFigureOut">
               <a:rPr lang="nl-BE" smtClean="0"/>
-              <a:t>1/09/2023</a:t>
+              <a:t>10/10/2023</a:t>
             </a:fld>
             <a:endParaRPr lang="nl-BE"/>
           </a:p>
@@ -4871,7 +4871,7 @@
           <a:p>
             <a:fld id="{C80E15A5-E95B-43EB-9AC7-9A96397448C0}" type="datetimeFigureOut">
               <a:rPr lang="nl-BE" smtClean="0"/>
-              <a:t>1/09/2023</a:t>
+              <a:t>10/10/2023</a:t>
             </a:fld>
             <a:endParaRPr lang="nl-BE"/>
           </a:p>
@@ -5103,7 +5103,7 @@
           <a:p>
             <a:fld id="{C80E15A5-E95B-43EB-9AC7-9A96397448C0}" type="datetimeFigureOut">
               <a:rPr lang="nl-BE" smtClean="0"/>
-              <a:t>1/09/2023</a:t>
+              <a:t>10/10/2023</a:t>
             </a:fld>
             <a:endParaRPr lang="nl-BE"/>
           </a:p>
@@ -5470,7 +5470,7 @@
           <a:p>
             <a:fld id="{C80E15A5-E95B-43EB-9AC7-9A96397448C0}" type="datetimeFigureOut">
               <a:rPr lang="nl-BE" smtClean="0"/>
-              <a:t>1/09/2023</a:t>
+              <a:t>10/10/2023</a:t>
             </a:fld>
             <a:endParaRPr lang="nl-BE"/>
           </a:p>
@@ -5588,7 +5588,7 @@
           <a:p>
             <a:fld id="{C80E15A5-E95B-43EB-9AC7-9A96397448C0}" type="datetimeFigureOut">
               <a:rPr lang="nl-BE" smtClean="0"/>
-              <a:t>1/09/2023</a:t>
+              <a:t>10/10/2023</a:t>
             </a:fld>
             <a:endParaRPr lang="nl-BE"/>
           </a:p>
@@ -5683,7 +5683,7 @@
           <a:p>
             <a:fld id="{C80E15A5-E95B-43EB-9AC7-9A96397448C0}" type="datetimeFigureOut">
               <a:rPr lang="nl-BE" smtClean="0"/>
-              <a:t>1/09/2023</a:t>
+              <a:t>10/10/2023</a:t>
             </a:fld>
             <a:endParaRPr lang="nl-BE"/>
           </a:p>
@@ -5960,7 +5960,7 @@
           <a:p>
             <a:fld id="{C80E15A5-E95B-43EB-9AC7-9A96397448C0}" type="datetimeFigureOut">
               <a:rPr lang="nl-BE" smtClean="0"/>
-              <a:t>1/09/2023</a:t>
+              <a:t>10/10/2023</a:t>
             </a:fld>
             <a:endParaRPr lang="nl-BE"/>
           </a:p>
@@ -6213,7 +6213,7 @@
           <a:p>
             <a:fld id="{C80E15A5-E95B-43EB-9AC7-9A96397448C0}" type="datetimeFigureOut">
               <a:rPr lang="nl-BE" smtClean="0"/>
-              <a:t>1/09/2023</a:t>
+              <a:t>10/10/2023</a:t>
             </a:fld>
             <a:endParaRPr lang="nl-BE"/>
           </a:p>
@@ -6426,7 +6426,7 @@
           <a:p>
             <a:fld id="{C80E15A5-E95B-43EB-9AC7-9A96397448C0}" type="datetimeFigureOut">
               <a:rPr lang="nl-BE" smtClean="0"/>
-              <a:t>1/09/2023</a:t>
+              <a:t>10/10/2023</a:t>
             </a:fld>
             <a:endParaRPr lang="nl-BE"/>
           </a:p>
@@ -18766,8 +18766,8 @@
           </a:p>
         </p:txBody>
       </p:sp>
-      <mc:AlternateContent xmlns:mc="http://schemas.openxmlformats.org/markup-compatibility/2006">
-        <mc:Choice xmlns:a14="http://schemas.microsoft.com/office/drawing/2010/main" Requires="a14">
+      <mc:AlternateContent xmlns:mc="http://schemas.openxmlformats.org/markup-compatibility/2006" xmlns:a14="http://schemas.microsoft.com/office/drawing/2010/main">
+        <mc:Choice Requires="a14">
           <p:sp>
             <p:nvSpPr>
               <p:cNvPr id="3" name="Espaço Reservado para Conteúdo 2">
@@ -19112,7 +19112,7 @@
             </p:txBody>
           </p:sp>
         </mc:Choice>
-        <mc:Fallback>
+        <mc:Fallback xmlns="">
           <p:sp>
             <p:nvSpPr>
               <p:cNvPr id="3" name="Espaço Reservado para Conteúdo 2">
@@ -19340,8 +19340,8 @@
           </p:txBody>
         </p:sp>
       </p:grpSp>
-      <mc:AlternateContent xmlns:mc="http://schemas.openxmlformats.org/markup-compatibility/2006">
-        <mc:Choice xmlns:a14="http://schemas.microsoft.com/office/drawing/2010/main" Requires="a14">
+      <mc:AlternateContent xmlns:mc="http://schemas.openxmlformats.org/markup-compatibility/2006" xmlns:a14="http://schemas.microsoft.com/office/drawing/2010/main">
+        <mc:Choice Requires="a14">
           <p:sp>
             <p:nvSpPr>
               <p:cNvPr id="8" name="Rectangle 17">
@@ -19375,6 +19375,7 @@
                 </a:r>
               </a:p>
               <a:p>
+                <a:pPr/>
                 <a14:m>
                   <m:oMathPara xmlns:m="http://schemas.openxmlformats.org/officeDocument/2006/math">
                     <m:oMathParaPr>
@@ -19536,7 +19537,7 @@
             </p:txBody>
           </p:sp>
         </mc:Choice>
-        <mc:Fallback>
+        <mc:Fallback xmlns="">
           <p:sp>
             <p:nvSpPr>
               <p:cNvPr id="8" name="Rectangle 17">
@@ -19776,8 +19777,8 @@
           </a:p>
         </p:txBody>
       </p:sp>
-      <mc:AlternateContent xmlns:mc="http://schemas.openxmlformats.org/markup-compatibility/2006">
-        <mc:Choice xmlns:a14="http://schemas.microsoft.com/office/drawing/2010/main" Requires="a14">
+      <mc:AlternateContent xmlns:mc="http://schemas.openxmlformats.org/markup-compatibility/2006" xmlns:a14="http://schemas.microsoft.com/office/drawing/2010/main">
+        <mc:Choice Requires="a14">
           <p:sp>
             <p:nvSpPr>
               <p:cNvPr id="3" name="Espaço Reservado para Conteúdo 2">
@@ -20045,7 +20046,7 @@
             </p:txBody>
           </p:sp>
         </mc:Choice>
-        <mc:Fallback>
+        <mc:Fallback xmlns="">
           <p:sp>
             <p:nvSpPr>
               <p:cNvPr id="3" name="Espaço Reservado para Conteúdo 2">
@@ -20089,8 +20090,8 @@
           </p:sp>
         </mc:Fallback>
       </mc:AlternateContent>
-      <mc:AlternateContent xmlns:mc="http://schemas.openxmlformats.org/markup-compatibility/2006">
-        <mc:Choice xmlns:a14="http://schemas.microsoft.com/office/drawing/2010/main" Requires="a14">
+      <mc:AlternateContent xmlns:mc="http://schemas.openxmlformats.org/markup-compatibility/2006" xmlns:a14="http://schemas.microsoft.com/office/drawing/2010/main">
+        <mc:Choice Requires="a14">
           <p:sp>
             <p:nvSpPr>
               <p:cNvPr id="4" name="Rectangle 18">
@@ -20293,7 +20294,7 @@
             </p:txBody>
           </p:sp>
         </mc:Choice>
-        <mc:Fallback>
+        <mc:Fallback xmlns="">
           <p:sp>
             <p:nvSpPr>
               <p:cNvPr id="4" name="Rectangle 18">
@@ -20717,8 +20718,8 @@
           </a:p>
         </p:txBody>
       </p:sp>
-      <mc:AlternateContent xmlns:mc="http://schemas.openxmlformats.org/markup-compatibility/2006">
-        <mc:Choice xmlns:a14="http://schemas.microsoft.com/office/drawing/2010/main" Requires="a14">
+      <mc:AlternateContent xmlns:mc="http://schemas.openxmlformats.org/markup-compatibility/2006" xmlns:a14="http://schemas.microsoft.com/office/drawing/2010/main">
+        <mc:Choice Requires="a14">
           <p:sp>
             <p:nvSpPr>
               <p:cNvPr id="3" name="Espaço Reservado para Conteúdo 2">
@@ -21031,7 +21032,7 @@
             </p:txBody>
           </p:sp>
         </mc:Choice>
-        <mc:Fallback>
+        <mc:Fallback xmlns="">
           <p:sp>
             <p:nvSpPr>
               <p:cNvPr id="3" name="Espaço Reservado para Conteúdo 2">
@@ -21075,8 +21076,8 @@
           </p:sp>
         </mc:Fallback>
       </mc:AlternateContent>
-      <mc:AlternateContent xmlns:mc="http://schemas.openxmlformats.org/markup-compatibility/2006">
-        <mc:Choice xmlns:a14="http://schemas.microsoft.com/office/drawing/2010/main" Requires="a14">
+      <mc:AlternateContent xmlns:mc="http://schemas.openxmlformats.org/markup-compatibility/2006" xmlns:a14="http://schemas.microsoft.com/office/drawing/2010/main">
+        <mc:Choice Requires="a14">
           <p:sp>
             <p:nvSpPr>
               <p:cNvPr id="4" name="Rectangle 19">
@@ -21279,7 +21280,7 @@
             </p:txBody>
           </p:sp>
         </mc:Choice>
-        <mc:Fallback>
+        <mc:Fallback xmlns="">
           <p:sp>
             <p:nvSpPr>
               <p:cNvPr id="4" name="Rectangle 19">

--- a/slides/T319_Regressão_Linear (Parte IV).pptx
+++ b/slides/T319_Regressão_Linear (Parte IV).pptx
@@ -545,7 +545,7 @@
           <a:p>
             <a:fld id="{DAF0AF11-6A8A-4E64-94F5-26D4FBA2A01D}" type="datetimeFigureOut">
               <a:rPr lang="nl-BE" smtClean="0"/>
-              <a:t>10/10/2023</a:t>
+              <a:t>22/10/2023</a:t>
             </a:fld>
             <a:endParaRPr lang="nl-BE"/>
           </a:p>
@@ -4105,7 +4105,7 @@
           <a:p>
             <a:fld id="{C80E15A5-E95B-43EB-9AC7-9A96397448C0}" type="datetimeFigureOut">
               <a:rPr lang="nl-BE" smtClean="0"/>
-              <a:t>10/10/2023</a:t>
+              <a:t>22/10/2023</a:t>
             </a:fld>
             <a:endParaRPr lang="nl-BE"/>
           </a:p>
@@ -4275,7 +4275,7 @@
           <a:p>
             <a:fld id="{C80E15A5-E95B-43EB-9AC7-9A96397448C0}" type="datetimeFigureOut">
               <a:rPr lang="nl-BE" smtClean="0"/>
-              <a:t>10/10/2023</a:t>
+              <a:t>22/10/2023</a:t>
             </a:fld>
             <a:endParaRPr lang="nl-BE"/>
           </a:p>
@@ -4455,7 +4455,7 @@
           <a:p>
             <a:fld id="{C80E15A5-E95B-43EB-9AC7-9A96397448C0}" type="datetimeFigureOut">
               <a:rPr lang="nl-BE" smtClean="0"/>
-              <a:t>10/10/2023</a:t>
+              <a:t>22/10/2023</a:t>
             </a:fld>
             <a:endParaRPr lang="nl-BE"/>
           </a:p>
@@ -4625,7 +4625,7 @@
           <a:p>
             <a:fld id="{C80E15A5-E95B-43EB-9AC7-9A96397448C0}" type="datetimeFigureOut">
               <a:rPr lang="nl-BE" smtClean="0"/>
-              <a:t>10/10/2023</a:t>
+              <a:t>22/10/2023</a:t>
             </a:fld>
             <a:endParaRPr lang="nl-BE"/>
           </a:p>
@@ -4871,7 +4871,7 @@
           <a:p>
             <a:fld id="{C80E15A5-E95B-43EB-9AC7-9A96397448C0}" type="datetimeFigureOut">
               <a:rPr lang="nl-BE" smtClean="0"/>
-              <a:t>10/10/2023</a:t>
+              <a:t>22/10/2023</a:t>
             </a:fld>
             <a:endParaRPr lang="nl-BE"/>
           </a:p>
@@ -5103,7 +5103,7 @@
           <a:p>
             <a:fld id="{C80E15A5-E95B-43EB-9AC7-9A96397448C0}" type="datetimeFigureOut">
               <a:rPr lang="nl-BE" smtClean="0"/>
-              <a:t>10/10/2023</a:t>
+              <a:t>22/10/2023</a:t>
             </a:fld>
             <a:endParaRPr lang="nl-BE"/>
           </a:p>
@@ -5470,7 +5470,7 @@
           <a:p>
             <a:fld id="{C80E15A5-E95B-43EB-9AC7-9A96397448C0}" type="datetimeFigureOut">
               <a:rPr lang="nl-BE" smtClean="0"/>
-              <a:t>10/10/2023</a:t>
+              <a:t>22/10/2023</a:t>
             </a:fld>
             <a:endParaRPr lang="nl-BE"/>
           </a:p>
@@ -5588,7 +5588,7 @@
           <a:p>
             <a:fld id="{C80E15A5-E95B-43EB-9AC7-9A96397448C0}" type="datetimeFigureOut">
               <a:rPr lang="nl-BE" smtClean="0"/>
-              <a:t>10/10/2023</a:t>
+              <a:t>22/10/2023</a:t>
             </a:fld>
             <a:endParaRPr lang="nl-BE"/>
           </a:p>
@@ -5683,7 +5683,7 @@
           <a:p>
             <a:fld id="{C80E15A5-E95B-43EB-9AC7-9A96397448C0}" type="datetimeFigureOut">
               <a:rPr lang="nl-BE" smtClean="0"/>
-              <a:t>10/10/2023</a:t>
+              <a:t>22/10/2023</a:t>
             </a:fld>
             <a:endParaRPr lang="nl-BE"/>
           </a:p>
@@ -5960,7 +5960,7 @@
           <a:p>
             <a:fld id="{C80E15A5-E95B-43EB-9AC7-9A96397448C0}" type="datetimeFigureOut">
               <a:rPr lang="nl-BE" smtClean="0"/>
-              <a:t>10/10/2023</a:t>
+              <a:t>22/10/2023</a:t>
             </a:fld>
             <a:endParaRPr lang="nl-BE"/>
           </a:p>
@@ -6213,7 +6213,7 @@
           <a:p>
             <a:fld id="{C80E15A5-E95B-43EB-9AC7-9A96397448C0}" type="datetimeFigureOut">
               <a:rPr lang="nl-BE" smtClean="0"/>
-              <a:t>10/10/2023</a:t>
+              <a:t>22/10/2023</a:t>
             </a:fld>
             <a:endParaRPr lang="nl-BE"/>
           </a:p>
@@ -6426,7 +6426,7 @@
           <a:p>
             <a:fld id="{C80E15A5-E95B-43EB-9AC7-9A96397448C0}" type="datetimeFigureOut">
               <a:rPr lang="nl-BE" smtClean="0"/>
-              <a:t>10/10/2023</a:t>
+              <a:t>22/10/2023</a:t>
             </a:fld>
             <a:endParaRPr lang="nl-BE"/>
           </a:p>
@@ -15425,7 +15425,7 @@
         </p:spPr>
         <p:txBody>
           <a:bodyPr>
-            <a:normAutofit lnSpcReduction="10000"/>
+            <a:normAutofit/>
           </a:bodyPr>
           <a:lstStyle/>
           <a:p>
@@ -15518,20 +15518,6 @@
             <a:r>
               <a:rPr lang="pt-BR" dirty="0"/>
               <a:t>.</a:t>
-            </a:r>
-          </a:p>
-          <a:p>
-            <a:pPr lvl="1">
-              <a:buFont typeface="Wingdings" panose="05000000000000000000" pitchFamily="2" charset="2"/>
-              <a:buChar char="§"/>
-            </a:pPr>
-            <a:r>
-              <a:rPr lang="pt-BR" b="1" dirty="0">
-                <a:solidFill>
-                  <a:srgbClr val="FF0000"/>
-                </a:solidFill>
-              </a:rPr>
-              <a:t>Laboratórios podem ser resolvidos em grupo, mas as entregas devem ser individuais.</a:t>
             </a:r>
           </a:p>
           <a:p>
@@ -15633,7 +15619,7 @@
         </p:blipFill>
         <p:spPr>
           <a:xfrm>
-            <a:off x="9173184" y="4526916"/>
+            <a:off x="9306748" y="4027789"/>
             <a:ext cx="1799618" cy="2095290"/>
           </a:xfrm>
           <a:prstGeom prst="rect">
@@ -15644,13 +15630,15 @@
       <p:cxnSp>
         <p:nvCxnSpPr>
           <p:cNvPr id="6" name="Conector de seta reta 5"/>
-          <p:cNvCxnSpPr/>
+          <p:cNvCxnSpPr>
+            <a:cxnSpLocks/>
+          </p:cNvCxnSpPr>
           <p:nvPr/>
         </p:nvCxnSpPr>
         <p:spPr>
           <a:xfrm>
-            <a:off x="6517532" y="5486400"/>
-            <a:ext cx="2655652" cy="418289"/>
+            <a:off x="6380252" y="5075434"/>
+            <a:ext cx="2926496" cy="236305"/>
           </a:xfrm>
           <a:prstGeom prst="straightConnector1">
             <a:avLst/>

--- a/slides/T319_Regressão_Linear (Parte IV).pptx
+++ b/slides/T319_Regressão_Linear (Parte IV).pptx
@@ -5,7 +5,7 @@
     <p:sldMasterId id="2147483648" r:id="rId1"/>
   </p:sldMasterIdLst>
   <p:notesMasterIdLst>
-    <p:notesMasterId r:id="rId26"/>
+    <p:notesMasterId r:id="rId28"/>
   </p:notesMasterIdLst>
   <p:sldIdLst>
     <p:sldId id="259" r:id="rId2"/>
@@ -16,9 +16,9 @@
     <p:sldId id="334" r:id="rId7"/>
     <p:sldId id="469" r:id="rId8"/>
     <p:sldId id="520" r:id="rId9"/>
-    <p:sldId id="465" r:id="rId10"/>
-    <p:sldId id="518" r:id="rId11"/>
-    <p:sldId id="515" r:id="rId12"/>
+    <p:sldId id="521" r:id="rId10"/>
+    <p:sldId id="515" r:id="rId11"/>
+    <p:sldId id="518" r:id="rId12"/>
     <p:sldId id="512" r:id="rId13"/>
     <p:sldId id="480" r:id="rId14"/>
     <p:sldId id="485" r:id="rId15"/>
@@ -32,6 +32,8 @@
     <p:sldId id="441" r:id="rId23"/>
     <p:sldId id="317" r:id="rId24"/>
     <p:sldId id="332" r:id="rId25"/>
+    <p:sldId id="522" r:id="rId26"/>
+    <p:sldId id="475" r:id="rId27"/>
   </p:sldIdLst>
   <p:sldSz cx="12192000" cy="6858000"/>
   <p:notesSz cx="6858000" cy="9144000"/>
@@ -547,7 +549,7 @@
           <a:p>
             <a:fld id="{DAF0AF11-6A8A-4E64-94F5-26D4FBA2A01D}" type="datetimeFigureOut">
               <a:rPr lang="nl-BE" smtClean="0"/>
-              <a:t>25/10/2023</a:t>
+              <a:t>26/10/2023</a:t>
             </a:fld>
             <a:endParaRPr lang="nl-BE"/>
           </a:p>
@@ -3682,7 +3684,7 @@
       </p:grpSpPr>
       <p:sp>
         <p:nvSpPr>
-          <p:cNvPr id="2" name="Slide Image Placeholder 1"/>
+          <p:cNvPr id="2" name="Espaço Reservado para Imagem de Slide 1"/>
           <p:cNvSpPr>
             <a:spLocks noGrp="1" noRot="1" noChangeAspect="1"/>
           </p:cNvSpPr>
@@ -3694,7 +3696,7 @@
       </p:sp>
       <p:sp>
         <p:nvSpPr>
-          <p:cNvPr id="3" name="Notes Placeholder 2"/>
+          <p:cNvPr id="3" name="Espaço Reservado para Anotações 2"/>
           <p:cNvSpPr>
             <a:spLocks noGrp="1"/>
           </p:cNvSpPr>
@@ -3739,16 +3741,19 @@
           <a:p>
             <a:endParaRPr lang="pt-BR" dirty="0"/>
           </a:p>
+          <a:p>
+            <a:endParaRPr lang="pt-BR" dirty="0"/>
+          </a:p>
         </p:txBody>
       </p:sp>
       <p:sp>
         <p:nvSpPr>
-          <p:cNvPr id="4" name="Slide Number Placeholder 3"/>
+          <p:cNvPr id="4" name="Espaço Reservado para Número de Slide 3"/>
           <p:cNvSpPr>
             <a:spLocks noGrp="1"/>
           </p:cNvSpPr>
           <p:nvPr>
-            <p:ph type="sldNum" sz="quarter" idx="10"/>
+            <p:ph type="sldNum" sz="quarter" idx="5"/>
           </p:nvPr>
         </p:nvSpPr>
         <p:spPr/>
@@ -3767,7 +3772,7 @@
     </p:spTree>
     <p:extLst>
       <p:ext uri="{BB962C8B-B14F-4D97-AF65-F5344CB8AC3E}">
-        <p14:creationId xmlns:p14="http://schemas.microsoft.com/office/powerpoint/2010/main" val="4005121561"/>
+        <p14:creationId xmlns:p14="http://schemas.microsoft.com/office/powerpoint/2010/main" val="799439937"/>
       </p:ext>
     </p:extLst>
   </p:cSld>
@@ -4099,7 +4104,7 @@
           <a:p>
             <a:fld id="{C80E15A5-E95B-43EB-9AC7-9A96397448C0}" type="datetimeFigureOut">
               <a:rPr lang="nl-BE" smtClean="0"/>
-              <a:t>25/10/2023</a:t>
+              <a:t>26/10/2023</a:t>
             </a:fld>
             <a:endParaRPr lang="nl-BE"/>
           </a:p>
@@ -4269,7 +4274,7 @@
           <a:p>
             <a:fld id="{C80E15A5-E95B-43EB-9AC7-9A96397448C0}" type="datetimeFigureOut">
               <a:rPr lang="nl-BE" smtClean="0"/>
-              <a:t>25/10/2023</a:t>
+              <a:t>26/10/2023</a:t>
             </a:fld>
             <a:endParaRPr lang="nl-BE"/>
           </a:p>
@@ -4449,7 +4454,7 @@
           <a:p>
             <a:fld id="{C80E15A5-E95B-43EB-9AC7-9A96397448C0}" type="datetimeFigureOut">
               <a:rPr lang="nl-BE" smtClean="0"/>
-              <a:t>25/10/2023</a:t>
+              <a:t>26/10/2023</a:t>
             </a:fld>
             <a:endParaRPr lang="nl-BE"/>
           </a:p>
@@ -4619,7 +4624,7 @@
           <a:p>
             <a:fld id="{C80E15A5-E95B-43EB-9AC7-9A96397448C0}" type="datetimeFigureOut">
               <a:rPr lang="nl-BE" smtClean="0"/>
-              <a:t>25/10/2023</a:t>
+              <a:t>26/10/2023</a:t>
             </a:fld>
             <a:endParaRPr lang="nl-BE"/>
           </a:p>
@@ -4865,7 +4870,7 @@
           <a:p>
             <a:fld id="{C80E15A5-E95B-43EB-9AC7-9A96397448C0}" type="datetimeFigureOut">
               <a:rPr lang="nl-BE" smtClean="0"/>
-              <a:t>25/10/2023</a:t>
+              <a:t>26/10/2023</a:t>
             </a:fld>
             <a:endParaRPr lang="nl-BE"/>
           </a:p>
@@ -5097,7 +5102,7 @@
           <a:p>
             <a:fld id="{C80E15A5-E95B-43EB-9AC7-9A96397448C0}" type="datetimeFigureOut">
               <a:rPr lang="nl-BE" smtClean="0"/>
-              <a:t>25/10/2023</a:t>
+              <a:t>26/10/2023</a:t>
             </a:fld>
             <a:endParaRPr lang="nl-BE"/>
           </a:p>
@@ -5464,7 +5469,7 @@
           <a:p>
             <a:fld id="{C80E15A5-E95B-43EB-9AC7-9A96397448C0}" type="datetimeFigureOut">
               <a:rPr lang="nl-BE" smtClean="0"/>
-              <a:t>25/10/2023</a:t>
+              <a:t>26/10/2023</a:t>
             </a:fld>
             <a:endParaRPr lang="nl-BE"/>
           </a:p>
@@ -5582,7 +5587,7 @@
           <a:p>
             <a:fld id="{C80E15A5-E95B-43EB-9AC7-9A96397448C0}" type="datetimeFigureOut">
               <a:rPr lang="nl-BE" smtClean="0"/>
-              <a:t>25/10/2023</a:t>
+              <a:t>26/10/2023</a:t>
             </a:fld>
             <a:endParaRPr lang="nl-BE"/>
           </a:p>
@@ -5677,7 +5682,7 @@
           <a:p>
             <a:fld id="{C80E15A5-E95B-43EB-9AC7-9A96397448C0}" type="datetimeFigureOut">
               <a:rPr lang="nl-BE" smtClean="0"/>
-              <a:t>25/10/2023</a:t>
+              <a:t>26/10/2023</a:t>
             </a:fld>
             <a:endParaRPr lang="nl-BE"/>
           </a:p>
@@ -5954,7 +5959,7 @@
           <a:p>
             <a:fld id="{C80E15A5-E95B-43EB-9AC7-9A96397448C0}" type="datetimeFigureOut">
               <a:rPr lang="nl-BE" smtClean="0"/>
-              <a:t>25/10/2023</a:t>
+              <a:t>26/10/2023</a:t>
             </a:fld>
             <a:endParaRPr lang="nl-BE"/>
           </a:p>
@@ -6207,7 +6212,7 @@
           <a:p>
             <a:fld id="{C80E15A5-E95B-43EB-9AC7-9A96397448C0}" type="datetimeFigureOut">
               <a:rPr lang="nl-BE" smtClean="0"/>
-              <a:t>25/10/2023</a:t>
+              <a:t>26/10/2023</a:t>
             </a:fld>
             <a:endParaRPr lang="nl-BE"/>
           </a:p>
@@ -6420,7 +6425,7 @@
           <a:p>
             <a:fld id="{C80E15A5-E95B-43EB-9AC7-9A96397448C0}" type="datetimeFigureOut">
               <a:rPr lang="nl-BE" smtClean="0"/>
-              <a:t>25/10/2023</a:t>
+              <a:t>26/10/2023</a:t>
             </a:fld>
             <a:endParaRPr lang="nl-BE"/>
           </a:p>
@@ -7028,10 +7033,232 @@
           <a:chExt cx="0" cy="0"/>
         </a:xfrm>
       </p:grpSpPr>
+      <p:sp>
+        <p:nvSpPr>
+          <p:cNvPr id="2" name="Título 1">
+            <a:extLst>
+              <a:ext uri="{FF2B5EF4-FFF2-40B4-BE49-F238E27FC236}">
+                <a16:creationId xmlns:a16="http://schemas.microsoft.com/office/drawing/2014/main" id="{386202FA-6DFE-7E6F-5E7E-1D0496E8F8D0}"/>
+              </a:ext>
+            </a:extLst>
+          </p:cNvPr>
+          <p:cNvSpPr>
+            <a:spLocks noGrp="1"/>
+          </p:cNvSpPr>
+          <p:nvPr>
+            <p:ph type="title"/>
+          </p:nvPr>
+        </p:nvSpPr>
+        <p:spPr/>
+        <p:txBody>
+          <a:bodyPr/>
+          <a:lstStyle/>
+          <a:p>
+            <a:r>
+              <a:rPr lang="pt-BR" dirty="0"/>
+              <a:t>Vantagens </a:t>
+            </a:r>
+            <a:r>
+              <a:rPr lang="pt-BR"/>
+              <a:t>do escalonamento</a:t>
+            </a:r>
+          </a:p>
+        </p:txBody>
+      </p:sp>
+      <p:sp>
+        <p:nvSpPr>
+          <p:cNvPr id="3" name="Espaço Reservado para Conteúdo 2">
+            <a:extLst>
+              <a:ext uri="{FF2B5EF4-FFF2-40B4-BE49-F238E27FC236}">
+                <a16:creationId xmlns:a16="http://schemas.microsoft.com/office/drawing/2014/main" id="{0DF4505A-C335-CE37-4202-0BD88935D5CF}"/>
+              </a:ext>
+            </a:extLst>
+          </p:cNvPr>
+          <p:cNvSpPr>
+            <a:spLocks noGrp="1"/>
+          </p:cNvSpPr>
+          <p:nvPr>
+            <p:ph idx="1"/>
+          </p:nvPr>
+        </p:nvSpPr>
+        <p:spPr/>
+        <p:txBody>
+          <a:bodyPr>
+            <a:normAutofit fontScale="25000" lnSpcReduction="20000"/>
+          </a:bodyPr>
+          <a:lstStyle/>
+          <a:p>
+            <a:r>
+              <a:rPr lang="pt-BR" dirty="0"/>
+              <a:t>O escalonamento de atributos é uma etapa de pré-processamento comum no treinamento de modelos de </a:t>
+            </a:r>
+            <a:r>
+              <a:rPr lang="pt-BR" dirty="0" err="1"/>
+              <a:t>machine</a:t>
+            </a:r>
+            <a:r>
+              <a:rPr lang="pt-BR" dirty="0"/>
+              <a:t> </a:t>
+            </a:r>
+            <a:r>
+              <a:rPr lang="pt-BR" dirty="0" err="1"/>
+              <a:t>learning</a:t>
+            </a:r>
+            <a:r>
+              <a:rPr lang="pt-BR" dirty="0"/>
+              <a:t>. Suas vantagens incluem:</a:t>
+            </a:r>
+          </a:p>
+          <a:p>
+            <a:endParaRPr lang="pt-BR" dirty="0"/>
+          </a:p>
+          <a:p>
+            <a:r>
+              <a:rPr lang="pt-BR" dirty="0"/>
+              <a:t>1. **Melhor convergência:** O escalonamento de atributos pode ajudar algoritmos de otimização, como o gradiente descendente, a convergir mais rapidamente. Quando os atributos estão em escalas semelhantes, o algoritmo pode encontrar o mínimo global da função de erro de forma mais eficiente.</a:t>
+            </a:r>
+          </a:p>
+          <a:p>
+            <a:endParaRPr lang="pt-BR" dirty="0"/>
+          </a:p>
+          <a:p>
+            <a:r>
+              <a:rPr lang="pt-BR" dirty="0"/>
+              <a:t>2. **Prevenção de domínio:** Evita que atributos com escalas muito diferentes dominem o processo de treinamento. Sem escalonamento, atributos com escalas maiores podem ter um impacto desproporcional no modelo, levando a um viés indesejado.</a:t>
+            </a:r>
+          </a:p>
+          <a:p>
+            <a:endParaRPr lang="pt-BR" dirty="0"/>
+          </a:p>
+          <a:p>
+            <a:r>
+              <a:rPr lang="pt-BR" dirty="0"/>
+              <a:t>3. **Estabilidade numérica:** O escalonamento ajuda a manter a estabilidade numérica durante o treinamento, reduzindo a probabilidade de problemas de precisão numérica que podem ocorrer em algoritmos de aprendizado de máquina.</a:t>
+            </a:r>
+          </a:p>
+          <a:p>
+            <a:endParaRPr lang="pt-BR" dirty="0"/>
+          </a:p>
+          <a:p>
+            <a:r>
+              <a:rPr lang="pt-BR" dirty="0"/>
+              <a:t>4. **Interpretação mais fácil:** A interpretação dos coeficientes em modelos lineares, como regressão linear, é mais direta quando os atributos são escalonados, pois os coeficientes representam o impacto relativo dos atributos nas previsões.</a:t>
+            </a:r>
+          </a:p>
+          <a:p>
+            <a:endParaRPr lang="pt-BR" dirty="0"/>
+          </a:p>
+          <a:p>
+            <a:r>
+              <a:rPr lang="pt-BR" dirty="0"/>
+              <a:t>5. **Compatibilidade com algoritmos sensíveis à escala:** Alguns algoritmos, como o k-</a:t>
+            </a:r>
+            <a:r>
+              <a:rPr lang="pt-BR" dirty="0" err="1"/>
+              <a:t>means</a:t>
+            </a:r>
+            <a:r>
+              <a:rPr lang="pt-BR" dirty="0"/>
+              <a:t>, SVM (</a:t>
+            </a:r>
+            <a:r>
+              <a:rPr lang="pt-BR" dirty="0" err="1"/>
+              <a:t>Support</a:t>
+            </a:r>
+            <a:r>
+              <a:rPr lang="pt-BR" dirty="0"/>
+              <a:t> Vector </a:t>
+            </a:r>
+            <a:r>
+              <a:rPr lang="pt-BR" dirty="0" err="1"/>
+              <a:t>Machine</a:t>
+            </a:r>
+            <a:r>
+              <a:rPr lang="pt-BR" dirty="0"/>
+              <a:t>) e PCA (Principal </a:t>
+            </a:r>
+            <a:r>
+              <a:rPr lang="pt-BR" dirty="0" err="1"/>
+              <a:t>Component</a:t>
+            </a:r>
+            <a:r>
+              <a:rPr lang="pt-BR" dirty="0"/>
+              <a:t> </a:t>
+            </a:r>
+            <a:r>
+              <a:rPr lang="pt-BR" dirty="0" err="1"/>
+              <a:t>Analysis</a:t>
+            </a:r>
+            <a:r>
+              <a:rPr lang="pt-BR" dirty="0"/>
+              <a:t>), são sensíveis à escala dos atributos. O escalonamento torna esses algoritmos mais eficazes.</a:t>
+            </a:r>
+          </a:p>
+          <a:p>
+            <a:endParaRPr lang="pt-BR" dirty="0"/>
+          </a:p>
+          <a:p>
+            <a:r>
+              <a:rPr lang="pt-BR" dirty="0"/>
+              <a:t>6. **Redução do risco de </a:t>
+            </a:r>
+            <a:r>
+              <a:rPr lang="pt-BR" dirty="0" err="1"/>
+              <a:t>overfitting</a:t>
+            </a:r>
+            <a:r>
+              <a:rPr lang="pt-BR" dirty="0"/>
+              <a:t>:** O escalonamento adequado pode reduzir o risco de </a:t>
+            </a:r>
+            <a:r>
+              <a:rPr lang="pt-BR" dirty="0" err="1"/>
+              <a:t>overfitting</a:t>
+            </a:r>
+            <a:r>
+              <a:rPr lang="pt-BR" dirty="0"/>
+              <a:t>, tornando mais difícil para o modelo se ajustar demais aos dados de treinamento.</a:t>
+            </a:r>
+          </a:p>
+          <a:p>
+            <a:endParaRPr lang="pt-BR" dirty="0"/>
+          </a:p>
+          <a:p>
+            <a:r>
+              <a:rPr lang="pt-BR" dirty="0"/>
+              <a:t>7. **Maior generalização:** Um modelo treinado com atributos escalonados adequadamente é mais propenso a generalizar bem para novos dados, pois os efeitos da escala não são específicos dos dados de treinamento.</a:t>
+            </a:r>
+          </a:p>
+          <a:p>
+            <a:endParaRPr lang="pt-BR" dirty="0"/>
+          </a:p>
+          <a:p>
+            <a:r>
+              <a:rPr lang="pt-BR" dirty="0"/>
+              <a:t>Existem diferentes técnicas de escalonamento, como normalização (escala entre 0 e 1) e padronização (com média zero e desvio padrão um), e a escolha depende do problema e do tipo de algoritmo de </a:t>
+            </a:r>
+            <a:r>
+              <a:rPr lang="pt-BR" dirty="0" err="1"/>
+              <a:t>machine</a:t>
+            </a:r>
+            <a:r>
+              <a:rPr lang="pt-BR" dirty="0"/>
+              <a:t> </a:t>
+            </a:r>
+            <a:r>
+              <a:rPr lang="pt-BR" dirty="0" err="1"/>
+              <a:t>learning</a:t>
+            </a:r>
+            <a:r>
+              <a:rPr lang="pt-BR" dirty="0"/>
+              <a:t>. Em muitos casos, a normalização é usada quando se deseja que os dados estejam na mesma faixa, e a padronização é usada quando se deseja que os dados tenham média zero e variância unitária. A escolha da técnica de escalonamento deve ser feita com base nas características do conjunto de dados e no algoritmo que está sendo usado.</a:t>
+            </a:r>
+          </a:p>
+        </p:txBody>
+      </p:sp>
     </p:spTree>
     <p:extLst>
       <p:ext uri="{BB962C8B-B14F-4D97-AF65-F5344CB8AC3E}">
-        <p14:creationId xmlns:p14="http://schemas.microsoft.com/office/powerpoint/2010/main" val="3034592918"/>
+        <p14:creationId xmlns:p14="http://schemas.microsoft.com/office/powerpoint/2010/main" val="1511606830"/>
       </p:ext>
     </p:extLst>
   </p:cSld>
@@ -7058,60 +7285,10 @@
           <a:chExt cx="0" cy="0"/>
         </a:xfrm>
       </p:grpSpPr>
-      <p:sp>
-        <p:nvSpPr>
-          <p:cNvPr id="2" name="Título 1">
-            <a:extLst>
-              <a:ext uri="{FF2B5EF4-FFF2-40B4-BE49-F238E27FC236}">
-                <a16:creationId xmlns:a16="http://schemas.microsoft.com/office/drawing/2014/main" id="{386202FA-6DFE-7E6F-5E7E-1D0496E8F8D0}"/>
-              </a:ext>
-            </a:extLst>
-          </p:cNvPr>
-          <p:cNvSpPr>
-            <a:spLocks noGrp="1"/>
-          </p:cNvSpPr>
-          <p:nvPr>
-            <p:ph type="title"/>
-          </p:nvPr>
-        </p:nvSpPr>
-        <p:spPr/>
-        <p:txBody>
-          <a:bodyPr/>
-          <a:lstStyle/>
-          <a:p>
-            <a:endParaRPr lang="pt-BR"/>
-          </a:p>
-        </p:txBody>
-      </p:sp>
-      <p:sp>
-        <p:nvSpPr>
-          <p:cNvPr id="3" name="Espaço Reservado para Conteúdo 2">
-            <a:extLst>
-              <a:ext uri="{FF2B5EF4-FFF2-40B4-BE49-F238E27FC236}">
-                <a16:creationId xmlns:a16="http://schemas.microsoft.com/office/drawing/2014/main" id="{0DF4505A-C335-CE37-4202-0BD88935D5CF}"/>
-              </a:ext>
-            </a:extLst>
-          </p:cNvPr>
-          <p:cNvSpPr>
-            <a:spLocks noGrp="1"/>
-          </p:cNvSpPr>
-          <p:nvPr>
-            <p:ph idx="1"/>
-          </p:nvPr>
-        </p:nvSpPr>
-        <p:spPr/>
-        <p:txBody>
-          <a:bodyPr/>
-          <a:lstStyle/>
-          <a:p>
-            <a:endParaRPr lang="pt-BR"/>
-          </a:p>
-        </p:txBody>
-      </p:sp>
     </p:spTree>
     <p:extLst>
       <p:ext uri="{BB962C8B-B14F-4D97-AF65-F5344CB8AC3E}">
-        <p14:creationId xmlns:p14="http://schemas.microsoft.com/office/powerpoint/2010/main" val="1511606830"/>
+        <p14:creationId xmlns:p14="http://schemas.microsoft.com/office/powerpoint/2010/main" val="3034592918"/>
       </p:ext>
     </p:extLst>
   </p:cSld>
@@ -16236,6 +16413,3390 @@
 </p:sld>
 </file>
 
+<file path=ppt/slides/slide25.xml><?xml version="1.0" encoding="utf-8"?>
+<p:sld xmlns:a="http://schemas.openxmlformats.org/drawingml/2006/main" xmlns:r="http://schemas.openxmlformats.org/officeDocument/2006/relationships" xmlns:p="http://schemas.openxmlformats.org/presentationml/2006/main">
+  <p:cSld>
+    <p:spTree>
+      <p:nvGrpSpPr>
+        <p:cNvPr id="1" name=""/>
+        <p:cNvGrpSpPr/>
+        <p:nvPr/>
+      </p:nvGrpSpPr>
+      <p:grpSpPr>
+        <a:xfrm>
+          <a:off x="0" y="0"/>
+          <a:ext cx="0" cy="0"/>
+          <a:chOff x="0" y="0"/>
+          <a:chExt cx="0" cy="0"/>
+        </a:xfrm>
+      </p:grpSpPr>
+      <p:sp>
+        <p:nvSpPr>
+          <p:cNvPr id="4" name="Título 1">
+            <a:extLst>
+              <a:ext uri="{FF2B5EF4-FFF2-40B4-BE49-F238E27FC236}">
+                <a16:creationId xmlns:a16="http://schemas.microsoft.com/office/drawing/2014/main" id="{32666AC8-2E17-4DB4-B0F5-60C640CCFD2E}"/>
+              </a:ext>
+            </a:extLst>
+          </p:cNvPr>
+          <p:cNvSpPr txBox="1">
+            <a:spLocks/>
+          </p:cNvSpPr>
+          <p:nvPr/>
+        </p:nvSpPr>
+        <p:spPr>
+          <a:xfrm>
+            <a:off x="1431533" y="2720526"/>
+            <a:ext cx="9144000" cy="1029541"/>
+          </a:xfrm>
+          <a:prstGeom prst="rect">
+            <a:avLst/>
+          </a:prstGeom>
+        </p:spPr>
+        <p:txBody>
+          <a:bodyPr vert="horz" lIns="91440" tIns="45720" rIns="91440" bIns="45720" rtlCol="0" anchor="ctr">
+            <a:normAutofit/>
+          </a:bodyPr>
+          <a:lstStyle>
+            <a:lvl1pPr algn="l" defTabSz="914400" rtl="0" eaLnBrk="1" latinLnBrk="0" hangingPunct="1">
+              <a:lnSpc>
+                <a:spcPct val="90000"/>
+              </a:lnSpc>
+              <a:spcBef>
+                <a:spcPct val="0"/>
+              </a:spcBef>
+              <a:buNone/>
+              <a:defRPr sz="4400" kern="1200">
+                <a:solidFill>
+                  <a:schemeClr val="tx1"/>
+                </a:solidFill>
+                <a:latin typeface="+mj-lt"/>
+                <a:ea typeface="+mj-ea"/>
+                <a:cs typeface="+mj-cs"/>
+              </a:defRPr>
+            </a:lvl1pPr>
+          </a:lstStyle>
+          <a:p>
+            <a:pPr algn="ctr"/>
+            <a:r>
+              <a:rPr lang="pt-BR" sz="6600" dirty="0"/>
+              <a:t>Figuras</a:t>
+            </a:r>
+          </a:p>
+        </p:txBody>
+      </p:sp>
+    </p:spTree>
+    <p:extLst>
+      <p:ext uri="{BB962C8B-B14F-4D97-AF65-F5344CB8AC3E}">
+        <p14:creationId xmlns:p14="http://schemas.microsoft.com/office/powerpoint/2010/main" val="3018577212"/>
+      </p:ext>
+    </p:extLst>
+  </p:cSld>
+  <p:clrMapOvr>
+    <a:masterClrMapping/>
+  </p:clrMapOvr>
+</p:sld>
+</file>
+
+<file path=ppt/slides/slide26.xml><?xml version="1.0" encoding="utf-8"?>
+<p:sld xmlns:a="http://schemas.openxmlformats.org/drawingml/2006/main" xmlns:r="http://schemas.openxmlformats.org/officeDocument/2006/relationships" xmlns:p="http://schemas.openxmlformats.org/presentationml/2006/main">
+  <p:cSld>
+    <p:spTree>
+      <p:nvGrpSpPr>
+        <p:cNvPr id="1" name=""/>
+        <p:cNvGrpSpPr/>
+        <p:nvPr/>
+      </p:nvGrpSpPr>
+      <p:grpSpPr>
+        <a:xfrm>
+          <a:off x="0" y="0"/>
+          <a:ext cx="0" cy="0"/>
+          <a:chOff x="0" y="0"/>
+          <a:chExt cx="0" cy="0"/>
+        </a:xfrm>
+      </p:grpSpPr>
+      <p:grpSp>
+        <p:nvGrpSpPr>
+          <p:cNvPr id="16" name="Agrupar 15">
+            <a:extLst>
+              <a:ext uri="{FF2B5EF4-FFF2-40B4-BE49-F238E27FC236}">
+                <a16:creationId xmlns:a16="http://schemas.microsoft.com/office/drawing/2014/main" id="{625096D0-F588-135D-F792-88270DDED768}"/>
+              </a:ext>
+            </a:extLst>
+          </p:cNvPr>
+          <p:cNvGrpSpPr/>
+          <p:nvPr/>
+        </p:nvGrpSpPr>
+        <p:grpSpPr>
+          <a:xfrm>
+            <a:off x="6853637" y="2129689"/>
+            <a:ext cx="3549478" cy="3157828"/>
+            <a:chOff x="6818898" y="2134388"/>
+            <a:chExt cx="3549478" cy="3157828"/>
+          </a:xfrm>
+        </p:grpSpPr>
+        <p:cxnSp>
+          <p:nvCxnSpPr>
+            <p:cNvPr id="115" name="Straight Connector 114"/>
+            <p:cNvCxnSpPr>
+              <a:cxnSpLocks/>
+              <a:stCxn id="114" idx="3"/>
+              <a:endCxn id="131" idx="3"/>
+            </p:cNvCxnSpPr>
+            <p:nvPr/>
+          </p:nvCxnSpPr>
+          <p:spPr>
+            <a:xfrm flipH="1">
+              <a:off x="7750840" y="3871435"/>
+              <a:ext cx="636793" cy="826411"/>
+            </a:xfrm>
+            <a:prstGeom prst="line">
+              <a:avLst/>
+            </a:prstGeom>
+            <a:ln w="12700">
+              <a:solidFill>
+                <a:schemeClr val="tx1"/>
+              </a:solidFill>
+              <a:prstDash val="dash"/>
+            </a:ln>
+          </p:spPr>
+          <p:style>
+            <a:lnRef idx="1">
+              <a:schemeClr val="accent1"/>
+            </a:lnRef>
+            <a:fillRef idx="0">
+              <a:schemeClr val="accent1"/>
+            </a:fillRef>
+            <a:effectRef idx="0">
+              <a:schemeClr val="accent1"/>
+            </a:effectRef>
+            <a:fontRef idx="minor">
+              <a:schemeClr val="tx1"/>
+            </a:fontRef>
+          </p:style>
+        </p:cxnSp>
+        <p:sp>
+          <p:nvSpPr>
+            <p:cNvPr id="108" name="Oval 107"/>
+            <p:cNvSpPr/>
+            <p:nvPr/>
+          </p:nvSpPr>
+          <p:spPr>
+            <a:xfrm>
+              <a:off x="7353299" y="2749031"/>
+              <a:ext cx="2160000" cy="2160000"/>
+            </a:xfrm>
+            <a:prstGeom prst="ellipse">
+              <a:avLst/>
+            </a:prstGeom>
+            <a:noFill/>
+            <a:ln>
+              <a:solidFill>
+                <a:schemeClr val="tx1"/>
+              </a:solidFill>
+            </a:ln>
+          </p:spPr>
+          <p:style>
+            <a:lnRef idx="2">
+              <a:schemeClr val="accent1">
+                <a:shade val="50000"/>
+              </a:schemeClr>
+            </a:lnRef>
+            <a:fillRef idx="1">
+              <a:schemeClr val="accent1"/>
+            </a:fillRef>
+            <a:effectRef idx="0">
+              <a:schemeClr val="accent1"/>
+            </a:effectRef>
+            <a:fontRef idx="minor">
+              <a:schemeClr val="lt1"/>
+            </a:fontRef>
+          </p:style>
+          <p:txBody>
+            <a:bodyPr rtlCol="0" anchor="ctr"/>
+            <a:lstStyle/>
+            <a:p>
+              <a:pPr algn="ctr"/>
+              <a:endParaRPr lang="pt-BR"/>
+            </a:p>
+          </p:txBody>
+        </p:sp>
+        <p:sp>
+          <p:nvSpPr>
+            <p:cNvPr id="109" name="Oval 108"/>
+            <p:cNvSpPr/>
+            <p:nvPr/>
+          </p:nvSpPr>
+          <p:spPr>
+            <a:xfrm>
+              <a:off x="7533299" y="2929031"/>
+              <a:ext cx="1800000" cy="1800000"/>
+            </a:xfrm>
+            <a:prstGeom prst="ellipse">
+              <a:avLst/>
+            </a:prstGeom>
+            <a:noFill/>
+            <a:ln>
+              <a:solidFill>
+                <a:schemeClr val="tx1"/>
+              </a:solidFill>
+            </a:ln>
+          </p:spPr>
+          <p:style>
+            <a:lnRef idx="2">
+              <a:schemeClr val="accent1">
+                <a:shade val="50000"/>
+              </a:schemeClr>
+            </a:lnRef>
+            <a:fillRef idx="1">
+              <a:schemeClr val="accent1"/>
+            </a:fillRef>
+            <a:effectRef idx="0">
+              <a:schemeClr val="accent1"/>
+            </a:effectRef>
+            <a:fontRef idx="minor">
+              <a:schemeClr val="lt1"/>
+            </a:fontRef>
+          </p:style>
+          <p:txBody>
+            <a:bodyPr rtlCol="0" anchor="ctr"/>
+            <a:lstStyle/>
+            <a:p>
+              <a:pPr algn="ctr"/>
+              <a:endParaRPr lang="pt-BR"/>
+            </a:p>
+          </p:txBody>
+        </p:sp>
+        <p:sp>
+          <p:nvSpPr>
+            <p:cNvPr id="110" name="Oval 109"/>
+            <p:cNvSpPr/>
+            <p:nvPr/>
+          </p:nvSpPr>
+          <p:spPr>
+            <a:xfrm>
+              <a:off x="7713299" y="3109031"/>
+              <a:ext cx="1440000" cy="1440000"/>
+            </a:xfrm>
+            <a:prstGeom prst="ellipse">
+              <a:avLst/>
+            </a:prstGeom>
+            <a:noFill/>
+            <a:ln>
+              <a:solidFill>
+                <a:schemeClr val="tx1"/>
+              </a:solidFill>
+            </a:ln>
+          </p:spPr>
+          <p:style>
+            <a:lnRef idx="2">
+              <a:schemeClr val="accent1">
+                <a:shade val="50000"/>
+              </a:schemeClr>
+            </a:lnRef>
+            <a:fillRef idx="1">
+              <a:schemeClr val="accent1"/>
+            </a:fillRef>
+            <a:effectRef idx="0">
+              <a:schemeClr val="accent1"/>
+            </a:effectRef>
+            <a:fontRef idx="minor">
+              <a:schemeClr val="lt1"/>
+            </a:fontRef>
+          </p:style>
+          <p:txBody>
+            <a:bodyPr rtlCol="0" anchor="ctr"/>
+            <a:lstStyle/>
+            <a:p>
+              <a:pPr algn="ctr"/>
+              <a:endParaRPr lang="pt-BR"/>
+            </a:p>
+          </p:txBody>
+        </p:sp>
+        <p:sp>
+          <p:nvSpPr>
+            <p:cNvPr id="111" name="Oval 110"/>
+            <p:cNvSpPr/>
+            <p:nvPr/>
+          </p:nvSpPr>
+          <p:spPr>
+            <a:xfrm>
+              <a:off x="7893299" y="3289031"/>
+              <a:ext cx="1080000" cy="1080000"/>
+            </a:xfrm>
+            <a:prstGeom prst="ellipse">
+              <a:avLst/>
+            </a:prstGeom>
+            <a:noFill/>
+            <a:ln>
+              <a:solidFill>
+                <a:schemeClr val="tx1"/>
+              </a:solidFill>
+            </a:ln>
+          </p:spPr>
+          <p:style>
+            <a:lnRef idx="2">
+              <a:schemeClr val="accent1">
+                <a:shade val="50000"/>
+              </a:schemeClr>
+            </a:lnRef>
+            <a:fillRef idx="1">
+              <a:schemeClr val="accent1"/>
+            </a:fillRef>
+            <a:effectRef idx="0">
+              <a:schemeClr val="accent1"/>
+            </a:effectRef>
+            <a:fontRef idx="minor">
+              <a:schemeClr val="lt1"/>
+            </a:fontRef>
+          </p:style>
+          <p:txBody>
+            <a:bodyPr rtlCol="0" anchor="ctr"/>
+            <a:lstStyle/>
+            <a:p>
+              <a:pPr algn="ctr"/>
+              <a:endParaRPr lang="pt-BR"/>
+            </a:p>
+          </p:txBody>
+        </p:sp>
+        <p:sp>
+          <p:nvSpPr>
+            <p:cNvPr id="112" name="Oval 111"/>
+            <p:cNvSpPr/>
+            <p:nvPr/>
+          </p:nvSpPr>
+          <p:spPr>
+            <a:xfrm>
+              <a:off x="8073299" y="3469031"/>
+              <a:ext cx="720000" cy="720000"/>
+            </a:xfrm>
+            <a:prstGeom prst="ellipse">
+              <a:avLst/>
+            </a:prstGeom>
+            <a:noFill/>
+            <a:ln>
+              <a:solidFill>
+                <a:schemeClr val="tx1"/>
+              </a:solidFill>
+            </a:ln>
+          </p:spPr>
+          <p:style>
+            <a:lnRef idx="2">
+              <a:schemeClr val="accent1">
+                <a:shade val="50000"/>
+              </a:schemeClr>
+            </a:lnRef>
+            <a:fillRef idx="1">
+              <a:schemeClr val="accent1"/>
+            </a:fillRef>
+            <a:effectRef idx="0">
+              <a:schemeClr val="accent1"/>
+            </a:effectRef>
+            <a:fontRef idx="minor">
+              <a:schemeClr val="lt1"/>
+            </a:fontRef>
+          </p:style>
+          <p:txBody>
+            <a:bodyPr rtlCol="0" anchor="ctr"/>
+            <a:lstStyle/>
+            <a:p>
+              <a:pPr algn="ctr"/>
+              <a:endParaRPr lang="pt-BR"/>
+            </a:p>
+          </p:txBody>
+        </p:sp>
+        <p:sp>
+          <p:nvSpPr>
+            <p:cNvPr id="113" name="Oval 112"/>
+            <p:cNvSpPr/>
+            <p:nvPr/>
+          </p:nvSpPr>
+          <p:spPr>
+            <a:xfrm>
+              <a:off x="8253299" y="3649031"/>
+              <a:ext cx="360000" cy="360000"/>
+            </a:xfrm>
+            <a:prstGeom prst="ellipse">
+              <a:avLst/>
+            </a:prstGeom>
+            <a:noFill/>
+            <a:ln>
+              <a:solidFill>
+                <a:schemeClr val="tx1"/>
+              </a:solidFill>
+            </a:ln>
+          </p:spPr>
+          <p:style>
+            <a:lnRef idx="2">
+              <a:schemeClr val="accent1">
+                <a:shade val="50000"/>
+              </a:schemeClr>
+            </a:lnRef>
+            <a:fillRef idx="1">
+              <a:schemeClr val="accent1"/>
+            </a:fillRef>
+            <a:effectRef idx="0">
+              <a:schemeClr val="accent1"/>
+            </a:effectRef>
+            <a:fontRef idx="minor">
+              <a:schemeClr val="lt1"/>
+            </a:fontRef>
+          </p:style>
+          <p:txBody>
+            <a:bodyPr rtlCol="0" anchor="ctr"/>
+            <a:lstStyle/>
+            <a:p>
+              <a:pPr algn="ctr"/>
+              <a:endParaRPr lang="pt-BR"/>
+            </a:p>
+          </p:txBody>
+        </p:sp>
+        <p:sp>
+          <p:nvSpPr>
+            <p:cNvPr id="114" name="Multiply 113"/>
+            <p:cNvSpPr>
+              <a:spLocks noChangeAspect="1"/>
+            </p:cNvSpPr>
+            <p:nvPr/>
+          </p:nvSpPr>
+          <p:spPr>
+            <a:xfrm>
+              <a:off x="8349614" y="3734666"/>
+              <a:ext cx="158298" cy="180000"/>
+            </a:xfrm>
+            <a:prstGeom prst="mathMultiply">
+              <a:avLst/>
+            </a:prstGeom>
+            <a:solidFill>
+              <a:srgbClr val="FF0000"/>
+            </a:solidFill>
+            <a:ln w="3175">
+              <a:solidFill>
+                <a:schemeClr val="tx1"/>
+              </a:solidFill>
+            </a:ln>
+          </p:spPr>
+          <p:style>
+            <a:lnRef idx="2">
+              <a:schemeClr val="accent1">
+                <a:shade val="50000"/>
+              </a:schemeClr>
+            </a:lnRef>
+            <a:fillRef idx="1">
+              <a:schemeClr val="accent1"/>
+            </a:fillRef>
+            <a:effectRef idx="0">
+              <a:schemeClr val="accent1"/>
+            </a:effectRef>
+            <a:fontRef idx="minor">
+              <a:schemeClr val="lt1"/>
+            </a:fontRef>
+          </p:style>
+          <p:txBody>
+            <a:bodyPr rtlCol="0" anchor="ctr"/>
+            <a:lstStyle/>
+            <a:p>
+              <a:pPr algn="ctr"/>
+              <a:endParaRPr lang="pt-BR"/>
+            </a:p>
+          </p:txBody>
+        </p:sp>
+        <p:sp>
+          <p:nvSpPr>
+            <p:cNvPr id="131" name="Multiply 130"/>
+            <p:cNvSpPr>
+              <a:spLocks noChangeAspect="1"/>
+            </p:cNvSpPr>
+            <p:nvPr/>
+          </p:nvSpPr>
+          <p:spPr>
+            <a:xfrm>
+              <a:off x="7733351" y="4634932"/>
+              <a:ext cx="72817" cy="82800"/>
+            </a:xfrm>
+            <a:prstGeom prst="mathMultiply">
+              <a:avLst/>
+            </a:prstGeom>
+            <a:solidFill>
+              <a:srgbClr val="00B0F0"/>
+            </a:solidFill>
+            <a:ln w="3175">
+              <a:solidFill>
+                <a:schemeClr val="tx1"/>
+              </a:solidFill>
+            </a:ln>
+          </p:spPr>
+          <p:style>
+            <a:lnRef idx="2">
+              <a:schemeClr val="accent1">
+                <a:shade val="50000"/>
+              </a:schemeClr>
+            </a:lnRef>
+            <a:fillRef idx="1">
+              <a:schemeClr val="accent1"/>
+            </a:fillRef>
+            <a:effectRef idx="0">
+              <a:schemeClr val="accent1"/>
+            </a:effectRef>
+            <a:fontRef idx="minor">
+              <a:schemeClr val="lt1"/>
+            </a:fontRef>
+          </p:style>
+          <p:txBody>
+            <a:bodyPr rtlCol="0" anchor="ctr"/>
+            <a:lstStyle/>
+            <a:p>
+              <a:pPr algn="ctr"/>
+              <a:endParaRPr lang="pt-BR"/>
+            </a:p>
+          </p:txBody>
+        </p:sp>
+        <p:sp>
+          <p:nvSpPr>
+            <p:cNvPr id="133" name="Multiply 132"/>
+            <p:cNvSpPr>
+              <a:spLocks noChangeAspect="1"/>
+            </p:cNvSpPr>
+            <p:nvPr/>
+          </p:nvSpPr>
+          <p:spPr>
+            <a:xfrm>
+              <a:off x="7955329" y="4345254"/>
+              <a:ext cx="72817" cy="82800"/>
+            </a:xfrm>
+            <a:prstGeom prst="mathMultiply">
+              <a:avLst/>
+            </a:prstGeom>
+            <a:solidFill>
+              <a:srgbClr val="00B0F0"/>
+            </a:solidFill>
+            <a:ln w="3175">
+              <a:solidFill>
+                <a:schemeClr val="tx1"/>
+              </a:solidFill>
+            </a:ln>
+          </p:spPr>
+          <p:style>
+            <a:lnRef idx="2">
+              <a:schemeClr val="accent1">
+                <a:shade val="50000"/>
+              </a:schemeClr>
+            </a:lnRef>
+            <a:fillRef idx="1">
+              <a:schemeClr val="accent1"/>
+            </a:fillRef>
+            <a:effectRef idx="0">
+              <a:schemeClr val="accent1"/>
+            </a:effectRef>
+            <a:fontRef idx="minor">
+              <a:schemeClr val="lt1"/>
+            </a:fontRef>
+          </p:style>
+          <p:txBody>
+            <a:bodyPr rtlCol="0" anchor="ctr"/>
+            <a:lstStyle/>
+            <a:p>
+              <a:pPr algn="ctr"/>
+              <a:endParaRPr lang="pt-BR"/>
+            </a:p>
+          </p:txBody>
+        </p:sp>
+        <p:sp>
+          <p:nvSpPr>
+            <p:cNvPr id="154" name="Multiply 153"/>
+            <p:cNvSpPr>
+              <a:spLocks noChangeAspect="1"/>
+            </p:cNvSpPr>
+            <p:nvPr/>
+          </p:nvSpPr>
+          <p:spPr>
+            <a:xfrm>
+              <a:off x="8149919" y="4099881"/>
+              <a:ext cx="72817" cy="82800"/>
+            </a:xfrm>
+            <a:prstGeom prst="mathMultiply">
+              <a:avLst/>
+            </a:prstGeom>
+            <a:solidFill>
+              <a:srgbClr val="00B0F0"/>
+            </a:solidFill>
+            <a:ln w="3175">
+              <a:solidFill>
+                <a:schemeClr val="tx1"/>
+              </a:solidFill>
+            </a:ln>
+          </p:spPr>
+          <p:style>
+            <a:lnRef idx="2">
+              <a:schemeClr val="accent1">
+                <a:shade val="50000"/>
+              </a:schemeClr>
+            </a:lnRef>
+            <a:fillRef idx="1">
+              <a:schemeClr val="accent1"/>
+            </a:fillRef>
+            <a:effectRef idx="0">
+              <a:schemeClr val="accent1"/>
+            </a:effectRef>
+            <a:fontRef idx="minor">
+              <a:schemeClr val="lt1"/>
+            </a:fontRef>
+          </p:style>
+          <p:txBody>
+            <a:bodyPr rtlCol="0" anchor="ctr"/>
+            <a:lstStyle/>
+            <a:p>
+              <a:pPr algn="ctr"/>
+              <a:endParaRPr lang="pt-BR"/>
+            </a:p>
+          </p:txBody>
+        </p:sp>
+        <p:cxnSp>
+          <p:nvCxnSpPr>
+            <p:cNvPr id="160" name="Straight Arrow Connector 159"/>
+            <p:cNvCxnSpPr/>
+            <p:nvPr/>
+          </p:nvCxnSpPr>
+          <p:spPr>
+            <a:xfrm>
+              <a:off x="7038874" y="2534498"/>
+              <a:ext cx="0" cy="2556000"/>
+            </a:xfrm>
+            <a:prstGeom prst="straightConnector1">
+              <a:avLst/>
+            </a:prstGeom>
+            <a:ln w="19050">
+              <a:solidFill>
+                <a:schemeClr val="tx1"/>
+              </a:solidFill>
+              <a:headEnd type="triangle" w="med" len="med"/>
+              <a:tailEnd type="none" w="med" len="med"/>
+            </a:ln>
+          </p:spPr>
+          <p:style>
+            <a:lnRef idx="1">
+              <a:schemeClr val="accent1"/>
+            </a:lnRef>
+            <a:fillRef idx="0">
+              <a:schemeClr val="accent1"/>
+            </a:fillRef>
+            <a:effectRef idx="0">
+              <a:schemeClr val="accent1"/>
+            </a:effectRef>
+            <a:fontRef idx="minor">
+              <a:schemeClr val="tx1"/>
+            </a:fontRef>
+          </p:style>
+        </p:cxnSp>
+        <p:cxnSp>
+          <p:nvCxnSpPr>
+            <p:cNvPr id="161" name="Straight Arrow Connector 160"/>
+            <p:cNvCxnSpPr/>
+            <p:nvPr/>
+          </p:nvCxnSpPr>
+          <p:spPr>
+            <a:xfrm rot="5400000">
+              <a:off x="8507912" y="3626810"/>
+              <a:ext cx="0" cy="2952000"/>
+            </a:xfrm>
+            <a:prstGeom prst="straightConnector1">
+              <a:avLst/>
+            </a:prstGeom>
+            <a:ln w="19050">
+              <a:solidFill>
+                <a:schemeClr val="tx1"/>
+              </a:solidFill>
+              <a:headEnd type="triangle" w="med" len="med"/>
+              <a:tailEnd type="none" w="med" len="med"/>
+            </a:ln>
+          </p:spPr>
+          <p:style>
+            <a:lnRef idx="1">
+              <a:schemeClr val="accent1"/>
+            </a:lnRef>
+            <a:fillRef idx="0">
+              <a:schemeClr val="accent1"/>
+            </a:fillRef>
+            <a:effectRef idx="0">
+              <a:schemeClr val="accent1"/>
+            </a:effectRef>
+            <a:fontRef idx="minor">
+              <a:schemeClr val="tx1"/>
+            </a:fontRef>
+          </p:style>
+        </p:cxnSp>
+        <mc:AlternateContent xmlns:mc="http://schemas.openxmlformats.org/markup-compatibility/2006" xmlns:a14="http://schemas.microsoft.com/office/drawing/2010/main">
+          <mc:Choice Requires="a14">
+            <p:sp>
+              <p:nvSpPr>
+                <p:cNvPr id="162" name="TextBox 161"/>
+                <p:cNvSpPr txBox="1"/>
+                <p:nvPr/>
+              </p:nvSpPr>
+              <p:spPr>
+                <a:xfrm>
+                  <a:off x="9942348" y="4892106"/>
+                  <a:ext cx="426028" cy="400110"/>
+                </a:xfrm>
+                <a:prstGeom prst="rect">
+                  <a:avLst/>
+                </a:prstGeom>
+                <a:noFill/>
+              </p:spPr>
+              <p:txBody>
+                <a:bodyPr wrap="square" rtlCol="0">
+                  <a:spAutoFit/>
+                </a:bodyPr>
+                <a:lstStyle/>
+                <a:p>
+                  <a:pPr/>
+                  <a14:m>
+                    <m:oMathPara xmlns:m="http://schemas.openxmlformats.org/officeDocument/2006/math">
+                      <m:oMathParaPr>
+                        <m:jc m:val="centerGroup"/>
+                      </m:oMathParaPr>
+                      <m:oMath xmlns:m="http://schemas.openxmlformats.org/officeDocument/2006/math">
+                        <m:sSub>
+                          <m:sSubPr>
+                            <m:ctrlPr>
+                              <a:rPr lang="pt-BR" sz="2000" i="1" smtClean="0">
+                                <a:latin typeface="Cambria Math" panose="02040503050406030204" pitchFamily="18" charset="0"/>
+                              </a:rPr>
+                            </m:ctrlPr>
+                          </m:sSubPr>
+                          <m:e>
+                            <m:r>
+                              <a:rPr lang="pt-BR" sz="2000" b="0" i="1" smtClean="0">
+                                <a:latin typeface="Cambria Math" panose="02040503050406030204" pitchFamily="18" charset="0"/>
+                              </a:rPr>
+                              <m:t>𝑎</m:t>
+                            </m:r>
+                          </m:e>
+                          <m:sub>
+                            <m:r>
+                              <a:rPr lang="pt-BR" sz="2000" b="0" i="1" smtClean="0">
+                                <a:latin typeface="Cambria Math" panose="02040503050406030204" pitchFamily="18" charset="0"/>
+                              </a:rPr>
+                              <m:t>1</m:t>
+                            </m:r>
+                          </m:sub>
+                        </m:sSub>
+                      </m:oMath>
+                    </m:oMathPara>
+                  </a14:m>
+                  <a:endParaRPr lang="pt-BR" sz="2000" dirty="0"/>
+                </a:p>
+              </p:txBody>
+            </p:sp>
+          </mc:Choice>
+          <mc:Fallback xmlns="">
+            <p:sp>
+              <p:nvSpPr>
+                <p:cNvPr id="162" name="TextBox 161"/>
+                <p:cNvSpPr txBox="1">
+                  <a:spLocks noRot="1" noChangeAspect="1" noMove="1" noResize="1" noEditPoints="1" noAdjustHandles="1" noChangeArrowheads="1" noChangeShapeType="1" noTextEdit="1"/>
+                </p:cNvSpPr>
+                <p:nvPr/>
+              </p:nvSpPr>
+              <p:spPr>
+                <a:xfrm>
+                  <a:off x="9942348" y="4892106"/>
+                  <a:ext cx="426028" cy="400110"/>
+                </a:xfrm>
+                <a:prstGeom prst="rect">
+                  <a:avLst/>
+                </a:prstGeom>
+                <a:blipFill>
+                  <a:blip r:embed="rId2"/>
+                  <a:stretch>
+                    <a:fillRect/>
+                  </a:stretch>
+                </a:blipFill>
+              </p:spPr>
+              <p:txBody>
+                <a:bodyPr/>
+                <a:lstStyle/>
+                <a:p>
+                  <a:r>
+                    <a:rPr lang="pt-BR">
+                      <a:noFill/>
+                    </a:rPr>
+                    <a:t> </a:t>
+                  </a:r>
+                </a:p>
+              </p:txBody>
+            </p:sp>
+          </mc:Fallback>
+        </mc:AlternateContent>
+        <mc:AlternateContent xmlns:mc="http://schemas.openxmlformats.org/markup-compatibility/2006" xmlns:a14="http://schemas.microsoft.com/office/drawing/2010/main">
+          <mc:Choice Requires="a14">
+            <p:sp>
+              <p:nvSpPr>
+                <p:cNvPr id="163" name="TextBox 162"/>
+                <p:cNvSpPr txBox="1"/>
+                <p:nvPr/>
+              </p:nvSpPr>
+              <p:spPr>
+                <a:xfrm>
+                  <a:off x="6818898" y="2134388"/>
+                  <a:ext cx="426028" cy="400110"/>
+                </a:xfrm>
+                <a:prstGeom prst="rect">
+                  <a:avLst/>
+                </a:prstGeom>
+                <a:noFill/>
+              </p:spPr>
+              <p:txBody>
+                <a:bodyPr wrap="square" rtlCol="0">
+                  <a:spAutoFit/>
+                </a:bodyPr>
+                <a:lstStyle/>
+                <a:p>
+                  <a:pPr/>
+                  <a14:m>
+                    <m:oMathPara xmlns:m="http://schemas.openxmlformats.org/officeDocument/2006/math">
+                      <m:oMathParaPr>
+                        <m:jc m:val="centerGroup"/>
+                      </m:oMathParaPr>
+                      <m:oMath xmlns:m="http://schemas.openxmlformats.org/officeDocument/2006/math">
+                        <m:sSub>
+                          <m:sSubPr>
+                            <m:ctrlPr>
+                              <a:rPr lang="pt-BR" sz="2000" i="1" smtClean="0">
+                                <a:latin typeface="Cambria Math" panose="02040503050406030204" pitchFamily="18" charset="0"/>
+                              </a:rPr>
+                            </m:ctrlPr>
+                          </m:sSubPr>
+                          <m:e>
+                            <m:r>
+                              <a:rPr lang="pt-BR" sz="2000" b="0" i="1" smtClean="0">
+                                <a:latin typeface="Cambria Math" panose="02040503050406030204" pitchFamily="18" charset="0"/>
+                              </a:rPr>
+                              <m:t>𝑎</m:t>
+                            </m:r>
+                          </m:e>
+                          <m:sub>
+                            <m:r>
+                              <a:rPr lang="pt-BR" sz="2000" b="0" i="1" smtClean="0">
+                                <a:latin typeface="Cambria Math" panose="02040503050406030204" pitchFamily="18" charset="0"/>
+                              </a:rPr>
+                              <m:t>2</m:t>
+                            </m:r>
+                          </m:sub>
+                        </m:sSub>
+                      </m:oMath>
+                    </m:oMathPara>
+                  </a14:m>
+                  <a:endParaRPr lang="pt-BR" sz="2000" dirty="0"/>
+                </a:p>
+              </p:txBody>
+            </p:sp>
+          </mc:Choice>
+          <mc:Fallback xmlns="">
+            <p:sp>
+              <p:nvSpPr>
+                <p:cNvPr id="163" name="TextBox 162"/>
+                <p:cNvSpPr txBox="1">
+                  <a:spLocks noRot="1" noChangeAspect="1" noMove="1" noResize="1" noEditPoints="1" noAdjustHandles="1" noChangeArrowheads="1" noChangeShapeType="1" noTextEdit="1"/>
+                </p:cNvSpPr>
+                <p:nvPr/>
+              </p:nvSpPr>
+              <p:spPr>
+                <a:xfrm>
+                  <a:off x="6818898" y="2134388"/>
+                  <a:ext cx="426028" cy="400110"/>
+                </a:xfrm>
+                <a:prstGeom prst="rect">
+                  <a:avLst/>
+                </a:prstGeom>
+                <a:blipFill>
+                  <a:blip r:embed="rId3"/>
+                  <a:stretch>
+                    <a:fillRect/>
+                  </a:stretch>
+                </a:blipFill>
+              </p:spPr>
+              <p:txBody>
+                <a:bodyPr/>
+                <a:lstStyle/>
+                <a:p>
+                  <a:r>
+                    <a:rPr lang="pt-BR">
+                      <a:noFill/>
+                    </a:rPr>
+                    <a:t> </a:t>
+                  </a:r>
+                </a:p>
+              </p:txBody>
+            </p:sp>
+          </mc:Fallback>
+        </mc:AlternateContent>
+        <p:sp>
+          <p:nvSpPr>
+            <p:cNvPr id="15" name="Multiply 134">
+              <a:extLst>
+                <a:ext uri="{FF2B5EF4-FFF2-40B4-BE49-F238E27FC236}">
+                  <a16:creationId xmlns:a16="http://schemas.microsoft.com/office/drawing/2014/main" id="{FA9070BF-71F6-1E79-9102-A7B4206F9C0D}"/>
+                </a:ext>
+              </a:extLst>
+            </p:cNvPr>
+            <p:cNvSpPr>
+              <a:spLocks noChangeAspect="1"/>
+            </p:cNvSpPr>
+            <p:nvPr/>
+          </p:nvSpPr>
+          <p:spPr>
+            <a:xfrm>
+              <a:off x="8387633" y="3781663"/>
+              <a:ext cx="72817" cy="82800"/>
+            </a:xfrm>
+            <a:prstGeom prst="mathMultiply">
+              <a:avLst/>
+            </a:prstGeom>
+            <a:solidFill>
+              <a:srgbClr val="00B0F0"/>
+            </a:solidFill>
+            <a:ln w="3175">
+              <a:solidFill>
+                <a:schemeClr val="tx1"/>
+              </a:solidFill>
+            </a:ln>
+          </p:spPr>
+          <p:style>
+            <a:lnRef idx="2">
+              <a:schemeClr val="accent1">
+                <a:shade val="50000"/>
+              </a:schemeClr>
+            </a:lnRef>
+            <a:fillRef idx="1">
+              <a:schemeClr val="accent1"/>
+            </a:fillRef>
+            <a:effectRef idx="0">
+              <a:schemeClr val="accent1"/>
+            </a:effectRef>
+            <a:fontRef idx="minor">
+              <a:schemeClr val="lt1"/>
+            </a:fontRef>
+          </p:style>
+          <p:txBody>
+            <a:bodyPr rtlCol="0" anchor="ctr"/>
+            <a:lstStyle/>
+            <a:p>
+              <a:pPr algn="ctr"/>
+              <a:endParaRPr lang="pt-BR"/>
+            </a:p>
+          </p:txBody>
+        </p:sp>
+      </p:grpSp>
+      <p:grpSp>
+        <p:nvGrpSpPr>
+          <p:cNvPr id="62" name="Agrupar 61">
+            <a:extLst>
+              <a:ext uri="{FF2B5EF4-FFF2-40B4-BE49-F238E27FC236}">
+                <a16:creationId xmlns:a16="http://schemas.microsoft.com/office/drawing/2014/main" id="{0B221044-5B56-2889-43EF-6B1CDF9732B4}"/>
+              </a:ext>
+            </a:extLst>
+          </p:cNvPr>
+          <p:cNvGrpSpPr/>
+          <p:nvPr/>
+        </p:nvGrpSpPr>
+        <p:grpSpPr>
+          <a:xfrm>
+            <a:off x="976001" y="982970"/>
+            <a:ext cx="3692189" cy="5459335"/>
+            <a:chOff x="976001" y="982970"/>
+            <a:chExt cx="3692189" cy="5459335"/>
+          </a:xfrm>
+        </p:grpSpPr>
+        <p:sp>
+          <p:nvSpPr>
+            <p:cNvPr id="4" name="Oval 3"/>
+            <p:cNvSpPr>
+              <a:spLocks/>
+            </p:cNvSpPr>
+            <p:nvPr/>
+          </p:nvSpPr>
+          <p:spPr>
+            <a:xfrm>
+              <a:off x="1968885" y="1770983"/>
+              <a:ext cx="1800000" cy="3600000"/>
+            </a:xfrm>
+            <a:prstGeom prst="ellipse">
+              <a:avLst/>
+            </a:prstGeom>
+            <a:noFill/>
+            <a:ln>
+              <a:solidFill>
+                <a:schemeClr val="tx1"/>
+              </a:solidFill>
+            </a:ln>
+          </p:spPr>
+          <p:style>
+            <a:lnRef idx="2">
+              <a:schemeClr val="accent1">
+                <a:shade val="50000"/>
+              </a:schemeClr>
+            </a:lnRef>
+            <a:fillRef idx="1">
+              <a:schemeClr val="accent1"/>
+            </a:fillRef>
+            <a:effectRef idx="0">
+              <a:schemeClr val="accent1"/>
+            </a:effectRef>
+            <a:fontRef idx="minor">
+              <a:schemeClr val="lt1"/>
+            </a:fontRef>
+          </p:style>
+          <p:txBody>
+            <a:bodyPr rtlCol="0" anchor="ctr"/>
+            <a:lstStyle/>
+            <a:p>
+              <a:pPr algn="ctr"/>
+              <a:endParaRPr lang="pt-BR"/>
+            </a:p>
+          </p:txBody>
+        </p:sp>
+        <p:sp>
+          <p:nvSpPr>
+            <p:cNvPr id="5" name="Oval 4"/>
+            <p:cNvSpPr/>
+            <p:nvPr/>
+          </p:nvSpPr>
+          <p:spPr>
+            <a:xfrm>
+              <a:off x="2328885" y="2129689"/>
+              <a:ext cx="1080000" cy="2880000"/>
+            </a:xfrm>
+            <a:prstGeom prst="ellipse">
+              <a:avLst/>
+            </a:prstGeom>
+            <a:noFill/>
+            <a:ln>
+              <a:solidFill>
+                <a:schemeClr val="tx1"/>
+              </a:solidFill>
+            </a:ln>
+          </p:spPr>
+          <p:style>
+            <a:lnRef idx="2">
+              <a:schemeClr val="accent1">
+                <a:shade val="50000"/>
+              </a:schemeClr>
+            </a:lnRef>
+            <a:fillRef idx="1">
+              <a:schemeClr val="accent1"/>
+            </a:fillRef>
+            <a:effectRef idx="0">
+              <a:schemeClr val="accent1"/>
+            </a:effectRef>
+            <a:fontRef idx="minor">
+              <a:schemeClr val="lt1"/>
+            </a:fontRef>
+          </p:style>
+          <p:txBody>
+            <a:bodyPr rtlCol="0" anchor="ctr"/>
+            <a:lstStyle/>
+            <a:p>
+              <a:pPr algn="ctr"/>
+              <a:endParaRPr lang="pt-BR" dirty="0"/>
+            </a:p>
+          </p:txBody>
+        </p:sp>
+        <p:sp>
+          <p:nvSpPr>
+            <p:cNvPr id="7" name="Oval 6"/>
+            <p:cNvSpPr/>
+            <p:nvPr/>
+          </p:nvSpPr>
+          <p:spPr>
+            <a:xfrm>
+              <a:off x="2688885" y="2489689"/>
+              <a:ext cx="360000" cy="2160000"/>
+            </a:xfrm>
+            <a:prstGeom prst="ellipse">
+              <a:avLst/>
+            </a:prstGeom>
+            <a:noFill/>
+            <a:ln>
+              <a:solidFill>
+                <a:schemeClr val="tx1"/>
+              </a:solidFill>
+            </a:ln>
+          </p:spPr>
+          <p:style>
+            <a:lnRef idx="2">
+              <a:schemeClr val="accent1">
+                <a:shade val="50000"/>
+              </a:schemeClr>
+            </a:lnRef>
+            <a:fillRef idx="1">
+              <a:schemeClr val="accent1"/>
+            </a:fillRef>
+            <a:effectRef idx="0">
+              <a:schemeClr val="accent1"/>
+            </a:effectRef>
+            <a:fontRef idx="minor">
+              <a:schemeClr val="lt1"/>
+            </a:fontRef>
+          </p:style>
+          <p:txBody>
+            <a:bodyPr rtlCol="0" anchor="ctr"/>
+            <a:lstStyle/>
+            <a:p>
+              <a:pPr algn="ctr"/>
+              <a:endParaRPr lang="pt-BR"/>
+            </a:p>
+          </p:txBody>
+        </p:sp>
+        <p:sp>
+          <p:nvSpPr>
+            <p:cNvPr id="9" name="Oval 8"/>
+            <p:cNvSpPr/>
+            <p:nvPr/>
+          </p:nvSpPr>
+          <p:spPr>
+            <a:xfrm>
+              <a:off x="2508885" y="2309689"/>
+              <a:ext cx="720000" cy="2520000"/>
+            </a:xfrm>
+            <a:prstGeom prst="ellipse">
+              <a:avLst/>
+            </a:prstGeom>
+            <a:noFill/>
+            <a:ln>
+              <a:solidFill>
+                <a:schemeClr val="tx1"/>
+              </a:solidFill>
+            </a:ln>
+          </p:spPr>
+          <p:style>
+            <a:lnRef idx="2">
+              <a:schemeClr val="accent1">
+                <a:shade val="50000"/>
+              </a:schemeClr>
+            </a:lnRef>
+            <a:fillRef idx="1">
+              <a:schemeClr val="accent1"/>
+            </a:fillRef>
+            <a:effectRef idx="0">
+              <a:schemeClr val="accent1"/>
+            </a:effectRef>
+            <a:fontRef idx="minor">
+              <a:schemeClr val="lt1"/>
+            </a:fontRef>
+          </p:style>
+          <p:txBody>
+            <a:bodyPr rtlCol="0" anchor="ctr"/>
+            <a:lstStyle/>
+            <a:p>
+              <a:pPr algn="ctr"/>
+              <a:endParaRPr lang="pt-BR"/>
+            </a:p>
+          </p:txBody>
+        </p:sp>
+        <p:sp>
+          <p:nvSpPr>
+            <p:cNvPr id="10" name="Oval 9"/>
+            <p:cNvSpPr/>
+            <p:nvPr/>
+          </p:nvSpPr>
+          <p:spPr>
+            <a:xfrm>
+              <a:off x="2148885" y="1949689"/>
+              <a:ext cx="1440000" cy="3240000"/>
+            </a:xfrm>
+            <a:prstGeom prst="ellipse">
+              <a:avLst/>
+            </a:prstGeom>
+            <a:noFill/>
+            <a:ln>
+              <a:solidFill>
+                <a:schemeClr val="tx1"/>
+              </a:solidFill>
+            </a:ln>
+          </p:spPr>
+          <p:style>
+            <a:lnRef idx="2">
+              <a:schemeClr val="accent1">
+                <a:shade val="50000"/>
+              </a:schemeClr>
+            </a:lnRef>
+            <a:fillRef idx="1">
+              <a:schemeClr val="accent1"/>
+            </a:fillRef>
+            <a:effectRef idx="0">
+              <a:schemeClr val="accent1"/>
+            </a:effectRef>
+            <a:fontRef idx="minor">
+              <a:schemeClr val="lt1"/>
+            </a:fontRef>
+          </p:style>
+          <p:txBody>
+            <a:bodyPr rtlCol="0" anchor="ctr"/>
+            <a:lstStyle/>
+            <a:p>
+              <a:pPr algn="ctr"/>
+              <a:endParaRPr lang="pt-BR"/>
+            </a:p>
+          </p:txBody>
+        </p:sp>
+        <p:sp>
+          <p:nvSpPr>
+            <p:cNvPr id="11" name="Oval 10"/>
+            <p:cNvSpPr>
+              <a:spLocks/>
+            </p:cNvSpPr>
+            <p:nvPr/>
+          </p:nvSpPr>
+          <p:spPr>
+            <a:xfrm>
+              <a:off x="1788885" y="1589689"/>
+              <a:ext cx="2160000" cy="3960000"/>
+            </a:xfrm>
+            <a:prstGeom prst="ellipse">
+              <a:avLst/>
+            </a:prstGeom>
+            <a:noFill/>
+            <a:ln>
+              <a:solidFill>
+                <a:schemeClr val="tx1"/>
+              </a:solidFill>
+            </a:ln>
+          </p:spPr>
+          <p:style>
+            <a:lnRef idx="2">
+              <a:schemeClr val="accent1">
+                <a:shade val="50000"/>
+              </a:schemeClr>
+            </a:lnRef>
+            <a:fillRef idx="1">
+              <a:schemeClr val="accent1"/>
+            </a:fillRef>
+            <a:effectRef idx="0">
+              <a:schemeClr val="accent1"/>
+            </a:effectRef>
+            <a:fontRef idx="minor">
+              <a:schemeClr val="lt1"/>
+            </a:fontRef>
+          </p:style>
+          <p:txBody>
+            <a:bodyPr rtlCol="0" anchor="ctr"/>
+            <a:lstStyle/>
+            <a:p>
+              <a:pPr algn="ctr"/>
+              <a:endParaRPr lang="pt-BR"/>
+            </a:p>
+          </p:txBody>
+        </p:sp>
+        <p:sp>
+          <p:nvSpPr>
+            <p:cNvPr id="69" name="Multiply 68"/>
+            <p:cNvSpPr>
+              <a:spLocks noChangeAspect="1"/>
+            </p:cNvSpPr>
+            <p:nvPr/>
+          </p:nvSpPr>
+          <p:spPr>
+            <a:xfrm>
+              <a:off x="2779419" y="3432212"/>
+              <a:ext cx="158298" cy="180000"/>
+            </a:xfrm>
+            <a:prstGeom prst="mathMultiply">
+              <a:avLst/>
+            </a:prstGeom>
+            <a:solidFill>
+              <a:srgbClr val="FF0000"/>
+            </a:solidFill>
+            <a:ln w="3175">
+              <a:solidFill>
+                <a:schemeClr val="tx1"/>
+              </a:solidFill>
+            </a:ln>
+          </p:spPr>
+          <p:style>
+            <a:lnRef idx="2">
+              <a:schemeClr val="accent1">
+                <a:shade val="50000"/>
+              </a:schemeClr>
+            </a:lnRef>
+            <a:fillRef idx="1">
+              <a:schemeClr val="accent1"/>
+            </a:fillRef>
+            <a:effectRef idx="0">
+              <a:schemeClr val="accent1"/>
+            </a:effectRef>
+            <a:fontRef idx="minor">
+              <a:schemeClr val="lt1"/>
+            </a:fontRef>
+          </p:style>
+          <p:txBody>
+            <a:bodyPr rtlCol="0" anchor="ctr"/>
+            <a:lstStyle/>
+            <a:p>
+              <a:pPr algn="ctr"/>
+              <a:endParaRPr lang="pt-BR"/>
+            </a:p>
+          </p:txBody>
+        </p:sp>
+        <p:cxnSp>
+          <p:nvCxnSpPr>
+            <p:cNvPr id="158" name="Straight Arrow Connector 157"/>
+            <p:cNvCxnSpPr>
+              <a:cxnSpLocks/>
+            </p:cNvCxnSpPr>
+            <p:nvPr/>
+          </p:nvCxnSpPr>
+          <p:spPr>
+            <a:xfrm>
+              <a:off x="1189015" y="1390645"/>
+              <a:ext cx="0" cy="4860000"/>
+            </a:xfrm>
+            <a:prstGeom prst="straightConnector1">
+              <a:avLst/>
+            </a:prstGeom>
+            <a:ln w="19050">
+              <a:solidFill>
+                <a:schemeClr val="tx1"/>
+              </a:solidFill>
+              <a:headEnd type="triangle" w="med" len="med"/>
+              <a:tailEnd type="none" w="med" len="med"/>
+            </a:ln>
+          </p:spPr>
+          <p:style>
+            <a:lnRef idx="1">
+              <a:schemeClr val="accent1"/>
+            </a:lnRef>
+            <a:fillRef idx="0">
+              <a:schemeClr val="accent1"/>
+            </a:fillRef>
+            <a:effectRef idx="0">
+              <a:schemeClr val="accent1"/>
+            </a:effectRef>
+            <a:fontRef idx="minor">
+              <a:schemeClr val="tx1"/>
+            </a:fontRef>
+          </p:style>
+        </p:cxnSp>
+        <p:cxnSp>
+          <p:nvCxnSpPr>
+            <p:cNvPr id="159" name="Straight Arrow Connector 158"/>
+            <p:cNvCxnSpPr/>
+            <p:nvPr/>
+          </p:nvCxnSpPr>
+          <p:spPr>
+            <a:xfrm rot="5400000">
+              <a:off x="2751655" y="4684645"/>
+              <a:ext cx="0" cy="3132000"/>
+            </a:xfrm>
+            <a:prstGeom prst="straightConnector1">
+              <a:avLst/>
+            </a:prstGeom>
+            <a:ln w="19050">
+              <a:solidFill>
+                <a:schemeClr val="tx1"/>
+              </a:solidFill>
+              <a:headEnd type="triangle" w="med" len="med"/>
+              <a:tailEnd type="none" w="med" len="med"/>
+            </a:ln>
+          </p:spPr>
+          <p:style>
+            <a:lnRef idx="1">
+              <a:schemeClr val="accent1"/>
+            </a:lnRef>
+            <a:fillRef idx="0">
+              <a:schemeClr val="accent1"/>
+            </a:fillRef>
+            <a:effectRef idx="0">
+              <a:schemeClr val="accent1"/>
+            </a:effectRef>
+            <a:fontRef idx="minor">
+              <a:schemeClr val="tx1"/>
+            </a:fontRef>
+          </p:style>
+        </p:cxnSp>
+        <mc:AlternateContent xmlns:mc="http://schemas.openxmlformats.org/markup-compatibility/2006" xmlns:a14="http://schemas.microsoft.com/office/drawing/2010/main">
+          <mc:Choice Requires="a14">
+            <p:sp>
+              <p:nvSpPr>
+                <p:cNvPr id="164" name="TextBox 163"/>
+                <p:cNvSpPr txBox="1"/>
+                <p:nvPr/>
+              </p:nvSpPr>
+              <p:spPr>
+                <a:xfrm>
+                  <a:off x="4242162" y="6042195"/>
+                  <a:ext cx="426028" cy="400110"/>
+                </a:xfrm>
+                <a:prstGeom prst="rect">
+                  <a:avLst/>
+                </a:prstGeom>
+                <a:noFill/>
+              </p:spPr>
+              <p:txBody>
+                <a:bodyPr wrap="square" rtlCol="0">
+                  <a:spAutoFit/>
+                </a:bodyPr>
+                <a:lstStyle/>
+                <a:p>
+                  <a:pPr/>
+                  <a14:m>
+                    <m:oMathPara xmlns:m="http://schemas.openxmlformats.org/officeDocument/2006/math">
+                      <m:oMathParaPr>
+                        <m:jc m:val="centerGroup"/>
+                      </m:oMathParaPr>
+                      <m:oMath xmlns:m="http://schemas.openxmlformats.org/officeDocument/2006/math">
+                        <m:sSub>
+                          <m:sSubPr>
+                            <m:ctrlPr>
+                              <a:rPr lang="pt-BR" sz="2000" i="1" smtClean="0">
+                                <a:latin typeface="Cambria Math" panose="02040503050406030204" pitchFamily="18" charset="0"/>
+                              </a:rPr>
+                            </m:ctrlPr>
+                          </m:sSubPr>
+                          <m:e>
+                            <m:r>
+                              <a:rPr lang="pt-BR" sz="2000" b="0" i="1" smtClean="0">
+                                <a:latin typeface="Cambria Math" panose="02040503050406030204" pitchFamily="18" charset="0"/>
+                              </a:rPr>
+                              <m:t>𝑎</m:t>
+                            </m:r>
+                          </m:e>
+                          <m:sub>
+                            <m:r>
+                              <a:rPr lang="pt-BR" sz="2000" b="0" i="1" smtClean="0">
+                                <a:latin typeface="Cambria Math" panose="02040503050406030204" pitchFamily="18" charset="0"/>
+                              </a:rPr>
+                              <m:t>1</m:t>
+                            </m:r>
+                          </m:sub>
+                        </m:sSub>
+                      </m:oMath>
+                    </m:oMathPara>
+                  </a14:m>
+                  <a:endParaRPr lang="pt-BR" sz="2000" dirty="0"/>
+                </a:p>
+              </p:txBody>
+            </p:sp>
+          </mc:Choice>
+          <mc:Fallback xmlns="">
+            <p:sp>
+              <p:nvSpPr>
+                <p:cNvPr id="164" name="TextBox 163"/>
+                <p:cNvSpPr txBox="1">
+                  <a:spLocks noRot="1" noChangeAspect="1" noMove="1" noResize="1" noEditPoints="1" noAdjustHandles="1" noChangeArrowheads="1" noChangeShapeType="1" noTextEdit="1"/>
+                </p:cNvSpPr>
+                <p:nvPr/>
+              </p:nvSpPr>
+              <p:spPr>
+                <a:xfrm>
+                  <a:off x="4242162" y="6042195"/>
+                  <a:ext cx="426028" cy="400110"/>
+                </a:xfrm>
+                <a:prstGeom prst="rect">
+                  <a:avLst/>
+                </a:prstGeom>
+                <a:blipFill>
+                  <a:blip r:embed="rId4"/>
+                  <a:stretch>
+                    <a:fillRect/>
+                  </a:stretch>
+                </a:blipFill>
+              </p:spPr>
+              <p:txBody>
+                <a:bodyPr/>
+                <a:lstStyle/>
+                <a:p>
+                  <a:r>
+                    <a:rPr lang="pt-BR">
+                      <a:noFill/>
+                    </a:rPr>
+                    <a:t> </a:t>
+                  </a:r>
+                </a:p>
+              </p:txBody>
+            </p:sp>
+          </mc:Fallback>
+        </mc:AlternateContent>
+        <mc:AlternateContent xmlns:mc="http://schemas.openxmlformats.org/markup-compatibility/2006" xmlns:a14="http://schemas.microsoft.com/office/drawing/2010/main">
+          <mc:Choice Requires="a14">
+            <p:sp>
+              <p:nvSpPr>
+                <p:cNvPr id="165" name="TextBox 164"/>
+                <p:cNvSpPr txBox="1"/>
+                <p:nvPr/>
+              </p:nvSpPr>
+              <p:spPr>
+                <a:xfrm>
+                  <a:off x="976001" y="982970"/>
+                  <a:ext cx="426028" cy="400110"/>
+                </a:xfrm>
+                <a:prstGeom prst="rect">
+                  <a:avLst/>
+                </a:prstGeom>
+                <a:noFill/>
+              </p:spPr>
+              <p:txBody>
+                <a:bodyPr wrap="square" rtlCol="0">
+                  <a:spAutoFit/>
+                </a:bodyPr>
+                <a:lstStyle/>
+                <a:p>
+                  <a:pPr/>
+                  <a14:m>
+                    <m:oMathPara xmlns:m="http://schemas.openxmlformats.org/officeDocument/2006/math">
+                      <m:oMathParaPr>
+                        <m:jc m:val="centerGroup"/>
+                      </m:oMathParaPr>
+                      <m:oMath xmlns:m="http://schemas.openxmlformats.org/officeDocument/2006/math">
+                        <m:sSub>
+                          <m:sSubPr>
+                            <m:ctrlPr>
+                              <a:rPr lang="pt-BR" sz="2000" i="1" smtClean="0">
+                                <a:latin typeface="Cambria Math" panose="02040503050406030204" pitchFamily="18" charset="0"/>
+                              </a:rPr>
+                            </m:ctrlPr>
+                          </m:sSubPr>
+                          <m:e>
+                            <m:r>
+                              <a:rPr lang="pt-BR" sz="2000" b="0" i="1" smtClean="0">
+                                <a:latin typeface="Cambria Math" panose="02040503050406030204" pitchFamily="18" charset="0"/>
+                              </a:rPr>
+                              <m:t>𝑎</m:t>
+                            </m:r>
+                          </m:e>
+                          <m:sub>
+                            <m:r>
+                              <a:rPr lang="pt-BR" sz="2000" b="0" i="1" smtClean="0">
+                                <a:latin typeface="Cambria Math" panose="02040503050406030204" pitchFamily="18" charset="0"/>
+                              </a:rPr>
+                              <m:t>2</m:t>
+                            </m:r>
+                          </m:sub>
+                        </m:sSub>
+                      </m:oMath>
+                    </m:oMathPara>
+                  </a14:m>
+                  <a:endParaRPr lang="pt-BR" sz="2000" dirty="0"/>
+                </a:p>
+              </p:txBody>
+            </p:sp>
+          </mc:Choice>
+          <mc:Fallback xmlns="">
+            <p:sp>
+              <p:nvSpPr>
+                <p:cNvPr id="165" name="TextBox 164"/>
+                <p:cNvSpPr txBox="1">
+                  <a:spLocks noRot="1" noChangeAspect="1" noMove="1" noResize="1" noEditPoints="1" noAdjustHandles="1" noChangeArrowheads="1" noChangeShapeType="1" noTextEdit="1"/>
+                </p:cNvSpPr>
+                <p:nvPr/>
+              </p:nvSpPr>
+              <p:spPr>
+                <a:xfrm>
+                  <a:off x="976001" y="982970"/>
+                  <a:ext cx="426028" cy="400110"/>
+                </a:xfrm>
+                <a:prstGeom prst="rect">
+                  <a:avLst/>
+                </a:prstGeom>
+                <a:blipFill>
+                  <a:blip r:embed="rId5"/>
+                  <a:stretch>
+                    <a:fillRect/>
+                  </a:stretch>
+                </a:blipFill>
+              </p:spPr>
+              <p:txBody>
+                <a:bodyPr/>
+                <a:lstStyle/>
+                <a:p>
+                  <a:r>
+                    <a:rPr lang="pt-BR">
+                      <a:noFill/>
+                    </a:rPr>
+                    <a:t> </a:t>
+                  </a:r>
+                </a:p>
+              </p:txBody>
+            </p:sp>
+          </mc:Fallback>
+        </mc:AlternateContent>
+        <p:sp>
+          <p:nvSpPr>
+            <p:cNvPr id="17" name="Oval 10">
+              <a:extLst>
+                <a:ext uri="{FF2B5EF4-FFF2-40B4-BE49-F238E27FC236}">
+                  <a16:creationId xmlns:a16="http://schemas.microsoft.com/office/drawing/2014/main" id="{C5B5E787-9046-A8D9-E7D1-5D4F0F774AE9}"/>
+                </a:ext>
+              </a:extLst>
+            </p:cNvPr>
+            <p:cNvSpPr>
+              <a:spLocks noChangeAspect="1"/>
+            </p:cNvSpPr>
+            <p:nvPr/>
+          </p:nvSpPr>
+          <p:spPr>
+            <a:xfrm>
+              <a:off x="1625553" y="1400275"/>
+              <a:ext cx="2474176" cy="4348592"/>
+            </a:xfrm>
+            <a:prstGeom prst="ellipse">
+              <a:avLst/>
+            </a:prstGeom>
+            <a:noFill/>
+            <a:ln>
+              <a:solidFill>
+                <a:schemeClr val="tx1"/>
+              </a:solidFill>
+            </a:ln>
+          </p:spPr>
+          <p:style>
+            <a:lnRef idx="2">
+              <a:schemeClr val="accent1">
+                <a:shade val="50000"/>
+              </a:schemeClr>
+            </a:lnRef>
+            <a:fillRef idx="1">
+              <a:schemeClr val="accent1"/>
+            </a:fillRef>
+            <a:effectRef idx="0">
+              <a:schemeClr val="accent1"/>
+            </a:effectRef>
+            <a:fontRef idx="minor">
+              <a:schemeClr val="lt1"/>
+            </a:fontRef>
+          </p:style>
+          <p:txBody>
+            <a:bodyPr rtlCol="0" anchor="ctr"/>
+            <a:lstStyle/>
+            <a:p>
+              <a:pPr algn="ctr"/>
+              <a:endParaRPr lang="pt-BR"/>
+            </a:p>
+          </p:txBody>
+        </p:sp>
+        <p:sp>
+          <p:nvSpPr>
+            <p:cNvPr id="18" name="Oval 10">
+              <a:extLst>
+                <a:ext uri="{FF2B5EF4-FFF2-40B4-BE49-F238E27FC236}">
+                  <a16:creationId xmlns:a16="http://schemas.microsoft.com/office/drawing/2014/main" id="{42CB43F5-FB51-80EF-5C81-6F708F7991E1}"/>
+                </a:ext>
+              </a:extLst>
+            </p:cNvPr>
+            <p:cNvSpPr>
+              <a:spLocks noChangeAspect="1"/>
+            </p:cNvSpPr>
+            <p:nvPr/>
+          </p:nvSpPr>
+          <p:spPr>
+            <a:xfrm>
+              <a:off x="1456268" y="1220465"/>
+              <a:ext cx="2785894" cy="4716000"/>
+            </a:xfrm>
+            <a:prstGeom prst="ellipse">
+              <a:avLst/>
+            </a:prstGeom>
+            <a:noFill/>
+            <a:ln>
+              <a:solidFill>
+                <a:schemeClr val="tx1"/>
+              </a:solidFill>
+            </a:ln>
+          </p:spPr>
+          <p:style>
+            <a:lnRef idx="2">
+              <a:schemeClr val="accent1">
+                <a:shade val="50000"/>
+              </a:schemeClr>
+            </a:lnRef>
+            <a:fillRef idx="1">
+              <a:schemeClr val="accent1"/>
+            </a:fillRef>
+            <a:effectRef idx="0">
+              <a:schemeClr val="accent1"/>
+            </a:effectRef>
+            <a:fontRef idx="minor">
+              <a:schemeClr val="lt1"/>
+            </a:fontRef>
+          </p:style>
+          <p:txBody>
+            <a:bodyPr rtlCol="0" anchor="ctr"/>
+            <a:lstStyle/>
+            <a:p>
+              <a:pPr algn="ctr"/>
+              <a:endParaRPr lang="pt-BR"/>
+            </a:p>
+          </p:txBody>
+        </p:sp>
+        <p:sp>
+          <p:nvSpPr>
+            <p:cNvPr id="19" name="Oval 10">
+              <a:extLst>
+                <a:ext uri="{FF2B5EF4-FFF2-40B4-BE49-F238E27FC236}">
+                  <a16:creationId xmlns:a16="http://schemas.microsoft.com/office/drawing/2014/main" id="{AAE2207E-9F50-E819-1233-3BBA843ECB46}"/>
+                </a:ext>
+              </a:extLst>
+            </p:cNvPr>
+            <p:cNvSpPr>
+              <a:spLocks noChangeAspect="1"/>
+            </p:cNvSpPr>
+            <p:nvPr/>
+          </p:nvSpPr>
+          <p:spPr>
+            <a:xfrm>
+              <a:off x="1278467" y="1016839"/>
+              <a:ext cx="3124194" cy="5129962"/>
+            </a:xfrm>
+            <a:prstGeom prst="ellipse">
+              <a:avLst/>
+            </a:prstGeom>
+            <a:noFill/>
+            <a:ln>
+              <a:solidFill>
+                <a:schemeClr val="tx1"/>
+              </a:solidFill>
+            </a:ln>
+          </p:spPr>
+          <p:style>
+            <a:lnRef idx="2">
+              <a:schemeClr val="accent1">
+                <a:shade val="50000"/>
+              </a:schemeClr>
+            </a:lnRef>
+            <a:fillRef idx="1">
+              <a:schemeClr val="accent1"/>
+            </a:fillRef>
+            <a:effectRef idx="0">
+              <a:schemeClr val="accent1"/>
+            </a:effectRef>
+            <a:fontRef idx="minor">
+              <a:schemeClr val="lt1"/>
+            </a:fontRef>
+          </p:style>
+          <p:txBody>
+            <a:bodyPr rtlCol="0" anchor="ctr"/>
+            <a:lstStyle/>
+            <a:p>
+              <a:pPr algn="ctr"/>
+              <a:endParaRPr lang="pt-BR"/>
+            </a:p>
+          </p:txBody>
+        </p:sp>
+        <p:cxnSp>
+          <p:nvCxnSpPr>
+            <p:cNvPr id="21" name="Straight Connector 114">
+              <a:extLst>
+                <a:ext uri="{FF2B5EF4-FFF2-40B4-BE49-F238E27FC236}">
+                  <a16:creationId xmlns:a16="http://schemas.microsoft.com/office/drawing/2014/main" id="{28160BF7-2A1F-941C-9948-66C13C80463E}"/>
+                </a:ext>
+              </a:extLst>
+            </p:cNvPr>
+            <p:cNvCxnSpPr>
+              <a:cxnSpLocks/>
+              <a:stCxn id="5" idx="4"/>
+            </p:cNvCxnSpPr>
+            <p:nvPr/>
+          </p:nvCxnSpPr>
+          <p:spPr>
+            <a:xfrm flipH="1">
+              <a:off x="1624092" y="5009689"/>
+              <a:ext cx="1188000" cy="136769"/>
+            </a:xfrm>
+            <a:prstGeom prst="line">
+              <a:avLst/>
+            </a:prstGeom>
+            <a:ln w="12700">
+              <a:solidFill>
+                <a:schemeClr val="tx1"/>
+              </a:solidFill>
+              <a:prstDash val="dash"/>
+            </a:ln>
+          </p:spPr>
+          <p:style>
+            <a:lnRef idx="1">
+              <a:schemeClr val="accent1"/>
+            </a:lnRef>
+            <a:fillRef idx="0">
+              <a:schemeClr val="accent1"/>
+            </a:fillRef>
+            <a:effectRef idx="0">
+              <a:schemeClr val="accent1"/>
+            </a:effectRef>
+            <a:fontRef idx="minor">
+              <a:schemeClr val="tx1"/>
+            </a:fontRef>
+          </p:style>
+        </p:cxnSp>
+        <p:cxnSp>
+          <p:nvCxnSpPr>
+            <p:cNvPr id="29" name="Straight Connector 114">
+              <a:extLst>
+                <a:ext uri="{FF2B5EF4-FFF2-40B4-BE49-F238E27FC236}">
+                  <a16:creationId xmlns:a16="http://schemas.microsoft.com/office/drawing/2014/main" id="{6DF0FBB6-1590-8715-705A-370667702000}"/>
+                </a:ext>
+              </a:extLst>
+            </p:cNvPr>
+            <p:cNvCxnSpPr>
+              <a:cxnSpLocks/>
+            </p:cNvCxnSpPr>
+            <p:nvPr/>
+          </p:nvCxnSpPr>
+          <p:spPr>
+            <a:xfrm flipV="1">
+              <a:off x="2826550" y="3568981"/>
+              <a:ext cx="30813" cy="1440708"/>
+            </a:xfrm>
+            <a:prstGeom prst="line">
+              <a:avLst/>
+            </a:prstGeom>
+            <a:ln w="12700">
+              <a:solidFill>
+                <a:schemeClr val="tx1"/>
+              </a:solidFill>
+              <a:prstDash val="dash"/>
+            </a:ln>
+          </p:spPr>
+          <p:style>
+            <a:lnRef idx="1">
+              <a:schemeClr val="accent1"/>
+            </a:lnRef>
+            <a:fillRef idx="0">
+              <a:schemeClr val="accent1"/>
+            </a:fillRef>
+            <a:effectRef idx="0">
+              <a:schemeClr val="accent1"/>
+            </a:effectRef>
+            <a:fontRef idx="minor">
+              <a:schemeClr val="tx1"/>
+            </a:fontRef>
+          </p:style>
+        </p:cxnSp>
+        <p:sp>
+          <p:nvSpPr>
+            <p:cNvPr id="35" name="Multiply 135">
+              <a:extLst>
+                <a:ext uri="{FF2B5EF4-FFF2-40B4-BE49-F238E27FC236}">
+                  <a16:creationId xmlns:a16="http://schemas.microsoft.com/office/drawing/2014/main" id="{6A8BAF8A-C188-F13D-2BA2-DD7FF36B717E}"/>
+                </a:ext>
+              </a:extLst>
+            </p:cNvPr>
+            <p:cNvSpPr>
+              <a:spLocks/>
+            </p:cNvSpPr>
+            <p:nvPr/>
+          </p:nvSpPr>
+          <p:spPr>
+            <a:xfrm>
+              <a:off x="1561634" y="5103727"/>
+              <a:ext cx="72817" cy="82800"/>
+            </a:xfrm>
+            <a:prstGeom prst="mathMultiply">
+              <a:avLst/>
+            </a:prstGeom>
+            <a:solidFill>
+              <a:srgbClr val="00B0F0"/>
+            </a:solidFill>
+            <a:ln w="3175">
+              <a:solidFill>
+                <a:schemeClr val="tx1"/>
+              </a:solidFill>
+            </a:ln>
+          </p:spPr>
+          <p:style>
+            <a:lnRef idx="2">
+              <a:schemeClr val="accent1">
+                <a:shade val="50000"/>
+              </a:schemeClr>
+            </a:lnRef>
+            <a:fillRef idx="1">
+              <a:schemeClr val="accent1"/>
+            </a:fillRef>
+            <a:effectRef idx="0">
+              <a:schemeClr val="accent1"/>
+            </a:effectRef>
+            <a:fontRef idx="minor">
+              <a:schemeClr val="lt1"/>
+            </a:fontRef>
+          </p:style>
+          <p:txBody>
+            <a:bodyPr rtlCol="0" anchor="ctr"/>
+            <a:lstStyle/>
+            <a:p>
+              <a:pPr algn="ctr"/>
+              <a:endParaRPr lang="pt-BR"/>
+            </a:p>
+          </p:txBody>
+        </p:sp>
+        <p:sp>
+          <p:nvSpPr>
+            <p:cNvPr id="36" name="Multiply 135">
+              <a:extLst>
+                <a:ext uri="{FF2B5EF4-FFF2-40B4-BE49-F238E27FC236}">
+                  <a16:creationId xmlns:a16="http://schemas.microsoft.com/office/drawing/2014/main" id="{2FFEA082-476F-F47F-9403-C82507E32603}"/>
+                </a:ext>
+              </a:extLst>
+            </p:cNvPr>
+            <p:cNvSpPr>
+              <a:spLocks/>
+            </p:cNvSpPr>
+            <p:nvPr/>
+          </p:nvSpPr>
+          <p:spPr>
+            <a:xfrm>
+              <a:off x="2147785" y="5039236"/>
+              <a:ext cx="72817" cy="82800"/>
+            </a:xfrm>
+            <a:prstGeom prst="mathMultiply">
+              <a:avLst/>
+            </a:prstGeom>
+            <a:solidFill>
+              <a:srgbClr val="00B0F0"/>
+            </a:solidFill>
+            <a:ln w="3175">
+              <a:solidFill>
+                <a:schemeClr val="tx1"/>
+              </a:solidFill>
+            </a:ln>
+          </p:spPr>
+          <p:style>
+            <a:lnRef idx="2">
+              <a:schemeClr val="accent1">
+                <a:shade val="50000"/>
+              </a:schemeClr>
+            </a:lnRef>
+            <a:fillRef idx="1">
+              <a:schemeClr val="accent1"/>
+            </a:fillRef>
+            <a:effectRef idx="0">
+              <a:schemeClr val="accent1"/>
+            </a:effectRef>
+            <a:fontRef idx="minor">
+              <a:schemeClr val="lt1"/>
+            </a:fontRef>
+          </p:style>
+          <p:txBody>
+            <a:bodyPr rtlCol="0" anchor="ctr"/>
+            <a:lstStyle/>
+            <a:p>
+              <a:pPr algn="ctr"/>
+              <a:endParaRPr lang="pt-BR"/>
+            </a:p>
+          </p:txBody>
+        </p:sp>
+        <p:sp>
+          <p:nvSpPr>
+            <p:cNvPr id="37" name="Multiply 135">
+              <a:extLst>
+                <a:ext uri="{FF2B5EF4-FFF2-40B4-BE49-F238E27FC236}">
+                  <a16:creationId xmlns:a16="http://schemas.microsoft.com/office/drawing/2014/main" id="{75C82D09-9C51-CAEE-3DF6-CF1BE01CBB77}"/>
+                </a:ext>
+              </a:extLst>
+            </p:cNvPr>
+            <p:cNvSpPr>
+              <a:spLocks/>
+            </p:cNvSpPr>
+            <p:nvPr/>
+          </p:nvSpPr>
+          <p:spPr>
+            <a:xfrm>
+              <a:off x="2786700" y="4963030"/>
+              <a:ext cx="72817" cy="82800"/>
+            </a:xfrm>
+            <a:prstGeom prst="mathMultiply">
+              <a:avLst/>
+            </a:prstGeom>
+            <a:solidFill>
+              <a:srgbClr val="00B0F0"/>
+            </a:solidFill>
+            <a:ln w="3175">
+              <a:solidFill>
+                <a:schemeClr val="tx1"/>
+              </a:solidFill>
+            </a:ln>
+          </p:spPr>
+          <p:style>
+            <a:lnRef idx="2">
+              <a:schemeClr val="accent1">
+                <a:shade val="50000"/>
+              </a:schemeClr>
+            </a:lnRef>
+            <a:fillRef idx="1">
+              <a:schemeClr val="accent1"/>
+            </a:fillRef>
+            <a:effectRef idx="0">
+              <a:schemeClr val="accent1"/>
+            </a:effectRef>
+            <a:fontRef idx="minor">
+              <a:schemeClr val="lt1"/>
+            </a:fontRef>
+          </p:style>
+          <p:txBody>
+            <a:bodyPr rtlCol="0" anchor="ctr"/>
+            <a:lstStyle/>
+            <a:p>
+              <a:pPr algn="ctr"/>
+              <a:endParaRPr lang="pt-BR"/>
+            </a:p>
+          </p:txBody>
+        </p:sp>
+        <p:sp>
+          <p:nvSpPr>
+            <p:cNvPr id="38" name="Multiply 135">
+              <a:extLst>
+                <a:ext uri="{FF2B5EF4-FFF2-40B4-BE49-F238E27FC236}">
+                  <a16:creationId xmlns:a16="http://schemas.microsoft.com/office/drawing/2014/main" id="{DA70EC8E-34FF-8186-C9A7-9F45CB21EEDA}"/>
+                </a:ext>
+              </a:extLst>
+            </p:cNvPr>
+            <p:cNvSpPr>
+              <a:spLocks/>
+            </p:cNvSpPr>
+            <p:nvPr/>
+          </p:nvSpPr>
+          <p:spPr>
+            <a:xfrm>
+              <a:off x="2798413" y="4269778"/>
+              <a:ext cx="72817" cy="82800"/>
+            </a:xfrm>
+            <a:prstGeom prst="mathMultiply">
+              <a:avLst/>
+            </a:prstGeom>
+            <a:solidFill>
+              <a:srgbClr val="00B0F0"/>
+            </a:solidFill>
+            <a:ln w="3175">
+              <a:solidFill>
+                <a:schemeClr val="tx1"/>
+              </a:solidFill>
+            </a:ln>
+          </p:spPr>
+          <p:style>
+            <a:lnRef idx="2">
+              <a:schemeClr val="accent1">
+                <a:shade val="50000"/>
+              </a:schemeClr>
+            </a:lnRef>
+            <a:fillRef idx="1">
+              <a:schemeClr val="accent1"/>
+            </a:fillRef>
+            <a:effectRef idx="0">
+              <a:schemeClr val="accent1"/>
+            </a:effectRef>
+            <a:fontRef idx="minor">
+              <a:schemeClr val="lt1"/>
+            </a:fontRef>
+          </p:style>
+          <p:txBody>
+            <a:bodyPr rtlCol="0" anchor="ctr"/>
+            <a:lstStyle/>
+            <a:p>
+              <a:pPr algn="ctr"/>
+              <a:endParaRPr lang="pt-BR"/>
+            </a:p>
+          </p:txBody>
+        </p:sp>
+        <p:sp>
+          <p:nvSpPr>
+            <p:cNvPr id="39" name="Multiply 135">
+              <a:extLst>
+                <a:ext uri="{FF2B5EF4-FFF2-40B4-BE49-F238E27FC236}">
+                  <a16:creationId xmlns:a16="http://schemas.microsoft.com/office/drawing/2014/main" id="{AF59EBE3-2E1C-ACE0-D900-8C24AFDD2370}"/>
+                </a:ext>
+              </a:extLst>
+            </p:cNvPr>
+            <p:cNvSpPr>
+              <a:spLocks/>
+            </p:cNvSpPr>
+            <p:nvPr/>
+          </p:nvSpPr>
+          <p:spPr>
+            <a:xfrm>
+              <a:off x="2798407" y="4394470"/>
+              <a:ext cx="72817" cy="82800"/>
+            </a:xfrm>
+            <a:prstGeom prst="mathMultiply">
+              <a:avLst/>
+            </a:prstGeom>
+            <a:solidFill>
+              <a:srgbClr val="00B0F0"/>
+            </a:solidFill>
+            <a:ln w="3175">
+              <a:solidFill>
+                <a:schemeClr val="tx1"/>
+              </a:solidFill>
+            </a:ln>
+          </p:spPr>
+          <p:style>
+            <a:lnRef idx="2">
+              <a:schemeClr val="accent1">
+                <a:shade val="50000"/>
+              </a:schemeClr>
+            </a:lnRef>
+            <a:fillRef idx="1">
+              <a:schemeClr val="accent1"/>
+            </a:fillRef>
+            <a:effectRef idx="0">
+              <a:schemeClr val="accent1"/>
+            </a:effectRef>
+            <a:fontRef idx="minor">
+              <a:schemeClr val="lt1"/>
+            </a:fontRef>
+          </p:style>
+          <p:txBody>
+            <a:bodyPr rtlCol="0" anchor="ctr"/>
+            <a:lstStyle/>
+            <a:p>
+              <a:pPr algn="ctr"/>
+              <a:endParaRPr lang="pt-BR"/>
+            </a:p>
+          </p:txBody>
+        </p:sp>
+        <p:sp>
+          <p:nvSpPr>
+            <p:cNvPr id="40" name="Multiply 135">
+              <a:extLst>
+                <a:ext uri="{FF2B5EF4-FFF2-40B4-BE49-F238E27FC236}">
+                  <a16:creationId xmlns:a16="http://schemas.microsoft.com/office/drawing/2014/main" id="{C24E26BB-1207-A4B7-A858-9CC5EDFCDFC7}"/>
+                </a:ext>
+              </a:extLst>
+            </p:cNvPr>
+            <p:cNvSpPr>
+              <a:spLocks/>
+            </p:cNvSpPr>
+            <p:nvPr/>
+          </p:nvSpPr>
+          <p:spPr>
+            <a:xfrm>
+              <a:off x="2815999" y="3831756"/>
+              <a:ext cx="72817" cy="82800"/>
+            </a:xfrm>
+            <a:prstGeom prst="mathMultiply">
+              <a:avLst/>
+            </a:prstGeom>
+            <a:solidFill>
+              <a:srgbClr val="00B0F0"/>
+            </a:solidFill>
+            <a:ln w="3175">
+              <a:solidFill>
+                <a:schemeClr val="tx1"/>
+              </a:solidFill>
+            </a:ln>
+          </p:spPr>
+          <p:style>
+            <a:lnRef idx="2">
+              <a:schemeClr val="accent1">
+                <a:shade val="50000"/>
+              </a:schemeClr>
+            </a:lnRef>
+            <a:fillRef idx="1">
+              <a:schemeClr val="accent1"/>
+            </a:fillRef>
+            <a:effectRef idx="0">
+              <a:schemeClr val="accent1"/>
+            </a:effectRef>
+            <a:fontRef idx="minor">
+              <a:schemeClr val="lt1"/>
+            </a:fontRef>
+          </p:style>
+          <p:txBody>
+            <a:bodyPr rtlCol="0" anchor="ctr"/>
+            <a:lstStyle/>
+            <a:p>
+              <a:pPr algn="ctr"/>
+              <a:endParaRPr lang="pt-BR"/>
+            </a:p>
+          </p:txBody>
+        </p:sp>
+        <p:sp>
+          <p:nvSpPr>
+            <p:cNvPr id="41" name="Multiply 135">
+              <a:extLst>
+                <a:ext uri="{FF2B5EF4-FFF2-40B4-BE49-F238E27FC236}">
+                  <a16:creationId xmlns:a16="http://schemas.microsoft.com/office/drawing/2014/main" id="{A878CEF6-6CC0-D0A3-D355-9FB6DCEE97BD}"/>
+                </a:ext>
+              </a:extLst>
+            </p:cNvPr>
+            <p:cNvSpPr>
+              <a:spLocks/>
+            </p:cNvSpPr>
+            <p:nvPr/>
+          </p:nvSpPr>
+          <p:spPr>
+            <a:xfrm>
+              <a:off x="2810130" y="4004937"/>
+              <a:ext cx="72817" cy="82800"/>
+            </a:xfrm>
+            <a:prstGeom prst="mathMultiply">
+              <a:avLst/>
+            </a:prstGeom>
+            <a:solidFill>
+              <a:srgbClr val="00B0F0"/>
+            </a:solidFill>
+            <a:ln w="3175">
+              <a:solidFill>
+                <a:schemeClr val="tx1"/>
+              </a:solidFill>
+            </a:ln>
+          </p:spPr>
+          <p:style>
+            <a:lnRef idx="2">
+              <a:schemeClr val="accent1">
+                <a:shade val="50000"/>
+              </a:schemeClr>
+            </a:lnRef>
+            <a:fillRef idx="1">
+              <a:schemeClr val="accent1"/>
+            </a:fillRef>
+            <a:effectRef idx="0">
+              <a:schemeClr val="accent1"/>
+            </a:effectRef>
+            <a:fontRef idx="minor">
+              <a:schemeClr val="lt1"/>
+            </a:fontRef>
+          </p:style>
+          <p:txBody>
+            <a:bodyPr rtlCol="0" anchor="ctr"/>
+            <a:lstStyle/>
+            <a:p>
+              <a:pPr algn="ctr"/>
+              <a:endParaRPr lang="pt-BR"/>
+            </a:p>
+          </p:txBody>
+        </p:sp>
+        <p:sp>
+          <p:nvSpPr>
+            <p:cNvPr id="42" name="Multiply 135">
+              <a:extLst>
+                <a:ext uri="{FF2B5EF4-FFF2-40B4-BE49-F238E27FC236}">
+                  <a16:creationId xmlns:a16="http://schemas.microsoft.com/office/drawing/2014/main" id="{347597C1-C0AC-D75D-1EE7-5D0FD4098D02}"/>
+                </a:ext>
+              </a:extLst>
+            </p:cNvPr>
+            <p:cNvSpPr>
+              <a:spLocks/>
+            </p:cNvSpPr>
+            <p:nvPr/>
+          </p:nvSpPr>
+          <p:spPr>
+            <a:xfrm>
+              <a:off x="2804264" y="4126962"/>
+              <a:ext cx="72817" cy="82800"/>
+            </a:xfrm>
+            <a:prstGeom prst="mathMultiply">
+              <a:avLst/>
+            </a:prstGeom>
+            <a:solidFill>
+              <a:srgbClr val="00B0F0"/>
+            </a:solidFill>
+            <a:ln w="3175">
+              <a:solidFill>
+                <a:schemeClr val="tx1"/>
+              </a:solidFill>
+            </a:ln>
+          </p:spPr>
+          <p:style>
+            <a:lnRef idx="2">
+              <a:schemeClr val="accent1">
+                <a:shade val="50000"/>
+              </a:schemeClr>
+            </a:lnRef>
+            <a:fillRef idx="1">
+              <a:schemeClr val="accent1"/>
+            </a:fillRef>
+            <a:effectRef idx="0">
+              <a:schemeClr val="accent1"/>
+            </a:effectRef>
+            <a:fontRef idx="minor">
+              <a:schemeClr val="lt1"/>
+            </a:fontRef>
+          </p:style>
+          <p:txBody>
+            <a:bodyPr rtlCol="0" anchor="ctr"/>
+            <a:lstStyle/>
+            <a:p>
+              <a:pPr algn="ctr"/>
+              <a:endParaRPr lang="pt-BR"/>
+            </a:p>
+          </p:txBody>
+        </p:sp>
+        <p:sp>
+          <p:nvSpPr>
+            <p:cNvPr id="43" name="Multiply 135">
+              <a:extLst>
+                <a:ext uri="{FF2B5EF4-FFF2-40B4-BE49-F238E27FC236}">
+                  <a16:creationId xmlns:a16="http://schemas.microsoft.com/office/drawing/2014/main" id="{C8C0A364-859B-42D1-5A25-67DDD9877AAB}"/>
+                </a:ext>
+              </a:extLst>
+            </p:cNvPr>
+            <p:cNvSpPr>
+              <a:spLocks/>
+            </p:cNvSpPr>
+            <p:nvPr/>
+          </p:nvSpPr>
+          <p:spPr>
+            <a:xfrm>
+              <a:off x="2798395" y="4333185"/>
+              <a:ext cx="72817" cy="82800"/>
+            </a:xfrm>
+            <a:prstGeom prst="mathMultiply">
+              <a:avLst/>
+            </a:prstGeom>
+            <a:solidFill>
+              <a:srgbClr val="00B0F0"/>
+            </a:solidFill>
+            <a:ln w="3175">
+              <a:solidFill>
+                <a:schemeClr val="tx1"/>
+              </a:solidFill>
+            </a:ln>
+          </p:spPr>
+          <p:style>
+            <a:lnRef idx="2">
+              <a:schemeClr val="accent1">
+                <a:shade val="50000"/>
+              </a:schemeClr>
+            </a:lnRef>
+            <a:fillRef idx="1">
+              <a:schemeClr val="accent1"/>
+            </a:fillRef>
+            <a:effectRef idx="0">
+              <a:schemeClr val="accent1"/>
+            </a:effectRef>
+            <a:fontRef idx="minor">
+              <a:schemeClr val="lt1"/>
+            </a:fontRef>
+          </p:style>
+          <p:txBody>
+            <a:bodyPr rtlCol="0" anchor="ctr"/>
+            <a:lstStyle/>
+            <a:p>
+              <a:pPr algn="ctr"/>
+              <a:endParaRPr lang="pt-BR"/>
+            </a:p>
+          </p:txBody>
+        </p:sp>
+        <p:sp>
+          <p:nvSpPr>
+            <p:cNvPr id="44" name="Multiply 135">
+              <a:extLst>
+                <a:ext uri="{FF2B5EF4-FFF2-40B4-BE49-F238E27FC236}">
+                  <a16:creationId xmlns:a16="http://schemas.microsoft.com/office/drawing/2014/main" id="{262621E6-6AAE-739B-F2E5-89D6F70F2210}"/>
+                </a:ext>
+              </a:extLst>
+            </p:cNvPr>
+            <p:cNvSpPr>
+              <a:spLocks/>
+            </p:cNvSpPr>
+            <p:nvPr/>
+          </p:nvSpPr>
+          <p:spPr>
+            <a:xfrm>
+              <a:off x="2798391" y="4464804"/>
+              <a:ext cx="72817" cy="82800"/>
+            </a:xfrm>
+            <a:prstGeom prst="mathMultiply">
+              <a:avLst/>
+            </a:prstGeom>
+            <a:solidFill>
+              <a:srgbClr val="00B0F0"/>
+            </a:solidFill>
+            <a:ln w="3175">
+              <a:solidFill>
+                <a:schemeClr val="tx1"/>
+              </a:solidFill>
+            </a:ln>
+          </p:spPr>
+          <p:style>
+            <a:lnRef idx="2">
+              <a:schemeClr val="accent1">
+                <a:shade val="50000"/>
+              </a:schemeClr>
+            </a:lnRef>
+            <a:fillRef idx="1">
+              <a:schemeClr val="accent1"/>
+            </a:fillRef>
+            <a:effectRef idx="0">
+              <a:schemeClr val="accent1"/>
+            </a:effectRef>
+            <a:fontRef idx="minor">
+              <a:schemeClr val="lt1"/>
+            </a:fontRef>
+          </p:style>
+          <p:txBody>
+            <a:bodyPr rtlCol="0" anchor="ctr"/>
+            <a:lstStyle/>
+            <a:p>
+              <a:pPr algn="ctr"/>
+              <a:endParaRPr lang="pt-BR"/>
+            </a:p>
+          </p:txBody>
+        </p:sp>
+        <p:sp>
+          <p:nvSpPr>
+            <p:cNvPr id="45" name="Multiply 135">
+              <a:extLst>
+                <a:ext uri="{FF2B5EF4-FFF2-40B4-BE49-F238E27FC236}">
+                  <a16:creationId xmlns:a16="http://schemas.microsoft.com/office/drawing/2014/main" id="{E8C410E5-7DF1-D2A7-C773-23921FCA8531}"/>
+                </a:ext>
+              </a:extLst>
+            </p:cNvPr>
+            <p:cNvSpPr>
+              <a:spLocks/>
+            </p:cNvSpPr>
+            <p:nvPr/>
+          </p:nvSpPr>
+          <p:spPr>
+            <a:xfrm>
+              <a:off x="2792523" y="4617204"/>
+              <a:ext cx="72817" cy="82800"/>
+            </a:xfrm>
+            <a:prstGeom prst="mathMultiply">
+              <a:avLst/>
+            </a:prstGeom>
+            <a:solidFill>
+              <a:srgbClr val="00B0F0"/>
+            </a:solidFill>
+            <a:ln w="3175">
+              <a:solidFill>
+                <a:schemeClr val="tx1"/>
+              </a:solidFill>
+            </a:ln>
+          </p:spPr>
+          <p:style>
+            <a:lnRef idx="2">
+              <a:schemeClr val="accent1">
+                <a:shade val="50000"/>
+              </a:schemeClr>
+            </a:lnRef>
+            <a:fillRef idx="1">
+              <a:schemeClr val="accent1"/>
+            </a:fillRef>
+            <a:effectRef idx="0">
+              <a:schemeClr val="accent1"/>
+            </a:effectRef>
+            <a:fontRef idx="minor">
+              <a:schemeClr val="lt1"/>
+            </a:fontRef>
+          </p:style>
+          <p:txBody>
+            <a:bodyPr rtlCol="0" anchor="ctr"/>
+            <a:lstStyle/>
+            <a:p>
+              <a:pPr algn="ctr"/>
+              <a:endParaRPr lang="pt-BR"/>
+            </a:p>
+          </p:txBody>
+        </p:sp>
+        <p:sp>
+          <p:nvSpPr>
+            <p:cNvPr id="46" name="Multiply 135">
+              <a:extLst>
+                <a:ext uri="{FF2B5EF4-FFF2-40B4-BE49-F238E27FC236}">
+                  <a16:creationId xmlns:a16="http://schemas.microsoft.com/office/drawing/2014/main" id="{4CF17149-DBC3-C1F8-21C0-108F063E1A31}"/>
+                </a:ext>
+              </a:extLst>
+            </p:cNvPr>
+            <p:cNvSpPr>
+              <a:spLocks/>
+            </p:cNvSpPr>
+            <p:nvPr/>
+          </p:nvSpPr>
+          <p:spPr>
+            <a:xfrm>
+              <a:off x="2792516" y="4769604"/>
+              <a:ext cx="72817" cy="82800"/>
+            </a:xfrm>
+            <a:prstGeom prst="mathMultiply">
+              <a:avLst/>
+            </a:prstGeom>
+            <a:solidFill>
+              <a:srgbClr val="00B0F0"/>
+            </a:solidFill>
+            <a:ln w="3175">
+              <a:solidFill>
+                <a:schemeClr val="tx1"/>
+              </a:solidFill>
+            </a:ln>
+          </p:spPr>
+          <p:style>
+            <a:lnRef idx="2">
+              <a:schemeClr val="accent1">
+                <a:shade val="50000"/>
+              </a:schemeClr>
+            </a:lnRef>
+            <a:fillRef idx="1">
+              <a:schemeClr val="accent1"/>
+            </a:fillRef>
+            <a:effectRef idx="0">
+              <a:schemeClr val="accent1"/>
+            </a:effectRef>
+            <a:fontRef idx="minor">
+              <a:schemeClr val="lt1"/>
+            </a:fontRef>
+          </p:style>
+          <p:txBody>
+            <a:bodyPr rtlCol="0" anchor="ctr"/>
+            <a:lstStyle/>
+            <a:p>
+              <a:pPr algn="ctr"/>
+              <a:endParaRPr lang="pt-BR"/>
+            </a:p>
+          </p:txBody>
+        </p:sp>
+        <p:sp>
+          <p:nvSpPr>
+            <p:cNvPr id="47" name="Multiply 135">
+              <a:extLst>
+                <a:ext uri="{FF2B5EF4-FFF2-40B4-BE49-F238E27FC236}">
+                  <a16:creationId xmlns:a16="http://schemas.microsoft.com/office/drawing/2014/main" id="{D0A86F5B-7999-5C8B-AF52-B66951CA417D}"/>
+                </a:ext>
+              </a:extLst>
+            </p:cNvPr>
+            <p:cNvSpPr>
+              <a:spLocks/>
+            </p:cNvSpPr>
+            <p:nvPr/>
+          </p:nvSpPr>
+          <p:spPr>
+            <a:xfrm>
+              <a:off x="2792510" y="4922004"/>
+              <a:ext cx="72817" cy="82800"/>
+            </a:xfrm>
+            <a:prstGeom prst="mathMultiply">
+              <a:avLst/>
+            </a:prstGeom>
+            <a:solidFill>
+              <a:srgbClr val="00B0F0"/>
+            </a:solidFill>
+            <a:ln w="3175">
+              <a:solidFill>
+                <a:schemeClr val="tx1"/>
+              </a:solidFill>
+            </a:ln>
+          </p:spPr>
+          <p:style>
+            <a:lnRef idx="2">
+              <a:schemeClr val="accent1">
+                <a:shade val="50000"/>
+              </a:schemeClr>
+            </a:lnRef>
+            <a:fillRef idx="1">
+              <a:schemeClr val="accent1"/>
+            </a:fillRef>
+            <a:effectRef idx="0">
+              <a:schemeClr val="accent1"/>
+            </a:effectRef>
+            <a:fontRef idx="minor">
+              <a:schemeClr val="lt1"/>
+            </a:fontRef>
+          </p:style>
+          <p:txBody>
+            <a:bodyPr rtlCol="0" anchor="ctr"/>
+            <a:lstStyle/>
+            <a:p>
+              <a:pPr algn="ctr"/>
+              <a:endParaRPr lang="pt-BR"/>
+            </a:p>
+          </p:txBody>
+        </p:sp>
+        <p:sp>
+          <p:nvSpPr>
+            <p:cNvPr id="48" name="Multiply 135">
+              <a:extLst>
+                <a:ext uri="{FF2B5EF4-FFF2-40B4-BE49-F238E27FC236}">
+                  <a16:creationId xmlns:a16="http://schemas.microsoft.com/office/drawing/2014/main" id="{9C348C03-32B9-153B-0090-6E8C5B85F3B1}"/>
+                </a:ext>
+              </a:extLst>
+            </p:cNvPr>
+            <p:cNvSpPr>
+              <a:spLocks/>
+            </p:cNvSpPr>
+            <p:nvPr/>
+          </p:nvSpPr>
+          <p:spPr>
+            <a:xfrm>
+              <a:off x="2792506" y="4851658"/>
+              <a:ext cx="72817" cy="82800"/>
+            </a:xfrm>
+            <a:prstGeom prst="mathMultiply">
+              <a:avLst/>
+            </a:prstGeom>
+            <a:solidFill>
+              <a:srgbClr val="00B0F0"/>
+            </a:solidFill>
+            <a:ln w="3175">
+              <a:solidFill>
+                <a:schemeClr val="tx1"/>
+              </a:solidFill>
+            </a:ln>
+          </p:spPr>
+          <p:style>
+            <a:lnRef idx="2">
+              <a:schemeClr val="accent1">
+                <a:shade val="50000"/>
+              </a:schemeClr>
+            </a:lnRef>
+            <a:fillRef idx="1">
+              <a:schemeClr val="accent1"/>
+            </a:fillRef>
+            <a:effectRef idx="0">
+              <a:schemeClr val="accent1"/>
+            </a:effectRef>
+            <a:fontRef idx="minor">
+              <a:schemeClr val="lt1"/>
+            </a:fontRef>
+          </p:style>
+          <p:txBody>
+            <a:bodyPr rtlCol="0" anchor="ctr"/>
+            <a:lstStyle/>
+            <a:p>
+              <a:pPr algn="ctr"/>
+              <a:endParaRPr lang="pt-BR"/>
+            </a:p>
+          </p:txBody>
+        </p:sp>
+        <p:sp>
+          <p:nvSpPr>
+            <p:cNvPr id="49" name="Multiply 135">
+              <a:extLst>
+                <a:ext uri="{FF2B5EF4-FFF2-40B4-BE49-F238E27FC236}">
+                  <a16:creationId xmlns:a16="http://schemas.microsoft.com/office/drawing/2014/main" id="{760E6EAE-C7F7-57D7-08D8-B29FFDE03B81}"/>
+                </a:ext>
+              </a:extLst>
+            </p:cNvPr>
+            <p:cNvSpPr>
+              <a:spLocks/>
+            </p:cNvSpPr>
+            <p:nvPr/>
+          </p:nvSpPr>
+          <p:spPr>
+            <a:xfrm>
+              <a:off x="2798361" y="4699247"/>
+              <a:ext cx="72817" cy="82800"/>
+            </a:xfrm>
+            <a:prstGeom prst="mathMultiply">
+              <a:avLst/>
+            </a:prstGeom>
+            <a:solidFill>
+              <a:srgbClr val="00B0F0"/>
+            </a:solidFill>
+            <a:ln w="3175">
+              <a:solidFill>
+                <a:schemeClr val="tx1"/>
+              </a:solidFill>
+            </a:ln>
+          </p:spPr>
+          <p:style>
+            <a:lnRef idx="2">
+              <a:schemeClr val="accent1">
+                <a:shade val="50000"/>
+              </a:schemeClr>
+            </a:lnRef>
+            <a:fillRef idx="1">
+              <a:schemeClr val="accent1"/>
+            </a:fillRef>
+            <a:effectRef idx="0">
+              <a:schemeClr val="accent1"/>
+            </a:effectRef>
+            <a:fontRef idx="minor">
+              <a:schemeClr val="lt1"/>
+            </a:fontRef>
+          </p:style>
+          <p:txBody>
+            <a:bodyPr rtlCol="0" anchor="ctr"/>
+            <a:lstStyle/>
+            <a:p>
+              <a:pPr algn="ctr"/>
+              <a:endParaRPr lang="pt-BR"/>
+            </a:p>
+          </p:txBody>
+        </p:sp>
+        <p:sp>
+          <p:nvSpPr>
+            <p:cNvPr id="50" name="Multiply 135">
+              <a:extLst>
+                <a:ext uri="{FF2B5EF4-FFF2-40B4-BE49-F238E27FC236}">
+                  <a16:creationId xmlns:a16="http://schemas.microsoft.com/office/drawing/2014/main" id="{821C69AD-CBE0-650C-F7F9-C28FE7BA8D14}"/>
+                </a:ext>
+              </a:extLst>
+            </p:cNvPr>
+            <p:cNvSpPr>
+              <a:spLocks/>
+            </p:cNvSpPr>
+            <p:nvPr/>
+          </p:nvSpPr>
+          <p:spPr>
+            <a:xfrm>
+              <a:off x="2798355" y="4546838"/>
+              <a:ext cx="72817" cy="82800"/>
+            </a:xfrm>
+            <a:prstGeom prst="mathMultiply">
+              <a:avLst/>
+            </a:prstGeom>
+            <a:solidFill>
+              <a:srgbClr val="00B0F0"/>
+            </a:solidFill>
+            <a:ln w="3175">
+              <a:solidFill>
+                <a:schemeClr val="tx1"/>
+              </a:solidFill>
+            </a:ln>
+          </p:spPr>
+          <p:style>
+            <a:lnRef idx="2">
+              <a:schemeClr val="accent1">
+                <a:shade val="50000"/>
+              </a:schemeClr>
+            </a:lnRef>
+            <a:fillRef idx="1">
+              <a:schemeClr val="accent1"/>
+            </a:fillRef>
+            <a:effectRef idx="0">
+              <a:schemeClr val="accent1"/>
+            </a:effectRef>
+            <a:fontRef idx="minor">
+              <a:schemeClr val="lt1"/>
+            </a:fontRef>
+          </p:style>
+          <p:txBody>
+            <a:bodyPr rtlCol="0" anchor="ctr"/>
+            <a:lstStyle/>
+            <a:p>
+              <a:pPr algn="ctr"/>
+              <a:endParaRPr lang="pt-BR"/>
+            </a:p>
+          </p:txBody>
+        </p:sp>
+        <p:sp>
+          <p:nvSpPr>
+            <p:cNvPr id="51" name="Multiply 135">
+              <a:extLst>
+                <a:ext uri="{FF2B5EF4-FFF2-40B4-BE49-F238E27FC236}">
+                  <a16:creationId xmlns:a16="http://schemas.microsoft.com/office/drawing/2014/main" id="{863ED875-1F1C-8E0C-61C7-DF4AED278AA4}"/>
+                </a:ext>
+              </a:extLst>
+            </p:cNvPr>
+            <p:cNvSpPr>
+              <a:spLocks/>
+            </p:cNvSpPr>
+            <p:nvPr/>
+          </p:nvSpPr>
+          <p:spPr>
+            <a:xfrm>
+              <a:off x="2804208" y="4075240"/>
+              <a:ext cx="72817" cy="82800"/>
+            </a:xfrm>
+            <a:prstGeom prst="mathMultiply">
+              <a:avLst/>
+            </a:prstGeom>
+            <a:solidFill>
+              <a:srgbClr val="00B0F0"/>
+            </a:solidFill>
+            <a:ln w="3175">
+              <a:solidFill>
+                <a:schemeClr val="tx1"/>
+              </a:solidFill>
+            </a:ln>
+          </p:spPr>
+          <p:style>
+            <a:lnRef idx="2">
+              <a:schemeClr val="accent1">
+                <a:shade val="50000"/>
+              </a:schemeClr>
+            </a:lnRef>
+            <a:fillRef idx="1">
+              <a:schemeClr val="accent1"/>
+            </a:fillRef>
+            <a:effectRef idx="0">
+              <a:schemeClr val="accent1"/>
+            </a:effectRef>
+            <a:fontRef idx="minor">
+              <a:schemeClr val="lt1"/>
+            </a:fontRef>
+          </p:style>
+          <p:txBody>
+            <a:bodyPr rtlCol="0" anchor="ctr"/>
+            <a:lstStyle/>
+            <a:p>
+              <a:pPr algn="ctr"/>
+              <a:endParaRPr lang="pt-BR"/>
+            </a:p>
+          </p:txBody>
+        </p:sp>
+        <p:sp>
+          <p:nvSpPr>
+            <p:cNvPr id="52" name="Multiply 135">
+              <a:extLst>
+                <a:ext uri="{FF2B5EF4-FFF2-40B4-BE49-F238E27FC236}">
+                  <a16:creationId xmlns:a16="http://schemas.microsoft.com/office/drawing/2014/main" id="{1C02F9EC-4878-3243-15C2-C875204E4EC5}"/>
+                </a:ext>
+              </a:extLst>
+            </p:cNvPr>
+            <p:cNvSpPr>
+              <a:spLocks/>
+            </p:cNvSpPr>
+            <p:nvPr/>
+          </p:nvSpPr>
+          <p:spPr>
+            <a:xfrm>
+              <a:off x="2810063" y="3896194"/>
+              <a:ext cx="72817" cy="82800"/>
+            </a:xfrm>
+            <a:prstGeom prst="mathMultiply">
+              <a:avLst/>
+            </a:prstGeom>
+            <a:solidFill>
+              <a:srgbClr val="00B0F0"/>
+            </a:solidFill>
+            <a:ln w="3175">
+              <a:solidFill>
+                <a:schemeClr val="tx1"/>
+              </a:solidFill>
+            </a:ln>
+          </p:spPr>
+          <p:style>
+            <a:lnRef idx="2">
+              <a:schemeClr val="accent1">
+                <a:shade val="50000"/>
+              </a:schemeClr>
+            </a:lnRef>
+            <a:fillRef idx="1">
+              <a:schemeClr val="accent1"/>
+            </a:fillRef>
+            <a:effectRef idx="0">
+              <a:schemeClr val="accent1"/>
+            </a:effectRef>
+            <a:fontRef idx="minor">
+              <a:schemeClr val="lt1"/>
+            </a:fontRef>
+          </p:style>
+          <p:txBody>
+            <a:bodyPr rtlCol="0" anchor="ctr"/>
+            <a:lstStyle/>
+            <a:p>
+              <a:pPr algn="ctr"/>
+              <a:endParaRPr lang="pt-BR"/>
+            </a:p>
+          </p:txBody>
+        </p:sp>
+        <p:sp>
+          <p:nvSpPr>
+            <p:cNvPr id="53" name="Multiply 135">
+              <a:extLst>
+                <a:ext uri="{FF2B5EF4-FFF2-40B4-BE49-F238E27FC236}">
+                  <a16:creationId xmlns:a16="http://schemas.microsoft.com/office/drawing/2014/main" id="{9B21C56A-8935-EFF6-AD59-C9BEAA8A86AE}"/>
+                </a:ext>
+              </a:extLst>
+            </p:cNvPr>
+            <p:cNvSpPr>
+              <a:spLocks/>
+            </p:cNvSpPr>
+            <p:nvPr/>
+          </p:nvSpPr>
+          <p:spPr>
+            <a:xfrm>
+              <a:off x="2798332" y="4197271"/>
+              <a:ext cx="72817" cy="82800"/>
+            </a:xfrm>
+            <a:prstGeom prst="mathMultiply">
+              <a:avLst/>
+            </a:prstGeom>
+            <a:solidFill>
+              <a:srgbClr val="00B0F0"/>
+            </a:solidFill>
+            <a:ln w="3175">
+              <a:solidFill>
+                <a:schemeClr val="tx1"/>
+              </a:solidFill>
+            </a:ln>
+          </p:spPr>
+          <p:style>
+            <a:lnRef idx="2">
+              <a:schemeClr val="accent1">
+                <a:shade val="50000"/>
+              </a:schemeClr>
+            </a:lnRef>
+            <a:fillRef idx="1">
+              <a:schemeClr val="accent1"/>
+            </a:fillRef>
+            <a:effectRef idx="0">
+              <a:schemeClr val="accent1"/>
+            </a:effectRef>
+            <a:fontRef idx="minor">
+              <a:schemeClr val="lt1"/>
+            </a:fontRef>
+          </p:style>
+          <p:txBody>
+            <a:bodyPr rtlCol="0" anchor="ctr"/>
+            <a:lstStyle/>
+            <a:p>
+              <a:pPr algn="ctr"/>
+              <a:endParaRPr lang="pt-BR"/>
+            </a:p>
+          </p:txBody>
+        </p:sp>
+        <p:sp>
+          <p:nvSpPr>
+            <p:cNvPr id="54" name="Multiply 135">
+              <a:extLst>
+                <a:ext uri="{FF2B5EF4-FFF2-40B4-BE49-F238E27FC236}">
+                  <a16:creationId xmlns:a16="http://schemas.microsoft.com/office/drawing/2014/main" id="{72AFD4D7-205C-95E1-43F2-7CA5465865BB}"/>
+                </a:ext>
+              </a:extLst>
+            </p:cNvPr>
+            <p:cNvSpPr>
+              <a:spLocks/>
+            </p:cNvSpPr>
+            <p:nvPr/>
+          </p:nvSpPr>
+          <p:spPr>
+            <a:xfrm>
+              <a:off x="2815911" y="3749657"/>
+              <a:ext cx="72817" cy="82800"/>
+            </a:xfrm>
+            <a:prstGeom prst="mathMultiply">
+              <a:avLst/>
+            </a:prstGeom>
+            <a:solidFill>
+              <a:srgbClr val="00B0F0"/>
+            </a:solidFill>
+            <a:ln w="3175">
+              <a:solidFill>
+                <a:schemeClr val="tx1"/>
+              </a:solidFill>
+            </a:ln>
+          </p:spPr>
+          <p:style>
+            <a:lnRef idx="2">
+              <a:schemeClr val="accent1">
+                <a:shade val="50000"/>
+              </a:schemeClr>
+            </a:lnRef>
+            <a:fillRef idx="1">
+              <a:schemeClr val="accent1"/>
+            </a:fillRef>
+            <a:effectRef idx="0">
+              <a:schemeClr val="accent1"/>
+            </a:effectRef>
+            <a:fontRef idx="minor">
+              <a:schemeClr val="lt1"/>
+            </a:fontRef>
+          </p:style>
+          <p:txBody>
+            <a:bodyPr rtlCol="0" anchor="ctr"/>
+            <a:lstStyle/>
+            <a:p>
+              <a:pPr algn="ctr"/>
+              <a:endParaRPr lang="pt-BR"/>
+            </a:p>
+          </p:txBody>
+        </p:sp>
+        <p:sp>
+          <p:nvSpPr>
+            <p:cNvPr id="55" name="Multiply 135">
+              <a:extLst>
+                <a:ext uri="{FF2B5EF4-FFF2-40B4-BE49-F238E27FC236}">
+                  <a16:creationId xmlns:a16="http://schemas.microsoft.com/office/drawing/2014/main" id="{9B64FA35-5DCA-C4A1-9BF8-1D567B0DC27F}"/>
+                </a:ext>
+              </a:extLst>
+            </p:cNvPr>
+            <p:cNvSpPr>
+              <a:spLocks/>
+            </p:cNvSpPr>
+            <p:nvPr/>
+          </p:nvSpPr>
+          <p:spPr>
+            <a:xfrm>
+              <a:off x="2815907" y="3685173"/>
+              <a:ext cx="72817" cy="82800"/>
+            </a:xfrm>
+            <a:prstGeom prst="mathMultiply">
+              <a:avLst/>
+            </a:prstGeom>
+            <a:solidFill>
+              <a:srgbClr val="00B0F0"/>
+            </a:solidFill>
+            <a:ln w="3175">
+              <a:solidFill>
+                <a:schemeClr val="tx1"/>
+              </a:solidFill>
+            </a:ln>
+          </p:spPr>
+          <p:style>
+            <a:lnRef idx="2">
+              <a:schemeClr val="accent1">
+                <a:shade val="50000"/>
+              </a:schemeClr>
+            </a:lnRef>
+            <a:fillRef idx="1">
+              <a:schemeClr val="accent1"/>
+            </a:fillRef>
+            <a:effectRef idx="0">
+              <a:schemeClr val="accent1"/>
+            </a:effectRef>
+            <a:fontRef idx="minor">
+              <a:schemeClr val="lt1"/>
+            </a:fontRef>
+          </p:style>
+          <p:txBody>
+            <a:bodyPr rtlCol="0" anchor="ctr"/>
+            <a:lstStyle/>
+            <a:p>
+              <a:pPr algn="ctr"/>
+              <a:endParaRPr lang="pt-BR"/>
+            </a:p>
+          </p:txBody>
+        </p:sp>
+        <p:sp>
+          <p:nvSpPr>
+            <p:cNvPr id="56" name="Multiply 135">
+              <a:extLst>
+                <a:ext uri="{FF2B5EF4-FFF2-40B4-BE49-F238E27FC236}">
+                  <a16:creationId xmlns:a16="http://schemas.microsoft.com/office/drawing/2014/main" id="{8E8A939F-B2F2-48A5-E644-323CAFE61140}"/>
+                </a:ext>
+              </a:extLst>
+            </p:cNvPr>
+            <p:cNvSpPr>
+              <a:spLocks/>
+            </p:cNvSpPr>
+            <p:nvPr/>
+          </p:nvSpPr>
+          <p:spPr>
+            <a:xfrm>
+              <a:off x="2821761" y="3644136"/>
+              <a:ext cx="72817" cy="82800"/>
+            </a:xfrm>
+            <a:prstGeom prst="mathMultiply">
+              <a:avLst/>
+            </a:prstGeom>
+            <a:solidFill>
+              <a:srgbClr val="00B0F0"/>
+            </a:solidFill>
+            <a:ln w="3175">
+              <a:solidFill>
+                <a:schemeClr val="tx1"/>
+              </a:solidFill>
+            </a:ln>
+          </p:spPr>
+          <p:style>
+            <a:lnRef idx="2">
+              <a:schemeClr val="accent1">
+                <a:shade val="50000"/>
+              </a:schemeClr>
+            </a:lnRef>
+            <a:fillRef idx="1">
+              <a:schemeClr val="accent1"/>
+            </a:fillRef>
+            <a:effectRef idx="0">
+              <a:schemeClr val="accent1"/>
+            </a:effectRef>
+            <a:fontRef idx="minor">
+              <a:schemeClr val="lt1"/>
+            </a:fontRef>
+          </p:style>
+          <p:txBody>
+            <a:bodyPr rtlCol="0" anchor="ctr"/>
+            <a:lstStyle/>
+            <a:p>
+              <a:pPr algn="ctr"/>
+              <a:endParaRPr lang="pt-BR"/>
+            </a:p>
+          </p:txBody>
+        </p:sp>
+        <p:sp>
+          <p:nvSpPr>
+            <p:cNvPr id="57" name="Multiply 135">
+              <a:extLst>
+                <a:ext uri="{FF2B5EF4-FFF2-40B4-BE49-F238E27FC236}">
+                  <a16:creationId xmlns:a16="http://schemas.microsoft.com/office/drawing/2014/main" id="{BA24BE91-984D-64B3-B60F-21C293E7000E}"/>
+                </a:ext>
+              </a:extLst>
+            </p:cNvPr>
+            <p:cNvSpPr>
+              <a:spLocks/>
+            </p:cNvSpPr>
+            <p:nvPr/>
+          </p:nvSpPr>
+          <p:spPr>
+            <a:xfrm>
+              <a:off x="2821755" y="3567931"/>
+              <a:ext cx="72817" cy="82800"/>
+            </a:xfrm>
+            <a:prstGeom prst="mathMultiply">
+              <a:avLst/>
+            </a:prstGeom>
+            <a:solidFill>
+              <a:srgbClr val="00B0F0"/>
+            </a:solidFill>
+            <a:ln w="3175">
+              <a:solidFill>
+                <a:schemeClr val="tx1"/>
+              </a:solidFill>
+            </a:ln>
+          </p:spPr>
+          <p:style>
+            <a:lnRef idx="2">
+              <a:schemeClr val="accent1">
+                <a:shade val="50000"/>
+              </a:schemeClr>
+            </a:lnRef>
+            <a:fillRef idx="1">
+              <a:schemeClr val="accent1"/>
+            </a:fillRef>
+            <a:effectRef idx="0">
+              <a:schemeClr val="accent1"/>
+            </a:effectRef>
+            <a:fontRef idx="minor">
+              <a:schemeClr val="lt1"/>
+            </a:fontRef>
+          </p:style>
+          <p:txBody>
+            <a:bodyPr rtlCol="0" anchor="ctr"/>
+            <a:lstStyle/>
+            <a:p>
+              <a:pPr algn="ctr"/>
+              <a:endParaRPr lang="pt-BR"/>
+            </a:p>
+          </p:txBody>
+        </p:sp>
+        <p:sp>
+          <p:nvSpPr>
+            <p:cNvPr id="58" name="Multiply 135">
+              <a:extLst>
+                <a:ext uri="{FF2B5EF4-FFF2-40B4-BE49-F238E27FC236}">
+                  <a16:creationId xmlns:a16="http://schemas.microsoft.com/office/drawing/2014/main" id="{0019A74A-118A-B8CF-D346-7EC03E3987DD}"/>
+                </a:ext>
+              </a:extLst>
+            </p:cNvPr>
+            <p:cNvSpPr>
+              <a:spLocks/>
+            </p:cNvSpPr>
+            <p:nvPr/>
+          </p:nvSpPr>
+          <p:spPr>
+            <a:xfrm>
+              <a:off x="2815887" y="3608957"/>
+              <a:ext cx="72817" cy="82800"/>
+            </a:xfrm>
+            <a:prstGeom prst="mathMultiply">
+              <a:avLst/>
+            </a:prstGeom>
+            <a:solidFill>
+              <a:srgbClr val="00B0F0"/>
+            </a:solidFill>
+            <a:ln w="3175">
+              <a:solidFill>
+                <a:schemeClr val="tx1"/>
+              </a:solidFill>
+            </a:ln>
+          </p:spPr>
+          <p:style>
+            <a:lnRef idx="2">
+              <a:schemeClr val="accent1">
+                <a:shade val="50000"/>
+              </a:schemeClr>
+            </a:lnRef>
+            <a:fillRef idx="1">
+              <a:schemeClr val="accent1"/>
+            </a:fillRef>
+            <a:effectRef idx="0">
+              <a:schemeClr val="accent1"/>
+            </a:effectRef>
+            <a:fontRef idx="minor">
+              <a:schemeClr val="lt1"/>
+            </a:fontRef>
+          </p:style>
+          <p:txBody>
+            <a:bodyPr rtlCol="0" anchor="ctr"/>
+            <a:lstStyle/>
+            <a:p>
+              <a:pPr algn="ctr"/>
+              <a:endParaRPr lang="pt-BR"/>
+            </a:p>
+          </p:txBody>
+        </p:sp>
+        <p:sp>
+          <p:nvSpPr>
+            <p:cNvPr id="59" name="Multiply 135">
+              <a:extLst>
+                <a:ext uri="{FF2B5EF4-FFF2-40B4-BE49-F238E27FC236}">
+                  <a16:creationId xmlns:a16="http://schemas.microsoft.com/office/drawing/2014/main" id="{2A5512CC-0B51-FABF-F91A-B6123A14B48A}"/>
+                </a:ext>
+              </a:extLst>
+            </p:cNvPr>
+            <p:cNvSpPr>
+              <a:spLocks/>
+            </p:cNvSpPr>
+            <p:nvPr/>
+          </p:nvSpPr>
+          <p:spPr>
+            <a:xfrm>
+              <a:off x="2821755" y="3470948"/>
+              <a:ext cx="72817" cy="82800"/>
+            </a:xfrm>
+            <a:prstGeom prst="mathMultiply">
+              <a:avLst/>
+            </a:prstGeom>
+            <a:solidFill>
+              <a:srgbClr val="00B0F0"/>
+            </a:solidFill>
+            <a:ln w="3175">
+              <a:solidFill>
+                <a:schemeClr val="tx1"/>
+              </a:solidFill>
+            </a:ln>
+          </p:spPr>
+          <p:style>
+            <a:lnRef idx="2">
+              <a:schemeClr val="accent1">
+                <a:shade val="50000"/>
+              </a:schemeClr>
+            </a:lnRef>
+            <a:fillRef idx="1">
+              <a:schemeClr val="accent1"/>
+            </a:fillRef>
+            <a:effectRef idx="0">
+              <a:schemeClr val="accent1"/>
+            </a:effectRef>
+            <a:fontRef idx="minor">
+              <a:schemeClr val="lt1"/>
+            </a:fontRef>
+          </p:style>
+          <p:txBody>
+            <a:bodyPr rtlCol="0" anchor="ctr"/>
+            <a:lstStyle/>
+            <a:p>
+              <a:pPr algn="ctr"/>
+              <a:endParaRPr lang="pt-BR"/>
+            </a:p>
+          </p:txBody>
+        </p:sp>
+        <p:sp>
+          <p:nvSpPr>
+            <p:cNvPr id="60" name="Multiply 135">
+              <a:extLst>
+                <a:ext uri="{FF2B5EF4-FFF2-40B4-BE49-F238E27FC236}">
+                  <a16:creationId xmlns:a16="http://schemas.microsoft.com/office/drawing/2014/main" id="{F626310B-7E68-50DB-ED66-A1A7C8DF3086}"/>
+                </a:ext>
+              </a:extLst>
+            </p:cNvPr>
+            <p:cNvSpPr>
+              <a:spLocks/>
+            </p:cNvSpPr>
+            <p:nvPr/>
+          </p:nvSpPr>
+          <p:spPr>
+            <a:xfrm>
+              <a:off x="2814831" y="3519440"/>
+              <a:ext cx="72817" cy="82800"/>
+            </a:xfrm>
+            <a:prstGeom prst="mathMultiply">
+              <a:avLst/>
+            </a:prstGeom>
+            <a:solidFill>
+              <a:srgbClr val="00B0F0"/>
+            </a:solidFill>
+            <a:ln w="3175">
+              <a:solidFill>
+                <a:schemeClr val="tx1"/>
+              </a:solidFill>
+            </a:ln>
+          </p:spPr>
+          <p:style>
+            <a:lnRef idx="2">
+              <a:schemeClr val="accent1">
+                <a:shade val="50000"/>
+              </a:schemeClr>
+            </a:lnRef>
+            <a:fillRef idx="1">
+              <a:schemeClr val="accent1"/>
+            </a:fillRef>
+            <a:effectRef idx="0">
+              <a:schemeClr val="accent1"/>
+            </a:effectRef>
+            <a:fontRef idx="minor">
+              <a:schemeClr val="lt1"/>
+            </a:fontRef>
+          </p:style>
+          <p:txBody>
+            <a:bodyPr rtlCol="0" anchor="ctr"/>
+            <a:lstStyle/>
+            <a:p>
+              <a:pPr algn="ctr"/>
+              <a:endParaRPr lang="pt-BR"/>
+            </a:p>
+          </p:txBody>
+        </p:sp>
+        <p:sp>
+          <p:nvSpPr>
+            <p:cNvPr id="61" name="Multiply 135">
+              <a:extLst>
+                <a:ext uri="{FF2B5EF4-FFF2-40B4-BE49-F238E27FC236}">
+                  <a16:creationId xmlns:a16="http://schemas.microsoft.com/office/drawing/2014/main" id="{1FF4313A-7729-DF85-5956-8175C40249C7}"/>
+                </a:ext>
+              </a:extLst>
+            </p:cNvPr>
+            <p:cNvSpPr>
+              <a:spLocks/>
+            </p:cNvSpPr>
+            <p:nvPr/>
+          </p:nvSpPr>
+          <p:spPr>
+            <a:xfrm>
+              <a:off x="2807901" y="3942004"/>
+              <a:ext cx="72817" cy="82800"/>
+            </a:xfrm>
+            <a:prstGeom prst="mathMultiply">
+              <a:avLst/>
+            </a:prstGeom>
+            <a:solidFill>
+              <a:srgbClr val="00B0F0"/>
+            </a:solidFill>
+            <a:ln w="3175">
+              <a:solidFill>
+                <a:schemeClr val="tx1"/>
+              </a:solidFill>
+            </a:ln>
+          </p:spPr>
+          <p:style>
+            <a:lnRef idx="2">
+              <a:schemeClr val="accent1">
+                <a:shade val="50000"/>
+              </a:schemeClr>
+            </a:lnRef>
+            <a:fillRef idx="1">
+              <a:schemeClr val="accent1"/>
+            </a:fillRef>
+            <a:effectRef idx="0">
+              <a:schemeClr val="accent1"/>
+            </a:effectRef>
+            <a:fontRef idx="minor">
+              <a:schemeClr val="lt1"/>
+            </a:fontRef>
+          </p:style>
+          <p:txBody>
+            <a:bodyPr rtlCol="0" anchor="ctr"/>
+            <a:lstStyle/>
+            <a:p>
+              <a:pPr algn="ctr"/>
+              <a:endParaRPr lang="pt-BR" dirty="0"/>
+            </a:p>
+          </p:txBody>
+        </p:sp>
+      </p:grpSp>
+    </p:spTree>
+    <p:extLst>
+      <p:ext uri="{BB962C8B-B14F-4D97-AF65-F5344CB8AC3E}">
+        <p14:creationId xmlns:p14="http://schemas.microsoft.com/office/powerpoint/2010/main" val="901203922"/>
+      </p:ext>
+    </p:extLst>
+  </p:cSld>
+  <p:clrMapOvr>
+    <a:masterClrMapping/>
+  </p:clrMapOvr>
+</p:sld>
+</file>
+
 <file path=ppt/slides/slide3.xml><?xml version="1.0" encoding="utf-8"?>
 <p:sld xmlns:a="http://schemas.openxmlformats.org/drawingml/2006/main" xmlns:r="http://schemas.openxmlformats.org/officeDocument/2006/relationships" xmlns:p="http://schemas.openxmlformats.org/presentationml/2006/main">
   <p:cSld>
@@ -16281,8 +19842,8 @@
           </a:p>
         </p:txBody>
       </p:sp>
-      <mc:AlternateContent xmlns:mc="http://schemas.openxmlformats.org/markup-compatibility/2006">
-        <mc:Choice xmlns:a14="http://schemas.microsoft.com/office/drawing/2010/main" Requires="a14">
+      <mc:AlternateContent xmlns:mc="http://schemas.openxmlformats.org/markup-compatibility/2006" xmlns:a14="http://schemas.microsoft.com/office/drawing/2010/main">
+        <mc:Choice Requires="a14">
           <p:sp>
             <p:nvSpPr>
               <p:cNvPr id="3" name="Espaço Reservado para Conteúdo 2">
@@ -16442,7 +20003,7 @@
             </p:txBody>
           </p:sp>
         </mc:Choice>
-        <mc:Fallback>
+        <mc:Fallback xmlns="">
           <p:sp>
             <p:nvSpPr>
               <p:cNvPr id="3" name="Espaço Reservado para Conteúdo 2">
@@ -16486,8 +20047,8 @@
           </p:sp>
         </mc:Fallback>
       </mc:AlternateContent>
-      <mc:AlternateContent xmlns:mc="http://schemas.openxmlformats.org/markup-compatibility/2006">
-        <mc:Choice xmlns:a14="http://schemas.microsoft.com/office/drawing/2010/main" Requires="a14">
+      <mc:AlternateContent xmlns:mc="http://schemas.openxmlformats.org/markup-compatibility/2006" xmlns:a14="http://schemas.microsoft.com/office/drawing/2010/main">
+        <mc:Choice Requires="a14">
           <p:sp>
             <p:nvSpPr>
               <p:cNvPr id="5" name="CaixaDeTexto 4">
@@ -17211,7 +20772,7 @@
             </p:txBody>
           </p:sp>
         </mc:Choice>
-        <mc:Fallback>
+        <mc:Fallback xmlns="">
           <p:sp>
             <p:nvSpPr>
               <p:cNvPr id="5" name="CaixaDeTexto 4">
@@ -17314,8 +20875,8 @@
           </a:p>
         </p:txBody>
       </p:sp>
-      <mc:AlternateContent xmlns:mc="http://schemas.openxmlformats.org/markup-compatibility/2006">
-        <mc:Choice xmlns:a14="http://schemas.microsoft.com/office/drawing/2010/main" Requires="a14">
+      <mc:AlternateContent xmlns:mc="http://schemas.openxmlformats.org/markup-compatibility/2006" xmlns:a14="http://schemas.microsoft.com/office/drawing/2010/main">
+        <mc:Choice Requires="a14">
           <p:sp>
             <p:nvSpPr>
               <p:cNvPr id="3" name="Espaço Reservado para Conteúdo 2">
@@ -17453,7 +21014,7 @@
             </p:txBody>
           </p:sp>
         </mc:Choice>
-        <mc:Fallback>
+        <mc:Fallback xmlns="">
           <p:sp>
             <p:nvSpPr>
               <p:cNvPr id="3" name="Espaço Reservado para Conteúdo 2">
@@ -17972,13 +21533,13 @@
             </p:spPr>
             <p:txBody>
               <a:bodyPr>
-                <a:normAutofit lnSpcReduction="10000"/>
+                <a:normAutofit/>
               </a:bodyPr>
               <a:lstStyle/>
               <a:p>
                 <a:r>
                   <a:rPr lang="pt-BR" dirty="0"/>
-                  <a:t>A </a:t>
+                  <a:t>Em geral, a </a:t>
                 </a:r>
                 <a:r>
                   <a:rPr lang="pt-BR" b="1" i="1" dirty="0"/>
@@ -17986,7 +21547,7 @@
                 </a:r>
                 <a:r>
                   <a:rPr lang="pt-BR" dirty="0"/>
-                  <a:t>faz com que os atributos variem entre 0 e 1.</a:t>
+                  <a:t>faz com que os atributos variem entre 0 e 1, mas pode-se definir outros intervalos.</a:t>
                 </a:r>
               </a:p>
               <a:p>
@@ -18554,7 +22115,7 @@
                 </a14:m>
                 <a:r>
                   <a:rPr lang="pt-BR" dirty="0"/>
-                  <a:t> são os valor mínimo e máximo, respectivamente, calculados ao longo de todas as amostras do </a:t>
+                  <a:t> são os valores mínimo e máximo, respectivamente, calculados ao longo de todas as amostras do </a:t>
                 </a:r>
                 <a14:m>
                   <m:oMath xmlns:m="http://schemas.openxmlformats.org/officeDocument/2006/math">
@@ -18568,270 +22129,40 @@
                 </a14:m>
                 <a:r>
                   <a:rPr lang="pt-BR" dirty="0"/>
-                  <a:t>–ésimo atributo.</a:t>
-                </a:r>
-              </a:p>
-              <a:p>
-                <a:r>
-                  <a:rPr lang="pt-BR" dirty="0"/>
-                  <a:t>Para se normalizar os atributos para intervalos diferentes de 0 e 1, aplica-se a seguinte transformação aos atributos já normalizados</a:t>
-                </a:r>
-              </a:p>
-              <a:p>
-                <a:pPr marL="0" indent="0">
-                  <a:buNone/>
-                </a:pPr>
-                <a14:m>
-                  <m:oMathPara xmlns:m="http://schemas.openxmlformats.org/officeDocument/2006/math">
-                    <m:oMathParaPr>
-                      <m:jc m:val="center"/>
-                    </m:oMathParaPr>
-                    <m:oMath xmlns:m="http://schemas.openxmlformats.org/officeDocument/2006/math">
-                      <m:sSub>
-                        <m:sSubPr>
-                          <m:ctrlPr>
-                            <a:rPr lang="en-US" i="1" smtClean="0">
-                              <a:latin typeface="Cambria Math" panose="02040503050406030204" pitchFamily="18" charset="0"/>
-                            </a:rPr>
-                          </m:ctrlPr>
-                        </m:sSubPr>
-                        <m:e>
-                          <m:sSup>
-                            <m:sSupPr>
-                              <m:ctrlPr>
-                                <a:rPr lang="pt-BR" i="1">
-                                  <a:latin typeface="Cambria Math" panose="02040503050406030204" pitchFamily="18" charset="0"/>
-                                </a:rPr>
-                              </m:ctrlPr>
-                            </m:sSupPr>
-                            <m:e>
-                              <m:r>
-                                <a:rPr lang="en-US" i="1">
-                                  <a:latin typeface="Cambria Math" panose="02040503050406030204" pitchFamily="18" charset="0"/>
-                                </a:rPr>
-                                <m:t>𝑥</m:t>
-                              </m:r>
-                            </m:e>
-                            <m:sup>
-                              <m:r>
-                                <a:rPr lang="pt-BR" i="1">
-                                  <a:latin typeface="Cambria Math" panose="02040503050406030204" pitchFamily="18" charset="0"/>
-                                </a:rPr>
-                                <m:t>′</m:t>
-                              </m:r>
-                              <m:r>
-                                <a:rPr lang="pt-BR" b="0" i="1" smtClean="0">
-                                  <a:latin typeface="Cambria Math" panose="02040503050406030204" pitchFamily="18" charset="0"/>
-                                </a:rPr>
-                                <m:t>′</m:t>
-                              </m:r>
-                            </m:sup>
-                          </m:sSup>
-                        </m:e>
-                        <m:sub>
-                          <m:r>
-                            <a:rPr lang="en-US" i="1">
-                              <a:latin typeface="Cambria Math" panose="02040503050406030204" pitchFamily="18" charset="0"/>
-                            </a:rPr>
-                            <m:t>𝑘</m:t>
-                          </m:r>
-                        </m:sub>
-                      </m:sSub>
-                      <m:d>
-                        <m:dPr>
-                          <m:ctrlPr>
-                            <a:rPr lang="pt-BR" i="1">
-                              <a:latin typeface="Cambria Math" panose="02040503050406030204" pitchFamily="18" charset="0"/>
-                            </a:rPr>
-                          </m:ctrlPr>
-                        </m:dPr>
-                        <m:e>
-                          <m:r>
-                            <a:rPr lang="pt-BR" i="1">
-                              <a:latin typeface="Cambria Math" panose="02040503050406030204" pitchFamily="18" charset="0"/>
-                            </a:rPr>
-                            <m:t>𝑖</m:t>
-                          </m:r>
-                        </m:e>
-                      </m:d>
-                      <m:r>
-                        <a:rPr lang="pt-BR" b="0" i="1" smtClean="0">
-                          <a:latin typeface="Cambria Math" panose="02040503050406030204" pitchFamily="18" charset="0"/>
-                        </a:rPr>
-                        <m:t>=</m:t>
-                      </m:r>
-                      <m:sSub>
-                        <m:sSubPr>
-                          <m:ctrlPr>
-                            <a:rPr lang="en-US" i="1">
-                              <a:latin typeface="Cambria Math" panose="02040503050406030204" pitchFamily="18" charset="0"/>
-                            </a:rPr>
-                          </m:ctrlPr>
-                        </m:sSubPr>
-                        <m:e>
-                          <m:sSup>
-                            <m:sSupPr>
-                              <m:ctrlPr>
-                                <a:rPr lang="pt-BR" i="1">
-                                  <a:latin typeface="Cambria Math" panose="02040503050406030204" pitchFamily="18" charset="0"/>
-                                </a:rPr>
-                              </m:ctrlPr>
-                            </m:sSupPr>
-                            <m:e>
-                              <m:r>
-                                <a:rPr lang="en-US" i="1">
-                                  <a:latin typeface="Cambria Math" panose="02040503050406030204" pitchFamily="18" charset="0"/>
-                                </a:rPr>
-                                <m:t>𝑥</m:t>
-                              </m:r>
-                            </m:e>
-                            <m:sup>
-                              <m:r>
-                                <a:rPr lang="pt-BR" i="1">
-                                  <a:latin typeface="Cambria Math" panose="02040503050406030204" pitchFamily="18" charset="0"/>
-                                </a:rPr>
-                                <m:t>′</m:t>
-                              </m:r>
-                            </m:sup>
-                          </m:sSup>
-                        </m:e>
-                        <m:sub>
-                          <m:r>
-                            <a:rPr lang="en-US" i="1">
-                              <a:latin typeface="Cambria Math" panose="02040503050406030204" pitchFamily="18" charset="0"/>
-                            </a:rPr>
-                            <m:t>𝑘</m:t>
-                          </m:r>
-                        </m:sub>
-                      </m:sSub>
-                      <m:d>
-                        <m:dPr>
-                          <m:ctrlPr>
-                            <a:rPr lang="pt-BR" i="1">
-                              <a:latin typeface="Cambria Math" panose="02040503050406030204" pitchFamily="18" charset="0"/>
-                            </a:rPr>
-                          </m:ctrlPr>
-                        </m:dPr>
-                        <m:e>
-                          <m:r>
-                            <a:rPr lang="pt-BR" i="1">
-                              <a:latin typeface="Cambria Math" panose="02040503050406030204" pitchFamily="18" charset="0"/>
-                            </a:rPr>
-                            <m:t>𝑖</m:t>
-                          </m:r>
-                        </m:e>
-                      </m:d>
-                      <m:d>
-                        <m:dPr>
-                          <m:ctrlPr>
-                            <a:rPr lang="pt-BR" b="0" i="1" smtClean="0">
-                              <a:latin typeface="Cambria Math" panose="02040503050406030204" pitchFamily="18" charset="0"/>
-                            </a:rPr>
-                          </m:ctrlPr>
-                        </m:dPr>
-                        <m:e>
-                          <m:r>
-                            <m:rPr>
-                              <m:sty m:val="p"/>
-                            </m:rPr>
-                            <a:rPr lang="en-US">
-                              <a:latin typeface="Cambria Math" panose="02040503050406030204" pitchFamily="18" charset="0"/>
-                            </a:rPr>
-                            <m:t>max</m:t>
-                          </m:r>
-                          <m:r>
-                            <a:rPr lang="en-US" i="1">
-                              <a:latin typeface="Cambria Math" panose="02040503050406030204" pitchFamily="18" charset="0"/>
-                            </a:rPr>
-                            <m:t>−</m:t>
-                          </m:r>
-                          <m:r>
-                            <m:rPr>
-                              <m:sty m:val="p"/>
-                            </m:rPr>
-                            <a:rPr lang="en-US">
-                              <a:latin typeface="Cambria Math" panose="02040503050406030204" pitchFamily="18" charset="0"/>
-                            </a:rPr>
-                            <m:t>min</m:t>
-                          </m:r>
-                        </m:e>
-                      </m:d>
-                      <m:r>
-                        <a:rPr lang="pt-BR" b="0" i="0" smtClean="0">
-                          <a:latin typeface="Cambria Math" panose="02040503050406030204" pitchFamily="18" charset="0"/>
-                        </a:rPr>
-                        <m:t>+</m:t>
-                      </m:r>
-                      <m:r>
-                        <m:rPr>
-                          <m:sty m:val="p"/>
-                        </m:rPr>
-                        <a:rPr lang="en-US">
-                          <a:latin typeface="Cambria Math" panose="02040503050406030204" pitchFamily="18" charset="0"/>
-                        </a:rPr>
-                        <m:t>min</m:t>
-                      </m:r>
-                      <m:r>
-                        <a:rPr lang="pt-BR" b="0" i="0" smtClean="0">
-                          <a:latin typeface="Cambria Math" panose="02040503050406030204" pitchFamily="18" charset="0"/>
-                        </a:rPr>
-                        <m:t>,</m:t>
-                      </m:r>
-                    </m:oMath>
-                  </m:oMathPara>
-                </a14:m>
-                <a:endParaRPr lang="pt-BR" b="0" dirty="0"/>
-              </a:p>
-              <a:p>
-                <a:pPr marL="0" indent="0">
-                  <a:buNone/>
-                </a:pPr>
-                <a:r>
-                  <a:rPr lang="pt-BR" dirty="0"/>
-                  <a:t>onde </a:t>
+                  <a:t>–ésimo vetor de atributo, </a:t>
                 </a:r>
                 <a14:m>
                   <m:oMath xmlns:m="http://schemas.openxmlformats.org/officeDocument/2006/math">
-                    <m:r>
-                      <m:rPr>
-                        <m:sty m:val="p"/>
-                      </m:rPr>
-                      <a:rPr lang="en-US" smtClean="0">
-                        <a:latin typeface="Cambria Math" panose="02040503050406030204" pitchFamily="18" charset="0"/>
-                      </a:rPr>
-                      <m:t>min</m:t>
-                    </m:r>
+                    <m:sSub>
+                      <m:sSubPr>
+                        <m:ctrlPr>
+                          <a:rPr lang="en-US" i="1">
+                            <a:latin typeface="Cambria Math" panose="02040503050406030204" pitchFamily="18" charset="0"/>
+                          </a:rPr>
+                        </m:ctrlPr>
+                      </m:sSubPr>
+                      <m:e>
+                        <m:r>
+                          <a:rPr lang="en-US" b="1" i="1">
+                            <a:latin typeface="Cambria Math" panose="02040503050406030204" pitchFamily="18" charset="0"/>
+                          </a:rPr>
+                          <m:t>𝒙</m:t>
+                        </m:r>
+                      </m:e>
+                      <m:sub>
+                        <m:r>
+                          <a:rPr lang="en-US" i="1">
+                            <a:latin typeface="Cambria Math" panose="02040503050406030204" pitchFamily="18" charset="0"/>
+                          </a:rPr>
+                          <m:t>𝑘</m:t>
+                        </m:r>
+                      </m:sub>
+                    </m:sSub>
                   </m:oMath>
                 </a14:m>
                 <a:r>
                   <a:rPr lang="pt-BR" dirty="0"/>
-                  <a:t> e </a:t>
-                </a:r>
-                <a14:m>
-                  <m:oMath xmlns:m="http://schemas.openxmlformats.org/officeDocument/2006/math">
-                    <m:r>
-                      <m:rPr>
-                        <m:sty m:val="p"/>
-                      </m:rPr>
-                      <a:rPr lang="en-US">
-                        <a:latin typeface="Cambria Math" panose="02040503050406030204" pitchFamily="18" charset="0"/>
-                      </a:rPr>
-                      <m:t>m</m:t>
-                    </m:r>
-                    <m:r>
-                      <m:rPr>
-                        <m:sty m:val="p"/>
-                      </m:rPr>
-                      <a:rPr lang="pt-BR" b="0" i="0" smtClean="0">
-                        <a:latin typeface="Cambria Math" panose="02040503050406030204" pitchFamily="18" charset="0"/>
-                      </a:rPr>
-                      <m:t>ax</m:t>
-                    </m:r>
-                  </m:oMath>
-                </a14:m>
-                <a:r>
-                  <a:rPr lang="pt-BR" dirty="0"/>
-                  <a:t> são os valores mínimo e máximo do novo intervalo, respectivamente.</a:t>
+                  <a:t>.</a:t>
                 </a:r>
               </a:p>
             </p:txBody>
@@ -18856,7 +22187,7 @@
               <a:blipFill>
                 <a:blip r:embed="rId3"/>
                 <a:stretch>
-                  <a:fillRect l="-1148" t="-2663" b="-242"/>
+                  <a:fillRect l="-1148" t="-1937" r="-492"/>
                 </a:stretch>
               </a:blipFill>
             </p:spPr>
@@ -18941,8 +22272,8 @@
             </p:nvSpPr>
             <p:spPr>
               <a:xfrm>
-                <a:off x="838200" y="1825625"/>
-                <a:ext cx="11049000" cy="5032375"/>
+                <a:off x="838199" y="1825625"/>
+                <a:ext cx="11127059" cy="5032375"/>
               </a:xfrm>
             </p:spPr>
             <p:txBody>
@@ -18957,13 +22288,13 @@
                 </a:r>
                 <a:r>
                   <a:rPr lang="pt-BR" dirty="0"/>
-                  <a:t> faz com que os atributos tenham média zero e desvio padrão unitário. </a:t>
+                  <a:t> faz com que os atributos passem a ter média zero e desvio padrão unitário. </a:t>
                 </a:r>
               </a:p>
               <a:p>
                 <a:r>
                   <a:rPr lang="pt-BR" dirty="0"/>
-                  <a:t>Observe que, neste caso, os valores não ficam restritos a um intervalo específico.</a:t>
+                  <a:t>Observem que, neste caso, os valores não ficam restritos a um intervalo específico.</a:t>
                 </a:r>
               </a:p>
               <a:p>
@@ -19405,7 +22736,40 @@
                 </a14:m>
                 <a:r>
                   <a:rPr lang="pt-BR" dirty="0"/>
-                  <a:t>–ésimo atributo. </a:t>
+                  <a:t>–ésimo vetor de atributo, </a:t>
+                </a:r>
+                <a14:m>
+                  <m:oMath xmlns:m="http://schemas.openxmlformats.org/officeDocument/2006/math">
+                    <m:sSub>
+                      <m:sSubPr>
+                        <m:ctrlPr>
+                          <a:rPr lang="en-US" i="1">
+                            <a:latin typeface="Cambria Math" panose="02040503050406030204" pitchFamily="18" charset="0"/>
+                          </a:rPr>
+                        </m:ctrlPr>
+                      </m:sSubPr>
+                      <m:e>
+                        <m:r>
+                          <a:rPr lang="en-US" b="1" i="1">
+                            <a:latin typeface="Cambria Math" panose="02040503050406030204" pitchFamily="18" charset="0"/>
+                          </a:rPr>
+                          <m:t>𝒙</m:t>
+                        </m:r>
+                      </m:e>
+                      <m:sub>
+                        <m:r>
+                          <a:rPr lang="en-US" i="1">
+                            <a:latin typeface="Cambria Math" panose="02040503050406030204" pitchFamily="18" charset="0"/>
+                          </a:rPr>
+                          <m:t>𝑘</m:t>
+                        </m:r>
+                      </m:sub>
+                    </m:sSub>
+                  </m:oMath>
+                </a14:m>
+                <a:r>
+                  <a:rPr lang="pt-BR" dirty="0"/>
+                  <a:t>. </a:t>
                 </a:r>
               </a:p>
             </p:txBody>
@@ -19424,13 +22788,13 @@
             </p:nvSpPr>
             <p:spPr>
               <a:xfrm>
-                <a:off x="838200" y="1825625"/>
-                <a:ext cx="11049000" cy="5032375"/>
+                <a:off x="838199" y="1825625"/>
+                <a:ext cx="11127059" cy="5032375"/>
               </a:xfrm>
               <a:blipFill>
                 <a:blip r:embed="rId3"/>
                 <a:stretch>
-                  <a:fillRect l="-1159" t="-1937"/>
+                  <a:fillRect l="-1095" t="-1937" r="-1533"/>
                 </a:stretch>
               </a:blipFill>
             </p:spPr>
@@ -19481,7 +22845,13 @@
       </p:grpSpPr>
       <p:sp>
         <p:nvSpPr>
-          <p:cNvPr id="2" name="Title 1"/>
+          <p:cNvPr id="2" name="Título 1">
+            <a:extLst>
+              <a:ext uri="{FF2B5EF4-FFF2-40B4-BE49-F238E27FC236}">
+                <a16:creationId xmlns:a16="http://schemas.microsoft.com/office/drawing/2014/main" id="{0424EA61-8827-8572-A25B-F27A0372F1A1}"/>
+              </a:ext>
+            </a:extLst>
+          </p:cNvPr>
           <p:cNvSpPr>
             <a:spLocks noGrp="1"/>
           </p:cNvSpPr>
@@ -19489,12 +22859,7 @@
             <p:ph type="title"/>
           </p:nvPr>
         </p:nvSpPr>
-        <p:spPr>
-          <a:xfrm>
-            <a:off x="838200" y="57348"/>
-            <a:ext cx="10515600" cy="1325563"/>
-          </a:xfrm>
-        </p:spPr>
+        <p:spPr/>
         <p:txBody>
           <a:bodyPr/>
           <a:lstStyle/>
@@ -19508,7 +22873,13 @@
       </p:sp>
       <p:sp>
         <p:nvSpPr>
-          <p:cNvPr id="3" name="Content Placeholder 2"/>
+          <p:cNvPr id="3" name="Espaço Reservado para Conteúdo 2">
+            <a:extLst>
+              <a:ext uri="{FF2B5EF4-FFF2-40B4-BE49-F238E27FC236}">
+                <a16:creationId xmlns:a16="http://schemas.microsoft.com/office/drawing/2014/main" id="{845E4B59-80A8-56C0-25C4-BFA92D9C3922}"/>
+              </a:ext>
+            </a:extLst>
+          </p:cNvPr>
           <p:cNvSpPr>
             <a:spLocks noGrp="1"/>
           </p:cNvSpPr>
@@ -19518,13 +22889,13 @@
         </p:nvSpPr>
         <p:spPr>
           <a:xfrm>
-            <a:off x="4222044" y="1546578"/>
-            <a:ext cx="7854341" cy="5311422"/>
+            <a:off x="838199" y="1825625"/>
+            <a:ext cx="11219121" cy="2612842"/>
           </a:xfrm>
         </p:spPr>
         <p:txBody>
           <a:bodyPr>
-            <a:normAutofit/>
+            <a:normAutofit lnSpcReduction="10000"/>
           </a:bodyPr>
           <a:lstStyle/>
           <a:p>
@@ -19538,20 +22909,30 @@
             </a:r>
             <a:r>
               <a:rPr lang="pt-BR" dirty="0"/>
-              <a:t>, pois deixa a superfície de erro mais circular, ou seja, com inclinação similar em todas as direções.</a:t>
+              <a:t>, pois deixa a superfície de erro mais circular.</a:t>
+            </a:r>
+          </a:p>
+          <a:p>
+            <a:pPr lvl="1">
+              <a:buFont typeface="Wingdings" panose="05000000000000000000" pitchFamily="2" charset="2"/>
+              <a:buChar char="§"/>
+            </a:pPr>
+            <a:r>
+              <a:rPr lang="pt-BR" dirty="0"/>
+              <a:t>Ou seja, com inclinação similar em todas as direções.</a:t>
             </a:r>
           </a:p>
           <a:p>
             <a:r>
               <a:rPr lang="nl-BE" dirty="0"/>
-              <a:t>Ajuda a estabilizar os algoritmos de aprendizado de máquina.</a:t>
+              <a:t>Ele ajuda a estabilizar o algoritmo do gradiente descendente.</a:t>
             </a:r>
             <a:endParaRPr lang="pt-BR" dirty="0"/>
           </a:p>
           <a:p>
             <a:r>
               <a:rPr lang="pt-BR" dirty="0"/>
-              <a:t>Possibilita comparar o peso/influência de cada </a:t>
+              <a:t>Além disso, possibilita comparar o peso/influência de cada </a:t>
             </a:r>
             <a:r>
               <a:rPr lang="pt-BR" b="1" i="1" dirty="0"/>
@@ -19559,160 +22940,187 @@
             </a:r>
             <a:r>
               <a:rPr lang="pt-BR" dirty="0"/>
-              <a:t> no modelo.</a:t>
+              <a:t> no modelo de forma justa.</a:t>
             </a:r>
           </a:p>
         </p:txBody>
       </p:sp>
-      <p:grpSp>
-        <p:nvGrpSpPr>
-          <p:cNvPr id="4" name="Group 3"/>
-          <p:cNvGrpSpPr/>
+      <p:sp>
+        <p:nvSpPr>
+          <p:cNvPr id="4" name="Down Arrow 6">
+            <a:extLst>
+              <a:ext uri="{FF2B5EF4-FFF2-40B4-BE49-F238E27FC236}">
+                <a16:creationId xmlns:a16="http://schemas.microsoft.com/office/drawing/2014/main" id="{9EC0A304-6BF7-0106-1DCD-0BAE870C81A4}"/>
+              </a:ext>
+            </a:extLst>
+          </p:cNvPr>
+          <p:cNvSpPr/>
           <p:nvPr/>
-        </p:nvGrpSpPr>
-        <p:grpSpPr>
+        </p:nvSpPr>
+        <p:spPr>
+          <a:xfrm rot="16200000">
+            <a:off x="5895975" y="5422447"/>
+            <a:ext cx="400050" cy="485775"/>
+          </a:xfrm>
+          <a:prstGeom prst="downArrow">
+            <a:avLst/>
+          </a:prstGeom>
+        </p:spPr>
+        <p:style>
+          <a:lnRef idx="2">
+            <a:schemeClr val="accent1">
+              <a:shade val="50000"/>
+            </a:schemeClr>
+          </a:lnRef>
+          <a:fillRef idx="1">
+            <a:schemeClr val="accent1"/>
+          </a:fillRef>
+          <a:effectRef idx="0">
+            <a:schemeClr val="accent1"/>
+          </a:effectRef>
+          <a:fontRef idx="minor">
+            <a:schemeClr val="lt1"/>
+          </a:fontRef>
+        </p:style>
+        <p:txBody>
+          <a:bodyPr rtlCol="0" anchor="ctr"/>
+          <a:lstStyle/>
+          <a:p>
+            <a:pPr algn="ctr"/>
+            <a:endParaRPr lang="pt-BR"/>
+          </a:p>
+        </p:txBody>
+      </p:sp>
+      <p:sp>
+        <p:nvSpPr>
+          <p:cNvPr id="5" name="TextBox 7">
+            <a:extLst>
+              <a:ext uri="{FF2B5EF4-FFF2-40B4-BE49-F238E27FC236}">
+                <a16:creationId xmlns:a16="http://schemas.microsoft.com/office/drawing/2014/main" id="{4A9A665F-F9C1-E9D6-8F71-7AA8D3C1A3D0}"/>
+              </a:ext>
+            </a:extLst>
+          </p:cNvPr>
+          <p:cNvSpPr txBox="1"/>
+          <p:nvPr/>
+        </p:nvSpPr>
+        <p:spPr>
           <a:xfrm>
-            <a:off x="1228933" y="1123619"/>
-            <a:ext cx="2292375" cy="5677033"/>
-            <a:chOff x="9567748" y="717659"/>
-            <a:chExt cx="2292375" cy="5677033"/>
+            <a:off x="5421394" y="5157533"/>
+            <a:ext cx="1349213" cy="307777"/>
           </a:xfrm>
-        </p:grpSpPr>
-        <p:pic>
-          <p:nvPicPr>
-            <p:cNvPr id="5" name="Picture 4"/>
-            <p:cNvPicPr>
-              <a:picLocks noChangeAspect="1"/>
-            </p:cNvPicPr>
-            <p:nvPr/>
-          </p:nvPicPr>
-          <p:blipFill>
-            <a:blip r:embed="rId3" cstate="print">
-              <a:extLst>
-                <a:ext uri="{28A0092B-C50C-407E-A947-70E740481C1C}">
-                  <a14:useLocalDpi xmlns:a14="http://schemas.microsoft.com/office/drawing/2010/main" val="0"/>
-                </a:ext>
-              </a:extLst>
-            </a:blip>
-            <a:stretch>
-              <a:fillRect/>
-            </a:stretch>
-          </p:blipFill>
-          <p:spPr>
-            <a:xfrm>
-              <a:off x="9567748" y="717659"/>
-              <a:ext cx="2288436" cy="3158908"/>
-            </a:xfrm>
-            <a:prstGeom prst="rect">
-              <a:avLst/>
-            </a:prstGeom>
-          </p:spPr>
-        </p:pic>
-        <p:pic>
-          <p:nvPicPr>
-            <p:cNvPr id="6" name="Picture 5"/>
-            <p:cNvPicPr>
-              <a:picLocks noChangeAspect="1"/>
-            </p:cNvPicPr>
-            <p:nvPr/>
-          </p:nvPicPr>
-          <p:blipFill>
-            <a:blip r:embed="rId4" cstate="print">
-              <a:extLst>
-                <a:ext uri="{28A0092B-C50C-407E-A947-70E740481C1C}">
-                  <a14:useLocalDpi xmlns:a14="http://schemas.microsoft.com/office/drawing/2010/main" val="0"/>
-                </a:ext>
-              </a:extLst>
-            </a:blip>
-            <a:stretch>
-              <a:fillRect/>
-            </a:stretch>
-          </p:blipFill>
-          <p:spPr>
-            <a:xfrm>
-              <a:off x="9567748" y="4354400"/>
-              <a:ext cx="2292375" cy="2040292"/>
-            </a:xfrm>
-            <a:prstGeom prst="rect">
-              <a:avLst/>
-            </a:prstGeom>
-          </p:spPr>
-        </p:pic>
-        <p:sp>
-          <p:nvSpPr>
-            <p:cNvPr id="7" name="Down Arrow 6"/>
-            <p:cNvSpPr/>
-            <p:nvPr/>
-          </p:nvSpPr>
-          <p:spPr>
-            <a:xfrm>
-              <a:off x="10511940" y="4083075"/>
-              <a:ext cx="400050" cy="485775"/>
-            </a:xfrm>
-            <a:prstGeom prst="downArrow">
-              <a:avLst/>
-            </a:prstGeom>
-          </p:spPr>
-          <p:style>
-            <a:lnRef idx="2">
-              <a:schemeClr val="accent1">
-                <a:shade val="50000"/>
-              </a:schemeClr>
-            </a:lnRef>
-            <a:fillRef idx="1">
-              <a:schemeClr val="accent1"/>
-            </a:fillRef>
-            <a:effectRef idx="0">
-              <a:schemeClr val="accent1"/>
-            </a:effectRef>
-            <a:fontRef idx="minor">
-              <a:schemeClr val="lt1"/>
-            </a:fontRef>
-          </p:style>
-          <p:txBody>
-            <a:bodyPr rtlCol="0" anchor="ctr"/>
-            <a:lstStyle/>
-            <a:p>
-              <a:pPr algn="ctr"/>
-              <a:endParaRPr lang="pt-BR"/>
-            </a:p>
-          </p:txBody>
-        </p:sp>
-        <p:sp>
-          <p:nvSpPr>
-            <p:cNvPr id="8" name="TextBox 7"/>
-            <p:cNvSpPr txBox="1"/>
-            <p:nvPr/>
-          </p:nvSpPr>
-          <p:spPr>
-            <a:xfrm>
-              <a:off x="10040453" y="3790147"/>
-              <a:ext cx="1343025" cy="307777"/>
-            </a:xfrm>
-            <a:prstGeom prst="rect">
-              <a:avLst/>
-            </a:prstGeom>
-            <a:noFill/>
-          </p:spPr>
-          <p:txBody>
-            <a:bodyPr wrap="square" rtlCol="0">
-              <a:spAutoFit/>
-            </a:bodyPr>
-            <a:lstStyle/>
-            <a:p>
-              <a:pPr algn="ctr"/>
-              <a:r>
-                <a:rPr lang="pt-BR" sz="1400" dirty="0"/>
-                <a:t>Escalonamento</a:t>
-              </a:r>
-            </a:p>
-          </p:txBody>
-        </p:sp>
-      </p:grpSp>
+          <a:prstGeom prst="rect">
+            <a:avLst/>
+          </a:prstGeom>
+          <a:noFill/>
+        </p:spPr>
+        <p:txBody>
+          <a:bodyPr wrap="square" rtlCol="0">
+            <a:spAutoFit/>
+          </a:bodyPr>
+          <a:lstStyle/>
+          <a:p>
+            <a:pPr algn="ctr"/>
+            <a:r>
+              <a:rPr lang="pt-BR" sz="1400" dirty="0"/>
+              <a:t>Escalonamento</a:t>
+            </a:r>
+          </a:p>
+        </p:txBody>
+      </p:sp>
+      <p:pic>
+        <p:nvPicPr>
+          <p:cNvPr id="6" name="Picture 2">
+            <a:extLst>
+              <a:ext uri="{FF2B5EF4-FFF2-40B4-BE49-F238E27FC236}">
+                <a16:creationId xmlns:a16="http://schemas.microsoft.com/office/drawing/2014/main" id="{05750B62-6E28-097F-4641-70369CB0DA15}"/>
+              </a:ext>
+            </a:extLst>
+          </p:cNvPr>
+          <p:cNvPicPr>
+            <a:picLocks noChangeAspect="1" noChangeArrowheads="1"/>
+          </p:cNvPicPr>
+          <p:nvPr/>
+        </p:nvPicPr>
+        <p:blipFill rotWithShape="1">
+          <a:blip r:embed="rId3">
+            <a:extLst>
+              <a:ext uri="{28A0092B-C50C-407E-A947-70E740481C1C}">
+                <a14:useLocalDpi xmlns:a14="http://schemas.microsoft.com/office/drawing/2010/main" val="0"/>
+              </a:ext>
+            </a:extLst>
+          </a:blip>
+          <a:srcRect l="3452"/>
+          <a:stretch/>
+        </p:blipFill>
+        <p:spPr bwMode="auto">
+          <a:xfrm>
+            <a:off x="94349" y="4411249"/>
+            <a:ext cx="5369578" cy="2369926"/>
+          </a:xfrm>
+          <a:prstGeom prst="rect">
+            <a:avLst/>
+          </a:prstGeom>
+          <a:noFill/>
+          <a:extLst>
+            <a:ext uri="{909E8E84-426E-40DD-AFC4-6F175D3DCCD1}">
+              <a14:hiddenFill xmlns:a14="http://schemas.microsoft.com/office/drawing/2010/main">
+                <a:solidFill>
+                  <a:srgbClr val="FFFFFF"/>
+                </a:solidFill>
+              </a14:hiddenFill>
+            </a:ext>
+          </a:extLst>
+        </p:spPr>
+      </p:pic>
+      <p:pic>
+        <p:nvPicPr>
+          <p:cNvPr id="7" name="Picture 4">
+            <a:extLst>
+              <a:ext uri="{FF2B5EF4-FFF2-40B4-BE49-F238E27FC236}">
+                <a16:creationId xmlns:a16="http://schemas.microsoft.com/office/drawing/2014/main" id="{AF50A6F5-3CB0-7A2B-3781-AABE8B9214A7}"/>
+              </a:ext>
+            </a:extLst>
+          </p:cNvPr>
+          <p:cNvPicPr>
+            <a:picLocks noChangeAspect="1" noChangeArrowheads="1"/>
+          </p:cNvPicPr>
+          <p:nvPr/>
+        </p:nvPicPr>
+        <p:blipFill rotWithShape="1">
+          <a:blip r:embed="rId4">
+            <a:extLst>
+              <a:ext uri="{28A0092B-C50C-407E-A947-70E740481C1C}">
+                <a14:useLocalDpi xmlns:a14="http://schemas.microsoft.com/office/drawing/2010/main" val="0"/>
+              </a:ext>
+            </a:extLst>
+          </a:blip>
+          <a:srcRect l="2445" r="670"/>
+          <a:stretch/>
+        </p:blipFill>
+        <p:spPr bwMode="auto">
+          <a:xfrm>
+            <a:off x="6770607" y="4438468"/>
+            <a:ext cx="5369578" cy="2342707"/>
+          </a:xfrm>
+          <a:prstGeom prst="rect">
+            <a:avLst/>
+          </a:prstGeom>
+          <a:noFill/>
+          <a:extLst>
+            <a:ext uri="{909E8E84-426E-40DD-AFC4-6F175D3DCCD1}">
+              <a14:hiddenFill xmlns:a14="http://schemas.microsoft.com/office/drawing/2010/main">
+                <a:solidFill>
+                  <a:srgbClr val="FFFFFF"/>
+                </a:solidFill>
+              </a14:hiddenFill>
+            </a:ext>
+          </a:extLst>
+        </p:spPr>
+      </p:pic>
     </p:spTree>
     <p:extLst>
       <p:ext uri="{BB962C8B-B14F-4D97-AF65-F5344CB8AC3E}">
-        <p14:creationId xmlns:p14="http://schemas.microsoft.com/office/powerpoint/2010/main" val="516379404"/>
+        <p14:creationId xmlns:p14="http://schemas.microsoft.com/office/powerpoint/2010/main" val="1686981210"/>
       </p:ext>
     </p:extLst>
   </p:cSld>

--- a/slides/T319_Regressão_Linear (Parte IV).pptx
+++ b/slides/T319_Regressão_Linear (Parte IV).pptx
@@ -5,7 +5,7 @@
     <p:sldMasterId id="2147483648" r:id="rId1"/>
   </p:sldMasterIdLst>
   <p:notesMasterIdLst>
-    <p:notesMasterId r:id="rId28"/>
+    <p:notesMasterId r:id="rId24"/>
   </p:notesMasterIdLst>
   <p:sldIdLst>
     <p:sldId id="259" r:id="rId2"/>
@@ -17,23 +17,19 @@
     <p:sldId id="469" r:id="rId8"/>
     <p:sldId id="520" r:id="rId9"/>
     <p:sldId id="521" r:id="rId10"/>
-    <p:sldId id="515" r:id="rId11"/>
-    <p:sldId id="518" r:id="rId12"/>
-    <p:sldId id="512" r:id="rId13"/>
-    <p:sldId id="480" r:id="rId14"/>
-    <p:sldId id="485" r:id="rId15"/>
-    <p:sldId id="481" r:id="rId16"/>
-    <p:sldId id="471" r:id="rId17"/>
-    <p:sldId id="468" r:id="rId18"/>
-    <p:sldId id="472" r:id="rId19"/>
-    <p:sldId id="477" r:id="rId20"/>
-    <p:sldId id="474" r:id="rId21"/>
-    <p:sldId id="470" r:id="rId22"/>
-    <p:sldId id="441" r:id="rId23"/>
-    <p:sldId id="317" r:id="rId24"/>
-    <p:sldId id="332" r:id="rId25"/>
-    <p:sldId id="522" r:id="rId26"/>
-    <p:sldId id="475" r:id="rId27"/>
+    <p:sldId id="523" r:id="rId11"/>
+    <p:sldId id="512" r:id="rId12"/>
+    <p:sldId id="471" r:id="rId13"/>
+    <p:sldId id="468" r:id="rId14"/>
+    <p:sldId id="472" r:id="rId15"/>
+    <p:sldId id="477" r:id="rId16"/>
+    <p:sldId id="474" r:id="rId17"/>
+    <p:sldId id="470" r:id="rId18"/>
+    <p:sldId id="441" r:id="rId19"/>
+    <p:sldId id="317" r:id="rId20"/>
+    <p:sldId id="332" r:id="rId21"/>
+    <p:sldId id="522" r:id="rId22"/>
+    <p:sldId id="475" r:id="rId23"/>
   </p:sldIdLst>
   <p:sldSz cx="12192000" cy="6858000"/>
   <p:notesSz cx="6858000" cy="9144000"/>
@@ -920,7 +916,7 @@
       </p:grpSpPr>
       <p:sp>
         <p:nvSpPr>
-          <p:cNvPr id="2" name="Slide Image Placeholder 1"/>
+          <p:cNvPr id="2" name="Espaço Reservado para Imagem de Slide 1"/>
           <p:cNvSpPr>
             <a:spLocks noGrp="1" noRot="1" noChangeAspect="1"/>
           </p:cNvSpPr>
@@ -932,7 +928,7 @@
       </p:sp>
       <p:sp>
         <p:nvSpPr>
-          <p:cNvPr id="3" name="Notes Placeholder 2"/>
+          <p:cNvPr id="3" name="Espaço Reservado para Anotações 2"/>
           <p:cNvSpPr>
             <a:spLocks noGrp="1"/>
           </p:cNvSpPr>
@@ -945,116 +941,229 @@
           <a:bodyPr/>
           <a:lstStyle/>
           <a:p>
-            <a:pPr marL="0" marR="0" lvl="0" indent="0" algn="l" defTabSz="914400" rtl="0" eaLnBrk="1" fontAlgn="auto" latinLnBrk="0" hangingPunct="1">
-              <a:lnSpc>
-                <a:spcPct val="100000"/>
-              </a:lnSpc>
-              <a:spcBef>
-                <a:spcPts val="0"/>
-              </a:spcBef>
-              <a:spcAft>
-                <a:spcPts val="0"/>
-              </a:spcAft>
-              <a:buClrTx/>
-              <a:buSzTx/>
-              <a:buFontTx/>
-              <a:buNone/>
-              <a:tabLst/>
-              <a:defRPr/>
-            </a:pPr>
-            <a:r>
-              <a:rPr lang="pt-BR" b="1" noProof="0" dirty="0"/>
-              <a:t>Exemplo</a:t>
-            </a:r>
-            <a:r>
-              <a:rPr lang="pt-BR" noProof="0" dirty="0"/>
-              <a:t>: </a:t>
-            </a:r>
-            <a:r>
-              <a:rPr lang="pt-BR" dirty="0"/>
-              <a:t>https://mybinder.org/v2/gh/zz4fap/t319_aprendizado_de_maquina/main?filepath=notebooks%2Fregression%2Fescalonamento_de_atributos</a:t>
-            </a:r>
-            <a:r>
-              <a:rPr lang="pt-BR" u="none" dirty="0">
+            <a:r>
+              <a:rPr lang="en-US" sz="1200" b="0" i="0" kern="1200" dirty="0">
                 <a:solidFill>
-                  <a:srgbClr val="00B0F0"/>
+                  <a:schemeClr val="tx1"/>
                 </a:solidFill>
+                <a:effectLst/>
+                <a:latin typeface="+mn-lt"/>
+                <a:ea typeface="+mn-ea"/>
+                <a:cs typeface="+mn-cs"/>
               </a:rPr>
-              <a:t>.ipynb</a:t>
-            </a:r>
-          </a:p>
-          <a:p>
-            <a:pPr marL="0" marR="0" lvl="0" indent="0" algn="l" defTabSz="914400" rtl="0" eaLnBrk="1" fontAlgn="auto" latinLnBrk="0" hangingPunct="1">
-              <a:lnSpc>
-                <a:spcPct val="100000"/>
-              </a:lnSpc>
-              <a:spcBef>
-                <a:spcPts val="0"/>
-              </a:spcBef>
-              <a:spcAft>
-                <a:spcPts val="0"/>
-              </a:spcAft>
-              <a:buClrTx/>
-              <a:buSzTx/>
-              <a:buFontTx/>
-              <a:buNone/>
-              <a:tabLst/>
-              <a:defRPr/>
-            </a:pPr>
-            <a:endParaRPr lang="pt-BR" u="none" dirty="0">
+              <a:t>O </a:t>
+            </a:r>
+            <a:r>
+              <a:rPr lang="en-US" sz="1200" b="0" i="0" kern="1200" dirty="0" err="1">
+                <a:solidFill>
+                  <a:schemeClr val="tx1"/>
+                </a:solidFill>
+                <a:effectLst/>
+                <a:latin typeface="+mn-lt"/>
+                <a:ea typeface="+mn-ea"/>
+                <a:cs typeface="+mn-cs"/>
+              </a:rPr>
+              <a:t>teorema</a:t>
+            </a:r>
+            <a:r>
+              <a:rPr lang="en-US" sz="1200" b="0" i="0" kern="1200" baseline="0" dirty="0">
+                <a:solidFill>
+                  <a:schemeClr val="tx1"/>
+                </a:solidFill>
+                <a:effectLst/>
+                <a:latin typeface="+mn-lt"/>
+                <a:ea typeface="+mn-ea"/>
+                <a:cs typeface="+mn-cs"/>
+              </a:rPr>
+              <a:t> f</a:t>
+            </a:r>
+            <a:r>
+              <a:rPr lang="pt-BR" sz="1200" b="0" i="0" kern="1200" dirty="0" err="1">
+                <a:solidFill>
+                  <a:schemeClr val="tx1"/>
+                </a:solidFill>
+                <a:effectLst/>
+                <a:latin typeface="+mn-lt"/>
+                <a:ea typeface="+mn-ea"/>
+                <a:cs typeface="+mn-cs"/>
+              </a:rPr>
+              <a:t>ornece</a:t>
+            </a:r>
+            <a:r>
+              <a:rPr lang="pt-BR" sz="1200" b="0" i="0" kern="1200" dirty="0">
+                <a:solidFill>
+                  <a:schemeClr val="tx1"/>
+                </a:solidFill>
+                <a:effectLst/>
+                <a:latin typeface="+mn-lt"/>
+                <a:ea typeface="+mn-ea"/>
+                <a:cs typeface="+mn-cs"/>
+              </a:rPr>
+              <a:t> uma maneira de aproximar funções complexas e não polinomiais por meio de polinômios simples.</a:t>
+            </a:r>
+            <a:endParaRPr lang="en-US" sz="1200" b="0" i="0" kern="1200" dirty="0">
               <a:solidFill>
-                <a:srgbClr val="00B0F0"/>
+                <a:schemeClr val="tx1"/>
               </a:solidFill>
+              <a:effectLst/>
+              <a:latin typeface="+mn-lt"/>
+              <a:ea typeface="+mn-ea"/>
+              <a:cs typeface="+mn-cs"/>
             </a:endParaRPr>
           </a:p>
           <a:p>
-            <a:pPr marL="0" marR="0" lvl="0" indent="0" algn="l" defTabSz="914400" rtl="0" eaLnBrk="1" fontAlgn="auto" latinLnBrk="0" hangingPunct="1">
-              <a:lnSpc>
-                <a:spcPct val="100000"/>
-              </a:lnSpc>
-              <a:spcBef>
-                <a:spcPts val="0"/>
-              </a:spcBef>
-              <a:spcAft>
-                <a:spcPts val="0"/>
-              </a:spcAft>
-              <a:buClrTx/>
-              <a:buSzTx/>
-              <a:buFontTx/>
-              <a:buNone/>
-              <a:tabLst/>
-              <a:defRPr/>
-            </a:pPr>
-            <a:r>
-              <a:rPr lang="pt-BR" u="none" dirty="0">
+            <a:endParaRPr lang="en-US" sz="1200" b="0" i="0" kern="1200" dirty="0">
+              <a:solidFill>
+                <a:schemeClr val="tx1"/>
+              </a:solidFill>
+              <a:effectLst/>
+              <a:latin typeface="+mn-lt"/>
+              <a:ea typeface="+mn-ea"/>
+              <a:cs typeface="+mn-cs"/>
+            </a:endParaRPr>
+          </a:p>
+          <a:p>
+            <a:r>
+              <a:rPr lang="en-US" sz="1200" b="0" i="0" kern="1200" dirty="0">
                 <a:solidFill>
-                  <a:srgbClr val="00B0F0"/>
+                  <a:schemeClr val="tx1"/>
                 </a:solidFill>
+                <a:effectLst/>
+                <a:latin typeface="+mn-lt"/>
+                <a:ea typeface="+mn-ea"/>
+                <a:cs typeface="+mn-cs"/>
               </a:rPr>
-              <a:t>Exemplo: </a:t>
-            </a:r>
-            <a:r>
-              <a:rPr lang="pt-BR" dirty="0"/>
-              <a:t>https://colab.research.google.com/github/zz4fap/t319_aprendizado_de_maquina/blob/main/notebooks/regression/escalonamento_de_atributos</a:t>
-            </a:r>
-            <a:r>
-              <a:rPr lang="pt-BR" u="none" dirty="0">
+              <a:t>The </a:t>
+            </a:r>
+            <a:r>
+              <a:rPr lang="en-US" sz="1200" b="0" i="0" kern="1200" dirty="0" err="1">
                 <a:solidFill>
-                  <a:srgbClr val="00B0F0"/>
+                  <a:schemeClr val="tx1"/>
                 </a:solidFill>
+                <a:effectLst/>
+                <a:latin typeface="+mn-lt"/>
+                <a:ea typeface="+mn-ea"/>
+                <a:cs typeface="+mn-cs"/>
               </a:rPr>
-              <a:t>.ipynb</a:t>
-            </a:r>
-            <a:endParaRPr lang="pt-BR" u="none" dirty="0"/>
-          </a:p>
-          <a:p>
+              <a:t>Weierstrass</a:t>
+            </a:r>
+            <a:r>
+              <a:rPr lang="en-US" sz="1200" b="0" i="0" kern="1200" dirty="0">
+                <a:solidFill>
+                  <a:schemeClr val="tx1"/>
+                </a:solidFill>
+                <a:effectLst/>
+                <a:latin typeface="+mn-lt"/>
+                <a:ea typeface="+mn-ea"/>
+                <a:cs typeface="+mn-cs"/>
+              </a:rPr>
+              <a:t> approximation theorem assures us that </a:t>
+            </a:r>
+            <a:r>
+              <a:rPr lang="en-US" sz="1200" b="0" i="0" u="none" strike="noStrike" kern="1200" dirty="0">
+                <a:solidFill>
+                  <a:schemeClr val="tx1"/>
+                </a:solidFill>
+                <a:effectLst/>
+                <a:latin typeface="+mn-lt"/>
+                <a:ea typeface="+mn-ea"/>
+                <a:cs typeface="+mn-cs"/>
+                <a:hlinkClick r:id="rId3"/>
+              </a:rPr>
+              <a:t>polynomial approximation</a:t>
+            </a:r>
+            <a:r>
+              <a:rPr lang="en-US" sz="1200" b="0" i="0" kern="1200" dirty="0">
+                <a:solidFill>
+                  <a:schemeClr val="tx1"/>
+                </a:solidFill>
+                <a:effectLst/>
+                <a:latin typeface="+mn-lt"/>
+                <a:ea typeface="+mn-ea"/>
+                <a:cs typeface="+mn-cs"/>
+              </a:rPr>
+              <a:t> can get arbitrarily close to any continuous function as the polynomial order is increased.</a:t>
+            </a:r>
+          </a:p>
+          <a:p>
+            <a:endParaRPr lang="en-US" sz="1200" b="0" i="0" kern="1200" dirty="0">
+              <a:solidFill>
+                <a:schemeClr val="tx1"/>
+              </a:solidFill>
+              <a:effectLst/>
+              <a:latin typeface="+mn-lt"/>
+              <a:ea typeface="+mn-ea"/>
+              <a:cs typeface="+mn-cs"/>
+            </a:endParaRPr>
+          </a:p>
+          <a:p>
+            <a:endParaRPr lang="en-US" sz="1200" b="0" i="0" kern="1200" dirty="0">
+              <a:solidFill>
+                <a:schemeClr val="tx1"/>
+              </a:solidFill>
+              <a:effectLst/>
+              <a:latin typeface="+mn-lt"/>
+              <a:ea typeface="+mn-ea"/>
+              <a:cs typeface="+mn-cs"/>
+            </a:endParaRPr>
+          </a:p>
+          <a:p>
+            <a:r>
+              <a:rPr lang="en-US" sz="1200" b="0" i="0" kern="1200" dirty="0" err="1">
+                <a:solidFill>
+                  <a:schemeClr val="tx1"/>
+                </a:solidFill>
+                <a:effectLst/>
+                <a:latin typeface="+mn-lt"/>
+                <a:ea typeface="+mn-ea"/>
+                <a:cs typeface="+mn-cs"/>
+              </a:rPr>
+              <a:t>Referências</a:t>
+            </a:r>
+            <a:endParaRPr lang="en-US" sz="1200" b="0" i="0" kern="1200" dirty="0">
+              <a:solidFill>
+                <a:schemeClr val="tx1"/>
+              </a:solidFill>
+              <a:effectLst/>
+              <a:latin typeface="+mn-lt"/>
+              <a:ea typeface="+mn-ea"/>
+              <a:cs typeface="+mn-cs"/>
+            </a:endParaRPr>
+          </a:p>
+          <a:p>
+            <a:r>
+              <a:rPr lang="en-US" sz="1200" b="0" i="0" kern="1200" dirty="0">
+                <a:solidFill>
+                  <a:schemeClr val="tx1"/>
+                </a:solidFill>
+                <a:effectLst/>
+                <a:latin typeface="+mn-lt"/>
+                <a:ea typeface="+mn-ea"/>
+                <a:cs typeface="+mn-cs"/>
+              </a:rPr>
+              <a:t>[1] https://ccrma.stanford.edu/~jos/st/Weierstrass_Approximation_Theorem.html</a:t>
+            </a:r>
+          </a:p>
+          <a:p>
+            <a:r>
+              <a:rPr lang="en-US" sz="1200" b="0" i="0" kern="1200" dirty="0">
+                <a:solidFill>
+                  <a:schemeClr val="tx1"/>
+                </a:solidFill>
+                <a:effectLst/>
+                <a:latin typeface="+mn-lt"/>
+                <a:ea typeface="+mn-ea"/>
+                <a:cs typeface="+mn-cs"/>
+              </a:rPr>
+              <a:t>[2] https://people.bath.ac.uk/mw2319/ma30252/sec-approx.html</a:t>
+            </a:r>
             <a:endParaRPr lang="pt-BR" dirty="0"/>
           </a:p>
         </p:txBody>
       </p:sp>
       <p:sp>
         <p:nvSpPr>
-          <p:cNvPr id="4" name="Slide Number Placeholder 3"/>
+          <p:cNvPr id="4" name="Espaço Reservado para Número de Slide 3"/>
           <p:cNvSpPr>
             <a:spLocks noGrp="1"/>
           </p:cNvSpPr>
@@ -1069,7 +1178,7 @@
           <a:p>
             <a:fld id="{DA8B99DF-01BC-492A-8CEF-4FD88D18DD9D}" type="slidenum">
               <a:rPr lang="nl-BE" smtClean="0"/>
-              <a:t>15</a:t>
+              <a:t>13</a:t>
             </a:fld>
             <a:endParaRPr lang="nl-BE"/>
           </a:p>
@@ -1078,7 +1187,7 @@
     </p:spTree>
     <p:extLst>
       <p:ext uri="{BB962C8B-B14F-4D97-AF65-F5344CB8AC3E}">
-        <p14:creationId xmlns:p14="http://schemas.microsoft.com/office/powerpoint/2010/main" val="1812135132"/>
+        <p14:creationId xmlns:p14="http://schemas.microsoft.com/office/powerpoint/2010/main" val="1389995550"/>
       </p:ext>
     </p:extLst>
   </p:cSld>
@@ -1132,10 +1241,36 @@
           <a:bodyPr/>
           <a:lstStyle/>
           <a:p>
+            <a:pPr marL="0" marR="0" lvl="0" indent="0" algn="l" defTabSz="914400" rtl="0" eaLnBrk="1" fontAlgn="auto" latinLnBrk="0" hangingPunct="1">
+              <a:lnSpc>
+                <a:spcPct val="100000"/>
+              </a:lnSpc>
+              <a:spcBef>
+                <a:spcPts val="0"/>
+              </a:spcBef>
+              <a:spcAft>
+                <a:spcPts val="0"/>
+              </a:spcAft>
+              <a:buClrTx/>
+              <a:buSzTx/>
+              <a:buFontTx/>
+              <a:buNone/>
+              <a:tabLst/>
+              <a:defRPr/>
+            </a:pPr>
+            <a:r>
+              <a:rPr lang="pt-BR" b="1" noProof="0" dirty="0"/>
+              <a:t>Exemplo</a:t>
+            </a:r>
+            <a:r>
+              <a:rPr lang="pt-BR" noProof="0" dirty="0"/>
+              <a:t>: </a:t>
+            </a:r>
             <a:r>
               <a:rPr lang="pt-BR" dirty="0"/>
-              <a:t>E se seus dados forem mais complexos do que uma simples linha reta? </a:t>
-            </a:r>
+              <a:t>https://mybinder.org/v2/gh/zz4fap/t319_aprendizado_de_maquina/main?filepath=notebooks%2Fregression%2Fpolynomial_regression.ipynb</a:t>
+            </a:r>
+            <a:endParaRPr lang="pt-BR" u="none" dirty="0"/>
           </a:p>
           <a:p>
             <a:endParaRPr lang="pt-BR" dirty="0"/>
@@ -1143,24 +1278,54 @@
           <a:p>
             <a:r>
               <a:rPr lang="pt-BR" dirty="0"/>
-              <a:t>Você pode usar um modelo linear para ajustar dados não lineares. Uma maneira simples de fazer isso é adicionar </a:t>
-            </a:r>
-            <a:r>
-              <a:rPr lang="pt-BR" sz="1200" b="0" i="0" kern="1200" dirty="0">
-                <a:solidFill>
-                  <a:schemeClr val="tx1"/>
-                </a:solidFill>
-                <a:effectLst/>
-                <a:latin typeface="+mn-lt"/>
-                <a:ea typeface="+mn-ea"/>
-                <a:cs typeface="+mn-cs"/>
-              </a:rPr>
-              <a:t>expoentes </a:t>
-            </a:r>
+              <a:t>O modelo com polinômio de grau 1 não captura a curvatura dos pontos de treinamento. Ele erra muito tanto para exemplos de treinamento quanto para exemplos não vistos durante o treinamento (validação). </a:t>
+            </a:r>
+          </a:p>
+          <a:p>
             <a:r>
               <a:rPr lang="pt-BR" dirty="0"/>
-              <a:t>a cada feature como novos atributos e treinar um modelo linear nesse conjunto estendido de atributos. Essa técnica é chamada de regressão polinomial.</a:t>
-            </a:r>
+              <a:t>O modelo com polinômio de grau 30 acerta a predição de todos os exemplos de treinamento, mas erraria muito para exemplos não vistos durante treinamento. </a:t>
+            </a:r>
+          </a:p>
+          <a:p>
+            <a:pPr lvl="1"/>
+            <a:r>
+              <a:rPr lang="pt-BR" b="1" dirty="0"/>
+              <a:t>A flexibilidade do modelo é tão alta que ele aprende também o ruído presente no conjunto de treinamento.</a:t>
+            </a:r>
+          </a:p>
+          <a:p>
+            <a:r>
+              <a:rPr lang="pt-BR" dirty="0"/>
+              <a:t>O modelo com polinômio de grau 2 se ajusta bem aos exemplos, mas sem acertá-los perfeitamente. Este é provavelmente o modelo ótimo em termos da </a:t>
+            </a:r>
+            <a:r>
+              <a:rPr lang="pt-BR" b="1" i="1" dirty="0"/>
+              <a:t>relação de compromisso</a:t>
+            </a:r>
+            <a:r>
+              <a:rPr lang="pt-BR" dirty="0"/>
+              <a:t> entre os erros de </a:t>
+            </a:r>
+            <a:r>
+              <a:rPr lang="pt-BR" b="1" dirty="0"/>
+              <a:t>flexibilidade </a:t>
+            </a:r>
+            <a:r>
+              <a:rPr lang="pt-BR" dirty="0"/>
+              <a:t>e de </a:t>
+            </a:r>
+            <a:r>
+              <a:rPr lang="pt-BR" b="1" dirty="0"/>
+              <a:t>generalização</a:t>
+            </a:r>
+            <a:r>
+              <a:rPr lang="pt-BR" dirty="0"/>
+              <a:t>.</a:t>
+            </a:r>
+          </a:p>
+          <a:p>
+            <a:endParaRPr lang="pt-BR" dirty="0"/>
           </a:p>
         </p:txBody>
       </p:sp>
@@ -1181,7 +1346,7 @@
           <a:p>
             <a:fld id="{DA8B99DF-01BC-492A-8CEF-4FD88D18DD9D}" type="slidenum">
               <a:rPr lang="nl-BE" smtClean="0"/>
-              <a:t>16</a:t>
+              <a:t>15</a:t>
             </a:fld>
             <a:endParaRPr lang="nl-BE"/>
           </a:p>
@@ -1190,7 +1355,7 @@
     </p:spTree>
     <p:extLst>
       <p:ext uri="{BB962C8B-B14F-4D97-AF65-F5344CB8AC3E}">
-        <p14:creationId xmlns:p14="http://schemas.microsoft.com/office/powerpoint/2010/main" val="4229211557"/>
+        <p14:creationId xmlns:p14="http://schemas.microsoft.com/office/powerpoint/2010/main" val="489201069"/>
       </p:ext>
     </p:extLst>
   </p:cSld>
@@ -1219,7 +1384,7 @@
       </p:grpSpPr>
       <p:sp>
         <p:nvSpPr>
-          <p:cNvPr id="2" name="Espaço Reservado para Imagem de Slide 1"/>
+          <p:cNvPr id="2" name="Slide Image Placeholder 1"/>
           <p:cNvSpPr>
             <a:spLocks noGrp="1" noRot="1" noChangeAspect="1"/>
           </p:cNvSpPr>
@@ -1231,7 +1396,7 @@
       </p:sp>
       <p:sp>
         <p:nvSpPr>
-          <p:cNvPr id="3" name="Espaço Reservado para Anotações 2"/>
+          <p:cNvPr id="3" name="Notes Placeholder 2"/>
           <p:cNvSpPr>
             <a:spLocks noGrp="1"/>
           </p:cNvSpPr>
@@ -1245,52 +1410,275 @@
           <a:lstStyle/>
           <a:p>
             <a:r>
-              <a:rPr lang="en-US" sz="1200" b="0" i="0" kern="1200" dirty="0">
-                <a:solidFill>
-                  <a:schemeClr val="tx1"/>
-                </a:solidFill>
-                <a:effectLst/>
-                <a:latin typeface="+mn-lt"/>
-                <a:ea typeface="+mn-ea"/>
-                <a:cs typeface="+mn-cs"/>
-              </a:rPr>
-              <a:t>O </a:t>
-            </a:r>
-            <a:r>
-              <a:rPr lang="en-US" sz="1200" b="0" i="0" kern="1200" dirty="0" err="1">
-                <a:solidFill>
-                  <a:schemeClr val="tx1"/>
-                </a:solidFill>
-                <a:effectLst/>
-                <a:latin typeface="+mn-lt"/>
-                <a:ea typeface="+mn-ea"/>
-                <a:cs typeface="+mn-cs"/>
-              </a:rPr>
-              <a:t>teorema</a:t>
-            </a:r>
-            <a:r>
-              <a:rPr lang="en-US" sz="1200" b="0" i="0" kern="1200" baseline="0" dirty="0">
-                <a:solidFill>
-                  <a:schemeClr val="tx1"/>
-                </a:solidFill>
-                <a:effectLst/>
-                <a:latin typeface="+mn-lt"/>
-                <a:ea typeface="+mn-ea"/>
-                <a:cs typeface="+mn-cs"/>
-              </a:rPr>
-              <a:t> f</a:t>
-            </a:r>
-            <a:r>
-              <a:rPr lang="pt-BR" sz="1200" b="0" i="0" kern="1200" dirty="0" err="1">
-                <a:solidFill>
-                  <a:schemeClr val="tx1"/>
-                </a:solidFill>
-                <a:effectLst/>
-                <a:latin typeface="+mn-lt"/>
-                <a:ea typeface="+mn-ea"/>
-                <a:cs typeface="+mn-cs"/>
-              </a:rPr>
-              <a:t>ornece</a:t>
+              <a:rPr lang="pt-BR" dirty="0" err="1"/>
+              <a:t>Binder</a:t>
+            </a:r>
+            <a:r>
+              <a:rPr lang="pt-BR" dirty="0"/>
+              <a:t>: https://mybinder.org/v2/gh/zz4fap/t319_aprendizado_de_maquina/main?filepath=notebooks/regression/polynomial_regression.ipynb</a:t>
+            </a:r>
+          </a:p>
+          <a:p>
+            <a:endParaRPr lang="pt-BR" dirty="0"/>
+          </a:p>
+          <a:p>
+            <a:pPr marL="0" marR="0" lvl="0" indent="0" algn="l" defTabSz="914400" rtl="0" eaLnBrk="1" fontAlgn="auto" latinLnBrk="0" hangingPunct="1">
+              <a:lnSpc>
+                <a:spcPct val="100000"/>
+              </a:lnSpc>
+              <a:spcBef>
+                <a:spcPts val="0"/>
+              </a:spcBef>
+              <a:spcAft>
+                <a:spcPts val="0"/>
+              </a:spcAft>
+              <a:buClrTx/>
+              <a:buSzTx/>
+              <a:buFontTx/>
+              <a:buNone/>
+              <a:tabLst/>
+              <a:defRPr/>
+            </a:pPr>
+            <a:r>
+              <a:rPr lang="pt-BR" dirty="0" err="1"/>
+              <a:t>Colab</a:t>
+            </a:r>
+            <a:r>
+              <a:rPr lang="pt-BR" dirty="0"/>
+              <a:t>: https://colab.research.google.com/github/zz4fap/t319_aprendizado_de_maquina/blob/main/notebooks/regression/polynomial_regression.ipynb</a:t>
+            </a:r>
+          </a:p>
+          <a:p>
+            <a:endParaRPr lang="pt-BR" dirty="0"/>
+          </a:p>
+          <a:p>
+            <a:r>
+              <a:rPr lang="pt-BR" dirty="0"/>
+              <a:t>É importante salientar que</a:t>
+            </a:r>
+            <a:r>
+              <a:rPr lang="pt-BR" baseline="0" dirty="0"/>
+              <a:t> </a:t>
+            </a:r>
+            <a:r>
+              <a:rPr lang="pt-BR" dirty="0"/>
+              <a:t>todos os esforços de construção de um modelo são limitados pelos dados existentes. Para muitos problemas, o</a:t>
+            </a:r>
+            <a:r>
+              <a:rPr lang="pt-BR" baseline="0" dirty="0"/>
+              <a:t> conjunto de dados </a:t>
+            </a:r>
+            <a:r>
+              <a:rPr lang="pt-BR" dirty="0"/>
+              <a:t>pode ter um número limitado de amostras, ele</a:t>
+            </a:r>
+            <a:r>
+              <a:rPr lang="pt-BR" baseline="0" dirty="0"/>
+              <a:t> </a:t>
+            </a:r>
+            <a:r>
+              <a:rPr lang="pt-BR" dirty="0"/>
+              <a:t>pode ser de qualidade inferior à desejável e/ou ele pode não ser representativo</a:t>
+            </a:r>
+            <a:r>
+              <a:rPr lang="pt-BR" baseline="0" dirty="0"/>
+              <a:t> </a:t>
+            </a:r>
+            <a:r>
+              <a:rPr lang="pt-BR" dirty="0"/>
+              <a:t>de amostras futuras.</a:t>
+            </a:r>
+          </a:p>
+          <a:p>
+            <a:endParaRPr lang="pt-BR" dirty="0"/>
+          </a:p>
+          <a:p>
+            <a:r>
+              <a:rPr lang="pt-BR" dirty="0"/>
+              <a:t>Trabalhando com base na</a:t>
+            </a:r>
+            <a:r>
+              <a:rPr lang="pt-BR" baseline="0" dirty="0"/>
+              <a:t> </a:t>
+            </a:r>
+            <a:r>
+              <a:rPr lang="pt-BR" dirty="0"/>
+              <a:t>suposição</a:t>
+            </a:r>
+            <a:r>
+              <a:rPr lang="pt-BR" baseline="0" dirty="0"/>
+              <a:t> de que o conjunto que temos é representativo e de boa qualidade</a:t>
+            </a:r>
+            <a:r>
+              <a:rPr lang="pt-BR" dirty="0"/>
+              <a:t>, devemos usar os dados disponíveis para encontrar o melhor modelo preditivo. Quase todas as técnicas de modelagem preditiva possuem (hiper)parâmetros de ajuste que permitem que o modelo seja flexível o suficiente para encontrar a estrutura por trás dos dados.</a:t>
+            </a:r>
+          </a:p>
+          <a:p>
+            <a:endParaRPr lang="pt-BR" dirty="0"/>
+          </a:p>
+          <a:p>
+            <a:r>
+              <a:rPr lang="pt-BR" dirty="0"/>
+              <a:t>Portanto, devemos usar os dados existentes para identificar os valores dos parâmetros do modelo que geram o melhor e mais realista desempenho preditivo (conhecido como ajuste do modelo). Tradicionalmente, isso é obtido dividindo-se os dados existentes em conjuntos de treinamento e teste. O conjunto de treinamento é usado para construir e ajustar o modelo e o conjunto de teste é usado para estimar o desempenho preditivo do modelo.</a:t>
+            </a:r>
+          </a:p>
+          <a:p>
+            <a:endParaRPr lang="pt-BR" dirty="0"/>
+          </a:p>
+          <a:p>
+            <a:r>
+              <a:rPr lang="pt-BR" dirty="0"/>
+              <a:t>Durante o processo de aprendizado/treinamento, deseja-se evitar duas situações que comprometem o uso de um modelo:</a:t>
+            </a:r>
+          </a:p>
+          <a:p>
+            <a:pPr marL="171450" indent="-171450">
+              <a:buFont typeface="Arial" panose="020B0604020202020204" pitchFamily="34" charset="0"/>
+              <a:buChar char="•"/>
+            </a:pPr>
+            <a:r>
+              <a:rPr lang="pt-BR" dirty="0"/>
+              <a:t>Subajuste</a:t>
+            </a:r>
+          </a:p>
+          <a:p>
+            <a:pPr marL="171450" indent="-171450">
+              <a:buFont typeface="Arial" panose="020B0604020202020204" pitchFamily="34" charset="0"/>
+              <a:buChar char="•"/>
+            </a:pPr>
+            <a:r>
+              <a:rPr lang="pt-BR" dirty="0"/>
+              <a:t>Sobreajuste</a:t>
+            </a:r>
+          </a:p>
+          <a:p>
+            <a:pPr marL="171450" indent="-171450">
+              <a:buFont typeface="Arial" panose="020B0604020202020204" pitchFamily="34" charset="0"/>
+              <a:buChar char="•"/>
+            </a:pPr>
+            <a:endParaRPr lang="pt-BR" dirty="0"/>
+          </a:p>
+          <a:p>
+            <a:pPr marL="171450" indent="-171450">
+              <a:buFont typeface="Arial" panose="020B0604020202020204" pitchFamily="34" charset="0"/>
+              <a:buChar char="•"/>
+            </a:pPr>
+            <a:r>
+              <a:rPr lang="pt-BR" dirty="0"/>
+              <a:t>O modelo com polinômio de grau 1</a:t>
+            </a:r>
+            <a:r>
+              <a:rPr lang="pt-BR" baseline="0" dirty="0"/>
+              <a:t> tem </a:t>
+            </a:r>
+            <a:r>
+              <a:rPr lang="pt-BR" b="1" baseline="0" dirty="0"/>
+              <a:t>capacidade</a:t>
+            </a:r>
+            <a:r>
+              <a:rPr lang="pt-BR" b="0" baseline="0" dirty="0"/>
+              <a:t> muito baixa e </a:t>
+            </a:r>
+            <a:r>
+              <a:rPr lang="pt-BR" b="1" baseline="0" dirty="0"/>
+              <a:t>grau de generalização</a:t>
+            </a:r>
+            <a:r>
+              <a:rPr lang="pt-BR" b="0" baseline="0" dirty="0"/>
+              <a:t> muito baixo.</a:t>
+            </a:r>
+            <a:endParaRPr lang="pt-BR" b="1" baseline="0" dirty="0"/>
+          </a:p>
+          <a:p>
+            <a:pPr marL="171450" marR="0" indent="-171450" algn="l" defTabSz="914400" rtl="0" eaLnBrk="1" fontAlgn="auto" latinLnBrk="0" hangingPunct="1">
+              <a:lnSpc>
+                <a:spcPct val="100000"/>
+              </a:lnSpc>
+              <a:spcBef>
+                <a:spcPts val="0"/>
+              </a:spcBef>
+              <a:spcAft>
+                <a:spcPts val="0"/>
+              </a:spcAft>
+              <a:buClrTx/>
+              <a:buSzTx/>
+              <a:buFont typeface="Arial" panose="020B0604020202020204" pitchFamily="34" charset="0"/>
+              <a:buChar char="•"/>
+              <a:tabLst/>
+              <a:defRPr/>
+            </a:pPr>
+            <a:r>
+              <a:rPr lang="pt-BR" dirty="0"/>
+              <a:t>O modelo com polinômio de grau 30</a:t>
+            </a:r>
+            <a:r>
+              <a:rPr lang="pt-BR" baseline="0" dirty="0"/>
+              <a:t> tem </a:t>
+            </a:r>
+            <a:r>
+              <a:rPr lang="pt-BR" b="1" baseline="0" dirty="0"/>
+              <a:t>capacidade </a:t>
+            </a:r>
+            <a:r>
+              <a:rPr lang="pt-BR" b="0" baseline="0" dirty="0"/>
+              <a:t>muito alta e </a:t>
+            </a:r>
+            <a:r>
+              <a:rPr lang="pt-BR" b="1" baseline="0" dirty="0"/>
+              <a:t>grau de generalização</a:t>
+            </a:r>
+            <a:r>
+              <a:rPr lang="pt-BR" b="0" baseline="0" dirty="0"/>
+              <a:t> muito baixo.</a:t>
+            </a:r>
+            <a:endParaRPr lang="pt-BR" b="1" baseline="0" dirty="0"/>
+          </a:p>
+          <a:p>
+            <a:pPr marL="171450" indent="-171450">
+              <a:buFont typeface="Arial" panose="020B0604020202020204" pitchFamily="34" charset="0"/>
+              <a:buChar char="•"/>
+            </a:pPr>
+            <a:r>
+              <a:rPr lang="pt-BR" dirty="0"/>
+              <a:t>O modelo com polinômio de grau 2</a:t>
+            </a:r>
+            <a:r>
+              <a:rPr lang="pt-BR" baseline="0" dirty="0"/>
+              <a:t> tem </a:t>
+            </a:r>
+            <a:r>
+              <a:rPr lang="pt-BR" b="1" baseline="0" dirty="0"/>
+              <a:t>capacidade</a:t>
+            </a:r>
+            <a:r>
+              <a:rPr lang="pt-BR" baseline="0" dirty="0"/>
+              <a:t> média e </a:t>
+            </a:r>
+            <a:r>
+              <a:rPr lang="pt-BR" b="1" baseline="0" dirty="0"/>
+              <a:t>grau de generalização</a:t>
+            </a:r>
+            <a:r>
+              <a:rPr lang="pt-BR" b="0" baseline="0" dirty="0"/>
+              <a:t> médio.</a:t>
+            </a:r>
+          </a:p>
+          <a:p>
+            <a:pPr marL="0" indent="0">
+              <a:buFont typeface="Arial" panose="020B0604020202020204" pitchFamily="34" charset="0"/>
+              <a:buNone/>
+            </a:pPr>
+            <a:endParaRPr lang="pt-BR" b="0" baseline="0" dirty="0"/>
+          </a:p>
+          <a:p>
+            <a:pPr marL="171450" indent="-171450">
+              <a:buFont typeface="Arial" panose="020B0604020202020204" pitchFamily="34" charset="0"/>
+              <a:buChar char="•"/>
+            </a:pPr>
+            <a:r>
+              <a:rPr lang="pt-BR" dirty="0"/>
+              <a:t>O modelo com polinômio de grau 1 sofre de </a:t>
             </a:r>
             <a:r>
               <a:rPr lang="pt-BR" sz="1200" b="0" i="0" kern="1200" dirty="0">
@@ -1302,9 +1690,320 @@
                 <a:ea typeface="+mn-ea"/>
                 <a:cs typeface="+mn-cs"/>
               </a:rPr>
-              <a:t> uma maneira de aproximar funções complexas e não polinomiais por meio de polinômios simples.</a:t>
-            </a:r>
-            <a:endParaRPr lang="en-US" sz="1200" b="0" i="0" kern="1200" dirty="0">
+              <a:t>de </a:t>
+            </a:r>
+            <a:r>
+              <a:rPr lang="pt-BR" sz="1200" b="1" i="0" kern="1200" dirty="0">
+                <a:solidFill>
+                  <a:schemeClr val="tx1"/>
+                </a:solidFill>
+                <a:effectLst/>
+                <a:latin typeface="+mn-lt"/>
+                <a:ea typeface="+mn-ea"/>
+                <a:cs typeface="+mn-cs"/>
+              </a:rPr>
+              <a:t>sub-ajustamento</a:t>
+            </a:r>
+            <a:r>
+              <a:rPr lang="pt-BR" sz="1200" b="0" i="0" kern="1200" dirty="0">
+                <a:solidFill>
+                  <a:schemeClr val="tx1"/>
+                </a:solidFill>
+                <a:effectLst/>
+                <a:latin typeface="+mn-lt"/>
+                <a:ea typeface="+mn-ea"/>
+                <a:cs typeface="+mn-cs"/>
+              </a:rPr>
+              <a:t>, isto é, ele tem uma </a:t>
+            </a:r>
+            <a:r>
+              <a:rPr lang="pt-BR" sz="1200" b="1" i="0" kern="1200" dirty="0">
+                <a:solidFill>
+                  <a:schemeClr val="tx1"/>
+                </a:solidFill>
+                <a:effectLst/>
+                <a:latin typeface="+mn-lt"/>
+                <a:ea typeface="+mn-ea"/>
+                <a:cs typeface="+mn-cs"/>
+              </a:rPr>
+              <a:t>capacidade</a:t>
+            </a:r>
+            <a:r>
+              <a:rPr lang="pt-BR" sz="1200" b="0" i="0" kern="1200" dirty="0">
+                <a:solidFill>
+                  <a:schemeClr val="tx1"/>
+                </a:solidFill>
+                <a:effectLst/>
+                <a:latin typeface="+mn-lt"/>
+                <a:ea typeface="+mn-ea"/>
+                <a:cs typeface="+mn-cs"/>
+              </a:rPr>
+              <a:t> tão baixa que não consegue aprender as regularidades presentes</a:t>
+            </a:r>
+            <a:r>
+              <a:rPr lang="pt-BR" sz="1200" b="0" i="0" kern="1200" baseline="0" dirty="0">
+                <a:solidFill>
+                  <a:schemeClr val="tx1"/>
+                </a:solidFill>
+                <a:effectLst/>
+                <a:latin typeface="+mn-lt"/>
+                <a:ea typeface="+mn-ea"/>
+                <a:cs typeface="+mn-cs"/>
+              </a:rPr>
+              <a:t> </a:t>
+            </a:r>
+            <a:r>
+              <a:rPr lang="pt-BR" sz="1200" b="0" i="0" kern="1200" dirty="0">
+                <a:solidFill>
+                  <a:schemeClr val="tx1"/>
+                </a:solidFill>
+                <a:effectLst/>
+                <a:latin typeface="+mn-lt"/>
+                <a:ea typeface="+mn-ea"/>
+                <a:cs typeface="+mn-cs"/>
+              </a:rPr>
+              <a:t>no conjunto de treinamento. Nesse caso, os</a:t>
+            </a:r>
+            <a:r>
+              <a:rPr lang="pt-BR" sz="1200" b="0" i="0" kern="1200" baseline="0" dirty="0">
+                <a:solidFill>
+                  <a:schemeClr val="tx1"/>
+                </a:solidFill>
+                <a:effectLst/>
+                <a:latin typeface="+mn-lt"/>
+                <a:ea typeface="+mn-ea"/>
+                <a:cs typeface="+mn-cs"/>
+              </a:rPr>
+              <a:t> erros </a:t>
+            </a:r>
+            <a:r>
+              <a:rPr lang="pt-BR" sz="1200" b="0" i="0" kern="1200" dirty="0">
+                <a:solidFill>
+                  <a:schemeClr val="tx1"/>
+                </a:solidFill>
+                <a:effectLst/>
+                <a:latin typeface="+mn-lt"/>
+                <a:ea typeface="+mn-ea"/>
+                <a:cs typeface="+mn-cs"/>
+              </a:rPr>
+              <a:t>nos conjuntos</a:t>
+            </a:r>
+            <a:r>
+              <a:rPr lang="pt-BR" sz="1200" b="0" i="0" kern="1200" baseline="0" dirty="0">
+                <a:solidFill>
+                  <a:schemeClr val="tx1"/>
+                </a:solidFill>
+                <a:effectLst/>
+                <a:latin typeface="+mn-lt"/>
+                <a:ea typeface="+mn-ea"/>
+                <a:cs typeface="+mn-cs"/>
+              </a:rPr>
+              <a:t> </a:t>
+            </a:r>
+            <a:r>
+              <a:rPr lang="pt-BR" sz="1200" b="0" i="0" kern="1200" dirty="0">
+                <a:solidFill>
+                  <a:schemeClr val="tx1"/>
+                </a:solidFill>
+                <a:effectLst/>
+                <a:latin typeface="+mn-lt"/>
+                <a:ea typeface="+mn-ea"/>
+                <a:cs typeface="+mn-cs"/>
+              </a:rPr>
+              <a:t>de treinamento (</a:t>
+            </a:r>
+            <a:r>
+              <a:rPr lang="pt-BR" sz="1200" b="1" i="0" kern="1200" dirty="0">
+                <a:solidFill>
+                  <a:schemeClr val="tx1"/>
+                </a:solidFill>
+                <a:effectLst/>
+                <a:latin typeface="+mn-lt"/>
+                <a:ea typeface="+mn-ea"/>
+                <a:cs typeface="+mn-cs"/>
+              </a:rPr>
+              <a:t>erro de capacidade ou erro de representação</a:t>
+            </a:r>
+            <a:r>
+              <a:rPr lang="pt-BR" sz="1200" b="0" i="0" kern="1200" dirty="0">
+                <a:solidFill>
+                  <a:schemeClr val="tx1"/>
+                </a:solidFill>
+                <a:effectLst/>
+                <a:latin typeface="+mn-lt"/>
+                <a:ea typeface="+mn-ea"/>
+                <a:cs typeface="+mn-cs"/>
+              </a:rPr>
+              <a:t>) e de teste são</a:t>
+            </a:r>
+            <a:r>
+              <a:rPr lang="pt-BR" sz="1200" b="0" i="0" kern="1200" baseline="0" dirty="0">
+                <a:solidFill>
+                  <a:schemeClr val="tx1"/>
+                </a:solidFill>
+                <a:effectLst/>
+                <a:latin typeface="+mn-lt"/>
+                <a:ea typeface="+mn-ea"/>
+                <a:cs typeface="+mn-cs"/>
+              </a:rPr>
+              <a:t> altos</a:t>
+            </a:r>
+            <a:r>
+              <a:rPr lang="pt-BR" sz="1200" b="0" i="0" kern="1200" dirty="0">
+                <a:solidFill>
+                  <a:schemeClr val="tx1"/>
+                </a:solidFill>
+                <a:effectLst/>
+                <a:latin typeface="+mn-lt"/>
+                <a:ea typeface="+mn-ea"/>
+                <a:cs typeface="+mn-cs"/>
+              </a:rPr>
+              <a:t> </a:t>
+            </a:r>
+            <a:r>
+              <a:rPr lang="pt-BR" sz="1200" b="0" i="0" kern="1200" baseline="0" dirty="0">
+                <a:solidFill>
+                  <a:schemeClr val="tx1"/>
+                </a:solidFill>
+                <a:effectLst/>
+                <a:latin typeface="+mn-lt"/>
+                <a:ea typeface="+mn-ea"/>
+                <a:cs typeface="+mn-cs"/>
+              </a:rPr>
+              <a:t>(</a:t>
+            </a:r>
+            <a:r>
+              <a:rPr lang="pt-BR" sz="1200" b="1" i="0" kern="1200" baseline="0" dirty="0">
+                <a:solidFill>
+                  <a:schemeClr val="tx1"/>
+                </a:solidFill>
+                <a:effectLst/>
+                <a:latin typeface="+mn-lt"/>
+                <a:ea typeface="+mn-ea"/>
+                <a:cs typeface="+mn-cs"/>
+              </a:rPr>
+              <a:t>erro de generalização</a:t>
+            </a:r>
+            <a:r>
+              <a:rPr lang="pt-BR" sz="1200" b="0" i="0" kern="1200" baseline="0" dirty="0">
+                <a:solidFill>
+                  <a:schemeClr val="tx1"/>
+                </a:solidFill>
+                <a:effectLst/>
+                <a:latin typeface="+mn-lt"/>
+                <a:ea typeface="+mn-ea"/>
+                <a:cs typeface="+mn-cs"/>
+              </a:rPr>
+              <a:t>).</a:t>
+            </a:r>
+            <a:endParaRPr lang="pt-BR" b="0" dirty="0"/>
+          </a:p>
+          <a:p>
+            <a:pPr marL="171450" indent="-171450">
+              <a:buFont typeface="Arial" panose="020B0604020202020204" pitchFamily="34" charset="0"/>
+              <a:buChar char="•"/>
+            </a:pPr>
+            <a:r>
+              <a:rPr lang="pt-BR" dirty="0"/>
+              <a:t>O modelo com polinômio de grau 30</a:t>
+            </a:r>
+            <a:r>
+              <a:rPr lang="pt-BR" sz="1200" b="0" i="0" kern="1200" dirty="0">
+                <a:solidFill>
+                  <a:schemeClr val="tx1"/>
+                </a:solidFill>
+                <a:effectLst/>
+                <a:latin typeface="+mn-lt"/>
+                <a:ea typeface="+mn-ea"/>
+                <a:cs typeface="+mn-cs"/>
+              </a:rPr>
+              <a:t> sofre de </a:t>
+            </a:r>
+            <a:r>
+              <a:rPr lang="pt-BR" sz="1200" b="1" i="0" kern="1200" dirty="0">
+                <a:solidFill>
+                  <a:schemeClr val="tx1"/>
+                </a:solidFill>
+                <a:effectLst/>
+                <a:latin typeface="+mn-lt"/>
+                <a:ea typeface="+mn-ea"/>
+                <a:cs typeface="+mn-cs"/>
+              </a:rPr>
+              <a:t>sobre-ajustamento</a:t>
+            </a:r>
+            <a:r>
+              <a:rPr lang="pt-BR" sz="1200" b="0" i="0" kern="1200" dirty="0">
+                <a:solidFill>
+                  <a:schemeClr val="tx1"/>
+                </a:solidFill>
+                <a:effectLst/>
+                <a:latin typeface="+mn-lt"/>
+                <a:ea typeface="+mn-ea"/>
+                <a:cs typeface="+mn-cs"/>
+              </a:rPr>
+              <a:t>, isto é, ele tem uma capacidade tão alta que além de aprender as regularidades, aprendeu também o ruído presente nos exemplos de treinamento. Nesse caso, o erro no conjunto de treinamento é baixo (</a:t>
+            </a:r>
+            <a:r>
+              <a:rPr lang="pt-BR" sz="1200" b="1" i="0" kern="1200" dirty="0">
+                <a:solidFill>
+                  <a:schemeClr val="tx1"/>
+                </a:solidFill>
+                <a:effectLst/>
+                <a:latin typeface="+mn-lt"/>
+                <a:ea typeface="+mn-ea"/>
+                <a:cs typeface="+mn-cs"/>
+              </a:rPr>
+              <a:t>erro de capacidade</a:t>
+            </a:r>
+            <a:r>
+              <a:rPr lang="pt-BR" sz="1200" b="0" i="0" kern="1200" dirty="0">
+                <a:solidFill>
+                  <a:schemeClr val="tx1"/>
+                </a:solidFill>
+                <a:effectLst/>
+                <a:latin typeface="+mn-lt"/>
+                <a:ea typeface="+mn-ea"/>
+                <a:cs typeface="+mn-cs"/>
+              </a:rPr>
+              <a:t>) e o erro no conjunto de teste</a:t>
+            </a:r>
+            <a:r>
+              <a:rPr lang="pt-BR" sz="1200" b="0" i="0" kern="1200" baseline="0" dirty="0">
+                <a:solidFill>
+                  <a:schemeClr val="tx1"/>
+                </a:solidFill>
+                <a:effectLst/>
+                <a:latin typeface="+mn-lt"/>
+                <a:ea typeface="+mn-ea"/>
+                <a:cs typeface="+mn-cs"/>
+              </a:rPr>
+              <a:t> é alto (</a:t>
+            </a:r>
+            <a:r>
+              <a:rPr lang="pt-BR" sz="1200" b="1" i="0" kern="1200" baseline="0" dirty="0">
+                <a:solidFill>
+                  <a:schemeClr val="tx1"/>
+                </a:solidFill>
+                <a:effectLst/>
+                <a:latin typeface="+mn-lt"/>
+                <a:ea typeface="+mn-ea"/>
+                <a:cs typeface="+mn-cs"/>
+              </a:rPr>
+              <a:t>erro de generalização</a:t>
+            </a:r>
+            <a:r>
+              <a:rPr lang="pt-BR" sz="1200" b="0" i="0" kern="1200" baseline="0" dirty="0">
+                <a:solidFill>
+                  <a:schemeClr val="tx1"/>
+                </a:solidFill>
+                <a:effectLst/>
+                <a:latin typeface="+mn-lt"/>
+                <a:ea typeface="+mn-ea"/>
+                <a:cs typeface="+mn-cs"/>
+              </a:rPr>
+              <a:t>).</a:t>
+            </a:r>
+            <a:endParaRPr lang="pt-BR" sz="1200" b="0" i="0" kern="1200" dirty="0">
               <a:solidFill>
                 <a:schemeClr val="tx1"/>
               </a:solidFill>
@@ -1315,19 +2014,16 @@
             </a:endParaRPr>
           </a:p>
           <a:p>
-            <a:endParaRPr lang="en-US" sz="1200" b="0" i="0" kern="1200" dirty="0">
-              <a:solidFill>
-                <a:schemeClr val="tx1"/>
-              </a:solidFill>
-              <a:effectLst/>
-              <a:latin typeface="+mn-lt"/>
-              <a:ea typeface="+mn-ea"/>
-              <a:cs typeface="+mn-cs"/>
-            </a:endParaRPr>
-          </a:p>
-          <a:p>
-            <a:r>
-              <a:rPr lang="en-US" sz="1200" b="0" i="0" kern="1200" dirty="0">
+            <a:pPr marL="171450" indent="-171450">
+              <a:buFont typeface="Arial" panose="020B0604020202020204" pitchFamily="34" charset="0"/>
+              <a:buChar char="•"/>
+            </a:pPr>
+            <a:r>
+              <a:rPr lang="pt-BR" dirty="0"/>
+              <a:t>O modelo com polinômio de grau 2</a:t>
+            </a:r>
+            <a:r>
+              <a:rPr lang="pt-BR" sz="1200" b="0" i="0" kern="1200" baseline="0" dirty="0">
                 <a:solidFill>
                   <a:schemeClr val="tx1"/>
                 </a:solidFill>
@@ -1336,10 +2032,10 @@
                 <a:ea typeface="+mn-ea"/>
                 <a:cs typeface="+mn-cs"/>
               </a:rPr>
-              <a:t>The </a:t>
-            </a:r>
-            <a:r>
-              <a:rPr lang="en-US" sz="1200" b="0" i="0" kern="1200" dirty="0" err="1">
+              <a:t> </a:t>
+            </a:r>
+            <a:r>
+              <a:rPr lang="pt-BR" sz="1200" b="0" i="0" kern="1200" dirty="0">
                 <a:solidFill>
                   <a:schemeClr val="tx1"/>
                 </a:solidFill>
@@ -1348,10 +2044,10 @@
                 <a:ea typeface="+mn-ea"/>
                 <a:cs typeface="+mn-cs"/>
               </a:rPr>
-              <a:t>Weierstrass</a:t>
-            </a:r>
-            <a:r>
-              <a:rPr lang="en-US" sz="1200" b="0" i="0" kern="1200" dirty="0">
+              <a:t>parece ter aprendido bem as regularidades dos dados sem aprender o ruído no conjunto de treinamento. Nesse caso, os erros no conjunto de treinamento (</a:t>
+            </a:r>
+            <a:r>
+              <a:rPr lang="pt-BR" sz="1200" b="1" i="0" kern="1200" dirty="0">
                 <a:solidFill>
                   <a:schemeClr val="tx1"/>
                 </a:solidFill>
@@ -1360,23 +2056,10 @@
                 <a:ea typeface="+mn-ea"/>
                 <a:cs typeface="+mn-cs"/>
               </a:rPr>
-              <a:t> approximation theorem assures us that </a:t>
-            </a:r>
-            <a:r>
-              <a:rPr lang="en-US" sz="1200" b="0" i="0" u="none" strike="noStrike" kern="1200" dirty="0">
-                <a:solidFill>
-                  <a:schemeClr val="tx1"/>
-                </a:solidFill>
-                <a:effectLst/>
-                <a:latin typeface="+mn-lt"/>
-                <a:ea typeface="+mn-ea"/>
-                <a:cs typeface="+mn-cs"/>
-                <a:hlinkClick r:id="rId3"/>
-              </a:rPr>
-              <a:t>polynomial approximation</a:t>
-            </a:r>
-            <a:r>
-              <a:rPr lang="en-US" sz="1200" b="0" i="0" kern="1200" dirty="0">
+              <a:t>erro de capacidade</a:t>
+            </a:r>
+            <a:r>
+              <a:rPr lang="pt-BR" sz="1200" b="0" i="0" kern="1200" dirty="0">
                 <a:solidFill>
                   <a:schemeClr val="tx1"/>
                 </a:solidFill>
@@ -1385,34 +2068,10 @@
                 <a:ea typeface="+mn-ea"/>
                 <a:cs typeface="+mn-cs"/>
               </a:rPr>
-              <a:t> can get arbitrarily close to any continuous function as the polynomial order is increased.</a:t>
-            </a:r>
-          </a:p>
-          <a:p>
-            <a:endParaRPr lang="en-US" sz="1200" b="0" i="0" kern="1200" dirty="0">
-              <a:solidFill>
-                <a:schemeClr val="tx1"/>
-              </a:solidFill>
-              <a:effectLst/>
-              <a:latin typeface="+mn-lt"/>
-              <a:ea typeface="+mn-ea"/>
-              <a:cs typeface="+mn-cs"/>
-            </a:endParaRPr>
-          </a:p>
-          <a:p>
-            <a:endParaRPr lang="en-US" sz="1200" b="0" i="0" kern="1200" dirty="0">
-              <a:solidFill>
-                <a:schemeClr val="tx1"/>
-              </a:solidFill>
-              <a:effectLst/>
-              <a:latin typeface="+mn-lt"/>
-              <a:ea typeface="+mn-ea"/>
-              <a:cs typeface="+mn-cs"/>
-            </a:endParaRPr>
-          </a:p>
-          <a:p>
-            <a:r>
-              <a:rPr lang="en-US" sz="1200" b="0" i="0" kern="1200" dirty="0" err="1">
+              <a:t>) e teste </a:t>
+            </a:r>
+            <a:r>
+              <a:rPr lang="pt-BR" sz="1200" b="0" i="0" kern="1200" baseline="0" dirty="0">
                 <a:solidFill>
                   <a:schemeClr val="tx1"/>
                 </a:solidFill>
@@ -1421,21 +2080,10 @@
                 <a:ea typeface="+mn-ea"/>
                 <a:cs typeface="+mn-cs"/>
               </a:rPr>
-              <a:t>Referências</a:t>
-            </a:r>
-            <a:endParaRPr lang="en-US" sz="1200" b="0" i="0" kern="1200" dirty="0">
-              <a:solidFill>
-                <a:schemeClr val="tx1"/>
-              </a:solidFill>
-              <a:effectLst/>
-              <a:latin typeface="+mn-lt"/>
-              <a:ea typeface="+mn-ea"/>
-              <a:cs typeface="+mn-cs"/>
-            </a:endParaRPr>
-          </a:p>
-          <a:p>
-            <a:r>
-              <a:rPr lang="en-US" sz="1200" b="0" i="0" kern="1200" dirty="0">
+              <a:t>(</a:t>
+            </a:r>
+            <a:r>
+              <a:rPr lang="pt-BR" sz="1200" b="1" i="0" kern="1200" baseline="0" dirty="0">
                 <a:solidFill>
                   <a:schemeClr val="tx1"/>
                 </a:solidFill>
@@ -1444,12 +2092,10 @@
                 <a:ea typeface="+mn-ea"/>
                 <a:cs typeface="+mn-cs"/>
               </a:rPr>
-              <a:t>[1] https://ccrma.stanford.edu/~jos/st/Weierstrass_Approximation_Theorem.html</a:t>
-            </a:r>
-          </a:p>
-          <a:p>
-            <a:r>
-              <a:rPr lang="en-US" sz="1200" b="0" i="0" kern="1200" dirty="0">
+              <a:t>erro de generalização</a:t>
+            </a:r>
+            <a:r>
+              <a:rPr lang="pt-BR" sz="1200" b="0" i="0" kern="1200" baseline="0" dirty="0">
                 <a:solidFill>
                   <a:schemeClr val="tx1"/>
                 </a:solidFill>
@@ -1458,15 +2104,27 @@
                 <a:ea typeface="+mn-ea"/>
                 <a:cs typeface="+mn-cs"/>
               </a:rPr>
-              <a:t>[2] https://people.bath.ac.uk/mw2319/ma30252/sec-approx.html</a:t>
-            </a:r>
-            <a:endParaRPr lang="pt-BR" dirty="0"/>
+              <a:t>) </a:t>
+            </a:r>
+            <a:r>
+              <a:rPr lang="pt-BR" sz="1200" b="0" i="0" kern="1200" dirty="0">
+                <a:solidFill>
+                  <a:schemeClr val="tx1"/>
+                </a:solidFill>
+                <a:effectLst/>
+                <a:latin typeface="+mn-lt"/>
+                <a:ea typeface="+mn-ea"/>
+                <a:cs typeface="+mn-cs"/>
+              </a:rPr>
+              <a:t>são parecidos e satisfatórios.</a:t>
+            </a:r>
+            <a:endParaRPr lang="pt-BR" b="1" dirty="0"/>
           </a:p>
         </p:txBody>
       </p:sp>
       <p:sp>
         <p:nvSpPr>
-          <p:cNvPr id="4" name="Espaço Reservado para Número de Slide 3"/>
+          <p:cNvPr id="4" name="Slide Number Placeholder 3"/>
           <p:cNvSpPr>
             <a:spLocks noGrp="1"/>
           </p:cNvSpPr>
@@ -1481,7 +2139,7 @@
           <a:p>
             <a:fld id="{DA8B99DF-01BC-492A-8CEF-4FD88D18DD9D}" type="slidenum">
               <a:rPr lang="nl-BE" smtClean="0"/>
-              <a:t>17</a:t>
+              <a:t>16</a:t>
             </a:fld>
             <a:endParaRPr lang="nl-BE"/>
           </a:p>
@@ -1490,7 +2148,7 @@
     </p:spTree>
     <p:extLst>
       <p:ext uri="{BB962C8B-B14F-4D97-AF65-F5344CB8AC3E}">
-        <p14:creationId xmlns:p14="http://schemas.microsoft.com/office/powerpoint/2010/main" val="1389995550"/>
+        <p14:creationId xmlns:p14="http://schemas.microsoft.com/office/powerpoint/2010/main" val="2391354004"/>
       </p:ext>
     </p:extLst>
   </p:cSld>
@@ -1544,90 +2202,6 @@
           <a:bodyPr/>
           <a:lstStyle/>
           <a:p>
-            <a:pPr marL="0" marR="0" lvl="0" indent="0" algn="l" defTabSz="914400" rtl="0" eaLnBrk="1" fontAlgn="auto" latinLnBrk="0" hangingPunct="1">
-              <a:lnSpc>
-                <a:spcPct val="100000"/>
-              </a:lnSpc>
-              <a:spcBef>
-                <a:spcPts val="0"/>
-              </a:spcBef>
-              <a:spcAft>
-                <a:spcPts val="0"/>
-              </a:spcAft>
-              <a:buClrTx/>
-              <a:buSzTx/>
-              <a:buFontTx/>
-              <a:buNone/>
-              <a:tabLst/>
-              <a:defRPr/>
-            </a:pPr>
-            <a:r>
-              <a:rPr lang="pt-BR" b="1" noProof="0" dirty="0"/>
-              <a:t>Exemplo</a:t>
-            </a:r>
-            <a:r>
-              <a:rPr lang="pt-BR" noProof="0" dirty="0"/>
-              <a:t>: </a:t>
-            </a:r>
-            <a:r>
-              <a:rPr lang="pt-BR" dirty="0"/>
-              <a:t>https://mybinder.org/v2/gh/zz4fap/t319_aprendizado_de_maquina/main?filepath=notebooks%2Fregression%2Fpolynomial_regression.ipynb</a:t>
-            </a:r>
-            <a:endParaRPr lang="pt-BR" u="none" dirty="0"/>
-          </a:p>
-          <a:p>
-            <a:endParaRPr lang="pt-BR" dirty="0"/>
-          </a:p>
-          <a:p>
-            <a:r>
-              <a:rPr lang="pt-BR" dirty="0"/>
-              <a:t>O modelo com polinômio de grau 1 não captura a curvatura dos pontos de treinamento. Ele erra muito tanto para exemplos de treinamento quanto para exemplos não vistos durante o treinamento (validação). </a:t>
-            </a:r>
-          </a:p>
-          <a:p>
-            <a:r>
-              <a:rPr lang="pt-BR" dirty="0"/>
-              <a:t>O modelo com polinômio de grau 30 acerta a predição de todos os exemplos de treinamento, mas erraria muito para exemplos não vistos durante treinamento. </a:t>
-            </a:r>
-          </a:p>
-          <a:p>
-            <a:pPr lvl="1"/>
-            <a:r>
-              <a:rPr lang="pt-BR" b="1" dirty="0"/>
-              <a:t>A flexibilidade do modelo é tão alta que ele aprende também o ruído presente no conjunto de treinamento.</a:t>
-            </a:r>
-          </a:p>
-          <a:p>
-            <a:r>
-              <a:rPr lang="pt-BR" dirty="0"/>
-              <a:t>O modelo com polinômio de grau 2 se ajusta bem aos exemplos, mas sem acertá-los perfeitamente. Este é provavelmente o modelo ótimo em termos da </a:t>
-            </a:r>
-            <a:r>
-              <a:rPr lang="pt-BR" b="1" i="1" dirty="0"/>
-              <a:t>relação de compromisso</a:t>
-            </a:r>
-            <a:r>
-              <a:rPr lang="pt-BR" dirty="0"/>
-              <a:t> entre os erros de </a:t>
-            </a:r>
-            <a:r>
-              <a:rPr lang="pt-BR" b="1" dirty="0"/>
-              <a:t>flexibilidade </a:t>
-            </a:r>
-            <a:r>
-              <a:rPr lang="pt-BR" dirty="0"/>
-              <a:t>e de </a:t>
-            </a:r>
-            <a:r>
-              <a:rPr lang="pt-BR" b="1" dirty="0"/>
-              <a:t>generalização</a:t>
-            </a:r>
-            <a:r>
-              <a:rPr lang="pt-BR" dirty="0"/>
-              <a:t>.</a:t>
-            </a:r>
-          </a:p>
-          <a:p>
             <a:endParaRPr lang="pt-BR" dirty="0"/>
           </a:p>
         </p:txBody>
@@ -1649,7 +2223,7 @@
           <a:p>
             <a:fld id="{DA8B99DF-01BC-492A-8CEF-4FD88D18DD9D}" type="slidenum">
               <a:rPr lang="nl-BE" smtClean="0"/>
-              <a:t>19</a:t>
+              <a:t>17</a:t>
             </a:fld>
             <a:endParaRPr lang="nl-BE"/>
           </a:p>
@@ -1658,7 +2232,7 @@
     </p:spTree>
     <p:extLst>
       <p:ext uri="{BB962C8B-B14F-4D97-AF65-F5344CB8AC3E}">
-        <p14:creationId xmlns:p14="http://schemas.microsoft.com/office/powerpoint/2010/main" val="489201069"/>
+        <p14:creationId xmlns:p14="http://schemas.microsoft.com/office/powerpoint/2010/main" val="1226637979"/>
       </p:ext>
     </p:extLst>
   </p:cSld>
@@ -1712,19 +2286,6 @@
           <a:bodyPr/>
           <a:lstStyle/>
           <a:p>
-            <a:r>
-              <a:rPr lang="pt-BR" dirty="0" err="1"/>
-              <a:t>Binder</a:t>
-            </a:r>
-            <a:r>
-              <a:rPr lang="pt-BR" dirty="0"/>
-              <a:t>: https://mybinder.org/v2/gh/zz4fap/t319_aprendizado_de_maquina/main?filepath=notebooks/regression/polynomial_regression.ipynb</a:t>
-            </a:r>
-          </a:p>
-          <a:p>
-            <a:endParaRPr lang="pt-BR" dirty="0"/>
-          </a:p>
-          <a:p>
             <a:pPr marL="0" marR="0" lvl="0" indent="0" algn="l" defTabSz="914400" rtl="0" eaLnBrk="1" fontAlgn="auto" latinLnBrk="0" hangingPunct="1">
               <a:lnSpc>
                 <a:spcPct val="100000"/>
@@ -1743,851 +2304,13 @@
               <a:defRPr/>
             </a:pPr>
             <a:r>
-              <a:rPr lang="pt-BR" dirty="0" err="1"/>
-              <a:t>Colab</a:t>
-            </a:r>
-            <a:r>
               <a:rPr lang="pt-BR" dirty="0"/>
-              <a:t>: https://colab.research.google.com/github/zz4fap/t319_aprendizado_de_maquina/blob/main/notebooks/regression/polynomial_regression.ipynb</a:t>
+              <a:t>COLAB: https://colab.research.google.com/github/zz4fap/t319_aprendizado_de_maquina/blob/main/labs/Laboratorio5.ipynb</a:t>
             </a:r>
           </a:p>
           <a:p>
             <a:endParaRPr lang="pt-BR" dirty="0"/>
           </a:p>
-          <a:p>
-            <a:r>
-              <a:rPr lang="pt-BR" dirty="0"/>
-              <a:t>É importante salientar que</a:t>
-            </a:r>
-            <a:r>
-              <a:rPr lang="pt-BR" baseline="0" dirty="0"/>
-              <a:t> </a:t>
-            </a:r>
-            <a:r>
-              <a:rPr lang="pt-BR" dirty="0"/>
-              <a:t>todos os esforços de construção de um modelo são limitados pelos dados existentes. Para muitos problemas, o</a:t>
-            </a:r>
-            <a:r>
-              <a:rPr lang="pt-BR" baseline="0" dirty="0"/>
-              <a:t> conjunto de dados </a:t>
-            </a:r>
-            <a:r>
-              <a:rPr lang="pt-BR" dirty="0"/>
-              <a:t>pode ter um número limitado de amostras, ele</a:t>
-            </a:r>
-            <a:r>
-              <a:rPr lang="pt-BR" baseline="0" dirty="0"/>
-              <a:t> </a:t>
-            </a:r>
-            <a:r>
-              <a:rPr lang="pt-BR" dirty="0"/>
-              <a:t>pode ser de qualidade inferior à desejável e/ou ele pode não ser representativo</a:t>
-            </a:r>
-            <a:r>
-              <a:rPr lang="pt-BR" baseline="0" dirty="0"/>
-              <a:t> </a:t>
-            </a:r>
-            <a:r>
-              <a:rPr lang="pt-BR" dirty="0"/>
-              <a:t>de amostras futuras.</a:t>
-            </a:r>
-          </a:p>
-          <a:p>
-            <a:endParaRPr lang="pt-BR" dirty="0"/>
-          </a:p>
-          <a:p>
-            <a:r>
-              <a:rPr lang="pt-BR" dirty="0"/>
-              <a:t>Trabalhando com base na</a:t>
-            </a:r>
-            <a:r>
-              <a:rPr lang="pt-BR" baseline="0" dirty="0"/>
-              <a:t> </a:t>
-            </a:r>
-            <a:r>
-              <a:rPr lang="pt-BR" dirty="0"/>
-              <a:t>suposição</a:t>
-            </a:r>
-            <a:r>
-              <a:rPr lang="pt-BR" baseline="0" dirty="0"/>
-              <a:t> de que o conjunto que temos é representativo e de boa qualidade</a:t>
-            </a:r>
-            <a:r>
-              <a:rPr lang="pt-BR" dirty="0"/>
-              <a:t>, devemos usar os dados disponíveis para encontrar o melhor modelo preditivo. Quase todas as técnicas de modelagem preditiva possuem (hiper)parâmetros de ajuste que permitem que o modelo seja flexível o suficiente para encontrar a estrutura por trás dos dados.</a:t>
-            </a:r>
-          </a:p>
-          <a:p>
-            <a:endParaRPr lang="pt-BR" dirty="0"/>
-          </a:p>
-          <a:p>
-            <a:r>
-              <a:rPr lang="pt-BR" dirty="0"/>
-              <a:t>Portanto, devemos usar os dados existentes para identificar os valores dos parâmetros do modelo que geram o melhor e mais realista desempenho preditivo (conhecido como ajuste do modelo). Tradicionalmente, isso é obtido dividindo-se os dados existentes em conjuntos de treinamento e teste. O conjunto de treinamento é usado para construir e ajustar o modelo e o conjunto de teste é usado para estimar o desempenho preditivo do modelo.</a:t>
-            </a:r>
-          </a:p>
-          <a:p>
-            <a:endParaRPr lang="pt-BR" dirty="0"/>
-          </a:p>
-          <a:p>
-            <a:r>
-              <a:rPr lang="pt-BR" dirty="0"/>
-              <a:t>Durante o processo de aprendizado/treinamento, deseja-se evitar duas situações que comprometem o uso de um modelo:</a:t>
-            </a:r>
-          </a:p>
-          <a:p>
-            <a:pPr marL="171450" indent="-171450">
-              <a:buFont typeface="Arial" panose="020B0604020202020204" pitchFamily="34" charset="0"/>
-              <a:buChar char="•"/>
-            </a:pPr>
-            <a:r>
-              <a:rPr lang="pt-BR" dirty="0"/>
-              <a:t>Subajuste</a:t>
-            </a:r>
-          </a:p>
-          <a:p>
-            <a:pPr marL="171450" indent="-171450">
-              <a:buFont typeface="Arial" panose="020B0604020202020204" pitchFamily="34" charset="0"/>
-              <a:buChar char="•"/>
-            </a:pPr>
-            <a:r>
-              <a:rPr lang="pt-BR" dirty="0"/>
-              <a:t>Sobreajuste</a:t>
-            </a:r>
-          </a:p>
-          <a:p>
-            <a:pPr marL="171450" indent="-171450">
-              <a:buFont typeface="Arial" panose="020B0604020202020204" pitchFamily="34" charset="0"/>
-              <a:buChar char="•"/>
-            </a:pPr>
-            <a:endParaRPr lang="pt-BR" dirty="0"/>
-          </a:p>
-          <a:p>
-            <a:pPr marL="171450" indent="-171450">
-              <a:buFont typeface="Arial" panose="020B0604020202020204" pitchFamily="34" charset="0"/>
-              <a:buChar char="•"/>
-            </a:pPr>
-            <a:r>
-              <a:rPr lang="pt-BR" dirty="0"/>
-              <a:t>O modelo com polinômio de grau 1</a:t>
-            </a:r>
-            <a:r>
-              <a:rPr lang="pt-BR" baseline="0" dirty="0"/>
-              <a:t> tem </a:t>
-            </a:r>
-            <a:r>
-              <a:rPr lang="pt-BR" b="1" baseline="0" dirty="0"/>
-              <a:t>capacidade</a:t>
-            </a:r>
-            <a:r>
-              <a:rPr lang="pt-BR" b="0" baseline="0" dirty="0"/>
-              <a:t> muito baixa e </a:t>
-            </a:r>
-            <a:r>
-              <a:rPr lang="pt-BR" b="1" baseline="0" dirty="0"/>
-              <a:t>grau de generalização</a:t>
-            </a:r>
-            <a:r>
-              <a:rPr lang="pt-BR" b="0" baseline="0" dirty="0"/>
-              <a:t> muito baixo.</a:t>
-            </a:r>
-            <a:endParaRPr lang="pt-BR" b="1" baseline="0" dirty="0"/>
-          </a:p>
-          <a:p>
-            <a:pPr marL="171450" marR="0" indent="-171450" algn="l" defTabSz="914400" rtl="0" eaLnBrk="1" fontAlgn="auto" latinLnBrk="0" hangingPunct="1">
-              <a:lnSpc>
-                <a:spcPct val="100000"/>
-              </a:lnSpc>
-              <a:spcBef>
-                <a:spcPts val="0"/>
-              </a:spcBef>
-              <a:spcAft>
-                <a:spcPts val="0"/>
-              </a:spcAft>
-              <a:buClrTx/>
-              <a:buSzTx/>
-              <a:buFont typeface="Arial" panose="020B0604020202020204" pitchFamily="34" charset="0"/>
-              <a:buChar char="•"/>
-              <a:tabLst/>
-              <a:defRPr/>
-            </a:pPr>
-            <a:r>
-              <a:rPr lang="pt-BR" dirty="0"/>
-              <a:t>O modelo com polinômio de grau 30</a:t>
-            </a:r>
-            <a:r>
-              <a:rPr lang="pt-BR" baseline="0" dirty="0"/>
-              <a:t> tem </a:t>
-            </a:r>
-            <a:r>
-              <a:rPr lang="pt-BR" b="1" baseline="0" dirty="0"/>
-              <a:t>capacidade </a:t>
-            </a:r>
-            <a:r>
-              <a:rPr lang="pt-BR" b="0" baseline="0" dirty="0"/>
-              <a:t>muito alta e </a:t>
-            </a:r>
-            <a:r>
-              <a:rPr lang="pt-BR" b="1" baseline="0" dirty="0"/>
-              <a:t>grau de generalização</a:t>
-            </a:r>
-            <a:r>
-              <a:rPr lang="pt-BR" b="0" baseline="0" dirty="0"/>
-              <a:t> muito baixo.</a:t>
-            </a:r>
-            <a:endParaRPr lang="pt-BR" b="1" baseline="0" dirty="0"/>
-          </a:p>
-          <a:p>
-            <a:pPr marL="171450" indent="-171450">
-              <a:buFont typeface="Arial" panose="020B0604020202020204" pitchFamily="34" charset="0"/>
-              <a:buChar char="•"/>
-            </a:pPr>
-            <a:r>
-              <a:rPr lang="pt-BR" dirty="0"/>
-              <a:t>O modelo com polinômio de grau 2</a:t>
-            </a:r>
-            <a:r>
-              <a:rPr lang="pt-BR" baseline="0" dirty="0"/>
-              <a:t> tem </a:t>
-            </a:r>
-            <a:r>
-              <a:rPr lang="pt-BR" b="1" baseline="0" dirty="0"/>
-              <a:t>capacidade</a:t>
-            </a:r>
-            <a:r>
-              <a:rPr lang="pt-BR" baseline="0" dirty="0"/>
-              <a:t> média e </a:t>
-            </a:r>
-            <a:r>
-              <a:rPr lang="pt-BR" b="1" baseline="0" dirty="0"/>
-              <a:t>grau de generalização</a:t>
-            </a:r>
-            <a:r>
-              <a:rPr lang="pt-BR" b="0" baseline="0" dirty="0"/>
-              <a:t> médio.</a:t>
-            </a:r>
-          </a:p>
-          <a:p>
-            <a:pPr marL="0" indent="0">
-              <a:buFont typeface="Arial" panose="020B0604020202020204" pitchFamily="34" charset="0"/>
-              <a:buNone/>
-            </a:pPr>
-            <a:endParaRPr lang="pt-BR" b="0" baseline="0" dirty="0"/>
-          </a:p>
-          <a:p>
-            <a:pPr marL="171450" indent="-171450">
-              <a:buFont typeface="Arial" panose="020B0604020202020204" pitchFamily="34" charset="0"/>
-              <a:buChar char="•"/>
-            </a:pPr>
-            <a:r>
-              <a:rPr lang="pt-BR" dirty="0"/>
-              <a:t>O modelo com polinômio de grau 1 sofre de </a:t>
-            </a:r>
-            <a:r>
-              <a:rPr lang="pt-BR" sz="1200" b="0" i="0" kern="1200" dirty="0">
-                <a:solidFill>
-                  <a:schemeClr val="tx1"/>
-                </a:solidFill>
-                <a:effectLst/>
-                <a:latin typeface="+mn-lt"/>
-                <a:ea typeface="+mn-ea"/>
-                <a:cs typeface="+mn-cs"/>
-              </a:rPr>
-              <a:t>de </a:t>
-            </a:r>
-            <a:r>
-              <a:rPr lang="pt-BR" sz="1200" b="1" i="0" kern="1200" dirty="0">
-                <a:solidFill>
-                  <a:schemeClr val="tx1"/>
-                </a:solidFill>
-                <a:effectLst/>
-                <a:latin typeface="+mn-lt"/>
-                <a:ea typeface="+mn-ea"/>
-                <a:cs typeface="+mn-cs"/>
-              </a:rPr>
-              <a:t>sub-ajustamento</a:t>
-            </a:r>
-            <a:r>
-              <a:rPr lang="pt-BR" sz="1200" b="0" i="0" kern="1200" dirty="0">
-                <a:solidFill>
-                  <a:schemeClr val="tx1"/>
-                </a:solidFill>
-                <a:effectLst/>
-                <a:latin typeface="+mn-lt"/>
-                <a:ea typeface="+mn-ea"/>
-                <a:cs typeface="+mn-cs"/>
-              </a:rPr>
-              <a:t>, isto é, ele tem uma </a:t>
-            </a:r>
-            <a:r>
-              <a:rPr lang="pt-BR" sz="1200" b="1" i="0" kern="1200" dirty="0">
-                <a:solidFill>
-                  <a:schemeClr val="tx1"/>
-                </a:solidFill>
-                <a:effectLst/>
-                <a:latin typeface="+mn-lt"/>
-                <a:ea typeface="+mn-ea"/>
-                <a:cs typeface="+mn-cs"/>
-              </a:rPr>
-              <a:t>capacidade</a:t>
-            </a:r>
-            <a:r>
-              <a:rPr lang="pt-BR" sz="1200" b="0" i="0" kern="1200" dirty="0">
-                <a:solidFill>
-                  <a:schemeClr val="tx1"/>
-                </a:solidFill>
-                <a:effectLst/>
-                <a:latin typeface="+mn-lt"/>
-                <a:ea typeface="+mn-ea"/>
-                <a:cs typeface="+mn-cs"/>
-              </a:rPr>
-              <a:t> tão baixa que não consegue aprender as regularidades presentes</a:t>
-            </a:r>
-            <a:r>
-              <a:rPr lang="pt-BR" sz="1200" b="0" i="0" kern="1200" baseline="0" dirty="0">
-                <a:solidFill>
-                  <a:schemeClr val="tx1"/>
-                </a:solidFill>
-                <a:effectLst/>
-                <a:latin typeface="+mn-lt"/>
-                <a:ea typeface="+mn-ea"/>
-                <a:cs typeface="+mn-cs"/>
-              </a:rPr>
-              <a:t> </a:t>
-            </a:r>
-            <a:r>
-              <a:rPr lang="pt-BR" sz="1200" b="0" i="0" kern="1200" dirty="0">
-                <a:solidFill>
-                  <a:schemeClr val="tx1"/>
-                </a:solidFill>
-                <a:effectLst/>
-                <a:latin typeface="+mn-lt"/>
-                <a:ea typeface="+mn-ea"/>
-                <a:cs typeface="+mn-cs"/>
-              </a:rPr>
-              <a:t>no conjunto de treinamento. Nesse caso, os</a:t>
-            </a:r>
-            <a:r>
-              <a:rPr lang="pt-BR" sz="1200" b="0" i="0" kern="1200" baseline="0" dirty="0">
-                <a:solidFill>
-                  <a:schemeClr val="tx1"/>
-                </a:solidFill>
-                <a:effectLst/>
-                <a:latin typeface="+mn-lt"/>
-                <a:ea typeface="+mn-ea"/>
-                <a:cs typeface="+mn-cs"/>
-              </a:rPr>
-              <a:t> erros </a:t>
-            </a:r>
-            <a:r>
-              <a:rPr lang="pt-BR" sz="1200" b="0" i="0" kern="1200" dirty="0">
-                <a:solidFill>
-                  <a:schemeClr val="tx1"/>
-                </a:solidFill>
-                <a:effectLst/>
-                <a:latin typeface="+mn-lt"/>
-                <a:ea typeface="+mn-ea"/>
-                <a:cs typeface="+mn-cs"/>
-              </a:rPr>
-              <a:t>nos conjuntos</a:t>
-            </a:r>
-            <a:r>
-              <a:rPr lang="pt-BR" sz="1200" b="0" i="0" kern="1200" baseline="0" dirty="0">
-                <a:solidFill>
-                  <a:schemeClr val="tx1"/>
-                </a:solidFill>
-                <a:effectLst/>
-                <a:latin typeface="+mn-lt"/>
-                <a:ea typeface="+mn-ea"/>
-                <a:cs typeface="+mn-cs"/>
-              </a:rPr>
-              <a:t> </a:t>
-            </a:r>
-            <a:r>
-              <a:rPr lang="pt-BR" sz="1200" b="0" i="0" kern="1200" dirty="0">
-                <a:solidFill>
-                  <a:schemeClr val="tx1"/>
-                </a:solidFill>
-                <a:effectLst/>
-                <a:latin typeface="+mn-lt"/>
-                <a:ea typeface="+mn-ea"/>
-                <a:cs typeface="+mn-cs"/>
-              </a:rPr>
-              <a:t>de treinamento (</a:t>
-            </a:r>
-            <a:r>
-              <a:rPr lang="pt-BR" sz="1200" b="1" i="0" kern="1200" dirty="0">
-                <a:solidFill>
-                  <a:schemeClr val="tx1"/>
-                </a:solidFill>
-                <a:effectLst/>
-                <a:latin typeface="+mn-lt"/>
-                <a:ea typeface="+mn-ea"/>
-                <a:cs typeface="+mn-cs"/>
-              </a:rPr>
-              <a:t>erro de capacidade ou erro de representação</a:t>
-            </a:r>
-            <a:r>
-              <a:rPr lang="pt-BR" sz="1200" b="0" i="0" kern="1200" dirty="0">
-                <a:solidFill>
-                  <a:schemeClr val="tx1"/>
-                </a:solidFill>
-                <a:effectLst/>
-                <a:latin typeface="+mn-lt"/>
-                <a:ea typeface="+mn-ea"/>
-                <a:cs typeface="+mn-cs"/>
-              </a:rPr>
-              <a:t>) e de teste são</a:t>
-            </a:r>
-            <a:r>
-              <a:rPr lang="pt-BR" sz="1200" b="0" i="0" kern="1200" baseline="0" dirty="0">
-                <a:solidFill>
-                  <a:schemeClr val="tx1"/>
-                </a:solidFill>
-                <a:effectLst/>
-                <a:latin typeface="+mn-lt"/>
-                <a:ea typeface="+mn-ea"/>
-                <a:cs typeface="+mn-cs"/>
-              </a:rPr>
-              <a:t> altos</a:t>
-            </a:r>
-            <a:r>
-              <a:rPr lang="pt-BR" sz="1200" b="0" i="0" kern="1200" dirty="0">
-                <a:solidFill>
-                  <a:schemeClr val="tx1"/>
-                </a:solidFill>
-                <a:effectLst/>
-                <a:latin typeface="+mn-lt"/>
-                <a:ea typeface="+mn-ea"/>
-                <a:cs typeface="+mn-cs"/>
-              </a:rPr>
-              <a:t> </a:t>
-            </a:r>
-            <a:r>
-              <a:rPr lang="pt-BR" sz="1200" b="0" i="0" kern="1200" baseline="0" dirty="0">
-                <a:solidFill>
-                  <a:schemeClr val="tx1"/>
-                </a:solidFill>
-                <a:effectLst/>
-                <a:latin typeface="+mn-lt"/>
-                <a:ea typeface="+mn-ea"/>
-                <a:cs typeface="+mn-cs"/>
-              </a:rPr>
-              <a:t>(</a:t>
-            </a:r>
-            <a:r>
-              <a:rPr lang="pt-BR" sz="1200" b="1" i="0" kern="1200" baseline="0" dirty="0">
-                <a:solidFill>
-                  <a:schemeClr val="tx1"/>
-                </a:solidFill>
-                <a:effectLst/>
-                <a:latin typeface="+mn-lt"/>
-                <a:ea typeface="+mn-ea"/>
-                <a:cs typeface="+mn-cs"/>
-              </a:rPr>
-              <a:t>erro de generalização</a:t>
-            </a:r>
-            <a:r>
-              <a:rPr lang="pt-BR" sz="1200" b="0" i="0" kern="1200" baseline="0" dirty="0">
-                <a:solidFill>
-                  <a:schemeClr val="tx1"/>
-                </a:solidFill>
-                <a:effectLst/>
-                <a:latin typeface="+mn-lt"/>
-                <a:ea typeface="+mn-ea"/>
-                <a:cs typeface="+mn-cs"/>
-              </a:rPr>
-              <a:t>).</a:t>
-            </a:r>
-            <a:endParaRPr lang="pt-BR" b="0" dirty="0"/>
-          </a:p>
-          <a:p>
-            <a:pPr marL="171450" indent="-171450">
-              <a:buFont typeface="Arial" panose="020B0604020202020204" pitchFamily="34" charset="0"/>
-              <a:buChar char="•"/>
-            </a:pPr>
-            <a:r>
-              <a:rPr lang="pt-BR" dirty="0"/>
-              <a:t>O modelo com polinômio de grau 30</a:t>
-            </a:r>
-            <a:r>
-              <a:rPr lang="pt-BR" sz="1200" b="0" i="0" kern="1200" dirty="0">
-                <a:solidFill>
-                  <a:schemeClr val="tx1"/>
-                </a:solidFill>
-                <a:effectLst/>
-                <a:latin typeface="+mn-lt"/>
-                <a:ea typeface="+mn-ea"/>
-                <a:cs typeface="+mn-cs"/>
-              </a:rPr>
-              <a:t> sofre de </a:t>
-            </a:r>
-            <a:r>
-              <a:rPr lang="pt-BR" sz="1200" b="1" i="0" kern="1200" dirty="0">
-                <a:solidFill>
-                  <a:schemeClr val="tx1"/>
-                </a:solidFill>
-                <a:effectLst/>
-                <a:latin typeface="+mn-lt"/>
-                <a:ea typeface="+mn-ea"/>
-                <a:cs typeface="+mn-cs"/>
-              </a:rPr>
-              <a:t>sobre-ajustamento</a:t>
-            </a:r>
-            <a:r>
-              <a:rPr lang="pt-BR" sz="1200" b="0" i="0" kern="1200" dirty="0">
-                <a:solidFill>
-                  <a:schemeClr val="tx1"/>
-                </a:solidFill>
-                <a:effectLst/>
-                <a:latin typeface="+mn-lt"/>
-                <a:ea typeface="+mn-ea"/>
-                <a:cs typeface="+mn-cs"/>
-              </a:rPr>
-              <a:t>, isto é, ele tem uma capacidade tão alta que além de aprender as regularidades, aprendeu também o ruído presente nos exemplos de treinamento. Nesse caso, o erro no conjunto de treinamento é baixo (</a:t>
-            </a:r>
-            <a:r>
-              <a:rPr lang="pt-BR" sz="1200" b="1" i="0" kern="1200" dirty="0">
-                <a:solidFill>
-                  <a:schemeClr val="tx1"/>
-                </a:solidFill>
-                <a:effectLst/>
-                <a:latin typeface="+mn-lt"/>
-                <a:ea typeface="+mn-ea"/>
-                <a:cs typeface="+mn-cs"/>
-              </a:rPr>
-              <a:t>erro de capacidade</a:t>
-            </a:r>
-            <a:r>
-              <a:rPr lang="pt-BR" sz="1200" b="0" i="0" kern="1200" dirty="0">
-                <a:solidFill>
-                  <a:schemeClr val="tx1"/>
-                </a:solidFill>
-                <a:effectLst/>
-                <a:latin typeface="+mn-lt"/>
-                <a:ea typeface="+mn-ea"/>
-                <a:cs typeface="+mn-cs"/>
-              </a:rPr>
-              <a:t>) e o erro no conjunto de teste</a:t>
-            </a:r>
-            <a:r>
-              <a:rPr lang="pt-BR" sz="1200" b="0" i="0" kern="1200" baseline="0" dirty="0">
-                <a:solidFill>
-                  <a:schemeClr val="tx1"/>
-                </a:solidFill>
-                <a:effectLst/>
-                <a:latin typeface="+mn-lt"/>
-                <a:ea typeface="+mn-ea"/>
-                <a:cs typeface="+mn-cs"/>
-              </a:rPr>
-              <a:t> é alto (</a:t>
-            </a:r>
-            <a:r>
-              <a:rPr lang="pt-BR" sz="1200" b="1" i="0" kern="1200" baseline="0" dirty="0">
-                <a:solidFill>
-                  <a:schemeClr val="tx1"/>
-                </a:solidFill>
-                <a:effectLst/>
-                <a:latin typeface="+mn-lt"/>
-                <a:ea typeface="+mn-ea"/>
-                <a:cs typeface="+mn-cs"/>
-              </a:rPr>
-              <a:t>erro de generalização</a:t>
-            </a:r>
-            <a:r>
-              <a:rPr lang="pt-BR" sz="1200" b="0" i="0" kern="1200" baseline="0" dirty="0">
-                <a:solidFill>
-                  <a:schemeClr val="tx1"/>
-                </a:solidFill>
-                <a:effectLst/>
-                <a:latin typeface="+mn-lt"/>
-                <a:ea typeface="+mn-ea"/>
-                <a:cs typeface="+mn-cs"/>
-              </a:rPr>
-              <a:t>).</a:t>
-            </a:r>
-            <a:endParaRPr lang="pt-BR" sz="1200" b="0" i="0" kern="1200" dirty="0">
-              <a:solidFill>
-                <a:schemeClr val="tx1"/>
-              </a:solidFill>
-              <a:effectLst/>
-              <a:latin typeface="+mn-lt"/>
-              <a:ea typeface="+mn-ea"/>
-              <a:cs typeface="+mn-cs"/>
-            </a:endParaRPr>
-          </a:p>
-          <a:p>
-            <a:pPr marL="171450" indent="-171450">
-              <a:buFont typeface="Arial" panose="020B0604020202020204" pitchFamily="34" charset="0"/>
-              <a:buChar char="•"/>
-            </a:pPr>
-            <a:r>
-              <a:rPr lang="pt-BR" dirty="0"/>
-              <a:t>O modelo com polinômio de grau 2</a:t>
-            </a:r>
-            <a:r>
-              <a:rPr lang="pt-BR" sz="1200" b="0" i="0" kern="1200" baseline="0" dirty="0">
-                <a:solidFill>
-                  <a:schemeClr val="tx1"/>
-                </a:solidFill>
-                <a:effectLst/>
-                <a:latin typeface="+mn-lt"/>
-                <a:ea typeface="+mn-ea"/>
-                <a:cs typeface="+mn-cs"/>
-              </a:rPr>
-              <a:t> </a:t>
-            </a:r>
-            <a:r>
-              <a:rPr lang="pt-BR" sz="1200" b="0" i="0" kern="1200" dirty="0">
-                <a:solidFill>
-                  <a:schemeClr val="tx1"/>
-                </a:solidFill>
-                <a:effectLst/>
-                <a:latin typeface="+mn-lt"/>
-                <a:ea typeface="+mn-ea"/>
-                <a:cs typeface="+mn-cs"/>
-              </a:rPr>
-              <a:t>parece ter aprendido bem as regularidades dos dados sem aprender o ruído no conjunto de treinamento. Nesse caso, os erros no conjunto de treinamento (</a:t>
-            </a:r>
-            <a:r>
-              <a:rPr lang="pt-BR" sz="1200" b="1" i="0" kern="1200" dirty="0">
-                <a:solidFill>
-                  <a:schemeClr val="tx1"/>
-                </a:solidFill>
-                <a:effectLst/>
-                <a:latin typeface="+mn-lt"/>
-                <a:ea typeface="+mn-ea"/>
-                <a:cs typeface="+mn-cs"/>
-              </a:rPr>
-              <a:t>erro de capacidade</a:t>
-            </a:r>
-            <a:r>
-              <a:rPr lang="pt-BR" sz="1200" b="0" i="0" kern="1200" dirty="0">
-                <a:solidFill>
-                  <a:schemeClr val="tx1"/>
-                </a:solidFill>
-                <a:effectLst/>
-                <a:latin typeface="+mn-lt"/>
-                <a:ea typeface="+mn-ea"/>
-                <a:cs typeface="+mn-cs"/>
-              </a:rPr>
-              <a:t>) e teste </a:t>
-            </a:r>
-            <a:r>
-              <a:rPr lang="pt-BR" sz="1200" b="0" i="0" kern="1200" baseline="0" dirty="0">
-                <a:solidFill>
-                  <a:schemeClr val="tx1"/>
-                </a:solidFill>
-                <a:effectLst/>
-                <a:latin typeface="+mn-lt"/>
-                <a:ea typeface="+mn-ea"/>
-                <a:cs typeface="+mn-cs"/>
-              </a:rPr>
-              <a:t>(</a:t>
-            </a:r>
-            <a:r>
-              <a:rPr lang="pt-BR" sz="1200" b="1" i="0" kern="1200" baseline="0" dirty="0">
-                <a:solidFill>
-                  <a:schemeClr val="tx1"/>
-                </a:solidFill>
-                <a:effectLst/>
-                <a:latin typeface="+mn-lt"/>
-                <a:ea typeface="+mn-ea"/>
-                <a:cs typeface="+mn-cs"/>
-              </a:rPr>
-              <a:t>erro de generalização</a:t>
-            </a:r>
-            <a:r>
-              <a:rPr lang="pt-BR" sz="1200" b="0" i="0" kern="1200" baseline="0" dirty="0">
-                <a:solidFill>
-                  <a:schemeClr val="tx1"/>
-                </a:solidFill>
-                <a:effectLst/>
-                <a:latin typeface="+mn-lt"/>
-                <a:ea typeface="+mn-ea"/>
-                <a:cs typeface="+mn-cs"/>
-              </a:rPr>
-              <a:t>) </a:t>
-            </a:r>
-            <a:r>
-              <a:rPr lang="pt-BR" sz="1200" b="0" i="0" kern="1200" dirty="0">
-                <a:solidFill>
-                  <a:schemeClr val="tx1"/>
-                </a:solidFill>
-                <a:effectLst/>
-                <a:latin typeface="+mn-lt"/>
-                <a:ea typeface="+mn-ea"/>
-                <a:cs typeface="+mn-cs"/>
-              </a:rPr>
-              <a:t>são parecidos e satisfatórios.</a:t>
-            </a:r>
-            <a:endParaRPr lang="pt-BR" b="1" dirty="0"/>
-          </a:p>
-        </p:txBody>
-      </p:sp>
-      <p:sp>
-        <p:nvSpPr>
-          <p:cNvPr id="4" name="Slide Number Placeholder 3"/>
-          <p:cNvSpPr>
-            <a:spLocks noGrp="1"/>
-          </p:cNvSpPr>
-          <p:nvPr>
-            <p:ph type="sldNum" sz="quarter" idx="10"/>
-          </p:nvPr>
-        </p:nvSpPr>
-        <p:spPr/>
-        <p:txBody>
-          <a:bodyPr/>
-          <a:lstStyle/>
-          <a:p>
-            <a:fld id="{DA8B99DF-01BC-492A-8CEF-4FD88D18DD9D}" type="slidenum">
-              <a:rPr lang="nl-BE" smtClean="0"/>
-              <a:t>20</a:t>
-            </a:fld>
-            <a:endParaRPr lang="nl-BE"/>
-          </a:p>
-        </p:txBody>
-      </p:sp>
-    </p:spTree>
-    <p:extLst>
-      <p:ext uri="{BB962C8B-B14F-4D97-AF65-F5344CB8AC3E}">
-        <p14:creationId xmlns:p14="http://schemas.microsoft.com/office/powerpoint/2010/main" val="2391354004"/>
-      </p:ext>
-    </p:extLst>
-  </p:cSld>
-  <p:clrMapOvr>
-    <a:masterClrMapping/>
-  </p:clrMapOvr>
-</p:notes>
-</file>
-
-<file path=ppt/notesSlides/notesSlide15.xml><?xml version="1.0" encoding="utf-8"?>
-<p:notes xmlns:a="http://schemas.openxmlformats.org/drawingml/2006/main" xmlns:r="http://schemas.openxmlformats.org/officeDocument/2006/relationships" xmlns:p="http://schemas.openxmlformats.org/presentationml/2006/main">
-  <p:cSld>
-    <p:spTree>
-      <p:nvGrpSpPr>
-        <p:cNvPr id="1" name=""/>
-        <p:cNvGrpSpPr/>
-        <p:nvPr/>
-      </p:nvGrpSpPr>
-      <p:grpSpPr>
-        <a:xfrm>
-          <a:off x="0" y="0"/>
-          <a:ext cx="0" cy="0"/>
-          <a:chOff x="0" y="0"/>
-          <a:chExt cx="0" cy="0"/>
-        </a:xfrm>
-      </p:grpSpPr>
-      <p:sp>
-        <p:nvSpPr>
-          <p:cNvPr id="2" name="Slide Image Placeholder 1"/>
-          <p:cNvSpPr>
-            <a:spLocks noGrp="1" noRot="1" noChangeAspect="1"/>
-          </p:cNvSpPr>
-          <p:nvPr>
-            <p:ph type="sldImg"/>
-          </p:nvPr>
-        </p:nvSpPr>
-        <p:spPr/>
-      </p:sp>
-      <p:sp>
-        <p:nvSpPr>
-          <p:cNvPr id="3" name="Notes Placeholder 2"/>
-          <p:cNvSpPr>
-            <a:spLocks noGrp="1"/>
-          </p:cNvSpPr>
-          <p:nvPr>
-            <p:ph type="body" idx="1"/>
-          </p:nvPr>
-        </p:nvSpPr>
-        <p:spPr/>
-        <p:txBody>
-          <a:bodyPr/>
-          <a:lstStyle/>
-          <a:p>
-            <a:endParaRPr lang="pt-BR" dirty="0"/>
-          </a:p>
-        </p:txBody>
-      </p:sp>
-      <p:sp>
-        <p:nvSpPr>
-          <p:cNvPr id="4" name="Slide Number Placeholder 3"/>
-          <p:cNvSpPr>
-            <a:spLocks noGrp="1"/>
-          </p:cNvSpPr>
-          <p:nvPr>
-            <p:ph type="sldNum" sz="quarter" idx="10"/>
-          </p:nvPr>
-        </p:nvSpPr>
-        <p:spPr/>
-        <p:txBody>
-          <a:bodyPr/>
-          <a:lstStyle/>
-          <a:p>
-            <a:fld id="{DA8B99DF-01BC-492A-8CEF-4FD88D18DD9D}" type="slidenum">
-              <a:rPr lang="nl-BE" smtClean="0"/>
-              <a:t>21</a:t>
-            </a:fld>
-            <a:endParaRPr lang="nl-BE"/>
-          </a:p>
-        </p:txBody>
-      </p:sp>
-    </p:spTree>
-    <p:extLst>
-      <p:ext uri="{BB962C8B-B14F-4D97-AF65-F5344CB8AC3E}">
-        <p14:creationId xmlns:p14="http://schemas.microsoft.com/office/powerpoint/2010/main" val="1226637979"/>
-      </p:ext>
-    </p:extLst>
-  </p:cSld>
-  <p:clrMapOvr>
-    <a:masterClrMapping/>
-  </p:clrMapOvr>
-</p:notes>
-</file>
-
-<file path=ppt/notesSlides/notesSlide16.xml><?xml version="1.0" encoding="utf-8"?>
-<p:notes xmlns:a="http://schemas.openxmlformats.org/drawingml/2006/main" xmlns:r="http://schemas.openxmlformats.org/officeDocument/2006/relationships" xmlns:p="http://schemas.openxmlformats.org/presentationml/2006/main">
-  <p:cSld>
-    <p:spTree>
-      <p:nvGrpSpPr>
-        <p:cNvPr id="1" name=""/>
-        <p:cNvGrpSpPr/>
-        <p:nvPr/>
-      </p:nvGrpSpPr>
-      <p:grpSpPr>
-        <a:xfrm>
-          <a:off x="0" y="0"/>
-          <a:ext cx="0" cy="0"/>
-          <a:chOff x="0" y="0"/>
-          <a:chExt cx="0" cy="0"/>
-        </a:xfrm>
-      </p:grpSpPr>
-      <p:sp>
-        <p:nvSpPr>
-          <p:cNvPr id="2" name="Slide Image Placeholder 1"/>
-          <p:cNvSpPr>
-            <a:spLocks noGrp="1" noRot="1" noChangeAspect="1"/>
-          </p:cNvSpPr>
-          <p:nvPr>
-            <p:ph type="sldImg"/>
-          </p:nvPr>
-        </p:nvSpPr>
-        <p:spPr/>
-      </p:sp>
-      <p:sp>
-        <p:nvSpPr>
-          <p:cNvPr id="3" name="Notes Placeholder 2"/>
-          <p:cNvSpPr>
-            <a:spLocks noGrp="1"/>
-          </p:cNvSpPr>
-          <p:nvPr>
-            <p:ph type="body" idx="1"/>
-          </p:nvPr>
-        </p:nvSpPr>
-        <p:spPr/>
-        <p:txBody>
-          <a:bodyPr/>
-          <a:lstStyle/>
           <a:p>
             <a:pPr marL="0" marR="0" lvl="0" indent="0" algn="l" defTabSz="914400" rtl="0" eaLnBrk="1" fontAlgn="auto" latinLnBrk="0" hangingPunct="1">
               <a:lnSpc>
@@ -2608,32 +2331,6 @@
             </a:pPr>
             <a:r>
               <a:rPr lang="pt-BR" dirty="0"/>
-              <a:t>COLAB: https://colab.research.google.com/github/zz4fap/t319_aprendizado_de_maquina/blob/main/labs/Laboratorio5.ipynb</a:t>
-            </a:r>
-          </a:p>
-          <a:p>
-            <a:endParaRPr lang="pt-BR" dirty="0"/>
-          </a:p>
-          <a:p>
-            <a:pPr marL="0" marR="0" lvl="0" indent="0" algn="l" defTabSz="914400" rtl="0" eaLnBrk="1" fontAlgn="auto" latinLnBrk="0" hangingPunct="1">
-              <a:lnSpc>
-                <a:spcPct val="100000"/>
-              </a:lnSpc>
-              <a:spcBef>
-                <a:spcPts val="0"/>
-              </a:spcBef>
-              <a:spcAft>
-                <a:spcPts val="0"/>
-              </a:spcAft>
-              <a:buClrTx/>
-              <a:buSzTx/>
-              <a:buFontTx/>
-              <a:buNone/>
-              <a:tabLst/>
-              <a:defRPr/>
-            </a:pPr>
-            <a:r>
-              <a:rPr lang="pt-BR" dirty="0"/>
               <a:t>BINDER: https://mybinder.org/v2/gh/zz4fap/t319_aprendizado_de_maquina/main?filepath=labs%2FLaboratorio5.ipynb</a:t>
             </a:r>
           </a:p>
@@ -2659,7 +2356,7 @@
           <a:p>
             <a:fld id="{DA8B99DF-01BC-492A-8CEF-4FD88D18DD9D}" type="slidenum">
               <a:rPr lang="nl-BE" smtClean="0"/>
-              <a:t>22</a:t>
+              <a:t>18</a:t>
             </a:fld>
             <a:endParaRPr lang="nl-BE"/>
           </a:p>
@@ -3742,7 +3439,170 @@
             <a:endParaRPr lang="pt-BR" dirty="0"/>
           </a:p>
           <a:p>
+            <a:r>
+              <a:rPr lang="pt-BR" dirty="0"/>
+              <a:t>O escalonamento de atributos é uma etapa de pré-processamento comum no treinamento de modelos de </a:t>
+            </a:r>
+            <a:r>
+              <a:rPr lang="pt-BR" dirty="0" err="1"/>
+              <a:t>machine</a:t>
+            </a:r>
+            <a:r>
+              <a:rPr lang="pt-BR" dirty="0"/>
+              <a:t> </a:t>
+            </a:r>
+            <a:r>
+              <a:rPr lang="pt-BR" dirty="0" err="1"/>
+              <a:t>learning</a:t>
+            </a:r>
+            <a:r>
+              <a:rPr lang="pt-BR" dirty="0"/>
+              <a:t>. Suas vantagens incluem:</a:t>
+            </a:r>
+          </a:p>
+          <a:p>
             <a:endParaRPr lang="pt-BR" dirty="0"/>
+          </a:p>
+          <a:p>
+            <a:r>
+              <a:rPr lang="pt-BR" dirty="0"/>
+              <a:t>1. **Melhor convergência:** O escalonamento de atributos pode ajudar algoritmos de otimização, como o gradiente descendente, a convergir mais rapidamente. Quando os atributos estão em escalas semelhantes, o algoritmo pode encontrar o mínimo global da função de erro de forma mais eficiente.</a:t>
+            </a:r>
+          </a:p>
+          <a:p>
+            <a:endParaRPr lang="pt-BR" dirty="0"/>
+          </a:p>
+          <a:p>
+            <a:r>
+              <a:rPr lang="pt-BR" dirty="0"/>
+              <a:t>2. **Prevenção de domínio:** Evita que atributos com escalas muito diferentes dominem o processo de treinamento. Sem escalonamento, atributos com escalas maiores podem ter um impacto desproporcional no modelo, levando a um viés indesejado.</a:t>
+            </a:r>
+          </a:p>
+          <a:p>
+            <a:endParaRPr lang="pt-BR" dirty="0"/>
+          </a:p>
+          <a:p>
+            <a:r>
+              <a:rPr lang="pt-BR" dirty="0"/>
+              <a:t>3. **Estabilidade numérica:** O escalonamento ajuda a manter a estabilidade numérica durante o treinamento, reduzindo a probabilidade de problemas de precisão numérica que podem ocorrer em algoritmos de aprendizado de máquina.</a:t>
+            </a:r>
+          </a:p>
+          <a:p>
+            <a:endParaRPr lang="pt-BR" dirty="0"/>
+          </a:p>
+          <a:p>
+            <a:r>
+              <a:rPr lang="pt-BR" dirty="0"/>
+              <a:t>4. **Interpretação mais fácil:** A interpretação dos coeficientes em modelos lineares, como regressão linear, é mais direta quando os atributos são escalonados, pois os coeficientes representam o impacto relativo dos atributos nas previsões.</a:t>
+            </a:r>
+          </a:p>
+          <a:p>
+            <a:endParaRPr lang="pt-BR" dirty="0"/>
+          </a:p>
+          <a:p>
+            <a:r>
+              <a:rPr lang="pt-BR" dirty="0"/>
+              <a:t>5. **Compatibilidade com algoritmos sensíveis à escala:** Alguns algoritmos, como o k-</a:t>
+            </a:r>
+            <a:r>
+              <a:rPr lang="pt-BR" dirty="0" err="1"/>
+              <a:t>means</a:t>
+            </a:r>
+            <a:r>
+              <a:rPr lang="pt-BR" dirty="0"/>
+              <a:t>, SVM (</a:t>
+            </a:r>
+            <a:r>
+              <a:rPr lang="pt-BR" dirty="0" err="1"/>
+              <a:t>Support</a:t>
+            </a:r>
+            <a:r>
+              <a:rPr lang="pt-BR" dirty="0"/>
+              <a:t> Vector </a:t>
+            </a:r>
+            <a:r>
+              <a:rPr lang="pt-BR" dirty="0" err="1"/>
+              <a:t>Machine</a:t>
+            </a:r>
+            <a:r>
+              <a:rPr lang="pt-BR" dirty="0"/>
+              <a:t>) e PCA (Principal </a:t>
+            </a:r>
+            <a:r>
+              <a:rPr lang="pt-BR" dirty="0" err="1"/>
+              <a:t>Component</a:t>
+            </a:r>
+            <a:r>
+              <a:rPr lang="pt-BR" dirty="0"/>
+              <a:t> </a:t>
+            </a:r>
+            <a:r>
+              <a:rPr lang="pt-BR" dirty="0" err="1"/>
+              <a:t>Analysis</a:t>
+            </a:r>
+            <a:r>
+              <a:rPr lang="pt-BR" dirty="0"/>
+              <a:t>), são sensíveis à escala dos atributos. O escalonamento torna esses algoritmos mais eficazes.</a:t>
+            </a:r>
+          </a:p>
+          <a:p>
+            <a:endParaRPr lang="pt-BR" dirty="0"/>
+          </a:p>
+          <a:p>
+            <a:r>
+              <a:rPr lang="pt-BR" dirty="0"/>
+              <a:t>6. **Redução do risco de </a:t>
+            </a:r>
+            <a:r>
+              <a:rPr lang="pt-BR" dirty="0" err="1"/>
+              <a:t>overfitting</a:t>
+            </a:r>
+            <a:r>
+              <a:rPr lang="pt-BR" dirty="0"/>
+              <a:t>:** O escalonamento adequado pode reduzir o risco de </a:t>
+            </a:r>
+            <a:r>
+              <a:rPr lang="pt-BR" dirty="0" err="1"/>
+              <a:t>overfitting</a:t>
+            </a:r>
+            <a:r>
+              <a:rPr lang="pt-BR" dirty="0"/>
+              <a:t>, tornando mais difícil para o modelo se ajustar demais aos dados de treinamento.</a:t>
+            </a:r>
+          </a:p>
+          <a:p>
+            <a:endParaRPr lang="pt-BR" dirty="0"/>
+          </a:p>
+          <a:p>
+            <a:r>
+              <a:rPr lang="pt-BR" dirty="0"/>
+              <a:t>7. **Maior generalização:** Um modelo treinado com atributos escalonados adequadamente é mais propenso a generalizar bem para novos dados, pois os efeitos da escala não são específicos dos dados de treinamento.</a:t>
+            </a:r>
+          </a:p>
+          <a:p>
+            <a:endParaRPr lang="pt-BR" dirty="0"/>
+          </a:p>
+          <a:p>
+            <a:r>
+              <a:rPr lang="pt-BR" dirty="0"/>
+              <a:t>Existem diferentes técnicas de escalonamento, como normalização (escala entre 0 e 1) e padronização (com média zero e desvio padrão um), e a escolha depende do problema e do tipo de algoritmo de </a:t>
+            </a:r>
+            <a:r>
+              <a:rPr lang="pt-BR" dirty="0" err="1"/>
+              <a:t>machine</a:t>
+            </a:r>
+            <a:r>
+              <a:rPr lang="pt-BR" dirty="0"/>
+              <a:t> </a:t>
+            </a:r>
+            <a:r>
+              <a:rPr lang="pt-BR" dirty="0" err="1"/>
+              <a:t>learning</a:t>
+            </a:r>
+            <a:r>
+              <a:rPr lang="pt-BR" dirty="0"/>
+              <a:t>. Em muitos casos, a normalização é usada quando se deseja que os dados estejam na mesma faixa, e a padronização é usada quando se deseja que os dados tenham média zero e variância unitária. A escolha da técnica de escalonamento deve ser feita com base nas características do conjunto de dados e no algoritmo que está sendo usado.</a:t>
+            </a:r>
           </a:p>
         </p:txBody>
       </p:sp>
@@ -3801,7 +3661,7 @@
       </p:grpSpPr>
       <p:sp>
         <p:nvSpPr>
-          <p:cNvPr id="2" name="Slide Image Placeholder 1"/>
+          <p:cNvPr id="2" name="Espaço Reservado para Imagem de Slide 1"/>
           <p:cNvSpPr>
             <a:spLocks noGrp="1" noRot="1" noChangeAspect="1"/>
           </p:cNvSpPr>
@@ -3813,7 +3673,7 @@
       </p:sp>
       <p:sp>
         <p:nvSpPr>
-          <p:cNvPr id="3" name="Notes Placeholder 2"/>
+          <p:cNvPr id="3" name="Espaço Reservado para Anotações 2"/>
           <p:cNvSpPr>
             <a:spLocks noGrp="1"/>
           </p:cNvSpPr>
@@ -3826,18 +3686,214 @@
           <a:bodyPr/>
           <a:lstStyle/>
           <a:p>
+            <a:pPr marL="0" indent="0">
+              <a:buFont typeface="Arial" panose="020B0604020202020204" pitchFamily="34" charset="0"/>
+              <a:buNone/>
+            </a:pPr>
+            <a:r>
+              <a:rPr lang="nl-BE" b="1" dirty="0"/>
+              <a:t>Escalonamento dos objetivos ou rótulos</a:t>
+            </a:r>
+          </a:p>
+          <a:p>
+            <a:pPr marL="171450" indent="-171450">
+              <a:buFont typeface="Arial" panose="020B0604020202020204" pitchFamily="34" charset="0"/>
+              <a:buChar char="•"/>
+            </a:pPr>
+            <a:r>
+              <a:rPr lang="nl-BE" dirty="0"/>
+              <a:t>https://machinelearningmastery.com/how-to-transform-target-variables-for-regression-with-scikit-learn/</a:t>
+            </a:r>
+          </a:p>
+          <a:p>
+            <a:pPr marL="171450" indent="-171450">
+              <a:buFont typeface="Arial" panose="020B0604020202020204" pitchFamily="34" charset="0"/>
+              <a:buChar char="•"/>
+            </a:pPr>
+            <a:r>
+              <a:rPr lang="nl-BE" dirty="0"/>
+              <a:t>https://machinelearningmastery.com/how-to-improve-neural-network-stability-and-modeling-performance-with-data-scaling/</a:t>
+            </a:r>
+          </a:p>
+          <a:p>
             <a:endParaRPr lang="pt-BR" dirty="0"/>
+          </a:p>
+          <a:p>
+            <a:r>
+              <a:rPr lang="pt-BR" dirty="0"/>
+              <a:t>O escalonamento de atributos é uma etapa de pré-processamento comum no treinamento de modelos de </a:t>
+            </a:r>
+            <a:r>
+              <a:rPr lang="pt-BR" dirty="0" err="1"/>
+              <a:t>machine</a:t>
+            </a:r>
+            <a:r>
+              <a:rPr lang="pt-BR" dirty="0"/>
+              <a:t> </a:t>
+            </a:r>
+            <a:r>
+              <a:rPr lang="pt-BR" dirty="0" err="1"/>
+              <a:t>learning</a:t>
+            </a:r>
+            <a:r>
+              <a:rPr lang="pt-BR" dirty="0"/>
+              <a:t>. Suas vantagens incluem:</a:t>
+            </a:r>
+          </a:p>
+          <a:p>
+            <a:endParaRPr lang="pt-BR" dirty="0"/>
+          </a:p>
+          <a:p>
+            <a:r>
+              <a:rPr lang="pt-BR" dirty="0"/>
+              <a:t>1. **Melhor convergência:** O escalonamento de atributos pode ajudar algoritmos de otimização, como o gradiente descendente, a convergir mais rapidamente. Quando os atributos estão em escalas semelhantes, o algoritmo pode encontrar o mínimo global da função de erro de forma mais eficiente.</a:t>
+            </a:r>
+          </a:p>
+          <a:p>
+            <a:endParaRPr lang="pt-BR" dirty="0"/>
+          </a:p>
+          <a:p>
+            <a:r>
+              <a:rPr lang="pt-BR" dirty="0"/>
+              <a:t>2. **Prevenção de domínio:** Evita que atributos com escalas muito diferentes dominem o processo de treinamento. Sem escalonamento, atributos com escalas maiores podem ter um impacto desproporcional no modelo, levando a um viés indesejado.</a:t>
+            </a:r>
+          </a:p>
+          <a:p>
+            <a:endParaRPr lang="pt-BR" dirty="0"/>
+          </a:p>
+          <a:p>
+            <a:r>
+              <a:rPr lang="pt-BR" dirty="0"/>
+              <a:t>3. **Estabilidade numérica:** O escalonamento ajuda a manter a estabilidade numérica durante o treinamento, reduzindo a probabilidade de problemas de precisão numérica que podem ocorrer em algoritmos de aprendizado de máquina.</a:t>
+            </a:r>
+          </a:p>
+          <a:p>
+            <a:endParaRPr lang="pt-BR" dirty="0"/>
+          </a:p>
+          <a:p>
+            <a:r>
+              <a:rPr lang="pt-BR" dirty="0"/>
+              <a:t>4. **Interpretação mais fácil:** A interpretação dos coeficientes em modelos lineares, como regressão linear, é mais direta quando os atributos são escalonados, pois os coeficientes representam o impacto relativo dos atributos nas previsões.</a:t>
+            </a:r>
+          </a:p>
+          <a:p>
+            <a:endParaRPr lang="pt-BR" dirty="0"/>
+          </a:p>
+          <a:p>
+            <a:r>
+              <a:rPr lang="pt-BR" dirty="0"/>
+              <a:t>5. **Compatibilidade com algoritmos sensíveis à escala:** Alguns algoritmos, como o k-</a:t>
+            </a:r>
+            <a:r>
+              <a:rPr lang="pt-BR" dirty="0" err="1"/>
+              <a:t>means</a:t>
+            </a:r>
+            <a:r>
+              <a:rPr lang="pt-BR" dirty="0"/>
+              <a:t>, SVM (</a:t>
+            </a:r>
+            <a:r>
+              <a:rPr lang="pt-BR" dirty="0" err="1"/>
+              <a:t>Support</a:t>
+            </a:r>
+            <a:r>
+              <a:rPr lang="pt-BR" dirty="0"/>
+              <a:t> Vector </a:t>
+            </a:r>
+            <a:r>
+              <a:rPr lang="pt-BR" dirty="0" err="1"/>
+              <a:t>Machine</a:t>
+            </a:r>
+            <a:r>
+              <a:rPr lang="pt-BR" dirty="0"/>
+              <a:t>) e PCA (Principal </a:t>
+            </a:r>
+            <a:r>
+              <a:rPr lang="pt-BR" dirty="0" err="1"/>
+              <a:t>Component</a:t>
+            </a:r>
+            <a:r>
+              <a:rPr lang="pt-BR" dirty="0"/>
+              <a:t> </a:t>
+            </a:r>
+            <a:r>
+              <a:rPr lang="pt-BR" dirty="0" err="1"/>
+              <a:t>Analysis</a:t>
+            </a:r>
+            <a:r>
+              <a:rPr lang="pt-BR" dirty="0"/>
+              <a:t>), são sensíveis à escala dos atributos. O escalonamento torna esses algoritmos mais eficazes.</a:t>
+            </a:r>
+          </a:p>
+          <a:p>
+            <a:endParaRPr lang="pt-BR" dirty="0"/>
+          </a:p>
+          <a:p>
+            <a:r>
+              <a:rPr lang="pt-BR" dirty="0"/>
+              <a:t>6. **Redução do risco de </a:t>
+            </a:r>
+            <a:r>
+              <a:rPr lang="pt-BR" dirty="0" err="1"/>
+              <a:t>overfitting</a:t>
+            </a:r>
+            <a:r>
+              <a:rPr lang="pt-BR" dirty="0"/>
+              <a:t>:** O escalonamento adequado pode reduzir o risco de </a:t>
+            </a:r>
+            <a:r>
+              <a:rPr lang="pt-BR" dirty="0" err="1"/>
+              <a:t>overfitting</a:t>
+            </a:r>
+            <a:r>
+              <a:rPr lang="pt-BR" dirty="0"/>
+              <a:t>, tornando mais difícil para o modelo se ajustar demais aos dados de treinamento.</a:t>
+            </a:r>
+          </a:p>
+          <a:p>
+            <a:endParaRPr lang="pt-BR" dirty="0"/>
+          </a:p>
+          <a:p>
+            <a:r>
+              <a:rPr lang="pt-BR" dirty="0"/>
+              <a:t>7. **Maior generalização:** Um modelo treinado com atributos escalonados adequadamente é mais propenso a generalizar bem para novos dados, pois os efeitos da escala não são específicos dos dados de treinamento.</a:t>
+            </a:r>
+          </a:p>
+          <a:p>
+            <a:endParaRPr lang="pt-BR" dirty="0"/>
+          </a:p>
+          <a:p>
+            <a:r>
+              <a:rPr lang="pt-BR" dirty="0"/>
+              <a:t>Existem diferentes técnicas de escalonamento, como normalização (escala entre 0 e 1) e padronização (com média zero e desvio padrão um), e a escolha depende do problema e do tipo de algoritmo de </a:t>
+            </a:r>
+            <a:r>
+              <a:rPr lang="pt-BR" dirty="0" err="1"/>
+              <a:t>machine</a:t>
+            </a:r>
+            <a:r>
+              <a:rPr lang="pt-BR" dirty="0"/>
+              <a:t> </a:t>
+            </a:r>
+            <a:r>
+              <a:rPr lang="pt-BR" dirty="0" err="1"/>
+              <a:t>learning</a:t>
+            </a:r>
+            <a:r>
+              <a:rPr lang="pt-BR" dirty="0"/>
+              <a:t>. Em muitos casos, a normalização é usada quando se deseja que os dados estejam na mesma faixa, e a padronização é usada quando se deseja que os dados tenham média zero e variância unitária. A escolha da técnica de escalonamento deve ser feita com base nas características do conjunto de dados e no algoritmo que está sendo usado.</a:t>
+            </a:r>
           </a:p>
         </p:txBody>
       </p:sp>
       <p:sp>
         <p:nvSpPr>
-          <p:cNvPr id="4" name="Slide Number Placeholder 3"/>
+          <p:cNvPr id="4" name="Espaço Reservado para Número de Slide 3"/>
           <p:cNvSpPr>
             <a:spLocks noGrp="1"/>
           </p:cNvSpPr>
           <p:nvPr>
-            <p:ph type="sldNum" sz="quarter" idx="10"/>
+            <p:ph type="sldNum" sz="quarter" idx="5"/>
           </p:nvPr>
         </p:nvSpPr>
         <p:spPr/>
@@ -3847,7 +3903,7 @@
           <a:p>
             <a:fld id="{DA8B99DF-01BC-492A-8CEF-4FD88D18DD9D}" type="slidenum">
               <a:rPr lang="nl-BE" smtClean="0"/>
-              <a:t>13</a:t>
+              <a:t>10</a:t>
             </a:fld>
             <a:endParaRPr lang="nl-BE"/>
           </a:p>
@@ -3856,7 +3912,7 @@
     </p:spTree>
     <p:extLst>
       <p:ext uri="{BB962C8B-B14F-4D97-AF65-F5344CB8AC3E}">
-        <p14:creationId xmlns:p14="http://schemas.microsoft.com/office/powerpoint/2010/main" val="2365951681"/>
+        <p14:creationId xmlns:p14="http://schemas.microsoft.com/office/powerpoint/2010/main" val="3319049385"/>
       </p:ext>
     </p:extLst>
   </p:cSld>
@@ -3910,30 +3966,35 @@
           <a:bodyPr/>
           <a:lstStyle/>
           <a:p>
-            <a:pPr marL="0" marR="0" lvl="0" indent="0" algn="l" defTabSz="914400" rtl="0" eaLnBrk="1" fontAlgn="auto" latinLnBrk="0" hangingPunct="1">
-              <a:lnSpc>
-                <a:spcPct val="100000"/>
-              </a:lnSpc>
-              <a:spcBef>
-                <a:spcPts val="0"/>
-              </a:spcBef>
-              <a:spcAft>
-                <a:spcPts val="0"/>
-              </a:spcAft>
-              <a:buClrTx/>
-              <a:buSzTx/>
-              <a:buFontTx/>
-              <a:buNone/>
-              <a:tabLst/>
-              <a:defRPr/>
-            </a:pPr>
             <a:r>
               <a:rPr lang="pt-BR" dirty="0"/>
-              <a:t>Com cada atributo tendo uma escala diferente, o espaço de pesos no qual os modelos estão tentando treinar pode ser altamente distorcido e complexo. Quanto mais complexo for esse espaço, mais difícil será treinar um modelo dentro dele.</a:t>
+              <a:t>E se seus dados forem mais complexos do que uma simples linha reta? </a:t>
             </a:r>
           </a:p>
           <a:p>
             <a:endParaRPr lang="pt-BR" dirty="0"/>
+          </a:p>
+          <a:p>
+            <a:r>
+              <a:rPr lang="pt-BR" dirty="0"/>
+              <a:t>Você pode usar um modelo linear para ajustar dados não lineares. Uma maneira simples de fazer isso é adicionar </a:t>
+            </a:r>
+            <a:r>
+              <a:rPr lang="pt-BR" sz="1200" b="0" i="0" kern="1200" dirty="0">
+                <a:solidFill>
+                  <a:schemeClr val="tx1"/>
+                </a:solidFill>
+                <a:effectLst/>
+                <a:latin typeface="+mn-lt"/>
+                <a:ea typeface="+mn-ea"/>
+                <a:cs typeface="+mn-cs"/>
+              </a:rPr>
+              <a:t>expoentes </a:t>
+            </a:r>
+            <a:r>
+              <a:rPr lang="pt-BR" dirty="0"/>
+              <a:t>a cada feature como novos atributos e treinar um modelo linear nesse conjunto estendido de atributos. Essa técnica é chamada de regressão polinomial.</a:t>
+            </a:r>
           </a:p>
         </p:txBody>
       </p:sp>
@@ -3954,7 +4015,7 @@
           <a:p>
             <a:fld id="{DA8B99DF-01BC-492A-8CEF-4FD88D18DD9D}" type="slidenum">
               <a:rPr lang="nl-BE" smtClean="0"/>
-              <a:t>14</a:t>
+              <a:t>12</a:t>
             </a:fld>
             <a:endParaRPr lang="nl-BE"/>
           </a:p>
@@ -3963,7 +4024,7 @@
     </p:spTree>
     <p:extLst>
       <p:ext uri="{BB962C8B-B14F-4D97-AF65-F5344CB8AC3E}">
-        <p14:creationId xmlns:p14="http://schemas.microsoft.com/office/powerpoint/2010/main" val="3730356823"/>
+        <p14:creationId xmlns:p14="http://schemas.microsoft.com/office/powerpoint/2010/main" val="4229211557"/>
       </p:ext>
     </p:extLst>
   </p:cSld>
@@ -7038,7 +7099,7 @@
           <p:cNvPr id="2" name="Título 1">
             <a:extLst>
               <a:ext uri="{FF2B5EF4-FFF2-40B4-BE49-F238E27FC236}">
-                <a16:creationId xmlns:a16="http://schemas.microsoft.com/office/drawing/2014/main" id="{386202FA-6DFE-7E6F-5E7E-1D0496E8F8D0}"/>
+                <a16:creationId xmlns:a16="http://schemas.microsoft.com/office/drawing/2014/main" id="{0424EA61-8827-8572-A25B-F27A0372F1A1}"/>
               </a:ext>
             </a:extLst>
           </p:cNvPr>
@@ -7056,11 +7117,7 @@
           <a:p>
             <a:r>
               <a:rPr lang="pt-BR" dirty="0"/>
-              <a:t>Vantagens </a:t>
-            </a:r>
-            <a:r>
-              <a:rPr lang="pt-BR"/>
-              <a:t>do escalonamento</a:t>
+              <a:t>Vantagens do escalonamento de atributos</a:t>
             </a:r>
           </a:p>
         </p:txBody>
@@ -7070,7 +7127,7 @@
           <p:cNvPr id="3" name="Espaço Reservado para Conteúdo 2">
             <a:extLst>
               <a:ext uri="{FF2B5EF4-FFF2-40B4-BE49-F238E27FC236}">
-                <a16:creationId xmlns:a16="http://schemas.microsoft.com/office/drawing/2014/main" id="{0DF4505A-C335-CE37-4202-0BD88935D5CF}"/>
+                <a16:creationId xmlns:a16="http://schemas.microsoft.com/office/drawing/2014/main" id="{845E4B59-80A8-56C0-25C4-BFA92D9C3922}"/>
               </a:ext>
             </a:extLst>
           </p:cNvPr>
@@ -7081,184 +7138,288 @@
             <p:ph idx="1"/>
           </p:nvPr>
         </p:nvSpPr>
-        <p:spPr/>
+        <p:spPr>
+          <a:xfrm>
+            <a:off x="838199" y="1825624"/>
+            <a:ext cx="11219121" cy="2931859"/>
+          </a:xfrm>
+        </p:spPr>
         <p:txBody>
           <a:bodyPr>
-            <a:normAutofit fontScale="25000" lnSpcReduction="20000"/>
+            <a:normAutofit/>
           </a:bodyPr>
           <a:lstStyle/>
           <a:p>
             <a:r>
               <a:rPr lang="pt-BR" dirty="0"/>
-              <a:t>O escalonamento de atributos é uma etapa de pré-processamento comum no treinamento de modelos de </a:t>
-            </a:r>
-            <a:r>
-              <a:rPr lang="pt-BR" dirty="0" err="1"/>
-              <a:t>machine</a:t>
+              <a:t>Possibilita a </a:t>
+            </a:r>
+            <a:r>
+              <a:rPr lang="pt-BR" b="1" i="1" dirty="0">
+                <a:solidFill>
+                  <a:srgbClr val="00B050"/>
+                </a:solidFill>
+              </a:rPr>
+              <a:t>comparação justa do peso/influência</a:t>
             </a:r>
             <a:r>
               <a:rPr lang="pt-BR" dirty="0"/>
-              <a:t> </a:t>
-            </a:r>
-            <a:r>
-              <a:rPr lang="pt-BR" dirty="0" err="1"/>
-              <a:t>learning</a:t>
+              <a:t> de cada </a:t>
+            </a:r>
+            <a:r>
+              <a:rPr lang="pt-BR" b="1" i="1" dirty="0"/>
+              <a:t>atributo</a:t>
             </a:r>
             <a:r>
               <a:rPr lang="pt-BR" dirty="0"/>
-              <a:t>. Suas vantagens incluem:</a:t>
-            </a:r>
-          </a:p>
-          <a:p>
+              <a:t> no modelo.</a:t>
+            </a:r>
+          </a:p>
+          <a:p>
+            <a:pPr lvl="1">
+              <a:buFont typeface="Wingdings" panose="05000000000000000000" pitchFamily="2" charset="2"/>
+              <a:buChar char="§"/>
+            </a:pPr>
+            <a:r>
+              <a:rPr lang="pt-BR" dirty="0"/>
+              <a:t>P</a:t>
+            </a:r>
+            <a:r>
+              <a:rPr lang="pt-BR" b="0" i="0" dirty="0">
+                <a:effectLst/>
+              </a:rPr>
+              <a:t>ois os pesos representam o impacto relativo dos atributos nas predições.</a:t>
+            </a:r>
+          </a:p>
+          <a:p>
+            <a:r>
+              <a:rPr lang="pt-BR" dirty="0"/>
+              <a:t>Evita que </a:t>
+            </a:r>
+            <a:r>
+              <a:rPr lang="pt-BR" b="1" i="1" dirty="0">
+                <a:solidFill>
+                  <a:srgbClr val="00B050"/>
+                </a:solidFill>
+              </a:rPr>
+              <a:t>atributos com escalas muito diferentes dominem o processo de treinamento</a:t>
+            </a:r>
+            <a:r>
+              <a:rPr lang="pt-BR" dirty="0"/>
+              <a:t>. </a:t>
+            </a:r>
+          </a:p>
+          <a:p>
+            <a:pPr lvl="1">
+              <a:buFont typeface="Wingdings" panose="05000000000000000000" pitchFamily="2" charset="2"/>
+              <a:buChar char="§"/>
+            </a:pPr>
+            <a:r>
+              <a:rPr lang="pt-BR" i="0" dirty="0">
+                <a:effectLst/>
+              </a:rPr>
+              <a:t>Sem escalonamento, o modelo </a:t>
+            </a:r>
+            <a:r>
+              <a:rPr lang="pt-BR" dirty="0"/>
+              <a:t>pode</a:t>
+            </a:r>
+            <a:r>
+              <a:rPr lang="pt-BR" i="0" dirty="0">
+                <a:effectLst/>
+              </a:rPr>
+              <a:t> dar mais importância a </a:t>
+            </a:r>
+            <a:r>
+              <a:rPr lang="pt-BR" dirty="0"/>
+              <a:t>atributos com intervalos maiores </a:t>
+            </a:r>
+            <a:r>
+              <a:rPr lang="pt-BR" i="0" dirty="0">
+                <a:effectLst/>
+              </a:rPr>
+              <a:t>e menos importância aos atributos com intervalos menores.</a:t>
+            </a:r>
             <a:endParaRPr lang="pt-BR" dirty="0"/>
-          </a:p>
-          <a:p>
-            <a:r>
-              <a:rPr lang="pt-BR" dirty="0"/>
-              <a:t>1. **Melhor convergência:** O escalonamento de atributos pode ajudar algoritmos de otimização, como o gradiente descendente, a convergir mais rapidamente. Quando os atributos estão em escalas semelhantes, o algoritmo pode encontrar o mínimo global da função de erro de forma mais eficiente.</a:t>
-            </a:r>
-          </a:p>
-          <a:p>
-            <a:endParaRPr lang="pt-BR" dirty="0"/>
-          </a:p>
-          <a:p>
-            <a:r>
-              <a:rPr lang="pt-BR" dirty="0"/>
-              <a:t>2. **Prevenção de domínio:** Evita que atributos com escalas muito diferentes dominem o processo de treinamento. Sem escalonamento, atributos com escalas maiores podem ter um impacto desproporcional no modelo, levando a um viés indesejado.</a:t>
-            </a:r>
-          </a:p>
-          <a:p>
-            <a:endParaRPr lang="pt-BR" dirty="0"/>
-          </a:p>
-          <a:p>
-            <a:r>
-              <a:rPr lang="pt-BR" dirty="0"/>
-              <a:t>3. **Estabilidade numérica:** O escalonamento ajuda a manter a estabilidade numérica durante o treinamento, reduzindo a probabilidade de problemas de precisão numérica que podem ocorrer em algoritmos de aprendizado de máquina.</a:t>
-            </a:r>
-          </a:p>
-          <a:p>
-            <a:endParaRPr lang="pt-BR" dirty="0"/>
-          </a:p>
-          <a:p>
-            <a:r>
-              <a:rPr lang="pt-BR" dirty="0"/>
-              <a:t>4. **Interpretação mais fácil:** A interpretação dos coeficientes em modelos lineares, como regressão linear, é mais direta quando os atributos são escalonados, pois os coeficientes representam o impacto relativo dos atributos nas previsões.</a:t>
-            </a:r>
-          </a:p>
-          <a:p>
-            <a:endParaRPr lang="pt-BR" dirty="0"/>
-          </a:p>
-          <a:p>
-            <a:r>
-              <a:rPr lang="pt-BR" dirty="0"/>
-              <a:t>5. **Compatibilidade com algoritmos sensíveis à escala:** Alguns algoritmos, como o k-</a:t>
-            </a:r>
-            <a:r>
-              <a:rPr lang="pt-BR" dirty="0" err="1"/>
-              <a:t>means</a:t>
-            </a:r>
-            <a:r>
-              <a:rPr lang="pt-BR" dirty="0"/>
-              <a:t>, SVM (</a:t>
-            </a:r>
-            <a:r>
-              <a:rPr lang="pt-BR" dirty="0" err="1"/>
-              <a:t>Support</a:t>
-            </a:r>
-            <a:r>
-              <a:rPr lang="pt-BR" dirty="0"/>
-              <a:t> Vector </a:t>
-            </a:r>
-            <a:r>
-              <a:rPr lang="pt-BR" dirty="0" err="1"/>
-              <a:t>Machine</a:t>
-            </a:r>
-            <a:r>
-              <a:rPr lang="pt-BR" dirty="0"/>
-              <a:t>) e PCA (Principal </a:t>
-            </a:r>
-            <a:r>
-              <a:rPr lang="pt-BR" dirty="0" err="1"/>
-              <a:t>Component</a:t>
-            </a:r>
-            <a:r>
-              <a:rPr lang="pt-BR" dirty="0"/>
-              <a:t> </a:t>
-            </a:r>
-            <a:r>
-              <a:rPr lang="pt-BR" dirty="0" err="1"/>
-              <a:t>Analysis</a:t>
-            </a:r>
-            <a:r>
-              <a:rPr lang="pt-BR" dirty="0"/>
-              <a:t>), são sensíveis à escala dos atributos. O escalonamento torna esses algoritmos mais eficazes.</a:t>
-            </a:r>
-          </a:p>
-          <a:p>
-            <a:endParaRPr lang="pt-BR" dirty="0"/>
-          </a:p>
-          <a:p>
-            <a:r>
-              <a:rPr lang="pt-BR" dirty="0"/>
-              <a:t>6. **Redução do risco de </a:t>
-            </a:r>
-            <a:r>
-              <a:rPr lang="pt-BR" dirty="0" err="1"/>
-              <a:t>overfitting</a:t>
-            </a:r>
-            <a:r>
-              <a:rPr lang="pt-BR" dirty="0"/>
-              <a:t>:** O escalonamento adequado pode reduzir o risco de </a:t>
-            </a:r>
-            <a:r>
-              <a:rPr lang="pt-BR" dirty="0" err="1"/>
-              <a:t>overfitting</a:t>
-            </a:r>
-            <a:r>
-              <a:rPr lang="pt-BR" dirty="0"/>
-              <a:t>, tornando mais difícil para o modelo se ajustar demais aos dados de treinamento.</a:t>
-            </a:r>
-          </a:p>
-          <a:p>
-            <a:endParaRPr lang="pt-BR" dirty="0"/>
-          </a:p>
-          <a:p>
-            <a:r>
-              <a:rPr lang="pt-BR" dirty="0"/>
-              <a:t>7. **Maior generalização:** Um modelo treinado com atributos escalonados adequadamente é mais propenso a generalizar bem para novos dados, pois os efeitos da escala não são específicos dos dados de treinamento.</a:t>
-            </a:r>
-          </a:p>
-          <a:p>
-            <a:endParaRPr lang="pt-BR" dirty="0"/>
-          </a:p>
-          <a:p>
-            <a:r>
-              <a:rPr lang="pt-BR" dirty="0"/>
-              <a:t>Existem diferentes técnicas de escalonamento, como normalização (escala entre 0 e 1) e padronização (com média zero e desvio padrão um), e a escolha depende do problema e do tipo de algoritmo de </a:t>
-            </a:r>
-            <a:r>
-              <a:rPr lang="pt-BR" dirty="0" err="1"/>
-              <a:t>machine</a:t>
-            </a:r>
-            <a:r>
-              <a:rPr lang="pt-BR" dirty="0"/>
-              <a:t> </a:t>
-            </a:r>
-            <a:r>
-              <a:rPr lang="pt-BR" dirty="0" err="1"/>
-              <a:t>learning</a:t>
-            </a:r>
-            <a:r>
-              <a:rPr lang="pt-BR" dirty="0"/>
-              <a:t>. Em muitos casos, a normalização é usada quando se deseja que os dados estejam na mesma faixa, e a padronização é usada quando se deseja que os dados tenham média zero e variância unitária. A escolha da técnica de escalonamento deve ser feita com base nas características do conjunto de dados e no algoritmo que está sendo usado.</a:t>
-            </a:r>
           </a:p>
         </p:txBody>
       </p:sp>
+      <p:sp>
+        <p:nvSpPr>
+          <p:cNvPr id="4" name="Down Arrow 6">
+            <a:extLst>
+              <a:ext uri="{FF2B5EF4-FFF2-40B4-BE49-F238E27FC236}">
+                <a16:creationId xmlns:a16="http://schemas.microsoft.com/office/drawing/2014/main" id="{9EC0A304-6BF7-0106-1DCD-0BAE870C81A4}"/>
+              </a:ext>
+            </a:extLst>
+          </p:cNvPr>
+          <p:cNvSpPr/>
+          <p:nvPr/>
+        </p:nvSpPr>
+        <p:spPr>
+          <a:xfrm rot="16200000">
+            <a:off x="5895975" y="5422447"/>
+            <a:ext cx="400050" cy="485775"/>
+          </a:xfrm>
+          <a:prstGeom prst="downArrow">
+            <a:avLst/>
+          </a:prstGeom>
+        </p:spPr>
+        <p:style>
+          <a:lnRef idx="2">
+            <a:schemeClr val="accent1">
+              <a:shade val="50000"/>
+            </a:schemeClr>
+          </a:lnRef>
+          <a:fillRef idx="1">
+            <a:schemeClr val="accent1"/>
+          </a:fillRef>
+          <a:effectRef idx="0">
+            <a:schemeClr val="accent1"/>
+          </a:effectRef>
+          <a:fontRef idx="minor">
+            <a:schemeClr val="lt1"/>
+          </a:fontRef>
+        </p:style>
+        <p:txBody>
+          <a:bodyPr rtlCol="0" anchor="ctr"/>
+          <a:lstStyle/>
+          <a:p>
+            <a:pPr algn="ctr"/>
+            <a:endParaRPr lang="pt-BR"/>
+          </a:p>
+        </p:txBody>
+      </p:sp>
+      <p:sp>
+        <p:nvSpPr>
+          <p:cNvPr id="5" name="TextBox 7">
+            <a:extLst>
+              <a:ext uri="{FF2B5EF4-FFF2-40B4-BE49-F238E27FC236}">
+                <a16:creationId xmlns:a16="http://schemas.microsoft.com/office/drawing/2014/main" id="{4A9A665F-F9C1-E9D6-8F71-7AA8D3C1A3D0}"/>
+              </a:ext>
+            </a:extLst>
+          </p:cNvPr>
+          <p:cNvSpPr txBox="1"/>
+          <p:nvPr/>
+        </p:nvSpPr>
+        <p:spPr>
+          <a:xfrm>
+            <a:off x="5421394" y="5157533"/>
+            <a:ext cx="1349213" cy="307777"/>
+          </a:xfrm>
+          <a:prstGeom prst="rect">
+            <a:avLst/>
+          </a:prstGeom>
+          <a:noFill/>
+        </p:spPr>
+        <p:txBody>
+          <a:bodyPr wrap="square" rtlCol="0">
+            <a:spAutoFit/>
+          </a:bodyPr>
+          <a:lstStyle/>
+          <a:p>
+            <a:pPr algn="ctr"/>
+            <a:r>
+              <a:rPr lang="pt-BR" sz="1400" dirty="0"/>
+              <a:t>Escalonamento</a:t>
+            </a:r>
+          </a:p>
+        </p:txBody>
+      </p:sp>
+      <p:pic>
+        <p:nvPicPr>
+          <p:cNvPr id="6" name="Picture 2">
+            <a:extLst>
+              <a:ext uri="{FF2B5EF4-FFF2-40B4-BE49-F238E27FC236}">
+                <a16:creationId xmlns:a16="http://schemas.microsoft.com/office/drawing/2014/main" id="{05750B62-6E28-097F-4641-70369CB0DA15}"/>
+              </a:ext>
+            </a:extLst>
+          </p:cNvPr>
+          <p:cNvPicPr>
+            <a:picLocks noChangeAspect="1" noChangeArrowheads="1"/>
+          </p:cNvPicPr>
+          <p:nvPr/>
+        </p:nvPicPr>
+        <p:blipFill rotWithShape="1">
+          <a:blip r:embed="rId3">
+            <a:extLst>
+              <a:ext uri="{28A0092B-C50C-407E-A947-70E740481C1C}">
+                <a14:useLocalDpi xmlns:a14="http://schemas.microsoft.com/office/drawing/2010/main" val="0"/>
+              </a:ext>
+            </a:extLst>
+          </a:blip>
+          <a:srcRect l="3452"/>
+          <a:stretch/>
+        </p:blipFill>
+        <p:spPr bwMode="auto">
+          <a:xfrm>
+            <a:off x="353579" y="4666591"/>
+            <a:ext cx="4955058" cy="2186973"/>
+          </a:xfrm>
+          <a:prstGeom prst="rect">
+            <a:avLst/>
+          </a:prstGeom>
+          <a:noFill/>
+          <a:extLst>
+            <a:ext uri="{909E8E84-426E-40DD-AFC4-6F175D3DCCD1}">
+              <a14:hiddenFill xmlns:a14="http://schemas.microsoft.com/office/drawing/2010/main">
+                <a:solidFill>
+                  <a:srgbClr val="FFFFFF"/>
+                </a:solidFill>
+              </a14:hiddenFill>
+            </a:ext>
+          </a:extLst>
+        </p:spPr>
+      </p:pic>
+      <p:pic>
+        <p:nvPicPr>
+          <p:cNvPr id="7" name="Picture 4">
+            <a:extLst>
+              <a:ext uri="{FF2B5EF4-FFF2-40B4-BE49-F238E27FC236}">
+                <a16:creationId xmlns:a16="http://schemas.microsoft.com/office/drawing/2014/main" id="{AF50A6F5-3CB0-7A2B-3781-AABE8B9214A7}"/>
+              </a:ext>
+            </a:extLst>
+          </p:cNvPr>
+          <p:cNvPicPr>
+            <a:picLocks noChangeAspect="1" noChangeArrowheads="1"/>
+          </p:cNvPicPr>
+          <p:nvPr/>
+        </p:nvPicPr>
+        <p:blipFill rotWithShape="1">
+          <a:blip r:embed="rId4">
+            <a:extLst>
+              <a:ext uri="{28A0092B-C50C-407E-A947-70E740481C1C}">
+                <a14:useLocalDpi xmlns:a14="http://schemas.microsoft.com/office/drawing/2010/main" val="0"/>
+              </a:ext>
+            </a:extLst>
+          </a:blip>
+          <a:srcRect l="2445" r="670"/>
+          <a:stretch/>
+        </p:blipFill>
+        <p:spPr bwMode="auto">
+          <a:xfrm>
+            <a:off x="7029837" y="4691710"/>
+            <a:ext cx="4955058" cy="2161855"/>
+          </a:xfrm>
+          <a:prstGeom prst="rect">
+            <a:avLst/>
+          </a:prstGeom>
+          <a:noFill/>
+          <a:extLst>
+            <a:ext uri="{909E8E84-426E-40DD-AFC4-6F175D3DCCD1}">
+              <a14:hiddenFill xmlns:a14="http://schemas.microsoft.com/office/drawing/2010/main">
+                <a:solidFill>
+                  <a:srgbClr val="FFFFFF"/>
+                </a:solidFill>
+              </a14:hiddenFill>
+            </a:ext>
+          </a:extLst>
+        </p:spPr>
+      </p:pic>
     </p:spTree>
     <p:extLst>
       <p:ext uri="{BB962C8B-B14F-4D97-AF65-F5344CB8AC3E}">
-        <p14:creationId xmlns:p14="http://schemas.microsoft.com/office/powerpoint/2010/main" val="1511606830"/>
+        <p14:creationId xmlns:p14="http://schemas.microsoft.com/office/powerpoint/2010/main" val="1314305518"/>
       </p:ext>
     </p:extLst>
   </p:cSld>
@@ -7269,36 +7430,6 @@
 </file>
 
 <file path=ppt/slides/slide11.xml><?xml version="1.0" encoding="utf-8"?>
-<p:sld xmlns:a="http://schemas.openxmlformats.org/drawingml/2006/main" xmlns:r="http://schemas.openxmlformats.org/officeDocument/2006/relationships" xmlns:p="http://schemas.openxmlformats.org/presentationml/2006/main">
-  <p:cSld>
-    <p:spTree>
-      <p:nvGrpSpPr>
-        <p:cNvPr id="1" name=""/>
-        <p:cNvGrpSpPr/>
-        <p:nvPr/>
-      </p:nvGrpSpPr>
-      <p:grpSpPr>
-        <a:xfrm>
-          <a:off x="0" y="0"/>
-          <a:ext cx="0" cy="0"/>
-          <a:chOff x="0" y="0"/>
-          <a:chExt cx="0" cy="0"/>
-        </a:xfrm>
-      </p:grpSpPr>
-    </p:spTree>
-    <p:extLst>
-      <p:ext uri="{BB962C8B-B14F-4D97-AF65-F5344CB8AC3E}">
-        <p14:creationId xmlns:p14="http://schemas.microsoft.com/office/powerpoint/2010/main" val="3034592918"/>
-      </p:ext>
-    </p:extLst>
-  </p:cSld>
-  <p:clrMapOvr>
-    <a:masterClrMapping/>
-  </p:clrMapOvr>
-</p:sld>
-</file>
-
-<file path=ppt/slides/slide12.xml><?xml version="1.0" encoding="utf-8"?>
 <p:sld xmlns:a="http://schemas.openxmlformats.org/drawingml/2006/main" xmlns:r="http://schemas.openxmlformats.org/officeDocument/2006/relationships" xmlns:p="http://schemas.openxmlformats.org/presentationml/2006/main">
   <p:cSld>
     <p:spTree>
@@ -7378,4781 +7509,7 @@
 </p:sld>
 </file>
 
-<file path=ppt/slides/slide13.xml><?xml version="1.0" encoding="utf-8"?>
-<p:sld xmlns:a="http://schemas.openxmlformats.org/drawingml/2006/main" xmlns:r="http://schemas.openxmlformats.org/officeDocument/2006/relationships" xmlns:p="http://schemas.openxmlformats.org/presentationml/2006/main">
-  <p:cSld>
-    <p:spTree>
-      <p:nvGrpSpPr>
-        <p:cNvPr id="1" name=""/>
-        <p:cNvGrpSpPr/>
-        <p:nvPr/>
-      </p:nvGrpSpPr>
-      <p:grpSpPr>
-        <a:xfrm>
-          <a:off x="0" y="0"/>
-          <a:ext cx="0" cy="0"/>
-          <a:chOff x="0" y="0"/>
-          <a:chExt cx="0" cy="0"/>
-        </a:xfrm>
-      </p:grpSpPr>
-      <p:pic>
-        <p:nvPicPr>
-          <p:cNvPr id="6" name="Picture 5"/>
-          <p:cNvPicPr>
-            <a:picLocks noChangeAspect="1"/>
-          </p:cNvPicPr>
-          <p:nvPr/>
-        </p:nvPicPr>
-        <p:blipFill rotWithShape="1">
-          <a:blip r:embed="rId3" cstate="print">
-            <a:extLst>
-              <a:ext uri="{28A0092B-C50C-407E-A947-70E740481C1C}">
-                <a14:useLocalDpi xmlns:a14="http://schemas.microsoft.com/office/drawing/2010/main" val="0"/>
-              </a:ext>
-            </a:extLst>
-          </a:blip>
-          <a:srcRect l="10625" t="19499" r="28607" b="15042"/>
-          <a:stretch/>
-        </p:blipFill>
-        <p:spPr>
-          <a:xfrm>
-            <a:off x="8939286" y="68240"/>
-            <a:ext cx="3202636" cy="3449856"/>
-          </a:xfrm>
-          <a:prstGeom prst="rect">
-            <a:avLst/>
-          </a:prstGeom>
-        </p:spPr>
-      </p:pic>
-      <p:sp>
-        <p:nvSpPr>
-          <p:cNvPr id="2" name="Título 1">
-            <a:extLst>
-              <a:ext uri="{FF2B5EF4-FFF2-40B4-BE49-F238E27FC236}">
-                <a16:creationId xmlns:a16="http://schemas.microsoft.com/office/drawing/2014/main" id="{793142C1-FD08-4328-BCCB-5521CEABA2E7}"/>
-              </a:ext>
-            </a:extLst>
-          </p:cNvPr>
-          <p:cNvSpPr>
-            <a:spLocks noGrp="1"/>
-          </p:cNvSpPr>
-          <p:nvPr>
-            <p:ph type="title"/>
-          </p:nvPr>
-        </p:nvSpPr>
-        <p:spPr/>
-        <p:txBody>
-          <a:bodyPr/>
-          <a:lstStyle/>
-          <a:p>
-            <a:r>
-              <a:rPr lang="pt-BR" dirty="0"/>
-              <a:t>Escalonamento de Atributos</a:t>
-            </a:r>
-          </a:p>
-        </p:txBody>
-      </p:sp>
-      <mc:AlternateContent xmlns:mc="http://schemas.openxmlformats.org/markup-compatibility/2006" xmlns:a14="http://schemas.microsoft.com/office/drawing/2010/main">
-        <mc:Choice Requires="a14">
-          <p:sp>
-            <p:nvSpPr>
-              <p:cNvPr id="4" name="Content Placeholder 2">
-                <a:extLst>
-                  <a:ext uri="{FF2B5EF4-FFF2-40B4-BE49-F238E27FC236}">
-                    <a16:creationId xmlns:a16="http://schemas.microsoft.com/office/drawing/2014/main" id="{C1642F2F-7A09-459E-9D90-1D9D3103E685}"/>
-                  </a:ext>
-                </a:extLst>
-              </p:cNvPr>
-              <p:cNvSpPr>
-                <a:spLocks noGrp="1"/>
-              </p:cNvSpPr>
-              <p:nvPr>
-                <p:ph idx="1"/>
-              </p:nvPr>
-            </p:nvSpPr>
-            <p:spPr>
-              <a:xfrm>
-                <a:off x="838200" y="1690686"/>
-                <a:ext cx="9372600" cy="5167313"/>
-              </a:xfrm>
-            </p:spPr>
-            <p:txBody>
-              <a:bodyPr>
-                <a:normAutofit fontScale="85000" lnSpcReduction="20000"/>
-              </a:bodyPr>
-              <a:lstStyle/>
-              <a:p>
-                <a:r>
-                  <a:rPr lang="pt-BR" dirty="0"/>
-                  <a:t>Dada a seguinte equação hipótese, </a:t>
-                </a:r>
-                <a14:m>
-                  <m:oMath xmlns:m="http://schemas.openxmlformats.org/officeDocument/2006/math">
-                    <m:r>
-                      <a:rPr lang="pt-BR" i="1">
-                        <a:latin typeface="Cambria Math" panose="02040503050406030204" pitchFamily="18" charset="0"/>
-                        <a:ea typeface="Cambria Math" panose="02040503050406030204" pitchFamily="18" charset="0"/>
-                      </a:rPr>
-                      <m:t>h</m:t>
-                    </m:r>
-                    <m:d>
-                      <m:dPr>
-                        <m:ctrlPr>
-                          <a:rPr lang="pt-BR" b="1" i="1">
-                            <a:latin typeface="Cambria Math" panose="02040503050406030204" pitchFamily="18" charset="0"/>
-                            <a:ea typeface="Cambria Math" panose="02040503050406030204" pitchFamily="18" charset="0"/>
-                          </a:rPr>
-                        </m:ctrlPr>
-                      </m:dPr>
-                      <m:e>
-                        <m:r>
-                          <a:rPr lang="pt-BR" b="1" i="1">
-                            <a:latin typeface="Cambria Math" panose="02040503050406030204" pitchFamily="18" charset="0"/>
-                            <a:ea typeface="Cambria Math" panose="02040503050406030204" pitchFamily="18" charset="0"/>
-                          </a:rPr>
-                          <m:t>𝒙</m:t>
-                        </m:r>
-                      </m:e>
-                    </m:d>
-                  </m:oMath>
-                </a14:m>
-                <a:endParaRPr lang="pt-BR" dirty="0"/>
-              </a:p>
-              <a:p>
-                <a:pPr marL="0" indent="0" algn="ctr">
-                  <a:buNone/>
-                </a:pPr>
-                <a14:m>
-                  <m:oMath xmlns:m="http://schemas.openxmlformats.org/officeDocument/2006/math">
-                    <m:acc>
-                      <m:accPr>
-                        <m:chr m:val="̂"/>
-                        <m:ctrlPr>
-                          <a:rPr lang="pt-BR" b="0" i="1" smtClean="0">
-                            <a:latin typeface="Cambria Math" panose="02040503050406030204" pitchFamily="18" charset="0"/>
-                          </a:rPr>
-                        </m:ctrlPr>
-                      </m:accPr>
-                      <m:e>
-                        <m:r>
-                          <a:rPr lang="pt-BR" b="0" i="1" smtClean="0">
-                            <a:latin typeface="Cambria Math" panose="02040503050406030204" pitchFamily="18" charset="0"/>
-                          </a:rPr>
-                          <m:t>𝑦</m:t>
-                        </m:r>
-                      </m:e>
-                    </m:acc>
-                    <m:d>
-                      <m:dPr>
-                        <m:ctrlPr>
-                          <a:rPr lang="pt-BR" b="0" i="1" smtClean="0">
-                            <a:latin typeface="Cambria Math" panose="02040503050406030204" pitchFamily="18" charset="0"/>
-                          </a:rPr>
-                        </m:ctrlPr>
-                      </m:dPr>
-                      <m:e>
-                        <m:r>
-                          <a:rPr lang="pt-BR" b="0" i="1" smtClean="0">
-                            <a:latin typeface="Cambria Math" panose="02040503050406030204" pitchFamily="18" charset="0"/>
-                          </a:rPr>
-                          <m:t>𝑛</m:t>
-                        </m:r>
-                      </m:e>
-                    </m:d>
-                    <m:r>
-                      <a:rPr lang="pt-BR" b="0" i="1" smtClean="0">
-                        <a:latin typeface="Cambria Math" panose="02040503050406030204" pitchFamily="18" charset="0"/>
-                      </a:rPr>
-                      <m:t>= </m:t>
-                    </m:r>
-                    <m:r>
-                      <a:rPr lang="pt-BR" b="0" i="1" smtClean="0">
-                        <a:latin typeface="Cambria Math" panose="02040503050406030204" pitchFamily="18" charset="0"/>
-                      </a:rPr>
-                      <m:t>h</m:t>
-                    </m:r>
-                    <m:d>
-                      <m:dPr>
-                        <m:ctrlPr>
-                          <a:rPr lang="pt-BR" b="0" i="1" smtClean="0">
-                            <a:latin typeface="Cambria Math" panose="02040503050406030204" pitchFamily="18" charset="0"/>
-                          </a:rPr>
-                        </m:ctrlPr>
-                      </m:dPr>
-                      <m:e>
-                        <m:r>
-                          <a:rPr lang="pt-BR" b="1" i="1" smtClean="0">
-                            <a:latin typeface="Cambria Math" panose="02040503050406030204" pitchFamily="18" charset="0"/>
-                          </a:rPr>
-                          <m:t>𝒙</m:t>
-                        </m:r>
-                        <m:d>
-                          <m:dPr>
-                            <m:ctrlPr>
-                              <a:rPr lang="pt-BR" b="0" i="1" smtClean="0">
-                                <a:latin typeface="Cambria Math" panose="02040503050406030204" pitchFamily="18" charset="0"/>
-                              </a:rPr>
-                            </m:ctrlPr>
-                          </m:dPr>
-                          <m:e>
-                            <m:r>
-                              <a:rPr lang="pt-BR" b="0" i="1" smtClean="0">
-                                <a:latin typeface="Cambria Math" panose="02040503050406030204" pitchFamily="18" charset="0"/>
-                              </a:rPr>
-                              <m:t>𝑛</m:t>
-                            </m:r>
-                          </m:e>
-                        </m:d>
-                      </m:e>
-                    </m:d>
-                    <m:r>
-                      <a:rPr lang="pt-BR" b="0" i="1" smtClean="0">
-                        <a:latin typeface="Cambria Math" panose="02040503050406030204" pitchFamily="18" charset="0"/>
-                      </a:rPr>
-                      <m:t>=</m:t>
-                    </m:r>
-                    <m:acc>
-                      <m:accPr>
-                        <m:chr m:val="̂"/>
-                        <m:ctrlPr>
-                          <a:rPr lang="pt-BR" i="1">
-                            <a:latin typeface="Cambria Math" panose="02040503050406030204" pitchFamily="18" charset="0"/>
-                          </a:rPr>
-                        </m:ctrlPr>
-                      </m:accPr>
-                      <m:e>
-                        <m:sSub>
-                          <m:sSubPr>
-                            <m:ctrlPr>
-                              <a:rPr lang="pt-BR" i="1">
-                                <a:latin typeface="Cambria Math" panose="02040503050406030204" pitchFamily="18" charset="0"/>
-                              </a:rPr>
-                            </m:ctrlPr>
-                          </m:sSubPr>
-                          <m:e>
-                            <m:r>
-                              <a:rPr lang="pt-BR" i="1">
-                                <a:latin typeface="Cambria Math" panose="02040503050406030204" pitchFamily="18" charset="0"/>
-                              </a:rPr>
-                              <m:t>𝑎</m:t>
-                            </m:r>
-                          </m:e>
-                          <m:sub>
-                            <m:r>
-                              <a:rPr lang="pt-BR" i="1">
-                                <a:latin typeface="Cambria Math" panose="02040503050406030204" pitchFamily="18" charset="0"/>
-                              </a:rPr>
-                              <m:t>1</m:t>
-                            </m:r>
-                          </m:sub>
-                        </m:sSub>
-                      </m:e>
-                    </m:acc>
-                    <m:sSub>
-                      <m:sSubPr>
-                        <m:ctrlPr>
-                          <a:rPr lang="pt-BR" i="1">
-                            <a:latin typeface="Cambria Math" panose="02040503050406030204" pitchFamily="18" charset="0"/>
-                          </a:rPr>
-                        </m:ctrlPr>
-                      </m:sSubPr>
-                      <m:e>
-                        <m:r>
-                          <a:rPr lang="pt-BR" i="1">
-                            <a:latin typeface="Cambria Math" panose="02040503050406030204" pitchFamily="18" charset="0"/>
-                          </a:rPr>
-                          <m:t>𝑥</m:t>
-                        </m:r>
-                      </m:e>
-                      <m:sub>
-                        <m:r>
-                          <a:rPr lang="pt-BR" b="0" i="1" smtClean="0">
-                            <a:latin typeface="Cambria Math" panose="02040503050406030204" pitchFamily="18" charset="0"/>
-                          </a:rPr>
-                          <m:t>1</m:t>
-                        </m:r>
-                      </m:sub>
-                    </m:sSub>
-                    <m:d>
-                      <m:dPr>
-                        <m:ctrlPr>
-                          <a:rPr lang="pt-BR" i="1">
-                            <a:latin typeface="Cambria Math" panose="02040503050406030204" pitchFamily="18" charset="0"/>
-                          </a:rPr>
-                        </m:ctrlPr>
-                      </m:dPr>
-                      <m:e>
-                        <m:r>
-                          <a:rPr lang="pt-BR" b="0" i="1" smtClean="0">
-                            <a:latin typeface="Cambria Math" panose="02040503050406030204" pitchFamily="18" charset="0"/>
-                          </a:rPr>
-                          <m:t>𝑛</m:t>
-                        </m:r>
-                      </m:e>
-                    </m:d>
-                    <m:r>
-                      <a:rPr lang="pt-BR" b="0" i="1" smtClean="0">
-                        <a:latin typeface="Cambria Math" panose="02040503050406030204" pitchFamily="18" charset="0"/>
-                      </a:rPr>
-                      <m:t>+</m:t>
-                    </m:r>
-                    <m:acc>
-                      <m:accPr>
-                        <m:chr m:val="̂"/>
-                        <m:ctrlPr>
-                          <a:rPr lang="pt-BR" i="1">
-                            <a:latin typeface="Cambria Math" panose="02040503050406030204" pitchFamily="18" charset="0"/>
-                          </a:rPr>
-                        </m:ctrlPr>
-                      </m:accPr>
-                      <m:e>
-                        <m:sSub>
-                          <m:sSubPr>
-                            <m:ctrlPr>
-                              <a:rPr lang="pt-BR" i="1">
-                                <a:latin typeface="Cambria Math" panose="02040503050406030204" pitchFamily="18" charset="0"/>
-                              </a:rPr>
-                            </m:ctrlPr>
-                          </m:sSubPr>
-                          <m:e>
-                            <m:r>
-                              <a:rPr lang="pt-BR" i="1">
-                                <a:latin typeface="Cambria Math" panose="02040503050406030204" pitchFamily="18" charset="0"/>
-                              </a:rPr>
-                              <m:t>𝑎</m:t>
-                            </m:r>
-                          </m:e>
-                          <m:sub>
-                            <m:r>
-                              <a:rPr lang="pt-BR" b="0" i="1" smtClean="0">
-                                <a:latin typeface="Cambria Math" panose="02040503050406030204" pitchFamily="18" charset="0"/>
-                              </a:rPr>
-                              <m:t>2</m:t>
-                            </m:r>
-                          </m:sub>
-                        </m:sSub>
-                      </m:e>
-                    </m:acc>
-                    <m:sSub>
-                      <m:sSubPr>
-                        <m:ctrlPr>
-                          <a:rPr lang="pt-BR" i="1">
-                            <a:latin typeface="Cambria Math" panose="02040503050406030204" pitchFamily="18" charset="0"/>
-                          </a:rPr>
-                        </m:ctrlPr>
-                      </m:sSubPr>
-                      <m:e>
-                        <m:r>
-                          <a:rPr lang="pt-BR" i="1">
-                            <a:latin typeface="Cambria Math" panose="02040503050406030204" pitchFamily="18" charset="0"/>
-                          </a:rPr>
-                          <m:t>𝑥</m:t>
-                        </m:r>
-                      </m:e>
-                      <m:sub>
-                        <m:r>
-                          <a:rPr lang="pt-BR" b="0" i="1" smtClean="0">
-                            <a:latin typeface="Cambria Math" panose="02040503050406030204" pitchFamily="18" charset="0"/>
-                          </a:rPr>
-                          <m:t>2</m:t>
-                        </m:r>
-                      </m:sub>
-                    </m:sSub>
-                    <m:d>
-                      <m:dPr>
-                        <m:ctrlPr>
-                          <a:rPr lang="pt-BR" i="1">
-                            <a:latin typeface="Cambria Math" panose="02040503050406030204" pitchFamily="18" charset="0"/>
-                          </a:rPr>
-                        </m:ctrlPr>
-                      </m:dPr>
-                      <m:e>
-                        <m:r>
-                          <a:rPr lang="pt-BR" b="0" i="1" smtClean="0">
-                            <a:latin typeface="Cambria Math" panose="02040503050406030204" pitchFamily="18" charset="0"/>
-                          </a:rPr>
-                          <m:t>𝑛</m:t>
-                        </m:r>
-                      </m:e>
-                    </m:d>
-                  </m:oMath>
-                </a14:m>
-                <a:r>
-                  <a:rPr lang="pt-BR" dirty="0"/>
-                  <a:t>.</a:t>
-                </a:r>
-              </a:p>
-              <a:p>
-                <a:r>
-                  <a:rPr lang="pt-BR" dirty="0"/>
-                  <a:t>A função de erro é dada por</a:t>
-                </a:r>
-              </a:p>
-              <a:p>
-                <a:pPr marL="0" indent="0" algn="ctr">
-                  <a:buNone/>
-                </a:pPr>
-                <a14:m>
-                  <m:oMath xmlns:m="http://schemas.openxmlformats.org/officeDocument/2006/math">
-                    <m:sSub>
-                      <m:sSubPr>
-                        <m:ctrlPr>
-                          <a:rPr lang="pt-BR" i="1" smtClean="0">
-                            <a:latin typeface="Cambria Math" panose="02040503050406030204" pitchFamily="18" charset="0"/>
-                          </a:rPr>
-                        </m:ctrlPr>
-                      </m:sSubPr>
-                      <m:e>
-                        <m:r>
-                          <a:rPr lang="pt-BR" b="0" i="1" smtClean="0">
-                            <a:latin typeface="Cambria Math" panose="02040503050406030204" pitchFamily="18" charset="0"/>
-                          </a:rPr>
-                          <m:t>𝐽</m:t>
-                        </m:r>
-                      </m:e>
-                      <m:sub>
-                        <m:r>
-                          <a:rPr lang="pt-BR" b="0" i="1" smtClean="0">
-                            <a:latin typeface="Cambria Math" panose="02040503050406030204" pitchFamily="18" charset="0"/>
-                          </a:rPr>
-                          <m:t>𝑒</m:t>
-                        </m:r>
-                      </m:sub>
-                    </m:sSub>
-                    <m:d>
-                      <m:dPr>
-                        <m:ctrlPr>
-                          <a:rPr lang="pt-BR" b="0" i="1" smtClean="0">
-                            <a:latin typeface="Cambria Math" panose="02040503050406030204" pitchFamily="18" charset="0"/>
-                          </a:rPr>
-                        </m:ctrlPr>
-                      </m:dPr>
-                      <m:e>
-                        <m:r>
-                          <a:rPr lang="pt-BR" b="1" i="1">
-                            <a:latin typeface="Cambria Math" panose="02040503050406030204" pitchFamily="18" charset="0"/>
-                            <a:ea typeface="Cambria Math" panose="02040503050406030204" pitchFamily="18" charset="0"/>
-                          </a:rPr>
-                          <m:t>𝒂</m:t>
-                        </m:r>
-                      </m:e>
-                    </m:d>
-                    <m:r>
-                      <a:rPr lang="pt-BR" b="0" i="1" smtClean="0">
-                        <a:latin typeface="Cambria Math" panose="02040503050406030204" pitchFamily="18" charset="0"/>
-                      </a:rPr>
-                      <m:t>=</m:t>
-                    </m:r>
-                    <m:f>
-                      <m:fPr>
-                        <m:ctrlPr>
-                          <a:rPr lang="pt-BR" i="1">
-                            <a:latin typeface="Cambria Math" panose="02040503050406030204" pitchFamily="18" charset="0"/>
-                          </a:rPr>
-                        </m:ctrlPr>
-                      </m:fPr>
-                      <m:num>
-                        <m:r>
-                          <a:rPr lang="pt-BR" i="1">
-                            <a:latin typeface="Cambria Math" panose="02040503050406030204" pitchFamily="18" charset="0"/>
-                          </a:rPr>
-                          <m:t>1</m:t>
-                        </m:r>
-                      </m:num>
-                      <m:den>
-                        <m:r>
-                          <a:rPr lang="pt-BR" i="1">
-                            <a:latin typeface="Cambria Math" panose="02040503050406030204" pitchFamily="18" charset="0"/>
-                          </a:rPr>
-                          <m:t>𝑁</m:t>
-                        </m:r>
-                      </m:den>
-                    </m:f>
-                    <m:nary>
-                      <m:naryPr>
-                        <m:chr m:val="∑"/>
-                        <m:ctrlPr>
-                          <a:rPr lang="pt-BR" i="1" smtClean="0">
-                            <a:latin typeface="Cambria Math" panose="02040503050406030204" pitchFamily="18" charset="0"/>
-                          </a:rPr>
-                        </m:ctrlPr>
-                      </m:naryPr>
-                      <m:sub>
-                        <m:r>
-                          <a:rPr lang="pt-BR" b="0" i="1" smtClean="0">
-                            <a:latin typeface="Cambria Math" panose="02040503050406030204" pitchFamily="18" charset="0"/>
-                          </a:rPr>
-                          <m:t>𝑛</m:t>
-                        </m:r>
-                        <m:r>
-                          <a:rPr lang="pt-BR" i="1">
-                            <a:latin typeface="Cambria Math" panose="02040503050406030204" pitchFamily="18" charset="0"/>
-                          </a:rPr>
-                          <m:t>=0</m:t>
-                        </m:r>
-                      </m:sub>
-                      <m:sup>
-                        <m:r>
-                          <a:rPr lang="pt-BR" i="1">
-                            <a:latin typeface="Cambria Math" panose="02040503050406030204" pitchFamily="18" charset="0"/>
-                          </a:rPr>
-                          <m:t>𝑁</m:t>
-                        </m:r>
-                        <m:r>
-                          <a:rPr lang="pt-BR" i="1">
-                            <a:latin typeface="Cambria Math" panose="02040503050406030204" pitchFamily="18" charset="0"/>
-                          </a:rPr>
-                          <m:t>−1</m:t>
-                        </m:r>
-                      </m:sup>
-                      <m:e>
-                        <m:sSup>
-                          <m:sSupPr>
-                            <m:ctrlPr>
-                              <a:rPr lang="pt-BR" i="1" smtClean="0">
-                                <a:latin typeface="Cambria Math" panose="02040503050406030204" pitchFamily="18" charset="0"/>
-                              </a:rPr>
-                            </m:ctrlPr>
-                          </m:sSupPr>
-                          <m:e>
-                            <m:d>
-                              <m:dPr>
-                                <m:begChr m:val="["/>
-                                <m:endChr m:val="]"/>
-                                <m:ctrlPr>
-                                  <a:rPr lang="pt-BR" i="1" smtClean="0">
-                                    <a:latin typeface="Cambria Math" panose="02040503050406030204" pitchFamily="18" charset="0"/>
-                                  </a:rPr>
-                                </m:ctrlPr>
-                              </m:dPr>
-                              <m:e>
-                                <m:sSub>
-                                  <m:sSubPr>
-                                    <m:ctrlPr>
-                                      <a:rPr lang="pt-BR" i="1">
-                                        <a:latin typeface="Cambria Math" panose="02040503050406030204" pitchFamily="18" charset="0"/>
-                                      </a:rPr>
-                                    </m:ctrlPr>
-                                  </m:sSubPr>
-                                  <m:e>
-                                    <m:r>
-                                      <a:rPr lang="pt-BR" i="1">
-                                        <a:latin typeface="Cambria Math" panose="02040503050406030204" pitchFamily="18" charset="0"/>
-                                      </a:rPr>
-                                      <m:t>𝑦</m:t>
-                                    </m:r>
-                                  </m:e>
-                                  <m:sub>
-                                    <m:r>
-                                      <m:rPr>
-                                        <m:sty m:val="p"/>
-                                      </m:rPr>
-                                      <a:rPr lang="pt-BR">
-                                        <a:latin typeface="Cambria Math" panose="02040503050406030204" pitchFamily="18" charset="0"/>
-                                      </a:rPr>
-                                      <m:t>noisy</m:t>
-                                    </m:r>
-                                  </m:sub>
-                                </m:sSub>
-                                <m:r>
-                                  <a:rPr lang="pt-BR" i="1">
-                                    <a:latin typeface="Cambria Math" panose="02040503050406030204" pitchFamily="18" charset="0"/>
-                                  </a:rPr>
-                                  <m:t>(</m:t>
-                                </m:r>
-                                <m:r>
-                                  <a:rPr lang="pt-BR" i="1">
-                                    <a:latin typeface="Cambria Math" panose="02040503050406030204" pitchFamily="18" charset="0"/>
-                                  </a:rPr>
-                                  <m:t>𝑛</m:t>
-                                </m:r>
-                                <m:r>
-                                  <a:rPr lang="pt-BR" i="1">
-                                    <a:latin typeface="Cambria Math" panose="02040503050406030204" pitchFamily="18" charset="0"/>
-                                  </a:rPr>
-                                  <m:t>)−</m:t>
-                                </m:r>
-                                <m:d>
-                                  <m:dPr>
-                                    <m:ctrlPr>
-                                      <a:rPr lang="pt-BR" i="1" smtClean="0">
-                                        <a:latin typeface="Cambria Math" panose="02040503050406030204" pitchFamily="18" charset="0"/>
-                                      </a:rPr>
-                                    </m:ctrlPr>
-                                  </m:dPr>
-                                  <m:e>
-                                    <m:acc>
-                                      <m:accPr>
-                                        <m:chr m:val="̂"/>
-                                        <m:ctrlPr>
-                                          <a:rPr lang="pt-BR" i="1">
-                                            <a:latin typeface="Cambria Math" panose="02040503050406030204" pitchFamily="18" charset="0"/>
-                                          </a:rPr>
-                                        </m:ctrlPr>
-                                      </m:accPr>
-                                      <m:e>
-                                        <m:sSub>
-                                          <m:sSubPr>
-                                            <m:ctrlPr>
-                                              <a:rPr lang="pt-BR" i="1">
-                                                <a:latin typeface="Cambria Math" panose="02040503050406030204" pitchFamily="18" charset="0"/>
-                                              </a:rPr>
-                                            </m:ctrlPr>
-                                          </m:sSubPr>
-                                          <m:e>
-                                            <m:r>
-                                              <a:rPr lang="pt-BR" i="1">
-                                                <a:latin typeface="Cambria Math" panose="02040503050406030204" pitchFamily="18" charset="0"/>
-                                              </a:rPr>
-                                              <m:t>𝑎</m:t>
-                                            </m:r>
-                                          </m:e>
-                                          <m:sub>
-                                            <m:r>
-                                              <a:rPr lang="pt-BR" i="1">
-                                                <a:latin typeface="Cambria Math" panose="02040503050406030204" pitchFamily="18" charset="0"/>
-                                              </a:rPr>
-                                              <m:t>1</m:t>
-                                            </m:r>
-                                          </m:sub>
-                                        </m:sSub>
-                                      </m:e>
-                                    </m:acc>
-                                    <m:sSub>
-                                      <m:sSubPr>
-                                        <m:ctrlPr>
-                                          <a:rPr lang="pt-BR" i="1">
-                                            <a:latin typeface="Cambria Math" panose="02040503050406030204" pitchFamily="18" charset="0"/>
-                                          </a:rPr>
-                                        </m:ctrlPr>
-                                      </m:sSubPr>
-                                      <m:e>
-                                        <m:r>
-                                          <a:rPr lang="pt-BR" i="1">
-                                            <a:latin typeface="Cambria Math" panose="02040503050406030204" pitchFamily="18" charset="0"/>
-                                          </a:rPr>
-                                          <m:t>𝑥</m:t>
-                                        </m:r>
-                                      </m:e>
-                                      <m:sub>
-                                        <m:r>
-                                          <a:rPr lang="pt-BR" i="1">
-                                            <a:latin typeface="Cambria Math" panose="02040503050406030204" pitchFamily="18" charset="0"/>
-                                          </a:rPr>
-                                          <m:t>1</m:t>
-                                        </m:r>
-                                      </m:sub>
-                                    </m:sSub>
-                                    <m:d>
-                                      <m:dPr>
-                                        <m:ctrlPr>
-                                          <a:rPr lang="pt-BR" i="1">
-                                            <a:latin typeface="Cambria Math" panose="02040503050406030204" pitchFamily="18" charset="0"/>
-                                          </a:rPr>
-                                        </m:ctrlPr>
-                                      </m:dPr>
-                                      <m:e>
-                                        <m:r>
-                                          <a:rPr lang="pt-BR" i="1">
-                                            <a:latin typeface="Cambria Math" panose="02040503050406030204" pitchFamily="18" charset="0"/>
-                                          </a:rPr>
-                                          <m:t>𝑛</m:t>
-                                        </m:r>
-                                      </m:e>
-                                    </m:d>
-                                    <m:r>
-                                      <a:rPr lang="pt-BR" i="1">
-                                        <a:latin typeface="Cambria Math" panose="02040503050406030204" pitchFamily="18" charset="0"/>
-                                      </a:rPr>
-                                      <m:t>+</m:t>
-                                    </m:r>
-                                    <m:acc>
-                                      <m:accPr>
-                                        <m:chr m:val="̂"/>
-                                        <m:ctrlPr>
-                                          <a:rPr lang="pt-BR" i="1">
-                                            <a:latin typeface="Cambria Math" panose="02040503050406030204" pitchFamily="18" charset="0"/>
-                                          </a:rPr>
-                                        </m:ctrlPr>
-                                      </m:accPr>
-                                      <m:e>
-                                        <m:sSub>
-                                          <m:sSubPr>
-                                            <m:ctrlPr>
-                                              <a:rPr lang="pt-BR" i="1">
-                                                <a:latin typeface="Cambria Math" panose="02040503050406030204" pitchFamily="18" charset="0"/>
-                                              </a:rPr>
-                                            </m:ctrlPr>
-                                          </m:sSubPr>
-                                          <m:e>
-                                            <m:r>
-                                              <a:rPr lang="pt-BR" i="1">
-                                                <a:latin typeface="Cambria Math" panose="02040503050406030204" pitchFamily="18" charset="0"/>
-                                              </a:rPr>
-                                              <m:t>𝑎</m:t>
-                                            </m:r>
-                                          </m:e>
-                                          <m:sub>
-                                            <m:r>
-                                              <a:rPr lang="pt-BR" i="1">
-                                                <a:latin typeface="Cambria Math" panose="02040503050406030204" pitchFamily="18" charset="0"/>
-                                              </a:rPr>
-                                              <m:t>2</m:t>
-                                            </m:r>
-                                          </m:sub>
-                                        </m:sSub>
-                                      </m:e>
-                                    </m:acc>
-                                    <m:sSub>
-                                      <m:sSubPr>
-                                        <m:ctrlPr>
-                                          <a:rPr lang="pt-BR" i="1">
-                                            <a:latin typeface="Cambria Math" panose="02040503050406030204" pitchFamily="18" charset="0"/>
-                                          </a:rPr>
-                                        </m:ctrlPr>
-                                      </m:sSubPr>
-                                      <m:e>
-                                        <m:r>
-                                          <a:rPr lang="pt-BR" i="1">
-                                            <a:latin typeface="Cambria Math" panose="02040503050406030204" pitchFamily="18" charset="0"/>
-                                          </a:rPr>
-                                          <m:t>𝑥</m:t>
-                                        </m:r>
-                                      </m:e>
-                                      <m:sub>
-                                        <m:r>
-                                          <a:rPr lang="pt-BR" i="1">
-                                            <a:latin typeface="Cambria Math" panose="02040503050406030204" pitchFamily="18" charset="0"/>
-                                          </a:rPr>
-                                          <m:t>2</m:t>
-                                        </m:r>
-                                      </m:sub>
-                                    </m:sSub>
-                                    <m:d>
-                                      <m:dPr>
-                                        <m:ctrlPr>
-                                          <a:rPr lang="pt-BR" i="1">
-                                            <a:latin typeface="Cambria Math" panose="02040503050406030204" pitchFamily="18" charset="0"/>
-                                          </a:rPr>
-                                        </m:ctrlPr>
-                                      </m:dPr>
-                                      <m:e>
-                                        <m:r>
-                                          <a:rPr lang="pt-BR" i="1">
-                                            <a:latin typeface="Cambria Math" panose="02040503050406030204" pitchFamily="18" charset="0"/>
-                                          </a:rPr>
-                                          <m:t>𝑛</m:t>
-                                        </m:r>
-                                      </m:e>
-                                    </m:d>
-                                  </m:e>
-                                </m:d>
-                              </m:e>
-                            </m:d>
-                          </m:e>
-                          <m:sup>
-                            <m:r>
-                              <a:rPr lang="pt-BR" b="0" i="1" smtClean="0">
-                                <a:latin typeface="Cambria Math" panose="02040503050406030204" pitchFamily="18" charset="0"/>
-                              </a:rPr>
-                              <m:t>2</m:t>
-                            </m:r>
-                          </m:sup>
-                        </m:sSup>
-                      </m:e>
-                    </m:nary>
-                  </m:oMath>
-                </a14:m>
-                <a:r>
-                  <a:rPr lang="pt-BR" dirty="0"/>
-                  <a:t>.</a:t>
-                </a:r>
-              </a:p>
-              <a:p>
-                <a:r>
-                  <a:rPr lang="pt-BR" dirty="0"/>
-                  <a:t>Caso </a:t>
-                </a:r>
-                <a14:m>
-                  <m:oMath xmlns:m="http://schemas.openxmlformats.org/officeDocument/2006/math">
-                    <m:sSub>
-                      <m:sSubPr>
-                        <m:ctrlPr>
-                          <a:rPr lang="pt-BR" i="1">
-                            <a:latin typeface="Cambria Math" panose="02040503050406030204" pitchFamily="18" charset="0"/>
-                          </a:rPr>
-                        </m:ctrlPr>
-                      </m:sSubPr>
-                      <m:e>
-                        <m:r>
-                          <a:rPr lang="pt-BR" i="1">
-                            <a:latin typeface="Cambria Math" panose="02040503050406030204" pitchFamily="18" charset="0"/>
-                          </a:rPr>
-                          <m:t>𝑥</m:t>
-                        </m:r>
-                      </m:e>
-                      <m:sub>
-                        <m:r>
-                          <a:rPr lang="pt-BR" i="1">
-                            <a:latin typeface="Cambria Math" panose="02040503050406030204" pitchFamily="18" charset="0"/>
-                          </a:rPr>
-                          <m:t>1</m:t>
-                        </m:r>
-                      </m:sub>
-                    </m:sSub>
-                    <m:d>
-                      <m:dPr>
-                        <m:ctrlPr>
-                          <a:rPr lang="pt-BR" b="0" i="1" smtClean="0">
-                            <a:latin typeface="Cambria Math" panose="02040503050406030204" pitchFamily="18" charset="0"/>
-                          </a:rPr>
-                        </m:ctrlPr>
-                      </m:dPr>
-                      <m:e>
-                        <m:r>
-                          <a:rPr lang="pt-BR" b="0" i="1" smtClean="0">
-                            <a:latin typeface="Cambria Math" panose="02040503050406030204" pitchFamily="18" charset="0"/>
-                          </a:rPr>
-                          <m:t>𝑛</m:t>
-                        </m:r>
-                      </m:e>
-                    </m:d>
-                    <m:r>
-                      <a:rPr lang="pt-BR" b="0" i="1" smtClean="0">
-                        <a:latin typeface="Cambria Math" panose="02040503050406030204" pitchFamily="18" charset="0"/>
-                        <a:ea typeface="Cambria Math" panose="02040503050406030204" pitchFamily="18" charset="0"/>
-                      </a:rPr>
-                      <m:t>≫</m:t>
-                    </m:r>
-                    <m:sSub>
-                      <m:sSubPr>
-                        <m:ctrlPr>
-                          <a:rPr lang="pt-BR" i="1">
-                            <a:latin typeface="Cambria Math" panose="02040503050406030204" pitchFamily="18" charset="0"/>
-                          </a:rPr>
-                        </m:ctrlPr>
-                      </m:sSubPr>
-                      <m:e>
-                        <m:r>
-                          <a:rPr lang="pt-BR" i="1">
-                            <a:latin typeface="Cambria Math" panose="02040503050406030204" pitchFamily="18" charset="0"/>
-                          </a:rPr>
-                          <m:t>𝑥</m:t>
-                        </m:r>
-                      </m:e>
-                      <m:sub>
-                        <m:r>
-                          <a:rPr lang="pt-BR" b="0" i="1" smtClean="0">
-                            <a:latin typeface="Cambria Math" panose="02040503050406030204" pitchFamily="18" charset="0"/>
-                          </a:rPr>
-                          <m:t>2</m:t>
-                        </m:r>
-                      </m:sub>
-                    </m:sSub>
-                    <m:d>
-                      <m:dPr>
-                        <m:ctrlPr>
-                          <a:rPr lang="pt-BR" b="0" i="1" smtClean="0">
-                            <a:latin typeface="Cambria Math" panose="02040503050406030204" pitchFamily="18" charset="0"/>
-                          </a:rPr>
-                        </m:ctrlPr>
-                      </m:dPr>
-                      <m:e>
-                        <m:r>
-                          <a:rPr lang="pt-BR" b="0" i="1" smtClean="0">
-                            <a:latin typeface="Cambria Math" panose="02040503050406030204" pitchFamily="18" charset="0"/>
-                          </a:rPr>
-                          <m:t>𝑛</m:t>
-                        </m:r>
-                      </m:e>
-                    </m:d>
-                    <m:r>
-                      <a:rPr lang="pt-BR" b="0" i="1" smtClean="0">
-                        <a:latin typeface="Cambria Math" panose="02040503050406030204" pitchFamily="18" charset="0"/>
-                      </a:rPr>
-                      <m:t>, </m:t>
-                    </m:r>
-                    <m:r>
-                      <a:rPr lang="pt-BR" b="0" i="1" smtClean="0">
-                        <a:latin typeface="Cambria Math" panose="02040503050406030204" pitchFamily="18" charset="0"/>
-                        <a:ea typeface="Cambria Math" panose="02040503050406030204" pitchFamily="18" charset="0"/>
-                      </a:rPr>
-                      <m:t>∀</m:t>
-                    </m:r>
-                    <m:r>
-                      <a:rPr lang="pt-BR" b="0" i="1" smtClean="0">
-                        <a:latin typeface="Cambria Math" panose="02040503050406030204" pitchFamily="18" charset="0"/>
-                        <a:ea typeface="Cambria Math" panose="02040503050406030204" pitchFamily="18" charset="0"/>
-                      </a:rPr>
-                      <m:t>𝑖</m:t>
-                    </m:r>
-                  </m:oMath>
-                </a14:m>
-                <a:r>
-                  <a:rPr lang="pt-BR" dirty="0"/>
-                  <a:t>, então </a:t>
-                </a:r>
-                <a14:m>
-                  <m:oMath xmlns:m="http://schemas.openxmlformats.org/officeDocument/2006/math">
-                    <m:sSub>
-                      <m:sSubPr>
-                        <m:ctrlPr>
-                          <a:rPr lang="pt-BR" i="1">
-                            <a:latin typeface="Cambria Math" panose="02040503050406030204" pitchFamily="18" charset="0"/>
-                          </a:rPr>
-                        </m:ctrlPr>
-                      </m:sSubPr>
-                      <m:e>
-                        <m:r>
-                          <a:rPr lang="pt-BR" i="1">
-                            <a:latin typeface="Cambria Math" panose="02040503050406030204" pitchFamily="18" charset="0"/>
-                          </a:rPr>
-                          <m:t>𝑥</m:t>
-                        </m:r>
-                      </m:e>
-                      <m:sub>
-                        <m:r>
-                          <a:rPr lang="pt-BR" i="1">
-                            <a:latin typeface="Cambria Math" panose="02040503050406030204" pitchFamily="18" charset="0"/>
-                          </a:rPr>
-                          <m:t>1</m:t>
-                        </m:r>
-                      </m:sub>
-                    </m:sSub>
-                    <m:d>
-                      <m:dPr>
-                        <m:ctrlPr>
-                          <a:rPr lang="pt-BR" i="1">
-                            <a:latin typeface="Cambria Math" panose="02040503050406030204" pitchFamily="18" charset="0"/>
-                          </a:rPr>
-                        </m:ctrlPr>
-                      </m:dPr>
-                      <m:e>
-                        <m:r>
-                          <a:rPr lang="pt-BR" i="1">
-                            <a:latin typeface="Cambria Math" panose="02040503050406030204" pitchFamily="18" charset="0"/>
-                          </a:rPr>
-                          <m:t>𝑛</m:t>
-                        </m:r>
-                      </m:e>
-                    </m:d>
-                  </m:oMath>
-                </a14:m>
-                <a:r>
-                  <a:rPr lang="pt-BR" dirty="0"/>
-                  <a:t> tem uma influência maior no erro resultante, o que pode ser expresso de forma aproximada como</a:t>
-                </a:r>
-              </a:p>
-              <a:p>
-                <a:pPr marL="0" indent="0" algn="ctr">
-                  <a:buNone/>
-                </a:pPr>
-                <a14:m>
-                  <m:oMath xmlns:m="http://schemas.openxmlformats.org/officeDocument/2006/math">
-                    <m:sSub>
-                      <m:sSubPr>
-                        <m:ctrlPr>
-                          <a:rPr lang="pt-BR" i="1">
-                            <a:latin typeface="Cambria Math" panose="02040503050406030204" pitchFamily="18" charset="0"/>
-                          </a:rPr>
-                        </m:ctrlPr>
-                      </m:sSubPr>
-                      <m:e>
-                        <m:r>
-                          <a:rPr lang="pt-BR" i="1">
-                            <a:latin typeface="Cambria Math" panose="02040503050406030204" pitchFamily="18" charset="0"/>
-                          </a:rPr>
-                          <m:t>𝐽</m:t>
-                        </m:r>
-                      </m:e>
-                      <m:sub>
-                        <m:r>
-                          <a:rPr lang="pt-BR" i="1">
-                            <a:latin typeface="Cambria Math" panose="02040503050406030204" pitchFamily="18" charset="0"/>
-                          </a:rPr>
-                          <m:t>𝑒</m:t>
-                        </m:r>
-                      </m:sub>
-                    </m:sSub>
-                    <m:d>
-                      <m:dPr>
-                        <m:ctrlPr>
-                          <a:rPr lang="pt-BR" i="1">
-                            <a:latin typeface="Cambria Math" panose="02040503050406030204" pitchFamily="18" charset="0"/>
-                          </a:rPr>
-                        </m:ctrlPr>
-                      </m:dPr>
-                      <m:e>
-                        <m:r>
-                          <a:rPr lang="pt-BR" b="1" i="1">
-                            <a:latin typeface="Cambria Math" panose="02040503050406030204" pitchFamily="18" charset="0"/>
-                            <a:ea typeface="Cambria Math" panose="02040503050406030204" pitchFamily="18" charset="0"/>
-                          </a:rPr>
-                          <m:t>𝒂</m:t>
-                        </m:r>
-                      </m:e>
-                    </m:d>
-                    <m:r>
-                      <a:rPr lang="pt-BR" i="1" smtClean="0">
-                        <a:latin typeface="Cambria Math" panose="02040503050406030204" pitchFamily="18" charset="0"/>
-                        <a:ea typeface="Cambria Math" panose="02040503050406030204" pitchFamily="18" charset="0"/>
-                      </a:rPr>
-                      <m:t>≈</m:t>
-                    </m:r>
-                    <m:f>
-                      <m:fPr>
-                        <m:ctrlPr>
-                          <a:rPr lang="pt-BR" i="1">
-                            <a:latin typeface="Cambria Math" panose="02040503050406030204" pitchFamily="18" charset="0"/>
-                          </a:rPr>
-                        </m:ctrlPr>
-                      </m:fPr>
-                      <m:num>
-                        <m:r>
-                          <a:rPr lang="pt-BR" i="1">
-                            <a:latin typeface="Cambria Math" panose="02040503050406030204" pitchFamily="18" charset="0"/>
-                          </a:rPr>
-                          <m:t>1</m:t>
-                        </m:r>
-                      </m:num>
-                      <m:den>
-                        <m:r>
-                          <a:rPr lang="pt-BR" i="1">
-                            <a:latin typeface="Cambria Math" panose="02040503050406030204" pitchFamily="18" charset="0"/>
-                          </a:rPr>
-                          <m:t>𝑁</m:t>
-                        </m:r>
-                      </m:den>
-                    </m:f>
-                    <m:nary>
-                      <m:naryPr>
-                        <m:chr m:val="∑"/>
-                        <m:ctrlPr>
-                          <a:rPr lang="pt-BR" i="1">
-                            <a:latin typeface="Cambria Math" panose="02040503050406030204" pitchFamily="18" charset="0"/>
-                          </a:rPr>
-                        </m:ctrlPr>
-                      </m:naryPr>
-                      <m:sub>
-                        <m:r>
-                          <a:rPr lang="pt-BR" b="0" i="1" smtClean="0">
-                            <a:latin typeface="Cambria Math" panose="02040503050406030204" pitchFamily="18" charset="0"/>
-                          </a:rPr>
-                          <m:t>𝑛</m:t>
-                        </m:r>
-                        <m:r>
-                          <a:rPr lang="pt-BR" i="1">
-                            <a:latin typeface="Cambria Math" panose="02040503050406030204" pitchFamily="18" charset="0"/>
-                          </a:rPr>
-                          <m:t>=0</m:t>
-                        </m:r>
-                      </m:sub>
-                      <m:sup>
-                        <m:r>
-                          <a:rPr lang="pt-BR" i="1">
-                            <a:latin typeface="Cambria Math" panose="02040503050406030204" pitchFamily="18" charset="0"/>
-                          </a:rPr>
-                          <m:t>𝑁</m:t>
-                        </m:r>
-                        <m:r>
-                          <a:rPr lang="pt-BR" i="1">
-                            <a:latin typeface="Cambria Math" panose="02040503050406030204" pitchFamily="18" charset="0"/>
-                          </a:rPr>
-                          <m:t>−1</m:t>
-                        </m:r>
-                      </m:sup>
-                      <m:e>
-                        <m:sSup>
-                          <m:sSupPr>
-                            <m:ctrlPr>
-                              <a:rPr lang="pt-BR" i="1">
-                                <a:latin typeface="Cambria Math" panose="02040503050406030204" pitchFamily="18" charset="0"/>
-                              </a:rPr>
-                            </m:ctrlPr>
-                          </m:sSupPr>
-                          <m:e>
-                            <m:d>
-                              <m:dPr>
-                                <m:begChr m:val="["/>
-                                <m:endChr m:val="]"/>
-                                <m:ctrlPr>
-                                  <a:rPr lang="pt-BR" i="1">
-                                    <a:latin typeface="Cambria Math" panose="02040503050406030204" pitchFamily="18" charset="0"/>
-                                  </a:rPr>
-                                </m:ctrlPr>
-                              </m:dPr>
-                              <m:e>
-                                <m:sSub>
-                                  <m:sSubPr>
-                                    <m:ctrlPr>
-                                      <a:rPr lang="pt-BR" i="1">
-                                        <a:latin typeface="Cambria Math" panose="02040503050406030204" pitchFamily="18" charset="0"/>
-                                      </a:rPr>
-                                    </m:ctrlPr>
-                                  </m:sSubPr>
-                                  <m:e>
-                                    <m:r>
-                                      <a:rPr lang="pt-BR" i="1">
-                                        <a:latin typeface="Cambria Math" panose="02040503050406030204" pitchFamily="18" charset="0"/>
-                                      </a:rPr>
-                                      <m:t>𝑦</m:t>
-                                    </m:r>
-                                  </m:e>
-                                  <m:sub>
-                                    <m:r>
-                                      <m:rPr>
-                                        <m:sty m:val="p"/>
-                                      </m:rPr>
-                                      <a:rPr lang="pt-BR">
-                                        <a:latin typeface="Cambria Math" panose="02040503050406030204" pitchFamily="18" charset="0"/>
-                                      </a:rPr>
-                                      <m:t>noisy</m:t>
-                                    </m:r>
-                                  </m:sub>
-                                </m:sSub>
-                                <m:r>
-                                  <a:rPr lang="pt-BR" i="1">
-                                    <a:latin typeface="Cambria Math" panose="02040503050406030204" pitchFamily="18" charset="0"/>
-                                  </a:rPr>
-                                  <m:t>(</m:t>
-                                </m:r>
-                                <m:r>
-                                  <a:rPr lang="pt-BR" i="1">
-                                    <a:latin typeface="Cambria Math" panose="02040503050406030204" pitchFamily="18" charset="0"/>
-                                  </a:rPr>
-                                  <m:t>𝑛</m:t>
-                                </m:r>
-                                <m:r>
-                                  <a:rPr lang="pt-BR" i="1">
-                                    <a:latin typeface="Cambria Math" panose="02040503050406030204" pitchFamily="18" charset="0"/>
-                                  </a:rPr>
-                                  <m:t>)−</m:t>
-                                </m:r>
-                                <m:sSub>
-                                  <m:sSubPr>
-                                    <m:ctrlPr>
-                                      <a:rPr lang="pt-BR" i="1">
-                                        <a:latin typeface="Cambria Math" panose="02040503050406030204" pitchFamily="18" charset="0"/>
-                                      </a:rPr>
-                                    </m:ctrlPr>
-                                  </m:sSubPr>
-                                  <m:e>
-                                    <m:acc>
-                                      <m:accPr>
-                                        <m:chr m:val="̂"/>
-                                        <m:ctrlPr>
-                                          <a:rPr lang="pt-BR" i="1">
-                                            <a:latin typeface="Cambria Math" panose="02040503050406030204" pitchFamily="18" charset="0"/>
-                                          </a:rPr>
-                                        </m:ctrlPr>
-                                      </m:accPr>
-                                      <m:e>
-                                        <m:sSub>
-                                          <m:sSubPr>
-                                            <m:ctrlPr>
-                                              <a:rPr lang="pt-BR" i="1">
-                                                <a:latin typeface="Cambria Math" panose="02040503050406030204" pitchFamily="18" charset="0"/>
-                                              </a:rPr>
-                                            </m:ctrlPr>
-                                          </m:sSubPr>
-                                          <m:e>
-                                            <m:r>
-                                              <a:rPr lang="pt-BR" i="1">
-                                                <a:latin typeface="Cambria Math" panose="02040503050406030204" pitchFamily="18" charset="0"/>
-                                              </a:rPr>
-                                              <m:t>𝑎</m:t>
-                                            </m:r>
-                                          </m:e>
-                                          <m:sub>
-                                            <m:r>
-                                              <a:rPr lang="pt-BR" i="1">
-                                                <a:latin typeface="Cambria Math" panose="02040503050406030204" pitchFamily="18" charset="0"/>
-                                              </a:rPr>
-                                              <m:t>1</m:t>
-                                            </m:r>
-                                          </m:sub>
-                                        </m:sSub>
-                                      </m:e>
-                                    </m:acc>
-                                    <m:r>
-                                      <a:rPr lang="pt-BR" i="1">
-                                        <a:latin typeface="Cambria Math" panose="02040503050406030204" pitchFamily="18" charset="0"/>
-                                      </a:rPr>
-                                      <m:t>𝑥</m:t>
-                                    </m:r>
-                                  </m:e>
-                                  <m:sub>
-                                    <m:r>
-                                      <a:rPr lang="pt-BR" i="1">
-                                        <a:latin typeface="Cambria Math" panose="02040503050406030204" pitchFamily="18" charset="0"/>
-                                      </a:rPr>
-                                      <m:t>1</m:t>
-                                    </m:r>
-                                  </m:sub>
-                                </m:sSub>
-                                <m:d>
-                                  <m:dPr>
-                                    <m:ctrlPr>
-                                      <a:rPr lang="pt-BR" i="1">
-                                        <a:latin typeface="Cambria Math" panose="02040503050406030204" pitchFamily="18" charset="0"/>
-                                      </a:rPr>
-                                    </m:ctrlPr>
-                                  </m:dPr>
-                                  <m:e>
-                                    <m:r>
-                                      <a:rPr lang="pt-BR" b="0" i="1" smtClean="0">
-                                        <a:latin typeface="Cambria Math" panose="02040503050406030204" pitchFamily="18" charset="0"/>
-                                      </a:rPr>
-                                      <m:t>𝑛</m:t>
-                                    </m:r>
-                                  </m:e>
-                                </m:d>
-                              </m:e>
-                            </m:d>
-                          </m:e>
-                          <m:sup>
-                            <m:r>
-                              <a:rPr lang="pt-BR" i="1">
-                                <a:latin typeface="Cambria Math" panose="02040503050406030204" pitchFamily="18" charset="0"/>
-                              </a:rPr>
-                              <m:t>2</m:t>
-                            </m:r>
-                          </m:sup>
-                        </m:sSup>
-                      </m:e>
-                    </m:nary>
-                  </m:oMath>
-                </a14:m>
-                <a:r>
-                  <a:rPr lang="pt-BR" dirty="0"/>
-                  <a:t>.</a:t>
-                </a:r>
-              </a:p>
-              <a:p>
-                <a:r>
-                  <a:rPr lang="pt-BR" dirty="0"/>
-                  <a:t>Portanto, o erro entre  </a:t>
-                </a:r>
-                <a14:m>
-                  <m:oMath xmlns:m="http://schemas.openxmlformats.org/officeDocument/2006/math">
-                    <m:sSub>
-                      <m:sSubPr>
-                        <m:ctrlPr>
-                          <a:rPr lang="pt-BR" i="1">
-                            <a:latin typeface="Cambria Math" panose="02040503050406030204" pitchFamily="18" charset="0"/>
-                          </a:rPr>
-                        </m:ctrlPr>
-                      </m:sSubPr>
-                      <m:e>
-                        <m:r>
-                          <a:rPr lang="pt-BR" i="1">
-                            <a:latin typeface="Cambria Math" panose="02040503050406030204" pitchFamily="18" charset="0"/>
-                          </a:rPr>
-                          <m:t>𝑦</m:t>
-                        </m:r>
-                      </m:e>
-                      <m:sub>
-                        <m:r>
-                          <m:rPr>
-                            <m:sty m:val="p"/>
-                          </m:rPr>
-                          <a:rPr lang="pt-BR">
-                            <a:latin typeface="Cambria Math" panose="02040503050406030204" pitchFamily="18" charset="0"/>
-                          </a:rPr>
-                          <m:t>noisy</m:t>
-                        </m:r>
-                      </m:sub>
-                    </m:sSub>
-                    <m:r>
-                      <a:rPr lang="pt-BR">
-                        <a:latin typeface="Cambria Math" panose="02040503050406030204" pitchFamily="18" charset="0"/>
-                        <a:ea typeface="Cambria Math" panose="02040503050406030204" pitchFamily="18" charset="0"/>
-                      </a:rPr>
-                      <m:t> </m:t>
-                    </m:r>
-                    <m:r>
-                      <m:rPr>
-                        <m:sty m:val="p"/>
-                      </m:rPr>
-                      <a:rPr lang="pt-BR">
-                        <a:latin typeface="Cambria Math" panose="02040503050406030204" pitchFamily="18" charset="0"/>
-                        <a:ea typeface="Cambria Math" panose="02040503050406030204" pitchFamily="18" charset="0"/>
-                      </a:rPr>
-                      <m:t>e</m:t>
-                    </m:r>
-                    <m:r>
-                      <a:rPr lang="pt-BR">
-                        <a:latin typeface="Cambria Math" panose="02040503050406030204" pitchFamily="18" charset="0"/>
-                        <a:ea typeface="Cambria Math" panose="02040503050406030204" pitchFamily="18" charset="0"/>
-                      </a:rPr>
-                      <m:t> </m:t>
-                    </m:r>
-                    <m:r>
-                      <a:rPr lang="pt-BR" i="1">
-                        <a:latin typeface="Cambria Math" panose="02040503050406030204" pitchFamily="18" charset="0"/>
-                        <a:ea typeface="Cambria Math" panose="02040503050406030204" pitchFamily="18" charset="0"/>
-                      </a:rPr>
-                      <m:t>h</m:t>
-                    </m:r>
-                    <m:d>
-                      <m:dPr>
-                        <m:ctrlPr>
-                          <a:rPr lang="pt-BR" b="1" i="1">
-                            <a:latin typeface="Cambria Math" panose="02040503050406030204" pitchFamily="18" charset="0"/>
-                            <a:ea typeface="Cambria Math" panose="02040503050406030204" pitchFamily="18" charset="0"/>
-                          </a:rPr>
-                        </m:ctrlPr>
-                      </m:dPr>
-                      <m:e>
-                        <m:r>
-                          <a:rPr lang="pt-BR" b="1" i="1">
-                            <a:latin typeface="Cambria Math" panose="02040503050406030204" pitchFamily="18" charset="0"/>
-                            <a:ea typeface="Cambria Math" panose="02040503050406030204" pitchFamily="18" charset="0"/>
-                          </a:rPr>
-                          <m:t>𝒙</m:t>
-                        </m:r>
-                        <m:d>
-                          <m:dPr>
-                            <m:ctrlPr>
-                              <a:rPr lang="pt-BR" i="1">
-                                <a:latin typeface="Cambria Math" panose="02040503050406030204" pitchFamily="18" charset="0"/>
-                              </a:rPr>
-                            </m:ctrlPr>
-                          </m:dPr>
-                          <m:e>
-                            <m:r>
-                              <a:rPr lang="pt-BR" b="0" i="1" smtClean="0">
-                                <a:latin typeface="Cambria Math" panose="02040503050406030204" pitchFamily="18" charset="0"/>
-                              </a:rPr>
-                              <m:t>𝑛</m:t>
-                            </m:r>
-                          </m:e>
-                        </m:d>
-                      </m:e>
-                    </m:d>
-                  </m:oMath>
-                </a14:m>
-                <a:r>
-                  <a:rPr lang="pt-BR" dirty="0"/>
-                  <a:t> será dominado pelo atributo </a:t>
-                </a:r>
-                <a14:m>
-                  <m:oMath xmlns:m="http://schemas.openxmlformats.org/officeDocument/2006/math">
-                    <m:sSub>
-                      <m:sSubPr>
-                        <m:ctrlPr>
-                          <a:rPr lang="pt-BR" i="1">
-                            <a:latin typeface="Cambria Math" panose="02040503050406030204" pitchFamily="18" charset="0"/>
-                          </a:rPr>
-                        </m:ctrlPr>
-                      </m:sSubPr>
-                      <m:e>
-                        <m:r>
-                          <a:rPr lang="pt-BR" i="1">
-                            <a:latin typeface="Cambria Math" panose="02040503050406030204" pitchFamily="18" charset="0"/>
-                          </a:rPr>
-                          <m:t>𝑥</m:t>
-                        </m:r>
-                      </m:e>
-                      <m:sub>
-                        <m:r>
-                          <a:rPr lang="pt-BR" i="1">
-                            <a:latin typeface="Cambria Math" panose="02040503050406030204" pitchFamily="18" charset="0"/>
-                          </a:rPr>
-                          <m:t>1</m:t>
-                        </m:r>
-                      </m:sub>
-                    </m:sSub>
-                    <m:d>
-                      <m:dPr>
-                        <m:ctrlPr>
-                          <a:rPr lang="pt-BR" i="1">
-                            <a:latin typeface="Cambria Math" panose="02040503050406030204" pitchFamily="18" charset="0"/>
-                          </a:rPr>
-                        </m:ctrlPr>
-                      </m:dPr>
-                      <m:e>
-                        <m:r>
-                          <a:rPr lang="pt-BR" i="1">
-                            <a:latin typeface="Cambria Math" panose="02040503050406030204" pitchFamily="18" charset="0"/>
-                          </a:rPr>
-                          <m:t>𝑛</m:t>
-                        </m:r>
-                      </m:e>
-                    </m:d>
-                  </m:oMath>
-                </a14:m>
-                <a:r>
-                  <a:rPr lang="pt-BR" dirty="0"/>
-                  <a:t> e, portanto, pequenas variações de </a:t>
-                </a:r>
-                <a14:m>
-                  <m:oMath xmlns:m="http://schemas.openxmlformats.org/officeDocument/2006/math">
-                    <m:acc>
-                      <m:accPr>
-                        <m:chr m:val="̂"/>
-                        <m:ctrlPr>
-                          <a:rPr lang="pt-BR" i="1">
-                            <a:latin typeface="Cambria Math" panose="02040503050406030204" pitchFamily="18" charset="0"/>
-                          </a:rPr>
-                        </m:ctrlPr>
-                      </m:accPr>
-                      <m:e>
-                        <m:sSub>
-                          <m:sSubPr>
-                            <m:ctrlPr>
-                              <a:rPr lang="pt-BR" i="1">
-                                <a:latin typeface="Cambria Math" panose="02040503050406030204" pitchFamily="18" charset="0"/>
-                              </a:rPr>
-                            </m:ctrlPr>
-                          </m:sSubPr>
-                          <m:e>
-                            <m:r>
-                              <a:rPr lang="pt-BR" i="1">
-                                <a:latin typeface="Cambria Math" panose="02040503050406030204" pitchFamily="18" charset="0"/>
-                              </a:rPr>
-                              <m:t>𝑎</m:t>
-                            </m:r>
-                          </m:e>
-                          <m:sub>
-                            <m:r>
-                              <a:rPr lang="pt-BR" i="1">
-                                <a:latin typeface="Cambria Math" panose="02040503050406030204" pitchFamily="18" charset="0"/>
-                              </a:rPr>
-                              <m:t>1</m:t>
-                            </m:r>
-                          </m:sub>
-                        </m:sSub>
-                      </m:e>
-                    </m:acc>
-                  </m:oMath>
-                </a14:m>
-                <a:r>
-                  <a:rPr lang="pt-BR" dirty="0"/>
-                  <a:t> fazem com que o erro varie rapidamente.</a:t>
-                </a:r>
-              </a:p>
-              <a:p>
-                <a:pPr algn="just"/>
-                <a:r>
-                  <a:rPr lang="pt-BR" dirty="0"/>
-                  <a:t>A diferença entre as magnitudes dos atributos afeta o desempenho de algoritmos de ML que usam métricas de distância como função de erro.</a:t>
-                </a:r>
-              </a:p>
-              <a:p>
-                <a:pPr lvl="1" algn="just">
-                  <a:buFont typeface="Wingdings" panose="05000000000000000000" pitchFamily="2" charset="2"/>
-                  <a:buChar char="§"/>
-                </a:pPr>
-                <a:r>
-                  <a:rPr lang="pt-BR" dirty="0"/>
-                  <a:t>As diferenças entre as magnitudes dos atributos faz com que as superfícies de erro tenham formato de vale (‘U’ ou ‘V’), </a:t>
-                </a:r>
-                <a:r>
-                  <a:rPr lang="pt-BR" b="1" i="1" dirty="0"/>
-                  <a:t>dificultando a convergência de algoritmos iterativos, como o gradiente descendente (todas as versões)</a:t>
-                </a:r>
-                <a:r>
-                  <a:rPr lang="pt-BR" dirty="0"/>
-                  <a:t>.</a:t>
-                </a:r>
-              </a:p>
-            </p:txBody>
-          </p:sp>
-        </mc:Choice>
-        <mc:Fallback xmlns="">
-          <p:sp>
-            <p:nvSpPr>
-              <p:cNvPr id="4" name="Content Placeholder 2">
-                <a:extLst>
-                  <a:ext uri="{FF2B5EF4-FFF2-40B4-BE49-F238E27FC236}">
-                    <a16:creationId xmlns="" xmlns:a16="http://schemas.microsoft.com/office/drawing/2014/main" xmlns:a14="http://schemas.microsoft.com/office/drawing/2010/main" id="{C1642F2F-7A09-459E-9D90-1D9D3103E685}"/>
-                  </a:ext>
-                </a:extLst>
-              </p:cNvPr>
-              <p:cNvSpPr>
-                <a:spLocks noGrp="1" noRot="1" noChangeAspect="1" noMove="1" noResize="1" noEditPoints="1" noAdjustHandles="1" noChangeArrowheads="1" noChangeShapeType="1" noTextEdit="1"/>
-              </p:cNvSpPr>
-              <p:nvPr>
-                <p:ph idx="1"/>
-              </p:nvPr>
-            </p:nvSpPr>
-            <p:spPr>
-              <a:xfrm>
-                <a:off x="838200" y="1690686"/>
-                <a:ext cx="9372600" cy="5167313"/>
-              </a:xfrm>
-              <a:blipFill rotWithShape="0">
-                <a:blip r:embed="rId4"/>
-                <a:stretch>
-                  <a:fillRect l="-911" t="-2712" r="-1692" b="-590"/>
-                </a:stretch>
-              </a:blipFill>
-            </p:spPr>
-            <p:txBody>
-              <a:bodyPr/>
-              <a:lstStyle/>
-              <a:p>
-                <a:r>
-                  <a:rPr lang="pt-BR">
-                    <a:noFill/>
-                  </a:rPr>
-                  <a:t> </a:t>
-                </a:r>
-              </a:p>
-            </p:txBody>
-          </p:sp>
-        </mc:Fallback>
-      </mc:AlternateContent>
-      <p:cxnSp>
-        <p:nvCxnSpPr>
-          <p:cNvPr id="5" name="Straight Arrow Connector 4"/>
-          <p:cNvCxnSpPr/>
-          <p:nvPr/>
-        </p:nvCxnSpPr>
-        <p:spPr>
-          <a:xfrm flipV="1">
-            <a:off x="10210800" y="2655651"/>
-            <a:ext cx="684179" cy="3621164"/>
-          </a:xfrm>
-          <a:prstGeom prst="straightConnector1">
-            <a:avLst/>
-          </a:prstGeom>
-          <a:ln w="28575">
-            <a:solidFill>
-              <a:srgbClr val="FF0000"/>
-            </a:solidFill>
-            <a:tailEnd type="triangle"/>
-          </a:ln>
-        </p:spPr>
-        <p:style>
-          <a:lnRef idx="1">
-            <a:schemeClr val="accent1"/>
-          </a:lnRef>
-          <a:fillRef idx="0">
-            <a:schemeClr val="accent1"/>
-          </a:fillRef>
-          <a:effectRef idx="0">
-            <a:schemeClr val="accent1"/>
-          </a:effectRef>
-          <a:fontRef idx="minor">
-            <a:schemeClr val="tx1"/>
-          </a:fontRef>
-        </p:style>
-      </p:cxnSp>
-    </p:spTree>
-    <p:extLst>
-      <p:ext uri="{BB962C8B-B14F-4D97-AF65-F5344CB8AC3E}">
-        <p14:creationId xmlns:p14="http://schemas.microsoft.com/office/powerpoint/2010/main" val="3198391139"/>
-      </p:ext>
-    </p:extLst>
-  </p:cSld>
-  <p:clrMapOvr>
-    <a:masterClrMapping/>
-  </p:clrMapOvr>
-</p:sld>
-</file>
-
-<file path=ppt/slides/slide14.xml><?xml version="1.0" encoding="utf-8"?>
-<p:sld xmlns:a="http://schemas.openxmlformats.org/drawingml/2006/main" xmlns:r="http://schemas.openxmlformats.org/officeDocument/2006/relationships" xmlns:p="http://schemas.openxmlformats.org/presentationml/2006/main">
-  <p:cSld>
-    <p:spTree>
-      <p:nvGrpSpPr>
-        <p:cNvPr id="1" name=""/>
-        <p:cNvGrpSpPr/>
-        <p:nvPr/>
-      </p:nvGrpSpPr>
-      <p:grpSpPr>
-        <a:xfrm>
-          <a:off x="0" y="0"/>
-          <a:ext cx="0" cy="0"/>
-          <a:chOff x="0" y="0"/>
-          <a:chExt cx="0" cy="0"/>
-        </a:xfrm>
-      </p:grpSpPr>
-      <p:sp>
-        <p:nvSpPr>
-          <p:cNvPr id="2" name="Title 1"/>
-          <p:cNvSpPr>
-            <a:spLocks noGrp="1"/>
-          </p:cNvSpPr>
-          <p:nvPr>
-            <p:ph type="title"/>
-          </p:nvPr>
-        </p:nvSpPr>
-        <p:spPr/>
-        <p:txBody>
-          <a:bodyPr/>
-          <a:lstStyle/>
-          <a:p>
-            <a:r>
-              <a:rPr lang="pt-BR" dirty="0"/>
-              <a:t>Escalonamento de Atributos</a:t>
-            </a:r>
-          </a:p>
-        </p:txBody>
-      </p:sp>
-      <mc:AlternateContent xmlns:mc="http://schemas.openxmlformats.org/markup-compatibility/2006" xmlns:a14="http://schemas.microsoft.com/office/drawing/2010/main">
-        <mc:Choice Requires="a14">
-          <p:sp>
-            <p:nvSpPr>
-              <p:cNvPr id="3" name="Content Placeholder 2"/>
-              <p:cNvSpPr>
-                <a:spLocks noGrp="1"/>
-              </p:cNvSpPr>
-              <p:nvPr>
-                <p:ph idx="1"/>
-              </p:nvPr>
-            </p:nvSpPr>
-            <p:spPr>
-              <a:xfrm>
-                <a:off x="838199" y="1771032"/>
-                <a:ext cx="11240069" cy="5086968"/>
-              </a:xfrm>
-            </p:spPr>
-            <p:txBody>
-              <a:bodyPr>
-                <a:normAutofit fontScale="77500" lnSpcReduction="20000"/>
-              </a:bodyPr>
-              <a:lstStyle/>
-              <a:p>
-                <a:r>
-                  <a:rPr lang="pt-BR" dirty="0"/>
-                  <a:t>O que pode ser feito? </a:t>
-                </a:r>
-              </a:p>
-              <a:p>
-                <a:r>
-                  <a:rPr lang="pt-BR" dirty="0"/>
-                  <a:t>Para evitar esse problema, o intervalo de variação de todos os </a:t>
-                </a:r>
-                <a:r>
-                  <a:rPr lang="pt-BR" b="1" i="1" dirty="0"/>
-                  <a:t>atributos</a:t>
-                </a:r>
-                <a:r>
-                  <a:rPr lang="pt-BR" dirty="0"/>
-                  <a:t> deve ser </a:t>
-                </a:r>
-                <a:r>
-                  <a:rPr lang="pt-BR" b="1" i="1" dirty="0"/>
-                  <a:t>escalonado</a:t>
-                </a:r>
-                <a:r>
-                  <a:rPr lang="pt-BR" dirty="0"/>
-                  <a:t> para que cada </a:t>
-                </a:r>
-                <a:r>
-                  <a:rPr lang="pt-BR" b="1" i="1" dirty="0"/>
-                  <a:t>atributo</a:t>
-                </a:r>
-                <a:r>
-                  <a:rPr lang="pt-BR" dirty="0"/>
-                  <a:t> contribua com o mesmo </a:t>
-                </a:r>
-                <a:r>
-                  <a:rPr lang="pt-BR" b="1" i="1" dirty="0"/>
-                  <a:t>peso</a:t>
-                </a:r>
-                <a:r>
-                  <a:rPr lang="pt-BR" dirty="0"/>
-                  <a:t> para o cálculo do erro.</a:t>
-                </a:r>
-              </a:p>
-              <a:p>
-                <a:r>
-                  <a:rPr lang="pt-BR" dirty="0"/>
-                  <a:t>As duas formas mais comuns de escalonamento são:</a:t>
-                </a:r>
-                <a:endParaRPr lang="en-US" dirty="0"/>
-              </a:p>
-              <a:p>
-                <a:pPr lvl="1">
-                  <a:buFont typeface="Wingdings" panose="05000000000000000000" pitchFamily="2" charset="2"/>
-                  <a:buChar char="§"/>
-                </a:pPr>
-                <a:r>
-                  <a:rPr lang="en-US" b="1" dirty="0" err="1"/>
-                  <a:t>Normalização</a:t>
-                </a:r>
-                <a:r>
-                  <a:rPr lang="en-US" b="1" dirty="0"/>
-                  <a:t> </a:t>
-                </a:r>
-                <a:r>
-                  <a:rPr lang="en-US" b="1" dirty="0" err="1"/>
-                  <a:t>Mín</a:t>
-                </a:r>
-                <a:r>
-                  <a:rPr lang="en-US" b="1" dirty="0"/>
-                  <a:t>-Max</a:t>
-                </a:r>
-              </a:p>
-              <a:p>
-                <a:pPr marL="0" indent="0">
-                  <a:buNone/>
-                </a:pPr>
-                <a14:m>
-                  <m:oMathPara xmlns:m="http://schemas.openxmlformats.org/officeDocument/2006/math">
-                    <m:oMathParaPr>
-                      <m:jc m:val="center"/>
-                    </m:oMathParaPr>
-                    <m:oMath xmlns:m="http://schemas.openxmlformats.org/officeDocument/2006/math">
-                      <m:sSub>
-                        <m:sSubPr>
-                          <m:ctrlPr>
-                            <a:rPr lang="en-US" sz="2600" i="1">
-                              <a:latin typeface="Cambria Math" panose="02040503050406030204" pitchFamily="18" charset="0"/>
-                            </a:rPr>
-                          </m:ctrlPr>
-                        </m:sSubPr>
-                        <m:e>
-                          <m:sSup>
-                            <m:sSupPr>
-                              <m:ctrlPr>
-                                <a:rPr lang="pt-BR" sz="2600" i="1">
-                                  <a:latin typeface="Cambria Math" panose="02040503050406030204" pitchFamily="18" charset="0"/>
-                                </a:rPr>
-                              </m:ctrlPr>
-                            </m:sSupPr>
-                            <m:e>
-                              <m:r>
-                                <a:rPr lang="en-US" sz="2600" i="1">
-                                  <a:latin typeface="Cambria Math" panose="02040503050406030204" pitchFamily="18" charset="0"/>
-                                </a:rPr>
-                                <m:t>𝑥</m:t>
-                              </m:r>
-                            </m:e>
-                            <m:sup>
-                              <m:r>
-                                <a:rPr lang="pt-BR" sz="2600" i="1">
-                                  <a:latin typeface="Cambria Math" panose="02040503050406030204" pitchFamily="18" charset="0"/>
-                                </a:rPr>
-                                <m:t>′</m:t>
-                              </m:r>
-                            </m:sup>
-                          </m:sSup>
-                        </m:e>
-                        <m:sub>
-                          <m:r>
-                            <a:rPr lang="en-US" sz="2600" i="1">
-                              <a:latin typeface="Cambria Math" panose="02040503050406030204" pitchFamily="18" charset="0"/>
-                            </a:rPr>
-                            <m:t>𝑘</m:t>
-                          </m:r>
-                        </m:sub>
-                      </m:sSub>
-                      <m:d>
-                        <m:dPr>
-                          <m:ctrlPr>
-                            <a:rPr lang="pt-BR" sz="2600" i="1">
-                              <a:latin typeface="Cambria Math" panose="02040503050406030204" pitchFamily="18" charset="0"/>
-                            </a:rPr>
-                          </m:ctrlPr>
-                        </m:dPr>
-                        <m:e>
-                          <m:r>
-                            <a:rPr lang="pt-BR" sz="2600" i="1">
-                              <a:latin typeface="Cambria Math" panose="02040503050406030204" pitchFamily="18" charset="0"/>
-                            </a:rPr>
-                            <m:t>𝑖</m:t>
-                          </m:r>
-                        </m:e>
-                      </m:d>
-                      <m:r>
-                        <a:rPr lang="pt-BR" sz="2600" i="1">
-                          <a:latin typeface="Cambria Math" panose="02040503050406030204" pitchFamily="18" charset="0"/>
-                        </a:rPr>
-                        <m:t>=</m:t>
-                      </m:r>
-                      <m:f>
-                        <m:fPr>
-                          <m:ctrlPr>
-                            <a:rPr lang="en-US" sz="2600" i="1">
-                              <a:latin typeface="Cambria Math" panose="02040503050406030204" pitchFamily="18" charset="0"/>
-                            </a:rPr>
-                          </m:ctrlPr>
-                        </m:fPr>
-                        <m:num>
-                          <m:sSub>
-                            <m:sSubPr>
-                              <m:ctrlPr>
-                                <a:rPr lang="en-US" sz="2600" i="1">
-                                  <a:latin typeface="Cambria Math" panose="02040503050406030204" pitchFamily="18" charset="0"/>
-                                </a:rPr>
-                              </m:ctrlPr>
-                            </m:sSubPr>
-                            <m:e>
-                              <m:r>
-                                <a:rPr lang="en-US" sz="2600" i="1">
-                                  <a:latin typeface="Cambria Math" panose="02040503050406030204" pitchFamily="18" charset="0"/>
-                                </a:rPr>
-                                <m:t>𝑥</m:t>
-                              </m:r>
-                            </m:e>
-                            <m:sub>
-                              <m:r>
-                                <a:rPr lang="en-US" sz="2600" i="1">
-                                  <a:latin typeface="Cambria Math" panose="02040503050406030204" pitchFamily="18" charset="0"/>
-                                </a:rPr>
-                                <m:t>𝑘</m:t>
-                              </m:r>
-                            </m:sub>
-                          </m:sSub>
-                          <m:d>
-                            <m:dPr>
-                              <m:ctrlPr>
-                                <a:rPr lang="pt-BR" sz="2600" i="1">
-                                  <a:latin typeface="Cambria Math" panose="02040503050406030204" pitchFamily="18" charset="0"/>
-                                </a:rPr>
-                              </m:ctrlPr>
-                            </m:dPr>
-                            <m:e>
-                              <m:r>
-                                <a:rPr lang="pt-BR" sz="2600" i="1">
-                                  <a:latin typeface="Cambria Math" panose="02040503050406030204" pitchFamily="18" charset="0"/>
-                                </a:rPr>
-                                <m:t>𝑖</m:t>
-                              </m:r>
-                            </m:e>
-                          </m:d>
-                          <m:r>
-                            <a:rPr lang="pt-BR" sz="2600" i="1">
-                              <a:latin typeface="Cambria Math" panose="02040503050406030204" pitchFamily="18" charset="0"/>
-                            </a:rPr>
-                            <m:t>−</m:t>
-                          </m:r>
-                          <m:r>
-                            <m:rPr>
-                              <m:sty m:val="p"/>
-                            </m:rPr>
-                            <a:rPr lang="en-US" sz="2600">
-                              <a:latin typeface="Cambria Math" panose="02040503050406030204" pitchFamily="18" charset="0"/>
-                            </a:rPr>
-                            <m:t>min</m:t>
-                          </m:r>
-                          <m:d>
-                            <m:dPr>
-                              <m:ctrlPr>
-                                <a:rPr lang="en-US" sz="2600" i="1" smtClean="0">
-                                  <a:latin typeface="Cambria Math" panose="02040503050406030204" pitchFamily="18" charset="0"/>
-                                </a:rPr>
-                              </m:ctrlPr>
-                            </m:dPr>
-                            <m:e>
-                              <m:sSub>
-                                <m:sSubPr>
-                                  <m:ctrlPr>
-                                    <a:rPr lang="en-US" sz="2600" i="1" smtClean="0">
-                                      <a:latin typeface="Cambria Math" panose="02040503050406030204" pitchFamily="18" charset="0"/>
-                                    </a:rPr>
-                                  </m:ctrlPr>
-                                </m:sSubPr>
-                                <m:e>
-                                  <m:r>
-                                    <a:rPr lang="en-US" sz="2600" b="1" i="1">
-                                      <a:latin typeface="Cambria Math" panose="02040503050406030204" pitchFamily="18" charset="0"/>
-                                    </a:rPr>
-                                    <m:t>𝒙</m:t>
-                                  </m:r>
-                                </m:e>
-                                <m:sub>
-                                  <m:r>
-                                    <a:rPr lang="pt-BR" sz="2600" b="0" i="1" smtClean="0">
-                                      <a:latin typeface="Cambria Math" panose="02040503050406030204" pitchFamily="18" charset="0"/>
-                                    </a:rPr>
-                                    <m:t>𝑘</m:t>
-                                  </m:r>
-                                </m:sub>
-                              </m:sSub>
-                            </m:e>
-                          </m:d>
-                        </m:num>
-                        <m:den>
-                          <m:r>
-                            <m:rPr>
-                              <m:sty m:val="p"/>
-                            </m:rPr>
-                            <a:rPr lang="en-US" sz="2600">
-                              <a:latin typeface="Cambria Math" panose="02040503050406030204" pitchFamily="18" charset="0"/>
-                            </a:rPr>
-                            <m:t>max</m:t>
-                          </m:r>
-                          <m:d>
-                            <m:dPr>
-                              <m:ctrlPr>
-                                <a:rPr lang="en-US" sz="2600" i="1">
-                                  <a:latin typeface="Cambria Math" panose="02040503050406030204" pitchFamily="18" charset="0"/>
-                                </a:rPr>
-                              </m:ctrlPr>
-                            </m:dPr>
-                            <m:e>
-                              <m:sSub>
-                                <m:sSubPr>
-                                  <m:ctrlPr>
-                                    <a:rPr lang="en-US" sz="2600" i="1">
-                                      <a:latin typeface="Cambria Math" panose="02040503050406030204" pitchFamily="18" charset="0"/>
-                                    </a:rPr>
-                                  </m:ctrlPr>
-                                </m:sSubPr>
-                                <m:e>
-                                  <m:r>
-                                    <a:rPr lang="en-US" sz="2600" b="1" i="1">
-                                      <a:latin typeface="Cambria Math" panose="02040503050406030204" pitchFamily="18" charset="0"/>
-                                    </a:rPr>
-                                    <m:t>𝒙</m:t>
-                                  </m:r>
-                                </m:e>
-                                <m:sub>
-                                  <m:r>
-                                    <a:rPr lang="pt-BR" sz="2600" i="1">
-                                      <a:latin typeface="Cambria Math" panose="02040503050406030204" pitchFamily="18" charset="0"/>
-                                    </a:rPr>
-                                    <m:t>𝑘</m:t>
-                                  </m:r>
-                                </m:sub>
-                              </m:sSub>
-                            </m:e>
-                          </m:d>
-                          <m:r>
-                            <a:rPr lang="en-US" sz="2600" i="1">
-                              <a:latin typeface="Cambria Math" panose="02040503050406030204" pitchFamily="18" charset="0"/>
-                            </a:rPr>
-                            <m:t>−</m:t>
-                          </m:r>
-                          <m:r>
-                            <m:rPr>
-                              <m:sty m:val="p"/>
-                            </m:rPr>
-                            <a:rPr lang="en-US" sz="2600">
-                              <a:latin typeface="Cambria Math" panose="02040503050406030204" pitchFamily="18" charset="0"/>
-                            </a:rPr>
-                            <m:t>min</m:t>
-                          </m:r>
-                          <m:d>
-                            <m:dPr>
-                              <m:ctrlPr>
-                                <a:rPr lang="en-US" sz="2600" i="1">
-                                  <a:latin typeface="Cambria Math" panose="02040503050406030204" pitchFamily="18" charset="0"/>
-                                </a:rPr>
-                              </m:ctrlPr>
-                            </m:dPr>
-                            <m:e>
-                              <m:sSub>
-                                <m:sSubPr>
-                                  <m:ctrlPr>
-                                    <a:rPr lang="en-US" sz="2600" i="1">
-                                      <a:latin typeface="Cambria Math" panose="02040503050406030204" pitchFamily="18" charset="0"/>
-                                    </a:rPr>
-                                  </m:ctrlPr>
-                                </m:sSubPr>
-                                <m:e>
-                                  <m:r>
-                                    <a:rPr lang="en-US" sz="2600" b="1" i="1">
-                                      <a:latin typeface="Cambria Math" panose="02040503050406030204" pitchFamily="18" charset="0"/>
-                                    </a:rPr>
-                                    <m:t>𝒙</m:t>
-                                  </m:r>
-                                </m:e>
-                                <m:sub>
-                                  <m:r>
-                                    <a:rPr lang="pt-BR" sz="2600" i="1">
-                                      <a:latin typeface="Cambria Math" panose="02040503050406030204" pitchFamily="18" charset="0"/>
-                                    </a:rPr>
-                                    <m:t>𝑘</m:t>
-                                  </m:r>
-                                </m:sub>
-                              </m:sSub>
-                            </m:e>
-                          </m:d>
-                        </m:den>
-                      </m:f>
-                      <m:r>
-                        <a:rPr lang="pt-BR" sz="2600" i="1">
-                          <a:latin typeface="Cambria Math" panose="02040503050406030204" pitchFamily="18" charset="0"/>
-                        </a:rPr>
-                        <m:t>,</m:t>
-                      </m:r>
-                      <m:sSub>
-                        <m:sSubPr>
-                          <m:ctrlPr>
-                            <a:rPr lang="en-US" sz="2600" i="1">
-                              <a:latin typeface="Cambria Math" panose="02040503050406030204" pitchFamily="18" charset="0"/>
-                            </a:rPr>
-                          </m:ctrlPr>
-                        </m:sSubPr>
-                        <m:e>
-                          <m:r>
-                            <a:rPr lang="pt-BR" sz="2600" i="1">
-                              <a:latin typeface="Cambria Math" panose="02040503050406030204" pitchFamily="18" charset="0"/>
-                            </a:rPr>
-                            <m:t>0</m:t>
-                          </m:r>
-                          <m:r>
-                            <a:rPr lang="en-US" sz="2600" i="1">
-                              <a:latin typeface="Cambria Math" panose="02040503050406030204" pitchFamily="18" charset="0"/>
-                              <a:ea typeface="Cambria Math" panose="02040503050406030204" pitchFamily="18" charset="0"/>
-                            </a:rPr>
-                            <m:t>≤</m:t>
-                          </m:r>
-                          <m:sSup>
-                            <m:sSupPr>
-                              <m:ctrlPr>
-                                <a:rPr lang="pt-BR" sz="2600" i="1">
-                                  <a:latin typeface="Cambria Math" panose="02040503050406030204" pitchFamily="18" charset="0"/>
-                                </a:rPr>
-                              </m:ctrlPr>
-                            </m:sSupPr>
-                            <m:e>
-                              <m:r>
-                                <a:rPr lang="en-US" sz="2600" i="1">
-                                  <a:latin typeface="Cambria Math" panose="02040503050406030204" pitchFamily="18" charset="0"/>
-                                </a:rPr>
-                                <m:t>𝑥</m:t>
-                              </m:r>
-                            </m:e>
-                            <m:sup>
-                              <m:r>
-                                <a:rPr lang="pt-BR" sz="2600" i="1">
-                                  <a:latin typeface="Cambria Math" panose="02040503050406030204" pitchFamily="18" charset="0"/>
-                                </a:rPr>
-                                <m:t>′</m:t>
-                              </m:r>
-                            </m:sup>
-                          </m:sSup>
-                        </m:e>
-                        <m:sub>
-                          <m:r>
-                            <a:rPr lang="en-US" sz="2600" i="1">
-                              <a:latin typeface="Cambria Math" panose="02040503050406030204" pitchFamily="18" charset="0"/>
-                            </a:rPr>
-                            <m:t>𝑘</m:t>
-                          </m:r>
-                        </m:sub>
-                      </m:sSub>
-                      <m:d>
-                        <m:dPr>
-                          <m:ctrlPr>
-                            <a:rPr lang="pt-BR" sz="2600" i="1">
-                              <a:latin typeface="Cambria Math" panose="02040503050406030204" pitchFamily="18" charset="0"/>
-                            </a:rPr>
-                          </m:ctrlPr>
-                        </m:dPr>
-                        <m:e>
-                          <m:r>
-                            <a:rPr lang="pt-BR" sz="2600" i="1">
-                              <a:latin typeface="Cambria Math" panose="02040503050406030204" pitchFamily="18" charset="0"/>
-                            </a:rPr>
-                            <m:t>𝑖</m:t>
-                          </m:r>
-                        </m:e>
-                      </m:d>
-                      <m:r>
-                        <a:rPr lang="pt-BR" sz="2600" i="1">
-                          <a:latin typeface="Cambria Math" panose="02040503050406030204" pitchFamily="18" charset="0"/>
-                          <a:ea typeface="Cambria Math" panose="02040503050406030204" pitchFamily="18" charset="0"/>
-                        </a:rPr>
-                        <m:t>≤1</m:t>
-                      </m:r>
-                    </m:oMath>
-                  </m:oMathPara>
-                </a14:m>
-                <a:endParaRPr lang="nl-BE" sz="2600" dirty="0"/>
-              </a:p>
-              <a:p>
-                <a:pPr lvl="1">
-                  <a:buFont typeface="Wingdings" panose="05000000000000000000" pitchFamily="2" charset="2"/>
-                  <a:buChar char="§"/>
-                </a:pPr>
-                <a:r>
-                  <a:rPr lang="en-US" b="1" dirty="0" err="1"/>
-                  <a:t>Padronização</a:t>
-                </a:r>
-                <a:endParaRPr lang="en-US" b="1" dirty="0"/>
-              </a:p>
-              <a:p>
-                <a:pPr marL="0" indent="0">
-                  <a:buNone/>
-                </a:pPr>
-                <a14:m>
-                  <m:oMathPara xmlns:m="http://schemas.openxmlformats.org/officeDocument/2006/math">
-                    <m:oMathParaPr>
-                      <m:jc m:val="centerGroup"/>
-                    </m:oMathParaPr>
-                    <m:oMath xmlns:m="http://schemas.openxmlformats.org/officeDocument/2006/math">
-                      <m:sSub>
-                        <m:sSubPr>
-                          <m:ctrlPr>
-                            <a:rPr lang="en-US" sz="2600" i="1">
-                              <a:latin typeface="Cambria Math" panose="02040503050406030204" pitchFamily="18" charset="0"/>
-                            </a:rPr>
-                          </m:ctrlPr>
-                        </m:sSubPr>
-                        <m:e>
-                          <m:r>
-                            <a:rPr lang="en-US" sz="2600" i="1">
-                              <a:latin typeface="Cambria Math" panose="02040503050406030204" pitchFamily="18" charset="0"/>
-                            </a:rPr>
-                            <m:t>𝑥</m:t>
-                          </m:r>
-                          <m:r>
-                            <a:rPr lang="pt-BR" sz="2600" i="1">
-                              <a:latin typeface="Cambria Math" panose="02040503050406030204" pitchFamily="18" charset="0"/>
-                            </a:rPr>
-                            <m:t>′</m:t>
-                          </m:r>
-                        </m:e>
-                        <m:sub>
-                          <m:r>
-                            <a:rPr lang="en-US" sz="2600" i="1">
-                              <a:latin typeface="Cambria Math" panose="02040503050406030204" pitchFamily="18" charset="0"/>
-                            </a:rPr>
-                            <m:t>𝑘</m:t>
-                          </m:r>
-                        </m:sub>
-                      </m:sSub>
-                      <m:r>
-                        <a:rPr lang="pt-BR" sz="2600" i="1">
-                          <a:latin typeface="Cambria Math" panose="02040503050406030204" pitchFamily="18" charset="0"/>
-                        </a:rPr>
-                        <m:t>(</m:t>
-                      </m:r>
-                      <m:r>
-                        <a:rPr lang="pt-BR" sz="2600" i="1">
-                          <a:latin typeface="Cambria Math" panose="02040503050406030204" pitchFamily="18" charset="0"/>
-                        </a:rPr>
-                        <m:t>𝑖</m:t>
-                      </m:r>
-                      <m:r>
-                        <a:rPr lang="pt-BR" sz="2600" i="1">
-                          <a:latin typeface="Cambria Math" panose="02040503050406030204" pitchFamily="18" charset="0"/>
-                        </a:rPr>
-                        <m:t>)=</m:t>
-                      </m:r>
-                      <m:f>
-                        <m:fPr>
-                          <m:ctrlPr>
-                            <a:rPr lang="en-US" sz="2600" i="1">
-                              <a:latin typeface="Cambria Math" panose="02040503050406030204" pitchFamily="18" charset="0"/>
-                            </a:rPr>
-                          </m:ctrlPr>
-                        </m:fPr>
-                        <m:num>
-                          <m:sSub>
-                            <m:sSubPr>
-                              <m:ctrlPr>
-                                <a:rPr lang="en-US" sz="2600" i="1">
-                                  <a:latin typeface="Cambria Math" panose="02040503050406030204" pitchFamily="18" charset="0"/>
-                                </a:rPr>
-                              </m:ctrlPr>
-                            </m:sSubPr>
-                            <m:e>
-                              <m:r>
-                                <a:rPr lang="en-US" sz="2600" i="1">
-                                  <a:latin typeface="Cambria Math" panose="02040503050406030204" pitchFamily="18" charset="0"/>
-                                </a:rPr>
-                                <m:t>𝑥</m:t>
-                              </m:r>
-                            </m:e>
-                            <m:sub>
-                              <m:r>
-                                <a:rPr lang="en-US" sz="2600" i="1">
-                                  <a:latin typeface="Cambria Math" panose="02040503050406030204" pitchFamily="18" charset="0"/>
-                                </a:rPr>
-                                <m:t>𝑘</m:t>
-                              </m:r>
-                            </m:sub>
-                          </m:sSub>
-                          <m:r>
-                            <a:rPr lang="pt-BR" sz="2600" i="1">
-                              <a:latin typeface="Cambria Math" panose="02040503050406030204" pitchFamily="18" charset="0"/>
-                            </a:rPr>
-                            <m:t>(</m:t>
-                          </m:r>
-                          <m:r>
-                            <a:rPr lang="pt-BR" sz="2600" i="1">
-                              <a:latin typeface="Cambria Math" panose="02040503050406030204" pitchFamily="18" charset="0"/>
-                            </a:rPr>
-                            <m:t>𝑖</m:t>
-                          </m:r>
-                          <m:r>
-                            <a:rPr lang="pt-BR" sz="2600" i="1">
-                              <a:latin typeface="Cambria Math" panose="02040503050406030204" pitchFamily="18" charset="0"/>
-                            </a:rPr>
-                            <m:t>)−</m:t>
-                          </m:r>
-                          <m:sSub>
-                            <m:sSubPr>
-                              <m:ctrlPr>
-                                <a:rPr lang="en-US" sz="2600" i="1">
-                                  <a:latin typeface="Cambria Math" panose="02040503050406030204" pitchFamily="18" charset="0"/>
-                                </a:rPr>
-                              </m:ctrlPr>
-                            </m:sSubPr>
-                            <m:e>
-                              <m:r>
-                                <a:rPr lang="en-US" sz="2600" i="1">
-                                  <a:latin typeface="Cambria Math" panose="02040503050406030204" pitchFamily="18" charset="0"/>
-                                  <a:ea typeface="Cambria Math" panose="02040503050406030204" pitchFamily="18" charset="0"/>
-                                </a:rPr>
-                                <m:t>𝜇</m:t>
-                              </m:r>
-                            </m:e>
-                            <m:sub>
-                              <m:sSub>
-                                <m:sSubPr>
-                                  <m:ctrlPr>
-                                    <a:rPr lang="en-US" sz="2600" i="1">
-                                      <a:latin typeface="Cambria Math" panose="02040503050406030204" pitchFamily="18" charset="0"/>
-                                    </a:rPr>
-                                  </m:ctrlPr>
-                                </m:sSubPr>
-                                <m:e>
-                                  <m:r>
-                                    <a:rPr lang="en-US" sz="2600" b="0" i="1">
-                                      <a:latin typeface="Cambria Math" panose="02040503050406030204" pitchFamily="18" charset="0"/>
-                                    </a:rPr>
-                                    <m:t>𝑥</m:t>
-                                  </m:r>
-                                </m:e>
-                                <m:sub>
-                                  <m:r>
-                                    <a:rPr lang="pt-BR" sz="2600" i="1">
-                                      <a:latin typeface="Cambria Math" panose="02040503050406030204" pitchFamily="18" charset="0"/>
-                                    </a:rPr>
-                                    <m:t>𝑘</m:t>
-                                  </m:r>
-                                </m:sub>
-                              </m:sSub>
-                            </m:sub>
-                          </m:sSub>
-                        </m:num>
-                        <m:den>
-                          <m:sSub>
-                            <m:sSubPr>
-                              <m:ctrlPr>
-                                <a:rPr lang="en-US" sz="2600" i="1">
-                                  <a:latin typeface="Cambria Math" panose="02040503050406030204" pitchFamily="18" charset="0"/>
-                                </a:rPr>
-                              </m:ctrlPr>
-                            </m:sSubPr>
-                            <m:e>
-                              <m:r>
-                                <a:rPr lang="en-US" sz="2600" i="1">
-                                  <a:latin typeface="Cambria Math" panose="02040503050406030204" pitchFamily="18" charset="0"/>
-                                  <a:ea typeface="Cambria Math" panose="02040503050406030204" pitchFamily="18" charset="0"/>
-                                </a:rPr>
-                                <m:t>𝜎</m:t>
-                              </m:r>
-                            </m:e>
-                            <m:sub>
-                              <m:sSub>
-                                <m:sSubPr>
-                                  <m:ctrlPr>
-                                    <a:rPr lang="en-US" sz="2600" i="1">
-                                      <a:latin typeface="Cambria Math" panose="02040503050406030204" pitchFamily="18" charset="0"/>
-                                    </a:rPr>
-                                  </m:ctrlPr>
-                                </m:sSubPr>
-                                <m:e>
-                                  <m:r>
-                                    <a:rPr lang="en-US" sz="2600" b="0" i="1">
-                                      <a:latin typeface="Cambria Math" panose="02040503050406030204" pitchFamily="18" charset="0"/>
-                                    </a:rPr>
-                                    <m:t>𝑥</m:t>
-                                  </m:r>
-                                </m:e>
-                                <m:sub>
-                                  <m:r>
-                                    <a:rPr lang="pt-BR" sz="2600" b="0" i="1">
-                                      <a:latin typeface="Cambria Math" panose="02040503050406030204" pitchFamily="18" charset="0"/>
-                                    </a:rPr>
-                                    <m:t>𝑘</m:t>
-                                  </m:r>
-                                </m:sub>
-                              </m:sSub>
-                            </m:sub>
-                          </m:sSub>
-                        </m:den>
-                      </m:f>
-                    </m:oMath>
-                  </m:oMathPara>
-                </a14:m>
-                <a:endParaRPr lang="pt-BR" dirty="0"/>
-              </a:p>
-              <a:p>
-                <a:r>
-                  <a:rPr lang="pt-BR" b="1" i="1" dirty="0"/>
-                  <a:t>Normalização Mín-Max </a:t>
-                </a:r>
-                <a:r>
-                  <a:rPr lang="pt-BR" dirty="0"/>
-                  <a:t>faz com que os atributos variem entre 0 e 1.</a:t>
-                </a:r>
-              </a:p>
-              <a:p>
-                <a:r>
-                  <a:rPr lang="pt-BR" b="1" i="1" dirty="0"/>
-                  <a:t>Padronização</a:t>
-                </a:r>
-                <a:r>
-                  <a:rPr lang="pt-BR" dirty="0"/>
-                  <a:t> faz com que os atributos tenham média zero e desvio padrão unitário. Observe que, neste caso, os valores não ficam restritos a um intervalo específico.</a:t>
-                </a:r>
-              </a:p>
-              <a:p>
-                <a:r>
-                  <a:rPr lang="pt-BR" dirty="0"/>
-                  <a:t>Vantagens do escalonamento</a:t>
-                </a:r>
-              </a:p>
-              <a:p>
-                <a:pPr lvl="1">
-                  <a:buFont typeface="Wingdings" panose="05000000000000000000" pitchFamily="2" charset="2"/>
-                  <a:buChar char="§"/>
-                </a:pPr>
-                <a:r>
-                  <a:rPr lang="pt-BR" dirty="0"/>
-                  <a:t>Ajuda a acelerar a convergência do </a:t>
-                </a:r>
-                <a:r>
-                  <a:rPr lang="pt-BR" b="1" i="1" dirty="0"/>
-                  <a:t>gradiente descendente </a:t>
-                </a:r>
-                <a:r>
-                  <a:rPr lang="pt-BR" dirty="0"/>
-                  <a:t>pois deixa as curvas de nível da superfície de erro mais circulares.</a:t>
-                </a:r>
-              </a:p>
-              <a:p>
-                <a:pPr lvl="1">
-                  <a:buFont typeface="Wingdings" panose="05000000000000000000" pitchFamily="2" charset="2"/>
-                  <a:buChar char="§"/>
-                </a:pPr>
-                <a:r>
-                  <a:rPr lang="pt-BR" dirty="0"/>
-                  <a:t>Possibilita comparar mais facilmente o peso/influência de cada </a:t>
-                </a:r>
-                <a:r>
-                  <a:rPr lang="pt-BR" b="1" i="1" dirty="0"/>
-                  <a:t>atributo</a:t>
-                </a:r>
-                <a:r>
-                  <a:rPr lang="pt-BR" dirty="0"/>
-                  <a:t> no modelo.</a:t>
-                </a:r>
-              </a:p>
-            </p:txBody>
-          </p:sp>
-        </mc:Choice>
-        <mc:Fallback xmlns="">
-          <p:sp>
-            <p:nvSpPr>
-              <p:cNvPr id="3" name="Content Placeholder 2"/>
-              <p:cNvSpPr>
-                <a:spLocks noGrp="1" noRot="1" noChangeAspect="1" noMove="1" noResize="1" noEditPoints="1" noAdjustHandles="1" noChangeArrowheads="1" noChangeShapeType="1" noTextEdit="1"/>
-              </p:cNvSpPr>
-              <p:nvPr>
-                <p:ph idx="1"/>
-              </p:nvPr>
-            </p:nvSpPr>
-            <p:spPr>
-              <a:xfrm>
-                <a:off x="838199" y="1771032"/>
-                <a:ext cx="11240069" cy="5086968"/>
-              </a:xfrm>
-              <a:blipFill rotWithShape="0">
-                <a:blip r:embed="rId3"/>
-                <a:stretch>
-                  <a:fillRect l="-597" t="-2518" b="-2038"/>
-                </a:stretch>
-              </a:blipFill>
-            </p:spPr>
-            <p:txBody>
-              <a:bodyPr/>
-              <a:lstStyle/>
-              <a:p>
-                <a:r>
-                  <a:rPr lang="pt-BR">
-                    <a:noFill/>
-                  </a:rPr>
-                  <a:t> </a:t>
-                </a:r>
-              </a:p>
-            </p:txBody>
-          </p:sp>
-        </mc:Fallback>
-      </mc:AlternateContent>
-    </p:spTree>
-    <p:extLst>
-      <p:ext uri="{BB962C8B-B14F-4D97-AF65-F5344CB8AC3E}">
-        <p14:creationId xmlns:p14="http://schemas.microsoft.com/office/powerpoint/2010/main" val="3173456078"/>
-      </p:ext>
-    </p:extLst>
-  </p:cSld>
-  <p:clrMapOvr>
-    <a:masterClrMapping/>
-  </p:clrMapOvr>
-</p:sld>
-</file>
-
-<file path=ppt/slides/slide15.xml><?xml version="1.0" encoding="utf-8"?>
-<p:sld xmlns:a="http://schemas.openxmlformats.org/drawingml/2006/main" xmlns:r="http://schemas.openxmlformats.org/officeDocument/2006/relationships" xmlns:p="http://schemas.openxmlformats.org/presentationml/2006/main">
-  <p:cSld>
-    <p:spTree>
-      <p:nvGrpSpPr>
-        <p:cNvPr id="1" name=""/>
-        <p:cNvGrpSpPr/>
-        <p:nvPr/>
-      </p:nvGrpSpPr>
-      <p:grpSpPr>
-        <a:xfrm>
-          <a:off x="0" y="0"/>
-          <a:ext cx="0" cy="0"/>
-          <a:chOff x="0" y="0"/>
-          <a:chExt cx="0" cy="0"/>
-        </a:xfrm>
-      </p:grpSpPr>
-      <p:sp>
-        <p:nvSpPr>
-          <p:cNvPr id="2" name="Title 1"/>
-          <p:cNvSpPr>
-            <a:spLocks noGrp="1"/>
-          </p:cNvSpPr>
-          <p:nvPr>
-            <p:ph type="title"/>
-          </p:nvPr>
-        </p:nvSpPr>
-        <p:spPr>
-          <a:xfrm>
-            <a:off x="838200" y="51222"/>
-            <a:ext cx="10515600" cy="1032572"/>
-          </a:xfrm>
-        </p:spPr>
-        <p:txBody>
-          <a:bodyPr/>
-          <a:lstStyle/>
-          <a:p>
-            <a:r>
-              <a:rPr lang="pt-BR" dirty="0"/>
-              <a:t>Escalonamento de Atributos</a:t>
-            </a:r>
-          </a:p>
-        </p:txBody>
-      </p:sp>
-      <p:pic>
-        <p:nvPicPr>
-          <p:cNvPr id="11" name="Picture 10"/>
-          <p:cNvPicPr>
-            <a:picLocks noChangeAspect="1"/>
-          </p:cNvPicPr>
-          <p:nvPr/>
-        </p:nvPicPr>
-        <p:blipFill rotWithShape="1">
-          <a:blip r:embed="rId3" cstate="print">
-            <a:extLst>
-              <a:ext uri="{28A0092B-C50C-407E-A947-70E740481C1C}">
-                <a14:useLocalDpi xmlns:a14="http://schemas.microsoft.com/office/drawing/2010/main" val="0"/>
-              </a:ext>
-            </a:extLst>
-          </a:blip>
-          <a:srcRect l="10625" t="19499" r="28607" b="15042"/>
-          <a:stretch/>
-        </p:blipFill>
-        <p:spPr>
-          <a:xfrm>
-            <a:off x="4948928" y="812800"/>
-            <a:ext cx="2252502" cy="2426379"/>
-          </a:xfrm>
-          <a:prstGeom prst="rect">
-            <a:avLst/>
-          </a:prstGeom>
-        </p:spPr>
-      </p:pic>
-      <p:pic>
-        <p:nvPicPr>
-          <p:cNvPr id="12" name="Picture 11"/>
-          <p:cNvPicPr>
-            <a:picLocks noChangeAspect="1"/>
-          </p:cNvPicPr>
-          <p:nvPr/>
-        </p:nvPicPr>
-        <p:blipFill rotWithShape="1">
-          <a:blip r:embed="rId4" cstate="print">
-            <a:extLst>
-              <a:ext uri="{28A0092B-C50C-407E-A947-70E740481C1C}">
-                <a14:useLocalDpi xmlns:a14="http://schemas.microsoft.com/office/drawing/2010/main" val="0"/>
-              </a:ext>
-            </a:extLst>
-          </a:blip>
-          <a:srcRect l="4812" t="10821" r="9367" b="5970"/>
-          <a:stretch/>
-        </p:blipFill>
-        <p:spPr>
-          <a:xfrm>
-            <a:off x="5342917" y="5127869"/>
-            <a:ext cx="1893633" cy="1224000"/>
-          </a:xfrm>
-          <a:prstGeom prst="rect">
-            <a:avLst/>
-          </a:prstGeom>
-        </p:spPr>
-      </p:pic>
-      <p:pic>
-        <p:nvPicPr>
-          <p:cNvPr id="13" name="Picture 12"/>
-          <p:cNvPicPr>
-            <a:picLocks noChangeAspect="1"/>
-          </p:cNvPicPr>
-          <p:nvPr/>
-        </p:nvPicPr>
-        <p:blipFill rotWithShape="1">
-          <a:blip r:embed="rId5" cstate="print">
-            <a:extLst>
-              <a:ext uri="{28A0092B-C50C-407E-A947-70E740481C1C}">
-                <a14:useLocalDpi xmlns:a14="http://schemas.microsoft.com/office/drawing/2010/main" val="0"/>
-              </a:ext>
-            </a:extLst>
-          </a:blip>
-          <a:srcRect l="11196" t="19652" r="28676" b="15103"/>
-          <a:stretch/>
-        </p:blipFill>
-        <p:spPr>
-          <a:xfrm>
-            <a:off x="7488499" y="812800"/>
-            <a:ext cx="2214756" cy="2403245"/>
-          </a:xfrm>
-          <a:prstGeom prst="rect">
-            <a:avLst/>
-          </a:prstGeom>
-        </p:spPr>
-      </p:pic>
-      <p:pic>
-        <p:nvPicPr>
-          <p:cNvPr id="14" name="Picture 13"/>
-          <p:cNvPicPr>
-            <a:picLocks noChangeAspect="1"/>
-          </p:cNvPicPr>
-          <p:nvPr/>
-        </p:nvPicPr>
-        <p:blipFill rotWithShape="1">
-          <a:blip r:embed="rId6" cstate="print">
-            <a:extLst>
-              <a:ext uri="{28A0092B-C50C-407E-A947-70E740481C1C}">
-                <a14:useLocalDpi xmlns:a14="http://schemas.microsoft.com/office/drawing/2010/main" val="0"/>
-              </a:ext>
-            </a:extLst>
-          </a:blip>
-          <a:srcRect l="4812" t="10397" r="9119" b="6393"/>
-          <a:stretch/>
-        </p:blipFill>
-        <p:spPr>
-          <a:xfrm>
-            <a:off x="7774318" y="5127869"/>
-            <a:ext cx="1893600" cy="1220443"/>
-          </a:xfrm>
-          <a:prstGeom prst="rect">
-            <a:avLst/>
-          </a:prstGeom>
-        </p:spPr>
-      </p:pic>
-      <p:pic>
-        <p:nvPicPr>
-          <p:cNvPr id="15" name="Picture 14"/>
-          <p:cNvPicPr>
-            <a:picLocks noChangeAspect="1"/>
-          </p:cNvPicPr>
-          <p:nvPr/>
-        </p:nvPicPr>
-        <p:blipFill rotWithShape="1">
-          <a:blip r:embed="rId7" cstate="print">
-            <a:extLst>
-              <a:ext uri="{28A0092B-C50C-407E-A947-70E740481C1C}">
-                <a14:useLocalDpi xmlns:a14="http://schemas.microsoft.com/office/drawing/2010/main" val="0"/>
-              </a:ext>
-            </a:extLst>
-          </a:blip>
-          <a:srcRect l="10625" t="19243" r="28607" b="14659"/>
-          <a:stretch/>
-        </p:blipFill>
-        <p:spPr>
-          <a:xfrm>
-            <a:off x="9917271" y="812800"/>
-            <a:ext cx="2230704" cy="2426379"/>
-          </a:xfrm>
-          <a:prstGeom prst="rect">
-            <a:avLst/>
-          </a:prstGeom>
-        </p:spPr>
-      </p:pic>
-      <p:pic>
-        <p:nvPicPr>
-          <p:cNvPr id="16" name="Picture 15"/>
-          <p:cNvPicPr>
-            <a:picLocks noChangeAspect="1"/>
-          </p:cNvPicPr>
-          <p:nvPr/>
-        </p:nvPicPr>
-        <p:blipFill rotWithShape="1">
-          <a:blip r:embed="rId8" cstate="print">
-            <a:extLst>
-              <a:ext uri="{28A0092B-C50C-407E-A947-70E740481C1C}">
-                <a14:useLocalDpi xmlns:a14="http://schemas.microsoft.com/office/drawing/2010/main" val="0"/>
-              </a:ext>
-            </a:extLst>
-          </a:blip>
-          <a:srcRect l="3732" t="10075" r="9453" b="5970"/>
-          <a:stretch/>
-        </p:blipFill>
-        <p:spPr>
-          <a:xfrm>
-            <a:off x="10059040" y="5124312"/>
-            <a:ext cx="1898560" cy="1224000"/>
-          </a:xfrm>
-          <a:prstGeom prst="rect">
-            <a:avLst/>
-          </a:prstGeom>
-        </p:spPr>
-      </p:pic>
-      <mc:AlternateContent xmlns:mc="http://schemas.openxmlformats.org/markup-compatibility/2006" xmlns:a14="http://schemas.microsoft.com/office/drawing/2010/main">
-        <mc:Choice Requires="a14">
-          <p:sp>
-            <p:nvSpPr>
-              <p:cNvPr id="17" name="TextBox 16"/>
-              <p:cNvSpPr txBox="1"/>
-              <p:nvPr/>
-            </p:nvSpPr>
-            <p:spPr>
-              <a:xfrm>
-                <a:off x="228904" y="1312797"/>
-                <a:ext cx="3881118" cy="923330"/>
-              </a:xfrm>
-              <a:prstGeom prst="rect">
-                <a:avLst/>
-              </a:prstGeom>
-              <a:noFill/>
-            </p:spPr>
-            <p:txBody>
-              <a:bodyPr wrap="square" rtlCol="0">
-                <a:spAutoFit/>
-              </a:bodyPr>
-              <a:lstStyle/>
-              <a:p>
-                <a:r>
-                  <a:rPr lang="pt-BR" dirty="0"/>
-                  <a:t>Modelo gerador</a:t>
-                </a:r>
-                <a:r>
-                  <a:rPr lang="pt-BR" b="0" dirty="0"/>
-                  <a:t>:</a:t>
-                </a:r>
-              </a:p>
-              <a:p>
-                <a:pPr/>
-                <a14:m>
-                  <m:oMathPara xmlns:m="http://schemas.openxmlformats.org/officeDocument/2006/math">
-                    <m:oMathParaPr>
-                      <m:jc m:val="centerGroup"/>
-                    </m:oMathParaPr>
-                    <m:oMath xmlns:m="http://schemas.openxmlformats.org/officeDocument/2006/math">
-                      <m:r>
-                        <a:rPr lang="pt-BR" b="0" i="1" smtClean="0">
-                          <a:latin typeface="Cambria Math" panose="02040503050406030204" pitchFamily="18" charset="0"/>
-                        </a:rPr>
-                        <m:t>𝑦</m:t>
-                      </m:r>
-                      <m:r>
-                        <a:rPr lang="pt-BR" b="0" i="1" smtClean="0">
-                          <a:latin typeface="Cambria Math" panose="02040503050406030204" pitchFamily="18" charset="0"/>
-                        </a:rPr>
-                        <m:t>(</m:t>
-                      </m:r>
-                      <m:r>
-                        <a:rPr lang="pt-BR" b="0" i="1" smtClean="0">
-                          <a:latin typeface="Cambria Math" panose="02040503050406030204" pitchFamily="18" charset="0"/>
-                        </a:rPr>
-                        <m:t>𝑛</m:t>
-                      </m:r>
-                      <m:r>
-                        <a:rPr lang="pt-BR" b="0" i="1" smtClean="0">
-                          <a:latin typeface="Cambria Math" panose="02040503050406030204" pitchFamily="18" charset="0"/>
-                        </a:rPr>
-                        <m:t>)=</m:t>
-                      </m:r>
-                      <m:sSub>
-                        <m:sSubPr>
-                          <m:ctrlPr>
-                            <a:rPr lang="pt-BR" b="0" i="1" smtClean="0">
-                              <a:latin typeface="Cambria Math" panose="02040503050406030204" pitchFamily="18" charset="0"/>
-                            </a:rPr>
-                          </m:ctrlPr>
-                        </m:sSubPr>
-                        <m:e>
-                          <m:sSub>
-                            <m:sSubPr>
-                              <m:ctrlPr>
-                                <a:rPr lang="pt-BR" i="1">
-                                  <a:latin typeface="Cambria Math" panose="02040503050406030204" pitchFamily="18" charset="0"/>
-                                </a:rPr>
-                              </m:ctrlPr>
-                            </m:sSubPr>
-                            <m:e>
-                              <m:r>
-                                <a:rPr lang="pt-BR" i="1">
-                                  <a:latin typeface="Cambria Math" panose="02040503050406030204" pitchFamily="18" charset="0"/>
-                                </a:rPr>
-                                <m:t>𝑎</m:t>
-                              </m:r>
-                            </m:e>
-                            <m:sub>
-                              <m:r>
-                                <a:rPr lang="pt-BR" i="1">
-                                  <a:latin typeface="Cambria Math" panose="02040503050406030204" pitchFamily="18" charset="0"/>
-                                </a:rPr>
-                                <m:t>1</m:t>
-                              </m:r>
-                            </m:sub>
-                          </m:sSub>
-                          <m:r>
-                            <a:rPr lang="pt-BR" b="0" i="1" smtClean="0">
-                              <a:latin typeface="Cambria Math" panose="02040503050406030204" pitchFamily="18" charset="0"/>
-                            </a:rPr>
-                            <m:t>𝑥</m:t>
-                          </m:r>
-                        </m:e>
-                        <m:sub>
-                          <m:r>
-                            <a:rPr lang="pt-BR" b="0" i="1" smtClean="0">
-                              <a:latin typeface="Cambria Math" panose="02040503050406030204" pitchFamily="18" charset="0"/>
-                            </a:rPr>
-                            <m:t>1</m:t>
-                          </m:r>
-                        </m:sub>
-                      </m:sSub>
-                      <m:r>
-                        <a:rPr lang="pt-BR" b="0" i="1" smtClean="0">
-                          <a:latin typeface="Cambria Math" panose="02040503050406030204" pitchFamily="18" charset="0"/>
-                        </a:rPr>
-                        <m:t>(</m:t>
-                      </m:r>
-                      <m:r>
-                        <a:rPr lang="pt-BR" b="0" i="1" smtClean="0">
-                          <a:latin typeface="Cambria Math" panose="02040503050406030204" pitchFamily="18" charset="0"/>
-                        </a:rPr>
-                        <m:t>𝑛</m:t>
-                      </m:r>
-                      <m:r>
-                        <a:rPr lang="pt-BR" b="0" i="1" smtClean="0">
-                          <a:latin typeface="Cambria Math" panose="02040503050406030204" pitchFamily="18" charset="0"/>
-                        </a:rPr>
-                        <m:t>)+</m:t>
-                      </m:r>
-                      <m:sSub>
-                        <m:sSubPr>
-                          <m:ctrlPr>
-                            <a:rPr lang="pt-BR" b="0" i="1" smtClean="0">
-                              <a:latin typeface="Cambria Math" panose="02040503050406030204" pitchFamily="18" charset="0"/>
-                            </a:rPr>
-                          </m:ctrlPr>
-                        </m:sSubPr>
-                        <m:e>
-                          <m:sSub>
-                            <m:sSubPr>
-                              <m:ctrlPr>
-                                <a:rPr lang="pt-BR" i="1">
-                                  <a:latin typeface="Cambria Math" panose="02040503050406030204" pitchFamily="18" charset="0"/>
-                                </a:rPr>
-                              </m:ctrlPr>
-                            </m:sSubPr>
-                            <m:e>
-                              <m:r>
-                                <a:rPr lang="pt-BR" i="1">
-                                  <a:latin typeface="Cambria Math" panose="02040503050406030204" pitchFamily="18" charset="0"/>
-                                </a:rPr>
-                                <m:t>𝑎</m:t>
-                              </m:r>
-                            </m:e>
-                            <m:sub>
-                              <m:r>
-                                <a:rPr lang="pt-BR" b="0" i="1" smtClean="0">
-                                  <a:latin typeface="Cambria Math" panose="02040503050406030204" pitchFamily="18" charset="0"/>
-                                </a:rPr>
-                                <m:t>2</m:t>
-                              </m:r>
-                            </m:sub>
-                          </m:sSub>
-                          <m:r>
-                            <a:rPr lang="pt-BR" b="0" i="1" smtClean="0">
-                              <a:latin typeface="Cambria Math" panose="02040503050406030204" pitchFamily="18" charset="0"/>
-                            </a:rPr>
-                            <m:t>𝑥</m:t>
-                          </m:r>
-                        </m:e>
-                        <m:sub>
-                          <m:r>
-                            <a:rPr lang="pt-BR" b="0" i="1" smtClean="0">
-                              <a:latin typeface="Cambria Math" panose="02040503050406030204" pitchFamily="18" charset="0"/>
-                            </a:rPr>
-                            <m:t>2</m:t>
-                          </m:r>
-                        </m:sub>
-                      </m:sSub>
-                      <m:r>
-                        <a:rPr lang="pt-BR" b="0" i="1" smtClean="0">
-                          <a:latin typeface="Cambria Math" panose="02040503050406030204" pitchFamily="18" charset="0"/>
-                        </a:rPr>
-                        <m:t>(</m:t>
-                      </m:r>
-                      <m:r>
-                        <a:rPr lang="pt-BR" b="0" i="1" smtClean="0">
-                          <a:latin typeface="Cambria Math" panose="02040503050406030204" pitchFamily="18" charset="0"/>
-                        </a:rPr>
-                        <m:t>𝑛</m:t>
-                      </m:r>
-                      <m:r>
-                        <a:rPr lang="pt-BR" b="0" i="1" smtClean="0">
-                          <a:latin typeface="Cambria Math" panose="02040503050406030204" pitchFamily="18" charset="0"/>
-                        </a:rPr>
-                        <m:t>),</m:t>
-                      </m:r>
-                    </m:oMath>
-                  </m:oMathPara>
-                </a14:m>
-                <a:endParaRPr lang="pt-BR" b="0" i="1" dirty="0">
-                  <a:latin typeface="Cambria Math" panose="02040503050406030204" pitchFamily="18" charset="0"/>
-                </a:endParaRPr>
-              </a:p>
-              <a:p>
-                <a:r>
-                  <a:rPr lang="pt-BR" dirty="0"/>
-                  <a:t>onde </a:t>
-                </a:r>
-                <a14:m>
-                  <m:oMath xmlns:m="http://schemas.openxmlformats.org/officeDocument/2006/math">
-                    <m:sSub>
-                      <m:sSubPr>
-                        <m:ctrlPr>
-                          <a:rPr lang="pt-BR" i="1" smtClean="0">
-                            <a:latin typeface="Cambria Math" panose="02040503050406030204" pitchFamily="18" charset="0"/>
-                          </a:rPr>
-                        </m:ctrlPr>
-                      </m:sSubPr>
-                      <m:e>
-                        <m:r>
-                          <a:rPr lang="pt-BR" b="0" i="1" smtClean="0">
-                            <a:latin typeface="Cambria Math" panose="02040503050406030204" pitchFamily="18" charset="0"/>
-                          </a:rPr>
-                          <m:t>𝑎</m:t>
-                        </m:r>
-                      </m:e>
-                      <m:sub>
-                        <m:r>
-                          <a:rPr lang="pt-BR" b="0" i="1" smtClean="0">
-                            <a:latin typeface="Cambria Math" panose="02040503050406030204" pitchFamily="18" charset="0"/>
-                          </a:rPr>
-                          <m:t>1</m:t>
-                        </m:r>
-                      </m:sub>
-                    </m:sSub>
-                    <m:r>
-                      <a:rPr lang="pt-BR" b="0" i="1" smtClean="0">
-                        <a:latin typeface="Cambria Math" panose="02040503050406030204" pitchFamily="18" charset="0"/>
-                      </a:rPr>
-                      <m:t>=1</m:t>
-                    </m:r>
-                  </m:oMath>
-                </a14:m>
-                <a:r>
-                  <a:rPr lang="pt-BR" dirty="0"/>
-                  <a:t>, </a:t>
-                </a:r>
-                <a14:m>
-                  <m:oMath xmlns:m="http://schemas.openxmlformats.org/officeDocument/2006/math">
-                    <m:sSub>
-                      <m:sSubPr>
-                        <m:ctrlPr>
-                          <a:rPr lang="pt-BR" i="1">
-                            <a:latin typeface="Cambria Math" panose="02040503050406030204" pitchFamily="18" charset="0"/>
-                          </a:rPr>
-                        </m:ctrlPr>
-                      </m:sSubPr>
-                      <m:e>
-                        <m:r>
-                          <a:rPr lang="pt-BR" i="1">
-                            <a:latin typeface="Cambria Math" panose="02040503050406030204" pitchFamily="18" charset="0"/>
-                          </a:rPr>
-                          <m:t>𝑎</m:t>
-                        </m:r>
-                      </m:e>
-                      <m:sub>
-                        <m:r>
-                          <a:rPr lang="pt-BR" b="0" i="1" smtClean="0">
-                            <a:latin typeface="Cambria Math" panose="02040503050406030204" pitchFamily="18" charset="0"/>
-                          </a:rPr>
-                          <m:t>2</m:t>
-                        </m:r>
-                      </m:sub>
-                    </m:sSub>
-                    <m:r>
-                      <a:rPr lang="pt-BR" i="1">
-                        <a:latin typeface="Cambria Math" panose="02040503050406030204" pitchFamily="18" charset="0"/>
-                      </a:rPr>
-                      <m:t>=1</m:t>
-                    </m:r>
-                  </m:oMath>
-                </a14:m>
-                <a:r>
-                  <a:rPr lang="pt-BR" dirty="0"/>
-                  <a:t>.</a:t>
-                </a:r>
-              </a:p>
-            </p:txBody>
-          </p:sp>
-        </mc:Choice>
-        <mc:Fallback xmlns="">
-          <p:sp>
-            <p:nvSpPr>
-              <p:cNvPr id="17" name="TextBox 16"/>
-              <p:cNvSpPr txBox="1">
-                <a:spLocks noRot="1" noChangeAspect="1" noMove="1" noResize="1" noEditPoints="1" noAdjustHandles="1" noChangeArrowheads="1" noChangeShapeType="1" noTextEdit="1"/>
-              </p:cNvSpPr>
-              <p:nvPr/>
-            </p:nvSpPr>
-            <p:spPr>
-              <a:xfrm>
-                <a:off x="228904" y="1312797"/>
-                <a:ext cx="3881118" cy="923330"/>
-              </a:xfrm>
-              <a:prstGeom prst="rect">
-                <a:avLst/>
-              </a:prstGeom>
-              <a:blipFill rotWithShape="0">
-                <a:blip r:embed="rId9"/>
-                <a:stretch>
-                  <a:fillRect l="-1415" t="-3289" b="-9211"/>
-                </a:stretch>
-              </a:blipFill>
-            </p:spPr>
-            <p:txBody>
-              <a:bodyPr/>
-              <a:lstStyle/>
-              <a:p>
-                <a:r>
-                  <a:rPr lang="pt-BR">
-                    <a:noFill/>
-                  </a:rPr>
-                  <a:t> </a:t>
-                </a:r>
-              </a:p>
-            </p:txBody>
-          </p:sp>
-        </mc:Fallback>
-      </mc:AlternateContent>
-      <mc:AlternateContent xmlns:mc="http://schemas.openxmlformats.org/markup-compatibility/2006" xmlns:a14="http://schemas.microsoft.com/office/drawing/2010/main">
-        <mc:Choice Requires="a14">
-          <p:sp>
-            <p:nvSpPr>
-              <p:cNvPr id="18" name="Rectangle 17"/>
-              <p:cNvSpPr/>
-              <p:nvPr/>
-            </p:nvSpPr>
-            <p:spPr>
-              <a:xfrm>
-                <a:off x="5342918" y="6335803"/>
-                <a:ext cx="1914052" cy="523220"/>
-              </a:xfrm>
-              <a:prstGeom prst="rect">
-                <a:avLst/>
-              </a:prstGeom>
-            </p:spPr>
-            <p:txBody>
-              <a:bodyPr wrap="square">
-                <a:spAutoFit/>
-              </a:bodyPr>
-              <a:lstStyle/>
-              <a:p>
-                <a:pPr/>
-                <a14:m>
-                  <m:oMathPara xmlns:m="http://schemas.openxmlformats.org/officeDocument/2006/math">
-                    <m:oMathParaPr>
-                      <m:jc m:val="centerGroup"/>
-                    </m:oMathParaPr>
-                    <m:oMath xmlns:m="http://schemas.openxmlformats.org/officeDocument/2006/math">
-                      <m:sSub>
-                        <m:sSubPr>
-                          <m:ctrlPr>
-                            <a:rPr lang="pt-BR" sz="1400" i="1" smtClean="0">
-                              <a:latin typeface="Cambria Math" panose="02040503050406030204" pitchFamily="18" charset="0"/>
-                            </a:rPr>
-                          </m:ctrlPr>
-                        </m:sSubPr>
-                        <m:e>
-                          <m:r>
-                            <a:rPr lang="pt-BR" sz="1400" i="1">
-                              <a:latin typeface="Cambria Math" panose="02040503050406030204" pitchFamily="18" charset="0"/>
-                            </a:rPr>
-                            <m:t>𝑥</m:t>
-                          </m:r>
-                        </m:e>
-                        <m:sub>
-                          <m:r>
-                            <a:rPr lang="pt-BR" sz="1400" i="1">
-                              <a:latin typeface="Cambria Math" panose="02040503050406030204" pitchFamily="18" charset="0"/>
-                            </a:rPr>
-                            <m:t>1</m:t>
-                          </m:r>
-                        </m:sub>
-                      </m:sSub>
-                      <m:r>
-                        <a:rPr lang="pt-BR" sz="1400" b="0" i="0" smtClean="0">
-                          <a:latin typeface="Cambria Math" panose="02040503050406030204" pitchFamily="18" charset="0"/>
-                        </a:rPr>
-                        <m:t>=2∗</m:t>
-                      </m:r>
-                      <m:r>
-                        <m:rPr>
-                          <m:sty m:val="p"/>
-                        </m:rPr>
-                        <a:rPr lang="pt-BR" sz="1400" b="0" i="0" smtClean="0">
-                          <a:latin typeface="Cambria Math" panose="02040503050406030204" pitchFamily="18" charset="0"/>
-                        </a:rPr>
-                        <m:t>randn</m:t>
-                      </m:r>
-                      <m:d>
-                        <m:dPr>
-                          <m:ctrlPr>
-                            <a:rPr lang="pt-BR" sz="1400" b="0" i="1" smtClean="0">
-                              <a:latin typeface="Cambria Math" panose="02040503050406030204" pitchFamily="18" charset="0"/>
-                            </a:rPr>
-                          </m:ctrlPr>
-                        </m:dPr>
-                        <m:e>
-                          <m:r>
-                            <m:rPr>
-                              <m:sty m:val="p"/>
-                            </m:rPr>
-                            <a:rPr lang="pt-BR" sz="1400" b="0" i="0" smtClean="0">
-                              <a:latin typeface="Cambria Math" panose="02040503050406030204" pitchFamily="18" charset="0"/>
-                            </a:rPr>
-                            <m:t>M</m:t>
-                          </m:r>
-                          <m:r>
-                            <a:rPr lang="pt-BR" sz="1400" b="0" i="0" smtClean="0">
-                              <a:latin typeface="Cambria Math" panose="02040503050406030204" pitchFamily="18" charset="0"/>
-                            </a:rPr>
-                            <m:t>,1</m:t>
-                          </m:r>
-                        </m:e>
-                      </m:d>
-                    </m:oMath>
-                  </m:oMathPara>
-                </a14:m>
-                <a:endParaRPr lang="pt-BR" sz="1400" b="0" dirty="0"/>
-              </a:p>
-              <a:p>
-                <a:pPr/>
-                <a14:m>
-                  <m:oMathPara xmlns:m="http://schemas.openxmlformats.org/officeDocument/2006/math">
-                    <m:oMathParaPr>
-                      <m:jc m:val="centerGroup"/>
-                    </m:oMathParaPr>
-                    <m:oMath xmlns:m="http://schemas.openxmlformats.org/officeDocument/2006/math">
-                      <m:sSub>
-                        <m:sSubPr>
-                          <m:ctrlPr>
-                            <a:rPr lang="pt-BR" sz="1400" i="1">
-                              <a:latin typeface="Cambria Math" panose="02040503050406030204" pitchFamily="18" charset="0"/>
-                            </a:rPr>
-                          </m:ctrlPr>
-                        </m:sSubPr>
-                        <m:e>
-                          <m:r>
-                            <a:rPr lang="pt-BR" sz="1400" i="1">
-                              <a:latin typeface="Cambria Math" panose="02040503050406030204" pitchFamily="18" charset="0"/>
-                            </a:rPr>
-                            <m:t>𝑥</m:t>
-                          </m:r>
-                        </m:e>
-                        <m:sub>
-                          <m:r>
-                            <a:rPr lang="pt-BR" sz="1400" b="0" i="1" smtClean="0">
-                              <a:latin typeface="Cambria Math" panose="02040503050406030204" pitchFamily="18" charset="0"/>
-                            </a:rPr>
-                            <m:t>2</m:t>
-                          </m:r>
-                        </m:sub>
-                      </m:sSub>
-                      <m:r>
-                        <a:rPr lang="pt-BR" sz="1400" b="0" i="1" smtClean="0">
-                          <a:latin typeface="Cambria Math" panose="02040503050406030204" pitchFamily="18" charset="0"/>
-                        </a:rPr>
-                        <m:t>=</m:t>
-                      </m:r>
-                      <m:r>
-                        <m:rPr>
-                          <m:sty m:val="p"/>
-                        </m:rPr>
-                        <a:rPr lang="pt-BR" sz="1400">
-                          <a:latin typeface="Cambria Math" panose="02040503050406030204" pitchFamily="18" charset="0"/>
-                        </a:rPr>
-                        <m:t>randn</m:t>
-                      </m:r>
-                      <m:d>
-                        <m:dPr>
-                          <m:ctrlPr>
-                            <a:rPr lang="pt-BR" sz="1400" i="1">
-                              <a:latin typeface="Cambria Math" panose="02040503050406030204" pitchFamily="18" charset="0"/>
-                            </a:rPr>
-                          </m:ctrlPr>
-                        </m:dPr>
-                        <m:e>
-                          <m:r>
-                            <m:rPr>
-                              <m:sty m:val="p"/>
-                            </m:rPr>
-                            <a:rPr lang="pt-BR" sz="1400">
-                              <a:latin typeface="Cambria Math" panose="02040503050406030204" pitchFamily="18" charset="0"/>
-                            </a:rPr>
-                            <m:t>M</m:t>
-                          </m:r>
-                          <m:r>
-                            <a:rPr lang="pt-BR" sz="1400">
-                              <a:latin typeface="Cambria Math" panose="02040503050406030204" pitchFamily="18" charset="0"/>
-                            </a:rPr>
-                            <m:t>,1</m:t>
-                          </m:r>
-                        </m:e>
-                      </m:d>
-                    </m:oMath>
-                  </m:oMathPara>
-                </a14:m>
-                <a:endParaRPr lang="pt-BR" sz="1400" dirty="0"/>
-              </a:p>
-            </p:txBody>
-          </p:sp>
-        </mc:Choice>
-        <mc:Fallback xmlns="">
-          <p:sp>
-            <p:nvSpPr>
-              <p:cNvPr id="18" name="Rectangle 17"/>
-              <p:cNvSpPr>
-                <a:spLocks noRot="1" noChangeAspect="1" noMove="1" noResize="1" noEditPoints="1" noAdjustHandles="1" noChangeArrowheads="1" noChangeShapeType="1" noTextEdit="1"/>
-              </p:cNvSpPr>
-              <p:nvPr/>
-            </p:nvSpPr>
-            <p:spPr>
-              <a:xfrm>
-                <a:off x="5342918" y="6335803"/>
-                <a:ext cx="1914052" cy="523220"/>
-              </a:xfrm>
-              <a:prstGeom prst="rect">
-                <a:avLst/>
-              </a:prstGeom>
-              <a:blipFill rotWithShape="0">
-                <a:blip r:embed="rId10"/>
-                <a:stretch>
-                  <a:fillRect/>
-                </a:stretch>
-              </a:blipFill>
-            </p:spPr>
-            <p:txBody>
-              <a:bodyPr/>
-              <a:lstStyle/>
-              <a:p>
-                <a:r>
-                  <a:rPr lang="pt-BR">
-                    <a:noFill/>
-                  </a:rPr>
-                  <a:t> </a:t>
-                </a:r>
-              </a:p>
-            </p:txBody>
-          </p:sp>
-        </mc:Fallback>
-      </mc:AlternateContent>
-      <mc:AlternateContent xmlns:mc="http://schemas.openxmlformats.org/markup-compatibility/2006" xmlns:a14="http://schemas.microsoft.com/office/drawing/2010/main">
-        <mc:Choice Requires="a14">
-          <p:sp>
-            <p:nvSpPr>
-              <p:cNvPr id="19" name="Rectangle 18"/>
-              <p:cNvSpPr/>
-              <p:nvPr/>
-            </p:nvSpPr>
-            <p:spPr>
-              <a:xfrm>
-                <a:off x="8032528" y="6320474"/>
-                <a:ext cx="1826462" cy="523220"/>
-              </a:xfrm>
-              <a:prstGeom prst="rect">
-                <a:avLst/>
-              </a:prstGeom>
-            </p:spPr>
-            <p:txBody>
-              <a:bodyPr wrap="none">
-                <a:spAutoFit/>
-              </a:bodyPr>
-              <a:lstStyle/>
-              <a:p>
-                <a:pPr/>
-                <a14:m>
-                  <m:oMathPara xmlns:m="http://schemas.openxmlformats.org/officeDocument/2006/math">
-                    <m:oMathParaPr>
-                      <m:jc m:val="centerGroup"/>
-                    </m:oMathParaPr>
-                    <m:oMath xmlns:m="http://schemas.openxmlformats.org/officeDocument/2006/math">
-                      <m:sSub>
-                        <m:sSubPr>
-                          <m:ctrlPr>
-                            <a:rPr lang="pt-BR" sz="1400" i="1" smtClean="0">
-                              <a:latin typeface="Cambria Math" panose="02040503050406030204" pitchFamily="18" charset="0"/>
-                            </a:rPr>
-                          </m:ctrlPr>
-                        </m:sSubPr>
-                        <m:e>
-                          <m:r>
-                            <a:rPr lang="pt-BR" sz="1400" i="1">
-                              <a:latin typeface="Cambria Math" panose="02040503050406030204" pitchFamily="18" charset="0"/>
-                            </a:rPr>
-                            <m:t>𝑥</m:t>
-                          </m:r>
-                        </m:e>
-                        <m:sub>
-                          <m:r>
-                            <a:rPr lang="pt-BR" sz="1400" i="1">
-                              <a:latin typeface="Cambria Math" panose="02040503050406030204" pitchFamily="18" charset="0"/>
-                            </a:rPr>
-                            <m:t>1</m:t>
-                          </m:r>
-                        </m:sub>
-                      </m:sSub>
-                      <m:r>
-                        <a:rPr lang="pt-BR" sz="1400" b="0" i="0" smtClean="0">
-                          <a:latin typeface="Cambria Math" panose="02040503050406030204" pitchFamily="18" charset="0"/>
-                        </a:rPr>
-                        <m:t>=</m:t>
-                      </m:r>
-                      <m:r>
-                        <m:rPr>
-                          <m:sty m:val="p"/>
-                        </m:rPr>
-                        <a:rPr lang="pt-BR" sz="1400" b="0" i="0" smtClean="0">
-                          <a:latin typeface="Cambria Math" panose="02040503050406030204" pitchFamily="18" charset="0"/>
-                        </a:rPr>
-                        <m:t>randn</m:t>
-                      </m:r>
-                      <m:d>
-                        <m:dPr>
-                          <m:ctrlPr>
-                            <a:rPr lang="pt-BR" sz="1400" b="0" i="1" smtClean="0">
-                              <a:latin typeface="Cambria Math" panose="02040503050406030204" pitchFamily="18" charset="0"/>
-                            </a:rPr>
-                          </m:ctrlPr>
-                        </m:dPr>
-                        <m:e>
-                          <m:r>
-                            <m:rPr>
-                              <m:sty m:val="p"/>
-                            </m:rPr>
-                            <a:rPr lang="pt-BR" sz="1400" b="0" i="0" smtClean="0">
-                              <a:latin typeface="Cambria Math" panose="02040503050406030204" pitchFamily="18" charset="0"/>
-                            </a:rPr>
-                            <m:t>M</m:t>
-                          </m:r>
-                          <m:r>
-                            <a:rPr lang="pt-BR" sz="1400" b="0" i="0" smtClean="0">
-                              <a:latin typeface="Cambria Math" panose="02040503050406030204" pitchFamily="18" charset="0"/>
-                            </a:rPr>
-                            <m:t>,1</m:t>
-                          </m:r>
-                        </m:e>
-                      </m:d>
-                    </m:oMath>
-                  </m:oMathPara>
-                </a14:m>
-                <a:endParaRPr lang="pt-BR" sz="1400" b="0" dirty="0"/>
-              </a:p>
-              <a:p>
-                <a:pPr/>
-                <a14:m>
-                  <m:oMathPara xmlns:m="http://schemas.openxmlformats.org/officeDocument/2006/math">
-                    <m:oMathParaPr>
-                      <m:jc m:val="centerGroup"/>
-                    </m:oMathParaPr>
-                    <m:oMath xmlns:m="http://schemas.openxmlformats.org/officeDocument/2006/math">
-                      <m:sSub>
-                        <m:sSubPr>
-                          <m:ctrlPr>
-                            <a:rPr lang="pt-BR" sz="1400" i="1">
-                              <a:latin typeface="Cambria Math" panose="02040503050406030204" pitchFamily="18" charset="0"/>
-                            </a:rPr>
-                          </m:ctrlPr>
-                        </m:sSubPr>
-                        <m:e>
-                          <m:r>
-                            <a:rPr lang="pt-BR" sz="1400" i="1">
-                              <a:latin typeface="Cambria Math" panose="02040503050406030204" pitchFamily="18" charset="0"/>
-                            </a:rPr>
-                            <m:t>𝑥</m:t>
-                          </m:r>
-                        </m:e>
-                        <m:sub>
-                          <m:r>
-                            <a:rPr lang="pt-BR" sz="1400" b="0" i="1" smtClean="0">
-                              <a:latin typeface="Cambria Math" panose="02040503050406030204" pitchFamily="18" charset="0"/>
-                            </a:rPr>
-                            <m:t>2</m:t>
-                          </m:r>
-                        </m:sub>
-                      </m:sSub>
-                      <m:r>
-                        <a:rPr lang="pt-BR" sz="1400" b="0" i="1" smtClean="0">
-                          <a:latin typeface="Cambria Math" panose="02040503050406030204" pitchFamily="18" charset="0"/>
-                        </a:rPr>
-                        <m:t>=</m:t>
-                      </m:r>
-                      <m:r>
-                        <a:rPr lang="pt-BR" sz="1400">
-                          <a:latin typeface="Cambria Math" panose="02040503050406030204" pitchFamily="18" charset="0"/>
-                        </a:rPr>
-                        <m:t>2∗</m:t>
-                      </m:r>
-                      <m:r>
-                        <m:rPr>
-                          <m:sty m:val="p"/>
-                        </m:rPr>
-                        <a:rPr lang="pt-BR" sz="1400">
-                          <a:latin typeface="Cambria Math" panose="02040503050406030204" pitchFamily="18" charset="0"/>
-                        </a:rPr>
-                        <m:t>randn</m:t>
-                      </m:r>
-                      <m:d>
-                        <m:dPr>
-                          <m:ctrlPr>
-                            <a:rPr lang="pt-BR" sz="1400" i="1">
-                              <a:latin typeface="Cambria Math" panose="02040503050406030204" pitchFamily="18" charset="0"/>
-                            </a:rPr>
-                          </m:ctrlPr>
-                        </m:dPr>
-                        <m:e>
-                          <m:r>
-                            <m:rPr>
-                              <m:sty m:val="p"/>
-                            </m:rPr>
-                            <a:rPr lang="pt-BR" sz="1400">
-                              <a:latin typeface="Cambria Math" panose="02040503050406030204" pitchFamily="18" charset="0"/>
-                            </a:rPr>
-                            <m:t>M</m:t>
-                          </m:r>
-                          <m:r>
-                            <a:rPr lang="pt-BR" sz="1400">
-                              <a:latin typeface="Cambria Math" panose="02040503050406030204" pitchFamily="18" charset="0"/>
-                            </a:rPr>
-                            <m:t>,1</m:t>
-                          </m:r>
-                        </m:e>
-                      </m:d>
-                    </m:oMath>
-                  </m:oMathPara>
-                </a14:m>
-                <a:endParaRPr lang="pt-BR" sz="1400" dirty="0"/>
-              </a:p>
-            </p:txBody>
-          </p:sp>
-        </mc:Choice>
-        <mc:Fallback xmlns="">
-          <p:sp>
-            <p:nvSpPr>
-              <p:cNvPr id="19" name="Rectangle 18"/>
-              <p:cNvSpPr>
-                <a:spLocks noRot="1" noChangeAspect="1" noMove="1" noResize="1" noEditPoints="1" noAdjustHandles="1" noChangeArrowheads="1" noChangeShapeType="1" noTextEdit="1"/>
-              </p:cNvSpPr>
-              <p:nvPr/>
-            </p:nvSpPr>
-            <p:spPr>
-              <a:xfrm>
-                <a:off x="8032528" y="6320474"/>
-                <a:ext cx="1826462" cy="523220"/>
-              </a:xfrm>
-              <a:prstGeom prst="rect">
-                <a:avLst/>
-              </a:prstGeom>
-              <a:blipFill rotWithShape="0">
-                <a:blip r:embed="rId11"/>
-                <a:stretch>
-                  <a:fillRect/>
-                </a:stretch>
-              </a:blipFill>
-            </p:spPr>
-            <p:txBody>
-              <a:bodyPr/>
-              <a:lstStyle/>
-              <a:p>
-                <a:r>
-                  <a:rPr lang="pt-BR">
-                    <a:noFill/>
-                  </a:rPr>
-                  <a:t> </a:t>
-                </a:r>
-              </a:p>
-            </p:txBody>
-          </p:sp>
-        </mc:Fallback>
-      </mc:AlternateContent>
-      <mc:AlternateContent xmlns:mc="http://schemas.openxmlformats.org/markup-compatibility/2006" xmlns:a14="http://schemas.microsoft.com/office/drawing/2010/main">
-        <mc:Choice Requires="a14">
-          <p:sp>
-            <p:nvSpPr>
-              <p:cNvPr id="20" name="Rectangle 19"/>
-              <p:cNvSpPr/>
-              <p:nvPr/>
-            </p:nvSpPr>
-            <p:spPr>
-              <a:xfrm>
-                <a:off x="10213233" y="6319285"/>
-                <a:ext cx="1560747" cy="523220"/>
-              </a:xfrm>
-              <a:prstGeom prst="rect">
-                <a:avLst/>
-              </a:prstGeom>
-            </p:spPr>
-            <p:txBody>
-              <a:bodyPr wrap="none">
-                <a:spAutoFit/>
-              </a:bodyPr>
-              <a:lstStyle/>
-              <a:p>
-                <a:pPr/>
-                <a14:m>
-                  <m:oMathPara xmlns:m="http://schemas.openxmlformats.org/officeDocument/2006/math">
-                    <m:oMathParaPr>
-                      <m:jc m:val="centerGroup"/>
-                    </m:oMathParaPr>
-                    <m:oMath xmlns:m="http://schemas.openxmlformats.org/officeDocument/2006/math">
-                      <m:sSub>
-                        <m:sSubPr>
-                          <m:ctrlPr>
-                            <a:rPr lang="pt-BR" sz="1400" i="1" smtClean="0">
-                              <a:latin typeface="Cambria Math" panose="02040503050406030204" pitchFamily="18" charset="0"/>
-                            </a:rPr>
-                          </m:ctrlPr>
-                        </m:sSubPr>
-                        <m:e>
-                          <m:r>
-                            <a:rPr lang="pt-BR" sz="1400" i="1">
-                              <a:latin typeface="Cambria Math" panose="02040503050406030204" pitchFamily="18" charset="0"/>
-                            </a:rPr>
-                            <m:t>𝑥</m:t>
-                          </m:r>
-                        </m:e>
-                        <m:sub>
-                          <m:r>
-                            <a:rPr lang="pt-BR" sz="1400" i="1">
-                              <a:latin typeface="Cambria Math" panose="02040503050406030204" pitchFamily="18" charset="0"/>
-                            </a:rPr>
-                            <m:t>1</m:t>
-                          </m:r>
-                        </m:sub>
-                      </m:sSub>
-                      <m:r>
-                        <a:rPr lang="pt-BR" sz="1400" b="0" i="0" smtClean="0">
-                          <a:latin typeface="Cambria Math" panose="02040503050406030204" pitchFamily="18" charset="0"/>
-                        </a:rPr>
-                        <m:t>=</m:t>
-                      </m:r>
-                      <m:r>
-                        <m:rPr>
-                          <m:sty m:val="p"/>
-                        </m:rPr>
-                        <a:rPr lang="pt-BR" sz="1400" b="0" i="0" smtClean="0">
-                          <a:latin typeface="Cambria Math" panose="02040503050406030204" pitchFamily="18" charset="0"/>
-                        </a:rPr>
-                        <m:t>randn</m:t>
-                      </m:r>
-                      <m:d>
-                        <m:dPr>
-                          <m:ctrlPr>
-                            <a:rPr lang="pt-BR" sz="1400" b="0" i="1" smtClean="0">
-                              <a:latin typeface="Cambria Math" panose="02040503050406030204" pitchFamily="18" charset="0"/>
-                            </a:rPr>
-                          </m:ctrlPr>
-                        </m:dPr>
-                        <m:e>
-                          <m:r>
-                            <m:rPr>
-                              <m:sty m:val="p"/>
-                            </m:rPr>
-                            <a:rPr lang="pt-BR" sz="1400" b="0" i="0" smtClean="0">
-                              <a:latin typeface="Cambria Math" panose="02040503050406030204" pitchFamily="18" charset="0"/>
-                            </a:rPr>
-                            <m:t>M</m:t>
-                          </m:r>
-                          <m:r>
-                            <a:rPr lang="pt-BR" sz="1400" b="0" i="0" smtClean="0">
-                              <a:latin typeface="Cambria Math" panose="02040503050406030204" pitchFamily="18" charset="0"/>
-                            </a:rPr>
-                            <m:t>,1</m:t>
-                          </m:r>
-                        </m:e>
-                      </m:d>
-                    </m:oMath>
-                  </m:oMathPara>
-                </a14:m>
-                <a:endParaRPr lang="pt-BR" sz="1400" b="0" dirty="0"/>
-              </a:p>
-              <a:p>
-                <a:pPr/>
-                <a14:m>
-                  <m:oMathPara xmlns:m="http://schemas.openxmlformats.org/officeDocument/2006/math">
-                    <m:oMathParaPr>
-                      <m:jc m:val="centerGroup"/>
-                    </m:oMathParaPr>
-                    <m:oMath xmlns:m="http://schemas.openxmlformats.org/officeDocument/2006/math">
-                      <m:sSub>
-                        <m:sSubPr>
-                          <m:ctrlPr>
-                            <a:rPr lang="pt-BR" sz="1400" i="1">
-                              <a:latin typeface="Cambria Math" panose="02040503050406030204" pitchFamily="18" charset="0"/>
-                            </a:rPr>
-                          </m:ctrlPr>
-                        </m:sSubPr>
-                        <m:e>
-                          <m:r>
-                            <a:rPr lang="pt-BR" sz="1400" i="1">
-                              <a:latin typeface="Cambria Math" panose="02040503050406030204" pitchFamily="18" charset="0"/>
-                            </a:rPr>
-                            <m:t>𝑥</m:t>
-                          </m:r>
-                        </m:e>
-                        <m:sub>
-                          <m:r>
-                            <a:rPr lang="pt-BR" sz="1400" b="0" i="1" smtClean="0">
-                              <a:latin typeface="Cambria Math" panose="02040503050406030204" pitchFamily="18" charset="0"/>
-                            </a:rPr>
-                            <m:t>2</m:t>
-                          </m:r>
-                        </m:sub>
-                      </m:sSub>
-                      <m:r>
-                        <a:rPr lang="pt-BR" sz="1400" b="0" i="1" smtClean="0">
-                          <a:latin typeface="Cambria Math" panose="02040503050406030204" pitchFamily="18" charset="0"/>
-                        </a:rPr>
-                        <m:t>=</m:t>
-                      </m:r>
-                      <m:r>
-                        <m:rPr>
-                          <m:sty m:val="p"/>
-                        </m:rPr>
-                        <a:rPr lang="pt-BR" sz="1400">
-                          <a:latin typeface="Cambria Math" panose="02040503050406030204" pitchFamily="18" charset="0"/>
-                        </a:rPr>
-                        <m:t>randn</m:t>
-                      </m:r>
-                      <m:d>
-                        <m:dPr>
-                          <m:ctrlPr>
-                            <a:rPr lang="pt-BR" sz="1400" i="1">
-                              <a:latin typeface="Cambria Math" panose="02040503050406030204" pitchFamily="18" charset="0"/>
-                            </a:rPr>
-                          </m:ctrlPr>
-                        </m:dPr>
-                        <m:e>
-                          <m:r>
-                            <m:rPr>
-                              <m:sty m:val="p"/>
-                            </m:rPr>
-                            <a:rPr lang="pt-BR" sz="1400">
-                              <a:latin typeface="Cambria Math" panose="02040503050406030204" pitchFamily="18" charset="0"/>
-                            </a:rPr>
-                            <m:t>M</m:t>
-                          </m:r>
-                          <m:r>
-                            <a:rPr lang="pt-BR" sz="1400">
-                              <a:latin typeface="Cambria Math" panose="02040503050406030204" pitchFamily="18" charset="0"/>
-                            </a:rPr>
-                            <m:t>,1</m:t>
-                          </m:r>
-                        </m:e>
-                      </m:d>
-                    </m:oMath>
-                  </m:oMathPara>
-                </a14:m>
-                <a:endParaRPr lang="pt-BR" sz="1400" dirty="0"/>
-              </a:p>
-            </p:txBody>
-          </p:sp>
-        </mc:Choice>
-        <mc:Fallback xmlns="">
-          <p:sp>
-            <p:nvSpPr>
-              <p:cNvPr id="20" name="Rectangle 19"/>
-              <p:cNvSpPr>
-                <a:spLocks noRot="1" noChangeAspect="1" noMove="1" noResize="1" noEditPoints="1" noAdjustHandles="1" noChangeArrowheads="1" noChangeShapeType="1" noTextEdit="1"/>
-              </p:cNvSpPr>
-              <p:nvPr/>
-            </p:nvSpPr>
-            <p:spPr>
-              <a:xfrm>
-                <a:off x="10213233" y="6319285"/>
-                <a:ext cx="1560747" cy="523220"/>
-              </a:xfrm>
-              <a:prstGeom prst="rect">
-                <a:avLst/>
-              </a:prstGeom>
-              <a:blipFill rotWithShape="0">
-                <a:blip r:embed="rId12"/>
-                <a:stretch>
-                  <a:fillRect/>
-                </a:stretch>
-              </a:blipFill>
-            </p:spPr>
-            <p:txBody>
-              <a:bodyPr/>
-              <a:lstStyle/>
-              <a:p>
-                <a:r>
-                  <a:rPr lang="pt-BR">
-                    <a:noFill/>
-                  </a:rPr>
-                  <a:t> </a:t>
-                </a:r>
-              </a:p>
-            </p:txBody>
-          </p:sp>
-        </mc:Fallback>
-      </mc:AlternateContent>
-      <mc:AlternateContent xmlns:mc="http://schemas.openxmlformats.org/markup-compatibility/2006" xmlns:a14="http://schemas.microsoft.com/office/drawing/2010/main">
-        <mc:Choice Requires="a14">
-          <p:sp>
-            <p:nvSpPr>
-              <p:cNvPr id="21" name="Rectangle 20"/>
-              <p:cNvSpPr/>
-              <p:nvPr/>
-            </p:nvSpPr>
-            <p:spPr>
-              <a:xfrm>
-                <a:off x="134383" y="2700687"/>
-                <a:ext cx="5109989" cy="871457"/>
-              </a:xfrm>
-              <a:prstGeom prst="rect">
-                <a:avLst/>
-              </a:prstGeom>
-            </p:spPr>
-            <p:txBody>
-              <a:bodyPr wrap="none">
-                <a:spAutoFit/>
-              </a:bodyPr>
-              <a:lstStyle/>
-              <a:p>
-                <a:pPr/>
-                <a14:m>
-                  <m:oMathPara xmlns:m="http://schemas.openxmlformats.org/officeDocument/2006/math">
-                    <m:oMathParaPr>
-                      <m:jc m:val="centerGroup"/>
-                    </m:oMathParaPr>
-                    <m:oMath xmlns:m="http://schemas.openxmlformats.org/officeDocument/2006/math">
-                      <m:sSub>
-                        <m:sSubPr>
-                          <m:ctrlPr>
-                            <a:rPr lang="pt-BR" i="1" smtClean="0">
-                              <a:latin typeface="Cambria Math" panose="02040503050406030204" pitchFamily="18" charset="0"/>
-                            </a:rPr>
-                          </m:ctrlPr>
-                        </m:sSubPr>
-                        <m:e>
-                          <m:r>
-                            <a:rPr lang="pt-BR" i="1">
-                              <a:latin typeface="Cambria Math" panose="02040503050406030204" pitchFamily="18" charset="0"/>
-                            </a:rPr>
-                            <m:t>𝐽</m:t>
-                          </m:r>
-                        </m:e>
-                        <m:sub>
-                          <m:r>
-                            <a:rPr lang="pt-BR" i="1">
-                              <a:latin typeface="Cambria Math" panose="02040503050406030204" pitchFamily="18" charset="0"/>
-                            </a:rPr>
-                            <m:t>𝑒</m:t>
-                          </m:r>
-                        </m:sub>
-                      </m:sSub>
-                      <m:d>
-                        <m:dPr>
-                          <m:ctrlPr>
-                            <a:rPr lang="pt-BR" i="1">
-                              <a:latin typeface="Cambria Math" panose="02040503050406030204" pitchFamily="18" charset="0"/>
-                            </a:rPr>
-                          </m:ctrlPr>
-                        </m:dPr>
-                        <m:e>
-                          <m:r>
-                            <a:rPr lang="pt-BR" b="1" i="1">
-                              <a:latin typeface="Cambria Math" panose="02040503050406030204" pitchFamily="18" charset="0"/>
-                            </a:rPr>
-                            <m:t>𝒂</m:t>
-                          </m:r>
-                        </m:e>
-                      </m:d>
-                      <m:r>
-                        <a:rPr lang="pt-BR" i="1">
-                          <a:latin typeface="Cambria Math" panose="02040503050406030204" pitchFamily="18" charset="0"/>
-                        </a:rPr>
-                        <m:t>=</m:t>
-                      </m:r>
-                      <m:f>
-                        <m:fPr>
-                          <m:ctrlPr>
-                            <a:rPr lang="pt-BR" i="1">
-                              <a:latin typeface="Cambria Math" panose="02040503050406030204" pitchFamily="18" charset="0"/>
-                            </a:rPr>
-                          </m:ctrlPr>
-                        </m:fPr>
-                        <m:num>
-                          <m:r>
-                            <a:rPr lang="pt-BR" i="1">
-                              <a:latin typeface="Cambria Math" panose="02040503050406030204" pitchFamily="18" charset="0"/>
-                            </a:rPr>
-                            <m:t>1</m:t>
-                          </m:r>
-                        </m:num>
-                        <m:den>
-                          <m:r>
-                            <a:rPr lang="pt-BR" i="1">
-                              <a:latin typeface="Cambria Math" panose="02040503050406030204" pitchFamily="18" charset="0"/>
-                            </a:rPr>
-                            <m:t>𝑁</m:t>
-                          </m:r>
-                        </m:den>
-                      </m:f>
-                      <m:nary>
-                        <m:naryPr>
-                          <m:chr m:val="∑"/>
-                          <m:ctrlPr>
-                            <a:rPr lang="pt-BR" i="1">
-                              <a:latin typeface="Cambria Math" panose="02040503050406030204" pitchFamily="18" charset="0"/>
-                            </a:rPr>
-                          </m:ctrlPr>
-                        </m:naryPr>
-                        <m:sub>
-                          <m:r>
-                            <a:rPr lang="pt-BR" b="0" i="1" smtClean="0">
-                              <a:latin typeface="Cambria Math" panose="02040503050406030204" pitchFamily="18" charset="0"/>
-                            </a:rPr>
-                            <m:t>𝑛</m:t>
-                          </m:r>
-                          <m:r>
-                            <a:rPr lang="pt-BR" i="1">
-                              <a:latin typeface="Cambria Math" panose="02040503050406030204" pitchFamily="18" charset="0"/>
-                            </a:rPr>
-                            <m:t>=0</m:t>
-                          </m:r>
-                        </m:sub>
-                        <m:sup>
-                          <m:r>
-                            <a:rPr lang="pt-BR" i="1">
-                              <a:latin typeface="Cambria Math" panose="02040503050406030204" pitchFamily="18" charset="0"/>
-                            </a:rPr>
-                            <m:t>𝑁</m:t>
-                          </m:r>
-                          <m:r>
-                            <a:rPr lang="pt-BR" i="1">
-                              <a:latin typeface="Cambria Math" panose="02040503050406030204" pitchFamily="18" charset="0"/>
-                            </a:rPr>
-                            <m:t>−1</m:t>
-                          </m:r>
-                        </m:sup>
-                        <m:e>
-                          <m:sSup>
-                            <m:sSupPr>
-                              <m:ctrlPr>
-                                <a:rPr lang="pt-BR" i="1">
-                                  <a:latin typeface="Cambria Math" panose="02040503050406030204" pitchFamily="18" charset="0"/>
-                                </a:rPr>
-                              </m:ctrlPr>
-                            </m:sSupPr>
-                            <m:e>
-                              <m:d>
-                                <m:dPr>
-                                  <m:begChr m:val="["/>
-                                  <m:endChr m:val="]"/>
-                                  <m:ctrlPr>
-                                    <a:rPr lang="pt-BR" i="1" smtClean="0">
-                                      <a:latin typeface="Cambria Math" panose="02040503050406030204" pitchFamily="18" charset="0"/>
-                                    </a:rPr>
-                                  </m:ctrlPr>
-                                </m:dPr>
-                                <m:e>
-                                  <m:sSub>
-                                    <m:sSubPr>
-                                      <m:ctrlPr>
-                                        <a:rPr lang="pt-BR" i="1">
-                                          <a:latin typeface="Cambria Math" panose="02040503050406030204" pitchFamily="18" charset="0"/>
-                                        </a:rPr>
-                                      </m:ctrlPr>
-                                    </m:sSubPr>
-                                    <m:e>
-                                      <m:r>
-                                        <a:rPr lang="pt-BR" i="1">
-                                          <a:latin typeface="Cambria Math" panose="02040503050406030204" pitchFamily="18" charset="0"/>
-                                        </a:rPr>
-                                        <m:t>𝑦</m:t>
-                                      </m:r>
-                                    </m:e>
-                                    <m:sub>
-                                      <m:r>
-                                        <m:rPr>
-                                          <m:sty m:val="p"/>
-                                        </m:rPr>
-                                        <a:rPr lang="pt-BR">
-                                          <a:latin typeface="Cambria Math" panose="02040503050406030204" pitchFamily="18" charset="0"/>
-                                        </a:rPr>
-                                        <m:t>noisy</m:t>
-                                      </m:r>
-                                    </m:sub>
-                                  </m:sSub>
-                                  <m:r>
-                                    <a:rPr lang="pt-BR" i="1">
-                                      <a:latin typeface="Cambria Math" panose="02040503050406030204" pitchFamily="18" charset="0"/>
-                                    </a:rPr>
-                                    <m:t>(</m:t>
-                                  </m:r>
-                                  <m:r>
-                                    <a:rPr lang="pt-BR" i="1">
-                                      <a:latin typeface="Cambria Math" panose="02040503050406030204" pitchFamily="18" charset="0"/>
-                                    </a:rPr>
-                                    <m:t>𝑛</m:t>
-                                  </m:r>
-                                  <m:r>
-                                    <a:rPr lang="pt-BR" i="1">
-                                      <a:latin typeface="Cambria Math" panose="02040503050406030204" pitchFamily="18" charset="0"/>
-                                    </a:rPr>
-                                    <m:t>)−</m:t>
-                                  </m:r>
-                                  <m:d>
-                                    <m:dPr>
-                                      <m:ctrlPr>
-                                        <a:rPr lang="pt-BR" i="1" dirty="0" smtClean="0">
-                                          <a:latin typeface="Cambria Math" panose="02040503050406030204" pitchFamily="18" charset="0"/>
-                                        </a:rPr>
-                                      </m:ctrlPr>
-                                    </m:dPr>
-                                    <m:e>
-                                      <m:acc>
-                                        <m:accPr>
-                                          <m:chr m:val="̂"/>
-                                          <m:ctrlPr>
-                                            <a:rPr lang="pt-BR" i="1">
-                                              <a:latin typeface="Cambria Math" panose="02040503050406030204" pitchFamily="18" charset="0"/>
-                                              <a:ea typeface="Cambria Math" panose="02040503050406030204" pitchFamily="18" charset="0"/>
-                                            </a:rPr>
-                                          </m:ctrlPr>
-                                        </m:accPr>
-                                        <m:e>
-                                          <m:sSub>
-                                            <m:sSubPr>
-                                              <m:ctrlPr>
-                                                <a:rPr lang="pt-BR" i="1">
-                                                  <a:latin typeface="Cambria Math" panose="02040503050406030204" pitchFamily="18" charset="0"/>
-                                                  <a:ea typeface="Cambria Math" panose="02040503050406030204" pitchFamily="18" charset="0"/>
-                                                </a:rPr>
-                                              </m:ctrlPr>
-                                            </m:sSubPr>
-                                            <m:e>
-                                              <m:r>
-                                                <a:rPr lang="pt-BR" i="1">
-                                                  <a:latin typeface="Cambria Math" panose="02040503050406030204" pitchFamily="18" charset="0"/>
-                                                  <a:ea typeface="Cambria Math" panose="02040503050406030204" pitchFamily="18" charset="0"/>
-                                                </a:rPr>
-                                                <m:t>𝑎</m:t>
-                                              </m:r>
-                                            </m:e>
-                                            <m:sub>
-                                              <m:r>
-                                                <a:rPr lang="pt-BR" i="1">
-                                                  <a:latin typeface="Cambria Math" panose="02040503050406030204" pitchFamily="18" charset="0"/>
-                                                  <a:ea typeface="Cambria Math" panose="02040503050406030204" pitchFamily="18" charset="0"/>
-                                                </a:rPr>
-                                                <m:t>1</m:t>
-                                              </m:r>
-                                            </m:sub>
-                                          </m:sSub>
-                                        </m:e>
-                                      </m:acc>
-                                      <m:sSub>
-                                        <m:sSubPr>
-                                          <m:ctrlPr>
-                                            <a:rPr lang="pt-BR" i="1">
-                                              <a:latin typeface="Cambria Math" panose="02040503050406030204" pitchFamily="18" charset="0"/>
-                                            </a:rPr>
-                                          </m:ctrlPr>
-                                        </m:sSubPr>
-                                        <m:e>
-                                          <m:r>
-                                            <a:rPr lang="pt-BR" i="1">
-                                              <a:latin typeface="Cambria Math" panose="02040503050406030204" pitchFamily="18" charset="0"/>
-                                            </a:rPr>
-                                            <m:t>𝑥</m:t>
-                                          </m:r>
-                                        </m:e>
-                                        <m:sub>
-                                          <m:r>
-                                            <a:rPr lang="pt-BR" i="1">
-                                              <a:latin typeface="Cambria Math" panose="02040503050406030204" pitchFamily="18" charset="0"/>
-                                            </a:rPr>
-                                            <m:t>1</m:t>
-                                          </m:r>
-                                        </m:sub>
-                                      </m:sSub>
-                                      <m:r>
-                                        <a:rPr lang="pt-BR" b="0" i="1" smtClean="0">
-                                          <a:latin typeface="Cambria Math" panose="02040503050406030204" pitchFamily="18" charset="0"/>
-                                        </a:rPr>
-                                        <m:t>(</m:t>
-                                      </m:r>
-                                      <m:r>
-                                        <a:rPr lang="pt-BR" b="0" i="1" smtClean="0">
-                                          <a:latin typeface="Cambria Math" panose="02040503050406030204" pitchFamily="18" charset="0"/>
-                                        </a:rPr>
-                                        <m:t>𝑛</m:t>
-                                      </m:r>
-                                      <m:r>
-                                        <a:rPr lang="pt-BR" b="0" i="1" smtClean="0">
-                                          <a:latin typeface="Cambria Math" panose="02040503050406030204" pitchFamily="18" charset="0"/>
-                                        </a:rPr>
-                                        <m:t>)+</m:t>
-                                      </m:r>
-                                      <m:acc>
-                                        <m:accPr>
-                                          <m:chr m:val="̂"/>
-                                          <m:ctrlPr>
-                                            <a:rPr lang="pt-BR" i="1">
-                                              <a:latin typeface="Cambria Math" panose="02040503050406030204" pitchFamily="18" charset="0"/>
-                                              <a:ea typeface="Cambria Math" panose="02040503050406030204" pitchFamily="18" charset="0"/>
-                                            </a:rPr>
-                                          </m:ctrlPr>
-                                        </m:accPr>
-                                        <m:e>
-                                          <m:sSub>
-                                            <m:sSubPr>
-                                              <m:ctrlPr>
-                                                <a:rPr lang="pt-BR" i="1">
-                                                  <a:latin typeface="Cambria Math" panose="02040503050406030204" pitchFamily="18" charset="0"/>
-                                                  <a:ea typeface="Cambria Math" panose="02040503050406030204" pitchFamily="18" charset="0"/>
-                                                </a:rPr>
-                                              </m:ctrlPr>
-                                            </m:sSubPr>
-                                            <m:e>
-                                              <m:r>
-                                                <a:rPr lang="pt-BR" i="1">
-                                                  <a:latin typeface="Cambria Math" panose="02040503050406030204" pitchFamily="18" charset="0"/>
-                                                  <a:ea typeface="Cambria Math" panose="02040503050406030204" pitchFamily="18" charset="0"/>
-                                                </a:rPr>
-                                                <m:t>𝑎</m:t>
-                                              </m:r>
-                                            </m:e>
-                                            <m:sub>
-                                              <m:r>
-                                                <a:rPr lang="pt-BR" b="0" i="1" smtClean="0">
-                                                  <a:latin typeface="Cambria Math" panose="02040503050406030204" pitchFamily="18" charset="0"/>
-                                                  <a:ea typeface="Cambria Math" panose="02040503050406030204" pitchFamily="18" charset="0"/>
-                                                </a:rPr>
-                                                <m:t>2</m:t>
-                                              </m:r>
-                                            </m:sub>
-                                          </m:sSub>
-                                        </m:e>
-                                      </m:acc>
-                                      <m:sSub>
-                                        <m:sSubPr>
-                                          <m:ctrlPr>
-                                            <a:rPr lang="pt-BR" i="1">
-                                              <a:latin typeface="Cambria Math" panose="02040503050406030204" pitchFamily="18" charset="0"/>
-                                            </a:rPr>
-                                          </m:ctrlPr>
-                                        </m:sSubPr>
-                                        <m:e>
-                                          <m:r>
-                                            <a:rPr lang="pt-BR" i="1">
-                                              <a:latin typeface="Cambria Math" panose="02040503050406030204" pitchFamily="18" charset="0"/>
-                                            </a:rPr>
-                                            <m:t>𝑥</m:t>
-                                          </m:r>
-                                        </m:e>
-                                        <m:sub>
-                                          <m:r>
-                                            <a:rPr lang="pt-BR" b="0" i="1" smtClean="0">
-                                              <a:latin typeface="Cambria Math" panose="02040503050406030204" pitchFamily="18" charset="0"/>
-                                            </a:rPr>
-                                            <m:t>2</m:t>
-                                          </m:r>
-                                        </m:sub>
-                                      </m:sSub>
-                                      <m:r>
-                                        <a:rPr lang="pt-BR" b="0" i="1" smtClean="0">
-                                          <a:latin typeface="Cambria Math" panose="02040503050406030204" pitchFamily="18" charset="0"/>
-                                        </a:rPr>
-                                        <m:t>(</m:t>
-                                      </m:r>
-                                      <m:r>
-                                        <a:rPr lang="pt-BR" b="0" i="1" smtClean="0">
-                                          <a:latin typeface="Cambria Math" panose="02040503050406030204" pitchFamily="18" charset="0"/>
-                                        </a:rPr>
-                                        <m:t>𝑛</m:t>
-                                      </m:r>
-                                      <m:r>
-                                        <a:rPr lang="pt-BR" b="0" i="1" smtClean="0">
-                                          <a:latin typeface="Cambria Math" panose="02040503050406030204" pitchFamily="18" charset="0"/>
-                                        </a:rPr>
-                                        <m:t>)</m:t>
-                                      </m:r>
-                                    </m:e>
-                                  </m:d>
-                                </m:e>
-                              </m:d>
-                            </m:e>
-                            <m:sup>
-                              <m:r>
-                                <a:rPr lang="pt-BR" i="1">
-                                  <a:latin typeface="Cambria Math" panose="02040503050406030204" pitchFamily="18" charset="0"/>
-                                </a:rPr>
-                                <m:t>2</m:t>
-                              </m:r>
-                            </m:sup>
-                          </m:sSup>
-                        </m:e>
-                      </m:nary>
-                    </m:oMath>
-                  </m:oMathPara>
-                </a14:m>
-                <a:endParaRPr lang="pt-BR" dirty="0"/>
-              </a:p>
-            </p:txBody>
-          </p:sp>
-        </mc:Choice>
-        <mc:Fallback xmlns="">
-          <p:sp>
-            <p:nvSpPr>
-              <p:cNvPr id="21" name="Rectangle 20"/>
-              <p:cNvSpPr>
-                <a:spLocks noRot="1" noChangeAspect="1" noMove="1" noResize="1" noEditPoints="1" noAdjustHandles="1" noChangeArrowheads="1" noChangeShapeType="1" noTextEdit="1"/>
-              </p:cNvSpPr>
-              <p:nvPr/>
-            </p:nvSpPr>
-            <p:spPr>
-              <a:xfrm>
-                <a:off x="134383" y="2700687"/>
-                <a:ext cx="5109989" cy="871457"/>
-              </a:xfrm>
-              <a:prstGeom prst="rect">
-                <a:avLst/>
-              </a:prstGeom>
-              <a:blipFill rotWithShape="0">
-                <a:blip r:embed="rId13"/>
-                <a:stretch>
-                  <a:fillRect/>
-                </a:stretch>
-              </a:blipFill>
-            </p:spPr>
-            <p:txBody>
-              <a:bodyPr/>
-              <a:lstStyle/>
-              <a:p>
-                <a:r>
-                  <a:rPr lang="pt-BR">
-                    <a:noFill/>
-                  </a:rPr>
-                  <a:t> </a:t>
-                </a:r>
-              </a:p>
-            </p:txBody>
-          </p:sp>
-        </mc:Fallback>
-      </mc:AlternateContent>
-      <p:sp>
-        <p:nvSpPr>
-          <p:cNvPr id="22" name="TextBox 21"/>
-          <p:cNvSpPr txBox="1"/>
-          <p:nvPr/>
-        </p:nvSpPr>
-        <p:spPr>
-          <a:xfrm>
-            <a:off x="181930" y="2319231"/>
-            <a:ext cx="3973440" cy="369332"/>
-          </a:xfrm>
-          <a:prstGeom prst="rect">
-            <a:avLst/>
-          </a:prstGeom>
-          <a:noFill/>
-        </p:spPr>
-        <p:txBody>
-          <a:bodyPr wrap="square" rtlCol="0">
-            <a:spAutoFit/>
-          </a:bodyPr>
-          <a:lstStyle/>
-          <a:p>
-            <a:r>
-              <a:rPr lang="pt-BR" dirty="0"/>
-              <a:t>Para plotar a superfície de erro usamos:</a:t>
-            </a:r>
-          </a:p>
-        </p:txBody>
-      </p:sp>
-      <mc:AlternateContent xmlns:mc="http://schemas.openxmlformats.org/markup-compatibility/2006" xmlns:a14="http://schemas.microsoft.com/office/drawing/2010/main">
-        <mc:Choice Requires="a14">
-          <p:sp>
-            <p:nvSpPr>
-              <p:cNvPr id="23" name="TextBox 22"/>
-              <p:cNvSpPr txBox="1"/>
-              <p:nvPr/>
-            </p:nvSpPr>
-            <p:spPr>
-              <a:xfrm>
-                <a:off x="131660" y="3896497"/>
-                <a:ext cx="5112712" cy="2031325"/>
-              </a:xfrm>
-              <a:prstGeom prst="rect">
-                <a:avLst/>
-              </a:prstGeom>
-              <a:noFill/>
-            </p:spPr>
-            <p:txBody>
-              <a:bodyPr wrap="square" rtlCol="0">
-                <a:spAutoFit/>
-              </a:bodyPr>
-              <a:lstStyle/>
-              <a:p>
-                <a:pPr marL="285750" indent="-285750">
-                  <a:buFont typeface="Arial" panose="020B0604020202020204" pitchFamily="34" charset="0"/>
-                  <a:buChar char="•"/>
-                </a:pPr>
-                <a14:m>
-                  <m:oMath xmlns:m="http://schemas.openxmlformats.org/officeDocument/2006/math">
-                    <m:sSub>
-                      <m:sSubPr>
-                        <m:ctrlPr>
-                          <a:rPr lang="pt-BR" i="1" smtClean="0">
-                            <a:latin typeface="Cambria Math" panose="02040503050406030204" pitchFamily="18" charset="0"/>
-                          </a:rPr>
-                        </m:ctrlPr>
-                      </m:sSubPr>
-                      <m:e>
-                        <m:r>
-                          <a:rPr lang="pt-BR" i="1">
-                            <a:latin typeface="Cambria Math" panose="02040503050406030204" pitchFamily="18" charset="0"/>
-                          </a:rPr>
-                          <m:t>𝑥</m:t>
-                        </m:r>
-                      </m:e>
-                      <m:sub>
-                        <m:r>
-                          <a:rPr lang="pt-BR" i="1">
-                            <a:latin typeface="Cambria Math" panose="02040503050406030204" pitchFamily="18" charset="0"/>
-                          </a:rPr>
-                          <m:t>1</m:t>
-                        </m:r>
-                      </m:sub>
-                    </m:sSub>
-                    <m:r>
-                      <a:rPr lang="pt-BR" i="1" smtClean="0">
-                        <a:latin typeface="Cambria Math" panose="02040503050406030204" pitchFamily="18" charset="0"/>
-                        <a:ea typeface="Cambria Math" panose="02040503050406030204" pitchFamily="18" charset="0"/>
-                      </a:rPr>
-                      <m:t>≫</m:t>
-                    </m:r>
-                    <m:sSub>
-                      <m:sSubPr>
-                        <m:ctrlPr>
-                          <a:rPr lang="pt-BR" i="1" smtClean="0">
-                            <a:latin typeface="Cambria Math" panose="02040503050406030204" pitchFamily="18" charset="0"/>
-                          </a:rPr>
-                        </m:ctrlPr>
-                      </m:sSubPr>
-                      <m:e>
-                        <m:r>
-                          <a:rPr lang="pt-BR" i="1">
-                            <a:latin typeface="Cambria Math" panose="02040503050406030204" pitchFamily="18" charset="0"/>
-                          </a:rPr>
-                          <m:t>𝑥</m:t>
-                        </m:r>
-                      </m:e>
-                      <m:sub>
-                        <m:r>
-                          <a:rPr lang="pt-BR" b="0" i="1" smtClean="0">
-                            <a:latin typeface="Cambria Math" panose="02040503050406030204" pitchFamily="18" charset="0"/>
-                          </a:rPr>
-                          <m:t>2</m:t>
-                        </m:r>
-                      </m:sub>
-                    </m:sSub>
-                  </m:oMath>
-                </a14:m>
-                <a:r>
-                  <a:rPr lang="pt-BR" dirty="0"/>
-                  <a:t>: erro varia mais rapidamente com variações de </a:t>
-                </a:r>
-                <a14:m>
-                  <m:oMath xmlns:m="http://schemas.openxmlformats.org/officeDocument/2006/math">
-                    <m:acc>
-                      <m:accPr>
-                        <m:chr m:val="̂"/>
-                        <m:ctrlPr>
-                          <a:rPr lang="pt-BR" i="1">
-                            <a:latin typeface="Cambria Math" panose="02040503050406030204" pitchFamily="18" charset="0"/>
-                            <a:ea typeface="Cambria Math" panose="02040503050406030204" pitchFamily="18" charset="0"/>
-                          </a:rPr>
-                        </m:ctrlPr>
-                      </m:accPr>
-                      <m:e>
-                        <m:sSub>
-                          <m:sSubPr>
-                            <m:ctrlPr>
-                              <a:rPr lang="pt-BR" i="1">
-                                <a:latin typeface="Cambria Math" panose="02040503050406030204" pitchFamily="18" charset="0"/>
-                                <a:ea typeface="Cambria Math" panose="02040503050406030204" pitchFamily="18" charset="0"/>
-                              </a:rPr>
-                            </m:ctrlPr>
-                          </m:sSubPr>
-                          <m:e>
-                            <m:r>
-                              <a:rPr lang="pt-BR" i="1">
-                                <a:latin typeface="Cambria Math" panose="02040503050406030204" pitchFamily="18" charset="0"/>
-                                <a:ea typeface="Cambria Math" panose="02040503050406030204" pitchFamily="18" charset="0"/>
-                              </a:rPr>
-                              <m:t>𝑎</m:t>
-                            </m:r>
-                          </m:e>
-                          <m:sub>
-                            <m:r>
-                              <a:rPr lang="pt-BR" i="1">
-                                <a:latin typeface="Cambria Math" panose="02040503050406030204" pitchFamily="18" charset="0"/>
-                                <a:ea typeface="Cambria Math" panose="02040503050406030204" pitchFamily="18" charset="0"/>
-                              </a:rPr>
-                              <m:t>1</m:t>
-                            </m:r>
-                          </m:sub>
-                        </m:sSub>
-                      </m:e>
-                    </m:acc>
-                  </m:oMath>
-                </a14:m>
-                <a:r>
-                  <a:rPr lang="pt-BR" dirty="0"/>
-                  <a:t>, resultando num vale.</a:t>
-                </a:r>
-              </a:p>
-              <a:p>
-                <a:pPr marL="285750" indent="-285750">
-                  <a:buFont typeface="Arial" panose="020B0604020202020204" pitchFamily="34" charset="0"/>
-                  <a:buChar char="•"/>
-                </a:pPr>
-                <a14:m>
-                  <m:oMath xmlns:m="http://schemas.openxmlformats.org/officeDocument/2006/math">
-                    <m:sSub>
-                      <m:sSubPr>
-                        <m:ctrlPr>
-                          <a:rPr lang="pt-BR" i="1">
-                            <a:latin typeface="Cambria Math" panose="02040503050406030204" pitchFamily="18" charset="0"/>
-                          </a:rPr>
-                        </m:ctrlPr>
-                      </m:sSubPr>
-                      <m:e>
-                        <m:r>
-                          <a:rPr lang="pt-BR" i="1">
-                            <a:latin typeface="Cambria Math" panose="02040503050406030204" pitchFamily="18" charset="0"/>
-                          </a:rPr>
-                          <m:t>𝑥</m:t>
-                        </m:r>
-                      </m:e>
-                      <m:sub>
-                        <m:r>
-                          <a:rPr lang="pt-BR" b="0" i="1" smtClean="0">
-                            <a:latin typeface="Cambria Math" panose="02040503050406030204" pitchFamily="18" charset="0"/>
-                          </a:rPr>
-                          <m:t>2</m:t>
-                        </m:r>
-                      </m:sub>
-                    </m:sSub>
-                    <m:r>
-                      <a:rPr lang="pt-BR" i="1">
-                        <a:latin typeface="Cambria Math" panose="02040503050406030204" pitchFamily="18" charset="0"/>
-                        <a:ea typeface="Cambria Math" panose="02040503050406030204" pitchFamily="18" charset="0"/>
-                      </a:rPr>
-                      <m:t>≫</m:t>
-                    </m:r>
-                    <m:sSub>
-                      <m:sSubPr>
-                        <m:ctrlPr>
-                          <a:rPr lang="pt-BR" i="1">
-                            <a:latin typeface="Cambria Math" panose="02040503050406030204" pitchFamily="18" charset="0"/>
-                          </a:rPr>
-                        </m:ctrlPr>
-                      </m:sSubPr>
-                      <m:e>
-                        <m:r>
-                          <a:rPr lang="pt-BR" i="1">
-                            <a:latin typeface="Cambria Math" panose="02040503050406030204" pitchFamily="18" charset="0"/>
-                          </a:rPr>
-                          <m:t>𝑥</m:t>
-                        </m:r>
-                      </m:e>
-                      <m:sub>
-                        <m:r>
-                          <a:rPr lang="pt-BR" b="0" i="1" smtClean="0">
-                            <a:latin typeface="Cambria Math" panose="02040503050406030204" pitchFamily="18" charset="0"/>
-                          </a:rPr>
-                          <m:t>1</m:t>
-                        </m:r>
-                      </m:sub>
-                    </m:sSub>
-                  </m:oMath>
-                </a14:m>
-                <a:r>
-                  <a:rPr lang="pt-BR" dirty="0"/>
-                  <a:t>: erro varia mais rapidamente com variações de </a:t>
-                </a:r>
-                <a14:m>
-                  <m:oMath xmlns:m="http://schemas.openxmlformats.org/officeDocument/2006/math">
-                    <m:acc>
-                      <m:accPr>
-                        <m:chr m:val="̂"/>
-                        <m:ctrlPr>
-                          <a:rPr lang="pt-BR" i="1">
-                            <a:latin typeface="Cambria Math" panose="02040503050406030204" pitchFamily="18" charset="0"/>
-                            <a:ea typeface="Cambria Math" panose="02040503050406030204" pitchFamily="18" charset="0"/>
-                          </a:rPr>
-                        </m:ctrlPr>
-                      </m:accPr>
-                      <m:e>
-                        <m:sSub>
-                          <m:sSubPr>
-                            <m:ctrlPr>
-                              <a:rPr lang="pt-BR" i="1">
-                                <a:latin typeface="Cambria Math" panose="02040503050406030204" pitchFamily="18" charset="0"/>
-                                <a:ea typeface="Cambria Math" panose="02040503050406030204" pitchFamily="18" charset="0"/>
-                              </a:rPr>
-                            </m:ctrlPr>
-                          </m:sSubPr>
-                          <m:e>
-                            <m:r>
-                              <a:rPr lang="pt-BR" i="1">
-                                <a:latin typeface="Cambria Math" panose="02040503050406030204" pitchFamily="18" charset="0"/>
-                                <a:ea typeface="Cambria Math" panose="02040503050406030204" pitchFamily="18" charset="0"/>
-                              </a:rPr>
-                              <m:t>𝑎</m:t>
-                            </m:r>
-                          </m:e>
-                          <m:sub>
-                            <m:r>
-                              <a:rPr lang="pt-BR" b="0" i="1" smtClean="0">
-                                <a:latin typeface="Cambria Math" panose="02040503050406030204" pitchFamily="18" charset="0"/>
-                                <a:ea typeface="Cambria Math" panose="02040503050406030204" pitchFamily="18" charset="0"/>
-                              </a:rPr>
-                              <m:t>2</m:t>
-                            </m:r>
-                          </m:sub>
-                        </m:sSub>
-                      </m:e>
-                    </m:acc>
-                  </m:oMath>
-                </a14:m>
-                <a:r>
-                  <a:rPr lang="pt-BR" dirty="0"/>
-                  <a:t>, resultando também em um vale.</a:t>
-                </a:r>
-              </a:p>
-              <a:p>
-                <a:pPr marL="285750" indent="-285750">
-                  <a:buFont typeface="Arial" panose="020B0604020202020204" pitchFamily="34" charset="0"/>
-                  <a:buChar char="•"/>
-                </a:pPr>
-                <a:r>
-                  <a:rPr lang="pt-BR" dirty="0"/>
-                  <a:t>Quando </a:t>
-                </a:r>
-                <a14:m>
-                  <m:oMath xmlns:m="http://schemas.openxmlformats.org/officeDocument/2006/math">
-                    <m:sSub>
-                      <m:sSubPr>
-                        <m:ctrlPr>
-                          <a:rPr lang="pt-BR" i="1">
-                            <a:latin typeface="Cambria Math" panose="02040503050406030204" pitchFamily="18" charset="0"/>
-                          </a:rPr>
-                        </m:ctrlPr>
-                      </m:sSubPr>
-                      <m:e>
-                        <m:r>
-                          <a:rPr lang="pt-BR" i="1">
-                            <a:latin typeface="Cambria Math" panose="02040503050406030204" pitchFamily="18" charset="0"/>
-                          </a:rPr>
-                          <m:t>𝑥</m:t>
-                        </m:r>
-                      </m:e>
-                      <m:sub>
-                        <m:r>
-                          <a:rPr lang="pt-BR" b="0" i="1" smtClean="0">
-                            <a:latin typeface="Cambria Math" panose="02040503050406030204" pitchFamily="18" charset="0"/>
-                          </a:rPr>
-                          <m:t>1</m:t>
-                        </m:r>
-                      </m:sub>
-                    </m:sSub>
-                  </m:oMath>
-                </a14:m>
-                <a:r>
-                  <a:rPr lang="pt-BR" dirty="0"/>
-                  <a:t> e </a:t>
-                </a:r>
-                <a14:m>
-                  <m:oMath xmlns:m="http://schemas.openxmlformats.org/officeDocument/2006/math">
-                    <m:sSub>
-                      <m:sSubPr>
-                        <m:ctrlPr>
-                          <a:rPr lang="pt-BR" i="1">
-                            <a:latin typeface="Cambria Math" panose="02040503050406030204" pitchFamily="18" charset="0"/>
-                          </a:rPr>
-                        </m:ctrlPr>
-                      </m:sSubPr>
-                      <m:e>
-                        <m:r>
-                          <a:rPr lang="pt-BR" i="1">
-                            <a:latin typeface="Cambria Math" panose="02040503050406030204" pitchFamily="18" charset="0"/>
-                          </a:rPr>
-                          <m:t>𝑥</m:t>
-                        </m:r>
-                      </m:e>
-                      <m:sub>
-                        <m:r>
-                          <a:rPr lang="pt-BR" i="1">
-                            <a:latin typeface="Cambria Math" panose="02040503050406030204" pitchFamily="18" charset="0"/>
-                          </a:rPr>
-                          <m:t>2</m:t>
-                        </m:r>
-                      </m:sub>
-                    </m:sSub>
-                  </m:oMath>
-                </a14:m>
-                <a:r>
-                  <a:rPr lang="pt-BR" dirty="0"/>
-                  <a:t> têm intervalos semelhantes, então, a variação tanto de </a:t>
-                </a:r>
-                <a14:m>
-                  <m:oMath xmlns:m="http://schemas.openxmlformats.org/officeDocument/2006/math">
-                    <m:acc>
-                      <m:accPr>
-                        <m:chr m:val="̂"/>
-                        <m:ctrlPr>
-                          <a:rPr lang="pt-BR" i="1">
-                            <a:latin typeface="Cambria Math" panose="02040503050406030204" pitchFamily="18" charset="0"/>
-                            <a:ea typeface="Cambria Math" panose="02040503050406030204" pitchFamily="18" charset="0"/>
-                          </a:rPr>
-                        </m:ctrlPr>
-                      </m:accPr>
-                      <m:e>
-                        <m:sSub>
-                          <m:sSubPr>
-                            <m:ctrlPr>
-                              <a:rPr lang="pt-BR" i="1">
-                                <a:latin typeface="Cambria Math" panose="02040503050406030204" pitchFamily="18" charset="0"/>
-                                <a:ea typeface="Cambria Math" panose="02040503050406030204" pitchFamily="18" charset="0"/>
-                              </a:rPr>
-                            </m:ctrlPr>
-                          </m:sSubPr>
-                          <m:e>
-                            <m:r>
-                              <a:rPr lang="pt-BR" i="1">
-                                <a:latin typeface="Cambria Math" panose="02040503050406030204" pitchFamily="18" charset="0"/>
-                                <a:ea typeface="Cambria Math" panose="02040503050406030204" pitchFamily="18" charset="0"/>
-                              </a:rPr>
-                              <m:t>𝑎</m:t>
-                            </m:r>
-                          </m:e>
-                          <m:sub>
-                            <m:r>
-                              <a:rPr lang="pt-BR" i="1">
-                                <a:latin typeface="Cambria Math" panose="02040503050406030204" pitchFamily="18" charset="0"/>
-                                <a:ea typeface="Cambria Math" panose="02040503050406030204" pitchFamily="18" charset="0"/>
-                              </a:rPr>
-                              <m:t>1</m:t>
-                            </m:r>
-                          </m:sub>
-                        </m:sSub>
-                      </m:e>
-                    </m:acc>
-                  </m:oMath>
-                </a14:m>
-                <a:r>
-                  <a:rPr lang="pt-BR" dirty="0"/>
-                  <a:t> quanto de </a:t>
-                </a:r>
-                <a14:m>
-                  <m:oMath xmlns:m="http://schemas.openxmlformats.org/officeDocument/2006/math">
-                    <m:acc>
-                      <m:accPr>
-                        <m:chr m:val="̂"/>
-                        <m:ctrlPr>
-                          <a:rPr lang="pt-BR" i="1">
-                            <a:latin typeface="Cambria Math" panose="02040503050406030204" pitchFamily="18" charset="0"/>
-                            <a:ea typeface="Cambria Math" panose="02040503050406030204" pitchFamily="18" charset="0"/>
-                          </a:rPr>
-                        </m:ctrlPr>
-                      </m:accPr>
-                      <m:e>
-                        <m:sSub>
-                          <m:sSubPr>
-                            <m:ctrlPr>
-                              <a:rPr lang="pt-BR" i="1">
-                                <a:latin typeface="Cambria Math" panose="02040503050406030204" pitchFamily="18" charset="0"/>
-                                <a:ea typeface="Cambria Math" panose="02040503050406030204" pitchFamily="18" charset="0"/>
-                              </a:rPr>
-                            </m:ctrlPr>
-                          </m:sSubPr>
-                          <m:e>
-                            <m:r>
-                              <a:rPr lang="pt-BR" i="1">
-                                <a:latin typeface="Cambria Math" panose="02040503050406030204" pitchFamily="18" charset="0"/>
-                                <a:ea typeface="Cambria Math" panose="02040503050406030204" pitchFamily="18" charset="0"/>
-                              </a:rPr>
-                              <m:t>𝑎</m:t>
-                            </m:r>
-                          </m:e>
-                          <m:sub>
-                            <m:r>
-                              <a:rPr lang="pt-BR" b="0" i="1" smtClean="0">
-                                <a:latin typeface="Cambria Math" panose="02040503050406030204" pitchFamily="18" charset="0"/>
-                                <a:ea typeface="Cambria Math" panose="02040503050406030204" pitchFamily="18" charset="0"/>
-                              </a:rPr>
-                              <m:t>2</m:t>
-                            </m:r>
-                          </m:sub>
-                        </m:sSub>
-                      </m:e>
-                    </m:acc>
-                  </m:oMath>
-                </a14:m>
-                <a:r>
-                  <a:rPr lang="pt-BR" dirty="0"/>
-                  <a:t> tem </a:t>
-                </a:r>
-                <a:r>
-                  <a:rPr lang="pt-BR" b="1" i="1" dirty="0"/>
-                  <a:t>peso</a:t>
-                </a:r>
-                <a:r>
-                  <a:rPr lang="pt-BR" dirty="0"/>
-                  <a:t> semelhante na variação do erro (tigela).</a:t>
-                </a:r>
-              </a:p>
-            </p:txBody>
-          </p:sp>
-        </mc:Choice>
-        <mc:Fallback xmlns="">
-          <p:sp>
-            <p:nvSpPr>
-              <p:cNvPr id="23" name="TextBox 22"/>
-              <p:cNvSpPr txBox="1">
-                <a:spLocks noRot="1" noChangeAspect="1" noMove="1" noResize="1" noEditPoints="1" noAdjustHandles="1" noChangeArrowheads="1" noChangeShapeType="1" noTextEdit="1"/>
-              </p:cNvSpPr>
-              <p:nvPr/>
-            </p:nvSpPr>
-            <p:spPr>
-              <a:xfrm>
-                <a:off x="131660" y="3896497"/>
-                <a:ext cx="5112712" cy="2031325"/>
-              </a:xfrm>
-              <a:prstGeom prst="rect">
-                <a:avLst/>
-              </a:prstGeom>
-              <a:blipFill rotWithShape="0">
-                <a:blip r:embed="rId14"/>
-                <a:stretch>
-                  <a:fillRect l="-835" t="-1502" b="-3904"/>
-                </a:stretch>
-              </a:blipFill>
-            </p:spPr>
-            <p:txBody>
-              <a:bodyPr/>
-              <a:lstStyle/>
-              <a:p>
-                <a:r>
-                  <a:rPr lang="pt-BR">
-                    <a:noFill/>
-                  </a:rPr>
-                  <a:t> </a:t>
-                </a:r>
-              </a:p>
-            </p:txBody>
-          </p:sp>
-        </mc:Fallback>
-      </mc:AlternateContent>
-      <p:pic>
-        <p:nvPicPr>
-          <p:cNvPr id="3" name="Picture 2"/>
-          <p:cNvPicPr>
-            <a:picLocks noChangeAspect="1"/>
-          </p:cNvPicPr>
-          <p:nvPr/>
-        </p:nvPicPr>
-        <p:blipFill rotWithShape="1">
-          <a:blip r:embed="rId15" cstate="print">
-            <a:extLst>
-              <a:ext uri="{28A0092B-C50C-407E-A947-70E740481C1C}">
-                <a14:useLocalDpi xmlns:a14="http://schemas.microsoft.com/office/drawing/2010/main" val="0"/>
-              </a:ext>
-            </a:extLst>
-          </a:blip>
-          <a:srcRect t="6549" r="8122" b="2747"/>
-          <a:stretch/>
-        </p:blipFill>
-        <p:spPr>
-          <a:xfrm>
-            <a:off x="5365197" y="3234241"/>
-            <a:ext cx="1865374" cy="1841543"/>
-          </a:xfrm>
-          <a:prstGeom prst="rect">
-            <a:avLst/>
-          </a:prstGeom>
-        </p:spPr>
-      </p:pic>
-      <p:pic>
-        <p:nvPicPr>
-          <p:cNvPr id="5" name="Picture 4"/>
-          <p:cNvPicPr>
-            <a:picLocks noChangeAspect="1"/>
-          </p:cNvPicPr>
-          <p:nvPr/>
-        </p:nvPicPr>
-        <p:blipFill rotWithShape="1">
-          <a:blip r:embed="rId16" cstate="print">
-            <a:extLst>
-              <a:ext uri="{28A0092B-C50C-407E-A947-70E740481C1C}">
-                <a14:useLocalDpi xmlns:a14="http://schemas.microsoft.com/office/drawing/2010/main" val="0"/>
-              </a:ext>
-            </a:extLst>
-          </a:blip>
-          <a:srcRect t="6944" r="7834" b="2778"/>
-          <a:stretch/>
-        </p:blipFill>
-        <p:spPr>
-          <a:xfrm>
-            <a:off x="7774318" y="3234241"/>
-            <a:ext cx="1889560" cy="1850833"/>
-          </a:xfrm>
-          <a:prstGeom prst="rect">
-            <a:avLst/>
-          </a:prstGeom>
-        </p:spPr>
-      </p:pic>
-      <p:pic>
-        <p:nvPicPr>
-          <p:cNvPr id="6" name="Picture 5"/>
-          <p:cNvPicPr>
-            <a:picLocks noChangeAspect="1"/>
-          </p:cNvPicPr>
-          <p:nvPr/>
-        </p:nvPicPr>
-        <p:blipFill rotWithShape="1">
-          <a:blip r:embed="rId17" cstate="print">
-            <a:extLst>
-              <a:ext uri="{28A0092B-C50C-407E-A947-70E740481C1C}">
-                <a14:useLocalDpi xmlns:a14="http://schemas.microsoft.com/office/drawing/2010/main" val="0"/>
-              </a:ext>
-            </a:extLst>
-          </a:blip>
-          <a:srcRect t="7294" r="8043" b="2428"/>
-          <a:stretch/>
-        </p:blipFill>
-        <p:spPr>
-          <a:xfrm>
-            <a:off x="10059040" y="3237074"/>
-            <a:ext cx="1872910" cy="1838710"/>
-          </a:xfrm>
-          <a:prstGeom prst="rect">
-            <a:avLst/>
-          </a:prstGeom>
-        </p:spPr>
-      </p:pic>
-      <p:sp>
-        <p:nvSpPr>
-          <p:cNvPr id="24" name="Rectangle 23"/>
-          <p:cNvSpPr/>
-          <p:nvPr/>
-        </p:nvSpPr>
-        <p:spPr>
-          <a:xfrm>
-            <a:off x="57335" y="6335803"/>
-            <a:ext cx="4098035" cy="338554"/>
-          </a:xfrm>
-          <a:prstGeom prst="rect">
-            <a:avLst/>
-          </a:prstGeom>
-          <a:noFill/>
-        </p:spPr>
-        <p:txBody>
-          <a:bodyPr wrap="square" rtlCol="0">
-            <a:spAutoFit/>
-          </a:bodyPr>
-          <a:lstStyle/>
-          <a:p>
-            <a:r>
-              <a:rPr lang="pt-BR" sz="1600" b="1" dirty="0">
-                <a:solidFill>
-                  <a:srgbClr val="00B0F0"/>
-                </a:solidFill>
-                <a:hlinkClick r:id="rId18"/>
-              </a:rPr>
-              <a:t>Exemplo: escalonamento_de_atributos.ipynb</a:t>
-            </a:r>
-            <a:endParaRPr lang="pt-BR" sz="1600" b="1" dirty="0">
-              <a:solidFill>
-                <a:srgbClr val="00B0F0"/>
-              </a:solidFill>
-            </a:endParaRPr>
-          </a:p>
-        </p:txBody>
-      </p:sp>
-      <p:sp>
-        <p:nvSpPr>
-          <p:cNvPr id="4" name="TextBox 3"/>
-          <p:cNvSpPr txBox="1"/>
-          <p:nvPr/>
-        </p:nvSpPr>
-        <p:spPr>
-          <a:xfrm>
-            <a:off x="10058423" y="443468"/>
-            <a:ext cx="2088935" cy="369332"/>
-          </a:xfrm>
-          <a:prstGeom prst="rect">
-            <a:avLst/>
-          </a:prstGeom>
-          <a:noFill/>
-        </p:spPr>
-        <p:txBody>
-          <a:bodyPr wrap="square" rtlCol="0">
-            <a:spAutoFit/>
-          </a:bodyPr>
-          <a:lstStyle/>
-          <a:p>
-            <a:pPr algn="ctr"/>
-            <a:r>
-              <a:rPr lang="pt-BR" b="1" dirty="0"/>
-              <a:t>Após padronização</a:t>
-            </a:r>
-          </a:p>
-        </p:txBody>
-      </p:sp>
-    </p:spTree>
-    <p:extLst>
-      <p:ext uri="{BB962C8B-B14F-4D97-AF65-F5344CB8AC3E}">
-        <p14:creationId xmlns:p14="http://schemas.microsoft.com/office/powerpoint/2010/main" val="2010244643"/>
-      </p:ext>
-    </p:extLst>
-  </p:cSld>
-  <p:clrMapOvr>
-    <a:masterClrMapping/>
-  </p:clrMapOvr>
-</p:sld>
-</file>
-
-<file path=ppt/slides/slide16.xml><?xml version="1.0" encoding="utf-8"?>
+<file path=ppt/slides/slide12.xml><?xml version="1.0" encoding="utf-8"?>
 <p:sld xmlns:a="http://schemas.openxmlformats.org/drawingml/2006/main" xmlns:r="http://schemas.openxmlformats.org/officeDocument/2006/relationships" xmlns:p="http://schemas.openxmlformats.org/presentationml/2006/main">
   <p:cSld>
     <p:spTree>
@@ -12347,7 +7704,7 @@
 </p:sld>
 </file>
 
-<file path=ppt/slides/slide17.xml><?xml version="1.0" encoding="utf-8"?>
+<file path=ppt/slides/slide13.xml><?xml version="1.0" encoding="utf-8"?>
 <p:sld xmlns:a="http://schemas.openxmlformats.org/drawingml/2006/main" xmlns:r="http://schemas.openxmlformats.org/officeDocument/2006/relationships" xmlns:p="http://schemas.openxmlformats.org/presentationml/2006/main">
   <p:cSld>
     <p:spTree>
@@ -13492,7 +8849,7 @@
 </p:sld>
 </file>
 
-<file path=ppt/slides/slide18.xml><?xml version="1.0" encoding="utf-8"?>
+<file path=ppt/slides/slide14.xml><?xml version="1.0" encoding="utf-8"?>
 <p:sld xmlns:a="http://schemas.openxmlformats.org/drawingml/2006/main" xmlns:r="http://schemas.openxmlformats.org/officeDocument/2006/relationships" xmlns:p="http://schemas.openxmlformats.org/presentationml/2006/main">
   <p:cSld>
     <p:spTree>
@@ -14354,7 +9711,7 @@
 </p:sld>
 </file>
 
-<file path=ppt/slides/slide19.xml><?xml version="1.0" encoding="utf-8"?>
+<file path=ppt/slides/slide15.xml><?xml version="1.0" encoding="utf-8"?>
 <p:sld xmlns:a="http://schemas.openxmlformats.org/drawingml/2006/main" xmlns:r="http://schemas.openxmlformats.org/officeDocument/2006/relationships" xmlns:p="http://schemas.openxmlformats.org/presentationml/2006/main">
   <p:cSld>
     <p:spTree>
@@ -14892,274 +10249,7 @@
 </p:sld>
 </file>
 
-<file path=ppt/slides/slide2.xml><?xml version="1.0" encoding="utf-8"?>
-<p:sld xmlns:a="http://schemas.openxmlformats.org/drawingml/2006/main" xmlns:r="http://schemas.openxmlformats.org/officeDocument/2006/relationships" xmlns:p="http://schemas.openxmlformats.org/presentationml/2006/main">
-  <p:cSld>
-    <p:spTree>
-      <p:nvGrpSpPr>
-        <p:cNvPr id="1" name=""/>
-        <p:cNvGrpSpPr/>
-        <p:nvPr/>
-      </p:nvGrpSpPr>
-      <p:grpSpPr>
-        <a:xfrm>
-          <a:off x="0" y="0"/>
-          <a:ext cx="0" cy="0"/>
-          <a:chOff x="0" y="0"/>
-          <a:chExt cx="0" cy="0"/>
-        </a:xfrm>
-      </p:grpSpPr>
-      <p:sp>
-        <p:nvSpPr>
-          <p:cNvPr id="2" name="Título 1">
-            <a:extLst>
-              <a:ext uri="{FF2B5EF4-FFF2-40B4-BE49-F238E27FC236}">
-                <a16:creationId xmlns:a16="http://schemas.microsoft.com/office/drawing/2014/main" id="{59ECFE43-F7D9-E130-2EB1-809C87CF7AD8}"/>
-              </a:ext>
-            </a:extLst>
-          </p:cNvPr>
-          <p:cNvSpPr>
-            <a:spLocks noGrp="1"/>
-          </p:cNvSpPr>
-          <p:nvPr>
-            <p:ph type="title"/>
-          </p:nvPr>
-        </p:nvSpPr>
-        <p:spPr/>
-        <p:txBody>
-          <a:bodyPr/>
-          <a:lstStyle/>
-          <a:p>
-            <a:r>
-              <a:rPr lang="pt-BR" dirty="0"/>
-              <a:t>Recapitulando</a:t>
-            </a:r>
-          </a:p>
-        </p:txBody>
-      </p:sp>
-      <p:sp>
-        <p:nvSpPr>
-          <p:cNvPr id="3" name="Espaço Reservado para Conteúdo 2">
-            <a:extLst>
-              <a:ext uri="{FF2B5EF4-FFF2-40B4-BE49-F238E27FC236}">
-                <a16:creationId xmlns:a16="http://schemas.microsoft.com/office/drawing/2014/main" id="{00C0F30D-21E1-FEB6-D8CC-F291F7C684FA}"/>
-              </a:ext>
-            </a:extLst>
-          </p:cNvPr>
-          <p:cNvSpPr>
-            <a:spLocks noGrp="1"/>
-          </p:cNvSpPr>
-          <p:nvPr>
-            <p:ph idx="1"/>
-          </p:nvPr>
-        </p:nvSpPr>
-        <p:spPr>
-          <a:xfrm>
-            <a:off x="838199" y="1767155"/>
-            <a:ext cx="11254483" cy="5090844"/>
-          </a:xfrm>
-        </p:spPr>
-        <p:txBody>
-          <a:bodyPr>
-            <a:normAutofit lnSpcReduction="10000"/>
-          </a:bodyPr>
-          <a:lstStyle/>
-          <a:p>
-            <a:r>
-              <a:rPr lang="pt-BR" dirty="0"/>
-              <a:t>Vimos que o</a:t>
-            </a:r>
-            <a:r>
-              <a:rPr lang="pt-BR" b="1" i="1" dirty="0"/>
-              <a:t> </a:t>
-            </a:r>
-            <a:r>
-              <a:rPr lang="pt-BR" b="1" i="1" dirty="0">
-                <a:solidFill>
-                  <a:srgbClr val="00B050"/>
-                </a:solidFill>
-              </a:rPr>
-              <a:t>valor do passo de aprendizagem </a:t>
-            </a:r>
-            <a:r>
-              <a:rPr lang="pt-BR" b="1" i="1" dirty="0"/>
-              <a:t>influencia no processo aprendizagem</a:t>
-            </a:r>
-            <a:r>
-              <a:rPr lang="pt-BR" dirty="0"/>
-              <a:t> do gradiente descendente.</a:t>
-            </a:r>
-          </a:p>
-          <a:p>
-            <a:pPr lvl="1">
-              <a:buFont typeface="Wingdings" panose="05000000000000000000" pitchFamily="2" charset="2"/>
-              <a:buChar char="§"/>
-            </a:pPr>
-            <a:r>
-              <a:rPr lang="pt-BR" dirty="0"/>
-              <a:t>Valores pequenos fazem com que o algoritmo tenha convergência muito lenta.</a:t>
-            </a:r>
-          </a:p>
-          <a:p>
-            <a:pPr lvl="1">
-              <a:buFont typeface="Wingdings" panose="05000000000000000000" pitchFamily="2" charset="2"/>
-              <a:buChar char="§"/>
-            </a:pPr>
-            <a:r>
-              <a:rPr lang="pt-BR" dirty="0"/>
-              <a:t>Valores grandes fazem com que o algoritmo divirja.</a:t>
-            </a:r>
-          </a:p>
-          <a:p>
-            <a:r>
-              <a:rPr lang="pt-BR" dirty="0"/>
-              <a:t>O gráfico do erro versus iterações nos ajuda a </a:t>
-            </a:r>
-            <a:r>
-              <a:rPr lang="pt-BR" b="1" i="1" dirty="0">
-                <a:solidFill>
-                  <a:srgbClr val="00B050"/>
-                </a:solidFill>
-              </a:rPr>
-              <a:t>depurar as versões do GD</a:t>
-            </a:r>
-            <a:r>
-              <a:rPr lang="pt-BR" dirty="0"/>
-              <a:t>.</a:t>
-            </a:r>
-          </a:p>
-          <a:p>
-            <a:r>
-              <a:rPr lang="pt-BR" dirty="0"/>
-              <a:t>Quando usamos as versões estocásticas do GD, podemos </a:t>
-            </a:r>
-            <a:r>
-              <a:rPr lang="pt-BR" b="1" i="1" dirty="0">
-                <a:solidFill>
-                  <a:srgbClr val="00B050"/>
-                </a:solidFill>
-              </a:rPr>
-              <a:t>reduzir o valor do passo de aprendizagem ao longo do treinamento </a:t>
-            </a:r>
-            <a:r>
-              <a:rPr lang="pt-BR" dirty="0"/>
-              <a:t>para “</a:t>
-            </a:r>
-            <a:r>
-              <a:rPr lang="pt-BR" b="1" i="1" dirty="0">
-                <a:solidFill>
-                  <a:srgbClr val="7030A0"/>
-                </a:solidFill>
-              </a:rPr>
-              <a:t>forçar</a:t>
-            </a:r>
-            <a:r>
-              <a:rPr lang="pt-BR" dirty="0"/>
-              <a:t>” a </a:t>
-            </a:r>
-            <a:r>
-              <a:rPr lang="pt-BR" b="1" i="1" dirty="0">
-                <a:solidFill>
-                  <a:srgbClr val="7030A0"/>
-                </a:solidFill>
-              </a:rPr>
-              <a:t>convergência</a:t>
-            </a:r>
-            <a:r>
-              <a:rPr lang="pt-BR" dirty="0"/>
-              <a:t> do algoritmo.</a:t>
-            </a:r>
-          </a:p>
-          <a:p>
-            <a:r>
-              <a:rPr lang="pt-BR" dirty="0"/>
-              <a:t>Nesse tópico, veremos</a:t>
-            </a:r>
-          </a:p>
-          <a:p>
-            <a:pPr lvl="1">
-              <a:buFont typeface="Wingdings" panose="05000000000000000000" pitchFamily="2" charset="2"/>
-              <a:buChar char="§"/>
-            </a:pPr>
-            <a:r>
-              <a:rPr lang="pt-BR" dirty="0"/>
-              <a:t>Técnicas de </a:t>
-            </a:r>
-            <a:r>
-              <a:rPr lang="pt-BR" b="1" i="1" dirty="0">
-                <a:solidFill>
-                  <a:srgbClr val="0070C0"/>
-                </a:solidFill>
-              </a:rPr>
-              <a:t>pré-processamento</a:t>
-            </a:r>
-            <a:r>
-              <a:rPr lang="pt-BR" dirty="0"/>
-              <a:t> importantes para algoritmos de ML que usam </a:t>
-            </a:r>
-            <a:r>
-              <a:rPr lang="pt-BR" b="1" i="1" dirty="0">
-                <a:solidFill>
-                  <a:srgbClr val="0070C0"/>
-                </a:solidFill>
-              </a:rPr>
-              <a:t>métricas de distância como função de erro</a:t>
-            </a:r>
-            <a:r>
-              <a:rPr lang="pt-BR" dirty="0"/>
-              <a:t>.</a:t>
-            </a:r>
-          </a:p>
-          <a:p>
-            <a:pPr lvl="1">
-              <a:buFont typeface="Wingdings" panose="05000000000000000000" pitchFamily="2" charset="2"/>
-              <a:buChar char="§"/>
-            </a:pPr>
-            <a:r>
-              <a:rPr lang="pt-BR" dirty="0"/>
-              <a:t>Como </a:t>
-            </a:r>
-            <a:r>
-              <a:rPr lang="pt-BR" b="1" i="1" dirty="0">
-                <a:solidFill>
-                  <a:srgbClr val="0070C0"/>
-                </a:solidFill>
-              </a:rPr>
-              <a:t>polinômios</a:t>
-            </a:r>
-            <a:r>
-              <a:rPr lang="pt-BR" dirty="0"/>
-              <a:t> podem ser usados para se </a:t>
-            </a:r>
-            <a:r>
-              <a:rPr lang="pt-BR" b="1" i="1" dirty="0">
-                <a:solidFill>
-                  <a:srgbClr val="0070C0"/>
-                </a:solidFill>
-              </a:rPr>
-              <a:t>ajustar a dados que apresentam mapeamento não-linear </a:t>
-            </a:r>
-            <a:r>
-              <a:rPr lang="pt-BR" dirty="0"/>
-              <a:t>entre os atributos e o valor esperado.</a:t>
-            </a:r>
-          </a:p>
-        </p:txBody>
-      </p:sp>
-    </p:spTree>
-    <p:extLst>
-      <p:ext uri="{BB962C8B-B14F-4D97-AF65-F5344CB8AC3E}">
-        <p14:creationId xmlns:p14="http://schemas.microsoft.com/office/powerpoint/2010/main" val="1412480911"/>
-      </p:ext>
-    </p:extLst>
-  </p:cSld>
-  <p:clrMapOvr>
-    <a:masterClrMapping/>
-  </p:clrMapOvr>
-</p:sld>
-</file>
-
-<file path=ppt/slides/slide20.xml><?xml version="1.0" encoding="utf-8"?>
+<file path=ppt/slides/slide16.xml><?xml version="1.0" encoding="utf-8"?>
 <p:sld xmlns:a="http://schemas.openxmlformats.org/drawingml/2006/main" xmlns:r="http://schemas.openxmlformats.org/officeDocument/2006/relationships" xmlns:p="http://schemas.openxmlformats.org/presentationml/2006/main">
   <p:cSld>
     <p:spTree>
@@ -15530,7 +10620,7 @@
 </p:sld>
 </file>
 
-<file path=ppt/slides/slide21.xml><?xml version="1.0" encoding="utf-8"?>
+<file path=ppt/slides/slide17.xml><?xml version="1.0" encoding="utf-8"?>
 <p:sld xmlns:a="http://schemas.openxmlformats.org/drawingml/2006/main" xmlns:r="http://schemas.openxmlformats.org/officeDocument/2006/relationships" xmlns:p="http://schemas.openxmlformats.org/presentationml/2006/main">
   <p:cSld>
     <p:spTree>
@@ -15752,7 +10842,7 @@
 </p:sld>
 </file>
 
-<file path=ppt/slides/slide22.xml><?xml version="1.0" encoding="utf-8"?>
+<file path=ppt/slides/slide18.xml><?xml version="1.0" encoding="utf-8"?>
 <p:sld xmlns:a="http://schemas.openxmlformats.org/drawingml/2006/main" xmlns:r="http://schemas.openxmlformats.org/officeDocument/2006/relationships" xmlns:p="http://schemas.openxmlformats.org/presentationml/2006/main">
   <p:cSld>
     <p:spTree>
@@ -16062,7 +11152,7 @@
 </p:sld>
 </file>
 
-<file path=ppt/slides/slide23.xml><?xml version="1.0" encoding="utf-8"?>
+<file path=ppt/slides/slide19.xml><?xml version="1.0" encoding="utf-8"?>
 <p:sld xmlns:a="http://schemas.openxmlformats.org/drawingml/2006/main" xmlns:r="http://schemas.openxmlformats.org/officeDocument/2006/relationships" xmlns:p="http://schemas.openxmlformats.org/presentationml/2006/main">
   <p:cSld>
     <p:spTree>
@@ -16147,7 +11237,274 @@
 </p:sld>
 </file>
 
-<file path=ppt/slides/slide24.xml><?xml version="1.0" encoding="utf-8"?>
+<file path=ppt/slides/slide2.xml><?xml version="1.0" encoding="utf-8"?>
+<p:sld xmlns:a="http://schemas.openxmlformats.org/drawingml/2006/main" xmlns:r="http://schemas.openxmlformats.org/officeDocument/2006/relationships" xmlns:p="http://schemas.openxmlformats.org/presentationml/2006/main">
+  <p:cSld>
+    <p:spTree>
+      <p:nvGrpSpPr>
+        <p:cNvPr id="1" name=""/>
+        <p:cNvGrpSpPr/>
+        <p:nvPr/>
+      </p:nvGrpSpPr>
+      <p:grpSpPr>
+        <a:xfrm>
+          <a:off x="0" y="0"/>
+          <a:ext cx="0" cy="0"/>
+          <a:chOff x="0" y="0"/>
+          <a:chExt cx="0" cy="0"/>
+        </a:xfrm>
+      </p:grpSpPr>
+      <p:sp>
+        <p:nvSpPr>
+          <p:cNvPr id="2" name="Título 1">
+            <a:extLst>
+              <a:ext uri="{FF2B5EF4-FFF2-40B4-BE49-F238E27FC236}">
+                <a16:creationId xmlns:a16="http://schemas.microsoft.com/office/drawing/2014/main" id="{59ECFE43-F7D9-E130-2EB1-809C87CF7AD8}"/>
+              </a:ext>
+            </a:extLst>
+          </p:cNvPr>
+          <p:cNvSpPr>
+            <a:spLocks noGrp="1"/>
+          </p:cNvSpPr>
+          <p:nvPr>
+            <p:ph type="title"/>
+          </p:nvPr>
+        </p:nvSpPr>
+        <p:spPr/>
+        <p:txBody>
+          <a:bodyPr/>
+          <a:lstStyle/>
+          <a:p>
+            <a:r>
+              <a:rPr lang="pt-BR" dirty="0"/>
+              <a:t>Recapitulando</a:t>
+            </a:r>
+          </a:p>
+        </p:txBody>
+      </p:sp>
+      <p:sp>
+        <p:nvSpPr>
+          <p:cNvPr id="3" name="Espaço Reservado para Conteúdo 2">
+            <a:extLst>
+              <a:ext uri="{FF2B5EF4-FFF2-40B4-BE49-F238E27FC236}">
+                <a16:creationId xmlns:a16="http://schemas.microsoft.com/office/drawing/2014/main" id="{00C0F30D-21E1-FEB6-D8CC-F291F7C684FA}"/>
+              </a:ext>
+            </a:extLst>
+          </p:cNvPr>
+          <p:cNvSpPr>
+            <a:spLocks noGrp="1"/>
+          </p:cNvSpPr>
+          <p:nvPr>
+            <p:ph idx="1"/>
+          </p:nvPr>
+        </p:nvSpPr>
+        <p:spPr>
+          <a:xfrm>
+            <a:off x="838199" y="1767155"/>
+            <a:ext cx="11254483" cy="5090844"/>
+          </a:xfrm>
+        </p:spPr>
+        <p:txBody>
+          <a:bodyPr>
+            <a:normAutofit lnSpcReduction="10000"/>
+          </a:bodyPr>
+          <a:lstStyle/>
+          <a:p>
+            <a:r>
+              <a:rPr lang="pt-BR" dirty="0"/>
+              <a:t>Vimos que o</a:t>
+            </a:r>
+            <a:r>
+              <a:rPr lang="pt-BR" b="1" i="1" dirty="0"/>
+              <a:t> </a:t>
+            </a:r>
+            <a:r>
+              <a:rPr lang="pt-BR" b="1" i="1" dirty="0">
+                <a:solidFill>
+                  <a:srgbClr val="00B050"/>
+                </a:solidFill>
+              </a:rPr>
+              <a:t>valor do passo de aprendizagem </a:t>
+            </a:r>
+            <a:r>
+              <a:rPr lang="pt-BR" b="1" i="1" dirty="0"/>
+              <a:t>influencia no processo aprendizagem</a:t>
+            </a:r>
+            <a:r>
+              <a:rPr lang="pt-BR" dirty="0"/>
+              <a:t> do gradiente descendente.</a:t>
+            </a:r>
+          </a:p>
+          <a:p>
+            <a:pPr lvl="1">
+              <a:buFont typeface="Wingdings" panose="05000000000000000000" pitchFamily="2" charset="2"/>
+              <a:buChar char="§"/>
+            </a:pPr>
+            <a:r>
+              <a:rPr lang="pt-BR" dirty="0"/>
+              <a:t>Valores pequenos fazem com que o algoritmo tenha convergência muito lenta.</a:t>
+            </a:r>
+          </a:p>
+          <a:p>
+            <a:pPr lvl="1">
+              <a:buFont typeface="Wingdings" panose="05000000000000000000" pitchFamily="2" charset="2"/>
+              <a:buChar char="§"/>
+            </a:pPr>
+            <a:r>
+              <a:rPr lang="pt-BR" dirty="0"/>
+              <a:t>Valores grandes fazem com que o algoritmo divirja.</a:t>
+            </a:r>
+          </a:p>
+          <a:p>
+            <a:r>
+              <a:rPr lang="pt-BR" dirty="0"/>
+              <a:t>O gráfico do erro versus iterações nos ajuda a </a:t>
+            </a:r>
+            <a:r>
+              <a:rPr lang="pt-BR" b="1" i="1" dirty="0">
+                <a:solidFill>
+                  <a:srgbClr val="00B050"/>
+                </a:solidFill>
+              </a:rPr>
+              <a:t>depurar as versões do GD</a:t>
+            </a:r>
+            <a:r>
+              <a:rPr lang="pt-BR" dirty="0"/>
+              <a:t>.</a:t>
+            </a:r>
+          </a:p>
+          <a:p>
+            <a:r>
+              <a:rPr lang="pt-BR" dirty="0"/>
+              <a:t>Quando usamos as versões estocásticas do GD, podemos </a:t>
+            </a:r>
+            <a:r>
+              <a:rPr lang="pt-BR" b="1" i="1" dirty="0">
+                <a:solidFill>
+                  <a:srgbClr val="00B050"/>
+                </a:solidFill>
+              </a:rPr>
+              <a:t>reduzir o valor do passo de aprendizagem ao longo do treinamento </a:t>
+            </a:r>
+            <a:r>
+              <a:rPr lang="pt-BR" dirty="0"/>
+              <a:t>para “</a:t>
+            </a:r>
+            <a:r>
+              <a:rPr lang="pt-BR" b="1" i="1" dirty="0">
+                <a:solidFill>
+                  <a:srgbClr val="7030A0"/>
+                </a:solidFill>
+              </a:rPr>
+              <a:t>forçar</a:t>
+            </a:r>
+            <a:r>
+              <a:rPr lang="pt-BR" dirty="0"/>
+              <a:t>” a </a:t>
+            </a:r>
+            <a:r>
+              <a:rPr lang="pt-BR" b="1" i="1" dirty="0">
+                <a:solidFill>
+                  <a:srgbClr val="7030A0"/>
+                </a:solidFill>
+              </a:rPr>
+              <a:t>convergência</a:t>
+            </a:r>
+            <a:r>
+              <a:rPr lang="pt-BR" dirty="0"/>
+              <a:t> do algoritmo.</a:t>
+            </a:r>
+          </a:p>
+          <a:p>
+            <a:r>
+              <a:rPr lang="pt-BR" dirty="0"/>
+              <a:t>Nesse tópico, veremos</a:t>
+            </a:r>
+          </a:p>
+          <a:p>
+            <a:pPr lvl="1">
+              <a:buFont typeface="Wingdings" panose="05000000000000000000" pitchFamily="2" charset="2"/>
+              <a:buChar char="§"/>
+            </a:pPr>
+            <a:r>
+              <a:rPr lang="pt-BR" dirty="0"/>
+              <a:t>Técnicas de </a:t>
+            </a:r>
+            <a:r>
+              <a:rPr lang="pt-BR" b="1" i="1" dirty="0">
+                <a:solidFill>
+                  <a:srgbClr val="0070C0"/>
+                </a:solidFill>
+              </a:rPr>
+              <a:t>pré-processamento</a:t>
+            </a:r>
+            <a:r>
+              <a:rPr lang="pt-BR" dirty="0"/>
+              <a:t> importantes para algoritmos de ML que usam </a:t>
+            </a:r>
+            <a:r>
+              <a:rPr lang="pt-BR" b="1" i="1" dirty="0">
+                <a:solidFill>
+                  <a:srgbClr val="0070C0"/>
+                </a:solidFill>
+              </a:rPr>
+              <a:t>métricas de distância como função de erro</a:t>
+            </a:r>
+            <a:r>
+              <a:rPr lang="pt-BR" dirty="0"/>
+              <a:t>.</a:t>
+            </a:r>
+          </a:p>
+          <a:p>
+            <a:pPr lvl="1">
+              <a:buFont typeface="Wingdings" panose="05000000000000000000" pitchFamily="2" charset="2"/>
+              <a:buChar char="§"/>
+            </a:pPr>
+            <a:r>
+              <a:rPr lang="pt-BR" dirty="0"/>
+              <a:t>Como </a:t>
+            </a:r>
+            <a:r>
+              <a:rPr lang="pt-BR" b="1" i="1" dirty="0">
+                <a:solidFill>
+                  <a:srgbClr val="0070C0"/>
+                </a:solidFill>
+              </a:rPr>
+              <a:t>polinômios</a:t>
+            </a:r>
+            <a:r>
+              <a:rPr lang="pt-BR" dirty="0"/>
+              <a:t> podem ser usados para se </a:t>
+            </a:r>
+            <a:r>
+              <a:rPr lang="pt-BR" b="1" i="1" dirty="0">
+                <a:solidFill>
+                  <a:srgbClr val="0070C0"/>
+                </a:solidFill>
+              </a:rPr>
+              <a:t>ajustar a dados que apresentam mapeamento não-linear </a:t>
+            </a:r>
+            <a:r>
+              <a:rPr lang="pt-BR" dirty="0"/>
+              <a:t>entre os atributos e o valor esperado.</a:t>
+            </a:r>
+          </a:p>
+        </p:txBody>
+      </p:sp>
+    </p:spTree>
+    <p:extLst>
+      <p:ext uri="{BB962C8B-B14F-4D97-AF65-F5344CB8AC3E}">
+        <p14:creationId xmlns:p14="http://schemas.microsoft.com/office/powerpoint/2010/main" val="1412480911"/>
+      </p:ext>
+    </p:extLst>
+  </p:cSld>
+  <p:clrMapOvr>
+    <a:masterClrMapping/>
+  </p:clrMapOvr>
+</p:sld>
+</file>
+
+<file path=ppt/slides/slide20.xml><?xml version="1.0" encoding="utf-8"?>
 <p:sld xmlns:a="http://schemas.openxmlformats.org/drawingml/2006/main" xmlns:r="http://schemas.openxmlformats.org/officeDocument/2006/relationships" xmlns:p="http://schemas.openxmlformats.org/presentationml/2006/main">
   <p:cSld>
     <p:spTree>
@@ -16413,7 +11770,7 @@
 </p:sld>
 </file>
 
-<file path=ppt/slides/slide25.xml><?xml version="1.0" encoding="utf-8"?>
+<file path=ppt/slides/slide21.xml><?xml version="1.0" encoding="utf-8"?>
 <p:sld xmlns:a="http://schemas.openxmlformats.org/drawingml/2006/main" xmlns:r="http://schemas.openxmlformats.org/officeDocument/2006/relationships" xmlns:p="http://schemas.openxmlformats.org/presentationml/2006/main">
   <p:cSld>
     <p:spTree>
@@ -16498,7 +11855,7 @@
 </p:sld>
 </file>
 
-<file path=ppt/slides/slide26.xml><?xml version="1.0" encoding="utf-8"?>
+<file path=ppt/slides/slide22.xml><?xml version="1.0" encoding="utf-8"?>
 <p:sld xmlns:a="http://schemas.openxmlformats.org/drawingml/2006/main" xmlns:r="http://schemas.openxmlformats.org/officeDocument/2006/relationships" xmlns:p="http://schemas.openxmlformats.org/presentationml/2006/main">
   <p:cSld>
     <p:spTree>
@@ -22866,7 +18223,7 @@
           <a:p>
             <a:r>
               <a:rPr lang="pt-BR" dirty="0"/>
-              <a:t>Escalonamento de atributos</a:t>
+              <a:t>Vantagens do escalonamento de atributos</a:t>
             </a:r>
           </a:p>
         </p:txBody>
@@ -22889,27 +18246,31 @@
         </p:nvSpPr>
         <p:spPr>
           <a:xfrm>
-            <a:off x="838199" y="1825625"/>
-            <a:ext cx="11219121" cy="2612842"/>
+            <a:off x="838199" y="1825624"/>
+            <a:ext cx="11219121" cy="2931859"/>
           </a:xfrm>
         </p:spPr>
         <p:txBody>
           <a:bodyPr>
-            <a:normAutofit lnSpcReduction="10000"/>
+            <a:normAutofit/>
           </a:bodyPr>
           <a:lstStyle/>
           <a:p>
             <a:r>
               <a:rPr lang="pt-BR" dirty="0"/>
-              <a:t>O escalonamento de atributos ajuda a acelerar a convergência do </a:t>
-            </a:r>
-            <a:r>
-              <a:rPr lang="pt-BR" b="1" i="1" dirty="0"/>
-              <a:t>gradiente descendente</a:t>
+              <a:t>Ajuda a </a:t>
+            </a:r>
+            <a:r>
+              <a:rPr lang="pt-BR" b="1" i="1" dirty="0">
+                <a:solidFill>
+                  <a:srgbClr val="00B050"/>
+                </a:solidFill>
+              </a:rPr>
+              <a:t>acelerar a convergência </a:t>
             </a:r>
             <a:r>
               <a:rPr lang="pt-BR" dirty="0"/>
-              <a:t>, pois deixa a superfície de erro mais circular.</a:t>
+              <a:t>do gradiente descendente, pois deixa a superfície de erro mais circular </a:t>
             </a:r>
           </a:p>
           <a:p>
@@ -22919,28 +18280,35 @@
             </a:pPr>
             <a:r>
               <a:rPr lang="pt-BR" dirty="0"/>
-              <a:t>Ou seja, com inclinação similar em todas as direções.</a:t>
-            </a:r>
-          </a:p>
-          <a:p>
-            <a:r>
-              <a:rPr lang="nl-BE" dirty="0"/>
-              <a:t>Ele ajuda a estabilizar o algoritmo do gradiente descendente.</a:t>
-            </a:r>
-            <a:endParaRPr lang="pt-BR" dirty="0"/>
+              <a:t>Pois a inclinação da superfície se torna similar em todas as direções.</a:t>
+            </a:r>
           </a:p>
           <a:p>
             <a:r>
               <a:rPr lang="pt-BR" dirty="0"/>
-              <a:t>Além disso, possibilita comparar o peso/influência de cada </a:t>
-            </a:r>
-            <a:r>
-              <a:rPr lang="pt-BR" b="1" i="1" dirty="0"/>
-              <a:t>atributo</a:t>
+              <a:t>Reduz a probabilidade de </a:t>
+            </a:r>
+            <a:r>
+              <a:rPr lang="pt-BR" b="1" i="1" dirty="0">
+                <a:solidFill>
+                  <a:srgbClr val="00B050"/>
+                </a:solidFill>
+              </a:rPr>
+              <a:t>problemas de precisão numérica</a:t>
             </a:r>
             <a:r>
               <a:rPr lang="pt-BR" dirty="0"/>
-              <a:t> no modelo de forma justa.</a:t>
+              <a:t>, mantendo a estabilidade do algoritmo durante o treinamento.</a:t>
+            </a:r>
+          </a:p>
+          <a:p>
+            <a:pPr lvl="1">
+              <a:buFont typeface="Wingdings" panose="05000000000000000000" pitchFamily="2" charset="2"/>
+              <a:buChar char="§"/>
+            </a:pPr>
+            <a:r>
+              <a:rPr lang="pt-BR" dirty="0"/>
+              <a:t>Por exemplo, atributos com valores muito grandes podem gerar erros extremamente grandes que podem não ser representados pelas variáveis.</a:t>
             </a:r>
           </a:p>
         </p:txBody>
@@ -23054,8 +18422,8 @@
         </p:blipFill>
         <p:spPr bwMode="auto">
           <a:xfrm>
-            <a:off x="94349" y="4411249"/>
-            <a:ext cx="5369578" cy="2369926"/>
+            <a:off x="420413" y="4672897"/>
+            <a:ext cx="4940773" cy="2180668"/>
           </a:xfrm>
           <a:prstGeom prst="rect">
             <a:avLst/>
@@ -23099,8 +18467,8 @@
         </p:blipFill>
         <p:spPr bwMode="auto">
           <a:xfrm>
-            <a:off x="6770607" y="4438468"/>
-            <a:ext cx="5369578" cy="2342707"/>
+            <a:off x="7096671" y="4697942"/>
+            <a:ext cx="4940773" cy="2155623"/>
           </a:xfrm>
           <a:prstGeom prst="rect">
             <a:avLst/>

--- a/slides/T319_Regressão_Linear (Parte IV).pptx
+++ b/slides/T319_Regressão_Linear (Parte IV).pptx
@@ -16731,8 +16731,8 @@
         </p:nvSpPr>
         <p:spPr>
           <a:xfrm>
-            <a:off x="838200" y="1825625"/>
-            <a:ext cx="11049000" cy="5032375"/>
+            <a:off x="838199" y="1825625"/>
+            <a:ext cx="11131193" cy="5032375"/>
           </a:xfrm>
         </p:spPr>
         <p:txBody>
@@ -16781,7 +16781,6 @@
               <a:rPr lang="pt-BR" dirty="0"/>
               <a:t>As duas formas mais comuns de escalonamento são:</a:t>
             </a:r>
-            <a:endParaRPr lang="en-US" dirty="0"/>
           </a:p>
           <a:p>
             <a:pPr lvl="1">
@@ -16789,19 +16788,15 @@
               <a:buChar char="§"/>
             </a:pPr>
             <a:r>
-              <a:rPr lang="en-US" b="1" dirty="0" err="1"/>
-              <a:t>Normalização</a:t>
-            </a:r>
-            <a:r>
-              <a:rPr lang="en-US" b="1" dirty="0"/>
-              <a:t> </a:t>
-            </a:r>
-            <a:r>
-              <a:rPr lang="en-US" b="1" dirty="0" err="1"/>
+              <a:rPr lang="pt-BR" b="1" dirty="0"/>
+              <a:t>Normalização </a:t>
+            </a:r>
+            <a:r>
+              <a:rPr lang="pt-BR" b="1" dirty="0" err="1"/>
               <a:t>Mín</a:t>
             </a:r>
             <a:r>
-              <a:rPr lang="en-US" b="1" dirty="0"/>
+              <a:rPr lang="pt-BR" b="1" dirty="0"/>
               <a:t>-Max</a:t>
             </a:r>
           </a:p>
@@ -16811,10 +16806,19 @@
               <a:buChar char="§"/>
             </a:pPr>
             <a:r>
-              <a:rPr lang="en-US" b="1" dirty="0" err="1"/>
+              <a:rPr lang="pt-BR" b="1" dirty="0"/>
               <a:t>Padronização</a:t>
             </a:r>
-            <a:endParaRPr lang="en-US" b="1" dirty="0"/>
+          </a:p>
+          <a:p>
+            <a:r>
+              <a:rPr lang="pt-BR" b="1" dirty="0"/>
+              <a:t>OBS</a:t>
+            </a:r>
+            <a:r>
+              <a:rPr lang="pt-BR" dirty="0"/>
+              <a:t>.: Aplicamos o escalonamento apenas aos atributos e não aos rótulos.</a:t>
+            </a:r>
           </a:p>
         </p:txBody>
       </p:sp>

--- a/slides/T319_Regressão_Linear (Parte IV).pptx
+++ b/slides/T319_Regressão_Linear (Parte IV).pptx
@@ -5,7 +5,7 @@
     <p:sldMasterId id="2147483648" r:id="rId1"/>
   </p:sldMasterIdLst>
   <p:notesMasterIdLst>
-    <p:notesMasterId r:id="rId24"/>
+    <p:notesMasterId r:id="rId25"/>
   </p:notesMasterIdLst>
   <p:sldIdLst>
     <p:sldId id="259" r:id="rId2"/>
@@ -18,18 +18,19 @@
     <p:sldId id="520" r:id="rId9"/>
     <p:sldId id="521" r:id="rId10"/>
     <p:sldId id="523" r:id="rId11"/>
-    <p:sldId id="512" r:id="rId12"/>
-    <p:sldId id="471" r:id="rId13"/>
-    <p:sldId id="468" r:id="rId14"/>
-    <p:sldId id="472" r:id="rId15"/>
-    <p:sldId id="477" r:id="rId16"/>
-    <p:sldId id="474" r:id="rId17"/>
-    <p:sldId id="470" r:id="rId18"/>
-    <p:sldId id="441" r:id="rId19"/>
-    <p:sldId id="317" r:id="rId20"/>
-    <p:sldId id="332" r:id="rId21"/>
-    <p:sldId id="522" r:id="rId22"/>
-    <p:sldId id="475" r:id="rId23"/>
+    <p:sldId id="524" r:id="rId12"/>
+    <p:sldId id="512" r:id="rId13"/>
+    <p:sldId id="471" r:id="rId14"/>
+    <p:sldId id="468" r:id="rId15"/>
+    <p:sldId id="472" r:id="rId16"/>
+    <p:sldId id="477" r:id="rId17"/>
+    <p:sldId id="474" r:id="rId18"/>
+    <p:sldId id="470" r:id="rId19"/>
+    <p:sldId id="441" r:id="rId20"/>
+    <p:sldId id="317" r:id="rId21"/>
+    <p:sldId id="332" r:id="rId22"/>
+    <p:sldId id="522" r:id="rId23"/>
+    <p:sldId id="475" r:id="rId24"/>
   </p:sldIdLst>
   <p:sldSz cx="12192000" cy="6858000"/>
   <p:notesSz cx="6858000" cy="9144000"/>
@@ -916,7 +917,7 @@
       </p:grpSpPr>
       <p:sp>
         <p:nvSpPr>
-          <p:cNvPr id="2" name="Espaço Reservado para Imagem de Slide 1"/>
+          <p:cNvPr id="2" name="Slide Image Placeholder 1"/>
           <p:cNvSpPr>
             <a:spLocks noGrp="1" noRot="1" noChangeAspect="1"/>
           </p:cNvSpPr>
@@ -928,7 +929,7 @@
       </p:sp>
       <p:sp>
         <p:nvSpPr>
-          <p:cNvPr id="3" name="Espaço Reservado para Anotações 2"/>
+          <p:cNvPr id="3" name="Notes Placeholder 2"/>
           <p:cNvSpPr>
             <a:spLocks noGrp="1"/>
           </p:cNvSpPr>
@@ -942,52 +943,17 @@
           <a:lstStyle/>
           <a:p>
             <a:r>
-              <a:rPr lang="en-US" sz="1200" b="0" i="0" kern="1200" dirty="0">
-                <a:solidFill>
-                  <a:schemeClr val="tx1"/>
-                </a:solidFill>
-                <a:effectLst/>
-                <a:latin typeface="+mn-lt"/>
-                <a:ea typeface="+mn-ea"/>
-                <a:cs typeface="+mn-cs"/>
-              </a:rPr>
-              <a:t>O </a:t>
-            </a:r>
-            <a:r>
-              <a:rPr lang="en-US" sz="1200" b="0" i="0" kern="1200" dirty="0" err="1">
-                <a:solidFill>
-                  <a:schemeClr val="tx1"/>
-                </a:solidFill>
-                <a:effectLst/>
-                <a:latin typeface="+mn-lt"/>
-                <a:ea typeface="+mn-ea"/>
-                <a:cs typeface="+mn-cs"/>
-              </a:rPr>
-              <a:t>teorema</a:t>
-            </a:r>
-            <a:r>
-              <a:rPr lang="en-US" sz="1200" b="0" i="0" kern="1200" baseline="0" dirty="0">
-                <a:solidFill>
-                  <a:schemeClr val="tx1"/>
-                </a:solidFill>
-                <a:effectLst/>
-                <a:latin typeface="+mn-lt"/>
-                <a:ea typeface="+mn-ea"/>
-                <a:cs typeface="+mn-cs"/>
-              </a:rPr>
-              <a:t> f</a:t>
-            </a:r>
-            <a:r>
-              <a:rPr lang="pt-BR" sz="1200" b="0" i="0" kern="1200" dirty="0" err="1">
-                <a:solidFill>
-                  <a:schemeClr val="tx1"/>
-                </a:solidFill>
-                <a:effectLst/>
-                <a:latin typeface="+mn-lt"/>
-                <a:ea typeface="+mn-ea"/>
-                <a:cs typeface="+mn-cs"/>
-              </a:rPr>
-              <a:t>ornece</a:t>
+              <a:rPr lang="pt-BR" dirty="0"/>
+              <a:t>E se seus dados forem mais complexos do que uma simples linha reta? </a:t>
+            </a:r>
+          </a:p>
+          <a:p>
+            <a:endParaRPr lang="pt-BR" dirty="0"/>
+          </a:p>
+          <a:p>
+            <a:r>
+              <a:rPr lang="pt-BR" dirty="0"/>
+              <a:t>Você pode usar um modelo linear para ajustar dados não lineares. Uma maneira simples de fazer isso é adicionar </a:t>
             </a:r>
             <a:r>
               <a:rPr lang="pt-BR" sz="1200" b="0" i="0" kern="1200" dirty="0">
@@ -999,171 +965,18 @@
                 <a:ea typeface="+mn-ea"/>
                 <a:cs typeface="+mn-cs"/>
               </a:rPr>
-              <a:t> uma maneira de aproximar funções complexas e não polinomiais por meio de polinômios simples.</a:t>
-            </a:r>
-            <a:endParaRPr lang="en-US" sz="1200" b="0" i="0" kern="1200" dirty="0">
-              <a:solidFill>
-                <a:schemeClr val="tx1"/>
-              </a:solidFill>
-              <a:effectLst/>
-              <a:latin typeface="+mn-lt"/>
-              <a:ea typeface="+mn-ea"/>
-              <a:cs typeface="+mn-cs"/>
-            </a:endParaRPr>
-          </a:p>
-          <a:p>
-            <a:endParaRPr lang="en-US" sz="1200" b="0" i="0" kern="1200" dirty="0">
-              <a:solidFill>
-                <a:schemeClr val="tx1"/>
-              </a:solidFill>
-              <a:effectLst/>
-              <a:latin typeface="+mn-lt"/>
-              <a:ea typeface="+mn-ea"/>
-              <a:cs typeface="+mn-cs"/>
-            </a:endParaRPr>
-          </a:p>
-          <a:p>
-            <a:r>
-              <a:rPr lang="en-US" sz="1200" b="0" i="0" kern="1200" dirty="0">
-                <a:solidFill>
-                  <a:schemeClr val="tx1"/>
-                </a:solidFill>
-                <a:effectLst/>
-                <a:latin typeface="+mn-lt"/>
-                <a:ea typeface="+mn-ea"/>
-                <a:cs typeface="+mn-cs"/>
-              </a:rPr>
-              <a:t>The </a:t>
-            </a:r>
-            <a:r>
-              <a:rPr lang="en-US" sz="1200" b="0" i="0" kern="1200" dirty="0" err="1">
-                <a:solidFill>
-                  <a:schemeClr val="tx1"/>
-                </a:solidFill>
-                <a:effectLst/>
-                <a:latin typeface="+mn-lt"/>
-                <a:ea typeface="+mn-ea"/>
-                <a:cs typeface="+mn-cs"/>
-              </a:rPr>
-              <a:t>Weierstrass</a:t>
-            </a:r>
-            <a:r>
-              <a:rPr lang="en-US" sz="1200" b="0" i="0" kern="1200" dirty="0">
-                <a:solidFill>
-                  <a:schemeClr val="tx1"/>
-                </a:solidFill>
-                <a:effectLst/>
-                <a:latin typeface="+mn-lt"/>
-                <a:ea typeface="+mn-ea"/>
-                <a:cs typeface="+mn-cs"/>
-              </a:rPr>
-              <a:t> approximation theorem assures us that </a:t>
-            </a:r>
-            <a:r>
-              <a:rPr lang="en-US" sz="1200" b="0" i="0" u="none" strike="noStrike" kern="1200" dirty="0">
-                <a:solidFill>
-                  <a:schemeClr val="tx1"/>
-                </a:solidFill>
-                <a:effectLst/>
-                <a:latin typeface="+mn-lt"/>
-                <a:ea typeface="+mn-ea"/>
-                <a:cs typeface="+mn-cs"/>
-                <a:hlinkClick r:id="rId3"/>
-              </a:rPr>
-              <a:t>polynomial approximation</a:t>
-            </a:r>
-            <a:r>
-              <a:rPr lang="en-US" sz="1200" b="0" i="0" kern="1200" dirty="0">
-                <a:solidFill>
-                  <a:schemeClr val="tx1"/>
-                </a:solidFill>
-                <a:effectLst/>
-                <a:latin typeface="+mn-lt"/>
-                <a:ea typeface="+mn-ea"/>
-                <a:cs typeface="+mn-cs"/>
-              </a:rPr>
-              <a:t> can get arbitrarily close to any continuous function as the polynomial order is increased.</a:t>
-            </a:r>
-          </a:p>
-          <a:p>
-            <a:endParaRPr lang="en-US" sz="1200" b="0" i="0" kern="1200" dirty="0">
-              <a:solidFill>
-                <a:schemeClr val="tx1"/>
-              </a:solidFill>
-              <a:effectLst/>
-              <a:latin typeface="+mn-lt"/>
-              <a:ea typeface="+mn-ea"/>
-              <a:cs typeface="+mn-cs"/>
-            </a:endParaRPr>
-          </a:p>
-          <a:p>
-            <a:endParaRPr lang="en-US" sz="1200" b="0" i="0" kern="1200" dirty="0">
-              <a:solidFill>
-                <a:schemeClr val="tx1"/>
-              </a:solidFill>
-              <a:effectLst/>
-              <a:latin typeface="+mn-lt"/>
-              <a:ea typeface="+mn-ea"/>
-              <a:cs typeface="+mn-cs"/>
-            </a:endParaRPr>
-          </a:p>
-          <a:p>
-            <a:r>
-              <a:rPr lang="en-US" sz="1200" b="0" i="0" kern="1200" dirty="0" err="1">
-                <a:solidFill>
-                  <a:schemeClr val="tx1"/>
-                </a:solidFill>
-                <a:effectLst/>
-                <a:latin typeface="+mn-lt"/>
-                <a:ea typeface="+mn-ea"/>
-                <a:cs typeface="+mn-cs"/>
-              </a:rPr>
-              <a:t>Referências</a:t>
-            </a:r>
-            <a:endParaRPr lang="en-US" sz="1200" b="0" i="0" kern="1200" dirty="0">
-              <a:solidFill>
-                <a:schemeClr val="tx1"/>
-              </a:solidFill>
-              <a:effectLst/>
-              <a:latin typeface="+mn-lt"/>
-              <a:ea typeface="+mn-ea"/>
-              <a:cs typeface="+mn-cs"/>
-            </a:endParaRPr>
-          </a:p>
-          <a:p>
-            <a:r>
-              <a:rPr lang="en-US" sz="1200" b="0" i="0" kern="1200" dirty="0">
-                <a:solidFill>
-                  <a:schemeClr val="tx1"/>
-                </a:solidFill>
-                <a:effectLst/>
-                <a:latin typeface="+mn-lt"/>
-                <a:ea typeface="+mn-ea"/>
-                <a:cs typeface="+mn-cs"/>
-              </a:rPr>
-              <a:t>[1] https://ccrma.stanford.edu/~jos/st/Weierstrass_Approximation_Theorem.html</a:t>
-            </a:r>
-          </a:p>
-          <a:p>
-            <a:r>
-              <a:rPr lang="en-US" sz="1200" b="0" i="0" kern="1200" dirty="0">
-                <a:solidFill>
-                  <a:schemeClr val="tx1"/>
-                </a:solidFill>
-                <a:effectLst/>
-                <a:latin typeface="+mn-lt"/>
-                <a:ea typeface="+mn-ea"/>
-                <a:cs typeface="+mn-cs"/>
-              </a:rPr>
-              <a:t>[2] https://people.bath.ac.uk/mw2319/ma30252/sec-approx.html</a:t>
-            </a:r>
-            <a:endParaRPr lang="pt-BR" dirty="0"/>
+              <a:t>expoentes </a:t>
+            </a:r>
+            <a:r>
+              <a:rPr lang="pt-BR" dirty="0"/>
+              <a:t>a cada feature como novos atributos e treinar um modelo linear nesse conjunto estendido de atributos. Essa técnica é chamada de regressão polinomial.</a:t>
+            </a:r>
           </a:p>
         </p:txBody>
       </p:sp>
       <p:sp>
         <p:nvSpPr>
-          <p:cNvPr id="4" name="Espaço Reservado para Número de Slide 3"/>
+          <p:cNvPr id="4" name="Slide Number Placeholder 3"/>
           <p:cNvSpPr>
             <a:spLocks noGrp="1"/>
           </p:cNvSpPr>
@@ -1187,7 +1000,7 @@
     </p:spTree>
     <p:extLst>
       <p:ext uri="{BB962C8B-B14F-4D97-AF65-F5344CB8AC3E}">
-        <p14:creationId xmlns:p14="http://schemas.microsoft.com/office/powerpoint/2010/main" val="1389995550"/>
+        <p14:creationId xmlns:p14="http://schemas.microsoft.com/office/powerpoint/2010/main" val="4229211557"/>
       </p:ext>
     </p:extLst>
   </p:cSld>
@@ -1216,7 +1029,7 @@
       </p:grpSpPr>
       <p:sp>
         <p:nvSpPr>
-          <p:cNvPr id="2" name="Slide Image Placeholder 1"/>
+          <p:cNvPr id="2" name="Espaço Reservado para Imagem de Slide 1"/>
           <p:cNvSpPr>
             <a:spLocks noGrp="1" noRot="1" noChangeAspect="1"/>
           </p:cNvSpPr>
@@ -1228,7 +1041,7 @@
       </p:sp>
       <p:sp>
         <p:nvSpPr>
-          <p:cNvPr id="3" name="Notes Placeholder 2"/>
+          <p:cNvPr id="3" name="Espaço Reservado para Anotações 2"/>
           <p:cNvSpPr>
             <a:spLocks noGrp="1"/>
           </p:cNvSpPr>
@@ -1241,97 +1054,229 @@
           <a:bodyPr/>
           <a:lstStyle/>
           <a:p>
-            <a:pPr marL="0" marR="0" lvl="0" indent="0" algn="l" defTabSz="914400" rtl="0" eaLnBrk="1" fontAlgn="auto" latinLnBrk="0" hangingPunct="1">
-              <a:lnSpc>
-                <a:spcPct val="100000"/>
-              </a:lnSpc>
-              <a:spcBef>
-                <a:spcPts val="0"/>
-              </a:spcBef>
-              <a:spcAft>
-                <a:spcPts val="0"/>
-              </a:spcAft>
-              <a:buClrTx/>
-              <a:buSzTx/>
-              <a:buFontTx/>
-              <a:buNone/>
-              <a:tabLst/>
-              <a:defRPr/>
-            </a:pPr>
-            <a:r>
-              <a:rPr lang="pt-BR" b="1" noProof="0" dirty="0"/>
-              <a:t>Exemplo</a:t>
-            </a:r>
-            <a:r>
-              <a:rPr lang="pt-BR" noProof="0" dirty="0"/>
-              <a:t>: </a:t>
-            </a:r>
-            <a:r>
-              <a:rPr lang="pt-BR" dirty="0"/>
-              <a:t>https://mybinder.org/v2/gh/zz4fap/t319_aprendizado_de_maquina/main?filepath=notebooks%2Fregression%2Fpolynomial_regression.ipynb</a:t>
-            </a:r>
-            <a:endParaRPr lang="pt-BR" u="none" dirty="0"/>
-          </a:p>
-          <a:p>
-            <a:endParaRPr lang="pt-BR" dirty="0"/>
-          </a:p>
-          <a:p>
-            <a:r>
-              <a:rPr lang="pt-BR" dirty="0"/>
-              <a:t>O modelo com polinômio de grau 1 não captura a curvatura dos pontos de treinamento. Ele erra muito tanto para exemplos de treinamento quanto para exemplos não vistos durante o treinamento (validação). </a:t>
-            </a:r>
-          </a:p>
-          <a:p>
-            <a:r>
-              <a:rPr lang="pt-BR" dirty="0"/>
-              <a:t>O modelo com polinômio de grau 30 acerta a predição de todos os exemplos de treinamento, mas erraria muito para exemplos não vistos durante treinamento. </a:t>
-            </a:r>
-          </a:p>
-          <a:p>
-            <a:pPr lvl="1"/>
-            <a:r>
-              <a:rPr lang="pt-BR" b="1" dirty="0"/>
-              <a:t>A flexibilidade do modelo é tão alta que ele aprende também o ruído presente no conjunto de treinamento.</a:t>
-            </a:r>
-          </a:p>
-          <a:p>
-            <a:r>
-              <a:rPr lang="pt-BR" dirty="0"/>
-              <a:t>O modelo com polinômio de grau 2 se ajusta bem aos exemplos, mas sem acertá-los perfeitamente. Este é provavelmente o modelo ótimo em termos da </a:t>
-            </a:r>
-            <a:r>
-              <a:rPr lang="pt-BR" b="1" i="1" dirty="0"/>
-              <a:t>relação de compromisso</a:t>
-            </a:r>
-            <a:r>
-              <a:rPr lang="pt-BR" dirty="0"/>
-              <a:t> entre os erros de </a:t>
-            </a:r>
-            <a:r>
-              <a:rPr lang="pt-BR" b="1" dirty="0"/>
-              <a:t>flexibilidade </a:t>
-            </a:r>
-            <a:r>
-              <a:rPr lang="pt-BR" dirty="0"/>
-              <a:t>e de </a:t>
-            </a:r>
-            <a:r>
-              <a:rPr lang="pt-BR" b="1" dirty="0"/>
-              <a:t>generalização</a:t>
-            </a:r>
-            <a:r>
-              <a:rPr lang="pt-BR" dirty="0"/>
-              <a:t>.</a:t>
-            </a:r>
-          </a:p>
-          <a:p>
+            <a:r>
+              <a:rPr lang="en-US" sz="1200" b="0" i="0" kern="1200" dirty="0">
+                <a:solidFill>
+                  <a:schemeClr val="tx1"/>
+                </a:solidFill>
+                <a:effectLst/>
+                <a:latin typeface="+mn-lt"/>
+                <a:ea typeface="+mn-ea"/>
+                <a:cs typeface="+mn-cs"/>
+              </a:rPr>
+              <a:t>O </a:t>
+            </a:r>
+            <a:r>
+              <a:rPr lang="en-US" sz="1200" b="0" i="0" kern="1200" dirty="0" err="1">
+                <a:solidFill>
+                  <a:schemeClr val="tx1"/>
+                </a:solidFill>
+                <a:effectLst/>
+                <a:latin typeface="+mn-lt"/>
+                <a:ea typeface="+mn-ea"/>
+                <a:cs typeface="+mn-cs"/>
+              </a:rPr>
+              <a:t>teorema</a:t>
+            </a:r>
+            <a:r>
+              <a:rPr lang="en-US" sz="1200" b="0" i="0" kern="1200" baseline="0" dirty="0">
+                <a:solidFill>
+                  <a:schemeClr val="tx1"/>
+                </a:solidFill>
+                <a:effectLst/>
+                <a:latin typeface="+mn-lt"/>
+                <a:ea typeface="+mn-ea"/>
+                <a:cs typeface="+mn-cs"/>
+              </a:rPr>
+              <a:t> f</a:t>
+            </a:r>
+            <a:r>
+              <a:rPr lang="pt-BR" sz="1200" b="0" i="0" kern="1200" dirty="0" err="1">
+                <a:solidFill>
+                  <a:schemeClr val="tx1"/>
+                </a:solidFill>
+                <a:effectLst/>
+                <a:latin typeface="+mn-lt"/>
+                <a:ea typeface="+mn-ea"/>
+                <a:cs typeface="+mn-cs"/>
+              </a:rPr>
+              <a:t>ornece</a:t>
+            </a:r>
+            <a:r>
+              <a:rPr lang="pt-BR" sz="1200" b="0" i="0" kern="1200" dirty="0">
+                <a:solidFill>
+                  <a:schemeClr val="tx1"/>
+                </a:solidFill>
+                <a:effectLst/>
+                <a:latin typeface="+mn-lt"/>
+                <a:ea typeface="+mn-ea"/>
+                <a:cs typeface="+mn-cs"/>
+              </a:rPr>
+              <a:t> uma maneira de aproximar funções complexas e não polinomiais por meio de polinômios simples.</a:t>
+            </a:r>
+            <a:endParaRPr lang="en-US" sz="1200" b="0" i="0" kern="1200" dirty="0">
+              <a:solidFill>
+                <a:schemeClr val="tx1"/>
+              </a:solidFill>
+              <a:effectLst/>
+              <a:latin typeface="+mn-lt"/>
+              <a:ea typeface="+mn-ea"/>
+              <a:cs typeface="+mn-cs"/>
+            </a:endParaRPr>
+          </a:p>
+          <a:p>
+            <a:endParaRPr lang="en-US" sz="1200" b="0" i="0" kern="1200" dirty="0">
+              <a:solidFill>
+                <a:schemeClr val="tx1"/>
+              </a:solidFill>
+              <a:effectLst/>
+              <a:latin typeface="+mn-lt"/>
+              <a:ea typeface="+mn-ea"/>
+              <a:cs typeface="+mn-cs"/>
+            </a:endParaRPr>
+          </a:p>
+          <a:p>
+            <a:r>
+              <a:rPr lang="en-US" sz="1200" b="0" i="0" kern="1200" dirty="0">
+                <a:solidFill>
+                  <a:schemeClr val="tx1"/>
+                </a:solidFill>
+                <a:effectLst/>
+                <a:latin typeface="+mn-lt"/>
+                <a:ea typeface="+mn-ea"/>
+                <a:cs typeface="+mn-cs"/>
+              </a:rPr>
+              <a:t>The </a:t>
+            </a:r>
+            <a:r>
+              <a:rPr lang="en-US" sz="1200" b="0" i="0" kern="1200" dirty="0" err="1">
+                <a:solidFill>
+                  <a:schemeClr val="tx1"/>
+                </a:solidFill>
+                <a:effectLst/>
+                <a:latin typeface="+mn-lt"/>
+                <a:ea typeface="+mn-ea"/>
+                <a:cs typeface="+mn-cs"/>
+              </a:rPr>
+              <a:t>Weierstrass</a:t>
+            </a:r>
+            <a:r>
+              <a:rPr lang="en-US" sz="1200" b="0" i="0" kern="1200" dirty="0">
+                <a:solidFill>
+                  <a:schemeClr val="tx1"/>
+                </a:solidFill>
+                <a:effectLst/>
+                <a:latin typeface="+mn-lt"/>
+                <a:ea typeface="+mn-ea"/>
+                <a:cs typeface="+mn-cs"/>
+              </a:rPr>
+              <a:t> approximation theorem assures us that </a:t>
+            </a:r>
+            <a:r>
+              <a:rPr lang="en-US" sz="1200" b="0" i="0" u="none" strike="noStrike" kern="1200" dirty="0">
+                <a:solidFill>
+                  <a:schemeClr val="tx1"/>
+                </a:solidFill>
+                <a:effectLst/>
+                <a:latin typeface="+mn-lt"/>
+                <a:ea typeface="+mn-ea"/>
+                <a:cs typeface="+mn-cs"/>
+                <a:hlinkClick r:id="rId3"/>
+              </a:rPr>
+              <a:t>polynomial approximation</a:t>
+            </a:r>
+            <a:r>
+              <a:rPr lang="en-US" sz="1200" b="0" i="0" kern="1200" dirty="0">
+                <a:solidFill>
+                  <a:schemeClr val="tx1"/>
+                </a:solidFill>
+                <a:effectLst/>
+                <a:latin typeface="+mn-lt"/>
+                <a:ea typeface="+mn-ea"/>
+                <a:cs typeface="+mn-cs"/>
+              </a:rPr>
+              <a:t> can get arbitrarily close to any continuous function as the polynomial order is increased.</a:t>
+            </a:r>
+          </a:p>
+          <a:p>
+            <a:endParaRPr lang="en-US" sz="1200" b="0" i="0" kern="1200" dirty="0">
+              <a:solidFill>
+                <a:schemeClr val="tx1"/>
+              </a:solidFill>
+              <a:effectLst/>
+              <a:latin typeface="+mn-lt"/>
+              <a:ea typeface="+mn-ea"/>
+              <a:cs typeface="+mn-cs"/>
+            </a:endParaRPr>
+          </a:p>
+          <a:p>
+            <a:endParaRPr lang="en-US" sz="1200" b="0" i="0" kern="1200" dirty="0">
+              <a:solidFill>
+                <a:schemeClr val="tx1"/>
+              </a:solidFill>
+              <a:effectLst/>
+              <a:latin typeface="+mn-lt"/>
+              <a:ea typeface="+mn-ea"/>
+              <a:cs typeface="+mn-cs"/>
+            </a:endParaRPr>
+          </a:p>
+          <a:p>
+            <a:r>
+              <a:rPr lang="en-US" sz="1200" b="0" i="0" kern="1200" dirty="0" err="1">
+                <a:solidFill>
+                  <a:schemeClr val="tx1"/>
+                </a:solidFill>
+                <a:effectLst/>
+                <a:latin typeface="+mn-lt"/>
+                <a:ea typeface="+mn-ea"/>
+                <a:cs typeface="+mn-cs"/>
+              </a:rPr>
+              <a:t>Referências</a:t>
+            </a:r>
+            <a:endParaRPr lang="en-US" sz="1200" b="0" i="0" kern="1200" dirty="0">
+              <a:solidFill>
+                <a:schemeClr val="tx1"/>
+              </a:solidFill>
+              <a:effectLst/>
+              <a:latin typeface="+mn-lt"/>
+              <a:ea typeface="+mn-ea"/>
+              <a:cs typeface="+mn-cs"/>
+            </a:endParaRPr>
+          </a:p>
+          <a:p>
+            <a:r>
+              <a:rPr lang="en-US" sz="1200" b="0" i="0" kern="1200" dirty="0">
+                <a:solidFill>
+                  <a:schemeClr val="tx1"/>
+                </a:solidFill>
+                <a:effectLst/>
+                <a:latin typeface="+mn-lt"/>
+                <a:ea typeface="+mn-ea"/>
+                <a:cs typeface="+mn-cs"/>
+              </a:rPr>
+              <a:t>[1] https://ccrma.stanford.edu/~jos/st/Weierstrass_Approximation_Theorem.html</a:t>
+            </a:r>
+          </a:p>
+          <a:p>
+            <a:r>
+              <a:rPr lang="en-US" sz="1200" b="0" i="0" kern="1200" dirty="0">
+                <a:solidFill>
+                  <a:schemeClr val="tx1"/>
+                </a:solidFill>
+                <a:effectLst/>
+                <a:latin typeface="+mn-lt"/>
+                <a:ea typeface="+mn-ea"/>
+                <a:cs typeface="+mn-cs"/>
+              </a:rPr>
+              <a:t>[2] https://people.bath.ac.uk/mw2319/ma30252/sec-approx.html</a:t>
+            </a:r>
             <a:endParaRPr lang="pt-BR" dirty="0"/>
           </a:p>
         </p:txBody>
       </p:sp>
       <p:sp>
         <p:nvSpPr>
-          <p:cNvPr id="4" name="Slide Number Placeholder 3"/>
+          <p:cNvPr id="4" name="Espaço Reservado para Número de Slide 3"/>
           <p:cNvSpPr>
             <a:spLocks noGrp="1"/>
           </p:cNvSpPr>
@@ -1346,7 +1291,7 @@
           <a:p>
             <a:fld id="{DA8B99DF-01BC-492A-8CEF-4FD88D18DD9D}" type="slidenum">
               <a:rPr lang="nl-BE" smtClean="0"/>
-              <a:t>15</a:t>
+              <a:t>14</a:t>
             </a:fld>
             <a:endParaRPr lang="nl-BE"/>
           </a:p>
@@ -1355,7 +1300,7 @@
     </p:spTree>
     <p:extLst>
       <p:ext uri="{BB962C8B-B14F-4D97-AF65-F5344CB8AC3E}">
-        <p14:creationId xmlns:p14="http://schemas.microsoft.com/office/powerpoint/2010/main" val="489201069"/>
+        <p14:creationId xmlns:p14="http://schemas.microsoft.com/office/powerpoint/2010/main" val="1389995550"/>
       </p:ext>
     </p:extLst>
   </p:cSld>
@@ -1409,19 +1354,6 @@
           <a:bodyPr/>
           <a:lstStyle/>
           <a:p>
-            <a:r>
-              <a:rPr lang="pt-BR" dirty="0" err="1"/>
-              <a:t>Binder</a:t>
-            </a:r>
-            <a:r>
-              <a:rPr lang="pt-BR" dirty="0"/>
-              <a:t>: https://mybinder.org/v2/gh/zz4fap/t319_aprendizado_de_maquina/main?filepath=notebooks/regression/polynomial_regression.ipynb</a:t>
-            </a:r>
-          </a:p>
-          <a:p>
-            <a:endParaRPr lang="pt-BR" dirty="0"/>
-          </a:p>
-          <a:p>
             <a:pPr marL="0" marR="0" lvl="0" indent="0" algn="l" defTabSz="914400" rtl="0" eaLnBrk="1" fontAlgn="auto" latinLnBrk="0" hangingPunct="1">
               <a:lnSpc>
                 <a:spcPct val="100000"/>
@@ -1440,13 +1372,18 @@
               <a:defRPr/>
             </a:pPr>
             <a:r>
-              <a:rPr lang="pt-BR" dirty="0" err="1"/>
-              <a:t>Colab</a:t>
-            </a:r>
-            <a:r>
-              <a:rPr lang="pt-BR" dirty="0"/>
-              <a:t>: https://colab.research.google.com/github/zz4fap/t319_aprendizado_de_maquina/blob/main/notebooks/regression/polynomial_regression.ipynb</a:t>
-            </a:r>
+              <a:rPr lang="pt-BR" b="1" noProof="0" dirty="0"/>
+              <a:t>Exemplo</a:t>
+            </a:r>
+            <a:r>
+              <a:rPr lang="pt-BR" noProof="0" dirty="0"/>
+              <a:t>: </a:t>
+            </a:r>
+            <a:r>
+              <a:rPr lang="pt-BR" dirty="0"/>
+              <a:t>https://mybinder.org/v2/gh/zz4fap/t319_aprendizado_de_maquina/main?filepath=notebooks%2Fregression%2Fpolynomial_regression.ipynb</a:t>
+            </a:r>
+            <a:endParaRPr lang="pt-BR" u="none" dirty="0"/>
           </a:p>
           <a:p>
             <a:endParaRPr lang="pt-BR" dirty="0"/>
@@ -1454,671 +1391,54 @@
           <a:p>
             <a:r>
               <a:rPr lang="pt-BR" dirty="0"/>
-              <a:t>É importante salientar que</a:t>
-            </a:r>
-            <a:r>
-              <a:rPr lang="pt-BR" baseline="0" dirty="0"/>
-              <a:t> </a:t>
-            </a:r>
-            <a:r>
-              <a:rPr lang="pt-BR" dirty="0"/>
-              <a:t>todos os esforços de construção de um modelo são limitados pelos dados existentes. Para muitos problemas, o</a:t>
-            </a:r>
-            <a:r>
-              <a:rPr lang="pt-BR" baseline="0" dirty="0"/>
-              <a:t> conjunto de dados </a:t>
-            </a:r>
-            <a:r>
-              <a:rPr lang="pt-BR" dirty="0"/>
-              <a:t>pode ter um número limitado de amostras, ele</a:t>
-            </a:r>
-            <a:r>
-              <a:rPr lang="pt-BR" baseline="0" dirty="0"/>
-              <a:t> </a:t>
-            </a:r>
-            <a:r>
-              <a:rPr lang="pt-BR" dirty="0"/>
-              <a:t>pode ser de qualidade inferior à desejável e/ou ele pode não ser representativo</a:t>
-            </a:r>
-            <a:r>
-              <a:rPr lang="pt-BR" baseline="0" dirty="0"/>
-              <a:t> </a:t>
-            </a:r>
-            <a:r>
-              <a:rPr lang="pt-BR" dirty="0"/>
-              <a:t>de amostras futuras.</a:t>
+              <a:t>O modelo com polinômio de grau 1 não captura a curvatura dos pontos de treinamento. Ele erra muito tanto para exemplos de treinamento quanto para exemplos não vistos durante o treinamento (validação). </a:t>
+            </a:r>
+          </a:p>
+          <a:p>
+            <a:r>
+              <a:rPr lang="pt-BR" dirty="0"/>
+              <a:t>O modelo com polinômio de grau 30 acerta a predição de todos os exemplos de treinamento, mas erraria muito para exemplos não vistos durante treinamento. </a:t>
+            </a:r>
+          </a:p>
+          <a:p>
+            <a:pPr lvl="1"/>
+            <a:r>
+              <a:rPr lang="pt-BR" b="1" dirty="0"/>
+              <a:t>A flexibilidade do modelo é tão alta que ele aprende também o ruído presente no conjunto de treinamento.</a:t>
+            </a:r>
+          </a:p>
+          <a:p>
+            <a:r>
+              <a:rPr lang="pt-BR" dirty="0"/>
+              <a:t>O modelo com polinômio de grau 2 se ajusta bem aos exemplos, mas sem acertá-los perfeitamente. Este é provavelmente o modelo ótimo em termos da </a:t>
+            </a:r>
+            <a:r>
+              <a:rPr lang="pt-BR" b="1" i="1" dirty="0"/>
+              <a:t>relação de compromisso</a:t>
+            </a:r>
+            <a:r>
+              <a:rPr lang="pt-BR" dirty="0"/>
+              <a:t> entre os erros de </a:t>
+            </a:r>
+            <a:r>
+              <a:rPr lang="pt-BR" b="1" dirty="0"/>
+              <a:t>flexibilidade </a:t>
+            </a:r>
+            <a:r>
+              <a:rPr lang="pt-BR" dirty="0"/>
+              <a:t>e de </a:t>
+            </a:r>
+            <a:r>
+              <a:rPr lang="pt-BR" b="1" dirty="0"/>
+              <a:t>generalização</a:t>
+            </a:r>
+            <a:r>
+              <a:rPr lang="pt-BR" dirty="0"/>
+              <a:t>.</a:t>
             </a:r>
           </a:p>
           <a:p>
             <a:endParaRPr lang="pt-BR" dirty="0"/>
-          </a:p>
-          <a:p>
-            <a:r>
-              <a:rPr lang="pt-BR" dirty="0"/>
-              <a:t>Trabalhando com base na</a:t>
-            </a:r>
-            <a:r>
-              <a:rPr lang="pt-BR" baseline="0" dirty="0"/>
-              <a:t> </a:t>
-            </a:r>
-            <a:r>
-              <a:rPr lang="pt-BR" dirty="0"/>
-              <a:t>suposição</a:t>
-            </a:r>
-            <a:r>
-              <a:rPr lang="pt-BR" baseline="0" dirty="0"/>
-              <a:t> de que o conjunto que temos é representativo e de boa qualidade</a:t>
-            </a:r>
-            <a:r>
-              <a:rPr lang="pt-BR" dirty="0"/>
-              <a:t>, devemos usar os dados disponíveis para encontrar o melhor modelo preditivo. Quase todas as técnicas de modelagem preditiva possuem (hiper)parâmetros de ajuste que permitem que o modelo seja flexível o suficiente para encontrar a estrutura por trás dos dados.</a:t>
-            </a:r>
-          </a:p>
-          <a:p>
-            <a:endParaRPr lang="pt-BR" dirty="0"/>
-          </a:p>
-          <a:p>
-            <a:r>
-              <a:rPr lang="pt-BR" dirty="0"/>
-              <a:t>Portanto, devemos usar os dados existentes para identificar os valores dos parâmetros do modelo que geram o melhor e mais realista desempenho preditivo (conhecido como ajuste do modelo). Tradicionalmente, isso é obtido dividindo-se os dados existentes em conjuntos de treinamento e teste. O conjunto de treinamento é usado para construir e ajustar o modelo e o conjunto de teste é usado para estimar o desempenho preditivo do modelo.</a:t>
-            </a:r>
-          </a:p>
-          <a:p>
-            <a:endParaRPr lang="pt-BR" dirty="0"/>
-          </a:p>
-          <a:p>
-            <a:r>
-              <a:rPr lang="pt-BR" dirty="0"/>
-              <a:t>Durante o processo de aprendizado/treinamento, deseja-se evitar duas situações que comprometem o uso de um modelo:</a:t>
-            </a:r>
-          </a:p>
-          <a:p>
-            <a:pPr marL="171450" indent="-171450">
-              <a:buFont typeface="Arial" panose="020B0604020202020204" pitchFamily="34" charset="0"/>
-              <a:buChar char="•"/>
-            </a:pPr>
-            <a:r>
-              <a:rPr lang="pt-BR" dirty="0"/>
-              <a:t>Subajuste</a:t>
-            </a:r>
-          </a:p>
-          <a:p>
-            <a:pPr marL="171450" indent="-171450">
-              <a:buFont typeface="Arial" panose="020B0604020202020204" pitchFamily="34" charset="0"/>
-              <a:buChar char="•"/>
-            </a:pPr>
-            <a:r>
-              <a:rPr lang="pt-BR" dirty="0"/>
-              <a:t>Sobreajuste</a:t>
-            </a:r>
-          </a:p>
-          <a:p>
-            <a:pPr marL="171450" indent="-171450">
-              <a:buFont typeface="Arial" panose="020B0604020202020204" pitchFamily="34" charset="0"/>
-              <a:buChar char="•"/>
-            </a:pPr>
-            <a:endParaRPr lang="pt-BR" dirty="0"/>
-          </a:p>
-          <a:p>
-            <a:pPr marL="171450" indent="-171450">
-              <a:buFont typeface="Arial" panose="020B0604020202020204" pitchFamily="34" charset="0"/>
-              <a:buChar char="•"/>
-            </a:pPr>
-            <a:r>
-              <a:rPr lang="pt-BR" dirty="0"/>
-              <a:t>O modelo com polinômio de grau 1</a:t>
-            </a:r>
-            <a:r>
-              <a:rPr lang="pt-BR" baseline="0" dirty="0"/>
-              <a:t> tem </a:t>
-            </a:r>
-            <a:r>
-              <a:rPr lang="pt-BR" b="1" baseline="0" dirty="0"/>
-              <a:t>capacidade</a:t>
-            </a:r>
-            <a:r>
-              <a:rPr lang="pt-BR" b="0" baseline="0" dirty="0"/>
-              <a:t> muito baixa e </a:t>
-            </a:r>
-            <a:r>
-              <a:rPr lang="pt-BR" b="1" baseline="0" dirty="0"/>
-              <a:t>grau de generalização</a:t>
-            </a:r>
-            <a:r>
-              <a:rPr lang="pt-BR" b="0" baseline="0" dirty="0"/>
-              <a:t> muito baixo.</a:t>
-            </a:r>
-            <a:endParaRPr lang="pt-BR" b="1" baseline="0" dirty="0"/>
-          </a:p>
-          <a:p>
-            <a:pPr marL="171450" marR="0" indent="-171450" algn="l" defTabSz="914400" rtl="0" eaLnBrk="1" fontAlgn="auto" latinLnBrk="0" hangingPunct="1">
-              <a:lnSpc>
-                <a:spcPct val="100000"/>
-              </a:lnSpc>
-              <a:spcBef>
-                <a:spcPts val="0"/>
-              </a:spcBef>
-              <a:spcAft>
-                <a:spcPts val="0"/>
-              </a:spcAft>
-              <a:buClrTx/>
-              <a:buSzTx/>
-              <a:buFont typeface="Arial" panose="020B0604020202020204" pitchFamily="34" charset="0"/>
-              <a:buChar char="•"/>
-              <a:tabLst/>
-              <a:defRPr/>
-            </a:pPr>
-            <a:r>
-              <a:rPr lang="pt-BR" dirty="0"/>
-              <a:t>O modelo com polinômio de grau 30</a:t>
-            </a:r>
-            <a:r>
-              <a:rPr lang="pt-BR" baseline="0" dirty="0"/>
-              <a:t> tem </a:t>
-            </a:r>
-            <a:r>
-              <a:rPr lang="pt-BR" b="1" baseline="0" dirty="0"/>
-              <a:t>capacidade </a:t>
-            </a:r>
-            <a:r>
-              <a:rPr lang="pt-BR" b="0" baseline="0" dirty="0"/>
-              <a:t>muito alta e </a:t>
-            </a:r>
-            <a:r>
-              <a:rPr lang="pt-BR" b="1" baseline="0" dirty="0"/>
-              <a:t>grau de generalização</a:t>
-            </a:r>
-            <a:r>
-              <a:rPr lang="pt-BR" b="0" baseline="0" dirty="0"/>
-              <a:t> muito baixo.</a:t>
-            </a:r>
-            <a:endParaRPr lang="pt-BR" b="1" baseline="0" dirty="0"/>
-          </a:p>
-          <a:p>
-            <a:pPr marL="171450" indent="-171450">
-              <a:buFont typeface="Arial" panose="020B0604020202020204" pitchFamily="34" charset="0"/>
-              <a:buChar char="•"/>
-            </a:pPr>
-            <a:r>
-              <a:rPr lang="pt-BR" dirty="0"/>
-              <a:t>O modelo com polinômio de grau 2</a:t>
-            </a:r>
-            <a:r>
-              <a:rPr lang="pt-BR" baseline="0" dirty="0"/>
-              <a:t> tem </a:t>
-            </a:r>
-            <a:r>
-              <a:rPr lang="pt-BR" b="1" baseline="0" dirty="0"/>
-              <a:t>capacidade</a:t>
-            </a:r>
-            <a:r>
-              <a:rPr lang="pt-BR" baseline="0" dirty="0"/>
-              <a:t> média e </a:t>
-            </a:r>
-            <a:r>
-              <a:rPr lang="pt-BR" b="1" baseline="0" dirty="0"/>
-              <a:t>grau de generalização</a:t>
-            </a:r>
-            <a:r>
-              <a:rPr lang="pt-BR" b="0" baseline="0" dirty="0"/>
-              <a:t> médio.</a:t>
-            </a:r>
-          </a:p>
-          <a:p>
-            <a:pPr marL="0" indent="0">
-              <a:buFont typeface="Arial" panose="020B0604020202020204" pitchFamily="34" charset="0"/>
-              <a:buNone/>
-            </a:pPr>
-            <a:endParaRPr lang="pt-BR" b="0" baseline="0" dirty="0"/>
-          </a:p>
-          <a:p>
-            <a:pPr marL="171450" indent="-171450">
-              <a:buFont typeface="Arial" panose="020B0604020202020204" pitchFamily="34" charset="0"/>
-              <a:buChar char="•"/>
-            </a:pPr>
-            <a:r>
-              <a:rPr lang="pt-BR" dirty="0"/>
-              <a:t>O modelo com polinômio de grau 1 sofre de </a:t>
-            </a:r>
-            <a:r>
-              <a:rPr lang="pt-BR" sz="1200" b="0" i="0" kern="1200" dirty="0">
-                <a:solidFill>
-                  <a:schemeClr val="tx1"/>
-                </a:solidFill>
-                <a:effectLst/>
-                <a:latin typeface="+mn-lt"/>
-                <a:ea typeface="+mn-ea"/>
-                <a:cs typeface="+mn-cs"/>
-              </a:rPr>
-              <a:t>de </a:t>
-            </a:r>
-            <a:r>
-              <a:rPr lang="pt-BR" sz="1200" b="1" i="0" kern="1200" dirty="0">
-                <a:solidFill>
-                  <a:schemeClr val="tx1"/>
-                </a:solidFill>
-                <a:effectLst/>
-                <a:latin typeface="+mn-lt"/>
-                <a:ea typeface="+mn-ea"/>
-                <a:cs typeface="+mn-cs"/>
-              </a:rPr>
-              <a:t>sub-ajustamento</a:t>
-            </a:r>
-            <a:r>
-              <a:rPr lang="pt-BR" sz="1200" b="0" i="0" kern="1200" dirty="0">
-                <a:solidFill>
-                  <a:schemeClr val="tx1"/>
-                </a:solidFill>
-                <a:effectLst/>
-                <a:latin typeface="+mn-lt"/>
-                <a:ea typeface="+mn-ea"/>
-                <a:cs typeface="+mn-cs"/>
-              </a:rPr>
-              <a:t>, isto é, ele tem uma </a:t>
-            </a:r>
-            <a:r>
-              <a:rPr lang="pt-BR" sz="1200" b="1" i="0" kern="1200" dirty="0">
-                <a:solidFill>
-                  <a:schemeClr val="tx1"/>
-                </a:solidFill>
-                <a:effectLst/>
-                <a:latin typeface="+mn-lt"/>
-                <a:ea typeface="+mn-ea"/>
-                <a:cs typeface="+mn-cs"/>
-              </a:rPr>
-              <a:t>capacidade</a:t>
-            </a:r>
-            <a:r>
-              <a:rPr lang="pt-BR" sz="1200" b="0" i="0" kern="1200" dirty="0">
-                <a:solidFill>
-                  <a:schemeClr val="tx1"/>
-                </a:solidFill>
-                <a:effectLst/>
-                <a:latin typeface="+mn-lt"/>
-                <a:ea typeface="+mn-ea"/>
-                <a:cs typeface="+mn-cs"/>
-              </a:rPr>
-              <a:t> tão baixa que não consegue aprender as regularidades presentes</a:t>
-            </a:r>
-            <a:r>
-              <a:rPr lang="pt-BR" sz="1200" b="0" i="0" kern="1200" baseline="0" dirty="0">
-                <a:solidFill>
-                  <a:schemeClr val="tx1"/>
-                </a:solidFill>
-                <a:effectLst/>
-                <a:latin typeface="+mn-lt"/>
-                <a:ea typeface="+mn-ea"/>
-                <a:cs typeface="+mn-cs"/>
-              </a:rPr>
-              <a:t> </a:t>
-            </a:r>
-            <a:r>
-              <a:rPr lang="pt-BR" sz="1200" b="0" i="0" kern="1200" dirty="0">
-                <a:solidFill>
-                  <a:schemeClr val="tx1"/>
-                </a:solidFill>
-                <a:effectLst/>
-                <a:latin typeface="+mn-lt"/>
-                <a:ea typeface="+mn-ea"/>
-                <a:cs typeface="+mn-cs"/>
-              </a:rPr>
-              <a:t>no conjunto de treinamento. Nesse caso, os</a:t>
-            </a:r>
-            <a:r>
-              <a:rPr lang="pt-BR" sz="1200" b="0" i="0" kern="1200" baseline="0" dirty="0">
-                <a:solidFill>
-                  <a:schemeClr val="tx1"/>
-                </a:solidFill>
-                <a:effectLst/>
-                <a:latin typeface="+mn-lt"/>
-                <a:ea typeface="+mn-ea"/>
-                <a:cs typeface="+mn-cs"/>
-              </a:rPr>
-              <a:t> erros </a:t>
-            </a:r>
-            <a:r>
-              <a:rPr lang="pt-BR" sz="1200" b="0" i="0" kern="1200" dirty="0">
-                <a:solidFill>
-                  <a:schemeClr val="tx1"/>
-                </a:solidFill>
-                <a:effectLst/>
-                <a:latin typeface="+mn-lt"/>
-                <a:ea typeface="+mn-ea"/>
-                <a:cs typeface="+mn-cs"/>
-              </a:rPr>
-              <a:t>nos conjuntos</a:t>
-            </a:r>
-            <a:r>
-              <a:rPr lang="pt-BR" sz="1200" b="0" i="0" kern="1200" baseline="0" dirty="0">
-                <a:solidFill>
-                  <a:schemeClr val="tx1"/>
-                </a:solidFill>
-                <a:effectLst/>
-                <a:latin typeface="+mn-lt"/>
-                <a:ea typeface="+mn-ea"/>
-                <a:cs typeface="+mn-cs"/>
-              </a:rPr>
-              <a:t> </a:t>
-            </a:r>
-            <a:r>
-              <a:rPr lang="pt-BR" sz="1200" b="0" i="0" kern="1200" dirty="0">
-                <a:solidFill>
-                  <a:schemeClr val="tx1"/>
-                </a:solidFill>
-                <a:effectLst/>
-                <a:latin typeface="+mn-lt"/>
-                <a:ea typeface="+mn-ea"/>
-                <a:cs typeface="+mn-cs"/>
-              </a:rPr>
-              <a:t>de treinamento (</a:t>
-            </a:r>
-            <a:r>
-              <a:rPr lang="pt-BR" sz="1200" b="1" i="0" kern="1200" dirty="0">
-                <a:solidFill>
-                  <a:schemeClr val="tx1"/>
-                </a:solidFill>
-                <a:effectLst/>
-                <a:latin typeface="+mn-lt"/>
-                <a:ea typeface="+mn-ea"/>
-                <a:cs typeface="+mn-cs"/>
-              </a:rPr>
-              <a:t>erro de capacidade ou erro de representação</a:t>
-            </a:r>
-            <a:r>
-              <a:rPr lang="pt-BR" sz="1200" b="0" i="0" kern="1200" dirty="0">
-                <a:solidFill>
-                  <a:schemeClr val="tx1"/>
-                </a:solidFill>
-                <a:effectLst/>
-                <a:latin typeface="+mn-lt"/>
-                <a:ea typeface="+mn-ea"/>
-                <a:cs typeface="+mn-cs"/>
-              </a:rPr>
-              <a:t>) e de teste são</a:t>
-            </a:r>
-            <a:r>
-              <a:rPr lang="pt-BR" sz="1200" b="0" i="0" kern="1200" baseline="0" dirty="0">
-                <a:solidFill>
-                  <a:schemeClr val="tx1"/>
-                </a:solidFill>
-                <a:effectLst/>
-                <a:latin typeface="+mn-lt"/>
-                <a:ea typeface="+mn-ea"/>
-                <a:cs typeface="+mn-cs"/>
-              </a:rPr>
-              <a:t> altos</a:t>
-            </a:r>
-            <a:r>
-              <a:rPr lang="pt-BR" sz="1200" b="0" i="0" kern="1200" dirty="0">
-                <a:solidFill>
-                  <a:schemeClr val="tx1"/>
-                </a:solidFill>
-                <a:effectLst/>
-                <a:latin typeface="+mn-lt"/>
-                <a:ea typeface="+mn-ea"/>
-                <a:cs typeface="+mn-cs"/>
-              </a:rPr>
-              <a:t> </a:t>
-            </a:r>
-            <a:r>
-              <a:rPr lang="pt-BR" sz="1200" b="0" i="0" kern="1200" baseline="0" dirty="0">
-                <a:solidFill>
-                  <a:schemeClr val="tx1"/>
-                </a:solidFill>
-                <a:effectLst/>
-                <a:latin typeface="+mn-lt"/>
-                <a:ea typeface="+mn-ea"/>
-                <a:cs typeface="+mn-cs"/>
-              </a:rPr>
-              <a:t>(</a:t>
-            </a:r>
-            <a:r>
-              <a:rPr lang="pt-BR" sz="1200" b="1" i="0" kern="1200" baseline="0" dirty="0">
-                <a:solidFill>
-                  <a:schemeClr val="tx1"/>
-                </a:solidFill>
-                <a:effectLst/>
-                <a:latin typeface="+mn-lt"/>
-                <a:ea typeface="+mn-ea"/>
-                <a:cs typeface="+mn-cs"/>
-              </a:rPr>
-              <a:t>erro de generalização</a:t>
-            </a:r>
-            <a:r>
-              <a:rPr lang="pt-BR" sz="1200" b="0" i="0" kern="1200" baseline="0" dirty="0">
-                <a:solidFill>
-                  <a:schemeClr val="tx1"/>
-                </a:solidFill>
-                <a:effectLst/>
-                <a:latin typeface="+mn-lt"/>
-                <a:ea typeface="+mn-ea"/>
-                <a:cs typeface="+mn-cs"/>
-              </a:rPr>
-              <a:t>).</a:t>
-            </a:r>
-            <a:endParaRPr lang="pt-BR" b="0" dirty="0"/>
-          </a:p>
-          <a:p>
-            <a:pPr marL="171450" indent="-171450">
-              <a:buFont typeface="Arial" panose="020B0604020202020204" pitchFamily="34" charset="0"/>
-              <a:buChar char="•"/>
-            </a:pPr>
-            <a:r>
-              <a:rPr lang="pt-BR" dirty="0"/>
-              <a:t>O modelo com polinômio de grau 30</a:t>
-            </a:r>
-            <a:r>
-              <a:rPr lang="pt-BR" sz="1200" b="0" i="0" kern="1200" dirty="0">
-                <a:solidFill>
-                  <a:schemeClr val="tx1"/>
-                </a:solidFill>
-                <a:effectLst/>
-                <a:latin typeface="+mn-lt"/>
-                <a:ea typeface="+mn-ea"/>
-                <a:cs typeface="+mn-cs"/>
-              </a:rPr>
-              <a:t> sofre de </a:t>
-            </a:r>
-            <a:r>
-              <a:rPr lang="pt-BR" sz="1200" b="1" i="0" kern="1200" dirty="0">
-                <a:solidFill>
-                  <a:schemeClr val="tx1"/>
-                </a:solidFill>
-                <a:effectLst/>
-                <a:latin typeface="+mn-lt"/>
-                <a:ea typeface="+mn-ea"/>
-                <a:cs typeface="+mn-cs"/>
-              </a:rPr>
-              <a:t>sobre-ajustamento</a:t>
-            </a:r>
-            <a:r>
-              <a:rPr lang="pt-BR" sz="1200" b="0" i="0" kern="1200" dirty="0">
-                <a:solidFill>
-                  <a:schemeClr val="tx1"/>
-                </a:solidFill>
-                <a:effectLst/>
-                <a:latin typeface="+mn-lt"/>
-                <a:ea typeface="+mn-ea"/>
-                <a:cs typeface="+mn-cs"/>
-              </a:rPr>
-              <a:t>, isto é, ele tem uma capacidade tão alta que além de aprender as regularidades, aprendeu também o ruído presente nos exemplos de treinamento. Nesse caso, o erro no conjunto de treinamento é baixo (</a:t>
-            </a:r>
-            <a:r>
-              <a:rPr lang="pt-BR" sz="1200" b="1" i="0" kern="1200" dirty="0">
-                <a:solidFill>
-                  <a:schemeClr val="tx1"/>
-                </a:solidFill>
-                <a:effectLst/>
-                <a:latin typeface="+mn-lt"/>
-                <a:ea typeface="+mn-ea"/>
-                <a:cs typeface="+mn-cs"/>
-              </a:rPr>
-              <a:t>erro de capacidade</a:t>
-            </a:r>
-            <a:r>
-              <a:rPr lang="pt-BR" sz="1200" b="0" i="0" kern="1200" dirty="0">
-                <a:solidFill>
-                  <a:schemeClr val="tx1"/>
-                </a:solidFill>
-                <a:effectLst/>
-                <a:latin typeface="+mn-lt"/>
-                <a:ea typeface="+mn-ea"/>
-                <a:cs typeface="+mn-cs"/>
-              </a:rPr>
-              <a:t>) e o erro no conjunto de teste</a:t>
-            </a:r>
-            <a:r>
-              <a:rPr lang="pt-BR" sz="1200" b="0" i="0" kern="1200" baseline="0" dirty="0">
-                <a:solidFill>
-                  <a:schemeClr val="tx1"/>
-                </a:solidFill>
-                <a:effectLst/>
-                <a:latin typeface="+mn-lt"/>
-                <a:ea typeface="+mn-ea"/>
-                <a:cs typeface="+mn-cs"/>
-              </a:rPr>
-              <a:t> é alto (</a:t>
-            </a:r>
-            <a:r>
-              <a:rPr lang="pt-BR" sz="1200" b="1" i="0" kern="1200" baseline="0" dirty="0">
-                <a:solidFill>
-                  <a:schemeClr val="tx1"/>
-                </a:solidFill>
-                <a:effectLst/>
-                <a:latin typeface="+mn-lt"/>
-                <a:ea typeface="+mn-ea"/>
-                <a:cs typeface="+mn-cs"/>
-              </a:rPr>
-              <a:t>erro de generalização</a:t>
-            </a:r>
-            <a:r>
-              <a:rPr lang="pt-BR" sz="1200" b="0" i="0" kern="1200" baseline="0" dirty="0">
-                <a:solidFill>
-                  <a:schemeClr val="tx1"/>
-                </a:solidFill>
-                <a:effectLst/>
-                <a:latin typeface="+mn-lt"/>
-                <a:ea typeface="+mn-ea"/>
-                <a:cs typeface="+mn-cs"/>
-              </a:rPr>
-              <a:t>).</a:t>
-            </a:r>
-            <a:endParaRPr lang="pt-BR" sz="1200" b="0" i="0" kern="1200" dirty="0">
-              <a:solidFill>
-                <a:schemeClr val="tx1"/>
-              </a:solidFill>
-              <a:effectLst/>
-              <a:latin typeface="+mn-lt"/>
-              <a:ea typeface="+mn-ea"/>
-              <a:cs typeface="+mn-cs"/>
-            </a:endParaRPr>
-          </a:p>
-          <a:p>
-            <a:pPr marL="171450" indent="-171450">
-              <a:buFont typeface="Arial" panose="020B0604020202020204" pitchFamily="34" charset="0"/>
-              <a:buChar char="•"/>
-            </a:pPr>
-            <a:r>
-              <a:rPr lang="pt-BR" dirty="0"/>
-              <a:t>O modelo com polinômio de grau 2</a:t>
-            </a:r>
-            <a:r>
-              <a:rPr lang="pt-BR" sz="1200" b="0" i="0" kern="1200" baseline="0" dirty="0">
-                <a:solidFill>
-                  <a:schemeClr val="tx1"/>
-                </a:solidFill>
-                <a:effectLst/>
-                <a:latin typeface="+mn-lt"/>
-                <a:ea typeface="+mn-ea"/>
-                <a:cs typeface="+mn-cs"/>
-              </a:rPr>
-              <a:t> </a:t>
-            </a:r>
-            <a:r>
-              <a:rPr lang="pt-BR" sz="1200" b="0" i="0" kern="1200" dirty="0">
-                <a:solidFill>
-                  <a:schemeClr val="tx1"/>
-                </a:solidFill>
-                <a:effectLst/>
-                <a:latin typeface="+mn-lt"/>
-                <a:ea typeface="+mn-ea"/>
-                <a:cs typeface="+mn-cs"/>
-              </a:rPr>
-              <a:t>parece ter aprendido bem as regularidades dos dados sem aprender o ruído no conjunto de treinamento. Nesse caso, os erros no conjunto de treinamento (</a:t>
-            </a:r>
-            <a:r>
-              <a:rPr lang="pt-BR" sz="1200" b="1" i="0" kern="1200" dirty="0">
-                <a:solidFill>
-                  <a:schemeClr val="tx1"/>
-                </a:solidFill>
-                <a:effectLst/>
-                <a:latin typeface="+mn-lt"/>
-                <a:ea typeface="+mn-ea"/>
-                <a:cs typeface="+mn-cs"/>
-              </a:rPr>
-              <a:t>erro de capacidade</a:t>
-            </a:r>
-            <a:r>
-              <a:rPr lang="pt-BR" sz="1200" b="0" i="0" kern="1200" dirty="0">
-                <a:solidFill>
-                  <a:schemeClr val="tx1"/>
-                </a:solidFill>
-                <a:effectLst/>
-                <a:latin typeface="+mn-lt"/>
-                <a:ea typeface="+mn-ea"/>
-                <a:cs typeface="+mn-cs"/>
-              </a:rPr>
-              <a:t>) e teste </a:t>
-            </a:r>
-            <a:r>
-              <a:rPr lang="pt-BR" sz="1200" b="0" i="0" kern="1200" baseline="0" dirty="0">
-                <a:solidFill>
-                  <a:schemeClr val="tx1"/>
-                </a:solidFill>
-                <a:effectLst/>
-                <a:latin typeface="+mn-lt"/>
-                <a:ea typeface="+mn-ea"/>
-                <a:cs typeface="+mn-cs"/>
-              </a:rPr>
-              <a:t>(</a:t>
-            </a:r>
-            <a:r>
-              <a:rPr lang="pt-BR" sz="1200" b="1" i="0" kern="1200" baseline="0" dirty="0">
-                <a:solidFill>
-                  <a:schemeClr val="tx1"/>
-                </a:solidFill>
-                <a:effectLst/>
-                <a:latin typeface="+mn-lt"/>
-                <a:ea typeface="+mn-ea"/>
-                <a:cs typeface="+mn-cs"/>
-              </a:rPr>
-              <a:t>erro de generalização</a:t>
-            </a:r>
-            <a:r>
-              <a:rPr lang="pt-BR" sz="1200" b="0" i="0" kern="1200" baseline="0" dirty="0">
-                <a:solidFill>
-                  <a:schemeClr val="tx1"/>
-                </a:solidFill>
-                <a:effectLst/>
-                <a:latin typeface="+mn-lt"/>
-                <a:ea typeface="+mn-ea"/>
-                <a:cs typeface="+mn-cs"/>
-              </a:rPr>
-              <a:t>) </a:t>
-            </a:r>
-            <a:r>
-              <a:rPr lang="pt-BR" sz="1200" b="0" i="0" kern="1200" dirty="0">
-                <a:solidFill>
-                  <a:schemeClr val="tx1"/>
-                </a:solidFill>
-                <a:effectLst/>
-                <a:latin typeface="+mn-lt"/>
-                <a:ea typeface="+mn-ea"/>
-                <a:cs typeface="+mn-cs"/>
-              </a:rPr>
-              <a:t>são parecidos e satisfatórios.</a:t>
-            </a:r>
-            <a:endParaRPr lang="pt-BR" b="1" dirty="0"/>
           </a:p>
         </p:txBody>
       </p:sp>
@@ -2148,7 +1468,7 @@
     </p:spTree>
     <p:extLst>
       <p:ext uri="{BB962C8B-B14F-4D97-AF65-F5344CB8AC3E}">
-        <p14:creationId xmlns:p14="http://schemas.microsoft.com/office/powerpoint/2010/main" val="2391354004"/>
+        <p14:creationId xmlns:p14="http://schemas.microsoft.com/office/powerpoint/2010/main" val="489201069"/>
       </p:ext>
     </p:extLst>
   </p:cSld>
@@ -2202,7 +1522,716 @@
           <a:bodyPr/>
           <a:lstStyle/>
           <a:p>
+            <a:r>
+              <a:rPr lang="pt-BR" dirty="0" err="1"/>
+              <a:t>Binder</a:t>
+            </a:r>
+            <a:r>
+              <a:rPr lang="pt-BR" dirty="0"/>
+              <a:t>: https://mybinder.org/v2/gh/zz4fap/t319_aprendizado_de_maquina/main?filepath=notebooks/regression/polynomial_regression.ipynb</a:t>
+            </a:r>
+          </a:p>
+          <a:p>
             <a:endParaRPr lang="pt-BR" dirty="0"/>
+          </a:p>
+          <a:p>
+            <a:pPr marL="0" marR="0" lvl="0" indent="0" algn="l" defTabSz="914400" rtl="0" eaLnBrk="1" fontAlgn="auto" latinLnBrk="0" hangingPunct="1">
+              <a:lnSpc>
+                <a:spcPct val="100000"/>
+              </a:lnSpc>
+              <a:spcBef>
+                <a:spcPts val="0"/>
+              </a:spcBef>
+              <a:spcAft>
+                <a:spcPts val="0"/>
+              </a:spcAft>
+              <a:buClrTx/>
+              <a:buSzTx/>
+              <a:buFontTx/>
+              <a:buNone/>
+              <a:tabLst/>
+              <a:defRPr/>
+            </a:pPr>
+            <a:r>
+              <a:rPr lang="pt-BR" dirty="0" err="1"/>
+              <a:t>Colab</a:t>
+            </a:r>
+            <a:r>
+              <a:rPr lang="pt-BR" dirty="0"/>
+              <a:t>: https://colab.research.google.com/github/zz4fap/t319_aprendizado_de_maquina/blob/main/notebooks/regression/polynomial_regression.ipynb</a:t>
+            </a:r>
+          </a:p>
+          <a:p>
+            <a:endParaRPr lang="pt-BR" dirty="0"/>
+          </a:p>
+          <a:p>
+            <a:r>
+              <a:rPr lang="pt-BR" dirty="0"/>
+              <a:t>É importante salientar que</a:t>
+            </a:r>
+            <a:r>
+              <a:rPr lang="pt-BR" baseline="0" dirty="0"/>
+              <a:t> </a:t>
+            </a:r>
+            <a:r>
+              <a:rPr lang="pt-BR" dirty="0"/>
+              <a:t>todos os esforços de construção de um modelo são limitados pelos dados existentes. Para muitos problemas, o</a:t>
+            </a:r>
+            <a:r>
+              <a:rPr lang="pt-BR" baseline="0" dirty="0"/>
+              <a:t> conjunto de dados </a:t>
+            </a:r>
+            <a:r>
+              <a:rPr lang="pt-BR" dirty="0"/>
+              <a:t>pode ter um número limitado de amostras, ele</a:t>
+            </a:r>
+            <a:r>
+              <a:rPr lang="pt-BR" baseline="0" dirty="0"/>
+              <a:t> </a:t>
+            </a:r>
+            <a:r>
+              <a:rPr lang="pt-BR" dirty="0"/>
+              <a:t>pode ser de qualidade inferior à desejável e/ou ele pode não ser representativo</a:t>
+            </a:r>
+            <a:r>
+              <a:rPr lang="pt-BR" baseline="0" dirty="0"/>
+              <a:t> </a:t>
+            </a:r>
+            <a:r>
+              <a:rPr lang="pt-BR" dirty="0"/>
+              <a:t>de amostras futuras.</a:t>
+            </a:r>
+          </a:p>
+          <a:p>
+            <a:endParaRPr lang="pt-BR" dirty="0"/>
+          </a:p>
+          <a:p>
+            <a:r>
+              <a:rPr lang="pt-BR" dirty="0"/>
+              <a:t>Trabalhando com base na</a:t>
+            </a:r>
+            <a:r>
+              <a:rPr lang="pt-BR" baseline="0" dirty="0"/>
+              <a:t> </a:t>
+            </a:r>
+            <a:r>
+              <a:rPr lang="pt-BR" dirty="0"/>
+              <a:t>suposição</a:t>
+            </a:r>
+            <a:r>
+              <a:rPr lang="pt-BR" baseline="0" dirty="0"/>
+              <a:t> de que o conjunto que temos é representativo e de boa qualidade</a:t>
+            </a:r>
+            <a:r>
+              <a:rPr lang="pt-BR" dirty="0"/>
+              <a:t>, devemos usar os dados disponíveis para encontrar o melhor modelo preditivo. Quase todas as técnicas de modelagem preditiva possuem (hiper)parâmetros de ajuste que permitem que o modelo seja flexível o suficiente para encontrar a estrutura por trás dos dados.</a:t>
+            </a:r>
+          </a:p>
+          <a:p>
+            <a:endParaRPr lang="pt-BR" dirty="0"/>
+          </a:p>
+          <a:p>
+            <a:r>
+              <a:rPr lang="pt-BR" dirty="0"/>
+              <a:t>Portanto, devemos usar os dados existentes para identificar os valores dos parâmetros do modelo que geram o melhor e mais realista desempenho preditivo (conhecido como ajuste do modelo). Tradicionalmente, isso é obtido dividindo-se os dados existentes em conjuntos de treinamento e teste. O conjunto de treinamento é usado para construir e ajustar o modelo e o conjunto de teste é usado para estimar o desempenho preditivo do modelo.</a:t>
+            </a:r>
+          </a:p>
+          <a:p>
+            <a:endParaRPr lang="pt-BR" dirty="0"/>
+          </a:p>
+          <a:p>
+            <a:r>
+              <a:rPr lang="pt-BR" dirty="0"/>
+              <a:t>Durante o processo de aprendizado/treinamento, deseja-se evitar duas situações que comprometem o uso de um modelo:</a:t>
+            </a:r>
+          </a:p>
+          <a:p>
+            <a:pPr marL="171450" indent="-171450">
+              <a:buFont typeface="Arial" panose="020B0604020202020204" pitchFamily="34" charset="0"/>
+              <a:buChar char="•"/>
+            </a:pPr>
+            <a:r>
+              <a:rPr lang="pt-BR" dirty="0"/>
+              <a:t>Subajuste</a:t>
+            </a:r>
+          </a:p>
+          <a:p>
+            <a:pPr marL="171450" indent="-171450">
+              <a:buFont typeface="Arial" panose="020B0604020202020204" pitchFamily="34" charset="0"/>
+              <a:buChar char="•"/>
+            </a:pPr>
+            <a:r>
+              <a:rPr lang="pt-BR" dirty="0"/>
+              <a:t>Sobreajuste</a:t>
+            </a:r>
+          </a:p>
+          <a:p>
+            <a:pPr marL="171450" indent="-171450">
+              <a:buFont typeface="Arial" panose="020B0604020202020204" pitchFamily="34" charset="0"/>
+              <a:buChar char="•"/>
+            </a:pPr>
+            <a:endParaRPr lang="pt-BR" dirty="0"/>
+          </a:p>
+          <a:p>
+            <a:pPr marL="171450" indent="-171450">
+              <a:buFont typeface="Arial" panose="020B0604020202020204" pitchFamily="34" charset="0"/>
+              <a:buChar char="•"/>
+            </a:pPr>
+            <a:r>
+              <a:rPr lang="pt-BR" dirty="0"/>
+              <a:t>O modelo com polinômio de grau 1</a:t>
+            </a:r>
+            <a:r>
+              <a:rPr lang="pt-BR" baseline="0" dirty="0"/>
+              <a:t> tem </a:t>
+            </a:r>
+            <a:r>
+              <a:rPr lang="pt-BR" b="1" baseline="0" dirty="0"/>
+              <a:t>capacidade</a:t>
+            </a:r>
+            <a:r>
+              <a:rPr lang="pt-BR" b="0" baseline="0" dirty="0"/>
+              <a:t> muito baixa e </a:t>
+            </a:r>
+            <a:r>
+              <a:rPr lang="pt-BR" b="1" baseline="0" dirty="0"/>
+              <a:t>grau de generalização</a:t>
+            </a:r>
+            <a:r>
+              <a:rPr lang="pt-BR" b="0" baseline="0" dirty="0"/>
+              <a:t> muito baixo.</a:t>
+            </a:r>
+            <a:endParaRPr lang="pt-BR" b="1" baseline="0" dirty="0"/>
+          </a:p>
+          <a:p>
+            <a:pPr marL="171450" marR="0" indent="-171450" algn="l" defTabSz="914400" rtl="0" eaLnBrk="1" fontAlgn="auto" latinLnBrk="0" hangingPunct="1">
+              <a:lnSpc>
+                <a:spcPct val="100000"/>
+              </a:lnSpc>
+              <a:spcBef>
+                <a:spcPts val="0"/>
+              </a:spcBef>
+              <a:spcAft>
+                <a:spcPts val="0"/>
+              </a:spcAft>
+              <a:buClrTx/>
+              <a:buSzTx/>
+              <a:buFont typeface="Arial" panose="020B0604020202020204" pitchFamily="34" charset="0"/>
+              <a:buChar char="•"/>
+              <a:tabLst/>
+              <a:defRPr/>
+            </a:pPr>
+            <a:r>
+              <a:rPr lang="pt-BR" dirty="0"/>
+              <a:t>O modelo com polinômio de grau 30</a:t>
+            </a:r>
+            <a:r>
+              <a:rPr lang="pt-BR" baseline="0" dirty="0"/>
+              <a:t> tem </a:t>
+            </a:r>
+            <a:r>
+              <a:rPr lang="pt-BR" b="1" baseline="0" dirty="0"/>
+              <a:t>capacidade </a:t>
+            </a:r>
+            <a:r>
+              <a:rPr lang="pt-BR" b="0" baseline="0" dirty="0"/>
+              <a:t>muito alta e </a:t>
+            </a:r>
+            <a:r>
+              <a:rPr lang="pt-BR" b="1" baseline="0" dirty="0"/>
+              <a:t>grau de generalização</a:t>
+            </a:r>
+            <a:r>
+              <a:rPr lang="pt-BR" b="0" baseline="0" dirty="0"/>
+              <a:t> muito baixo.</a:t>
+            </a:r>
+            <a:endParaRPr lang="pt-BR" b="1" baseline="0" dirty="0"/>
+          </a:p>
+          <a:p>
+            <a:pPr marL="171450" indent="-171450">
+              <a:buFont typeface="Arial" panose="020B0604020202020204" pitchFamily="34" charset="0"/>
+              <a:buChar char="•"/>
+            </a:pPr>
+            <a:r>
+              <a:rPr lang="pt-BR" dirty="0"/>
+              <a:t>O modelo com polinômio de grau 2</a:t>
+            </a:r>
+            <a:r>
+              <a:rPr lang="pt-BR" baseline="0" dirty="0"/>
+              <a:t> tem </a:t>
+            </a:r>
+            <a:r>
+              <a:rPr lang="pt-BR" b="1" baseline="0" dirty="0"/>
+              <a:t>capacidade</a:t>
+            </a:r>
+            <a:r>
+              <a:rPr lang="pt-BR" baseline="0" dirty="0"/>
+              <a:t> média e </a:t>
+            </a:r>
+            <a:r>
+              <a:rPr lang="pt-BR" b="1" baseline="0" dirty="0"/>
+              <a:t>grau de generalização</a:t>
+            </a:r>
+            <a:r>
+              <a:rPr lang="pt-BR" b="0" baseline="0" dirty="0"/>
+              <a:t> médio.</a:t>
+            </a:r>
+          </a:p>
+          <a:p>
+            <a:pPr marL="0" indent="0">
+              <a:buFont typeface="Arial" panose="020B0604020202020204" pitchFamily="34" charset="0"/>
+              <a:buNone/>
+            </a:pPr>
+            <a:endParaRPr lang="pt-BR" b="0" baseline="0" dirty="0"/>
+          </a:p>
+          <a:p>
+            <a:pPr marL="171450" indent="-171450">
+              <a:buFont typeface="Arial" panose="020B0604020202020204" pitchFamily="34" charset="0"/>
+              <a:buChar char="•"/>
+            </a:pPr>
+            <a:r>
+              <a:rPr lang="pt-BR" dirty="0"/>
+              <a:t>O modelo com polinômio de grau 1 sofre de </a:t>
+            </a:r>
+            <a:r>
+              <a:rPr lang="pt-BR" sz="1200" b="0" i="0" kern="1200" dirty="0">
+                <a:solidFill>
+                  <a:schemeClr val="tx1"/>
+                </a:solidFill>
+                <a:effectLst/>
+                <a:latin typeface="+mn-lt"/>
+                <a:ea typeface="+mn-ea"/>
+                <a:cs typeface="+mn-cs"/>
+              </a:rPr>
+              <a:t>de </a:t>
+            </a:r>
+            <a:r>
+              <a:rPr lang="pt-BR" sz="1200" b="1" i="0" kern="1200" dirty="0">
+                <a:solidFill>
+                  <a:schemeClr val="tx1"/>
+                </a:solidFill>
+                <a:effectLst/>
+                <a:latin typeface="+mn-lt"/>
+                <a:ea typeface="+mn-ea"/>
+                <a:cs typeface="+mn-cs"/>
+              </a:rPr>
+              <a:t>sub-ajustamento</a:t>
+            </a:r>
+            <a:r>
+              <a:rPr lang="pt-BR" sz="1200" b="0" i="0" kern="1200" dirty="0">
+                <a:solidFill>
+                  <a:schemeClr val="tx1"/>
+                </a:solidFill>
+                <a:effectLst/>
+                <a:latin typeface="+mn-lt"/>
+                <a:ea typeface="+mn-ea"/>
+                <a:cs typeface="+mn-cs"/>
+              </a:rPr>
+              <a:t>, isto é, ele tem uma </a:t>
+            </a:r>
+            <a:r>
+              <a:rPr lang="pt-BR" sz="1200" b="1" i="0" kern="1200" dirty="0">
+                <a:solidFill>
+                  <a:schemeClr val="tx1"/>
+                </a:solidFill>
+                <a:effectLst/>
+                <a:latin typeface="+mn-lt"/>
+                <a:ea typeface="+mn-ea"/>
+                <a:cs typeface="+mn-cs"/>
+              </a:rPr>
+              <a:t>capacidade</a:t>
+            </a:r>
+            <a:r>
+              <a:rPr lang="pt-BR" sz="1200" b="0" i="0" kern="1200" dirty="0">
+                <a:solidFill>
+                  <a:schemeClr val="tx1"/>
+                </a:solidFill>
+                <a:effectLst/>
+                <a:latin typeface="+mn-lt"/>
+                <a:ea typeface="+mn-ea"/>
+                <a:cs typeface="+mn-cs"/>
+              </a:rPr>
+              <a:t> tão baixa que não consegue aprender as regularidades presentes</a:t>
+            </a:r>
+            <a:r>
+              <a:rPr lang="pt-BR" sz="1200" b="0" i="0" kern="1200" baseline="0" dirty="0">
+                <a:solidFill>
+                  <a:schemeClr val="tx1"/>
+                </a:solidFill>
+                <a:effectLst/>
+                <a:latin typeface="+mn-lt"/>
+                <a:ea typeface="+mn-ea"/>
+                <a:cs typeface="+mn-cs"/>
+              </a:rPr>
+              <a:t> </a:t>
+            </a:r>
+            <a:r>
+              <a:rPr lang="pt-BR" sz="1200" b="0" i="0" kern="1200" dirty="0">
+                <a:solidFill>
+                  <a:schemeClr val="tx1"/>
+                </a:solidFill>
+                <a:effectLst/>
+                <a:latin typeface="+mn-lt"/>
+                <a:ea typeface="+mn-ea"/>
+                <a:cs typeface="+mn-cs"/>
+              </a:rPr>
+              <a:t>no conjunto de treinamento. Nesse caso, os</a:t>
+            </a:r>
+            <a:r>
+              <a:rPr lang="pt-BR" sz="1200" b="0" i="0" kern="1200" baseline="0" dirty="0">
+                <a:solidFill>
+                  <a:schemeClr val="tx1"/>
+                </a:solidFill>
+                <a:effectLst/>
+                <a:latin typeface="+mn-lt"/>
+                <a:ea typeface="+mn-ea"/>
+                <a:cs typeface="+mn-cs"/>
+              </a:rPr>
+              <a:t> erros </a:t>
+            </a:r>
+            <a:r>
+              <a:rPr lang="pt-BR" sz="1200" b="0" i="0" kern="1200" dirty="0">
+                <a:solidFill>
+                  <a:schemeClr val="tx1"/>
+                </a:solidFill>
+                <a:effectLst/>
+                <a:latin typeface="+mn-lt"/>
+                <a:ea typeface="+mn-ea"/>
+                <a:cs typeface="+mn-cs"/>
+              </a:rPr>
+              <a:t>nos conjuntos</a:t>
+            </a:r>
+            <a:r>
+              <a:rPr lang="pt-BR" sz="1200" b="0" i="0" kern="1200" baseline="0" dirty="0">
+                <a:solidFill>
+                  <a:schemeClr val="tx1"/>
+                </a:solidFill>
+                <a:effectLst/>
+                <a:latin typeface="+mn-lt"/>
+                <a:ea typeface="+mn-ea"/>
+                <a:cs typeface="+mn-cs"/>
+              </a:rPr>
+              <a:t> </a:t>
+            </a:r>
+            <a:r>
+              <a:rPr lang="pt-BR" sz="1200" b="0" i="0" kern="1200" dirty="0">
+                <a:solidFill>
+                  <a:schemeClr val="tx1"/>
+                </a:solidFill>
+                <a:effectLst/>
+                <a:latin typeface="+mn-lt"/>
+                <a:ea typeface="+mn-ea"/>
+                <a:cs typeface="+mn-cs"/>
+              </a:rPr>
+              <a:t>de treinamento (</a:t>
+            </a:r>
+            <a:r>
+              <a:rPr lang="pt-BR" sz="1200" b="1" i="0" kern="1200" dirty="0">
+                <a:solidFill>
+                  <a:schemeClr val="tx1"/>
+                </a:solidFill>
+                <a:effectLst/>
+                <a:latin typeface="+mn-lt"/>
+                <a:ea typeface="+mn-ea"/>
+                <a:cs typeface="+mn-cs"/>
+              </a:rPr>
+              <a:t>erro de capacidade ou erro de representação</a:t>
+            </a:r>
+            <a:r>
+              <a:rPr lang="pt-BR" sz="1200" b="0" i="0" kern="1200" dirty="0">
+                <a:solidFill>
+                  <a:schemeClr val="tx1"/>
+                </a:solidFill>
+                <a:effectLst/>
+                <a:latin typeface="+mn-lt"/>
+                <a:ea typeface="+mn-ea"/>
+                <a:cs typeface="+mn-cs"/>
+              </a:rPr>
+              <a:t>) e de teste são</a:t>
+            </a:r>
+            <a:r>
+              <a:rPr lang="pt-BR" sz="1200" b="0" i="0" kern="1200" baseline="0" dirty="0">
+                <a:solidFill>
+                  <a:schemeClr val="tx1"/>
+                </a:solidFill>
+                <a:effectLst/>
+                <a:latin typeface="+mn-lt"/>
+                <a:ea typeface="+mn-ea"/>
+                <a:cs typeface="+mn-cs"/>
+              </a:rPr>
+              <a:t> altos</a:t>
+            </a:r>
+            <a:r>
+              <a:rPr lang="pt-BR" sz="1200" b="0" i="0" kern="1200" dirty="0">
+                <a:solidFill>
+                  <a:schemeClr val="tx1"/>
+                </a:solidFill>
+                <a:effectLst/>
+                <a:latin typeface="+mn-lt"/>
+                <a:ea typeface="+mn-ea"/>
+                <a:cs typeface="+mn-cs"/>
+              </a:rPr>
+              <a:t> </a:t>
+            </a:r>
+            <a:r>
+              <a:rPr lang="pt-BR" sz="1200" b="0" i="0" kern="1200" baseline="0" dirty="0">
+                <a:solidFill>
+                  <a:schemeClr val="tx1"/>
+                </a:solidFill>
+                <a:effectLst/>
+                <a:latin typeface="+mn-lt"/>
+                <a:ea typeface="+mn-ea"/>
+                <a:cs typeface="+mn-cs"/>
+              </a:rPr>
+              <a:t>(</a:t>
+            </a:r>
+            <a:r>
+              <a:rPr lang="pt-BR" sz="1200" b="1" i="0" kern="1200" baseline="0" dirty="0">
+                <a:solidFill>
+                  <a:schemeClr val="tx1"/>
+                </a:solidFill>
+                <a:effectLst/>
+                <a:latin typeface="+mn-lt"/>
+                <a:ea typeface="+mn-ea"/>
+                <a:cs typeface="+mn-cs"/>
+              </a:rPr>
+              <a:t>erro de generalização</a:t>
+            </a:r>
+            <a:r>
+              <a:rPr lang="pt-BR" sz="1200" b="0" i="0" kern="1200" baseline="0" dirty="0">
+                <a:solidFill>
+                  <a:schemeClr val="tx1"/>
+                </a:solidFill>
+                <a:effectLst/>
+                <a:latin typeface="+mn-lt"/>
+                <a:ea typeface="+mn-ea"/>
+                <a:cs typeface="+mn-cs"/>
+              </a:rPr>
+              <a:t>).</a:t>
+            </a:r>
+            <a:endParaRPr lang="pt-BR" b="0" dirty="0"/>
+          </a:p>
+          <a:p>
+            <a:pPr marL="171450" indent="-171450">
+              <a:buFont typeface="Arial" panose="020B0604020202020204" pitchFamily="34" charset="0"/>
+              <a:buChar char="•"/>
+            </a:pPr>
+            <a:r>
+              <a:rPr lang="pt-BR" dirty="0"/>
+              <a:t>O modelo com polinômio de grau 30</a:t>
+            </a:r>
+            <a:r>
+              <a:rPr lang="pt-BR" sz="1200" b="0" i="0" kern="1200" dirty="0">
+                <a:solidFill>
+                  <a:schemeClr val="tx1"/>
+                </a:solidFill>
+                <a:effectLst/>
+                <a:latin typeface="+mn-lt"/>
+                <a:ea typeface="+mn-ea"/>
+                <a:cs typeface="+mn-cs"/>
+              </a:rPr>
+              <a:t> sofre de </a:t>
+            </a:r>
+            <a:r>
+              <a:rPr lang="pt-BR" sz="1200" b="1" i="0" kern="1200" dirty="0">
+                <a:solidFill>
+                  <a:schemeClr val="tx1"/>
+                </a:solidFill>
+                <a:effectLst/>
+                <a:latin typeface="+mn-lt"/>
+                <a:ea typeface="+mn-ea"/>
+                <a:cs typeface="+mn-cs"/>
+              </a:rPr>
+              <a:t>sobre-ajustamento</a:t>
+            </a:r>
+            <a:r>
+              <a:rPr lang="pt-BR" sz="1200" b="0" i="0" kern="1200" dirty="0">
+                <a:solidFill>
+                  <a:schemeClr val="tx1"/>
+                </a:solidFill>
+                <a:effectLst/>
+                <a:latin typeface="+mn-lt"/>
+                <a:ea typeface="+mn-ea"/>
+                <a:cs typeface="+mn-cs"/>
+              </a:rPr>
+              <a:t>, isto é, ele tem uma capacidade tão alta que além de aprender as regularidades, aprendeu também o ruído presente nos exemplos de treinamento. Nesse caso, o erro no conjunto de treinamento é baixo (</a:t>
+            </a:r>
+            <a:r>
+              <a:rPr lang="pt-BR" sz="1200" b="1" i="0" kern="1200" dirty="0">
+                <a:solidFill>
+                  <a:schemeClr val="tx1"/>
+                </a:solidFill>
+                <a:effectLst/>
+                <a:latin typeface="+mn-lt"/>
+                <a:ea typeface="+mn-ea"/>
+                <a:cs typeface="+mn-cs"/>
+              </a:rPr>
+              <a:t>erro de capacidade</a:t>
+            </a:r>
+            <a:r>
+              <a:rPr lang="pt-BR" sz="1200" b="0" i="0" kern="1200" dirty="0">
+                <a:solidFill>
+                  <a:schemeClr val="tx1"/>
+                </a:solidFill>
+                <a:effectLst/>
+                <a:latin typeface="+mn-lt"/>
+                <a:ea typeface="+mn-ea"/>
+                <a:cs typeface="+mn-cs"/>
+              </a:rPr>
+              <a:t>) e o erro no conjunto de teste</a:t>
+            </a:r>
+            <a:r>
+              <a:rPr lang="pt-BR" sz="1200" b="0" i="0" kern="1200" baseline="0" dirty="0">
+                <a:solidFill>
+                  <a:schemeClr val="tx1"/>
+                </a:solidFill>
+                <a:effectLst/>
+                <a:latin typeface="+mn-lt"/>
+                <a:ea typeface="+mn-ea"/>
+                <a:cs typeface="+mn-cs"/>
+              </a:rPr>
+              <a:t> é alto (</a:t>
+            </a:r>
+            <a:r>
+              <a:rPr lang="pt-BR" sz="1200" b="1" i="0" kern="1200" baseline="0" dirty="0">
+                <a:solidFill>
+                  <a:schemeClr val="tx1"/>
+                </a:solidFill>
+                <a:effectLst/>
+                <a:latin typeface="+mn-lt"/>
+                <a:ea typeface="+mn-ea"/>
+                <a:cs typeface="+mn-cs"/>
+              </a:rPr>
+              <a:t>erro de generalização</a:t>
+            </a:r>
+            <a:r>
+              <a:rPr lang="pt-BR" sz="1200" b="0" i="0" kern="1200" baseline="0" dirty="0">
+                <a:solidFill>
+                  <a:schemeClr val="tx1"/>
+                </a:solidFill>
+                <a:effectLst/>
+                <a:latin typeface="+mn-lt"/>
+                <a:ea typeface="+mn-ea"/>
+                <a:cs typeface="+mn-cs"/>
+              </a:rPr>
+              <a:t>).</a:t>
+            </a:r>
+            <a:endParaRPr lang="pt-BR" sz="1200" b="0" i="0" kern="1200" dirty="0">
+              <a:solidFill>
+                <a:schemeClr val="tx1"/>
+              </a:solidFill>
+              <a:effectLst/>
+              <a:latin typeface="+mn-lt"/>
+              <a:ea typeface="+mn-ea"/>
+              <a:cs typeface="+mn-cs"/>
+            </a:endParaRPr>
+          </a:p>
+          <a:p>
+            <a:pPr marL="171450" indent="-171450">
+              <a:buFont typeface="Arial" panose="020B0604020202020204" pitchFamily="34" charset="0"/>
+              <a:buChar char="•"/>
+            </a:pPr>
+            <a:r>
+              <a:rPr lang="pt-BR" dirty="0"/>
+              <a:t>O modelo com polinômio de grau 2</a:t>
+            </a:r>
+            <a:r>
+              <a:rPr lang="pt-BR" sz="1200" b="0" i="0" kern="1200" baseline="0" dirty="0">
+                <a:solidFill>
+                  <a:schemeClr val="tx1"/>
+                </a:solidFill>
+                <a:effectLst/>
+                <a:latin typeface="+mn-lt"/>
+                <a:ea typeface="+mn-ea"/>
+                <a:cs typeface="+mn-cs"/>
+              </a:rPr>
+              <a:t> </a:t>
+            </a:r>
+            <a:r>
+              <a:rPr lang="pt-BR" sz="1200" b="0" i="0" kern="1200" dirty="0">
+                <a:solidFill>
+                  <a:schemeClr val="tx1"/>
+                </a:solidFill>
+                <a:effectLst/>
+                <a:latin typeface="+mn-lt"/>
+                <a:ea typeface="+mn-ea"/>
+                <a:cs typeface="+mn-cs"/>
+              </a:rPr>
+              <a:t>parece ter aprendido bem as regularidades dos dados sem aprender o ruído no conjunto de treinamento. Nesse caso, os erros no conjunto de treinamento (</a:t>
+            </a:r>
+            <a:r>
+              <a:rPr lang="pt-BR" sz="1200" b="1" i="0" kern="1200" dirty="0">
+                <a:solidFill>
+                  <a:schemeClr val="tx1"/>
+                </a:solidFill>
+                <a:effectLst/>
+                <a:latin typeface="+mn-lt"/>
+                <a:ea typeface="+mn-ea"/>
+                <a:cs typeface="+mn-cs"/>
+              </a:rPr>
+              <a:t>erro de capacidade</a:t>
+            </a:r>
+            <a:r>
+              <a:rPr lang="pt-BR" sz="1200" b="0" i="0" kern="1200" dirty="0">
+                <a:solidFill>
+                  <a:schemeClr val="tx1"/>
+                </a:solidFill>
+                <a:effectLst/>
+                <a:latin typeface="+mn-lt"/>
+                <a:ea typeface="+mn-ea"/>
+                <a:cs typeface="+mn-cs"/>
+              </a:rPr>
+              <a:t>) e teste </a:t>
+            </a:r>
+            <a:r>
+              <a:rPr lang="pt-BR" sz="1200" b="0" i="0" kern="1200" baseline="0" dirty="0">
+                <a:solidFill>
+                  <a:schemeClr val="tx1"/>
+                </a:solidFill>
+                <a:effectLst/>
+                <a:latin typeface="+mn-lt"/>
+                <a:ea typeface="+mn-ea"/>
+                <a:cs typeface="+mn-cs"/>
+              </a:rPr>
+              <a:t>(</a:t>
+            </a:r>
+            <a:r>
+              <a:rPr lang="pt-BR" sz="1200" b="1" i="0" kern="1200" baseline="0" dirty="0">
+                <a:solidFill>
+                  <a:schemeClr val="tx1"/>
+                </a:solidFill>
+                <a:effectLst/>
+                <a:latin typeface="+mn-lt"/>
+                <a:ea typeface="+mn-ea"/>
+                <a:cs typeface="+mn-cs"/>
+              </a:rPr>
+              <a:t>erro de generalização</a:t>
+            </a:r>
+            <a:r>
+              <a:rPr lang="pt-BR" sz="1200" b="0" i="0" kern="1200" baseline="0" dirty="0">
+                <a:solidFill>
+                  <a:schemeClr val="tx1"/>
+                </a:solidFill>
+                <a:effectLst/>
+                <a:latin typeface="+mn-lt"/>
+                <a:ea typeface="+mn-ea"/>
+                <a:cs typeface="+mn-cs"/>
+              </a:rPr>
+              <a:t>) </a:t>
+            </a:r>
+            <a:r>
+              <a:rPr lang="pt-BR" sz="1200" b="0" i="0" kern="1200" dirty="0">
+                <a:solidFill>
+                  <a:schemeClr val="tx1"/>
+                </a:solidFill>
+                <a:effectLst/>
+                <a:latin typeface="+mn-lt"/>
+                <a:ea typeface="+mn-ea"/>
+                <a:cs typeface="+mn-cs"/>
+              </a:rPr>
+              <a:t>são parecidos e satisfatórios.</a:t>
+            </a:r>
+            <a:endParaRPr lang="pt-BR" b="1" dirty="0"/>
           </a:p>
         </p:txBody>
       </p:sp>
@@ -2232,7 +2261,7 @@
     </p:spTree>
     <p:extLst>
       <p:ext uri="{BB962C8B-B14F-4D97-AF65-F5344CB8AC3E}">
-        <p14:creationId xmlns:p14="http://schemas.microsoft.com/office/powerpoint/2010/main" val="1226637979"/>
+        <p14:creationId xmlns:p14="http://schemas.microsoft.com/office/powerpoint/2010/main" val="2391354004"/>
       </p:ext>
     </p:extLst>
   </p:cSld>
@@ -2286,6 +2315,90 @@
           <a:bodyPr/>
           <a:lstStyle/>
           <a:p>
+            <a:endParaRPr lang="pt-BR" dirty="0"/>
+          </a:p>
+        </p:txBody>
+      </p:sp>
+      <p:sp>
+        <p:nvSpPr>
+          <p:cNvPr id="4" name="Slide Number Placeholder 3"/>
+          <p:cNvSpPr>
+            <a:spLocks noGrp="1"/>
+          </p:cNvSpPr>
+          <p:nvPr>
+            <p:ph type="sldNum" sz="quarter" idx="10"/>
+          </p:nvPr>
+        </p:nvSpPr>
+        <p:spPr/>
+        <p:txBody>
+          <a:bodyPr/>
+          <a:lstStyle/>
+          <a:p>
+            <a:fld id="{DA8B99DF-01BC-492A-8CEF-4FD88D18DD9D}" type="slidenum">
+              <a:rPr lang="nl-BE" smtClean="0"/>
+              <a:t>18</a:t>
+            </a:fld>
+            <a:endParaRPr lang="nl-BE"/>
+          </a:p>
+        </p:txBody>
+      </p:sp>
+    </p:spTree>
+    <p:extLst>
+      <p:ext uri="{BB962C8B-B14F-4D97-AF65-F5344CB8AC3E}">
+        <p14:creationId xmlns:p14="http://schemas.microsoft.com/office/powerpoint/2010/main" val="1226637979"/>
+      </p:ext>
+    </p:extLst>
+  </p:cSld>
+  <p:clrMapOvr>
+    <a:masterClrMapping/>
+  </p:clrMapOvr>
+</p:notes>
+</file>
+
+<file path=ppt/notesSlides/notesSlide15.xml><?xml version="1.0" encoding="utf-8"?>
+<p:notes xmlns:a="http://schemas.openxmlformats.org/drawingml/2006/main" xmlns:r="http://schemas.openxmlformats.org/officeDocument/2006/relationships" xmlns:p="http://schemas.openxmlformats.org/presentationml/2006/main">
+  <p:cSld>
+    <p:spTree>
+      <p:nvGrpSpPr>
+        <p:cNvPr id="1" name=""/>
+        <p:cNvGrpSpPr/>
+        <p:nvPr/>
+      </p:nvGrpSpPr>
+      <p:grpSpPr>
+        <a:xfrm>
+          <a:off x="0" y="0"/>
+          <a:ext cx="0" cy="0"/>
+          <a:chOff x="0" y="0"/>
+          <a:chExt cx="0" cy="0"/>
+        </a:xfrm>
+      </p:grpSpPr>
+      <p:sp>
+        <p:nvSpPr>
+          <p:cNvPr id="2" name="Slide Image Placeholder 1"/>
+          <p:cNvSpPr>
+            <a:spLocks noGrp="1" noRot="1" noChangeAspect="1"/>
+          </p:cNvSpPr>
+          <p:nvPr>
+            <p:ph type="sldImg"/>
+          </p:nvPr>
+        </p:nvSpPr>
+        <p:spPr/>
+      </p:sp>
+      <p:sp>
+        <p:nvSpPr>
+          <p:cNvPr id="3" name="Notes Placeholder 2"/>
+          <p:cNvSpPr>
+            <a:spLocks noGrp="1"/>
+          </p:cNvSpPr>
+          <p:nvPr>
+            <p:ph type="body" idx="1"/>
+          </p:nvPr>
+        </p:nvSpPr>
+        <p:spPr/>
+        <p:txBody>
+          <a:bodyPr/>
+          <a:lstStyle/>
+          <a:p>
             <a:pPr marL="0" marR="0" lvl="0" indent="0" algn="l" defTabSz="914400" rtl="0" eaLnBrk="1" fontAlgn="auto" latinLnBrk="0" hangingPunct="1">
               <a:lnSpc>
                 <a:spcPct val="100000"/>
@@ -2356,7 +2469,7 @@
           <a:p>
             <a:fld id="{DA8B99DF-01BC-492A-8CEF-4FD88D18DD9D}" type="slidenum">
               <a:rPr lang="nl-BE" smtClean="0"/>
-              <a:t>18</a:t>
+              <a:t>19</a:t>
             </a:fld>
             <a:endParaRPr lang="nl-BE"/>
           </a:p>
@@ -3966,35 +4079,56 @@
           <a:bodyPr/>
           <a:lstStyle/>
           <a:p>
-            <a:r>
-              <a:rPr lang="pt-BR" dirty="0"/>
-              <a:t>E se seus dados forem mais complexos do que uma simples linha reta? </a:t>
+            <a:pPr marL="0" marR="0" lvl="0" indent="0" algn="l" defTabSz="914400" rtl="0" eaLnBrk="1" fontAlgn="auto" latinLnBrk="0" hangingPunct="1">
+              <a:lnSpc>
+                <a:spcPct val="100000"/>
+              </a:lnSpc>
+              <a:spcBef>
+                <a:spcPts val="0"/>
+              </a:spcBef>
+              <a:spcAft>
+                <a:spcPts val="0"/>
+              </a:spcAft>
+              <a:buClrTx/>
+              <a:buSzTx/>
+              <a:buFontTx/>
+              <a:buNone/>
+              <a:tabLst/>
+              <a:defRPr/>
+            </a:pPr>
+            <a:r>
+              <a:rPr lang="pt-BR" dirty="0"/>
+              <a:t>COLAB: https://colab.research.google.com/github/zz4fap/t319_aprendizado_de_maquina/blob/main/labs/Laboratorio5.ipynb</a:t>
             </a:r>
           </a:p>
           <a:p>
             <a:endParaRPr lang="pt-BR" dirty="0"/>
           </a:p>
           <a:p>
-            <a:r>
-              <a:rPr lang="pt-BR" dirty="0"/>
-              <a:t>Você pode usar um modelo linear para ajustar dados não lineares. Uma maneira simples de fazer isso é adicionar </a:t>
-            </a:r>
-            <a:r>
-              <a:rPr lang="pt-BR" sz="1200" b="0" i="0" kern="1200" dirty="0">
-                <a:solidFill>
-                  <a:schemeClr val="tx1"/>
-                </a:solidFill>
-                <a:effectLst/>
-                <a:latin typeface="+mn-lt"/>
-                <a:ea typeface="+mn-ea"/>
-                <a:cs typeface="+mn-cs"/>
-              </a:rPr>
-              <a:t>expoentes </a:t>
-            </a:r>
-            <a:r>
-              <a:rPr lang="pt-BR" dirty="0"/>
-              <a:t>a cada feature como novos atributos e treinar um modelo linear nesse conjunto estendido de atributos. Essa técnica é chamada de regressão polinomial.</a:t>
-            </a:r>
+            <a:pPr marL="0" marR="0" lvl="0" indent="0" algn="l" defTabSz="914400" rtl="0" eaLnBrk="1" fontAlgn="auto" latinLnBrk="0" hangingPunct="1">
+              <a:lnSpc>
+                <a:spcPct val="100000"/>
+              </a:lnSpc>
+              <a:spcBef>
+                <a:spcPts val="0"/>
+              </a:spcBef>
+              <a:spcAft>
+                <a:spcPts val="0"/>
+              </a:spcAft>
+              <a:buClrTx/>
+              <a:buSzTx/>
+              <a:buFontTx/>
+              <a:buNone/>
+              <a:tabLst/>
+              <a:defRPr/>
+            </a:pPr>
+            <a:r>
+              <a:rPr lang="pt-BR" dirty="0"/>
+              <a:t>BINDER: https://mybinder.org/v2/gh/zz4fap/t319_aprendizado_de_maquina/main?filepath=labs%2FLaboratorio5.ipynb</a:t>
+            </a:r>
+          </a:p>
+          <a:p>
+            <a:endParaRPr lang="pt-BR" dirty="0"/>
           </a:p>
         </p:txBody>
       </p:sp>
@@ -4015,7 +4149,7 @@
           <a:p>
             <a:fld id="{DA8B99DF-01BC-492A-8CEF-4FD88D18DD9D}" type="slidenum">
               <a:rPr lang="nl-BE" smtClean="0"/>
-              <a:t>12</a:t>
+              <a:t>11</a:t>
             </a:fld>
             <a:endParaRPr lang="nl-BE"/>
           </a:p>
@@ -4024,7 +4158,7 @@
     </p:spTree>
     <p:extLst>
       <p:ext uri="{BB962C8B-B14F-4D97-AF65-F5344CB8AC3E}">
-        <p14:creationId xmlns:p14="http://schemas.microsoft.com/office/powerpoint/2010/main" val="4229211557"/>
+        <p14:creationId xmlns:p14="http://schemas.microsoft.com/office/powerpoint/2010/main" val="1054254730"/>
       </p:ext>
     </p:extLst>
   </p:cSld>
@@ -7448,6 +7582,222 @@
       </p:grpSpPr>
       <p:sp>
         <p:nvSpPr>
+          <p:cNvPr id="2" name="Title 1"/>
+          <p:cNvSpPr>
+            <a:spLocks noGrp="1"/>
+          </p:cNvSpPr>
+          <p:nvPr>
+            <p:ph type="title"/>
+          </p:nvPr>
+        </p:nvSpPr>
+        <p:spPr/>
+        <p:txBody>
+          <a:bodyPr/>
+          <a:lstStyle/>
+          <a:p>
+            <a:r>
+              <a:rPr lang="pt-BR" dirty="0"/>
+              <a:t>Avisos</a:t>
+            </a:r>
+          </a:p>
+        </p:txBody>
+      </p:sp>
+      <p:sp>
+        <p:nvSpPr>
+          <p:cNvPr id="3" name="Content Placeholder 2"/>
+          <p:cNvSpPr>
+            <a:spLocks noGrp="1"/>
+          </p:cNvSpPr>
+          <p:nvPr>
+            <p:ph idx="1"/>
+          </p:nvPr>
+        </p:nvSpPr>
+        <p:spPr>
+          <a:xfrm>
+            <a:off x="838199" y="1825624"/>
+            <a:ext cx="11107367" cy="5032376"/>
+          </a:xfrm>
+        </p:spPr>
+        <p:txBody>
+          <a:bodyPr>
+            <a:normAutofit/>
+          </a:bodyPr>
+          <a:lstStyle/>
+          <a:p>
+            <a:r>
+              <a:rPr lang="pt-BR" b="1" dirty="0">
+                <a:solidFill>
+                  <a:srgbClr val="00B050"/>
+                </a:solidFill>
+              </a:rPr>
+              <a:t>Avaliação Presencial</a:t>
+            </a:r>
+            <a:r>
+              <a:rPr lang="pt-BR" dirty="0"/>
+              <a:t>: </a:t>
+            </a:r>
+            <a:r>
+              <a:rPr lang="pt-BR" b="1" dirty="0">
+                <a:solidFill>
+                  <a:srgbClr val="7030A0"/>
+                </a:solidFill>
+              </a:rPr>
+              <a:t>10/11/2023 – Sala I-16</a:t>
+            </a:r>
+          </a:p>
+          <a:p>
+            <a:pPr lvl="1">
+              <a:buFont typeface="Wingdings" panose="05000000000000000000" pitchFamily="2" charset="2"/>
+              <a:buChar char="§"/>
+            </a:pPr>
+            <a:r>
+              <a:rPr lang="pt-BR" dirty="0"/>
+              <a:t>Projeto final já se encontra no </a:t>
+            </a:r>
+            <a:r>
+              <a:rPr lang="pt-BR" dirty="0" err="1"/>
+              <a:t>github</a:t>
+            </a:r>
+            <a:r>
+              <a:rPr lang="pt-BR" dirty="0"/>
+              <a:t>.</a:t>
+            </a:r>
+          </a:p>
+          <a:p>
+            <a:pPr lvl="1">
+              <a:buFont typeface="Wingdings" panose="05000000000000000000" pitchFamily="2" charset="2"/>
+              <a:buChar char="§"/>
+            </a:pPr>
+            <a:r>
+              <a:rPr lang="pt-BR" dirty="0"/>
+              <a:t>Pode ser feito em grupos de no máximo 3 alunos.</a:t>
+            </a:r>
+          </a:p>
+          <a:p>
+            <a:pPr lvl="1">
+              <a:buFont typeface="Wingdings" panose="05000000000000000000" pitchFamily="2" charset="2"/>
+              <a:buChar char="§"/>
+            </a:pPr>
+            <a:r>
+              <a:rPr lang="pt-BR" dirty="0"/>
+              <a:t>Presencialmente, faremos apenas o exercício 1.</a:t>
+            </a:r>
+          </a:p>
+          <a:p>
+            <a:pPr lvl="1">
+              <a:buFont typeface="Wingdings" panose="05000000000000000000" pitchFamily="2" charset="2"/>
+              <a:buChar char="§"/>
+            </a:pPr>
+            <a:r>
+              <a:rPr lang="pt-BR" dirty="0"/>
+              <a:t>Os outros devem ser entregues até 13/12/2023.</a:t>
+            </a:r>
+          </a:p>
+          <a:p>
+            <a:pPr lvl="1">
+              <a:buFont typeface="Wingdings" panose="05000000000000000000" pitchFamily="2" charset="2"/>
+              <a:buChar char="§"/>
+            </a:pPr>
+            <a:r>
+              <a:rPr lang="pt-BR" dirty="0"/>
+              <a:t>Vocês já conseguem fazer os exercícios 1 e 4.</a:t>
+            </a:r>
+          </a:p>
+        </p:txBody>
+      </p:sp>
+      <p:pic>
+        <p:nvPicPr>
+          <p:cNvPr id="4" name="Imagem 3"/>
+          <p:cNvPicPr>
+            <a:picLocks noChangeAspect="1"/>
+          </p:cNvPicPr>
+          <p:nvPr/>
+        </p:nvPicPr>
+        <p:blipFill rotWithShape="1">
+          <a:blip r:embed="rId3"/>
+          <a:srcRect t="7718" r="32372"/>
+          <a:stretch/>
+        </p:blipFill>
+        <p:spPr>
+          <a:xfrm>
+            <a:off x="9450586" y="1835898"/>
+            <a:ext cx="1799618" cy="2095290"/>
+          </a:xfrm>
+          <a:prstGeom prst="rect">
+            <a:avLst/>
+          </a:prstGeom>
+        </p:spPr>
+      </p:pic>
+      <p:cxnSp>
+        <p:nvCxnSpPr>
+          <p:cNvPr id="6" name="Conector de seta reta 5"/>
+          <p:cNvCxnSpPr>
+            <a:cxnSpLocks/>
+          </p:cNvCxnSpPr>
+          <p:nvPr/>
+        </p:nvCxnSpPr>
+        <p:spPr>
+          <a:xfrm>
+            <a:off x="6524090" y="2476072"/>
+            <a:ext cx="2926496" cy="236305"/>
+          </a:xfrm>
+          <a:prstGeom prst="straightConnector1">
+            <a:avLst/>
+          </a:prstGeom>
+          <a:ln>
+            <a:solidFill>
+              <a:srgbClr val="FF0000"/>
+            </a:solidFill>
+            <a:tailEnd type="triangle"/>
+          </a:ln>
+        </p:spPr>
+        <p:style>
+          <a:lnRef idx="1">
+            <a:schemeClr val="accent1"/>
+          </a:lnRef>
+          <a:fillRef idx="0">
+            <a:schemeClr val="accent1"/>
+          </a:fillRef>
+          <a:effectRef idx="0">
+            <a:schemeClr val="accent1"/>
+          </a:effectRef>
+          <a:fontRef idx="minor">
+            <a:schemeClr val="tx1"/>
+          </a:fontRef>
+        </p:style>
+      </p:cxnSp>
+    </p:spTree>
+    <p:extLst>
+      <p:ext uri="{BB962C8B-B14F-4D97-AF65-F5344CB8AC3E}">
+        <p14:creationId xmlns:p14="http://schemas.microsoft.com/office/powerpoint/2010/main" val="2165617999"/>
+      </p:ext>
+    </p:extLst>
+  </p:cSld>
+  <p:clrMapOvr>
+    <a:masterClrMapping/>
+  </p:clrMapOvr>
+</p:sld>
+</file>
+
+<file path=ppt/slides/slide12.xml><?xml version="1.0" encoding="utf-8"?>
+<p:sld xmlns:a="http://schemas.openxmlformats.org/drawingml/2006/main" xmlns:r="http://schemas.openxmlformats.org/officeDocument/2006/relationships" xmlns:p="http://schemas.openxmlformats.org/presentationml/2006/main">
+  <p:cSld>
+    <p:spTree>
+      <p:nvGrpSpPr>
+        <p:cNvPr id="1" name=""/>
+        <p:cNvGrpSpPr/>
+        <p:nvPr/>
+      </p:nvGrpSpPr>
+      <p:grpSpPr>
+        <a:xfrm>
+          <a:off x="0" y="0"/>
+          <a:ext cx="0" cy="0"/>
+          <a:chOff x="0" y="0"/>
+          <a:chExt cx="0" cy="0"/>
+        </a:xfrm>
+      </p:grpSpPr>
+      <p:sp>
+        <p:nvSpPr>
           <p:cNvPr id="2" name="Título 1">
             <a:extLst>
               <a:ext uri="{FF2B5EF4-FFF2-40B4-BE49-F238E27FC236}">
@@ -7509,7 +7859,7 @@
 </p:sld>
 </file>
 
-<file path=ppt/slides/slide12.xml><?xml version="1.0" encoding="utf-8"?>
+<file path=ppt/slides/slide13.xml><?xml version="1.0" encoding="utf-8"?>
 <p:sld xmlns:a="http://schemas.openxmlformats.org/drawingml/2006/main" xmlns:r="http://schemas.openxmlformats.org/officeDocument/2006/relationships" xmlns:p="http://schemas.openxmlformats.org/presentationml/2006/main">
   <p:cSld>
     <p:spTree>
@@ -7704,7 +8054,7 @@
 </p:sld>
 </file>
 
-<file path=ppt/slides/slide13.xml><?xml version="1.0" encoding="utf-8"?>
+<file path=ppt/slides/slide14.xml><?xml version="1.0" encoding="utf-8"?>
 <p:sld xmlns:a="http://schemas.openxmlformats.org/drawingml/2006/main" xmlns:r="http://schemas.openxmlformats.org/officeDocument/2006/relationships" xmlns:p="http://schemas.openxmlformats.org/presentationml/2006/main">
   <p:cSld>
     <p:spTree>
@@ -8849,7 +9199,7 @@
 </p:sld>
 </file>
 
-<file path=ppt/slides/slide14.xml><?xml version="1.0" encoding="utf-8"?>
+<file path=ppt/slides/slide15.xml><?xml version="1.0" encoding="utf-8"?>
 <p:sld xmlns:a="http://schemas.openxmlformats.org/drawingml/2006/main" xmlns:r="http://schemas.openxmlformats.org/officeDocument/2006/relationships" xmlns:p="http://schemas.openxmlformats.org/presentationml/2006/main">
   <p:cSld>
     <p:spTree>
@@ -9711,7 +10061,7 @@
 </p:sld>
 </file>
 
-<file path=ppt/slides/slide15.xml><?xml version="1.0" encoding="utf-8"?>
+<file path=ppt/slides/slide16.xml><?xml version="1.0" encoding="utf-8"?>
 <p:sld xmlns:a="http://schemas.openxmlformats.org/drawingml/2006/main" xmlns:r="http://schemas.openxmlformats.org/officeDocument/2006/relationships" xmlns:p="http://schemas.openxmlformats.org/presentationml/2006/main">
   <p:cSld>
     <p:spTree>
@@ -10249,7 +10599,7 @@
 </p:sld>
 </file>
 
-<file path=ppt/slides/slide16.xml><?xml version="1.0" encoding="utf-8"?>
+<file path=ppt/slides/slide17.xml><?xml version="1.0" encoding="utf-8"?>
 <p:sld xmlns:a="http://schemas.openxmlformats.org/drawingml/2006/main" xmlns:r="http://schemas.openxmlformats.org/officeDocument/2006/relationships" xmlns:p="http://schemas.openxmlformats.org/presentationml/2006/main">
   <p:cSld>
     <p:spTree>
@@ -10620,228 +10970,6 @@
 </p:sld>
 </file>
 
-<file path=ppt/slides/slide17.xml><?xml version="1.0" encoding="utf-8"?>
-<p:sld xmlns:a="http://schemas.openxmlformats.org/drawingml/2006/main" xmlns:r="http://schemas.openxmlformats.org/officeDocument/2006/relationships" xmlns:p="http://schemas.openxmlformats.org/presentationml/2006/main">
-  <p:cSld>
-    <p:spTree>
-      <p:nvGrpSpPr>
-        <p:cNvPr id="1" name=""/>
-        <p:cNvGrpSpPr/>
-        <p:nvPr/>
-      </p:nvGrpSpPr>
-      <p:grpSpPr>
-        <a:xfrm>
-          <a:off x="0" y="0"/>
-          <a:ext cx="0" cy="0"/>
-          <a:chOff x="0" y="0"/>
-          <a:chExt cx="0" cy="0"/>
-        </a:xfrm>
-      </p:grpSpPr>
-      <p:sp>
-        <p:nvSpPr>
-          <p:cNvPr id="2" name="Title 1"/>
-          <p:cNvSpPr>
-            <a:spLocks noGrp="1"/>
-          </p:cNvSpPr>
-          <p:nvPr>
-            <p:ph type="title"/>
-          </p:nvPr>
-        </p:nvSpPr>
-        <p:spPr/>
-        <p:txBody>
-          <a:bodyPr/>
-          <a:lstStyle/>
-          <a:p>
-            <a:r>
-              <a:rPr lang="pt-BR" dirty="0"/>
-              <a:t>Subajuste e sobreajuste: Resumo</a:t>
-            </a:r>
-          </a:p>
-        </p:txBody>
-      </p:sp>
-      <p:sp>
-        <p:nvSpPr>
-          <p:cNvPr id="3" name="Content Placeholder 2"/>
-          <p:cNvSpPr>
-            <a:spLocks noGrp="1"/>
-          </p:cNvSpPr>
-          <p:nvPr>
-            <p:ph idx="1"/>
-          </p:nvPr>
-        </p:nvSpPr>
-        <p:spPr>
-          <a:xfrm>
-            <a:off x="838199" y="1748134"/>
-            <a:ext cx="11203983" cy="5109866"/>
-          </a:xfrm>
-        </p:spPr>
-        <p:txBody>
-          <a:bodyPr>
-            <a:normAutofit fontScale="85000" lnSpcReduction="10000"/>
-          </a:bodyPr>
-          <a:lstStyle/>
-          <a:p>
-            <a:r>
-              <a:rPr lang="pt-BR" b="1" dirty="0"/>
-              <a:t>Subajuste</a:t>
-            </a:r>
-            <a:r>
-              <a:rPr lang="pt-BR" dirty="0"/>
-              <a:t>: situação em que o modelo falha em aproximar o </a:t>
-            </a:r>
-            <a:r>
-              <a:rPr lang="pt-BR" b="1" i="1" dirty="0"/>
-              <a:t>mapeamento verdadeiro</a:t>
-            </a:r>
-            <a:r>
-              <a:rPr lang="pt-BR" dirty="0"/>
-              <a:t>. </a:t>
-            </a:r>
-          </a:p>
-          <a:p>
-            <a:pPr lvl="1">
-              <a:buFont typeface="Wingdings" panose="05000000000000000000" pitchFamily="2" charset="2"/>
-              <a:buChar char="§"/>
-            </a:pPr>
-            <a:r>
-              <a:rPr lang="pt-BR" dirty="0"/>
-              <a:t>Ocorre devido ao baixo grau de flexibilidade do modelo.</a:t>
-            </a:r>
-          </a:p>
-          <a:p>
-            <a:pPr lvl="1">
-              <a:buFont typeface="Wingdings" panose="05000000000000000000" pitchFamily="2" charset="2"/>
-              <a:buChar char="§"/>
-            </a:pPr>
-            <a:r>
-              <a:rPr lang="pt-BR" dirty="0"/>
-              <a:t>O modelo produz erros significativos tanto quando apresentado ao próprio conjunto de treinamento quanto a dados inéditos.</a:t>
-            </a:r>
-          </a:p>
-          <a:p>
-            <a:pPr lvl="1">
-              <a:buFont typeface="Wingdings" panose="05000000000000000000" pitchFamily="2" charset="2"/>
-              <a:buChar char="§"/>
-            </a:pPr>
-            <a:r>
-              <a:rPr lang="pt-BR" dirty="0"/>
-              <a:t>Se o modelo está subajustando, mesmo que o número de exemplos aumente indefinidamente, esta situação não vai desaparecer, é necessário </a:t>
-            </a:r>
-            <a:r>
-              <a:rPr lang="pt-BR" b="1" i="1" dirty="0"/>
-              <a:t>aumentar a flexibilidade do modelo</a:t>
-            </a:r>
-            <a:r>
-              <a:rPr lang="pt-BR" dirty="0"/>
-              <a:t>, ou seja, no caso da regressão polinomial, sua ordem.</a:t>
-            </a:r>
-            <a:endParaRPr lang="pt-BR" dirty="0">
-              <a:cs typeface="Calibri"/>
-            </a:endParaRPr>
-          </a:p>
-          <a:p>
-            <a:r>
-              <a:rPr lang="pt-BR" b="1" dirty="0"/>
-              <a:t>Sobreajuste</a:t>
-            </a:r>
-            <a:r>
-              <a:rPr lang="pt-BR" dirty="0"/>
-              <a:t>: situação em que o modelo se ajusta tão bem aos exemplos de treinamento que ele aprende até o ruído presente nos mesmos (baixo </a:t>
-            </a:r>
-            <a:r>
-              <a:rPr lang="pt-BR" b="1" i="1" dirty="0"/>
-              <a:t>erro de treinamento</a:t>
-            </a:r>
-            <a:r>
-              <a:rPr lang="pt-BR" dirty="0"/>
-              <a:t>). Porém, o modelo produz erros significativos quando apresentado a dados inéditos (alto erro de </a:t>
-            </a:r>
-            <a:r>
-              <a:rPr lang="pt-BR" b="1" i="1" dirty="0"/>
-              <a:t>erro de validação</a:t>
-            </a:r>
-            <a:r>
-              <a:rPr lang="pt-BR" dirty="0"/>
-              <a:t>).</a:t>
-            </a:r>
-          </a:p>
-          <a:p>
-            <a:pPr lvl="1">
-              <a:buFont typeface="Wingdings" panose="05000000000000000000" pitchFamily="2" charset="2"/>
-              <a:buChar char="§"/>
-            </a:pPr>
-            <a:r>
-              <a:rPr lang="pt-BR" dirty="0"/>
-              <a:t>Ocorre devido ao alto grau de flexibilidade do modelo.</a:t>
-            </a:r>
-          </a:p>
-          <a:p>
-            <a:pPr lvl="1">
-              <a:buFont typeface="Wingdings" panose="05000000000000000000" pitchFamily="2" charset="2"/>
-              <a:buChar char="§"/>
-            </a:pPr>
-            <a:r>
-              <a:rPr lang="pt-BR" dirty="0"/>
-              <a:t>Se o modelo está sobreajustando, então é necessário diminuir sua flexibilidade ou aumentar o conjunto de treinamento até que o erro de validação atinja o erro de treinamento.</a:t>
-            </a:r>
-          </a:p>
-          <a:p>
-            <a:r>
-              <a:rPr lang="pt-BR" dirty="0"/>
-              <a:t>Nosso objetivo será encontrar uma relação de compromisso entre </a:t>
-            </a:r>
-            <a:r>
-              <a:rPr lang="pt-BR" b="1" i="1" dirty="0"/>
-              <a:t>flexibilidade</a:t>
-            </a:r>
-            <a:r>
-              <a:rPr lang="pt-BR" dirty="0"/>
-              <a:t> e </a:t>
-            </a:r>
-            <a:r>
-              <a:rPr lang="pt-BR" b="1" i="1" dirty="0"/>
-              <a:t>generalização</a:t>
-            </a:r>
-            <a:r>
-              <a:rPr lang="pt-BR" b="1" dirty="0"/>
-              <a:t> </a:t>
-            </a:r>
-            <a:r>
-              <a:rPr lang="pt-BR" dirty="0"/>
-              <a:t>do modelo:</a:t>
-            </a:r>
-            <a:r>
-              <a:rPr lang="pt-BR" b="1" dirty="0"/>
-              <a:t> flexibilidade</a:t>
-            </a:r>
-            <a:r>
-              <a:rPr lang="pt-BR" dirty="0"/>
-              <a:t> e </a:t>
-            </a:r>
-            <a:r>
-              <a:rPr lang="pt-BR" b="1" dirty="0"/>
-              <a:t>grau de generalização</a:t>
-            </a:r>
-            <a:r>
-              <a:rPr lang="pt-BR" dirty="0"/>
-              <a:t> médios.</a:t>
-            </a:r>
-          </a:p>
-        </p:txBody>
-      </p:sp>
-    </p:spTree>
-    <p:extLst>
-      <p:ext uri="{BB962C8B-B14F-4D97-AF65-F5344CB8AC3E}">
-        <p14:creationId xmlns:p14="http://schemas.microsoft.com/office/powerpoint/2010/main" val="3557925595"/>
-      </p:ext>
-    </p:extLst>
-  </p:cSld>
-  <p:clrMapOvr>
-    <a:masterClrMapping/>
-  </p:clrMapOvr>
-</p:sld>
-</file>
-
 <file path=ppt/slides/slide18.xml><?xml version="1.0" encoding="utf-8"?>
 <p:sld xmlns:a="http://schemas.openxmlformats.org/drawingml/2006/main" xmlns:r="http://schemas.openxmlformats.org/officeDocument/2006/relationships" xmlns:p="http://schemas.openxmlformats.org/presentationml/2006/main">
   <p:cSld>
@@ -10876,6 +11004,228 @@
           <a:p>
             <a:r>
               <a:rPr lang="pt-BR" dirty="0"/>
+              <a:t>Subajuste e sobreajuste: Resumo</a:t>
+            </a:r>
+          </a:p>
+        </p:txBody>
+      </p:sp>
+      <p:sp>
+        <p:nvSpPr>
+          <p:cNvPr id="3" name="Content Placeholder 2"/>
+          <p:cNvSpPr>
+            <a:spLocks noGrp="1"/>
+          </p:cNvSpPr>
+          <p:nvPr>
+            <p:ph idx="1"/>
+          </p:nvPr>
+        </p:nvSpPr>
+        <p:spPr>
+          <a:xfrm>
+            <a:off x="838199" y="1748134"/>
+            <a:ext cx="11203983" cy="5109866"/>
+          </a:xfrm>
+        </p:spPr>
+        <p:txBody>
+          <a:bodyPr>
+            <a:normAutofit fontScale="85000" lnSpcReduction="10000"/>
+          </a:bodyPr>
+          <a:lstStyle/>
+          <a:p>
+            <a:r>
+              <a:rPr lang="pt-BR" b="1" dirty="0"/>
+              <a:t>Subajuste</a:t>
+            </a:r>
+            <a:r>
+              <a:rPr lang="pt-BR" dirty="0"/>
+              <a:t>: situação em que o modelo falha em aproximar o </a:t>
+            </a:r>
+            <a:r>
+              <a:rPr lang="pt-BR" b="1" i="1" dirty="0"/>
+              <a:t>mapeamento verdadeiro</a:t>
+            </a:r>
+            <a:r>
+              <a:rPr lang="pt-BR" dirty="0"/>
+              <a:t>. </a:t>
+            </a:r>
+          </a:p>
+          <a:p>
+            <a:pPr lvl="1">
+              <a:buFont typeface="Wingdings" panose="05000000000000000000" pitchFamily="2" charset="2"/>
+              <a:buChar char="§"/>
+            </a:pPr>
+            <a:r>
+              <a:rPr lang="pt-BR" dirty="0"/>
+              <a:t>Ocorre devido ao baixo grau de flexibilidade do modelo.</a:t>
+            </a:r>
+          </a:p>
+          <a:p>
+            <a:pPr lvl="1">
+              <a:buFont typeface="Wingdings" panose="05000000000000000000" pitchFamily="2" charset="2"/>
+              <a:buChar char="§"/>
+            </a:pPr>
+            <a:r>
+              <a:rPr lang="pt-BR" dirty="0"/>
+              <a:t>O modelo produz erros significativos tanto quando apresentado ao próprio conjunto de treinamento quanto a dados inéditos.</a:t>
+            </a:r>
+          </a:p>
+          <a:p>
+            <a:pPr lvl="1">
+              <a:buFont typeface="Wingdings" panose="05000000000000000000" pitchFamily="2" charset="2"/>
+              <a:buChar char="§"/>
+            </a:pPr>
+            <a:r>
+              <a:rPr lang="pt-BR" dirty="0"/>
+              <a:t>Se o modelo está subajustando, mesmo que o número de exemplos aumente indefinidamente, esta situação não vai desaparecer, é necessário </a:t>
+            </a:r>
+            <a:r>
+              <a:rPr lang="pt-BR" b="1" i="1" dirty="0"/>
+              <a:t>aumentar a flexibilidade do modelo</a:t>
+            </a:r>
+            <a:r>
+              <a:rPr lang="pt-BR" dirty="0"/>
+              <a:t>, ou seja, no caso da regressão polinomial, sua ordem.</a:t>
+            </a:r>
+            <a:endParaRPr lang="pt-BR" dirty="0">
+              <a:cs typeface="Calibri"/>
+            </a:endParaRPr>
+          </a:p>
+          <a:p>
+            <a:r>
+              <a:rPr lang="pt-BR" b="1" dirty="0"/>
+              <a:t>Sobreajuste</a:t>
+            </a:r>
+            <a:r>
+              <a:rPr lang="pt-BR" dirty="0"/>
+              <a:t>: situação em que o modelo se ajusta tão bem aos exemplos de treinamento que ele aprende até o ruído presente nos mesmos (baixo </a:t>
+            </a:r>
+            <a:r>
+              <a:rPr lang="pt-BR" b="1" i="1" dirty="0"/>
+              <a:t>erro de treinamento</a:t>
+            </a:r>
+            <a:r>
+              <a:rPr lang="pt-BR" dirty="0"/>
+              <a:t>). Porém, o modelo produz erros significativos quando apresentado a dados inéditos (alto erro de </a:t>
+            </a:r>
+            <a:r>
+              <a:rPr lang="pt-BR" b="1" i="1" dirty="0"/>
+              <a:t>erro de validação</a:t>
+            </a:r>
+            <a:r>
+              <a:rPr lang="pt-BR" dirty="0"/>
+              <a:t>).</a:t>
+            </a:r>
+          </a:p>
+          <a:p>
+            <a:pPr lvl="1">
+              <a:buFont typeface="Wingdings" panose="05000000000000000000" pitchFamily="2" charset="2"/>
+              <a:buChar char="§"/>
+            </a:pPr>
+            <a:r>
+              <a:rPr lang="pt-BR" dirty="0"/>
+              <a:t>Ocorre devido ao alto grau de flexibilidade do modelo.</a:t>
+            </a:r>
+          </a:p>
+          <a:p>
+            <a:pPr lvl="1">
+              <a:buFont typeface="Wingdings" panose="05000000000000000000" pitchFamily="2" charset="2"/>
+              <a:buChar char="§"/>
+            </a:pPr>
+            <a:r>
+              <a:rPr lang="pt-BR" dirty="0"/>
+              <a:t>Se o modelo está sobreajustando, então é necessário diminuir sua flexibilidade ou aumentar o conjunto de treinamento até que o erro de validação atinja o erro de treinamento.</a:t>
+            </a:r>
+          </a:p>
+          <a:p>
+            <a:r>
+              <a:rPr lang="pt-BR" dirty="0"/>
+              <a:t>Nosso objetivo será encontrar uma relação de compromisso entre </a:t>
+            </a:r>
+            <a:r>
+              <a:rPr lang="pt-BR" b="1" i="1" dirty="0"/>
+              <a:t>flexibilidade</a:t>
+            </a:r>
+            <a:r>
+              <a:rPr lang="pt-BR" dirty="0"/>
+              <a:t> e </a:t>
+            </a:r>
+            <a:r>
+              <a:rPr lang="pt-BR" b="1" i="1" dirty="0"/>
+              <a:t>generalização</a:t>
+            </a:r>
+            <a:r>
+              <a:rPr lang="pt-BR" b="1" dirty="0"/>
+              <a:t> </a:t>
+            </a:r>
+            <a:r>
+              <a:rPr lang="pt-BR" dirty="0"/>
+              <a:t>do modelo:</a:t>
+            </a:r>
+            <a:r>
+              <a:rPr lang="pt-BR" b="1" dirty="0"/>
+              <a:t> flexibilidade</a:t>
+            </a:r>
+            <a:r>
+              <a:rPr lang="pt-BR" dirty="0"/>
+              <a:t> e </a:t>
+            </a:r>
+            <a:r>
+              <a:rPr lang="pt-BR" b="1" dirty="0"/>
+              <a:t>grau de generalização</a:t>
+            </a:r>
+            <a:r>
+              <a:rPr lang="pt-BR" dirty="0"/>
+              <a:t> médios.</a:t>
+            </a:r>
+          </a:p>
+        </p:txBody>
+      </p:sp>
+    </p:spTree>
+    <p:extLst>
+      <p:ext uri="{BB962C8B-B14F-4D97-AF65-F5344CB8AC3E}">
+        <p14:creationId xmlns:p14="http://schemas.microsoft.com/office/powerpoint/2010/main" val="3557925595"/>
+      </p:ext>
+    </p:extLst>
+  </p:cSld>
+  <p:clrMapOvr>
+    <a:masterClrMapping/>
+  </p:clrMapOvr>
+</p:sld>
+</file>
+
+<file path=ppt/slides/slide19.xml><?xml version="1.0" encoding="utf-8"?>
+<p:sld xmlns:a="http://schemas.openxmlformats.org/drawingml/2006/main" xmlns:r="http://schemas.openxmlformats.org/officeDocument/2006/relationships" xmlns:p="http://schemas.openxmlformats.org/presentationml/2006/main">
+  <p:cSld>
+    <p:spTree>
+      <p:nvGrpSpPr>
+        <p:cNvPr id="1" name=""/>
+        <p:cNvGrpSpPr/>
+        <p:nvPr/>
+      </p:nvGrpSpPr>
+      <p:grpSpPr>
+        <a:xfrm>
+          <a:off x="0" y="0"/>
+          <a:ext cx="0" cy="0"/>
+          <a:chOff x="0" y="0"/>
+          <a:chExt cx="0" cy="0"/>
+        </a:xfrm>
+      </p:grpSpPr>
+      <p:sp>
+        <p:nvSpPr>
+          <p:cNvPr id="2" name="Title 1"/>
+          <p:cNvSpPr>
+            <a:spLocks noGrp="1"/>
+          </p:cNvSpPr>
+          <p:nvPr>
+            <p:ph type="title"/>
+          </p:nvPr>
+        </p:nvSpPr>
+        <p:spPr/>
+        <p:txBody>
+          <a:bodyPr/>
+          <a:lstStyle/>
+          <a:p>
+            <a:r>
+              <a:rPr lang="pt-BR" dirty="0"/>
               <a:t>Tarefas</a:t>
             </a:r>
           </a:p>
@@ -11073,7 +11423,7 @@
                   <a:srgbClr val="00B050"/>
                 </a:solidFill>
               </a:rPr>
-              <a:t>Os outros devem ser entregues até 10/12/2023.</a:t>
+              <a:t>Os outros devem ser entregues até 13/12/2023.</a:t>
             </a:r>
           </a:p>
         </p:txBody>
@@ -11152,7 +11502,274 @@
 </p:sld>
 </file>
 
-<file path=ppt/slides/slide19.xml><?xml version="1.0" encoding="utf-8"?>
+<file path=ppt/slides/slide2.xml><?xml version="1.0" encoding="utf-8"?>
+<p:sld xmlns:a="http://schemas.openxmlformats.org/drawingml/2006/main" xmlns:r="http://schemas.openxmlformats.org/officeDocument/2006/relationships" xmlns:p="http://schemas.openxmlformats.org/presentationml/2006/main">
+  <p:cSld>
+    <p:spTree>
+      <p:nvGrpSpPr>
+        <p:cNvPr id="1" name=""/>
+        <p:cNvGrpSpPr/>
+        <p:nvPr/>
+      </p:nvGrpSpPr>
+      <p:grpSpPr>
+        <a:xfrm>
+          <a:off x="0" y="0"/>
+          <a:ext cx="0" cy="0"/>
+          <a:chOff x="0" y="0"/>
+          <a:chExt cx="0" cy="0"/>
+        </a:xfrm>
+      </p:grpSpPr>
+      <p:sp>
+        <p:nvSpPr>
+          <p:cNvPr id="2" name="Título 1">
+            <a:extLst>
+              <a:ext uri="{FF2B5EF4-FFF2-40B4-BE49-F238E27FC236}">
+                <a16:creationId xmlns:a16="http://schemas.microsoft.com/office/drawing/2014/main" id="{59ECFE43-F7D9-E130-2EB1-809C87CF7AD8}"/>
+              </a:ext>
+            </a:extLst>
+          </p:cNvPr>
+          <p:cNvSpPr>
+            <a:spLocks noGrp="1"/>
+          </p:cNvSpPr>
+          <p:nvPr>
+            <p:ph type="title"/>
+          </p:nvPr>
+        </p:nvSpPr>
+        <p:spPr/>
+        <p:txBody>
+          <a:bodyPr/>
+          <a:lstStyle/>
+          <a:p>
+            <a:r>
+              <a:rPr lang="pt-BR" dirty="0"/>
+              <a:t>Recapitulando</a:t>
+            </a:r>
+          </a:p>
+        </p:txBody>
+      </p:sp>
+      <p:sp>
+        <p:nvSpPr>
+          <p:cNvPr id="3" name="Espaço Reservado para Conteúdo 2">
+            <a:extLst>
+              <a:ext uri="{FF2B5EF4-FFF2-40B4-BE49-F238E27FC236}">
+                <a16:creationId xmlns:a16="http://schemas.microsoft.com/office/drawing/2014/main" id="{00C0F30D-21E1-FEB6-D8CC-F291F7C684FA}"/>
+              </a:ext>
+            </a:extLst>
+          </p:cNvPr>
+          <p:cNvSpPr>
+            <a:spLocks noGrp="1"/>
+          </p:cNvSpPr>
+          <p:nvPr>
+            <p:ph idx="1"/>
+          </p:nvPr>
+        </p:nvSpPr>
+        <p:spPr>
+          <a:xfrm>
+            <a:off x="838199" y="1767155"/>
+            <a:ext cx="11254483" cy="5090844"/>
+          </a:xfrm>
+        </p:spPr>
+        <p:txBody>
+          <a:bodyPr>
+            <a:normAutofit lnSpcReduction="10000"/>
+          </a:bodyPr>
+          <a:lstStyle/>
+          <a:p>
+            <a:r>
+              <a:rPr lang="pt-BR" dirty="0"/>
+              <a:t>Vimos que o</a:t>
+            </a:r>
+            <a:r>
+              <a:rPr lang="pt-BR" b="1" i="1" dirty="0"/>
+              <a:t> </a:t>
+            </a:r>
+            <a:r>
+              <a:rPr lang="pt-BR" b="1" i="1" dirty="0">
+                <a:solidFill>
+                  <a:srgbClr val="00B050"/>
+                </a:solidFill>
+              </a:rPr>
+              <a:t>valor do passo de aprendizagem </a:t>
+            </a:r>
+            <a:r>
+              <a:rPr lang="pt-BR" b="1" i="1" dirty="0"/>
+              <a:t>influencia no processo aprendizagem</a:t>
+            </a:r>
+            <a:r>
+              <a:rPr lang="pt-BR" dirty="0"/>
+              <a:t> do gradiente descendente.</a:t>
+            </a:r>
+          </a:p>
+          <a:p>
+            <a:pPr lvl="1">
+              <a:buFont typeface="Wingdings" panose="05000000000000000000" pitchFamily="2" charset="2"/>
+              <a:buChar char="§"/>
+            </a:pPr>
+            <a:r>
+              <a:rPr lang="pt-BR" dirty="0"/>
+              <a:t>Valores pequenos fazem com que o algoritmo tenha convergência muito lenta.</a:t>
+            </a:r>
+          </a:p>
+          <a:p>
+            <a:pPr lvl="1">
+              <a:buFont typeface="Wingdings" panose="05000000000000000000" pitchFamily="2" charset="2"/>
+              <a:buChar char="§"/>
+            </a:pPr>
+            <a:r>
+              <a:rPr lang="pt-BR" dirty="0"/>
+              <a:t>Valores grandes fazem com que o algoritmo divirja.</a:t>
+            </a:r>
+          </a:p>
+          <a:p>
+            <a:r>
+              <a:rPr lang="pt-BR" dirty="0"/>
+              <a:t>O gráfico do erro versus iterações nos ajuda a </a:t>
+            </a:r>
+            <a:r>
+              <a:rPr lang="pt-BR" b="1" i="1" dirty="0">
+                <a:solidFill>
+                  <a:srgbClr val="00B050"/>
+                </a:solidFill>
+              </a:rPr>
+              <a:t>depurar as versões do GD</a:t>
+            </a:r>
+            <a:r>
+              <a:rPr lang="pt-BR" dirty="0"/>
+              <a:t>.</a:t>
+            </a:r>
+          </a:p>
+          <a:p>
+            <a:r>
+              <a:rPr lang="pt-BR" dirty="0"/>
+              <a:t>Quando usamos as versões estocásticas do GD, podemos </a:t>
+            </a:r>
+            <a:r>
+              <a:rPr lang="pt-BR" b="1" i="1" dirty="0">
+                <a:solidFill>
+                  <a:srgbClr val="00B050"/>
+                </a:solidFill>
+              </a:rPr>
+              <a:t>reduzir o valor do passo de aprendizagem ao longo do treinamento </a:t>
+            </a:r>
+            <a:r>
+              <a:rPr lang="pt-BR" dirty="0"/>
+              <a:t>para “</a:t>
+            </a:r>
+            <a:r>
+              <a:rPr lang="pt-BR" b="1" i="1" dirty="0">
+                <a:solidFill>
+                  <a:srgbClr val="7030A0"/>
+                </a:solidFill>
+              </a:rPr>
+              <a:t>forçar</a:t>
+            </a:r>
+            <a:r>
+              <a:rPr lang="pt-BR" dirty="0"/>
+              <a:t>” a </a:t>
+            </a:r>
+            <a:r>
+              <a:rPr lang="pt-BR" b="1" i="1" dirty="0">
+                <a:solidFill>
+                  <a:srgbClr val="7030A0"/>
+                </a:solidFill>
+              </a:rPr>
+              <a:t>convergência</a:t>
+            </a:r>
+            <a:r>
+              <a:rPr lang="pt-BR" dirty="0"/>
+              <a:t> do algoritmo.</a:t>
+            </a:r>
+          </a:p>
+          <a:p>
+            <a:r>
+              <a:rPr lang="pt-BR" dirty="0"/>
+              <a:t>Nesse tópico, veremos</a:t>
+            </a:r>
+          </a:p>
+          <a:p>
+            <a:pPr lvl="1">
+              <a:buFont typeface="Wingdings" panose="05000000000000000000" pitchFamily="2" charset="2"/>
+              <a:buChar char="§"/>
+            </a:pPr>
+            <a:r>
+              <a:rPr lang="pt-BR" dirty="0"/>
+              <a:t>Técnicas de </a:t>
+            </a:r>
+            <a:r>
+              <a:rPr lang="pt-BR" b="1" i="1" dirty="0">
+                <a:solidFill>
+                  <a:srgbClr val="0070C0"/>
+                </a:solidFill>
+              </a:rPr>
+              <a:t>pré-processamento</a:t>
+            </a:r>
+            <a:r>
+              <a:rPr lang="pt-BR" dirty="0"/>
+              <a:t> importantes para algoritmos de ML que usam </a:t>
+            </a:r>
+            <a:r>
+              <a:rPr lang="pt-BR" b="1" i="1" dirty="0">
+                <a:solidFill>
+                  <a:srgbClr val="0070C0"/>
+                </a:solidFill>
+              </a:rPr>
+              <a:t>métricas de distância como função de erro</a:t>
+            </a:r>
+            <a:r>
+              <a:rPr lang="pt-BR" dirty="0"/>
+              <a:t>.</a:t>
+            </a:r>
+          </a:p>
+          <a:p>
+            <a:pPr lvl="1">
+              <a:buFont typeface="Wingdings" panose="05000000000000000000" pitchFamily="2" charset="2"/>
+              <a:buChar char="§"/>
+            </a:pPr>
+            <a:r>
+              <a:rPr lang="pt-BR" dirty="0"/>
+              <a:t>Como </a:t>
+            </a:r>
+            <a:r>
+              <a:rPr lang="pt-BR" b="1" i="1" dirty="0">
+                <a:solidFill>
+                  <a:srgbClr val="0070C0"/>
+                </a:solidFill>
+              </a:rPr>
+              <a:t>polinômios</a:t>
+            </a:r>
+            <a:r>
+              <a:rPr lang="pt-BR" dirty="0"/>
+              <a:t> podem ser usados para se </a:t>
+            </a:r>
+            <a:r>
+              <a:rPr lang="pt-BR" b="1" i="1" dirty="0">
+                <a:solidFill>
+                  <a:srgbClr val="0070C0"/>
+                </a:solidFill>
+              </a:rPr>
+              <a:t>ajustar a dados que apresentam mapeamento não-linear </a:t>
+            </a:r>
+            <a:r>
+              <a:rPr lang="pt-BR" dirty="0"/>
+              <a:t>entre os atributos e o valor esperado.</a:t>
+            </a:r>
+          </a:p>
+        </p:txBody>
+      </p:sp>
+    </p:spTree>
+    <p:extLst>
+      <p:ext uri="{BB962C8B-B14F-4D97-AF65-F5344CB8AC3E}">
+        <p14:creationId xmlns:p14="http://schemas.microsoft.com/office/powerpoint/2010/main" val="1412480911"/>
+      </p:ext>
+    </p:extLst>
+  </p:cSld>
+  <p:clrMapOvr>
+    <a:masterClrMapping/>
+  </p:clrMapOvr>
+</p:sld>
+</file>
+
+<file path=ppt/slides/slide20.xml><?xml version="1.0" encoding="utf-8"?>
 <p:sld xmlns:a="http://schemas.openxmlformats.org/drawingml/2006/main" xmlns:r="http://schemas.openxmlformats.org/officeDocument/2006/relationships" xmlns:p="http://schemas.openxmlformats.org/presentationml/2006/main">
   <p:cSld>
     <p:spTree>
@@ -11237,274 +11854,7 @@
 </p:sld>
 </file>
 
-<file path=ppt/slides/slide2.xml><?xml version="1.0" encoding="utf-8"?>
-<p:sld xmlns:a="http://schemas.openxmlformats.org/drawingml/2006/main" xmlns:r="http://schemas.openxmlformats.org/officeDocument/2006/relationships" xmlns:p="http://schemas.openxmlformats.org/presentationml/2006/main">
-  <p:cSld>
-    <p:spTree>
-      <p:nvGrpSpPr>
-        <p:cNvPr id="1" name=""/>
-        <p:cNvGrpSpPr/>
-        <p:nvPr/>
-      </p:nvGrpSpPr>
-      <p:grpSpPr>
-        <a:xfrm>
-          <a:off x="0" y="0"/>
-          <a:ext cx="0" cy="0"/>
-          <a:chOff x="0" y="0"/>
-          <a:chExt cx="0" cy="0"/>
-        </a:xfrm>
-      </p:grpSpPr>
-      <p:sp>
-        <p:nvSpPr>
-          <p:cNvPr id="2" name="Título 1">
-            <a:extLst>
-              <a:ext uri="{FF2B5EF4-FFF2-40B4-BE49-F238E27FC236}">
-                <a16:creationId xmlns:a16="http://schemas.microsoft.com/office/drawing/2014/main" id="{59ECFE43-F7D9-E130-2EB1-809C87CF7AD8}"/>
-              </a:ext>
-            </a:extLst>
-          </p:cNvPr>
-          <p:cNvSpPr>
-            <a:spLocks noGrp="1"/>
-          </p:cNvSpPr>
-          <p:nvPr>
-            <p:ph type="title"/>
-          </p:nvPr>
-        </p:nvSpPr>
-        <p:spPr/>
-        <p:txBody>
-          <a:bodyPr/>
-          <a:lstStyle/>
-          <a:p>
-            <a:r>
-              <a:rPr lang="pt-BR" dirty="0"/>
-              <a:t>Recapitulando</a:t>
-            </a:r>
-          </a:p>
-        </p:txBody>
-      </p:sp>
-      <p:sp>
-        <p:nvSpPr>
-          <p:cNvPr id="3" name="Espaço Reservado para Conteúdo 2">
-            <a:extLst>
-              <a:ext uri="{FF2B5EF4-FFF2-40B4-BE49-F238E27FC236}">
-                <a16:creationId xmlns:a16="http://schemas.microsoft.com/office/drawing/2014/main" id="{00C0F30D-21E1-FEB6-D8CC-F291F7C684FA}"/>
-              </a:ext>
-            </a:extLst>
-          </p:cNvPr>
-          <p:cNvSpPr>
-            <a:spLocks noGrp="1"/>
-          </p:cNvSpPr>
-          <p:nvPr>
-            <p:ph idx="1"/>
-          </p:nvPr>
-        </p:nvSpPr>
-        <p:spPr>
-          <a:xfrm>
-            <a:off x="838199" y="1767155"/>
-            <a:ext cx="11254483" cy="5090844"/>
-          </a:xfrm>
-        </p:spPr>
-        <p:txBody>
-          <a:bodyPr>
-            <a:normAutofit lnSpcReduction="10000"/>
-          </a:bodyPr>
-          <a:lstStyle/>
-          <a:p>
-            <a:r>
-              <a:rPr lang="pt-BR" dirty="0"/>
-              <a:t>Vimos que o</a:t>
-            </a:r>
-            <a:r>
-              <a:rPr lang="pt-BR" b="1" i="1" dirty="0"/>
-              <a:t> </a:t>
-            </a:r>
-            <a:r>
-              <a:rPr lang="pt-BR" b="1" i="1" dirty="0">
-                <a:solidFill>
-                  <a:srgbClr val="00B050"/>
-                </a:solidFill>
-              </a:rPr>
-              <a:t>valor do passo de aprendizagem </a:t>
-            </a:r>
-            <a:r>
-              <a:rPr lang="pt-BR" b="1" i="1" dirty="0"/>
-              <a:t>influencia no processo aprendizagem</a:t>
-            </a:r>
-            <a:r>
-              <a:rPr lang="pt-BR" dirty="0"/>
-              <a:t> do gradiente descendente.</a:t>
-            </a:r>
-          </a:p>
-          <a:p>
-            <a:pPr lvl="1">
-              <a:buFont typeface="Wingdings" panose="05000000000000000000" pitchFamily="2" charset="2"/>
-              <a:buChar char="§"/>
-            </a:pPr>
-            <a:r>
-              <a:rPr lang="pt-BR" dirty="0"/>
-              <a:t>Valores pequenos fazem com que o algoritmo tenha convergência muito lenta.</a:t>
-            </a:r>
-          </a:p>
-          <a:p>
-            <a:pPr lvl="1">
-              <a:buFont typeface="Wingdings" panose="05000000000000000000" pitchFamily="2" charset="2"/>
-              <a:buChar char="§"/>
-            </a:pPr>
-            <a:r>
-              <a:rPr lang="pt-BR" dirty="0"/>
-              <a:t>Valores grandes fazem com que o algoritmo divirja.</a:t>
-            </a:r>
-          </a:p>
-          <a:p>
-            <a:r>
-              <a:rPr lang="pt-BR" dirty="0"/>
-              <a:t>O gráfico do erro versus iterações nos ajuda a </a:t>
-            </a:r>
-            <a:r>
-              <a:rPr lang="pt-BR" b="1" i="1" dirty="0">
-                <a:solidFill>
-                  <a:srgbClr val="00B050"/>
-                </a:solidFill>
-              </a:rPr>
-              <a:t>depurar as versões do GD</a:t>
-            </a:r>
-            <a:r>
-              <a:rPr lang="pt-BR" dirty="0"/>
-              <a:t>.</a:t>
-            </a:r>
-          </a:p>
-          <a:p>
-            <a:r>
-              <a:rPr lang="pt-BR" dirty="0"/>
-              <a:t>Quando usamos as versões estocásticas do GD, podemos </a:t>
-            </a:r>
-            <a:r>
-              <a:rPr lang="pt-BR" b="1" i="1" dirty="0">
-                <a:solidFill>
-                  <a:srgbClr val="00B050"/>
-                </a:solidFill>
-              </a:rPr>
-              <a:t>reduzir o valor do passo de aprendizagem ao longo do treinamento </a:t>
-            </a:r>
-            <a:r>
-              <a:rPr lang="pt-BR" dirty="0"/>
-              <a:t>para “</a:t>
-            </a:r>
-            <a:r>
-              <a:rPr lang="pt-BR" b="1" i="1" dirty="0">
-                <a:solidFill>
-                  <a:srgbClr val="7030A0"/>
-                </a:solidFill>
-              </a:rPr>
-              <a:t>forçar</a:t>
-            </a:r>
-            <a:r>
-              <a:rPr lang="pt-BR" dirty="0"/>
-              <a:t>” a </a:t>
-            </a:r>
-            <a:r>
-              <a:rPr lang="pt-BR" b="1" i="1" dirty="0">
-                <a:solidFill>
-                  <a:srgbClr val="7030A0"/>
-                </a:solidFill>
-              </a:rPr>
-              <a:t>convergência</a:t>
-            </a:r>
-            <a:r>
-              <a:rPr lang="pt-BR" dirty="0"/>
-              <a:t> do algoritmo.</a:t>
-            </a:r>
-          </a:p>
-          <a:p>
-            <a:r>
-              <a:rPr lang="pt-BR" dirty="0"/>
-              <a:t>Nesse tópico, veremos</a:t>
-            </a:r>
-          </a:p>
-          <a:p>
-            <a:pPr lvl="1">
-              <a:buFont typeface="Wingdings" panose="05000000000000000000" pitchFamily="2" charset="2"/>
-              <a:buChar char="§"/>
-            </a:pPr>
-            <a:r>
-              <a:rPr lang="pt-BR" dirty="0"/>
-              <a:t>Técnicas de </a:t>
-            </a:r>
-            <a:r>
-              <a:rPr lang="pt-BR" b="1" i="1" dirty="0">
-                <a:solidFill>
-                  <a:srgbClr val="0070C0"/>
-                </a:solidFill>
-              </a:rPr>
-              <a:t>pré-processamento</a:t>
-            </a:r>
-            <a:r>
-              <a:rPr lang="pt-BR" dirty="0"/>
-              <a:t> importantes para algoritmos de ML que usam </a:t>
-            </a:r>
-            <a:r>
-              <a:rPr lang="pt-BR" b="1" i="1" dirty="0">
-                <a:solidFill>
-                  <a:srgbClr val="0070C0"/>
-                </a:solidFill>
-              </a:rPr>
-              <a:t>métricas de distância como função de erro</a:t>
-            </a:r>
-            <a:r>
-              <a:rPr lang="pt-BR" dirty="0"/>
-              <a:t>.</a:t>
-            </a:r>
-          </a:p>
-          <a:p>
-            <a:pPr lvl="1">
-              <a:buFont typeface="Wingdings" panose="05000000000000000000" pitchFamily="2" charset="2"/>
-              <a:buChar char="§"/>
-            </a:pPr>
-            <a:r>
-              <a:rPr lang="pt-BR" dirty="0"/>
-              <a:t>Como </a:t>
-            </a:r>
-            <a:r>
-              <a:rPr lang="pt-BR" b="1" i="1" dirty="0">
-                <a:solidFill>
-                  <a:srgbClr val="0070C0"/>
-                </a:solidFill>
-              </a:rPr>
-              <a:t>polinômios</a:t>
-            </a:r>
-            <a:r>
-              <a:rPr lang="pt-BR" dirty="0"/>
-              <a:t> podem ser usados para se </a:t>
-            </a:r>
-            <a:r>
-              <a:rPr lang="pt-BR" b="1" i="1" dirty="0">
-                <a:solidFill>
-                  <a:srgbClr val="0070C0"/>
-                </a:solidFill>
-              </a:rPr>
-              <a:t>ajustar a dados que apresentam mapeamento não-linear </a:t>
-            </a:r>
-            <a:r>
-              <a:rPr lang="pt-BR" dirty="0"/>
-              <a:t>entre os atributos e o valor esperado.</a:t>
-            </a:r>
-          </a:p>
-        </p:txBody>
-      </p:sp>
-    </p:spTree>
-    <p:extLst>
-      <p:ext uri="{BB962C8B-B14F-4D97-AF65-F5344CB8AC3E}">
-        <p14:creationId xmlns:p14="http://schemas.microsoft.com/office/powerpoint/2010/main" val="1412480911"/>
-      </p:ext>
-    </p:extLst>
-  </p:cSld>
-  <p:clrMapOvr>
-    <a:masterClrMapping/>
-  </p:clrMapOvr>
-</p:sld>
-</file>
-
-<file path=ppt/slides/slide20.xml><?xml version="1.0" encoding="utf-8"?>
+<file path=ppt/slides/slide21.xml><?xml version="1.0" encoding="utf-8"?>
 <p:sld xmlns:a="http://schemas.openxmlformats.org/drawingml/2006/main" xmlns:r="http://schemas.openxmlformats.org/officeDocument/2006/relationships" xmlns:p="http://schemas.openxmlformats.org/presentationml/2006/main">
   <p:cSld>
     <p:spTree>
@@ -11770,7 +12120,7 @@
 </p:sld>
 </file>
 
-<file path=ppt/slides/slide21.xml><?xml version="1.0" encoding="utf-8"?>
+<file path=ppt/slides/slide22.xml><?xml version="1.0" encoding="utf-8"?>
 <p:sld xmlns:a="http://schemas.openxmlformats.org/drawingml/2006/main" xmlns:r="http://schemas.openxmlformats.org/officeDocument/2006/relationships" xmlns:p="http://schemas.openxmlformats.org/presentationml/2006/main">
   <p:cSld>
     <p:spTree>
@@ -11855,7 +12205,7 @@
 </p:sld>
 </file>
 
-<file path=ppt/slides/slide22.xml><?xml version="1.0" encoding="utf-8"?>
+<file path=ppt/slides/slide23.xml><?xml version="1.0" encoding="utf-8"?>
 <p:sld xmlns:a="http://schemas.openxmlformats.org/drawingml/2006/main" xmlns:r="http://schemas.openxmlformats.org/officeDocument/2006/relationships" xmlns:p="http://schemas.openxmlformats.org/presentationml/2006/main">
   <p:cSld>
     <p:spTree>

--- a/slides/T319_Regressão_Linear (Parte IV).pptx
+++ b/slides/T319_Regressão_Linear (Parte IV).pptx
@@ -3437,6 +3437,37 @@
               <a:t>Com cada atributo tendo uma escala diferente, o espaço de pesos no qual os modelos estão tentando treinar pode ser altamente distorcido e complexo. Quanto mais complexo for esse espaço, mais difícil será treinar um modelo dentro dele.</a:t>
             </a:r>
           </a:p>
+          <a:p>
+            <a:endParaRPr lang="pt-BR" dirty="0"/>
+          </a:p>
+          <a:p>
+            <a:r>
+              <a:rPr lang="pt-BR" dirty="0"/>
+              <a:t>Exemplo: https://colab.research.google.com/github/zz4fap/t319_aprendizado_de_maquina/blob/main/notebooks/</a:t>
+            </a:r>
+            <a:r>
+              <a:rPr lang="pt-BR" dirty="0" err="1"/>
+              <a:t>regression</a:t>
+            </a:r>
+            <a:r>
+              <a:rPr lang="pt-BR" dirty="0"/>
+              <a:t>/</a:t>
+            </a:r>
+            <a:r>
+              <a:rPr lang="pt-BR" dirty="0" err="1"/>
+              <a:t>padronização_de_atributos_com_scikit_learn.ipynb</a:t>
+            </a:r>
+            <a:endParaRPr lang="pt-BR" dirty="0"/>
+          </a:p>
+          <a:p>
+            <a:endParaRPr lang="pt-BR" dirty="0"/>
+          </a:p>
+          <a:p>
+            <a:r>
+              <a:rPr lang="pt-BR" dirty="0"/>
+              <a:t>Exemplo: https://colab.research.google.com/github/zz4fap/t319_aprendizado_de_maquina/blob/main/notebooks/regression/escalonamento_de_atributos_com_scikit_learn.ipynb</a:t>
+            </a:r>
+          </a:p>
         </p:txBody>
       </p:sp>
       <p:sp>
@@ -7679,8 +7710,16 @@
               <a:buChar char="§"/>
             </a:pPr>
             <a:r>
-              <a:rPr lang="pt-BR" dirty="0"/>
-              <a:t>Presencialmente, faremos apenas o exercício 1.</a:t>
+              <a:rPr lang="pt-BR" b="1" dirty="0">
+                <a:solidFill>
+                  <a:srgbClr val="FFC000"/>
+                </a:solidFill>
+              </a:rPr>
+              <a:t>Presencialmente, faremos apenas o exercício 1</a:t>
+            </a:r>
+            <a:r>
+              <a:rPr lang="pt-BR" dirty="0"/>
+              <a:t>.</a:t>
             </a:r>
           </a:p>
           <a:p>
@@ -7690,7 +7729,19 @@
             </a:pPr>
             <a:r>
               <a:rPr lang="pt-BR" dirty="0"/>
-              <a:t>Os outros devem ser entregues até 13/12/2023.</a:t>
+              <a:t>Os outros devem ser entregues até </a:t>
+            </a:r>
+            <a:r>
+              <a:rPr lang="pt-BR" b="1" dirty="0">
+                <a:solidFill>
+                  <a:srgbClr val="0070C0"/>
+                </a:solidFill>
+              </a:rPr>
+              <a:t>13/12/2023</a:t>
+            </a:r>
+            <a:r>
+              <a:rPr lang="pt-BR" dirty="0"/>
+              <a:t>.</a:t>
             </a:r>
           </a:p>
           <a:p>
@@ -16582,8 +16633,8 @@
           </a:p>
         </p:txBody>
       </p:sp>
-      <mc:AlternateContent xmlns:mc="http://schemas.openxmlformats.org/markup-compatibility/2006" xmlns:a14="http://schemas.microsoft.com/office/drawing/2010/main">
-        <mc:Choice Requires="a14">
+      <mc:AlternateContent xmlns:mc="http://schemas.openxmlformats.org/markup-compatibility/2006">
+        <mc:Choice xmlns:a14="http://schemas.microsoft.com/office/drawing/2010/main" Requires="a14">
           <p:sp>
             <p:nvSpPr>
               <p:cNvPr id="3" name="Espaço Reservado para Conteúdo 2">
@@ -16602,8 +16653,8 @@
             </p:nvSpPr>
             <p:spPr>
               <a:xfrm>
-                <a:off x="4592548" y="1825624"/>
-                <a:ext cx="7428216" cy="5032375"/>
+                <a:off x="4685016" y="1825624"/>
+                <a:ext cx="7335748" cy="5032375"/>
               </a:xfrm>
             </p:spPr>
             <p:txBody>
@@ -16618,7 +16669,39 @@
                       <a:schemeClr val="tx1"/>
                     </a:solidFill>
                   </a:rPr>
-                  <a:t>Superfícies com formato de vale fazem com que a convergência do GD se torne muito lenta.</a:t>
+                  <a:t>Superfícies com </a:t>
+                </a:r>
+                <a:r>
+                  <a:rPr lang="pt-BR" b="1" i="1" dirty="0">
+                    <a:solidFill>
+                      <a:srgbClr val="7030A0"/>
+                    </a:solidFill>
+                  </a:rPr>
+                  <a:t>formato de vale </a:t>
+                </a:r>
+                <a:r>
+                  <a:rPr lang="pt-BR" dirty="0">
+                    <a:solidFill>
+                      <a:schemeClr val="tx1"/>
+                    </a:solidFill>
+                  </a:rPr>
+                  <a:t>fazem com que a </a:t>
+                </a:r>
+                <a:r>
+                  <a:rPr lang="pt-BR" b="1" i="1" dirty="0">
+                    <a:solidFill>
+                      <a:srgbClr val="7030A0"/>
+                    </a:solidFill>
+                  </a:rPr>
+                  <a:t>convergência do GD se torne muito lenta</a:t>
+                </a:r>
+                <a:r>
+                  <a:rPr lang="pt-BR" dirty="0">
+                    <a:solidFill>
+                      <a:schemeClr val="tx1"/>
+                    </a:solidFill>
+                  </a:rPr>
+                  <a:t>.</a:t>
                 </a:r>
               </a:p>
               <a:p>
@@ -16628,7 +16711,56 @@
                       <a:schemeClr val="tx1"/>
                     </a:solidFill>
                   </a:rPr>
-                  <a:t>A convergência se torna lenta devido à superfície ser </a:t>
+                  <a:t>A </a:t>
+                </a:r>
+                <a:r>
+                  <a:rPr lang="pt-BR" b="1" i="1" dirty="0">
+                    <a:solidFill>
+                      <a:srgbClr val="00B050"/>
+                    </a:solidFill>
+                  </a:rPr>
+                  <a:t>convergência</a:t>
+                </a:r>
+                <a:r>
+                  <a:rPr lang="pt-BR" dirty="0">
+                    <a:solidFill>
+                      <a:schemeClr val="tx1"/>
+                    </a:solidFill>
+                  </a:rPr>
+                  <a:t> se torna </a:t>
+                </a:r>
+                <a:r>
+                  <a:rPr lang="pt-BR" b="1" i="1" dirty="0">
+                    <a:solidFill>
+                      <a:srgbClr val="00B050"/>
+                    </a:solidFill>
+                  </a:rPr>
+                  <a:t>lenta</a:t>
+                </a:r>
+                <a:r>
+                  <a:rPr lang="pt-BR" dirty="0">
+                    <a:solidFill>
+                      <a:schemeClr val="tx1"/>
+                    </a:solidFill>
+                  </a:rPr>
+                  <a:t> </a:t>
+                </a:r>
+                <a:r>
+                  <a:rPr lang="pt-BR" b="1" i="1" dirty="0">
+                    <a:solidFill>
+                      <a:srgbClr val="00B050"/>
+                    </a:solidFill>
+                  </a:rPr>
+                  <a:t>devido à superfície ser </a:t>
+                </a:r>
+                <a:r>
+                  <a:rPr lang="pt-BR" b="1" i="1" dirty="0">
+                    <a:solidFill>
+                      <a:srgbClr val="00B050"/>
+                    </a:solidFill>
+                    <a:effectLst/>
+                  </a:rPr>
+                  <a:t>plana ou quase plana </a:t>
                 </a:r>
                 <a:r>
                   <a:rPr lang="pt-BR" b="0" i="0" dirty="0">
@@ -16637,7 +16769,7 @@
                     </a:solidFill>
                     <a:effectLst/>
                   </a:rPr>
-                  <a:t>plana ou quase plana em algumas direções (i.e., inclinação </a:t>
+                  <a:t>em algumas direções (i.e., inclinação </a:t>
                 </a:r>
                 <a14:m>
                   <m:oMath xmlns:m="http://schemas.openxmlformats.org/officeDocument/2006/math">
@@ -16672,7 +16804,61 @@
                     </a:solidFill>
                     <a:effectLst/>
                   </a:rPr>
-                  <a:t>Nessas regiões, o gradiente da função de erro é muito pequeno, tornando as atualizações dos pesos, consequentemente, muito pequenas nessas direções.</a:t>
+                  <a:t>Nessas direções, o </a:t>
+                </a:r>
+                <a:r>
+                  <a:rPr lang="pt-BR" b="1" i="1" dirty="0">
+                    <a:solidFill>
+                      <a:srgbClr val="00B050"/>
+                    </a:solidFill>
+                    <a:effectLst/>
+                  </a:rPr>
+                  <a:t>gradiente da função de erro é muito pequeno</a:t>
+                </a:r>
+                <a:r>
+                  <a:rPr lang="pt-BR" b="0" i="0" dirty="0">
+                    <a:solidFill>
+                      <a:schemeClr val="tx1"/>
+                    </a:solidFill>
+                    <a:effectLst/>
+                  </a:rPr>
+                  <a:t>, tornando as </a:t>
+                </a:r>
+                <a:r>
+                  <a:rPr lang="pt-BR" b="1" i="1" dirty="0">
+                    <a:solidFill>
+                      <a:srgbClr val="7030A0"/>
+                    </a:solidFill>
+                    <a:effectLst/>
+                  </a:rPr>
+                  <a:t>atualizações dos pesos</a:t>
+                </a:r>
+                <a:r>
+                  <a:rPr lang="pt-BR" b="0" i="0" dirty="0">
+                    <a:solidFill>
+                      <a:schemeClr val="tx1"/>
+                    </a:solidFill>
+                    <a:effectLst/>
+                  </a:rPr>
+                  <a:t>, consequentemente, </a:t>
+                </a:r>
+                <a:r>
+                  <a:rPr lang="pt-BR" b="1" i="1" dirty="0">
+                    <a:solidFill>
+                      <a:srgbClr val="7030A0"/>
+                    </a:solidFill>
+                    <a:effectLst/>
+                  </a:rPr>
+                  <a:t>muito pequenas</a:t>
+                </a:r>
+                <a:r>
+                  <a:rPr lang="pt-BR" b="0" i="0" dirty="0">
+                    <a:solidFill>
+                      <a:schemeClr val="tx1"/>
+                    </a:solidFill>
+                    <a:effectLst/>
+                  </a:rPr>
+                  <a:t>.</a:t>
                 </a:r>
               </a:p>
               <a:p>
@@ -16721,7 +16907,7 @@
             </p:txBody>
           </p:sp>
         </mc:Choice>
-        <mc:Fallback xmlns="">
+        <mc:Fallback>
           <p:sp>
             <p:nvSpPr>
               <p:cNvPr id="3" name="Espaço Reservado para Conteúdo 2">
@@ -16740,13 +16926,13 @@
             </p:nvSpPr>
             <p:spPr>
               <a:xfrm>
-                <a:off x="4592548" y="1825624"/>
-                <a:ext cx="7428216" cy="5032375"/>
+                <a:off x="4685016" y="1825624"/>
+                <a:ext cx="7335748" cy="5032375"/>
               </a:xfrm>
               <a:blipFill>
                 <a:blip r:embed="rId3"/>
                 <a:stretch>
-                  <a:fillRect l="-1477" t="-2663" r="-1641" b="-1211"/>
+                  <a:fillRect l="-1496" t="-2663" r="-2494" b="-1211"/>
                 </a:stretch>
               </a:blipFill>
             </p:spPr>
@@ -16779,7 +16965,7 @@
         </p:nvGrpSpPr>
         <p:grpSpPr>
           <a:xfrm>
-            <a:off x="322915" y="1546852"/>
+            <a:off x="641410" y="1546852"/>
             <a:ext cx="3379676" cy="2590140"/>
             <a:chOff x="5469355" y="3991752"/>
             <a:chExt cx="3379676" cy="2590140"/>
@@ -16871,7 +17057,7 @@
         </p:nvGrpSpPr>
         <p:grpSpPr>
           <a:xfrm>
-            <a:off x="874630" y="4268960"/>
+            <a:off x="1193125" y="4268960"/>
             <a:ext cx="2440348" cy="2506846"/>
             <a:chOff x="9133490" y="4062076"/>
             <a:chExt cx="2440348" cy="2506846"/>
@@ -17093,18 +17279,26 @@
           <a:p>
             <a:r>
               <a:rPr lang="pt-BR" dirty="0"/>
-              <a:t>Para evitar esse problema, o intervalo de variação de todos os </a:t>
-            </a:r>
-            <a:r>
-              <a:rPr lang="pt-BR" b="1" i="1" dirty="0"/>
-              <a:t>atributos</a:t>
-            </a:r>
-            <a:r>
-              <a:rPr lang="pt-BR" dirty="0"/>
-              <a:t> pode ser </a:t>
-            </a:r>
-            <a:r>
-              <a:rPr lang="pt-BR" b="1" i="1" dirty="0"/>
+              <a:t>Para evitar esse problema, o </a:t>
+            </a:r>
+            <a:r>
+              <a:rPr lang="pt-BR" b="1" i="1" dirty="0">
+                <a:solidFill>
+                  <a:srgbClr val="7030A0"/>
+                </a:solidFill>
+              </a:rPr>
+              <a:t>intervalo de variação de todos os atributos </a:t>
+            </a:r>
+            <a:r>
+              <a:rPr lang="pt-BR" dirty="0"/>
+              <a:t>pode ser </a:t>
+            </a:r>
+            <a:r>
+              <a:rPr lang="pt-BR" b="1" i="1" dirty="0">
+                <a:solidFill>
+                  <a:srgbClr val="00B050"/>
+                </a:solidFill>
+              </a:rPr>
               <a:t>escalonado</a:t>
             </a:r>
             <a:r>
@@ -17167,7 +17361,19 @@
             </a:r>
             <a:r>
               <a:rPr lang="pt-BR" dirty="0"/>
-              <a:t>.: Aplicamos o escalonamento apenas aos atributos e não aos rótulos.</a:t>
+              <a:t>.: Aplicamos o escalonamento </a:t>
+            </a:r>
+            <a:r>
+              <a:rPr lang="pt-BR" b="1" i="1" dirty="0">
+                <a:solidFill>
+                  <a:srgbClr val="00B050"/>
+                </a:solidFill>
+              </a:rPr>
+              <a:t>apenas aos atributos </a:t>
+            </a:r>
+            <a:r>
+              <a:rPr lang="pt-BR" dirty="0"/>
+              <a:t>e não aos rótulos.</a:t>
             </a:r>
           </a:p>
         </p:txBody>
@@ -17224,8 +17430,8 @@
           </a:p>
         </p:txBody>
       </p:sp>
-      <mc:AlternateContent xmlns:mc="http://schemas.openxmlformats.org/markup-compatibility/2006" xmlns:a14="http://schemas.microsoft.com/office/drawing/2010/main">
-        <mc:Choice Requires="a14">
+      <mc:AlternateContent xmlns:mc="http://schemas.openxmlformats.org/markup-compatibility/2006">
+        <mc:Choice xmlns:a14="http://schemas.microsoft.com/office/drawing/2010/main" Requires="a14">
           <p:sp>
             <p:nvSpPr>
               <p:cNvPr id="3" name="Content Placeholder 2"/>
@@ -17258,7 +17464,19 @@
                 </a:r>
                 <a:r>
                   <a:rPr lang="pt-BR" dirty="0"/>
-                  <a:t>faz com que os atributos variem entre 0 e 1, mas pode-se definir outros intervalos.</a:t>
+                  <a:t>faz com que os </a:t>
+                </a:r>
+                <a:r>
+                  <a:rPr lang="pt-BR" b="1" i="1" dirty="0">
+                    <a:solidFill>
+                      <a:srgbClr val="00B050"/>
+                    </a:solidFill>
+                  </a:rPr>
+                  <a:t>atributos variem entre 0 e 1</a:t>
+                </a:r>
+                <a:r>
+                  <a:rPr lang="pt-BR" dirty="0"/>
+                  <a:t>, mas pode-se definir outros intervalos.</a:t>
                 </a:r>
               </a:p>
               <a:p>
@@ -17266,6 +17484,12 @@
                   <a:rPr lang="pt-BR" dirty="0"/>
                   <a:t>A equação usada para normalizar os atributos é apresentada abaixo.</a:t>
                 </a:r>
+              </a:p>
+              <a:p>
+                <a:pPr marL="0" indent="0">
+                  <a:buNone/>
+                </a:pPr>
+                <a:endParaRPr lang="pt-BR" sz="800" dirty="0"/>
               </a:p>
               <a:p>
                 <a:pPr marL="0" indent="0">
@@ -17879,7 +18103,7 @@
             </p:txBody>
           </p:sp>
         </mc:Choice>
-        <mc:Fallback xmlns="">
+        <mc:Fallback>
           <p:sp>
             <p:nvSpPr>
               <p:cNvPr id="3" name="Content Placeholder 2"/>
@@ -17898,7 +18122,7 @@
               <a:blipFill>
                 <a:blip r:embed="rId3"/>
                 <a:stretch>
-                  <a:fillRect l="-1148" t="-1937" r="-492"/>
+                  <a:fillRect l="-1148" t="-1937" r="-1258"/>
                 </a:stretch>
               </a:blipFill>
             </p:spPr>
@@ -17969,8 +18193,8 @@
           </a:p>
         </p:txBody>
       </p:sp>
-      <mc:AlternateContent xmlns:mc="http://schemas.openxmlformats.org/markup-compatibility/2006" xmlns:a14="http://schemas.microsoft.com/office/drawing/2010/main">
-        <mc:Choice Requires="a14">
+      <mc:AlternateContent xmlns:mc="http://schemas.openxmlformats.org/markup-compatibility/2006">
+        <mc:Choice xmlns:a14="http://schemas.microsoft.com/office/drawing/2010/main" Requires="a14">
           <p:sp>
             <p:nvSpPr>
               <p:cNvPr id="3" name="Content Placeholder 2"/>
@@ -17999,13 +18223,37 @@
                 </a:r>
                 <a:r>
                   <a:rPr lang="pt-BR" dirty="0"/>
-                  <a:t> faz com que os atributos passem a ter média zero e desvio padrão unitário. </a:t>
+                  <a:t> faz com que os </a:t>
+                </a:r>
+                <a:r>
+                  <a:rPr lang="pt-BR" b="1" i="1" dirty="0">
+                    <a:solidFill>
+                      <a:srgbClr val="00B050"/>
+                    </a:solidFill>
+                  </a:rPr>
+                  <a:t>atributos passem a ter média zero e desvio padrão unitário</a:t>
+                </a:r>
+                <a:r>
+                  <a:rPr lang="pt-BR" dirty="0"/>
+                  <a:t>. </a:t>
                 </a:r>
               </a:p>
               <a:p>
                 <a:r>
                   <a:rPr lang="pt-BR" dirty="0"/>
-                  <a:t>Observem que, neste caso, os valores não ficam restritos a um intervalo específico.</a:t>
+                  <a:t>Observem que, neste caso, os </a:t>
+                </a:r>
+                <a:r>
+                  <a:rPr lang="pt-BR" b="1" i="1" dirty="0">
+                    <a:solidFill>
+                      <a:srgbClr val="7030A0"/>
+                    </a:solidFill>
+                  </a:rPr>
+                  <a:t>valores não ficam restritos a um intervalo específico</a:t>
+                </a:r>
+                <a:r>
+                  <a:rPr lang="pt-BR" dirty="0"/>
+                  <a:t>.</a:t>
                 </a:r>
               </a:p>
               <a:p>
@@ -18013,7 +18261,12 @@
                   <a:rPr lang="pt-BR" dirty="0"/>
                   <a:t>A equação usada para normalizar os atributos é apresentada abaixo.</a:t>
                 </a:r>
-                <a:endParaRPr lang="en-US" b="1" dirty="0"/>
+              </a:p>
+              <a:p>
+                <a:pPr marL="0" indent="0">
+                  <a:buNone/>
+                </a:pPr>
+                <a:endParaRPr lang="en-US" sz="800" b="1" dirty="0"/>
               </a:p>
               <a:p>
                 <a:pPr marL="0" indent="0">
@@ -18486,7 +18739,7 @@
             </p:txBody>
           </p:sp>
         </mc:Choice>
-        <mc:Fallback xmlns="">
+        <mc:Fallback>
           <p:sp>
             <p:nvSpPr>
               <p:cNvPr id="3" name="Content Placeholder 2"/>
@@ -18524,6 +18777,94 @@
           </p:sp>
         </mc:Fallback>
       </mc:AlternateContent>
+      <p:sp>
+        <p:nvSpPr>
+          <p:cNvPr id="5" name="CaixaDeTexto 4">
+            <a:extLst>
+              <a:ext uri="{FF2B5EF4-FFF2-40B4-BE49-F238E27FC236}">
+                <a16:creationId xmlns:a16="http://schemas.microsoft.com/office/drawing/2014/main" id="{AE74D087-87A3-14C3-0A41-BAEF04B7FBDA}"/>
+              </a:ext>
+            </a:extLst>
+          </p:cNvPr>
+          <p:cNvSpPr txBox="1"/>
+          <p:nvPr/>
+        </p:nvSpPr>
+        <p:spPr>
+          <a:xfrm>
+            <a:off x="8172237" y="6581001"/>
+            <a:ext cx="4019763" cy="276999"/>
+          </a:xfrm>
+          <a:prstGeom prst="rect">
+            <a:avLst/>
+          </a:prstGeom>
+          <a:noFill/>
+        </p:spPr>
+        <p:txBody>
+          <a:bodyPr wrap="square">
+            <a:spAutoFit/>
+          </a:bodyPr>
+          <a:lstStyle/>
+          <a:p>
+            <a:r>
+              <a:rPr lang="pt-BR" sz="1200" dirty="0">
+                <a:hlinkClick r:id="rId4"/>
+              </a:rPr>
+              <a:t>Exemplo: </a:t>
+            </a:r>
+            <a:r>
+              <a:rPr lang="pt-BR" sz="1200" dirty="0" err="1">
+                <a:hlinkClick r:id="rId4"/>
+              </a:rPr>
+              <a:t>padronização_de_atributos_com_scikit_learn.ipynb</a:t>
+            </a:r>
+            <a:endParaRPr lang="pt-BR" sz="1200" dirty="0"/>
+          </a:p>
+        </p:txBody>
+      </p:sp>
+      <p:sp>
+        <p:nvSpPr>
+          <p:cNvPr id="7" name="CaixaDeTexto 6">
+            <a:extLst>
+              <a:ext uri="{FF2B5EF4-FFF2-40B4-BE49-F238E27FC236}">
+                <a16:creationId xmlns:a16="http://schemas.microsoft.com/office/drawing/2014/main" id="{D2BD949C-005C-CCAD-F958-4D571B97A190}"/>
+              </a:ext>
+            </a:extLst>
+          </p:cNvPr>
+          <p:cNvSpPr txBox="1"/>
+          <p:nvPr/>
+        </p:nvSpPr>
+        <p:spPr>
+          <a:xfrm>
+            <a:off x="-1" y="6581001"/>
+            <a:ext cx="4194425" cy="276999"/>
+          </a:xfrm>
+          <a:prstGeom prst="rect">
+            <a:avLst/>
+          </a:prstGeom>
+          <a:noFill/>
+        </p:spPr>
+        <p:txBody>
+          <a:bodyPr wrap="square">
+            <a:spAutoFit/>
+          </a:bodyPr>
+          <a:lstStyle/>
+          <a:p>
+            <a:r>
+              <a:rPr lang="pt-BR" sz="1200" dirty="0">
+                <a:hlinkClick r:id="rId5"/>
+              </a:rPr>
+              <a:t>Exemplo: </a:t>
+            </a:r>
+            <a:r>
+              <a:rPr lang="pt-BR" sz="1200" dirty="0" err="1">
+                <a:hlinkClick r:id="rId5"/>
+              </a:rPr>
+              <a:t>escalonamento_de_atributos_com_scikit_learn.ipynb</a:t>
+            </a:r>
+            <a:endParaRPr lang="pt-BR" sz="1200" dirty="0"/>
+          </a:p>
+        </p:txBody>
+      </p:sp>
     </p:spTree>
     <p:extLst>
       <p:ext uri="{BB962C8B-B14F-4D97-AF65-F5344CB8AC3E}">

--- a/slides/T319_Regressão_Linear (Parte IV).pptx
+++ b/slides/T319_Regressão_Linear (Parte IV).pptx
@@ -5,7 +5,7 @@
     <p:sldMasterId id="2147483648" r:id="rId1"/>
   </p:sldMasterIdLst>
   <p:notesMasterIdLst>
-    <p:notesMasterId r:id="rId25"/>
+    <p:notesMasterId r:id="rId26"/>
   </p:notesMasterIdLst>
   <p:sldIdLst>
     <p:sldId id="259" r:id="rId2"/>
@@ -19,18 +19,19 @@
     <p:sldId id="521" r:id="rId10"/>
     <p:sldId id="523" r:id="rId11"/>
     <p:sldId id="524" r:id="rId12"/>
-    <p:sldId id="512" r:id="rId13"/>
+    <p:sldId id="525" r:id="rId13"/>
     <p:sldId id="471" r:id="rId14"/>
-    <p:sldId id="468" r:id="rId15"/>
-    <p:sldId id="472" r:id="rId16"/>
-    <p:sldId id="477" r:id="rId17"/>
-    <p:sldId id="474" r:id="rId18"/>
-    <p:sldId id="470" r:id="rId19"/>
-    <p:sldId id="441" r:id="rId20"/>
-    <p:sldId id="317" r:id="rId21"/>
-    <p:sldId id="332" r:id="rId22"/>
-    <p:sldId id="522" r:id="rId23"/>
-    <p:sldId id="475" r:id="rId24"/>
+    <p:sldId id="526" r:id="rId15"/>
+    <p:sldId id="468" r:id="rId16"/>
+    <p:sldId id="472" r:id="rId17"/>
+    <p:sldId id="477" r:id="rId18"/>
+    <p:sldId id="474" r:id="rId19"/>
+    <p:sldId id="470" r:id="rId20"/>
+    <p:sldId id="441" r:id="rId21"/>
+    <p:sldId id="317" r:id="rId22"/>
+    <p:sldId id="332" r:id="rId23"/>
+    <p:sldId id="522" r:id="rId24"/>
+    <p:sldId id="475" r:id="rId25"/>
   </p:sldIdLst>
   <p:sldSz cx="12192000" cy="6858000"/>
   <p:notesSz cx="6858000" cy="9144000"/>
@@ -1291,7 +1292,7 @@
           <a:p>
             <a:fld id="{DA8B99DF-01BC-492A-8CEF-4FD88D18DD9D}" type="slidenum">
               <a:rPr lang="nl-BE" smtClean="0"/>
-              <a:t>14</a:t>
+              <a:t>15</a:t>
             </a:fld>
             <a:endParaRPr lang="nl-BE"/>
           </a:p>
@@ -1459,7 +1460,7 @@
           <a:p>
             <a:fld id="{DA8B99DF-01BC-492A-8CEF-4FD88D18DD9D}" type="slidenum">
               <a:rPr lang="nl-BE" smtClean="0"/>
-              <a:t>16</a:t>
+              <a:t>17</a:t>
             </a:fld>
             <a:endParaRPr lang="nl-BE"/>
           </a:p>
@@ -2252,7 +2253,7 @@
           <a:p>
             <a:fld id="{DA8B99DF-01BC-492A-8CEF-4FD88D18DD9D}" type="slidenum">
               <a:rPr lang="nl-BE" smtClean="0"/>
-              <a:t>17</a:t>
+              <a:t>18</a:t>
             </a:fld>
             <a:endParaRPr lang="nl-BE"/>
           </a:p>
@@ -2336,7 +2337,7 @@
           <a:p>
             <a:fld id="{DA8B99DF-01BC-492A-8CEF-4FD88D18DD9D}" type="slidenum">
               <a:rPr lang="nl-BE" smtClean="0"/>
-              <a:t>18</a:t>
+              <a:t>19</a:t>
             </a:fld>
             <a:endParaRPr lang="nl-BE"/>
           </a:p>
@@ -2469,7 +2470,7 @@
           <a:p>
             <a:fld id="{DA8B99DF-01BC-492A-8CEF-4FD88D18DD9D}" type="slidenum">
               <a:rPr lang="nl-BE" smtClean="0"/>
-              <a:t>19</a:t>
+              <a:t>20</a:t>
             </a:fld>
             <a:endParaRPr lang="nl-BE"/>
           </a:p>
@@ -7849,35 +7850,10 @@
       </p:grpSpPr>
       <p:sp>
         <p:nvSpPr>
-          <p:cNvPr id="2" name="Título 1">
-            <a:extLst>
-              <a:ext uri="{FF2B5EF4-FFF2-40B4-BE49-F238E27FC236}">
-                <a16:creationId xmlns:a16="http://schemas.microsoft.com/office/drawing/2014/main" id="{0AD3E3EF-6AF8-0DAA-8DA2-9B7477F11130}"/>
-              </a:ext>
-            </a:extLst>
-          </p:cNvPr>
-          <p:cNvSpPr>
-            <a:spLocks noGrp="1"/>
-          </p:cNvSpPr>
-          <p:nvPr>
-            <p:ph type="title"/>
-          </p:nvPr>
-        </p:nvSpPr>
-        <p:spPr/>
-        <p:txBody>
-          <a:bodyPr/>
-          <a:lstStyle/>
-          <a:p>
-            <a:endParaRPr lang="pt-BR"/>
-          </a:p>
-        </p:txBody>
-      </p:sp>
-      <p:sp>
-        <p:nvSpPr>
           <p:cNvPr id="3" name="Espaço Reservado para Conteúdo 2">
             <a:extLst>
               <a:ext uri="{FF2B5EF4-FFF2-40B4-BE49-F238E27FC236}">
-                <a16:creationId xmlns:a16="http://schemas.microsoft.com/office/drawing/2014/main" id="{45145571-FACA-B92E-A425-F1D082931A57}"/>
+                <a16:creationId xmlns:a16="http://schemas.microsoft.com/office/drawing/2014/main" id="{F1FE5A28-1E1B-635A-C058-06D29085DA81}"/>
               </a:ext>
             </a:extLst>
           </p:cNvPr>
@@ -7888,19 +7864,84 @@
             <p:ph idx="1"/>
           </p:nvPr>
         </p:nvSpPr>
-        <p:spPr/>
+        <p:spPr>
+          <a:xfrm>
+            <a:off x="280827" y="1945668"/>
+            <a:ext cx="11630345" cy="2966664"/>
+          </a:xfrm>
+        </p:spPr>
         <p:txBody>
-          <a:bodyPr/>
+          <a:bodyPr>
+            <a:normAutofit/>
+          </a:bodyPr>
           <a:lstStyle/>
           <a:p>
-            <a:endParaRPr lang="pt-BR"/>
+            <a:pPr marL="0" indent="0" algn="ctr">
+              <a:buNone/>
+            </a:pPr>
+            <a:r>
+              <a:rPr lang="pt-BR" sz="4000" dirty="0"/>
+              <a:t>Até agora, usamos</a:t>
+            </a:r>
+            <a:r>
+              <a:rPr lang="pt-BR" sz="4000" b="1" dirty="0"/>
+              <a:t> </a:t>
+            </a:r>
+            <a:r>
+              <a:rPr lang="pt-BR" sz="4000" b="1" i="1" dirty="0">
+                <a:solidFill>
+                  <a:srgbClr val="00B050"/>
+                </a:solidFill>
+              </a:rPr>
+              <a:t>funções hipóteses com formato de hiperplanos</a:t>
+            </a:r>
+            <a:r>
+              <a:rPr lang="pt-BR" sz="4000" dirty="0"/>
+              <a:t>, e.g., retas e planos, mas e se os </a:t>
+            </a:r>
+            <a:r>
+              <a:rPr lang="pt-BR" sz="4000" b="1" i="1" dirty="0">
+                <a:solidFill>
+                  <a:srgbClr val="7030A0"/>
+                </a:solidFill>
+              </a:rPr>
+              <a:t>dados</a:t>
+            </a:r>
+            <a:r>
+              <a:rPr lang="pt-BR" sz="4000" dirty="0"/>
+              <a:t> aos quais nós queremos </a:t>
+            </a:r>
+            <a:r>
+              <a:rPr lang="pt-BR" sz="4000" b="1" i="1" dirty="0">
+                <a:solidFill>
+                  <a:srgbClr val="7030A0"/>
+                </a:solidFill>
+              </a:rPr>
+              <a:t>ajustar uma função hipótese </a:t>
+            </a:r>
+            <a:r>
+              <a:rPr lang="pt-BR" sz="4000" dirty="0"/>
+              <a:t>tiverem um </a:t>
+            </a:r>
+            <a:r>
+              <a:rPr lang="pt-BR" sz="4000" b="1" i="1" dirty="0">
+                <a:solidFill>
+                  <a:srgbClr val="7030A0"/>
+                </a:solidFill>
+              </a:rPr>
+              <a:t>formato mais complexo do que uma simples linha reta ou plano</a:t>
+            </a:r>
+            <a:r>
+              <a:rPr lang="pt-BR" sz="4000" dirty="0"/>
+              <a:t>?</a:t>
+            </a:r>
           </a:p>
         </p:txBody>
       </p:sp>
     </p:spTree>
     <p:extLst>
       <p:ext uri="{BB962C8B-B14F-4D97-AF65-F5344CB8AC3E}">
-        <p14:creationId xmlns:p14="http://schemas.microsoft.com/office/powerpoint/2010/main" val="2779729031"/>
+        <p14:creationId xmlns:p14="http://schemas.microsoft.com/office/powerpoint/2010/main" val="498867658"/>
       </p:ext>
     </p:extLst>
   </p:cSld>
@@ -7944,7 +7985,7 @@
           <a:p>
             <a:r>
               <a:rPr lang="pt-BR" dirty="0"/>
-              <a:t>Regressão Polinomial: Motivação</a:t>
+              <a:t>Mapeamentos não lineares</a:t>
             </a:r>
           </a:p>
         </p:txBody>
@@ -7962,46 +8003,42 @@
         <p:spPr>
           <a:xfrm>
             <a:off x="838199" y="1825623"/>
-            <a:ext cx="10881049" cy="2454547"/>
+            <a:ext cx="11069549" cy="2633361"/>
           </a:xfrm>
         </p:spPr>
         <p:txBody>
           <a:bodyPr>
-            <a:normAutofit fontScale="92500" lnSpcReduction="20000"/>
+            <a:normAutofit/>
           </a:bodyPr>
           <a:lstStyle/>
           <a:p>
             <a:r>
               <a:rPr lang="pt-BR" dirty="0"/>
-              <a:t>Até agora, </a:t>
-            </a:r>
-            <a:r>
-              <a:rPr lang="pt-BR" b="1" i="1" dirty="0"/>
-              <a:t>usamos funções hipóteses com formato de hiperplanos</a:t>
-            </a:r>
-            <a:r>
-              <a:rPr lang="pt-BR" dirty="0"/>
-              <a:t>, e.g., retas e planos, mas e se os </a:t>
-            </a:r>
-            <a:r>
-              <a:rPr lang="pt-BR" b="1" i="1" dirty="0"/>
-              <a:t>dados tiverem um formato mais complexo </a:t>
-            </a:r>
-            <a:r>
-              <a:rPr lang="pt-BR" dirty="0"/>
-              <a:t>do que uma simples linha reta ou plano?</a:t>
-            </a:r>
-          </a:p>
-          <a:p>
-            <a:r>
-              <a:rPr lang="pt-BR" dirty="0"/>
-              <a:t>Como encontraríamos um modelo que aproxime as funções abaixo?</a:t>
-            </a:r>
-          </a:p>
-          <a:p>
-            <a:r>
-              <a:rPr lang="pt-BR" dirty="0"/>
-              <a:t>Uma reta claramente não seria uma boa escolha. </a:t>
+              <a:t>Observem as figuras abaixo, uma </a:t>
+            </a:r>
+            <a:r>
+              <a:rPr lang="pt-BR" b="1" i="1" dirty="0">
+                <a:solidFill>
+                  <a:srgbClr val="7030A0"/>
+                </a:solidFill>
+              </a:rPr>
+              <a:t>reta</a:t>
+            </a:r>
+            <a:r>
+              <a:rPr lang="pt-BR" dirty="0"/>
+              <a:t> claramente </a:t>
+            </a:r>
+            <a:r>
+              <a:rPr lang="pt-BR" b="1" i="1" dirty="0">
+                <a:solidFill>
+                  <a:srgbClr val="7030A0"/>
+                </a:solidFill>
+              </a:rPr>
+              <a:t>não seria uma boa escolha para aproximar esses mapeamentos</a:t>
+            </a:r>
+            <a:r>
+              <a:rPr lang="pt-BR" dirty="0"/>
+              <a:t>. </a:t>
             </a:r>
           </a:p>
           <a:p>
@@ -8010,86 +8047,173 @@
               <a:buChar char="§"/>
             </a:pPr>
             <a:r>
-              <a:rPr lang="pt-BR" b="1" i="1" dirty="0"/>
-              <a:t>Uma reta não capturaria o comportamento das funções abaixo</a:t>
-            </a:r>
-            <a:r>
-              <a:rPr lang="pt-BR" dirty="0"/>
-              <a:t>, pois ela não tem complexidade (i.e., graus de liberdade) o suficiente para isso.</a:t>
-            </a:r>
-          </a:p>
-          <a:p>
-            <a:endParaRPr lang="pt-BR" dirty="0"/>
+              <a:rPr lang="pt-BR" b="1" i="1" dirty="0">
+                <a:solidFill>
+                  <a:srgbClr val="00B050"/>
+                </a:solidFill>
+              </a:rPr>
+              <a:t>Retas não capturariam o comportamento das funções abaixo</a:t>
+            </a:r>
+            <a:r>
+              <a:rPr lang="pt-BR" dirty="0"/>
+              <a:t>, pois elas não têm complexidade (i.e., graus de liberdade) o suficiente para isso.</a:t>
+            </a:r>
+          </a:p>
+          <a:p>
+            <a:r>
+              <a:rPr lang="pt-BR" dirty="0"/>
+              <a:t>Que tipo de função hipótese seria </a:t>
+            </a:r>
+            <a:r>
+              <a:rPr lang="pt-BR"/>
+              <a:t>mais apropriada para aproximar </a:t>
+            </a:r>
+            <a:r>
+              <a:rPr lang="pt-BR" dirty="0"/>
+              <a:t>os comportamentos abaixo?</a:t>
+            </a:r>
           </a:p>
         </p:txBody>
       </p:sp>
       <p:pic>
         <p:nvPicPr>
-          <p:cNvPr id="5" name="Picture 4"/>
+          <p:cNvPr id="1026" name="Picture 2">
+            <a:extLst>
+              <a:ext uri="{FF2B5EF4-FFF2-40B4-BE49-F238E27FC236}">
+                <a16:creationId xmlns:a16="http://schemas.microsoft.com/office/drawing/2014/main" id="{06837711-F344-71F7-05F7-6D7544B9B41D}"/>
+              </a:ext>
+            </a:extLst>
+          </p:cNvPr>
           <p:cNvPicPr>
-            <a:picLocks noChangeAspect="1"/>
+            <a:picLocks noChangeAspect="1" noChangeArrowheads="1"/>
           </p:cNvPicPr>
           <p:nvPr/>
         </p:nvPicPr>
-        <p:blipFill rotWithShape="1">
-          <a:blip r:embed="rId3"/>
-          <a:srcRect l="7137" t="6054" r="8725" b="4240"/>
-          <a:stretch/>
+        <p:blipFill>
+          <a:blip r:embed="rId3">
+            <a:extLst>
+              <a:ext uri="{28A0092B-C50C-407E-A947-70E740481C1C}">
+                <a14:useLocalDpi xmlns:a14="http://schemas.microsoft.com/office/drawing/2010/main" val="0"/>
+              </a:ext>
+            </a:extLst>
+          </a:blip>
+          <a:srcRect/>
+          <a:stretch>
+            <a:fillRect/>
+          </a:stretch>
         </p:blipFill>
-        <p:spPr>
+        <p:spPr bwMode="auto">
           <a:xfrm>
-            <a:off x="4741404" y="4122790"/>
-            <a:ext cx="2840496" cy="2649939"/>
+            <a:off x="4648761" y="4345968"/>
+            <a:ext cx="3259317" cy="2512031"/>
           </a:xfrm>
           <a:prstGeom prst="rect">
             <a:avLst/>
           </a:prstGeom>
+          <a:noFill/>
+          <a:extLst>
+            <a:ext uri="{909E8E84-426E-40DD-AFC4-6F175D3DCCD1}">
+              <a14:hiddenFill xmlns:a14="http://schemas.microsoft.com/office/drawing/2010/main">
+                <a:solidFill>
+                  <a:srgbClr val="FFFFFF"/>
+                </a:solidFill>
+              </a14:hiddenFill>
+            </a:ext>
+          </a:extLst>
         </p:spPr>
       </p:pic>
       <p:pic>
         <p:nvPicPr>
-          <p:cNvPr id="6" name="Picture 5"/>
+          <p:cNvPr id="1028" name="Picture 4">
+            <a:extLst>
+              <a:ext uri="{FF2B5EF4-FFF2-40B4-BE49-F238E27FC236}">
+                <a16:creationId xmlns:a16="http://schemas.microsoft.com/office/drawing/2014/main" id="{A3D394B0-10D0-D352-0C0A-DA9D937B409D}"/>
+              </a:ext>
+            </a:extLst>
+          </p:cNvPr>
           <p:cNvPicPr>
-            <a:picLocks noChangeAspect="1"/>
+            <a:picLocks noChangeAspect="1" noChangeArrowheads="1"/>
           </p:cNvPicPr>
           <p:nvPr/>
         </p:nvPicPr>
-        <p:blipFill rotWithShape="1">
-          <a:blip r:embed="rId4"/>
-          <a:srcRect l="6034" t="6298" r="7846" b="3500"/>
-          <a:stretch/>
+        <p:blipFill>
+          <a:blip r:embed="rId4">
+            <a:extLst>
+              <a:ext uri="{28A0092B-C50C-407E-A947-70E740481C1C}">
+                <a14:useLocalDpi xmlns:a14="http://schemas.microsoft.com/office/drawing/2010/main" val="0"/>
+              </a:ext>
+            </a:extLst>
+          </a:blip>
+          <a:srcRect/>
+          <a:stretch>
+            <a:fillRect/>
+          </a:stretch>
         </p:blipFill>
-        <p:spPr>
+        <p:spPr bwMode="auto">
           <a:xfrm>
-            <a:off x="972766" y="4122790"/>
-            <a:ext cx="2911063" cy="2649939"/>
+            <a:off x="963027" y="4345968"/>
+            <a:ext cx="3320895" cy="2512031"/>
           </a:xfrm>
           <a:prstGeom prst="rect">
             <a:avLst/>
           </a:prstGeom>
+          <a:noFill/>
+          <a:extLst>
+            <a:ext uri="{909E8E84-426E-40DD-AFC4-6F175D3DCCD1}">
+              <a14:hiddenFill xmlns:a14="http://schemas.microsoft.com/office/drawing/2010/main">
+                <a:solidFill>
+                  <a:srgbClr val="FFFFFF"/>
+                </a:solidFill>
+              </a14:hiddenFill>
+            </a:ext>
+          </a:extLst>
         </p:spPr>
       </p:pic>
       <p:pic>
         <p:nvPicPr>
-          <p:cNvPr id="7" name="Picture 6"/>
+          <p:cNvPr id="1030" name="Picture 6">
+            <a:extLst>
+              <a:ext uri="{FF2B5EF4-FFF2-40B4-BE49-F238E27FC236}">
+                <a16:creationId xmlns:a16="http://schemas.microsoft.com/office/drawing/2014/main" id="{5E8EF3A6-1C86-F66B-A540-C6751A783D0A}"/>
+              </a:ext>
+            </a:extLst>
+          </p:cNvPr>
           <p:cNvPicPr>
-            <a:picLocks noChangeAspect="1"/>
+            <a:picLocks noChangeAspect="1" noChangeArrowheads="1"/>
           </p:cNvPicPr>
           <p:nvPr/>
         </p:nvPicPr>
-        <p:blipFill rotWithShape="1">
-          <a:blip r:embed="rId5"/>
-          <a:srcRect l="6034" t="6628" r="8132" b="3829"/>
-          <a:stretch/>
+        <p:blipFill>
+          <a:blip r:embed="rId5">
+            <a:extLst>
+              <a:ext uri="{28A0092B-C50C-407E-A947-70E740481C1C}">
+                <a14:useLocalDpi xmlns:a14="http://schemas.microsoft.com/office/drawing/2010/main" val="0"/>
+              </a:ext>
+            </a:extLst>
+          </a:blip>
+          <a:srcRect/>
+          <a:stretch>
+            <a:fillRect/>
+          </a:stretch>
         </p:blipFill>
-        <p:spPr>
+        <p:spPr bwMode="auto">
           <a:xfrm>
-            <a:off x="8443565" y="4123053"/>
-            <a:ext cx="2928972" cy="2655602"/>
+            <a:off x="8273565" y="4345968"/>
+            <a:ext cx="3276563" cy="2512031"/>
           </a:xfrm>
           <a:prstGeom prst="rect">
             <a:avLst/>
           </a:prstGeom>
+          <a:noFill/>
+          <a:extLst>
+            <a:ext uri="{909E8E84-426E-40DD-AFC4-6F175D3DCCD1}">
+              <a14:hiddenFill xmlns:a14="http://schemas.microsoft.com/office/drawing/2010/main">
+                <a:solidFill>
+                  <a:srgbClr val="FFFFFF"/>
+                </a:solidFill>
+              </a14:hiddenFill>
+            </a:ext>
+          </a:extLst>
         </p:spPr>
       </p:pic>
     </p:spTree>
@@ -8106,6 +8230,86 @@
 </file>
 
 <file path=ppt/slides/slide14.xml><?xml version="1.0" encoding="utf-8"?>
+<p:sld xmlns:a="http://schemas.openxmlformats.org/drawingml/2006/main" xmlns:r="http://schemas.openxmlformats.org/officeDocument/2006/relationships" xmlns:p="http://schemas.openxmlformats.org/presentationml/2006/main">
+  <p:cSld>
+    <p:spTree>
+      <p:nvGrpSpPr>
+        <p:cNvPr id="1" name=""/>
+        <p:cNvGrpSpPr/>
+        <p:nvPr/>
+      </p:nvGrpSpPr>
+      <p:grpSpPr>
+        <a:xfrm>
+          <a:off x="0" y="0"/>
+          <a:ext cx="0" cy="0"/>
+          <a:chOff x="0" y="0"/>
+          <a:chExt cx="0" cy="0"/>
+        </a:xfrm>
+      </p:grpSpPr>
+      <p:sp>
+        <p:nvSpPr>
+          <p:cNvPr id="2" name="Título 1">
+            <a:extLst>
+              <a:ext uri="{FF2B5EF4-FFF2-40B4-BE49-F238E27FC236}">
+                <a16:creationId xmlns:a16="http://schemas.microsoft.com/office/drawing/2014/main" id="{21F56071-21E1-357F-4173-B56206620D05}"/>
+              </a:ext>
+            </a:extLst>
+          </p:cNvPr>
+          <p:cNvSpPr>
+            <a:spLocks noGrp="1"/>
+          </p:cNvSpPr>
+          <p:nvPr>
+            <p:ph type="title"/>
+          </p:nvPr>
+        </p:nvSpPr>
+        <p:spPr/>
+        <p:txBody>
+          <a:bodyPr/>
+          <a:lstStyle/>
+          <a:p>
+            <a:endParaRPr lang="pt-BR"/>
+          </a:p>
+        </p:txBody>
+      </p:sp>
+      <p:sp>
+        <p:nvSpPr>
+          <p:cNvPr id="3" name="Espaço Reservado para Conteúdo 2">
+            <a:extLst>
+              <a:ext uri="{FF2B5EF4-FFF2-40B4-BE49-F238E27FC236}">
+                <a16:creationId xmlns:a16="http://schemas.microsoft.com/office/drawing/2014/main" id="{3D00CBD0-9559-9C3D-3D01-45F852EF7362}"/>
+              </a:ext>
+            </a:extLst>
+          </p:cNvPr>
+          <p:cNvSpPr>
+            <a:spLocks noGrp="1"/>
+          </p:cNvSpPr>
+          <p:nvPr>
+            <p:ph idx="1"/>
+          </p:nvPr>
+        </p:nvSpPr>
+        <p:spPr/>
+        <p:txBody>
+          <a:bodyPr/>
+          <a:lstStyle/>
+          <a:p>
+            <a:endParaRPr lang="pt-BR"/>
+          </a:p>
+        </p:txBody>
+      </p:sp>
+    </p:spTree>
+    <p:extLst>
+      <p:ext uri="{BB962C8B-B14F-4D97-AF65-F5344CB8AC3E}">
+        <p14:creationId xmlns:p14="http://schemas.microsoft.com/office/powerpoint/2010/main" val="3064351796"/>
+      </p:ext>
+    </p:extLst>
+  </p:cSld>
+  <p:clrMapOvr>
+    <a:masterClrMapping/>
+  </p:clrMapOvr>
+</p:sld>
+</file>
+
+<file path=ppt/slides/slide15.xml><?xml version="1.0" encoding="utf-8"?>
 <p:sld xmlns:a="http://schemas.openxmlformats.org/drawingml/2006/main" xmlns:r="http://schemas.openxmlformats.org/officeDocument/2006/relationships" xmlns:p="http://schemas.openxmlformats.org/presentationml/2006/main">
   <p:cSld>
     <p:spTree>
@@ -9250,7 +9454,7 @@
 </p:sld>
 </file>
 
-<file path=ppt/slides/slide15.xml><?xml version="1.0" encoding="utf-8"?>
+<file path=ppt/slides/slide16.xml><?xml version="1.0" encoding="utf-8"?>
 <p:sld xmlns:a="http://schemas.openxmlformats.org/drawingml/2006/main" xmlns:r="http://schemas.openxmlformats.org/officeDocument/2006/relationships" xmlns:p="http://schemas.openxmlformats.org/presentationml/2006/main">
   <p:cSld>
     <p:spTree>
@@ -10067,8 +10271,8 @@
         </p:nvSpPr>
         <p:spPr>
           <a:xfrm>
-            <a:off x="8664709" y="6519446"/>
-            <a:ext cx="3381375" cy="338554"/>
+            <a:off x="9585958" y="6581001"/>
+            <a:ext cx="2606042" cy="276999"/>
           </a:xfrm>
           <a:prstGeom prst="rect">
             <a:avLst/>
@@ -10083,7 +10287,7 @@
           <a:p>
             <a:pPr algn="ctr"/>
             <a:r>
-              <a:rPr lang="pt-BR" sz="1600" dirty="0">
+              <a:rPr lang="pt-BR" sz="1200" dirty="0">
                 <a:solidFill>
                   <a:srgbClr val="00B0F0"/>
                 </a:solidFill>
@@ -10091,7 +10295,7 @@
               </a:rPr>
               <a:t>Exemplo: polynomial_regression.ipynb</a:t>
             </a:r>
-            <a:endParaRPr lang="pt-BR" sz="1600" dirty="0">
+            <a:endParaRPr lang="pt-BR" sz="1200" dirty="0">
               <a:solidFill>
                 <a:srgbClr val="00B0F0"/>
               </a:solidFill>
@@ -10112,7 +10316,7 @@
 </p:sld>
 </file>
 
-<file path=ppt/slides/slide16.xml><?xml version="1.0" encoding="utf-8"?>
+<file path=ppt/slides/slide17.xml><?xml version="1.0" encoding="utf-8"?>
 <p:sld xmlns:a="http://schemas.openxmlformats.org/drawingml/2006/main" xmlns:r="http://schemas.openxmlformats.org/officeDocument/2006/relationships" xmlns:p="http://schemas.openxmlformats.org/presentationml/2006/main">
   <p:cSld>
     <p:spTree>
@@ -10650,7 +10854,7 @@
 </p:sld>
 </file>
 
-<file path=ppt/slides/slide17.xml><?xml version="1.0" encoding="utf-8"?>
+<file path=ppt/slides/slide18.xml><?xml version="1.0" encoding="utf-8"?>
 <p:sld xmlns:a="http://schemas.openxmlformats.org/drawingml/2006/main" xmlns:r="http://schemas.openxmlformats.org/officeDocument/2006/relationships" xmlns:p="http://schemas.openxmlformats.org/presentationml/2006/main">
   <p:cSld>
     <p:spTree>
@@ -11021,7 +11225,7 @@
 </p:sld>
 </file>
 
-<file path=ppt/slides/slide18.xml><?xml version="1.0" encoding="utf-8"?>
+<file path=ppt/slides/slide19.xml><?xml version="1.0" encoding="utf-8"?>
 <p:sld xmlns:a="http://schemas.openxmlformats.org/drawingml/2006/main" xmlns:r="http://schemas.openxmlformats.org/officeDocument/2006/relationships" xmlns:p="http://schemas.openxmlformats.org/presentationml/2006/main">
   <p:cSld>
     <p:spTree>
@@ -11243,7 +11447,274 @@
 </p:sld>
 </file>
 
-<file path=ppt/slides/slide19.xml><?xml version="1.0" encoding="utf-8"?>
+<file path=ppt/slides/slide2.xml><?xml version="1.0" encoding="utf-8"?>
+<p:sld xmlns:a="http://schemas.openxmlformats.org/drawingml/2006/main" xmlns:r="http://schemas.openxmlformats.org/officeDocument/2006/relationships" xmlns:p="http://schemas.openxmlformats.org/presentationml/2006/main">
+  <p:cSld>
+    <p:spTree>
+      <p:nvGrpSpPr>
+        <p:cNvPr id="1" name=""/>
+        <p:cNvGrpSpPr/>
+        <p:nvPr/>
+      </p:nvGrpSpPr>
+      <p:grpSpPr>
+        <a:xfrm>
+          <a:off x="0" y="0"/>
+          <a:ext cx="0" cy="0"/>
+          <a:chOff x="0" y="0"/>
+          <a:chExt cx="0" cy="0"/>
+        </a:xfrm>
+      </p:grpSpPr>
+      <p:sp>
+        <p:nvSpPr>
+          <p:cNvPr id="2" name="Título 1">
+            <a:extLst>
+              <a:ext uri="{FF2B5EF4-FFF2-40B4-BE49-F238E27FC236}">
+                <a16:creationId xmlns:a16="http://schemas.microsoft.com/office/drawing/2014/main" id="{59ECFE43-F7D9-E130-2EB1-809C87CF7AD8}"/>
+              </a:ext>
+            </a:extLst>
+          </p:cNvPr>
+          <p:cNvSpPr>
+            <a:spLocks noGrp="1"/>
+          </p:cNvSpPr>
+          <p:nvPr>
+            <p:ph type="title"/>
+          </p:nvPr>
+        </p:nvSpPr>
+        <p:spPr/>
+        <p:txBody>
+          <a:bodyPr/>
+          <a:lstStyle/>
+          <a:p>
+            <a:r>
+              <a:rPr lang="pt-BR" dirty="0"/>
+              <a:t>Recapitulando</a:t>
+            </a:r>
+          </a:p>
+        </p:txBody>
+      </p:sp>
+      <p:sp>
+        <p:nvSpPr>
+          <p:cNvPr id="3" name="Espaço Reservado para Conteúdo 2">
+            <a:extLst>
+              <a:ext uri="{FF2B5EF4-FFF2-40B4-BE49-F238E27FC236}">
+                <a16:creationId xmlns:a16="http://schemas.microsoft.com/office/drawing/2014/main" id="{00C0F30D-21E1-FEB6-D8CC-F291F7C684FA}"/>
+              </a:ext>
+            </a:extLst>
+          </p:cNvPr>
+          <p:cNvSpPr>
+            <a:spLocks noGrp="1"/>
+          </p:cNvSpPr>
+          <p:nvPr>
+            <p:ph idx="1"/>
+          </p:nvPr>
+        </p:nvSpPr>
+        <p:spPr>
+          <a:xfrm>
+            <a:off x="838199" y="1767155"/>
+            <a:ext cx="11254483" cy="5090844"/>
+          </a:xfrm>
+        </p:spPr>
+        <p:txBody>
+          <a:bodyPr>
+            <a:normAutofit lnSpcReduction="10000"/>
+          </a:bodyPr>
+          <a:lstStyle/>
+          <a:p>
+            <a:r>
+              <a:rPr lang="pt-BR" dirty="0"/>
+              <a:t>Vimos que o</a:t>
+            </a:r>
+            <a:r>
+              <a:rPr lang="pt-BR" b="1" i="1" dirty="0"/>
+              <a:t> </a:t>
+            </a:r>
+            <a:r>
+              <a:rPr lang="pt-BR" b="1" i="1" dirty="0">
+                <a:solidFill>
+                  <a:srgbClr val="00B050"/>
+                </a:solidFill>
+              </a:rPr>
+              <a:t>valor do passo de aprendizagem </a:t>
+            </a:r>
+            <a:r>
+              <a:rPr lang="pt-BR" b="1" i="1" dirty="0"/>
+              <a:t>influencia no processo aprendizagem</a:t>
+            </a:r>
+            <a:r>
+              <a:rPr lang="pt-BR" dirty="0"/>
+              <a:t> do gradiente descendente.</a:t>
+            </a:r>
+          </a:p>
+          <a:p>
+            <a:pPr lvl="1">
+              <a:buFont typeface="Wingdings" panose="05000000000000000000" pitchFamily="2" charset="2"/>
+              <a:buChar char="§"/>
+            </a:pPr>
+            <a:r>
+              <a:rPr lang="pt-BR" dirty="0"/>
+              <a:t>Valores pequenos fazem com que o algoritmo tenha convergência muito lenta.</a:t>
+            </a:r>
+          </a:p>
+          <a:p>
+            <a:pPr lvl="1">
+              <a:buFont typeface="Wingdings" panose="05000000000000000000" pitchFamily="2" charset="2"/>
+              <a:buChar char="§"/>
+            </a:pPr>
+            <a:r>
+              <a:rPr lang="pt-BR" dirty="0"/>
+              <a:t>Valores grandes fazem com que o algoritmo divirja.</a:t>
+            </a:r>
+          </a:p>
+          <a:p>
+            <a:r>
+              <a:rPr lang="pt-BR" dirty="0"/>
+              <a:t>O gráfico do erro versus iterações nos ajuda a </a:t>
+            </a:r>
+            <a:r>
+              <a:rPr lang="pt-BR" b="1" i="1" dirty="0">
+                <a:solidFill>
+                  <a:srgbClr val="00B050"/>
+                </a:solidFill>
+              </a:rPr>
+              <a:t>depurar as versões do GD</a:t>
+            </a:r>
+            <a:r>
+              <a:rPr lang="pt-BR" dirty="0"/>
+              <a:t>.</a:t>
+            </a:r>
+          </a:p>
+          <a:p>
+            <a:r>
+              <a:rPr lang="pt-BR" dirty="0"/>
+              <a:t>Quando usamos as versões estocásticas do GD, podemos </a:t>
+            </a:r>
+            <a:r>
+              <a:rPr lang="pt-BR" b="1" i="1" dirty="0">
+                <a:solidFill>
+                  <a:srgbClr val="00B050"/>
+                </a:solidFill>
+              </a:rPr>
+              <a:t>reduzir o valor do passo de aprendizagem ao longo do treinamento </a:t>
+            </a:r>
+            <a:r>
+              <a:rPr lang="pt-BR" dirty="0"/>
+              <a:t>para “</a:t>
+            </a:r>
+            <a:r>
+              <a:rPr lang="pt-BR" b="1" i="1" dirty="0">
+                <a:solidFill>
+                  <a:srgbClr val="7030A0"/>
+                </a:solidFill>
+              </a:rPr>
+              <a:t>forçar</a:t>
+            </a:r>
+            <a:r>
+              <a:rPr lang="pt-BR" dirty="0"/>
+              <a:t>” a </a:t>
+            </a:r>
+            <a:r>
+              <a:rPr lang="pt-BR" b="1" i="1" dirty="0">
+                <a:solidFill>
+                  <a:srgbClr val="7030A0"/>
+                </a:solidFill>
+              </a:rPr>
+              <a:t>convergência</a:t>
+            </a:r>
+            <a:r>
+              <a:rPr lang="pt-BR" dirty="0"/>
+              <a:t> do algoritmo.</a:t>
+            </a:r>
+          </a:p>
+          <a:p>
+            <a:r>
+              <a:rPr lang="pt-BR" dirty="0"/>
+              <a:t>Nesse tópico, veremos</a:t>
+            </a:r>
+          </a:p>
+          <a:p>
+            <a:pPr lvl="1">
+              <a:buFont typeface="Wingdings" panose="05000000000000000000" pitchFamily="2" charset="2"/>
+              <a:buChar char="§"/>
+            </a:pPr>
+            <a:r>
+              <a:rPr lang="pt-BR" dirty="0"/>
+              <a:t>Técnicas de </a:t>
+            </a:r>
+            <a:r>
+              <a:rPr lang="pt-BR" b="1" i="1" dirty="0">
+                <a:solidFill>
+                  <a:srgbClr val="0070C0"/>
+                </a:solidFill>
+              </a:rPr>
+              <a:t>pré-processamento</a:t>
+            </a:r>
+            <a:r>
+              <a:rPr lang="pt-BR" dirty="0"/>
+              <a:t> importantes para algoritmos de ML que usam </a:t>
+            </a:r>
+            <a:r>
+              <a:rPr lang="pt-BR" b="1" i="1" dirty="0">
+                <a:solidFill>
+                  <a:srgbClr val="0070C0"/>
+                </a:solidFill>
+              </a:rPr>
+              <a:t>métricas de distância como função de erro</a:t>
+            </a:r>
+            <a:r>
+              <a:rPr lang="pt-BR" dirty="0"/>
+              <a:t>.</a:t>
+            </a:r>
+          </a:p>
+          <a:p>
+            <a:pPr lvl="1">
+              <a:buFont typeface="Wingdings" panose="05000000000000000000" pitchFamily="2" charset="2"/>
+              <a:buChar char="§"/>
+            </a:pPr>
+            <a:r>
+              <a:rPr lang="pt-BR" dirty="0"/>
+              <a:t>Como </a:t>
+            </a:r>
+            <a:r>
+              <a:rPr lang="pt-BR" b="1" i="1" dirty="0">
+                <a:solidFill>
+                  <a:srgbClr val="0070C0"/>
+                </a:solidFill>
+              </a:rPr>
+              <a:t>polinômios</a:t>
+            </a:r>
+            <a:r>
+              <a:rPr lang="pt-BR" dirty="0"/>
+              <a:t> podem ser usados para se </a:t>
+            </a:r>
+            <a:r>
+              <a:rPr lang="pt-BR" b="1" i="1" dirty="0">
+                <a:solidFill>
+                  <a:srgbClr val="0070C0"/>
+                </a:solidFill>
+              </a:rPr>
+              <a:t>ajustar a dados que apresentam mapeamento não-linear </a:t>
+            </a:r>
+            <a:r>
+              <a:rPr lang="pt-BR" dirty="0"/>
+              <a:t>entre os atributos e o valor esperado.</a:t>
+            </a:r>
+          </a:p>
+        </p:txBody>
+      </p:sp>
+    </p:spTree>
+    <p:extLst>
+      <p:ext uri="{BB962C8B-B14F-4D97-AF65-F5344CB8AC3E}">
+        <p14:creationId xmlns:p14="http://schemas.microsoft.com/office/powerpoint/2010/main" val="1412480911"/>
+      </p:ext>
+    </p:extLst>
+  </p:cSld>
+  <p:clrMapOvr>
+    <a:masterClrMapping/>
+  </p:clrMapOvr>
+</p:sld>
+</file>
+
+<file path=ppt/slides/slide20.xml><?xml version="1.0" encoding="utf-8"?>
 <p:sld xmlns:a="http://schemas.openxmlformats.org/drawingml/2006/main" xmlns:r="http://schemas.openxmlformats.org/officeDocument/2006/relationships" xmlns:p="http://schemas.openxmlformats.org/presentationml/2006/main">
   <p:cSld>
     <p:spTree>
@@ -11553,274 +12024,7 @@
 </p:sld>
 </file>
 
-<file path=ppt/slides/slide2.xml><?xml version="1.0" encoding="utf-8"?>
-<p:sld xmlns:a="http://schemas.openxmlformats.org/drawingml/2006/main" xmlns:r="http://schemas.openxmlformats.org/officeDocument/2006/relationships" xmlns:p="http://schemas.openxmlformats.org/presentationml/2006/main">
-  <p:cSld>
-    <p:spTree>
-      <p:nvGrpSpPr>
-        <p:cNvPr id="1" name=""/>
-        <p:cNvGrpSpPr/>
-        <p:nvPr/>
-      </p:nvGrpSpPr>
-      <p:grpSpPr>
-        <a:xfrm>
-          <a:off x="0" y="0"/>
-          <a:ext cx="0" cy="0"/>
-          <a:chOff x="0" y="0"/>
-          <a:chExt cx="0" cy="0"/>
-        </a:xfrm>
-      </p:grpSpPr>
-      <p:sp>
-        <p:nvSpPr>
-          <p:cNvPr id="2" name="Título 1">
-            <a:extLst>
-              <a:ext uri="{FF2B5EF4-FFF2-40B4-BE49-F238E27FC236}">
-                <a16:creationId xmlns:a16="http://schemas.microsoft.com/office/drawing/2014/main" id="{59ECFE43-F7D9-E130-2EB1-809C87CF7AD8}"/>
-              </a:ext>
-            </a:extLst>
-          </p:cNvPr>
-          <p:cNvSpPr>
-            <a:spLocks noGrp="1"/>
-          </p:cNvSpPr>
-          <p:nvPr>
-            <p:ph type="title"/>
-          </p:nvPr>
-        </p:nvSpPr>
-        <p:spPr/>
-        <p:txBody>
-          <a:bodyPr/>
-          <a:lstStyle/>
-          <a:p>
-            <a:r>
-              <a:rPr lang="pt-BR" dirty="0"/>
-              <a:t>Recapitulando</a:t>
-            </a:r>
-          </a:p>
-        </p:txBody>
-      </p:sp>
-      <p:sp>
-        <p:nvSpPr>
-          <p:cNvPr id="3" name="Espaço Reservado para Conteúdo 2">
-            <a:extLst>
-              <a:ext uri="{FF2B5EF4-FFF2-40B4-BE49-F238E27FC236}">
-                <a16:creationId xmlns:a16="http://schemas.microsoft.com/office/drawing/2014/main" id="{00C0F30D-21E1-FEB6-D8CC-F291F7C684FA}"/>
-              </a:ext>
-            </a:extLst>
-          </p:cNvPr>
-          <p:cNvSpPr>
-            <a:spLocks noGrp="1"/>
-          </p:cNvSpPr>
-          <p:nvPr>
-            <p:ph idx="1"/>
-          </p:nvPr>
-        </p:nvSpPr>
-        <p:spPr>
-          <a:xfrm>
-            <a:off x="838199" y="1767155"/>
-            <a:ext cx="11254483" cy="5090844"/>
-          </a:xfrm>
-        </p:spPr>
-        <p:txBody>
-          <a:bodyPr>
-            <a:normAutofit lnSpcReduction="10000"/>
-          </a:bodyPr>
-          <a:lstStyle/>
-          <a:p>
-            <a:r>
-              <a:rPr lang="pt-BR" dirty="0"/>
-              <a:t>Vimos que o</a:t>
-            </a:r>
-            <a:r>
-              <a:rPr lang="pt-BR" b="1" i="1" dirty="0"/>
-              <a:t> </a:t>
-            </a:r>
-            <a:r>
-              <a:rPr lang="pt-BR" b="1" i="1" dirty="0">
-                <a:solidFill>
-                  <a:srgbClr val="00B050"/>
-                </a:solidFill>
-              </a:rPr>
-              <a:t>valor do passo de aprendizagem </a:t>
-            </a:r>
-            <a:r>
-              <a:rPr lang="pt-BR" b="1" i="1" dirty="0"/>
-              <a:t>influencia no processo aprendizagem</a:t>
-            </a:r>
-            <a:r>
-              <a:rPr lang="pt-BR" dirty="0"/>
-              <a:t> do gradiente descendente.</a:t>
-            </a:r>
-          </a:p>
-          <a:p>
-            <a:pPr lvl="1">
-              <a:buFont typeface="Wingdings" panose="05000000000000000000" pitchFamily="2" charset="2"/>
-              <a:buChar char="§"/>
-            </a:pPr>
-            <a:r>
-              <a:rPr lang="pt-BR" dirty="0"/>
-              <a:t>Valores pequenos fazem com que o algoritmo tenha convergência muito lenta.</a:t>
-            </a:r>
-          </a:p>
-          <a:p>
-            <a:pPr lvl="1">
-              <a:buFont typeface="Wingdings" panose="05000000000000000000" pitchFamily="2" charset="2"/>
-              <a:buChar char="§"/>
-            </a:pPr>
-            <a:r>
-              <a:rPr lang="pt-BR" dirty="0"/>
-              <a:t>Valores grandes fazem com que o algoritmo divirja.</a:t>
-            </a:r>
-          </a:p>
-          <a:p>
-            <a:r>
-              <a:rPr lang="pt-BR" dirty="0"/>
-              <a:t>O gráfico do erro versus iterações nos ajuda a </a:t>
-            </a:r>
-            <a:r>
-              <a:rPr lang="pt-BR" b="1" i="1" dirty="0">
-                <a:solidFill>
-                  <a:srgbClr val="00B050"/>
-                </a:solidFill>
-              </a:rPr>
-              <a:t>depurar as versões do GD</a:t>
-            </a:r>
-            <a:r>
-              <a:rPr lang="pt-BR" dirty="0"/>
-              <a:t>.</a:t>
-            </a:r>
-          </a:p>
-          <a:p>
-            <a:r>
-              <a:rPr lang="pt-BR" dirty="0"/>
-              <a:t>Quando usamos as versões estocásticas do GD, podemos </a:t>
-            </a:r>
-            <a:r>
-              <a:rPr lang="pt-BR" b="1" i="1" dirty="0">
-                <a:solidFill>
-                  <a:srgbClr val="00B050"/>
-                </a:solidFill>
-              </a:rPr>
-              <a:t>reduzir o valor do passo de aprendizagem ao longo do treinamento </a:t>
-            </a:r>
-            <a:r>
-              <a:rPr lang="pt-BR" dirty="0"/>
-              <a:t>para “</a:t>
-            </a:r>
-            <a:r>
-              <a:rPr lang="pt-BR" b="1" i="1" dirty="0">
-                <a:solidFill>
-                  <a:srgbClr val="7030A0"/>
-                </a:solidFill>
-              </a:rPr>
-              <a:t>forçar</a:t>
-            </a:r>
-            <a:r>
-              <a:rPr lang="pt-BR" dirty="0"/>
-              <a:t>” a </a:t>
-            </a:r>
-            <a:r>
-              <a:rPr lang="pt-BR" b="1" i="1" dirty="0">
-                <a:solidFill>
-                  <a:srgbClr val="7030A0"/>
-                </a:solidFill>
-              </a:rPr>
-              <a:t>convergência</a:t>
-            </a:r>
-            <a:r>
-              <a:rPr lang="pt-BR" dirty="0"/>
-              <a:t> do algoritmo.</a:t>
-            </a:r>
-          </a:p>
-          <a:p>
-            <a:r>
-              <a:rPr lang="pt-BR" dirty="0"/>
-              <a:t>Nesse tópico, veremos</a:t>
-            </a:r>
-          </a:p>
-          <a:p>
-            <a:pPr lvl="1">
-              <a:buFont typeface="Wingdings" panose="05000000000000000000" pitchFamily="2" charset="2"/>
-              <a:buChar char="§"/>
-            </a:pPr>
-            <a:r>
-              <a:rPr lang="pt-BR" dirty="0"/>
-              <a:t>Técnicas de </a:t>
-            </a:r>
-            <a:r>
-              <a:rPr lang="pt-BR" b="1" i="1" dirty="0">
-                <a:solidFill>
-                  <a:srgbClr val="0070C0"/>
-                </a:solidFill>
-              </a:rPr>
-              <a:t>pré-processamento</a:t>
-            </a:r>
-            <a:r>
-              <a:rPr lang="pt-BR" dirty="0"/>
-              <a:t> importantes para algoritmos de ML que usam </a:t>
-            </a:r>
-            <a:r>
-              <a:rPr lang="pt-BR" b="1" i="1" dirty="0">
-                <a:solidFill>
-                  <a:srgbClr val="0070C0"/>
-                </a:solidFill>
-              </a:rPr>
-              <a:t>métricas de distância como função de erro</a:t>
-            </a:r>
-            <a:r>
-              <a:rPr lang="pt-BR" dirty="0"/>
-              <a:t>.</a:t>
-            </a:r>
-          </a:p>
-          <a:p>
-            <a:pPr lvl="1">
-              <a:buFont typeface="Wingdings" panose="05000000000000000000" pitchFamily="2" charset="2"/>
-              <a:buChar char="§"/>
-            </a:pPr>
-            <a:r>
-              <a:rPr lang="pt-BR" dirty="0"/>
-              <a:t>Como </a:t>
-            </a:r>
-            <a:r>
-              <a:rPr lang="pt-BR" b="1" i="1" dirty="0">
-                <a:solidFill>
-                  <a:srgbClr val="0070C0"/>
-                </a:solidFill>
-              </a:rPr>
-              <a:t>polinômios</a:t>
-            </a:r>
-            <a:r>
-              <a:rPr lang="pt-BR" dirty="0"/>
-              <a:t> podem ser usados para se </a:t>
-            </a:r>
-            <a:r>
-              <a:rPr lang="pt-BR" b="1" i="1" dirty="0">
-                <a:solidFill>
-                  <a:srgbClr val="0070C0"/>
-                </a:solidFill>
-              </a:rPr>
-              <a:t>ajustar a dados que apresentam mapeamento não-linear </a:t>
-            </a:r>
-            <a:r>
-              <a:rPr lang="pt-BR" dirty="0"/>
-              <a:t>entre os atributos e o valor esperado.</a:t>
-            </a:r>
-          </a:p>
-        </p:txBody>
-      </p:sp>
-    </p:spTree>
-    <p:extLst>
-      <p:ext uri="{BB962C8B-B14F-4D97-AF65-F5344CB8AC3E}">
-        <p14:creationId xmlns:p14="http://schemas.microsoft.com/office/powerpoint/2010/main" val="1412480911"/>
-      </p:ext>
-    </p:extLst>
-  </p:cSld>
-  <p:clrMapOvr>
-    <a:masterClrMapping/>
-  </p:clrMapOvr>
-</p:sld>
-</file>
-
-<file path=ppt/slides/slide20.xml><?xml version="1.0" encoding="utf-8"?>
+<file path=ppt/slides/slide21.xml><?xml version="1.0" encoding="utf-8"?>
 <p:sld xmlns:a="http://schemas.openxmlformats.org/drawingml/2006/main" xmlns:r="http://schemas.openxmlformats.org/officeDocument/2006/relationships" xmlns:p="http://schemas.openxmlformats.org/presentationml/2006/main">
   <p:cSld>
     <p:spTree>
@@ -11905,7 +12109,7 @@
 </p:sld>
 </file>
 
-<file path=ppt/slides/slide21.xml><?xml version="1.0" encoding="utf-8"?>
+<file path=ppt/slides/slide22.xml><?xml version="1.0" encoding="utf-8"?>
 <p:sld xmlns:a="http://schemas.openxmlformats.org/drawingml/2006/main" xmlns:r="http://schemas.openxmlformats.org/officeDocument/2006/relationships" xmlns:p="http://schemas.openxmlformats.org/presentationml/2006/main">
   <p:cSld>
     <p:spTree>
@@ -12171,7 +12375,7 @@
 </p:sld>
 </file>
 
-<file path=ppt/slides/slide22.xml><?xml version="1.0" encoding="utf-8"?>
+<file path=ppt/slides/slide23.xml><?xml version="1.0" encoding="utf-8"?>
 <p:sld xmlns:a="http://schemas.openxmlformats.org/drawingml/2006/main" xmlns:r="http://schemas.openxmlformats.org/officeDocument/2006/relationships" xmlns:p="http://schemas.openxmlformats.org/presentationml/2006/main">
   <p:cSld>
     <p:spTree>
@@ -12256,7 +12460,7 @@
 </p:sld>
 </file>
 
-<file path=ppt/slides/slide23.xml><?xml version="1.0" encoding="utf-8"?>
+<file path=ppt/slides/slide24.xml><?xml version="1.0" encoding="utf-8"?>
 <p:sld xmlns:a="http://schemas.openxmlformats.org/drawingml/2006/main" xmlns:r="http://schemas.openxmlformats.org/officeDocument/2006/relationships" xmlns:p="http://schemas.openxmlformats.org/presentationml/2006/main">
   <p:cSld>
     <p:spTree>
@@ -16633,8 +16837,8 @@
           </a:p>
         </p:txBody>
       </p:sp>
-      <mc:AlternateContent xmlns:mc="http://schemas.openxmlformats.org/markup-compatibility/2006">
-        <mc:Choice xmlns:a14="http://schemas.microsoft.com/office/drawing/2010/main" Requires="a14">
+      <mc:AlternateContent xmlns:mc="http://schemas.openxmlformats.org/markup-compatibility/2006" xmlns:a14="http://schemas.microsoft.com/office/drawing/2010/main">
+        <mc:Choice Requires="a14">
           <p:sp>
             <p:nvSpPr>
               <p:cNvPr id="3" name="Espaço Reservado para Conteúdo 2">
@@ -16907,7 +17111,7 @@
             </p:txBody>
           </p:sp>
         </mc:Choice>
-        <mc:Fallback>
+        <mc:Fallback xmlns="">
           <p:sp>
             <p:nvSpPr>
               <p:cNvPr id="3" name="Espaço Reservado para Conteúdo 2">
@@ -17430,8 +17634,8 @@
           </a:p>
         </p:txBody>
       </p:sp>
-      <mc:AlternateContent xmlns:mc="http://schemas.openxmlformats.org/markup-compatibility/2006">
-        <mc:Choice xmlns:a14="http://schemas.microsoft.com/office/drawing/2010/main" Requires="a14">
+      <mc:AlternateContent xmlns:mc="http://schemas.openxmlformats.org/markup-compatibility/2006" xmlns:a14="http://schemas.microsoft.com/office/drawing/2010/main">
+        <mc:Choice Requires="a14">
           <p:sp>
             <p:nvSpPr>
               <p:cNvPr id="3" name="Content Placeholder 2"/>
@@ -18103,7 +18307,7 @@
             </p:txBody>
           </p:sp>
         </mc:Choice>
-        <mc:Fallback>
+        <mc:Fallback xmlns="">
           <p:sp>
             <p:nvSpPr>
               <p:cNvPr id="3" name="Content Placeholder 2"/>
@@ -18193,8 +18397,8 @@
           </a:p>
         </p:txBody>
       </p:sp>
-      <mc:AlternateContent xmlns:mc="http://schemas.openxmlformats.org/markup-compatibility/2006">
-        <mc:Choice xmlns:a14="http://schemas.microsoft.com/office/drawing/2010/main" Requires="a14">
+      <mc:AlternateContent xmlns:mc="http://schemas.openxmlformats.org/markup-compatibility/2006" xmlns:a14="http://schemas.microsoft.com/office/drawing/2010/main">
+        <mc:Choice Requires="a14">
           <p:sp>
             <p:nvSpPr>
               <p:cNvPr id="3" name="Content Placeholder 2"/>
@@ -18739,7 +18943,7 @@
             </p:txBody>
           </p:sp>
         </mc:Choice>
-        <mc:Fallback>
+        <mc:Fallback xmlns="">
           <p:sp>
             <p:nvSpPr>
               <p:cNvPr id="3" name="Content Placeholder 2"/>

--- a/slides/T319_Regressão_Linear (Parte IV).pptx
+++ b/slides/T319_Regressão_Linear (Parte IV).pptx
@@ -5,7 +5,7 @@
     <p:sldMasterId id="2147483648" r:id="rId1"/>
   </p:sldMasterIdLst>
   <p:notesMasterIdLst>
-    <p:notesMasterId r:id="rId26"/>
+    <p:notesMasterId r:id="rId30"/>
   </p:notesMasterIdLst>
   <p:sldIdLst>
     <p:sldId id="259" r:id="rId2"/>
@@ -22,16 +22,20 @@
     <p:sldId id="525" r:id="rId13"/>
     <p:sldId id="471" r:id="rId14"/>
     <p:sldId id="526" r:id="rId15"/>
-    <p:sldId id="468" r:id="rId16"/>
-    <p:sldId id="472" r:id="rId17"/>
-    <p:sldId id="477" r:id="rId18"/>
-    <p:sldId id="474" r:id="rId19"/>
-    <p:sldId id="470" r:id="rId20"/>
-    <p:sldId id="441" r:id="rId21"/>
-    <p:sldId id="317" r:id="rId22"/>
-    <p:sldId id="332" r:id="rId23"/>
-    <p:sldId id="522" r:id="rId24"/>
-    <p:sldId id="475" r:id="rId25"/>
+    <p:sldId id="527" r:id="rId16"/>
+    <p:sldId id="528" r:id="rId17"/>
+    <p:sldId id="529" r:id="rId18"/>
+    <p:sldId id="472" r:id="rId19"/>
+    <p:sldId id="534" r:id="rId20"/>
+    <p:sldId id="536" r:id="rId21"/>
+    <p:sldId id="535" r:id="rId22"/>
+    <p:sldId id="532" r:id="rId23"/>
+    <p:sldId id="533" r:id="rId24"/>
+    <p:sldId id="441" r:id="rId25"/>
+    <p:sldId id="317" r:id="rId26"/>
+    <p:sldId id="332" r:id="rId27"/>
+    <p:sldId id="522" r:id="rId28"/>
+    <p:sldId id="475" r:id="rId29"/>
   </p:sldIdLst>
   <p:sldSz cx="12192000" cy="6858000"/>
   <p:notesSz cx="6858000" cy="9144000"/>
@@ -547,7 +551,7 @@
           <a:p>
             <a:fld id="{DAF0AF11-6A8A-4E64-94F5-26D4FBA2A01D}" type="datetimeFigureOut">
               <a:rPr lang="nl-BE" smtClean="0"/>
-              <a:t>26/10/2023</a:t>
+              <a:t>27/10/2023</a:t>
             </a:fld>
             <a:endParaRPr lang="nl-BE"/>
           </a:p>
@@ -1273,6 +1277,9 @@
             </a:r>
             <a:endParaRPr lang="pt-BR" dirty="0"/>
           </a:p>
+          <a:p>
+            <a:endParaRPr lang="pt-BR" dirty="0"/>
+          </a:p>
         </p:txBody>
       </p:sp>
       <p:sp>
@@ -1282,7 +1289,7 @@
             <a:spLocks noGrp="1"/>
           </p:cNvSpPr>
           <p:nvPr>
-            <p:ph type="sldNum" sz="quarter" idx="10"/>
+            <p:ph type="sldNum" sz="quarter" idx="5"/>
           </p:nvPr>
         </p:nvSpPr>
         <p:spPr/>
@@ -1292,7 +1299,7 @@
           <a:p>
             <a:fld id="{DA8B99DF-01BC-492A-8CEF-4FD88D18DD9D}" type="slidenum">
               <a:rPr lang="nl-BE" smtClean="0"/>
-              <a:t>15</a:t>
+              <a:t>14</a:t>
             </a:fld>
             <a:endParaRPr lang="nl-BE"/>
           </a:p>
@@ -1301,7 +1308,7 @@
     </p:spTree>
     <p:extLst>
       <p:ext uri="{BB962C8B-B14F-4D97-AF65-F5344CB8AC3E}">
-        <p14:creationId xmlns:p14="http://schemas.microsoft.com/office/powerpoint/2010/main" val="1389995550"/>
+        <p14:creationId xmlns:p14="http://schemas.microsoft.com/office/powerpoint/2010/main" val="2687737878"/>
       </p:ext>
     </p:extLst>
   </p:cSld>
@@ -1312,6 +1319,1869 @@
 </file>
 
 <file path=ppt/notesSlides/notesSlide12.xml><?xml version="1.0" encoding="utf-8"?>
+<p:notes xmlns:a="http://schemas.openxmlformats.org/drawingml/2006/main" xmlns:r="http://schemas.openxmlformats.org/officeDocument/2006/relationships" xmlns:p="http://schemas.openxmlformats.org/presentationml/2006/main">
+  <p:cSld>
+    <p:spTree>
+      <p:nvGrpSpPr>
+        <p:cNvPr id="1" name=""/>
+        <p:cNvGrpSpPr/>
+        <p:nvPr/>
+      </p:nvGrpSpPr>
+      <p:grpSpPr>
+        <a:xfrm>
+          <a:off x="0" y="0"/>
+          <a:ext cx="0" cy="0"/>
+          <a:chOff x="0" y="0"/>
+          <a:chExt cx="0" cy="0"/>
+        </a:xfrm>
+      </p:grpSpPr>
+      <p:sp>
+        <p:nvSpPr>
+          <p:cNvPr id="2" name="Espaço Reservado para Imagem de Slide 1"/>
+          <p:cNvSpPr>
+            <a:spLocks noGrp="1" noRot="1" noChangeAspect="1"/>
+          </p:cNvSpPr>
+          <p:nvPr>
+            <p:ph type="sldImg"/>
+          </p:nvPr>
+        </p:nvSpPr>
+        <p:spPr/>
+      </p:sp>
+      <p:sp>
+        <p:nvSpPr>
+          <p:cNvPr id="3" name="Espaço Reservado para Anotações 2"/>
+          <p:cNvSpPr>
+            <a:spLocks noGrp="1"/>
+          </p:cNvSpPr>
+          <p:nvPr>
+            <p:ph type="body" idx="1"/>
+          </p:nvPr>
+        </p:nvSpPr>
+        <p:spPr/>
+        <p:txBody>
+          <a:bodyPr/>
+          <a:lstStyle/>
+          <a:p>
+            <a:endParaRPr lang="pt-BR" dirty="0"/>
+          </a:p>
+        </p:txBody>
+      </p:sp>
+      <p:sp>
+        <p:nvSpPr>
+          <p:cNvPr id="4" name="Espaço Reservado para Número de Slide 3"/>
+          <p:cNvSpPr>
+            <a:spLocks noGrp="1"/>
+          </p:cNvSpPr>
+          <p:nvPr>
+            <p:ph type="sldNum" sz="quarter" idx="5"/>
+          </p:nvPr>
+        </p:nvSpPr>
+        <p:spPr/>
+        <p:txBody>
+          <a:bodyPr/>
+          <a:lstStyle/>
+          <a:p>
+            <a:fld id="{DA8B99DF-01BC-492A-8CEF-4FD88D18DD9D}" type="slidenum">
+              <a:rPr lang="nl-BE" smtClean="0"/>
+              <a:t>18</a:t>
+            </a:fld>
+            <a:endParaRPr lang="nl-BE"/>
+          </a:p>
+        </p:txBody>
+      </p:sp>
+    </p:spTree>
+    <p:extLst>
+      <p:ext uri="{BB962C8B-B14F-4D97-AF65-F5344CB8AC3E}">
+        <p14:creationId xmlns:p14="http://schemas.microsoft.com/office/powerpoint/2010/main" val="1275039211"/>
+      </p:ext>
+    </p:extLst>
+  </p:cSld>
+  <p:clrMapOvr>
+    <a:masterClrMapping/>
+  </p:clrMapOvr>
+</p:notes>
+</file>
+
+<file path=ppt/notesSlides/notesSlide13.xml><?xml version="1.0" encoding="utf-8"?>
+<p:notes xmlns:a="http://schemas.openxmlformats.org/drawingml/2006/main" xmlns:r="http://schemas.openxmlformats.org/officeDocument/2006/relationships" xmlns:p="http://schemas.openxmlformats.org/presentationml/2006/main">
+  <p:cSld>
+    <p:spTree>
+      <p:nvGrpSpPr>
+        <p:cNvPr id="1" name=""/>
+        <p:cNvGrpSpPr/>
+        <p:nvPr/>
+      </p:nvGrpSpPr>
+      <p:grpSpPr>
+        <a:xfrm>
+          <a:off x="0" y="0"/>
+          <a:ext cx="0" cy="0"/>
+          <a:chOff x="0" y="0"/>
+          <a:chExt cx="0" cy="0"/>
+        </a:xfrm>
+      </p:grpSpPr>
+      <p:sp>
+        <p:nvSpPr>
+          <p:cNvPr id="2" name="Espaço Reservado para Imagem de Slide 1"/>
+          <p:cNvSpPr>
+            <a:spLocks noGrp="1" noRot="1" noChangeAspect="1"/>
+          </p:cNvSpPr>
+          <p:nvPr>
+            <p:ph type="sldImg"/>
+          </p:nvPr>
+        </p:nvSpPr>
+        <p:spPr/>
+      </p:sp>
+      <p:sp>
+        <p:nvSpPr>
+          <p:cNvPr id="3" name="Espaço Reservado para Anotações 2"/>
+          <p:cNvSpPr>
+            <a:spLocks noGrp="1"/>
+          </p:cNvSpPr>
+          <p:nvPr>
+            <p:ph type="body" idx="1"/>
+          </p:nvPr>
+        </p:nvSpPr>
+        <p:spPr/>
+        <p:txBody>
+          <a:bodyPr/>
+          <a:lstStyle/>
+          <a:p>
+            <a:pPr marL="0" marR="0" lvl="0" indent="0" algn="l" defTabSz="914400" rtl="0" eaLnBrk="1" fontAlgn="auto" latinLnBrk="0" hangingPunct="1">
+              <a:lnSpc>
+                <a:spcPct val="100000"/>
+              </a:lnSpc>
+              <a:spcBef>
+                <a:spcPts val="0"/>
+              </a:spcBef>
+              <a:spcAft>
+                <a:spcPts val="0"/>
+              </a:spcAft>
+              <a:buClrTx/>
+              <a:buSzTx/>
+              <a:buFontTx/>
+              <a:buNone/>
+              <a:tabLst/>
+              <a:defRPr/>
+            </a:pPr>
+            <a:r>
+              <a:rPr lang="pt-BR" b="1" noProof="0" dirty="0"/>
+              <a:t>Exemplo</a:t>
+            </a:r>
+            <a:r>
+              <a:rPr lang="pt-BR" noProof="0" dirty="0"/>
+              <a:t>: </a:t>
+            </a:r>
+            <a:r>
+              <a:rPr lang="pt-BR" dirty="0"/>
+              <a:t>https://mybinder.org/v2/gh/zz4fap/t319_aprendizado_de_maquina/main?filepath=notebooks%2Fregression%2Fpolynomial_regression.ipynb</a:t>
+            </a:r>
+            <a:endParaRPr lang="pt-BR" u="none" dirty="0"/>
+          </a:p>
+          <a:p>
+            <a:endParaRPr lang="pt-BR" dirty="0"/>
+          </a:p>
+          <a:p>
+            <a:r>
+              <a:rPr lang="pt-BR" dirty="0"/>
+              <a:t>O modelo com polinômio de grau 1 não captura a curvatura dos pontos de treinamento. Ele erra muito tanto para exemplos de treinamento quanto para exemplos não vistos durante o treinamento (validação). </a:t>
+            </a:r>
+          </a:p>
+          <a:p>
+            <a:r>
+              <a:rPr lang="pt-BR" dirty="0"/>
+              <a:t>O modelo com polinômio de grau 30 acerta a predição de todos os exemplos de treinamento, mas erraria muito para exemplos não vistos durante treinamento. </a:t>
+            </a:r>
+          </a:p>
+          <a:p>
+            <a:pPr lvl="1"/>
+            <a:r>
+              <a:rPr lang="pt-BR" b="1" dirty="0"/>
+              <a:t>A flexibilidade do modelo é tão alta que ele aprende também o ruído presente no conjunto de treinamento.</a:t>
+            </a:r>
+          </a:p>
+          <a:p>
+            <a:r>
+              <a:rPr lang="pt-BR" dirty="0"/>
+              <a:t>O modelo com polinômio de grau 2 se ajusta bem aos exemplos, mas sem acertá-los perfeitamente. Este é provavelmente o modelo ótimo em termos da </a:t>
+            </a:r>
+            <a:r>
+              <a:rPr lang="pt-BR" b="1" i="1" dirty="0"/>
+              <a:t>relação de compromisso</a:t>
+            </a:r>
+            <a:r>
+              <a:rPr lang="pt-BR" dirty="0"/>
+              <a:t> entre os erros de </a:t>
+            </a:r>
+            <a:r>
+              <a:rPr lang="pt-BR" b="1" dirty="0"/>
+              <a:t>flexibilidade </a:t>
+            </a:r>
+            <a:r>
+              <a:rPr lang="pt-BR" dirty="0"/>
+              <a:t>e de </a:t>
+            </a:r>
+            <a:r>
+              <a:rPr lang="pt-BR" b="1" dirty="0"/>
+              <a:t>generalização</a:t>
+            </a:r>
+            <a:r>
+              <a:rPr lang="pt-BR" dirty="0"/>
+              <a:t>.</a:t>
+            </a:r>
+          </a:p>
+          <a:p>
+            <a:endParaRPr lang="pt-BR" dirty="0"/>
+          </a:p>
+          <a:p>
+            <a:endParaRPr lang="pt-BR" dirty="0"/>
+          </a:p>
+        </p:txBody>
+      </p:sp>
+      <p:sp>
+        <p:nvSpPr>
+          <p:cNvPr id="4" name="Espaço Reservado para Número de Slide 3"/>
+          <p:cNvSpPr>
+            <a:spLocks noGrp="1"/>
+          </p:cNvSpPr>
+          <p:nvPr>
+            <p:ph type="sldNum" sz="quarter" idx="5"/>
+          </p:nvPr>
+        </p:nvSpPr>
+        <p:spPr/>
+        <p:txBody>
+          <a:bodyPr/>
+          <a:lstStyle/>
+          <a:p>
+            <a:fld id="{DA8B99DF-01BC-492A-8CEF-4FD88D18DD9D}" type="slidenum">
+              <a:rPr lang="nl-BE" smtClean="0"/>
+              <a:t>19</a:t>
+            </a:fld>
+            <a:endParaRPr lang="nl-BE"/>
+          </a:p>
+        </p:txBody>
+      </p:sp>
+    </p:spTree>
+    <p:extLst>
+      <p:ext uri="{BB962C8B-B14F-4D97-AF65-F5344CB8AC3E}">
+        <p14:creationId xmlns:p14="http://schemas.microsoft.com/office/powerpoint/2010/main" val="430199544"/>
+      </p:ext>
+    </p:extLst>
+  </p:cSld>
+  <p:clrMapOvr>
+    <a:masterClrMapping/>
+  </p:clrMapOvr>
+</p:notes>
+</file>
+
+<file path=ppt/notesSlides/notesSlide14.xml><?xml version="1.0" encoding="utf-8"?>
+<p:notes xmlns:a="http://schemas.openxmlformats.org/drawingml/2006/main" xmlns:r="http://schemas.openxmlformats.org/officeDocument/2006/relationships" xmlns:p="http://schemas.openxmlformats.org/presentationml/2006/main">
+  <p:cSld>
+    <p:spTree>
+      <p:nvGrpSpPr>
+        <p:cNvPr id="1" name=""/>
+        <p:cNvGrpSpPr/>
+        <p:nvPr/>
+      </p:nvGrpSpPr>
+      <p:grpSpPr>
+        <a:xfrm>
+          <a:off x="0" y="0"/>
+          <a:ext cx="0" cy="0"/>
+          <a:chOff x="0" y="0"/>
+          <a:chExt cx="0" cy="0"/>
+        </a:xfrm>
+      </p:grpSpPr>
+      <p:sp>
+        <p:nvSpPr>
+          <p:cNvPr id="2" name="Espaço Reservado para Imagem de Slide 1"/>
+          <p:cNvSpPr>
+            <a:spLocks noGrp="1" noRot="1" noChangeAspect="1"/>
+          </p:cNvSpPr>
+          <p:nvPr>
+            <p:ph type="sldImg"/>
+          </p:nvPr>
+        </p:nvSpPr>
+        <p:spPr/>
+      </p:sp>
+      <p:sp>
+        <p:nvSpPr>
+          <p:cNvPr id="3" name="Espaço Reservado para Anotações 2"/>
+          <p:cNvSpPr>
+            <a:spLocks noGrp="1"/>
+          </p:cNvSpPr>
+          <p:nvPr>
+            <p:ph type="body" idx="1"/>
+          </p:nvPr>
+        </p:nvSpPr>
+        <p:spPr/>
+        <p:txBody>
+          <a:bodyPr/>
+          <a:lstStyle/>
+          <a:p>
+            <a:r>
+              <a:rPr lang="pt-BR" dirty="0"/>
+              <a:t>Binder: https://mybinder.org/v2/gh/zz4fap/t319_aprendizado_de_maquina/main?filepath=notebooks/regression/polynomial_regression.ipynb</a:t>
+            </a:r>
+          </a:p>
+          <a:p>
+            <a:endParaRPr lang="pt-BR" dirty="0"/>
+          </a:p>
+          <a:p>
+            <a:pPr marL="0" marR="0" lvl="0" indent="0" algn="l" defTabSz="914400" rtl="0" eaLnBrk="1" fontAlgn="auto" latinLnBrk="0" hangingPunct="1">
+              <a:lnSpc>
+                <a:spcPct val="100000"/>
+              </a:lnSpc>
+              <a:spcBef>
+                <a:spcPts val="0"/>
+              </a:spcBef>
+              <a:spcAft>
+                <a:spcPts val="0"/>
+              </a:spcAft>
+              <a:buClrTx/>
+              <a:buSzTx/>
+              <a:buFontTx/>
+              <a:buNone/>
+              <a:tabLst/>
+              <a:defRPr/>
+            </a:pPr>
+            <a:r>
+              <a:rPr lang="pt-BR" dirty="0" err="1"/>
+              <a:t>Colab</a:t>
+            </a:r>
+            <a:r>
+              <a:rPr lang="pt-BR" dirty="0"/>
+              <a:t>: https://colab.research.google.com/github/zz4fap/t319_aprendizado_de_maquina/blob/main/notebooks/regression/polynomial_regression.ipynb</a:t>
+            </a:r>
+          </a:p>
+          <a:p>
+            <a:endParaRPr lang="pt-BR" dirty="0"/>
+          </a:p>
+          <a:p>
+            <a:r>
+              <a:rPr lang="pt-BR" dirty="0"/>
+              <a:t>É importante salientar que</a:t>
+            </a:r>
+            <a:r>
+              <a:rPr lang="pt-BR" baseline="0" dirty="0"/>
+              <a:t> </a:t>
+            </a:r>
+            <a:r>
+              <a:rPr lang="pt-BR" dirty="0"/>
+              <a:t>todos os esforços de construção de um modelo são limitados pelos dados existentes. Para muitos problemas, o</a:t>
+            </a:r>
+            <a:r>
+              <a:rPr lang="pt-BR" baseline="0" dirty="0"/>
+              <a:t> conjunto de dados </a:t>
+            </a:r>
+            <a:r>
+              <a:rPr lang="pt-BR" dirty="0"/>
+              <a:t>pode ter um número limitado de amostras, ele</a:t>
+            </a:r>
+            <a:r>
+              <a:rPr lang="pt-BR" baseline="0" dirty="0"/>
+              <a:t> </a:t>
+            </a:r>
+            <a:r>
+              <a:rPr lang="pt-BR" dirty="0"/>
+              <a:t>pode ser de qualidade inferior à desejável e/ou ele pode não ser representativo</a:t>
+            </a:r>
+            <a:r>
+              <a:rPr lang="pt-BR" baseline="0" dirty="0"/>
+              <a:t> </a:t>
+            </a:r>
+            <a:r>
+              <a:rPr lang="pt-BR" dirty="0"/>
+              <a:t>de amostras futuras.</a:t>
+            </a:r>
+          </a:p>
+          <a:p>
+            <a:endParaRPr lang="pt-BR" dirty="0"/>
+          </a:p>
+          <a:p>
+            <a:r>
+              <a:rPr lang="pt-BR" dirty="0"/>
+              <a:t>Trabalhando com base na</a:t>
+            </a:r>
+            <a:r>
+              <a:rPr lang="pt-BR" baseline="0" dirty="0"/>
+              <a:t> </a:t>
+            </a:r>
+            <a:r>
+              <a:rPr lang="pt-BR" dirty="0"/>
+              <a:t>suposição</a:t>
+            </a:r>
+            <a:r>
+              <a:rPr lang="pt-BR" baseline="0" dirty="0"/>
+              <a:t> de que o conjunto que temos é representativo e de boa qualidade</a:t>
+            </a:r>
+            <a:r>
+              <a:rPr lang="pt-BR" dirty="0"/>
+              <a:t>, devemos usar os dados disponíveis para encontrar o melhor modelo preditivo. Quase todas as técnicas de modelagem preditiva possuem (hiper)parâmetros de ajuste que permitem que o modelo seja flexível o suficiente para encontrar a estrutura por trás dos dados.</a:t>
+            </a:r>
+          </a:p>
+          <a:p>
+            <a:endParaRPr lang="pt-BR" dirty="0"/>
+          </a:p>
+          <a:p>
+            <a:r>
+              <a:rPr lang="pt-BR" dirty="0"/>
+              <a:t>Portanto, devemos usar os dados existentes para identificar os valores dos parâmetros do modelo que geram o melhor e mais realista desempenho preditivo (conhecido como ajuste do modelo). Tradicionalmente, isso é obtido dividindo-se os dados existentes em conjuntos de treinamento e teste. O conjunto de treinamento é usado para construir e ajustar o modelo e o conjunto de teste é usado para estimar o desempenho preditivo do modelo.</a:t>
+            </a:r>
+          </a:p>
+          <a:p>
+            <a:endParaRPr lang="pt-BR" dirty="0"/>
+          </a:p>
+          <a:p>
+            <a:r>
+              <a:rPr lang="pt-BR" dirty="0"/>
+              <a:t>Durante o processo de aprendizado/treinamento, deseja-se evitar duas situações que comprometem o uso de um modelo:</a:t>
+            </a:r>
+          </a:p>
+          <a:p>
+            <a:pPr marL="171450" indent="-171450">
+              <a:buFont typeface="Arial" panose="020B0604020202020204" pitchFamily="34" charset="0"/>
+              <a:buChar char="•"/>
+            </a:pPr>
+            <a:r>
+              <a:rPr lang="pt-BR" dirty="0"/>
+              <a:t>Subajuste</a:t>
+            </a:r>
+          </a:p>
+          <a:p>
+            <a:pPr marL="171450" indent="-171450">
+              <a:buFont typeface="Arial" panose="020B0604020202020204" pitchFamily="34" charset="0"/>
+              <a:buChar char="•"/>
+            </a:pPr>
+            <a:r>
+              <a:rPr lang="pt-BR" dirty="0"/>
+              <a:t>Sobreajuste</a:t>
+            </a:r>
+          </a:p>
+          <a:p>
+            <a:pPr marL="171450" indent="-171450">
+              <a:buFont typeface="Arial" panose="020B0604020202020204" pitchFamily="34" charset="0"/>
+              <a:buChar char="•"/>
+            </a:pPr>
+            <a:endParaRPr lang="pt-BR" dirty="0"/>
+          </a:p>
+          <a:p>
+            <a:pPr marL="171450" indent="-171450">
+              <a:buFont typeface="Arial" panose="020B0604020202020204" pitchFamily="34" charset="0"/>
+              <a:buChar char="•"/>
+            </a:pPr>
+            <a:r>
+              <a:rPr lang="pt-BR" dirty="0"/>
+              <a:t>O modelo com polinômio de grau 1</a:t>
+            </a:r>
+            <a:r>
+              <a:rPr lang="pt-BR" baseline="0" dirty="0"/>
+              <a:t> tem </a:t>
+            </a:r>
+            <a:r>
+              <a:rPr lang="pt-BR" b="1" baseline="0" dirty="0"/>
+              <a:t>capacidade</a:t>
+            </a:r>
+            <a:r>
+              <a:rPr lang="pt-BR" b="0" baseline="0" dirty="0"/>
+              <a:t> muito baixa e </a:t>
+            </a:r>
+            <a:r>
+              <a:rPr lang="pt-BR" b="1" baseline="0" dirty="0"/>
+              <a:t>grau de generalização</a:t>
+            </a:r>
+            <a:r>
+              <a:rPr lang="pt-BR" b="0" baseline="0" dirty="0"/>
+              <a:t> muito baixo.</a:t>
+            </a:r>
+            <a:endParaRPr lang="pt-BR" b="1" baseline="0" dirty="0"/>
+          </a:p>
+          <a:p>
+            <a:pPr marL="171450" marR="0" indent="-171450" algn="l" defTabSz="914400" rtl="0" eaLnBrk="1" fontAlgn="auto" latinLnBrk="0" hangingPunct="1">
+              <a:lnSpc>
+                <a:spcPct val="100000"/>
+              </a:lnSpc>
+              <a:spcBef>
+                <a:spcPts val="0"/>
+              </a:spcBef>
+              <a:spcAft>
+                <a:spcPts val="0"/>
+              </a:spcAft>
+              <a:buClrTx/>
+              <a:buSzTx/>
+              <a:buFont typeface="Arial" panose="020B0604020202020204" pitchFamily="34" charset="0"/>
+              <a:buChar char="•"/>
+              <a:tabLst/>
+              <a:defRPr/>
+            </a:pPr>
+            <a:r>
+              <a:rPr lang="pt-BR" dirty="0"/>
+              <a:t>O modelo com polinômio de grau 30</a:t>
+            </a:r>
+            <a:r>
+              <a:rPr lang="pt-BR" baseline="0" dirty="0"/>
+              <a:t> tem </a:t>
+            </a:r>
+            <a:r>
+              <a:rPr lang="pt-BR" b="1" baseline="0" dirty="0"/>
+              <a:t>capacidade </a:t>
+            </a:r>
+            <a:r>
+              <a:rPr lang="pt-BR" b="0" baseline="0" dirty="0"/>
+              <a:t>muito alta e </a:t>
+            </a:r>
+            <a:r>
+              <a:rPr lang="pt-BR" b="1" baseline="0" dirty="0"/>
+              <a:t>grau de generalização</a:t>
+            </a:r>
+            <a:r>
+              <a:rPr lang="pt-BR" b="0" baseline="0" dirty="0"/>
+              <a:t> muito baixo.</a:t>
+            </a:r>
+            <a:endParaRPr lang="pt-BR" b="1" baseline="0" dirty="0"/>
+          </a:p>
+          <a:p>
+            <a:pPr marL="171450" indent="-171450">
+              <a:buFont typeface="Arial" panose="020B0604020202020204" pitchFamily="34" charset="0"/>
+              <a:buChar char="•"/>
+            </a:pPr>
+            <a:r>
+              <a:rPr lang="pt-BR" dirty="0"/>
+              <a:t>O modelo com polinômio de grau 2</a:t>
+            </a:r>
+            <a:r>
+              <a:rPr lang="pt-BR" baseline="0" dirty="0"/>
+              <a:t> tem </a:t>
+            </a:r>
+            <a:r>
+              <a:rPr lang="pt-BR" b="1" baseline="0" dirty="0"/>
+              <a:t>capacidade</a:t>
+            </a:r>
+            <a:r>
+              <a:rPr lang="pt-BR" baseline="0" dirty="0"/>
+              <a:t> média e </a:t>
+            </a:r>
+            <a:r>
+              <a:rPr lang="pt-BR" b="1" baseline="0" dirty="0"/>
+              <a:t>grau de generalização</a:t>
+            </a:r>
+            <a:r>
+              <a:rPr lang="pt-BR" b="0" baseline="0" dirty="0"/>
+              <a:t> médio.</a:t>
+            </a:r>
+          </a:p>
+          <a:p>
+            <a:pPr marL="0" indent="0">
+              <a:buFont typeface="Arial" panose="020B0604020202020204" pitchFamily="34" charset="0"/>
+              <a:buNone/>
+            </a:pPr>
+            <a:endParaRPr lang="pt-BR" b="0" baseline="0" dirty="0"/>
+          </a:p>
+          <a:p>
+            <a:pPr marL="171450" indent="-171450">
+              <a:buFont typeface="Arial" panose="020B0604020202020204" pitchFamily="34" charset="0"/>
+              <a:buChar char="•"/>
+            </a:pPr>
+            <a:r>
+              <a:rPr lang="pt-BR" dirty="0"/>
+              <a:t>O modelo com polinômio de grau 1 sofre de </a:t>
+            </a:r>
+            <a:r>
+              <a:rPr lang="pt-BR" sz="1200" b="0" i="0" kern="1200" dirty="0" err="1">
+                <a:solidFill>
+                  <a:schemeClr val="tx1"/>
+                </a:solidFill>
+                <a:effectLst/>
+                <a:latin typeface="+mn-lt"/>
+                <a:ea typeface="+mn-ea"/>
+                <a:cs typeface="+mn-cs"/>
+              </a:rPr>
+              <a:t>de</a:t>
+            </a:r>
+            <a:r>
+              <a:rPr lang="pt-BR" sz="1200" b="0" i="0" kern="1200" dirty="0">
+                <a:solidFill>
+                  <a:schemeClr val="tx1"/>
+                </a:solidFill>
+                <a:effectLst/>
+                <a:latin typeface="+mn-lt"/>
+                <a:ea typeface="+mn-ea"/>
+                <a:cs typeface="+mn-cs"/>
+              </a:rPr>
+              <a:t> </a:t>
+            </a:r>
+            <a:r>
+              <a:rPr lang="pt-BR" sz="1200" b="1" i="0" kern="1200" dirty="0" err="1">
+                <a:solidFill>
+                  <a:schemeClr val="tx1"/>
+                </a:solidFill>
+                <a:effectLst/>
+                <a:latin typeface="+mn-lt"/>
+                <a:ea typeface="+mn-ea"/>
+                <a:cs typeface="+mn-cs"/>
+              </a:rPr>
+              <a:t>sub-ajustamento</a:t>
+            </a:r>
+            <a:r>
+              <a:rPr lang="pt-BR" sz="1200" b="0" i="0" kern="1200" dirty="0">
+                <a:solidFill>
+                  <a:schemeClr val="tx1"/>
+                </a:solidFill>
+                <a:effectLst/>
+                <a:latin typeface="+mn-lt"/>
+                <a:ea typeface="+mn-ea"/>
+                <a:cs typeface="+mn-cs"/>
+              </a:rPr>
+              <a:t>, isto é, ele tem uma </a:t>
+            </a:r>
+            <a:r>
+              <a:rPr lang="pt-BR" sz="1200" b="1" i="0" kern="1200" dirty="0">
+                <a:solidFill>
+                  <a:schemeClr val="tx1"/>
+                </a:solidFill>
+                <a:effectLst/>
+                <a:latin typeface="+mn-lt"/>
+                <a:ea typeface="+mn-ea"/>
+                <a:cs typeface="+mn-cs"/>
+              </a:rPr>
+              <a:t>capacidade</a:t>
+            </a:r>
+            <a:r>
+              <a:rPr lang="pt-BR" sz="1200" b="0" i="0" kern="1200" dirty="0">
+                <a:solidFill>
+                  <a:schemeClr val="tx1"/>
+                </a:solidFill>
+                <a:effectLst/>
+                <a:latin typeface="+mn-lt"/>
+                <a:ea typeface="+mn-ea"/>
+                <a:cs typeface="+mn-cs"/>
+              </a:rPr>
+              <a:t> tão baixa que não consegue aprender as regularidades presentes</a:t>
+            </a:r>
+            <a:r>
+              <a:rPr lang="pt-BR" sz="1200" b="0" i="0" kern="1200" baseline="0" dirty="0">
+                <a:solidFill>
+                  <a:schemeClr val="tx1"/>
+                </a:solidFill>
+                <a:effectLst/>
+                <a:latin typeface="+mn-lt"/>
+                <a:ea typeface="+mn-ea"/>
+                <a:cs typeface="+mn-cs"/>
+              </a:rPr>
+              <a:t> </a:t>
+            </a:r>
+            <a:r>
+              <a:rPr lang="pt-BR" sz="1200" b="0" i="0" kern="1200" dirty="0">
+                <a:solidFill>
+                  <a:schemeClr val="tx1"/>
+                </a:solidFill>
+                <a:effectLst/>
+                <a:latin typeface="+mn-lt"/>
+                <a:ea typeface="+mn-ea"/>
+                <a:cs typeface="+mn-cs"/>
+              </a:rPr>
+              <a:t>no conjunto de treinamento. Nesse caso, os</a:t>
+            </a:r>
+            <a:r>
+              <a:rPr lang="pt-BR" sz="1200" b="0" i="0" kern="1200" baseline="0" dirty="0">
+                <a:solidFill>
+                  <a:schemeClr val="tx1"/>
+                </a:solidFill>
+                <a:effectLst/>
+                <a:latin typeface="+mn-lt"/>
+                <a:ea typeface="+mn-ea"/>
+                <a:cs typeface="+mn-cs"/>
+              </a:rPr>
+              <a:t> erros </a:t>
+            </a:r>
+            <a:r>
+              <a:rPr lang="pt-BR" sz="1200" b="0" i="0" kern="1200" dirty="0">
+                <a:solidFill>
+                  <a:schemeClr val="tx1"/>
+                </a:solidFill>
+                <a:effectLst/>
+                <a:latin typeface="+mn-lt"/>
+                <a:ea typeface="+mn-ea"/>
+                <a:cs typeface="+mn-cs"/>
+              </a:rPr>
+              <a:t>nos conjuntos</a:t>
+            </a:r>
+            <a:r>
+              <a:rPr lang="pt-BR" sz="1200" b="0" i="0" kern="1200" baseline="0" dirty="0">
+                <a:solidFill>
+                  <a:schemeClr val="tx1"/>
+                </a:solidFill>
+                <a:effectLst/>
+                <a:latin typeface="+mn-lt"/>
+                <a:ea typeface="+mn-ea"/>
+                <a:cs typeface="+mn-cs"/>
+              </a:rPr>
+              <a:t> </a:t>
+            </a:r>
+            <a:r>
+              <a:rPr lang="pt-BR" sz="1200" b="0" i="0" kern="1200" dirty="0">
+                <a:solidFill>
+                  <a:schemeClr val="tx1"/>
+                </a:solidFill>
+                <a:effectLst/>
+                <a:latin typeface="+mn-lt"/>
+                <a:ea typeface="+mn-ea"/>
+                <a:cs typeface="+mn-cs"/>
+              </a:rPr>
+              <a:t>de treinamento (</a:t>
+            </a:r>
+            <a:r>
+              <a:rPr lang="pt-BR" sz="1200" b="1" i="0" kern="1200" dirty="0">
+                <a:solidFill>
+                  <a:schemeClr val="tx1"/>
+                </a:solidFill>
+                <a:effectLst/>
+                <a:latin typeface="+mn-lt"/>
+                <a:ea typeface="+mn-ea"/>
+                <a:cs typeface="+mn-cs"/>
+              </a:rPr>
+              <a:t>erro de capacidade ou erro de representação</a:t>
+            </a:r>
+            <a:r>
+              <a:rPr lang="pt-BR" sz="1200" b="0" i="0" kern="1200" dirty="0">
+                <a:solidFill>
+                  <a:schemeClr val="tx1"/>
+                </a:solidFill>
+                <a:effectLst/>
+                <a:latin typeface="+mn-lt"/>
+                <a:ea typeface="+mn-ea"/>
+                <a:cs typeface="+mn-cs"/>
+              </a:rPr>
+              <a:t>) e de teste são</a:t>
+            </a:r>
+            <a:r>
+              <a:rPr lang="pt-BR" sz="1200" b="0" i="0" kern="1200" baseline="0" dirty="0">
+                <a:solidFill>
+                  <a:schemeClr val="tx1"/>
+                </a:solidFill>
+                <a:effectLst/>
+                <a:latin typeface="+mn-lt"/>
+                <a:ea typeface="+mn-ea"/>
+                <a:cs typeface="+mn-cs"/>
+              </a:rPr>
+              <a:t> altos</a:t>
+            </a:r>
+            <a:r>
+              <a:rPr lang="pt-BR" sz="1200" b="0" i="0" kern="1200" dirty="0">
+                <a:solidFill>
+                  <a:schemeClr val="tx1"/>
+                </a:solidFill>
+                <a:effectLst/>
+                <a:latin typeface="+mn-lt"/>
+                <a:ea typeface="+mn-ea"/>
+                <a:cs typeface="+mn-cs"/>
+              </a:rPr>
+              <a:t> </a:t>
+            </a:r>
+            <a:r>
+              <a:rPr lang="pt-BR" sz="1200" b="0" i="0" kern="1200" baseline="0" dirty="0">
+                <a:solidFill>
+                  <a:schemeClr val="tx1"/>
+                </a:solidFill>
+                <a:effectLst/>
+                <a:latin typeface="+mn-lt"/>
+                <a:ea typeface="+mn-ea"/>
+                <a:cs typeface="+mn-cs"/>
+              </a:rPr>
+              <a:t>(</a:t>
+            </a:r>
+            <a:r>
+              <a:rPr lang="pt-BR" sz="1200" b="1" i="0" kern="1200" baseline="0" dirty="0">
+                <a:solidFill>
+                  <a:schemeClr val="tx1"/>
+                </a:solidFill>
+                <a:effectLst/>
+                <a:latin typeface="+mn-lt"/>
+                <a:ea typeface="+mn-ea"/>
+                <a:cs typeface="+mn-cs"/>
+              </a:rPr>
+              <a:t>erro de generalização</a:t>
+            </a:r>
+            <a:r>
+              <a:rPr lang="pt-BR" sz="1200" b="0" i="0" kern="1200" baseline="0" dirty="0">
+                <a:solidFill>
+                  <a:schemeClr val="tx1"/>
+                </a:solidFill>
+                <a:effectLst/>
+                <a:latin typeface="+mn-lt"/>
+                <a:ea typeface="+mn-ea"/>
+                <a:cs typeface="+mn-cs"/>
+              </a:rPr>
+              <a:t>).</a:t>
+            </a:r>
+            <a:endParaRPr lang="pt-BR" b="0" dirty="0"/>
+          </a:p>
+          <a:p>
+            <a:pPr marL="171450" indent="-171450">
+              <a:buFont typeface="Arial" panose="020B0604020202020204" pitchFamily="34" charset="0"/>
+              <a:buChar char="•"/>
+            </a:pPr>
+            <a:r>
+              <a:rPr lang="pt-BR" dirty="0"/>
+              <a:t>O modelo com polinômio de grau 30</a:t>
+            </a:r>
+            <a:r>
+              <a:rPr lang="pt-BR" sz="1200" b="0" i="0" kern="1200" dirty="0">
+                <a:solidFill>
+                  <a:schemeClr val="tx1"/>
+                </a:solidFill>
+                <a:effectLst/>
+                <a:latin typeface="+mn-lt"/>
+                <a:ea typeface="+mn-ea"/>
+                <a:cs typeface="+mn-cs"/>
+              </a:rPr>
+              <a:t> sofre de </a:t>
+            </a:r>
+            <a:r>
+              <a:rPr lang="pt-BR" sz="1200" b="1" i="0" kern="1200" dirty="0" err="1">
+                <a:solidFill>
+                  <a:schemeClr val="tx1"/>
+                </a:solidFill>
+                <a:effectLst/>
+                <a:latin typeface="+mn-lt"/>
+                <a:ea typeface="+mn-ea"/>
+                <a:cs typeface="+mn-cs"/>
+              </a:rPr>
+              <a:t>sobre-ajustamento</a:t>
+            </a:r>
+            <a:r>
+              <a:rPr lang="pt-BR" sz="1200" b="0" i="0" kern="1200" dirty="0">
+                <a:solidFill>
+                  <a:schemeClr val="tx1"/>
+                </a:solidFill>
+                <a:effectLst/>
+                <a:latin typeface="+mn-lt"/>
+                <a:ea typeface="+mn-ea"/>
+                <a:cs typeface="+mn-cs"/>
+              </a:rPr>
+              <a:t>, isto é, ele tem uma capacidade tão alta que além de aprender as regularidades, aprendeu também o ruído presente nos exemplos de treinamento. Nesse caso, o erro no conjunto de treinamento é baixo (</a:t>
+            </a:r>
+            <a:r>
+              <a:rPr lang="pt-BR" sz="1200" b="1" i="0" kern="1200" dirty="0">
+                <a:solidFill>
+                  <a:schemeClr val="tx1"/>
+                </a:solidFill>
+                <a:effectLst/>
+                <a:latin typeface="+mn-lt"/>
+                <a:ea typeface="+mn-ea"/>
+                <a:cs typeface="+mn-cs"/>
+              </a:rPr>
+              <a:t>erro de capacidade</a:t>
+            </a:r>
+            <a:r>
+              <a:rPr lang="pt-BR" sz="1200" b="0" i="0" kern="1200" dirty="0">
+                <a:solidFill>
+                  <a:schemeClr val="tx1"/>
+                </a:solidFill>
+                <a:effectLst/>
+                <a:latin typeface="+mn-lt"/>
+                <a:ea typeface="+mn-ea"/>
+                <a:cs typeface="+mn-cs"/>
+              </a:rPr>
+              <a:t>) e o erro no conjunto de teste</a:t>
+            </a:r>
+            <a:r>
+              <a:rPr lang="pt-BR" sz="1200" b="0" i="0" kern="1200" baseline="0" dirty="0">
+                <a:solidFill>
+                  <a:schemeClr val="tx1"/>
+                </a:solidFill>
+                <a:effectLst/>
+                <a:latin typeface="+mn-lt"/>
+                <a:ea typeface="+mn-ea"/>
+                <a:cs typeface="+mn-cs"/>
+              </a:rPr>
+              <a:t> é alto (</a:t>
+            </a:r>
+            <a:r>
+              <a:rPr lang="pt-BR" sz="1200" b="1" i="0" kern="1200" baseline="0" dirty="0">
+                <a:solidFill>
+                  <a:schemeClr val="tx1"/>
+                </a:solidFill>
+                <a:effectLst/>
+                <a:latin typeface="+mn-lt"/>
+                <a:ea typeface="+mn-ea"/>
+                <a:cs typeface="+mn-cs"/>
+              </a:rPr>
+              <a:t>erro de generalização</a:t>
+            </a:r>
+            <a:r>
+              <a:rPr lang="pt-BR" sz="1200" b="0" i="0" kern="1200" baseline="0" dirty="0">
+                <a:solidFill>
+                  <a:schemeClr val="tx1"/>
+                </a:solidFill>
+                <a:effectLst/>
+                <a:latin typeface="+mn-lt"/>
+                <a:ea typeface="+mn-ea"/>
+                <a:cs typeface="+mn-cs"/>
+              </a:rPr>
+              <a:t>).</a:t>
+            </a:r>
+            <a:endParaRPr lang="pt-BR" sz="1200" b="0" i="0" kern="1200" dirty="0">
+              <a:solidFill>
+                <a:schemeClr val="tx1"/>
+              </a:solidFill>
+              <a:effectLst/>
+              <a:latin typeface="+mn-lt"/>
+              <a:ea typeface="+mn-ea"/>
+              <a:cs typeface="+mn-cs"/>
+            </a:endParaRPr>
+          </a:p>
+          <a:p>
+            <a:pPr marL="171450" indent="-171450">
+              <a:buFont typeface="Arial" panose="020B0604020202020204" pitchFamily="34" charset="0"/>
+              <a:buChar char="•"/>
+            </a:pPr>
+            <a:r>
+              <a:rPr lang="pt-BR" dirty="0"/>
+              <a:t>O modelo com polinômio de grau 2</a:t>
+            </a:r>
+            <a:r>
+              <a:rPr lang="pt-BR" sz="1200" b="0" i="0" kern="1200" baseline="0" dirty="0">
+                <a:solidFill>
+                  <a:schemeClr val="tx1"/>
+                </a:solidFill>
+                <a:effectLst/>
+                <a:latin typeface="+mn-lt"/>
+                <a:ea typeface="+mn-ea"/>
+                <a:cs typeface="+mn-cs"/>
+              </a:rPr>
+              <a:t> </a:t>
+            </a:r>
+            <a:r>
+              <a:rPr lang="pt-BR" sz="1200" b="0" i="0" kern="1200" dirty="0">
+                <a:solidFill>
+                  <a:schemeClr val="tx1"/>
+                </a:solidFill>
+                <a:effectLst/>
+                <a:latin typeface="+mn-lt"/>
+                <a:ea typeface="+mn-ea"/>
+                <a:cs typeface="+mn-cs"/>
+              </a:rPr>
+              <a:t>parece ter aprendido bem as regularidades dos dados sem aprender o ruído no conjunto de treinamento. Nesse caso, os erros no conjunto de treinamento (</a:t>
+            </a:r>
+            <a:r>
+              <a:rPr lang="pt-BR" sz="1200" b="1" i="0" kern="1200" dirty="0">
+                <a:solidFill>
+                  <a:schemeClr val="tx1"/>
+                </a:solidFill>
+                <a:effectLst/>
+                <a:latin typeface="+mn-lt"/>
+                <a:ea typeface="+mn-ea"/>
+                <a:cs typeface="+mn-cs"/>
+              </a:rPr>
+              <a:t>erro de capacidade</a:t>
+            </a:r>
+            <a:r>
+              <a:rPr lang="pt-BR" sz="1200" b="0" i="0" kern="1200" dirty="0">
+                <a:solidFill>
+                  <a:schemeClr val="tx1"/>
+                </a:solidFill>
+                <a:effectLst/>
+                <a:latin typeface="+mn-lt"/>
+                <a:ea typeface="+mn-ea"/>
+                <a:cs typeface="+mn-cs"/>
+              </a:rPr>
+              <a:t>) e teste </a:t>
+            </a:r>
+            <a:r>
+              <a:rPr lang="pt-BR" sz="1200" b="0" i="0" kern="1200" baseline="0" dirty="0">
+                <a:solidFill>
+                  <a:schemeClr val="tx1"/>
+                </a:solidFill>
+                <a:effectLst/>
+                <a:latin typeface="+mn-lt"/>
+                <a:ea typeface="+mn-ea"/>
+                <a:cs typeface="+mn-cs"/>
+              </a:rPr>
+              <a:t>(</a:t>
+            </a:r>
+            <a:r>
+              <a:rPr lang="pt-BR" sz="1200" b="1" i="0" kern="1200" baseline="0" dirty="0">
+                <a:solidFill>
+                  <a:schemeClr val="tx1"/>
+                </a:solidFill>
+                <a:effectLst/>
+                <a:latin typeface="+mn-lt"/>
+                <a:ea typeface="+mn-ea"/>
+                <a:cs typeface="+mn-cs"/>
+              </a:rPr>
+              <a:t>erro de generalização</a:t>
+            </a:r>
+            <a:r>
+              <a:rPr lang="pt-BR" sz="1200" b="0" i="0" kern="1200" baseline="0" dirty="0">
+                <a:solidFill>
+                  <a:schemeClr val="tx1"/>
+                </a:solidFill>
+                <a:effectLst/>
+                <a:latin typeface="+mn-lt"/>
+                <a:ea typeface="+mn-ea"/>
+                <a:cs typeface="+mn-cs"/>
+              </a:rPr>
+              <a:t>) </a:t>
+            </a:r>
+            <a:r>
+              <a:rPr lang="pt-BR" sz="1200" b="0" i="0" kern="1200" dirty="0">
+                <a:solidFill>
+                  <a:schemeClr val="tx1"/>
+                </a:solidFill>
+                <a:effectLst/>
+                <a:latin typeface="+mn-lt"/>
+                <a:ea typeface="+mn-ea"/>
+                <a:cs typeface="+mn-cs"/>
+              </a:rPr>
+              <a:t>são parecidos e satisfatórios.</a:t>
+            </a:r>
+            <a:endParaRPr lang="pt-BR" b="1" dirty="0"/>
+          </a:p>
+          <a:p>
+            <a:endParaRPr lang="pt-BR" dirty="0"/>
+          </a:p>
+        </p:txBody>
+      </p:sp>
+      <p:sp>
+        <p:nvSpPr>
+          <p:cNvPr id="4" name="Espaço Reservado para Número de Slide 3"/>
+          <p:cNvSpPr>
+            <a:spLocks noGrp="1"/>
+          </p:cNvSpPr>
+          <p:nvPr>
+            <p:ph type="sldNum" sz="quarter" idx="5"/>
+          </p:nvPr>
+        </p:nvSpPr>
+        <p:spPr/>
+        <p:txBody>
+          <a:bodyPr/>
+          <a:lstStyle/>
+          <a:p>
+            <a:fld id="{DA8B99DF-01BC-492A-8CEF-4FD88D18DD9D}" type="slidenum">
+              <a:rPr lang="nl-BE" smtClean="0"/>
+              <a:t>20</a:t>
+            </a:fld>
+            <a:endParaRPr lang="nl-BE"/>
+          </a:p>
+        </p:txBody>
+      </p:sp>
+    </p:spTree>
+    <p:extLst>
+      <p:ext uri="{BB962C8B-B14F-4D97-AF65-F5344CB8AC3E}">
+        <p14:creationId xmlns:p14="http://schemas.microsoft.com/office/powerpoint/2010/main" val="3557942293"/>
+      </p:ext>
+    </p:extLst>
+  </p:cSld>
+  <p:clrMapOvr>
+    <a:masterClrMapping/>
+  </p:clrMapOvr>
+</p:notes>
+</file>
+
+<file path=ppt/notesSlides/notesSlide15.xml><?xml version="1.0" encoding="utf-8"?>
+<p:notes xmlns:a="http://schemas.openxmlformats.org/drawingml/2006/main" xmlns:r="http://schemas.openxmlformats.org/officeDocument/2006/relationships" xmlns:p="http://schemas.openxmlformats.org/presentationml/2006/main">
+  <p:cSld>
+    <p:spTree>
+      <p:nvGrpSpPr>
+        <p:cNvPr id="1" name=""/>
+        <p:cNvGrpSpPr/>
+        <p:nvPr/>
+      </p:nvGrpSpPr>
+      <p:grpSpPr>
+        <a:xfrm>
+          <a:off x="0" y="0"/>
+          <a:ext cx="0" cy="0"/>
+          <a:chOff x="0" y="0"/>
+          <a:chExt cx="0" cy="0"/>
+        </a:xfrm>
+      </p:grpSpPr>
+      <p:sp>
+        <p:nvSpPr>
+          <p:cNvPr id="2" name="Espaço Reservado para Imagem de Slide 1"/>
+          <p:cNvSpPr>
+            <a:spLocks noGrp="1" noRot="1" noChangeAspect="1"/>
+          </p:cNvSpPr>
+          <p:nvPr>
+            <p:ph type="sldImg"/>
+          </p:nvPr>
+        </p:nvSpPr>
+        <p:spPr/>
+      </p:sp>
+      <p:sp>
+        <p:nvSpPr>
+          <p:cNvPr id="3" name="Espaço Reservado para Anotações 2"/>
+          <p:cNvSpPr>
+            <a:spLocks noGrp="1"/>
+          </p:cNvSpPr>
+          <p:nvPr>
+            <p:ph type="body" idx="1"/>
+          </p:nvPr>
+        </p:nvSpPr>
+        <p:spPr/>
+        <p:txBody>
+          <a:bodyPr/>
+          <a:lstStyle/>
+          <a:p>
+            <a:r>
+              <a:rPr lang="pt-BR" dirty="0"/>
+              <a:t>Binder: https://mybinder.org/v2/gh/zz4fap/t319_aprendizado_de_maquina/main?filepath=notebooks/regression/polynomial_regression.ipynb</a:t>
+            </a:r>
+          </a:p>
+          <a:p>
+            <a:endParaRPr lang="pt-BR" dirty="0"/>
+          </a:p>
+          <a:p>
+            <a:pPr marL="0" marR="0" lvl="0" indent="0" algn="l" defTabSz="914400" rtl="0" eaLnBrk="1" fontAlgn="auto" latinLnBrk="0" hangingPunct="1">
+              <a:lnSpc>
+                <a:spcPct val="100000"/>
+              </a:lnSpc>
+              <a:spcBef>
+                <a:spcPts val="0"/>
+              </a:spcBef>
+              <a:spcAft>
+                <a:spcPts val="0"/>
+              </a:spcAft>
+              <a:buClrTx/>
+              <a:buSzTx/>
+              <a:buFontTx/>
+              <a:buNone/>
+              <a:tabLst/>
+              <a:defRPr/>
+            </a:pPr>
+            <a:r>
+              <a:rPr lang="pt-BR" dirty="0" err="1"/>
+              <a:t>Colab</a:t>
+            </a:r>
+            <a:r>
+              <a:rPr lang="pt-BR" dirty="0"/>
+              <a:t>: https://colab.research.google.com/github/zz4fap/t319_aprendizado_de_maquina/blob/main/notebooks/regression/polynomial_regression.ipynb</a:t>
+            </a:r>
+          </a:p>
+          <a:p>
+            <a:endParaRPr lang="pt-BR" dirty="0"/>
+          </a:p>
+          <a:p>
+            <a:r>
+              <a:rPr lang="pt-BR" dirty="0"/>
+              <a:t>É importante salientar que</a:t>
+            </a:r>
+            <a:r>
+              <a:rPr lang="pt-BR" baseline="0" dirty="0"/>
+              <a:t> </a:t>
+            </a:r>
+            <a:r>
+              <a:rPr lang="pt-BR" dirty="0"/>
+              <a:t>todos os esforços de construção de um modelo são limitados pelos dados existentes. Para muitos problemas, o</a:t>
+            </a:r>
+            <a:r>
+              <a:rPr lang="pt-BR" baseline="0" dirty="0"/>
+              <a:t> conjunto de dados </a:t>
+            </a:r>
+            <a:r>
+              <a:rPr lang="pt-BR" dirty="0"/>
+              <a:t>pode ter um número limitado de amostras, ele</a:t>
+            </a:r>
+            <a:r>
+              <a:rPr lang="pt-BR" baseline="0" dirty="0"/>
+              <a:t> </a:t>
+            </a:r>
+            <a:r>
+              <a:rPr lang="pt-BR" dirty="0"/>
+              <a:t>pode ser de qualidade inferior à desejável e/ou ele pode não ser representativo</a:t>
+            </a:r>
+            <a:r>
+              <a:rPr lang="pt-BR" baseline="0" dirty="0"/>
+              <a:t> </a:t>
+            </a:r>
+            <a:r>
+              <a:rPr lang="pt-BR" dirty="0"/>
+              <a:t>de amostras futuras.</a:t>
+            </a:r>
+          </a:p>
+          <a:p>
+            <a:endParaRPr lang="pt-BR" dirty="0"/>
+          </a:p>
+          <a:p>
+            <a:r>
+              <a:rPr lang="pt-BR" dirty="0"/>
+              <a:t>Trabalhando com base na</a:t>
+            </a:r>
+            <a:r>
+              <a:rPr lang="pt-BR" baseline="0" dirty="0"/>
+              <a:t> </a:t>
+            </a:r>
+            <a:r>
+              <a:rPr lang="pt-BR" dirty="0"/>
+              <a:t>suposição</a:t>
+            </a:r>
+            <a:r>
+              <a:rPr lang="pt-BR" baseline="0" dirty="0"/>
+              <a:t> de que o conjunto que temos é representativo e de boa qualidade</a:t>
+            </a:r>
+            <a:r>
+              <a:rPr lang="pt-BR" dirty="0"/>
+              <a:t>, devemos usar os dados disponíveis para encontrar o melhor modelo preditivo. Quase todas as técnicas de modelagem preditiva possuem (hiper)parâmetros de ajuste que permitem que o modelo seja flexível o suficiente para encontrar a estrutura por trás dos dados.</a:t>
+            </a:r>
+          </a:p>
+          <a:p>
+            <a:endParaRPr lang="pt-BR" dirty="0"/>
+          </a:p>
+          <a:p>
+            <a:r>
+              <a:rPr lang="pt-BR" dirty="0"/>
+              <a:t>Portanto, devemos usar os dados existentes para identificar os valores dos parâmetros do modelo que geram o melhor e mais realista desempenho preditivo (conhecido como ajuste do modelo). Tradicionalmente, isso é obtido dividindo-se os dados existentes em conjuntos de treinamento e teste. O conjunto de treinamento é usado para construir e ajustar o modelo e o conjunto de teste é usado para estimar o desempenho preditivo do modelo.</a:t>
+            </a:r>
+          </a:p>
+          <a:p>
+            <a:endParaRPr lang="pt-BR" dirty="0"/>
+          </a:p>
+          <a:p>
+            <a:r>
+              <a:rPr lang="pt-BR" dirty="0"/>
+              <a:t>Durante o processo de aprendizado/treinamento, deseja-se evitar duas situações que comprometem o uso de um modelo:</a:t>
+            </a:r>
+          </a:p>
+          <a:p>
+            <a:pPr marL="171450" indent="-171450">
+              <a:buFont typeface="Arial" panose="020B0604020202020204" pitchFamily="34" charset="0"/>
+              <a:buChar char="•"/>
+            </a:pPr>
+            <a:r>
+              <a:rPr lang="pt-BR" dirty="0"/>
+              <a:t>Subajuste</a:t>
+            </a:r>
+          </a:p>
+          <a:p>
+            <a:pPr marL="171450" indent="-171450">
+              <a:buFont typeface="Arial" panose="020B0604020202020204" pitchFamily="34" charset="0"/>
+              <a:buChar char="•"/>
+            </a:pPr>
+            <a:r>
+              <a:rPr lang="pt-BR" dirty="0"/>
+              <a:t>Sobreajuste</a:t>
+            </a:r>
+          </a:p>
+          <a:p>
+            <a:pPr marL="171450" indent="-171450">
+              <a:buFont typeface="Arial" panose="020B0604020202020204" pitchFamily="34" charset="0"/>
+              <a:buChar char="•"/>
+            </a:pPr>
+            <a:endParaRPr lang="pt-BR" dirty="0"/>
+          </a:p>
+          <a:p>
+            <a:pPr marL="171450" indent="-171450">
+              <a:buFont typeface="Arial" panose="020B0604020202020204" pitchFamily="34" charset="0"/>
+              <a:buChar char="•"/>
+            </a:pPr>
+            <a:r>
+              <a:rPr lang="pt-BR" dirty="0"/>
+              <a:t>O modelo com polinômio de grau 1</a:t>
+            </a:r>
+            <a:r>
+              <a:rPr lang="pt-BR" baseline="0" dirty="0"/>
+              <a:t> tem </a:t>
+            </a:r>
+            <a:r>
+              <a:rPr lang="pt-BR" b="1" baseline="0" dirty="0"/>
+              <a:t>capacidade</a:t>
+            </a:r>
+            <a:r>
+              <a:rPr lang="pt-BR" b="0" baseline="0" dirty="0"/>
+              <a:t> muito baixa e </a:t>
+            </a:r>
+            <a:r>
+              <a:rPr lang="pt-BR" b="1" baseline="0" dirty="0"/>
+              <a:t>grau de generalização</a:t>
+            </a:r>
+            <a:r>
+              <a:rPr lang="pt-BR" b="0" baseline="0" dirty="0"/>
+              <a:t> muito baixo.</a:t>
+            </a:r>
+            <a:endParaRPr lang="pt-BR" b="1" baseline="0" dirty="0"/>
+          </a:p>
+          <a:p>
+            <a:pPr marL="171450" marR="0" indent="-171450" algn="l" defTabSz="914400" rtl="0" eaLnBrk="1" fontAlgn="auto" latinLnBrk="0" hangingPunct="1">
+              <a:lnSpc>
+                <a:spcPct val="100000"/>
+              </a:lnSpc>
+              <a:spcBef>
+                <a:spcPts val="0"/>
+              </a:spcBef>
+              <a:spcAft>
+                <a:spcPts val="0"/>
+              </a:spcAft>
+              <a:buClrTx/>
+              <a:buSzTx/>
+              <a:buFont typeface="Arial" panose="020B0604020202020204" pitchFamily="34" charset="0"/>
+              <a:buChar char="•"/>
+              <a:tabLst/>
+              <a:defRPr/>
+            </a:pPr>
+            <a:r>
+              <a:rPr lang="pt-BR" dirty="0"/>
+              <a:t>O modelo com polinômio de grau 30</a:t>
+            </a:r>
+            <a:r>
+              <a:rPr lang="pt-BR" baseline="0" dirty="0"/>
+              <a:t> tem </a:t>
+            </a:r>
+            <a:r>
+              <a:rPr lang="pt-BR" b="1" baseline="0" dirty="0"/>
+              <a:t>capacidade </a:t>
+            </a:r>
+            <a:r>
+              <a:rPr lang="pt-BR" b="0" baseline="0" dirty="0"/>
+              <a:t>muito alta e </a:t>
+            </a:r>
+            <a:r>
+              <a:rPr lang="pt-BR" b="1" baseline="0" dirty="0"/>
+              <a:t>grau de generalização</a:t>
+            </a:r>
+            <a:r>
+              <a:rPr lang="pt-BR" b="0" baseline="0" dirty="0"/>
+              <a:t> muito baixo.</a:t>
+            </a:r>
+            <a:endParaRPr lang="pt-BR" b="1" baseline="0" dirty="0"/>
+          </a:p>
+          <a:p>
+            <a:pPr marL="171450" indent="-171450">
+              <a:buFont typeface="Arial" panose="020B0604020202020204" pitchFamily="34" charset="0"/>
+              <a:buChar char="•"/>
+            </a:pPr>
+            <a:r>
+              <a:rPr lang="pt-BR" dirty="0"/>
+              <a:t>O modelo com polinômio de grau 2</a:t>
+            </a:r>
+            <a:r>
+              <a:rPr lang="pt-BR" baseline="0" dirty="0"/>
+              <a:t> tem </a:t>
+            </a:r>
+            <a:r>
+              <a:rPr lang="pt-BR" b="1" baseline="0" dirty="0"/>
+              <a:t>capacidade</a:t>
+            </a:r>
+            <a:r>
+              <a:rPr lang="pt-BR" baseline="0" dirty="0"/>
+              <a:t> média e </a:t>
+            </a:r>
+            <a:r>
+              <a:rPr lang="pt-BR" b="1" baseline="0" dirty="0"/>
+              <a:t>grau de generalização</a:t>
+            </a:r>
+            <a:r>
+              <a:rPr lang="pt-BR" b="0" baseline="0" dirty="0"/>
+              <a:t> médio.</a:t>
+            </a:r>
+          </a:p>
+          <a:p>
+            <a:pPr marL="0" indent="0">
+              <a:buFont typeface="Arial" panose="020B0604020202020204" pitchFamily="34" charset="0"/>
+              <a:buNone/>
+            </a:pPr>
+            <a:endParaRPr lang="pt-BR" b="0" baseline="0" dirty="0"/>
+          </a:p>
+          <a:p>
+            <a:pPr marL="171450" indent="-171450">
+              <a:buFont typeface="Arial" panose="020B0604020202020204" pitchFamily="34" charset="0"/>
+              <a:buChar char="•"/>
+            </a:pPr>
+            <a:r>
+              <a:rPr lang="pt-BR" dirty="0"/>
+              <a:t>O modelo com polinômio de grau 1 sofre de </a:t>
+            </a:r>
+            <a:r>
+              <a:rPr lang="pt-BR" sz="1200" b="0" i="0" kern="1200" dirty="0" err="1">
+                <a:solidFill>
+                  <a:schemeClr val="tx1"/>
+                </a:solidFill>
+                <a:effectLst/>
+                <a:latin typeface="+mn-lt"/>
+                <a:ea typeface="+mn-ea"/>
+                <a:cs typeface="+mn-cs"/>
+              </a:rPr>
+              <a:t>de</a:t>
+            </a:r>
+            <a:r>
+              <a:rPr lang="pt-BR" sz="1200" b="0" i="0" kern="1200" dirty="0">
+                <a:solidFill>
+                  <a:schemeClr val="tx1"/>
+                </a:solidFill>
+                <a:effectLst/>
+                <a:latin typeface="+mn-lt"/>
+                <a:ea typeface="+mn-ea"/>
+                <a:cs typeface="+mn-cs"/>
+              </a:rPr>
+              <a:t> </a:t>
+            </a:r>
+            <a:r>
+              <a:rPr lang="pt-BR" sz="1200" b="1" i="0" kern="1200" dirty="0" err="1">
+                <a:solidFill>
+                  <a:schemeClr val="tx1"/>
+                </a:solidFill>
+                <a:effectLst/>
+                <a:latin typeface="+mn-lt"/>
+                <a:ea typeface="+mn-ea"/>
+                <a:cs typeface="+mn-cs"/>
+              </a:rPr>
+              <a:t>sub-ajustamento</a:t>
+            </a:r>
+            <a:r>
+              <a:rPr lang="pt-BR" sz="1200" b="0" i="0" kern="1200" dirty="0">
+                <a:solidFill>
+                  <a:schemeClr val="tx1"/>
+                </a:solidFill>
+                <a:effectLst/>
+                <a:latin typeface="+mn-lt"/>
+                <a:ea typeface="+mn-ea"/>
+                <a:cs typeface="+mn-cs"/>
+              </a:rPr>
+              <a:t>, isto é, ele tem uma </a:t>
+            </a:r>
+            <a:r>
+              <a:rPr lang="pt-BR" sz="1200" b="1" i="0" kern="1200" dirty="0">
+                <a:solidFill>
+                  <a:schemeClr val="tx1"/>
+                </a:solidFill>
+                <a:effectLst/>
+                <a:latin typeface="+mn-lt"/>
+                <a:ea typeface="+mn-ea"/>
+                <a:cs typeface="+mn-cs"/>
+              </a:rPr>
+              <a:t>capacidade</a:t>
+            </a:r>
+            <a:r>
+              <a:rPr lang="pt-BR" sz="1200" b="0" i="0" kern="1200" dirty="0">
+                <a:solidFill>
+                  <a:schemeClr val="tx1"/>
+                </a:solidFill>
+                <a:effectLst/>
+                <a:latin typeface="+mn-lt"/>
+                <a:ea typeface="+mn-ea"/>
+                <a:cs typeface="+mn-cs"/>
+              </a:rPr>
+              <a:t> tão baixa que não consegue aprender as regularidades presentes</a:t>
+            </a:r>
+            <a:r>
+              <a:rPr lang="pt-BR" sz="1200" b="0" i="0" kern="1200" baseline="0" dirty="0">
+                <a:solidFill>
+                  <a:schemeClr val="tx1"/>
+                </a:solidFill>
+                <a:effectLst/>
+                <a:latin typeface="+mn-lt"/>
+                <a:ea typeface="+mn-ea"/>
+                <a:cs typeface="+mn-cs"/>
+              </a:rPr>
+              <a:t> </a:t>
+            </a:r>
+            <a:r>
+              <a:rPr lang="pt-BR" sz="1200" b="0" i="0" kern="1200" dirty="0">
+                <a:solidFill>
+                  <a:schemeClr val="tx1"/>
+                </a:solidFill>
+                <a:effectLst/>
+                <a:latin typeface="+mn-lt"/>
+                <a:ea typeface="+mn-ea"/>
+                <a:cs typeface="+mn-cs"/>
+              </a:rPr>
+              <a:t>no conjunto de treinamento. Nesse caso, os</a:t>
+            </a:r>
+            <a:r>
+              <a:rPr lang="pt-BR" sz="1200" b="0" i="0" kern="1200" baseline="0" dirty="0">
+                <a:solidFill>
+                  <a:schemeClr val="tx1"/>
+                </a:solidFill>
+                <a:effectLst/>
+                <a:latin typeface="+mn-lt"/>
+                <a:ea typeface="+mn-ea"/>
+                <a:cs typeface="+mn-cs"/>
+              </a:rPr>
+              <a:t> erros </a:t>
+            </a:r>
+            <a:r>
+              <a:rPr lang="pt-BR" sz="1200" b="0" i="0" kern="1200" dirty="0">
+                <a:solidFill>
+                  <a:schemeClr val="tx1"/>
+                </a:solidFill>
+                <a:effectLst/>
+                <a:latin typeface="+mn-lt"/>
+                <a:ea typeface="+mn-ea"/>
+                <a:cs typeface="+mn-cs"/>
+              </a:rPr>
+              <a:t>nos conjuntos</a:t>
+            </a:r>
+            <a:r>
+              <a:rPr lang="pt-BR" sz="1200" b="0" i="0" kern="1200" baseline="0" dirty="0">
+                <a:solidFill>
+                  <a:schemeClr val="tx1"/>
+                </a:solidFill>
+                <a:effectLst/>
+                <a:latin typeface="+mn-lt"/>
+                <a:ea typeface="+mn-ea"/>
+                <a:cs typeface="+mn-cs"/>
+              </a:rPr>
+              <a:t> </a:t>
+            </a:r>
+            <a:r>
+              <a:rPr lang="pt-BR" sz="1200" b="0" i="0" kern="1200" dirty="0">
+                <a:solidFill>
+                  <a:schemeClr val="tx1"/>
+                </a:solidFill>
+                <a:effectLst/>
+                <a:latin typeface="+mn-lt"/>
+                <a:ea typeface="+mn-ea"/>
+                <a:cs typeface="+mn-cs"/>
+              </a:rPr>
+              <a:t>de treinamento (</a:t>
+            </a:r>
+            <a:r>
+              <a:rPr lang="pt-BR" sz="1200" b="1" i="0" kern="1200" dirty="0">
+                <a:solidFill>
+                  <a:schemeClr val="tx1"/>
+                </a:solidFill>
+                <a:effectLst/>
+                <a:latin typeface="+mn-lt"/>
+                <a:ea typeface="+mn-ea"/>
+                <a:cs typeface="+mn-cs"/>
+              </a:rPr>
+              <a:t>erro de capacidade ou erro de representação</a:t>
+            </a:r>
+            <a:r>
+              <a:rPr lang="pt-BR" sz="1200" b="0" i="0" kern="1200" dirty="0">
+                <a:solidFill>
+                  <a:schemeClr val="tx1"/>
+                </a:solidFill>
+                <a:effectLst/>
+                <a:latin typeface="+mn-lt"/>
+                <a:ea typeface="+mn-ea"/>
+                <a:cs typeface="+mn-cs"/>
+              </a:rPr>
+              <a:t>) e de teste são</a:t>
+            </a:r>
+            <a:r>
+              <a:rPr lang="pt-BR" sz="1200" b="0" i="0" kern="1200" baseline="0" dirty="0">
+                <a:solidFill>
+                  <a:schemeClr val="tx1"/>
+                </a:solidFill>
+                <a:effectLst/>
+                <a:latin typeface="+mn-lt"/>
+                <a:ea typeface="+mn-ea"/>
+                <a:cs typeface="+mn-cs"/>
+              </a:rPr>
+              <a:t> altos</a:t>
+            </a:r>
+            <a:r>
+              <a:rPr lang="pt-BR" sz="1200" b="0" i="0" kern="1200" dirty="0">
+                <a:solidFill>
+                  <a:schemeClr val="tx1"/>
+                </a:solidFill>
+                <a:effectLst/>
+                <a:latin typeface="+mn-lt"/>
+                <a:ea typeface="+mn-ea"/>
+                <a:cs typeface="+mn-cs"/>
+              </a:rPr>
+              <a:t> </a:t>
+            </a:r>
+            <a:r>
+              <a:rPr lang="pt-BR" sz="1200" b="0" i="0" kern="1200" baseline="0" dirty="0">
+                <a:solidFill>
+                  <a:schemeClr val="tx1"/>
+                </a:solidFill>
+                <a:effectLst/>
+                <a:latin typeface="+mn-lt"/>
+                <a:ea typeface="+mn-ea"/>
+                <a:cs typeface="+mn-cs"/>
+              </a:rPr>
+              <a:t>(</a:t>
+            </a:r>
+            <a:r>
+              <a:rPr lang="pt-BR" sz="1200" b="1" i="0" kern="1200" baseline="0" dirty="0">
+                <a:solidFill>
+                  <a:schemeClr val="tx1"/>
+                </a:solidFill>
+                <a:effectLst/>
+                <a:latin typeface="+mn-lt"/>
+                <a:ea typeface="+mn-ea"/>
+                <a:cs typeface="+mn-cs"/>
+              </a:rPr>
+              <a:t>erro de generalização</a:t>
+            </a:r>
+            <a:r>
+              <a:rPr lang="pt-BR" sz="1200" b="0" i="0" kern="1200" baseline="0" dirty="0">
+                <a:solidFill>
+                  <a:schemeClr val="tx1"/>
+                </a:solidFill>
+                <a:effectLst/>
+                <a:latin typeface="+mn-lt"/>
+                <a:ea typeface="+mn-ea"/>
+                <a:cs typeface="+mn-cs"/>
+              </a:rPr>
+              <a:t>).</a:t>
+            </a:r>
+            <a:endParaRPr lang="pt-BR" b="0" dirty="0"/>
+          </a:p>
+          <a:p>
+            <a:pPr marL="171450" indent="-171450">
+              <a:buFont typeface="Arial" panose="020B0604020202020204" pitchFamily="34" charset="0"/>
+              <a:buChar char="•"/>
+            </a:pPr>
+            <a:r>
+              <a:rPr lang="pt-BR" dirty="0"/>
+              <a:t>O modelo com polinômio de grau 30</a:t>
+            </a:r>
+            <a:r>
+              <a:rPr lang="pt-BR" sz="1200" b="0" i="0" kern="1200" dirty="0">
+                <a:solidFill>
+                  <a:schemeClr val="tx1"/>
+                </a:solidFill>
+                <a:effectLst/>
+                <a:latin typeface="+mn-lt"/>
+                <a:ea typeface="+mn-ea"/>
+                <a:cs typeface="+mn-cs"/>
+              </a:rPr>
+              <a:t> sofre de </a:t>
+            </a:r>
+            <a:r>
+              <a:rPr lang="pt-BR" sz="1200" b="1" i="0" kern="1200" dirty="0" err="1">
+                <a:solidFill>
+                  <a:schemeClr val="tx1"/>
+                </a:solidFill>
+                <a:effectLst/>
+                <a:latin typeface="+mn-lt"/>
+                <a:ea typeface="+mn-ea"/>
+                <a:cs typeface="+mn-cs"/>
+              </a:rPr>
+              <a:t>sobre-ajustamento</a:t>
+            </a:r>
+            <a:r>
+              <a:rPr lang="pt-BR" sz="1200" b="0" i="0" kern="1200" dirty="0">
+                <a:solidFill>
+                  <a:schemeClr val="tx1"/>
+                </a:solidFill>
+                <a:effectLst/>
+                <a:latin typeface="+mn-lt"/>
+                <a:ea typeface="+mn-ea"/>
+                <a:cs typeface="+mn-cs"/>
+              </a:rPr>
+              <a:t>, isto é, ele tem uma capacidade tão alta que além de aprender as regularidades, aprendeu também o ruído presente nos exemplos de treinamento. Nesse caso, o erro no conjunto de treinamento é baixo (</a:t>
+            </a:r>
+            <a:r>
+              <a:rPr lang="pt-BR" sz="1200" b="1" i="0" kern="1200" dirty="0">
+                <a:solidFill>
+                  <a:schemeClr val="tx1"/>
+                </a:solidFill>
+                <a:effectLst/>
+                <a:latin typeface="+mn-lt"/>
+                <a:ea typeface="+mn-ea"/>
+                <a:cs typeface="+mn-cs"/>
+              </a:rPr>
+              <a:t>erro de capacidade</a:t>
+            </a:r>
+            <a:r>
+              <a:rPr lang="pt-BR" sz="1200" b="0" i="0" kern="1200" dirty="0">
+                <a:solidFill>
+                  <a:schemeClr val="tx1"/>
+                </a:solidFill>
+                <a:effectLst/>
+                <a:latin typeface="+mn-lt"/>
+                <a:ea typeface="+mn-ea"/>
+                <a:cs typeface="+mn-cs"/>
+              </a:rPr>
+              <a:t>) e o erro no conjunto de teste</a:t>
+            </a:r>
+            <a:r>
+              <a:rPr lang="pt-BR" sz="1200" b="0" i="0" kern="1200" baseline="0" dirty="0">
+                <a:solidFill>
+                  <a:schemeClr val="tx1"/>
+                </a:solidFill>
+                <a:effectLst/>
+                <a:latin typeface="+mn-lt"/>
+                <a:ea typeface="+mn-ea"/>
+                <a:cs typeface="+mn-cs"/>
+              </a:rPr>
+              <a:t> é alto (</a:t>
+            </a:r>
+            <a:r>
+              <a:rPr lang="pt-BR" sz="1200" b="1" i="0" kern="1200" baseline="0" dirty="0">
+                <a:solidFill>
+                  <a:schemeClr val="tx1"/>
+                </a:solidFill>
+                <a:effectLst/>
+                <a:latin typeface="+mn-lt"/>
+                <a:ea typeface="+mn-ea"/>
+                <a:cs typeface="+mn-cs"/>
+              </a:rPr>
+              <a:t>erro de generalização</a:t>
+            </a:r>
+            <a:r>
+              <a:rPr lang="pt-BR" sz="1200" b="0" i="0" kern="1200" baseline="0" dirty="0">
+                <a:solidFill>
+                  <a:schemeClr val="tx1"/>
+                </a:solidFill>
+                <a:effectLst/>
+                <a:latin typeface="+mn-lt"/>
+                <a:ea typeface="+mn-ea"/>
+                <a:cs typeface="+mn-cs"/>
+              </a:rPr>
+              <a:t>).</a:t>
+            </a:r>
+            <a:endParaRPr lang="pt-BR" sz="1200" b="0" i="0" kern="1200" dirty="0">
+              <a:solidFill>
+                <a:schemeClr val="tx1"/>
+              </a:solidFill>
+              <a:effectLst/>
+              <a:latin typeface="+mn-lt"/>
+              <a:ea typeface="+mn-ea"/>
+              <a:cs typeface="+mn-cs"/>
+            </a:endParaRPr>
+          </a:p>
+          <a:p>
+            <a:pPr marL="171450" indent="-171450">
+              <a:buFont typeface="Arial" panose="020B0604020202020204" pitchFamily="34" charset="0"/>
+              <a:buChar char="•"/>
+            </a:pPr>
+            <a:r>
+              <a:rPr lang="pt-BR" dirty="0"/>
+              <a:t>O modelo com polinômio de grau 2</a:t>
+            </a:r>
+            <a:r>
+              <a:rPr lang="pt-BR" sz="1200" b="0" i="0" kern="1200" baseline="0" dirty="0">
+                <a:solidFill>
+                  <a:schemeClr val="tx1"/>
+                </a:solidFill>
+                <a:effectLst/>
+                <a:latin typeface="+mn-lt"/>
+                <a:ea typeface="+mn-ea"/>
+                <a:cs typeface="+mn-cs"/>
+              </a:rPr>
+              <a:t> </a:t>
+            </a:r>
+            <a:r>
+              <a:rPr lang="pt-BR" sz="1200" b="0" i="0" kern="1200" dirty="0">
+                <a:solidFill>
+                  <a:schemeClr val="tx1"/>
+                </a:solidFill>
+                <a:effectLst/>
+                <a:latin typeface="+mn-lt"/>
+                <a:ea typeface="+mn-ea"/>
+                <a:cs typeface="+mn-cs"/>
+              </a:rPr>
+              <a:t>parece ter aprendido bem as regularidades dos dados sem aprender o ruído no conjunto de treinamento. Nesse caso, os erros no conjunto de treinamento (</a:t>
+            </a:r>
+            <a:r>
+              <a:rPr lang="pt-BR" sz="1200" b="1" i="0" kern="1200" dirty="0">
+                <a:solidFill>
+                  <a:schemeClr val="tx1"/>
+                </a:solidFill>
+                <a:effectLst/>
+                <a:latin typeface="+mn-lt"/>
+                <a:ea typeface="+mn-ea"/>
+                <a:cs typeface="+mn-cs"/>
+              </a:rPr>
+              <a:t>erro de capacidade</a:t>
+            </a:r>
+            <a:r>
+              <a:rPr lang="pt-BR" sz="1200" b="0" i="0" kern="1200" dirty="0">
+                <a:solidFill>
+                  <a:schemeClr val="tx1"/>
+                </a:solidFill>
+                <a:effectLst/>
+                <a:latin typeface="+mn-lt"/>
+                <a:ea typeface="+mn-ea"/>
+                <a:cs typeface="+mn-cs"/>
+              </a:rPr>
+              <a:t>) e teste </a:t>
+            </a:r>
+            <a:r>
+              <a:rPr lang="pt-BR" sz="1200" b="0" i="0" kern="1200" baseline="0" dirty="0">
+                <a:solidFill>
+                  <a:schemeClr val="tx1"/>
+                </a:solidFill>
+                <a:effectLst/>
+                <a:latin typeface="+mn-lt"/>
+                <a:ea typeface="+mn-ea"/>
+                <a:cs typeface="+mn-cs"/>
+              </a:rPr>
+              <a:t>(</a:t>
+            </a:r>
+            <a:r>
+              <a:rPr lang="pt-BR" sz="1200" b="1" i="0" kern="1200" baseline="0" dirty="0">
+                <a:solidFill>
+                  <a:schemeClr val="tx1"/>
+                </a:solidFill>
+                <a:effectLst/>
+                <a:latin typeface="+mn-lt"/>
+                <a:ea typeface="+mn-ea"/>
+                <a:cs typeface="+mn-cs"/>
+              </a:rPr>
+              <a:t>erro de generalização</a:t>
+            </a:r>
+            <a:r>
+              <a:rPr lang="pt-BR" sz="1200" b="0" i="0" kern="1200" baseline="0" dirty="0">
+                <a:solidFill>
+                  <a:schemeClr val="tx1"/>
+                </a:solidFill>
+                <a:effectLst/>
+                <a:latin typeface="+mn-lt"/>
+                <a:ea typeface="+mn-ea"/>
+                <a:cs typeface="+mn-cs"/>
+              </a:rPr>
+              <a:t>) </a:t>
+            </a:r>
+            <a:r>
+              <a:rPr lang="pt-BR" sz="1200" b="0" i="0" kern="1200" dirty="0">
+                <a:solidFill>
+                  <a:schemeClr val="tx1"/>
+                </a:solidFill>
+                <a:effectLst/>
+                <a:latin typeface="+mn-lt"/>
+                <a:ea typeface="+mn-ea"/>
+                <a:cs typeface="+mn-cs"/>
+              </a:rPr>
+              <a:t>são parecidos e satisfatórios.</a:t>
+            </a:r>
+            <a:endParaRPr lang="pt-BR" b="1" dirty="0"/>
+          </a:p>
+          <a:p>
+            <a:endParaRPr lang="pt-BR" dirty="0"/>
+          </a:p>
+        </p:txBody>
+      </p:sp>
+      <p:sp>
+        <p:nvSpPr>
+          <p:cNvPr id="4" name="Espaço Reservado para Número de Slide 3"/>
+          <p:cNvSpPr>
+            <a:spLocks noGrp="1"/>
+          </p:cNvSpPr>
+          <p:nvPr>
+            <p:ph type="sldNum" sz="quarter" idx="5"/>
+          </p:nvPr>
+        </p:nvSpPr>
+        <p:spPr/>
+        <p:txBody>
+          <a:bodyPr/>
+          <a:lstStyle/>
+          <a:p>
+            <a:fld id="{DA8B99DF-01BC-492A-8CEF-4FD88D18DD9D}" type="slidenum">
+              <a:rPr lang="nl-BE" smtClean="0"/>
+              <a:t>21</a:t>
+            </a:fld>
+            <a:endParaRPr lang="nl-BE"/>
+          </a:p>
+        </p:txBody>
+      </p:sp>
+    </p:spTree>
+    <p:extLst>
+      <p:ext uri="{BB962C8B-B14F-4D97-AF65-F5344CB8AC3E}">
+        <p14:creationId xmlns:p14="http://schemas.microsoft.com/office/powerpoint/2010/main" val="2508252329"/>
+      </p:ext>
+    </p:extLst>
+  </p:cSld>
+  <p:clrMapOvr>
+    <a:masterClrMapping/>
+  </p:clrMapOvr>
+</p:notes>
+</file>
+
+<file path=ppt/notesSlides/notesSlide16.xml><?xml version="1.0" encoding="utf-8"?>
 <p:notes xmlns:a="http://schemas.openxmlformats.org/drawingml/2006/main" xmlns:r="http://schemas.openxmlformats.org/officeDocument/2006/relationships" xmlns:p="http://schemas.openxmlformats.org/presentationml/2006/main">
   <p:cSld>
     <p:spTree>
@@ -1373,163 +3243,8 @@
               <a:defRPr/>
             </a:pPr>
             <a:r>
-              <a:rPr lang="pt-BR" b="1" noProof="0" dirty="0"/>
-              <a:t>Exemplo</a:t>
-            </a:r>
-            <a:r>
-              <a:rPr lang="pt-BR" noProof="0" dirty="0"/>
-              <a:t>: </a:t>
-            </a:r>
-            <a:r>
               <a:rPr lang="pt-BR" dirty="0"/>
-              <a:t>https://mybinder.org/v2/gh/zz4fap/t319_aprendizado_de_maquina/main?filepath=notebooks%2Fregression%2Fpolynomial_regression.ipynb</a:t>
-            </a:r>
-            <a:endParaRPr lang="pt-BR" u="none" dirty="0"/>
-          </a:p>
-          <a:p>
-            <a:endParaRPr lang="pt-BR" dirty="0"/>
-          </a:p>
-          <a:p>
-            <a:r>
-              <a:rPr lang="pt-BR" dirty="0"/>
-              <a:t>O modelo com polinômio de grau 1 não captura a curvatura dos pontos de treinamento. Ele erra muito tanto para exemplos de treinamento quanto para exemplos não vistos durante o treinamento (validação). </a:t>
-            </a:r>
-          </a:p>
-          <a:p>
-            <a:r>
-              <a:rPr lang="pt-BR" dirty="0"/>
-              <a:t>O modelo com polinômio de grau 30 acerta a predição de todos os exemplos de treinamento, mas erraria muito para exemplos não vistos durante treinamento. </a:t>
-            </a:r>
-          </a:p>
-          <a:p>
-            <a:pPr lvl="1"/>
-            <a:r>
-              <a:rPr lang="pt-BR" b="1" dirty="0"/>
-              <a:t>A flexibilidade do modelo é tão alta que ele aprende também o ruído presente no conjunto de treinamento.</a:t>
-            </a:r>
-          </a:p>
-          <a:p>
-            <a:r>
-              <a:rPr lang="pt-BR" dirty="0"/>
-              <a:t>O modelo com polinômio de grau 2 se ajusta bem aos exemplos, mas sem acertá-los perfeitamente. Este é provavelmente o modelo ótimo em termos da </a:t>
-            </a:r>
-            <a:r>
-              <a:rPr lang="pt-BR" b="1" i="1" dirty="0"/>
-              <a:t>relação de compromisso</a:t>
-            </a:r>
-            <a:r>
-              <a:rPr lang="pt-BR" dirty="0"/>
-              <a:t> entre os erros de </a:t>
-            </a:r>
-            <a:r>
-              <a:rPr lang="pt-BR" b="1" dirty="0"/>
-              <a:t>flexibilidade </a:t>
-            </a:r>
-            <a:r>
-              <a:rPr lang="pt-BR" dirty="0"/>
-              <a:t>e de </a:t>
-            </a:r>
-            <a:r>
-              <a:rPr lang="pt-BR" b="1" dirty="0"/>
-              <a:t>generalização</a:t>
-            </a:r>
-            <a:r>
-              <a:rPr lang="pt-BR" dirty="0"/>
-              <a:t>.</a:t>
-            </a:r>
-          </a:p>
-          <a:p>
-            <a:endParaRPr lang="pt-BR" dirty="0"/>
-          </a:p>
-        </p:txBody>
-      </p:sp>
-      <p:sp>
-        <p:nvSpPr>
-          <p:cNvPr id="4" name="Slide Number Placeholder 3"/>
-          <p:cNvSpPr>
-            <a:spLocks noGrp="1"/>
-          </p:cNvSpPr>
-          <p:nvPr>
-            <p:ph type="sldNum" sz="quarter" idx="10"/>
-          </p:nvPr>
-        </p:nvSpPr>
-        <p:spPr/>
-        <p:txBody>
-          <a:bodyPr/>
-          <a:lstStyle/>
-          <a:p>
-            <a:fld id="{DA8B99DF-01BC-492A-8CEF-4FD88D18DD9D}" type="slidenum">
-              <a:rPr lang="nl-BE" smtClean="0"/>
-              <a:t>17</a:t>
-            </a:fld>
-            <a:endParaRPr lang="nl-BE"/>
-          </a:p>
-        </p:txBody>
-      </p:sp>
-    </p:spTree>
-    <p:extLst>
-      <p:ext uri="{BB962C8B-B14F-4D97-AF65-F5344CB8AC3E}">
-        <p14:creationId xmlns:p14="http://schemas.microsoft.com/office/powerpoint/2010/main" val="489201069"/>
-      </p:ext>
-    </p:extLst>
-  </p:cSld>
-  <p:clrMapOvr>
-    <a:masterClrMapping/>
-  </p:clrMapOvr>
-</p:notes>
-</file>
-
-<file path=ppt/notesSlides/notesSlide13.xml><?xml version="1.0" encoding="utf-8"?>
-<p:notes xmlns:a="http://schemas.openxmlformats.org/drawingml/2006/main" xmlns:r="http://schemas.openxmlformats.org/officeDocument/2006/relationships" xmlns:p="http://schemas.openxmlformats.org/presentationml/2006/main">
-  <p:cSld>
-    <p:spTree>
-      <p:nvGrpSpPr>
-        <p:cNvPr id="1" name=""/>
-        <p:cNvGrpSpPr/>
-        <p:nvPr/>
-      </p:nvGrpSpPr>
-      <p:grpSpPr>
-        <a:xfrm>
-          <a:off x="0" y="0"/>
-          <a:ext cx="0" cy="0"/>
-          <a:chOff x="0" y="0"/>
-          <a:chExt cx="0" cy="0"/>
-        </a:xfrm>
-      </p:grpSpPr>
-      <p:sp>
-        <p:nvSpPr>
-          <p:cNvPr id="2" name="Slide Image Placeholder 1"/>
-          <p:cNvSpPr>
-            <a:spLocks noGrp="1" noRot="1" noChangeAspect="1"/>
-          </p:cNvSpPr>
-          <p:nvPr>
-            <p:ph type="sldImg"/>
-          </p:nvPr>
-        </p:nvSpPr>
-        <p:spPr/>
-      </p:sp>
-      <p:sp>
-        <p:nvSpPr>
-          <p:cNvPr id="3" name="Notes Placeholder 2"/>
-          <p:cNvSpPr>
-            <a:spLocks noGrp="1"/>
-          </p:cNvSpPr>
-          <p:nvPr>
-            <p:ph type="body" idx="1"/>
-          </p:nvPr>
-        </p:nvSpPr>
-        <p:spPr/>
-        <p:txBody>
-          <a:bodyPr/>
-          <a:lstStyle/>
-          <a:p>
-            <a:r>
-              <a:rPr lang="pt-BR" dirty="0" err="1"/>
-              <a:t>Binder</a:t>
-            </a:r>
-            <a:r>
-              <a:rPr lang="pt-BR" dirty="0"/>
-              <a:t>: https://mybinder.org/v2/gh/zz4fap/t319_aprendizado_de_maquina/main?filepath=notebooks/regression/polynomial_regression.ipynb</a:t>
+              <a:t>COLAB: https://colab.research.google.com/github/zz4fap/t319_aprendizado_de_maquina/blob/main/labs/Laboratorio5.ipynb</a:t>
             </a:r>
           </a:p>
           <a:p>
@@ -1554,685 +3269,12 @@
               <a:defRPr/>
             </a:pPr>
             <a:r>
-              <a:rPr lang="pt-BR" dirty="0" err="1"/>
-              <a:t>Colab</a:t>
-            </a:r>
-            <a:r>
               <a:rPr lang="pt-BR" dirty="0"/>
-              <a:t>: https://colab.research.google.com/github/zz4fap/t319_aprendizado_de_maquina/blob/main/notebooks/regression/polynomial_regression.ipynb</a:t>
+              <a:t>BINDER: https://mybinder.org/v2/gh/zz4fap/t319_aprendizado_de_maquina/main?filepath=labs%2FLaboratorio5.ipynb</a:t>
             </a:r>
           </a:p>
           <a:p>
             <a:endParaRPr lang="pt-BR" dirty="0"/>
-          </a:p>
-          <a:p>
-            <a:r>
-              <a:rPr lang="pt-BR" dirty="0"/>
-              <a:t>É importante salientar que</a:t>
-            </a:r>
-            <a:r>
-              <a:rPr lang="pt-BR" baseline="0" dirty="0"/>
-              <a:t> </a:t>
-            </a:r>
-            <a:r>
-              <a:rPr lang="pt-BR" dirty="0"/>
-              <a:t>todos os esforços de construção de um modelo são limitados pelos dados existentes. Para muitos problemas, o</a:t>
-            </a:r>
-            <a:r>
-              <a:rPr lang="pt-BR" baseline="0" dirty="0"/>
-              <a:t> conjunto de dados </a:t>
-            </a:r>
-            <a:r>
-              <a:rPr lang="pt-BR" dirty="0"/>
-              <a:t>pode ter um número limitado de amostras, ele</a:t>
-            </a:r>
-            <a:r>
-              <a:rPr lang="pt-BR" baseline="0" dirty="0"/>
-              <a:t> </a:t>
-            </a:r>
-            <a:r>
-              <a:rPr lang="pt-BR" dirty="0"/>
-              <a:t>pode ser de qualidade inferior à desejável e/ou ele pode não ser representativo</a:t>
-            </a:r>
-            <a:r>
-              <a:rPr lang="pt-BR" baseline="0" dirty="0"/>
-              <a:t> </a:t>
-            </a:r>
-            <a:r>
-              <a:rPr lang="pt-BR" dirty="0"/>
-              <a:t>de amostras futuras.</a:t>
-            </a:r>
-          </a:p>
-          <a:p>
-            <a:endParaRPr lang="pt-BR" dirty="0"/>
-          </a:p>
-          <a:p>
-            <a:r>
-              <a:rPr lang="pt-BR" dirty="0"/>
-              <a:t>Trabalhando com base na</a:t>
-            </a:r>
-            <a:r>
-              <a:rPr lang="pt-BR" baseline="0" dirty="0"/>
-              <a:t> </a:t>
-            </a:r>
-            <a:r>
-              <a:rPr lang="pt-BR" dirty="0"/>
-              <a:t>suposição</a:t>
-            </a:r>
-            <a:r>
-              <a:rPr lang="pt-BR" baseline="0" dirty="0"/>
-              <a:t> de que o conjunto que temos é representativo e de boa qualidade</a:t>
-            </a:r>
-            <a:r>
-              <a:rPr lang="pt-BR" dirty="0"/>
-              <a:t>, devemos usar os dados disponíveis para encontrar o melhor modelo preditivo. Quase todas as técnicas de modelagem preditiva possuem (hiper)parâmetros de ajuste que permitem que o modelo seja flexível o suficiente para encontrar a estrutura por trás dos dados.</a:t>
-            </a:r>
-          </a:p>
-          <a:p>
-            <a:endParaRPr lang="pt-BR" dirty="0"/>
-          </a:p>
-          <a:p>
-            <a:r>
-              <a:rPr lang="pt-BR" dirty="0"/>
-              <a:t>Portanto, devemos usar os dados existentes para identificar os valores dos parâmetros do modelo que geram o melhor e mais realista desempenho preditivo (conhecido como ajuste do modelo). Tradicionalmente, isso é obtido dividindo-se os dados existentes em conjuntos de treinamento e teste. O conjunto de treinamento é usado para construir e ajustar o modelo e o conjunto de teste é usado para estimar o desempenho preditivo do modelo.</a:t>
-            </a:r>
-          </a:p>
-          <a:p>
-            <a:endParaRPr lang="pt-BR" dirty="0"/>
-          </a:p>
-          <a:p>
-            <a:r>
-              <a:rPr lang="pt-BR" dirty="0"/>
-              <a:t>Durante o processo de aprendizado/treinamento, deseja-se evitar duas situações que comprometem o uso de um modelo:</a:t>
-            </a:r>
-          </a:p>
-          <a:p>
-            <a:pPr marL="171450" indent="-171450">
-              <a:buFont typeface="Arial" panose="020B0604020202020204" pitchFamily="34" charset="0"/>
-              <a:buChar char="•"/>
-            </a:pPr>
-            <a:r>
-              <a:rPr lang="pt-BR" dirty="0"/>
-              <a:t>Subajuste</a:t>
-            </a:r>
-          </a:p>
-          <a:p>
-            <a:pPr marL="171450" indent="-171450">
-              <a:buFont typeface="Arial" panose="020B0604020202020204" pitchFamily="34" charset="0"/>
-              <a:buChar char="•"/>
-            </a:pPr>
-            <a:r>
-              <a:rPr lang="pt-BR" dirty="0"/>
-              <a:t>Sobreajuste</a:t>
-            </a:r>
-          </a:p>
-          <a:p>
-            <a:pPr marL="171450" indent="-171450">
-              <a:buFont typeface="Arial" panose="020B0604020202020204" pitchFamily="34" charset="0"/>
-              <a:buChar char="•"/>
-            </a:pPr>
-            <a:endParaRPr lang="pt-BR" dirty="0"/>
-          </a:p>
-          <a:p>
-            <a:pPr marL="171450" indent="-171450">
-              <a:buFont typeface="Arial" panose="020B0604020202020204" pitchFamily="34" charset="0"/>
-              <a:buChar char="•"/>
-            </a:pPr>
-            <a:r>
-              <a:rPr lang="pt-BR" dirty="0"/>
-              <a:t>O modelo com polinômio de grau 1</a:t>
-            </a:r>
-            <a:r>
-              <a:rPr lang="pt-BR" baseline="0" dirty="0"/>
-              <a:t> tem </a:t>
-            </a:r>
-            <a:r>
-              <a:rPr lang="pt-BR" b="1" baseline="0" dirty="0"/>
-              <a:t>capacidade</a:t>
-            </a:r>
-            <a:r>
-              <a:rPr lang="pt-BR" b="0" baseline="0" dirty="0"/>
-              <a:t> muito baixa e </a:t>
-            </a:r>
-            <a:r>
-              <a:rPr lang="pt-BR" b="1" baseline="0" dirty="0"/>
-              <a:t>grau de generalização</a:t>
-            </a:r>
-            <a:r>
-              <a:rPr lang="pt-BR" b="0" baseline="0" dirty="0"/>
-              <a:t> muito baixo.</a:t>
-            </a:r>
-            <a:endParaRPr lang="pt-BR" b="1" baseline="0" dirty="0"/>
-          </a:p>
-          <a:p>
-            <a:pPr marL="171450" marR="0" indent="-171450" algn="l" defTabSz="914400" rtl="0" eaLnBrk="1" fontAlgn="auto" latinLnBrk="0" hangingPunct="1">
-              <a:lnSpc>
-                <a:spcPct val="100000"/>
-              </a:lnSpc>
-              <a:spcBef>
-                <a:spcPts val="0"/>
-              </a:spcBef>
-              <a:spcAft>
-                <a:spcPts val="0"/>
-              </a:spcAft>
-              <a:buClrTx/>
-              <a:buSzTx/>
-              <a:buFont typeface="Arial" panose="020B0604020202020204" pitchFamily="34" charset="0"/>
-              <a:buChar char="•"/>
-              <a:tabLst/>
-              <a:defRPr/>
-            </a:pPr>
-            <a:r>
-              <a:rPr lang="pt-BR" dirty="0"/>
-              <a:t>O modelo com polinômio de grau 30</a:t>
-            </a:r>
-            <a:r>
-              <a:rPr lang="pt-BR" baseline="0" dirty="0"/>
-              <a:t> tem </a:t>
-            </a:r>
-            <a:r>
-              <a:rPr lang="pt-BR" b="1" baseline="0" dirty="0"/>
-              <a:t>capacidade </a:t>
-            </a:r>
-            <a:r>
-              <a:rPr lang="pt-BR" b="0" baseline="0" dirty="0"/>
-              <a:t>muito alta e </a:t>
-            </a:r>
-            <a:r>
-              <a:rPr lang="pt-BR" b="1" baseline="0" dirty="0"/>
-              <a:t>grau de generalização</a:t>
-            </a:r>
-            <a:r>
-              <a:rPr lang="pt-BR" b="0" baseline="0" dirty="0"/>
-              <a:t> muito baixo.</a:t>
-            </a:r>
-            <a:endParaRPr lang="pt-BR" b="1" baseline="0" dirty="0"/>
-          </a:p>
-          <a:p>
-            <a:pPr marL="171450" indent="-171450">
-              <a:buFont typeface="Arial" panose="020B0604020202020204" pitchFamily="34" charset="0"/>
-              <a:buChar char="•"/>
-            </a:pPr>
-            <a:r>
-              <a:rPr lang="pt-BR" dirty="0"/>
-              <a:t>O modelo com polinômio de grau 2</a:t>
-            </a:r>
-            <a:r>
-              <a:rPr lang="pt-BR" baseline="0" dirty="0"/>
-              <a:t> tem </a:t>
-            </a:r>
-            <a:r>
-              <a:rPr lang="pt-BR" b="1" baseline="0" dirty="0"/>
-              <a:t>capacidade</a:t>
-            </a:r>
-            <a:r>
-              <a:rPr lang="pt-BR" baseline="0" dirty="0"/>
-              <a:t> média e </a:t>
-            </a:r>
-            <a:r>
-              <a:rPr lang="pt-BR" b="1" baseline="0" dirty="0"/>
-              <a:t>grau de generalização</a:t>
-            </a:r>
-            <a:r>
-              <a:rPr lang="pt-BR" b="0" baseline="0" dirty="0"/>
-              <a:t> médio.</a:t>
-            </a:r>
-          </a:p>
-          <a:p>
-            <a:pPr marL="0" indent="0">
-              <a:buFont typeface="Arial" panose="020B0604020202020204" pitchFamily="34" charset="0"/>
-              <a:buNone/>
-            </a:pPr>
-            <a:endParaRPr lang="pt-BR" b="0" baseline="0" dirty="0"/>
-          </a:p>
-          <a:p>
-            <a:pPr marL="171450" indent="-171450">
-              <a:buFont typeface="Arial" panose="020B0604020202020204" pitchFamily="34" charset="0"/>
-              <a:buChar char="•"/>
-            </a:pPr>
-            <a:r>
-              <a:rPr lang="pt-BR" dirty="0"/>
-              <a:t>O modelo com polinômio de grau 1 sofre de </a:t>
-            </a:r>
-            <a:r>
-              <a:rPr lang="pt-BR" sz="1200" b="0" i="0" kern="1200" dirty="0">
-                <a:solidFill>
-                  <a:schemeClr val="tx1"/>
-                </a:solidFill>
-                <a:effectLst/>
-                <a:latin typeface="+mn-lt"/>
-                <a:ea typeface="+mn-ea"/>
-                <a:cs typeface="+mn-cs"/>
-              </a:rPr>
-              <a:t>de </a:t>
-            </a:r>
-            <a:r>
-              <a:rPr lang="pt-BR" sz="1200" b="1" i="0" kern="1200" dirty="0">
-                <a:solidFill>
-                  <a:schemeClr val="tx1"/>
-                </a:solidFill>
-                <a:effectLst/>
-                <a:latin typeface="+mn-lt"/>
-                <a:ea typeface="+mn-ea"/>
-                <a:cs typeface="+mn-cs"/>
-              </a:rPr>
-              <a:t>sub-ajustamento</a:t>
-            </a:r>
-            <a:r>
-              <a:rPr lang="pt-BR" sz="1200" b="0" i="0" kern="1200" dirty="0">
-                <a:solidFill>
-                  <a:schemeClr val="tx1"/>
-                </a:solidFill>
-                <a:effectLst/>
-                <a:latin typeface="+mn-lt"/>
-                <a:ea typeface="+mn-ea"/>
-                <a:cs typeface="+mn-cs"/>
-              </a:rPr>
-              <a:t>, isto é, ele tem uma </a:t>
-            </a:r>
-            <a:r>
-              <a:rPr lang="pt-BR" sz="1200" b="1" i="0" kern="1200" dirty="0">
-                <a:solidFill>
-                  <a:schemeClr val="tx1"/>
-                </a:solidFill>
-                <a:effectLst/>
-                <a:latin typeface="+mn-lt"/>
-                <a:ea typeface="+mn-ea"/>
-                <a:cs typeface="+mn-cs"/>
-              </a:rPr>
-              <a:t>capacidade</a:t>
-            </a:r>
-            <a:r>
-              <a:rPr lang="pt-BR" sz="1200" b="0" i="0" kern="1200" dirty="0">
-                <a:solidFill>
-                  <a:schemeClr val="tx1"/>
-                </a:solidFill>
-                <a:effectLst/>
-                <a:latin typeface="+mn-lt"/>
-                <a:ea typeface="+mn-ea"/>
-                <a:cs typeface="+mn-cs"/>
-              </a:rPr>
-              <a:t> tão baixa que não consegue aprender as regularidades presentes</a:t>
-            </a:r>
-            <a:r>
-              <a:rPr lang="pt-BR" sz="1200" b="0" i="0" kern="1200" baseline="0" dirty="0">
-                <a:solidFill>
-                  <a:schemeClr val="tx1"/>
-                </a:solidFill>
-                <a:effectLst/>
-                <a:latin typeface="+mn-lt"/>
-                <a:ea typeface="+mn-ea"/>
-                <a:cs typeface="+mn-cs"/>
-              </a:rPr>
-              <a:t> </a:t>
-            </a:r>
-            <a:r>
-              <a:rPr lang="pt-BR" sz="1200" b="0" i="0" kern="1200" dirty="0">
-                <a:solidFill>
-                  <a:schemeClr val="tx1"/>
-                </a:solidFill>
-                <a:effectLst/>
-                <a:latin typeface="+mn-lt"/>
-                <a:ea typeface="+mn-ea"/>
-                <a:cs typeface="+mn-cs"/>
-              </a:rPr>
-              <a:t>no conjunto de treinamento. Nesse caso, os</a:t>
-            </a:r>
-            <a:r>
-              <a:rPr lang="pt-BR" sz="1200" b="0" i="0" kern="1200" baseline="0" dirty="0">
-                <a:solidFill>
-                  <a:schemeClr val="tx1"/>
-                </a:solidFill>
-                <a:effectLst/>
-                <a:latin typeface="+mn-lt"/>
-                <a:ea typeface="+mn-ea"/>
-                <a:cs typeface="+mn-cs"/>
-              </a:rPr>
-              <a:t> erros </a:t>
-            </a:r>
-            <a:r>
-              <a:rPr lang="pt-BR" sz="1200" b="0" i="0" kern="1200" dirty="0">
-                <a:solidFill>
-                  <a:schemeClr val="tx1"/>
-                </a:solidFill>
-                <a:effectLst/>
-                <a:latin typeface="+mn-lt"/>
-                <a:ea typeface="+mn-ea"/>
-                <a:cs typeface="+mn-cs"/>
-              </a:rPr>
-              <a:t>nos conjuntos</a:t>
-            </a:r>
-            <a:r>
-              <a:rPr lang="pt-BR" sz="1200" b="0" i="0" kern="1200" baseline="0" dirty="0">
-                <a:solidFill>
-                  <a:schemeClr val="tx1"/>
-                </a:solidFill>
-                <a:effectLst/>
-                <a:latin typeface="+mn-lt"/>
-                <a:ea typeface="+mn-ea"/>
-                <a:cs typeface="+mn-cs"/>
-              </a:rPr>
-              <a:t> </a:t>
-            </a:r>
-            <a:r>
-              <a:rPr lang="pt-BR" sz="1200" b="0" i="0" kern="1200" dirty="0">
-                <a:solidFill>
-                  <a:schemeClr val="tx1"/>
-                </a:solidFill>
-                <a:effectLst/>
-                <a:latin typeface="+mn-lt"/>
-                <a:ea typeface="+mn-ea"/>
-                <a:cs typeface="+mn-cs"/>
-              </a:rPr>
-              <a:t>de treinamento (</a:t>
-            </a:r>
-            <a:r>
-              <a:rPr lang="pt-BR" sz="1200" b="1" i="0" kern="1200" dirty="0">
-                <a:solidFill>
-                  <a:schemeClr val="tx1"/>
-                </a:solidFill>
-                <a:effectLst/>
-                <a:latin typeface="+mn-lt"/>
-                <a:ea typeface="+mn-ea"/>
-                <a:cs typeface="+mn-cs"/>
-              </a:rPr>
-              <a:t>erro de capacidade ou erro de representação</a:t>
-            </a:r>
-            <a:r>
-              <a:rPr lang="pt-BR" sz="1200" b="0" i="0" kern="1200" dirty="0">
-                <a:solidFill>
-                  <a:schemeClr val="tx1"/>
-                </a:solidFill>
-                <a:effectLst/>
-                <a:latin typeface="+mn-lt"/>
-                <a:ea typeface="+mn-ea"/>
-                <a:cs typeface="+mn-cs"/>
-              </a:rPr>
-              <a:t>) e de teste são</a:t>
-            </a:r>
-            <a:r>
-              <a:rPr lang="pt-BR" sz="1200" b="0" i="0" kern="1200" baseline="0" dirty="0">
-                <a:solidFill>
-                  <a:schemeClr val="tx1"/>
-                </a:solidFill>
-                <a:effectLst/>
-                <a:latin typeface="+mn-lt"/>
-                <a:ea typeface="+mn-ea"/>
-                <a:cs typeface="+mn-cs"/>
-              </a:rPr>
-              <a:t> altos</a:t>
-            </a:r>
-            <a:r>
-              <a:rPr lang="pt-BR" sz="1200" b="0" i="0" kern="1200" dirty="0">
-                <a:solidFill>
-                  <a:schemeClr val="tx1"/>
-                </a:solidFill>
-                <a:effectLst/>
-                <a:latin typeface="+mn-lt"/>
-                <a:ea typeface="+mn-ea"/>
-                <a:cs typeface="+mn-cs"/>
-              </a:rPr>
-              <a:t> </a:t>
-            </a:r>
-            <a:r>
-              <a:rPr lang="pt-BR" sz="1200" b="0" i="0" kern="1200" baseline="0" dirty="0">
-                <a:solidFill>
-                  <a:schemeClr val="tx1"/>
-                </a:solidFill>
-                <a:effectLst/>
-                <a:latin typeface="+mn-lt"/>
-                <a:ea typeface="+mn-ea"/>
-                <a:cs typeface="+mn-cs"/>
-              </a:rPr>
-              <a:t>(</a:t>
-            </a:r>
-            <a:r>
-              <a:rPr lang="pt-BR" sz="1200" b="1" i="0" kern="1200" baseline="0" dirty="0">
-                <a:solidFill>
-                  <a:schemeClr val="tx1"/>
-                </a:solidFill>
-                <a:effectLst/>
-                <a:latin typeface="+mn-lt"/>
-                <a:ea typeface="+mn-ea"/>
-                <a:cs typeface="+mn-cs"/>
-              </a:rPr>
-              <a:t>erro de generalização</a:t>
-            </a:r>
-            <a:r>
-              <a:rPr lang="pt-BR" sz="1200" b="0" i="0" kern="1200" baseline="0" dirty="0">
-                <a:solidFill>
-                  <a:schemeClr val="tx1"/>
-                </a:solidFill>
-                <a:effectLst/>
-                <a:latin typeface="+mn-lt"/>
-                <a:ea typeface="+mn-ea"/>
-                <a:cs typeface="+mn-cs"/>
-              </a:rPr>
-              <a:t>).</a:t>
-            </a:r>
-            <a:endParaRPr lang="pt-BR" b="0" dirty="0"/>
-          </a:p>
-          <a:p>
-            <a:pPr marL="171450" indent="-171450">
-              <a:buFont typeface="Arial" panose="020B0604020202020204" pitchFamily="34" charset="0"/>
-              <a:buChar char="•"/>
-            </a:pPr>
-            <a:r>
-              <a:rPr lang="pt-BR" dirty="0"/>
-              <a:t>O modelo com polinômio de grau 30</a:t>
-            </a:r>
-            <a:r>
-              <a:rPr lang="pt-BR" sz="1200" b="0" i="0" kern="1200" dirty="0">
-                <a:solidFill>
-                  <a:schemeClr val="tx1"/>
-                </a:solidFill>
-                <a:effectLst/>
-                <a:latin typeface="+mn-lt"/>
-                <a:ea typeface="+mn-ea"/>
-                <a:cs typeface="+mn-cs"/>
-              </a:rPr>
-              <a:t> sofre de </a:t>
-            </a:r>
-            <a:r>
-              <a:rPr lang="pt-BR" sz="1200" b="1" i="0" kern="1200" dirty="0">
-                <a:solidFill>
-                  <a:schemeClr val="tx1"/>
-                </a:solidFill>
-                <a:effectLst/>
-                <a:latin typeface="+mn-lt"/>
-                <a:ea typeface="+mn-ea"/>
-                <a:cs typeface="+mn-cs"/>
-              </a:rPr>
-              <a:t>sobre-ajustamento</a:t>
-            </a:r>
-            <a:r>
-              <a:rPr lang="pt-BR" sz="1200" b="0" i="0" kern="1200" dirty="0">
-                <a:solidFill>
-                  <a:schemeClr val="tx1"/>
-                </a:solidFill>
-                <a:effectLst/>
-                <a:latin typeface="+mn-lt"/>
-                <a:ea typeface="+mn-ea"/>
-                <a:cs typeface="+mn-cs"/>
-              </a:rPr>
-              <a:t>, isto é, ele tem uma capacidade tão alta que além de aprender as regularidades, aprendeu também o ruído presente nos exemplos de treinamento. Nesse caso, o erro no conjunto de treinamento é baixo (</a:t>
-            </a:r>
-            <a:r>
-              <a:rPr lang="pt-BR" sz="1200" b="1" i="0" kern="1200" dirty="0">
-                <a:solidFill>
-                  <a:schemeClr val="tx1"/>
-                </a:solidFill>
-                <a:effectLst/>
-                <a:latin typeface="+mn-lt"/>
-                <a:ea typeface="+mn-ea"/>
-                <a:cs typeface="+mn-cs"/>
-              </a:rPr>
-              <a:t>erro de capacidade</a:t>
-            </a:r>
-            <a:r>
-              <a:rPr lang="pt-BR" sz="1200" b="0" i="0" kern="1200" dirty="0">
-                <a:solidFill>
-                  <a:schemeClr val="tx1"/>
-                </a:solidFill>
-                <a:effectLst/>
-                <a:latin typeface="+mn-lt"/>
-                <a:ea typeface="+mn-ea"/>
-                <a:cs typeface="+mn-cs"/>
-              </a:rPr>
-              <a:t>) e o erro no conjunto de teste</a:t>
-            </a:r>
-            <a:r>
-              <a:rPr lang="pt-BR" sz="1200" b="0" i="0" kern="1200" baseline="0" dirty="0">
-                <a:solidFill>
-                  <a:schemeClr val="tx1"/>
-                </a:solidFill>
-                <a:effectLst/>
-                <a:latin typeface="+mn-lt"/>
-                <a:ea typeface="+mn-ea"/>
-                <a:cs typeface="+mn-cs"/>
-              </a:rPr>
-              <a:t> é alto (</a:t>
-            </a:r>
-            <a:r>
-              <a:rPr lang="pt-BR" sz="1200" b="1" i="0" kern="1200" baseline="0" dirty="0">
-                <a:solidFill>
-                  <a:schemeClr val="tx1"/>
-                </a:solidFill>
-                <a:effectLst/>
-                <a:latin typeface="+mn-lt"/>
-                <a:ea typeface="+mn-ea"/>
-                <a:cs typeface="+mn-cs"/>
-              </a:rPr>
-              <a:t>erro de generalização</a:t>
-            </a:r>
-            <a:r>
-              <a:rPr lang="pt-BR" sz="1200" b="0" i="0" kern="1200" baseline="0" dirty="0">
-                <a:solidFill>
-                  <a:schemeClr val="tx1"/>
-                </a:solidFill>
-                <a:effectLst/>
-                <a:latin typeface="+mn-lt"/>
-                <a:ea typeface="+mn-ea"/>
-                <a:cs typeface="+mn-cs"/>
-              </a:rPr>
-              <a:t>).</a:t>
-            </a:r>
-            <a:endParaRPr lang="pt-BR" sz="1200" b="0" i="0" kern="1200" dirty="0">
-              <a:solidFill>
-                <a:schemeClr val="tx1"/>
-              </a:solidFill>
-              <a:effectLst/>
-              <a:latin typeface="+mn-lt"/>
-              <a:ea typeface="+mn-ea"/>
-              <a:cs typeface="+mn-cs"/>
-            </a:endParaRPr>
-          </a:p>
-          <a:p>
-            <a:pPr marL="171450" indent="-171450">
-              <a:buFont typeface="Arial" panose="020B0604020202020204" pitchFamily="34" charset="0"/>
-              <a:buChar char="•"/>
-            </a:pPr>
-            <a:r>
-              <a:rPr lang="pt-BR" dirty="0"/>
-              <a:t>O modelo com polinômio de grau 2</a:t>
-            </a:r>
-            <a:r>
-              <a:rPr lang="pt-BR" sz="1200" b="0" i="0" kern="1200" baseline="0" dirty="0">
-                <a:solidFill>
-                  <a:schemeClr val="tx1"/>
-                </a:solidFill>
-                <a:effectLst/>
-                <a:latin typeface="+mn-lt"/>
-                <a:ea typeface="+mn-ea"/>
-                <a:cs typeface="+mn-cs"/>
-              </a:rPr>
-              <a:t> </a:t>
-            </a:r>
-            <a:r>
-              <a:rPr lang="pt-BR" sz="1200" b="0" i="0" kern="1200" dirty="0">
-                <a:solidFill>
-                  <a:schemeClr val="tx1"/>
-                </a:solidFill>
-                <a:effectLst/>
-                <a:latin typeface="+mn-lt"/>
-                <a:ea typeface="+mn-ea"/>
-                <a:cs typeface="+mn-cs"/>
-              </a:rPr>
-              <a:t>parece ter aprendido bem as regularidades dos dados sem aprender o ruído no conjunto de treinamento. Nesse caso, os erros no conjunto de treinamento (</a:t>
-            </a:r>
-            <a:r>
-              <a:rPr lang="pt-BR" sz="1200" b="1" i="0" kern="1200" dirty="0">
-                <a:solidFill>
-                  <a:schemeClr val="tx1"/>
-                </a:solidFill>
-                <a:effectLst/>
-                <a:latin typeface="+mn-lt"/>
-                <a:ea typeface="+mn-ea"/>
-                <a:cs typeface="+mn-cs"/>
-              </a:rPr>
-              <a:t>erro de capacidade</a:t>
-            </a:r>
-            <a:r>
-              <a:rPr lang="pt-BR" sz="1200" b="0" i="0" kern="1200" dirty="0">
-                <a:solidFill>
-                  <a:schemeClr val="tx1"/>
-                </a:solidFill>
-                <a:effectLst/>
-                <a:latin typeface="+mn-lt"/>
-                <a:ea typeface="+mn-ea"/>
-                <a:cs typeface="+mn-cs"/>
-              </a:rPr>
-              <a:t>) e teste </a:t>
-            </a:r>
-            <a:r>
-              <a:rPr lang="pt-BR" sz="1200" b="0" i="0" kern="1200" baseline="0" dirty="0">
-                <a:solidFill>
-                  <a:schemeClr val="tx1"/>
-                </a:solidFill>
-                <a:effectLst/>
-                <a:latin typeface="+mn-lt"/>
-                <a:ea typeface="+mn-ea"/>
-                <a:cs typeface="+mn-cs"/>
-              </a:rPr>
-              <a:t>(</a:t>
-            </a:r>
-            <a:r>
-              <a:rPr lang="pt-BR" sz="1200" b="1" i="0" kern="1200" baseline="0" dirty="0">
-                <a:solidFill>
-                  <a:schemeClr val="tx1"/>
-                </a:solidFill>
-                <a:effectLst/>
-                <a:latin typeface="+mn-lt"/>
-                <a:ea typeface="+mn-ea"/>
-                <a:cs typeface="+mn-cs"/>
-              </a:rPr>
-              <a:t>erro de generalização</a:t>
-            </a:r>
-            <a:r>
-              <a:rPr lang="pt-BR" sz="1200" b="0" i="0" kern="1200" baseline="0" dirty="0">
-                <a:solidFill>
-                  <a:schemeClr val="tx1"/>
-                </a:solidFill>
-                <a:effectLst/>
-                <a:latin typeface="+mn-lt"/>
-                <a:ea typeface="+mn-ea"/>
-                <a:cs typeface="+mn-cs"/>
-              </a:rPr>
-              <a:t>) </a:t>
-            </a:r>
-            <a:r>
-              <a:rPr lang="pt-BR" sz="1200" b="0" i="0" kern="1200" dirty="0">
-                <a:solidFill>
-                  <a:schemeClr val="tx1"/>
-                </a:solidFill>
-                <a:effectLst/>
-                <a:latin typeface="+mn-lt"/>
-                <a:ea typeface="+mn-ea"/>
-                <a:cs typeface="+mn-cs"/>
-              </a:rPr>
-              <a:t>são parecidos e satisfatórios.</a:t>
-            </a:r>
-            <a:endParaRPr lang="pt-BR" b="1" dirty="0"/>
           </a:p>
         </p:txBody>
       </p:sp>
@@ -2253,224 +3295,7 @@
           <a:p>
             <a:fld id="{DA8B99DF-01BC-492A-8CEF-4FD88D18DD9D}" type="slidenum">
               <a:rPr lang="nl-BE" smtClean="0"/>
-              <a:t>18</a:t>
-            </a:fld>
-            <a:endParaRPr lang="nl-BE"/>
-          </a:p>
-        </p:txBody>
-      </p:sp>
-    </p:spTree>
-    <p:extLst>
-      <p:ext uri="{BB962C8B-B14F-4D97-AF65-F5344CB8AC3E}">
-        <p14:creationId xmlns:p14="http://schemas.microsoft.com/office/powerpoint/2010/main" val="2391354004"/>
-      </p:ext>
-    </p:extLst>
-  </p:cSld>
-  <p:clrMapOvr>
-    <a:masterClrMapping/>
-  </p:clrMapOvr>
-</p:notes>
-</file>
-
-<file path=ppt/notesSlides/notesSlide14.xml><?xml version="1.0" encoding="utf-8"?>
-<p:notes xmlns:a="http://schemas.openxmlformats.org/drawingml/2006/main" xmlns:r="http://schemas.openxmlformats.org/officeDocument/2006/relationships" xmlns:p="http://schemas.openxmlformats.org/presentationml/2006/main">
-  <p:cSld>
-    <p:spTree>
-      <p:nvGrpSpPr>
-        <p:cNvPr id="1" name=""/>
-        <p:cNvGrpSpPr/>
-        <p:nvPr/>
-      </p:nvGrpSpPr>
-      <p:grpSpPr>
-        <a:xfrm>
-          <a:off x="0" y="0"/>
-          <a:ext cx="0" cy="0"/>
-          <a:chOff x="0" y="0"/>
-          <a:chExt cx="0" cy="0"/>
-        </a:xfrm>
-      </p:grpSpPr>
-      <p:sp>
-        <p:nvSpPr>
-          <p:cNvPr id="2" name="Slide Image Placeholder 1"/>
-          <p:cNvSpPr>
-            <a:spLocks noGrp="1" noRot="1" noChangeAspect="1"/>
-          </p:cNvSpPr>
-          <p:nvPr>
-            <p:ph type="sldImg"/>
-          </p:nvPr>
-        </p:nvSpPr>
-        <p:spPr/>
-      </p:sp>
-      <p:sp>
-        <p:nvSpPr>
-          <p:cNvPr id="3" name="Notes Placeholder 2"/>
-          <p:cNvSpPr>
-            <a:spLocks noGrp="1"/>
-          </p:cNvSpPr>
-          <p:nvPr>
-            <p:ph type="body" idx="1"/>
-          </p:nvPr>
-        </p:nvSpPr>
-        <p:spPr/>
-        <p:txBody>
-          <a:bodyPr/>
-          <a:lstStyle/>
-          <a:p>
-            <a:endParaRPr lang="pt-BR" dirty="0"/>
-          </a:p>
-        </p:txBody>
-      </p:sp>
-      <p:sp>
-        <p:nvSpPr>
-          <p:cNvPr id="4" name="Slide Number Placeholder 3"/>
-          <p:cNvSpPr>
-            <a:spLocks noGrp="1"/>
-          </p:cNvSpPr>
-          <p:nvPr>
-            <p:ph type="sldNum" sz="quarter" idx="10"/>
-          </p:nvPr>
-        </p:nvSpPr>
-        <p:spPr/>
-        <p:txBody>
-          <a:bodyPr/>
-          <a:lstStyle/>
-          <a:p>
-            <a:fld id="{DA8B99DF-01BC-492A-8CEF-4FD88D18DD9D}" type="slidenum">
-              <a:rPr lang="nl-BE" smtClean="0"/>
-              <a:t>19</a:t>
-            </a:fld>
-            <a:endParaRPr lang="nl-BE"/>
-          </a:p>
-        </p:txBody>
-      </p:sp>
-    </p:spTree>
-    <p:extLst>
-      <p:ext uri="{BB962C8B-B14F-4D97-AF65-F5344CB8AC3E}">
-        <p14:creationId xmlns:p14="http://schemas.microsoft.com/office/powerpoint/2010/main" val="1226637979"/>
-      </p:ext>
-    </p:extLst>
-  </p:cSld>
-  <p:clrMapOvr>
-    <a:masterClrMapping/>
-  </p:clrMapOvr>
-</p:notes>
-</file>
-
-<file path=ppt/notesSlides/notesSlide15.xml><?xml version="1.0" encoding="utf-8"?>
-<p:notes xmlns:a="http://schemas.openxmlformats.org/drawingml/2006/main" xmlns:r="http://schemas.openxmlformats.org/officeDocument/2006/relationships" xmlns:p="http://schemas.openxmlformats.org/presentationml/2006/main">
-  <p:cSld>
-    <p:spTree>
-      <p:nvGrpSpPr>
-        <p:cNvPr id="1" name=""/>
-        <p:cNvGrpSpPr/>
-        <p:nvPr/>
-      </p:nvGrpSpPr>
-      <p:grpSpPr>
-        <a:xfrm>
-          <a:off x="0" y="0"/>
-          <a:ext cx="0" cy="0"/>
-          <a:chOff x="0" y="0"/>
-          <a:chExt cx="0" cy="0"/>
-        </a:xfrm>
-      </p:grpSpPr>
-      <p:sp>
-        <p:nvSpPr>
-          <p:cNvPr id="2" name="Slide Image Placeholder 1"/>
-          <p:cNvSpPr>
-            <a:spLocks noGrp="1" noRot="1" noChangeAspect="1"/>
-          </p:cNvSpPr>
-          <p:nvPr>
-            <p:ph type="sldImg"/>
-          </p:nvPr>
-        </p:nvSpPr>
-        <p:spPr/>
-      </p:sp>
-      <p:sp>
-        <p:nvSpPr>
-          <p:cNvPr id="3" name="Notes Placeholder 2"/>
-          <p:cNvSpPr>
-            <a:spLocks noGrp="1"/>
-          </p:cNvSpPr>
-          <p:nvPr>
-            <p:ph type="body" idx="1"/>
-          </p:nvPr>
-        </p:nvSpPr>
-        <p:spPr/>
-        <p:txBody>
-          <a:bodyPr/>
-          <a:lstStyle/>
-          <a:p>
-            <a:pPr marL="0" marR="0" lvl="0" indent="0" algn="l" defTabSz="914400" rtl="0" eaLnBrk="1" fontAlgn="auto" latinLnBrk="0" hangingPunct="1">
-              <a:lnSpc>
-                <a:spcPct val="100000"/>
-              </a:lnSpc>
-              <a:spcBef>
-                <a:spcPts val="0"/>
-              </a:spcBef>
-              <a:spcAft>
-                <a:spcPts val="0"/>
-              </a:spcAft>
-              <a:buClrTx/>
-              <a:buSzTx/>
-              <a:buFontTx/>
-              <a:buNone/>
-              <a:tabLst/>
-              <a:defRPr/>
-            </a:pPr>
-            <a:r>
-              <a:rPr lang="pt-BR" dirty="0"/>
-              <a:t>COLAB: https://colab.research.google.com/github/zz4fap/t319_aprendizado_de_maquina/blob/main/labs/Laboratorio5.ipynb</a:t>
-            </a:r>
-          </a:p>
-          <a:p>
-            <a:endParaRPr lang="pt-BR" dirty="0"/>
-          </a:p>
-          <a:p>
-            <a:pPr marL="0" marR="0" lvl="0" indent="0" algn="l" defTabSz="914400" rtl="0" eaLnBrk="1" fontAlgn="auto" latinLnBrk="0" hangingPunct="1">
-              <a:lnSpc>
-                <a:spcPct val="100000"/>
-              </a:lnSpc>
-              <a:spcBef>
-                <a:spcPts val="0"/>
-              </a:spcBef>
-              <a:spcAft>
-                <a:spcPts val="0"/>
-              </a:spcAft>
-              <a:buClrTx/>
-              <a:buSzTx/>
-              <a:buFontTx/>
-              <a:buNone/>
-              <a:tabLst/>
-              <a:defRPr/>
-            </a:pPr>
-            <a:r>
-              <a:rPr lang="pt-BR" dirty="0"/>
-              <a:t>BINDER: https://mybinder.org/v2/gh/zz4fap/t319_aprendizado_de_maquina/main?filepath=labs%2FLaboratorio5.ipynb</a:t>
-            </a:r>
-          </a:p>
-          <a:p>
-            <a:endParaRPr lang="pt-BR" dirty="0"/>
-          </a:p>
-        </p:txBody>
-      </p:sp>
-      <p:sp>
-        <p:nvSpPr>
-          <p:cNvPr id="4" name="Slide Number Placeholder 3"/>
-          <p:cNvSpPr>
-            <a:spLocks noGrp="1"/>
-          </p:cNvSpPr>
-          <p:nvPr>
-            <p:ph type="sldNum" sz="quarter" idx="10"/>
-          </p:nvPr>
-        </p:nvSpPr>
-        <p:spPr/>
-        <p:txBody>
-          <a:bodyPr/>
-          <a:lstStyle/>
-          <a:p>
-            <a:fld id="{DA8B99DF-01BC-492A-8CEF-4FD88D18DD9D}" type="slidenum">
-              <a:rPr lang="nl-BE" smtClean="0"/>
-              <a:t>20</a:t>
+              <a:t>24</a:t>
             </a:fld>
             <a:endParaRPr lang="nl-BE"/>
           </a:p>
@@ -4331,7 +5156,7 @@
           <a:p>
             <a:fld id="{C80E15A5-E95B-43EB-9AC7-9A96397448C0}" type="datetimeFigureOut">
               <a:rPr lang="nl-BE" smtClean="0"/>
-              <a:t>26/10/2023</a:t>
+              <a:t>27/10/2023</a:t>
             </a:fld>
             <a:endParaRPr lang="nl-BE"/>
           </a:p>
@@ -4501,7 +5326,7 @@
           <a:p>
             <a:fld id="{C80E15A5-E95B-43EB-9AC7-9A96397448C0}" type="datetimeFigureOut">
               <a:rPr lang="nl-BE" smtClean="0"/>
-              <a:t>26/10/2023</a:t>
+              <a:t>27/10/2023</a:t>
             </a:fld>
             <a:endParaRPr lang="nl-BE"/>
           </a:p>
@@ -4681,7 +5506,7 @@
           <a:p>
             <a:fld id="{C80E15A5-E95B-43EB-9AC7-9A96397448C0}" type="datetimeFigureOut">
               <a:rPr lang="nl-BE" smtClean="0"/>
-              <a:t>26/10/2023</a:t>
+              <a:t>27/10/2023</a:t>
             </a:fld>
             <a:endParaRPr lang="nl-BE"/>
           </a:p>
@@ -4851,7 +5676,7 @@
           <a:p>
             <a:fld id="{C80E15A5-E95B-43EB-9AC7-9A96397448C0}" type="datetimeFigureOut">
               <a:rPr lang="nl-BE" smtClean="0"/>
-              <a:t>26/10/2023</a:t>
+              <a:t>27/10/2023</a:t>
             </a:fld>
             <a:endParaRPr lang="nl-BE"/>
           </a:p>
@@ -5097,7 +5922,7 @@
           <a:p>
             <a:fld id="{C80E15A5-E95B-43EB-9AC7-9A96397448C0}" type="datetimeFigureOut">
               <a:rPr lang="nl-BE" smtClean="0"/>
-              <a:t>26/10/2023</a:t>
+              <a:t>27/10/2023</a:t>
             </a:fld>
             <a:endParaRPr lang="nl-BE"/>
           </a:p>
@@ -5329,7 +6154,7 @@
           <a:p>
             <a:fld id="{C80E15A5-E95B-43EB-9AC7-9A96397448C0}" type="datetimeFigureOut">
               <a:rPr lang="nl-BE" smtClean="0"/>
-              <a:t>26/10/2023</a:t>
+              <a:t>27/10/2023</a:t>
             </a:fld>
             <a:endParaRPr lang="nl-BE"/>
           </a:p>
@@ -5696,7 +6521,7 @@
           <a:p>
             <a:fld id="{C80E15A5-E95B-43EB-9AC7-9A96397448C0}" type="datetimeFigureOut">
               <a:rPr lang="nl-BE" smtClean="0"/>
-              <a:t>26/10/2023</a:t>
+              <a:t>27/10/2023</a:t>
             </a:fld>
             <a:endParaRPr lang="nl-BE"/>
           </a:p>
@@ -5814,7 +6639,7 @@
           <a:p>
             <a:fld id="{C80E15A5-E95B-43EB-9AC7-9A96397448C0}" type="datetimeFigureOut">
               <a:rPr lang="nl-BE" smtClean="0"/>
-              <a:t>26/10/2023</a:t>
+              <a:t>27/10/2023</a:t>
             </a:fld>
             <a:endParaRPr lang="nl-BE"/>
           </a:p>
@@ -5909,7 +6734,7 @@
           <a:p>
             <a:fld id="{C80E15A5-E95B-43EB-9AC7-9A96397448C0}" type="datetimeFigureOut">
               <a:rPr lang="nl-BE" smtClean="0"/>
-              <a:t>26/10/2023</a:t>
+              <a:t>27/10/2023</a:t>
             </a:fld>
             <a:endParaRPr lang="nl-BE"/>
           </a:p>
@@ -6186,7 +7011,7 @@
           <a:p>
             <a:fld id="{C80E15A5-E95B-43EB-9AC7-9A96397448C0}" type="datetimeFigureOut">
               <a:rPr lang="nl-BE" smtClean="0"/>
-              <a:t>26/10/2023</a:t>
+              <a:t>27/10/2023</a:t>
             </a:fld>
             <a:endParaRPr lang="nl-BE"/>
           </a:p>
@@ -6439,7 +7264,7 @@
           <a:p>
             <a:fld id="{C80E15A5-E95B-43EB-9AC7-9A96397448C0}" type="datetimeFigureOut">
               <a:rPr lang="nl-BE" smtClean="0"/>
-              <a:t>26/10/2023</a:t>
+              <a:t>27/10/2023</a:t>
             </a:fld>
             <a:endParaRPr lang="nl-BE"/>
           </a:p>
@@ -6652,7 +7477,7 @@
           <a:p>
             <a:fld id="{C80E15A5-E95B-43EB-9AC7-9A96397448C0}" type="datetimeFigureOut">
               <a:rPr lang="nl-BE" smtClean="0"/>
-              <a:t>26/10/2023</a:t>
+              <a:t>27/10/2023</a:t>
             </a:fld>
             <a:endParaRPr lang="nl-BE"/>
           </a:p>
@@ -8267,83 +9092,9 @@
           <a:bodyPr/>
           <a:lstStyle/>
           <a:p>
-            <a:endParaRPr lang="pt-BR"/>
-          </a:p>
-        </p:txBody>
-      </p:sp>
-      <p:sp>
-        <p:nvSpPr>
-          <p:cNvPr id="3" name="Espaço Reservado para Conteúdo 2">
-            <a:extLst>
-              <a:ext uri="{FF2B5EF4-FFF2-40B4-BE49-F238E27FC236}">
-                <a16:creationId xmlns:a16="http://schemas.microsoft.com/office/drawing/2014/main" id="{3D00CBD0-9559-9C3D-3D01-45F852EF7362}"/>
-              </a:ext>
-            </a:extLst>
-          </p:cNvPr>
-          <p:cNvSpPr>
-            <a:spLocks noGrp="1"/>
-          </p:cNvSpPr>
-          <p:nvPr>
-            <p:ph idx="1"/>
-          </p:nvPr>
-        </p:nvSpPr>
-        <p:spPr/>
-        <p:txBody>
-          <a:bodyPr/>
-          <a:lstStyle/>
-          <a:p>
-            <a:endParaRPr lang="pt-BR"/>
-          </a:p>
-        </p:txBody>
-      </p:sp>
-    </p:spTree>
-    <p:extLst>
-      <p:ext uri="{BB962C8B-B14F-4D97-AF65-F5344CB8AC3E}">
-        <p14:creationId xmlns:p14="http://schemas.microsoft.com/office/powerpoint/2010/main" val="3064351796"/>
-      </p:ext>
-    </p:extLst>
-  </p:cSld>
-  <p:clrMapOvr>
-    <a:masterClrMapping/>
-  </p:clrMapOvr>
-</p:sld>
-</file>
-
-<file path=ppt/slides/slide15.xml><?xml version="1.0" encoding="utf-8"?>
-<p:sld xmlns:a="http://schemas.openxmlformats.org/drawingml/2006/main" xmlns:r="http://schemas.openxmlformats.org/officeDocument/2006/relationships" xmlns:p="http://schemas.openxmlformats.org/presentationml/2006/main">
-  <p:cSld>
-    <p:spTree>
-      <p:nvGrpSpPr>
-        <p:cNvPr id="1" name=""/>
-        <p:cNvGrpSpPr/>
-        <p:nvPr/>
-      </p:nvGrpSpPr>
-      <p:grpSpPr>
-        <a:xfrm>
-          <a:off x="0" y="0"/>
-          <a:ext cx="0" cy="0"/>
-          <a:chOff x="0" y="0"/>
-          <a:chExt cx="0" cy="0"/>
-        </a:xfrm>
-      </p:grpSpPr>
-      <p:sp>
-        <p:nvSpPr>
-          <p:cNvPr id="2" name="Title 1"/>
-          <p:cNvSpPr>
-            <a:spLocks noGrp="1"/>
-          </p:cNvSpPr>
-          <p:nvPr>
-            <p:ph type="title"/>
-          </p:nvPr>
-        </p:nvSpPr>
-        <p:spPr/>
-        <p:txBody>
-          <a:bodyPr/>
-          <a:lstStyle/>
-          <a:p>
             <a:r>
               <a:rPr lang="pt-BR" dirty="0"/>
-              <a:t>Regressão Polinomial</a:t>
+              <a:t>Regressão polinomial</a:t>
             </a:r>
           </a:p>
         </p:txBody>
@@ -8352,7 +9103,13 @@
         <mc:Choice Requires="a14">
           <p:sp>
             <p:nvSpPr>
-              <p:cNvPr id="3" name="Content Placeholder 2"/>
+              <p:cNvPr id="3" name="Espaço Reservado para Conteúdo 2">
+                <a:extLst>
+                  <a:ext uri="{FF2B5EF4-FFF2-40B4-BE49-F238E27FC236}">
+                    <a16:creationId xmlns:a16="http://schemas.microsoft.com/office/drawing/2014/main" id="{3D00CBD0-9559-9C3D-3D01-45F852EF7362}"/>
+                  </a:ext>
+                </a:extLst>
+              </p:cNvPr>
               <p:cNvSpPr>
                 <a:spLocks noGrp="1"/>
               </p:cNvSpPr>
@@ -8363,29 +9120,43 @@
             <p:spPr>
               <a:xfrm>
                 <a:off x="838199" y="1825624"/>
-                <a:ext cx="11204643" cy="5032376"/>
+                <a:ext cx="11100371" cy="5032375"/>
               </a:xfrm>
             </p:spPr>
             <p:txBody>
-              <a:bodyPr>
-                <a:normAutofit fontScale="85000" lnSpcReduction="20000"/>
-              </a:bodyPr>
+              <a:bodyPr/>
               <a:lstStyle/>
               <a:p>
                 <a:r>
                   <a:rPr lang="pt-BR" dirty="0"/>
-                  <a:t>Através do teorema de </a:t>
+                  <a:t>O teorema da aproximação de </a:t>
                 </a:r>
                 <a:r>
-                  <a:rPr lang="pt-BR" b="1" i="1" dirty="0"/>
+                  <a:rPr lang="pt-BR" b="1" i="1" dirty="0">
+                    <a:solidFill>
+                      <a:srgbClr val="00B050"/>
+                    </a:solidFill>
+                  </a:rPr>
+                  <a:t>Stone-</a:t>
+                </a:r>
+                <a:r>
+                  <a:rPr lang="pt-BR" b="1" i="1" dirty="0" err="1">
+                    <a:solidFill>
+                      <a:srgbClr val="00B050"/>
+                    </a:solidFill>
+                  </a:rPr>
                   <a:t>Weierstrass</a:t>
                 </a:r>
                 <a:r>
                   <a:rPr lang="pt-BR" dirty="0"/>
-                  <a:t>, sabemos que funções deste tipo podem ser aproximadas através de </a:t>
+                  <a:t> diz que mapeamentos deste tipo podem ser aproximados através de </a:t>
                 </a:r>
                 <a:r>
-                  <a:rPr lang="pt-BR" b="1" i="1" dirty="0"/>
+                  <a:rPr lang="pt-BR" b="1" i="1" dirty="0">
+                    <a:solidFill>
+                      <a:srgbClr val="7030A0"/>
+                    </a:solidFill>
+                  </a:rPr>
                   <a:t>polinômios</a:t>
                 </a:r>
                 <a:r>
@@ -8400,15 +9171,7 @@
                 </a:pPr>
                 <a:r>
                   <a:rPr lang="pt-BR" i="1" dirty="0"/>
-                  <a:t>“Qualquer função contínua no intervalo fechado [a, b] pode ser uniformemente aproximada tão bem quanto desejado por um polinômio”,</a:t>
-                </a:r>
-                <a:r>
-                  <a:rPr lang="pt-BR" dirty="0"/>
-                  <a:t> </a:t>
-                </a:r>
-                <a:r>
-                  <a:rPr lang="pt-BR" b="1" i="1" dirty="0"/>
-                  <a:t>Teorema da aproximação de Weierstrass</a:t>
+                  <a:t>“Qualquer função contínua no intervalo fechado [a, b] pode ser uniformemente aproximada por um polinômio”</a:t>
                 </a:r>
                 <a:r>
                   <a:rPr lang="pt-BR" dirty="0"/>
@@ -8418,8 +9181,143 @@
               <a:p>
                 <a:r>
                   <a:rPr lang="pt-BR" dirty="0"/>
-                  <a:t>Portanto, podemos aproximar funções de qualquer formato/complexidade com polinômios:</a:t>
+                  <a:t>Portanto, podemos </a:t>
                 </a:r>
+                <a:r>
+                  <a:rPr lang="pt-BR" b="1" i="1" dirty="0">
+                    <a:solidFill>
+                      <a:srgbClr val="00B050"/>
+                    </a:solidFill>
+                  </a:rPr>
+                  <a:t>aproximar mapeamentos de qualquer formato ou complexidade com polinômios</a:t>
+                </a:r>
+                <a:r>
+                  <a:rPr lang="pt-BR" dirty="0"/>
+                  <a:t>, bastando apenas </a:t>
+                </a:r>
+                <a:r>
+                  <a:rPr lang="pt-BR" b="1" i="1" dirty="0">
+                    <a:solidFill>
+                      <a:srgbClr val="7030A0"/>
+                    </a:solidFill>
+                  </a:rPr>
+                  <a:t>encontrar o grau ideal</a:t>
+                </a:r>
+                <a:r>
+                  <a:rPr lang="pt-BR" dirty="0"/>
+                  <a:t>.</a:t>
+                </a:r>
+              </a:p>
+              <a:p>
+                <a:r>
+                  <a:rPr lang="pt-BR" dirty="0"/>
+                  <a:t>Exemplo de um polinômio de ordem 4* com três atributos, </a:t>
+                </a:r>
+                <a14:m>
+                  <m:oMath xmlns:m="http://schemas.openxmlformats.org/officeDocument/2006/math">
+                    <m:sSub>
+                      <m:sSubPr>
+                        <m:ctrlPr>
+                          <a:rPr lang="pt-BR" i="1" smtClean="0">
+                            <a:latin typeface="Cambria Math" panose="02040503050406030204" pitchFamily="18" charset="0"/>
+                          </a:rPr>
+                        </m:ctrlPr>
+                      </m:sSubPr>
+                      <m:e>
+                        <m:r>
+                          <a:rPr lang="pt-BR" i="1">
+                            <a:latin typeface="Cambria Math" panose="02040503050406030204" pitchFamily="18" charset="0"/>
+                          </a:rPr>
+                          <m:t>𝑥</m:t>
+                        </m:r>
+                      </m:e>
+                      <m:sub>
+                        <m:r>
+                          <a:rPr lang="pt-BR" i="1">
+                            <a:latin typeface="Cambria Math" panose="02040503050406030204" pitchFamily="18" charset="0"/>
+                          </a:rPr>
+                          <m:t>1</m:t>
+                        </m:r>
+                      </m:sub>
+                    </m:sSub>
+                  </m:oMath>
+                </a14:m>
+                <a:r>
+                  <a:rPr lang="pt-BR" dirty="0"/>
+                  <a:t>, </a:t>
+                </a:r>
+                <a14:m>
+                  <m:oMath xmlns:m="http://schemas.openxmlformats.org/officeDocument/2006/math">
+                    <m:sSub>
+                      <m:sSubPr>
+                        <m:ctrlPr>
+                          <a:rPr lang="pt-BR" i="1">
+                            <a:latin typeface="Cambria Math" panose="02040503050406030204" pitchFamily="18" charset="0"/>
+                          </a:rPr>
+                        </m:ctrlPr>
+                      </m:sSubPr>
+                      <m:e>
+                        <m:r>
+                          <a:rPr lang="pt-BR" i="1">
+                            <a:latin typeface="Cambria Math" panose="02040503050406030204" pitchFamily="18" charset="0"/>
+                          </a:rPr>
+                          <m:t>𝑥</m:t>
+                        </m:r>
+                      </m:e>
+                      <m:sub>
+                        <m:r>
+                          <a:rPr lang="pt-BR" b="0" i="1" smtClean="0">
+                            <a:latin typeface="Cambria Math" panose="02040503050406030204" pitchFamily="18" charset="0"/>
+                          </a:rPr>
+                          <m:t>2</m:t>
+                        </m:r>
+                      </m:sub>
+                    </m:sSub>
+                  </m:oMath>
+                </a14:m>
+                <a:r>
+                  <a:rPr lang="pt-BR" dirty="0"/>
+                  <a:t> e </a:t>
+                </a:r>
+                <a14:m>
+                  <m:oMath xmlns:m="http://schemas.openxmlformats.org/officeDocument/2006/math">
+                    <m:sSub>
+                      <m:sSubPr>
+                        <m:ctrlPr>
+                          <a:rPr lang="pt-BR" i="1">
+                            <a:latin typeface="Cambria Math" panose="02040503050406030204" pitchFamily="18" charset="0"/>
+                          </a:rPr>
+                        </m:ctrlPr>
+                      </m:sSubPr>
+                      <m:e>
+                        <m:r>
+                          <a:rPr lang="pt-BR" i="1">
+                            <a:latin typeface="Cambria Math" panose="02040503050406030204" pitchFamily="18" charset="0"/>
+                          </a:rPr>
+                          <m:t>𝑥</m:t>
+                        </m:r>
+                      </m:e>
+                      <m:sub>
+                        <m:r>
+                          <a:rPr lang="pt-BR" b="0" i="1" smtClean="0">
+                            <a:latin typeface="Cambria Math" panose="02040503050406030204" pitchFamily="18" charset="0"/>
+                          </a:rPr>
+                          <m:t>3</m:t>
+                        </m:r>
+                      </m:sub>
+                    </m:sSub>
+                  </m:oMath>
+                </a14:m>
+                <a:r>
+                  <a:rPr lang="pt-BR" dirty="0"/>
+                  <a:t>:</a:t>
+                </a:r>
+              </a:p>
+              <a:p>
+                <a:pPr marL="0" indent="0">
+                  <a:buNone/>
+                </a:pPr>
+                <a:endParaRPr lang="pt-BR" sz="800" dirty="0"/>
               </a:p>
               <a:p>
                 <a:pPr marL="0" indent="0">
@@ -8455,12 +9353,93 @@
                               </m:ctrlPr>
                             </m:dPr>
                             <m:e>
+                              <m:sSub>
+                                <m:sSubPr>
+                                  <m:ctrlPr>
+                                    <a:rPr lang="pt-BR" i="1">
+                                      <a:latin typeface="Cambria Math" panose="02040503050406030204" pitchFamily="18" charset="0"/>
+                                    </a:rPr>
+                                  </m:ctrlPr>
+                                </m:sSubPr>
+                                <m:e>
+                                  <m:r>
+                                    <a:rPr lang="pt-BR" i="1">
+                                      <a:latin typeface="Cambria Math" panose="02040503050406030204" pitchFamily="18" charset="0"/>
+                                    </a:rPr>
+                                    <m:t>𝑥</m:t>
+                                  </m:r>
+                                </m:e>
+                                <m:sub>
+                                  <m:r>
+                                    <a:rPr lang="pt-BR" i="1">
+                                      <a:latin typeface="Cambria Math" panose="02040503050406030204" pitchFamily="18" charset="0"/>
+                                    </a:rPr>
+                                    <m:t>1</m:t>
+                                  </m:r>
+                                </m:sub>
+                              </m:sSub>
                               <m:r>
-                                <a:rPr lang="pt-BR" b="1" i="1">
+                                <a:rPr lang="pt-BR" b="1" i="1" smtClean="0">
                                   <a:latin typeface="Cambria Math" panose="02040503050406030204" pitchFamily="18" charset="0"/>
                                 </a:rPr>
-                                <m:t>𝒙</m:t>
+                                <m:t>,</m:t>
                               </m:r>
+                              <m:sSub>
+                                <m:sSubPr>
+                                  <m:ctrlPr>
+                                    <a:rPr lang="pt-BR" i="1">
+                                      <a:latin typeface="Cambria Math" panose="02040503050406030204" pitchFamily="18" charset="0"/>
+                                    </a:rPr>
+                                  </m:ctrlPr>
+                                </m:sSubPr>
+                                <m:e>
+                                  <m:r>
+                                    <a:rPr lang="pt-BR" i="1">
+                                      <a:latin typeface="Cambria Math" panose="02040503050406030204" pitchFamily="18" charset="0"/>
+                                    </a:rPr>
+                                    <m:t>𝑥</m:t>
+                                  </m:r>
+                                </m:e>
+                                <m:sub>
+                                  <m:r>
+                                    <a:rPr lang="pt-BR" b="0" i="1" smtClean="0">
+                                      <a:latin typeface="Cambria Math" panose="02040503050406030204" pitchFamily="18" charset="0"/>
+                                    </a:rPr>
+                                    <m:t>2</m:t>
+                                  </m:r>
+                                </m:sub>
+                              </m:sSub>
+                              <m:r>
+                                <a:rPr lang="pt-BR" b="1" i="1" smtClean="0">
+                                  <a:latin typeface="Cambria Math" panose="02040503050406030204" pitchFamily="18" charset="0"/>
+                                </a:rPr>
+                                <m:t>,</m:t>
+                              </m:r>
+                              <m:sSub>
+                                <m:sSubPr>
+                                  <m:ctrlPr>
+                                    <a:rPr lang="pt-BR" i="1">
+                                      <a:latin typeface="Cambria Math" panose="02040503050406030204" pitchFamily="18" charset="0"/>
+                                    </a:rPr>
+                                  </m:ctrlPr>
+                                </m:sSubPr>
+                                <m:e>
+                                  <m:r>
+                                    <a:rPr lang="pt-BR" i="1">
+                                      <a:latin typeface="Cambria Math" panose="02040503050406030204" pitchFamily="18" charset="0"/>
+                                    </a:rPr>
+                                    <m:t>𝑥</m:t>
+                                  </m:r>
+                                </m:e>
+                                <m:sub>
+                                  <m:r>
+                                    <a:rPr lang="pt-BR" b="0" i="1" smtClean="0">
+                                      <a:latin typeface="Cambria Math" panose="02040503050406030204" pitchFamily="18" charset="0"/>
+                                    </a:rPr>
+                                    <m:t>3</m:t>
+                                  </m:r>
+                                </m:sub>
+                              </m:sSub>
                             </m:e>
                           </m:d>
                           <m:r>
@@ -8705,6 +9684,81 @@
                             <a:rPr lang="pt-BR" i="1">
                               <a:latin typeface="Cambria Math" panose="02040503050406030204" pitchFamily="18" charset="0"/>
                             </a:rPr>
+                            <m:t>5</m:t>
+                          </m:r>
+                        </m:sub>
+                      </m:sSub>
+                      <m:sSup>
+                        <m:sSupPr>
+                          <m:ctrlPr>
+                            <a:rPr lang="pt-BR" i="1">
+                              <a:latin typeface="Cambria Math" panose="02040503050406030204" pitchFamily="18" charset="0"/>
+                            </a:rPr>
+                          </m:ctrlPr>
+                        </m:sSupPr>
+                        <m:e>
+                          <m:sSub>
+                            <m:sSubPr>
+                              <m:ctrlPr>
+                                <a:rPr lang="pt-BR" i="1">
+                                  <a:latin typeface="Cambria Math" panose="02040503050406030204" pitchFamily="18" charset="0"/>
+                                </a:rPr>
+                              </m:ctrlPr>
+                            </m:sSubPr>
+                            <m:e>
+                              <m:r>
+                                <a:rPr lang="pt-BR" i="1">
+                                  <a:latin typeface="Cambria Math" panose="02040503050406030204" pitchFamily="18" charset="0"/>
+                                </a:rPr>
+                                <m:t>𝑥</m:t>
+                              </m:r>
+                            </m:e>
+                            <m:sub>
+                              <m:r>
+                                <a:rPr lang="pt-BR" i="1">
+                                  <a:latin typeface="Cambria Math" panose="02040503050406030204" pitchFamily="18" charset="0"/>
+                                </a:rPr>
+                                <m:t>1</m:t>
+                              </m:r>
+                            </m:sub>
+                          </m:sSub>
+                        </m:e>
+                        <m:sup>
+                          <m:r>
+                            <a:rPr lang="pt-BR" i="1">
+                              <a:latin typeface="Cambria Math" panose="02040503050406030204" pitchFamily="18" charset="0"/>
+                            </a:rPr>
+                            <m:t>3</m:t>
+                          </m:r>
+                        </m:sup>
+                      </m:sSup>
+                      <m:r>
+                        <a:rPr lang="pt-BR" b="0" i="1" smtClean="0">
+                          <a:latin typeface="Cambria Math" panose="02040503050406030204" pitchFamily="18" charset="0"/>
+                        </a:rPr>
+                        <m:t>+</m:t>
+                      </m:r>
+                      <m:sSub>
+                        <m:sSubPr>
+                          <m:ctrlPr>
+                            <a:rPr lang="pt-BR" i="1">
+                              <a:latin typeface="Cambria Math" panose="02040503050406030204" pitchFamily="18" charset="0"/>
+                            </a:rPr>
+                          </m:ctrlPr>
+                        </m:sSubPr>
+                        <m:e>
+                          <m:r>
+                            <a:rPr lang="pt-BR" i="1">
+                              <a:latin typeface="Cambria Math" panose="02040503050406030204" pitchFamily="18" charset="0"/>
+                            </a:rPr>
+                            <m:t>𝑎</m:t>
+                          </m:r>
+                        </m:e>
+                        <m:sub>
+                          <m:r>
+                            <a:rPr lang="pt-BR" i="1">
+                              <a:latin typeface="Cambria Math" panose="02040503050406030204" pitchFamily="18" charset="0"/>
+                            </a:rPr>
                             <m:t>4</m:t>
                           </m:r>
                         </m:sub>
@@ -8804,6 +9858,372 @@
                         </m:sup>
                       </m:sSup>
                       <m:r>
+                        <a:rPr lang="pt-BR" b="0" i="1" smtClean="0">
+                          <a:latin typeface="Cambria Math" panose="02040503050406030204" pitchFamily="18" charset="0"/>
+                        </a:rPr>
+                        <m:t>.</m:t>
+                      </m:r>
+                    </m:oMath>
+                  </m:oMathPara>
+                </a14:m>
+                <a:endParaRPr lang="pt-BR" dirty="0"/>
+              </a:p>
+              <a:p>
+                <a:r>
+                  <a:rPr lang="pt-BR" dirty="0"/>
+                  <a:t>Percebam que em alguns monômios existe a combinação dos atributos originais, formando novos atributos.</a:t>
+                </a:r>
+              </a:p>
+            </p:txBody>
+          </p:sp>
+        </mc:Choice>
+        <mc:Fallback xmlns="">
+          <p:sp>
+            <p:nvSpPr>
+              <p:cNvPr id="3" name="Espaço Reservado para Conteúdo 2">
+                <a:extLst>
+                  <a:ext uri="{FF2B5EF4-FFF2-40B4-BE49-F238E27FC236}">
+                    <a16:creationId xmlns:a16="http://schemas.microsoft.com/office/drawing/2014/main" id="{3D00CBD0-9559-9C3D-3D01-45F852EF7362}"/>
+                  </a:ext>
+                </a:extLst>
+              </p:cNvPr>
+              <p:cNvSpPr>
+                <a:spLocks noGrp="1" noRot="1" noChangeAspect="1" noMove="1" noResize="1" noEditPoints="1" noAdjustHandles="1" noChangeArrowheads="1" noChangeShapeType="1" noTextEdit="1"/>
+              </p:cNvSpPr>
+              <p:nvPr>
+                <p:ph idx="1"/>
+              </p:nvPr>
+            </p:nvSpPr>
+            <p:spPr>
+              <a:xfrm>
+                <a:off x="838199" y="1825624"/>
+                <a:ext cx="11100371" cy="5032375"/>
+              </a:xfrm>
+              <a:blipFill>
+                <a:blip r:embed="rId3"/>
+                <a:stretch>
+                  <a:fillRect l="-934" t="-1937"/>
+                </a:stretch>
+              </a:blipFill>
+            </p:spPr>
+            <p:txBody>
+              <a:bodyPr/>
+              <a:lstStyle/>
+              <a:p>
+                <a:r>
+                  <a:rPr lang="pt-BR">
+                    <a:noFill/>
+                  </a:rPr>
+                  <a:t> </a:t>
+                </a:r>
+              </a:p>
+            </p:txBody>
+          </p:sp>
+        </mc:Fallback>
+      </mc:AlternateContent>
+      <p:sp>
+        <p:nvSpPr>
+          <p:cNvPr id="4" name="Retângulo 3">
+            <a:extLst>
+              <a:ext uri="{FF2B5EF4-FFF2-40B4-BE49-F238E27FC236}">
+                <a16:creationId xmlns:a16="http://schemas.microsoft.com/office/drawing/2014/main" id="{98410D9F-6DA2-5D2B-64D2-3968F703B466}"/>
+              </a:ext>
+            </a:extLst>
+          </p:cNvPr>
+          <p:cNvSpPr/>
+          <p:nvPr/>
+        </p:nvSpPr>
+        <p:spPr>
+          <a:xfrm>
+            <a:off x="9593277" y="4880225"/>
+            <a:ext cx="1574801" cy="575353"/>
+          </a:xfrm>
+          <a:prstGeom prst="rect">
+            <a:avLst/>
+          </a:prstGeom>
+          <a:noFill/>
+          <a:ln w="28575">
+            <a:solidFill>
+              <a:srgbClr val="FF0000"/>
+            </a:solidFill>
+          </a:ln>
+        </p:spPr>
+        <p:style>
+          <a:lnRef idx="2">
+            <a:schemeClr val="accent1">
+              <a:shade val="15000"/>
+            </a:schemeClr>
+          </a:lnRef>
+          <a:fillRef idx="1">
+            <a:schemeClr val="accent1"/>
+          </a:fillRef>
+          <a:effectRef idx="0">
+            <a:schemeClr val="accent1"/>
+          </a:effectRef>
+          <a:fontRef idx="minor">
+            <a:schemeClr val="lt1"/>
+          </a:fontRef>
+        </p:style>
+        <p:txBody>
+          <a:bodyPr rtlCol="0" anchor="ctr"/>
+          <a:lstStyle/>
+          <a:p>
+            <a:pPr algn="ctr"/>
+            <a:endParaRPr lang="pt-BR"/>
+          </a:p>
+        </p:txBody>
+      </p:sp>
+      <p:sp>
+        <p:nvSpPr>
+          <p:cNvPr id="5" name="CaixaDeTexto 4">
+            <a:extLst>
+              <a:ext uri="{FF2B5EF4-FFF2-40B4-BE49-F238E27FC236}">
+                <a16:creationId xmlns:a16="http://schemas.microsoft.com/office/drawing/2014/main" id="{EEC46CB1-84F4-F9C2-774C-BEF6DAFB7BC8}"/>
+              </a:ext>
+            </a:extLst>
+          </p:cNvPr>
+          <p:cNvSpPr txBox="1"/>
+          <p:nvPr/>
+        </p:nvSpPr>
+        <p:spPr>
+          <a:xfrm>
+            <a:off x="0" y="6581000"/>
+            <a:ext cx="3133618" cy="276999"/>
+          </a:xfrm>
+          <a:prstGeom prst="rect">
+            <a:avLst/>
+          </a:prstGeom>
+          <a:noFill/>
+        </p:spPr>
+        <p:txBody>
+          <a:bodyPr wrap="square" rtlCol="0">
+            <a:spAutoFit/>
+          </a:bodyPr>
+          <a:lstStyle/>
+          <a:p>
+            <a:r>
+              <a:rPr lang="pt-BR" sz="1200" dirty="0"/>
+              <a:t>* A ordem é soma dos expoentes do monômio.</a:t>
+            </a:r>
+          </a:p>
+        </p:txBody>
+      </p:sp>
+    </p:spTree>
+    <p:extLst>
+      <p:ext uri="{BB962C8B-B14F-4D97-AF65-F5344CB8AC3E}">
+        <p14:creationId xmlns:p14="http://schemas.microsoft.com/office/powerpoint/2010/main" val="3064351796"/>
+      </p:ext>
+    </p:extLst>
+  </p:cSld>
+  <p:clrMapOvr>
+    <a:masterClrMapping/>
+  </p:clrMapOvr>
+</p:sld>
+</file>
+
+<file path=ppt/slides/slide15.xml><?xml version="1.0" encoding="utf-8"?>
+<p:sld xmlns:a="http://schemas.openxmlformats.org/drawingml/2006/main" xmlns:r="http://schemas.openxmlformats.org/officeDocument/2006/relationships" xmlns:p="http://schemas.openxmlformats.org/presentationml/2006/main">
+  <p:cSld>
+    <p:spTree>
+      <p:nvGrpSpPr>
+        <p:cNvPr id="1" name=""/>
+        <p:cNvGrpSpPr/>
+        <p:nvPr/>
+      </p:nvGrpSpPr>
+      <p:grpSpPr>
+        <a:xfrm>
+          <a:off x="0" y="0"/>
+          <a:ext cx="0" cy="0"/>
+          <a:chOff x="0" y="0"/>
+          <a:chExt cx="0" cy="0"/>
+        </a:xfrm>
+      </p:grpSpPr>
+      <p:sp>
+        <p:nvSpPr>
+          <p:cNvPr id="2" name="Título 1">
+            <a:extLst>
+              <a:ext uri="{FF2B5EF4-FFF2-40B4-BE49-F238E27FC236}">
+                <a16:creationId xmlns:a16="http://schemas.microsoft.com/office/drawing/2014/main" id="{6A533856-0BF8-BD87-5B10-56217211A862}"/>
+              </a:ext>
+            </a:extLst>
+          </p:cNvPr>
+          <p:cNvSpPr>
+            <a:spLocks noGrp="1"/>
+          </p:cNvSpPr>
+          <p:nvPr>
+            <p:ph type="title"/>
+          </p:nvPr>
+        </p:nvSpPr>
+        <p:spPr/>
+        <p:txBody>
+          <a:bodyPr/>
+          <a:lstStyle/>
+          <a:p>
+            <a:r>
+              <a:rPr lang="pt-BR" dirty="0"/>
+              <a:t>Regressão polinomial</a:t>
+            </a:r>
+          </a:p>
+        </p:txBody>
+      </p:sp>
+      <mc:AlternateContent xmlns:mc="http://schemas.openxmlformats.org/markup-compatibility/2006" xmlns:a14="http://schemas.microsoft.com/office/drawing/2010/main">
+        <mc:Choice Requires="a14">
+          <p:sp>
+            <p:nvSpPr>
+              <p:cNvPr id="3" name="Espaço Reservado para Conteúdo 2">
+                <a:extLst>
+                  <a:ext uri="{FF2B5EF4-FFF2-40B4-BE49-F238E27FC236}">
+                    <a16:creationId xmlns:a16="http://schemas.microsoft.com/office/drawing/2014/main" id="{0493FCEB-EA3F-F1A7-D154-34521F5D7ADF}"/>
+                  </a:ext>
+                </a:extLst>
+              </p:cNvPr>
+              <p:cNvSpPr>
+                <a:spLocks noGrp="1"/>
+              </p:cNvSpPr>
+              <p:nvPr>
+                <p:ph idx="1"/>
+              </p:nvPr>
+            </p:nvSpPr>
+            <p:spPr>
+              <a:xfrm>
+                <a:off x="838200" y="1825624"/>
+                <a:ext cx="11264758" cy="5032375"/>
+              </a:xfrm>
+            </p:spPr>
+            <p:txBody>
+              <a:bodyPr>
+                <a:normAutofit/>
+              </a:bodyPr>
+              <a:lstStyle/>
+              <a:p>
+                <a:r>
+                  <a:rPr lang="pt-BR" dirty="0"/>
+                  <a:t>Por simplicidade didática, consideraremos </a:t>
+                </a:r>
+                <a:r>
+                  <a:rPr lang="pt-BR" b="1" i="1" dirty="0">
+                    <a:solidFill>
+                      <a:srgbClr val="00B050"/>
+                    </a:solidFill>
+                  </a:rPr>
+                  <a:t>funções hipóteses polinomiais em uma variável</a:t>
+                </a:r>
+                <a:r>
+                  <a:rPr lang="pt-BR" dirty="0">
+                    <a:solidFill>
+                      <a:srgbClr val="00B050"/>
+                    </a:solidFill>
+                  </a:rPr>
+                  <a:t> </a:t>
+                </a:r>
+                <a:r>
+                  <a:rPr lang="pt-BR" dirty="0"/>
+                  <a:t>(i.e., atributo):</a:t>
+                </a:r>
+                <a:endParaRPr lang="pt-BR" sz="800" b="1" i="1" dirty="0"/>
+              </a:p>
+              <a:p>
+                <a:pPr marL="0" indent="0" algn="ctr">
+                  <a:buNone/>
+                </a:pPr>
+                <a14:m>
+                  <m:oMathPara xmlns:m="http://schemas.openxmlformats.org/officeDocument/2006/math">
+                    <m:oMathParaPr>
+                      <m:jc m:val="centerGroup"/>
+                    </m:oMathParaPr>
+                    <m:oMath xmlns:m="http://schemas.openxmlformats.org/officeDocument/2006/math">
+                      <m:r>
+                        <a:rPr lang="pt-BR" i="1">
+                          <a:latin typeface="Cambria Math" panose="02040503050406030204" pitchFamily="18" charset="0"/>
+                        </a:rPr>
+                        <m:t>h</m:t>
+                      </m:r>
+                      <m:d>
+                        <m:dPr>
+                          <m:ctrlPr>
+                            <a:rPr lang="pt-BR" i="1">
+                              <a:latin typeface="Cambria Math" panose="02040503050406030204" pitchFamily="18" charset="0"/>
+                            </a:rPr>
+                          </m:ctrlPr>
+                        </m:dPr>
+                        <m:e>
+                          <m:sSub>
+                            <m:sSubPr>
+                              <m:ctrlPr>
+                                <a:rPr lang="pt-BR" i="1">
+                                  <a:latin typeface="Cambria Math" panose="02040503050406030204" pitchFamily="18" charset="0"/>
+                                </a:rPr>
+                              </m:ctrlPr>
+                            </m:sSubPr>
+                            <m:e>
+                              <m:r>
+                                <a:rPr lang="pt-BR" i="1">
+                                  <a:latin typeface="Cambria Math" panose="02040503050406030204" pitchFamily="18" charset="0"/>
+                                </a:rPr>
+                                <m:t>𝑥</m:t>
+                              </m:r>
+                            </m:e>
+                            <m:sub>
+                              <m:r>
+                                <a:rPr lang="pt-BR" i="1">
+                                  <a:latin typeface="Cambria Math" panose="02040503050406030204" pitchFamily="18" charset="0"/>
+                                </a:rPr>
+                                <m:t>1</m:t>
+                              </m:r>
+                            </m:sub>
+                          </m:sSub>
+                          <m:r>
+                            <a:rPr lang="pt-BR" i="1">
+                              <a:latin typeface="Cambria Math" panose="02040503050406030204" pitchFamily="18" charset="0"/>
+                            </a:rPr>
+                            <m:t>(</m:t>
+                          </m:r>
+                          <m:r>
+                            <a:rPr lang="pt-BR" i="1">
+                              <a:latin typeface="Cambria Math" panose="02040503050406030204" pitchFamily="18" charset="0"/>
+                            </a:rPr>
+                            <m:t>𝑛</m:t>
+                          </m:r>
+                          <m:r>
+                            <a:rPr lang="pt-BR" i="1">
+                              <a:latin typeface="Cambria Math" panose="02040503050406030204" pitchFamily="18" charset="0"/>
+                            </a:rPr>
+                            <m:t>)</m:t>
+                          </m:r>
+                        </m:e>
+                      </m:d>
+                      <m:r>
+                        <a:rPr lang="pt-BR" i="1">
+                          <a:latin typeface="Cambria Math" panose="02040503050406030204" pitchFamily="18" charset="0"/>
+                        </a:rPr>
+                        <m:t>=</m:t>
+                      </m:r>
+                      <m:sSub>
+                        <m:sSubPr>
+                          <m:ctrlPr>
+                            <a:rPr lang="pt-BR" i="1">
+                              <a:latin typeface="Cambria Math" panose="02040503050406030204" pitchFamily="18" charset="0"/>
+                            </a:rPr>
+                          </m:ctrlPr>
+                        </m:sSubPr>
+                        <m:e>
+                          <m:r>
+                            <a:rPr lang="pt-BR" i="1">
+                              <a:latin typeface="Cambria Math" panose="02040503050406030204" pitchFamily="18" charset="0"/>
+                            </a:rPr>
+                            <m:t>𝑎</m:t>
+                          </m:r>
+                        </m:e>
+                        <m:sub>
+                          <m:r>
+                            <a:rPr lang="pt-BR" i="1">
+                              <a:latin typeface="Cambria Math" panose="02040503050406030204" pitchFamily="18" charset="0"/>
+                            </a:rPr>
+                            <m:t>0</m:t>
+                          </m:r>
+                        </m:sub>
+                      </m:sSub>
+                      <m:r>
                         <a:rPr lang="pt-BR" i="1">
                           <a:latin typeface="Cambria Math" panose="02040503050406030204" pitchFamily="18" charset="0"/>
                         </a:rPr>
@@ -8830,7 +10250,75 @@
                             <a:rPr lang="pt-BR" i="1">
                               <a:latin typeface="Cambria Math" panose="02040503050406030204" pitchFamily="18" charset="0"/>
                             </a:rPr>
-                            <m:t>5</m:t>
+                            <m:t>1</m:t>
+                          </m:r>
+                        </m:sub>
+                      </m:sSub>
+                      <m:sSub>
+                        <m:sSubPr>
+                          <m:ctrlPr>
+                            <a:rPr lang="pt-BR" i="1">
+                              <a:latin typeface="Cambria Math" panose="02040503050406030204" pitchFamily="18" charset="0"/>
+                            </a:rPr>
+                          </m:ctrlPr>
+                        </m:sSubPr>
+                        <m:e>
+                          <m:r>
+                            <a:rPr lang="pt-BR" i="1">
+                              <a:latin typeface="Cambria Math" panose="02040503050406030204" pitchFamily="18" charset="0"/>
+                            </a:rPr>
+                            <m:t>𝑥</m:t>
+                          </m:r>
+                        </m:e>
+                        <m:sub>
+                          <m:r>
+                            <a:rPr lang="pt-BR" i="1">
+                              <a:latin typeface="Cambria Math" panose="02040503050406030204" pitchFamily="18" charset="0"/>
+                            </a:rPr>
+                            <m:t>1</m:t>
+                          </m:r>
+                        </m:sub>
+                      </m:sSub>
+                      <m:r>
+                        <a:rPr lang="pt-BR" i="1">
+                          <a:latin typeface="Cambria Math" panose="02040503050406030204" pitchFamily="18" charset="0"/>
+                        </a:rPr>
+                        <m:t>(</m:t>
+                      </m:r>
+                      <m:r>
+                        <a:rPr lang="pt-BR" i="1">
+                          <a:latin typeface="Cambria Math" panose="02040503050406030204" pitchFamily="18" charset="0"/>
+                        </a:rPr>
+                        <m:t>𝑛</m:t>
+                      </m:r>
+                      <m:r>
+                        <a:rPr lang="pt-BR" i="1">
+                          <a:latin typeface="Cambria Math" panose="02040503050406030204" pitchFamily="18" charset="0"/>
+                        </a:rPr>
+                        <m:t>)+</m:t>
+                      </m:r>
+                      <m:sSub>
+                        <m:sSubPr>
+                          <m:ctrlPr>
+                            <a:rPr lang="pt-BR" i="1">
+                              <a:latin typeface="Cambria Math" panose="02040503050406030204" pitchFamily="18" charset="0"/>
+                            </a:rPr>
+                          </m:ctrlPr>
+                        </m:sSubPr>
+                        <m:e>
+                          <m:r>
+                            <a:rPr lang="pt-BR" i="1">
+                              <a:latin typeface="Cambria Math" panose="02040503050406030204" pitchFamily="18" charset="0"/>
+                            </a:rPr>
+                            <m:t>𝑎</m:t>
+                          </m:r>
+                        </m:e>
+                        <m:sub>
+                          <m:r>
+                            <a:rPr lang="pt-BR" i="1">
+                              <a:latin typeface="Cambria Math" panose="02040503050406030204" pitchFamily="18" charset="0"/>
+                            </a:rPr>
+                            <m:t>2</m:t>
                           </m:r>
                         </m:sub>
                       </m:sSub>
@@ -8874,137 +10362,799 @@
                             <a:rPr lang="pt-BR" i="1">
                               <a:latin typeface="Cambria Math" panose="02040503050406030204" pitchFamily="18" charset="0"/>
                             </a:rPr>
-                            <m:t>3</m:t>
+                            <m:t>2</m:t>
                           </m:r>
                         </m:sup>
                       </m:sSup>
+                      <m:r>
+                        <a:rPr lang="pt-BR" i="1">
+                          <a:latin typeface="Cambria Math" panose="02040503050406030204" pitchFamily="18" charset="0"/>
+                        </a:rPr>
+                        <m:t>(</m:t>
+                      </m:r>
+                      <m:r>
+                        <a:rPr lang="pt-BR" i="1">
+                          <a:latin typeface="Cambria Math" panose="02040503050406030204" pitchFamily="18" charset="0"/>
+                        </a:rPr>
+                        <m:t>𝑛</m:t>
+                      </m:r>
+                      <m:r>
+                        <a:rPr lang="pt-BR" i="1">
+                          <a:latin typeface="Cambria Math" panose="02040503050406030204" pitchFamily="18" charset="0"/>
+                        </a:rPr>
+                        <m:t>)+…+</m:t>
+                      </m:r>
+                      <m:sSub>
+                        <m:sSubPr>
+                          <m:ctrlPr>
+                            <a:rPr lang="pt-BR" i="1">
+                              <a:latin typeface="Cambria Math" panose="02040503050406030204" pitchFamily="18" charset="0"/>
+                            </a:rPr>
+                          </m:ctrlPr>
+                        </m:sSubPr>
+                        <m:e>
+                          <m:r>
+                            <a:rPr lang="pt-BR" i="1">
+                              <a:latin typeface="Cambria Math" panose="02040503050406030204" pitchFamily="18" charset="0"/>
+                            </a:rPr>
+                            <m:t>𝑎</m:t>
+                          </m:r>
+                        </m:e>
+                        <m:sub>
+                          <m:r>
+                            <a:rPr lang="pt-BR" i="1">
+                              <a:latin typeface="Cambria Math" panose="02040503050406030204" pitchFamily="18" charset="0"/>
+                            </a:rPr>
+                            <m:t>𝑀</m:t>
+                          </m:r>
+                        </m:sub>
+                      </m:sSub>
+                      <m:sSup>
+                        <m:sSupPr>
+                          <m:ctrlPr>
+                            <a:rPr lang="pt-BR" i="1">
+                              <a:latin typeface="Cambria Math" panose="02040503050406030204" pitchFamily="18" charset="0"/>
+                            </a:rPr>
+                          </m:ctrlPr>
+                        </m:sSupPr>
+                        <m:e>
+                          <m:sSub>
+                            <m:sSubPr>
+                              <m:ctrlPr>
+                                <a:rPr lang="pt-BR" i="1">
+                                  <a:latin typeface="Cambria Math" panose="02040503050406030204" pitchFamily="18" charset="0"/>
+                                </a:rPr>
+                              </m:ctrlPr>
+                            </m:sSubPr>
+                            <m:e>
+                              <m:r>
+                                <a:rPr lang="pt-BR" i="1">
+                                  <a:latin typeface="Cambria Math" panose="02040503050406030204" pitchFamily="18" charset="0"/>
+                                </a:rPr>
+                                <m:t>𝑥</m:t>
+                              </m:r>
+                            </m:e>
+                            <m:sub>
+                              <m:r>
+                                <a:rPr lang="pt-BR" i="1">
+                                  <a:latin typeface="Cambria Math" panose="02040503050406030204" pitchFamily="18" charset="0"/>
+                                </a:rPr>
+                                <m:t>1</m:t>
+                              </m:r>
+                            </m:sub>
+                          </m:sSub>
+                        </m:e>
+                        <m:sup>
+                          <m:r>
+                            <a:rPr lang="pt-BR" i="1">
+                              <a:latin typeface="Cambria Math" panose="02040503050406030204" pitchFamily="18" charset="0"/>
+                            </a:rPr>
+                            <m:t>𝑀</m:t>
+                          </m:r>
+                        </m:sup>
+                      </m:sSup>
+                      <m:r>
+                        <a:rPr lang="pt-BR" i="1">
+                          <a:latin typeface="Cambria Math" panose="02040503050406030204" pitchFamily="18" charset="0"/>
+                        </a:rPr>
+                        <m:t>(</m:t>
+                      </m:r>
+                      <m:r>
+                        <a:rPr lang="pt-BR" i="1">
+                          <a:latin typeface="Cambria Math" panose="02040503050406030204" pitchFamily="18" charset="0"/>
+                        </a:rPr>
+                        <m:t>𝑛</m:t>
+                      </m:r>
+                      <m:r>
+                        <a:rPr lang="pt-BR" i="1">
+                          <a:latin typeface="Cambria Math" panose="02040503050406030204" pitchFamily="18" charset="0"/>
+                        </a:rPr>
+                        <m:t>)=</m:t>
+                      </m:r>
+                      <m:sSup>
+                        <m:sSupPr>
+                          <m:ctrlPr>
+                            <a:rPr lang="pt-BR" b="0" i="1" smtClean="0">
+                              <a:latin typeface="Cambria Math" panose="02040503050406030204" pitchFamily="18" charset="0"/>
+                            </a:rPr>
+                          </m:ctrlPr>
+                        </m:sSupPr>
+                        <m:e>
+                          <m:r>
+                            <a:rPr lang="pt-BR" b="1" i="1" smtClean="0">
+                              <a:latin typeface="Cambria Math" panose="02040503050406030204" pitchFamily="18" charset="0"/>
+                            </a:rPr>
+                            <m:t>𝒂</m:t>
+                          </m:r>
+                        </m:e>
+                        <m:sup>
+                          <m:r>
+                            <a:rPr lang="pt-BR" b="0" i="1" smtClean="0">
+                              <a:latin typeface="Cambria Math" panose="02040503050406030204" pitchFamily="18" charset="0"/>
+                            </a:rPr>
+                            <m:t>𝑇</m:t>
+                          </m:r>
+                        </m:sup>
+                      </m:sSup>
+                      <m:r>
+                        <a:rPr lang="pt-BR" b="1" i="1" smtClean="0">
+                          <a:latin typeface="Cambria Math" panose="02040503050406030204" pitchFamily="18" charset="0"/>
+                        </a:rPr>
+                        <m:t>𝒙</m:t>
+                      </m:r>
+                      <m:r>
+                        <a:rPr lang="pt-BR" i="1">
+                          <a:latin typeface="Cambria Math" panose="02040503050406030204" pitchFamily="18" charset="0"/>
+                        </a:rPr>
+                        <m:t>(</m:t>
+                      </m:r>
+                      <m:r>
+                        <a:rPr lang="pt-BR" i="1">
+                          <a:latin typeface="Cambria Math" panose="02040503050406030204" pitchFamily="18" charset="0"/>
+                        </a:rPr>
+                        <m:t>𝑛</m:t>
+                      </m:r>
+                      <m:r>
+                        <a:rPr lang="pt-BR" i="1">
+                          <a:latin typeface="Cambria Math" panose="02040503050406030204" pitchFamily="18" charset="0"/>
+                        </a:rPr>
+                        <m:t>),</m:t>
+                      </m:r>
                     </m:oMath>
                   </m:oMathPara>
                 </a14:m>
                 <a:endParaRPr lang="pt-BR" dirty="0"/>
               </a:p>
               <a:p>
+                <a:pPr marL="0" indent="0">
+                  <a:buNone/>
+                </a:pPr>
                 <a:r>
                   <a:rPr lang="pt-BR" dirty="0"/>
-                  <a:t>Por simplicidade, para nossas análises, nós vamos considerar </a:t>
+                  <a:t>onde </a:t>
                 </a:r>
-                <a:r>
-                  <a:rPr lang="pt-BR" b="1" i="1" dirty="0"/>
-                  <a:t>funções hipóteses polinomiais em uma váriável</a:t>
-                </a:r>
-              </a:p>
-              <a:p>
-                <a:pPr marL="0" indent="0" algn="ctr">
-                  <a:buNone/>
-                </a:pPr>
                 <a14:m>
                   <m:oMath xmlns:m="http://schemas.openxmlformats.org/officeDocument/2006/math">
                     <m:r>
                       <a:rPr lang="pt-BR" i="1">
                         <a:latin typeface="Cambria Math" panose="02040503050406030204" pitchFamily="18" charset="0"/>
                       </a:rPr>
-                      <m:t>h</m:t>
+                      <m:t>𝑛</m:t>
                     </m:r>
-                    <m:d>
-                      <m:dPr>
+                  </m:oMath>
+                </a14:m>
+                <a:r>
+                  <a:rPr lang="pt-BR" dirty="0"/>
+                  <a:t> é o número da amostra, </a:t>
+                </a:r>
+                <a14:m>
+                  <m:oMath xmlns:m="http://schemas.openxmlformats.org/officeDocument/2006/math">
+                    <m:r>
+                      <a:rPr lang="pt-BR" i="1">
+                        <a:latin typeface="Cambria Math" panose="02040503050406030204" pitchFamily="18" charset="0"/>
+                      </a:rPr>
+                      <m:t>𝑀</m:t>
+                    </m:r>
+                  </m:oMath>
+                </a14:m>
+                <a:r>
+                  <a:rPr lang="pt-BR" dirty="0"/>
+                  <a:t> é a ordem do polinômio, </a:t>
+                </a:r>
+                <a14:m>
+                  <m:oMath xmlns:m="http://schemas.openxmlformats.org/officeDocument/2006/math">
+                    <m:r>
+                      <a:rPr lang="pt-BR" b="1" i="1" smtClean="0">
+                        <a:latin typeface="Cambria Math" panose="02040503050406030204" pitchFamily="18" charset="0"/>
+                      </a:rPr>
+                      <m:t>𝒂</m:t>
+                    </m:r>
+                    <m:r>
+                      <a:rPr lang="pt-BR" b="0" i="0" smtClean="0">
+                        <a:latin typeface="Cambria Math" panose="02040503050406030204" pitchFamily="18" charset="0"/>
+                      </a:rPr>
+                      <m:t>=</m:t>
+                    </m:r>
+                    <m:sSup>
+                      <m:sSupPr>
                         <m:ctrlPr>
-                          <a:rPr lang="pt-BR" i="1">
+                          <a:rPr lang="pt-BR" b="0" i="1" smtClean="0">
                             <a:latin typeface="Cambria Math" panose="02040503050406030204" pitchFamily="18" charset="0"/>
                           </a:rPr>
                         </m:ctrlPr>
-                      </m:dPr>
+                      </m:sSupPr>
+                      <m:e>
+                        <m:d>
+                          <m:dPr>
+                            <m:begChr m:val="["/>
+                            <m:endChr m:val="]"/>
+                            <m:ctrlPr>
+                              <a:rPr lang="pt-BR" b="0" i="1" smtClean="0">
+                                <a:latin typeface="Cambria Math" panose="02040503050406030204" pitchFamily="18" charset="0"/>
+                              </a:rPr>
+                            </m:ctrlPr>
+                          </m:dPr>
+                          <m:e>
+                            <m:sSub>
+                              <m:sSubPr>
+                                <m:ctrlPr>
+                                  <a:rPr lang="pt-BR" i="1">
+                                    <a:latin typeface="Cambria Math" panose="02040503050406030204" pitchFamily="18" charset="0"/>
+                                  </a:rPr>
+                                </m:ctrlPr>
+                              </m:sSubPr>
+                              <m:e>
+                                <m:r>
+                                  <a:rPr lang="pt-BR" i="1">
+                                    <a:latin typeface="Cambria Math" panose="02040503050406030204" pitchFamily="18" charset="0"/>
+                                  </a:rPr>
+                                  <m:t>𝑎</m:t>
+                                </m:r>
+                              </m:e>
+                              <m:sub>
+                                <m:r>
+                                  <a:rPr lang="pt-BR" i="1">
+                                    <a:latin typeface="Cambria Math" panose="02040503050406030204" pitchFamily="18" charset="0"/>
+                                  </a:rPr>
+                                  <m:t>0</m:t>
+                                </m:r>
+                              </m:sub>
+                            </m:sSub>
+                            <m:r>
+                              <a:rPr lang="pt-BR" b="0" i="1" smtClean="0">
+                                <a:latin typeface="Cambria Math" panose="02040503050406030204" pitchFamily="18" charset="0"/>
+                              </a:rPr>
+                              <m:t>  </m:t>
+                            </m:r>
+                            <m:sSub>
+                              <m:sSubPr>
+                                <m:ctrlPr>
+                                  <a:rPr lang="pt-BR" i="1">
+                                    <a:latin typeface="Cambria Math" panose="02040503050406030204" pitchFamily="18" charset="0"/>
+                                  </a:rPr>
+                                </m:ctrlPr>
+                              </m:sSubPr>
+                              <m:e>
+                                <m:r>
+                                  <a:rPr lang="pt-BR" i="1">
+                                    <a:latin typeface="Cambria Math" panose="02040503050406030204" pitchFamily="18" charset="0"/>
+                                  </a:rPr>
+                                  <m:t>𝑎</m:t>
+                                </m:r>
+                              </m:e>
+                              <m:sub>
+                                <m:r>
+                                  <a:rPr lang="pt-BR" b="0" i="1" smtClean="0">
+                                    <a:latin typeface="Cambria Math" panose="02040503050406030204" pitchFamily="18" charset="0"/>
+                                  </a:rPr>
+                                  <m:t>1</m:t>
+                                </m:r>
+                              </m:sub>
+                            </m:sSub>
+                            <m:r>
+                              <a:rPr lang="pt-BR" b="0" i="1" smtClean="0">
+                                <a:latin typeface="Cambria Math" panose="02040503050406030204" pitchFamily="18" charset="0"/>
+                              </a:rPr>
+                              <m:t>  </m:t>
+                            </m:r>
+                            <m:sSub>
+                              <m:sSubPr>
+                                <m:ctrlPr>
+                                  <a:rPr lang="pt-BR" i="1">
+                                    <a:latin typeface="Cambria Math" panose="02040503050406030204" pitchFamily="18" charset="0"/>
+                                  </a:rPr>
+                                </m:ctrlPr>
+                              </m:sSubPr>
+                              <m:e>
+                                <m:r>
+                                  <a:rPr lang="pt-BR" i="1">
+                                    <a:latin typeface="Cambria Math" panose="02040503050406030204" pitchFamily="18" charset="0"/>
+                                  </a:rPr>
+                                  <m:t>𝑎</m:t>
+                                </m:r>
+                              </m:e>
+                              <m:sub>
+                                <m:r>
+                                  <a:rPr lang="pt-BR" b="0" i="1" smtClean="0">
+                                    <a:latin typeface="Cambria Math" panose="02040503050406030204" pitchFamily="18" charset="0"/>
+                                  </a:rPr>
+                                  <m:t>2</m:t>
+                                </m:r>
+                              </m:sub>
+                            </m:sSub>
+                            <m:r>
+                              <a:rPr lang="pt-BR" b="0" i="1" smtClean="0">
+                                <a:latin typeface="Cambria Math" panose="02040503050406030204" pitchFamily="18" charset="0"/>
+                              </a:rPr>
+                              <m:t> </m:t>
+                            </m:r>
+                            <m:r>
+                              <a:rPr lang="pt-BR" i="1">
+                                <a:latin typeface="Cambria Math" panose="02040503050406030204" pitchFamily="18" charset="0"/>
+                              </a:rPr>
+                              <m:t>…</m:t>
+                            </m:r>
+                            <m:r>
+                              <a:rPr lang="pt-BR" b="0" i="1" smtClean="0">
+                                <a:latin typeface="Cambria Math" panose="02040503050406030204" pitchFamily="18" charset="0"/>
+                              </a:rPr>
+                              <m:t> </m:t>
+                            </m:r>
+                            <m:sSub>
+                              <m:sSubPr>
+                                <m:ctrlPr>
+                                  <a:rPr lang="pt-BR" i="1">
+                                    <a:latin typeface="Cambria Math" panose="02040503050406030204" pitchFamily="18" charset="0"/>
+                                  </a:rPr>
+                                </m:ctrlPr>
+                              </m:sSubPr>
+                              <m:e>
+                                <m:r>
+                                  <a:rPr lang="pt-BR" i="1">
+                                    <a:latin typeface="Cambria Math" panose="02040503050406030204" pitchFamily="18" charset="0"/>
+                                  </a:rPr>
+                                  <m:t>𝑎</m:t>
+                                </m:r>
+                              </m:e>
+                              <m:sub>
+                                <m:r>
+                                  <a:rPr lang="pt-BR" i="1">
+                                    <a:latin typeface="Cambria Math" panose="02040503050406030204" pitchFamily="18" charset="0"/>
+                                  </a:rPr>
+                                  <m:t>𝑀</m:t>
+                                </m:r>
+                              </m:sub>
+                            </m:sSub>
+                          </m:e>
+                        </m:d>
+                      </m:e>
+                      <m:sup>
+                        <m:r>
+                          <a:rPr lang="pt-BR" b="0" i="1" smtClean="0">
+                            <a:latin typeface="Cambria Math" panose="02040503050406030204" pitchFamily="18" charset="0"/>
+                          </a:rPr>
+                          <m:t>𝑇</m:t>
+                        </m:r>
+                      </m:sup>
+                    </m:sSup>
+                    <m:r>
+                      <a:rPr lang="pt-BR" b="0" i="1" smtClean="0">
+                        <a:latin typeface="Cambria Math" panose="02040503050406030204" pitchFamily="18" charset="0"/>
+                        <a:ea typeface="Cambria Math" panose="02040503050406030204" pitchFamily="18" charset="0"/>
+                      </a:rPr>
+                      <m:t>∈</m:t>
+                    </m:r>
+                    <m:sSup>
+                      <m:sSupPr>
+                        <m:ctrlPr>
+                          <a:rPr lang="pt-BR" b="0" i="1" smtClean="0">
+                            <a:latin typeface="Cambria Math" panose="02040503050406030204" pitchFamily="18" charset="0"/>
+                            <a:ea typeface="Cambria Math" panose="02040503050406030204" pitchFamily="18" charset="0"/>
+                          </a:rPr>
+                        </m:ctrlPr>
+                      </m:sSupPr>
                       <m:e>
                         <m:r>
-                          <a:rPr lang="pt-BR" b="1" i="1">
+                          <a:rPr lang="pt-BR" b="0" i="1" smtClean="0">
                             <a:latin typeface="Cambria Math" panose="02040503050406030204" pitchFamily="18" charset="0"/>
+                            <a:ea typeface="Cambria Math" panose="02040503050406030204" pitchFamily="18" charset="0"/>
                           </a:rPr>
-                          <m:t>𝒙</m:t>
+                          <m:t>ℝ</m:t>
+                        </m:r>
+                      </m:e>
+                      <m:sup>
+                        <m:r>
+                          <a:rPr lang="pt-BR" b="0" i="1" smtClean="0">
+                            <a:latin typeface="Cambria Math" panose="02040503050406030204" pitchFamily="18" charset="0"/>
+                            <a:ea typeface="Cambria Math" panose="02040503050406030204" pitchFamily="18" charset="0"/>
+                          </a:rPr>
+                          <m:t>𝑀</m:t>
                         </m:r>
                         <m:r>
-                          <a:rPr lang="pt-BR" i="1">
+                          <a:rPr lang="pt-BR" b="0" i="1" smtClean="0">
                             <a:latin typeface="Cambria Math" panose="02040503050406030204" pitchFamily="18" charset="0"/>
+                            <a:ea typeface="Cambria Math" panose="02040503050406030204" pitchFamily="18" charset="0"/>
                           </a:rPr>
-                          <m:t>(</m:t>
+                          <m:t>+1×1</m:t>
                         </m:r>
-                        <m:r>
-                          <a:rPr lang="pt-BR" i="1">
-                            <a:latin typeface="Cambria Math" panose="02040503050406030204" pitchFamily="18" charset="0"/>
-                          </a:rPr>
-                          <m:t>𝑖</m:t>
-                        </m:r>
-                        <m:r>
-                          <a:rPr lang="pt-BR" i="1">
-                            <a:latin typeface="Cambria Math" panose="02040503050406030204" pitchFamily="18" charset="0"/>
-                          </a:rPr>
-                          <m:t>)</m:t>
-                        </m:r>
-                      </m:e>
-                    </m:d>
+                      </m:sup>
+                    </m:sSup>
+                  </m:oMath>
+                </a14:m>
+                <a:r>
+                  <a:rPr lang="pt-BR" dirty="0"/>
+                  <a:t>, </a:t>
+                </a:r>
+                <a14:m>
+                  <m:oMath xmlns:m="http://schemas.openxmlformats.org/officeDocument/2006/math">
+                    <m:r>
+                      <a:rPr lang="pt-BR" b="1" i="1" smtClean="0">
+                        <a:latin typeface="Cambria Math" panose="02040503050406030204" pitchFamily="18" charset="0"/>
+                      </a:rPr>
+                      <m:t>𝒙</m:t>
+                    </m:r>
+                    <m:r>
+                      <a:rPr lang="pt-BR" i="1">
+                        <a:latin typeface="Cambria Math" panose="02040503050406030204" pitchFamily="18" charset="0"/>
+                      </a:rPr>
+                      <m:t>(</m:t>
+                    </m:r>
+                    <m:r>
+                      <a:rPr lang="pt-BR" i="1">
+                        <a:latin typeface="Cambria Math" panose="02040503050406030204" pitchFamily="18" charset="0"/>
+                      </a:rPr>
+                      <m:t>𝑛</m:t>
+                    </m:r>
+                    <m:r>
+                      <a:rPr lang="pt-BR" i="1">
+                        <a:latin typeface="Cambria Math" panose="02040503050406030204" pitchFamily="18" charset="0"/>
+                      </a:rPr>
+                      <m:t>)</m:t>
+                    </m:r>
                     <m:r>
                       <a:rPr lang="pt-BR">
                         <a:latin typeface="Cambria Math" panose="02040503050406030204" pitchFamily="18" charset="0"/>
                       </a:rPr>
                       <m:t>=</m:t>
                     </m:r>
-                    <m:acc>
-                      <m:accPr>
-                        <m:chr m:val="̂"/>
+                    <m:sSup>
+                      <m:sSupPr>
                         <m:ctrlPr>
                           <a:rPr lang="pt-BR" i="1">
                             <a:latin typeface="Cambria Math" panose="02040503050406030204" pitchFamily="18" charset="0"/>
                           </a:rPr>
                         </m:ctrlPr>
-                      </m:accPr>
+                      </m:sSupPr>
+                      <m:e>
+                        <m:d>
+                          <m:dPr>
+                            <m:begChr m:val="["/>
+                            <m:endChr m:val="]"/>
+                            <m:ctrlPr>
+                              <a:rPr lang="pt-BR" i="1">
+                                <a:latin typeface="Cambria Math" panose="02040503050406030204" pitchFamily="18" charset="0"/>
+                              </a:rPr>
+                            </m:ctrlPr>
+                          </m:dPr>
+                          <m:e>
+                            <m:sSub>
+                              <m:sSubPr>
+                                <m:ctrlPr>
+                                  <a:rPr lang="pt-BR" i="1">
+                                    <a:latin typeface="Cambria Math" panose="02040503050406030204" pitchFamily="18" charset="0"/>
+                                  </a:rPr>
+                                </m:ctrlPr>
+                              </m:sSubPr>
+                              <m:e>
+                                <m:r>
+                                  <a:rPr lang="pt-BR" i="1">
+                                    <a:latin typeface="Cambria Math" panose="02040503050406030204" pitchFamily="18" charset="0"/>
+                                  </a:rPr>
+                                  <m:t>𝑥</m:t>
+                                </m:r>
+                              </m:e>
+                              <m:sub>
+                                <m:r>
+                                  <a:rPr lang="pt-BR" b="0" i="1" smtClean="0">
+                                    <a:latin typeface="Cambria Math" panose="02040503050406030204" pitchFamily="18" charset="0"/>
+                                  </a:rPr>
+                                  <m:t>0</m:t>
+                                </m:r>
+                              </m:sub>
+                            </m:sSub>
+                            <m:r>
+                              <a:rPr lang="pt-BR" b="0" i="1" smtClean="0">
+                                <a:latin typeface="Cambria Math" panose="02040503050406030204" pitchFamily="18" charset="0"/>
+                              </a:rPr>
+                              <m:t>  </m:t>
+                            </m:r>
+                            <m:sSub>
+                              <m:sSubPr>
+                                <m:ctrlPr>
+                                  <a:rPr lang="pt-BR" i="1">
+                                    <a:latin typeface="Cambria Math" panose="02040503050406030204" pitchFamily="18" charset="0"/>
+                                  </a:rPr>
+                                </m:ctrlPr>
+                              </m:sSubPr>
+                              <m:e>
+                                <m:r>
+                                  <a:rPr lang="pt-BR" i="1">
+                                    <a:latin typeface="Cambria Math" panose="02040503050406030204" pitchFamily="18" charset="0"/>
+                                  </a:rPr>
+                                  <m:t>𝑥</m:t>
+                                </m:r>
+                              </m:e>
+                              <m:sub>
+                                <m:r>
+                                  <a:rPr lang="pt-BR" i="1">
+                                    <a:latin typeface="Cambria Math" panose="02040503050406030204" pitchFamily="18" charset="0"/>
+                                  </a:rPr>
+                                  <m:t>1</m:t>
+                                </m:r>
+                              </m:sub>
+                            </m:sSub>
+                            <m:d>
+                              <m:dPr>
+                                <m:ctrlPr>
+                                  <a:rPr lang="pt-BR" i="1">
+                                    <a:latin typeface="Cambria Math" panose="02040503050406030204" pitchFamily="18" charset="0"/>
+                                  </a:rPr>
+                                </m:ctrlPr>
+                              </m:dPr>
+                              <m:e>
+                                <m:r>
+                                  <a:rPr lang="pt-BR" i="1">
+                                    <a:latin typeface="Cambria Math" panose="02040503050406030204" pitchFamily="18" charset="0"/>
+                                  </a:rPr>
+                                  <m:t>𝑛</m:t>
+                                </m:r>
+                              </m:e>
+                            </m:d>
+                            <m:r>
+                              <a:rPr lang="pt-BR" b="0" i="1" smtClean="0">
+                                <a:latin typeface="Cambria Math" panose="02040503050406030204" pitchFamily="18" charset="0"/>
+                              </a:rPr>
+                              <m:t>  </m:t>
+                            </m:r>
+                            <m:sSup>
+                              <m:sSupPr>
+                                <m:ctrlPr>
+                                  <a:rPr lang="pt-BR" i="1">
+                                    <a:latin typeface="Cambria Math" panose="02040503050406030204" pitchFamily="18" charset="0"/>
+                                  </a:rPr>
+                                </m:ctrlPr>
+                              </m:sSupPr>
+                              <m:e>
+                                <m:sSub>
+                                  <m:sSubPr>
+                                    <m:ctrlPr>
+                                      <a:rPr lang="pt-BR" i="1">
+                                        <a:latin typeface="Cambria Math" panose="02040503050406030204" pitchFamily="18" charset="0"/>
+                                      </a:rPr>
+                                    </m:ctrlPr>
+                                  </m:sSubPr>
+                                  <m:e>
+                                    <m:r>
+                                      <a:rPr lang="pt-BR" i="1">
+                                        <a:latin typeface="Cambria Math" panose="02040503050406030204" pitchFamily="18" charset="0"/>
+                                      </a:rPr>
+                                      <m:t>𝑥</m:t>
+                                    </m:r>
+                                  </m:e>
+                                  <m:sub>
+                                    <m:r>
+                                      <a:rPr lang="pt-BR" i="1">
+                                        <a:latin typeface="Cambria Math" panose="02040503050406030204" pitchFamily="18" charset="0"/>
+                                      </a:rPr>
+                                      <m:t>1</m:t>
+                                    </m:r>
+                                  </m:sub>
+                                </m:sSub>
+                              </m:e>
+                              <m:sup>
+                                <m:r>
+                                  <a:rPr lang="pt-BR" i="1">
+                                    <a:latin typeface="Cambria Math" panose="02040503050406030204" pitchFamily="18" charset="0"/>
+                                  </a:rPr>
+                                  <m:t>2</m:t>
+                                </m:r>
+                              </m:sup>
+                            </m:sSup>
+                            <m:r>
+                              <a:rPr lang="pt-BR" i="1">
+                                <a:latin typeface="Cambria Math" panose="02040503050406030204" pitchFamily="18" charset="0"/>
+                              </a:rPr>
+                              <m:t>(</m:t>
+                            </m:r>
+                            <m:r>
+                              <a:rPr lang="pt-BR" i="1">
+                                <a:latin typeface="Cambria Math" panose="02040503050406030204" pitchFamily="18" charset="0"/>
+                              </a:rPr>
+                              <m:t>𝑛</m:t>
+                            </m:r>
+                            <m:r>
+                              <a:rPr lang="pt-BR" i="1">
+                                <a:latin typeface="Cambria Math" panose="02040503050406030204" pitchFamily="18" charset="0"/>
+                              </a:rPr>
+                              <m:t>)…  </m:t>
+                            </m:r>
+                            <m:sSup>
+                              <m:sSupPr>
+                                <m:ctrlPr>
+                                  <a:rPr lang="pt-BR" i="1">
+                                    <a:latin typeface="Cambria Math" panose="02040503050406030204" pitchFamily="18" charset="0"/>
+                                  </a:rPr>
+                                </m:ctrlPr>
+                              </m:sSupPr>
+                              <m:e>
+                                <m:sSub>
+                                  <m:sSubPr>
+                                    <m:ctrlPr>
+                                      <a:rPr lang="pt-BR" i="1">
+                                        <a:latin typeface="Cambria Math" panose="02040503050406030204" pitchFamily="18" charset="0"/>
+                                      </a:rPr>
+                                    </m:ctrlPr>
+                                  </m:sSubPr>
+                                  <m:e>
+                                    <m:r>
+                                      <a:rPr lang="pt-BR" i="1">
+                                        <a:latin typeface="Cambria Math" panose="02040503050406030204" pitchFamily="18" charset="0"/>
+                                      </a:rPr>
+                                      <m:t>𝑥</m:t>
+                                    </m:r>
+                                  </m:e>
+                                  <m:sub>
+                                    <m:r>
+                                      <a:rPr lang="pt-BR" i="1">
+                                        <a:latin typeface="Cambria Math" panose="02040503050406030204" pitchFamily="18" charset="0"/>
+                                      </a:rPr>
+                                      <m:t>1</m:t>
+                                    </m:r>
+                                  </m:sub>
+                                </m:sSub>
+                              </m:e>
+                              <m:sup>
+                                <m:r>
+                                  <a:rPr lang="pt-BR" i="1">
+                                    <a:latin typeface="Cambria Math" panose="02040503050406030204" pitchFamily="18" charset="0"/>
+                                  </a:rPr>
+                                  <m:t>𝑀</m:t>
+                                </m:r>
+                              </m:sup>
+                            </m:sSup>
+                            <m:r>
+                              <a:rPr lang="pt-BR" i="1">
+                                <a:latin typeface="Cambria Math" panose="02040503050406030204" pitchFamily="18" charset="0"/>
+                              </a:rPr>
+                              <m:t>(</m:t>
+                            </m:r>
+                            <m:r>
+                              <a:rPr lang="pt-BR" i="1">
+                                <a:latin typeface="Cambria Math" panose="02040503050406030204" pitchFamily="18" charset="0"/>
+                              </a:rPr>
+                              <m:t>𝑛</m:t>
+                            </m:r>
+                            <m:r>
+                              <a:rPr lang="pt-BR" i="1">
+                                <a:latin typeface="Cambria Math" panose="02040503050406030204" pitchFamily="18" charset="0"/>
+                              </a:rPr>
+                              <m:t>)</m:t>
+                            </m:r>
+                          </m:e>
+                        </m:d>
+                      </m:e>
+                      <m:sup>
+                        <m:r>
+                          <a:rPr lang="pt-BR" i="1">
+                            <a:latin typeface="Cambria Math" panose="02040503050406030204" pitchFamily="18" charset="0"/>
+                          </a:rPr>
+                          <m:t>𝑇</m:t>
+                        </m:r>
+                      </m:sup>
+                    </m:sSup>
+                    <m:r>
+                      <a:rPr lang="pt-BR" i="1">
+                        <a:latin typeface="Cambria Math" panose="02040503050406030204" pitchFamily="18" charset="0"/>
+                        <a:ea typeface="Cambria Math" panose="02040503050406030204" pitchFamily="18" charset="0"/>
+                      </a:rPr>
+                      <m:t>∈</m:t>
+                    </m:r>
+                    <m:sSup>
+                      <m:sSupPr>
+                        <m:ctrlPr>
+                          <a:rPr lang="pt-BR" i="1">
+                            <a:latin typeface="Cambria Math" panose="02040503050406030204" pitchFamily="18" charset="0"/>
+                            <a:ea typeface="Cambria Math" panose="02040503050406030204" pitchFamily="18" charset="0"/>
+                          </a:rPr>
+                        </m:ctrlPr>
+                      </m:sSupPr>
+                      <m:e>
+                        <m:r>
+                          <a:rPr lang="pt-BR" i="1">
+                            <a:latin typeface="Cambria Math" panose="02040503050406030204" pitchFamily="18" charset="0"/>
+                            <a:ea typeface="Cambria Math" panose="02040503050406030204" pitchFamily="18" charset="0"/>
+                          </a:rPr>
+                          <m:t>ℝ</m:t>
+                        </m:r>
+                      </m:e>
+                      <m:sup>
+                        <m:r>
+                          <a:rPr lang="pt-BR" i="1">
+                            <a:latin typeface="Cambria Math" panose="02040503050406030204" pitchFamily="18" charset="0"/>
+                            <a:ea typeface="Cambria Math" panose="02040503050406030204" pitchFamily="18" charset="0"/>
+                          </a:rPr>
+                          <m:t>𝑀</m:t>
+                        </m:r>
+                        <m:r>
+                          <a:rPr lang="pt-BR" i="1">
+                            <a:latin typeface="Cambria Math" panose="02040503050406030204" pitchFamily="18" charset="0"/>
+                            <a:ea typeface="Cambria Math" panose="02040503050406030204" pitchFamily="18" charset="0"/>
+                          </a:rPr>
+                          <m:t>+1×1</m:t>
+                        </m:r>
+                      </m:sup>
+                    </m:sSup>
+                  </m:oMath>
+                </a14:m>
+                <a:r>
+                  <a:rPr lang="pt-BR" dirty="0"/>
+                  <a:t> e </a:t>
+                </a:r>
+                <a14:m>
+                  <m:oMath xmlns:m="http://schemas.openxmlformats.org/officeDocument/2006/math">
+                    <m:sSub>
+                      <m:sSubPr>
+                        <m:ctrlPr>
+                          <a:rPr lang="pt-BR" i="1">
+                            <a:latin typeface="Cambria Math" panose="02040503050406030204" pitchFamily="18" charset="0"/>
+                          </a:rPr>
+                        </m:ctrlPr>
+                      </m:sSubPr>
                       <m:e>
                         <m:r>
                           <a:rPr lang="pt-BR" i="1">
                             <a:latin typeface="Cambria Math" panose="02040503050406030204" pitchFamily="18" charset="0"/>
                           </a:rPr>
-                          <m:t>𝑦</m:t>
+                          <m:t>𝑥</m:t>
                         </m:r>
                       </m:e>
-                    </m:acc>
-                    <m:d>
-                      <m:dPr>
-                        <m:ctrlPr>
-                          <a:rPr lang="pt-BR" i="1">
-                            <a:latin typeface="Cambria Math" panose="02040503050406030204" pitchFamily="18" charset="0"/>
-                          </a:rPr>
-                        </m:ctrlPr>
-                      </m:dPr>
-                      <m:e>
-                        <m:r>
-                          <a:rPr lang="pt-BR" b="1" i="1">
-                            <a:latin typeface="Cambria Math" panose="02040503050406030204" pitchFamily="18" charset="0"/>
-                          </a:rPr>
-                          <m:t>𝒙</m:t>
-                        </m:r>
+                      <m:sub>
                         <m:r>
                           <a:rPr lang="pt-BR" i="1">
                             <a:latin typeface="Cambria Math" panose="02040503050406030204" pitchFamily="18" charset="0"/>
                           </a:rPr>
-                          <m:t>(</m:t>
+                          <m:t>0</m:t>
                         </m:r>
-                        <m:r>
-                          <a:rPr lang="pt-BR" i="1">
-                            <a:latin typeface="Cambria Math" panose="02040503050406030204" pitchFamily="18" charset="0"/>
-                          </a:rPr>
-                          <m:t>𝑖</m:t>
-                        </m:r>
-                        <m:r>
-                          <a:rPr lang="pt-BR" i="1">
-                            <a:latin typeface="Cambria Math" panose="02040503050406030204" pitchFamily="18" charset="0"/>
-                          </a:rPr>
-                          <m:t>)</m:t>
-                        </m:r>
-                      </m:e>
-                    </m:d>
+                      </m:sub>
+                    </m:sSub>
+                    <m:r>
+                      <a:rPr lang="pt-BR" b="0" i="1" smtClean="0">
+                        <a:latin typeface="Cambria Math" panose="02040503050406030204" pitchFamily="18" charset="0"/>
+                      </a:rPr>
+                      <m:t>=1</m:t>
+                    </m:r>
                     <m:r>
                       <a:rPr lang="pt-BR" i="1">
                         <a:latin typeface="Cambria Math" panose="02040503050406030204" pitchFamily="18" charset="0"/>
                       </a:rPr>
-                      <m:t>= </m:t>
+                      <m:t> </m:t>
                     </m:r>
+                  </m:oMath>
+                </a14:m>
+                <a:r>
+                  <a:rPr lang="pt-BR" dirty="0"/>
+                  <a:t>é o atributo de </a:t>
+                </a:r>
+                <a:r>
+                  <a:rPr lang="pt-BR" i="1" dirty="0"/>
+                  <a:t>bias,</a:t>
+                </a:r>
+                <a:r>
+                  <a:rPr lang="pt-BR" dirty="0"/>
+                  <a:t> associado a </a:t>
+                </a:r>
+                <a14:m>
+                  <m:oMath xmlns:m="http://schemas.openxmlformats.org/officeDocument/2006/math">
                     <m:sSub>
                       <m:sSubPr>
                         <m:ctrlPr>
@@ -9030,357 +11180,8 @@
                         </m:r>
                       </m:sub>
                     </m:sSub>
-                    <m:r>
-                      <a:rPr lang="pt-BR" i="1">
-                        <a:latin typeface="Cambria Math" panose="02040503050406030204" pitchFamily="18" charset="0"/>
-                      </a:rPr>
-                      <m:t>+</m:t>
-                    </m:r>
-                    <m:sSub>
-                      <m:sSubPr>
-                        <m:ctrlPr>
-                          <a:rPr lang="pt-BR" i="1">
-                            <a:latin typeface="Cambria Math" panose="02040503050406030204" pitchFamily="18" charset="0"/>
-                          </a:rPr>
-                        </m:ctrlPr>
-                      </m:sSubPr>
-                      <m:e>
-                        <m:r>
-                          <a:rPr lang="pt-BR" i="1">
-                            <a:latin typeface="Cambria Math" panose="02040503050406030204" pitchFamily="18" charset="0"/>
-                          </a:rPr>
-                          <m:t>𝑎</m:t>
-                        </m:r>
-                      </m:e>
-                      <m:sub>
-                        <m:r>
-                          <a:rPr lang="pt-BR" i="1">
-                            <a:latin typeface="Cambria Math" panose="02040503050406030204" pitchFamily="18" charset="0"/>
-                          </a:rPr>
-                          <m:t>1</m:t>
-                        </m:r>
-                      </m:sub>
-                    </m:sSub>
-                    <m:sSub>
-                      <m:sSubPr>
-                        <m:ctrlPr>
-                          <a:rPr lang="pt-BR" i="1">
-                            <a:latin typeface="Cambria Math" panose="02040503050406030204" pitchFamily="18" charset="0"/>
-                          </a:rPr>
-                        </m:ctrlPr>
-                      </m:sSubPr>
-                      <m:e>
-                        <m:r>
-                          <a:rPr lang="pt-BR" i="1">
-                            <a:latin typeface="Cambria Math" panose="02040503050406030204" pitchFamily="18" charset="0"/>
-                          </a:rPr>
-                          <m:t>𝑥</m:t>
-                        </m:r>
-                      </m:e>
-                      <m:sub>
-                        <m:r>
-                          <a:rPr lang="pt-BR" i="1">
-                            <a:latin typeface="Cambria Math" panose="02040503050406030204" pitchFamily="18" charset="0"/>
-                          </a:rPr>
-                          <m:t>1</m:t>
-                        </m:r>
-                      </m:sub>
-                    </m:sSub>
-                    <m:d>
-                      <m:dPr>
-                        <m:ctrlPr>
-                          <a:rPr lang="pt-BR" i="1">
-                            <a:latin typeface="Cambria Math" panose="02040503050406030204" pitchFamily="18" charset="0"/>
-                          </a:rPr>
-                        </m:ctrlPr>
-                      </m:dPr>
-                      <m:e>
-                        <m:r>
-                          <a:rPr lang="pt-BR" i="1">
-                            <a:latin typeface="Cambria Math" panose="02040503050406030204" pitchFamily="18" charset="0"/>
-                          </a:rPr>
-                          <m:t>𝑖</m:t>
-                        </m:r>
-                      </m:e>
-                    </m:d>
-                    <m:r>
-                      <a:rPr lang="pt-BR" i="1">
-                        <a:latin typeface="Cambria Math" panose="02040503050406030204" pitchFamily="18" charset="0"/>
-                      </a:rPr>
-                      <m:t>+</m:t>
-                    </m:r>
-                    <m:sSub>
-                      <m:sSubPr>
-                        <m:ctrlPr>
-                          <a:rPr lang="pt-BR" i="1">
-                            <a:latin typeface="Cambria Math" panose="02040503050406030204" pitchFamily="18" charset="0"/>
-                          </a:rPr>
-                        </m:ctrlPr>
-                      </m:sSubPr>
-                      <m:e>
-                        <m:r>
-                          <a:rPr lang="pt-BR" i="1">
-                            <a:latin typeface="Cambria Math" panose="02040503050406030204" pitchFamily="18" charset="0"/>
-                          </a:rPr>
-                          <m:t>𝑎</m:t>
-                        </m:r>
-                      </m:e>
-                      <m:sub>
-                        <m:r>
-                          <a:rPr lang="pt-BR" i="1">
-                            <a:latin typeface="Cambria Math" panose="02040503050406030204" pitchFamily="18" charset="0"/>
-                          </a:rPr>
-                          <m:t>2</m:t>
-                        </m:r>
-                      </m:sub>
-                    </m:sSub>
-                    <m:sSup>
-                      <m:sSupPr>
-                        <m:ctrlPr>
-                          <a:rPr lang="pt-BR" i="1">
-                            <a:latin typeface="Cambria Math" panose="02040503050406030204" pitchFamily="18" charset="0"/>
-                          </a:rPr>
-                        </m:ctrlPr>
-                      </m:sSupPr>
-                      <m:e>
-                        <m:sSub>
-                          <m:sSubPr>
-                            <m:ctrlPr>
-                              <a:rPr lang="pt-BR" i="1">
-                                <a:latin typeface="Cambria Math" panose="02040503050406030204" pitchFamily="18" charset="0"/>
-                              </a:rPr>
-                            </m:ctrlPr>
-                          </m:sSubPr>
-                          <m:e>
-                            <m:r>
-                              <a:rPr lang="pt-BR" i="1">
-                                <a:latin typeface="Cambria Math" panose="02040503050406030204" pitchFamily="18" charset="0"/>
-                              </a:rPr>
-                              <m:t>𝑥</m:t>
-                            </m:r>
-                          </m:e>
-                          <m:sub>
-                            <m:r>
-                              <a:rPr lang="pt-BR" i="1">
-                                <a:latin typeface="Cambria Math" panose="02040503050406030204" pitchFamily="18" charset="0"/>
-                              </a:rPr>
-                              <m:t>1</m:t>
-                            </m:r>
-                          </m:sub>
-                        </m:sSub>
-                      </m:e>
-                      <m:sup>
-                        <m:r>
-                          <a:rPr lang="pt-BR" i="1">
-                            <a:latin typeface="Cambria Math" panose="02040503050406030204" pitchFamily="18" charset="0"/>
-                          </a:rPr>
-                          <m:t>2</m:t>
-                        </m:r>
-                      </m:sup>
-                    </m:sSup>
-                    <m:d>
-                      <m:dPr>
-                        <m:ctrlPr>
-                          <a:rPr lang="pt-BR" i="1">
-                            <a:latin typeface="Cambria Math" panose="02040503050406030204" pitchFamily="18" charset="0"/>
-                          </a:rPr>
-                        </m:ctrlPr>
-                      </m:dPr>
-                      <m:e>
-                        <m:r>
-                          <a:rPr lang="pt-BR" i="1">
-                            <a:latin typeface="Cambria Math" panose="02040503050406030204" pitchFamily="18" charset="0"/>
-                          </a:rPr>
-                          <m:t>𝑖</m:t>
-                        </m:r>
-                      </m:e>
-                    </m:d>
-                    <m:r>
-                      <a:rPr lang="pt-BR" i="1">
-                        <a:latin typeface="Cambria Math" panose="02040503050406030204" pitchFamily="18" charset="0"/>
-                      </a:rPr>
-                      <m:t>+…+</m:t>
-                    </m:r>
-                    <m:sSub>
-                      <m:sSubPr>
-                        <m:ctrlPr>
-                          <a:rPr lang="pt-BR" i="1">
-                            <a:latin typeface="Cambria Math" panose="02040503050406030204" pitchFamily="18" charset="0"/>
-                          </a:rPr>
-                        </m:ctrlPr>
-                      </m:sSubPr>
-                      <m:e>
-                        <m:r>
-                          <a:rPr lang="pt-BR" i="1">
-                            <a:latin typeface="Cambria Math" panose="02040503050406030204" pitchFamily="18" charset="0"/>
-                          </a:rPr>
-                          <m:t>𝑎</m:t>
-                        </m:r>
-                      </m:e>
-                      <m:sub>
-                        <m:r>
-                          <a:rPr lang="pt-BR" i="1">
-                            <a:latin typeface="Cambria Math" panose="02040503050406030204" pitchFamily="18" charset="0"/>
-                          </a:rPr>
-                          <m:t>𝑀</m:t>
-                        </m:r>
-                      </m:sub>
-                    </m:sSub>
-                    <m:sSup>
-                      <m:sSupPr>
-                        <m:ctrlPr>
-                          <a:rPr lang="pt-BR" i="1">
-                            <a:latin typeface="Cambria Math" panose="02040503050406030204" pitchFamily="18" charset="0"/>
-                          </a:rPr>
-                        </m:ctrlPr>
-                      </m:sSupPr>
-                      <m:e>
-                        <m:sSub>
-                          <m:sSubPr>
-                            <m:ctrlPr>
-                              <a:rPr lang="pt-BR" i="1">
-                                <a:latin typeface="Cambria Math" panose="02040503050406030204" pitchFamily="18" charset="0"/>
-                              </a:rPr>
-                            </m:ctrlPr>
-                          </m:sSubPr>
-                          <m:e>
-                            <m:r>
-                              <a:rPr lang="pt-BR" i="1">
-                                <a:latin typeface="Cambria Math" panose="02040503050406030204" pitchFamily="18" charset="0"/>
-                              </a:rPr>
-                              <m:t>𝑥</m:t>
-                            </m:r>
-                          </m:e>
-                          <m:sub>
-                            <m:r>
-                              <a:rPr lang="pt-BR" i="1">
-                                <a:latin typeface="Cambria Math" panose="02040503050406030204" pitchFamily="18" charset="0"/>
-                              </a:rPr>
-                              <m:t>1</m:t>
-                            </m:r>
-                          </m:sub>
-                        </m:sSub>
-                      </m:e>
-                      <m:sup>
-                        <m:r>
-                          <a:rPr lang="pt-BR" i="1">
-                            <a:latin typeface="Cambria Math" panose="02040503050406030204" pitchFamily="18" charset="0"/>
-                          </a:rPr>
-                          <m:t>𝑀</m:t>
-                        </m:r>
-                      </m:sup>
-                    </m:sSup>
-                    <m:d>
-                      <m:dPr>
-                        <m:ctrlPr>
-                          <a:rPr lang="pt-BR" i="1">
-                            <a:latin typeface="Cambria Math" panose="02040503050406030204" pitchFamily="18" charset="0"/>
-                          </a:rPr>
-                        </m:ctrlPr>
-                      </m:dPr>
-                      <m:e>
-                        <m:r>
-                          <a:rPr lang="pt-BR" i="1">
-                            <a:latin typeface="Cambria Math" panose="02040503050406030204" pitchFamily="18" charset="0"/>
-                          </a:rPr>
-                          <m:t>𝑖</m:t>
-                        </m:r>
-                      </m:e>
-                    </m:d>
-                    <m:r>
-                      <a:rPr lang="pt-BR" b="0" i="1" smtClean="0">
-                        <a:latin typeface="Cambria Math" panose="02040503050406030204" pitchFamily="18" charset="0"/>
-                      </a:rPr>
-                      <m:t>=</m:t>
-                    </m:r>
-                    <m:sSup>
-                      <m:sSupPr>
-                        <m:ctrlPr>
-                          <a:rPr lang="pt-BR" b="0" i="1" smtClean="0">
-                            <a:latin typeface="Cambria Math" panose="02040503050406030204" pitchFamily="18" charset="0"/>
-                          </a:rPr>
-                        </m:ctrlPr>
-                      </m:sSupPr>
-                      <m:e>
-                        <m:r>
-                          <a:rPr lang="pt-BR" b="1" i="1" smtClean="0">
-                            <a:latin typeface="Cambria Math" panose="02040503050406030204" pitchFamily="18" charset="0"/>
-                          </a:rPr>
-                          <m:t>𝒂</m:t>
-                        </m:r>
-                      </m:e>
-                      <m:sup>
-                        <m:r>
-                          <a:rPr lang="pt-BR" b="0" i="1" smtClean="0">
-                            <a:latin typeface="Cambria Math" panose="02040503050406030204" pitchFamily="18" charset="0"/>
-                          </a:rPr>
-                          <m:t>𝑇</m:t>
-                        </m:r>
-                      </m:sup>
-                    </m:sSup>
-                    <m:r>
-                      <a:rPr lang="pt-BR" b="1" i="1" smtClean="0">
-                        <a:latin typeface="Cambria Math" panose="02040503050406030204" pitchFamily="18" charset="0"/>
-                      </a:rPr>
-                      <m:t>𝒙</m:t>
-                    </m:r>
-                    <m:r>
-                      <a:rPr lang="pt-BR" b="0" i="1" smtClean="0">
-                        <a:latin typeface="Cambria Math" panose="02040503050406030204" pitchFamily="18" charset="0"/>
-                      </a:rPr>
-                      <m:t>(</m:t>
-                    </m:r>
-                    <m:r>
-                      <a:rPr lang="pt-BR" b="0" i="1" smtClean="0">
-                        <a:latin typeface="Cambria Math" panose="02040503050406030204" pitchFamily="18" charset="0"/>
-                      </a:rPr>
-                      <m:t>𝑖</m:t>
-                    </m:r>
-                    <m:r>
-                      <a:rPr lang="pt-BR" b="0" i="1" smtClean="0">
-                        <a:latin typeface="Cambria Math" panose="02040503050406030204" pitchFamily="18" charset="0"/>
-                      </a:rPr>
-                      <m:t>)</m:t>
-                    </m:r>
                   </m:oMath>
                 </a14:m>
-                <a:r>
-                  <a:rPr lang="pt-BR" i="1" dirty="0"/>
-                  <a:t>.</a:t>
-                </a:r>
-              </a:p>
-              <a:p>
-                <a:pPr marL="0" indent="0">
-                  <a:buNone/>
-                </a:pPr>
-                <a:r>
-                  <a:rPr lang="pt-BR" dirty="0"/>
-                  <a:t>   onde </a:t>
-                </a:r>
-                <a14:m>
-                  <m:oMath xmlns:m="http://schemas.openxmlformats.org/officeDocument/2006/math">
-                    <m:r>
-                      <a:rPr lang="pt-BR" i="1">
-                        <a:latin typeface="Cambria Math" panose="02040503050406030204" pitchFamily="18" charset="0"/>
-                      </a:rPr>
-                      <m:t>𝑀</m:t>
-                    </m:r>
-                  </m:oMath>
-                </a14:m>
-                <a:r>
-                  <a:rPr lang="pt-BR" dirty="0"/>
-                  <a:t> é a ordem do polinômio.</a:t>
-                </a:r>
-              </a:p>
-              <a:p>
-                <a:r>
-                  <a:rPr lang="pt-BR" dirty="0"/>
-                  <a:t>Todos resultados encontrados anteriormente (equação normal, vetor gradiente para o algoritmo do gradiente descendente, escalonamento) são diretamente estendidos para </a:t>
-                </a:r>
-                <a:r>
-                  <a:rPr lang="pt-BR" b="1" i="1" dirty="0"/>
-                  <a:t>funções hipótese polinomiais</a:t>
-                </a:r>
                 <a:r>
                   <a:rPr lang="pt-BR" dirty="0"/>
                   <a:t>.</a:t>
@@ -9388,16 +11189,36 @@
               </a:p>
               <a:p>
                 <a:r>
-                  <a:rPr lang="pt-BR" dirty="0"/>
-                  <a:t>Porém, o desafio agora é que precisamos </a:t>
-                </a:r>
-                <a:r>
-                  <a:rPr lang="pt-BR" b="1" i="1" dirty="0"/>
-                  <a:t>encontrar a ordem do polinômio </a:t>
+                  <a:rPr lang="pt-BR" b="1" i="1" dirty="0">
+                    <a:solidFill>
+                      <a:srgbClr val="00B050"/>
+                    </a:solidFill>
+                  </a:rPr>
+                  <a:t>Todos resultados encontrados anteriormente </a:t>
                 </a:r>
                 <a:r>
                   <a:rPr lang="pt-BR" dirty="0"/>
-                  <a:t>que melhor aproxime os dados.</a:t>
+                  <a:t>(equação normal, vetor gradiente para o algoritmo do gradiente descendente, escalonamento) </a:t>
+                </a:r>
+                <a:r>
+                  <a:rPr lang="pt-BR" b="1" i="1" dirty="0">
+                    <a:solidFill>
+                      <a:srgbClr val="00B050"/>
+                    </a:solidFill>
+                  </a:rPr>
+                  <a:t>são diretamente estendidos para </a:t>
+                </a:r>
+                <a:r>
+                  <a:rPr lang="pt-BR" b="1" i="1" dirty="0">
+                    <a:solidFill>
+                      <a:srgbClr val="7030A0"/>
+                    </a:solidFill>
+                  </a:rPr>
+                  <a:t>funções hipótese polinomiais</a:t>
+                </a:r>
+                <a:r>
+                  <a:rPr lang="pt-BR" dirty="0"/>
+                  <a:t>.</a:t>
                 </a:r>
               </a:p>
             </p:txBody>
@@ -9406,7 +11227,13 @@
         <mc:Fallback xmlns="">
           <p:sp>
             <p:nvSpPr>
-              <p:cNvPr id="3" name="Content Placeholder 2"/>
+              <p:cNvPr id="3" name="Espaço Reservado para Conteúdo 2">
+                <a:extLst>
+                  <a:ext uri="{FF2B5EF4-FFF2-40B4-BE49-F238E27FC236}">
+                    <a16:creationId xmlns:a16="http://schemas.microsoft.com/office/drawing/2014/main" id="{0493FCEB-EA3F-F1A7-D154-34521F5D7ADF}"/>
+                  </a:ext>
+                </a:extLst>
+              </p:cNvPr>
               <p:cNvSpPr>
                 <a:spLocks noGrp="1" noRot="1" noChangeAspect="1" noMove="1" noResize="1" noEditPoints="1" noAdjustHandles="1" noChangeArrowheads="1" noChangeShapeType="1" noTextEdit="1"/>
               </p:cNvSpPr>
@@ -9416,13 +11243,13 @@
             </p:nvSpPr>
             <p:spPr>
               <a:xfrm>
-                <a:off x="838199" y="1825624"/>
-                <a:ext cx="11204643" cy="5032376"/>
+                <a:off x="838200" y="1825624"/>
+                <a:ext cx="11264758" cy="5032375"/>
               </a:xfrm>
-              <a:blipFill rotWithShape="0">
-                <a:blip r:embed="rId3"/>
+              <a:blipFill>
+                <a:blip r:embed="rId2"/>
                 <a:stretch>
-                  <a:fillRect l="-707" t="-2785" r="-1142" b="-2421"/>
+                  <a:fillRect l="-1137" t="-1937" r="-1137"/>
                 </a:stretch>
               </a:blipFill>
             </p:spPr>
@@ -9444,7 +11271,7 @@
     </p:spTree>
     <p:extLst>
       <p:ext uri="{BB962C8B-B14F-4D97-AF65-F5344CB8AC3E}">
-        <p14:creationId xmlns:p14="http://schemas.microsoft.com/office/powerpoint/2010/main" val="751682206"/>
+        <p14:creationId xmlns:p14="http://schemas.microsoft.com/office/powerpoint/2010/main" val="4220189943"/>
       </p:ext>
     </p:extLst>
   </p:cSld>
@@ -9455,6 +11282,1383 @@
 </file>
 
 <file path=ppt/slides/slide16.xml><?xml version="1.0" encoding="utf-8"?>
+<p:sld xmlns:a="http://schemas.openxmlformats.org/drawingml/2006/main" xmlns:r="http://schemas.openxmlformats.org/officeDocument/2006/relationships" xmlns:p="http://schemas.openxmlformats.org/presentationml/2006/main">
+  <p:cSld>
+    <p:spTree>
+      <p:nvGrpSpPr>
+        <p:cNvPr id="1" name=""/>
+        <p:cNvGrpSpPr/>
+        <p:nvPr/>
+      </p:nvGrpSpPr>
+      <p:grpSpPr>
+        <a:xfrm>
+          <a:off x="0" y="0"/>
+          <a:ext cx="0" cy="0"/>
+          <a:chOff x="0" y="0"/>
+          <a:chExt cx="0" cy="0"/>
+        </a:xfrm>
+      </p:grpSpPr>
+      <p:sp>
+        <p:nvSpPr>
+          <p:cNvPr id="2" name="Título 1">
+            <a:extLst>
+              <a:ext uri="{FF2B5EF4-FFF2-40B4-BE49-F238E27FC236}">
+                <a16:creationId xmlns:a16="http://schemas.microsoft.com/office/drawing/2014/main" id="{48FE1700-1035-D231-E381-8EEF54EB3939}"/>
+              </a:ext>
+            </a:extLst>
+          </p:cNvPr>
+          <p:cNvSpPr>
+            <a:spLocks noGrp="1"/>
+          </p:cNvSpPr>
+          <p:nvPr>
+            <p:ph type="title"/>
+          </p:nvPr>
+        </p:nvSpPr>
+        <p:spPr/>
+        <p:txBody>
+          <a:bodyPr/>
+          <a:lstStyle/>
+          <a:p>
+            <a:r>
+              <a:rPr lang="pt-BR" dirty="0"/>
+              <a:t>Regressão polinomial</a:t>
+            </a:r>
+          </a:p>
+        </p:txBody>
+      </p:sp>
+      <mc:AlternateContent xmlns:mc="http://schemas.openxmlformats.org/markup-compatibility/2006" xmlns:a14="http://schemas.microsoft.com/office/drawing/2010/main">
+        <mc:Choice Requires="a14">
+          <p:sp>
+            <p:nvSpPr>
+              <p:cNvPr id="3" name="Espaço Reservado para Conteúdo 2">
+                <a:extLst>
+                  <a:ext uri="{FF2B5EF4-FFF2-40B4-BE49-F238E27FC236}">
+                    <a16:creationId xmlns:a16="http://schemas.microsoft.com/office/drawing/2014/main" id="{F2E5602A-661E-0742-2B1B-2D2F60E5F350}"/>
+                  </a:ext>
+                </a:extLst>
+              </p:cNvPr>
+              <p:cNvSpPr>
+                <a:spLocks noGrp="1"/>
+              </p:cNvSpPr>
+              <p:nvPr>
+                <p:ph idx="1"/>
+              </p:nvPr>
+            </p:nvSpPr>
+            <p:spPr>
+              <a:xfrm>
+                <a:off x="838199" y="1825624"/>
+                <a:ext cx="11213387" cy="5032375"/>
+              </a:xfrm>
+            </p:spPr>
+            <p:txBody>
+              <a:bodyPr>
+                <a:normAutofit/>
+              </a:bodyPr>
+              <a:lstStyle/>
+              <a:p>
+                <a:r>
+                  <a:rPr lang="pt-BR" dirty="0"/>
+                  <a:t>Só precisamos nos lembrar que o vetor de atributos, </a:t>
+                </a:r>
+                <a14:m>
+                  <m:oMath xmlns:m="http://schemas.openxmlformats.org/officeDocument/2006/math">
+                    <m:r>
+                      <a:rPr lang="pt-BR" b="1" i="1" smtClean="0">
+                        <a:latin typeface="Cambria Math" panose="02040503050406030204" pitchFamily="18" charset="0"/>
+                      </a:rPr>
+                      <m:t>𝒙</m:t>
+                    </m:r>
+                  </m:oMath>
+                </a14:m>
+                <a:r>
+                  <a:rPr lang="pt-BR" dirty="0"/>
+                  <a:t>, e consequentemente, a matriz de atributos, </a:t>
+                </a:r>
+                <a14:m>
+                  <m:oMath xmlns:m="http://schemas.openxmlformats.org/officeDocument/2006/math">
+                    <m:r>
+                      <a:rPr lang="pt-BR" b="1" i="1" smtClean="0">
+                        <a:latin typeface="Cambria Math" panose="02040503050406030204" pitchFamily="18" charset="0"/>
+                      </a:rPr>
+                      <m:t>𝑿</m:t>
+                    </m:r>
+                  </m:oMath>
+                </a14:m>
+                <a:r>
+                  <a:rPr lang="pt-BR" dirty="0"/>
+                  <a:t>, são compostos pelos atributos originais e pelos atributos formados através de suas combinações.</a:t>
+                </a:r>
+              </a:p>
+              <a:p>
+                <a:r>
+                  <a:rPr lang="pt-BR" dirty="0"/>
+                  <a:t>Por exemplo, para o polinômio </a:t>
+                </a:r>
+              </a:p>
+              <a:p>
+                <a:pPr marL="0" indent="0">
+                  <a:buNone/>
+                </a:pPr>
+                <a14:m>
+                  <m:oMathPara xmlns:m="http://schemas.openxmlformats.org/officeDocument/2006/math">
+                    <m:oMathParaPr>
+                      <m:jc m:val="centerGroup"/>
+                    </m:oMathParaPr>
+                    <m:oMath xmlns:m="http://schemas.openxmlformats.org/officeDocument/2006/math">
+                      <m:r>
+                        <a:rPr lang="pt-BR" i="1" smtClean="0">
+                          <a:latin typeface="Cambria Math" panose="02040503050406030204" pitchFamily="18" charset="0"/>
+                        </a:rPr>
+                        <m:t>h</m:t>
+                      </m:r>
+                      <m:d>
+                        <m:dPr>
+                          <m:ctrlPr>
+                            <a:rPr lang="pt-BR" i="1">
+                              <a:latin typeface="Cambria Math" panose="02040503050406030204" pitchFamily="18" charset="0"/>
+                            </a:rPr>
+                          </m:ctrlPr>
+                        </m:dPr>
+                        <m:e>
+                          <m:sSub>
+                            <m:sSubPr>
+                              <m:ctrlPr>
+                                <a:rPr lang="pt-BR" i="1">
+                                  <a:latin typeface="Cambria Math" panose="02040503050406030204" pitchFamily="18" charset="0"/>
+                                </a:rPr>
+                              </m:ctrlPr>
+                            </m:sSubPr>
+                            <m:e>
+                              <m:r>
+                                <a:rPr lang="pt-BR" i="1">
+                                  <a:latin typeface="Cambria Math" panose="02040503050406030204" pitchFamily="18" charset="0"/>
+                                </a:rPr>
+                                <m:t>𝑥</m:t>
+                              </m:r>
+                            </m:e>
+                            <m:sub>
+                              <m:r>
+                                <a:rPr lang="pt-BR" i="1">
+                                  <a:latin typeface="Cambria Math" panose="02040503050406030204" pitchFamily="18" charset="0"/>
+                                </a:rPr>
+                                <m:t>1</m:t>
+                              </m:r>
+                            </m:sub>
+                          </m:sSub>
+                          <m:r>
+                            <a:rPr lang="pt-BR" b="0" i="1" smtClean="0">
+                              <a:latin typeface="Cambria Math" panose="02040503050406030204" pitchFamily="18" charset="0"/>
+                            </a:rPr>
+                            <m:t>(</m:t>
+                          </m:r>
+                          <m:r>
+                            <a:rPr lang="pt-BR" b="0" i="1" smtClean="0">
+                              <a:latin typeface="Cambria Math" panose="02040503050406030204" pitchFamily="18" charset="0"/>
+                            </a:rPr>
+                            <m:t>𝑛</m:t>
+                          </m:r>
+                          <m:r>
+                            <a:rPr lang="pt-BR" b="0" i="1" smtClean="0">
+                              <a:latin typeface="Cambria Math" panose="02040503050406030204" pitchFamily="18" charset="0"/>
+                            </a:rPr>
+                            <m:t>)</m:t>
+                          </m:r>
+                        </m:e>
+                      </m:d>
+                      <m:r>
+                        <a:rPr lang="pt-BR" i="1">
+                          <a:latin typeface="Cambria Math" panose="02040503050406030204" pitchFamily="18" charset="0"/>
+                        </a:rPr>
+                        <m:t>=</m:t>
+                      </m:r>
+                      <m:sSub>
+                        <m:sSubPr>
+                          <m:ctrlPr>
+                            <a:rPr lang="pt-BR" i="1">
+                              <a:latin typeface="Cambria Math" panose="02040503050406030204" pitchFamily="18" charset="0"/>
+                            </a:rPr>
+                          </m:ctrlPr>
+                        </m:sSubPr>
+                        <m:e>
+                          <m:r>
+                            <a:rPr lang="pt-BR" i="1">
+                              <a:latin typeface="Cambria Math" panose="02040503050406030204" pitchFamily="18" charset="0"/>
+                            </a:rPr>
+                            <m:t>𝑎</m:t>
+                          </m:r>
+                        </m:e>
+                        <m:sub>
+                          <m:r>
+                            <a:rPr lang="pt-BR" i="1">
+                              <a:latin typeface="Cambria Math" panose="02040503050406030204" pitchFamily="18" charset="0"/>
+                            </a:rPr>
+                            <m:t>0</m:t>
+                          </m:r>
+                        </m:sub>
+                      </m:sSub>
+                      <m:r>
+                        <a:rPr lang="pt-BR" i="1">
+                          <a:latin typeface="Cambria Math" panose="02040503050406030204" pitchFamily="18" charset="0"/>
+                        </a:rPr>
+                        <m:t>+</m:t>
+                      </m:r>
+                      <m:sSub>
+                        <m:sSubPr>
+                          <m:ctrlPr>
+                            <a:rPr lang="pt-BR" i="1">
+                              <a:latin typeface="Cambria Math" panose="02040503050406030204" pitchFamily="18" charset="0"/>
+                            </a:rPr>
+                          </m:ctrlPr>
+                        </m:sSubPr>
+                        <m:e>
+                          <m:r>
+                            <a:rPr lang="pt-BR" i="1">
+                              <a:latin typeface="Cambria Math" panose="02040503050406030204" pitchFamily="18" charset="0"/>
+                            </a:rPr>
+                            <m:t>𝑎</m:t>
+                          </m:r>
+                        </m:e>
+                        <m:sub>
+                          <m:r>
+                            <a:rPr lang="pt-BR" i="1">
+                              <a:latin typeface="Cambria Math" panose="02040503050406030204" pitchFamily="18" charset="0"/>
+                            </a:rPr>
+                            <m:t>1</m:t>
+                          </m:r>
+                        </m:sub>
+                      </m:sSub>
+                      <m:sSub>
+                        <m:sSubPr>
+                          <m:ctrlPr>
+                            <a:rPr lang="pt-BR" i="1">
+                              <a:latin typeface="Cambria Math" panose="02040503050406030204" pitchFamily="18" charset="0"/>
+                            </a:rPr>
+                          </m:ctrlPr>
+                        </m:sSubPr>
+                        <m:e>
+                          <m:r>
+                            <a:rPr lang="pt-BR" i="1">
+                              <a:latin typeface="Cambria Math" panose="02040503050406030204" pitchFamily="18" charset="0"/>
+                            </a:rPr>
+                            <m:t>𝑥</m:t>
+                          </m:r>
+                        </m:e>
+                        <m:sub>
+                          <m:r>
+                            <a:rPr lang="pt-BR" i="1">
+                              <a:latin typeface="Cambria Math" panose="02040503050406030204" pitchFamily="18" charset="0"/>
+                            </a:rPr>
+                            <m:t>1</m:t>
+                          </m:r>
+                        </m:sub>
+                      </m:sSub>
+                      <m:d>
+                        <m:dPr>
+                          <m:ctrlPr>
+                            <a:rPr lang="pt-BR" i="1">
+                              <a:latin typeface="Cambria Math" panose="02040503050406030204" pitchFamily="18" charset="0"/>
+                            </a:rPr>
+                          </m:ctrlPr>
+                        </m:dPr>
+                        <m:e>
+                          <m:r>
+                            <a:rPr lang="pt-BR" i="1">
+                              <a:latin typeface="Cambria Math" panose="02040503050406030204" pitchFamily="18" charset="0"/>
+                            </a:rPr>
+                            <m:t>𝑛</m:t>
+                          </m:r>
+                        </m:e>
+                      </m:d>
+                      <m:r>
+                        <a:rPr lang="pt-BR" i="1">
+                          <a:latin typeface="Cambria Math" panose="02040503050406030204" pitchFamily="18" charset="0"/>
+                        </a:rPr>
+                        <m:t>+</m:t>
+                      </m:r>
+                      <m:sSub>
+                        <m:sSubPr>
+                          <m:ctrlPr>
+                            <a:rPr lang="pt-BR" i="1">
+                              <a:latin typeface="Cambria Math" panose="02040503050406030204" pitchFamily="18" charset="0"/>
+                            </a:rPr>
+                          </m:ctrlPr>
+                        </m:sSubPr>
+                        <m:e>
+                          <m:r>
+                            <a:rPr lang="pt-BR" i="1">
+                              <a:latin typeface="Cambria Math" panose="02040503050406030204" pitchFamily="18" charset="0"/>
+                            </a:rPr>
+                            <m:t>𝑎</m:t>
+                          </m:r>
+                        </m:e>
+                        <m:sub>
+                          <m:r>
+                            <a:rPr lang="pt-BR" i="1">
+                              <a:latin typeface="Cambria Math" panose="02040503050406030204" pitchFamily="18" charset="0"/>
+                            </a:rPr>
+                            <m:t>2</m:t>
+                          </m:r>
+                        </m:sub>
+                      </m:sSub>
+                      <m:sSup>
+                        <m:sSupPr>
+                          <m:ctrlPr>
+                            <a:rPr lang="pt-BR" i="1">
+                              <a:latin typeface="Cambria Math" panose="02040503050406030204" pitchFamily="18" charset="0"/>
+                            </a:rPr>
+                          </m:ctrlPr>
+                        </m:sSupPr>
+                        <m:e>
+                          <m:sSub>
+                            <m:sSubPr>
+                              <m:ctrlPr>
+                                <a:rPr lang="pt-BR" i="1">
+                                  <a:latin typeface="Cambria Math" panose="02040503050406030204" pitchFamily="18" charset="0"/>
+                                </a:rPr>
+                              </m:ctrlPr>
+                            </m:sSubPr>
+                            <m:e>
+                              <m:r>
+                                <a:rPr lang="pt-BR" i="1">
+                                  <a:latin typeface="Cambria Math" panose="02040503050406030204" pitchFamily="18" charset="0"/>
+                                </a:rPr>
+                                <m:t>𝑥</m:t>
+                              </m:r>
+                            </m:e>
+                            <m:sub>
+                              <m:r>
+                                <a:rPr lang="pt-BR" i="1">
+                                  <a:latin typeface="Cambria Math" panose="02040503050406030204" pitchFamily="18" charset="0"/>
+                                </a:rPr>
+                                <m:t>1</m:t>
+                              </m:r>
+                            </m:sub>
+                          </m:sSub>
+                        </m:e>
+                        <m:sup>
+                          <m:r>
+                            <a:rPr lang="pt-BR" i="1">
+                              <a:latin typeface="Cambria Math" panose="02040503050406030204" pitchFamily="18" charset="0"/>
+                            </a:rPr>
+                            <m:t>2</m:t>
+                          </m:r>
+                        </m:sup>
+                      </m:sSup>
+                      <m:d>
+                        <m:dPr>
+                          <m:ctrlPr>
+                            <a:rPr lang="pt-BR" i="1">
+                              <a:latin typeface="Cambria Math" panose="02040503050406030204" pitchFamily="18" charset="0"/>
+                            </a:rPr>
+                          </m:ctrlPr>
+                        </m:dPr>
+                        <m:e>
+                          <m:r>
+                            <a:rPr lang="pt-BR" i="1">
+                              <a:latin typeface="Cambria Math" panose="02040503050406030204" pitchFamily="18" charset="0"/>
+                            </a:rPr>
+                            <m:t>𝑛</m:t>
+                          </m:r>
+                        </m:e>
+                      </m:d>
+                      <m:r>
+                        <a:rPr lang="pt-BR" i="1">
+                          <a:latin typeface="Cambria Math" panose="02040503050406030204" pitchFamily="18" charset="0"/>
+                        </a:rPr>
+                        <m:t>+…+</m:t>
+                      </m:r>
+                      <m:sSub>
+                        <m:sSubPr>
+                          <m:ctrlPr>
+                            <a:rPr lang="pt-BR" i="1">
+                              <a:latin typeface="Cambria Math" panose="02040503050406030204" pitchFamily="18" charset="0"/>
+                            </a:rPr>
+                          </m:ctrlPr>
+                        </m:sSubPr>
+                        <m:e>
+                          <m:r>
+                            <a:rPr lang="pt-BR" i="1">
+                              <a:latin typeface="Cambria Math" panose="02040503050406030204" pitchFamily="18" charset="0"/>
+                            </a:rPr>
+                            <m:t>𝑎</m:t>
+                          </m:r>
+                        </m:e>
+                        <m:sub>
+                          <m:r>
+                            <a:rPr lang="pt-BR" i="1">
+                              <a:latin typeface="Cambria Math" panose="02040503050406030204" pitchFamily="18" charset="0"/>
+                            </a:rPr>
+                            <m:t>𝑀</m:t>
+                          </m:r>
+                        </m:sub>
+                      </m:sSub>
+                      <m:sSup>
+                        <m:sSupPr>
+                          <m:ctrlPr>
+                            <a:rPr lang="pt-BR" i="1">
+                              <a:latin typeface="Cambria Math" panose="02040503050406030204" pitchFamily="18" charset="0"/>
+                            </a:rPr>
+                          </m:ctrlPr>
+                        </m:sSupPr>
+                        <m:e>
+                          <m:sSub>
+                            <m:sSubPr>
+                              <m:ctrlPr>
+                                <a:rPr lang="pt-BR" i="1">
+                                  <a:latin typeface="Cambria Math" panose="02040503050406030204" pitchFamily="18" charset="0"/>
+                                </a:rPr>
+                              </m:ctrlPr>
+                            </m:sSubPr>
+                            <m:e>
+                              <m:r>
+                                <a:rPr lang="pt-BR" i="1">
+                                  <a:latin typeface="Cambria Math" panose="02040503050406030204" pitchFamily="18" charset="0"/>
+                                </a:rPr>
+                                <m:t>𝑥</m:t>
+                              </m:r>
+                            </m:e>
+                            <m:sub>
+                              <m:r>
+                                <a:rPr lang="pt-BR" i="1">
+                                  <a:latin typeface="Cambria Math" panose="02040503050406030204" pitchFamily="18" charset="0"/>
+                                </a:rPr>
+                                <m:t>1</m:t>
+                              </m:r>
+                            </m:sub>
+                          </m:sSub>
+                        </m:e>
+                        <m:sup>
+                          <m:r>
+                            <a:rPr lang="pt-BR" i="1">
+                              <a:latin typeface="Cambria Math" panose="02040503050406030204" pitchFamily="18" charset="0"/>
+                            </a:rPr>
+                            <m:t>𝑀</m:t>
+                          </m:r>
+                        </m:sup>
+                      </m:sSup>
+                      <m:d>
+                        <m:dPr>
+                          <m:ctrlPr>
+                            <a:rPr lang="pt-BR" i="1">
+                              <a:latin typeface="Cambria Math" panose="02040503050406030204" pitchFamily="18" charset="0"/>
+                            </a:rPr>
+                          </m:ctrlPr>
+                        </m:dPr>
+                        <m:e>
+                          <m:r>
+                            <a:rPr lang="pt-BR" i="1">
+                              <a:latin typeface="Cambria Math" panose="02040503050406030204" pitchFamily="18" charset="0"/>
+                            </a:rPr>
+                            <m:t>𝑛</m:t>
+                          </m:r>
+                        </m:e>
+                      </m:d>
+                      <m:r>
+                        <a:rPr lang="pt-BR" b="0" i="0" smtClean="0">
+                          <a:latin typeface="Cambria Math" panose="02040503050406030204" pitchFamily="18" charset="0"/>
+                        </a:rPr>
+                        <m:t>,</m:t>
+                      </m:r>
+                    </m:oMath>
+                  </m:oMathPara>
+                </a14:m>
+                <a:endParaRPr lang="pt-BR" dirty="0"/>
+              </a:p>
+              <a:p>
+                <a:pPr marL="0" indent="0">
+                  <a:buNone/>
+                </a:pPr>
+                <a:r>
+                  <a:rPr lang="pt-BR" dirty="0"/>
+                  <a:t>a </a:t>
+                </a:r>
+                <a:r>
+                  <a:rPr lang="pt-BR" b="1" i="1" dirty="0">
+                    <a:solidFill>
+                      <a:srgbClr val="00B050"/>
+                    </a:solidFill>
+                  </a:rPr>
+                  <a:t>matriz de atributos polinomial</a:t>
+                </a:r>
+                <a:r>
+                  <a:rPr lang="pt-BR" dirty="0"/>
+                  <a:t>, </a:t>
+                </a:r>
+                <a14:m>
+                  <m:oMath xmlns:m="http://schemas.openxmlformats.org/officeDocument/2006/math">
+                    <m:r>
+                      <a:rPr lang="pt-BR" b="1" i="1">
+                        <a:latin typeface="Cambria Math" panose="02040503050406030204" pitchFamily="18" charset="0"/>
+                      </a:rPr>
+                      <m:t>𝑿</m:t>
+                    </m:r>
+                  </m:oMath>
+                </a14:m>
+                <a:r>
+                  <a:rPr lang="pt-BR" dirty="0"/>
+                  <a:t>, fica da seguinte forma </a:t>
+                </a:r>
+              </a:p>
+              <a:p>
+                <a:pPr marL="0" indent="0">
+                  <a:buNone/>
+                </a:pPr>
+                <a14:m>
+                  <m:oMathPara xmlns:m="http://schemas.openxmlformats.org/officeDocument/2006/math">
+                    <m:oMathParaPr>
+                      <m:jc m:val="centerGroup"/>
+                    </m:oMathParaPr>
+                    <m:oMath xmlns:m="http://schemas.openxmlformats.org/officeDocument/2006/math">
+                      <m:r>
+                        <a:rPr lang="pt-BR" b="1" i="1" smtClean="0">
+                          <a:latin typeface="Cambria Math" panose="02040503050406030204" pitchFamily="18" charset="0"/>
+                        </a:rPr>
+                        <m:t>𝑿</m:t>
+                      </m:r>
+                      <m:r>
+                        <a:rPr lang="pt-BR" b="0" i="1" smtClean="0">
+                          <a:latin typeface="Cambria Math" panose="02040503050406030204" pitchFamily="18" charset="0"/>
+                        </a:rPr>
+                        <m:t>=</m:t>
+                      </m:r>
+                      <m:d>
+                        <m:dPr>
+                          <m:begChr m:val="["/>
+                          <m:endChr m:val="]"/>
+                          <m:ctrlPr>
+                            <a:rPr lang="pt-BR" b="1" i="1" smtClean="0">
+                              <a:latin typeface="Cambria Math" panose="02040503050406030204" pitchFamily="18" charset="0"/>
+                            </a:rPr>
+                          </m:ctrlPr>
+                        </m:dPr>
+                        <m:e>
+                          <m:m>
+                            <m:mPr>
+                              <m:mcs>
+                                <m:mc>
+                                  <m:mcPr>
+                                    <m:count m:val="3"/>
+                                    <m:mcJc m:val="center"/>
+                                  </m:mcPr>
+                                </m:mc>
+                              </m:mcs>
+                              <m:ctrlPr>
+                                <a:rPr lang="pt-BR" b="1" i="1" smtClean="0">
+                                  <a:latin typeface="Cambria Math" panose="02040503050406030204" pitchFamily="18" charset="0"/>
+                                </a:rPr>
+                              </m:ctrlPr>
+                            </m:mPr>
+                            <m:mr>
+                              <m:e>
+                                <m:r>
+                                  <a:rPr lang="pt-BR" b="0" i="1" smtClean="0">
+                                    <a:latin typeface="Cambria Math" panose="02040503050406030204" pitchFamily="18" charset="0"/>
+                                  </a:rPr>
+                                  <m:t>1</m:t>
+                                </m:r>
+                              </m:e>
+                              <m:e>
+                                <m:sSub>
+                                  <m:sSubPr>
+                                    <m:ctrlPr>
+                                      <a:rPr lang="pt-BR" i="1">
+                                        <a:latin typeface="Cambria Math" panose="02040503050406030204" pitchFamily="18" charset="0"/>
+                                      </a:rPr>
+                                    </m:ctrlPr>
+                                  </m:sSubPr>
+                                  <m:e>
+                                    <m:r>
+                                      <a:rPr lang="pt-BR" i="1">
+                                        <a:latin typeface="Cambria Math" panose="02040503050406030204" pitchFamily="18" charset="0"/>
+                                      </a:rPr>
+                                      <m:t>𝑥</m:t>
+                                    </m:r>
+                                  </m:e>
+                                  <m:sub>
+                                    <m:r>
+                                      <a:rPr lang="pt-BR" i="1">
+                                        <a:latin typeface="Cambria Math" panose="02040503050406030204" pitchFamily="18" charset="0"/>
+                                      </a:rPr>
+                                      <m:t>1</m:t>
+                                    </m:r>
+                                  </m:sub>
+                                </m:sSub>
+                                <m:d>
+                                  <m:dPr>
+                                    <m:ctrlPr>
+                                      <a:rPr lang="pt-BR" i="1">
+                                        <a:latin typeface="Cambria Math" panose="02040503050406030204" pitchFamily="18" charset="0"/>
+                                      </a:rPr>
+                                    </m:ctrlPr>
+                                  </m:dPr>
+                                  <m:e>
+                                    <m:r>
+                                      <a:rPr lang="pt-BR" b="0" i="1" smtClean="0">
+                                        <a:latin typeface="Cambria Math" panose="02040503050406030204" pitchFamily="18" charset="0"/>
+                                      </a:rPr>
+                                      <m:t>0</m:t>
+                                    </m:r>
+                                  </m:e>
+                                </m:d>
+                              </m:e>
+                              <m:e>
+                                <m:m>
+                                  <m:mPr>
+                                    <m:mcs>
+                                      <m:mc>
+                                        <m:mcPr>
+                                          <m:count m:val="2"/>
+                                          <m:mcJc m:val="center"/>
+                                        </m:mcPr>
+                                      </m:mc>
+                                    </m:mcs>
+                                    <m:ctrlPr>
+                                      <a:rPr lang="pt-BR" b="1" i="1" smtClean="0">
+                                        <a:latin typeface="Cambria Math" panose="02040503050406030204" pitchFamily="18" charset="0"/>
+                                      </a:rPr>
+                                    </m:ctrlPr>
+                                  </m:mPr>
+                                  <m:mr>
+                                    <m:e>
+                                      <m:sSup>
+                                        <m:sSupPr>
+                                          <m:ctrlPr>
+                                            <a:rPr lang="pt-BR" i="1">
+                                              <a:latin typeface="Cambria Math" panose="02040503050406030204" pitchFamily="18" charset="0"/>
+                                            </a:rPr>
+                                          </m:ctrlPr>
+                                        </m:sSupPr>
+                                        <m:e>
+                                          <m:sSub>
+                                            <m:sSubPr>
+                                              <m:ctrlPr>
+                                                <a:rPr lang="pt-BR" i="1">
+                                                  <a:latin typeface="Cambria Math" panose="02040503050406030204" pitchFamily="18" charset="0"/>
+                                                </a:rPr>
+                                              </m:ctrlPr>
+                                            </m:sSubPr>
+                                            <m:e>
+                                              <m:r>
+                                                <a:rPr lang="pt-BR" i="1">
+                                                  <a:latin typeface="Cambria Math" panose="02040503050406030204" pitchFamily="18" charset="0"/>
+                                                </a:rPr>
+                                                <m:t>𝑥</m:t>
+                                              </m:r>
+                                            </m:e>
+                                            <m:sub>
+                                              <m:r>
+                                                <a:rPr lang="pt-BR" i="1">
+                                                  <a:latin typeface="Cambria Math" panose="02040503050406030204" pitchFamily="18" charset="0"/>
+                                                </a:rPr>
+                                                <m:t>1</m:t>
+                                              </m:r>
+                                            </m:sub>
+                                          </m:sSub>
+                                        </m:e>
+                                        <m:sup>
+                                          <m:r>
+                                            <a:rPr lang="pt-BR" i="1">
+                                              <a:latin typeface="Cambria Math" panose="02040503050406030204" pitchFamily="18" charset="0"/>
+                                            </a:rPr>
+                                            <m:t>2</m:t>
+                                          </m:r>
+                                        </m:sup>
+                                      </m:sSup>
+                                      <m:d>
+                                        <m:dPr>
+                                          <m:ctrlPr>
+                                            <a:rPr lang="pt-BR" i="1">
+                                              <a:latin typeface="Cambria Math" panose="02040503050406030204" pitchFamily="18" charset="0"/>
+                                            </a:rPr>
+                                          </m:ctrlPr>
+                                        </m:dPr>
+                                        <m:e>
+                                          <m:r>
+                                            <a:rPr lang="pt-BR" b="0" i="1" smtClean="0">
+                                              <a:latin typeface="Cambria Math" panose="02040503050406030204" pitchFamily="18" charset="0"/>
+                                            </a:rPr>
+                                            <m:t>0</m:t>
+                                          </m:r>
+                                        </m:e>
+                                      </m:d>
+                                    </m:e>
+                                    <m:e>
+                                      <m:m>
+                                        <m:mPr>
+                                          <m:mcs>
+                                            <m:mc>
+                                              <m:mcPr>
+                                                <m:count m:val="2"/>
+                                                <m:mcJc m:val="center"/>
+                                              </m:mcPr>
+                                            </m:mc>
+                                          </m:mcs>
+                                          <m:ctrlPr>
+                                            <a:rPr lang="pt-BR" b="1" i="1" smtClean="0">
+                                              <a:latin typeface="Cambria Math" panose="02040503050406030204" pitchFamily="18" charset="0"/>
+                                            </a:rPr>
+                                          </m:ctrlPr>
+                                        </m:mPr>
+                                        <m:mr>
+                                          <m:e>
+                                            <m:r>
+                                              <m:rPr>
+                                                <m:brk m:alnAt="7"/>
+                                              </m:rPr>
+                                              <a:rPr lang="pt-BR" b="1" i="1">
+                                                <a:latin typeface="Cambria Math" panose="02040503050406030204" pitchFamily="18" charset="0"/>
+                                              </a:rPr>
+                                              <m:t>⋯</m:t>
+                                            </m:r>
+                                          </m:e>
+                                          <m:e>
+                                            <m:sSup>
+                                              <m:sSupPr>
+                                                <m:ctrlPr>
+                                                  <a:rPr lang="pt-BR" i="1">
+                                                    <a:latin typeface="Cambria Math" panose="02040503050406030204" pitchFamily="18" charset="0"/>
+                                                  </a:rPr>
+                                                </m:ctrlPr>
+                                              </m:sSupPr>
+                                              <m:e>
+                                                <m:sSub>
+                                                  <m:sSubPr>
+                                                    <m:ctrlPr>
+                                                      <a:rPr lang="pt-BR" i="1">
+                                                        <a:latin typeface="Cambria Math" panose="02040503050406030204" pitchFamily="18" charset="0"/>
+                                                      </a:rPr>
+                                                    </m:ctrlPr>
+                                                  </m:sSubPr>
+                                                  <m:e>
+                                                    <m:r>
+                                                      <a:rPr lang="pt-BR" i="1">
+                                                        <a:latin typeface="Cambria Math" panose="02040503050406030204" pitchFamily="18" charset="0"/>
+                                                      </a:rPr>
+                                                      <m:t>𝑥</m:t>
+                                                    </m:r>
+                                                  </m:e>
+                                                  <m:sub>
+                                                    <m:r>
+                                                      <a:rPr lang="pt-BR" i="1">
+                                                        <a:latin typeface="Cambria Math" panose="02040503050406030204" pitchFamily="18" charset="0"/>
+                                                      </a:rPr>
+                                                      <m:t>1</m:t>
+                                                    </m:r>
+                                                  </m:sub>
+                                                </m:sSub>
+                                              </m:e>
+                                              <m:sup>
+                                                <m:r>
+                                                  <a:rPr lang="pt-BR" i="1">
+                                                    <a:latin typeface="Cambria Math" panose="02040503050406030204" pitchFamily="18" charset="0"/>
+                                                  </a:rPr>
+                                                  <m:t>𝑀</m:t>
+                                                </m:r>
+                                              </m:sup>
+                                            </m:sSup>
+                                            <m:d>
+                                              <m:dPr>
+                                                <m:ctrlPr>
+                                                  <a:rPr lang="pt-BR" i="1">
+                                                    <a:latin typeface="Cambria Math" panose="02040503050406030204" pitchFamily="18" charset="0"/>
+                                                  </a:rPr>
+                                                </m:ctrlPr>
+                                              </m:dPr>
+                                              <m:e>
+                                                <m:r>
+                                                  <a:rPr lang="pt-BR" b="0" i="1" smtClean="0">
+                                                    <a:latin typeface="Cambria Math" panose="02040503050406030204" pitchFamily="18" charset="0"/>
+                                                  </a:rPr>
+                                                  <m:t>0</m:t>
+                                                </m:r>
+                                              </m:e>
+                                            </m:d>
+                                          </m:e>
+                                        </m:mr>
+                                      </m:m>
+                                    </m:e>
+                                  </m:mr>
+                                </m:m>
+                              </m:e>
+                            </m:mr>
+                            <m:mr>
+                              <m:e>
+                                <m:r>
+                                  <a:rPr lang="pt-BR" b="1" i="1" smtClean="0">
+                                    <a:latin typeface="Cambria Math" panose="02040503050406030204" pitchFamily="18" charset="0"/>
+                                  </a:rPr>
+                                  <m:t>⋮</m:t>
+                                </m:r>
+                              </m:e>
+                              <m:e>
+                                <m:r>
+                                  <a:rPr lang="pt-BR" b="1" i="1">
+                                    <a:latin typeface="Cambria Math" panose="02040503050406030204" pitchFamily="18" charset="0"/>
+                                  </a:rPr>
+                                  <m:t>⋮</m:t>
+                                </m:r>
+                              </m:e>
+                              <m:e>
+                                <m:m>
+                                  <m:mPr>
+                                    <m:mcs>
+                                      <m:mc>
+                                        <m:mcPr>
+                                          <m:count m:val="3"/>
+                                          <m:mcJc m:val="center"/>
+                                        </m:mcPr>
+                                      </m:mc>
+                                    </m:mcs>
+                                    <m:ctrlPr>
+                                      <a:rPr lang="pt-BR" b="1" i="1" smtClean="0">
+                                        <a:latin typeface="Cambria Math" panose="02040503050406030204" pitchFamily="18" charset="0"/>
+                                      </a:rPr>
+                                    </m:ctrlPr>
+                                  </m:mPr>
+                                  <m:mr>
+                                    <m:e>
+                                      <m:r>
+                                        <a:rPr lang="pt-BR" b="1" i="1">
+                                          <a:latin typeface="Cambria Math" panose="02040503050406030204" pitchFamily="18" charset="0"/>
+                                        </a:rPr>
+                                        <m:t>⋮</m:t>
+                                      </m:r>
+                                    </m:e>
+                                    <m:e>
+                                      <m:r>
+                                        <a:rPr lang="pt-BR" b="1" i="1" smtClean="0">
+                                          <a:latin typeface="Cambria Math" panose="02040503050406030204" pitchFamily="18" charset="0"/>
+                                        </a:rPr>
+                                        <m:t>       ⋱        </m:t>
+                                      </m:r>
+                                    </m:e>
+                                    <m:e>
+                                      <m:r>
+                                        <a:rPr lang="pt-BR" b="1" i="1" smtClean="0">
+                                          <a:latin typeface="Cambria Math" panose="02040503050406030204" pitchFamily="18" charset="0"/>
+                                        </a:rPr>
+                                        <m:t>⋮</m:t>
+                                      </m:r>
+                                    </m:e>
+                                  </m:mr>
+                                </m:m>
+                              </m:e>
+                            </m:mr>
+                            <m:mr>
+                              <m:e>
+                                <m:r>
+                                  <a:rPr lang="pt-BR" i="1" smtClean="0">
+                                    <a:latin typeface="Cambria Math" panose="02040503050406030204" pitchFamily="18" charset="0"/>
+                                  </a:rPr>
+                                  <m:t>1</m:t>
+                                </m:r>
+                              </m:e>
+                              <m:e>
+                                <m:sSub>
+                                  <m:sSubPr>
+                                    <m:ctrlPr>
+                                      <a:rPr lang="pt-BR" i="1">
+                                        <a:latin typeface="Cambria Math" panose="02040503050406030204" pitchFamily="18" charset="0"/>
+                                      </a:rPr>
+                                    </m:ctrlPr>
+                                  </m:sSubPr>
+                                  <m:e>
+                                    <m:r>
+                                      <a:rPr lang="pt-BR" i="1">
+                                        <a:latin typeface="Cambria Math" panose="02040503050406030204" pitchFamily="18" charset="0"/>
+                                      </a:rPr>
+                                      <m:t>𝑥</m:t>
+                                    </m:r>
+                                  </m:e>
+                                  <m:sub>
+                                    <m:r>
+                                      <a:rPr lang="pt-BR" i="1">
+                                        <a:latin typeface="Cambria Math" panose="02040503050406030204" pitchFamily="18" charset="0"/>
+                                      </a:rPr>
+                                      <m:t>1</m:t>
+                                    </m:r>
+                                  </m:sub>
+                                </m:sSub>
+                                <m:d>
+                                  <m:dPr>
+                                    <m:ctrlPr>
+                                      <a:rPr lang="pt-BR" i="1">
+                                        <a:latin typeface="Cambria Math" panose="02040503050406030204" pitchFamily="18" charset="0"/>
+                                      </a:rPr>
+                                    </m:ctrlPr>
+                                  </m:dPr>
+                                  <m:e>
+                                    <m:r>
+                                      <a:rPr lang="pt-BR" b="0" i="1" smtClean="0">
+                                        <a:latin typeface="Cambria Math" panose="02040503050406030204" pitchFamily="18" charset="0"/>
+                                      </a:rPr>
+                                      <m:t>𝑁</m:t>
+                                    </m:r>
+                                    <m:r>
+                                      <a:rPr lang="pt-BR" b="0" i="1" smtClean="0">
+                                        <a:latin typeface="Cambria Math" panose="02040503050406030204" pitchFamily="18" charset="0"/>
+                                      </a:rPr>
+                                      <m:t>−1</m:t>
+                                    </m:r>
+                                  </m:e>
+                                </m:d>
+                              </m:e>
+                              <m:e>
+                                <m:m>
+                                  <m:mPr>
+                                    <m:mcs>
+                                      <m:mc>
+                                        <m:mcPr>
+                                          <m:count m:val="2"/>
+                                          <m:mcJc m:val="center"/>
+                                        </m:mcPr>
+                                      </m:mc>
+                                    </m:mcs>
+                                    <m:ctrlPr>
+                                      <a:rPr lang="pt-BR" b="1" i="1" smtClean="0">
+                                        <a:latin typeface="Cambria Math" panose="02040503050406030204" pitchFamily="18" charset="0"/>
+                                      </a:rPr>
+                                    </m:ctrlPr>
+                                  </m:mPr>
+                                  <m:mr>
+                                    <m:e>
+                                      <m:sSup>
+                                        <m:sSupPr>
+                                          <m:ctrlPr>
+                                            <a:rPr lang="pt-BR" i="1">
+                                              <a:latin typeface="Cambria Math" panose="02040503050406030204" pitchFamily="18" charset="0"/>
+                                            </a:rPr>
+                                          </m:ctrlPr>
+                                        </m:sSupPr>
+                                        <m:e>
+                                          <m:sSub>
+                                            <m:sSubPr>
+                                              <m:ctrlPr>
+                                                <a:rPr lang="pt-BR" i="1">
+                                                  <a:latin typeface="Cambria Math" panose="02040503050406030204" pitchFamily="18" charset="0"/>
+                                                </a:rPr>
+                                              </m:ctrlPr>
+                                            </m:sSubPr>
+                                            <m:e>
+                                              <m:r>
+                                                <a:rPr lang="pt-BR" i="1">
+                                                  <a:latin typeface="Cambria Math" panose="02040503050406030204" pitchFamily="18" charset="0"/>
+                                                </a:rPr>
+                                                <m:t>𝑥</m:t>
+                                              </m:r>
+                                            </m:e>
+                                            <m:sub>
+                                              <m:r>
+                                                <a:rPr lang="pt-BR" i="1">
+                                                  <a:latin typeface="Cambria Math" panose="02040503050406030204" pitchFamily="18" charset="0"/>
+                                                </a:rPr>
+                                                <m:t>1</m:t>
+                                              </m:r>
+                                            </m:sub>
+                                          </m:sSub>
+                                        </m:e>
+                                        <m:sup>
+                                          <m:r>
+                                            <a:rPr lang="pt-BR" i="1">
+                                              <a:latin typeface="Cambria Math" panose="02040503050406030204" pitchFamily="18" charset="0"/>
+                                            </a:rPr>
+                                            <m:t>2</m:t>
+                                          </m:r>
+                                        </m:sup>
+                                      </m:sSup>
+                                      <m:d>
+                                        <m:dPr>
+                                          <m:ctrlPr>
+                                            <a:rPr lang="pt-BR" i="1">
+                                              <a:latin typeface="Cambria Math" panose="02040503050406030204" pitchFamily="18" charset="0"/>
+                                            </a:rPr>
+                                          </m:ctrlPr>
+                                        </m:dPr>
+                                        <m:e>
+                                          <m:r>
+                                            <a:rPr lang="pt-BR" b="0" i="1" smtClean="0">
+                                              <a:latin typeface="Cambria Math" panose="02040503050406030204" pitchFamily="18" charset="0"/>
+                                            </a:rPr>
+                                            <m:t>𝑁</m:t>
+                                          </m:r>
+                                          <m:r>
+                                            <a:rPr lang="pt-BR" b="0" i="1" smtClean="0">
+                                              <a:latin typeface="Cambria Math" panose="02040503050406030204" pitchFamily="18" charset="0"/>
+                                            </a:rPr>
+                                            <m:t>−1</m:t>
+                                          </m:r>
+                                        </m:e>
+                                      </m:d>
+                                    </m:e>
+                                    <m:e>
+                                      <m:m>
+                                        <m:mPr>
+                                          <m:mcs>
+                                            <m:mc>
+                                              <m:mcPr>
+                                                <m:count m:val="2"/>
+                                                <m:mcJc m:val="center"/>
+                                              </m:mcPr>
+                                            </m:mc>
+                                          </m:mcs>
+                                          <m:ctrlPr>
+                                            <a:rPr lang="pt-BR" b="1" i="1" smtClean="0">
+                                              <a:latin typeface="Cambria Math" panose="02040503050406030204" pitchFamily="18" charset="0"/>
+                                            </a:rPr>
+                                          </m:ctrlPr>
+                                        </m:mPr>
+                                        <m:mr>
+                                          <m:e>
+                                            <m:r>
+                                              <m:rPr>
+                                                <m:brk m:alnAt="7"/>
+                                              </m:rPr>
+                                              <a:rPr lang="pt-BR" b="1" i="1">
+                                                <a:latin typeface="Cambria Math" panose="02040503050406030204" pitchFamily="18" charset="0"/>
+                                              </a:rPr>
+                                              <m:t>⋯</m:t>
+                                            </m:r>
+                                          </m:e>
+                                          <m:e>
+                                            <m:sSup>
+                                              <m:sSupPr>
+                                                <m:ctrlPr>
+                                                  <a:rPr lang="pt-BR" i="1">
+                                                    <a:latin typeface="Cambria Math" panose="02040503050406030204" pitchFamily="18" charset="0"/>
+                                                  </a:rPr>
+                                                </m:ctrlPr>
+                                              </m:sSupPr>
+                                              <m:e>
+                                                <m:sSub>
+                                                  <m:sSubPr>
+                                                    <m:ctrlPr>
+                                                      <a:rPr lang="pt-BR" i="1">
+                                                        <a:latin typeface="Cambria Math" panose="02040503050406030204" pitchFamily="18" charset="0"/>
+                                                      </a:rPr>
+                                                    </m:ctrlPr>
+                                                  </m:sSubPr>
+                                                  <m:e>
+                                                    <m:r>
+                                                      <a:rPr lang="pt-BR" i="1">
+                                                        <a:latin typeface="Cambria Math" panose="02040503050406030204" pitchFamily="18" charset="0"/>
+                                                      </a:rPr>
+                                                      <m:t>𝑥</m:t>
+                                                    </m:r>
+                                                  </m:e>
+                                                  <m:sub>
+                                                    <m:r>
+                                                      <a:rPr lang="pt-BR" i="1">
+                                                        <a:latin typeface="Cambria Math" panose="02040503050406030204" pitchFamily="18" charset="0"/>
+                                                      </a:rPr>
+                                                      <m:t>1</m:t>
+                                                    </m:r>
+                                                  </m:sub>
+                                                </m:sSub>
+                                              </m:e>
+                                              <m:sup>
+                                                <m:r>
+                                                  <a:rPr lang="pt-BR" i="1">
+                                                    <a:latin typeface="Cambria Math" panose="02040503050406030204" pitchFamily="18" charset="0"/>
+                                                  </a:rPr>
+                                                  <m:t>𝑀</m:t>
+                                                </m:r>
+                                              </m:sup>
+                                            </m:sSup>
+                                            <m:d>
+                                              <m:dPr>
+                                                <m:ctrlPr>
+                                                  <a:rPr lang="pt-BR" i="1">
+                                                    <a:latin typeface="Cambria Math" panose="02040503050406030204" pitchFamily="18" charset="0"/>
+                                                  </a:rPr>
+                                                </m:ctrlPr>
+                                              </m:dPr>
+                                              <m:e>
+                                                <m:r>
+                                                  <a:rPr lang="pt-BR" b="0" i="1" smtClean="0">
+                                                    <a:latin typeface="Cambria Math" panose="02040503050406030204" pitchFamily="18" charset="0"/>
+                                                  </a:rPr>
+                                                  <m:t>𝑁</m:t>
+                                                </m:r>
+                                                <m:r>
+                                                  <a:rPr lang="pt-BR" b="0" i="1" smtClean="0">
+                                                    <a:latin typeface="Cambria Math" panose="02040503050406030204" pitchFamily="18" charset="0"/>
+                                                  </a:rPr>
+                                                  <m:t>−1</m:t>
+                                                </m:r>
+                                              </m:e>
+                                            </m:d>
+                                          </m:e>
+                                        </m:mr>
+                                      </m:m>
+                                    </m:e>
+                                  </m:mr>
+                                </m:m>
+                              </m:e>
+                            </m:mr>
+                          </m:m>
+                        </m:e>
+                      </m:d>
+                      <m:r>
+                        <a:rPr lang="pt-BR" i="1">
+                          <a:latin typeface="Cambria Math" panose="02040503050406030204" pitchFamily="18" charset="0"/>
+                          <a:ea typeface="Cambria Math" panose="02040503050406030204" pitchFamily="18" charset="0"/>
+                        </a:rPr>
+                        <m:t>∈</m:t>
+                      </m:r>
+                      <m:sSup>
+                        <m:sSupPr>
+                          <m:ctrlPr>
+                            <a:rPr lang="pt-BR" i="1">
+                              <a:latin typeface="Cambria Math" panose="02040503050406030204" pitchFamily="18" charset="0"/>
+                              <a:ea typeface="Cambria Math" panose="02040503050406030204" pitchFamily="18" charset="0"/>
+                            </a:rPr>
+                          </m:ctrlPr>
+                        </m:sSupPr>
+                        <m:e>
+                          <m:r>
+                            <a:rPr lang="pt-BR" i="1">
+                              <a:latin typeface="Cambria Math" panose="02040503050406030204" pitchFamily="18" charset="0"/>
+                              <a:ea typeface="Cambria Math" panose="02040503050406030204" pitchFamily="18" charset="0"/>
+                            </a:rPr>
+                            <m:t>ℝ</m:t>
+                          </m:r>
+                        </m:e>
+                        <m:sup>
+                          <m:r>
+                            <a:rPr lang="pt-BR" i="1">
+                              <a:latin typeface="Cambria Math" panose="02040503050406030204" pitchFamily="18" charset="0"/>
+                              <a:ea typeface="Cambria Math" panose="02040503050406030204" pitchFamily="18" charset="0"/>
+                            </a:rPr>
+                            <m:t>𝑁</m:t>
+                          </m:r>
+                          <m:r>
+                            <a:rPr lang="pt-BR" i="1">
+                              <a:latin typeface="Cambria Math" panose="02040503050406030204" pitchFamily="18" charset="0"/>
+                              <a:ea typeface="Cambria Math" panose="02040503050406030204" pitchFamily="18" charset="0"/>
+                            </a:rPr>
+                            <m:t>×</m:t>
+                          </m:r>
+                          <m:r>
+                            <a:rPr lang="pt-BR" i="1">
+                              <a:latin typeface="Cambria Math" panose="02040503050406030204" pitchFamily="18" charset="0"/>
+                              <a:ea typeface="Cambria Math" panose="02040503050406030204" pitchFamily="18" charset="0"/>
+                            </a:rPr>
+                            <m:t>𝑀</m:t>
+                          </m:r>
+                          <m:r>
+                            <a:rPr lang="pt-BR" i="1">
+                              <a:latin typeface="Cambria Math" panose="02040503050406030204" pitchFamily="18" charset="0"/>
+                              <a:ea typeface="Cambria Math" panose="02040503050406030204" pitchFamily="18" charset="0"/>
+                            </a:rPr>
+                            <m:t>+1</m:t>
+                          </m:r>
+                        </m:sup>
+                      </m:sSup>
+                      <m:r>
+                        <a:rPr lang="pt-BR" b="0" i="0" smtClean="0">
+                          <a:latin typeface="Cambria Math" panose="02040503050406030204" pitchFamily="18" charset="0"/>
+                          <a:ea typeface="Cambria Math" panose="02040503050406030204" pitchFamily="18" charset="0"/>
+                        </a:rPr>
+                        <m:t>,</m:t>
+                      </m:r>
+                    </m:oMath>
+                  </m:oMathPara>
+                </a14:m>
+                <a:endParaRPr lang="pt-BR" dirty="0"/>
+              </a:p>
+              <a:p>
+                <a:pPr marL="0" indent="0">
+                  <a:buNone/>
+                </a:pPr>
+                <a:r>
+                  <a:rPr lang="pt-BR" dirty="0"/>
+                  <a:t>onde cada coluna contém um atributo (original ou combinação).</a:t>
+                </a:r>
+              </a:p>
+            </p:txBody>
+          </p:sp>
+        </mc:Choice>
+        <mc:Fallback xmlns="">
+          <p:sp>
+            <p:nvSpPr>
+              <p:cNvPr id="3" name="Espaço Reservado para Conteúdo 2">
+                <a:extLst>
+                  <a:ext uri="{FF2B5EF4-FFF2-40B4-BE49-F238E27FC236}">
+                    <a16:creationId xmlns:a16="http://schemas.microsoft.com/office/drawing/2014/main" id="{F2E5602A-661E-0742-2B1B-2D2F60E5F350}"/>
+                  </a:ext>
+                </a:extLst>
+              </p:cNvPr>
+              <p:cNvSpPr>
+                <a:spLocks noGrp="1" noRot="1" noChangeAspect="1" noMove="1" noResize="1" noEditPoints="1" noAdjustHandles="1" noChangeArrowheads="1" noChangeShapeType="1" noTextEdit="1"/>
+              </p:cNvSpPr>
+              <p:nvPr>
+                <p:ph idx="1"/>
+              </p:nvPr>
+            </p:nvSpPr>
+            <p:spPr>
+              <a:xfrm>
+                <a:off x="838199" y="1825624"/>
+                <a:ext cx="11213387" cy="5032375"/>
+              </a:xfrm>
+              <a:blipFill>
+                <a:blip r:embed="rId2"/>
+                <a:stretch>
+                  <a:fillRect l="-1087" t="-1937"/>
+                </a:stretch>
+              </a:blipFill>
+            </p:spPr>
+            <p:txBody>
+              <a:bodyPr/>
+              <a:lstStyle/>
+              <a:p>
+                <a:r>
+                  <a:rPr lang="pt-BR">
+                    <a:noFill/>
+                  </a:rPr>
+                  <a:t> </a:t>
+                </a:r>
+              </a:p>
+            </p:txBody>
+          </p:sp>
+        </mc:Fallback>
+      </mc:AlternateContent>
+      <p:sp>
+        <p:nvSpPr>
+          <p:cNvPr id="4" name="CaixaDeTexto 3">
+            <a:extLst>
+              <a:ext uri="{FF2B5EF4-FFF2-40B4-BE49-F238E27FC236}">
+                <a16:creationId xmlns:a16="http://schemas.microsoft.com/office/drawing/2014/main" id="{C03990FB-DFD6-B54B-2947-E7351CEAABCB}"/>
+              </a:ext>
+            </a:extLst>
+          </p:cNvPr>
+          <p:cNvSpPr txBox="1"/>
+          <p:nvPr/>
+        </p:nvSpPr>
+        <p:spPr>
+          <a:xfrm>
+            <a:off x="-1" y="6581000"/>
+            <a:ext cx="7643974" cy="276999"/>
+          </a:xfrm>
+          <a:prstGeom prst="rect">
+            <a:avLst/>
+          </a:prstGeom>
+          <a:noFill/>
+        </p:spPr>
+        <p:txBody>
+          <a:bodyPr wrap="square" rtlCol="0">
+            <a:spAutoFit/>
+          </a:bodyPr>
+          <a:lstStyle/>
+          <a:p>
+            <a:r>
+              <a:rPr lang="pt-BR" sz="1200" dirty="0"/>
+              <a:t>* A biblioteca </a:t>
+            </a:r>
+            <a:r>
+              <a:rPr lang="pt-BR" sz="1200" dirty="0" err="1"/>
+              <a:t>SciKit-Learn</a:t>
+            </a:r>
+            <a:r>
+              <a:rPr lang="pt-BR" sz="1200" dirty="0"/>
+              <a:t> possui uma função que cria essas matrizes automaticamente a partir dos atributos originais.</a:t>
+            </a:r>
+          </a:p>
+        </p:txBody>
+      </p:sp>
+    </p:spTree>
+    <p:extLst>
+      <p:ext uri="{BB962C8B-B14F-4D97-AF65-F5344CB8AC3E}">
+        <p14:creationId xmlns:p14="http://schemas.microsoft.com/office/powerpoint/2010/main" val="182555583"/>
+      </p:ext>
+    </p:extLst>
+  </p:cSld>
+  <p:clrMapOvr>
+    <a:masterClrMapping/>
+  </p:clrMapOvr>
+</p:sld>
+</file>
+
+<file path=ppt/slides/slide17.xml><?xml version="1.0" encoding="utf-8"?>
+<p:sld xmlns:a="http://schemas.openxmlformats.org/drawingml/2006/main" xmlns:r="http://schemas.openxmlformats.org/officeDocument/2006/relationships" xmlns:p="http://schemas.openxmlformats.org/presentationml/2006/main">
+  <p:cSld>
+    <p:spTree>
+      <p:nvGrpSpPr>
+        <p:cNvPr id="1" name=""/>
+        <p:cNvGrpSpPr/>
+        <p:nvPr/>
+      </p:nvGrpSpPr>
+      <p:grpSpPr>
+        <a:xfrm>
+          <a:off x="0" y="0"/>
+          <a:ext cx="0" cy="0"/>
+          <a:chOff x="0" y="0"/>
+          <a:chExt cx="0" cy="0"/>
+        </a:xfrm>
+      </p:grpSpPr>
+      <p:sp>
+        <p:nvSpPr>
+          <p:cNvPr id="3" name="Espaço Reservado para Conteúdo 2">
+            <a:extLst>
+              <a:ext uri="{FF2B5EF4-FFF2-40B4-BE49-F238E27FC236}">
+                <a16:creationId xmlns:a16="http://schemas.microsoft.com/office/drawing/2014/main" id="{F15B2C4D-3FEC-F7B1-1411-0CBBB1D67C76}"/>
+              </a:ext>
+            </a:extLst>
+          </p:cNvPr>
+          <p:cNvSpPr>
+            <a:spLocks noGrp="1"/>
+          </p:cNvSpPr>
+          <p:nvPr>
+            <p:ph idx="1"/>
+          </p:nvPr>
+        </p:nvSpPr>
+        <p:spPr>
+          <a:xfrm>
+            <a:off x="327060" y="2775003"/>
+            <a:ext cx="11537879" cy="1307993"/>
+          </a:xfrm>
+        </p:spPr>
+        <p:txBody>
+          <a:bodyPr>
+            <a:normAutofit/>
+          </a:bodyPr>
+          <a:lstStyle/>
+          <a:p>
+            <a:pPr marL="0" indent="0" algn="ctr">
+              <a:buNone/>
+            </a:pPr>
+            <a:r>
+              <a:rPr lang="pt-BR" sz="4000" dirty="0"/>
+              <a:t>Porém, o desafio agora é </a:t>
+            </a:r>
+            <a:r>
+              <a:rPr lang="pt-BR" sz="4000" b="1" i="1" dirty="0"/>
+              <a:t>encontrar a ordem do polinômio </a:t>
+            </a:r>
+            <a:r>
+              <a:rPr lang="pt-BR" sz="4000" dirty="0"/>
+              <a:t>que melhor aproxime os dados.</a:t>
+            </a:r>
+          </a:p>
+          <a:p>
+            <a:pPr algn="ctr"/>
+            <a:endParaRPr lang="pt-BR" sz="4000" dirty="0"/>
+          </a:p>
+        </p:txBody>
+      </p:sp>
+    </p:spTree>
+    <p:extLst>
+      <p:ext uri="{BB962C8B-B14F-4D97-AF65-F5344CB8AC3E}">
+        <p14:creationId xmlns:p14="http://schemas.microsoft.com/office/powerpoint/2010/main" val="1412317332"/>
+      </p:ext>
+    </p:extLst>
+  </p:cSld>
+  <p:clrMapOvr>
+    <a:masterClrMapping/>
+  </p:clrMapOvr>
+</p:sld>
+</file>
+
+<file path=ppt/slides/slide18.xml><?xml version="1.0" encoding="utf-8"?>
 <p:sld xmlns:a="http://schemas.openxmlformats.org/drawingml/2006/main" xmlns:r="http://schemas.openxmlformats.org/officeDocument/2006/relationships" xmlns:p="http://schemas.openxmlformats.org/presentationml/2006/main">
   <p:cSld>
     <p:spTree>
@@ -9488,106 +12692,11 @@
           <a:p>
             <a:r>
               <a:rPr lang="pt-BR" dirty="0"/>
-              <a:t>Regressão Polinomial: Exemplo</a:t>
+              <a:t>Exemplo de regressão usando polinômio</a:t>
             </a:r>
           </a:p>
         </p:txBody>
       </p:sp>
-      <p:pic>
-        <p:nvPicPr>
-          <p:cNvPr id="4" name="Picture 3"/>
-          <p:cNvPicPr>
-            <a:picLocks noChangeAspect="1"/>
-          </p:cNvPicPr>
-          <p:nvPr/>
-        </p:nvPicPr>
-        <p:blipFill rotWithShape="1">
-          <a:blip r:embed="rId2" cstate="print">
-            <a:extLst>
-              <a:ext uri="{28A0092B-C50C-407E-A947-70E740481C1C}">
-                <a14:useLocalDpi xmlns:a14="http://schemas.microsoft.com/office/drawing/2010/main" val="0"/>
-              </a:ext>
-            </a:extLst>
-          </a:blip>
-          <a:srcRect l="5555" t="10636" r="9649"/>
-          <a:stretch/>
-        </p:blipFill>
-        <p:spPr>
-          <a:xfrm>
-            <a:off x="7700210" y="2323393"/>
-            <a:ext cx="4443663" cy="3122059"/>
-          </a:xfrm>
-          <a:prstGeom prst="rect">
-            <a:avLst/>
-          </a:prstGeom>
-        </p:spPr>
-      </p:pic>
-      <p:sp>
-        <p:nvSpPr>
-          <p:cNvPr id="5" name="TextBox 4"/>
-          <p:cNvSpPr txBox="1"/>
-          <p:nvPr/>
-        </p:nvSpPr>
-        <p:spPr>
-          <a:xfrm>
-            <a:off x="7772400" y="1705176"/>
-            <a:ext cx="4371473" cy="369332"/>
-          </a:xfrm>
-          <a:prstGeom prst="rect">
-            <a:avLst/>
-          </a:prstGeom>
-          <a:noFill/>
-        </p:spPr>
-        <p:txBody>
-          <a:bodyPr wrap="square" rtlCol="0">
-            <a:spAutoFit/>
-          </a:bodyPr>
-          <a:lstStyle/>
-          <a:p>
-            <a:pPr algn="ctr"/>
-            <a:r>
-              <a:rPr lang="pt-BR" b="1" dirty="0"/>
-              <a:t>Função objetivo: polinômio de ordem 2.</a:t>
-            </a:r>
-          </a:p>
-        </p:txBody>
-      </p:sp>
-      <p:cxnSp>
-        <p:nvCxnSpPr>
-          <p:cNvPr id="7" name="Straight Arrow Connector 6"/>
-          <p:cNvCxnSpPr/>
-          <p:nvPr/>
-        </p:nvCxnSpPr>
-        <p:spPr>
-          <a:xfrm>
-            <a:off x="9922041" y="2074508"/>
-            <a:ext cx="621471" cy="1559995"/>
-          </a:xfrm>
-          <a:prstGeom prst="straightConnector1">
-            <a:avLst/>
-          </a:prstGeom>
-          <a:ln w="28575">
-            <a:solidFill>
-              <a:srgbClr val="FF0000"/>
-            </a:solidFill>
-            <a:tailEnd type="triangle"/>
-          </a:ln>
-        </p:spPr>
-        <p:style>
-          <a:lnRef idx="1">
-            <a:schemeClr val="accent1"/>
-          </a:lnRef>
-          <a:fillRef idx="0">
-            <a:schemeClr val="accent1"/>
-          </a:fillRef>
-          <a:effectRef idx="0">
-            <a:schemeClr val="accent1"/>
-          </a:effectRef>
-          <a:fontRef idx="minor">
-            <a:schemeClr val="tx1"/>
-          </a:fontRef>
-        </p:style>
-      </p:cxnSp>
       <mc:AlternateContent xmlns:mc="http://schemas.openxmlformats.org/markup-compatibility/2006" xmlns:a14="http://schemas.microsoft.com/office/drawing/2010/main">
         <mc:Choice Requires="a14">
           <p:sp>
@@ -9602,13 +12711,13 @@
             </p:nvSpPr>
             <p:spPr>
               <a:xfrm>
-                <a:off x="838199" y="1825625"/>
-                <a:ext cx="7153657" cy="5032375"/>
+                <a:off x="5266919" y="1825625"/>
+                <a:ext cx="6825766" cy="5032375"/>
               </a:xfrm>
             </p:spPr>
             <p:txBody>
               <a:bodyPr>
-                <a:normAutofit fontScale="92500" lnSpcReduction="10000"/>
+                <a:normAutofit fontScale="92500" lnSpcReduction="20000"/>
               </a:bodyPr>
               <a:lstStyle/>
               <a:p>
@@ -10170,12 +13279,36 @@
                   <a:t>Vamos usar uma </a:t>
                 </a:r>
                 <a:r>
-                  <a:rPr lang="pt-BR" b="1" i="1" dirty="0"/>
+                  <a:rPr lang="pt-BR" b="1" i="1" dirty="0">
+                    <a:solidFill>
+                      <a:srgbClr val="00B050"/>
+                    </a:solidFill>
+                  </a:rPr>
                   <a:t>função hipótese polinomial</a:t>
                 </a:r>
                 <a:r>
+                  <a:rPr lang="pt-BR" dirty="0">
+                    <a:solidFill>
+                      <a:srgbClr val="00B050"/>
+                    </a:solidFill>
+                  </a:rPr>
+                  <a:t> </a:t>
+                </a:r>
+                <a:r>
                   <a:rPr lang="pt-BR" dirty="0"/>
-                  <a:t> para aproximar a função objetivo. </a:t>
+                  <a:t>para </a:t>
+                </a:r>
+                <a:r>
+                  <a:rPr lang="pt-BR" b="1" i="1" dirty="0">
+                    <a:solidFill>
+                      <a:srgbClr val="0070C0"/>
+                    </a:solidFill>
+                  </a:rPr>
+                  <a:t>aproximar a função objetivo a partir dos dados ruidosos</a:t>
+                </a:r>
+                <a:r>
+                  <a:rPr lang="pt-BR" dirty="0"/>
+                  <a:t>. </a:t>
                 </a:r>
               </a:p>
               <a:p>
@@ -10184,7 +13317,11 @@
                   <a:t>Porém, surge uma dúvida, </a:t>
                 </a:r>
                 <a:r>
-                  <a:rPr lang="pt-BR" b="1" i="1" dirty="0"/>
+                  <a:rPr lang="pt-BR" b="1" i="1" dirty="0">
+                    <a:solidFill>
+                      <a:srgbClr val="7030A0"/>
+                    </a:solidFill>
+                  </a:rPr>
                   <a:t>e se não soubéssemos a ordem por trás do modelo gerador, qual ordem deveríamos utilizar</a:t>
                 </a:r>
                 <a:r>
@@ -10208,13 +13345,13 @@
             </p:nvSpPr>
             <p:spPr>
               <a:xfrm>
-                <a:off x="838199" y="1825625"/>
-                <a:ext cx="7153657" cy="5032375"/>
+                <a:off x="5266919" y="1825625"/>
+                <a:ext cx="6825766" cy="5032375"/>
               </a:xfrm>
-              <a:blipFill rotWithShape="0">
+              <a:blipFill>
                 <a:blip r:embed="rId3"/>
                 <a:stretch>
-                  <a:fillRect l="-1448" t="-2421" r="-1959"/>
+                  <a:fillRect l="-1607" t="-3027"/>
                 </a:stretch>
               </a:blipFill>
             </p:spPr>
@@ -10233,15 +13370,134 @@
           </p:sp>
         </mc:Fallback>
       </mc:AlternateContent>
+      <p:pic>
+        <p:nvPicPr>
+          <p:cNvPr id="9" name="Picture 3">
+            <a:extLst>
+              <a:ext uri="{FF2B5EF4-FFF2-40B4-BE49-F238E27FC236}">
+                <a16:creationId xmlns:a16="http://schemas.microsoft.com/office/drawing/2014/main" id="{971277B8-D9BF-FD6D-F46B-8292E2CBD348}"/>
+              </a:ext>
+            </a:extLst>
+          </p:cNvPr>
+          <p:cNvPicPr>
+            <a:picLocks noChangeAspect="1"/>
+          </p:cNvPicPr>
+          <p:nvPr/>
+        </p:nvPicPr>
+        <p:blipFill rotWithShape="1">
+          <a:blip r:embed="rId4" cstate="print">
+            <a:extLst>
+              <a:ext uri="{28A0092B-C50C-407E-A947-70E740481C1C}">
+                <a14:useLocalDpi xmlns:a14="http://schemas.microsoft.com/office/drawing/2010/main" val="0"/>
+              </a:ext>
+            </a:extLst>
+          </a:blip>
+          <a:srcRect l="5555" t="10636" r="9649"/>
+          <a:stretch/>
+        </p:blipFill>
+        <p:spPr>
+          <a:xfrm>
+            <a:off x="273976" y="2549424"/>
+            <a:ext cx="4443663" cy="3122059"/>
+          </a:xfrm>
+          <a:prstGeom prst="rect">
+            <a:avLst/>
+          </a:prstGeom>
+        </p:spPr>
+      </p:pic>
       <p:sp>
         <p:nvSpPr>
-          <p:cNvPr id="6" name="CaixaDeTexto 5"/>
+          <p:cNvPr id="10" name="TextBox 4">
+            <a:extLst>
+              <a:ext uri="{FF2B5EF4-FFF2-40B4-BE49-F238E27FC236}">
+                <a16:creationId xmlns:a16="http://schemas.microsoft.com/office/drawing/2014/main" id="{A9A5F38D-44C1-F6DE-B3D9-D2EED54CAD37}"/>
+              </a:ext>
+            </a:extLst>
+          </p:cNvPr>
           <p:cNvSpPr txBox="1"/>
           <p:nvPr/>
         </p:nvSpPr>
         <p:spPr>
           <a:xfrm>
-            <a:off x="7991856" y="5413062"/>
+            <a:off x="346166" y="1931207"/>
+            <a:ext cx="4371473" cy="369332"/>
+          </a:xfrm>
+          <a:prstGeom prst="rect">
+            <a:avLst/>
+          </a:prstGeom>
+          <a:noFill/>
+        </p:spPr>
+        <p:txBody>
+          <a:bodyPr wrap="square" rtlCol="0">
+            <a:spAutoFit/>
+          </a:bodyPr>
+          <a:lstStyle/>
+          <a:p>
+            <a:pPr algn="ctr"/>
+            <a:r>
+              <a:rPr lang="pt-BR" b="1" dirty="0"/>
+              <a:t>Função objetivo: polinômio de ordem 2.</a:t>
+            </a:r>
+          </a:p>
+        </p:txBody>
+      </p:sp>
+      <p:cxnSp>
+        <p:nvCxnSpPr>
+          <p:cNvPr id="11" name="Straight Arrow Connector 6">
+            <a:extLst>
+              <a:ext uri="{FF2B5EF4-FFF2-40B4-BE49-F238E27FC236}">
+                <a16:creationId xmlns:a16="http://schemas.microsoft.com/office/drawing/2014/main" id="{FE18B37C-4DAB-978C-11D8-ECF1DB98356C}"/>
+              </a:ext>
+            </a:extLst>
+          </p:cNvPr>
+          <p:cNvCxnSpPr/>
+          <p:nvPr/>
+        </p:nvCxnSpPr>
+        <p:spPr>
+          <a:xfrm>
+            <a:off x="2495807" y="2300539"/>
+            <a:ext cx="621471" cy="1559995"/>
+          </a:xfrm>
+          <a:prstGeom prst="straightConnector1">
+            <a:avLst/>
+          </a:prstGeom>
+          <a:ln w="28575">
+            <a:solidFill>
+              <a:srgbClr val="FF0000"/>
+            </a:solidFill>
+            <a:tailEnd type="triangle"/>
+          </a:ln>
+        </p:spPr>
+        <p:style>
+          <a:lnRef idx="1">
+            <a:schemeClr val="accent1"/>
+          </a:lnRef>
+          <a:fillRef idx="0">
+            <a:schemeClr val="accent1"/>
+          </a:fillRef>
+          <a:effectRef idx="0">
+            <a:schemeClr val="accent1"/>
+          </a:effectRef>
+          <a:fontRef idx="minor">
+            <a:schemeClr val="tx1"/>
+          </a:fontRef>
+        </p:style>
+      </p:cxnSp>
+      <p:sp>
+        <p:nvSpPr>
+          <p:cNvPr id="12" name="CaixaDeTexto 11">
+            <a:extLst>
+              <a:ext uri="{FF2B5EF4-FFF2-40B4-BE49-F238E27FC236}">
+                <a16:creationId xmlns:a16="http://schemas.microsoft.com/office/drawing/2014/main" id="{2C015F85-7637-66CE-ABF7-0C37F66DA5C8}"/>
+              </a:ext>
+            </a:extLst>
+          </p:cNvPr>
+          <p:cNvSpPr txBox="1"/>
+          <p:nvPr/>
+        </p:nvSpPr>
+        <p:spPr>
+          <a:xfrm>
+            <a:off x="565622" y="5639093"/>
             <a:ext cx="4152017" cy="738664"/>
           </a:xfrm>
           <a:prstGeom prst="rect">
@@ -10265,7 +13521,13 @@
       </p:sp>
       <p:sp>
         <p:nvSpPr>
-          <p:cNvPr id="8" name="TextBox 13"/>
+          <p:cNvPr id="13" name="TextBox 13">
+            <a:extLst>
+              <a:ext uri="{FF2B5EF4-FFF2-40B4-BE49-F238E27FC236}">
+                <a16:creationId xmlns:a16="http://schemas.microsoft.com/office/drawing/2014/main" id="{6E8860D6-1DCD-8BBB-4C2B-1DA9B54D81F7}"/>
+              </a:ext>
+            </a:extLst>
+          </p:cNvPr>
           <p:cNvSpPr txBox="1"/>
           <p:nvPr/>
         </p:nvSpPr>
@@ -10291,7 +13553,7 @@
                 <a:solidFill>
                   <a:srgbClr val="00B0F0"/>
                 </a:solidFill>
-                <a:hlinkClick r:id="rId4"/>
+                <a:hlinkClick r:id="rId5"/>
               </a:rPr>
               <a:t>Exemplo: polynomial_regression.ipynb</a:t>
             </a:r>
@@ -10316,7 +13578,7 @@
 </p:sld>
 </file>
 
-<file path=ppt/slides/slide17.xml><?xml version="1.0" encoding="utf-8"?>
+<file path=ppt/slides/slide19.xml><?xml version="1.0" encoding="utf-8"?>
 <p:sld xmlns:a="http://schemas.openxmlformats.org/drawingml/2006/main" xmlns:r="http://schemas.openxmlformats.org/officeDocument/2006/relationships" xmlns:p="http://schemas.openxmlformats.org/presentationml/2006/main">
   <p:cSld>
     <p:spTree>
@@ -10335,7 +13597,13 @@
       </p:grpSpPr>
       <p:sp>
         <p:nvSpPr>
-          <p:cNvPr id="2" name="Title 1"/>
+          <p:cNvPr id="2" name="Título 1">
+            <a:extLst>
+              <a:ext uri="{FF2B5EF4-FFF2-40B4-BE49-F238E27FC236}">
+                <a16:creationId xmlns:a16="http://schemas.microsoft.com/office/drawing/2014/main" id="{DD5EE20E-C2CA-1D41-604C-AA0081D648FE}"/>
+              </a:ext>
+            </a:extLst>
+          </p:cNvPr>
           <p:cNvSpPr>
             <a:spLocks noGrp="1"/>
           </p:cNvSpPr>
@@ -10343,26 +13611,27 @@
             <p:ph type="title"/>
           </p:nvPr>
         </p:nvSpPr>
-        <p:spPr>
-          <a:xfrm>
-            <a:off x="838200" y="113126"/>
-            <a:ext cx="10515600" cy="892156"/>
-          </a:xfrm>
-        </p:spPr>
+        <p:spPr/>
         <p:txBody>
           <a:bodyPr/>
           <a:lstStyle/>
           <a:p>
             <a:r>
               <a:rPr lang="pt-BR" dirty="0"/>
-              <a:t>Regressão Polinomial: Qual ordem usar?</a:t>
+              <a:t>Regressão polinomial: Qual ordem usar?</a:t>
             </a:r>
           </a:p>
         </p:txBody>
       </p:sp>
       <p:sp>
         <p:nvSpPr>
-          <p:cNvPr id="3" name="Content Placeholder 2"/>
+          <p:cNvPr id="3" name="Espaço Reservado para Conteúdo 2">
+            <a:extLst>
+              <a:ext uri="{FF2B5EF4-FFF2-40B4-BE49-F238E27FC236}">
+                <a16:creationId xmlns:a16="http://schemas.microsoft.com/office/drawing/2014/main" id="{CBDA6684-E210-0E4A-BDB4-331FAEBDE571}"/>
+              </a:ext>
+            </a:extLst>
+          </p:cNvPr>
           <p:cNvSpPr>
             <a:spLocks noGrp="1"/>
           </p:cNvSpPr>
@@ -10372,13 +13641,13 @@
         </p:nvSpPr>
         <p:spPr>
           <a:xfrm>
-            <a:off x="822702" y="3938275"/>
-            <a:ext cx="11353800" cy="2919725"/>
+            <a:off x="5465852" y="1825624"/>
+            <a:ext cx="6534364" cy="5032375"/>
           </a:xfrm>
         </p:spPr>
         <p:txBody>
           <a:bodyPr>
-            <a:normAutofit fontScale="85000" lnSpcReduction="20000"/>
+            <a:normAutofit/>
           </a:bodyPr>
           <a:lstStyle/>
           <a:p>
@@ -10429,55 +13698,19 @@
             <a:r>
               <a:rPr lang="pt-BR" dirty="0"/>
               <a:t> muito baixos.</a:t>
-            </a:r>
-          </a:p>
-          <a:p>
-            <a:r>
-              <a:rPr lang="pt-BR" dirty="0"/>
-              <a:t>Porém, como esperado, o polinômio de ordem 2 produz a melhor aproximação dos dados, errando pouco para exemplos de treinamento e validação.</a:t>
-            </a:r>
-          </a:p>
-          <a:p>
-            <a:pPr lvl="1">
-              <a:buFont typeface="Wingdings" panose="05000000000000000000" pitchFamily="2" charset="2"/>
-              <a:buChar char="§"/>
-            </a:pPr>
-            <a:r>
-              <a:rPr lang="pt-BR" dirty="0"/>
-              <a:t>Esse modelo encontra uma relação de compromisso entre </a:t>
-            </a:r>
-            <a:r>
-              <a:rPr lang="pt-BR" b="1" i="1" dirty="0"/>
-              <a:t>flexibilidade</a:t>
-            </a:r>
-            <a:r>
-              <a:rPr lang="pt-BR" dirty="0"/>
-              <a:t> e </a:t>
-            </a:r>
-            <a:r>
-              <a:rPr lang="pt-BR" b="1" i="1" dirty="0"/>
-              <a:t>grau de generalização</a:t>
-            </a:r>
-            <a:r>
-              <a:rPr lang="pt-BR" dirty="0"/>
-              <a:t>.</a:t>
-            </a:r>
-          </a:p>
-          <a:p>
-            <a:pPr lvl="1">
-              <a:buFont typeface="Wingdings" panose="05000000000000000000" pitchFamily="2" charset="2"/>
-              <a:buChar char="§"/>
-            </a:pPr>
-            <a:r>
-              <a:rPr lang="pt-BR" dirty="0"/>
-              <a:t>Essa aproximação será melhor quanto maior for o conjunto de treinamento e/ou menor o ruído.</a:t>
             </a:r>
           </a:p>
         </p:txBody>
       </p:sp>
       <p:pic>
         <p:nvPicPr>
-          <p:cNvPr id="5" name="Picture 4"/>
+          <p:cNvPr id="4" name="Picture 4">
+            <a:extLst>
+              <a:ext uri="{FF2B5EF4-FFF2-40B4-BE49-F238E27FC236}">
+                <a16:creationId xmlns:a16="http://schemas.microsoft.com/office/drawing/2014/main" id="{24B47E99-C3FF-F680-1481-32D81E515417}"/>
+              </a:ext>
+            </a:extLst>
+          </p:cNvPr>
           <p:cNvPicPr>
             <a:picLocks noChangeAspect="1"/>
           </p:cNvPicPr>
@@ -10496,37 +13729,8 @@
         </p:blipFill>
         <p:spPr>
           <a:xfrm>
-            <a:off x="904266" y="1148280"/>
+            <a:off x="308365" y="2833242"/>
             <a:ext cx="2775469" cy="2785007"/>
-          </a:xfrm>
-          <a:prstGeom prst="rect">
-            <a:avLst/>
-          </a:prstGeom>
-        </p:spPr>
-      </p:pic>
-      <p:pic>
-        <p:nvPicPr>
-          <p:cNvPr id="6" name="Picture 5"/>
-          <p:cNvPicPr>
-            <a:picLocks noChangeAspect="1"/>
-          </p:cNvPicPr>
-          <p:nvPr/>
-        </p:nvPicPr>
-        <p:blipFill rotWithShape="1">
-          <a:blip r:embed="rId4" cstate="print">
-            <a:extLst>
-              <a:ext uri="{28A0092B-C50C-407E-A947-70E740481C1C}">
-                <a14:useLocalDpi xmlns:a14="http://schemas.microsoft.com/office/drawing/2010/main" val="0"/>
-              </a:ext>
-            </a:extLst>
-          </a:blip>
-          <a:srcRect l="5782" t="11298" r="9378" b="3571"/>
-          <a:stretch/>
-        </p:blipFill>
-        <p:spPr>
-          <a:xfrm>
-            <a:off x="8956954" y="1207648"/>
-            <a:ext cx="2713277" cy="2722601"/>
           </a:xfrm>
           <a:prstGeom prst="rect">
             <a:avLst/>
@@ -10535,13 +13739,19 @@
       </p:pic>
       <p:sp>
         <p:nvSpPr>
-          <p:cNvPr id="7" name="TextBox 6"/>
+          <p:cNvPr id="5" name="TextBox 6">
+            <a:extLst>
+              <a:ext uri="{FF2B5EF4-FFF2-40B4-BE49-F238E27FC236}">
+                <a16:creationId xmlns:a16="http://schemas.microsoft.com/office/drawing/2014/main" id="{E00C4409-6F95-86ED-2C62-0A54530E8387}"/>
+              </a:ext>
+            </a:extLst>
+          </p:cNvPr>
           <p:cNvSpPr txBox="1"/>
           <p:nvPr/>
         </p:nvSpPr>
         <p:spPr>
           <a:xfrm>
-            <a:off x="3679735" y="1132127"/>
+            <a:off x="3083834" y="2817089"/>
             <a:ext cx="2196510" cy="738664"/>
           </a:xfrm>
           <a:prstGeom prst="rect">
@@ -10565,15 +13775,21 @@
       </p:sp>
       <p:cxnSp>
         <p:nvCxnSpPr>
-          <p:cNvPr id="8" name="Straight Arrow Connector 7"/>
+          <p:cNvPr id="6" name="Straight Arrow Connector 7">
+            <a:extLst>
+              <a:ext uri="{FF2B5EF4-FFF2-40B4-BE49-F238E27FC236}">
+                <a16:creationId xmlns:a16="http://schemas.microsoft.com/office/drawing/2014/main" id="{D1840F50-38E1-D02F-F2C7-B39CE2D56437}"/>
+              </a:ext>
+            </a:extLst>
+          </p:cNvPr>
           <p:cNvCxnSpPr>
-            <a:stCxn id="7" idx="2"/>
+            <a:stCxn id="5" idx="2"/>
           </p:cNvCxnSpPr>
           <p:nvPr/>
         </p:nvCxnSpPr>
         <p:spPr>
           <a:xfrm flipH="1">
-            <a:off x="3239311" y="1870791"/>
+            <a:off x="2643410" y="3555753"/>
             <a:ext cx="1538679" cy="386026"/>
           </a:xfrm>
           <a:prstGeom prst="straightConnector1">
@@ -10603,81 +13819,19 @@
       </p:cxnSp>
       <p:sp>
         <p:nvSpPr>
-          <p:cNvPr id="11" name="TextBox 10"/>
+          <p:cNvPr id="7" name="TextBox 15">
+            <a:extLst>
+              <a:ext uri="{FF2B5EF4-FFF2-40B4-BE49-F238E27FC236}">
+                <a16:creationId xmlns:a16="http://schemas.microsoft.com/office/drawing/2014/main" id="{268CC806-853F-CD82-ACC2-8374178A8EDC}"/>
+              </a:ext>
+            </a:extLst>
+          </p:cNvPr>
           <p:cNvSpPr txBox="1"/>
           <p:nvPr/>
         </p:nvSpPr>
         <p:spPr>
           <a:xfrm>
-            <a:off x="7231290" y="1243128"/>
-            <a:ext cx="1579334" cy="738664"/>
-          </a:xfrm>
-          <a:prstGeom prst="rect">
-            <a:avLst/>
-          </a:prstGeom>
-          <a:noFill/>
-        </p:spPr>
-        <p:txBody>
-          <a:bodyPr wrap="square" rtlCol="0">
-            <a:spAutoFit/>
-          </a:bodyPr>
-          <a:lstStyle/>
-          <a:p>
-            <a:pPr algn="ctr"/>
-            <a:r>
-              <a:rPr lang="pt-BR" sz="1400" dirty="0"/>
-              <a:t>Ordem ótima pois é a mesma do modelo gerador.</a:t>
-            </a:r>
-          </a:p>
-        </p:txBody>
-      </p:sp>
-      <p:cxnSp>
-        <p:nvCxnSpPr>
-          <p:cNvPr id="12" name="Straight Arrow Connector 11"/>
-          <p:cNvCxnSpPr>
-            <a:stCxn id="11" idx="2"/>
-          </p:cNvCxnSpPr>
-          <p:nvPr/>
-        </p:nvCxnSpPr>
-        <p:spPr>
-          <a:xfrm>
-            <a:off x="8020957" y="1981792"/>
-            <a:ext cx="2842458" cy="684436"/>
-          </a:xfrm>
-          <a:prstGeom prst="straightConnector1">
-            <a:avLst/>
-          </a:prstGeom>
-          <a:ln w="28575">
-            <a:solidFill>
-              <a:srgbClr val="FF0000"/>
-            </a:solidFill>
-            <a:tailEnd type="triangle"/>
-          </a:ln>
-        </p:spPr>
-        <p:style>
-          <a:lnRef idx="1">
-            <a:schemeClr val="accent1"/>
-          </a:lnRef>
-          <a:fillRef idx="0">
-            <a:schemeClr val="accent1"/>
-          </a:fillRef>
-          <a:effectRef idx="0">
-            <a:schemeClr val="accent1"/>
-          </a:effectRef>
-          <a:fontRef idx="minor">
-            <a:schemeClr val="tx1"/>
-          </a:fontRef>
-        </p:style>
-      </p:cxnSp>
-      <p:sp>
-        <p:nvSpPr>
-          <p:cNvPr id="16" name="TextBox 15"/>
-          <p:cNvSpPr txBox="1"/>
-          <p:nvPr/>
-        </p:nvSpPr>
-        <p:spPr>
-          <a:xfrm>
-            <a:off x="1099226" y="877998"/>
+            <a:off x="503325" y="2562960"/>
             <a:ext cx="2549923" cy="338554"/>
           </a:xfrm>
           <a:prstGeom prst="rect">
@@ -10701,43 +13855,19 @@
       </p:sp>
       <p:sp>
         <p:nvSpPr>
-          <p:cNvPr id="17" name="TextBox 16"/>
+          <p:cNvPr id="8" name="TextBox 20">
+            <a:extLst>
+              <a:ext uri="{FF2B5EF4-FFF2-40B4-BE49-F238E27FC236}">
+                <a16:creationId xmlns:a16="http://schemas.microsoft.com/office/drawing/2014/main" id="{6F6299EA-56C9-1B0F-17CF-8BF460C786E5}"/>
+              </a:ext>
+            </a:extLst>
+          </p:cNvPr>
           <p:cNvSpPr txBox="1"/>
           <p:nvPr/>
         </p:nvSpPr>
         <p:spPr>
           <a:xfrm>
-            <a:off x="9153728" y="865570"/>
-            <a:ext cx="2516503" cy="338554"/>
-          </a:xfrm>
-          <a:prstGeom prst="rect">
-            <a:avLst/>
-          </a:prstGeom>
-          <a:noFill/>
-        </p:spPr>
-        <p:txBody>
-          <a:bodyPr wrap="square" rtlCol="0">
-            <a:spAutoFit/>
-          </a:bodyPr>
-          <a:lstStyle/>
-          <a:p>
-            <a:pPr algn="ctr"/>
-            <a:r>
-              <a:rPr lang="pt-BR" sz="1600" dirty="0"/>
-              <a:t>Polinômio de ordem 2.</a:t>
-            </a:r>
-          </a:p>
-        </p:txBody>
-      </p:sp>
-      <p:sp>
-        <p:nvSpPr>
-          <p:cNvPr id="21" name="TextBox 20"/>
-          <p:cNvSpPr txBox="1"/>
-          <p:nvPr/>
-        </p:nvSpPr>
-        <p:spPr>
-          <a:xfrm>
-            <a:off x="3649149" y="2580960"/>
+            <a:off x="3053248" y="4265922"/>
             <a:ext cx="1852749" cy="830997"/>
           </a:xfrm>
           <a:prstGeom prst="rect">
@@ -10771,673 +13901,10 @@
           </a:p>
         </p:txBody>
       </p:sp>
-      <p:sp>
-        <p:nvSpPr>
-          <p:cNvPr id="22" name="TextBox 21"/>
-          <p:cNvSpPr txBox="1"/>
-          <p:nvPr/>
-        </p:nvSpPr>
-        <p:spPr>
-          <a:xfrm>
-            <a:off x="5876245" y="2619476"/>
-            <a:ext cx="3149874" cy="1077218"/>
-          </a:xfrm>
-          <a:prstGeom prst="rect">
-            <a:avLst/>
-          </a:prstGeom>
-          <a:noFill/>
-        </p:spPr>
-        <p:txBody>
-          <a:bodyPr wrap="square" rtlCol="0">
-            <a:spAutoFit/>
-          </a:bodyPr>
-          <a:lstStyle/>
-          <a:p>
-            <a:pPr algn="ctr"/>
-            <a:r>
-              <a:rPr lang="pt-BR" sz="1600" dirty="0"/>
-              <a:t>Encontra relação de compromisso entre </a:t>
-            </a:r>
-            <a:r>
-              <a:rPr lang="pt-BR" sz="1600" b="1" dirty="0"/>
-              <a:t>flexibilidade</a:t>
-            </a:r>
-            <a:r>
-              <a:rPr lang="pt-BR" sz="1600" dirty="0"/>
-              <a:t> e </a:t>
-            </a:r>
-            <a:r>
-              <a:rPr lang="pt-BR" sz="1600" b="1" dirty="0"/>
-              <a:t>generalização</a:t>
-            </a:r>
-            <a:r>
-              <a:rPr lang="pt-BR" sz="1600" dirty="0"/>
-              <a:t>:</a:t>
-            </a:r>
-            <a:r>
-              <a:rPr lang="pt-BR" sz="1600" b="1" dirty="0"/>
-              <a:t> </a:t>
-            </a:r>
-            <a:endParaRPr lang="pt-BR" sz="1600" dirty="0"/>
-          </a:p>
-          <a:p>
-            <a:pPr algn="ctr"/>
-            <a:r>
-              <a:rPr lang="pt-BR" sz="1600" b="1" dirty="0"/>
-              <a:t>flexibilidade</a:t>
-            </a:r>
-            <a:r>
-              <a:rPr lang="pt-BR" sz="1600" dirty="0"/>
-              <a:t> e </a:t>
-            </a:r>
-            <a:r>
-              <a:rPr lang="pt-BR" sz="1600" b="1" dirty="0"/>
-              <a:t>grau de generalização</a:t>
-            </a:r>
-            <a:r>
-              <a:rPr lang="pt-BR" sz="1600" dirty="0"/>
-              <a:t> médios.</a:t>
-            </a:r>
-          </a:p>
-        </p:txBody>
-      </p:sp>
     </p:spTree>
     <p:extLst>
       <p:ext uri="{BB962C8B-B14F-4D97-AF65-F5344CB8AC3E}">
-        <p14:creationId xmlns:p14="http://schemas.microsoft.com/office/powerpoint/2010/main" val="2726710993"/>
-      </p:ext>
-    </p:extLst>
-  </p:cSld>
-  <p:clrMapOvr>
-    <a:masterClrMapping/>
-  </p:clrMapOvr>
-</p:sld>
-</file>
-
-<file path=ppt/slides/slide18.xml><?xml version="1.0" encoding="utf-8"?>
-<p:sld xmlns:a="http://schemas.openxmlformats.org/drawingml/2006/main" xmlns:r="http://schemas.openxmlformats.org/officeDocument/2006/relationships" xmlns:p="http://schemas.openxmlformats.org/presentationml/2006/main">
-  <p:cSld>
-    <p:spTree>
-      <p:nvGrpSpPr>
-        <p:cNvPr id="1" name=""/>
-        <p:cNvGrpSpPr/>
-        <p:nvPr/>
-      </p:nvGrpSpPr>
-      <p:grpSpPr>
-        <a:xfrm>
-          <a:off x="0" y="0"/>
-          <a:ext cx="0" cy="0"/>
-          <a:chOff x="0" y="0"/>
-          <a:chExt cx="0" cy="0"/>
-        </a:xfrm>
-      </p:grpSpPr>
-      <p:sp>
-        <p:nvSpPr>
-          <p:cNvPr id="2" name="Title 1"/>
-          <p:cNvSpPr>
-            <a:spLocks noGrp="1"/>
-          </p:cNvSpPr>
-          <p:nvPr>
-            <p:ph type="title"/>
-          </p:nvPr>
-        </p:nvSpPr>
-        <p:spPr>
-          <a:xfrm>
-            <a:off x="838200" y="55166"/>
-            <a:ext cx="10515600" cy="1018984"/>
-          </a:xfrm>
-        </p:spPr>
-        <p:txBody>
-          <a:bodyPr/>
-          <a:lstStyle/>
-          <a:p>
-            <a:r>
-              <a:rPr lang="pt-BR" dirty="0"/>
-              <a:t>Regressão Polinomial: Qual ordem usar?</a:t>
-            </a:r>
-          </a:p>
-        </p:txBody>
-      </p:sp>
-      <p:sp>
-        <p:nvSpPr>
-          <p:cNvPr id="3" name="Content Placeholder 2"/>
-          <p:cNvSpPr>
-            <a:spLocks noGrp="1"/>
-          </p:cNvSpPr>
-          <p:nvPr>
-            <p:ph idx="1"/>
-          </p:nvPr>
-        </p:nvSpPr>
-        <p:spPr>
-          <a:xfrm>
-            <a:off x="838199" y="4153546"/>
-            <a:ext cx="11179630" cy="2692119"/>
-          </a:xfrm>
-        </p:spPr>
-        <p:txBody>
-          <a:bodyPr>
-            <a:normAutofit fontScale="85000" lnSpcReduction="10000"/>
-          </a:bodyPr>
-          <a:lstStyle/>
-          <a:p>
-            <a:r>
-              <a:rPr lang="pt-BR" dirty="0"/>
-              <a:t>Polinômios com ordem &gt; 2 tendem a produzir </a:t>
-            </a:r>
-            <a:r>
-              <a:rPr lang="pt-BR" b="1" i="1" dirty="0"/>
-              <a:t>aproximações perfeitas </a:t>
-            </a:r>
-            <a:r>
-              <a:rPr lang="pt-BR" dirty="0"/>
-              <a:t>dos exemplos disponíveis, ou seja, o modelo acaba </a:t>
-            </a:r>
-            <a:r>
-              <a:rPr lang="pt-BR" b="1" i="1" dirty="0"/>
-              <a:t>memorizando</a:t>
-            </a:r>
-            <a:r>
-              <a:rPr lang="pt-BR" dirty="0"/>
-              <a:t> os exemplos de treinamento.</a:t>
-            </a:r>
-          </a:p>
-          <a:p>
-            <a:r>
-              <a:rPr lang="pt-BR" dirty="0"/>
-              <a:t>Porém, essa aproximação se distancia bastante do modelo gerador.</a:t>
-            </a:r>
-          </a:p>
-          <a:p>
-            <a:r>
-              <a:rPr lang="pt-BR" dirty="0"/>
-              <a:t>Portanto, esses modelos apresentarão </a:t>
-            </a:r>
-            <a:r>
-              <a:rPr lang="pt-BR" b="1" i="1" dirty="0"/>
-              <a:t>erros significativamente maiores </a:t>
-            </a:r>
-            <a:r>
-              <a:rPr lang="pt-BR" dirty="0"/>
-              <a:t>quando forem apresentados a exemplos de validação (i.e., dados não vistos durante o treinamento).</a:t>
-            </a:r>
-          </a:p>
-          <a:p>
-            <a:r>
-              <a:rPr lang="pt-BR" dirty="0"/>
-              <a:t>Efeito conhecido como </a:t>
-            </a:r>
-            <a:r>
-              <a:rPr lang="pt-BR" b="1" i="1" dirty="0"/>
-              <a:t>sobreajuste</a:t>
-            </a:r>
-            <a:r>
-              <a:rPr lang="pt-BR" dirty="0"/>
-              <a:t> ou </a:t>
-            </a:r>
-            <a:r>
-              <a:rPr lang="pt-BR" b="1" i="1" dirty="0"/>
-              <a:t>overfitting</a:t>
-            </a:r>
-            <a:r>
-              <a:rPr lang="pt-BR" dirty="0"/>
-              <a:t>: </a:t>
-            </a:r>
-            <a:r>
-              <a:rPr lang="pt-BR" b="1" i="1" dirty="0"/>
-              <a:t>flexibilidade</a:t>
-            </a:r>
-            <a:r>
-              <a:rPr lang="pt-BR" dirty="0"/>
-              <a:t> muito alta e </a:t>
-            </a:r>
-            <a:r>
-              <a:rPr lang="pt-BR" b="1" i="1" dirty="0"/>
-              <a:t>grau de generalização</a:t>
-            </a:r>
-            <a:r>
-              <a:rPr lang="pt-BR" dirty="0"/>
-              <a:t> muito baixo.</a:t>
-            </a:r>
-          </a:p>
-        </p:txBody>
-      </p:sp>
-      <p:pic>
-        <p:nvPicPr>
-          <p:cNvPr id="7" name="Picture 6"/>
-          <p:cNvPicPr>
-            <a:picLocks noChangeAspect="1"/>
-          </p:cNvPicPr>
-          <p:nvPr/>
-        </p:nvPicPr>
-        <p:blipFill rotWithShape="1">
-          <a:blip r:embed="rId3" cstate="print">
-            <a:extLst>
-              <a:ext uri="{28A0092B-C50C-407E-A947-70E740481C1C}">
-                <a14:useLocalDpi xmlns:a14="http://schemas.microsoft.com/office/drawing/2010/main" val="0"/>
-              </a:ext>
-            </a:extLst>
-          </a:blip>
-          <a:srcRect l="3605" t="10918" r="9456"/>
-          <a:stretch/>
-        </p:blipFill>
-        <p:spPr>
-          <a:xfrm>
-            <a:off x="1029385" y="1334234"/>
-            <a:ext cx="2706541" cy="2773254"/>
-          </a:xfrm>
-          <a:prstGeom prst="rect">
-            <a:avLst/>
-          </a:prstGeom>
-        </p:spPr>
-      </p:pic>
-      <p:pic>
-        <p:nvPicPr>
-          <p:cNvPr id="8" name="Picture 7"/>
-          <p:cNvPicPr>
-            <a:picLocks noChangeAspect="1"/>
-          </p:cNvPicPr>
-          <p:nvPr/>
-        </p:nvPicPr>
-        <p:blipFill rotWithShape="1">
-          <a:blip r:embed="rId4" cstate="print">
-            <a:extLst>
-              <a:ext uri="{28A0092B-C50C-407E-A947-70E740481C1C}">
-                <a14:useLocalDpi xmlns:a14="http://schemas.microsoft.com/office/drawing/2010/main" val="0"/>
-              </a:ext>
-            </a:extLst>
-          </a:blip>
-          <a:srcRect l="3605" t="10918" r="9456"/>
-          <a:stretch/>
-        </p:blipFill>
-        <p:spPr>
-          <a:xfrm>
-            <a:off x="4609322" y="1331143"/>
-            <a:ext cx="2709133" cy="2775909"/>
-          </a:xfrm>
-          <a:prstGeom prst="rect">
-            <a:avLst/>
-          </a:prstGeom>
-        </p:spPr>
-      </p:pic>
-      <p:pic>
-        <p:nvPicPr>
-          <p:cNvPr id="9" name="Picture 8"/>
-          <p:cNvPicPr>
-            <a:picLocks noChangeAspect="1"/>
-          </p:cNvPicPr>
-          <p:nvPr/>
-        </p:nvPicPr>
-        <p:blipFill rotWithShape="1">
-          <a:blip r:embed="rId5" cstate="print">
-            <a:extLst>
-              <a:ext uri="{28A0092B-C50C-407E-A947-70E740481C1C}">
-                <a14:useLocalDpi xmlns:a14="http://schemas.microsoft.com/office/drawing/2010/main" val="0"/>
-              </a:ext>
-            </a:extLst>
-          </a:blip>
-          <a:srcRect l="4014" t="11327" r="8639"/>
-          <a:stretch/>
-        </p:blipFill>
-        <p:spPr>
-          <a:xfrm>
-            <a:off x="8192276" y="1331143"/>
-            <a:ext cx="2734379" cy="2775909"/>
-          </a:xfrm>
-          <a:prstGeom prst="rect">
-            <a:avLst/>
-          </a:prstGeom>
-        </p:spPr>
-      </p:pic>
-      <p:sp>
-        <p:nvSpPr>
-          <p:cNvPr id="10" name="TextBox 9"/>
-          <p:cNvSpPr txBox="1"/>
-          <p:nvPr/>
-        </p:nvSpPr>
-        <p:spPr>
-          <a:xfrm>
-            <a:off x="1229146" y="1077240"/>
-            <a:ext cx="2989230" cy="338554"/>
-          </a:xfrm>
-          <a:prstGeom prst="rect">
-            <a:avLst/>
-          </a:prstGeom>
-          <a:noFill/>
-        </p:spPr>
-        <p:txBody>
-          <a:bodyPr wrap="square" rtlCol="0">
-            <a:spAutoFit/>
-          </a:bodyPr>
-          <a:lstStyle/>
-          <a:p>
-            <a:pPr algn="ctr"/>
-            <a:r>
-              <a:rPr lang="pt-BR" sz="1600" dirty="0"/>
-              <a:t>Polinômio de ordem 10.</a:t>
-            </a:r>
-          </a:p>
-        </p:txBody>
-      </p:sp>
-      <p:sp>
-        <p:nvSpPr>
-          <p:cNvPr id="11" name="TextBox 10"/>
-          <p:cNvSpPr txBox="1"/>
-          <p:nvPr/>
-        </p:nvSpPr>
-        <p:spPr>
-          <a:xfrm>
-            <a:off x="4710711" y="1074149"/>
-            <a:ext cx="2989230" cy="338554"/>
-          </a:xfrm>
-          <a:prstGeom prst="rect">
-            <a:avLst/>
-          </a:prstGeom>
-          <a:noFill/>
-        </p:spPr>
-        <p:txBody>
-          <a:bodyPr wrap="square" rtlCol="0">
-            <a:spAutoFit/>
-          </a:bodyPr>
-          <a:lstStyle/>
-          <a:p>
-            <a:pPr algn="ctr"/>
-            <a:r>
-              <a:rPr lang="pt-BR" sz="1600" dirty="0"/>
-              <a:t>Polinômio de ordem 20.</a:t>
-            </a:r>
-          </a:p>
-        </p:txBody>
-      </p:sp>
-      <p:sp>
-        <p:nvSpPr>
-          <p:cNvPr id="12" name="TextBox 11"/>
-          <p:cNvSpPr txBox="1"/>
-          <p:nvPr/>
-        </p:nvSpPr>
-        <p:spPr>
-          <a:xfrm>
-            <a:off x="8396134" y="1074149"/>
-            <a:ext cx="2989230" cy="338554"/>
-          </a:xfrm>
-          <a:prstGeom prst="rect">
-            <a:avLst/>
-          </a:prstGeom>
-          <a:noFill/>
-        </p:spPr>
-        <p:txBody>
-          <a:bodyPr wrap="square" rtlCol="0">
-            <a:spAutoFit/>
-          </a:bodyPr>
-          <a:lstStyle/>
-          <a:p>
-            <a:pPr algn="ctr"/>
-            <a:r>
-              <a:rPr lang="pt-BR" sz="1600" dirty="0"/>
-              <a:t>Polinômio de ordem 30.</a:t>
-            </a:r>
-          </a:p>
-        </p:txBody>
-      </p:sp>
-      <p:sp>
-        <p:nvSpPr>
-          <p:cNvPr id="13" name="TextBox 12"/>
-          <p:cNvSpPr txBox="1"/>
-          <p:nvPr/>
-        </p:nvSpPr>
-        <p:spPr>
-          <a:xfrm>
-            <a:off x="8464230" y="1882715"/>
-            <a:ext cx="1817909" cy="1077218"/>
-          </a:xfrm>
-          <a:prstGeom prst="rect">
-            <a:avLst/>
-          </a:prstGeom>
-          <a:noFill/>
-        </p:spPr>
-        <p:txBody>
-          <a:bodyPr wrap="square" rtlCol="0">
-            <a:spAutoFit/>
-          </a:bodyPr>
-          <a:lstStyle/>
-          <a:p>
-            <a:pPr algn="ctr"/>
-            <a:r>
-              <a:rPr lang="pt-BR" sz="1600" b="1" dirty="0">
-                <a:solidFill>
-                  <a:srgbClr val="FF0000"/>
-                </a:solidFill>
-              </a:rPr>
-              <a:t>O modelo aprende perfeitamente até o ruído presente nos dados!</a:t>
-            </a:r>
-          </a:p>
-        </p:txBody>
-      </p:sp>
-    </p:spTree>
-    <p:extLst>
-      <p:ext uri="{BB962C8B-B14F-4D97-AF65-F5344CB8AC3E}">
-        <p14:creationId xmlns:p14="http://schemas.microsoft.com/office/powerpoint/2010/main" val="2461190107"/>
-      </p:ext>
-    </p:extLst>
-  </p:cSld>
-  <p:clrMapOvr>
-    <a:masterClrMapping/>
-  </p:clrMapOvr>
-</p:sld>
-</file>
-
-<file path=ppt/slides/slide19.xml><?xml version="1.0" encoding="utf-8"?>
-<p:sld xmlns:a="http://schemas.openxmlformats.org/drawingml/2006/main" xmlns:r="http://schemas.openxmlformats.org/officeDocument/2006/relationships" xmlns:p="http://schemas.openxmlformats.org/presentationml/2006/main">
-  <p:cSld>
-    <p:spTree>
-      <p:nvGrpSpPr>
-        <p:cNvPr id="1" name=""/>
-        <p:cNvGrpSpPr/>
-        <p:nvPr/>
-      </p:nvGrpSpPr>
-      <p:grpSpPr>
-        <a:xfrm>
-          <a:off x="0" y="0"/>
-          <a:ext cx="0" cy="0"/>
-          <a:chOff x="0" y="0"/>
-          <a:chExt cx="0" cy="0"/>
-        </a:xfrm>
-      </p:grpSpPr>
-      <p:sp>
-        <p:nvSpPr>
-          <p:cNvPr id="2" name="Title 1"/>
-          <p:cNvSpPr>
-            <a:spLocks noGrp="1"/>
-          </p:cNvSpPr>
-          <p:nvPr>
-            <p:ph type="title"/>
-          </p:nvPr>
-        </p:nvSpPr>
-        <p:spPr/>
-        <p:txBody>
-          <a:bodyPr/>
-          <a:lstStyle/>
-          <a:p>
-            <a:r>
-              <a:rPr lang="pt-BR" dirty="0"/>
-              <a:t>Subajuste e sobreajuste: Resumo</a:t>
-            </a:r>
-          </a:p>
-        </p:txBody>
-      </p:sp>
-      <p:sp>
-        <p:nvSpPr>
-          <p:cNvPr id="3" name="Content Placeholder 2"/>
-          <p:cNvSpPr>
-            <a:spLocks noGrp="1"/>
-          </p:cNvSpPr>
-          <p:nvPr>
-            <p:ph idx="1"/>
-          </p:nvPr>
-        </p:nvSpPr>
-        <p:spPr>
-          <a:xfrm>
-            <a:off x="838199" y="1748134"/>
-            <a:ext cx="11203983" cy="5109866"/>
-          </a:xfrm>
-        </p:spPr>
-        <p:txBody>
-          <a:bodyPr>
-            <a:normAutofit fontScale="85000" lnSpcReduction="10000"/>
-          </a:bodyPr>
-          <a:lstStyle/>
-          <a:p>
-            <a:r>
-              <a:rPr lang="pt-BR" b="1" dirty="0"/>
-              <a:t>Subajuste</a:t>
-            </a:r>
-            <a:r>
-              <a:rPr lang="pt-BR" dirty="0"/>
-              <a:t>: situação em que o modelo falha em aproximar o </a:t>
-            </a:r>
-            <a:r>
-              <a:rPr lang="pt-BR" b="1" i="1" dirty="0"/>
-              <a:t>mapeamento verdadeiro</a:t>
-            </a:r>
-            <a:r>
-              <a:rPr lang="pt-BR" dirty="0"/>
-              <a:t>. </a:t>
-            </a:r>
-          </a:p>
-          <a:p>
-            <a:pPr lvl="1">
-              <a:buFont typeface="Wingdings" panose="05000000000000000000" pitchFamily="2" charset="2"/>
-              <a:buChar char="§"/>
-            </a:pPr>
-            <a:r>
-              <a:rPr lang="pt-BR" dirty="0"/>
-              <a:t>Ocorre devido ao baixo grau de flexibilidade do modelo.</a:t>
-            </a:r>
-          </a:p>
-          <a:p>
-            <a:pPr lvl="1">
-              <a:buFont typeface="Wingdings" panose="05000000000000000000" pitchFamily="2" charset="2"/>
-              <a:buChar char="§"/>
-            </a:pPr>
-            <a:r>
-              <a:rPr lang="pt-BR" dirty="0"/>
-              <a:t>O modelo produz erros significativos tanto quando apresentado ao próprio conjunto de treinamento quanto a dados inéditos.</a:t>
-            </a:r>
-          </a:p>
-          <a:p>
-            <a:pPr lvl="1">
-              <a:buFont typeface="Wingdings" panose="05000000000000000000" pitchFamily="2" charset="2"/>
-              <a:buChar char="§"/>
-            </a:pPr>
-            <a:r>
-              <a:rPr lang="pt-BR" dirty="0"/>
-              <a:t>Se o modelo está subajustando, mesmo que o número de exemplos aumente indefinidamente, esta situação não vai desaparecer, é necessário </a:t>
-            </a:r>
-            <a:r>
-              <a:rPr lang="pt-BR" b="1" i="1" dirty="0"/>
-              <a:t>aumentar a flexibilidade do modelo</a:t>
-            </a:r>
-            <a:r>
-              <a:rPr lang="pt-BR" dirty="0"/>
-              <a:t>, ou seja, no caso da regressão polinomial, sua ordem.</a:t>
-            </a:r>
-            <a:endParaRPr lang="pt-BR" dirty="0">
-              <a:cs typeface="Calibri"/>
-            </a:endParaRPr>
-          </a:p>
-          <a:p>
-            <a:r>
-              <a:rPr lang="pt-BR" b="1" dirty="0"/>
-              <a:t>Sobreajuste</a:t>
-            </a:r>
-            <a:r>
-              <a:rPr lang="pt-BR" dirty="0"/>
-              <a:t>: situação em que o modelo se ajusta tão bem aos exemplos de treinamento que ele aprende até o ruído presente nos mesmos (baixo </a:t>
-            </a:r>
-            <a:r>
-              <a:rPr lang="pt-BR" b="1" i="1" dirty="0"/>
-              <a:t>erro de treinamento</a:t>
-            </a:r>
-            <a:r>
-              <a:rPr lang="pt-BR" dirty="0"/>
-              <a:t>). Porém, o modelo produz erros significativos quando apresentado a dados inéditos (alto erro de </a:t>
-            </a:r>
-            <a:r>
-              <a:rPr lang="pt-BR" b="1" i="1" dirty="0"/>
-              <a:t>erro de validação</a:t>
-            </a:r>
-            <a:r>
-              <a:rPr lang="pt-BR" dirty="0"/>
-              <a:t>).</a:t>
-            </a:r>
-          </a:p>
-          <a:p>
-            <a:pPr lvl="1">
-              <a:buFont typeface="Wingdings" panose="05000000000000000000" pitchFamily="2" charset="2"/>
-              <a:buChar char="§"/>
-            </a:pPr>
-            <a:r>
-              <a:rPr lang="pt-BR" dirty="0"/>
-              <a:t>Ocorre devido ao alto grau de flexibilidade do modelo.</a:t>
-            </a:r>
-          </a:p>
-          <a:p>
-            <a:pPr lvl="1">
-              <a:buFont typeface="Wingdings" panose="05000000000000000000" pitchFamily="2" charset="2"/>
-              <a:buChar char="§"/>
-            </a:pPr>
-            <a:r>
-              <a:rPr lang="pt-BR" dirty="0"/>
-              <a:t>Se o modelo está sobreajustando, então é necessário diminuir sua flexibilidade ou aumentar o conjunto de treinamento até que o erro de validação atinja o erro de treinamento.</a:t>
-            </a:r>
-          </a:p>
-          <a:p>
-            <a:r>
-              <a:rPr lang="pt-BR" dirty="0"/>
-              <a:t>Nosso objetivo será encontrar uma relação de compromisso entre </a:t>
-            </a:r>
-            <a:r>
-              <a:rPr lang="pt-BR" b="1" i="1" dirty="0"/>
-              <a:t>flexibilidade</a:t>
-            </a:r>
-            <a:r>
-              <a:rPr lang="pt-BR" dirty="0"/>
-              <a:t> e </a:t>
-            </a:r>
-            <a:r>
-              <a:rPr lang="pt-BR" b="1" i="1" dirty="0"/>
-              <a:t>generalização</a:t>
-            </a:r>
-            <a:r>
-              <a:rPr lang="pt-BR" b="1" dirty="0"/>
-              <a:t> </a:t>
-            </a:r>
-            <a:r>
-              <a:rPr lang="pt-BR" dirty="0"/>
-              <a:t>do modelo:</a:t>
-            </a:r>
-            <a:r>
-              <a:rPr lang="pt-BR" b="1" dirty="0"/>
-              <a:t> flexibilidade</a:t>
-            </a:r>
-            <a:r>
-              <a:rPr lang="pt-BR" dirty="0"/>
-              <a:t> e </a:t>
-            </a:r>
-            <a:r>
-              <a:rPr lang="pt-BR" b="1" dirty="0"/>
-              <a:t>grau de generalização</a:t>
-            </a:r>
-            <a:r>
-              <a:rPr lang="pt-BR" dirty="0"/>
-              <a:t> médios.</a:t>
-            </a:r>
-          </a:p>
-        </p:txBody>
-      </p:sp>
-    </p:spTree>
-    <p:extLst>
-      <p:ext uri="{BB962C8B-B14F-4D97-AF65-F5344CB8AC3E}">
-        <p14:creationId xmlns:p14="http://schemas.microsoft.com/office/powerpoint/2010/main" val="3557925595"/>
+        <p14:creationId xmlns:p14="http://schemas.microsoft.com/office/powerpoint/2010/main" val="3437429421"/>
       </p:ext>
     </p:extLst>
   </p:cSld>
@@ -11715,6 +14182,1114 @@
 </file>
 
 <file path=ppt/slides/slide20.xml><?xml version="1.0" encoding="utf-8"?>
+<p:sld xmlns:a="http://schemas.openxmlformats.org/drawingml/2006/main" xmlns:r="http://schemas.openxmlformats.org/officeDocument/2006/relationships" xmlns:p="http://schemas.openxmlformats.org/presentationml/2006/main">
+  <p:cSld>
+    <p:spTree>
+      <p:nvGrpSpPr>
+        <p:cNvPr id="1" name=""/>
+        <p:cNvGrpSpPr/>
+        <p:nvPr/>
+      </p:nvGrpSpPr>
+      <p:grpSpPr>
+        <a:xfrm>
+          <a:off x="0" y="0"/>
+          <a:ext cx="0" cy="0"/>
+          <a:chOff x="0" y="0"/>
+          <a:chExt cx="0" cy="0"/>
+        </a:xfrm>
+      </p:grpSpPr>
+      <p:sp>
+        <p:nvSpPr>
+          <p:cNvPr id="2" name="Título 1">
+            <a:extLst>
+              <a:ext uri="{FF2B5EF4-FFF2-40B4-BE49-F238E27FC236}">
+                <a16:creationId xmlns:a16="http://schemas.microsoft.com/office/drawing/2014/main" id="{D6125CB6-F4F2-5219-54F7-A9AAFDA9F68B}"/>
+              </a:ext>
+            </a:extLst>
+          </p:cNvPr>
+          <p:cNvSpPr>
+            <a:spLocks noGrp="1"/>
+          </p:cNvSpPr>
+          <p:nvPr>
+            <p:ph type="title"/>
+          </p:nvPr>
+        </p:nvSpPr>
+        <p:spPr/>
+        <p:txBody>
+          <a:bodyPr/>
+          <a:lstStyle/>
+          <a:p>
+            <a:r>
+              <a:rPr lang="pt-BR" dirty="0"/>
+              <a:t>Regressão polinomial: Qual ordem usar?</a:t>
+            </a:r>
+          </a:p>
+        </p:txBody>
+      </p:sp>
+      <p:sp>
+        <p:nvSpPr>
+          <p:cNvPr id="3" name="Espaço Reservado para Conteúdo 2">
+            <a:extLst>
+              <a:ext uri="{FF2B5EF4-FFF2-40B4-BE49-F238E27FC236}">
+                <a16:creationId xmlns:a16="http://schemas.microsoft.com/office/drawing/2014/main" id="{4912AB7B-92E3-1D5B-5751-963C899F8ABA}"/>
+              </a:ext>
+            </a:extLst>
+          </p:cNvPr>
+          <p:cNvSpPr>
+            <a:spLocks noGrp="1"/>
+          </p:cNvSpPr>
+          <p:nvPr>
+            <p:ph idx="1"/>
+          </p:nvPr>
+        </p:nvSpPr>
+        <p:spPr>
+          <a:xfrm>
+            <a:off x="6236413" y="1825624"/>
+            <a:ext cx="5815174" cy="5032375"/>
+          </a:xfrm>
+        </p:spPr>
+        <p:txBody>
+          <a:bodyPr>
+            <a:normAutofit/>
+          </a:bodyPr>
+          <a:lstStyle/>
+          <a:p>
+            <a:r>
+              <a:rPr lang="pt-BR" dirty="0"/>
+              <a:t>Porém, como esperado, o polinômio de ordem 2 produz a melhor aproximação dos dados, errando pouco para exemplos de treinamento e validação.</a:t>
+            </a:r>
+          </a:p>
+          <a:p>
+            <a:pPr lvl="1">
+              <a:buFont typeface="Wingdings" panose="05000000000000000000" pitchFamily="2" charset="2"/>
+              <a:buChar char="§"/>
+            </a:pPr>
+            <a:r>
+              <a:rPr lang="pt-BR" dirty="0"/>
+              <a:t>Esse modelo encontra uma relação de compromisso entre </a:t>
+            </a:r>
+            <a:r>
+              <a:rPr lang="pt-BR" b="1" i="1" dirty="0"/>
+              <a:t>flexibilidade</a:t>
+            </a:r>
+            <a:r>
+              <a:rPr lang="pt-BR" dirty="0"/>
+              <a:t> e </a:t>
+            </a:r>
+            <a:r>
+              <a:rPr lang="pt-BR" b="1" i="1" dirty="0"/>
+              <a:t>grau de generalização</a:t>
+            </a:r>
+            <a:r>
+              <a:rPr lang="pt-BR" dirty="0"/>
+              <a:t>.</a:t>
+            </a:r>
+          </a:p>
+          <a:p>
+            <a:pPr lvl="1">
+              <a:buFont typeface="Wingdings" panose="05000000000000000000" pitchFamily="2" charset="2"/>
+              <a:buChar char="§"/>
+            </a:pPr>
+            <a:r>
+              <a:rPr lang="pt-BR" dirty="0"/>
+              <a:t>Essa aproximação será melhor quanto maior for o conjunto de treinamento e/ou menor o ruído.</a:t>
+            </a:r>
+          </a:p>
+        </p:txBody>
+      </p:sp>
+      <p:pic>
+        <p:nvPicPr>
+          <p:cNvPr id="4" name="Picture 5">
+            <a:extLst>
+              <a:ext uri="{FF2B5EF4-FFF2-40B4-BE49-F238E27FC236}">
+                <a16:creationId xmlns:a16="http://schemas.microsoft.com/office/drawing/2014/main" id="{9D0D98C1-1BA5-EAB7-B280-C9A915CF1FA9}"/>
+              </a:ext>
+            </a:extLst>
+          </p:cNvPr>
+          <p:cNvPicPr>
+            <a:picLocks noChangeAspect="1"/>
+          </p:cNvPicPr>
+          <p:nvPr/>
+        </p:nvPicPr>
+        <p:blipFill rotWithShape="1">
+          <a:blip r:embed="rId3" cstate="print">
+            <a:extLst>
+              <a:ext uri="{28A0092B-C50C-407E-A947-70E740481C1C}">
+                <a14:useLocalDpi xmlns:a14="http://schemas.microsoft.com/office/drawing/2010/main" val="0"/>
+              </a:ext>
+            </a:extLst>
+          </a:blip>
+          <a:srcRect l="5782" t="11298" r="9378" b="3571"/>
+          <a:stretch/>
+        </p:blipFill>
+        <p:spPr>
+          <a:xfrm>
+            <a:off x="3221122" y="2625481"/>
+            <a:ext cx="2713277" cy="2722601"/>
+          </a:xfrm>
+          <a:prstGeom prst="rect">
+            <a:avLst/>
+          </a:prstGeom>
+        </p:spPr>
+      </p:pic>
+      <p:sp>
+        <p:nvSpPr>
+          <p:cNvPr id="5" name="TextBox 10">
+            <a:extLst>
+              <a:ext uri="{FF2B5EF4-FFF2-40B4-BE49-F238E27FC236}">
+                <a16:creationId xmlns:a16="http://schemas.microsoft.com/office/drawing/2014/main" id="{B8D5A352-1EC6-D770-F2CA-0D29D82D2D1F}"/>
+              </a:ext>
+            </a:extLst>
+          </p:cNvPr>
+          <p:cNvSpPr txBox="1"/>
+          <p:nvPr/>
+        </p:nvSpPr>
+        <p:spPr>
+          <a:xfrm>
+            <a:off x="1495458" y="2660961"/>
+            <a:ext cx="1579334" cy="738664"/>
+          </a:xfrm>
+          <a:prstGeom prst="rect">
+            <a:avLst/>
+          </a:prstGeom>
+          <a:noFill/>
+        </p:spPr>
+        <p:txBody>
+          <a:bodyPr wrap="square" rtlCol="0">
+            <a:spAutoFit/>
+          </a:bodyPr>
+          <a:lstStyle/>
+          <a:p>
+            <a:pPr algn="ctr"/>
+            <a:r>
+              <a:rPr lang="pt-BR" sz="1400" dirty="0"/>
+              <a:t>Ordem ótima pois é a mesma do modelo gerador.</a:t>
+            </a:r>
+          </a:p>
+        </p:txBody>
+      </p:sp>
+      <p:cxnSp>
+        <p:nvCxnSpPr>
+          <p:cNvPr id="6" name="Straight Arrow Connector 11">
+            <a:extLst>
+              <a:ext uri="{FF2B5EF4-FFF2-40B4-BE49-F238E27FC236}">
+                <a16:creationId xmlns:a16="http://schemas.microsoft.com/office/drawing/2014/main" id="{F1580188-0958-A270-DA4E-706411FA28A4}"/>
+              </a:ext>
+            </a:extLst>
+          </p:cNvPr>
+          <p:cNvCxnSpPr>
+            <a:stCxn id="5" idx="2"/>
+          </p:cNvCxnSpPr>
+          <p:nvPr/>
+        </p:nvCxnSpPr>
+        <p:spPr>
+          <a:xfrm>
+            <a:off x="2285125" y="3399625"/>
+            <a:ext cx="2842458" cy="684436"/>
+          </a:xfrm>
+          <a:prstGeom prst="straightConnector1">
+            <a:avLst/>
+          </a:prstGeom>
+          <a:ln w="28575">
+            <a:solidFill>
+              <a:srgbClr val="FF0000"/>
+            </a:solidFill>
+            <a:tailEnd type="triangle"/>
+          </a:ln>
+        </p:spPr>
+        <p:style>
+          <a:lnRef idx="1">
+            <a:schemeClr val="accent1"/>
+          </a:lnRef>
+          <a:fillRef idx="0">
+            <a:schemeClr val="accent1"/>
+          </a:fillRef>
+          <a:effectRef idx="0">
+            <a:schemeClr val="accent1"/>
+          </a:effectRef>
+          <a:fontRef idx="minor">
+            <a:schemeClr val="tx1"/>
+          </a:fontRef>
+        </p:style>
+      </p:cxnSp>
+      <p:sp>
+        <p:nvSpPr>
+          <p:cNvPr id="7" name="TextBox 16">
+            <a:extLst>
+              <a:ext uri="{FF2B5EF4-FFF2-40B4-BE49-F238E27FC236}">
+                <a16:creationId xmlns:a16="http://schemas.microsoft.com/office/drawing/2014/main" id="{78216476-FF52-174B-4F04-F9F5C396F83A}"/>
+              </a:ext>
+            </a:extLst>
+          </p:cNvPr>
+          <p:cNvSpPr txBox="1"/>
+          <p:nvPr/>
+        </p:nvSpPr>
+        <p:spPr>
+          <a:xfrm>
+            <a:off x="3417896" y="2283403"/>
+            <a:ext cx="2516503" cy="338554"/>
+          </a:xfrm>
+          <a:prstGeom prst="rect">
+            <a:avLst/>
+          </a:prstGeom>
+          <a:noFill/>
+        </p:spPr>
+        <p:txBody>
+          <a:bodyPr wrap="square" rtlCol="0">
+            <a:spAutoFit/>
+          </a:bodyPr>
+          <a:lstStyle/>
+          <a:p>
+            <a:pPr algn="ctr"/>
+            <a:r>
+              <a:rPr lang="pt-BR" sz="1600" dirty="0"/>
+              <a:t>Polinômio de ordem 2.</a:t>
+            </a:r>
+          </a:p>
+        </p:txBody>
+      </p:sp>
+      <p:sp>
+        <p:nvSpPr>
+          <p:cNvPr id="8" name="TextBox 21">
+            <a:extLst>
+              <a:ext uri="{FF2B5EF4-FFF2-40B4-BE49-F238E27FC236}">
+                <a16:creationId xmlns:a16="http://schemas.microsoft.com/office/drawing/2014/main" id="{8240FF74-19CE-C68B-DD15-50ED4D004192}"/>
+              </a:ext>
+            </a:extLst>
+          </p:cNvPr>
+          <p:cNvSpPr txBox="1"/>
+          <p:nvPr/>
+        </p:nvSpPr>
+        <p:spPr>
+          <a:xfrm>
+            <a:off x="140413" y="4037309"/>
+            <a:ext cx="3149874" cy="1077218"/>
+          </a:xfrm>
+          <a:prstGeom prst="rect">
+            <a:avLst/>
+          </a:prstGeom>
+          <a:noFill/>
+        </p:spPr>
+        <p:txBody>
+          <a:bodyPr wrap="square" rtlCol="0">
+            <a:spAutoFit/>
+          </a:bodyPr>
+          <a:lstStyle/>
+          <a:p>
+            <a:pPr algn="ctr"/>
+            <a:r>
+              <a:rPr lang="pt-BR" sz="1600" dirty="0"/>
+              <a:t>Encontra relação de compromisso entre </a:t>
+            </a:r>
+            <a:r>
+              <a:rPr lang="pt-BR" sz="1600" b="1" dirty="0"/>
+              <a:t>flexibilidade</a:t>
+            </a:r>
+            <a:r>
+              <a:rPr lang="pt-BR" sz="1600" dirty="0"/>
+              <a:t> e </a:t>
+            </a:r>
+            <a:r>
+              <a:rPr lang="pt-BR" sz="1600" b="1" dirty="0"/>
+              <a:t>generalização</a:t>
+            </a:r>
+            <a:r>
+              <a:rPr lang="pt-BR" sz="1600" dirty="0"/>
+              <a:t>:</a:t>
+            </a:r>
+            <a:r>
+              <a:rPr lang="pt-BR" sz="1600" b="1" dirty="0"/>
+              <a:t> </a:t>
+            </a:r>
+            <a:endParaRPr lang="pt-BR" sz="1600" dirty="0"/>
+          </a:p>
+          <a:p>
+            <a:pPr algn="ctr"/>
+            <a:r>
+              <a:rPr lang="pt-BR" sz="1600" b="1" dirty="0"/>
+              <a:t>flexibilidade</a:t>
+            </a:r>
+            <a:r>
+              <a:rPr lang="pt-BR" sz="1600" dirty="0"/>
+              <a:t> e </a:t>
+            </a:r>
+            <a:r>
+              <a:rPr lang="pt-BR" sz="1600" b="1" dirty="0"/>
+              <a:t>grau de generalização</a:t>
+            </a:r>
+            <a:r>
+              <a:rPr lang="pt-BR" sz="1600" dirty="0"/>
+              <a:t> médios.</a:t>
+            </a:r>
+          </a:p>
+        </p:txBody>
+      </p:sp>
+    </p:spTree>
+    <p:extLst>
+      <p:ext uri="{BB962C8B-B14F-4D97-AF65-F5344CB8AC3E}">
+        <p14:creationId xmlns:p14="http://schemas.microsoft.com/office/powerpoint/2010/main" val="3473885402"/>
+      </p:ext>
+    </p:extLst>
+  </p:cSld>
+  <p:clrMapOvr>
+    <a:masterClrMapping/>
+  </p:clrMapOvr>
+</p:sld>
+</file>
+
+<file path=ppt/slides/slide21.xml><?xml version="1.0" encoding="utf-8"?>
+<p:sld xmlns:a="http://schemas.openxmlformats.org/drawingml/2006/main" xmlns:r="http://schemas.openxmlformats.org/officeDocument/2006/relationships" xmlns:p="http://schemas.openxmlformats.org/presentationml/2006/main">
+  <p:cSld>
+    <p:spTree>
+      <p:nvGrpSpPr>
+        <p:cNvPr id="1" name=""/>
+        <p:cNvGrpSpPr/>
+        <p:nvPr/>
+      </p:nvGrpSpPr>
+      <p:grpSpPr>
+        <a:xfrm>
+          <a:off x="0" y="0"/>
+          <a:ext cx="0" cy="0"/>
+          <a:chOff x="0" y="0"/>
+          <a:chExt cx="0" cy="0"/>
+        </a:xfrm>
+      </p:grpSpPr>
+      <p:sp>
+        <p:nvSpPr>
+          <p:cNvPr id="2" name="Título 1">
+            <a:extLst>
+              <a:ext uri="{FF2B5EF4-FFF2-40B4-BE49-F238E27FC236}">
+                <a16:creationId xmlns:a16="http://schemas.microsoft.com/office/drawing/2014/main" id="{B5E1F1AB-C643-8CA8-B494-3A22151853AA}"/>
+              </a:ext>
+            </a:extLst>
+          </p:cNvPr>
+          <p:cNvSpPr>
+            <a:spLocks noGrp="1"/>
+          </p:cNvSpPr>
+          <p:nvPr>
+            <p:ph type="title"/>
+          </p:nvPr>
+        </p:nvSpPr>
+        <p:spPr/>
+        <p:txBody>
+          <a:bodyPr/>
+          <a:lstStyle/>
+          <a:p>
+            <a:r>
+              <a:rPr lang="pt-BR" dirty="0"/>
+              <a:t>Regressão polinomial: Qual ordem usar?</a:t>
+            </a:r>
+          </a:p>
+        </p:txBody>
+      </p:sp>
+      <p:sp>
+        <p:nvSpPr>
+          <p:cNvPr id="3" name="Espaço Reservado para Conteúdo 2">
+            <a:extLst>
+              <a:ext uri="{FF2B5EF4-FFF2-40B4-BE49-F238E27FC236}">
+                <a16:creationId xmlns:a16="http://schemas.microsoft.com/office/drawing/2014/main" id="{47C94803-E095-0DF4-A4B8-28EFA09F889B}"/>
+              </a:ext>
+            </a:extLst>
+          </p:cNvPr>
+          <p:cNvSpPr>
+            <a:spLocks noGrp="1"/>
+          </p:cNvSpPr>
+          <p:nvPr>
+            <p:ph idx="1"/>
+          </p:nvPr>
+        </p:nvSpPr>
+        <p:spPr>
+          <a:xfrm>
+            <a:off x="5522731" y="1825624"/>
+            <a:ext cx="6583100" cy="5032375"/>
+          </a:xfrm>
+        </p:spPr>
+        <p:txBody>
+          <a:bodyPr>
+            <a:normAutofit fontScale="92500" lnSpcReduction="10000"/>
+          </a:bodyPr>
+          <a:lstStyle/>
+          <a:p>
+            <a:r>
+              <a:rPr lang="pt-BR" dirty="0"/>
+              <a:t>Polinômios com ordem &gt; 2 tendem a produzir </a:t>
+            </a:r>
+            <a:r>
+              <a:rPr lang="pt-BR" b="1" i="1" dirty="0"/>
+              <a:t>aproximações perfeitas </a:t>
+            </a:r>
+            <a:r>
+              <a:rPr lang="pt-BR" dirty="0"/>
+              <a:t>dos exemplos disponíveis, ou seja, o modelo acaba </a:t>
+            </a:r>
+            <a:r>
+              <a:rPr lang="pt-BR" b="1" i="1" dirty="0"/>
+              <a:t>memorizando</a:t>
+            </a:r>
+            <a:r>
+              <a:rPr lang="pt-BR" dirty="0"/>
+              <a:t> os exemplos de treinamento.</a:t>
+            </a:r>
+          </a:p>
+          <a:p>
+            <a:r>
+              <a:rPr lang="pt-BR" dirty="0"/>
+              <a:t>Porém, essa aproximação se distancia bastante do modelo gerador.</a:t>
+            </a:r>
+          </a:p>
+          <a:p>
+            <a:r>
+              <a:rPr lang="pt-BR" dirty="0"/>
+              <a:t>Portanto, esses modelos apresentarão </a:t>
+            </a:r>
+            <a:r>
+              <a:rPr lang="pt-BR" b="1" i="1" dirty="0"/>
+              <a:t>erros significativamente maiores </a:t>
+            </a:r>
+            <a:r>
+              <a:rPr lang="pt-BR" dirty="0"/>
+              <a:t>quando forem apresentados a exemplos de validação (i.e., dados não vistos durante o treinamento).</a:t>
+            </a:r>
+          </a:p>
+          <a:p>
+            <a:r>
+              <a:rPr lang="pt-BR" dirty="0"/>
+              <a:t>Efeito conhecido como </a:t>
+            </a:r>
+            <a:r>
+              <a:rPr lang="pt-BR" b="1" i="1" dirty="0"/>
+              <a:t>sobreajuste</a:t>
+            </a:r>
+            <a:r>
+              <a:rPr lang="pt-BR" dirty="0"/>
+              <a:t> ou </a:t>
+            </a:r>
+            <a:r>
+              <a:rPr lang="pt-BR" b="1" i="1" dirty="0" err="1"/>
+              <a:t>overfitting</a:t>
+            </a:r>
+            <a:r>
+              <a:rPr lang="pt-BR" dirty="0"/>
+              <a:t>: </a:t>
+            </a:r>
+            <a:r>
+              <a:rPr lang="pt-BR" b="1" i="1" dirty="0"/>
+              <a:t>flexibilidade</a:t>
+            </a:r>
+            <a:r>
+              <a:rPr lang="pt-BR" dirty="0"/>
+              <a:t> muito alta e </a:t>
+            </a:r>
+            <a:r>
+              <a:rPr lang="pt-BR" b="1" i="1" dirty="0"/>
+              <a:t>grau de generalização</a:t>
+            </a:r>
+            <a:r>
+              <a:rPr lang="pt-BR" dirty="0"/>
+              <a:t> muito baixo.</a:t>
+            </a:r>
+          </a:p>
+        </p:txBody>
+      </p:sp>
+      <p:pic>
+        <p:nvPicPr>
+          <p:cNvPr id="4" name="Picture 7">
+            <a:extLst>
+              <a:ext uri="{FF2B5EF4-FFF2-40B4-BE49-F238E27FC236}">
+                <a16:creationId xmlns:a16="http://schemas.microsoft.com/office/drawing/2014/main" id="{686CFFCF-B4C0-6031-A3F9-BDD3671AA92B}"/>
+              </a:ext>
+            </a:extLst>
+          </p:cNvPr>
+          <p:cNvPicPr>
+            <a:picLocks noChangeAspect="1"/>
+          </p:cNvPicPr>
+          <p:nvPr/>
+        </p:nvPicPr>
+        <p:blipFill rotWithShape="1">
+          <a:blip r:embed="rId3" cstate="print">
+            <a:extLst>
+              <a:ext uri="{28A0092B-C50C-407E-A947-70E740481C1C}">
+                <a14:useLocalDpi xmlns:a14="http://schemas.microsoft.com/office/drawing/2010/main" val="0"/>
+              </a:ext>
+            </a:extLst>
+          </a:blip>
+          <a:srcRect l="3605" t="10918" r="9456"/>
+          <a:stretch/>
+        </p:blipFill>
+        <p:spPr>
+          <a:xfrm>
+            <a:off x="2806555" y="1775642"/>
+            <a:ext cx="2376076" cy="2434643"/>
+          </a:xfrm>
+          <a:prstGeom prst="rect">
+            <a:avLst/>
+          </a:prstGeom>
+        </p:spPr>
+      </p:pic>
+      <p:pic>
+        <p:nvPicPr>
+          <p:cNvPr id="5" name="Picture 8">
+            <a:extLst>
+              <a:ext uri="{FF2B5EF4-FFF2-40B4-BE49-F238E27FC236}">
+                <a16:creationId xmlns:a16="http://schemas.microsoft.com/office/drawing/2014/main" id="{62E64144-AD82-0AED-F7C8-8A5D6FB092BD}"/>
+              </a:ext>
+            </a:extLst>
+          </p:cNvPr>
+          <p:cNvPicPr>
+            <a:picLocks noChangeAspect="1"/>
+          </p:cNvPicPr>
+          <p:nvPr/>
+        </p:nvPicPr>
+        <p:blipFill rotWithShape="1">
+          <a:blip r:embed="rId4" cstate="print">
+            <a:extLst>
+              <a:ext uri="{28A0092B-C50C-407E-A947-70E740481C1C}">
+                <a14:useLocalDpi xmlns:a14="http://schemas.microsoft.com/office/drawing/2010/main" val="0"/>
+              </a:ext>
+            </a:extLst>
+          </a:blip>
+          <a:srcRect l="4014" t="11327" r="8639"/>
+          <a:stretch/>
+        </p:blipFill>
+        <p:spPr>
+          <a:xfrm>
+            <a:off x="1688886" y="4423356"/>
+            <a:ext cx="2398219" cy="2434643"/>
+          </a:xfrm>
+          <a:prstGeom prst="rect">
+            <a:avLst/>
+          </a:prstGeom>
+        </p:spPr>
+      </p:pic>
+      <p:sp>
+        <p:nvSpPr>
+          <p:cNvPr id="6" name="TextBox 10">
+            <a:extLst>
+              <a:ext uri="{FF2B5EF4-FFF2-40B4-BE49-F238E27FC236}">
+                <a16:creationId xmlns:a16="http://schemas.microsoft.com/office/drawing/2014/main" id="{60B6D3DA-583A-65BA-3348-A244C353A168}"/>
+              </a:ext>
+            </a:extLst>
+          </p:cNvPr>
+          <p:cNvSpPr txBox="1"/>
+          <p:nvPr/>
+        </p:nvSpPr>
+        <p:spPr>
+          <a:xfrm>
+            <a:off x="2597840" y="1467336"/>
+            <a:ext cx="2989230" cy="338554"/>
+          </a:xfrm>
+          <a:prstGeom prst="rect">
+            <a:avLst/>
+          </a:prstGeom>
+          <a:noFill/>
+        </p:spPr>
+        <p:txBody>
+          <a:bodyPr wrap="square" rtlCol="0">
+            <a:spAutoFit/>
+          </a:bodyPr>
+          <a:lstStyle/>
+          <a:p>
+            <a:pPr algn="ctr"/>
+            <a:r>
+              <a:rPr lang="pt-BR" sz="1600" dirty="0"/>
+              <a:t>Polinômio de ordem 20.</a:t>
+            </a:r>
+          </a:p>
+        </p:txBody>
+      </p:sp>
+      <p:sp>
+        <p:nvSpPr>
+          <p:cNvPr id="7" name="TextBox 11">
+            <a:extLst>
+              <a:ext uri="{FF2B5EF4-FFF2-40B4-BE49-F238E27FC236}">
+                <a16:creationId xmlns:a16="http://schemas.microsoft.com/office/drawing/2014/main" id="{C50CFD9A-3DA6-D8AE-AE1B-FEB254C94178}"/>
+              </a:ext>
+            </a:extLst>
+          </p:cNvPr>
+          <p:cNvSpPr txBox="1"/>
+          <p:nvPr/>
+        </p:nvSpPr>
+        <p:spPr>
+          <a:xfrm>
+            <a:off x="1468348" y="4102135"/>
+            <a:ext cx="2989230" cy="338554"/>
+          </a:xfrm>
+          <a:prstGeom prst="rect">
+            <a:avLst/>
+          </a:prstGeom>
+          <a:noFill/>
+        </p:spPr>
+        <p:txBody>
+          <a:bodyPr wrap="square" rtlCol="0">
+            <a:spAutoFit/>
+          </a:bodyPr>
+          <a:lstStyle/>
+          <a:p>
+            <a:pPr algn="ctr"/>
+            <a:r>
+              <a:rPr lang="pt-BR" sz="1600" dirty="0"/>
+              <a:t>Polinômio de ordem 30.</a:t>
+            </a:r>
+          </a:p>
+        </p:txBody>
+      </p:sp>
+      <p:sp>
+        <p:nvSpPr>
+          <p:cNvPr id="8" name="TextBox 12">
+            <a:extLst>
+              <a:ext uri="{FF2B5EF4-FFF2-40B4-BE49-F238E27FC236}">
+                <a16:creationId xmlns:a16="http://schemas.microsoft.com/office/drawing/2014/main" id="{EE78AF17-C30B-47AD-76C3-DC9A949D6734}"/>
+              </a:ext>
+            </a:extLst>
+          </p:cNvPr>
+          <p:cNvSpPr txBox="1"/>
+          <p:nvPr/>
+        </p:nvSpPr>
+        <p:spPr>
+          <a:xfrm>
+            <a:off x="2192191" y="4902172"/>
+            <a:ext cx="1423659" cy="830997"/>
+          </a:xfrm>
+          <a:prstGeom prst="rect">
+            <a:avLst/>
+          </a:prstGeom>
+          <a:noFill/>
+        </p:spPr>
+        <p:txBody>
+          <a:bodyPr wrap="square" rtlCol="0">
+            <a:spAutoFit/>
+          </a:bodyPr>
+          <a:lstStyle/>
+          <a:p>
+            <a:pPr algn="ctr"/>
+            <a:r>
+              <a:rPr lang="pt-BR" sz="1200" b="1" dirty="0">
+                <a:solidFill>
+                  <a:srgbClr val="FF0000"/>
+                </a:solidFill>
+              </a:rPr>
+              <a:t>O modelo aprende perfeitamente até o ruído presente nos dados!</a:t>
+            </a:r>
+          </a:p>
+        </p:txBody>
+      </p:sp>
+      <p:pic>
+        <p:nvPicPr>
+          <p:cNvPr id="9" name="Picture 6">
+            <a:extLst>
+              <a:ext uri="{FF2B5EF4-FFF2-40B4-BE49-F238E27FC236}">
+                <a16:creationId xmlns:a16="http://schemas.microsoft.com/office/drawing/2014/main" id="{7F48D377-FC39-DA3C-AC16-1449B52E6A4C}"/>
+              </a:ext>
+            </a:extLst>
+          </p:cNvPr>
+          <p:cNvPicPr>
+            <a:picLocks noChangeAspect="1"/>
+          </p:cNvPicPr>
+          <p:nvPr/>
+        </p:nvPicPr>
+        <p:blipFill rotWithShape="1">
+          <a:blip r:embed="rId5" cstate="print">
+            <a:extLst>
+              <a:ext uri="{28A0092B-C50C-407E-A947-70E740481C1C}">
+                <a14:useLocalDpi xmlns:a14="http://schemas.microsoft.com/office/drawing/2010/main" val="0"/>
+              </a:ext>
+            </a:extLst>
+          </a:blip>
+          <a:srcRect l="3605" t="10918" r="9456"/>
+          <a:stretch/>
+        </p:blipFill>
+        <p:spPr>
+          <a:xfrm>
+            <a:off x="86169" y="1756037"/>
+            <a:ext cx="2373803" cy="2432314"/>
+          </a:xfrm>
+          <a:prstGeom prst="rect">
+            <a:avLst/>
+          </a:prstGeom>
+        </p:spPr>
+      </p:pic>
+      <p:sp>
+        <p:nvSpPr>
+          <p:cNvPr id="10" name="TextBox 9">
+            <a:extLst>
+              <a:ext uri="{FF2B5EF4-FFF2-40B4-BE49-F238E27FC236}">
+                <a16:creationId xmlns:a16="http://schemas.microsoft.com/office/drawing/2014/main" id="{6D786EF8-F5D3-25D8-4749-140E3D2BCE3B}"/>
+              </a:ext>
+            </a:extLst>
+          </p:cNvPr>
+          <p:cNvSpPr txBox="1"/>
+          <p:nvPr/>
+        </p:nvSpPr>
+        <p:spPr>
+          <a:xfrm>
+            <a:off x="-85209" y="1426150"/>
+            <a:ext cx="2989230" cy="338554"/>
+          </a:xfrm>
+          <a:prstGeom prst="rect">
+            <a:avLst/>
+          </a:prstGeom>
+          <a:noFill/>
+        </p:spPr>
+        <p:txBody>
+          <a:bodyPr wrap="square" rtlCol="0">
+            <a:spAutoFit/>
+          </a:bodyPr>
+          <a:lstStyle/>
+          <a:p>
+            <a:pPr algn="ctr"/>
+            <a:r>
+              <a:rPr lang="pt-BR" sz="1600" dirty="0"/>
+              <a:t>Polinômio de ordem 10.</a:t>
+            </a:r>
+          </a:p>
+        </p:txBody>
+      </p:sp>
+    </p:spTree>
+    <p:extLst>
+      <p:ext uri="{BB962C8B-B14F-4D97-AF65-F5344CB8AC3E}">
+        <p14:creationId xmlns:p14="http://schemas.microsoft.com/office/powerpoint/2010/main" val="2210665171"/>
+      </p:ext>
+    </p:extLst>
+  </p:cSld>
+  <p:clrMapOvr>
+    <a:masterClrMapping/>
+  </p:clrMapOvr>
+</p:sld>
+</file>
+
+<file path=ppt/slides/slide22.xml><?xml version="1.0" encoding="utf-8"?>
+<p:sld xmlns:a="http://schemas.openxmlformats.org/drawingml/2006/main" xmlns:r="http://schemas.openxmlformats.org/officeDocument/2006/relationships" xmlns:p="http://schemas.openxmlformats.org/presentationml/2006/main">
+  <p:cSld>
+    <p:spTree>
+      <p:nvGrpSpPr>
+        <p:cNvPr id="1" name=""/>
+        <p:cNvGrpSpPr/>
+        <p:nvPr/>
+      </p:nvGrpSpPr>
+      <p:grpSpPr>
+        <a:xfrm>
+          <a:off x="0" y="0"/>
+          <a:ext cx="0" cy="0"/>
+          <a:chOff x="0" y="0"/>
+          <a:chExt cx="0" cy="0"/>
+        </a:xfrm>
+      </p:grpSpPr>
+      <p:sp>
+        <p:nvSpPr>
+          <p:cNvPr id="2" name="Título 1">
+            <a:extLst>
+              <a:ext uri="{FF2B5EF4-FFF2-40B4-BE49-F238E27FC236}">
+                <a16:creationId xmlns:a16="http://schemas.microsoft.com/office/drawing/2014/main" id="{948DA561-C103-476F-5F15-EAC4785B2DE1}"/>
+              </a:ext>
+            </a:extLst>
+          </p:cNvPr>
+          <p:cNvSpPr>
+            <a:spLocks noGrp="1"/>
+          </p:cNvSpPr>
+          <p:nvPr>
+            <p:ph type="title"/>
+          </p:nvPr>
+        </p:nvSpPr>
+        <p:spPr/>
+        <p:txBody>
+          <a:bodyPr/>
+          <a:lstStyle/>
+          <a:p>
+            <a:r>
+              <a:rPr lang="pt-BR" dirty="0"/>
+              <a:t>Resumo sobre subajuste e sobreajuste</a:t>
+            </a:r>
+          </a:p>
+        </p:txBody>
+      </p:sp>
+      <p:sp>
+        <p:nvSpPr>
+          <p:cNvPr id="3" name="Espaço Reservado para Conteúdo 2">
+            <a:extLst>
+              <a:ext uri="{FF2B5EF4-FFF2-40B4-BE49-F238E27FC236}">
+                <a16:creationId xmlns:a16="http://schemas.microsoft.com/office/drawing/2014/main" id="{148CD074-A973-0614-EEBE-59869854BB40}"/>
+              </a:ext>
+            </a:extLst>
+          </p:cNvPr>
+          <p:cNvSpPr>
+            <a:spLocks noGrp="1"/>
+          </p:cNvSpPr>
+          <p:nvPr>
+            <p:ph idx="1"/>
+          </p:nvPr>
+        </p:nvSpPr>
+        <p:spPr>
+          <a:xfrm>
+            <a:off x="838199" y="1825624"/>
+            <a:ext cx="11131193" cy="5032375"/>
+          </a:xfrm>
+        </p:spPr>
+        <p:txBody>
+          <a:bodyPr/>
+          <a:lstStyle/>
+          <a:p>
+            <a:r>
+              <a:rPr lang="pt-BR" b="1" dirty="0"/>
+              <a:t>Subajuste</a:t>
+            </a:r>
+            <a:r>
+              <a:rPr lang="pt-BR" dirty="0"/>
+              <a:t>: situação em que o modelo falha em aproximar o </a:t>
+            </a:r>
+            <a:r>
+              <a:rPr lang="pt-BR" b="1" i="1" dirty="0"/>
+              <a:t>mapeamento verdadeiro devido a falta de capacidade</a:t>
+            </a:r>
+            <a:r>
+              <a:rPr lang="pt-BR" dirty="0"/>
+              <a:t>. </a:t>
+            </a:r>
+          </a:p>
+          <a:p>
+            <a:pPr lvl="1">
+              <a:buFont typeface="Wingdings" panose="05000000000000000000" pitchFamily="2" charset="2"/>
+              <a:buChar char="§"/>
+            </a:pPr>
+            <a:r>
+              <a:rPr lang="pt-BR" dirty="0"/>
+              <a:t>Ocorre devido ao baixo grau de flexibilidade do modelo.</a:t>
+            </a:r>
+          </a:p>
+          <a:p>
+            <a:pPr lvl="1">
+              <a:buFont typeface="Wingdings" panose="05000000000000000000" pitchFamily="2" charset="2"/>
+              <a:buChar char="§"/>
+            </a:pPr>
+            <a:r>
+              <a:rPr lang="pt-BR" dirty="0"/>
+              <a:t>O modelo produz erros significativos tanto quando apresentado ao próprio conjunto de treinamento quanto a dados inéditos.</a:t>
+            </a:r>
+          </a:p>
+          <a:p>
+            <a:pPr lvl="1">
+              <a:buFont typeface="Wingdings" panose="05000000000000000000" pitchFamily="2" charset="2"/>
+              <a:buChar char="§"/>
+            </a:pPr>
+            <a:r>
+              <a:rPr lang="pt-BR" dirty="0"/>
+              <a:t>Se o modelo está subajustando, mesmo que o número de exemplos aumente indefinidamente, esta situação não vai desaparecer, é necessário </a:t>
+            </a:r>
+            <a:r>
+              <a:rPr lang="pt-BR" b="1" i="1" dirty="0"/>
+              <a:t>aumentar a flexibilidade do modelo</a:t>
+            </a:r>
+            <a:r>
+              <a:rPr lang="pt-BR" dirty="0"/>
+              <a:t>, ou seja, no caso da regressão polinomial, sua ordem.</a:t>
+            </a:r>
+            <a:endParaRPr lang="pt-BR" dirty="0">
+              <a:cs typeface="Calibri"/>
+            </a:endParaRPr>
+          </a:p>
+        </p:txBody>
+      </p:sp>
+    </p:spTree>
+    <p:extLst>
+      <p:ext uri="{BB962C8B-B14F-4D97-AF65-F5344CB8AC3E}">
+        <p14:creationId xmlns:p14="http://schemas.microsoft.com/office/powerpoint/2010/main" val="178822204"/>
+      </p:ext>
+    </p:extLst>
+  </p:cSld>
+  <p:clrMapOvr>
+    <a:masterClrMapping/>
+  </p:clrMapOvr>
+</p:sld>
+</file>
+
+<file path=ppt/slides/slide23.xml><?xml version="1.0" encoding="utf-8"?>
+<p:sld xmlns:a="http://schemas.openxmlformats.org/drawingml/2006/main" xmlns:r="http://schemas.openxmlformats.org/officeDocument/2006/relationships" xmlns:p="http://schemas.openxmlformats.org/presentationml/2006/main">
+  <p:cSld>
+    <p:spTree>
+      <p:nvGrpSpPr>
+        <p:cNvPr id="1" name=""/>
+        <p:cNvGrpSpPr/>
+        <p:nvPr/>
+      </p:nvGrpSpPr>
+      <p:grpSpPr>
+        <a:xfrm>
+          <a:off x="0" y="0"/>
+          <a:ext cx="0" cy="0"/>
+          <a:chOff x="0" y="0"/>
+          <a:chExt cx="0" cy="0"/>
+        </a:xfrm>
+      </p:grpSpPr>
+      <p:sp>
+        <p:nvSpPr>
+          <p:cNvPr id="2" name="Título 1">
+            <a:extLst>
+              <a:ext uri="{FF2B5EF4-FFF2-40B4-BE49-F238E27FC236}">
+                <a16:creationId xmlns:a16="http://schemas.microsoft.com/office/drawing/2014/main" id="{8DE43A85-BE08-CCCE-F2FF-3993CA1F9727}"/>
+              </a:ext>
+            </a:extLst>
+          </p:cNvPr>
+          <p:cNvSpPr>
+            <a:spLocks noGrp="1"/>
+          </p:cNvSpPr>
+          <p:nvPr>
+            <p:ph type="title"/>
+          </p:nvPr>
+        </p:nvSpPr>
+        <p:spPr/>
+        <p:txBody>
+          <a:bodyPr/>
+          <a:lstStyle/>
+          <a:p>
+            <a:r>
+              <a:rPr lang="pt-BR" dirty="0"/>
+              <a:t>Resumo sobre subajuste e sobreajuste</a:t>
+            </a:r>
+          </a:p>
+        </p:txBody>
+      </p:sp>
+      <p:sp>
+        <p:nvSpPr>
+          <p:cNvPr id="3" name="Espaço Reservado para Conteúdo 2">
+            <a:extLst>
+              <a:ext uri="{FF2B5EF4-FFF2-40B4-BE49-F238E27FC236}">
+                <a16:creationId xmlns:a16="http://schemas.microsoft.com/office/drawing/2014/main" id="{E65A8250-029F-88A1-6088-A9E25EC5120D}"/>
+              </a:ext>
+            </a:extLst>
+          </p:cNvPr>
+          <p:cNvSpPr>
+            <a:spLocks noGrp="1"/>
+          </p:cNvSpPr>
+          <p:nvPr>
+            <p:ph idx="1"/>
+          </p:nvPr>
+        </p:nvSpPr>
+        <p:spPr>
+          <a:xfrm>
+            <a:off x="838200" y="1825624"/>
+            <a:ext cx="11162016" cy="5032375"/>
+          </a:xfrm>
+        </p:spPr>
+        <p:txBody>
+          <a:bodyPr/>
+          <a:lstStyle/>
+          <a:p>
+            <a:r>
+              <a:rPr lang="pt-BR" b="1" dirty="0"/>
+              <a:t>Sobreajuste</a:t>
+            </a:r>
+            <a:r>
+              <a:rPr lang="pt-BR" dirty="0"/>
+              <a:t>: situação em que o modelo se ajusta tão bem aos exemplos de treinamento que ele aprende até o ruído presente nos mesmos (baixo </a:t>
+            </a:r>
+            <a:r>
+              <a:rPr lang="pt-BR" b="1" i="1" dirty="0"/>
+              <a:t>erro de treinamento</a:t>
+            </a:r>
+            <a:r>
+              <a:rPr lang="pt-BR" dirty="0"/>
+              <a:t>). </a:t>
+            </a:r>
+          </a:p>
+          <a:p>
+            <a:r>
+              <a:rPr lang="pt-BR" dirty="0"/>
+              <a:t>Porém, o modelo produz erros significativos quando apresentado a dados inéditos (alto erro de </a:t>
+            </a:r>
+            <a:r>
+              <a:rPr lang="pt-BR" b="1" i="1" dirty="0"/>
+              <a:t>erro de validação</a:t>
+            </a:r>
+            <a:r>
+              <a:rPr lang="pt-BR" dirty="0"/>
+              <a:t>).</a:t>
+            </a:r>
+          </a:p>
+          <a:p>
+            <a:pPr lvl="1">
+              <a:buFont typeface="Wingdings" panose="05000000000000000000" pitchFamily="2" charset="2"/>
+              <a:buChar char="§"/>
+            </a:pPr>
+            <a:r>
+              <a:rPr lang="pt-BR" dirty="0"/>
+              <a:t>Ocorre devido ao alto grau de flexibilidade do modelo.</a:t>
+            </a:r>
+          </a:p>
+          <a:p>
+            <a:pPr lvl="1">
+              <a:buFont typeface="Wingdings" panose="05000000000000000000" pitchFamily="2" charset="2"/>
+              <a:buChar char="§"/>
+            </a:pPr>
+            <a:r>
+              <a:rPr lang="pt-BR" dirty="0"/>
+              <a:t>Se o modelo está </a:t>
+            </a:r>
+            <a:r>
+              <a:rPr lang="pt-BR" dirty="0" err="1"/>
+              <a:t>sobreajustando</a:t>
+            </a:r>
+            <a:r>
+              <a:rPr lang="pt-BR" dirty="0"/>
+              <a:t>, então é necessário diminuir sua flexibilidade ou aumentar o conjunto de treinamento até que o erro de validação atinja o erro de treinamento.</a:t>
+            </a:r>
+          </a:p>
+          <a:p>
+            <a:r>
+              <a:rPr lang="pt-BR" dirty="0"/>
+              <a:t>Nosso objetivo será encontrar um modelo que apresente uma relação de  compromisso entre </a:t>
+            </a:r>
+            <a:r>
+              <a:rPr lang="pt-BR" b="1" i="1" dirty="0">
+                <a:solidFill>
+                  <a:srgbClr val="0070C0"/>
+                </a:solidFill>
+              </a:rPr>
+              <a:t>flexibilidade</a:t>
+            </a:r>
+            <a:r>
+              <a:rPr lang="pt-BR" dirty="0"/>
+              <a:t> e </a:t>
+            </a:r>
+            <a:r>
+              <a:rPr lang="pt-BR" b="1" i="1" dirty="0">
+                <a:solidFill>
+                  <a:srgbClr val="0070C0"/>
+                </a:solidFill>
+              </a:rPr>
+              <a:t>capacidade de generalização</a:t>
+            </a:r>
+            <a:r>
+              <a:rPr lang="pt-BR" dirty="0"/>
+              <a:t>.</a:t>
+            </a:r>
+          </a:p>
+          <a:p>
+            <a:pPr lvl="1">
+              <a:buFont typeface="Wingdings" panose="05000000000000000000" pitchFamily="2" charset="2"/>
+              <a:buChar char="§"/>
+            </a:pPr>
+            <a:r>
+              <a:rPr lang="pt-BR" dirty="0"/>
+              <a:t>Flexibilidade suficiente para capturar o comportamento geral e generalizar bem.</a:t>
+            </a:r>
+          </a:p>
+          <a:p>
+            <a:endParaRPr lang="pt-BR" dirty="0"/>
+          </a:p>
+        </p:txBody>
+      </p:sp>
+    </p:spTree>
+    <p:extLst>
+      <p:ext uri="{BB962C8B-B14F-4D97-AF65-F5344CB8AC3E}">
+        <p14:creationId xmlns:p14="http://schemas.microsoft.com/office/powerpoint/2010/main" val="2313803749"/>
+      </p:ext>
+    </p:extLst>
+  </p:cSld>
+  <p:clrMapOvr>
+    <a:masterClrMapping/>
+  </p:clrMapOvr>
+</p:sld>
+</file>
+
+<file path=ppt/slides/slide24.xml><?xml version="1.0" encoding="utf-8"?>
 <p:sld xmlns:a="http://schemas.openxmlformats.org/drawingml/2006/main" xmlns:r="http://schemas.openxmlformats.org/officeDocument/2006/relationships" xmlns:p="http://schemas.openxmlformats.org/presentationml/2006/main">
   <p:cSld>
     <p:spTree>
@@ -12024,7 +15599,7 @@
 </p:sld>
 </file>
 
-<file path=ppt/slides/slide21.xml><?xml version="1.0" encoding="utf-8"?>
+<file path=ppt/slides/slide25.xml><?xml version="1.0" encoding="utf-8"?>
 <p:sld xmlns:a="http://schemas.openxmlformats.org/drawingml/2006/main" xmlns:r="http://schemas.openxmlformats.org/officeDocument/2006/relationships" xmlns:p="http://schemas.openxmlformats.org/presentationml/2006/main">
   <p:cSld>
     <p:spTree>
@@ -12109,7 +15684,7 @@
 </p:sld>
 </file>
 
-<file path=ppt/slides/slide22.xml><?xml version="1.0" encoding="utf-8"?>
+<file path=ppt/slides/slide26.xml><?xml version="1.0" encoding="utf-8"?>
 <p:sld xmlns:a="http://schemas.openxmlformats.org/drawingml/2006/main" xmlns:r="http://schemas.openxmlformats.org/officeDocument/2006/relationships" xmlns:p="http://schemas.openxmlformats.org/presentationml/2006/main">
   <p:cSld>
     <p:spTree>
@@ -12375,7 +15950,7 @@
 </p:sld>
 </file>
 
-<file path=ppt/slides/slide23.xml><?xml version="1.0" encoding="utf-8"?>
+<file path=ppt/slides/slide27.xml><?xml version="1.0" encoding="utf-8"?>
 <p:sld xmlns:a="http://schemas.openxmlformats.org/drawingml/2006/main" xmlns:r="http://schemas.openxmlformats.org/officeDocument/2006/relationships" xmlns:p="http://schemas.openxmlformats.org/presentationml/2006/main">
   <p:cSld>
     <p:spTree>
@@ -12460,7 +16035,7 @@
 </p:sld>
 </file>
 
-<file path=ppt/slides/slide24.xml><?xml version="1.0" encoding="utf-8"?>
+<file path=ppt/slides/slide28.xml><?xml version="1.0" encoding="utf-8"?>
 <p:sld xmlns:a="http://schemas.openxmlformats.org/drawingml/2006/main" xmlns:r="http://schemas.openxmlformats.org/officeDocument/2006/relationships" xmlns:p="http://schemas.openxmlformats.org/presentationml/2006/main">
   <p:cSld>
     <p:spTree>

--- a/slides/T319_Regressão_Linear (Parte IV).pptx
+++ b/slides/T319_Regressão_Linear (Parte IV).pptx
@@ -8509,25 +8509,7 @@
             </a:pPr>
             <a:r>
               <a:rPr lang="pt-BR" dirty="0"/>
-              <a:t>Projeto final já se encontra no </a:t>
-            </a:r>
-            <a:r>
-              <a:rPr lang="pt-BR" dirty="0" err="1"/>
-              <a:t>github</a:t>
-            </a:r>
-            <a:r>
-              <a:rPr lang="pt-BR" dirty="0"/>
-              <a:t>.</a:t>
-            </a:r>
-          </a:p>
-          <a:p>
-            <a:pPr lvl="1">
-              <a:buFont typeface="Wingdings" panose="05000000000000000000" pitchFamily="2" charset="2"/>
-              <a:buChar char="§"/>
-            </a:pPr>
-            <a:r>
-              <a:rPr lang="pt-BR" dirty="0"/>
-              <a:t>Pode ser feito em grupos de no máximo 3 alunos.</a:t>
+              <a:t>Avaliação e projeto podem ser feitos em grupos de no máximo 3 alunos.</a:t>
             </a:r>
           </a:p>
           <a:p>
@@ -8541,7 +8523,25 @@
                   <a:srgbClr val="FFC000"/>
                 </a:solidFill>
               </a:rPr>
-              <a:t>Presencialmente, faremos apenas o exercício 1</a:t>
+              <a:t>Presencialmente, faremos apenas o exercício 1 do projeto final</a:t>
+            </a:r>
+            <a:r>
+              <a:rPr lang="pt-BR" dirty="0"/>
+              <a:t>.</a:t>
+            </a:r>
+          </a:p>
+          <a:p>
+            <a:pPr lvl="1">
+              <a:buFont typeface="Wingdings" panose="05000000000000000000" pitchFamily="2" charset="2"/>
+              <a:buChar char="§"/>
+            </a:pPr>
+            <a:r>
+              <a:rPr lang="pt-BR" dirty="0"/>
+              <a:t>Projeto final já se encontra no </a:t>
+            </a:r>
+            <a:r>
+              <a:rPr lang="pt-BR" dirty="0" err="1"/>
+              <a:t>github</a:t>
             </a:r>
             <a:r>
               <a:rPr lang="pt-BR" dirty="0"/>
@@ -8597,7 +8597,7 @@
         </p:blipFill>
         <p:spPr>
           <a:xfrm>
-            <a:off x="9450586" y="1835898"/>
+            <a:off x="10145948" y="2857515"/>
             <a:ext cx="1799618" cy="2095290"/>
           </a:xfrm>
           <a:prstGeom prst="rect">
@@ -8615,8 +8615,8 @@
         </p:nvCxnSpPr>
         <p:spPr>
           <a:xfrm>
-            <a:off x="6524090" y="2476072"/>
-            <a:ext cx="2926496" cy="236305"/>
+            <a:off x="6391882" y="3205537"/>
+            <a:ext cx="3754066" cy="1006867"/>
           </a:xfrm>
           <a:prstGeom prst="straightConnector1">
             <a:avLst/>
@@ -8754,7 +8754,7 @@
                   <a:srgbClr val="7030A0"/>
                 </a:solidFill>
               </a:rPr>
-              <a:t>formato mais complexo do que uma simples linha reta ou plano</a:t>
+              <a:t>formato mais complexo do que uma simples reta ou plano</a:t>
             </a:r>
             <a:r>
               <a:rPr lang="pt-BR" sz="4000" dirty="0"/>
@@ -8859,7 +8859,7 @@
                   <a:srgbClr val="7030A0"/>
                 </a:solidFill>
               </a:rPr>
-              <a:t>não seria uma boa escolha para aproximar esses mapeamentos</a:t>
+              <a:t>não seria uma boa escolha para aproximar esses mapeamentos não lineares</a:t>
             </a:r>
             <a:r>
               <a:rPr lang="pt-BR" dirty="0"/>
@@ -8887,15 +8887,7 @@
           <a:p>
             <a:r>
               <a:rPr lang="pt-BR" dirty="0"/>
-              <a:t>Que tipo de função hipótese seria </a:t>
-            </a:r>
-            <a:r>
-              <a:rPr lang="pt-BR"/>
-              <a:t>mais apropriada para aproximar </a:t>
-            </a:r>
-            <a:r>
-              <a:rPr lang="pt-BR" dirty="0"/>
-              <a:t>os comportamentos abaixo?</a:t>
+              <a:t>Portanto, que tipo de função hipótese seria mais apropriada para aproximar esses comportamentos não lineares?</a:t>
             </a:r>
           </a:p>
         </p:txBody>
@@ -9988,7 +9980,7 @@
         <p:spPr>
           <a:xfrm>
             <a:off x="0" y="6581000"/>
-            <a:ext cx="3133618" cy="276999"/>
+            <a:ext cx="5219272" cy="276999"/>
           </a:xfrm>
           <a:prstGeom prst="rect">
             <a:avLst/>
@@ -10003,7 +9995,7 @@
           <a:p>
             <a:r>
               <a:rPr lang="pt-BR" sz="1200" dirty="0"/>
-              <a:t>* A ordem é soma dos expoentes do monômio.</a:t>
+              <a:t>* A ordem é o maior valor resultante da soma dos expoentes dos monômios.</a:t>
             </a:r>
           </a:p>
         </p:txBody>
@@ -10066,8 +10058,8 @@
           </a:p>
         </p:txBody>
       </p:sp>
-      <mc:AlternateContent xmlns:mc="http://schemas.openxmlformats.org/markup-compatibility/2006" xmlns:a14="http://schemas.microsoft.com/office/drawing/2010/main">
-        <mc:Choice Requires="a14">
+      <mc:AlternateContent xmlns:mc="http://schemas.openxmlformats.org/markup-compatibility/2006">
+        <mc:Choice xmlns:a14="http://schemas.microsoft.com/office/drawing/2010/main" Requires="a14">
           <p:sp>
             <p:nvSpPr>
               <p:cNvPr id="3" name="Espaço Reservado para Conteúdo 2">
@@ -10098,7 +10090,7 @@
               <a:p>
                 <a:r>
                   <a:rPr lang="pt-BR" dirty="0"/>
-                  <a:t>Por simplicidade didática, consideraremos </a:t>
+                  <a:t>Por simplicidade didática, nós consideraremos </a:t>
                 </a:r>
                 <a:r>
                   <a:rPr lang="pt-BR" b="1" i="1" dirty="0">
@@ -10120,6 +10112,11 @@
                   <a:rPr lang="pt-BR" dirty="0"/>
                   <a:t>(i.e., atributo):</a:t>
                 </a:r>
+              </a:p>
+              <a:p>
+                <a:pPr marL="0" indent="0">
+                  <a:buNone/>
+                </a:pPr>
                 <a:endParaRPr lang="pt-BR" sz="800" b="1" i="1" dirty="0"/>
               </a:p>
               <a:p>
@@ -11206,7 +11203,23 @@
                       <a:srgbClr val="00B050"/>
                     </a:solidFill>
                   </a:rPr>
-                  <a:t>são diretamente estendidos para </a:t>
+                  <a:t>são </a:t>
+                </a:r>
+                <a:r>
+                  <a:rPr lang="pt-BR" b="1" i="1" dirty="0">
+                    <a:solidFill>
+                      <a:srgbClr val="0070C0"/>
+                    </a:solidFill>
+                  </a:rPr>
+                  <a:t>diretamente</a:t>
+                </a:r>
+                <a:r>
+                  <a:rPr lang="pt-BR" b="1" i="1" dirty="0">
+                    <a:solidFill>
+                      <a:srgbClr val="00B050"/>
+                    </a:solidFill>
+                  </a:rPr>
+                  <a:t> estendidos para </a:t>
                 </a:r>
                 <a:r>
                   <a:rPr lang="pt-BR" b="1" i="1" dirty="0">
@@ -11224,7 +11237,7 @@
             </p:txBody>
           </p:sp>
         </mc:Choice>
-        <mc:Fallback xmlns="">
+        <mc:Fallback>
           <p:sp>
             <p:nvSpPr>
               <p:cNvPr id="3" name="Espaço Reservado para Conteúdo 2">
@@ -11326,8 +11339,8 @@
           </a:p>
         </p:txBody>
       </p:sp>
-      <mc:AlternateContent xmlns:mc="http://schemas.openxmlformats.org/markup-compatibility/2006" xmlns:a14="http://schemas.microsoft.com/office/drawing/2010/main">
-        <mc:Choice Requires="a14">
+      <mc:AlternateContent xmlns:mc="http://schemas.openxmlformats.org/markup-compatibility/2006">
+        <mc:Choice xmlns:a14="http://schemas.microsoft.com/office/drawing/2010/main" Requires="a14">
           <p:sp>
             <p:nvSpPr>
               <p:cNvPr id="3" name="Espaço Reservado para Conteúdo 2">
@@ -11386,13 +11399,25 @@
                 </a14:m>
                 <a:r>
                   <a:rPr lang="pt-BR" dirty="0"/>
-                  <a:t>, são compostos pelos atributos originais e pelos atributos formados através de suas combinações.</a:t>
+                  <a:t>, são </a:t>
+                </a:r>
+                <a:r>
+                  <a:rPr lang="pt-BR" b="1" i="1" dirty="0">
+                    <a:solidFill>
+                      <a:srgbClr val="0070C0"/>
+                    </a:solidFill>
+                  </a:rPr>
+                  <a:t>compostos pelos atributos originais e pelos atributos formados através de suas combinações</a:t>
+                </a:r>
+                <a:r>
+                  <a:rPr lang="pt-BR" dirty="0"/>
+                  <a:t>.</a:t>
                 </a:r>
               </a:p>
               <a:p>
                 <a:r>
                   <a:rPr lang="pt-BR" dirty="0"/>
-                  <a:t>Por exemplo, para o polinômio </a:t>
+                  <a:t>Por exemplo, para o polinômio</a:t>
                 </a:r>
               </a:p>
               <a:p>
@@ -12478,7 +12503,7 @@
             </p:txBody>
           </p:sp>
         </mc:Choice>
-        <mc:Fallback xmlns="">
+        <mc:Fallback>
           <p:sp>
             <p:nvSpPr>
               <p:cNvPr id="3" name="Espaço Reservado para Conteúdo 2">
@@ -12631,8 +12656,16 @@
               <a:t>Porém, o desafio agora é </a:t>
             </a:r>
             <a:r>
+              <a:rPr lang="pt-BR" sz="4000" b="1" i="1" dirty="0">
+                <a:solidFill>
+                  <a:srgbClr val="0070C0"/>
+                </a:solidFill>
+              </a:rPr>
+              <a:t>encontrar a ordem do polinômio</a:t>
+            </a:r>
+            <a:r>
               <a:rPr lang="pt-BR" sz="4000" b="1" i="1" dirty="0"/>
-              <a:t>encontrar a ordem do polinômio </a:t>
+              <a:t> </a:t>
             </a:r>
             <a:r>
               <a:rPr lang="pt-BR" sz="4000" dirty="0"/>
@@ -15029,7 +15062,11 @@
           <a:lstStyle/>
           <a:p>
             <a:r>
-              <a:rPr lang="pt-BR" b="1" dirty="0"/>
+              <a:rPr lang="pt-BR" b="1" dirty="0">
+                <a:solidFill>
+                  <a:srgbClr val="7030A0"/>
+                </a:solidFill>
+              </a:rPr>
               <a:t>Subajuste</a:t>
             </a:r>
             <a:r>
@@ -15173,7 +15210,11 @@
           <a:lstStyle/>
           <a:p>
             <a:r>
-              <a:rPr lang="pt-BR" b="1" dirty="0"/>
+              <a:rPr lang="pt-BR" b="1" dirty="0">
+                <a:solidFill>
+                  <a:srgbClr val="7030A0"/>
+                </a:solidFill>
+              </a:rPr>
               <a:t>Sobreajuste</a:t>
             </a:r>
             <a:r>
@@ -15220,15 +15261,7 @@
             </a:pPr>
             <a:r>
               <a:rPr lang="pt-BR" dirty="0"/>
-              <a:t>Se o modelo está </a:t>
-            </a:r>
-            <a:r>
-              <a:rPr lang="pt-BR" dirty="0" err="1"/>
-              <a:t>sobreajustando</a:t>
-            </a:r>
-            <a:r>
-              <a:rPr lang="pt-BR" dirty="0"/>
-              <a:t>, então é necessário diminuir sua flexibilidade ou aumentar o conjunto de treinamento até que o erro de validação atinja o erro de treinamento.</a:t>
+              <a:t>Se o modelo está sobreajustando, então é necessário diminuir sua flexibilidade ou aumentar o conjunto de treinamento até que o erro de validação atinja o erro de treinamento.</a:t>
             </a:r>
           </a:p>
           <a:p>
@@ -19584,8 +19617,8 @@
           </p:sp>
         </mc:Fallback>
       </mc:AlternateContent>
-      <mc:AlternateContent xmlns:mc="http://schemas.openxmlformats.org/markup-compatibility/2006" xmlns:a14="http://schemas.microsoft.com/office/drawing/2010/main">
-        <mc:Choice Requires="a14">
+      <mc:AlternateContent xmlns:mc="http://schemas.openxmlformats.org/markup-compatibility/2006">
+        <mc:Choice xmlns:a14="http://schemas.microsoft.com/office/drawing/2010/main" Requires="a14">
           <p:sp>
             <p:nvSpPr>
               <p:cNvPr id="5" name="CaixaDeTexto 4">
@@ -20066,11 +20099,24 @@
                             </m:sup>
                           </m:sSup>
                           <m:r>
+                            <a:rPr lang="pt-BR" sz="2400" b="0" i="1" smtClean="0">
+                              <a:latin typeface="Cambria Math" panose="02040503050406030204" pitchFamily="18" charset="0"/>
+                            </a:rPr>
+                            <m:t>     </m:t>
+                          </m:r>
+                          <m:r>
                             <a:rPr lang="pt-BR" sz="2400" i="1">
                               <a:latin typeface="Cambria Math" panose="02040503050406030204" pitchFamily="18" charset="0"/>
                               <a:ea typeface="Cambria Math" panose="02040503050406030204" pitchFamily="18" charset="0"/>
                             </a:rPr>
                             <m:t>≈</m:t>
+                          </m:r>
+                          <m:r>
+                            <a:rPr lang="pt-BR" sz="2400" b="0" i="1" smtClean="0">
+                              <a:latin typeface="Cambria Math" panose="02040503050406030204" pitchFamily="18" charset="0"/>
+                              <a:ea typeface="Cambria Math" panose="02040503050406030204" pitchFamily="18" charset="0"/>
+                            </a:rPr>
+                            <m:t>     </m:t>
                           </m:r>
                           <m:f>
                             <m:fPr>
@@ -20309,7 +20355,7 @@
             </p:txBody>
           </p:sp>
         </mc:Choice>
-        <mc:Fallback xmlns="">
+        <mc:Fallback>
           <p:sp>
             <p:nvSpPr>
               <p:cNvPr id="5" name="CaixaDeTexto 4">
@@ -20334,6 +20380,153 @@
               </a:prstGeom>
               <a:blipFill>
                 <a:blip r:embed="rId4"/>
+                <a:stretch>
+                  <a:fillRect/>
+                </a:stretch>
+              </a:blipFill>
+            </p:spPr>
+            <p:txBody>
+              <a:bodyPr/>
+              <a:lstStyle/>
+              <a:p>
+                <a:r>
+                  <a:rPr lang="pt-BR">
+                    <a:noFill/>
+                  </a:rPr>
+                  <a:t> </a:t>
+                </a:r>
+              </a:p>
+            </p:txBody>
+          </p:sp>
+        </mc:Fallback>
+      </mc:AlternateContent>
+      <mc:AlternateContent xmlns:mc="http://schemas.openxmlformats.org/markup-compatibility/2006">
+        <mc:Choice xmlns:a14="http://schemas.microsoft.com/office/drawing/2010/main" Requires="a14">
+          <p:sp>
+            <p:nvSpPr>
+              <p:cNvPr id="6" name="CaixaDeTexto 5">
+                <a:extLst>
+                  <a:ext uri="{FF2B5EF4-FFF2-40B4-BE49-F238E27FC236}">
+                    <a16:creationId xmlns:a16="http://schemas.microsoft.com/office/drawing/2014/main" id="{08ECB2C4-6A35-B770-7BE5-FA3B789BDC22}"/>
+                  </a:ext>
+                </a:extLst>
+              </p:cNvPr>
+              <p:cNvSpPr txBox="1"/>
+              <p:nvPr/>
+            </p:nvSpPr>
+            <p:spPr>
+              <a:xfrm>
+                <a:off x="7068619" y="5705354"/>
+                <a:ext cx="988887" cy="369332"/>
+              </a:xfrm>
+              <a:prstGeom prst="rect">
+                <a:avLst/>
+              </a:prstGeom>
+              <a:noFill/>
+            </p:spPr>
+            <p:txBody>
+              <a:bodyPr wrap="square">
+                <a:spAutoFit/>
+              </a:bodyPr>
+              <a:lstStyle/>
+              <a:p>
+                <a:pPr/>
+                <a14:m>
+                  <m:oMathPara xmlns:m="http://schemas.openxmlformats.org/officeDocument/2006/math">
+                    <m:oMathParaPr>
+                      <m:jc m:val="centerGroup"/>
+                    </m:oMathParaPr>
+                    <m:oMath xmlns:m="http://schemas.openxmlformats.org/officeDocument/2006/math">
+                      <m:sSub>
+                        <m:sSubPr>
+                          <m:ctrlPr>
+                            <a:rPr lang="pt-BR" i="1" smtClean="0">
+                              <a:latin typeface="Cambria Math" panose="02040503050406030204" pitchFamily="18" charset="0"/>
+                            </a:rPr>
+                          </m:ctrlPr>
+                        </m:sSubPr>
+                        <m:e>
+                          <m:r>
+                            <a:rPr lang="pt-BR" i="1">
+                              <a:latin typeface="Cambria Math" panose="02040503050406030204" pitchFamily="18" charset="0"/>
+                            </a:rPr>
+                            <m:t>𝑥</m:t>
+                          </m:r>
+                        </m:e>
+                        <m:sub>
+                          <m:r>
+                            <a:rPr lang="pt-BR" i="1">
+                              <a:latin typeface="Cambria Math" panose="02040503050406030204" pitchFamily="18" charset="0"/>
+                            </a:rPr>
+                            <m:t>1</m:t>
+                          </m:r>
+                        </m:sub>
+                      </m:sSub>
+                      <m:r>
+                        <a:rPr lang="pt-BR" i="1">
+                          <a:latin typeface="Cambria Math" panose="02040503050406030204" pitchFamily="18" charset="0"/>
+                          <a:ea typeface="Cambria Math" panose="02040503050406030204" pitchFamily="18" charset="0"/>
+                        </a:rPr>
+                        <m:t>≫</m:t>
+                      </m:r>
+                      <m:sSub>
+                        <m:sSubPr>
+                          <m:ctrlPr>
+                            <a:rPr lang="pt-BR" i="1">
+                              <a:latin typeface="Cambria Math" panose="02040503050406030204" pitchFamily="18" charset="0"/>
+                            </a:rPr>
+                          </m:ctrlPr>
+                        </m:sSubPr>
+                        <m:e>
+                          <m:r>
+                            <a:rPr lang="pt-BR" i="1">
+                              <a:latin typeface="Cambria Math" panose="02040503050406030204" pitchFamily="18" charset="0"/>
+                            </a:rPr>
+                            <m:t>𝑥</m:t>
+                          </m:r>
+                        </m:e>
+                        <m:sub>
+                          <m:r>
+                            <a:rPr lang="pt-BR" i="1">
+                              <a:latin typeface="Cambria Math" panose="02040503050406030204" pitchFamily="18" charset="0"/>
+                            </a:rPr>
+                            <m:t>2</m:t>
+                          </m:r>
+                        </m:sub>
+                      </m:sSub>
+                    </m:oMath>
+                  </m:oMathPara>
+                </a14:m>
+                <a:endParaRPr lang="pt-BR" dirty="0"/>
+              </a:p>
+            </p:txBody>
+          </p:sp>
+        </mc:Choice>
+        <mc:Fallback>
+          <p:sp>
+            <p:nvSpPr>
+              <p:cNvPr id="6" name="CaixaDeTexto 5">
+                <a:extLst>
+                  <a:ext uri="{FF2B5EF4-FFF2-40B4-BE49-F238E27FC236}">
+                    <a16:creationId xmlns:a16="http://schemas.microsoft.com/office/drawing/2014/main" id="{08ECB2C4-6A35-B770-7BE5-FA3B789BDC22}"/>
+                  </a:ext>
+                </a:extLst>
+              </p:cNvPr>
+              <p:cNvSpPr txBox="1">
+                <a:spLocks noRot="1" noChangeAspect="1" noMove="1" noResize="1" noEditPoints="1" noAdjustHandles="1" noChangeArrowheads="1" noChangeShapeType="1" noTextEdit="1"/>
+              </p:cNvSpPr>
+              <p:nvPr/>
+            </p:nvSpPr>
+            <p:spPr>
+              <a:xfrm>
+                <a:off x="7068619" y="5705354"/>
+                <a:ext cx="988887" cy="369332"/>
+              </a:xfrm>
+              <a:prstGeom prst="rect">
+                <a:avLst/>
+              </a:prstGeom>
+              <a:blipFill>
+                <a:blip r:embed="rId5"/>
                 <a:stretch>
                   <a:fillRect/>
                 </a:stretch>
@@ -20412,8 +20605,8 @@
           </a:p>
         </p:txBody>
       </p:sp>
-      <mc:AlternateContent xmlns:mc="http://schemas.openxmlformats.org/markup-compatibility/2006" xmlns:a14="http://schemas.microsoft.com/office/drawing/2010/main">
-        <mc:Choice Requires="a14">
+      <mc:AlternateContent xmlns:mc="http://schemas.openxmlformats.org/markup-compatibility/2006">
+        <mc:Choice xmlns:a14="http://schemas.microsoft.com/office/drawing/2010/main" Requires="a14">
           <p:sp>
             <p:nvSpPr>
               <p:cNvPr id="3" name="Espaço Reservado para Conteúdo 2">
@@ -20680,13 +20873,13 @@
                       <a:schemeClr val="tx1"/>
                     </a:solidFill>
                   </a:rPr>
-                  <a:t> serão muito pequenas devido a pequena inclinação da superfície nessa direção.</a:t>
+                  <a:t> serão muito pequenas devido à pequena inclinação da superfície nessa direção.</a:t>
                 </a:r>
               </a:p>
             </p:txBody>
           </p:sp>
         </mc:Choice>
-        <mc:Fallback xmlns="">
+        <mc:Fallback>
           <p:sp>
             <p:nvSpPr>
               <p:cNvPr id="3" name="Espaço Reservado para Conteúdo 2">
@@ -21096,7 +21289,19 @@
             </a:r>
             <a:r>
               <a:rPr lang="pt-BR" dirty="0"/>
-              <a:t> contribuíra com o mesmo peso para o cálculo do erro.</a:t>
+              <a:t> </a:t>
+            </a:r>
+            <a:r>
+              <a:rPr lang="pt-BR" b="1" i="1" dirty="0">
+                <a:solidFill>
+                  <a:srgbClr val="0070C0"/>
+                </a:solidFill>
+              </a:rPr>
+              <a:t>contribuíra com o mesmo peso </a:t>
+            </a:r>
+            <a:r>
+              <a:rPr lang="pt-BR" dirty="0"/>
+              <a:t>para o cálculo do erro.</a:t>
             </a:r>
           </a:p>
           <a:p>
@@ -21209,8 +21414,8 @@
           </a:p>
         </p:txBody>
       </p:sp>
-      <mc:AlternateContent xmlns:mc="http://schemas.openxmlformats.org/markup-compatibility/2006" xmlns:a14="http://schemas.microsoft.com/office/drawing/2010/main">
-        <mc:Choice Requires="a14">
+      <mc:AlternateContent xmlns:mc="http://schemas.openxmlformats.org/markup-compatibility/2006">
+        <mc:Choice xmlns:a14="http://schemas.microsoft.com/office/drawing/2010/main" Requires="a14">
           <p:sp>
             <p:nvSpPr>
               <p:cNvPr id="3" name="Content Placeholder 2"/>
@@ -21334,10 +21539,10 @@
                         </m:dPr>
                         <m:e>
                           <m:r>
-                            <a:rPr lang="pt-BR" i="1">
+                            <a:rPr lang="pt-BR" b="0" i="1" smtClean="0">
                               <a:latin typeface="Cambria Math" panose="02040503050406030204" pitchFamily="18" charset="0"/>
                             </a:rPr>
-                            <m:t>𝑖</m:t>
+                            <m:t>𝑛</m:t>
                           </m:r>
                         </m:e>
                       </m:d>
@@ -21391,10 +21596,10 @@
                             </m:dPr>
                             <m:e>
                               <m:r>
-                                <a:rPr lang="pt-BR" i="1">
+                                <a:rPr lang="pt-BR" b="0" i="1" smtClean="0">
                                   <a:latin typeface="Cambria Math" panose="02040503050406030204" pitchFamily="18" charset="0"/>
                                 </a:rPr>
-                                <m:t>𝑖</m:t>
+                                <m:t>𝑛</m:t>
                               </m:r>
                             </m:e>
                           </m:d>
@@ -21622,10 +21827,10 @@
                         </m:dPr>
                         <m:e>
                           <m:r>
-                            <a:rPr lang="pt-BR" i="1">
+                            <a:rPr lang="pt-BR" b="0" i="1" smtClean="0">
                               <a:latin typeface="Cambria Math" panose="02040503050406030204" pitchFamily="18" charset="0"/>
                             </a:rPr>
-                            <m:t>𝑖</m:t>
+                            <m:t>𝑛</m:t>
                           </m:r>
                         </m:e>
                       </m:d>
@@ -21708,10 +21913,10 @@
                 <a14:m>
                   <m:oMath xmlns:m="http://schemas.openxmlformats.org/officeDocument/2006/math">
                     <m:r>
-                      <a:rPr lang="pt-BR" i="1">
+                      <a:rPr lang="pt-BR" b="0" i="1" smtClean="0">
                         <a:latin typeface="Cambria Math" panose="02040503050406030204" pitchFamily="18" charset="0"/>
                       </a:rPr>
-                      <m:t>𝑖</m:t>
+                      <m:t>𝑛</m:t>
                     </m:r>
                     <m:r>
                       <a:rPr lang="pt-BR" i="1">
@@ -21882,7 +22087,7 @@
             </p:txBody>
           </p:sp>
         </mc:Choice>
-        <mc:Fallback xmlns="">
+        <mc:Fallback>
           <p:sp>
             <p:nvSpPr>
               <p:cNvPr id="3" name="Content Placeholder 2"/>
@@ -21972,8 +22177,8 @@
           </a:p>
         </p:txBody>
       </p:sp>
-      <mc:AlternateContent xmlns:mc="http://schemas.openxmlformats.org/markup-compatibility/2006" xmlns:a14="http://schemas.microsoft.com/office/drawing/2010/main">
-        <mc:Choice Requires="a14">
+      <mc:AlternateContent xmlns:mc="http://schemas.openxmlformats.org/markup-compatibility/2006">
+        <mc:Choice xmlns:a14="http://schemas.microsoft.com/office/drawing/2010/main" Requires="a14">
           <p:sp>
             <p:nvSpPr>
               <p:cNvPr id="3" name="Content Placeholder 2"/>
@@ -22010,7 +22215,31 @@
                       <a:srgbClr val="00B050"/>
                     </a:solidFill>
                   </a:rPr>
-                  <a:t>atributos passem a ter média zero e desvio padrão unitário</a:t>
+                  <a:t>atributos passem a ter </a:t>
+                </a:r>
+                <a:r>
+                  <a:rPr lang="pt-BR" b="1" i="1" dirty="0">
+                    <a:solidFill>
+                      <a:srgbClr val="0070C0"/>
+                    </a:solidFill>
+                  </a:rPr>
+                  <a:t>média zero </a:t>
+                </a:r>
+                <a:r>
+                  <a:rPr lang="pt-BR" b="1" i="1" dirty="0">
+                    <a:solidFill>
+                      <a:srgbClr val="00B050"/>
+                    </a:solidFill>
+                  </a:rPr>
+                  <a:t>e </a:t>
+                </a:r>
+                <a:r>
+                  <a:rPr lang="pt-BR" b="1" i="1" dirty="0">
+                    <a:solidFill>
+                      <a:srgbClr val="0070C0"/>
+                    </a:solidFill>
+                  </a:rPr>
+                  <a:t>desvio padrão unitário</a:t>
                 </a:r>
                 <a:r>
                   <a:rPr lang="pt-BR" dirty="0"/>
@@ -22111,10 +22340,10 @@
                         </m:dPr>
                         <m:e>
                           <m:r>
-                            <a:rPr lang="pt-BR" sz="2600" i="1">
+                            <a:rPr lang="pt-BR" sz="2600" b="0" i="1" smtClean="0">
                               <a:latin typeface="Cambria Math" panose="02040503050406030204" pitchFamily="18" charset="0"/>
                             </a:rPr>
-                            <m:t>𝑖</m:t>
+                            <m:t>𝑛</m:t>
                           </m:r>
                         </m:e>
                       </m:d>
@@ -22168,10 +22397,10 @@
                             </m:dPr>
                             <m:e>
                               <m:r>
-                                <a:rPr lang="pt-BR" sz="2600" i="1">
+                                <a:rPr lang="pt-BR" sz="2600" b="0" i="1" smtClean="0">
                                   <a:latin typeface="Cambria Math" panose="02040503050406030204" pitchFamily="18" charset="0"/>
                                 </a:rPr>
-                                <m:t>𝑖</m:t>
+                                <m:t>𝑛</m:t>
                               </m:r>
                             </m:e>
                           </m:d>
@@ -22344,10 +22573,10 @@
                 <a14:m>
                   <m:oMath xmlns:m="http://schemas.openxmlformats.org/officeDocument/2006/math">
                     <m:r>
-                      <a:rPr lang="pt-BR" i="1">
+                      <a:rPr lang="pt-BR" b="0" i="1" smtClean="0">
                         <a:latin typeface="Cambria Math" panose="02040503050406030204" pitchFamily="18" charset="0"/>
                       </a:rPr>
-                      <m:t>𝑖</m:t>
+                      <m:t>𝑛</m:t>
                     </m:r>
                     <m:r>
                       <a:rPr lang="pt-BR" i="1">
@@ -22518,7 +22747,7 @@
             </p:txBody>
           </p:sp>
         </mc:Choice>
-        <mc:Fallback xmlns="">
+        <mc:Fallback>
           <p:sp>
             <p:nvSpPr>
               <p:cNvPr id="3" name="Content Placeholder 2"/>

--- a/slides/T319_Regressão_Linear (Parte IV).pptx
+++ b/slides/T319_Regressão_Linear (Parte IV).pptx
@@ -551,7 +551,7 @@
           <a:p>
             <a:fld id="{DAF0AF11-6A8A-4E64-94F5-26D4FBA2A01D}" type="datetimeFigureOut">
               <a:rPr lang="nl-BE" smtClean="0"/>
-              <a:t>27/10/2023</a:t>
+              <a:t>28/10/2023</a:t>
             </a:fld>
             <a:endParaRPr lang="nl-BE"/>
           </a:p>
@@ -5156,7 +5156,7 @@
           <a:p>
             <a:fld id="{C80E15A5-E95B-43EB-9AC7-9A96397448C0}" type="datetimeFigureOut">
               <a:rPr lang="nl-BE" smtClean="0"/>
-              <a:t>27/10/2023</a:t>
+              <a:t>28/10/2023</a:t>
             </a:fld>
             <a:endParaRPr lang="nl-BE"/>
           </a:p>
@@ -5326,7 +5326,7 @@
           <a:p>
             <a:fld id="{C80E15A5-E95B-43EB-9AC7-9A96397448C0}" type="datetimeFigureOut">
               <a:rPr lang="nl-BE" smtClean="0"/>
-              <a:t>27/10/2023</a:t>
+              <a:t>28/10/2023</a:t>
             </a:fld>
             <a:endParaRPr lang="nl-BE"/>
           </a:p>
@@ -5506,7 +5506,7 @@
           <a:p>
             <a:fld id="{C80E15A5-E95B-43EB-9AC7-9A96397448C0}" type="datetimeFigureOut">
               <a:rPr lang="nl-BE" smtClean="0"/>
-              <a:t>27/10/2023</a:t>
+              <a:t>28/10/2023</a:t>
             </a:fld>
             <a:endParaRPr lang="nl-BE"/>
           </a:p>
@@ -5676,7 +5676,7 @@
           <a:p>
             <a:fld id="{C80E15A5-E95B-43EB-9AC7-9A96397448C0}" type="datetimeFigureOut">
               <a:rPr lang="nl-BE" smtClean="0"/>
-              <a:t>27/10/2023</a:t>
+              <a:t>28/10/2023</a:t>
             </a:fld>
             <a:endParaRPr lang="nl-BE"/>
           </a:p>
@@ -5922,7 +5922,7 @@
           <a:p>
             <a:fld id="{C80E15A5-E95B-43EB-9AC7-9A96397448C0}" type="datetimeFigureOut">
               <a:rPr lang="nl-BE" smtClean="0"/>
-              <a:t>27/10/2023</a:t>
+              <a:t>28/10/2023</a:t>
             </a:fld>
             <a:endParaRPr lang="nl-BE"/>
           </a:p>
@@ -6154,7 +6154,7 @@
           <a:p>
             <a:fld id="{C80E15A5-E95B-43EB-9AC7-9A96397448C0}" type="datetimeFigureOut">
               <a:rPr lang="nl-BE" smtClean="0"/>
-              <a:t>27/10/2023</a:t>
+              <a:t>28/10/2023</a:t>
             </a:fld>
             <a:endParaRPr lang="nl-BE"/>
           </a:p>
@@ -6521,7 +6521,7 @@
           <a:p>
             <a:fld id="{C80E15A5-E95B-43EB-9AC7-9A96397448C0}" type="datetimeFigureOut">
               <a:rPr lang="nl-BE" smtClean="0"/>
-              <a:t>27/10/2023</a:t>
+              <a:t>28/10/2023</a:t>
             </a:fld>
             <a:endParaRPr lang="nl-BE"/>
           </a:p>
@@ -6639,7 +6639,7 @@
           <a:p>
             <a:fld id="{C80E15A5-E95B-43EB-9AC7-9A96397448C0}" type="datetimeFigureOut">
               <a:rPr lang="nl-BE" smtClean="0"/>
-              <a:t>27/10/2023</a:t>
+              <a:t>28/10/2023</a:t>
             </a:fld>
             <a:endParaRPr lang="nl-BE"/>
           </a:p>
@@ -6734,7 +6734,7 @@
           <a:p>
             <a:fld id="{C80E15A5-E95B-43EB-9AC7-9A96397448C0}" type="datetimeFigureOut">
               <a:rPr lang="nl-BE" smtClean="0"/>
-              <a:t>27/10/2023</a:t>
+              <a:t>28/10/2023</a:t>
             </a:fld>
             <a:endParaRPr lang="nl-BE"/>
           </a:p>
@@ -7011,7 +7011,7 @@
           <a:p>
             <a:fld id="{C80E15A5-E95B-43EB-9AC7-9A96397448C0}" type="datetimeFigureOut">
               <a:rPr lang="nl-BE" smtClean="0"/>
-              <a:t>27/10/2023</a:t>
+              <a:t>28/10/2023</a:t>
             </a:fld>
             <a:endParaRPr lang="nl-BE"/>
           </a:p>
@@ -7264,7 +7264,7 @@
           <a:p>
             <a:fld id="{C80E15A5-E95B-43EB-9AC7-9A96397448C0}" type="datetimeFigureOut">
               <a:rPr lang="nl-BE" smtClean="0"/>
-              <a:t>27/10/2023</a:t>
+              <a:t>28/10/2023</a:t>
             </a:fld>
             <a:endParaRPr lang="nl-BE"/>
           </a:p>
@@ -7477,7 +7477,7 @@
           <a:p>
             <a:fld id="{C80E15A5-E95B-43EB-9AC7-9A96397448C0}" type="datetimeFigureOut">
               <a:rPr lang="nl-BE" smtClean="0"/>
-              <a:t>27/10/2023</a:t>
+              <a:t>28/10/2023</a:t>
             </a:fld>
             <a:endParaRPr lang="nl-BE"/>
           </a:p>
@@ -8563,7 +8563,7 @@
                   <a:srgbClr val="0070C0"/>
                 </a:solidFill>
               </a:rPr>
-              <a:t>13/12/2023</a:t>
+              <a:t>12/12/2023</a:t>
             </a:r>
             <a:r>
               <a:rPr lang="pt-BR" dirty="0"/>
@@ -10058,8 +10058,8 @@
           </a:p>
         </p:txBody>
       </p:sp>
-      <mc:AlternateContent xmlns:mc="http://schemas.openxmlformats.org/markup-compatibility/2006">
-        <mc:Choice xmlns:a14="http://schemas.microsoft.com/office/drawing/2010/main" Requires="a14">
+      <mc:AlternateContent xmlns:mc="http://schemas.openxmlformats.org/markup-compatibility/2006" xmlns:a14="http://schemas.microsoft.com/office/drawing/2010/main">
+        <mc:Choice Requires="a14">
           <p:sp>
             <p:nvSpPr>
               <p:cNvPr id="3" name="Espaço Reservado para Conteúdo 2">
@@ -11237,7 +11237,7 @@
             </p:txBody>
           </p:sp>
         </mc:Choice>
-        <mc:Fallback>
+        <mc:Fallback xmlns="">
           <p:sp>
             <p:nvSpPr>
               <p:cNvPr id="3" name="Espaço Reservado para Conteúdo 2">
@@ -11339,8 +11339,8 @@
           </a:p>
         </p:txBody>
       </p:sp>
-      <mc:AlternateContent xmlns:mc="http://schemas.openxmlformats.org/markup-compatibility/2006">
-        <mc:Choice xmlns:a14="http://schemas.microsoft.com/office/drawing/2010/main" Requires="a14">
+      <mc:AlternateContent xmlns:mc="http://schemas.openxmlformats.org/markup-compatibility/2006" xmlns:a14="http://schemas.microsoft.com/office/drawing/2010/main">
+        <mc:Choice Requires="a14">
           <p:sp>
             <p:nvSpPr>
               <p:cNvPr id="3" name="Espaço Reservado para Conteúdo 2">
@@ -12503,7 +12503,7 @@
             </p:txBody>
           </p:sp>
         </mc:Choice>
-        <mc:Fallback>
+        <mc:Fallback xmlns="">
           <p:sp>
             <p:nvSpPr>
               <p:cNvPr id="3" name="Espaço Reservado para Conteúdo 2">
@@ -15553,7 +15553,23 @@
                   <a:srgbClr val="00B050"/>
                 </a:solidFill>
               </a:rPr>
-              <a:t>Os outros devem ser entregues até 13/12/2023.</a:t>
+              <a:t>Os outros devem ser entregues </a:t>
+            </a:r>
+            <a:r>
+              <a:rPr lang="pt-BR" b="1">
+                <a:solidFill>
+                  <a:srgbClr val="00B050"/>
+                </a:solidFill>
+              </a:rPr>
+              <a:t>até 12/12/2023</a:t>
+            </a:r>
+            <a:r>
+              <a:rPr lang="pt-BR" b="1" dirty="0">
+                <a:solidFill>
+                  <a:srgbClr val="00B050"/>
+                </a:solidFill>
+              </a:rPr>
+              <a:t>.</a:t>
             </a:r>
           </a:p>
         </p:txBody>
@@ -19617,8 +19633,8 @@
           </p:sp>
         </mc:Fallback>
       </mc:AlternateContent>
-      <mc:AlternateContent xmlns:mc="http://schemas.openxmlformats.org/markup-compatibility/2006">
-        <mc:Choice xmlns:a14="http://schemas.microsoft.com/office/drawing/2010/main" Requires="a14">
+      <mc:AlternateContent xmlns:mc="http://schemas.openxmlformats.org/markup-compatibility/2006" xmlns:a14="http://schemas.microsoft.com/office/drawing/2010/main">
+        <mc:Choice Requires="a14">
           <p:sp>
             <p:nvSpPr>
               <p:cNvPr id="5" name="CaixaDeTexto 4">
@@ -20355,7 +20371,7 @@
             </p:txBody>
           </p:sp>
         </mc:Choice>
-        <mc:Fallback>
+        <mc:Fallback xmlns="">
           <p:sp>
             <p:nvSpPr>
               <p:cNvPr id="5" name="CaixaDeTexto 4">
@@ -20400,8 +20416,8 @@
           </p:sp>
         </mc:Fallback>
       </mc:AlternateContent>
-      <mc:AlternateContent xmlns:mc="http://schemas.openxmlformats.org/markup-compatibility/2006">
-        <mc:Choice xmlns:a14="http://schemas.microsoft.com/office/drawing/2010/main" Requires="a14">
+      <mc:AlternateContent xmlns:mc="http://schemas.openxmlformats.org/markup-compatibility/2006" xmlns:a14="http://schemas.microsoft.com/office/drawing/2010/main">
+        <mc:Choice Requires="a14">
           <p:sp>
             <p:nvSpPr>
               <p:cNvPr id="6" name="CaixaDeTexto 5">
@@ -20502,7 +20518,7 @@
             </p:txBody>
           </p:sp>
         </mc:Choice>
-        <mc:Fallback>
+        <mc:Fallback xmlns="">
           <p:sp>
             <p:nvSpPr>
               <p:cNvPr id="6" name="CaixaDeTexto 5">
@@ -20605,8 +20621,8 @@
           </a:p>
         </p:txBody>
       </p:sp>
-      <mc:AlternateContent xmlns:mc="http://schemas.openxmlformats.org/markup-compatibility/2006">
-        <mc:Choice xmlns:a14="http://schemas.microsoft.com/office/drawing/2010/main" Requires="a14">
+      <mc:AlternateContent xmlns:mc="http://schemas.openxmlformats.org/markup-compatibility/2006" xmlns:a14="http://schemas.microsoft.com/office/drawing/2010/main">
+        <mc:Choice Requires="a14">
           <p:sp>
             <p:nvSpPr>
               <p:cNvPr id="3" name="Espaço Reservado para Conteúdo 2">
@@ -20879,7 +20895,7 @@
             </p:txBody>
           </p:sp>
         </mc:Choice>
-        <mc:Fallback>
+        <mc:Fallback xmlns="">
           <p:sp>
             <p:nvSpPr>
               <p:cNvPr id="3" name="Espaço Reservado para Conteúdo 2">
@@ -21341,11 +21357,21 @@
           <a:p>
             <a:r>
               <a:rPr lang="pt-BR" b="1" dirty="0"/>
-              <a:t>OBS</a:t>
+              <a:t>Observações</a:t>
             </a:r>
             <a:r>
               <a:rPr lang="pt-BR" dirty="0"/>
-              <a:t>.: Aplicamos o escalonamento </a:t>
+              <a:t>: </a:t>
+            </a:r>
+          </a:p>
+          <a:p>
+            <a:pPr lvl="1">
+              <a:buFont typeface="Wingdings" panose="05000000000000000000" pitchFamily="2" charset="2"/>
+              <a:buChar char="§"/>
+            </a:pPr>
+            <a:r>
+              <a:rPr lang="pt-BR" dirty="0"/>
+              <a:t>Em geral, aplicamos o escalonamento </a:t>
             </a:r>
             <a:r>
               <a:rPr lang="pt-BR" b="1" i="1" dirty="0">
@@ -21358,6 +21384,16 @@
             <a:r>
               <a:rPr lang="pt-BR" dirty="0"/>
               <a:t>e não aos rótulos.</a:t>
+            </a:r>
+          </a:p>
+          <a:p>
+            <a:pPr lvl="1">
+              <a:buFont typeface="Wingdings" panose="05000000000000000000" pitchFamily="2" charset="2"/>
+              <a:buChar char="§"/>
+            </a:pPr>
+            <a:r>
+              <a:rPr lang="pt-BR" dirty="0"/>
+              <a:t>O escalonamento altera os valores dos pesos.</a:t>
             </a:r>
           </a:p>
         </p:txBody>
@@ -21414,8 +21450,8 @@
           </a:p>
         </p:txBody>
       </p:sp>
-      <mc:AlternateContent xmlns:mc="http://schemas.openxmlformats.org/markup-compatibility/2006">
-        <mc:Choice xmlns:a14="http://schemas.microsoft.com/office/drawing/2010/main" Requires="a14">
+      <mc:AlternateContent xmlns:mc="http://schemas.openxmlformats.org/markup-compatibility/2006" xmlns:a14="http://schemas.microsoft.com/office/drawing/2010/main">
+        <mc:Choice Requires="a14">
           <p:sp>
             <p:nvSpPr>
               <p:cNvPr id="3" name="Content Placeholder 2"/>
@@ -22087,7 +22123,7 @@
             </p:txBody>
           </p:sp>
         </mc:Choice>
-        <mc:Fallback>
+        <mc:Fallback xmlns="">
           <p:sp>
             <p:nvSpPr>
               <p:cNvPr id="3" name="Content Placeholder 2"/>
@@ -22177,8 +22213,8 @@
           </a:p>
         </p:txBody>
       </p:sp>
-      <mc:AlternateContent xmlns:mc="http://schemas.openxmlformats.org/markup-compatibility/2006">
-        <mc:Choice xmlns:a14="http://schemas.microsoft.com/office/drawing/2010/main" Requires="a14">
+      <mc:AlternateContent xmlns:mc="http://schemas.openxmlformats.org/markup-compatibility/2006" xmlns:a14="http://schemas.microsoft.com/office/drawing/2010/main">
+        <mc:Choice Requires="a14">
           <p:sp>
             <p:nvSpPr>
               <p:cNvPr id="3" name="Content Placeholder 2"/>
@@ -22267,7 +22303,7 @@
               <a:p>
                 <a:r>
                   <a:rPr lang="pt-BR" dirty="0"/>
-                  <a:t>A equação usada para normalizar os atributos é apresentada abaixo.</a:t>
+                  <a:t>A equação usada para padronizar os atributos é apresentada abaixo.</a:t>
                 </a:r>
               </a:p>
               <a:p>
@@ -22747,7 +22783,7 @@
             </p:txBody>
           </p:sp>
         </mc:Choice>
-        <mc:Fallback>
+        <mc:Fallback xmlns="">
           <p:sp>
             <p:nvSpPr>
               <p:cNvPr id="3" name="Content Placeholder 2"/>

--- a/slides/T319_Regressão_Linear (Parte IV).pptx
+++ b/slides/T319_Regressão_Linear (Parte IV).pptx
@@ -7887,7 +7887,7 @@
           <p:cNvPr id="2" name="Título 1">
             <a:extLst>
               <a:ext uri="{FF2B5EF4-FFF2-40B4-BE49-F238E27FC236}">
-                <a16:creationId xmlns:a16="http://schemas.microsoft.com/office/drawing/2014/main" id="{32666AC8-2E17-4DB4-B0F5-60C640CCFD2E}"/>
+                <a16:creationId xmlns:a16="http://schemas.microsoft.com/office/drawing/2014/main" xmlns="" id="{32666AC8-2E17-4DB4-B0F5-60C640CCFD2E}"/>
               </a:ext>
             </a:extLst>
           </p:cNvPr>
@@ -7914,6 +7914,10 @@
               <a:rPr lang="pt-BR" sz="5400" dirty="0"/>
               <a:t>T319 - Introdução ao Aprendizado de Máquina:</a:t>
             </a:r>
+            <a:r>
+              <a:rPr lang="pt-BR" dirty="0"/>
+              <a:t/>
+            </a:r>
             <a:br>
               <a:rPr lang="pt-BR" dirty="0"/>
             </a:br>
@@ -7929,7 +7933,7 @@
           <p:cNvPr id="4" name="CaixaDeTexto 3">
             <a:extLst>
               <a:ext uri="{FF2B5EF4-FFF2-40B4-BE49-F238E27FC236}">
-                <a16:creationId xmlns:a16="http://schemas.microsoft.com/office/drawing/2014/main" id="{430EB894-B7D4-434C-9D1A-A14094D9BEEC}"/>
+                <a16:creationId xmlns:a16="http://schemas.microsoft.com/office/drawing/2014/main" xmlns="" id="{430EB894-B7D4-434C-9D1A-A14094D9BEEC}"/>
               </a:ext>
             </a:extLst>
           </p:cNvPr>
@@ -7970,7 +7974,7 @@
           <p:cNvPr id="1026" name="Picture 2" descr="Logo">
             <a:extLst>
               <a:ext uri="{FF2B5EF4-FFF2-40B4-BE49-F238E27FC236}">
-                <a16:creationId xmlns:a16="http://schemas.microsoft.com/office/drawing/2014/main" id="{3F2642E0-4F6A-4196-8F58-E77D36E9A33F}"/>
+                <a16:creationId xmlns:a16="http://schemas.microsoft.com/office/drawing/2014/main" xmlns="" id="{3F2642E0-4F6A-4196-8F58-E77D36E9A33F}"/>
               </a:ext>
             </a:extLst>
           </p:cNvPr>
@@ -8015,7 +8019,7 @@
           <p:cNvPr id="5122" name="Picture 2" descr="Image result for machine learning">
             <a:extLst>
               <a:ext uri="{FF2B5EF4-FFF2-40B4-BE49-F238E27FC236}">
-                <a16:creationId xmlns:a16="http://schemas.microsoft.com/office/drawing/2014/main" id="{810CE0A2-4102-44A6-A370-175E7896CDCB}"/>
+                <a16:creationId xmlns:a16="http://schemas.microsoft.com/office/drawing/2014/main" xmlns="" id="{810CE0A2-4102-44A6-A370-175E7896CDCB}"/>
               </a:ext>
             </a:extLst>
           </p:cNvPr>
@@ -8090,7 +8094,7 @@
           <p:cNvPr id="2" name="Título 1">
             <a:extLst>
               <a:ext uri="{FF2B5EF4-FFF2-40B4-BE49-F238E27FC236}">
-                <a16:creationId xmlns:a16="http://schemas.microsoft.com/office/drawing/2014/main" id="{0424EA61-8827-8572-A25B-F27A0372F1A1}"/>
+                <a16:creationId xmlns:a16="http://schemas.microsoft.com/office/drawing/2014/main" xmlns="" id="{0424EA61-8827-8572-A25B-F27A0372F1A1}"/>
               </a:ext>
             </a:extLst>
           </p:cNvPr>
@@ -8118,7 +8122,7 @@
           <p:cNvPr id="3" name="Espaço Reservado para Conteúdo 2">
             <a:extLst>
               <a:ext uri="{FF2B5EF4-FFF2-40B4-BE49-F238E27FC236}">
-                <a16:creationId xmlns:a16="http://schemas.microsoft.com/office/drawing/2014/main" id="{845E4B59-80A8-56C0-25C4-BFA92D9C3922}"/>
+                <a16:creationId xmlns:a16="http://schemas.microsoft.com/office/drawing/2014/main" xmlns="" id="{845E4B59-80A8-56C0-25C4-BFA92D9C3922}"/>
               </a:ext>
             </a:extLst>
           </p:cNvPr>
@@ -8240,7 +8244,7 @@
           <p:cNvPr id="4" name="Down Arrow 6">
             <a:extLst>
               <a:ext uri="{FF2B5EF4-FFF2-40B4-BE49-F238E27FC236}">
-                <a16:creationId xmlns:a16="http://schemas.microsoft.com/office/drawing/2014/main" id="{9EC0A304-6BF7-0106-1DCD-0BAE870C81A4}"/>
+                <a16:creationId xmlns:a16="http://schemas.microsoft.com/office/drawing/2014/main" xmlns="" id="{9EC0A304-6BF7-0106-1DCD-0BAE870C81A4}"/>
               </a:ext>
             </a:extLst>
           </p:cNvPr>
@@ -8286,7 +8290,7 @@
           <p:cNvPr id="5" name="TextBox 7">
             <a:extLst>
               <a:ext uri="{FF2B5EF4-FFF2-40B4-BE49-F238E27FC236}">
-                <a16:creationId xmlns:a16="http://schemas.microsoft.com/office/drawing/2014/main" id="{4A9A665F-F9C1-E9D6-8F71-7AA8D3C1A3D0}"/>
+                <a16:creationId xmlns:a16="http://schemas.microsoft.com/office/drawing/2014/main" xmlns="" id="{4A9A665F-F9C1-E9D6-8F71-7AA8D3C1A3D0}"/>
               </a:ext>
             </a:extLst>
           </p:cNvPr>
@@ -8322,7 +8326,7 @@
           <p:cNvPr id="6" name="Picture 2">
             <a:extLst>
               <a:ext uri="{FF2B5EF4-FFF2-40B4-BE49-F238E27FC236}">
-                <a16:creationId xmlns:a16="http://schemas.microsoft.com/office/drawing/2014/main" id="{05750B62-6E28-097F-4641-70369CB0DA15}"/>
+                <a16:creationId xmlns:a16="http://schemas.microsoft.com/office/drawing/2014/main" xmlns="" id="{05750B62-6E28-097F-4641-70369CB0DA15}"/>
               </a:ext>
             </a:extLst>
           </p:cNvPr>
@@ -8367,7 +8371,7 @@
           <p:cNvPr id="7" name="Picture 4">
             <a:extLst>
               <a:ext uri="{FF2B5EF4-FFF2-40B4-BE49-F238E27FC236}">
-                <a16:creationId xmlns:a16="http://schemas.microsoft.com/office/drawing/2014/main" id="{AF50A6F5-3CB0-7A2B-3781-AABE8B9214A7}"/>
+                <a16:creationId xmlns:a16="http://schemas.microsoft.com/office/drawing/2014/main" xmlns="" id="{AF50A6F5-3CB0-7A2B-3781-AABE8B9214A7}"/>
               </a:ext>
             </a:extLst>
           </p:cNvPr>
@@ -8678,7 +8682,7 @@
           <p:cNvPr id="3" name="Espaço Reservado para Conteúdo 2">
             <a:extLst>
               <a:ext uri="{FF2B5EF4-FFF2-40B4-BE49-F238E27FC236}">
-                <a16:creationId xmlns:a16="http://schemas.microsoft.com/office/drawing/2014/main" id="{F1FE5A28-1E1B-635A-C058-06D29085DA81}"/>
+                <a16:creationId xmlns:a16="http://schemas.microsoft.com/office/drawing/2014/main" xmlns="" id="{F1FE5A28-1E1B-635A-C058-06D29085DA81}"/>
               </a:ext>
             </a:extLst>
           </p:cNvPr>
@@ -8897,7 +8901,7 @@
           <p:cNvPr id="1026" name="Picture 2">
             <a:extLst>
               <a:ext uri="{FF2B5EF4-FFF2-40B4-BE49-F238E27FC236}">
-                <a16:creationId xmlns:a16="http://schemas.microsoft.com/office/drawing/2014/main" id="{06837711-F344-71F7-05F7-6D7544B9B41D}"/>
+                <a16:creationId xmlns:a16="http://schemas.microsoft.com/office/drawing/2014/main" xmlns="" id="{06837711-F344-71F7-05F7-6D7544B9B41D}"/>
               </a:ext>
             </a:extLst>
           </p:cNvPr>
@@ -8944,7 +8948,7 @@
           <p:cNvPr id="1028" name="Picture 4">
             <a:extLst>
               <a:ext uri="{FF2B5EF4-FFF2-40B4-BE49-F238E27FC236}">
-                <a16:creationId xmlns:a16="http://schemas.microsoft.com/office/drawing/2014/main" id="{A3D394B0-10D0-D352-0C0A-DA9D937B409D}"/>
+                <a16:creationId xmlns:a16="http://schemas.microsoft.com/office/drawing/2014/main" xmlns="" id="{A3D394B0-10D0-D352-0C0A-DA9D937B409D}"/>
               </a:ext>
             </a:extLst>
           </p:cNvPr>
@@ -8991,7 +8995,7 @@
           <p:cNvPr id="1030" name="Picture 6">
             <a:extLst>
               <a:ext uri="{FF2B5EF4-FFF2-40B4-BE49-F238E27FC236}">
-                <a16:creationId xmlns:a16="http://schemas.microsoft.com/office/drawing/2014/main" id="{5E8EF3A6-1C86-F66B-A540-C6751A783D0A}"/>
+                <a16:creationId xmlns:a16="http://schemas.microsoft.com/office/drawing/2014/main" xmlns="" id="{5E8EF3A6-1C86-F66B-A540-C6751A783D0A}"/>
               </a:ext>
             </a:extLst>
           </p:cNvPr>
@@ -9068,7 +9072,7 @@
           <p:cNvPr id="2" name="Título 1">
             <a:extLst>
               <a:ext uri="{FF2B5EF4-FFF2-40B4-BE49-F238E27FC236}">
-                <a16:creationId xmlns:a16="http://schemas.microsoft.com/office/drawing/2014/main" id="{21F56071-21E1-357F-4173-B56206620D05}"/>
+                <a16:creationId xmlns:a16="http://schemas.microsoft.com/office/drawing/2014/main" xmlns="" id="{21F56071-21E1-357F-4173-B56206620D05}"/>
               </a:ext>
             </a:extLst>
           </p:cNvPr>
@@ -9098,7 +9102,7 @@
               <p:cNvPr id="3" name="Espaço Reservado para Conteúdo 2">
                 <a:extLst>
                   <a:ext uri="{FF2B5EF4-FFF2-40B4-BE49-F238E27FC236}">
-                    <a16:creationId xmlns:a16="http://schemas.microsoft.com/office/drawing/2014/main" id="{3D00CBD0-9559-9C3D-3D01-45F852EF7362}"/>
+                    <a16:creationId xmlns:a16="http://schemas.microsoft.com/office/drawing/2014/main" xmlns="" id="{3D00CBD0-9559-9C3D-3D01-45F852EF7362}"/>
                   </a:ext>
                 </a:extLst>
               </p:cNvPr>
@@ -9918,7 +9922,7 @@
           <p:cNvPr id="4" name="Retângulo 3">
             <a:extLst>
               <a:ext uri="{FF2B5EF4-FFF2-40B4-BE49-F238E27FC236}">
-                <a16:creationId xmlns:a16="http://schemas.microsoft.com/office/drawing/2014/main" id="{98410D9F-6DA2-5D2B-64D2-3968F703B466}"/>
+                <a16:creationId xmlns:a16="http://schemas.microsoft.com/office/drawing/2014/main" xmlns="" id="{98410D9F-6DA2-5D2B-64D2-3968F703B466}"/>
               </a:ext>
             </a:extLst>
           </p:cNvPr>
@@ -9970,7 +9974,7 @@
           <p:cNvPr id="5" name="CaixaDeTexto 4">
             <a:extLst>
               <a:ext uri="{FF2B5EF4-FFF2-40B4-BE49-F238E27FC236}">
-                <a16:creationId xmlns:a16="http://schemas.microsoft.com/office/drawing/2014/main" id="{EEC46CB1-84F4-F9C2-774C-BEF6DAFB7BC8}"/>
+                <a16:creationId xmlns:a16="http://schemas.microsoft.com/office/drawing/2014/main" xmlns="" id="{EEC46CB1-84F4-F9C2-774C-BEF6DAFB7BC8}"/>
               </a:ext>
             </a:extLst>
           </p:cNvPr>
@@ -10035,7 +10039,7 @@
           <p:cNvPr id="2" name="Título 1">
             <a:extLst>
               <a:ext uri="{FF2B5EF4-FFF2-40B4-BE49-F238E27FC236}">
-                <a16:creationId xmlns:a16="http://schemas.microsoft.com/office/drawing/2014/main" id="{6A533856-0BF8-BD87-5B10-56217211A862}"/>
+                <a16:creationId xmlns:a16="http://schemas.microsoft.com/office/drawing/2014/main" xmlns="" id="{6A533856-0BF8-BD87-5B10-56217211A862}"/>
               </a:ext>
             </a:extLst>
           </p:cNvPr>
@@ -10065,7 +10069,7 @@
               <p:cNvPr id="3" name="Espaço Reservado para Conteúdo 2">
                 <a:extLst>
                   <a:ext uri="{FF2B5EF4-FFF2-40B4-BE49-F238E27FC236}">
-                    <a16:creationId xmlns:a16="http://schemas.microsoft.com/office/drawing/2014/main" id="{0493FCEB-EA3F-F1A7-D154-34521F5D7ADF}"/>
+                    <a16:creationId xmlns:a16="http://schemas.microsoft.com/office/drawing/2014/main" xmlns="" id="{0493FCEB-EA3F-F1A7-D154-34521F5D7ADF}"/>
                   </a:ext>
                 </a:extLst>
               </p:cNvPr>
@@ -11316,7 +11320,7 @@
           <p:cNvPr id="2" name="Título 1">
             <a:extLst>
               <a:ext uri="{FF2B5EF4-FFF2-40B4-BE49-F238E27FC236}">
-                <a16:creationId xmlns:a16="http://schemas.microsoft.com/office/drawing/2014/main" id="{48FE1700-1035-D231-E381-8EEF54EB3939}"/>
+                <a16:creationId xmlns:a16="http://schemas.microsoft.com/office/drawing/2014/main" xmlns="" id="{48FE1700-1035-D231-E381-8EEF54EB3939}"/>
               </a:ext>
             </a:extLst>
           </p:cNvPr>
@@ -11346,7 +11350,7 @@
               <p:cNvPr id="3" name="Espaço Reservado para Conteúdo 2">
                 <a:extLst>
                   <a:ext uri="{FF2B5EF4-FFF2-40B4-BE49-F238E27FC236}">
-                    <a16:creationId xmlns:a16="http://schemas.microsoft.com/office/drawing/2014/main" id="{F2E5602A-661E-0742-2B1B-2D2F60E5F350}"/>
+                    <a16:creationId xmlns:a16="http://schemas.microsoft.com/office/drawing/2014/main" xmlns="" id="{F2E5602A-661E-0742-2B1B-2D2F60E5F350}"/>
                   </a:ext>
                 </a:extLst>
               </p:cNvPr>
@@ -12552,7 +12556,7 @@
           <p:cNvPr id="4" name="CaixaDeTexto 3">
             <a:extLst>
               <a:ext uri="{FF2B5EF4-FFF2-40B4-BE49-F238E27FC236}">
-                <a16:creationId xmlns:a16="http://schemas.microsoft.com/office/drawing/2014/main" id="{C03990FB-DFD6-B54B-2947-E7351CEAABCB}"/>
+                <a16:creationId xmlns:a16="http://schemas.microsoft.com/office/drawing/2014/main" xmlns="" id="{C03990FB-DFD6-B54B-2947-E7351CEAABCB}"/>
               </a:ext>
             </a:extLst>
           </p:cNvPr>
@@ -12625,7 +12629,7 @@
           <p:cNvPr id="3" name="Espaço Reservado para Conteúdo 2">
             <a:extLst>
               <a:ext uri="{FF2B5EF4-FFF2-40B4-BE49-F238E27FC236}">
-                <a16:creationId xmlns:a16="http://schemas.microsoft.com/office/drawing/2014/main" id="{F15B2C4D-3FEC-F7B1-1411-0CBBB1D67C76}"/>
+                <a16:creationId xmlns:a16="http://schemas.microsoft.com/office/drawing/2014/main" xmlns="" id="{F15B2C4D-3FEC-F7B1-1411-0CBBB1D67C76}"/>
               </a:ext>
             </a:extLst>
           </p:cNvPr>
@@ -13408,7 +13412,7 @@
           <p:cNvPr id="9" name="Picture 3">
             <a:extLst>
               <a:ext uri="{FF2B5EF4-FFF2-40B4-BE49-F238E27FC236}">
-                <a16:creationId xmlns:a16="http://schemas.microsoft.com/office/drawing/2014/main" id="{971277B8-D9BF-FD6D-F46B-8292E2CBD348}"/>
+                <a16:creationId xmlns:a16="http://schemas.microsoft.com/office/drawing/2014/main" xmlns="" id="{971277B8-D9BF-FD6D-F46B-8292E2CBD348}"/>
               </a:ext>
             </a:extLst>
           </p:cNvPr>
@@ -13443,7 +13447,7 @@
           <p:cNvPr id="10" name="TextBox 4">
             <a:extLst>
               <a:ext uri="{FF2B5EF4-FFF2-40B4-BE49-F238E27FC236}">
-                <a16:creationId xmlns:a16="http://schemas.microsoft.com/office/drawing/2014/main" id="{A9A5F38D-44C1-F6DE-B3D9-D2EED54CAD37}"/>
+                <a16:creationId xmlns:a16="http://schemas.microsoft.com/office/drawing/2014/main" xmlns="" id="{A9A5F38D-44C1-F6DE-B3D9-D2EED54CAD37}"/>
               </a:ext>
             </a:extLst>
           </p:cNvPr>
@@ -13479,7 +13483,7 @@
           <p:cNvPr id="11" name="Straight Arrow Connector 6">
             <a:extLst>
               <a:ext uri="{FF2B5EF4-FFF2-40B4-BE49-F238E27FC236}">
-                <a16:creationId xmlns:a16="http://schemas.microsoft.com/office/drawing/2014/main" id="{FE18B37C-4DAB-978C-11D8-ECF1DB98356C}"/>
+                <a16:creationId xmlns:a16="http://schemas.microsoft.com/office/drawing/2014/main" xmlns="" id="{FE18B37C-4DAB-978C-11D8-ECF1DB98356C}"/>
               </a:ext>
             </a:extLst>
           </p:cNvPr>
@@ -13521,7 +13525,7 @@
           <p:cNvPr id="12" name="CaixaDeTexto 11">
             <a:extLst>
               <a:ext uri="{FF2B5EF4-FFF2-40B4-BE49-F238E27FC236}">
-                <a16:creationId xmlns:a16="http://schemas.microsoft.com/office/drawing/2014/main" id="{2C015F85-7637-66CE-ABF7-0C37F66DA5C8}"/>
+                <a16:creationId xmlns:a16="http://schemas.microsoft.com/office/drawing/2014/main" xmlns="" id="{2C015F85-7637-66CE-ABF7-0C37F66DA5C8}"/>
               </a:ext>
             </a:extLst>
           </p:cNvPr>
@@ -13557,7 +13561,7 @@
           <p:cNvPr id="13" name="TextBox 13">
             <a:extLst>
               <a:ext uri="{FF2B5EF4-FFF2-40B4-BE49-F238E27FC236}">
-                <a16:creationId xmlns:a16="http://schemas.microsoft.com/office/drawing/2014/main" id="{6E8860D6-1DCD-8BBB-4C2B-1DA9B54D81F7}"/>
+                <a16:creationId xmlns:a16="http://schemas.microsoft.com/office/drawing/2014/main" xmlns="" id="{6E8860D6-1DCD-8BBB-4C2B-1DA9B54D81F7}"/>
               </a:ext>
             </a:extLst>
           </p:cNvPr>
@@ -13633,7 +13637,7 @@
           <p:cNvPr id="2" name="Título 1">
             <a:extLst>
               <a:ext uri="{FF2B5EF4-FFF2-40B4-BE49-F238E27FC236}">
-                <a16:creationId xmlns:a16="http://schemas.microsoft.com/office/drawing/2014/main" id="{DD5EE20E-C2CA-1D41-604C-AA0081D648FE}"/>
+                <a16:creationId xmlns:a16="http://schemas.microsoft.com/office/drawing/2014/main" xmlns="" id="{DD5EE20E-C2CA-1D41-604C-AA0081D648FE}"/>
               </a:ext>
             </a:extLst>
           </p:cNvPr>
@@ -13661,7 +13665,7 @@
           <p:cNvPr id="3" name="Espaço Reservado para Conteúdo 2">
             <a:extLst>
               <a:ext uri="{FF2B5EF4-FFF2-40B4-BE49-F238E27FC236}">
-                <a16:creationId xmlns:a16="http://schemas.microsoft.com/office/drawing/2014/main" id="{CBDA6684-E210-0E4A-BDB4-331FAEBDE571}"/>
+                <a16:creationId xmlns:a16="http://schemas.microsoft.com/office/drawing/2014/main" xmlns="" id="{CBDA6684-E210-0E4A-BDB4-331FAEBDE571}"/>
               </a:ext>
             </a:extLst>
           </p:cNvPr>
@@ -13686,13 +13690,38 @@
           <a:p>
             <a:r>
               <a:rPr lang="pt-BR" dirty="0"/>
-              <a:t>Polinômio de ordem 1 não tem flexibilidade o suficiente para aproximar bem os dados.</a:t>
-            </a:r>
-          </a:p>
-          <a:p>
+              <a:t>Polinômio de ordem 1 </a:t>
+            </a:r>
+            <a:r>
+              <a:rPr lang="pt-BR" dirty="0" smtClean="0"/>
+              <a:t>(i.e., reta) não </a:t>
+            </a:r>
             <a:r>
               <a:rPr lang="pt-BR" dirty="0"/>
-              <a:t>O modelo erra muito tanto para predição dos exemplos de treinamento quanto para exemplos de validação (ou seja, exemplos não vistos durante o treinamento).</a:t>
+              <a:t>tem flexibilidade o suficiente para </a:t>
+            </a:r>
+            <a:r>
+              <a:rPr lang="pt-BR" dirty="0" smtClean="0"/>
+              <a:t>aproximar o comportamento po</a:t>
+            </a:r>
+            <a:r>
+              <a:rPr lang="pt-BR" dirty="0" smtClean="0"/>
+              <a:t>r trás das amostras ruidosas, ou seja, a função objetivo</a:t>
+            </a:r>
+            <a:r>
+              <a:rPr lang="pt-BR" dirty="0" smtClean="0"/>
+              <a:t>.</a:t>
+            </a:r>
+            <a:endParaRPr lang="pt-BR" dirty="0"/>
+          </a:p>
+          <a:p>
+            <a:r>
+              <a:rPr lang="pt-BR" dirty="0" smtClean="0"/>
+              <a:t>O erro (MSE) é alto para exemplos dos conjuntos de treinamento e de validação (i.e., </a:t>
+            </a:r>
+            <a:r>
+              <a:rPr lang="pt-BR" dirty="0"/>
+              <a:t>exemplos não vistos durante o treinamento).</a:t>
             </a:r>
           </a:p>
           <a:p>
@@ -13740,7 +13769,7 @@
           <p:cNvPr id="4" name="Picture 4">
             <a:extLst>
               <a:ext uri="{FF2B5EF4-FFF2-40B4-BE49-F238E27FC236}">
-                <a16:creationId xmlns:a16="http://schemas.microsoft.com/office/drawing/2014/main" id="{24B47E99-C3FF-F680-1481-32D81E515417}"/>
+                <a16:creationId xmlns:a16="http://schemas.microsoft.com/office/drawing/2014/main" xmlns="" id="{24B47E99-C3FF-F680-1481-32D81E515417}"/>
               </a:ext>
             </a:extLst>
           </p:cNvPr>
@@ -13775,7 +13804,7 @@
           <p:cNvPr id="5" name="TextBox 6">
             <a:extLst>
               <a:ext uri="{FF2B5EF4-FFF2-40B4-BE49-F238E27FC236}">
-                <a16:creationId xmlns:a16="http://schemas.microsoft.com/office/drawing/2014/main" id="{E00C4409-6F95-86ED-2C62-0A54530E8387}"/>
+                <a16:creationId xmlns:a16="http://schemas.microsoft.com/office/drawing/2014/main" xmlns="" id="{E00C4409-6F95-86ED-2C62-0A54530E8387}"/>
               </a:ext>
             </a:extLst>
           </p:cNvPr>
@@ -13785,7 +13814,7 @@
         <p:spPr>
           <a:xfrm>
             <a:off x="3083834" y="2817089"/>
-            <a:ext cx="2196510" cy="738664"/>
+            <a:ext cx="2382018" cy="954107"/>
           </a:xfrm>
           <a:prstGeom prst="rect">
             <a:avLst/>
@@ -13801,8 +13830,25 @@
             <a:pPr algn="ctr"/>
             <a:r>
               <a:rPr lang="pt-BR" sz="1400" dirty="0"/>
-              <a:t>Reta não é flexível o suficiente para se contorcer a aproximar os dados.</a:t>
-            </a:r>
+              <a:t>Reta não é flexível o suficiente para se contorcer </a:t>
+            </a:r>
+            <a:r>
+              <a:rPr lang="pt-BR" sz="1400" dirty="0" smtClean="0"/>
+              <a:t>e </a:t>
+            </a:r>
+            <a:r>
+              <a:rPr lang="pt-BR" sz="1400" dirty="0"/>
+              <a:t>aproximar </a:t>
+            </a:r>
+            <a:r>
+              <a:rPr lang="pt-BR" sz="1400" dirty="0" smtClean="0"/>
+              <a:t>o comportamento da função objetivo</a:t>
+            </a:r>
+            <a:r>
+              <a:rPr lang="pt-BR" sz="1400" dirty="0" smtClean="0"/>
+              <a:t>.</a:t>
+            </a:r>
+            <a:endParaRPr lang="pt-BR" sz="1400" dirty="0"/>
           </a:p>
         </p:txBody>
       </p:sp>
@@ -13811,7 +13857,7 @@
           <p:cNvPr id="6" name="Straight Arrow Connector 7">
             <a:extLst>
               <a:ext uri="{FF2B5EF4-FFF2-40B4-BE49-F238E27FC236}">
-                <a16:creationId xmlns:a16="http://schemas.microsoft.com/office/drawing/2014/main" id="{D1840F50-38E1-D02F-F2C7-B39CE2D56437}"/>
+                <a16:creationId xmlns:a16="http://schemas.microsoft.com/office/drawing/2014/main" xmlns="" id="{D1840F50-38E1-D02F-F2C7-B39CE2D56437}"/>
               </a:ext>
             </a:extLst>
           </p:cNvPr>
@@ -13822,8 +13868,8 @@
         </p:nvCxnSpPr>
         <p:spPr>
           <a:xfrm flipH="1">
-            <a:off x="2643410" y="3555753"/>
-            <a:ext cx="1538679" cy="386026"/>
+            <a:off x="2643411" y="3771196"/>
+            <a:ext cx="1631432" cy="170584"/>
           </a:xfrm>
           <a:prstGeom prst="straightConnector1">
             <a:avLst/>
@@ -13855,7 +13901,7 @@
           <p:cNvPr id="7" name="TextBox 15">
             <a:extLst>
               <a:ext uri="{FF2B5EF4-FFF2-40B4-BE49-F238E27FC236}">
-                <a16:creationId xmlns:a16="http://schemas.microsoft.com/office/drawing/2014/main" id="{268CC806-853F-CD82-ACC2-8374178A8EDC}"/>
+                <a16:creationId xmlns:a16="http://schemas.microsoft.com/office/drawing/2014/main" xmlns="" id="{268CC806-853F-CD82-ACC2-8374178A8EDC}"/>
               </a:ext>
             </a:extLst>
           </p:cNvPr>
@@ -13891,7 +13937,7 @@
           <p:cNvPr id="8" name="TextBox 20">
             <a:extLst>
               <a:ext uri="{FF2B5EF4-FFF2-40B4-BE49-F238E27FC236}">
-                <a16:creationId xmlns:a16="http://schemas.microsoft.com/office/drawing/2014/main" id="{6F6299EA-56C9-1B0F-17CF-8BF460C786E5}"/>
+                <a16:creationId xmlns:a16="http://schemas.microsoft.com/office/drawing/2014/main" xmlns="" id="{6F6299EA-56C9-1B0F-17CF-8BF460C786E5}"/>
               </a:ext>
             </a:extLst>
           </p:cNvPr>
@@ -13969,7 +14015,7 @@
           <p:cNvPr id="2" name="Título 1">
             <a:extLst>
               <a:ext uri="{FF2B5EF4-FFF2-40B4-BE49-F238E27FC236}">
-                <a16:creationId xmlns:a16="http://schemas.microsoft.com/office/drawing/2014/main" id="{59ECFE43-F7D9-E130-2EB1-809C87CF7AD8}"/>
+                <a16:creationId xmlns:a16="http://schemas.microsoft.com/office/drawing/2014/main" xmlns="" id="{59ECFE43-F7D9-E130-2EB1-809C87CF7AD8}"/>
               </a:ext>
             </a:extLst>
           </p:cNvPr>
@@ -13997,7 +14043,7 @@
           <p:cNvPr id="3" name="Espaço Reservado para Conteúdo 2">
             <a:extLst>
               <a:ext uri="{FF2B5EF4-FFF2-40B4-BE49-F238E27FC236}">
-                <a16:creationId xmlns:a16="http://schemas.microsoft.com/office/drawing/2014/main" id="{00C0F30D-21E1-FEB6-D8CC-F291F7C684FA}"/>
+                <a16:creationId xmlns:a16="http://schemas.microsoft.com/office/drawing/2014/main" xmlns="" id="{00C0F30D-21E1-FEB6-D8CC-F291F7C684FA}"/>
               </a:ext>
             </a:extLst>
           </p:cNvPr>
@@ -14236,7 +14282,7 @@
           <p:cNvPr id="2" name="Título 1">
             <a:extLst>
               <a:ext uri="{FF2B5EF4-FFF2-40B4-BE49-F238E27FC236}">
-                <a16:creationId xmlns:a16="http://schemas.microsoft.com/office/drawing/2014/main" id="{D6125CB6-F4F2-5219-54F7-A9AAFDA9F68B}"/>
+                <a16:creationId xmlns:a16="http://schemas.microsoft.com/office/drawing/2014/main" xmlns="" id="{D6125CB6-F4F2-5219-54F7-A9AAFDA9F68B}"/>
               </a:ext>
             </a:extLst>
           </p:cNvPr>
@@ -14264,7 +14310,7 @@
           <p:cNvPr id="3" name="Espaço Reservado para Conteúdo 2">
             <a:extLst>
               <a:ext uri="{FF2B5EF4-FFF2-40B4-BE49-F238E27FC236}">
-                <a16:creationId xmlns:a16="http://schemas.microsoft.com/office/drawing/2014/main" id="{4912AB7B-92E3-1D5B-5751-963C899F8ABA}"/>
+                <a16:creationId xmlns:a16="http://schemas.microsoft.com/office/drawing/2014/main" xmlns="" id="{4912AB7B-92E3-1D5B-5751-963C899F8ABA}"/>
               </a:ext>
             </a:extLst>
           </p:cNvPr>
@@ -14289,7 +14335,23 @@
           <a:p>
             <a:r>
               <a:rPr lang="pt-BR" dirty="0"/>
-              <a:t>Porém, como esperado, o polinômio de ordem 2 produz a melhor aproximação dos dados, errando pouco para exemplos de treinamento e validação.</a:t>
+              <a:t>Porém, como esperado, o polinômio de ordem 2 produz a melhor </a:t>
+            </a:r>
+            <a:r>
+              <a:rPr lang="pt-BR" dirty="0" smtClean="0"/>
+              <a:t>aproximação da função objetivo, </a:t>
+            </a:r>
+            <a:r>
+              <a:rPr lang="pt-BR" dirty="0"/>
+              <a:t>errando pouco para exemplos </a:t>
+            </a:r>
+            <a:r>
+              <a:rPr lang="pt-BR" dirty="0" smtClean="0"/>
+              <a:t>dos conjuntos de </a:t>
+            </a:r>
+            <a:r>
+              <a:rPr lang="pt-BR" dirty="0"/>
+              <a:t>treinamento e validação.</a:t>
             </a:r>
           </a:p>
           <a:p>
@@ -14335,7 +14397,7 @@
           <p:cNvPr id="4" name="Picture 5">
             <a:extLst>
               <a:ext uri="{FF2B5EF4-FFF2-40B4-BE49-F238E27FC236}">
-                <a16:creationId xmlns:a16="http://schemas.microsoft.com/office/drawing/2014/main" id="{9D0D98C1-1BA5-EAB7-B280-C9A915CF1FA9}"/>
+                <a16:creationId xmlns:a16="http://schemas.microsoft.com/office/drawing/2014/main" xmlns="" id="{9D0D98C1-1BA5-EAB7-B280-C9A915CF1FA9}"/>
               </a:ext>
             </a:extLst>
           </p:cNvPr>
@@ -14370,7 +14432,7 @@
           <p:cNvPr id="5" name="TextBox 10">
             <a:extLst>
               <a:ext uri="{FF2B5EF4-FFF2-40B4-BE49-F238E27FC236}">
-                <a16:creationId xmlns:a16="http://schemas.microsoft.com/office/drawing/2014/main" id="{B8D5A352-1EC6-D770-F2CA-0D29D82D2D1F}"/>
+                <a16:creationId xmlns:a16="http://schemas.microsoft.com/office/drawing/2014/main" xmlns="" id="{B8D5A352-1EC6-D770-F2CA-0D29D82D2D1F}"/>
               </a:ext>
             </a:extLst>
           </p:cNvPr>
@@ -14406,7 +14468,7 @@
           <p:cNvPr id="6" name="Straight Arrow Connector 11">
             <a:extLst>
               <a:ext uri="{FF2B5EF4-FFF2-40B4-BE49-F238E27FC236}">
-                <a16:creationId xmlns:a16="http://schemas.microsoft.com/office/drawing/2014/main" id="{F1580188-0958-A270-DA4E-706411FA28A4}"/>
+                <a16:creationId xmlns:a16="http://schemas.microsoft.com/office/drawing/2014/main" xmlns="" id="{F1580188-0958-A270-DA4E-706411FA28A4}"/>
               </a:ext>
             </a:extLst>
           </p:cNvPr>
@@ -14450,7 +14512,7 @@
           <p:cNvPr id="7" name="TextBox 16">
             <a:extLst>
               <a:ext uri="{FF2B5EF4-FFF2-40B4-BE49-F238E27FC236}">
-                <a16:creationId xmlns:a16="http://schemas.microsoft.com/office/drawing/2014/main" id="{78216476-FF52-174B-4F04-F9F5C396F83A}"/>
+                <a16:creationId xmlns:a16="http://schemas.microsoft.com/office/drawing/2014/main" xmlns="" id="{78216476-FF52-174B-4F04-F9F5C396F83A}"/>
               </a:ext>
             </a:extLst>
           </p:cNvPr>
@@ -14486,7 +14548,7 @@
           <p:cNvPr id="8" name="TextBox 21">
             <a:extLst>
               <a:ext uri="{FF2B5EF4-FFF2-40B4-BE49-F238E27FC236}">
-                <a16:creationId xmlns:a16="http://schemas.microsoft.com/office/drawing/2014/main" id="{8240FF74-19CE-C68B-DD15-50ED4D004192}"/>
+                <a16:creationId xmlns:a16="http://schemas.microsoft.com/office/drawing/2014/main" xmlns="" id="{8240FF74-19CE-C68B-DD15-50ED4D004192}"/>
               </a:ext>
             </a:extLst>
           </p:cNvPr>
@@ -14592,7 +14654,7 @@
           <p:cNvPr id="2" name="Título 1">
             <a:extLst>
               <a:ext uri="{FF2B5EF4-FFF2-40B4-BE49-F238E27FC236}">
-                <a16:creationId xmlns:a16="http://schemas.microsoft.com/office/drawing/2014/main" id="{B5E1F1AB-C643-8CA8-B494-3A22151853AA}"/>
+                <a16:creationId xmlns:a16="http://schemas.microsoft.com/office/drawing/2014/main" xmlns="" id="{B5E1F1AB-C643-8CA8-B494-3A22151853AA}"/>
               </a:ext>
             </a:extLst>
           </p:cNvPr>
@@ -14620,7 +14682,7 @@
           <p:cNvPr id="3" name="Espaço Reservado para Conteúdo 2">
             <a:extLst>
               <a:ext uri="{FF2B5EF4-FFF2-40B4-BE49-F238E27FC236}">
-                <a16:creationId xmlns:a16="http://schemas.microsoft.com/office/drawing/2014/main" id="{47C94803-E095-0DF4-A4B8-28EFA09F889B}"/>
+                <a16:creationId xmlns:a16="http://schemas.microsoft.com/office/drawing/2014/main" xmlns="" id="{47C94803-E095-0DF4-A4B8-28EFA09F889B}"/>
               </a:ext>
             </a:extLst>
           </p:cNvPr>
@@ -14639,13 +14701,21 @@
         </p:spPr>
         <p:txBody>
           <a:bodyPr>
-            <a:normAutofit fontScale="92500" lnSpcReduction="10000"/>
+            <a:normAutofit fontScale="92500" lnSpcReduction="20000"/>
           </a:bodyPr>
           <a:lstStyle/>
           <a:p>
             <a:r>
               <a:rPr lang="pt-BR" dirty="0"/>
-              <a:t>Polinômios com ordem &gt; 2 tendem a produzir </a:t>
+              <a:t>Polinômios com ordem </a:t>
+            </a:r>
+            <a:r>
+              <a:rPr lang="pt-BR" dirty="0" smtClean="0"/>
+              <a:t>maior do que </a:t>
+            </a:r>
+            <a:r>
+              <a:rPr lang="pt-BR" dirty="0"/>
+              <a:t>2 tendem a produzir </a:t>
             </a:r>
             <a:r>
               <a:rPr lang="pt-BR" b="1" i="1" dirty="0"/>
@@ -14653,7 +14723,19 @@
             </a:r>
             <a:r>
               <a:rPr lang="pt-BR" dirty="0"/>
-              <a:t>dos exemplos disponíveis, ou seja, o modelo acaba </a:t>
+              <a:t>dos exemplos disponíveis, </a:t>
+            </a:r>
+            <a:r>
+              <a:rPr lang="pt-BR" dirty="0" smtClean="0"/>
+              <a:t>i.e.</a:t>
+            </a:r>
+            <a:r>
+              <a:rPr lang="pt-BR" dirty="0" smtClean="0"/>
+              <a:t>, </a:t>
+            </a:r>
+            <a:r>
+              <a:rPr lang="pt-BR" dirty="0"/>
+              <a:t>o modelo acaba </a:t>
             </a:r>
             <a:r>
               <a:rPr lang="pt-BR" b="1" i="1" dirty="0"/>
@@ -14661,8 +14743,19 @@
             </a:r>
             <a:r>
               <a:rPr lang="pt-BR" dirty="0"/>
-              <a:t> os exemplos de treinamento.</a:t>
-            </a:r>
+              <a:t> os exemplos de treinamento</a:t>
+            </a:r>
+            <a:r>
+              <a:rPr lang="pt-BR" dirty="0" smtClean="0"/>
+              <a:t>.</a:t>
+            </a:r>
+          </a:p>
+          <a:p>
+            <a:r>
+              <a:rPr lang="pt-BR" dirty="0" smtClean="0"/>
+              <a:t>O erro para as amostras do conjunto de treinamento é muito baixo.</a:t>
+            </a:r>
+            <a:endParaRPr lang="pt-BR" dirty="0"/>
           </a:p>
           <a:p>
             <a:r>
@@ -14681,8 +14774,13 @@
             </a:r>
             <a:r>
               <a:rPr lang="pt-BR" dirty="0"/>
-              <a:t>quando forem apresentados a exemplos de validação (i.e., dados não vistos durante o treinamento).</a:t>
-            </a:r>
+              <a:t>quando forem apresentados a exemplos de </a:t>
+            </a:r>
+            <a:r>
+              <a:rPr lang="pt-BR" dirty="0" smtClean="0"/>
+              <a:t>validação.</a:t>
+            </a:r>
+            <a:endParaRPr lang="pt-BR" dirty="0"/>
           </a:p>
           <a:p>
             <a:r>
@@ -14729,7 +14827,7 @@
           <p:cNvPr id="4" name="Picture 7">
             <a:extLst>
               <a:ext uri="{FF2B5EF4-FFF2-40B4-BE49-F238E27FC236}">
-                <a16:creationId xmlns:a16="http://schemas.microsoft.com/office/drawing/2014/main" id="{686CFFCF-B4C0-6031-A3F9-BDD3671AA92B}"/>
+                <a16:creationId xmlns:a16="http://schemas.microsoft.com/office/drawing/2014/main" xmlns="" id="{686CFFCF-B4C0-6031-A3F9-BDD3671AA92B}"/>
               </a:ext>
             </a:extLst>
           </p:cNvPr>
@@ -14764,7 +14862,7 @@
           <p:cNvPr id="5" name="Picture 8">
             <a:extLst>
               <a:ext uri="{FF2B5EF4-FFF2-40B4-BE49-F238E27FC236}">
-                <a16:creationId xmlns:a16="http://schemas.microsoft.com/office/drawing/2014/main" id="{62E64144-AD82-0AED-F7C8-8A5D6FB092BD}"/>
+                <a16:creationId xmlns:a16="http://schemas.microsoft.com/office/drawing/2014/main" xmlns="" id="{62E64144-AD82-0AED-F7C8-8A5D6FB092BD}"/>
               </a:ext>
             </a:extLst>
           </p:cNvPr>
@@ -14799,7 +14897,7 @@
           <p:cNvPr id="6" name="TextBox 10">
             <a:extLst>
               <a:ext uri="{FF2B5EF4-FFF2-40B4-BE49-F238E27FC236}">
-                <a16:creationId xmlns:a16="http://schemas.microsoft.com/office/drawing/2014/main" id="{60B6D3DA-583A-65BA-3348-A244C353A168}"/>
+                <a16:creationId xmlns:a16="http://schemas.microsoft.com/office/drawing/2014/main" xmlns="" id="{60B6D3DA-583A-65BA-3348-A244C353A168}"/>
               </a:ext>
             </a:extLst>
           </p:cNvPr>
@@ -14835,7 +14933,7 @@
           <p:cNvPr id="7" name="TextBox 11">
             <a:extLst>
               <a:ext uri="{FF2B5EF4-FFF2-40B4-BE49-F238E27FC236}">
-                <a16:creationId xmlns:a16="http://schemas.microsoft.com/office/drawing/2014/main" id="{C50CFD9A-3DA6-D8AE-AE1B-FEB254C94178}"/>
+                <a16:creationId xmlns:a16="http://schemas.microsoft.com/office/drawing/2014/main" xmlns="" id="{C50CFD9A-3DA6-D8AE-AE1B-FEB254C94178}"/>
               </a:ext>
             </a:extLst>
           </p:cNvPr>
@@ -14871,7 +14969,7 @@
           <p:cNvPr id="8" name="TextBox 12">
             <a:extLst>
               <a:ext uri="{FF2B5EF4-FFF2-40B4-BE49-F238E27FC236}">
-                <a16:creationId xmlns:a16="http://schemas.microsoft.com/office/drawing/2014/main" id="{EE78AF17-C30B-47AD-76C3-DC9A949D6734}"/>
+                <a16:creationId xmlns:a16="http://schemas.microsoft.com/office/drawing/2014/main" xmlns="" id="{EE78AF17-C30B-47AD-76C3-DC9A949D6734}"/>
               </a:ext>
             </a:extLst>
           </p:cNvPr>
@@ -14911,7 +15009,7 @@
           <p:cNvPr id="9" name="Picture 6">
             <a:extLst>
               <a:ext uri="{FF2B5EF4-FFF2-40B4-BE49-F238E27FC236}">
-                <a16:creationId xmlns:a16="http://schemas.microsoft.com/office/drawing/2014/main" id="{7F48D377-FC39-DA3C-AC16-1449B52E6A4C}"/>
+                <a16:creationId xmlns:a16="http://schemas.microsoft.com/office/drawing/2014/main" xmlns="" id="{7F48D377-FC39-DA3C-AC16-1449B52E6A4C}"/>
               </a:ext>
             </a:extLst>
           </p:cNvPr>
@@ -14946,7 +15044,7 @@
           <p:cNvPr id="10" name="TextBox 9">
             <a:extLst>
               <a:ext uri="{FF2B5EF4-FFF2-40B4-BE49-F238E27FC236}">
-                <a16:creationId xmlns:a16="http://schemas.microsoft.com/office/drawing/2014/main" id="{6D786EF8-F5D3-25D8-4749-140E3D2BCE3B}"/>
+                <a16:creationId xmlns:a16="http://schemas.microsoft.com/office/drawing/2014/main" xmlns="" id="{6D786EF8-F5D3-25D8-4749-140E3D2BCE3B}"/>
               </a:ext>
             </a:extLst>
           </p:cNvPr>
@@ -15012,7 +15110,7 @@
           <p:cNvPr id="2" name="Título 1">
             <a:extLst>
               <a:ext uri="{FF2B5EF4-FFF2-40B4-BE49-F238E27FC236}">
-                <a16:creationId xmlns:a16="http://schemas.microsoft.com/office/drawing/2014/main" id="{948DA561-C103-476F-5F15-EAC4785B2DE1}"/>
+                <a16:creationId xmlns:a16="http://schemas.microsoft.com/office/drawing/2014/main" xmlns="" id="{948DA561-C103-476F-5F15-EAC4785B2DE1}"/>
               </a:ext>
             </a:extLst>
           </p:cNvPr>
@@ -15040,7 +15138,7 @@
           <p:cNvPr id="3" name="Espaço Reservado para Conteúdo 2">
             <a:extLst>
               <a:ext uri="{FF2B5EF4-FFF2-40B4-BE49-F238E27FC236}">
-                <a16:creationId xmlns:a16="http://schemas.microsoft.com/office/drawing/2014/main" id="{148CD074-A973-0614-EEBE-59869854BB40}"/>
+                <a16:creationId xmlns:a16="http://schemas.microsoft.com/office/drawing/2014/main" xmlns="" id="{148CD074-A973-0614-EEBE-59869854BB40}"/>
               </a:ext>
             </a:extLst>
           </p:cNvPr>
@@ -15075,12 +15173,17 @@
             </a:r>
             <a:r>
               <a:rPr lang="pt-BR" b="1" i="1" dirty="0"/>
-              <a:t>mapeamento verdadeiro devido a falta de capacidade</a:t>
-            </a:r>
-            <a:r>
-              <a:rPr lang="pt-BR" dirty="0"/>
+              <a:t>mapeamento verdadeiro devido a falta de </a:t>
+            </a:r>
+            <a:r>
+              <a:rPr lang="pt-BR" b="1" i="1" dirty="0" smtClean="0"/>
+              <a:t>flexibilidade (ou capacidade)</a:t>
+            </a:r>
+            <a:r>
+              <a:rPr lang="pt-BR" dirty="0" smtClean="0"/>
               <a:t>. </a:t>
             </a:r>
+            <a:endParaRPr lang="pt-BR" dirty="0"/>
           </a:p>
           <a:p>
             <a:pPr lvl="1">
@@ -15089,8 +15192,17 @@
             </a:pPr>
             <a:r>
               <a:rPr lang="pt-BR" dirty="0"/>
-              <a:t>Ocorre devido ao baixo grau de flexibilidade do modelo.</a:t>
-            </a:r>
+              <a:t>Ocorre devido </a:t>
+            </a:r>
+            <a:r>
+              <a:rPr lang="pt-BR" dirty="0" smtClean="0"/>
+              <a:t>ao modelo não ter graus de liberdade suficientes para a aproximação</a:t>
+            </a:r>
+            <a:r>
+              <a:rPr lang="pt-BR" dirty="0" smtClean="0"/>
+              <a:t>.</a:t>
+            </a:r>
+            <a:endParaRPr lang="pt-BR" dirty="0"/>
           </a:p>
           <a:p>
             <a:pPr lvl="1">
@@ -15160,7 +15272,7 @@
           <p:cNvPr id="2" name="Título 1">
             <a:extLst>
               <a:ext uri="{FF2B5EF4-FFF2-40B4-BE49-F238E27FC236}">
-                <a16:creationId xmlns:a16="http://schemas.microsoft.com/office/drawing/2014/main" id="{8DE43A85-BE08-CCCE-F2FF-3993CA1F9727}"/>
+                <a16:creationId xmlns:a16="http://schemas.microsoft.com/office/drawing/2014/main" xmlns="" id="{8DE43A85-BE08-CCCE-F2FF-3993CA1F9727}"/>
               </a:ext>
             </a:extLst>
           </p:cNvPr>
@@ -15188,7 +15300,7 @@
           <p:cNvPr id="3" name="Espaço Reservado para Conteúdo 2">
             <a:extLst>
               <a:ext uri="{FF2B5EF4-FFF2-40B4-BE49-F238E27FC236}">
-                <a16:creationId xmlns:a16="http://schemas.microsoft.com/office/drawing/2014/main" id="{E65A8250-029F-88A1-6088-A9E25EC5120D}"/>
+                <a16:creationId xmlns:a16="http://schemas.microsoft.com/office/drawing/2014/main" xmlns="" id="{E65A8250-029F-88A1-6088-A9E25EC5120D}"/>
               </a:ext>
             </a:extLst>
           </p:cNvPr>
@@ -15670,7 +15782,7 @@
           <p:cNvPr id="4" name="Título 1">
             <a:extLst>
               <a:ext uri="{FF2B5EF4-FFF2-40B4-BE49-F238E27FC236}">
-                <a16:creationId xmlns:a16="http://schemas.microsoft.com/office/drawing/2014/main" id="{32666AC8-2E17-4DB4-B0F5-60C640CCFD2E}"/>
+                <a16:creationId xmlns:a16="http://schemas.microsoft.com/office/drawing/2014/main" xmlns="" id="{32666AC8-2E17-4DB4-B0F5-60C640CCFD2E}"/>
               </a:ext>
             </a:extLst>
           </p:cNvPr>
@@ -15755,7 +15867,7 @@
           <p:cNvPr id="2050" name="Picture 2" descr="https://miro.medium.com/max/302/1*MpLkcugbeMrJvFlz69LTNQ.jpeg">
             <a:extLst>
               <a:ext uri="{FF2B5EF4-FFF2-40B4-BE49-F238E27FC236}">
-                <a16:creationId xmlns:a16="http://schemas.microsoft.com/office/drawing/2014/main" id="{DE195D4C-7D53-46C2-BDD9-033809B4E028}"/>
+                <a16:creationId xmlns:a16="http://schemas.microsoft.com/office/drawing/2014/main" xmlns="" id="{DE195D4C-7D53-46C2-BDD9-033809B4E028}"/>
               </a:ext>
             </a:extLst>
           </p:cNvPr>
@@ -15802,7 +15914,7 @@
           <p:cNvPr id="2052" name="Picture 4" descr="https://miro.medium.com/max/426/1*iRv8pCP7v8FzVJNe2vAjdw.png">
             <a:extLst>
               <a:ext uri="{FF2B5EF4-FFF2-40B4-BE49-F238E27FC236}">
-                <a16:creationId xmlns:a16="http://schemas.microsoft.com/office/drawing/2014/main" id="{76F9F526-3C2B-485C-9E25-3D10B3E3B0C3}"/>
+                <a16:creationId xmlns:a16="http://schemas.microsoft.com/office/drawing/2014/main" xmlns="" id="{76F9F526-3C2B-485C-9E25-3D10B3E3B0C3}"/>
               </a:ext>
             </a:extLst>
           </p:cNvPr>
@@ -15849,7 +15961,7 @@
           <p:cNvPr id="2054" name="Picture 6" descr="https://miro.medium.com/max/194/1*JugKARhlrp9HLTF5_lN7EQ.jpeg">
             <a:extLst>
               <a:ext uri="{FF2B5EF4-FFF2-40B4-BE49-F238E27FC236}">
-                <a16:creationId xmlns:a16="http://schemas.microsoft.com/office/drawing/2014/main" id="{50D99301-1821-4F05-A553-E371FA6728F0}"/>
+                <a16:creationId xmlns:a16="http://schemas.microsoft.com/office/drawing/2014/main" xmlns="" id="{50D99301-1821-4F05-A553-E371FA6728F0}"/>
               </a:ext>
             </a:extLst>
           </p:cNvPr>
@@ -15920,7 +16032,7 @@
           <p:cNvPr id="3" name="Picture 3" descr="A close up of text on a black background&#10;&#10;Description generated with very high confidence">
             <a:extLst>
               <a:ext uri="{FF2B5EF4-FFF2-40B4-BE49-F238E27FC236}">
-                <a16:creationId xmlns:a16="http://schemas.microsoft.com/office/drawing/2014/main" id="{2A0DF154-7178-4F01-A59C-CD7D1EB3AD92}"/>
+                <a16:creationId xmlns:a16="http://schemas.microsoft.com/office/drawing/2014/main" xmlns="" id="{2A0DF154-7178-4F01-A59C-CD7D1EB3AD92}"/>
               </a:ext>
             </a:extLst>
           </p:cNvPr>
@@ -16021,7 +16133,7 @@
           <p:cNvPr id="4" name="Título 1">
             <a:extLst>
               <a:ext uri="{FF2B5EF4-FFF2-40B4-BE49-F238E27FC236}">
-                <a16:creationId xmlns:a16="http://schemas.microsoft.com/office/drawing/2014/main" id="{32666AC8-2E17-4DB4-B0F5-60C640CCFD2E}"/>
+                <a16:creationId xmlns:a16="http://schemas.microsoft.com/office/drawing/2014/main" xmlns="" id="{32666AC8-2E17-4DB4-B0F5-60C640CCFD2E}"/>
               </a:ext>
             </a:extLst>
           </p:cNvPr>
@@ -16106,7 +16218,7 @@
           <p:cNvPr id="16" name="Agrupar 15">
             <a:extLst>
               <a:ext uri="{FF2B5EF4-FFF2-40B4-BE49-F238E27FC236}">
-                <a16:creationId xmlns:a16="http://schemas.microsoft.com/office/drawing/2014/main" id="{625096D0-F588-135D-F792-88270DDED768}"/>
+                <a16:creationId xmlns:a16="http://schemas.microsoft.com/office/drawing/2014/main" xmlns="" id="{625096D0-F588-135D-F792-88270DDED768}"/>
               </a:ext>
             </a:extLst>
           </p:cNvPr>
@@ -16922,7 +17034,7 @@
             <p:cNvPr id="15" name="Multiply 134">
               <a:extLst>
                 <a:ext uri="{FF2B5EF4-FFF2-40B4-BE49-F238E27FC236}">
-                  <a16:creationId xmlns:a16="http://schemas.microsoft.com/office/drawing/2014/main" id="{FA9070BF-71F6-1E79-9102-A7B4206F9C0D}"/>
+                  <a16:creationId xmlns:a16="http://schemas.microsoft.com/office/drawing/2014/main" xmlns="" id="{FA9070BF-71F6-1E79-9102-A7B4206F9C0D}"/>
                 </a:ext>
               </a:extLst>
             </p:cNvPr>
@@ -16979,7 +17091,7 @@
           <p:cNvPr id="62" name="Agrupar 61">
             <a:extLst>
               <a:ext uri="{FF2B5EF4-FFF2-40B4-BE49-F238E27FC236}">
-                <a16:creationId xmlns:a16="http://schemas.microsoft.com/office/drawing/2014/main" id="{0B221044-5B56-2889-43EF-6B1CDF9732B4}"/>
+                <a16:creationId xmlns:a16="http://schemas.microsoft.com/office/drawing/2014/main" xmlns="" id="{0B221044-5B56-2889-43EF-6B1CDF9732B4}"/>
               </a:ext>
             </a:extLst>
           </p:cNvPr>
@@ -17611,7 +17723,7 @@
             <p:cNvPr id="17" name="Oval 10">
               <a:extLst>
                 <a:ext uri="{FF2B5EF4-FFF2-40B4-BE49-F238E27FC236}">
-                  <a16:creationId xmlns:a16="http://schemas.microsoft.com/office/drawing/2014/main" id="{C5B5E787-9046-A8D9-E7D1-5D4F0F774AE9}"/>
+                  <a16:creationId xmlns:a16="http://schemas.microsoft.com/office/drawing/2014/main" xmlns="" id="{C5B5E787-9046-A8D9-E7D1-5D4F0F774AE9}"/>
                 </a:ext>
               </a:extLst>
             </p:cNvPr>
@@ -17665,7 +17777,7 @@
             <p:cNvPr id="18" name="Oval 10">
               <a:extLst>
                 <a:ext uri="{FF2B5EF4-FFF2-40B4-BE49-F238E27FC236}">
-                  <a16:creationId xmlns:a16="http://schemas.microsoft.com/office/drawing/2014/main" id="{42CB43F5-FB51-80EF-5C81-6F708F7991E1}"/>
+                  <a16:creationId xmlns:a16="http://schemas.microsoft.com/office/drawing/2014/main" xmlns="" id="{42CB43F5-FB51-80EF-5C81-6F708F7991E1}"/>
                 </a:ext>
               </a:extLst>
             </p:cNvPr>
@@ -17719,7 +17831,7 @@
             <p:cNvPr id="19" name="Oval 10">
               <a:extLst>
                 <a:ext uri="{FF2B5EF4-FFF2-40B4-BE49-F238E27FC236}">
-                  <a16:creationId xmlns:a16="http://schemas.microsoft.com/office/drawing/2014/main" id="{AAE2207E-9F50-E819-1233-3BBA843ECB46}"/>
+                  <a16:creationId xmlns:a16="http://schemas.microsoft.com/office/drawing/2014/main" xmlns="" id="{AAE2207E-9F50-E819-1233-3BBA843ECB46}"/>
                 </a:ext>
               </a:extLst>
             </p:cNvPr>
@@ -17773,7 +17885,7 @@
             <p:cNvPr id="21" name="Straight Connector 114">
               <a:extLst>
                 <a:ext uri="{FF2B5EF4-FFF2-40B4-BE49-F238E27FC236}">
-                  <a16:creationId xmlns:a16="http://schemas.microsoft.com/office/drawing/2014/main" id="{28160BF7-2A1F-941C-9948-66C13C80463E}"/>
+                  <a16:creationId xmlns:a16="http://schemas.microsoft.com/office/drawing/2014/main" xmlns="" id="{28160BF7-2A1F-941C-9948-66C13C80463E}"/>
                 </a:ext>
               </a:extLst>
             </p:cNvPr>
@@ -17818,7 +17930,7 @@
             <p:cNvPr id="29" name="Straight Connector 114">
               <a:extLst>
                 <a:ext uri="{FF2B5EF4-FFF2-40B4-BE49-F238E27FC236}">
-                  <a16:creationId xmlns:a16="http://schemas.microsoft.com/office/drawing/2014/main" id="{6DF0FBB6-1590-8715-705A-370667702000}"/>
+                  <a16:creationId xmlns:a16="http://schemas.microsoft.com/office/drawing/2014/main" xmlns="" id="{6DF0FBB6-1590-8715-705A-370667702000}"/>
                 </a:ext>
               </a:extLst>
             </p:cNvPr>
@@ -17862,7 +17974,7 @@
             <p:cNvPr id="35" name="Multiply 135">
               <a:extLst>
                 <a:ext uri="{FF2B5EF4-FFF2-40B4-BE49-F238E27FC236}">
-                  <a16:creationId xmlns:a16="http://schemas.microsoft.com/office/drawing/2014/main" id="{6A8BAF8A-C188-F13D-2BA2-DD7FF36B717E}"/>
+                  <a16:creationId xmlns:a16="http://schemas.microsoft.com/office/drawing/2014/main" xmlns="" id="{6A8BAF8A-C188-F13D-2BA2-DD7FF36B717E}"/>
                 </a:ext>
               </a:extLst>
             </p:cNvPr>
@@ -17918,7 +18030,7 @@
             <p:cNvPr id="36" name="Multiply 135">
               <a:extLst>
                 <a:ext uri="{FF2B5EF4-FFF2-40B4-BE49-F238E27FC236}">
-                  <a16:creationId xmlns:a16="http://schemas.microsoft.com/office/drawing/2014/main" id="{2FFEA082-476F-F47F-9403-C82507E32603}"/>
+                  <a16:creationId xmlns:a16="http://schemas.microsoft.com/office/drawing/2014/main" xmlns="" id="{2FFEA082-476F-F47F-9403-C82507E32603}"/>
                 </a:ext>
               </a:extLst>
             </p:cNvPr>
@@ -17974,7 +18086,7 @@
             <p:cNvPr id="37" name="Multiply 135">
               <a:extLst>
                 <a:ext uri="{FF2B5EF4-FFF2-40B4-BE49-F238E27FC236}">
-                  <a16:creationId xmlns:a16="http://schemas.microsoft.com/office/drawing/2014/main" id="{75C82D09-9C51-CAEE-3DF6-CF1BE01CBB77}"/>
+                  <a16:creationId xmlns:a16="http://schemas.microsoft.com/office/drawing/2014/main" xmlns="" id="{75C82D09-9C51-CAEE-3DF6-CF1BE01CBB77}"/>
                 </a:ext>
               </a:extLst>
             </p:cNvPr>
@@ -18030,7 +18142,7 @@
             <p:cNvPr id="38" name="Multiply 135">
               <a:extLst>
                 <a:ext uri="{FF2B5EF4-FFF2-40B4-BE49-F238E27FC236}">
-                  <a16:creationId xmlns:a16="http://schemas.microsoft.com/office/drawing/2014/main" id="{DA70EC8E-34FF-8186-C9A7-9F45CB21EEDA}"/>
+                  <a16:creationId xmlns:a16="http://schemas.microsoft.com/office/drawing/2014/main" xmlns="" id="{DA70EC8E-34FF-8186-C9A7-9F45CB21EEDA}"/>
                 </a:ext>
               </a:extLst>
             </p:cNvPr>
@@ -18086,7 +18198,7 @@
             <p:cNvPr id="39" name="Multiply 135">
               <a:extLst>
                 <a:ext uri="{FF2B5EF4-FFF2-40B4-BE49-F238E27FC236}">
-                  <a16:creationId xmlns:a16="http://schemas.microsoft.com/office/drawing/2014/main" id="{AF59EBE3-2E1C-ACE0-D900-8C24AFDD2370}"/>
+                  <a16:creationId xmlns:a16="http://schemas.microsoft.com/office/drawing/2014/main" xmlns="" id="{AF59EBE3-2E1C-ACE0-D900-8C24AFDD2370}"/>
                 </a:ext>
               </a:extLst>
             </p:cNvPr>
@@ -18142,7 +18254,7 @@
             <p:cNvPr id="40" name="Multiply 135">
               <a:extLst>
                 <a:ext uri="{FF2B5EF4-FFF2-40B4-BE49-F238E27FC236}">
-                  <a16:creationId xmlns:a16="http://schemas.microsoft.com/office/drawing/2014/main" id="{C24E26BB-1207-A4B7-A858-9CC5EDFCDFC7}"/>
+                  <a16:creationId xmlns:a16="http://schemas.microsoft.com/office/drawing/2014/main" xmlns="" id="{C24E26BB-1207-A4B7-A858-9CC5EDFCDFC7}"/>
                 </a:ext>
               </a:extLst>
             </p:cNvPr>
@@ -18198,7 +18310,7 @@
             <p:cNvPr id="41" name="Multiply 135">
               <a:extLst>
                 <a:ext uri="{FF2B5EF4-FFF2-40B4-BE49-F238E27FC236}">
-                  <a16:creationId xmlns:a16="http://schemas.microsoft.com/office/drawing/2014/main" id="{A878CEF6-6CC0-D0A3-D355-9FB6DCEE97BD}"/>
+                  <a16:creationId xmlns:a16="http://schemas.microsoft.com/office/drawing/2014/main" xmlns="" id="{A878CEF6-6CC0-D0A3-D355-9FB6DCEE97BD}"/>
                 </a:ext>
               </a:extLst>
             </p:cNvPr>
@@ -18254,7 +18366,7 @@
             <p:cNvPr id="42" name="Multiply 135">
               <a:extLst>
                 <a:ext uri="{FF2B5EF4-FFF2-40B4-BE49-F238E27FC236}">
-                  <a16:creationId xmlns:a16="http://schemas.microsoft.com/